--- a/竹田.pptx
+++ b/竹田.pptx
@@ -15,60 +15,61 @@
     <p:sldId id="260" r:id="rId9"/>
     <p:sldId id="565" r:id="rId10"/>
     <p:sldId id="262" r:id="rId11"/>
-    <p:sldId id="263" r:id="rId12"/>
-    <p:sldId id="269" r:id="rId13"/>
-    <p:sldId id="270" r:id="rId14"/>
-    <p:sldId id="271" r:id="rId15"/>
-    <p:sldId id="272" r:id="rId16"/>
-    <p:sldId id="273" r:id="rId17"/>
-    <p:sldId id="274" r:id="rId18"/>
-    <p:sldId id="264" r:id="rId19"/>
-    <p:sldId id="265" r:id="rId20"/>
-    <p:sldId id="266" r:id="rId21"/>
-    <p:sldId id="626" r:id="rId22"/>
-    <p:sldId id="569" r:id="rId23"/>
-    <p:sldId id="571" r:id="rId24"/>
-    <p:sldId id="573" r:id="rId25"/>
-    <p:sldId id="574" r:id="rId26"/>
-    <p:sldId id="627" r:id="rId27"/>
-    <p:sldId id="628" r:id="rId28"/>
-    <p:sldId id="629" r:id="rId29"/>
-    <p:sldId id="576" r:id="rId30"/>
-    <p:sldId id="579" r:id="rId31"/>
-    <p:sldId id="580" r:id="rId32"/>
-    <p:sldId id="581" r:id="rId33"/>
-    <p:sldId id="588" r:id="rId34"/>
-    <p:sldId id="589" r:id="rId35"/>
-    <p:sldId id="591" r:id="rId36"/>
-    <p:sldId id="590" r:id="rId37"/>
-    <p:sldId id="592" r:id="rId38"/>
-    <p:sldId id="594" r:id="rId39"/>
-    <p:sldId id="607" r:id="rId40"/>
-    <p:sldId id="610" r:id="rId41"/>
-    <p:sldId id="630" r:id="rId42"/>
-    <p:sldId id="611" r:id="rId43"/>
-    <p:sldId id="616" r:id="rId44"/>
-    <p:sldId id="609" r:id="rId45"/>
-    <p:sldId id="578" r:id="rId46"/>
-    <p:sldId id="621" r:id="rId47"/>
-    <p:sldId id="561" r:id="rId48"/>
-    <p:sldId id="562" r:id="rId49"/>
-    <p:sldId id="563" r:id="rId50"/>
-    <p:sldId id="564" r:id="rId51"/>
-    <p:sldId id="566" r:id="rId52"/>
-    <p:sldId id="568" r:id="rId53"/>
-    <p:sldId id="620" r:id="rId54"/>
-    <p:sldId id="619" r:id="rId55"/>
-    <p:sldId id="587" r:id="rId56"/>
-    <p:sldId id="596" r:id="rId57"/>
-    <p:sldId id="597" r:id="rId58"/>
-    <p:sldId id="598" r:id="rId59"/>
-    <p:sldId id="601" r:id="rId60"/>
-    <p:sldId id="602" r:id="rId61"/>
-    <p:sldId id="603" r:id="rId62"/>
-    <p:sldId id="604" r:id="rId63"/>
-    <p:sldId id="606" r:id="rId64"/>
-    <p:sldId id="608" r:id="rId65"/>
+    <p:sldId id="631" r:id="rId12"/>
+    <p:sldId id="263" r:id="rId13"/>
+    <p:sldId id="269" r:id="rId14"/>
+    <p:sldId id="270" r:id="rId15"/>
+    <p:sldId id="271" r:id="rId16"/>
+    <p:sldId id="272" r:id="rId17"/>
+    <p:sldId id="273" r:id="rId18"/>
+    <p:sldId id="274" r:id="rId19"/>
+    <p:sldId id="264" r:id="rId20"/>
+    <p:sldId id="265" r:id="rId21"/>
+    <p:sldId id="266" r:id="rId22"/>
+    <p:sldId id="626" r:id="rId23"/>
+    <p:sldId id="569" r:id="rId24"/>
+    <p:sldId id="571" r:id="rId25"/>
+    <p:sldId id="573" r:id="rId26"/>
+    <p:sldId id="574" r:id="rId27"/>
+    <p:sldId id="627" r:id="rId28"/>
+    <p:sldId id="628" r:id="rId29"/>
+    <p:sldId id="629" r:id="rId30"/>
+    <p:sldId id="576" r:id="rId31"/>
+    <p:sldId id="579" r:id="rId32"/>
+    <p:sldId id="580" r:id="rId33"/>
+    <p:sldId id="581" r:id="rId34"/>
+    <p:sldId id="588" r:id="rId35"/>
+    <p:sldId id="589" r:id="rId36"/>
+    <p:sldId id="591" r:id="rId37"/>
+    <p:sldId id="590" r:id="rId38"/>
+    <p:sldId id="592" r:id="rId39"/>
+    <p:sldId id="594" r:id="rId40"/>
+    <p:sldId id="607" r:id="rId41"/>
+    <p:sldId id="610" r:id="rId42"/>
+    <p:sldId id="630" r:id="rId43"/>
+    <p:sldId id="611" r:id="rId44"/>
+    <p:sldId id="616" r:id="rId45"/>
+    <p:sldId id="609" r:id="rId46"/>
+    <p:sldId id="578" r:id="rId47"/>
+    <p:sldId id="621" r:id="rId48"/>
+    <p:sldId id="561" r:id="rId49"/>
+    <p:sldId id="562" r:id="rId50"/>
+    <p:sldId id="563" r:id="rId51"/>
+    <p:sldId id="564" r:id="rId52"/>
+    <p:sldId id="566" r:id="rId53"/>
+    <p:sldId id="568" r:id="rId54"/>
+    <p:sldId id="620" r:id="rId55"/>
+    <p:sldId id="619" r:id="rId56"/>
+    <p:sldId id="587" r:id="rId57"/>
+    <p:sldId id="596" r:id="rId58"/>
+    <p:sldId id="597" r:id="rId59"/>
+    <p:sldId id="598" r:id="rId60"/>
+    <p:sldId id="601" r:id="rId61"/>
+    <p:sldId id="602" r:id="rId62"/>
+    <p:sldId id="603" r:id="rId63"/>
+    <p:sldId id="604" r:id="rId64"/>
+    <p:sldId id="606" r:id="rId65"/>
+    <p:sldId id="608" r:id="rId66"/>
   </p:sldIdLst>
   <p:sldSz cx="12192000" cy="6858000"/>
   <p:notesSz cx="6858000" cy="9144000"/>
@@ -363,7 +364,7 @@
           <a:p>
             <a:fld id="{C8659C27-364E-C74E-8EB0-0FFA61AB3438}" type="datetimeFigureOut">
               <a:rPr kumimoji="1" lang="ja-JP" altLang="en-US" smtClean="0"/>
-              <a:t>2021/12/22</a:t>
+              <a:t>2022/1/4</a:t>
             </a:fld>
             <a:endParaRPr kumimoji="1" lang="ja-JP" altLang="en-US"/>
           </a:p>
@@ -738,7 +739,7 @@
           <a:p>
             <a:fld id="{C8659C27-364E-C74E-8EB0-0FFA61AB3438}" type="datetimeFigureOut">
               <a:rPr kumimoji="1" lang="ja-JP" altLang="en-US" smtClean="0"/>
-              <a:t>2021/12/22</a:t>
+              <a:t>2022/1/4</a:t>
             </a:fld>
             <a:endParaRPr kumimoji="1" lang="ja-JP" altLang="en-US"/>
           </a:p>
@@ -1213,7 +1214,7 @@
           <a:p>
             <a:fld id="{C8659C27-364E-C74E-8EB0-0FFA61AB3438}" type="datetimeFigureOut">
               <a:rPr kumimoji="1" lang="ja-JP" altLang="en-US" smtClean="0"/>
-              <a:t>2021/12/22</a:t>
+              <a:t>2022/1/4</a:t>
             </a:fld>
             <a:endParaRPr kumimoji="1" lang="ja-JP" altLang="en-US"/>
           </a:p>
@@ -1586,7 +1587,7 @@
           <a:p>
             <a:fld id="{C8659C27-364E-C74E-8EB0-0FFA61AB3438}" type="datetimeFigureOut">
               <a:rPr kumimoji="1" lang="ja-JP" altLang="en-US" smtClean="0"/>
-              <a:t>2021/12/22</a:t>
+              <a:t>2022/1/4</a:t>
             </a:fld>
             <a:endParaRPr kumimoji="1" lang="ja-JP" altLang="en-US"/>
           </a:p>
@@ -1980,7 +1981,7 @@
           <a:p>
             <a:fld id="{C8659C27-364E-C74E-8EB0-0FFA61AB3438}" type="datetimeFigureOut">
               <a:rPr kumimoji="1" lang="ja-JP" altLang="en-US" smtClean="0"/>
-              <a:t>2021/12/22</a:t>
+              <a:t>2022/1/4</a:t>
             </a:fld>
             <a:endParaRPr kumimoji="1" lang="ja-JP" altLang="en-US"/>
           </a:p>
@@ -2450,7 +2451,7 @@
           <a:p>
             <a:fld id="{C8659C27-364E-C74E-8EB0-0FFA61AB3438}" type="datetimeFigureOut">
               <a:rPr kumimoji="1" lang="ja-JP" altLang="en-US" smtClean="0"/>
-              <a:t>2021/12/22</a:t>
+              <a:t>2022/1/4</a:t>
             </a:fld>
             <a:endParaRPr kumimoji="1" lang="ja-JP" altLang="en-US"/>
           </a:p>
@@ -2715,7 +2716,7 @@
           <a:p>
             <a:fld id="{C8659C27-364E-C74E-8EB0-0FFA61AB3438}" type="datetimeFigureOut">
               <a:rPr kumimoji="1" lang="ja-JP" altLang="en-US" smtClean="0"/>
-              <a:t>2021/12/22</a:t>
+              <a:t>2022/1/4</a:t>
             </a:fld>
             <a:endParaRPr kumimoji="1" lang="ja-JP" altLang="en-US"/>
           </a:p>
@@ -2985,7 +2986,7 @@
           <a:p>
             <a:fld id="{C8659C27-364E-C74E-8EB0-0FFA61AB3438}" type="datetimeFigureOut">
               <a:rPr kumimoji="1" lang="ja-JP" altLang="en-US" smtClean="0"/>
-              <a:t>2021/12/22</a:t>
+              <a:t>2022/1/4</a:t>
             </a:fld>
             <a:endParaRPr kumimoji="1" lang="ja-JP" altLang="en-US"/>
           </a:p>
@@ -3255,7 +3256,7 @@
           <a:p>
             <a:fld id="{C8659C27-364E-C74E-8EB0-0FFA61AB3438}" type="datetimeFigureOut">
               <a:rPr kumimoji="1" lang="ja-JP" altLang="en-US" smtClean="0"/>
-              <a:t>2021/12/22</a:t>
+              <a:t>2022/1/4</a:t>
             </a:fld>
             <a:endParaRPr kumimoji="1" lang="ja-JP" altLang="en-US"/>
           </a:p>
@@ -3621,7 +3622,7 @@
           <a:p>
             <a:fld id="{C8659C27-364E-C74E-8EB0-0FFA61AB3438}" type="datetimeFigureOut">
               <a:rPr kumimoji="1" lang="ja-JP" altLang="en-US" smtClean="0"/>
-              <a:t>2021/12/22</a:t>
+              <a:t>2022/1/4</a:t>
             </a:fld>
             <a:endParaRPr kumimoji="1" lang="ja-JP" altLang="en-US"/>
           </a:p>
@@ -3960,7 +3961,7 @@
           <a:p>
             <a:fld id="{C8659C27-364E-C74E-8EB0-0FFA61AB3438}" type="datetimeFigureOut">
               <a:rPr kumimoji="1" lang="ja-JP" altLang="en-US" smtClean="0"/>
-              <a:t>2021/12/22</a:t>
+              <a:t>2022/1/4</a:t>
             </a:fld>
             <a:endParaRPr kumimoji="1" lang="ja-JP" altLang="en-US"/>
           </a:p>
@@ -4507,7 +4508,7 @@
           <a:p>
             <a:fld id="{C8659C27-364E-C74E-8EB0-0FFA61AB3438}" type="datetimeFigureOut">
               <a:rPr kumimoji="1" lang="ja-JP" altLang="en-US" smtClean="0"/>
-              <a:t>2021/12/22</a:t>
+              <a:t>2022/1/4</a:t>
             </a:fld>
             <a:endParaRPr kumimoji="1" lang="ja-JP" altLang="en-US"/>
           </a:p>
@@ -4712,7 +4713,7 @@
           <a:p>
             <a:fld id="{C8659C27-364E-C74E-8EB0-0FFA61AB3438}" type="datetimeFigureOut">
               <a:rPr kumimoji="1" lang="ja-JP" altLang="en-US" smtClean="0"/>
-              <a:t>2021/12/22</a:t>
+              <a:t>2022/1/4</a:t>
             </a:fld>
             <a:endParaRPr kumimoji="1" lang="ja-JP" altLang="en-US"/>
           </a:p>
@@ -4889,7 +4890,7 @@
           <a:p>
             <a:fld id="{C8659C27-364E-C74E-8EB0-0FFA61AB3438}" type="datetimeFigureOut">
               <a:rPr kumimoji="1" lang="ja-JP" altLang="en-US" smtClean="0"/>
-              <a:t>2021/12/22</a:t>
+              <a:t>2022/1/4</a:t>
             </a:fld>
             <a:endParaRPr kumimoji="1" lang="ja-JP" altLang="en-US"/>
           </a:p>
@@ -5267,7 +5268,7 @@
           <a:p>
             <a:fld id="{C8659C27-364E-C74E-8EB0-0FFA61AB3438}" type="datetimeFigureOut">
               <a:rPr kumimoji="1" lang="ja-JP" altLang="en-US" smtClean="0"/>
-              <a:t>2021/12/22</a:t>
+              <a:t>2022/1/4</a:t>
             </a:fld>
             <a:endParaRPr kumimoji="1" lang="ja-JP" altLang="en-US"/>
           </a:p>
@@ -5649,7 +5650,7 @@
           <a:p>
             <a:fld id="{C8659C27-364E-C74E-8EB0-0FFA61AB3438}" type="datetimeFigureOut">
               <a:rPr kumimoji="1" lang="ja-JP" altLang="en-US" smtClean="0"/>
-              <a:t>2021/12/22</a:t>
+              <a:t>2022/1/4</a:t>
             </a:fld>
             <a:endParaRPr kumimoji="1" lang="ja-JP" altLang="en-US"/>
           </a:p>
@@ -7774,7 +7775,7 @@
           <a:p>
             <a:fld id="{C8659C27-364E-C74E-8EB0-0FFA61AB3438}" type="datetimeFigureOut">
               <a:rPr kumimoji="1" lang="ja-JP" altLang="en-US" smtClean="0"/>
-              <a:t>2021/12/22</a:t>
+              <a:t>2022/1/4</a:t>
             </a:fld>
             <a:endParaRPr kumimoji="1" lang="ja-JP" altLang="en-US"/>
           </a:p>
@@ -8470,8 +8471,8 @@
           </a:p>
         </p:txBody>
       </p:sp>
-      <mc:AlternateContent xmlns:mc="http://schemas.openxmlformats.org/markup-compatibility/2006">
-        <mc:Choice xmlns:a14="http://schemas.microsoft.com/office/drawing/2010/main" Requires="a14">
+      <mc:AlternateContent xmlns:mc="http://schemas.openxmlformats.org/markup-compatibility/2006" xmlns:a14="http://schemas.microsoft.com/office/drawing/2010/main">
+        <mc:Choice Requires="a14">
           <p:sp>
             <p:nvSpPr>
               <p:cNvPr id="3" name="コンテンツ プレースホルダー 2">
@@ -8548,7 +8549,7 @@
             </p:txBody>
           </p:sp>
         </mc:Choice>
-        <mc:Fallback>
+        <mc:Fallback xmlns="">
           <p:sp>
             <p:nvSpPr>
               <p:cNvPr id="3" name="コンテンツ プレースホルダー 2">
@@ -8623,6 +8624,2924 @@
           <p:cNvPr id="2" name="タイトル 1">
             <a:extLst>
               <a:ext uri="{FF2B5EF4-FFF2-40B4-BE49-F238E27FC236}">
+                <a16:creationId xmlns:a16="http://schemas.microsoft.com/office/drawing/2014/main" id="{F1EC487D-BADB-134B-B07C-646D2DBAC991}"/>
+              </a:ext>
+            </a:extLst>
+          </p:cNvPr>
+          <p:cNvSpPr>
+            <a:spLocks noGrp="1"/>
+          </p:cNvSpPr>
+          <p:nvPr>
+            <p:ph type="title"/>
+          </p:nvPr>
+        </p:nvSpPr>
+        <p:spPr>
+          <a:xfrm>
+            <a:off x="2592925" y="624110"/>
+            <a:ext cx="8911687" cy="868514"/>
+          </a:xfrm>
+        </p:spPr>
+        <p:txBody>
+          <a:bodyPr/>
+          <a:lstStyle/>
+          <a:p>
+            <a:r>
+              <a:rPr kumimoji="1" lang="en-US" altLang="ja-JP" dirty="0"/>
+              <a:t>Stowage Plan</a:t>
+            </a:r>
+            <a:endParaRPr kumimoji="1" lang="ja-JP" altLang="en-US"/>
+          </a:p>
+        </p:txBody>
+      </p:sp>
+      <p:graphicFrame>
+        <p:nvGraphicFramePr>
+          <p:cNvPr id="4" name="コンテンツ プレースホルダー 3">
+            <a:extLst>
+              <a:ext uri="{FF2B5EF4-FFF2-40B4-BE49-F238E27FC236}">
+                <a16:creationId xmlns:a16="http://schemas.microsoft.com/office/drawing/2014/main" id="{C5922B05-BC8D-BE44-8ED4-1C98DBED48BA}"/>
+              </a:ext>
+            </a:extLst>
+          </p:cNvPr>
+          <p:cNvGraphicFramePr>
+            <a:graphicFrameLocks noGrp="1"/>
+          </p:cNvGraphicFramePr>
+          <p:nvPr>
+            <p:ph idx="1"/>
+            <p:extLst>
+              <p:ext uri="{D42A27DB-BD31-4B8C-83A1-F6EECF244321}">
+                <p14:modId xmlns:p14="http://schemas.microsoft.com/office/powerpoint/2010/main" val="785509014"/>
+              </p:ext>
+            </p:extLst>
+          </p:nvPr>
+        </p:nvGraphicFramePr>
+        <p:xfrm>
+          <a:off x="2613786" y="2155073"/>
+          <a:ext cx="3394728" cy="1797424"/>
+        </p:xfrm>
+        <a:graphic>
+          <a:graphicData uri="http://schemas.openxmlformats.org/drawingml/2006/table">
+            <a:tbl>
+              <a:tblPr firstRow="1" bandRow="1">
+                <a:tableStyleId>{5C22544A-7EE6-4342-B048-85BDC9FD1C3A}</a:tableStyleId>
+              </a:tblPr>
+              <a:tblGrid>
+                <a:gridCol w="457051">
+                  <a:extLst>
+                    <a:ext uri="{9D8B030D-6E8A-4147-A177-3AD203B41FA5}">
+                      <a16:colId xmlns:a16="http://schemas.microsoft.com/office/drawing/2014/main" val="882546553"/>
+                    </a:ext>
+                  </a:extLst>
+                </a:gridCol>
+                <a:gridCol w="880278">
+                  <a:extLst>
+                    <a:ext uri="{9D8B030D-6E8A-4147-A177-3AD203B41FA5}">
+                      <a16:colId xmlns:a16="http://schemas.microsoft.com/office/drawing/2014/main" val="3622458681"/>
+                    </a:ext>
+                  </a:extLst>
+                </a:gridCol>
+                <a:gridCol w="874059">
+                  <a:extLst>
+                    <a:ext uri="{9D8B030D-6E8A-4147-A177-3AD203B41FA5}">
+                      <a16:colId xmlns:a16="http://schemas.microsoft.com/office/drawing/2014/main" val="2300023753"/>
+                    </a:ext>
+                  </a:extLst>
+                </a:gridCol>
+                <a:gridCol w="1183340">
+                  <a:extLst>
+                    <a:ext uri="{9D8B030D-6E8A-4147-A177-3AD203B41FA5}">
+                      <a16:colId xmlns:a16="http://schemas.microsoft.com/office/drawing/2014/main" val="1875024065"/>
+                    </a:ext>
+                  </a:extLst>
+                </a:gridCol>
+              </a:tblGrid>
+              <a:tr h="449356">
+                <a:tc>
+                  <a:txBody>
+                    <a:bodyPr/>
+                    <a:lstStyle/>
+                    <a:p>
+                      <a:pPr algn="ctr"/>
+                      <a:r>
+                        <a:rPr kumimoji="1" lang="en-US" altLang="ja-JP" dirty="0"/>
+                        <a:t>ID</a:t>
+                      </a:r>
+                      <a:endParaRPr kumimoji="1" lang="ja-JP" altLang="en-US"/>
+                    </a:p>
+                  </a:txBody>
+                  <a:tcPr/>
+                </a:tc>
+                <a:tc>
+                  <a:txBody>
+                    <a:bodyPr/>
+                    <a:lstStyle/>
+                    <a:p>
+                      <a:pPr algn="ctr"/>
+                      <a:r>
+                        <a:rPr kumimoji="1" lang="en-US" altLang="ja-JP" dirty="0"/>
+                        <a:t>L-Port</a:t>
+                      </a:r>
+                      <a:endParaRPr kumimoji="1" lang="ja-JP" altLang="en-US"/>
+                    </a:p>
+                  </a:txBody>
+                  <a:tcPr/>
+                </a:tc>
+                <a:tc>
+                  <a:txBody>
+                    <a:bodyPr/>
+                    <a:lstStyle/>
+                    <a:p>
+                      <a:pPr algn="ctr"/>
+                      <a:r>
+                        <a:rPr kumimoji="1" lang="en-US" altLang="ja-JP" dirty="0"/>
+                        <a:t>D-Port</a:t>
+                      </a:r>
+                      <a:endParaRPr kumimoji="1" lang="ja-JP" altLang="en-US"/>
+                    </a:p>
+                  </a:txBody>
+                  <a:tcPr/>
+                </a:tc>
+                <a:tc>
+                  <a:txBody>
+                    <a:bodyPr/>
+                    <a:lstStyle/>
+                    <a:p>
+                      <a:pPr algn="ctr"/>
+                      <a:r>
+                        <a:rPr kumimoji="1" lang="en-US" altLang="ja-JP" dirty="0"/>
+                        <a:t>Number</a:t>
+                      </a:r>
+                      <a:endParaRPr kumimoji="1" lang="ja-JP" altLang="en-US"/>
+                    </a:p>
+                  </a:txBody>
+                  <a:tcPr/>
+                </a:tc>
+                <a:extLst>
+                  <a:ext uri="{0D108BD9-81ED-4DB2-BD59-A6C34878D82A}">
+                    <a16:rowId xmlns:a16="http://schemas.microsoft.com/office/drawing/2014/main" val="4161721498"/>
+                  </a:ext>
+                </a:extLst>
+              </a:tr>
+              <a:tr h="449356">
+                <a:tc>
+                  <a:txBody>
+                    <a:bodyPr/>
+                    <a:lstStyle/>
+                    <a:p>
+                      <a:pPr algn="ctr"/>
+                      <a:r>
+                        <a:rPr kumimoji="1" lang="en-US" altLang="ja-JP" dirty="0"/>
+                        <a:t>1</a:t>
+                      </a:r>
+                      <a:endParaRPr kumimoji="1" lang="ja-JP" altLang="en-US"/>
+                    </a:p>
+                  </a:txBody>
+                  <a:tcPr/>
+                </a:tc>
+                <a:tc>
+                  <a:txBody>
+                    <a:bodyPr/>
+                    <a:lstStyle/>
+                    <a:p>
+                      <a:pPr algn="ctr"/>
+                      <a:r>
+                        <a:rPr kumimoji="1" lang="en-US" altLang="ja-JP" dirty="0"/>
+                        <a:t>Port A</a:t>
+                      </a:r>
+                      <a:endParaRPr kumimoji="1" lang="ja-JP" altLang="en-US"/>
+                    </a:p>
+                  </a:txBody>
+                  <a:tcPr/>
+                </a:tc>
+                <a:tc>
+                  <a:txBody>
+                    <a:bodyPr/>
+                    <a:lstStyle/>
+                    <a:p>
+                      <a:pPr algn="ctr"/>
+                      <a:r>
+                        <a:rPr kumimoji="1" lang="en-US" altLang="ja-JP" dirty="0"/>
+                        <a:t>Port C</a:t>
+                      </a:r>
+                      <a:endParaRPr kumimoji="1" lang="ja-JP" altLang="en-US"/>
+                    </a:p>
+                  </a:txBody>
+                  <a:tcPr/>
+                </a:tc>
+                <a:tc>
+                  <a:txBody>
+                    <a:bodyPr/>
+                    <a:lstStyle/>
+                    <a:p>
+                      <a:pPr algn="ctr"/>
+                      <a:r>
+                        <a:rPr kumimoji="1" lang="en-US" altLang="ja-JP" dirty="0"/>
+                        <a:t>6</a:t>
+                      </a:r>
+                      <a:endParaRPr kumimoji="1" lang="ja-JP" altLang="en-US"/>
+                    </a:p>
+                  </a:txBody>
+                  <a:tcPr/>
+                </a:tc>
+                <a:extLst>
+                  <a:ext uri="{0D108BD9-81ED-4DB2-BD59-A6C34878D82A}">
+                    <a16:rowId xmlns:a16="http://schemas.microsoft.com/office/drawing/2014/main" val="192055122"/>
+                  </a:ext>
+                </a:extLst>
+              </a:tr>
+              <a:tr h="449356">
+                <a:tc>
+                  <a:txBody>
+                    <a:bodyPr/>
+                    <a:lstStyle/>
+                    <a:p>
+                      <a:pPr algn="ctr"/>
+                      <a:r>
+                        <a:rPr kumimoji="1" lang="en-US" altLang="ja-JP" dirty="0"/>
+                        <a:t>2</a:t>
+                      </a:r>
+                      <a:endParaRPr kumimoji="1" lang="ja-JP" altLang="en-US"/>
+                    </a:p>
+                  </a:txBody>
+                  <a:tcPr/>
+                </a:tc>
+                <a:tc>
+                  <a:txBody>
+                    <a:bodyPr/>
+                    <a:lstStyle/>
+                    <a:p>
+                      <a:pPr algn="ctr"/>
+                      <a:r>
+                        <a:rPr kumimoji="1" lang="en-US" altLang="ja-JP" dirty="0"/>
+                        <a:t>Port A</a:t>
+                      </a:r>
+                      <a:endParaRPr kumimoji="1" lang="ja-JP" altLang="en-US"/>
+                    </a:p>
+                  </a:txBody>
+                  <a:tcPr/>
+                </a:tc>
+                <a:tc>
+                  <a:txBody>
+                    <a:bodyPr/>
+                    <a:lstStyle/>
+                    <a:p>
+                      <a:pPr algn="ctr"/>
+                      <a:r>
+                        <a:rPr kumimoji="1" lang="en-US" altLang="ja-JP" dirty="0"/>
+                        <a:t>Port D</a:t>
+                      </a:r>
+                      <a:endParaRPr kumimoji="1" lang="ja-JP" altLang="en-US"/>
+                    </a:p>
+                  </a:txBody>
+                  <a:tcPr/>
+                </a:tc>
+                <a:tc>
+                  <a:txBody>
+                    <a:bodyPr/>
+                    <a:lstStyle/>
+                    <a:p>
+                      <a:pPr algn="ctr"/>
+                      <a:r>
+                        <a:rPr kumimoji="1" lang="en-US" altLang="ja-JP" dirty="0"/>
+                        <a:t>10</a:t>
+                      </a:r>
+                      <a:endParaRPr kumimoji="1" lang="ja-JP" altLang="en-US"/>
+                    </a:p>
+                  </a:txBody>
+                  <a:tcPr/>
+                </a:tc>
+                <a:extLst>
+                  <a:ext uri="{0D108BD9-81ED-4DB2-BD59-A6C34878D82A}">
+                    <a16:rowId xmlns:a16="http://schemas.microsoft.com/office/drawing/2014/main" val="425557422"/>
+                  </a:ext>
+                </a:extLst>
+              </a:tr>
+              <a:tr h="449356">
+                <a:tc>
+                  <a:txBody>
+                    <a:bodyPr/>
+                    <a:lstStyle/>
+                    <a:p>
+                      <a:pPr algn="ctr"/>
+                      <a:r>
+                        <a:rPr kumimoji="1" lang="en-US" altLang="ja-JP" dirty="0"/>
+                        <a:t>2</a:t>
+                      </a:r>
+                      <a:endParaRPr kumimoji="1" lang="ja-JP" altLang="en-US"/>
+                    </a:p>
+                  </a:txBody>
+                  <a:tcPr/>
+                </a:tc>
+                <a:tc>
+                  <a:txBody>
+                    <a:bodyPr/>
+                    <a:lstStyle/>
+                    <a:p>
+                      <a:pPr algn="ctr"/>
+                      <a:r>
+                        <a:rPr kumimoji="1" lang="en-US" altLang="ja-JP" dirty="0"/>
+                        <a:t>Port B</a:t>
+                      </a:r>
+                      <a:endParaRPr kumimoji="1" lang="ja-JP" altLang="en-US"/>
+                    </a:p>
+                  </a:txBody>
+                  <a:tcPr/>
+                </a:tc>
+                <a:tc>
+                  <a:txBody>
+                    <a:bodyPr/>
+                    <a:lstStyle/>
+                    <a:p>
+                      <a:pPr algn="ctr"/>
+                      <a:r>
+                        <a:rPr kumimoji="1" lang="en-US" altLang="ja-JP" dirty="0"/>
+                        <a:t>Port D</a:t>
+                      </a:r>
+                      <a:endParaRPr kumimoji="1" lang="ja-JP" altLang="en-US"/>
+                    </a:p>
+                  </a:txBody>
+                  <a:tcPr/>
+                </a:tc>
+                <a:tc>
+                  <a:txBody>
+                    <a:bodyPr/>
+                    <a:lstStyle/>
+                    <a:p>
+                      <a:pPr algn="ctr"/>
+                      <a:r>
+                        <a:rPr kumimoji="1" lang="en-US" altLang="ja-JP" dirty="0"/>
+                        <a:t>6</a:t>
+                      </a:r>
+                      <a:endParaRPr kumimoji="1" lang="ja-JP" altLang="en-US"/>
+                    </a:p>
+                  </a:txBody>
+                  <a:tcPr/>
+                </a:tc>
+                <a:extLst>
+                  <a:ext uri="{0D108BD9-81ED-4DB2-BD59-A6C34878D82A}">
+                    <a16:rowId xmlns:a16="http://schemas.microsoft.com/office/drawing/2014/main" val="352583775"/>
+                  </a:ext>
+                </a:extLst>
+              </a:tr>
+            </a:tbl>
+          </a:graphicData>
+        </a:graphic>
+      </p:graphicFrame>
+      <p:sp>
+        <p:nvSpPr>
+          <p:cNvPr id="5" name="テキスト ボックス 4">
+            <a:extLst>
+              <a:ext uri="{FF2B5EF4-FFF2-40B4-BE49-F238E27FC236}">
+                <a16:creationId xmlns:a16="http://schemas.microsoft.com/office/drawing/2014/main" id="{67D10B3A-10D8-D24F-B921-F32A646E999D}"/>
+              </a:ext>
+            </a:extLst>
+          </p:cNvPr>
+          <p:cNvSpPr txBox="1"/>
+          <p:nvPr/>
+        </p:nvSpPr>
+        <p:spPr>
+          <a:xfrm>
+            <a:off x="3626087" y="1669053"/>
+            <a:ext cx="2023129" cy="369332"/>
+          </a:xfrm>
+          <a:prstGeom prst="rect">
+            <a:avLst/>
+          </a:prstGeom>
+          <a:noFill/>
+        </p:spPr>
+        <p:txBody>
+          <a:bodyPr wrap="square" rtlCol="0">
+            <a:spAutoFit/>
+          </a:bodyPr>
+          <a:lstStyle/>
+          <a:p>
+            <a:r>
+              <a:rPr lang="en-US" altLang="ja-JP" dirty="0"/>
+              <a:t>Booking</a:t>
+            </a:r>
+            <a:endParaRPr kumimoji="1" lang="ja-JP" altLang="en-US"/>
+          </a:p>
+        </p:txBody>
+      </p:sp>
+      <p:sp>
+        <p:nvSpPr>
+          <p:cNvPr id="6" name="テキスト ボックス 5">
+            <a:extLst>
+              <a:ext uri="{FF2B5EF4-FFF2-40B4-BE49-F238E27FC236}">
+                <a16:creationId xmlns:a16="http://schemas.microsoft.com/office/drawing/2014/main" id="{B74A48F0-5D68-4C48-B7C3-8FB8AF9BD3EB}"/>
+              </a:ext>
+            </a:extLst>
+          </p:cNvPr>
+          <p:cNvSpPr txBox="1"/>
+          <p:nvPr/>
+        </p:nvSpPr>
+        <p:spPr>
+          <a:xfrm>
+            <a:off x="8175812" y="1639182"/>
+            <a:ext cx="2353235" cy="369332"/>
+          </a:xfrm>
+          <a:prstGeom prst="rect">
+            <a:avLst/>
+          </a:prstGeom>
+          <a:noFill/>
+        </p:spPr>
+        <p:txBody>
+          <a:bodyPr wrap="square" rtlCol="0">
+            <a:spAutoFit/>
+          </a:bodyPr>
+          <a:lstStyle/>
+          <a:p>
+            <a:r>
+              <a:rPr kumimoji="1" lang="en-US" altLang="ja-JP" dirty="0"/>
+              <a:t>Stowage Plan</a:t>
+            </a:r>
+            <a:endParaRPr kumimoji="1" lang="ja-JP" altLang="en-US"/>
+          </a:p>
+        </p:txBody>
+      </p:sp>
+      <p:graphicFrame>
+        <p:nvGraphicFramePr>
+          <p:cNvPr id="7" name="表 6">
+            <a:extLst>
+              <a:ext uri="{FF2B5EF4-FFF2-40B4-BE49-F238E27FC236}">
+                <a16:creationId xmlns:a16="http://schemas.microsoft.com/office/drawing/2014/main" id="{4F4CCFCA-B688-8245-87C1-AACAF182EDC2}"/>
+              </a:ext>
+            </a:extLst>
+          </p:cNvPr>
+          <p:cNvGraphicFramePr>
+            <a:graphicFrameLocks noGrp="1"/>
+          </p:cNvGraphicFramePr>
+          <p:nvPr>
+            <p:extLst>
+              <p:ext uri="{D42A27DB-BD31-4B8C-83A1-F6EECF244321}">
+                <p14:modId xmlns:p14="http://schemas.microsoft.com/office/powerpoint/2010/main" val="674462336"/>
+              </p:ext>
+            </p:extLst>
+          </p:nvPr>
+        </p:nvGraphicFramePr>
+        <p:xfrm>
+          <a:off x="7675507" y="2183664"/>
+          <a:ext cx="3394728" cy="4208930"/>
+        </p:xfrm>
+        <a:graphic>
+          <a:graphicData uri="http://schemas.openxmlformats.org/drawingml/2006/table">
+            <a:tbl>
+              <a:tblPr firstRow="1" bandRow="1">
+                <a:tableStyleId>{5C22544A-7EE6-4342-B048-85BDC9FD1C3A}</a:tableStyleId>
+              </a:tblPr>
+              <a:tblGrid>
+                <a:gridCol w="597742">
+                  <a:extLst>
+                    <a:ext uri="{9D8B030D-6E8A-4147-A177-3AD203B41FA5}">
+                      <a16:colId xmlns:a16="http://schemas.microsoft.com/office/drawing/2014/main" val="3979597578"/>
+                    </a:ext>
+                  </a:extLst>
+                </a:gridCol>
+                <a:gridCol w="806824">
+                  <a:extLst>
+                    <a:ext uri="{9D8B030D-6E8A-4147-A177-3AD203B41FA5}">
+                      <a16:colId xmlns:a16="http://schemas.microsoft.com/office/drawing/2014/main" val="305000214"/>
+                    </a:ext>
+                  </a:extLst>
+                </a:gridCol>
+                <a:gridCol w="820271">
+                  <a:extLst>
+                    <a:ext uri="{9D8B030D-6E8A-4147-A177-3AD203B41FA5}">
+                      <a16:colId xmlns:a16="http://schemas.microsoft.com/office/drawing/2014/main" val="1936999145"/>
+                    </a:ext>
+                  </a:extLst>
+                </a:gridCol>
+                <a:gridCol w="1169891">
+                  <a:extLst>
+                    <a:ext uri="{9D8B030D-6E8A-4147-A177-3AD203B41FA5}">
+                      <a16:colId xmlns:a16="http://schemas.microsoft.com/office/drawing/2014/main" val="1328651618"/>
+                    </a:ext>
+                  </a:extLst>
+                </a:gridCol>
+              </a:tblGrid>
+              <a:tr h="420893">
+                <a:tc>
+                  <a:txBody>
+                    <a:bodyPr/>
+                    <a:lstStyle/>
+                    <a:p>
+                      <a:pPr algn="ctr"/>
+                      <a:r>
+                        <a:rPr kumimoji="1" lang="en-US" altLang="ja-JP" dirty="0"/>
+                        <a:t>ID</a:t>
+                      </a:r>
+                      <a:endParaRPr kumimoji="1" lang="ja-JP" altLang="en-US"/>
+                    </a:p>
+                  </a:txBody>
+                  <a:tcPr/>
+                </a:tc>
+                <a:tc>
+                  <a:txBody>
+                    <a:bodyPr/>
+                    <a:lstStyle/>
+                    <a:p>
+                      <a:pPr algn="ctr"/>
+                      <a:r>
+                        <a:rPr kumimoji="1" lang="en-US" altLang="ja-JP" dirty="0"/>
+                        <a:t>Floor</a:t>
+                      </a:r>
+                      <a:endParaRPr kumimoji="1" lang="ja-JP" altLang="en-US"/>
+                    </a:p>
+                  </a:txBody>
+                  <a:tcPr/>
+                </a:tc>
+                <a:tc>
+                  <a:txBody>
+                    <a:bodyPr/>
+                    <a:lstStyle/>
+                    <a:p>
+                      <a:pPr algn="ctr"/>
+                      <a:r>
+                        <a:rPr kumimoji="1" lang="en-US" altLang="ja-JP" dirty="0"/>
+                        <a:t>Hold</a:t>
+                      </a:r>
+                      <a:endParaRPr kumimoji="1" lang="ja-JP" altLang="en-US"/>
+                    </a:p>
+                  </a:txBody>
+                  <a:tcPr/>
+                </a:tc>
+                <a:tc>
+                  <a:txBody>
+                    <a:bodyPr/>
+                    <a:lstStyle/>
+                    <a:p>
+                      <a:pPr algn="ctr"/>
+                      <a:r>
+                        <a:rPr kumimoji="1" lang="en-US" altLang="ja-JP" dirty="0"/>
+                        <a:t>Number</a:t>
+                      </a:r>
+                      <a:endParaRPr kumimoji="1" lang="ja-JP" altLang="en-US"/>
+                    </a:p>
+                  </a:txBody>
+                  <a:tcPr/>
+                </a:tc>
+                <a:extLst>
+                  <a:ext uri="{0D108BD9-81ED-4DB2-BD59-A6C34878D82A}">
+                    <a16:rowId xmlns:a16="http://schemas.microsoft.com/office/drawing/2014/main" val="1669506247"/>
+                  </a:ext>
+                </a:extLst>
+              </a:tr>
+              <a:tr h="420893">
+                <a:tc>
+                  <a:txBody>
+                    <a:bodyPr/>
+                    <a:lstStyle/>
+                    <a:p>
+                      <a:pPr algn="ctr"/>
+                      <a:r>
+                        <a:rPr kumimoji="1" lang="en-US" altLang="ja-JP" dirty="0"/>
+                        <a:t>1</a:t>
+                      </a:r>
+                      <a:endParaRPr kumimoji="1" lang="ja-JP" altLang="en-US"/>
+                    </a:p>
+                  </a:txBody>
+                  <a:tcPr/>
+                </a:tc>
+                <a:tc>
+                  <a:txBody>
+                    <a:bodyPr/>
+                    <a:lstStyle/>
+                    <a:p>
+                      <a:pPr algn="ctr"/>
+                      <a:r>
+                        <a:rPr kumimoji="1" lang="en-US" altLang="ja-JP" dirty="0"/>
+                        <a:t>1</a:t>
+                      </a:r>
+                      <a:endParaRPr kumimoji="1" lang="ja-JP" altLang="en-US"/>
+                    </a:p>
+                  </a:txBody>
+                  <a:tcPr/>
+                </a:tc>
+                <a:tc>
+                  <a:txBody>
+                    <a:bodyPr/>
+                    <a:lstStyle/>
+                    <a:p>
+                      <a:pPr algn="ctr"/>
+                      <a:r>
+                        <a:rPr kumimoji="1" lang="en-US" altLang="ja-JP" dirty="0"/>
+                        <a:t>1</a:t>
+                      </a:r>
+                      <a:endParaRPr kumimoji="1" lang="ja-JP" altLang="en-US"/>
+                    </a:p>
+                  </a:txBody>
+                  <a:tcPr/>
+                </a:tc>
+                <a:tc>
+                  <a:txBody>
+                    <a:bodyPr/>
+                    <a:lstStyle/>
+                    <a:p>
+                      <a:pPr algn="ctr"/>
+                      <a:r>
+                        <a:rPr kumimoji="1" lang="en-US" altLang="ja-JP" dirty="0"/>
+                        <a:t>2</a:t>
+                      </a:r>
+                      <a:endParaRPr kumimoji="1" lang="ja-JP" altLang="en-US"/>
+                    </a:p>
+                  </a:txBody>
+                  <a:tcPr/>
+                </a:tc>
+                <a:extLst>
+                  <a:ext uri="{0D108BD9-81ED-4DB2-BD59-A6C34878D82A}">
+                    <a16:rowId xmlns:a16="http://schemas.microsoft.com/office/drawing/2014/main" val="3426649652"/>
+                  </a:ext>
+                </a:extLst>
+              </a:tr>
+              <a:tr h="420893">
+                <a:tc>
+                  <a:txBody>
+                    <a:bodyPr/>
+                    <a:lstStyle/>
+                    <a:p>
+                      <a:pPr algn="ctr"/>
+                      <a:r>
+                        <a:rPr kumimoji="1" lang="en-US" altLang="ja-JP" dirty="0"/>
+                        <a:t>1</a:t>
+                      </a:r>
+                      <a:endParaRPr kumimoji="1" lang="ja-JP" altLang="en-US"/>
+                    </a:p>
+                  </a:txBody>
+                  <a:tcPr/>
+                </a:tc>
+                <a:tc>
+                  <a:txBody>
+                    <a:bodyPr/>
+                    <a:lstStyle/>
+                    <a:p>
+                      <a:pPr algn="ctr"/>
+                      <a:r>
+                        <a:rPr kumimoji="1" lang="en-US" altLang="ja-JP" dirty="0"/>
+                        <a:t>1</a:t>
+                      </a:r>
+                      <a:endParaRPr kumimoji="1" lang="ja-JP" altLang="en-US"/>
+                    </a:p>
+                  </a:txBody>
+                  <a:tcPr/>
+                </a:tc>
+                <a:tc>
+                  <a:txBody>
+                    <a:bodyPr/>
+                    <a:lstStyle/>
+                    <a:p>
+                      <a:pPr algn="ctr"/>
+                      <a:r>
+                        <a:rPr kumimoji="1" lang="en-US" altLang="ja-JP" dirty="0"/>
+                        <a:t>2</a:t>
+                      </a:r>
+                      <a:endParaRPr kumimoji="1" lang="ja-JP" altLang="en-US"/>
+                    </a:p>
+                  </a:txBody>
+                  <a:tcPr/>
+                </a:tc>
+                <a:tc>
+                  <a:txBody>
+                    <a:bodyPr/>
+                    <a:lstStyle/>
+                    <a:p>
+                      <a:pPr algn="ctr"/>
+                      <a:r>
+                        <a:rPr kumimoji="1" lang="en-US" altLang="ja-JP" dirty="0"/>
+                        <a:t>2</a:t>
+                      </a:r>
+                      <a:endParaRPr kumimoji="1" lang="ja-JP" altLang="en-US"/>
+                    </a:p>
+                  </a:txBody>
+                  <a:tcPr/>
+                </a:tc>
+                <a:extLst>
+                  <a:ext uri="{0D108BD9-81ED-4DB2-BD59-A6C34878D82A}">
+                    <a16:rowId xmlns:a16="http://schemas.microsoft.com/office/drawing/2014/main" val="3658572139"/>
+                  </a:ext>
+                </a:extLst>
+              </a:tr>
+              <a:tr h="420893">
+                <a:tc>
+                  <a:txBody>
+                    <a:bodyPr/>
+                    <a:lstStyle/>
+                    <a:p>
+                      <a:pPr algn="ctr"/>
+                      <a:r>
+                        <a:rPr kumimoji="1" lang="en-US" altLang="ja-JP" sz="1800" b="0" i="0" kern="1200" dirty="0">
+                          <a:solidFill>
+                            <a:schemeClr val="dk1"/>
+                          </a:solidFill>
+                          <a:effectLst/>
+                          <a:latin typeface="+mn-lt"/>
+                          <a:ea typeface="+mn-ea"/>
+                          <a:cs typeface="+mn-cs"/>
+                        </a:rPr>
+                        <a:t>1</a:t>
+                      </a:r>
+                      <a:endParaRPr kumimoji="1" lang="ja-JP" altLang="en-US"/>
+                    </a:p>
+                  </a:txBody>
+                  <a:tcPr/>
+                </a:tc>
+                <a:tc>
+                  <a:txBody>
+                    <a:bodyPr/>
+                    <a:lstStyle/>
+                    <a:p>
+                      <a:pPr algn="ctr"/>
+                      <a:r>
+                        <a:rPr kumimoji="1" lang="en-US" altLang="ja-JP" sz="1800" b="0" i="0" kern="1200" dirty="0">
+                          <a:solidFill>
+                            <a:schemeClr val="dk1"/>
+                          </a:solidFill>
+                          <a:effectLst/>
+                          <a:latin typeface="+mn-lt"/>
+                          <a:ea typeface="+mn-ea"/>
+                          <a:cs typeface="+mn-cs"/>
+                        </a:rPr>
+                        <a:t>1</a:t>
+                      </a:r>
+                      <a:endParaRPr kumimoji="1" lang="ja-JP" altLang="en-US"/>
+                    </a:p>
+                  </a:txBody>
+                  <a:tcPr/>
+                </a:tc>
+                <a:tc>
+                  <a:txBody>
+                    <a:bodyPr/>
+                    <a:lstStyle/>
+                    <a:p>
+                      <a:pPr algn="ctr"/>
+                      <a:r>
+                        <a:rPr kumimoji="1" lang="en-US" altLang="ja-JP" sz="1800" b="0" i="0" kern="1200" dirty="0">
+                          <a:solidFill>
+                            <a:schemeClr val="dk1"/>
+                          </a:solidFill>
+                          <a:effectLst/>
+                          <a:latin typeface="+mn-lt"/>
+                          <a:ea typeface="+mn-ea"/>
+                          <a:cs typeface="+mn-cs"/>
+                        </a:rPr>
+                        <a:t>3</a:t>
+                      </a:r>
+                      <a:endParaRPr kumimoji="1" lang="ja-JP" altLang="en-US"/>
+                    </a:p>
+                  </a:txBody>
+                  <a:tcPr/>
+                </a:tc>
+                <a:tc>
+                  <a:txBody>
+                    <a:bodyPr/>
+                    <a:lstStyle/>
+                    <a:p>
+                      <a:pPr algn="ctr"/>
+                      <a:r>
+                        <a:rPr kumimoji="1" lang="en-US" altLang="ja-JP" sz="1800" b="0" i="0" kern="1200" dirty="0">
+                          <a:solidFill>
+                            <a:schemeClr val="dk1"/>
+                          </a:solidFill>
+                          <a:effectLst/>
+                          <a:latin typeface="+mn-lt"/>
+                          <a:ea typeface="+mn-ea"/>
+                          <a:cs typeface="+mn-cs"/>
+                        </a:rPr>
+                        <a:t>2</a:t>
+                      </a:r>
+                      <a:endParaRPr kumimoji="1" lang="ja-JP" altLang="en-US"/>
+                    </a:p>
+                  </a:txBody>
+                  <a:tcPr/>
+                </a:tc>
+                <a:extLst>
+                  <a:ext uri="{0D108BD9-81ED-4DB2-BD59-A6C34878D82A}">
+                    <a16:rowId xmlns:a16="http://schemas.microsoft.com/office/drawing/2014/main" val="216096091"/>
+                  </a:ext>
+                </a:extLst>
+              </a:tr>
+              <a:tr h="420893">
+                <a:tc>
+                  <a:txBody>
+                    <a:bodyPr/>
+                    <a:lstStyle/>
+                    <a:p>
+                      <a:pPr algn="ctr"/>
+                      <a:r>
+                        <a:rPr kumimoji="1" lang="en-US" altLang="ja-JP" dirty="0"/>
+                        <a:t>2</a:t>
+                      </a:r>
+                      <a:endParaRPr kumimoji="1" lang="ja-JP" altLang="en-US"/>
+                    </a:p>
+                  </a:txBody>
+                  <a:tcPr/>
+                </a:tc>
+                <a:tc>
+                  <a:txBody>
+                    <a:bodyPr/>
+                    <a:lstStyle/>
+                    <a:p>
+                      <a:pPr algn="ctr"/>
+                      <a:r>
+                        <a:rPr kumimoji="1" lang="en-US" altLang="ja-JP" dirty="0"/>
+                        <a:t>2</a:t>
+                      </a:r>
+                      <a:endParaRPr kumimoji="1" lang="ja-JP" altLang="en-US"/>
+                    </a:p>
+                  </a:txBody>
+                  <a:tcPr/>
+                </a:tc>
+                <a:tc>
+                  <a:txBody>
+                    <a:bodyPr/>
+                    <a:lstStyle/>
+                    <a:p>
+                      <a:pPr algn="ctr"/>
+                      <a:r>
+                        <a:rPr kumimoji="1" lang="en-US" altLang="ja-JP" dirty="0"/>
+                        <a:t>1</a:t>
+                      </a:r>
+                      <a:endParaRPr kumimoji="1" lang="ja-JP" altLang="en-US"/>
+                    </a:p>
+                  </a:txBody>
+                  <a:tcPr/>
+                </a:tc>
+                <a:tc>
+                  <a:txBody>
+                    <a:bodyPr/>
+                    <a:lstStyle/>
+                    <a:p>
+                      <a:pPr algn="ctr"/>
+                      <a:r>
+                        <a:rPr kumimoji="1" lang="en-US" altLang="ja-JP" dirty="0"/>
+                        <a:t>3</a:t>
+                      </a:r>
+                      <a:endParaRPr kumimoji="1" lang="ja-JP" altLang="en-US"/>
+                    </a:p>
+                  </a:txBody>
+                  <a:tcPr/>
+                </a:tc>
+                <a:extLst>
+                  <a:ext uri="{0D108BD9-81ED-4DB2-BD59-A6C34878D82A}">
+                    <a16:rowId xmlns:a16="http://schemas.microsoft.com/office/drawing/2014/main" val="3201075929"/>
+                  </a:ext>
+                </a:extLst>
+              </a:tr>
+              <a:tr h="420893">
+                <a:tc>
+                  <a:txBody>
+                    <a:bodyPr/>
+                    <a:lstStyle/>
+                    <a:p>
+                      <a:pPr algn="ctr"/>
+                      <a:r>
+                        <a:rPr kumimoji="1" lang="en-US" altLang="ja-JP" dirty="0"/>
+                        <a:t>2</a:t>
+                      </a:r>
+                      <a:endParaRPr kumimoji="1" lang="ja-JP" altLang="en-US"/>
+                    </a:p>
+                  </a:txBody>
+                  <a:tcPr/>
+                </a:tc>
+                <a:tc>
+                  <a:txBody>
+                    <a:bodyPr/>
+                    <a:lstStyle/>
+                    <a:p>
+                      <a:pPr algn="ctr"/>
+                      <a:r>
+                        <a:rPr kumimoji="1" lang="en-US" altLang="ja-JP" dirty="0"/>
+                        <a:t>2</a:t>
+                      </a:r>
+                      <a:endParaRPr kumimoji="1" lang="ja-JP" altLang="en-US"/>
+                    </a:p>
+                  </a:txBody>
+                  <a:tcPr/>
+                </a:tc>
+                <a:tc>
+                  <a:txBody>
+                    <a:bodyPr/>
+                    <a:lstStyle/>
+                    <a:p>
+                      <a:pPr algn="ctr"/>
+                      <a:r>
+                        <a:rPr kumimoji="1" lang="en-US" altLang="ja-JP" dirty="0"/>
+                        <a:t>2</a:t>
+                      </a:r>
+                      <a:endParaRPr kumimoji="1" lang="ja-JP" altLang="en-US"/>
+                    </a:p>
+                  </a:txBody>
+                  <a:tcPr/>
+                </a:tc>
+                <a:tc>
+                  <a:txBody>
+                    <a:bodyPr/>
+                    <a:lstStyle/>
+                    <a:p>
+                      <a:pPr algn="ctr"/>
+                      <a:r>
+                        <a:rPr kumimoji="1" lang="en-US" altLang="ja-JP" dirty="0"/>
+                        <a:t>4</a:t>
+                      </a:r>
+                      <a:endParaRPr kumimoji="1" lang="ja-JP" altLang="en-US"/>
+                    </a:p>
+                  </a:txBody>
+                  <a:tcPr/>
+                </a:tc>
+                <a:extLst>
+                  <a:ext uri="{0D108BD9-81ED-4DB2-BD59-A6C34878D82A}">
+                    <a16:rowId xmlns:a16="http://schemas.microsoft.com/office/drawing/2014/main" val="3824035766"/>
+                  </a:ext>
+                </a:extLst>
+              </a:tr>
+              <a:tr h="420893">
+                <a:tc>
+                  <a:txBody>
+                    <a:bodyPr/>
+                    <a:lstStyle/>
+                    <a:p>
+                      <a:pPr algn="ctr"/>
+                      <a:r>
+                        <a:rPr kumimoji="1" lang="en-US" altLang="ja-JP" sz="1800" b="0" i="0" kern="1200" dirty="0">
+                          <a:solidFill>
+                            <a:schemeClr val="dk1"/>
+                          </a:solidFill>
+                          <a:effectLst/>
+                          <a:latin typeface="+mn-lt"/>
+                          <a:ea typeface="+mn-ea"/>
+                          <a:cs typeface="+mn-cs"/>
+                        </a:rPr>
+                        <a:t>2</a:t>
+                      </a:r>
+                      <a:endParaRPr kumimoji="1" lang="ja-JP" altLang="en-US"/>
+                    </a:p>
+                  </a:txBody>
+                  <a:tcPr/>
+                </a:tc>
+                <a:tc>
+                  <a:txBody>
+                    <a:bodyPr/>
+                    <a:lstStyle/>
+                    <a:p>
+                      <a:pPr algn="ctr"/>
+                      <a:r>
+                        <a:rPr kumimoji="1" lang="en-US" altLang="ja-JP" sz="1800" b="0" i="0" kern="1200" dirty="0">
+                          <a:solidFill>
+                            <a:schemeClr val="dk1"/>
+                          </a:solidFill>
+                          <a:effectLst/>
+                          <a:latin typeface="+mn-lt"/>
+                          <a:ea typeface="+mn-ea"/>
+                          <a:cs typeface="+mn-cs"/>
+                        </a:rPr>
+                        <a:t>2</a:t>
+                      </a:r>
+                      <a:endParaRPr kumimoji="1" lang="ja-JP" altLang="en-US"/>
+                    </a:p>
+                  </a:txBody>
+                  <a:tcPr/>
+                </a:tc>
+                <a:tc>
+                  <a:txBody>
+                    <a:bodyPr/>
+                    <a:lstStyle/>
+                    <a:p>
+                      <a:pPr algn="ctr"/>
+                      <a:r>
+                        <a:rPr kumimoji="1" lang="en-US" altLang="ja-JP" sz="1800" b="0" i="0" kern="1200" dirty="0">
+                          <a:solidFill>
+                            <a:schemeClr val="dk1"/>
+                          </a:solidFill>
+                          <a:effectLst/>
+                          <a:latin typeface="+mn-lt"/>
+                          <a:ea typeface="+mn-ea"/>
+                          <a:cs typeface="+mn-cs"/>
+                        </a:rPr>
+                        <a:t>3</a:t>
+                      </a:r>
+                      <a:endParaRPr kumimoji="1" lang="ja-JP" altLang="en-US"/>
+                    </a:p>
+                  </a:txBody>
+                  <a:tcPr/>
+                </a:tc>
+                <a:tc>
+                  <a:txBody>
+                    <a:bodyPr/>
+                    <a:lstStyle/>
+                    <a:p>
+                      <a:pPr algn="ctr"/>
+                      <a:r>
+                        <a:rPr kumimoji="1" lang="en-US" altLang="ja-JP" sz="1800" b="0" i="0" kern="1200" dirty="0">
+                          <a:solidFill>
+                            <a:schemeClr val="dk1"/>
+                          </a:solidFill>
+                          <a:effectLst/>
+                          <a:latin typeface="+mn-lt"/>
+                          <a:ea typeface="+mn-ea"/>
+                          <a:cs typeface="+mn-cs"/>
+                        </a:rPr>
+                        <a:t>3</a:t>
+                      </a:r>
+                      <a:endParaRPr kumimoji="1" lang="ja-JP" altLang="en-US"/>
+                    </a:p>
+                  </a:txBody>
+                  <a:tcPr/>
+                </a:tc>
+                <a:extLst>
+                  <a:ext uri="{0D108BD9-81ED-4DB2-BD59-A6C34878D82A}">
+                    <a16:rowId xmlns:a16="http://schemas.microsoft.com/office/drawing/2014/main" val="1460068839"/>
+                  </a:ext>
+                </a:extLst>
+              </a:tr>
+              <a:tr h="420893">
+                <a:tc>
+                  <a:txBody>
+                    <a:bodyPr/>
+                    <a:lstStyle/>
+                    <a:p>
+                      <a:pPr algn="ctr"/>
+                      <a:r>
+                        <a:rPr kumimoji="1" lang="en-US" altLang="ja-JP" dirty="0"/>
+                        <a:t>3</a:t>
+                      </a:r>
+                      <a:endParaRPr kumimoji="1" lang="ja-JP" altLang="en-US"/>
+                    </a:p>
+                  </a:txBody>
+                  <a:tcPr/>
+                </a:tc>
+                <a:tc>
+                  <a:txBody>
+                    <a:bodyPr/>
+                    <a:lstStyle/>
+                    <a:p>
+                      <a:pPr algn="ctr"/>
+                      <a:r>
+                        <a:rPr kumimoji="1" lang="en-US" altLang="ja-JP" dirty="0"/>
+                        <a:t>3</a:t>
+                      </a:r>
+                      <a:endParaRPr kumimoji="1" lang="ja-JP" altLang="en-US"/>
+                    </a:p>
+                  </a:txBody>
+                  <a:tcPr/>
+                </a:tc>
+                <a:tc>
+                  <a:txBody>
+                    <a:bodyPr/>
+                    <a:lstStyle/>
+                    <a:p>
+                      <a:pPr algn="ctr"/>
+                      <a:r>
+                        <a:rPr kumimoji="1" lang="en-US" altLang="ja-JP" dirty="0"/>
+                        <a:t>1</a:t>
+                      </a:r>
+                      <a:endParaRPr kumimoji="1" lang="ja-JP" altLang="en-US"/>
+                    </a:p>
+                  </a:txBody>
+                  <a:tcPr/>
+                </a:tc>
+                <a:tc>
+                  <a:txBody>
+                    <a:bodyPr/>
+                    <a:lstStyle/>
+                    <a:p>
+                      <a:pPr algn="ctr"/>
+                      <a:r>
+                        <a:rPr kumimoji="1" lang="en-US" altLang="ja-JP" dirty="0"/>
+                        <a:t>2</a:t>
+                      </a:r>
+                      <a:endParaRPr kumimoji="1" lang="ja-JP" altLang="en-US"/>
+                    </a:p>
+                  </a:txBody>
+                  <a:tcPr/>
+                </a:tc>
+                <a:extLst>
+                  <a:ext uri="{0D108BD9-81ED-4DB2-BD59-A6C34878D82A}">
+                    <a16:rowId xmlns:a16="http://schemas.microsoft.com/office/drawing/2014/main" val="1865796830"/>
+                  </a:ext>
+                </a:extLst>
+              </a:tr>
+              <a:tr h="420893">
+                <a:tc>
+                  <a:txBody>
+                    <a:bodyPr/>
+                    <a:lstStyle/>
+                    <a:p>
+                      <a:pPr algn="ctr"/>
+                      <a:r>
+                        <a:rPr kumimoji="1" lang="en-US" altLang="ja-JP" dirty="0"/>
+                        <a:t>3</a:t>
+                      </a:r>
+                      <a:endParaRPr kumimoji="1" lang="ja-JP" altLang="en-US"/>
+                    </a:p>
+                  </a:txBody>
+                  <a:tcPr/>
+                </a:tc>
+                <a:tc>
+                  <a:txBody>
+                    <a:bodyPr/>
+                    <a:lstStyle/>
+                    <a:p>
+                      <a:pPr algn="ctr"/>
+                      <a:r>
+                        <a:rPr kumimoji="1" lang="en-US" altLang="ja-JP" dirty="0"/>
+                        <a:t>3</a:t>
+                      </a:r>
+                      <a:endParaRPr kumimoji="1" lang="ja-JP" altLang="en-US"/>
+                    </a:p>
+                  </a:txBody>
+                  <a:tcPr/>
+                </a:tc>
+                <a:tc>
+                  <a:txBody>
+                    <a:bodyPr/>
+                    <a:lstStyle/>
+                    <a:p>
+                      <a:pPr algn="ctr"/>
+                      <a:r>
+                        <a:rPr kumimoji="1" lang="en-US" altLang="ja-JP" dirty="0"/>
+                        <a:t>2</a:t>
+                      </a:r>
+                      <a:endParaRPr kumimoji="1" lang="ja-JP" altLang="en-US"/>
+                    </a:p>
+                  </a:txBody>
+                  <a:tcPr/>
+                </a:tc>
+                <a:tc>
+                  <a:txBody>
+                    <a:bodyPr/>
+                    <a:lstStyle/>
+                    <a:p>
+                      <a:pPr algn="ctr"/>
+                      <a:r>
+                        <a:rPr kumimoji="1" lang="en-US" altLang="ja-JP" dirty="0"/>
+                        <a:t>2</a:t>
+                      </a:r>
+                      <a:endParaRPr kumimoji="1" lang="ja-JP" altLang="en-US"/>
+                    </a:p>
+                  </a:txBody>
+                  <a:tcPr/>
+                </a:tc>
+                <a:extLst>
+                  <a:ext uri="{0D108BD9-81ED-4DB2-BD59-A6C34878D82A}">
+                    <a16:rowId xmlns:a16="http://schemas.microsoft.com/office/drawing/2014/main" val="2069694502"/>
+                  </a:ext>
+                </a:extLst>
+              </a:tr>
+              <a:tr h="420893">
+                <a:tc>
+                  <a:txBody>
+                    <a:bodyPr/>
+                    <a:lstStyle/>
+                    <a:p>
+                      <a:pPr algn="ctr"/>
+                      <a:r>
+                        <a:rPr kumimoji="1" lang="en-US" altLang="ja-JP" dirty="0"/>
+                        <a:t>3</a:t>
+                      </a:r>
+                      <a:endParaRPr kumimoji="1" lang="ja-JP" altLang="en-US"/>
+                    </a:p>
+                  </a:txBody>
+                  <a:tcPr/>
+                </a:tc>
+                <a:tc>
+                  <a:txBody>
+                    <a:bodyPr/>
+                    <a:lstStyle/>
+                    <a:p>
+                      <a:pPr algn="ctr"/>
+                      <a:r>
+                        <a:rPr kumimoji="1" lang="en-US" altLang="ja-JP" dirty="0"/>
+                        <a:t>3</a:t>
+                      </a:r>
+                      <a:endParaRPr kumimoji="1" lang="ja-JP" altLang="en-US"/>
+                    </a:p>
+                  </a:txBody>
+                  <a:tcPr/>
+                </a:tc>
+                <a:tc>
+                  <a:txBody>
+                    <a:bodyPr/>
+                    <a:lstStyle/>
+                    <a:p>
+                      <a:pPr algn="ctr"/>
+                      <a:r>
+                        <a:rPr kumimoji="1" lang="en-US" altLang="ja-JP" dirty="0"/>
+                        <a:t>3</a:t>
+                      </a:r>
+                      <a:endParaRPr kumimoji="1" lang="ja-JP" altLang="en-US"/>
+                    </a:p>
+                  </a:txBody>
+                  <a:tcPr/>
+                </a:tc>
+                <a:tc>
+                  <a:txBody>
+                    <a:bodyPr/>
+                    <a:lstStyle/>
+                    <a:p>
+                      <a:pPr algn="ctr"/>
+                      <a:r>
+                        <a:rPr kumimoji="1" lang="en-US" altLang="ja-JP" dirty="0"/>
+                        <a:t>2</a:t>
+                      </a:r>
+                      <a:endParaRPr kumimoji="1" lang="ja-JP" altLang="en-US"/>
+                    </a:p>
+                  </a:txBody>
+                  <a:tcPr/>
+                </a:tc>
+                <a:extLst>
+                  <a:ext uri="{0D108BD9-81ED-4DB2-BD59-A6C34878D82A}">
+                    <a16:rowId xmlns:a16="http://schemas.microsoft.com/office/drawing/2014/main" val="3706934724"/>
+                  </a:ext>
+                </a:extLst>
+              </a:tr>
+            </a:tbl>
+          </a:graphicData>
+        </a:graphic>
+      </p:graphicFrame>
+      <p:sp>
+        <p:nvSpPr>
+          <p:cNvPr id="87" name="ホームベース 86">
+            <a:extLst>
+              <a:ext uri="{FF2B5EF4-FFF2-40B4-BE49-F238E27FC236}">
+                <a16:creationId xmlns:a16="http://schemas.microsoft.com/office/drawing/2014/main" id="{160AA7B3-E227-B24A-ABC1-C96CCD8A9C87}"/>
+              </a:ext>
+            </a:extLst>
+          </p:cNvPr>
+          <p:cNvSpPr/>
+          <p:nvPr/>
+        </p:nvSpPr>
+        <p:spPr>
+          <a:xfrm>
+            <a:off x="4037434" y="4425907"/>
+            <a:ext cx="2396691" cy="1281718"/>
+          </a:xfrm>
+          <a:prstGeom prst="homePlate">
+            <a:avLst/>
+          </a:prstGeom>
+          <a:noFill/>
+          <a:ln>
+            <a:solidFill>
+              <a:schemeClr val="tx1"/>
+            </a:solidFill>
+          </a:ln>
+        </p:spPr>
+        <p:style>
+          <a:lnRef idx="2">
+            <a:schemeClr val="accent1">
+              <a:shade val="50000"/>
+            </a:schemeClr>
+          </a:lnRef>
+          <a:fillRef idx="1">
+            <a:schemeClr val="accent1"/>
+          </a:fillRef>
+          <a:effectRef idx="0">
+            <a:schemeClr val="accent1"/>
+          </a:effectRef>
+          <a:fontRef idx="minor">
+            <a:schemeClr val="lt1"/>
+          </a:fontRef>
+        </p:style>
+        <p:txBody>
+          <a:bodyPr rtlCol="0" anchor="ctr"/>
+          <a:lstStyle/>
+          <a:p>
+            <a:pPr algn="ctr"/>
+            <a:endParaRPr kumimoji="1" lang="ja-JP" altLang="en-US"/>
+          </a:p>
+        </p:txBody>
+      </p:sp>
+      <p:sp>
+        <p:nvSpPr>
+          <p:cNvPr id="88" name="円/楕円 87">
+            <a:extLst>
+              <a:ext uri="{FF2B5EF4-FFF2-40B4-BE49-F238E27FC236}">
+                <a16:creationId xmlns:a16="http://schemas.microsoft.com/office/drawing/2014/main" id="{7E57D12A-8D37-3F42-891B-34252FFC2F3E}"/>
+              </a:ext>
+            </a:extLst>
+          </p:cNvPr>
+          <p:cNvSpPr/>
+          <p:nvPr/>
+        </p:nvSpPr>
+        <p:spPr>
+          <a:xfrm>
+            <a:off x="4263628" y="4617633"/>
+            <a:ext cx="250257" cy="250257"/>
+          </a:xfrm>
+          <a:prstGeom prst="ellipse">
+            <a:avLst/>
+          </a:prstGeom>
+          <a:solidFill>
+            <a:schemeClr val="bg1">
+              <a:lumMod val="75000"/>
+            </a:schemeClr>
+          </a:solidFill>
+          <a:ln>
+            <a:solidFill>
+              <a:schemeClr val="tx1"/>
+            </a:solidFill>
+          </a:ln>
+        </p:spPr>
+        <p:style>
+          <a:lnRef idx="2">
+            <a:schemeClr val="accent1">
+              <a:shade val="50000"/>
+            </a:schemeClr>
+          </a:lnRef>
+          <a:fillRef idx="1">
+            <a:schemeClr val="accent1"/>
+          </a:fillRef>
+          <a:effectRef idx="0">
+            <a:schemeClr val="accent1"/>
+          </a:effectRef>
+          <a:fontRef idx="minor">
+            <a:schemeClr val="lt1"/>
+          </a:fontRef>
+        </p:style>
+        <p:txBody>
+          <a:bodyPr rtlCol="0" anchor="ctr"/>
+          <a:lstStyle/>
+          <a:p>
+            <a:pPr algn="ctr"/>
+            <a:endParaRPr kumimoji="1" lang="ja-JP" altLang="en-US"/>
+          </a:p>
+        </p:txBody>
+      </p:sp>
+      <p:sp>
+        <p:nvSpPr>
+          <p:cNvPr id="89" name="円/楕円 88">
+            <a:extLst>
+              <a:ext uri="{FF2B5EF4-FFF2-40B4-BE49-F238E27FC236}">
+                <a16:creationId xmlns:a16="http://schemas.microsoft.com/office/drawing/2014/main" id="{63C44443-60C4-8F41-A8EC-06747F426285}"/>
+              </a:ext>
+            </a:extLst>
+          </p:cNvPr>
+          <p:cNvSpPr/>
+          <p:nvPr/>
+        </p:nvSpPr>
+        <p:spPr>
+          <a:xfrm>
+            <a:off x="4788605" y="4617633"/>
+            <a:ext cx="250257" cy="250257"/>
+          </a:xfrm>
+          <a:prstGeom prst="ellipse">
+            <a:avLst/>
+          </a:prstGeom>
+          <a:solidFill>
+            <a:schemeClr val="bg1">
+              <a:lumMod val="75000"/>
+            </a:schemeClr>
+          </a:solidFill>
+          <a:ln>
+            <a:solidFill>
+              <a:schemeClr val="tx1"/>
+            </a:solidFill>
+          </a:ln>
+        </p:spPr>
+        <p:style>
+          <a:lnRef idx="2">
+            <a:schemeClr val="accent1">
+              <a:shade val="50000"/>
+            </a:schemeClr>
+          </a:lnRef>
+          <a:fillRef idx="1">
+            <a:schemeClr val="accent1"/>
+          </a:fillRef>
+          <a:effectRef idx="0">
+            <a:schemeClr val="accent1"/>
+          </a:effectRef>
+          <a:fontRef idx="minor">
+            <a:schemeClr val="lt1"/>
+          </a:fontRef>
+        </p:style>
+        <p:txBody>
+          <a:bodyPr rtlCol="0" anchor="ctr"/>
+          <a:lstStyle/>
+          <a:p>
+            <a:pPr algn="ctr"/>
+            <a:endParaRPr kumimoji="1" lang="ja-JP" altLang="en-US"/>
+          </a:p>
+        </p:txBody>
+      </p:sp>
+      <p:sp>
+        <p:nvSpPr>
+          <p:cNvPr id="90" name="円/楕円 89">
+            <a:extLst>
+              <a:ext uri="{FF2B5EF4-FFF2-40B4-BE49-F238E27FC236}">
+                <a16:creationId xmlns:a16="http://schemas.microsoft.com/office/drawing/2014/main" id="{68953286-6D8C-574D-9AA5-2D124C5F6A3D}"/>
+              </a:ext>
+            </a:extLst>
+          </p:cNvPr>
+          <p:cNvSpPr/>
+          <p:nvPr/>
+        </p:nvSpPr>
+        <p:spPr>
+          <a:xfrm>
+            <a:off x="5313583" y="4617633"/>
+            <a:ext cx="250257" cy="250257"/>
+          </a:xfrm>
+          <a:prstGeom prst="ellipse">
+            <a:avLst/>
+          </a:prstGeom>
+          <a:solidFill>
+            <a:schemeClr val="bg1">
+              <a:lumMod val="75000"/>
+            </a:schemeClr>
+          </a:solidFill>
+          <a:ln>
+            <a:solidFill>
+              <a:schemeClr val="tx1"/>
+            </a:solidFill>
+          </a:ln>
+        </p:spPr>
+        <p:style>
+          <a:lnRef idx="2">
+            <a:schemeClr val="accent1">
+              <a:shade val="50000"/>
+            </a:schemeClr>
+          </a:lnRef>
+          <a:fillRef idx="1">
+            <a:schemeClr val="accent1"/>
+          </a:fillRef>
+          <a:effectRef idx="0">
+            <a:schemeClr val="accent1"/>
+          </a:effectRef>
+          <a:fontRef idx="minor">
+            <a:schemeClr val="lt1"/>
+          </a:fontRef>
+        </p:style>
+        <p:txBody>
+          <a:bodyPr rtlCol="0" anchor="ctr"/>
+          <a:lstStyle/>
+          <a:p>
+            <a:pPr algn="ctr"/>
+            <a:endParaRPr kumimoji="1" lang="ja-JP" altLang="en-US"/>
+          </a:p>
+        </p:txBody>
+      </p:sp>
+      <p:sp>
+        <p:nvSpPr>
+          <p:cNvPr id="91" name="直角三角形 90">
+            <a:extLst>
+              <a:ext uri="{FF2B5EF4-FFF2-40B4-BE49-F238E27FC236}">
+                <a16:creationId xmlns:a16="http://schemas.microsoft.com/office/drawing/2014/main" id="{5BA4F685-4A00-4F46-9136-268C15EA9DCA}"/>
+              </a:ext>
+            </a:extLst>
+          </p:cNvPr>
+          <p:cNvSpPr/>
+          <p:nvPr/>
+        </p:nvSpPr>
+        <p:spPr>
+          <a:xfrm rot="10800000">
+            <a:off x="1609194" y="5066764"/>
+            <a:ext cx="503999" cy="1534515"/>
+          </a:xfrm>
+          <a:prstGeom prst="rtTriangle">
+            <a:avLst/>
+          </a:prstGeom>
+          <a:solidFill>
+            <a:schemeClr val="bg1">
+              <a:lumMod val="75000"/>
+            </a:schemeClr>
+          </a:solidFill>
+          <a:ln>
+            <a:solidFill>
+              <a:schemeClr val="tx1"/>
+            </a:solidFill>
+          </a:ln>
+        </p:spPr>
+        <p:style>
+          <a:lnRef idx="2">
+            <a:schemeClr val="accent1">
+              <a:shade val="50000"/>
+            </a:schemeClr>
+          </a:lnRef>
+          <a:fillRef idx="1">
+            <a:schemeClr val="accent1"/>
+          </a:fillRef>
+          <a:effectRef idx="0">
+            <a:schemeClr val="accent1"/>
+          </a:effectRef>
+          <a:fontRef idx="minor">
+            <a:schemeClr val="lt1"/>
+          </a:fontRef>
+        </p:style>
+        <p:txBody>
+          <a:bodyPr rtlCol="0" anchor="ctr"/>
+          <a:lstStyle/>
+          <a:p>
+            <a:pPr algn="ctr"/>
+            <a:endParaRPr kumimoji="1" lang="ja-JP" altLang="en-US"/>
+          </a:p>
+        </p:txBody>
+      </p:sp>
+      <p:sp>
+        <p:nvSpPr>
+          <p:cNvPr id="92" name="直角三角形 91">
+            <a:extLst>
+              <a:ext uri="{FF2B5EF4-FFF2-40B4-BE49-F238E27FC236}">
+                <a16:creationId xmlns:a16="http://schemas.microsoft.com/office/drawing/2014/main" id="{A960C1F8-8D6A-7042-B2E4-E37A7864040B}"/>
+              </a:ext>
+            </a:extLst>
+          </p:cNvPr>
+          <p:cNvSpPr/>
+          <p:nvPr/>
+        </p:nvSpPr>
+        <p:spPr>
+          <a:xfrm rot="10800000" flipH="1">
+            <a:off x="6757413" y="5066763"/>
+            <a:ext cx="503999" cy="1534513"/>
+          </a:xfrm>
+          <a:prstGeom prst="rtTriangle">
+            <a:avLst/>
+          </a:prstGeom>
+          <a:solidFill>
+            <a:schemeClr val="bg1">
+              <a:lumMod val="75000"/>
+            </a:schemeClr>
+          </a:solidFill>
+          <a:ln>
+            <a:solidFill>
+              <a:schemeClr val="tx1"/>
+            </a:solidFill>
+          </a:ln>
+        </p:spPr>
+        <p:style>
+          <a:lnRef idx="2">
+            <a:schemeClr val="accent1">
+              <a:shade val="50000"/>
+            </a:schemeClr>
+          </a:lnRef>
+          <a:fillRef idx="1">
+            <a:schemeClr val="accent1"/>
+          </a:fillRef>
+          <a:effectRef idx="0">
+            <a:schemeClr val="accent1"/>
+          </a:effectRef>
+          <a:fontRef idx="minor">
+            <a:schemeClr val="lt1"/>
+          </a:fontRef>
+        </p:style>
+        <p:txBody>
+          <a:bodyPr rtlCol="0" anchor="ctr"/>
+          <a:lstStyle/>
+          <a:p>
+            <a:pPr algn="ctr"/>
+            <a:endParaRPr kumimoji="1" lang="ja-JP" altLang="en-US"/>
+          </a:p>
+        </p:txBody>
+      </p:sp>
+      <p:sp>
+        <p:nvSpPr>
+          <p:cNvPr id="93" name="正方形/長方形 92">
+            <a:extLst>
+              <a:ext uri="{FF2B5EF4-FFF2-40B4-BE49-F238E27FC236}">
+                <a16:creationId xmlns:a16="http://schemas.microsoft.com/office/drawing/2014/main" id="{541FACF3-C38A-C047-B1E7-C2C263C5548F}"/>
+              </a:ext>
+            </a:extLst>
+          </p:cNvPr>
+          <p:cNvSpPr/>
+          <p:nvPr/>
+        </p:nvSpPr>
+        <p:spPr>
+          <a:xfrm>
+            <a:off x="5038862" y="4098684"/>
+            <a:ext cx="274721" cy="327223"/>
+          </a:xfrm>
+          <a:prstGeom prst="rect">
+            <a:avLst/>
+          </a:prstGeom>
+          <a:solidFill>
+            <a:schemeClr val="bg1">
+              <a:lumMod val="75000"/>
+            </a:schemeClr>
+          </a:solidFill>
+          <a:ln>
+            <a:solidFill>
+              <a:schemeClr val="tx1"/>
+            </a:solidFill>
+          </a:ln>
+        </p:spPr>
+        <p:style>
+          <a:lnRef idx="2">
+            <a:schemeClr val="accent1">
+              <a:shade val="50000"/>
+            </a:schemeClr>
+          </a:lnRef>
+          <a:fillRef idx="1">
+            <a:schemeClr val="accent1"/>
+          </a:fillRef>
+          <a:effectRef idx="0">
+            <a:schemeClr val="accent1"/>
+          </a:effectRef>
+          <a:fontRef idx="minor">
+            <a:schemeClr val="lt1"/>
+          </a:fontRef>
+        </p:style>
+        <p:txBody>
+          <a:bodyPr rtlCol="0" anchor="ctr"/>
+          <a:lstStyle/>
+          <a:p>
+            <a:pPr algn="ctr"/>
+            <a:endParaRPr kumimoji="1" lang="ja-JP" altLang="en-US"/>
+          </a:p>
+        </p:txBody>
+      </p:sp>
+      <p:graphicFrame>
+        <p:nvGraphicFramePr>
+          <p:cNvPr id="94" name="表 11">
+            <a:extLst>
+              <a:ext uri="{FF2B5EF4-FFF2-40B4-BE49-F238E27FC236}">
+                <a16:creationId xmlns:a16="http://schemas.microsoft.com/office/drawing/2014/main" id="{BE81E672-4784-3944-8755-21A0ED107A50}"/>
+              </a:ext>
+            </a:extLst>
+          </p:cNvPr>
+          <p:cNvGraphicFramePr>
+            <a:graphicFrameLocks noGrp="1"/>
+          </p:cNvGraphicFramePr>
+          <p:nvPr>
+            <p:extLst>
+              <p:ext uri="{D42A27DB-BD31-4B8C-83A1-F6EECF244321}">
+                <p14:modId xmlns:p14="http://schemas.microsoft.com/office/powerpoint/2010/main" val="2959979722"/>
+              </p:ext>
+            </p:extLst>
+          </p:nvPr>
+        </p:nvGraphicFramePr>
+        <p:xfrm>
+          <a:off x="2111981" y="5066766"/>
+          <a:ext cx="4644222" cy="1534515"/>
+        </p:xfrm>
+        <a:graphic>
+          <a:graphicData uri="http://schemas.openxmlformats.org/drawingml/2006/table">
+            <a:tbl>
+              <a:tblPr firstRow="1" bandRow="1">
+                <a:tableStyleId>{5C22544A-7EE6-4342-B048-85BDC9FD1C3A}</a:tableStyleId>
+              </a:tblPr>
+              <a:tblGrid>
+                <a:gridCol w="1548074">
+                  <a:extLst>
+                    <a:ext uri="{9D8B030D-6E8A-4147-A177-3AD203B41FA5}">
+                      <a16:colId xmlns:a16="http://schemas.microsoft.com/office/drawing/2014/main" val="1120760323"/>
+                    </a:ext>
+                  </a:extLst>
+                </a:gridCol>
+                <a:gridCol w="1548074">
+                  <a:extLst>
+                    <a:ext uri="{9D8B030D-6E8A-4147-A177-3AD203B41FA5}">
+                      <a16:colId xmlns:a16="http://schemas.microsoft.com/office/drawing/2014/main" val="1830531746"/>
+                    </a:ext>
+                  </a:extLst>
+                </a:gridCol>
+                <a:gridCol w="1548074">
+                  <a:extLst>
+                    <a:ext uri="{9D8B030D-6E8A-4147-A177-3AD203B41FA5}">
+                      <a16:colId xmlns:a16="http://schemas.microsoft.com/office/drawing/2014/main" val="3898694262"/>
+                    </a:ext>
+                  </a:extLst>
+                </a:gridCol>
+              </a:tblGrid>
+              <a:tr h="511505">
+                <a:tc>
+                  <a:txBody>
+                    <a:bodyPr/>
+                    <a:lstStyle/>
+                    <a:p>
+                      <a:endParaRPr kumimoji="1" lang="ja-JP" altLang="en-US"/>
+                    </a:p>
+                  </a:txBody>
+                  <a:tcPr>
+                    <a:lnL w="12700" cap="flat" cmpd="sng" algn="ctr">
+                      <a:solidFill>
+                        <a:schemeClr val="tx1"/>
+                      </a:solidFill>
+                      <a:prstDash val="solid"/>
+                      <a:round/>
+                      <a:headEnd type="none" w="med" len="med"/>
+                      <a:tailEnd type="none" w="med" len="med"/>
+                    </a:lnL>
+                    <a:lnR w="12700" cap="flat" cmpd="sng" algn="ctr">
+                      <a:solidFill>
+                        <a:schemeClr val="tx1"/>
+                      </a:solidFill>
+                      <a:prstDash val="solid"/>
+                      <a:round/>
+                      <a:headEnd type="none" w="med" len="med"/>
+                      <a:tailEnd type="none" w="med" len="med"/>
+                    </a:lnR>
+                    <a:lnT w="12700" cap="flat" cmpd="sng" algn="ctr">
+                      <a:solidFill>
+                        <a:schemeClr val="tx1"/>
+                      </a:solidFill>
+                      <a:prstDash val="solid"/>
+                      <a:round/>
+                      <a:headEnd type="none" w="med" len="med"/>
+                      <a:tailEnd type="none" w="med" len="med"/>
+                    </a:lnT>
+                    <a:lnB w="12700" cap="flat" cmpd="sng" algn="ctr">
+                      <a:solidFill>
+                        <a:schemeClr val="tx1"/>
+                      </a:solidFill>
+                      <a:prstDash val="solid"/>
+                      <a:round/>
+                      <a:headEnd type="none" w="med" len="med"/>
+                      <a:tailEnd type="none" w="med" len="med"/>
+                    </a:lnB>
+                    <a:lnTlToBr w="12700" cmpd="sng">
+                      <a:noFill/>
+                      <a:prstDash val="solid"/>
+                    </a:lnTlToBr>
+                    <a:lnBlToTr w="12700" cmpd="sng">
+                      <a:noFill/>
+                      <a:prstDash val="solid"/>
+                    </a:lnBlToTr>
+                    <a:solidFill>
+                      <a:schemeClr val="bg1"/>
+                    </a:solidFill>
+                  </a:tcPr>
+                </a:tc>
+                <a:tc>
+                  <a:txBody>
+                    <a:bodyPr/>
+                    <a:lstStyle/>
+                    <a:p>
+                      <a:endParaRPr kumimoji="1" lang="ja-JP" altLang="en-US"/>
+                    </a:p>
+                  </a:txBody>
+                  <a:tcPr>
+                    <a:lnL w="12700" cap="flat" cmpd="sng" algn="ctr">
+                      <a:solidFill>
+                        <a:schemeClr val="tx1"/>
+                      </a:solidFill>
+                      <a:prstDash val="solid"/>
+                      <a:round/>
+                      <a:headEnd type="none" w="med" len="med"/>
+                      <a:tailEnd type="none" w="med" len="med"/>
+                    </a:lnL>
+                    <a:lnR w="12700" cap="flat" cmpd="sng" algn="ctr">
+                      <a:solidFill>
+                        <a:schemeClr val="tx1"/>
+                      </a:solidFill>
+                      <a:prstDash val="solid"/>
+                      <a:round/>
+                      <a:headEnd type="none" w="med" len="med"/>
+                      <a:tailEnd type="none" w="med" len="med"/>
+                    </a:lnR>
+                    <a:lnT w="12700" cap="flat" cmpd="sng" algn="ctr">
+                      <a:solidFill>
+                        <a:schemeClr val="tx1"/>
+                      </a:solidFill>
+                      <a:prstDash val="solid"/>
+                      <a:round/>
+                      <a:headEnd type="none" w="med" len="med"/>
+                      <a:tailEnd type="none" w="med" len="med"/>
+                    </a:lnT>
+                    <a:lnB w="12700" cap="flat" cmpd="sng" algn="ctr">
+                      <a:solidFill>
+                        <a:schemeClr val="tx1"/>
+                      </a:solidFill>
+                      <a:prstDash val="solid"/>
+                      <a:round/>
+                      <a:headEnd type="none" w="med" len="med"/>
+                      <a:tailEnd type="none" w="med" len="med"/>
+                    </a:lnB>
+                    <a:lnTlToBr w="12700" cmpd="sng">
+                      <a:noFill/>
+                      <a:prstDash val="solid"/>
+                    </a:lnTlToBr>
+                    <a:lnBlToTr w="12700" cmpd="sng">
+                      <a:noFill/>
+                      <a:prstDash val="solid"/>
+                    </a:lnBlToTr>
+                    <a:solidFill>
+                      <a:schemeClr val="bg1"/>
+                    </a:solidFill>
+                  </a:tcPr>
+                </a:tc>
+                <a:tc>
+                  <a:txBody>
+                    <a:bodyPr/>
+                    <a:lstStyle/>
+                    <a:p>
+                      <a:endParaRPr kumimoji="1" lang="ja-JP" altLang="en-US"/>
+                    </a:p>
+                  </a:txBody>
+                  <a:tcPr>
+                    <a:lnL w="12700" cap="flat" cmpd="sng" algn="ctr">
+                      <a:solidFill>
+                        <a:schemeClr val="tx1"/>
+                      </a:solidFill>
+                      <a:prstDash val="solid"/>
+                      <a:round/>
+                      <a:headEnd type="none" w="med" len="med"/>
+                      <a:tailEnd type="none" w="med" len="med"/>
+                    </a:lnL>
+                    <a:lnR w="12700" cap="flat" cmpd="sng" algn="ctr">
+                      <a:solidFill>
+                        <a:schemeClr val="tx1"/>
+                      </a:solidFill>
+                      <a:prstDash val="solid"/>
+                      <a:round/>
+                      <a:headEnd type="none" w="med" len="med"/>
+                      <a:tailEnd type="none" w="med" len="med"/>
+                    </a:lnR>
+                    <a:lnT w="12700" cap="flat" cmpd="sng" algn="ctr">
+                      <a:solidFill>
+                        <a:schemeClr val="tx1"/>
+                      </a:solidFill>
+                      <a:prstDash val="solid"/>
+                      <a:round/>
+                      <a:headEnd type="none" w="med" len="med"/>
+                      <a:tailEnd type="none" w="med" len="med"/>
+                    </a:lnT>
+                    <a:lnB w="12700" cap="flat" cmpd="sng" algn="ctr">
+                      <a:solidFill>
+                        <a:schemeClr val="tx1"/>
+                      </a:solidFill>
+                      <a:prstDash val="solid"/>
+                      <a:round/>
+                      <a:headEnd type="none" w="med" len="med"/>
+                      <a:tailEnd type="none" w="med" len="med"/>
+                    </a:lnB>
+                    <a:solidFill>
+                      <a:schemeClr val="bg1"/>
+                    </a:solidFill>
+                  </a:tcPr>
+                </a:tc>
+                <a:extLst>
+                  <a:ext uri="{0D108BD9-81ED-4DB2-BD59-A6C34878D82A}">
+                    <a16:rowId xmlns:a16="http://schemas.microsoft.com/office/drawing/2014/main" val="4197178994"/>
+                  </a:ext>
+                </a:extLst>
+              </a:tr>
+              <a:tr h="511505">
+                <a:tc>
+                  <a:txBody>
+                    <a:bodyPr/>
+                    <a:lstStyle/>
+                    <a:p>
+                      <a:endParaRPr kumimoji="1" lang="ja-JP" altLang="en-US">
+                        <a:solidFill>
+                          <a:srgbClr val="FF0000"/>
+                        </a:solidFill>
+                      </a:endParaRPr>
+                    </a:p>
+                  </a:txBody>
+                  <a:tcPr>
+                    <a:lnL w="12700" cap="flat" cmpd="sng" algn="ctr">
+                      <a:solidFill>
+                        <a:schemeClr val="tx1"/>
+                      </a:solidFill>
+                      <a:prstDash val="solid"/>
+                      <a:round/>
+                      <a:headEnd type="none" w="med" len="med"/>
+                      <a:tailEnd type="none" w="med" len="med"/>
+                    </a:lnL>
+                    <a:lnR w="12700" cap="flat" cmpd="sng" algn="ctr">
+                      <a:solidFill>
+                        <a:schemeClr val="tx1"/>
+                      </a:solidFill>
+                      <a:prstDash val="solid"/>
+                      <a:round/>
+                      <a:headEnd type="none" w="med" len="med"/>
+                      <a:tailEnd type="none" w="med" len="med"/>
+                    </a:lnR>
+                    <a:lnT w="12700" cap="flat" cmpd="sng" algn="ctr">
+                      <a:solidFill>
+                        <a:schemeClr val="tx1"/>
+                      </a:solidFill>
+                      <a:prstDash val="solid"/>
+                      <a:round/>
+                      <a:headEnd type="none" w="med" len="med"/>
+                      <a:tailEnd type="none" w="med" len="med"/>
+                    </a:lnT>
+                    <a:lnB w="12700" cap="flat" cmpd="sng" algn="ctr">
+                      <a:solidFill>
+                        <a:schemeClr val="tx1"/>
+                      </a:solidFill>
+                      <a:prstDash val="solid"/>
+                      <a:round/>
+                      <a:headEnd type="none" w="med" len="med"/>
+                      <a:tailEnd type="none" w="med" len="med"/>
+                    </a:lnB>
+                    <a:solidFill>
+                      <a:schemeClr val="bg1"/>
+                    </a:solidFill>
+                  </a:tcPr>
+                </a:tc>
+                <a:tc>
+                  <a:txBody>
+                    <a:bodyPr/>
+                    <a:lstStyle/>
+                    <a:p>
+                      <a:endParaRPr kumimoji="1" lang="ja-JP" altLang="en-US"/>
+                    </a:p>
+                  </a:txBody>
+                  <a:tcPr>
+                    <a:lnL w="12700" cap="flat" cmpd="sng" algn="ctr">
+                      <a:solidFill>
+                        <a:schemeClr val="tx1"/>
+                      </a:solidFill>
+                      <a:prstDash val="solid"/>
+                      <a:round/>
+                      <a:headEnd type="none" w="med" len="med"/>
+                      <a:tailEnd type="none" w="med" len="med"/>
+                    </a:lnL>
+                    <a:lnR w="12700" cap="flat" cmpd="sng" algn="ctr">
+                      <a:solidFill>
+                        <a:schemeClr val="tx1"/>
+                      </a:solidFill>
+                      <a:prstDash val="solid"/>
+                      <a:round/>
+                      <a:headEnd type="none" w="med" len="med"/>
+                      <a:tailEnd type="none" w="med" len="med"/>
+                    </a:lnR>
+                    <a:lnT w="12700" cap="flat" cmpd="sng" algn="ctr">
+                      <a:solidFill>
+                        <a:schemeClr val="tx1"/>
+                      </a:solidFill>
+                      <a:prstDash val="solid"/>
+                      <a:round/>
+                      <a:headEnd type="none" w="med" len="med"/>
+                      <a:tailEnd type="none" w="med" len="med"/>
+                    </a:lnT>
+                    <a:lnB w="12700" cap="flat" cmpd="sng" algn="ctr">
+                      <a:solidFill>
+                        <a:schemeClr val="tx1"/>
+                      </a:solidFill>
+                      <a:prstDash val="solid"/>
+                      <a:round/>
+                      <a:headEnd type="none" w="med" len="med"/>
+                      <a:tailEnd type="none" w="med" len="med"/>
+                    </a:lnB>
+                    <a:solidFill>
+                      <a:schemeClr val="bg1"/>
+                    </a:solidFill>
+                  </a:tcPr>
+                </a:tc>
+                <a:tc>
+                  <a:txBody>
+                    <a:bodyPr/>
+                    <a:lstStyle/>
+                    <a:p>
+                      <a:endParaRPr kumimoji="1" lang="ja-JP" altLang="en-US"/>
+                    </a:p>
+                  </a:txBody>
+                  <a:tcPr>
+                    <a:lnL w="12700" cap="flat" cmpd="sng" algn="ctr">
+                      <a:solidFill>
+                        <a:schemeClr val="tx1"/>
+                      </a:solidFill>
+                      <a:prstDash val="solid"/>
+                      <a:round/>
+                      <a:headEnd type="none" w="med" len="med"/>
+                      <a:tailEnd type="none" w="med" len="med"/>
+                    </a:lnL>
+                    <a:lnR w="12700" cap="flat" cmpd="sng" algn="ctr">
+                      <a:solidFill>
+                        <a:schemeClr val="tx1"/>
+                      </a:solidFill>
+                      <a:prstDash val="solid"/>
+                      <a:round/>
+                      <a:headEnd type="none" w="med" len="med"/>
+                      <a:tailEnd type="none" w="med" len="med"/>
+                    </a:lnR>
+                    <a:lnT w="12700" cap="flat" cmpd="sng" algn="ctr">
+                      <a:solidFill>
+                        <a:schemeClr val="tx1"/>
+                      </a:solidFill>
+                      <a:prstDash val="solid"/>
+                      <a:round/>
+                      <a:headEnd type="none" w="med" len="med"/>
+                      <a:tailEnd type="none" w="med" len="med"/>
+                    </a:lnT>
+                    <a:lnB w="12700" cap="flat" cmpd="sng" algn="ctr">
+                      <a:solidFill>
+                        <a:schemeClr val="tx1"/>
+                      </a:solidFill>
+                      <a:prstDash val="solid"/>
+                      <a:round/>
+                      <a:headEnd type="none" w="med" len="med"/>
+                      <a:tailEnd type="none" w="med" len="med"/>
+                    </a:lnB>
+                    <a:solidFill>
+                      <a:schemeClr val="bg1"/>
+                    </a:solidFill>
+                  </a:tcPr>
+                </a:tc>
+                <a:extLst>
+                  <a:ext uri="{0D108BD9-81ED-4DB2-BD59-A6C34878D82A}">
+                    <a16:rowId xmlns:a16="http://schemas.microsoft.com/office/drawing/2014/main" val="3688764702"/>
+                  </a:ext>
+                </a:extLst>
+              </a:tr>
+              <a:tr h="511505">
+                <a:tc>
+                  <a:txBody>
+                    <a:bodyPr/>
+                    <a:lstStyle/>
+                    <a:p>
+                      <a:endParaRPr kumimoji="1" lang="ja-JP" altLang="en-US"/>
+                    </a:p>
+                  </a:txBody>
+                  <a:tcPr>
+                    <a:lnL w="12700" cap="flat" cmpd="sng" algn="ctr">
+                      <a:solidFill>
+                        <a:schemeClr val="tx1"/>
+                      </a:solidFill>
+                      <a:prstDash val="solid"/>
+                      <a:round/>
+                      <a:headEnd type="none" w="med" len="med"/>
+                      <a:tailEnd type="none" w="med" len="med"/>
+                    </a:lnL>
+                    <a:lnR w="12700" cap="flat" cmpd="sng" algn="ctr">
+                      <a:solidFill>
+                        <a:schemeClr val="tx1"/>
+                      </a:solidFill>
+                      <a:prstDash val="solid"/>
+                      <a:round/>
+                      <a:headEnd type="none" w="med" len="med"/>
+                      <a:tailEnd type="none" w="med" len="med"/>
+                    </a:lnR>
+                    <a:lnT w="12700" cap="flat" cmpd="sng" algn="ctr">
+                      <a:solidFill>
+                        <a:schemeClr val="tx1"/>
+                      </a:solidFill>
+                      <a:prstDash val="solid"/>
+                      <a:round/>
+                      <a:headEnd type="none" w="med" len="med"/>
+                      <a:tailEnd type="none" w="med" len="med"/>
+                    </a:lnT>
+                    <a:lnB w="12700" cap="flat" cmpd="sng" algn="ctr">
+                      <a:solidFill>
+                        <a:schemeClr val="tx1"/>
+                      </a:solidFill>
+                      <a:prstDash val="solid"/>
+                      <a:round/>
+                      <a:headEnd type="none" w="med" len="med"/>
+                      <a:tailEnd type="none" w="med" len="med"/>
+                    </a:lnB>
+                    <a:solidFill>
+                      <a:schemeClr val="bg1"/>
+                    </a:solidFill>
+                  </a:tcPr>
+                </a:tc>
+                <a:tc>
+                  <a:txBody>
+                    <a:bodyPr/>
+                    <a:lstStyle/>
+                    <a:p>
+                      <a:endParaRPr kumimoji="1" lang="ja-JP" altLang="en-US"/>
+                    </a:p>
+                  </a:txBody>
+                  <a:tcPr>
+                    <a:lnL w="12700" cap="flat" cmpd="sng" algn="ctr">
+                      <a:solidFill>
+                        <a:schemeClr val="tx1"/>
+                      </a:solidFill>
+                      <a:prstDash val="solid"/>
+                      <a:round/>
+                      <a:headEnd type="none" w="med" len="med"/>
+                      <a:tailEnd type="none" w="med" len="med"/>
+                    </a:lnL>
+                    <a:lnR w="12700" cap="flat" cmpd="sng" algn="ctr">
+                      <a:solidFill>
+                        <a:schemeClr val="tx1"/>
+                      </a:solidFill>
+                      <a:prstDash val="solid"/>
+                      <a:round/>
+                      <a:headEnd type="none" w="med" len="med"/>
+                      <a:tailEnd type="none" w="med" len="med"/>
+                    </a:lnR>
+                    <a:lnT w="12700" cap="flat" cmpd="sng" algn="ctr">
+                      <a:solidFill>
+                        <a:schemeClr val="tx1"/>
+                      </a:solidFill>
+                      <a:prstDash val="solid"/>
+                      <a:round/>
+                      <a:headEnd type="none" w="med" len="med"/>
+                      <a:tailEnd type="none" w="med" len="med"/>
+                    </a:lnT>
+                    <a:lnB w="12700" cap="flat" cmpd="sng" algn="ctr">
+                      <a:solidFill>
+                        <a:schemeClr val="tx1"/>
+                      </a:solidFill>
+                      <a:prstDash val="solid"/>
+                      <a:round/>
+                      <a:headEnd type="none" w="med" len="med"/>
+                      <a:tailEnd type="none" w="med" len="med"/>
+                    </a:lnB>
+                    <a:solidFill>
+                      <a:schemeClr val="bg1"/>
+                    </a:solidFill>
+                  </a:tcPr>
+                </a:tc>
+                <a:tc>
+                  <a:txBody>
+                    <a:bodyPr/>
+                    <a:lstStyle/>
+                    <a:p>
+                      <a:endParaRPr kumimoji="1" lang="ja-JP" altLang="en-US"/>
+                    </a:p>
+                  </a:txBody>
+                  <a:tcPr>
+                    <a:lnL w="12700" cap="flat" cmpd="sng" algn="ctr">
+                      <a:solidFill>
+                        <a:schemeClr val="tx1"/>
+                      </a:solidFill>
+                      <a:prstDash val="solid"/>
+                      <a:round/>
+                      <a:headEnd type="none" w="med" len="med"/>
+                      <a:tailEnd type="none" w="med" len="med"/>
+                    </a:lnL>
+                    <a:lnR w="12700" cap="flat" cmpd="sng" algn="ctr">
+                      <a:solidFill>
+                        <a:schemeClr val="tx1"/>
+                      </a:solidFill>
+                      <a:prstDash val="solid"/>
+                      <a:round/>
+                      <a:headEnd type="none" w="med" len="med"/>
+                      <a:tailEnd type="none" w="med" len="med"/>
+                    </a:lnR>
+                    <a:lnT w="12700" cap="flat" cmpd="sng" algn="ctr">
+                      <a:solidFill>
+                        <a:schemeClr val="tx1"/>
+                      </a:solidFill>
+                      <a:prstDash val="solid"/>
+                      <a:round/>
+                      <a:headEnd type="none" w="med" len="med"/>
+                      <a:tailEnd type="none" w="med" len="med"/>
+                    </a:lnT>
+                    <a:lnB w="12700" cap="flat" cmpd="sng" algn="ctr">
+                      <a:solidFill>
+                        <a:schemeClr val="tx1"/>
+                      </a:solidFill>
+                      <a:prstDash val="solid"/>
+                      <a:round/>
+                      <a:headEnd type="none" w="med" len="med"/>
+                      <a:tailEnd type="none" w="med" len="med"/>
+                    </a:lnB>
+                    <a:solidFill>
+                      <a:schemeClr val="bg1"/>
+                    </a:solidFill>
+                  </a:tcPr>
+                </a:tc>
+                <a:extLst>
+                  <a:ext uri="{0D108BD9-81ED-4DB2-BD59-A6C34878D82A}">
+                    <a16:rowId xmlns:a16="http://schemas.microsoft.com/office/drawing/2014/main" val="1514342851"/>
+                  </a:ext>
+                </a:extLst>
+              </a:tr>
+            </a:tbl>
+          </a:graphicData>
+        </a:graphic>
+      </p:graphicFrame>
+      <p:pic>
+        <p:nvPicPr>
+          <p:cNvPr id="95" name="図 94">
+            <a:extLst>
+              <a:ext uri="{FF2B5EF4-FFF2-40B4-BE49-F238E27FC236}">
+                <a16:creationId xmlns:a16="http://schemas.microsoft.com/office/drawing/2014/main" id="{F8FE2D65-D90F-B148-87BA-028E51C0B195}"/>
+              </a:ext>
+            </a:extLst>
+          </p:cNvPr>
+          <p:cNvPicPr>
+            <a:picLocks noChangeAspect="1"/>
+          </p:cNvPicPr>
+          <p:nvPr/>
+        </p:nvPicPr>
+        <p:blipFill>
+          <a:blip r:embed="rId2"/>
+          <a:stretch>
+            <a:fillRect/>
+          </a:stretch>
+        </p:blipFill>
+        <p:spPr>
+          <a:xfrm>
+            <a:off x="5246337" y="5122749"/>
+            <a:ext cx="672921" cy="487913"/>
+          </a:xfrm>
+          <a:prstGeom prst="rect">
+            <a:avLst/>
+          </a:prstGeom>
+        </p:spPr>
+      </p:pic>
+      <p:pic>
+        <p:nvPicPr>
+          <p:cNvPr id="96" name="図 95">
+            <a:extLst>
+              <a:ext uri="{FF2B5EF4-FFF2-40B4-BE49-F238E27FC236}">
+                <a16:creationId xmlns:a16="http://schemas.microsoft.com/office/drawing/2014/main" id="{4F23B0B4-FEC9-AE47-994F-4546A539C0BA}"/>
+              </a:ext>
+            </a:extLst>
+          </p:cNvPr>
+          <p:cNvPicPr>
+            <a:picLocks noChangeAspect="1"/>
+          </p:cNvPicPr>
+          <p:nvPr/>
+        </p:nvPicPr>
+        <p:blipFill>
+          <a:blip r:embed="rId2"/>
+          <a:stretch>
+            <a:fillRect/>
+          </a:stretch>
+        </p:blipFill>
+        <p:spPr>
+          <a:xfrm>
+            <a:off x="5994684" y="5126367"/>
+            <a:ext cx="672921" cy="487913"/>
+          </a:xfrm>
+          <a:prstGeom prst="rect">
+            <a:avLst/>
+          </a:prstGeom>
+        </p:spPr>
+      </p:pic>
+      <p:pic>
+        <p:nvPicPr>
+          <p:cNvPr id="97" name="図 96">
+            <a:extLst>
+              <a:ext uri="{FF2B5EF4-FFF2-40B4-BE49-F238E27FC236}">
+                <a16:creationId xmlns:a16="http://schemas.microsoft.com/office/drawing/2014/main" id="{F631B49B-033C-514F-A3C1-777314DBF1CB}"/>
+              </a:ext>
+            </a:extLst>
+          </p:cNvPr>
+          <p:cNvPicPr>
+            <a:picLocks noChangeAspect="1"/>
+          </p:cNvPicPr>
+          <p:nvPr/>
+        </p:nvPicPr>
+        <p:blipFill>
+          <a:blip r:embed="rId2"/>
+          <a:stretch>
+            <a:fillRect/>
+          </a:stretch>
+        </p:blipFill>
+        <p:spPr>
+          <a:xfrm>
+            <a:off x="2866409" y="5135368"/>
+            <a:ext cx="672921" cy="487913"/>
+          </a:xfrm>
+          <a:prstGeom prst="rect">
+            <a:avLst/>
+          </a:prstGeom>
+        </p:spPr>
+      </p:pic>
+      <p:pic>
+        <p:nvPicPr>
+          <p:cNvPr id="98" name="図 97">
+            <a:extLst>
+              <a:ext uri="{FF2B5EF4-FFF2-40B4-BE49-F238E27FC236}">
+                <a16:creationId xmlns:a16="http://schemas.microsoft.com/office/drawing/2014/main" id="{279A2D28-A143-C74D-82A9-FE64CC291397}"/>
+              </a:ext>
+            </a:extLst>
+          </p:cNvPr>
+          <p:cNvPicPr>
+            <a:picLocks noChangeAspect="1"/>
+          </p:cNvPicPr>
+          <p:nvPr/>
+        </p:nvPicPr>
+        <p:blipFill>
+          <a:blip r:embed="rId2"/>
+          <a:stretch>
+            <a:fillRect/>
+          </a:stretch>
+        </p:blipFill>
+        <p:spPr>
+          <a:xfrm>
+            <a:off x="2155631" y="5135369"/>
+            <a:ext cx="672921" cy="487913"/>
+          </a:xfrm>
+          <a:prstGeom prst="rect">
+            <a:avLst/>
+          </a:prstGeom>
+        </p:spPr>
+      </p:pic>
+      <p:pic>
+        <p:nvPicPr>
+          <p:cNvPr id="99" name="図 98">
+            <a:extLst>
+              <a:ext uri="{FF2B5EF4-FFF2-40B4-BE49-F238E27FC236}">
+                <a16:creationId xmlns:a16="http://schemas.microsoft.com/office/drawing/2014/main" id="{FCF5FBAF-3A40-334E-A1D8-E8CC504E43B7}"/>
+              </a:ext>
+            </a:extLst>
+          </p:cNvPr>
+          <p:cNvPicPr>
+            <a:picLocks noChangeAspect="1"/>
+          </p:cNvPicPr>
+          <p:nvPr/>
+        </p:nvPicPr>
+        <p:blipFill>
+          <a:blip r:embed="rId2"/>
+          <a:stretch>
+            <a:fillRect/>
+          </a:stretch>
+        </p:blipFill>
+        <p:spPr>
+          <a:xfrm>
+            <a:off x="3733525" y="5135369"/>
+            <a:ext cx="672921" cy="487913"/>
+          </a:xfrm>
+          <a:prstGeom prst="rect">
+            <a:avLst/>
+          </a:prstGeom>
+        </p:spPr>
+      </p:pic>
+      <p:pic>
+        <p:nvPicPr>
+          <p:cNvPr id="100" name="図 99">
+            <a:extLst>
+              <a:ext uri="{FF2B5EF4-FFF2-40B4-BE49-F238E27FC236}">
+                <a16:creationId xmlns:a16="http://schemas.microsoft.com/office/drawing/2014/main" id="{62460DDC-40AA-FE46-A0F0-BA91B1E9A41D}"/>
+              </a:ext>
+            </a:extLst>
+          </p:cNvPr>
+          <p:cNvPicPr>
+            <a:picLocks noChangeAspect="1"/>
+          </p:cNvPicPr>
+          <p:nvPr/>
+        </p:nvPicPr>
+        <p:blipFill>
+          <a:blip r:embed="rId2"/>
+          <a:stretch>
+            <a:fillRect/>
+          </a:stretch>
+        </p:blipFill>
+        <p:spPr>
+          <a:xfrm>
+            <a:off x="4462103" y="5135370"/>
+            <a:ext cx="672921" cy="487913"/>
+          </a:xfrm>
+          <a:prstGeom prst="rect">
+            <a:avLst/>
+          </a:prstGeom>
+        </p:spPr>
+      </p:pic>
+      <p:pic>
+        <p:nvPicPr>
+          <p:cNvPr id="101" name="図 100">
+            <a:extLst>
+              <a:ext uri="{FF2B5EF4-FFF2-40B4-BE49-F238E27FC236}">
+                <a16:creationId xmlns:a16="http://schemas.microsoft.com/office/drawing/2014/main" id="{34D66517-7049-F04B-8235-AAB9BBC0CEAD}"/>
+              </a:ext>
+            </a:extLst>
+          </p:cNvPr>
+          <p:cNvPicPr>
+            <a:picLocks noChangeAspect="1"/>
+          </p:cNvPicPr>
+          <p:nvPr/>
+        </p:nvPicPr>
+        <p:blipFill>
+          <a:blip r:embed="rId3"/>
+          <a:stretch>
+            <a:fillRect/>
+          </a:stretch>
+        </p:blipFill>
+        <p:spPr>
+          <a:xfrm>
+            <a:off x="2165407" y="5822612"/>
+            <a:ext cx="416618" cy="302076"/>
+          </a:xfrm>
+          <a:prstGeom prst="rect">
+            <a:avLst/>
+          </a:prstGeom>
+        </p:spPr>
+      </p:pic>
+      <p:pic>
+        <p:nvPicPr>
+          <p:cNvPr id="102" name="図 101">
+            <a:extLst>
+              <a:ext uri="{FF2B5EF4-FFF2-40B4-BE49-F238E27FC236}">
+                <a16:creationId xmlns:a16="http://schemas.microsoft.com/office/drawing/2014/main" id="{E36405C9-2397-FB4C-B6B4-60CFEFB0ABB0}"/>
+              </a:ext>
+            </a:extLst>
+          </p:cNvPr>
+          <p:cNvPicPr>
+            <a:picLocks noChangeAspect="1"/>
+          </p:cNvPicPr>
+          <p:nvPr/>
+        </p:nvPicPr>
+        <p:blipFill>
+          <a:blip r:embed="rId3"/>
+          <a:stretch>
+            <a:fillRect/>
+          </a:stretch>
+        </p:blipFill>
+        <p:spPr>
+          <a:xfrm>
+            <a:off x="2678550" y="5829085"/>
+            <a:ext cx="416618" cy="302076"/>
+          </a:xfrm>
+          <a:prstGeom prst="rect">
+            <a:avLst/>
+          </a:prstGeom>
+        </p:spPr>
+      </p:pic>
+      <p:pic>
+        <p:nvPicPr>
+          <p:cNvPr id="103" name="図 102">
+            <a:extLst>
+              <a:ext uri="{FF2B5EF4-FFF2-40B4-BE49-F238E27FC236}">
+                <a16:creationId xmlns:a16="http://schemas.microsoft.com/office/drawing/2014/main" id="{2F6C6E0D-C61B-4A4F-BAC1-A80AF2FF73D5}"/>
+              </a:ext>
+            </a:extLst>
+          </p:cNvPr>
+          <p:cNvPicPr>
+            <a:picLocks noChangeAspect="1"/>
+          </p:cNvPicPr>
+          <p:nvPr/>
+        </p:nvPicPr>
+        <p:blipFill>
+          <a:blip r:embed="rId3"/>
+          <a:stretch>
+            <a:fillRect/>
+          </a:stretch>
+        </p:blipFill>
+        <p:spPr>
+          <a:xfrm>
+            <a:off x="3163635" y="5818390"/>
+            <a:ext cx="416618" cy="302076"/>
+          </a:xfrm>
+          <a:prstGeom prst="rect">
+            <a:avLst/>
+          </a:prstGeom>
+        </p:spPr>
+      </p:pic>
+      <p:pic>
+        <p:nvPicPr>
+          <p:cNvPr id="104" name="図 103">
+            <a:extLst>
+              <a:ext uri="{FF2B5EF4-FFF2-40B4-BE49-F238E27FC236}">
+                <a16:creationId xmlns:a16="http://schemas.microsoft.com/office/drawing/2014/main" id="{19DF1FBF-A658-6F46-AC54-6FADA4625AFD}"/>
+              </a:ext>
+            </a:extLst>
+          </p:cNvPr>
+          <p:cNvPicPr>
+            <a:picLocks noChangeAspect="1"/>
+          </p:cNvPicPr>
+          <p:nvPr/>
+        </p:nvPicPr>
+        <p:blipFill>
+          <a:blip r:embed="rId3"/>
+          <a:stretch>
+            <a:fillRect/>
+          </a:stretch>
+        </p:blipFill>
+        <p:spPr>
+          <a:xfrm>
+            <a:off x="3637785" y="5823492"/>
+            <a:ext cx="416618" cy="302076"/>
+          </a:xfrm>
+          <a:prstGeom prst="rect">
+            <a:avLst/>
+          </a:prstGeom>
+        </p:spPr>
+      </p:pic>
+      <p:pic>
+        <p:nvPicPr>
+          <p:cNvPr id="105" name="図 104">
+            <a:extLst>
+              <a:ext uri="{FF2B5EF4-FFF2-40B4-BE49-F238E27FC236}">
+                <a16:creationId xmlns:a16="http://schemas.microsoft.com/office/drawing/2014/main" id="{00691C3B-1435-0840-BE7E-CDF3CF60DD78}"/>
+              </a:ext>
+            </a:extLst>
+          </p:cNvPr>
+          <p:cNvPicPr>
+            <a:picLocks noChangeAspect="1"/>
+          </p:cNvPicPr>
+          <p:nvPr/>
+        </p:nvPicPr>
+        <p:blipFill>
+          <a:blip r:embed="rId3"/>
+          <a:stretch>
+            <a:fillRect/>
+          </a:stretch>
+        </p:blipFill>
+        <p:spPr>
+          <a:xfrm>
+            <a:off x="4017475" y="5823492"/>
+            <a:ext cx="416618" cy="302076"/>
+          </a:xfrm>
+          <a:prstGeom prst="rect">
+            <a:avLst/>
+          </a:prstGeom>
+        </p:spPr>
+      </p:pic>
+      <p:pic>
+        <p:nvPicPr>
+          <p:cNvPr id="106" name="図 105">
+            <a:extLst>
+              <a:ext uri="{FF2B5EF4-FFF2-40B4-BE49-F238E27FC236}">
+                <a16:creationId xmlns:a16="http://schemas.microsoft.com/office/drawing/2014/main" id="{1E213E2A-5BE7-4443-9469-BD13A78BC550}"/>
+              </a:ext>
+            </a:extLst>
+          </p:cNvPr>
+          <p:cNvPicPr>
+            <a:picLocks noChangeAspect="1"/>
+          </p:cNvPicPr>
+          <p:nvPr/>
+        </p:nvPicPr>
+        <p:blipFill>
+          <a:blip r:embed="rId3"/>
+          <a:stretch>
+            <a:fillRect/>
+          </a:stretch>
+        </p:blipFill>
+        <p:spPr>
+          <a:xfrm>
+            <a:off x="4809044" y="5818390"/>
+            <a:ext cx="416618" cy="302076"/>
+          </a:xfrm>
+          <a:prstGeom prst="rect">
+            <a:avLst/>
+          </a:prstGeom>
+        </p:spPr>
+      </p:pic>
+      <p:pic>
+        <p:nvPicPr>
+          <p:cNvPr id="107" name="図 106">
+            <a:extLst>
+              <a:ext uri="{FF2B5EF4-FFF2-40B4-BE49-F238E27FC236}">
+                <a16:creationId xmlns:a16="http://schemas.microsoft.com/office/drawing/2014/main" id="{1B5AF44B-58CE-804C-9759-314384CB79BA}"/>
+              </a:ext>
+            </a:extLst>
+          </p:cNvPr>
+          <p:cNvPicPr>
+            <a:picLocks noChangeAspect="1"/>
+          </p:cNvPicPr>
+          <p:nvPr/>
+        </p:nvPicPr>
+        <p:blipFill>
+          <a:blip r:embed="rId3"/>
+          <a:stretch>
+            <a:fillRect/>
+          </a:stretch>
+        </p:blipFill>
+        <p:spPr>
+          <a:xfrm>
+            <a:off x="5309692" y="5831077"/>
+            <a:ext cx="416618" cy="302076"/>
+          </a:xfrm>
+          <a:prstGeom prst="rect">
+            <a:avLst/>
+          </a:prstGeom>
+        </p:spPr>
+      </p:pic>
+      <p:pic>
+        <p:nvPicPr>
+          <p:cNvPr id="108" name="図 107">
+            <a:extLst>
+              <a:ext uri="{FF2B5EF4-FFF2-40B4-BE49-F238E27FC236}">
+                <a16:creationId xmlns:a16="http://schemas.microsoft.com/office/drawing/2014/main" id="{354F9CE6-5D3F-D841-9FF1-45D7A65A8267}"/>
+              </a:ext>
+            </a:extLst>
+          </p:cNvPr>
+          <p:cNvPicPr>
+            <a:picLocks noChangeAspect="1"/>
+          </p:cNvPicPr>
+          <p:nvPr/>
+        </p:nvPicPr>
+        <p:blipFill>
+          <a:blip r:embed="rId3"/>
+          <a:stretch>
+            <a:fillRect/>
+          </a:stretch>
+        </p:blipFill>
+        <p:spPr>
+          <a:xfrm>
+            <a:off x="5786375" y="5822612"/>
+            <a:ext cx="416618" cy="302076"/>
+          </a:xfrm>
+          <a:prstGeom prst="rect">
+            <a:avLst/>
+          </a:prstGeom>
+        </p:spPr>
+      </p:pic>
+      <p:pic>
+        <p:nvPicPr>
+          <p:cNvPr id="109" name="図 108">
+            <a:extLst>
+              <a:ext uri="{FF2B5EF4-FFF2-40B4-BE49-F238E27FC236}">
+                <a16:creationId xmlns:a16="http://schemas.microsoft.com/office/drawing/2014/main" id="{045D5724-84CF-5545-BD23-BD9131D282C1}"/>
+              </a:ext>
+            </a:extLst>
+          </p:cNvPr>
+          <p:cNvPicPr>
+            <a:picLocks noChangeAspect="1"/>
+          </p:cNvPicPr>
+          <p:nvPr/>
+        </p:nvPicPr>
+        <p:blipFill>
+          <a:blip r:embed="rId3"/>
+          <a:stretch>
+            <a:fillRect/>
+          </a:stretch>
+        </p:blipFill>
+        <p:spPr>
+          <a:xfrm>
+            <a:off x="6285289" y="5813156"/>
+            <a:ext cx="416618" cy="302076"/>
+          </a:xfrm>
+          <a:prstGeom prst="rect">
+            <a:avLst/>
+          </a:prstGeom>
+        </p:spPr>
+      </p:pic>
+      <p:pic>
+        <p:nvPicPr>
+          <p:cNvPr id="110" name="図 109">
+            <a:extLst>
+              <a:ext uri="{FF2B5EF4-FFF2-40B4-BE49-F238E27FC236}">
+                <a16:creationId xmlns:a16="http://schemas.microsoft.com/office/drawing/2014/main" id="{6D1DD414-E1CC-6D43-8438-EAA3EE3E0CEB}"/>
+              </a:ext>
+            </a:extLst>
+          </p:cNvPr>
+          <p:cNvPicPr>
+            <a:picLocks noChangeAspect="1"/>
+          </p:cNvPicPr>
+          <p:nvPr/>
+        </p:nvPicPr>
+        <p:blipFill>
+          <a:blip r:embed="rId3"/>
+          <a:stretch>
+            <a:fillRect/>
+          </a:stretch>
+        </p:blipFill>
+        <p:spPr>
+          <a:xfrm>
+            <a:off x="4410525" y="5822612"/>
+            <a:ext cx="416618" cy="302076"/>
+          </a:xfrm>
+          <a:prstGeom prst="rect">
+            <a:avLst/>
+          </a:prstGeom>
+        </p:spPr>
+      </p:pic>
+      <p:pic>
+        <p:nvPicPr>
+          <p:cNvPr id="111" name="図 110">
+            <a:extLst>
+              <a:ext uri="{FF2B5EF4-FFF2-40B4-BE49-F238E27FC236}">
+                <a16:creationId xmlns:a16="http://schemas.microsoft.com/office/drawing/2014/main" id="{FF3A27F4-98B6-A64D-BEFE-2F6541635FCC}"/>
+              </a:ext>
+            </a:extLst>
+          </p:cNvPr>
+          <p:cNvPicPr>
+            <a:picLocks noChangeAspect="1"/>
+          </p:cNvPicPr>
+          <p:nvPr/>
+        </p:nvPicPr>
+        <p:blipFill>
+          <a:blip r:embed="rId4"/>
+          <a:stretch>
+            <a:fillRect/>
+          </a:stretch>
+        </p:blipFill>
+        <p:spPr>
+          <a:xfrm>
+            <a:off x="2148606" y="6163780"/>
+            <a:ext cx="686133" cy="497492"/>
+          </a:xfrm>
+          <a:prstGeom prst="rect">
+            <a:avLst/>
+          </a:prstGeom>
+        </p:spPr>
+      </p:pic>
+      <p:pic>
+        <p:nvPicPr>
+          <p:cNvPr id="112" name="図 111">
+            <a:extLst>
+              <a:ext uri="{FF2B5EF4-FFF2-40B4-BE49-F238E27FC236}">
+                <a16:creationId xmlns:a16="http://schemas.microsoft.com/office/drawing/2014/main" id="{27C9B6AB-70FD-CC4B-9E0E-EF81A04F1F90}"/>
+              </a:ext>
+            </a:extLst>
+          </p:cNvPr>
+          <p:cNvPicPr>
+            <a:picLocks noChangeAspect="1"/>
+          </p:cNvPicPr>
+          <p:nvPr/>
+        </p:nvPicPr>
+        <p:blipFill>
+          <a:blip r:embed="rId4"/>
+          <a:stretch>
+            <a:fillRect/>
+          </a:stretch>
+        </p:blipFill>
+        <p:spPr>
+          <a:xfrm>
+            <a:off x="2859802" y="6157758"/>
+            <a:ext cx="686133" cy="497492"/>
+          </a:xfrm>
+          <a:prstGeom prst="rect">
+            <a:avLst/>
+          </a:prstGeom>
+        </p:spPr>
+      </p:pic>
+      <p:pic>
+        <p:nvPicPr>
+          <p:cNvPr id="113" name="図 112">
+            <a:extLst>
+              <a:ext uri="{FF2B5EF4-FFF2-40B4-BE49-F238E27FC236}">
+                <a16:creationId xmlns:a16="http://schemas.microsoft.com/office/drawing/2014/main" id="{30BD0825-34C9-1241-B876-D16D51CC4E0F}"/>
+              </a:ext>
+            </a:extLst>
+          </p:cNvPr>
+          <p:cNvPicPr>
+            <a:picLocks noChangeAspect="1"/>
+          </p:cNvPicPr>
+          <p:nvPr/>
+        </p:nvPicPr>
+        <p:blipFill>
+          <a:blip r:embed="rId4"/>
+          <a:stretch>
+            <a:fillRect/>
+          </a:stretch>
+        </p:blipFill>
+        <p:spPr>
+          <a:xfrm>
+            <a:off x="4410962" y="6163780"/>
+            <a:ext cx="686133" cy="497492"/>
+          </a:xfrm>
+          <a:prstGeom prst="rect">
+            <a:avLst/>
+          </a:prstGeom>
+        </p:spPr>
+      </p:pic>
+      <p:pic>
+        <p:nvPicPr>
+          <p:cNvPr id="114" name="図 113">
+            <a:extLst>
+              <a:ext uri="{FF2B5EF4-FFF2-40B4-BE49-F238E27FC236}">
+                <a16:creationId xmlns:a16="http://schemas.microsoft.com/office/drawing/2014/main" id="{E0908843-6E8D-9849-9242-391B0A22DEEF}"/>
+              </a:ext>
+            </a:extLst>
+          </p:cNvPr>
+          <p:cNvPicPr>
+            <a:picLocks noChangeAspect="1"/>
+          </p:cNvPicPr>
+          <p:nvPr/>
+        </p:nvPicPr>
+        <p:blipFill>
+          <a:blip r:embed="rId4"/>
+          <a:stretch>
+            <a:fillRect/>
+          </a:stretch>
+        </p:blipFill>
+        <p:spPr>
+          <a:xfrm>
+            <a:off x="3680841" y="6145961"/>
+            <a:ext cx="686133" cy="497492"/>
+          </a:xfrm>
+          <a:prstGeom prst="rect">
+            <a:avLst/>
+          </a:prstGeom>
+        </p:spPr>
+      </p:pic>
+      <p:pic>
+        <p:nvPicPr>
+          <p:cNvPr id="115" name="図 114">
+            <a:extLst>
+              <a:ext uri="{FF2B5EF4-FFF2-40B4-BE49-F238E27FC236}">
+                <a16:creationId xmlns:a16="http://schemas.microsoft.com/office/drawing/2014/main" id="{352C7A36-2939-A346-8C23-1BA1E18175DE}"/>
+              </a:ext>
+            </a:extLst>
+          </p:cNvPr>
+          <p:cNvPicPr>
+            <a:picLocks noChangeAspect="1"/>
+          </p:cNvPicPr>
+          <p:nvPr/>
+        </p:nvPicPr>
+        <p:blipFill>
+          <a:blip r:embed="rId4"/>
+          <a:stretch>
+            <a:fillRect/>
+          </a:stretch>
+        </p:blipFill>
+        <p:spPr>
+          <a:xfrm>
+            <a:off x="5301947" y="6157758"/>
+            <a:ext cx="686133" cy="497492"/>
+          </a:xfrm>
+          <a:prstGeom prst="rect">
+            <a:avLst/>
+          </a:prstGeom>
+        </p:spPr>
+      </p:pic>
+      <p:pic>
+        <p:nvPicPr>
+          <p:cNvPr id="116" name="図 115">
+            <a:extLst>
+              <a:ext uri="{FF2B5EF4-FFF2-40B4-BE49-F238E27FC236}">
+                <a16:creationId xmlns:a16="http://schemas.microsoft.com/office/drawing/2014/main" id="{D8FF98C0-26E3-E540-AC09-D359DE180742}"/>
+              </a:ext>
+            </a:extLst>
+          </p:cNvPr>
+          <p:cNvPicPr>
+            <a:picLocks noChangeAspect="1"/>
+          </p:cNvPicPr>
+          <p:nvPr/>
+        </p:nvPicPr>
+        <p:blipFill>
+          <a:blip r:embed="rId4"/>
+          <a:stretch>
+            <a:fillRect/>
+          </a:stretch>
+        </p:blipFill>
+        <p:spPr>
+          <a:xfrm>
+            <a:off x="6013143" y="6150462"/>
+            <a:ext cx="686133" cy="497492"/>
+          </a:xfrm>
+          <a:prstGeom prst="rect">
+            <a:avLst/>
+          </a:prstGeom>
+        </p:spPr>
+      </p:pic>
+      <p:sp>
+        <p:nvSpPr>
+          <p:cNvPr id="117" name="右矢印 116">
+            <a:extLst>
+              <a:ext uri="{FF2B5EF4-FFF2-40B4-BE49-F238E27FC236}">
+                <a16:creationId xmlns:a16="http://schemas.microsoft.com/office/drawing/2014/main" id="{B68EEE63-0FF8-1C45-A8F5-7EDA51AE8F06}"/>
+              </a:ext>
+            </a:extLst>
+          </p:cNvPr>
+          <p:cNvSpPr/>
+          <p:nvPr/>
+        </p:nvSpPr>
+        <p:spPr>
+          <a:xfrm>
+            <a:off x="6205256" y="3053785"/>
+            <a:ext cx="1056156" cy="697944"/>
+          </a:xfrm>
+          <a:prstGeom prst="rightArrow">
+            <a:avLst/>
+          </a:prstGeom>
+          <a:solidFill>
+            <a:schemeClr val="tx1">
+              <a:lumMod val="65000"/>
+              <a:lumOff val="35000"/>
+            </a:schemeClr>
+          </a:solidFill>
+          <a:ln>
+            <a:noFill/>
+          </a:ln>
+        </p:spPr>
+        <p:style>
+          <a:lnRef idx="2">
+            <a:schemeClr val="accent1">
+              <a:shade val="50000"/>
+            </a:schemeClr>
+          </a:lnRef>
+          <a:fillRef idx="1">
+            <a:schemeClr val="accent1"/>
+          </a:fillRef>
+          <a:effectRef idx="0">
+            <a:schemeClr val="accent1"/>
+          </a:effectRef>
+          <a:fontRef idx="minor">
+            <a:schemeClr val="lt1"/>
+          </a:fontRef>
+        </p:style>
+        <p:txBody>
+          <a:bodyPr rtlCol="0" anchor="ctr"/>
+          <a:lstStyle/>
+          <a:p>
+            <a:pPr algn="ctr"/>
+            <a:endParaRPr kumimoji="1" lang="ja-JP" altLang="en-US"/>
+          </a:p>
+        </p:txBody>
+      </p:sp>
+    </p:spTree>
+    <p:extLst>
+      <p:ext uri="{BB962C8B-B14F-4D97-AF65-F5344CB8AC3E}">
+        <p14:creationId xmlns:p14="http://schemas.microsoft.com/office/powerpoint/2010/main" val="373430944"/>
+      </p:ext>
+    </p:extLst>
+  </p:cSld>
+  <p:clrMapOvr>
+    <a:masterClrMapping/>
+  </p:clrMapOvr>
+</p:sld>
+</file>
+
+<file path=ppt/slides/slide12.xml><?xml version="1.0" encoding="utf-8"?>
+<p:sld xmlns:a="http://schemas.openxmlformats.org/drawingml/2006/main" xmlns:r="http://schemas.openxmlformats.org/officeDocument/2006/relationships" xmlns:p="http://schemas.openxmlformats.org/presentationml/2006/main">
+  <p:cSld>
+    <p:spTree>
+      <p:nvGrpSpPr>
+        <p:cNvPr id="1" name=""/>
+        <p:cNvGrpSpPr/>
+        <p:nvPr/>
+      </p:nvGrpSpPr>
+      <p:grpSpPr>
+        <a:xfrm>
+          <a:off x="0" y="0"/>
+          <a:ext cx="0" cy="0"/>
+          <a:chOff x="0" y="0"/>
+          <a:chExt cx="0" cy="0"/>
+        </a:xfrm>
+      </p:grpSpPr>
+      <p:sp>
+        <p:nvSpPr>
+          <p:cNvPr id="2" name="タイトル 1">
+            <a:extLst>
+              <a:ext uri="{FF2B5EF4-FFF2-40B4-BE49-F238E27FC236}">
                 <a16:creationId xmlns:a16="http://schemas.microsoft.com/office/drawing/2014/main" id="{89663C5D-CBA2-0E4F-B496-EAA0921F02CB}"/>
               </a:ext>
             </a:extLst>
@@ -8716,7 +11635,7 @@
 </p:sld>
 </file>
 
-<file path=ppt/slides/slide12.xml><?xml version="1.0" encoding="utf-8"?>
+<file path=ppt/slides/slide13.xml><?xml version="1.0" encoding="utf-8"?>
 <p:sld xmlns:a="http://schemas.openxmlformats.org/drawingml/2006/main" xmlns:r="http://schemas.openxmlformats.org/officeDocument/2006/relationships" xmlns:p="http://schemas.openxmlformats.org/presentationml/2006/main">
   <p:cSld>
     <p:spTree>
@@ -8874,7 +11793,7 @@
 </p:sld>
 </file>
 
-<file path=ppt/slides/slide13.xml><?xml version="1.0" encoding="utf-8"?>
+<file path=ppt/slides/slide14.xml><?xml version="1.0" encoding="utf-8"?>
 <p:sld xmlns:a="http://schemas.openxmlformats.org/drawingml/2006/main" xmlns:r="http://schemas.openxmlformats.org/officeDocument/2006/relationships" xmlns:p="http://schemas.openxmlformats.org/presentationml/2006/main">
   <p:cSld>
     <p:spTree>
@@ -9285,7 +12204,7 @@
 </p:sld>
 </file>
 
-<file path=ppt/slides/slide14.xml><?xml version="1.0" encoding="utf-8"?>
+<file path=ppt/slides/slide15.xml><?xml version="1.0" encoding="utf-8"?>
 <p:sld xmlns:a="http://schemas.openxmlformats.org/drawingml/2006/main" xmlns:r="http://schemas.openxmlformats.org/officeDocument/2006/relationships" xmlns:p="http://schemas.openxmlformats.org/presentationml/2006/main">
   <p:cSld>
     <p:spTree>
@@ -10728,7 +13647,7 @@
 </p:sld>
 </file>
 
-<file path=ppt/slides/slide15.xml><?xml version="1.0" encoding="utf-8"?>
+<file path=ppt/slides/slide16.xml><?xml version="1.0" encoding="utf-8"?>
 <p:sld xmlns:a="http://schemas.openxmlformats.org/drawingml/2006/main" xmlns:r="http://schemas.openxmlformats.org/officeDocument/2006/relationships" xmlns:p="http://schemas.openxmlformats.org/presentationml/2006/main">
   <p:cSld>
     <p:spTree>
@@ -10848,7 +13767,7 @@
 </p:sld>
 </file>
 
-<file path=ppt/slides/slide16.xml><?xml version="1.0" encoding="utf-8"?>
+<file path=ppt/slides/slide17.xml><?xml version="1.0" encoding="utf-8"?>
 <p:sld xmlns:a="http://schemas.openxmlformats.org/drawingml/2006/main" xmlns:r="http://schemas.openxmlformats.org/officeDocument/2006/relationships" xmlns:p="http://schemas.openxmlformats.org/presentationml/2006/main">
   <p:cSld>
     <p:spTree>
@@ -11513,7 +14432,7 @@
 </p:sld>
 </file>
 
-<file path=ppt/slides/slide17.xml><?xml version="1.0" encoding="utf-8"?>
+<file path=ppt/slides/slide18.xml><?xml version="1.0" encoding="utf-8"?>
 <p:sld xmlns:a="http://schemas.openxmlformats.org/drawingml/2006/main" xmlns:r="http://schemas.openxmlformats.org/officeDocument/2006/relationships" xmlns:p="http://schemas.openxmlformats.org/presentationml/2006/main">
   <p:cSld>
     <p:spTree>
@@ -12023,7 +14942,7 @@
 </p:sld>
 </file>
 
-<file path=ppt/slides/slide18.xml><?xml version="1.0" encoding="utf-8"?>
+<file path=ppt/slides/slide19.xml><?xml version="1.0" encoding="utf-8"?>
 <p:sld xmlns:a="http://schemas.openxmlformats.org/drawingml/2006/main" xmlns:r="http://schemas.openxmlformats.org/officeDocument/2006/relationships" xmlns:p="http://schemas.openxmlformats.org/presentationml/2006/main">
   <p:cSld>
     <p:spTree>
@@ -12151,7 +15070,121 @@
 </p:sld>
 </file>
 
-<file path=ppt/slides/slide19.xml><?xml version="1.0" encoding="utf-8"?>
+<file path=ppt/slides/slide2.xml><?xml version="1.0" encoding="utf-8"?>
+<p:sld xmlns:a="http://schemas.openxmlformats.org/drawingml/2006/main" xmlns:r="http://schemas.openxmlformats.org/officeDocument/2006/relationships" xmlns:p="http://schemas.openxmlformats.org/presentationml/2006/main">
+  <p:cSld>
+    <p:spTree>
+      <p:nvGrpSpPr>
+        <p:cNvPr id="1" name=""/>
+        <p:cNvGrpSpPr/>
+        <p:nvPr/>
+      </p:nvGrpSpPr>
+      <p:grpSpPr>
+        <a:xfrm>
+          <a:off x="0" y="0"/>
+          <a:ext cx="0" cy="0"/>
+          <a:chOff x="0" y="0"/>
+          <a:chExt cx="0" cy="0"/>
+        </a:xfrm>
+      </p:grpSpPr>
+      <p:sp>
+        <p:nvSpPr>
+          <p:cNvPr id="2" name="タイトル 1">
+            <a:extLst>
+              <a:ext uri="{FF2B5EF4-FFF2-40B4-BE49-F238E27FC236}">
+                <a16:creationId xmlns:a16="http://schemas.microsoft.com/office/drawing/2014/main" id="{93010AF0-9B7D-1145-8148-06A633089EBF}"/>
+              </a:ext>
+            </a:extLst>
+          </p:cNvPr>
+          <p:cNvSpPr>
+            <a:spLocks noGrp="1"/>
+          </p:cNvSpPr>
+          <p:nvPr>
+            <p:ph type="title"/>
+          </p:nvPr>
+        </p:nvSpPr>
+        <p:spPr/>
+        <p:txBody>
+          <a:bodyPr/>
+          <a:lstStyle/>
+          <a:p>
+            <a:r>
+              <a:rPr kumimoji="1" lang="en-US" altLang="ja-JP" dirty="0"/>
+              <a:t>Outline</a:t>
+            </a:r>
+            <a:endParaRPr kumimoji="1" lang="ja-JP" altLang="en-US"/>
+          </a:p>
+        </p:txBody>
+      </p:sp>
+      <p:sp>
+        <p:nvSpPr>
+          <p:cNvPr id="3" name="コンテンツ プレースホルダー 2">
+            <a:extLst>
+              <a:ext uri="{FF2B5EF4-FFF2-40B4-BE49-F238E27FC236}">
+                <a16:creationId xmlns:a16="http://schemas.microsoft.com/office/drawing/2014/main" id="{97A5DCCE-A463-7E40-A93C-1FAC6C539F8C}"/>
+              </a:ext>
+            </a:extLst>
+          </p:cNvPr>
+          <p:cNvSpPr>
+            <a:spLocks noGrp="1"/>
+          </p:cNvSpPr>
+          <p:nvPr>
+            <p:ph idx="1"/>
+          </p:nvPr>
+        </p:nvSpPr>
+        <p:spPr/>
+        <p:txBody>
+          <a:bodyPr>
+            <a:normAutofit/>
+          </a:bodyPr>
+          <a:lstStyle/>
+          <a:p>
+            <a:r>
+              <a:rPr kumimoji="1" lang="en-US" altLang="ja-JP" sz="2400" dirty="0"/>
+              <a:t>Background</a:t>
+            </a:r>
+          </a:p>
+          <a:p>
+            <a:r>
+              <a:rPr lang="en-US" altLang="ja-JP" sz="2400" dirty="0"/>
+              <a:t>Problem definition</a:t>
+            </a:r>
+            <a:endParaRPr kumimoji="1" lang="en-US" altLang="ja-JP" sz="2400" dirty="0"/>
+          </a:p>
+          <a:p>
+            <a:r>
+              <a:rPr lang="en-US" altLang="ja-JP" sz="2400" dirty="0"/>
+              <a:t>Proposed model</a:t>
+            </a:r>
+          </a:p>
+          <a:p>
+            <a:r>
+              <a:rPr kumimoji="1" lang="en-US" altLang="ja-JP" sz="2400" dirty="0"/>
+              <a:t>Summary</a:t>
+            </a:r>
+          </a:p>
+          <a:p>
+            <a:endParaRPr kumimoji="1" lang="en-US" altLang="ja-JP" sz="2400" dirty="0"/>
+          </a:p>
+          <a:p>
+            <a:endParaRPr kumimoji="1" lang="ja-JP" altLang="en-US" sz="2400"/>
+          </a:p>
+        </p:txBody>
+      </p:sp>
+    </p:spTree>
+    <p:extLst>
+      <p:ext uri="{BB962C8B-B14F-4D97-AF65-F5344CB8AC3E}">
+        <p14:creationId xmlns:p14="http://schemas.microsoft.com/office/powerpoint/2010/main" val="3695423022"/>
+      </p:ext>
+    </p:extLst>
+  </p:cSld>
+  <p:clrMapOvr>
+    <a:masterClrMapping/>
+  </p:clrMapOvr>
+</p:sld>
+</file>
+
+<file path=ppt/slides/slide20.xml><?xml version="1.0" encoding="utf-8"?>
 <p:sld xmlns:a="http://schemas.openxmlformats.org/drawingml/2006/main" xmlns:r="http://schemas.openxmlformats.org/officeDocument/2006/relationships" xmlns:p="http://schemas.openxmlformats.org/presentationml/2006/main">
   <p:cSld>
     <p:spTree>
@@ -12494,121 +15527,7 @@
 </p:sld>
 </file>
 
-<file path=ppt/slides/slide2.xml><?xml version="1.0" encoding="utf-8"?>
-<p:sld xmlns:a="http://schemas.openxmlformats.org/drawingml/2006/main" xmlns:r="http://schemas.openxmlformats.org/officeDocument/2006/relationships" xmlns:p="http://schemas.openxmlformats.org/presentationml/2006/main">
-  <p:cSld>
-    <p:spTree>
-      <p:nvGrpSpPr>
-        <p:cNvPr id="1" name=""/>
-        <p:cNvGrpSpPr/>
-        <p:nvPr/>
-      </p:nvGrpSpPr>
-      <p:grpSpPr>
-        <a:xfrm>
-          <a:off x="0" y="0"/>
-          <a:ext cx="0" cy="0"/>
-          <a:chOff x="0" y="0"/>
-          <a:chExt cx="0" cy="0"/>
-        </a:xfrm>
-      </p:grpSpPr>
-      <p:sp>
-        <p:nvSpPr>
-          <p:cNvPr id="2" name="タイトル 1">
-            <a:extLst>
-              <a:ext uri="{FF2B5EF4-FFF2-40B4-BE49-F238E27FC236}">
-                <a16:creationId xmlns:a16="http://schemas.microsoft.com/office/drawing/2014/main" id="{93010AF0-9B7D-1145-8148-06A633089EBF}"/>
-              </a:ext>
-            </a:extLst>
-          </p:cNvPr>
-          <p:cNvSpPr>
-            <a:spLocks noGrp="1"/>
-          </p:cNvSpPr>
-          <p:nvPr>
-            <p:ph type="title"/>
-          </p:nvPr>
-        </p:nvSpPr>
-        <p:spPr/>
-        <p:txBody>
-          <a:bodyPr/>
-          <a:lstStyle/>
-          <a:p>
-            <a:r>
-              <a:rPr kumimoji="1" lang="en-US" altLang="ja-JP" dirty="0"/>
-              <a:t>Outline</a:t>
-            </a:r>
-            <a:endParaRPr kumimoji="1" lang="ja-JP" altLang="en-US"/>
-          </a:p>
-        </p:txBody>
-      </p:sp>
-      <p:sp>
-        <p:nvSpPr>
-          <p:cNvPr id="3" name="コンテンツ プレースホルダー 2">
-            <a:extLst>
-              <a:ext uri="{FF2B5EF4-FFF2-40B4-BE49-F238E27FC236}">
-                <a16:creationId xmlns:a16="http://schemas.microsoft.com/office/drawing/2014/main" id="{97A5DCCE-A463-7E40-A93C-1FAC6C539F8C}"/>
-              </a:ext>
-            </a:extLst>
-          </p:cNvPr>
-          <p:cNvSpPr>
-            <a:spLocks noGrp="1"/>
-          </p:cNvSpPr>
-          <p:nvPr>
-            <p:ph idx="1"/>
-          </p:nvPr>
-        </p:nvSpPr>
-        <p:spPr/>
-        <p:txBody>
-          <a:bodyPr>
-            <a:normAutofit/>
-          </a:bodyPr>
-          <a:lstStyle/>
-          <a:p>
-            <a:r>
-              <a:rPr kumimoji="1" lang="en-US" altLang="ja-JP" sz="2400" dirty="0"/>
-              <a:t>Background</a:t>
-            </a:r>
-          </a:p>
-          <a:p>
-            <a:r>
-              <a:rPr lang="en-US" altLang="ja-JP" sz="2400" dirty="0"/>
-              <a:t>Problem definition</a:t>
-            </a:r>
-            <a:endParaRPr kumimoji="1" lang="en-US" altLang="ja-JP" sz="2400" dirty="0"/>
-          </a:p>
-          <a:p>
-            <a:r>
-              <a:rPr lang="en-US" altLang="ja-JP" sz="2400" dirty="0"/>
-              <a:t>Proposed model</a:t>
-            </a:r>
-          </a:p>
-          <a:p>
-            <a:r>
-              <a:rPr kumimoji="1" lang="en-US" altLang="ja-JP" sz="2400" dirty="0"/>
-              <a:t>Summary</a:t>
-            </a:r>
-          </a:p>
-          <a:p>
-            <a:endParaRPr kumimoji="1" lang="en-US" altLang="ja-JP" sz="2400" dirty="0"/>
-          </a:p>
-          <a:p>
-            <a:endParaRPr kumimoji="1" lang="ja-JP" altLang="en-US" sz="2400"/>
-          </a:p>
-        </p:txBody>
-      </p:sp>
-    </p:spTree>
-    <p:extLst>
-      <p:ext uri="{BB962C8B-B14F-4D97-AF65-F5344CB8AC3E}">
-        <p14:creationId xmlns:p14="http://schemas.microsoft.com/office/powerpoint/2010/main" val="3695423022"/>
-      </p:ext>
-    </p:extLst>
-  </p:cSld>
-  <p:clrMapOvr>
-    <a:masterClrMapping/>
-  </p:clrMapOvr>
-</p:sld>
-</file>
-
-<file path=ppt/slides/slide20.xml><?xml version="1.0" encoding="utf-8"?>
+<file path=ppt/slides/slide21.xml><?xml version="1.0" encoding="utf-8"?>
 <p:sld xmlns:a="http://schemas.openxmlformats.org/drawingml/2006/main" xmlns:r="http://schemas.openxmlformats.org/officeDocument/2006/relationships" xmlns:p="http://schemas.openxmlformats.org/presentationml/2006/main">
   <p:cSld>
     <p:spTree>
@@ -12754,7 +15673,7 @@
 </p:sld>
 </file>
 
-<file path=ppt/slides/slide21.xml><?xml version="1.0" encoding="utf-8"?>
+<file path=ppt/slides/slide22.xml><?xml version="1.0" encoding="utf-8"?>
 <p:sld xmlns:a="http://schemas.openxmlformats.org/drawingml/2006/main" xmlns:r="http://schemas.openxmlformats.org/officeDocument/2006/relationships" xmlns:p="http://schemas.openxmlformats.org/presentationml/2006/main">
   <p:cSld>
     <p:spTree>
@@ -12899,7 +15818,7 @@
 </p:sld>
 </file>
 
-<file path=ppt/slides/slide22.xml><?xml version="1.0" encoding="utf-8"?>
+<file path=ppt/slides/slide23.xml><?xml version="1.0" encoding="utf-8"?>
 <p:sld xmlns:a="http://schemas.openxmlformats.org/drawingml/2006/main" xmlns:r="http://schemas.openxmlformats.org/officeDocument/2006/relationships" xmlns:p="http://schemas.openxmlformats.org/presentationml/2006/main">
   <p:cSld>
     <p:spTree>
@@ -13021,7 +15940,7 @@
 </p:sld>
 </file>
 
-<file path=ppt/slides/slide23.xml><?xml version="1.0" encoding="utf-8"?>
+<file path=ppt/slides/slide24.xml><?xml version="1.0" encoding="utf-8"?>
 <p:sld xmlns:a="http://schemas.openxmlformats.org/drawingml/2006/main" xmlns:r="http://schemas.openxmlformats.org/officeDocument/2006/relationships" xmlns:p="http://schemas.openxmlformats.org/presentationml/2006/main">
   <p:cSld>
     <p:spTree>
@@ -13145,7 +16064,7 @@
 </p:sld>
 </file>
 
-<file path=ppt/slides/slide24.xml><?xml version="1.0" encoding="utf-8"?>
+<file path=ppt/slides/slide25.xml><?xml version="1.0" encoding="utf-8"?>
 <p:sld xmlns:a="http://schemas.openxmlformats.org/drawingml/2006/main" xmlns:r="http://schemas.openxmlformats.org/officeDocument/2006/relationships" xmlns:p="http://schemas.openxmlformats.org/presentationml/2006/main">
   <p:cSld>
     <p:spTree>
@@ -13259,7 +16178,7 @@
 </p:sld>
 </file>
 
-<file path=ppt/slides/slide25.xml><?xml version="1.0" encoding="utf-8"?>
+<file path=ppt/slides/slide26.xml><?xml version="1.0" encoding="utf-8"?>
 <p:sld xmlns:a="http://schemas.openxmlformats.org/drawingml/2006/main" xmlns:r="http://schemas.openxmlformats.org/officeDocument/2006/relationships" xmlns:p="http://schemas.openxmlformats.org/presentationml/2006/main">
   <p:cSld>
     <p:spTree>
@@ -13412,7 +16331,7 @@
 </p:sld>
 </file>
 
-<file path=ppt/slides/slide26.xml><?xml version="1.0" encoding="utf-8"?>
+<file path=ppt/slides/slide27.xml><?xml version="1.0" encoding="utf-8"?>
 <p:sld xmlns:a="http://schemas.openxmlformats.org/drawingml/2006/main" xmlns:r="http://schemas.openxmlformats.org/officeDocument/2006/relationships" xmlns:p="http://schemas.openxmlformats.org/presentationml/2006/main">
   <p:cSld>
     <p:spTree>
@@ -13458,8 +16377,8 @@
           </a:p>
         </p:txBody>
       </p:sp>
-      <mc:AlternateContent xmlns:mc="http://schemas.openxmlformats.org/markup-compatibility/2006">
-        <mc:Choice xmlns:a14="http://schemas.microsoft.com/office/drawing/2010/main" Requires="a14">
+      <mc:AlternateContent xmlns:mc="http://schemas.openxmlformats.org/markup-compatibility/2006" xmlns:a14="http://schemas.microsoft.com/office/drawing/2010/main">
+        <mc:Choice Requires="a14">
           <p:sp>
             <p:nvSpPr>
               <p:cNvPr id="3" name="コンテンツ プレースホルダー 2">
@@ -13559,7 +16478,7 @@
             </p:txBody>
           </p:sp>
         </mc:Choice>
-        <mc:Fallback>
+        <mc:Fallback xmlns="">
           <p:sp>
             <p:nvSpPr>
               <p:cNvPr id="3" name="コンテンツ プレースホルダー 2">
@@ -13612,7 +16531,7 @@
 </p:sld>
 </file>
 
-<file path=ppt/slides/slide27.xml><?xml version="1.0" encoding="utf-8"?>
+<file path=ppt/slides/slide28.xml><?xml version="1.0" encoding="utf-8"?>
 <p:sld xmlns:a="http://schemas.openxmlformats.org/drawingml/2006/main" xmlns:r="http://schemas.openxmlformats.org/officeDocument/2006/relationships" xmlns:p="http://schemas.openxmlformats.org/presentationml/2006/main">
   <p:cSld>
     <p:spTree>
@@ -13666,8 +16585,8 @@
           </a:p>
         </p:txBody>
       </p:sp>
-      <mc:AlternateContent xmlns:mc="http://schemas.openxmlformats.org/markup-compatibility/2006">
-        <mc:Choice xmlns:a14="http://schemas.microsoft.com/office/drawing/2010/main" Requires="a14">
+      <mc:AlternateContent xmlns:mc="http://schemas.openxmlformats.org/markup-compatibility/2006" xmlns:a14="http://schemas.microsoft.com/office/drawing/2010/main">
+        <mc:Choice Requires="a14">
           <p:sp>
             <p:nvSpPr>
               <p:cNvPr id="3" name="コンテンツ プレースホルダー 2">
@@ -13887,7 +16806,7 @@
             </p:txBody>
           </p:sp>
         </mc:Choice>
-        <mc:Fallback>
+        <mc:Fallback xmlns="">
           <p:sp>
             <p:nvSpPr>
               <p:cNvPr id="3" name="コンテンツ プレースホルダー 2">
@@ -13944,7 +16863,7 @@
 </p:sld>
 </file>
 
-<file path=ppt/slides/slide28.xml><?xml version="1.0" encoding="utf-8"?>
+<file path=ppt/slides/slide29.xml><?xml version="1.0" encoding="utf-8"?>
 <p:sld xmlns:a="http://schemas.openxmlformats.org/drawingml/2006/main" xmlns:r="http://schemas.openxmlformats.org/officeDocument/2006/relationships" xmlns:p="http://schemas.openxmlformats.org/presentationml/2006/main">
   <p:cSld>
     <p:spTree>
@@ -13998,8 +16917,8 @@
           </a:p>
         </p:txBody>
       </p:sp>
-      <mc:AlternateContent xmlns:mc="http://schemas.openxmlformats.org/markup-compatibility/2006">
-        <mc:Choice xmlns:a14="http://schemas.microsoft.com/office/drawing/2010/main" Requires="a14">
+      <mc:AlternateContent xmlns:mc="http://schemas.openxmlformats.org/markup-compatibility/2006" xmlns:a14="http://schemas.microsoft.com/office/drawing/2010/main">
+        <mc:Choice Requires="a14">
           <p:sp>
             <p:nvSpPr>
               <p:cNvPr id="3" name="コンテンツ プレースホルダー 2">
@@ -14203,7 +17122,7 @@
             </p:txBody>
           </p:sp>
         </mc:Choice>
-        <mc:Fallback>
+        <mc:Fallback xmlns="">
           <p:sp>
             <p:nvSpPr>
               <p:cNvPr id="3" name="コンテンツ プレースホルダー 2">
@@ -14368,139 +17287,6 @@
 </p:sld>
 </file>
 
-<file path=ppt/slides/slide29.xml><?xml version="1.0" encoding="utf-8"?>
-<p:sld xmlns:a="http://schemas.openxmlformats.org/drawingml/2006/main" xmlns:r="http://schemas.openxmlformats.org/officeDocument/2006/relationships" xmlns:p="http://schemas.openxmlformats.org/presentationml/2006/main">
-  <p:cSld>
-    <p:spTree>
-      <p:nvGrpSpPr>
-        <p:cNvPr id="1" name=""/>
-        <p:cNvGrpSpPr/>
-        <p:nvPr/>
-      </p:nvGrpSpPr>
-      <p:grpSpPr>
-        <a:xfrm>
-          <a:off x="0" y="0"/>
-          <a:ext cx="0" cy="0"/>
-          <a:chOff x="0" y="0"/>
-          <a:chExt cx="0" cy="0"/>
-        </a:xfrm>
-      </p:grpSpPr>
-      <p:sp>
-        <p:nvSpPr>
-          <p:cNvPr id="2" name="タイトル 1">
-            <a:extLst>
-              <a:ext uri="{FF2B5EF4-FFF2-40B4-BE49-F238E27FC236}">
-                <a16:creationId xmlns:a16="http://schemas.microsoft.com/office/drawing/2014/main" id="{FDC6E643-84C1-D84A-A5EC-DEBAA379F4FF}"/>
-              </a:ext>
-            </a:extLst>
-          </p:cNvPr>
-          <p:cNvSpPr>
-            <a:spLocks noGrp="1"/>
-          </p:cNvSpPr>
-          <p:nvPr>
-            <p:ph type="title"/>
-          </p:nvPr>
-        </p:nvSpPr>
-        <p:spPr/>
-        <p:txBody>
-          <a:bodyPr/>
-          <a:lstStyle/>
-          <a:p>
-            <a:r>
-              <a:rPr lang="en" altLang="ja-JP" dirty="0"/>
-              <a:t>Expr	</a:t>
-            </a:r>
-            <a:r>
-              <a:rPr lang="en" altLang="ja-JP" dirty="0" err="1"/>
-              <a:t>ession</a:t>
-            </a:r>
-            <a:r>
-              <a:rPr lang="en" altLang="ja-JP" dirty="0"/>
-              <a:t> of solution</a:t>
-            </a:r>
-            <a:endParaRPr kumimoji="1" lang="ja-JP" altLang="en-US"/>
-          </a:p>
-        </p:txBody>
-      </p:sp>
-      <p:sp>
-        <p:nvSpPr>
-          <p:cNvPr id="3" name="コンテンツ プレースホルダー 2">
-            <a:extLst>
-              <a:ext uri="{FF2B5EF4-FFF2-40B4-BE49-F238E27FC236}">
-                <a16:creationId xmlns:a16="http://schemas.microsoft.com/office/drawing/2014/main" id="{87DA18FE-55DE-054F-B0FC-BCAE58372308}"/>
-              </a:ext>
-            </a:extLst>
-          </p:cNvPr>
-          <p:cNvSpPr>
-            <a:spLocks noGrp="1"/>
-          </p:cNvSpPr>
-          <p:nvPr>
-            <p:ph idx="1"/>
-          </p:nvPr>
-        </p:nvSpPr>
-        <p:spPr/>
-        <p:txBody>
-          <a:bodyPr>
-            <a:normAutofit/>
-          </a:bodyPr>
-          <a:lstStyle/>
-          <a:p>
-            <a:r>
-              <a:rPr lang="en" altLang="ja-JP" sz="2400" dirty="0"/>
-              <a:t>Given an array of booking assigned to segments, we assign the bookings to holds based on the rules.</a:t>
-            </a:r>
-          </a:p>
-          <a:p>
-            <a:r>
-              <a:rPr lang="en" altLang="ja-JP" sz="2400" dirty="0"/>
-              <a:t>We load the vehicles from the back hold </a:t>
-            </a:r>
-            <a:r>
-              <a:rPr lang="en-US" altLang="ja-JP" sz="2400" dirty="0"/>
-              <a:t>while satisfying the travel routes constraints.</a:t>
-            </a:r>
-          </a:p>
-          <a:p>
-            <a:r>
-              <a:rPr lang="en" altLang="ja-JP" sz="2400" dirty="0"/>
-              <a:t>Other constraints or objectives are calculated in</a:t>
-            </a:r>
-            <a:r>
-              <a:rPr lang="en-US" altLang="ja-JP" sz="2400" dirty="0"/>
-              <a:t> the</a:t>
-            </a:r>
-            <a:r>
-              <a:rPr lang="en" altLang="ja-JP" sz="2400" dirty="0"/>
-              <a:t> evaluation function.</a:t>
-            </a:r>
-          </a:p>
-          <a:p>
-            <a:endParaRPr lang="en" altLang="ja-JP" sz="2400" dirty="0"/>
-          </a:p>
-          <a:p>
-            <a:endParaRPr lang="en-US" altLang="ja-JP" sz="2400" dirty="0"/>
-          </a:p>
-          <a:p>
-            <a:endParaRPr lang="en" altLang="ja-JP" sz="2400" dirty="0"/>
-          </a:p>
-          <a:p>
-            <a:endParaRPr kumimoji="1" lang="en" altLang="ja-JP" sz="2400" dirty="0"/>
-          </a:p>
-        </p:txBody>
-      </p:sp>
-    </p:spTree>
-    <p:extLst>
-      <p:ext uri="{BB962C8B-B14F-4D97-AF65-F5344CB8AC3E}">
-        <p14:creationId xmlns:p14="http://schemas.microsoft.com/office/powerpoint/2010/main" val="1840310504"/>
-      </p:ext>
-    </p:extLst>
-  </p:cSld>
-  <p:clrMapOvr>
-    <a:masterClrMapping/>
-  </p:clrMapOvr>
-</p:sld>
-</file>
-
 <file path=ppt/slides/slide3.xml><?xml version="1.0" encoding="utf-8"?>
 <p:sld xmlns:a="http://schemas.openxmlformats.org/drawingml/2006/main" xmlns:r="http://schemas.openxmlformats.org/officeDocument/2006/relationships" xmlns:p="http://schemas.openxmlformats.org/presentationml/2006/main">
   <p:cSld>
@@ -14661,6 +17447,139 @@
           <p:cNvPr id="2" name="タイトル 1">
             <a:extLst>
               <a:ext uri="{FF2B5EF4-FFF2-40B4-BE49-F238E27FC236}">
+                <a16:creationId xmlns:a16="http://schemas.microsoft.com/office/drawing/2014/main" id="{FDC6E643-84C1-D84A-A5EC-DEBAA379F4FF}"/>
+              </a:ext>
+            </a:extLst>
+          </p:cNvPr>
+          <p:cNvSpPr>
+            <a:spLocks noGrp="1"/>
+          </p:cNvSpPr>
+          <p:nvPr>
+            <p:ph type="title"/>
+          </p:nvPr>
+        </p:nvSpPr>
+        <p:spPr/>
+        <p:txBody>
+          <a:bodyPr/>
+          <a:lstStyle/>
+          <a:p>
+            <a:r>
+              <a:rPr lang="en" altLang="ja-JP" dirty="0"/>
+              <a:t>Expr	</a:t>
+            </a:r>
+            <a:r>
+              <a:rPr lang="en" altLang="ja-JP" dirty="0" err="1"/>
+              <a:t>ession</a:t>
+            </a:r>
+            <a:r>
+              <a:rPr lang="en" altLang="ja-JP" dirty="0"/>
+              <a:t> of solution</a:t>
+            </a:r>
+            <a:endParaRPr kumimoji="1" lang="ja-JP" altLang="en-US"/>
+          </a:p>
+        </p:txBody>
+      </p:sp>
+      <p:sp>
+        <p:nvSpPr>
+          <p:cNvPr id="3" name="コンテンツ プレースホルダー 2">
+            <a:extLst>
+              <a:ext uri="{FF2B5EF4-FFF2-40B4-BE49-F238E27FC236}">
+                <a16:creationId xmlns:a16="http://schemas.microsoft.com/office/drawing/2014/main" id="{87DA18FE-55DE-054F-B0FC-BCAE58372308}"/>
+              </a:ext>
+            </a:extLst>
+          </p:cNvPr>
+          <p:cNvSpPr>
+            <a:spLocks noGrp="1"/>
+          </p:cNvSpPr>
+          <p:nvPr>
+            <p:ph idx="1"/>
+          </p:nvPr>
+        </p:nvSpPr>
+        <p:spPr/>
+        <p:txBody>
+          <a:bodyPr>
+            <a:normAutofit/>
+          </a:bodyPr>
+          <a:lstStyle/>
+          <a:p>
+            <a:r>
+              <a:rPr lang="en" altLang="ja-JP" sz="2400" dirty="0"/>
+              <a:t>Given an array of booking assigned to segments, we assign the bookings to holds based on the rules.</a:t>
+            </a:r>
+          </a:p>
+          <a:p>
+            <a:r>
+              <a:rPr lang="en" altLang="ja-JP" sz="2400" dirty="0"/>
+              <a:t>We load the vehicles from the back hold </a:t>
+            </a:r>
+            <a:r>
+              <a:rPr lang="en-US" altLang="ja-JP" sz="2400" dirty="0"/>
+              <a:t>while satisfying the travel routes constraints.</a:t>
+            </a:r>
+          </a:p>
+          <a:p>
+            <a:r>
+              <a:rPr lang="en" altLang="ja-JP" sz="2400" dirty="0"/>
+              <a:t>Other constraints or objectives are calculated in</a:t>
+            </a:r>
+            <a:r>
+              <a:rPr lang="en-US" altLang="ja-JP" sz="2400" dirty="0"/>
+              <a:t> the</a:t>
+            </a:r>
+            <a:r>
+              <a:rPr lang="en" altLang="ja-JP" sz="2400" dirty="0"/>
+              <a:t> evaluation function.</a:t>
+            </a:r>
+          </a:p>
+          <a:p>
+            <a:endParaRPr lang="en" altLang="ja-JP" sz="2400" dirty="0"/>
+          </a:p>
+          <a:p>
+            <a:endParaRPr lang="en-US" altLang="ja-JP" sz="2400" dirty="0"/>
+          </a:p>
+          <a:p>
+            <a:endParaRPr lang="en" altLang="ja-JP" sz="2400" dirty="0"/>
+          </a:p>
+          <a:p>
+            <a:endParaRPr kumimoji="1" lang="en" altLang="ja-JP" sz="2400" dirty="0"/>
+          </a:p>
+        </p:txBody>
+      </p:sp>
+    </p:spTree>
+    <p:extLst>
+      <p:ext uri="{BB962C8B-B14F-4D97-AF65-F5344CB8AC3E}">
+        <p14:creationId xmlns:p14="http://schemas.microsoft.com/office/powerpoint/2010/main" val="1840310504"/>
+      </p:ext>
+    </p:extLst>
+  </p:cSld>
+  <p:clrMapOvr>
+    <a:masterClrMapping/>
+  </p:clrMapOvr>
+</p:sld>
+</file>
+
+<file path=ppt/slides/slide31.xml><?xml version="1.0" encoding="utf-8"?>
+<p:sld xmlns:a="http://schemas.openxmlformats.org/drawingml/2006/main" xmlns:r="http://schemas.openxmlformats.org/officeDocument/2006/relationships" xmlns:p="http://schemas.openxmlformats.org/presentationml/2006/main">
+  <p:cSld>
+    <p:spTree>
+      <p:nvGrpSpPr>
+        <p:cNvPr id="1" name=""/>
+        <p:cNvGrpSpPr/>
+        <p:nvPr/>
+      </p:nvGrpSpPr>
+      <p:grpSpPr>
+        <a:xfrm>
+          <a:off x="0" y="0"/>
+          <a:ext cx="0" cy="0"/>
+          <a:chOff x="0" y="0"/>
+          <a:chExt cx="0" cy="0"/>
+        </a:xfrm>
+      </p:grpSpPr>
+      <p:sp>
+        <p:nvSpPr>
+          <p:cNvPr id="2" name="タイトル 1">
+            <a:extLst>
+              <a:ext uri="{FF2B5EF4-FFF2-40B4-BE49-F238E27FC236}">
                 <a16:creationId xmlns:a16="http://schemas.microsoft.com/office/drawing/2014/main" id="{2B278DCE-0685-4441-B128-DC9D8C8EB809}"/>
               </a:ext>
             </a:extLst>
@@ -14747,7 +17666,7 @@
 </p:sld>
 </file>
 
-<file path=ppt/slides/slide31.xml><?xml version="1.0" encoding="utf-8"?>
+<file path=ppt/slides/slide32.xml><?xml version="1.0" encoding="utf-8"?>
 <p:sld xmlns:a="http://schemas.openxmlformats.org/drawingml/2006/main" xmlns:r="http://schemas.openxmlformats.org/officeDocument/2006/relationships" xmlns:p="http://schemas.openxmlformats.org/presentationml/2006/main">
   <p:cSld>
     <p:spTree>
@@ -14873,7 +17792,7 @@
 </p:sld>
 </file>
 
-<file path=ppt/slides/slide32.xml><?xml version="1.0" encoding="utf-8"?>
+<file path=ppt/slides/slide33.xml><?xml version="1.0" encoding="utf-8"?>
 <p:sld xmlns:a="http://schemas.openxmlformats.org/drawingml/2006/main" xmlns:r="http://schemas.openxmlformats.org/officeDocument/2006/relationships" xmlns:p="http://schemas.openxmlformats.org/presentationml/2006/main">
   <p:cSld>
     <p:spTree>
@@ -14996,7 +17915,7 @@
 </p:sld>
 </file>
 
-<file path=ppt/slides/slide33.xml><?xml version="1.0" encoding="utf-8"?>
+<file path=ppt/slides/slide34.xml><?xml version="1.0" encoding="utf-8"?>
 <p:sld xmlns:a="http://schemas.openxmlformats.org/drawingml/2006/main" xmlns:r="http://schemas.openxmlformats.org/officeDocument/2006/relationships" xmlns:p="http://schemas.openxmlformats.org/presentationml/2006/main">
   <p:cSld>
     <p:spTree>
@@ -15103,7 +18022,7 @@
 </p:sld>
 </file>
 
-<file path=ppt/slides/slide34.xml><?xml version="1.0" encoding="utf-8"?>
+<file path=ppt/slides/slide35.xml><?xml version="1.0" encoding="utf-8"?>
 <p:sld xmlns:a="http://schemas.openxmlformats.org/drawingml/2006/main" xmlns:r="http://schemas.openxmlformats.org/officeDocument/2006/relationships" xmlns:p="http://schemas.openxmlformats.org/presentationml/2006/main">
   <p:cSld>
     <p:spTree>
@@ -15310,7 +18229,7 @@
 </p:sld>
 </file>
 
-<file path=ppt/slides/slide35.xml><?xml version="1.0" encoding="utf-8"?>
+<file path=ppt/slides/slide36.xml><?xml version="1.0" encoding="utf-8"?>
 <p:sld xmlns:a="http://schemas.openxmlformats.org/drawingml/2006/main" xmlns:r="http://schemas.openxmlformats.org/officeDocument/2006/relationships" xmlns:p="http://schemas.openxmlformats.org/presentationml/2006/main">
   <p:cSld>
     <p:spTree>
@@ -15361,8 +18280,8 @@
           </a:p>
         </p:txBody>
       </p:sp>
-      <mc:AlternateContent xmlns:mc="http://schemas.openxmlformats.org/markup-compatibility/2006">
-        <mc:Choice xmlns:a14="http://schemas.microsoft.com/office/drawing/2010/main" Requires="a14">
+      <mc:AlternateContent xmlns:mc="http://schemas.openxmlformats.org/markup-compatibility/2006" xmlns:a14="http://schemas.microsoft.com/office/drawing/2010/main">
+        <mc:Choice Requires="a14">
           <p:sp>
             <p:nvSpPr>
               <p:cNvPr id="3" name="コンテンツ プレースホルダー 2">
@@ -15466,7 +18385,7 @@
             </p:txBody>
           </p:sp>
         </mc:Choice>
-        <mc:Fallback>
+        <mc:Fallback xmlns="">
           <p:sp>
             <p:nvSpPr>
               <p:cNvPr id="3" name="コンテンツ プレースホルダー 2">
@@ -15510,8 +18429,8 @@
           </p:sp>
         </mc:Fallback>
       </mc:AlternateContent>
-      <mc:AlternateContent xmlns:mc="http://schemas.openxmlformats.org/markup-compatibility/2006">
-        <mc:Choice xmlns:a14="http://schemas.microsoft.com/office/drawing/2010/main" Requires="a14">
+      <mc:AlternateContent xmlns:mc="http://schemas.openxmlformats.org/markup-compatibility/2006" xmlns:a14="http://schemas.microsoft.com/office/drawing/2010/main">
+        <mc:Choice Requires="a14">
           <p:graphicFrame>
             <p:nvGraphicFramePr>
               <p:cNvPr id="4" name="表 3">
@@ -15962,7 +18881,7 @@
             </a:graphic>
           </p:graphicFrame>
         </mc:Choice>
-        <mc:Fallback>
+        <mc:Fallback xmlns="">
           <p:graphicFrame>
             <p:nvGraphicFramePr>
               <p:cNvPr id="4" name="表 3">
@@ -16381,7 +19300,7 @@
 </p:sld>
 </file>
 
-<file path=ppt/slides/slide36.xml><?xml version="1.0" encoding="utf-8"?>
+<file path=ppt/slides/slide37.xml><?xml version="1.0" encoding="utf-8"?>
 <p:sld xmlns:a="http://schemas.openxmlformats.org/drawingml/2006/main" xmlns:r="http://schemas.openxmlformats.org/officeDocument/2006/relationships" xmlns:p="http://schemas.openxmlformats.org/presentationml/2006/main">
   <p:cSld>
     <p:spTree>
@@ -16524,7 +19443,7 @@
 </p:sld>
 </file>
 
-<file path=ppt/slides/slide37.xml><?xml version="1.0" encoding="utf-8"?>
+<file path=ppt/slides/slide38.xml><?xml version="1.0" encoding="utf-8"?>
 <p:sld xmlns:a="http://schemas.openxmlformats.org/drawingml/2006/main" xmlns:r="http://schemas.openxmlformats.org/officeDocument/2006/relationships" xmlns:p="http://schemas.openxmlformats.org/presentationml/2006/main">
   <p:cSld>
     <p:spTree>
@@ -17121,7 +20040,7 @@
 </p:sld>
 </file>
 
-<file path=ppt/slides/slide38.xml><?xml version="1.0" encoding="utf-8"?>
+<file path=ppt/slides/slide39.xml><?xml version="1.0" encoding="utf-8"?>
 <p:sld xmlns:a="http://schemas.openxmlformats.org/drawingml/2006/main" xmlns:r="http://schemas.openxmlformats.org/officeDocument/2006/relationships" xmlns:p="http://schemas.openxmlformats.org/presentationml/2006/main">
   <p:cSld>
     <p:spTree>
@@ -17938,126 +20857,6 @@
 </p:sld>
 </file>
 
-<file path=ppt/slides/slide39.xml><?xml version="1.0" encoding="utf-8"?>
-<p:sld xmlns:a="http://schemas.openxmlformats.org/drawingml/2006/main" xmlns:r="http://schemas.openxmlformats.org/officeDocument/2006/relationships" xmlns:p="http://schemas.openxmlformats.org/presentationml/2006/main">
-  <p:cSld>
-    <p:spTree>
-      <p:nvGrpSpPr>
-        <p:cNvPr id="1" name=""/>
-        <p:cNvGrpSpPr/>
-        <p:nvPr/>
-      </p:nvGrpSpPr>
-      <p:grpSpPr>
-        <a:xfrm>
-          <a:off x="0" y="0"/>
-          <a:ext cx="0" cy="0"/>
-          <a:chOff x="0" y="0"/>
-          <a:chExt cx="0" cy="0"/>
-        </a:xfrm>
-      </p:grpSpPr>
-      <p:sp>
-        <p:nvSpPr>
-          <p:cNvPr id="2" name="タイトル 1">
-            <a:extLst>
-              <a:ext uri="{FF2B5EF4-FFF2-40B4-BE49-F238E27FC236}">
-                <a16:creationId xmlns:a16="http://schemas.microsoft.com/office/drawing/2014/main" id="{23293CDF-C8B2-0249-B006-9AB1745DECD2}"/>
-              </a:ext>
-            </a:extLst>
-          </p:cNvPr>
-          <p:cNvSpPr>
-            <a:spLocks noGrp="1"/>
-          </p:cNvSpPr>
-          <p:nvPr>
-            <p:ph type="title"/>
-          </p:nvPr>
-        </p:nvSpPr>
-        <p:spPr/>
-        <p:txBody>
-          <a:bodyPr/>
-          <a:lstStyle/>
-          <a:p>
-            <a:r>
-              <a:rPr lang="en-US" altLang="ja-JP" dirty="0"/>
-              <a:t>Initial solution</a:t>
-            </a:r>
-            <a:endParaRPr kumimoji="1" lang="ja-JP" altLang="en-US"/>
-          </a:p>
-        </p:txBody>
-      </p:sp>
-      <p:sp>
-        <p:nvSpPr>
-          <p:cNvPr id="3" name="コンテンツ プレースホルダー 2">
-            <a:extLst>
-              <a:ext uri="{FF2B5EF4-FFF2-40B4-BE49-F238E27FC236}">
-                <a16:creationId xmlns:a16="http://schemas.microsoft.com/office/drawing/2014/main" id="{E20F269F-0243-3E42-9DD2-4D0E5F2B1161}"/>
-              </a:ext>
-            </a:extLst>
-          </p:cNvPr>
-          <p:cNvSpPr>
-            <a:spLocks noGrp="1"/>
-          </p:cNvSpPr>
-          <p:nvPr>
-            <p:ph idx="1"/>
-          </p:nvPr>
-        </p:nvSpPr>
-        <p:spPr/>
-        <p:txBody>
-          <a:bodyPr>
-            <a:normAutofit/>
-          </a:bodyPr>
-          <a:lstStyle/>
-          <a:p>
-            <a:r>
-              <a:rPr kumimoji="1" lang="en-US" altLang="ja-JP" sz="2400" dirty="0"/>
-              <a:t>We propose several approach to create initial solution.</a:t>
-            </a:r>
-          </a:p>
-          <a:p>
-            <a:pPr marL="0" indent="0">
-              <a:buNone/>
-            </a:pPr>
-            <a:endParaRPr kumimoji="1" lang="en-US" altLang="ja-JP" sz="2400" dirty="0"/>
-          </a:p>
-          <a:p>
-            <a:pPr marL="457200" indent="-457200">
-              <a:buFont typeface="+mj-lt"/>
-              <a:buAutoNum type="arabicPeriod"/>
-            </a:pPr>
-            <a:r>
-              <a:rPr kumimoji="1" lang="en-US" altLang="ja-JP" sz="2400" dirty="0"/>
-              <a:t>generating from solution by relaxation of linear programming</a:t>
-            </a:r>
-          </a:p>
-          <a:p>
-            <a:pPr marL="457200" indent="-457200">
-              <a:buFont typeface="+mj-lt"/>
-              <a:buAutoNum type="arabicPeriod"/>
-            </a:pPr>
-            <a:r>
-              <a:rPr kumimoji="1" lang="en-US" altLang="ja-JP" sz="2400" dirty="0"/>
-              <a:t>generating from solution </a:t>
-            </a:r>
-            <a:r>
-              <a:rPr lang="en-US" altLang="ja-JP" sz="2400" dirty="0"/>
-              <a:t>of a problem formulated in MIP with bookings grouped by port</a:t>
-            </a:r>
-            <a:endParaRPr kumimoji="1" lang="en-US" altLang="ja-JP" sz="2400" dirty="0"/>
-          </a:p>
-        </p:txBody>
-      </p:sp>
-    </p:spTree>
-    <p:extLst>
-      <p:ext uri="{BB962C8B-B14F-4D97-AF65-F5344CB8AC3E}">
-        <p14:creationId xmlns:p14="http://schemas.microsoft.com/office/powerpoint/2010/main" val="3354853748"/>
-      </p:ext>
-    </p:extLst>
-  </p:cSld>
-  <p:clrMapOvr>
-    <a:masterClrMapping/>
-  </p:clrMapOvr>
-</p:sld>
-</file>
-
 <file path=ppt/slides/slide4.xml><?xml version="1.0" encoding="utf-8"?>
 <p:sld xmlns:a="http://schemas.openxmlformats.org/drawingml/2006/main" xmlns:r="http://schemas.openxmlformats.org/officeDocument/2006/relationships" xmlns:p="http://schemas.openxmlformats.org/presentationml/2006/main">
   <p:cSld>
@@ -18135,12 +20934,6 @@
           <a:p>
             <a:r>
               <a:rPr lang="en" altLang="ja-JP" sz="2400" dirty="0"/>
-              <a:t>We consider the ship that carries various type of cars.  (e.g. passenger car, truck, bulldozer...) </a:t>
-            </a:r>
-          </a:p>
-          <a:p>
-            <a:r>
-              <a:rPr lang="en" altLang="ja-JP" sz="2400" dirty="0"/>
               <a:t>Assignment of cars to ship is planned manually.</a:t>
             </a:r>
           </a:p>
@@ -18155,6 +20948,1823 @@
           </a:p>
         </p:txBody>
       </p:sp>
+      <p:sp>
+        <p:nvSpPr>
+          <p:cNvPr id="4" name="ホームベース 3">
+            <a:extLst>
+              <a:ext uri="{FF2B5EF4-FFF2-40B4-BE49-F238E27FC236}">
+                <a16:creationId xmlns:a16="http://schemas.microsoft.com/office/drawing/2014/main" id="{93F24675-2C4F-C341-B97D-10DE3CCDCC18}"/>
+              </a:ext>
+            </a:extLst>
+          </p:cNvPr>
+          <p:cNvSpPr/>
+          <p:nvPr/>
+        </p:nvSpPr>
+        <p:spPr>
+          <a:xfrm>
+            <a:off x="5806825" y="4298812"/>
+            <a:ext cx="2396691" cy="1281718"/>
+          </a:xfrm>
+          <a:prstGeom prst="homePlate">
+            <a:avLst/>
+          </a:prstGeom>
+          <a:noFill/>
+          <a:ln>
+            <a:solidFill>
+              <a:schemeClr val="tx1"/>
+            </a:solidFill>
+          </a:ln>
+        </p:spPr>
+        <p:style>
+          <a:lnRef idx="2">
+            <a:schemeClr val="accent1">
+              <a:shade val="50000"/>
+            </a:schemeClr>
+          </a:lnRef>
+          <a:fillRef idx="1">
+            <a:schemeClr val="accent1"/>
+          </a:fillRef>
+          <a:effectRef idx="0">
+            <a:schemeClr val="accent1"/>
+          </a:effectRef>
+          <a:fontRef idx="minor">
+            <a:schemeClr val="lt1"/>
+          </a:fontRef>
+        </p:style>
+        <p:txBody>
+          <a:bodyPr rtlCol="0" anchor="ctr"/>
+          <a:lstStyle/>
+          <a:p>
+            <a:pPr algn="ctr"/>
+            <a:endParaRPr kumimoji="1" lang="ja-JP" altLang="en-US"/>
+          </a:p>
+        </p:txBody>
+      </p:sp>
+      <p:graphicFrame>
+        <p:nvGraphicFramePr>
+          <p:cNvPr id="5" name="表 11">
+            <a:extLst>
+              <a:ext uri="{FF2B5EF4-FFF2-40B4-BE49-F238E27FC236}">
+                <a16:creationId xmlns:a16="http://schemas.microsoft.com/office/drawing/2014/main" id="{507C43CC-7E1D-0143-8845-6AB81B145A12}"/>
+              </a:ext>
+            </a:extLst>
+          </p:cNvPr>
+          <p:cNvGraphicFramePr>
+            <a:graphicFrameLocks noGrp="1"/>
+          </p:cNvGraphicFramePr>
+          <p:nvPr>
+            <p:extLst>
+              <p:ext uri="{D42A27DB-BD31-4B8C-83A1-F6EECF244321}">
+                <p14:modId xmlns:p14="http://schemas.microsoft.com/office/powerpoint/2010/main" val="2333783418"/>
+              </p:ext>
+            </p:extLst>
+          </p:nvPr>
+        </p:nvGraphicFramePr>
+        <p:xfrm>
+          <a:off x="3881372" y="4939671"/>
+          <a:ext cx="4644316" cy="1534515"/>
+        </p:xfrm>
+        <a:graphic>
+          <a:graphicData uri="http://schemas.openxmlformats.org/drawingml/2006/table">
+            <a:tbl>
+              <a:tblPr firstRow="1" bandRow="1">
+                <a:tableStyleId>{5C22544A-7EE6-4342-B048-85BDC9FD1C3A}</a:tableStyleId>
+              </a:tblPr>
+              <a:tblGrid>
+                <a:gridCol w="1161079">
+                  <a:extLst>
+                    <a:ext uri="{9D8B030D-6E8A-4147-A177-3AD203B41FA5}">
+                      <a16:colId xmlns:a16="http://schemas.microsoft.com/office/drawing/2014/main" val="415769867"/>
+                    </a:ext>
+                  </a:extLst>
+                </a:gridCol>
+                <a:gridCol w="1161079">
+                  <a:extLst>
+                    <a:ext uri="{9D8B030D-6E8A-4147-A177-3AD203B41FA5}">
+                      <a16:colId xmlns:a16="http://schemas.microsoft.com/office/drawing/2014/main" val="1120760323"/>
+                    </a:ext>
+                  </a:extLst>
+                </a:gridCol>
+                <a:gridCol w="1161079">
+                  <a:extLst>
+                    <a:ext uri="{9D8B030D-6E8A-4147-A177-3AD203B41FA5}">
+                      <a16:colId xmlns:a16="http://schemas.microsoft.com/office/drawing/2014/main" val="1830531746"/>
+                    </a:ext>
+                  </a:extLst>
+                </a:gridCol>
+                <a:gridCol w="1161079">
+                  <a:extLst>
+                    <a:ext uri="{9D8B030D-6E8A-4147-A177-3AD203B41FA5}">
+                      <a16:colId xmlns:a16="http://schemas.microsoft.com/office/drawing/2014/main" val="3898694262"/>
+                    </a:ext>
+                  </a:extLst>
+                </a:gridCol>
+              </a:tblGrid>
+              <a:tr h="511505">
+                <a:tc>
+                  <a:txBody>
+                    <a:bodyPr/>
+                    <a:lstStyle/>
+                    <a:p>
+                      <a:endParaRPr kumimoji="1" lang="ja-JP" altLang="en-US"/>
+                    </a:p>
+                  </a:txBody>
+                  <a:tcPr>
+                    <a:lnL w="12700" cap="flat" cmpd="sng" algn="ctr">
+                      <a:solidFill>
+                        <a:schemeClr val="tx1"/>
+                      </a:solidFill>
+                      <a:prstDash val="solid"/>
+                      <a:round/>
+                      <a:headEnd type="none" w="med" len="med"/>
+                      <a:tailEnd type="none" w="med" len="med"/>
+                    </a:lnL>
+                    <a:lnR w="12700" cap="flat" cmpd="sng" algn="ctr">
+                      <a:solidFill>
+                        <a:schemeClr val="tx1"/>
+                      </a:solidFill>
+                      <a:prstDash val="solid"/>
+                      <a:round/>
+                      <a:headEnd type="none" w="med" len="med"/>
+                      <a:tailEnd type="none" w="med" len="med"/>
+                    </a:lnR>
+                    <a:lnT w="12700" cap="flat" cmpd="sng" algn="ctr">
+                      <a:solidFill>
+                        <a:schemeClr val="tx1"/>
+                      </a:solidFill>
+                      <a:prstDash val="solid"/>
+                      <a:round/>
+                      <a:headEnd type="none" w="med" len="med"/>
+                      <a:tailEnd type="none" w="med" len="med"/>
+                    </a:lnT>
+                    <a:lnB w="12700" cap="flat" cmpd="sng" algn="ctr">
+                      <a:solidFill>
+                        <a:schemeClr val="tx1"/>
+                      </a:solidFill>
+                      <a:prstDash val="solid"/>
+                      <a:round/>
+                      <a:headEnd type="none" w="med" len="med"/>
+                      <a:tailEnd type="none" w="med" len="med"/>
+                    </a:lnB>
+                    <a:lnTlToBr w="12700" cmpd="sng">
+                      <a:noFill/>
+                      <a:prstDash val="solid"/>
+                    </a:lnTlToBr>
+                    <a:lnBlToTr w="12700" cmpd="sng">
+                      <a:noFill/>
+                      <a:prstDash val="solid"/>
+                    </a:lnBlToTr>
+                    <a:noFill/>
+                  </a:tcPr>
+                </a:tc>
+                <a:tc>
+                  <a:txBody>
+                    <a:bodyPr/>
+                    <a:lstStyle/>
+                    <a:p>
+                      <a:endParaRPr kumimoji="1" lang="ja-JP" altLang="en-US"/>
+                    </a:p>
+                  </a:txBody>
+                  <a:tcPr>
+                    <a:lnL w="12700" cap="flat" cmpd="sng" algn="ctr">
+                      <a:solidFill>
+                        <a:schemeClr val="tx1"/>
+                      </a:solidFill>
+                      <a:prstDash val="solid"/>
+                      <a:round/>
+                      <a:headEnd type="none" w="med" len="med"/>
+                      <a:tailEnd type="none" w="med" len="med"/>
+                    </a:lnL>
+                    <a:lnR w="12700" cap="flat" cmpd="sng" algn="ctr">
+                      <a:solidFill>
+                        <a:schemeClr val="tx1"/>
+                      </a:solidFill>
+                      <a:prstDash val="solid"/>
+                      <a:round/>
+                      <a:headEnd type="none" w="med" len="med"/>
+                      <a:tailEnd type="none" w="med" len="med"/>
+                    </a:lnR>
+                    <a:lnT w="12700" cap="flat" cmpd="sng" algn="ctr">
+                      <a:solidFill>
+                        <a:schemeClr val="tx1"/>
+                      </a:solidFill>
+                      <a:prstDash val="solid"/>
+                      <a:round/>
+                      <a:headEnd type="none" w="med" len="med"/>
+                      <a:tailEnd type="none" w="med" len="med"/>
+                    </a:lnT>
+                    <a:lnB w="12700" cap="flat" cmpd="sng" algn="ctr">
+                      <a:solidFill>
+                        <a:schemeClr val="tx1"/>
+                      </a:solidFill>
+                      <a:prstDash val="solid"/>
+                      <a:round/>
+                      <a:headEnd type="none" w="med" len="med"/>
+                      <a:tailEnd type="none" w="med" len="med"/>
+                    </a:lnB>
+                    <a:lnTlToBr w="12700" cmpd="sng">
+                      <a:noFill/>
+                      <a:prstDash val="solid"/>
+                    </a:lnTlToBr>
+                    <a:lnBlToTr w="12700" cmpd="sng">
+                      <a:noFill/>
+                      <a:prstDash val="solid"/>
+                    </a:lnBlToTr>
+                    <a:solidFill>
+                      <a:schemeClr val="bg1"/>
+                    </a:solidFill>
+                  </a:tcPr>
+                </a:tc>
+                <a:tc>
+                  <a:txBody>
+                    <a:bodyPr/>
+                    <a:lstStyle/>
+                    <a:p>
+                      <a:endParaRPr kumimoji="1" lang="ja-JP" altLang="en-US"/>
+                    </a:p>
+                  </a:txBody>
+                  <a:tcPr>
+                    <a:lnL w="12700" cap="flat" cmpd="sng" algn="ctr">
+                      <a:solidFill>
+                        <a:schemeClr val="tx1"/>
+                      </a:solidFill>
+                      <a:prstDash val="solid"/>
+                      <a:round/>
+                      <a:headEnd type="none" w="med" len="med"/>
+                      <a:tailEnd type="none" w="med" len="med"/>
+                    </a:lnL>
+                    <a:lnR w="12700" cap="flat" cmpd="sng" algn="ctr">
+                      <a:solidFill>
+                        <a:schemeClr val="tx1"/>
+                      </a:solidFill>
+                      <a:prstDash val="solid"/>
+                      <a:round/>
+                      <a:headEnd type="none" w="med" len="med"/>
+                      <a:tailEnd type="none" w="med" len="med"/>
+                    </a:lnR>
+                    <a:lnT w="12700" cap="flat" cmpd="sng" algn="ctr">
+                      <a:solidFill>
+                        <a:schemeClr val="tx1"/>
+                      </a:solidFill>
+                      <a:prstDash val="solid"/>
+                      <a:round/>
+                      <a:headEnd type="none" w="med" len="med"/>
+                      <a:tailEnd type="none" w="med" len="med"/>
+                    </a:lnT>
+                    <a:lnB w="12700" cap="flat" cmpd="sng" algn="ctr">
+                      <a:solidFill>
+                        <a:schemeClr val="tx1"/>
+                      </a:solidFill>
+                      <a:prstDash val="solid"/>
+                      <a:round/>
+                      <a:headEnd type="none" w="med" len="med"/>
+                      <a:tailEnd type="none" w="med" len="med"/>
+                    </a:lnB>
+                    <a:lnTlToBr w="12700" cmpd="sng">
+                      <a:noFill/>
+                      <a:prstDash val="solid"/>
+                    </a:lnTlToBr>
+                    <a:lnBlToTr w="12700" cmpd="sng">
+                      <a:noFill/>
+                      <a:prstDash val="solid"/>
+                    </a:lnBlToTr>
+                    <a:noFill/>
+                  </a:tcPr>
+                </a:tc>
+                <a:tc>
+                  <a:txBody>
+                    <a:bodyPr/>
+                    <a:lstStyle/>
+                    <a:p>
+                      <a:endParaRPr kumimoji="1" lang="ja-JP" altLang="en-US"/>
+                    </a:p>
+                  </a:txBody>
+                  <a:tcPr>
+                    <a:lnL w="12700" cap="flat" cmpd="sng" algn="ctr">
+                      <a:solidFill>
+                        <a:schemeClr val="tx1"/>
+                      </a:solidFill>
+                      <a:prstDash val="solid"/>
+                      <a:round/>
+                      <a:headEnd type="none" w="med" len="med"/>
+                      <a:tailEnd type="none" w="med" len="med"/>
+                    </a:lnL>
+                    <a:lnR w="12700" cap="flat" cmpd="sng" algn="ctr">
+                      <a:solidFill>
+                        <a:schemeClr val="tx1"/>
+                      </a:solidFill>
+                      <a:prstDash val="solid"/>
+                      <a:round/>
+                      <a:headEnd type="none" w="med" len="med"/>
+                      <a:tailEnd type="none" w="med" len="med"/>
+                    </a:lnR>
+                    <a:lnT w="12700" cap="flat" cmpd="sng" algn="ctr">
+                      <a:solidFill>
+                        <a:schemeClr val="tx1"/>
+                      </a:solidFill>
+                      <a:prstDash val="solid"/>
+                      <a:round/>
+                      <a:headEnd type="none" w="med" len="med"/>
+                      <a:tailEnd type="none" w="med" len="med"/>
+                    </a:lnT>
+                    <a:lnB w="12700" cap="flat" cmpd="sng" algn="ctr">
+                      <a:solidFill>
+                        <a:schemeClr val="tx1"/>
+                      </a:solidFill>
+                      <a:prstDash val="solid"/>
+                      <a:round/>
+                      <a:headEnd type="none" w="med" len="med"/>
+                      <a:tailEnd type="none" w="med" len="med"/>
+                    </a:lnB>
+                    <a:solidFill>
+                      <a:schemeClr val="bg1"/>
+                    </a:solidFill>
+                  </a:tcPr>
+                </a:tc>
+                <a:extLst>
+                  <a:ext uri="{0D108BD9-81ED-4DB2-BD59-A6C34878D82A}">
+                    <a16:rowId xmlns:a16="http://schemas.microsoft.com/office/drawing/2014/main" val="4197178994"/>
+                  </a:ext>
+                </a:extLst>
+              </a:tr>
+              <a:tr h="511505">
+                <a:tc>
+                  <a:txBody>
+                    <a:bodyPr/>
+                    <a:lstStyle/>
+                    <a:p>
+                      <a:endParaRPr kumimoji="1" lang="ja-JP" altLang="en-US"/>
+                    </a:p>
+                  </a:txBody>
+                  <a:tcPr>
+                    <a:lnL w="12700" cap="flat" cmpd="sng" algn="ctr">
+                      <a:solidFill>
+                        <a:schemeClr val="tx1"/>
+                      </a:solidFill>
+                      <a:prstDash val="solid"/>
+                      <a:round/>
+                      <a:headEnd type="none" w="med" len="med"/>
+                      <a:tailEnd type="none" w="med" len="med"/>
+                    </a:lnL>
+                    <a:lnR w="12700" cap="flat" cmpd="sng" algn="ctr">
+                      <a:solidFill>
+                        <a:schemeClr val="tx1"/>
+                      </a:solidFill>
+                      <a:prstDash val="solid"/>
+                      <a:round/>
+                      <a:headEnd type="none" w="med" len="med"/>
+                      <a:tailEnd type="none" w="med" len="med"/>
+                    </a:lnR>
+                    <a:lnT w="12700" cap="flat" cmpd="sng" algn="ctr">
+                      <a:solidFill>
+                        <a:schemeClr val="tx1"/>
+                      </a:solidFill>
+                      <a:prstDash val="solid"/>
+                      <a:round/>
+                      <a:headEnd type="none" w="med" len="med"/>
+                      <a:tailEnd type="none" w="med" len="med"/>
+                    </a:lnT>
+                    <a:lnB w="12700" cap="flat" cmpd="sng" algn="ctr">
+                      <a:solidFill>
+                        <a:schemeClr val="tx1"/>
+                      </a:solidFill>
+                      <a:prstDash val="solid"/>
+                      <a:round/>
+                      <a:headEnd type="none" w="med" len="med"/>
+                      <a:tailEnd type="none" w="med" len="med"/>
+                    </a:lnB>
+                    <a:noFill/>
+                  </a:tcPr>
+                </a:tc>
+                <a:tc>
+                  <a:txBody>
+                    <a:bodyPr/>
+                    <a:lstStyle/>
+                    <a:p>
+                      <a:endParaRPr kumimoji="1" lang="ja-JP" altLang="en-US">
+                        <a:solidFill>
+                          <a:srgbClr val="FF0000"/>
+                        </a:solidFill>
+                      </a:endParaRPr>
+                    </a:p>
+                  </a:txBody>
+                  <a:tcPr>
+                    <a:lnL w="12700" cap="flat" cmpd="sng" algn="ctr">
+                      <a:solidFill>
+                        <a:schemeClr val="tx1"/>
+                      </a:solidFill>
+                      <a:prstDash val="solid"/>
+                      <a:round/>
+                      <a:headEnd type="none" w="med" len="med"/>
+                      <a:tailEnd type="none" w="med" len="med"/>
+                    </a:lnL>
+                    <a:lnR w="12700" cap="flat" cmpd="sng" algn="ctr">
+                      <a:solidFill>
+                        <a:schemeClr val="tx1"/>
+                      </a:solidFill>
+                      <a:prstDash val="solid"/>
+                      <a:round/>
+                      <a:headEnd type="none" w="med" len="med"/>
+                      <a:tailEnd type="none" w="med" len="med"/>
+                    </a:lnR>
+                    <a:lnT w="12700" cap="flat" cmpd="sng" algn="ctr">
+                      <a:solidFill>
+                        <a:schemeClr val="tx1"/>
+                      </a:solidFill>
+                      <a:prstDash val="solid"/>
+                      <a:round/>
+                      <a:headEnd type="none" w="med" len="med"/>
+                      <a:tailEnd type="none" w="med" len="med"/>
+                    </a:lnT>
+                    <a:lnB w="12700" cap="flat" cmpd="sng" algn="ctr">
+                      <a:solidFill>
+                        <a:schemeClr val="tx1"/>
+                      </a:solidFill>
+                      <a:prstDash val="solid"/>
+                      <a:round/>
+                      <a:headEnd type="none" w="med" len="med"/>
+                      <a:tailEnd type="none" w="med" len="med"/>
+                    </a:lnB>
+                    <a:solidFill>
+                      <a:schemeClr val="bg1"/>
+                    </a:solidFill>
+                  </a:tcPr>
+                </a:tc>
+                <a:tc>
+                  <a:txBody>
+                    <a:bodyPr/>
+                    <a:lstStyle/>
+                    <a:p>
+                      <a:endParaRPr kumimoji="1" lang="ja-JP" altLang="en-US"/>
+                    </a:p>
+                  </a:txBody>
+                  <a:tcPr>
+                    <a:lnL w="12700" cap="flat" cmpd="sng" algn="ctr">
+                      <a:solidFill>
+                        <a:schemeClr val="tx1"/>
+                      </a:solidFill>
+                      <a:prstDash val="solid"/>
+                      <a:round/>
+                      <a:headEnd type="none" w="med" len="med"/>
+                      <a:tailEnd type="none" w="med" len="med"/>
+                    </a:lnL>
+                    <a:lnR w="12700" cap="flat" cmpd="sng" algn="ctr">
+                      <a:solidFill>
+                        <a:schemeClr val="tx1"/>
+                      </a:solidFill>
+                      <a:prstDash val="solid"/>
+                      <a:round/>
+                      <a:headEnd type="none" w="med" len="med"/>
+                      <a:tailEnd type="none" w="med" len="med"/>
+                    </a:lnR>
+                    <a:lnT w="12700" cap="flat" cmpd="sng" algn="ctr">
+                      <a:solidFill>
+                        <a:schemeClr val="tx1"/>
+                      </a:solidFill>
+                      <a:prstDash val="solid"/>
+                      <a:round/>
+                      <a:headEnd type="none" w="med" len="med"/>
+                      <a:tailEnd type="none" w="med" len="med"/>
+                    </a:lnT>
+                    <a:lnB w="12700" cap="flat" cmpd="sng" algn="ctr">
+                      <a:solidFill>
+                        <a:schemeClr val="tx1"/>
+                      </a:solidFill>
+                      <a:prstDash val="solid"/>
+                      <a:round/>
+                      <a:headEnd type="none" w="med" len="med"/>
+                      <a:tailEnd type="none" w="med" len="med"/>
+                    </a:lnB>
+                    <a:solidFill>
+                      <a:schemeClr val="bg1"/>
+                    </a:solidFill>
+                  </a:tcPr>
+                </a:tc>
+                <a:tc>
+                  <a:txBody>
+                    <a:bodyPr/>
+                    <a:lstStyle/>
+                    <a:p>
+                      <a:endParaRPr kumimoji="1" lang="ja-JP" altLang="en-US"/>
+                    </a:p>
+                  </a:txBody>
+                  <a:tcPr>
+                    <a:lnL w="12700" cap="flat" cmpd="sng" algn="ctr">
+                      <a:solidFill>
+                        <a:schemeClr val="tx1"/>
+                      </a:solidFill>
+                      <a:prstDash val="solid"/>
+                      <a:round/>
+                      <a:headEnd type="none" w="med" len="med"/>
+                      <a:tailEnd type="none" w="med" len="med"/>
+                    </a:lnL>
+                    <a:lnR w="12700" cap="flat" cmpd="sng" algn="ctr">
+                      <a:solidFill>
+                        <a:schemeClr val="tx1"/>
+                      </a:solidFill>
+                      <a:prstDash val="solid"/>
+                      <a:round/>
+                      <a:headEnd type="none" w="med" len="med"/>
+                      <a:tailEnd type="none" w="med" len="med"/>
+                    </a:lnR>
+                    <a:lnT w="12700" cap="flat" cmpd="sng" algn="ctr">
+                      <a:solidFill>
+                        <a:schemeClr val="tx1"/>
+                      </a:solidFill>
+                      <a:prstDash val="solid"/>
+                      <a:round/>
+                      <a:headEnd type="none" w="med" len="med"/>
+                      <a:tailEnd type="none" w="med" len="med"/>
+                    </a:lnT>
+                    <a:lnB w="12700" cap="flat" cmpd="sng" algn="ctr">
+                      <a:solidFill>
+                        <a:schemeClr val="tx1"/>
+                      </a:solidFill>
+                      <a:prstDash val="solid"/>
+                      <a:round/>
+                      <a:headEnd type="none" w="med" len="med"/>
+                      <a:tailEnd type="none" w="med" len="med"/>
+                    </a:lnB>
+                    <a:solidFill>
+                      <a:schemeClr val="bg1"/>
+                    </a:solidFill>
+                  </a:tcPr>
+                </a:tc>
+                <a:extLst>
+                  <a:ext uri="{0D108BD9-81ED-4DB2-BD59-A6C34878D82A}">
+                    <a16:rowId xmlns:a16="http://schemas.microsoft.com/office/drawing/2014/main" val="3688764702"/>
+                  </a:ext>
+                </a:extLst>
+              </a:tr>
+              <a:tr h="511505">
+                <a:tc>
+                  <a:txBody>
+                    <a:bodyPr/>
+                    <a:lstStyle/>
+                    <a:p>
+                      <a:endParaRPr kumimoji="1" lang="ja-JP" altLang="en-US">
+                        <a:solidFill>
+                          <a:srgbClr val="FF0000"/>
+                        </a:solidFill>
+                      </a:endParaRPr>
+                    </a:p>
+                  </a:txBody>
+                  <a:tcPr>
+                    <a:lnL w="12700" cap="flat" cmpd="sng" algn="ctr">
+                      <a:solidFill>
+                        <a:schemeClr val="tx1"/>
+                      </a:solidFill>
+                      <a:prstDash val="solid"/>
+                      <a:round/>
+                      <a:headEnd type="none" w="med" len="med"/>
+                      <a:tailEnd type="none" w="med" len="med"/>
+                    </a:lnL>
+                    <a:lnR w="12700" cap="flat" cmpd="sng" algn="ctr">
+                      <a:solidFill>
+                        <a:schemeClr val="tx1"/>
+                      </a:solidFill>
+                      <a:prstDash val="solid"/>
+                      <a:round/>
+                      <a:headEnd type="none" w="med" len="med"/>
+                      <a:tailEnd type="none" w="med" len="med"/>
+                    </a:lnR>
+                    <a:lnT w="12700" cap="flat" cmpd="sng" algn="ctr">
+                      <a:solidFill>
+                        <a:schemeClr val="tx1"/>
+                      </a:solidFill>
+                      <a:prstDash val="solid"/>
+                      <a:round/>
+                      <a:headEnd type="none" w="med" len="med"/>
+                      <a:tailEnd type="none" w="med" len="med"/>
+                    </a:lnT>
+                    <a:lnB w="12700" cap="flat" cmpd="sng" algn="ctr">
+                      <a:solidFill>
+                        <a:schemeClr val="tx1"/>
+                      </a:solidFill>
+                      <a:prstDash val="solid"/>
+                      <a:round/>
+                      <a:headEnd type="none" w="med" len="med"/>
+                      <a:tailEnd type="none" w="med" len="med"/>
+                    </a:lnB>
+                    <a:solidFill>
+                      <a:schemeClr val="bg1"/>
+                    </a:solidFill>
+                  </a:tcPr>
+                </a:tc>
+                <a:tc>
+                  <a:txBody>
+                    <a:bodyPr/>
+                    <a:lstStyle/>
+                    <a:p>
+                      <a:endParaRPr kumimoji="1" lang="ja-JP" altLang="en-US"/>
+                    </a:p>
+                  </a:txBody>
+                  <a:tcPr>
+                    <a:lnL w="12700" cap="flat" cmpd="sng" algn="ctr">
+                      <a:solidFill>
+                        <a:schemeClr val="tx1"/>
+                      </a:solidFill>
+                      <a:prstDash val="solid"/>
+                      <a:round/>
+                      <a:headEnd type="none" w="med" len="med"/>
+                      <a:tailEnd type="none" w="med" len="med"/>
+                    </a:lnL>
+                    <a:lnR w="12700" cap="flat" cmpd="sng" algn="ctr">
+                      <a:solidFill>
+                        <a:schemeClr val="tx1"/>
+                      </a:solidFill>
+                      <a:prstDash val="solid"/>
+                      <a:round/>
+                      <a:headEnd type="none" w="med" len="med"/>
+                      <a:tailEnd type="none" w="med" len="med"/>
+                    </a:lnR>
+                    <a:lnT w="12700" cap="flat" cmpd="sng" algn="ctr">
+                      <a:solidFill>
+                        <a:schemeClr val="tx1"/>
+                      </a:solidFill>
+                      <a:prstDash val="solid"/>
+                      <a:round/>
+                      <a:headEnd type="none" w="med" len="med"/>
+                      <a:tailEnd type="none" w="med" len="med"/>
+                    </a:lnT>
+                    <a:lnB w="12700" cap="flat" cmpd="sng" algn="ctr">
+                      <a:solidFill>
+                        <a:schemeClr val="tx1"/>
+                      </a:solidFill>
+                      <a:prstDash val="solid"/>
+                      <a:round/>
+                      <a:headEnd type="none" w="med" len="med"/>
+                      <a:tailEnd type="none" w="med" len="med"/>
+                    </a:lnB>
+                    <a:noFill/>
+                  </a:tcPr>
+                </a:tc>
+                <a:tc>
+                  <a:txBody>
+                    <a:bodyPr/>
+                    <a:lstStyle/>
+                    <a:p>
+                      <a:endParaRPr kumimoji="1" lang="ja-JP" altLang="en-US"/>
+                    </a:p>
+                  </a:txBody>
+                  <a:tcPr>
+                    <a:lnL w="12700" cap="flat" cmpd="sng" algn="ctr">
+                      <a:solidFill>
+                        <a:schemeClr val="tx1"/>
+                      </a:solidFill>
+                      <a:prstDash val="solid"/>
+                      <a:round/>
+                      <a:headEnd type="none" w="med" len="med"/>
+                      <a:tailEnd type="none" w="med" len="med"/>
+                    </a:lnL>
+                    <a:lnR w="12700" cap="flat" cmpd="sng" algn="ctr">
+                      <a:solidFill>
+                        <a:schemeClr val="tx1"/>
+                      </a:solidFill>
+                      <a:prstDash val="solid"/>
+                      <a:round/>
+                      <a:headEnd type="none" w="med" len="med"/>
+                      <a:tailEnd type="none" w="med" len="med"/>
+                    </a:lnR>
+                    <a:lnT w="12700" cap="flat" cmpd="sng" algn="ctr">
+                      <a:solidFill>
+                        <a:schemeClr val="tx1"/>
+                      </a:solidFill>
+                      <a:prstDash val="solid"/>
+                      <a:round/>
+                      <a:headEnd type="none" w="med" len="med"/>
+                      <a:tailEnd type="none" w="med" len="med"/>
+                    </a:lnT>
+                    <a:lnB w="12700" cap="flat" cmpd="sng" algn="ctr">
+                      <a:solidFill>
+                        <a:schemeClr val="tx1"/>
+                      </a:solidFill>
+                      <a:prstDash val="solid"/>
+                      <a:round/>
+                      <a:headEnd type="none" w="med" len="med"/>
+                      <a:tailEnd type="none" w="med" len="med"/>
+                    </a:lnB>
+                    <a:solidFill>
+                      <a:schemeClr val="bg1"/>
+                    </a:solidFill>
+                  </a:tcPr>
+                </a:tc>
+                <a:tc>
+                  <a:txBody>
+                    <a:bodyPr/>
+                    <a:lstStyle/>
+                    <a:p>
+                      <a:endParaRPr kumimoji="1" lang="ja-JP" altLang="en-US"/>
+                    </a:p>
+                  </a:txBody>
+                  <a:tcPr>
+                    <a:lnL w="12700" cap="flat" cmpd="sng" algn="ctr">
+                      <a:solidFill>
+                        <a:schemeClr val="tx1"/>
+                      </a:solidFill>
+                      <a:prstDash val="solid"/>
+                      <a:round/>
+                      <a:headEnd type="none" w="med" len="med"/>
+                      <a:tailEnd type="none" w="med" len="med"/>
+                    </a:lnL>
+                    <a:lnR w="12700" cap="flat" cmpd="sng" algn="ctr">
+                      <a:solidFill>
+                        <a:schemeClr val="tx1"/>
+                      </a:solidFill>
+                      <a:prstDash val="solid"/>
+                      <a:round/>
+                      <a:headEnd type="none" w="med" len="med"/>
+                      <a:tailEnd type="none" w="med" len="med"/>
+                    </a:lnR>
+                    <a:lnT w="12700" cap="flat" cmpd="sng" algn="ctr">
+                      <a:solidFill>
+                        <a:schemeClr val="tx1"/>
+                      </a:solidFill>
+                      <a:prstDash val="solid"/>
+                      <a:round/>
+                      <a:headEnd type="none" w="med" len="med"/>
+                      <a:tailEnd type="none" w="med" len="med"/>
+                    </a:lnT>
+                    <a:lnB w="12700" cap="flat" cmpd="sng" algn="ctr">
+                      <a:solidFill>
+                        <a:schemeClr val="tx1"/>
+                      </a:solidFill>
+                      <a:prstDash val="solid"/>
+                      <a:round/>
+                      <a:headEnd type="none" w="med" len="med"/>
+                      <a:tailEnd type="none" w="med" len="med"/>
+                    </a:lnB>
+                    <a:solidFill>
+                      <a:schemeClr val="bg1"/>
+                    </a:solidFill>
+                  </a:tcPr>
+                </a:tc>
+                <a:extLst>
+                  <a:ext uri="{0D108BD9-81ED-4DB2-BD59-A6C34878D82A}">
+                    <a16:rowId xmlns:a16="http://schemas.microsoft.com/office/drawing/2014/main" val="1514342851"/>
+                  </a:ext>
+                </a:extLst>
+              </a:tr>
+            </a:tbl>
+          </a:graphicData>
+        </a:graphic>
+      </p:graphicFrame>
+      <p:sp>
+        <p:nvSpPr>
+          <p:cNvPr id="6" name="円/楕円 5">
+            <a:extLst>
+              <a:ext uri="{FF2B5EF4-FFF2-40B4-BE49-F238E27FC236}">
+                <a16:creationId xmlns:a16="http://schemas.microsoft.com/office/drawing/2014/main" id="{5A13594A-4C44-FB46-9934-5379C136F6CE}"/>
+              </a:ext>
+            </a:extLst>
+          </p:cNvPr>
+          <p:cNvSpPr/>
+          <p:nvPr/>
+        </p:nvSpPr>
+        <p:spPr>
+          <a:xfrm>
+            <a:off x="6033019" y="4490538"/>
+            <a:ext cx="250257" cy="250257"/>
+          </a:xfrm>
+          <a:prstGeom prst="ellipse">
+            <a:avLst/>
+          </a:prstGeom>
+          <a:solidFill>
+            <a:schemeClr val="bg1">
+              <a:lumMod val="75000"/>
+            </a:schemeClr>
+          </a:solidFill>
+          <a:ln>
+            <a:solidFill>
+              <a:schemeClr val="tx1"/>
+            </a:solidFill>
+          </a:ln>
+        </p:spPr>
+        <p:style>
+          <a:lnRef idx="2">
+            <a:schemeClr val="accent1">
+              <a:shade val="50000"/>
+            </a:schemeClr>
+          </a:lnRef>
+          <a:fillRef idx="1">
+            <a:schemeClr val="accent1"/>
+          </a:fillRef>
+          <a:effectRef idx="0">
+            <a:schemeClr val="accent1"/>
+          </a:effectRef>
+          <a:fontRef idx="minor">
+            <a:schemeClr val="lt1"/>
+          </a:fontRef>
+        </p:style>
+        <p:txBody>
+          <a:bodyPr rtlCol="0" anchor="ctr"/>
+          <a:lstStyle/>
+          <a:p>
+            <a:pPr algn="ctr"/>
+            <a:endParaRPr kumimoji="1" lang="ja-JP" altLang="en-US"/>
+          </a:p>
+        </p:txBody>
+      </p:sp>
+      <p:sp>
+        <p:nvSpPr>
+          <p:cNvPr id="7" name="円/楕円 6">
+            <a:extLst>
+              <a:ext uri="{FF2B5EF4-FFF2-40B4-BE49-F238E27FC236}">
+                <a16:creationId xmlns:a16="http://schemas.microsoft.com/office/drawing/2014/main" id="{30651E9A-EEA8-BA4B-905F-40CB911480DB}"/>
+              </a:ext>
+            </a:extLst>
+          </p:cNvPr>
+          <p:cNvSpPr/>
+          <p:nvPr/>
+        </p:nvSpPr>
+        <p:spPr>
+          <a:xfrm>
+            <a:off x="6557996" y="4490538"/>
+            <a:ext cx="250257" cy="250257"/>
+          </a:xfrm>
+          <a:prstGeom prst="ellipse">
+            <a:avLst/>
+          </a:prstGeom>
+          <a:solidFill>
+            <a:schemeClr val="bg1">
+              <a:lumMod val="75000"/>
+            </a:schemeClr>
+          </a:solidFill>
+          <a:ln>
+            <a:solidFill>
+              <a:schemeClr val="tx1"/>
+            </a:solidFill>
+          </a:ln>
+        </p:spPr>
+        <p:style>
+          <a:lnRef idx="2">
+            <a:schemeClr val="accent1">
+              <a:shade val="50000"/>
+            </a:schemeClr>
+          </a:lnRef>
+          <a:fillRef idx="1">
+            <a:schemeClr val="accent1"/>
+          </a:fillRef>
+          <a:effectRef idx="0">
+            <a:schemeClr val="accent1"/>
+          </a:effectRef>
+          <a:fontRef idx="minor">
+            <a:schemeClr val="lt1"/>
+          </a:fontRef>
+        </p:style>
+        <p:txBody>
+          <a:bodyPr rtlCol="0" anchor="ctr"/>
+          <a:lstStyle/>
+          <a:p>
+            <a:pPr algn="ctr"/>
+            <a:endParaRPr kumimoji="1" lang="ja-JP" altLang="en-US"/>
+          </a:p>
+        </p:txBody>
+      </p:sp>
+      <p:sp>
+        <p:nvSpPr>
+          <p:cNvPr id="8" name="円/楕円 7">
+            <a:extLst>
+              <a:ext uri="{FF2B5EF4-FFF2-40B4-BE49-F238E27FC236}">
+                <a16:creationId xmlns:a16="http://schemas.microsoft.com/office/drawing/2014/main" id="{00C56101-70F2-C843-89D0-069BF9133434}"/>
+              </a:ext>
+            </a:extLst>
+          </p:cNvPr>
+          <p:cNvSpPr/>
+          <p:nvPr/>
+        </p:nvSpPr>
+        <p:spPr>
+          <a:xfrm>
+            <a:off x="7082974" y="4490538"/>
+            <a:ext cx="250257" cy="250257"/>
+          </a:xfrm>
+          <a:prstGeom prst="ellipse">
+            <a:avLst/>
+          </a:prstGeom>
+          <a:solidFill>
+            <a:schemeClr val="bg1">
+              <a:lumMod val="75000"/>
+            </a:schemeClr>
+          </a:solidFill>
+          <a:ln>
+            <a:solidFill>
+              <a:schemeClr val="tx1"/>
+            </a:solidFill>
+          </a:ln>
+        </p:spPr>
+        <p:style>
+          <a:lnRef idx="2">
+            <a:schemeClr val="accent1">
+              <a:shade val="50000"/>
+            </a:schemeClr>
+          </a:lnRef>
+          <a:fillRef idx="1">
+            <a:schemeClr val="accent1"/>
+          </a:fillRef>
+          <a:effectRef idx="0">
+            <a:schemeClr val="accent1"/>
+          </a:effectRef>
+          <a:fontRef idx="minor">
+            <a:schemeClr val="lt1"/>
+          </a:fontRef>
+        </p:style>
+        <p:txBody>
+          <a:bodyPr rtlCol="0" anchor="ctr"/>
+          <a:lstStyle/>
+          <a:p>
+            <a:pPr algn="ctr"/>
+            <a:endParaRPr kumimoji="1" lang="ja-JP" altLang="en-US"/>
+          </a:p>
+        </p:txBody>
+      </p:sp>
+      <p:sp>
+        <p:nvSpPr>
+          <p:cNvPr id="9" name="直角三角形 8">
+            <a:extLst>
+              <a:ext uri="{FF2B5EF4-FFF2-40B4-BE49-F238E27FC236}">
+                <a16:creationId xmlns:a16="http://schemas.microsoft.com/office/drawing/2014/main" id="{54FC2D19-3289-FD47-A789-D21699CFA00D}"/>
+              </a:ext>
+            </a:extLst>
+          </p:cNvPr>
+          <p:cNvSpPr/>
+          <p:nvPr/>
+        </p:nvSpPr>
+        <p:spPr>
+          <a:xfrm rot="10800000">
+            <a:off x="3378585" y="4939669"/>
+            <a:ext cx="503999" cy="1534515"/>
+          </a:xfrm>
+          <a:prstGeom prst="rtTriangle">
+            <a:avLst/>
+          </a:prstGeom>
+          <a:solidFill>
+            <a:schemeClr val="bg1">
+              <a:lumMod val="75000"/>
+            </a:schemeClr>
+          </a:solidFill>
+          <a:ln>
+            <a:solidFill>
+              <a:schemeClr val="tx1"/>
+            </a:solidFill>
+          </a:ln>
+        </p:spPr>
+        <p:style>
+          <a:lnRef idx="2">
+            <a:schemeClr val="accent1">
+              <a:shade val="50000"/>
+            </a:schemeClr>
+          </a:lnRef>
+          <a:fillRef idx="1">
+            <a:schemeClr val="accent1"/>
+          </a:fillRef>
+          <a:effectRef idx="0">
+            <a:schemeClr val="accent1"/>
+          </a:effectRef>
+          <a:fontRef idx="minor">
+            <a:schemeClr val="lt1"/>
+          </a:fontRef>
+        </p:style>
+        <p:txBody>
+          <a:bodyPr rtlCol="0" anchor="ctr"/>
+          <a:lstStyle/>
+          <a:p>
+            <a:pPr algn="ctr"/>
+            <a:endParaRPr kumimoji="1" lang="ja-JP" altLang="en-US"/>
+          </a:p>
+        </p:txBody>
+      </p:sp>
+      <p:sp>
+        <p:nvSpPr>
+          <p:cNvPr id="10" name="直角三角形 9">
+            <a:extLst>
+              <a:ext uri="{FF2B5EF4-FFF2-40B4-BE49-F238E27FC236}">
+                <a16:creationId xmlns:a16="http://schemas.microsoft.com/office/drawing/2014/main" id="{0369E731-20F4-8F41-A392-8AE5664C6633}"/>
+              </a:ext>
+            </a:extLst>
+          </p:cNvPr>
+          <p:cNvSpPr/>
+          <p:nvPr/>
+        </p:nvSpPr>
+        <p:spPr>
+          <a:xfrm rot="10800000" flipH="1">
+            <a:off x="8526804" y="4939668"/>
+            <a:ext cx="503999" cy="1534513"/>
+          </a:xfrm>
+          <a:prstGeom prst="rtTriangle">
+            <a:avLst/>
+          </a:prstGeom>
+          <a:solidFill>
+            <a:schemeClr val="bg1">
+              <a:lumMod val="75000"/>
+            </a:schemeClr>
+          </a:solidFill>
+          <a:ln>
+            <a:solidFill>
+              <a:schemeClr val="tx1"/>
+            </a:solidFill>
+          </a:ln>
+        </p:spPr>
+        <p:style>
+          <a:lnRef idx="2">
+            <a:schemeClr val="accent1">
+              <a:shade val="50000"/>
+            </a:schemeClr>
+          </a:lnRef>
+          <a:fillRef idx="1">
+            <a:schemeClr val="accent1"/>
+          </a:fillRef>
+          <a:effectRef idx="0">
+            <a:schemeClr val="accent1"/>
+          </a:effectRef>
+          <a:fontRef idx="minor">
+            <a:schemeClr val="lt1"/>
+          </a:fontRef>
+        </p:style>
+        <p:txBody>
+          <a:bodyPr rtlCol="0" anchor="ctr"/>
+          <a:lstStyle/>
+          <a:p>
+            <a:pPr algn="ctr"/>
+            <a:endParaRPr kumimoji="1" lang="ja-JP" altLang="en-US"/>
+          </a:p>
+        </p:txBody>
+      </p:sp>
+      <p:sp>
+        <p:nvSpPr>
+          <p:cNvPr id="11" name="正方形/長方形 10">
+            <a:extLst>
+              <a:ext uri="{FF2B5EF4-FFF2-40B4-BE49-F238E27FC236}">
+                <a16:creationId xmlns:a16="http://schemas.microsoft.com/office/drawing/2014/main" id="{23440F99-B482-A34B-9FF7-9ECC03C47261}"/>
+              </a:ext>
+            </a:extLst>
+          </p:cNvPr>
+          <p:cNvSpPr/>
+          <p:nvPr/>
+        </p:nvSpPr>
+        <p:spPr>
+          <a:xfrm>
+            <a:off x="6832718" y="3826803"/>
+            <a:ext cx="250256" cy="472009"/>
+          </a:xfrm>
+          <a:prstGeom prst="rect">
+            <a:avLst/>
+          </a:prstGeom>
+          <a:solidFill>
+            <a:schemeClr val="bg1">
+              <a:lumMod val="75000"/>
+            </a:schemeClr>
+          </a:solidFill>
+          <a:ln>
+            <a:solidFill>
+              <a:schemeClr val="tx1"/>
+            </a:solidFill>
+          </a:ln>
+        </p:spPr>
+        <p:style>
+          <a:lnRef idx="2">
+            <a:schemeClr val="accent1">
+              <a:shade val="50000"/>
+            </a:schemeClr>
+          </a:lnRef>
+          <a:fillRef idx="1">
+            <a:schemeClr val="accent1"/>
+          </a:fillRef>
+          <a:effectRef idx="0">
+            <a:schemeClr val="accent1"/>
+          </a:effectRef>
+          <a:fontRef idx="minor">
+            <a:schemeClr val="lt1"/>
+          </a:fontRef>
+        </p:style>
+        <p:txBody>
+          <a:bodyPr rtlCol="0" anchor="ctr"/>
+          <a:lstStyle/>
+          <a:p>
+            <a:pPr algn="ctr"/>
+            <a:endParaRPr kumimoji="1" lang="ja-JP" altLang="en-US"/>
+          </a:p>
+        </p:txBody>
+      </p:sp>
+      <p:pic>
+        <p:nvPicPr>
+          <p:cNvPr id="12" name="図 11">
+            <a:extLst>
+              <a:ext uri="{FF2B5EF4-FFF2-40B4-BE49-F238E27FC236}">
+                <a16:creationId xmlns:a16="http://schemas.microsoft.com/office/drawing/2014/main" id="{CE19CFE0-C97C-1A42-848C-96C6E8C0EBB2}"/>
+              </a:ext>
+            </a:extLst>
+          </p:cNvPr>
+          <p:cNvPicPr>
+            <a:picLocks noChangeAspect="1"/>
+          </p:cNvPicPr>
+          <p:nvPr/>
+        </p:nvPicPr>
+        <p:blipFill>
+          <a:blip r:embed="rId2"/>
+          <a:stretch>
+            <a:fillRect/>
+          </a:stretch>
+        </p:blipFill>
+        <p:spPr>
+          <a:xfrm flipH="1">
+            <a:off x="3880256" y="5084488"/>
+            <a:ext cx="601900" cy="436418"/>
+          </a:xfrm>
+          <a:prstGeom prst="rect">
+            <a:avLst/>
+          </a:prstGeom>
+        </p:spPr>
+      </p:pic>
+      <p:pic>
+        <p:nvPicPr>
+          <p:cNvPr id="13" name="図 12">
+            <a:extLst>
+              <a:ext uri="{FF2B5EF4-FFF2-40B4-BE49-F238E27FC236}">
+                <a16:creationId xmlns:a16="http://schemas.microsoft.com/office/drawing/2014/main" id="{F1B025B8-AB32-E14C-8434-CE01A8EE460A}"/>
+              </a:ext>
+            </a:extLst>
+          </p:cNvPr>
+          <p:cNvPicPr>
+            <a:picLocks noChangeAspect="1"/>
+          </p:cNvPicPr>
+          <p:nvPr/>
+        </p:nvPicPr>
+        <p:blipFill>
+          <a:blip r:embed="rId2"/>
+          <a:stretch>
+            <a:fillRect/>
+          </a:stretch>
+        </p:blipFill>
+        <p:spPr>
+          <a:xfrm flipH="1">
+            <a:off x="3880256" y="5580530"/>
+            <a:ext cx="601900" cy="436418"/>
+          </a:xfrm>
+          <a:prstGeom prst="rect">
+            <a:avLst/>
+          </a:prstGeom>
+        </p:spPr>
+      </p:pic>
+      <p:pic>
+        <p:nvPicPr>
+          <p:cNvPr id="14" name="図 13">
+            <a:extLst>
+              <a:ext uri="{FF2B5EF4-FFF2-40B4-BE49-F238E27FC236}">
+                <a16:creationId xmlns:a16="http://schemas.microsoft.com/office/drawing/2014/main" id="{E0BF267C-12F5-D743-874D-7DDB5AB19D28}"/>
+              </a:ext>
+            </a:extLst>
+          </p:cNvPr>
+          <p:cNvPicPr>
+            <a:picLocks noChangeAspect="1"/>
+          </p:cNvPicPr>
+          <p:nvPr/>
+        </p:nvPicPr>
+        <p:blipFill>
+          <a:blip r:embed="rId2"/>
+          <a:stretch>
+            <a:fillRect/>
+          </a:stretch>
+        </p:blipFill>
+        <p:spPr>
+          <a:xfrm flipH="1">
+            <a:off x="4440392" y="5084488"/>
+            <a:ext cx="601900" cy="436418"/>
+          </a:xfrm>
+          <a:prstGeom prst="rect">
+            <a:avLst/>
+          </a:prstGeom>
+        </p:spPr>
+      </p:pic>
+      <p:pic>
+        <p:nvPicPr>
+          <p:cNvPr id="15" name="図 14">
+            <a:extLst>
+              <a:ext uri="{FF2B5EF4-FFF2-40B4-BE49-F238E27FC236}">
+                <a16:creationId xmlns:a16="http://schemas.microsoft.com/office/drawing/2014/main" id="{A1981BAB-3FBC-214E-9662-59D5C6AED519}"/>
+              </a:ext>
+            </a:extLst>
+          </p:cNvPr>
+          <p:cNvPicPr>
+            <a:picLocks noChangeAspect="1"/>
+          </p:cNvPicPr>
+          <p:nvPr/>
+        </p:nvPicPr>
+        <p:blipFill>
+          <a:blip r:embed="rId2"/>
+          <a:stretch>
+            <a:fillRect/>
+          </a:stretch>
+        </p:blipFill>
+        <p:spPr>
+          <a:xfrm flipH="1">
+            <a:off x="4449192" y="5580530"/>
+            <a:ext cx="601900" cy="436418"/>
+          </a:xfrm>
+          <a:prstGeom prst="rect">
+            <a:avLst/>
+          </a:prstGeom>
+        </p:spPr>
+      </p:pic>
+      <p:pic>
+        <p:nvPicPr>
+          <p:cNvPr id="16" name="図 15">
+            <a:extLst>
+              <a:ext uri="{FF2B5EF4-FFF2-40B4-BE49-F238E27FC236}">
+                <a16:creationId xmlns:a16="http://schemas.microsoft.com/office/drawing/2014/main" id="{27C21C4A-220E-924D-BCC0-ECC02E629E3E}"/>
+              </a:ext>
+            </a:extLst>
+          </p:cNvPr>
+          <p:cNvPicPr>
+            <a:picLocks noChangeAspect="1"/>
+          </p:cNvPicPr>
+          <p:nvPr/>
+        </p:nvPicPr>
+        <p:blipFill>
+          <a:blip r:embed="rId2"/>
+          <a:stretch>
+            <a:fillRect/>
+          </a:stretch>
+        </p:blipFill>
+        <p:spPr>
+          <a:xfrm flipH="1">
+            <a:off x="4449192" y="6090903"/>
+            <a:ext cx="601900" cy="436418"/>
+          </a:xfrm>
+          <a:prstGeom prst="rect">
+            <a:avLst/>
+          </a:prstGeom>
+        </p:spPr>
+      </p:pic>
+      <p:pic>
+        <p:nvPicPr>
+          <p:cNvPr id="17" name="図 16">
+            <a:extLst>
+              <a:ext uri="{FF2B5EF4-FFF2-40B4-BE49-F238E27FC236}">
+                <a16:creationId xmlns:a16="http://schemas.microsoft.com/office/drawing/2014/main" id="{F9F247D6-6778-A94B-94E3-EDAB9B764205}"/>
+              </a:ext>
+            </a:extLst>
+          </p:cNvPr>
+          <p:cNvPicPr>
+            <a:picLocks noChangeAspect="1"/>
+          </p:cNvPicPr>
+          <p:nvPr/>
+        </p:nvPicPr>
+        <p:blipFill>
+          <a:blip r:embed="rId2"/>
+          <a:stretch>
+            <a:fillRect/>
+          </a:stretch>
+        </p:blipFill>
+        <p:spPr>
+          <a:xfrm flipH="1">
+            <a:off x="3880256" y="6090903"/>
+            <a:ext cx="601900" cy="436418"/>
+          </a:xfrm>
+          <a:prstGeom prst="rect">
+            <a:avLst/>
+          </a:prstGeom>
+        </p:spPr>
+      </p:pic>
+      <p:pic>
+        <p:nvPicPr>
+          <p:cNvPr id="18" name="図 17">
+            <a:extLst>
+              <a:ext uri="{FF2B5EF4-FFF2-40B4-BE49-F238E27FC236}">
+                <a16:creationId xmlns:a16="http://schemas.microsoft.com/office/drawing/2014/main" id="{80D8F8A4-AAD7-774E-A329-D4F723CE72C7}"/>
+              </a:ext>
+            </a:extLst>
+          </p:cNvPr>
+          <p:cNvPicPr>
+            <a:picLocks noChangeAspect="1"/>
+          </p:cNvPicPr>
+          <p:nvPr/>
+        </p:nvPicPr>
+        <p:blipFill>
+          <a:blip r:embed="rId3"/>
+          <a:stretch>
+            <a:fillRect/>
+          </a:stretch>
+        </p:blipFill>
+        <p:spPr>
+          <a:xfrm>
+            <a:off x="5039965" y="5100439"/>
+            <a:ext cx="560136" cy="406136"/>
+          </a:xfrm>
+          <a:prstGeom prst="rect">
+            <a:avLst/>
+          </a:prstGeom>
+        </p:spPr>
+      </p:pic>
+      <p:pic>
+        <p:nvPicPr>
+          <p:cNvPr id="19" name="図 18">
+            <a:extLst>
+              <a:ext uri="{FF2B5EF4-FFF2-40B4-BE49-F238E27FC236}">
+                <a16:creationId xmlns:a16="http://schemas.microsoft.com/office/drawing/2014/main" id="{804258CE-FC54-E942-9D4C-D18A6D53089A}"/>
+              </a:ext>
+            </a:extLst>
+          </p:cNvPr>
+          <p:cNvPicPr>
+            <a:picLocks noChangeAspect="1"/>
+          </p:cNvPicPr>
+          <p:nvPr/>
+        </p:nvPicPr>
+        <p:blipFill>
+          <a:blip r:embed="rId3"/>
+          <a:stretch>
+            <a:fillRect/>
+          </a:stretch>
+        </p:blipFill>
+        <p:spPr>
+          <a:xfrm>
+            <a:off x="5597774" y="5099629"/>
+            <a:ext cx="560136" cy="406136"/>
+          </a:xfrm>
+          <a:prstGeom prst="rect">
+            <a:avLst/>
+          </a:prstGeom>
+        </p:spPr>
+      </p:pic>
+      <p:pic>
+        <p:nvPicPr>
+          <p:cNvPr id="20" name="図 19">
+            <a:extLst>
+              <a:ext uri="{FF2B5EF4-FFF2-40B4-BE49-F238E27FC236}">
+                <a16:creationId xmlns:a16="http://schemas.microsoft.com/office/drawing/2014/main" id="{9A4D70F1-8022-2743-A8A2-7235A6A9F8AA}"/>
+              </a:ext>
+            </a:extLst>
+          </p:cNvPr>
+          <p:cNvPicPr>
+            <a:picLocks noChangeAspect="1"/>
+          </p:cNvPicPr>
+          <p:nvPr/>
+        </p:nvPicPr>
+        <p:blipFill>
+          <a:blip r:embed="rId3"/>
+          <a:stretch>
+            <a:fillRect/>
+          </a:stretch>
+        </p:blipFill>
+        <p:spPr>
+          <a:xfrm>
+            <a:off x="5057564" y="5603339"/>
+            <a:ext cx="560136" cy="406136"/>
+          </a:xfrm>
+          <a:prstGeom prst="rect">
+            <a:avLst/>
+          </a:prstGeom>
+        </p:spPr>
+      </p:pic>
+      <p:pic>
+        <p:nvPicPr>
+          <p:cNvPr id="21" name="図 20">
+            <a:extLst>
+              <a:ext uri="{FF2B5EF4-FFF2-40B4-BE49-F238E27FC236}">
+                <a16:creationId xmlns:a16="http://schemas.microsoft.com/office/drawing/2014/main" id="{A10653CB-A0F3-3340-9D38-5032F7889508}"/>
+              </a:ext>
+            </a:extLst>
+          </p:cNvPr>
+          <p:cNvPicPr>
+            <a:picLocks noChangeAspect="1"/>
+          </p:cNvPicPr>
+          <p:nvPr/>
+        </p:nvPicPr>
+        <p:blipFill>
+          <a:blip r:embed="rId3"/>
+          <a:stretch>
+            <a:fillRect/>
+          </a:stretch>
+        </p:blipFill>
+        <p:spPr>
+          <a:xfrm>
+            <a:off x="5599451" y="5587368"/>
+            <a:ext cx="560136" cy="406136"/>
+          </a:xfrm>
+          <a:prstGeom prst="rect">
+            <a:avLst/>
+          </a:prstGeom>
+        </p:spPr>
+      </p:pic>
+      <p:pic>
+        <p:nvPicPr>
+          <p:cNvPr id="22" name="図 21">
+            <a:extLst>
+              <a:ext uri="{FF2B5EF4-FFF2-40B4-BE49-F238E27FC236}">
+                <a16:creationId xmlns:a16="http://schemas.microsoft.com/office/drawing/2014/main" id="{F3576ACE-D241-EF4C-AF6F-37CEE8465075}"/>
+              </a:ext>
+            </a:extLst>
+          </p:cNvPr>
+          <p:cNvPicPr>
+            <a:picLocks noChangeAspect="1"/>
+          </p:cNvPicPr>
+          <p:nvPr/>
+        </p:nvPicPr>
+        <p:blipFill>
+          <a:blip r:embed="rId3"/>
+          <a:stretch>
+            <a:fillRect/>
+          </a:stretch>
+        </p:blipFill>
+        <p:spPr>
+          <a:xfrm>
+            <a:off x="5597774" y="6105198"/>
+            <a:ext cx="560136" cy="406136"/>
+          </a:xfrm>
+          <a:prstGeom prst="rect">
+            <a:avLst/>
+          </a:prstGeom>
+        </p:spPr>
+      </p:pic>
+      <p:pic>
+        <p:nvPicPr>
+          <p:cNvPr id="23" name="図 22">
+            <a:extLst>
+              <a:ext uri="{FF2B5EF4-FFF2-40B4-BE49-F238E27FC236}">
+                <a16:creationId xmlns:a16="http://schemas.microsoft.com/office/drawing/2014/main" id="{31D39C26-7D07-3E4B-8C90-B34CDC320AA4}"/>
+              </a:ext>
+            </a:extLst>
+          </p:cNvPr>
+          <p:cNvPicPr>
+            <a:picLocks noChangeAspect="1"/>
+          </p:cNvPicPr>
+          <p:nvPr/>
+        </p:nvPicPr>
+        <p:blipFill>
+          <a:blip r:embed="rId3"/>
+          <a:stretch>
+            <a:fillRect/>
+          </a:stretch>
+        </p:blipFill>
+        <p:spPr>
+          <a:xfrm>
+            <a:off x="5039965" y="6105028"/>
+            <a:ext cx="560136" cy="406136"/>
+          </a:xfrm>
+          <a:prstGeom prst="rect">
+            <a:avLst/>
+          </a:prstGeom>
+        </p:spPr>
+      </p:pic>
+      <p:pic>
+        <p:nvPicPr>
+          <p:cNvPr id="24" name="図 23">
+            <a:extLst>
+              <a:ext uri="{FF2B5EF4-FFF2-40B4-BE49-F238E27FC236}">
+                <a16:creationId xmlns:a16="http://schemas.microsoft.com/office/drawing/2014/main" id="{CB63CB22-525B-9E44-9FAF-2FE3C2CA9B04}"/>
+              </a:ext>
+            </a:extLst>
+          </p:cNvPr>
+          <p:cNvPicPr>
+            <a:picLocks noChangeAspect="1"/>
+          </p:cNvPicPr>
+          <p:nvPr/>
+        </p:nvPicPr>
+        <p:blipFill>
+          <a:blip r:embed="rId4"/>
+          <a:stretch>
+            <a:fillRect/>
+          </a:stretch>
+        </p:blipFill>
+        <p:spPr>
+          <a:xfrm>
+            <a:off x="6201633" y="5084488"/>
+            <a:ext cx="554426" cy="401996"/>
+          </a:xfrm>
+          <a:prstGeom prst="rect">
+            <a:avLst/>
+          </a:prstGeom>
+        </p:spPr>
+      </p:pic>
+      <p:pic>
+        <p:nvPicPr>
+          <p:cNvPr id="25" name="図 24">
+            <a:extLst>
+              <a:ext uri="{FF2B5EF4-FFF2-40B4-BE49-F238E27FC236}">
+                <a16:creationId xmlns:a16="http://schemas.microsoft.com/office/drawing/2014/main" id="{EC66C992-1222-F148-8DBF-ECD8F0239656}"/>
+              </a:ext>
+            </a:extLst>
+          </p:cNvPr>
+          <p:cNvPicPr>
+            <a:picLocks noChangeAspect="1"/>
+          </p:cNvPicPr>
+          <p:nvPr/>
+        </p:nvPicPr>
+        <p:blipFill>
+          <a:blip r:embed="rId4"/>
+          <a:stretch>
+            <a:fillRect/>
+          </a:stretch>
+        </p:blipFill>
+        <p:spPr>
+          <a:xfrm>
+            <a:off x="6756059" y="5093641"/>
+            <a:ext cx="554426" cy="401996"/>
+          </a:xfrm>
+          <a:prstGeom prst="rect">
+            <a:avLst/>
+          </a:prstGeom>
+        </p:spPr>
+      </p:pic>
+      <p:pic>
+        <p:nvPicPr>
+          <p:cNvPr id="26" name="図 25">
+            <a:extLst>
+              <a:ext uri="{FF2B5EF4-FFF2-40B4-BE49-F238E27FC236}">
+                <a16:creationId xmlns:a16="http://schemas.microsoft.com/office/drawing/2014/main" id="{CE11B97B-DED0-8041-B30C-501870FE8708}"/>
+              </a:ext>
+            </a:extLst>
+          </p:cNvPr>
+          <p:cNvPicPr>
+            <a:picLocks noChangeAspect="1"/>
+          </p:cNvPicPr>
+          <p:nvPr/>
+        </p:nvPicPr>
+        <p:blipFill>
+          <a:blip r:embed="rId4"/>
+          <a:stretch>
+            <a:fillRect/>
+          </a:stretch>
+        </p:blipFill>
+        <p:spPr>
+          <a:xfrm>
+            <a:off x="6219275" y="5597324"/>
+            <a:ext cx="554426" cy="401996"/>
+          </a:xfrm>
+          <a:prstGeom prst="rect">
+            <a:avLst/>
+          </a:prstGeom>
+        </p:spPr>
+      </p:pic>
+      <p:pic>
+        <p:nvPicPr>
+          <p:cNvPr id="27" name="図 26">
+            <a:extLst>
+              <a:ext uri="{FF2B5EF4-FFF2-40B4-BE49-F238E27FC236}">
+                <a16:creationId xmlns:a16="http://schemas.microsoft.com/office/drawing/2014/main" id="{51396D79-5437-0B44-B42C-E9F4DB52C1DB}"/>
+              </a:ext>
+            </a:extLst>
+          </p:cNvPr>
+          <p:cNvPicPr>
+            <a:picLocks noChangeAspect="1"/>
+          </p:cNvPicPr>
+          <p:nvPr/>
+        </p:nvPicPr>
+        <p:blipFill>
+          <a:blip r:embed="rId4"/>
+          <a:stretch>
+            <a:fillRect/>
+          </a:stretch>
+        </p:blipFill>
+        <p:spPr>
+          <a:xfrm>
+            <a:off x="6788211" y="5584686"/>
+            <a:ext cx="554426" cy="401996"/>
+          </a:xfrm>
+          <a:prstGeom prst="rect">
+            <a:avLst/>
+          </a:prstGeom>
+        </p:spPr>
+      </p:pic>
+      <p:pic>
+        <p:nvPicPr>
+          <p:cNvPr id="28" name="図 27">
+            <a:extLst>
+              <a:ext uri="{FF2B5EF4-FFF2-40B4-BE49-F238E27FC236}">
+                <a16:creationId xmlns:a16="http://schemas.microsoft.com/office/drawing/2014/main" id="{555E041A-939C-1145-BD59-02E0F0603C0A}"/>
+              </a:ext>
+            </a:extLst>
+          </p:cNvPr>
+          <p:cNvPicPr>
+            <a:picLocks noChangeAspect="1"/>
+          </p:cNvPicPr>
+          <p:nvPr/>
+        </p:nvPicPr>
+        <p:blipFill>
+          <a:blip r:embed="rId4"/>
+          <a:stretch>
+            <a:fillRect/>
+          </a:stretch>
+        </p:blipFill>
+        <p:spPr>
+          <a:xfrm>
+            <a:off x="6778805" y="6105198"/>
+            <a:ext cx="554426" cy="401996"/>
+          </a:xfrm>
+          <a:prstGeom prst="rect">
+            <a:avLst/>
+          </a:prstGeom>
+        </p:spPr>
+      </p:pic>
+      <p:pic>
+        <p:nvPicPr>
+          <p:cNvPr id="29" name="図 28">
+            <a:extLst>
+              <a:ext uri="{FF2B5EF4-FFF2-40B4-BE49-F238E27FC236}">
+                <a16:creationId xmlns:a16="http://schemas.microsoft.com/office/drawing/2014/main" id="{6B5DC912-02D3-FA40-97DB-0389CE10EC96}"/>
+              </a:ext>
+            </a:extLst>
+          </p:cNvPr>
+          <p:cNvPicPr>
+            <a:picLocks noChangeAspect="1"/>
+          </p:cNvPicPr>
+          <p:nvPr/>
+        </p:nvPicPr>
+        <p:blipFill>
+          <a:blip r:embed="rId4"/>
+          <a:stretch>
+            <a:fillRect/>
+          </a:stretch>
+        </p:blipFill>
+        <p:spPr>
+          <a:xfrm>
+            <a:off x="6201633" y="6098758"/>
+            <a:ext cx="554426" cy="401996"/>
+          </a:xfrm>
+          <a:prstGeom prst="rect">
+            <a:avLst/>
+          </a:prstGeom>
+        </p:spPr>
+      </p:pic>
+      <p:pic>
+        <p:nvPicPr>
+          <p:cNvPr id="30" name="図 29">
+            <a:extLst>
+              <a:ext uri="{FF2B5EF4-FFF2-40B4-BE49-F238E27FC236}">
+                <a16:creationId xmlns:a16="http://schemas.microsoft.com/office/drawing/2014/main" id="{20CEF957-3114-9D48-8BA2-4BCC7C3ABA51}"/>
+              </a:ext>
+            </a:extLst>
+          </p:cNvPr>
+          <p:cNvPicPr>
+            <a:picLocks noChangeAspect="1"/>
+          </p:cNvPicPr>
+          <p:nvPr/>
+        </p:nvPicPr>
+        <p:blipFill>
+          <a:blip r:embed="rId5"/>
+          <a:stretch>
+            <a:fillRect/>
+          </a:stretch>
+        </p:blipFill>
+        <p:spPr>
+          <a:xfrm>
+            <a:off x="7380438" y="5068938"/>
+            <a:ext cx="575872" cy="417546"/>
+          </a:xfrm>
+          <a:prstGeom prst="rect">
+            <a:avLst/>
+          </a:prstGeom>
+        </p:spPr>
+      </p:pic>
+      <p:pic>
+        <p:nvPicPr>
+          <p:cNvPr id="31" name="図 30">
+            <a:extLst>
+              <a:ext uri="{FF2B5EF4-FFF2-40B4-BE49-F238E27FC236}">
+                <a16:creationId xmlns:a16="http://schemas.microsoft.com/office/drawing/2014/main" id="{A9CA1D8E-31FF-6A49-8A99-6D3C3A61D63A}"/>
+              </a:ext>
+            </a:extLst>
+          </p:cNvPr>
+          <p:cNvPicPr>
+            <a:picLocks noChangeAspect="1"/>
+          </p:cNvPicPr>
+          <p:nvPr/>
+        </p:nvPicPr>
+        <p:blipFill>
+          <a:blip r:embed="rId5"/>
+          <a:stretch>
+            <a:fillRect/>
+          </a:stretch>
+        </p:blipFill>
+        <p:spPr>
+          <a:xfrm>
+            <a:off x="7944377" y="5059155"/>
+            <a:ext cx="575872" cy="417546"/>
+          </a:xfrm>
+          <a:prstGeom prst="rect">
+            <a:avLst/>
+          </a:prstGeom>
+        </p:spPr>
+      </p:pic>
+      <p:pic>
+        <p:nvPicPr>
+          <p:cNvPr id="32" name="図 31">
+            <a:extLst>
+              <a:ext uri="{FF2B5EF4-FFF2-40B4-BE49-F238E27FC236}">
+                <a16:creationId xmlns:a16="http://schemas.microsoft.com/office/drawing/2014/main" id="{2782C463-F420-F442-AC36-D7BA66B82742}"/>
+              </a:ext>
+            </a:extLst>
+          </p:cNvPr>
+          <p:cNvPicPr>
+            <a:picLocks noChangeAspect="1"/>
+          </p:cNvPicPr>
+          <p:nvPr/>
+        </p:nvPicPr>
+        <p:blipFill>
+          <a:blip r:embed="rId5"/>
+          <a:stretch>
+            <a:fillRect/>
+          </a:stretch>
+        </p:blipFill>
+        <p:spPr>
+          <a:xfrm>
+            <a:off x="7360804" y="5569987"/>
+            <a:ext cx="575872" cy="417546"/>
+          </a:xfrm>
+          <a:prstGeom prst="rect">
+            <a:avLst/>
+          </a:prstGeom>
+        </p:spPr>
+      </p:pic>
+      <p:pic>
+        <p:nvPicPr>
+          <p:cNvPr id="33" name="図 32">
+            <a:extLst>
+              <a:ext uri="{FF2B5EF4-FFF2-40B4-BE49-F238E27FC236}">
+                <a16:creationId xmlns:a16="http://schemas.microsoft.com/office/drawing/2014/main" id="{692A86BA-97EA-7346-B714-0E04E79F1C76}"/>
+              </a:ext>
+            </a:extLst>
+          </p:cNvPr>
+          <p:cNvPicPr>
+            <a:picLocks noChangeAspect="1"/>
+          </p:cNvPicPr>
+          <p:nvPr/>
+        </p:nvPicPr>
+        <p:blipFill>
+          <a:blip r:embed="rId5"/>
+          <a:stretch>
+            <a:fillRect/>
+          </a:stretch>
+        </p:blipFill>
+        <p:spPr>
+          <a:xfrm>
+            <a:off x="7939345" y="5587368"/>
+            <a:ext cx="575872" cy="417546"/>
+          </a:xfrm>
+          <a:prstGeom prst="rect">
+            <a:avLst/>
+          </a:prstGeom>
+        </p:spPr>
+      </p:pic>
+      <p:pic>
+        <p:nvPicPr>
+          <p:cNvPr id="34" name="図 33">
+            <a:extLst>
+              <a:ext uri="{FF2B5EF4-FFF2-40B4-BE49-F238E27FC236}">
+                <a16:creationId xmlns:a16="http://schemas.microsoft.com/office/drawing/2014/main" id="{E40314B3-2C0A-1446-A79B-E683FA14D74A}"/>
+              </a:ext>
+            </a:extLst>
+          </p:cNvPr>
+          <p:cNvPicPr>
+            <a:picLocks noChangeAspect="1"/>
+          </p:cNvPicPr>
+          <p:nvPr/>
+        </p:nvPicPr>
+        <p:blipFill>
+          <a:blip r:embed="rId5"/>
+          <a:stretch>
+            <a:fillRect/>
+          </a:stretch>
+        </p:blipFill>
+        <p:spPr>
+          <a:xfrm>
+            <a:off x="7954126" y="6081428"/>
+            <a:ext cx="575872" cy="417546"/>
+          </a:xfrm>
+          <a:prstGeom prst="rect">
+            <a:avLst/>
+          </a:prstGeom>
+        </p:spPr>
+      </p:pic>
+      <p:pic>
+        <p:nvPicPr>
+          <p:cNvPr id="35" name="図 34">
+            <a:extLst>
+              <a:ext uri="{FF2B5EF4-FFF2-40B4-BE49-F238E27FC236}">
+                <a16:creationId xmlns:a16="http://schemas.microsoft.com/office/drawing/2014/main" id="{31D207FF-AACB-6144-947E-8F6267CB6455}"/>
+              </a:ext>
+            </a:extLst>
+          </p:cNvPr>
+          <p:cNvPicPr>
+            <a:picLocks noChangeAspect="1"/>
+          </p:cNvPicPr>
+          <p:nvPr/>
+        </p:nvPicPr>
+        <p:blipFill>
+          <a:blip r:embed="rId5"/>
+          <a:stretch>
+            <a:fillRect/>
+          </a:stretch>
+        </p:blipFill>
+        <p:spPr>
+          <a:xfrm>
+            <a:off x="7405305" y="6077381"/>
+            <a:ext cx="575872" cy="417546"/>
+          </a:xfrm>
+          <a:prstGeom prst="rect">
+            <a:avLst/>
+          </a:prstGeom>
+        </p:spPr>
+      </p:pic>
     </p:spTree>
     <p:extLst>
       <p:ext uri="{BB962C8B-B14F-4D97-AF65-F5344CB8AC3E}">
@@ -18208,7 +22818,7 @@
           <a:p>
             <a:r>
               <a:rPr lang="en-US" altLang="ja-JP" dirty="0"/>
-              <a:t>Approach to create initial assignment</a:t>
+              <a:t>Initial solution</a:t>
             </a:r>
             <a:endParaRPr kumimoji="1" lang="ja-JP" altLang="en-US"/>
           </a:p>
@@ -18237,6 +22847,126 @@
           </a:bodyPr>
           <a:lstStyle/>
           <a:p>
+            <a:r>
+              <a:rPr kumimoji="1" lang="en-US" altLang="ja-JP" sz="2400" dirty="0"/>
+              <a:t>We propose several approach to create initial solution.</a:t>
+            </a:r>
+          </a:p>
+          <a:p>
+            <a:pPr marL="0" indent="0">
+              <a:buNone/>
+            </a:pPr>
+            <a:endParaRPr kumimoji="1" lang="en-US" altLang="ja-JP" sz="2400" dirty="0"/>
+          </a:p>
+          <a:p>
+            <a:pPr marL="457200" indent="-457200">
+              <a:buFont typeface="+mj-lt"/>
+              <a:buAutoNum type="arabicPeriod"/>
+            </a:pPr>
+            <a:r>
+              <a:rPr kumimoji="1" lang="en-US" altLang="ja-JP" sz="2400" dirty="0"/>
+              <a:t>generating from solution by relaxation of linear programming</a:t>
+            </a:r>
+          </a:p>
+          <a:p>
+            <a:pPr marL="457200" indent="-457200">
+              <a:buFont typeface="+mj-lt"/>
+              <a:buAutoNum type="arabicPeriod"/>
+            </a:pPr>
+            <a:r>
+              <a:rPr kumimoji="1" lang="en-US" altLang="ja-JP" sz="2400" dirty="0"/>
+              <a:t>generating from solution </a:t>
+            </a:r>
+            <a:r>
+              <a:rPr lang="en-US" altLang="ja-JP" sz="2400" dirty="0"/>
+              <a:t>of a problem formulated in MIP with bookings grouped by port</a:t>
+            </a:r>
+            <a:endParaRPr kumimoji="1" lang="en-US" altLang="ja-JP" sz="2400" dirty="0"/>
+          </a:p>
+        </p:txBody>
+      </p:sp>
+    </p:spTree>
+    <p:extLst>
+      <p:ext uri="{BB962C8B-B14F-4D97-AF65-F5344CB8AC3E}">
+        <p14:creationId xmlns:p14="http://schemas.microsoft.com/office/powerpoint/2010/main" val="3354853748"/>
+      </p:ext>
+    </p:extLst>
+  </p:cSld>
+  <p:clrMapOvr>
+    <a:masterClrMapping/>
+  </p:clrMapOvr>
+</p:sld>
+</file>
+
+<file path=ppt/slides/slide41.xml><?xml version="1.0" encoding="utf-8"?>
+<p:sld xmlns:a="http://schemas.openxmlformats.org/drawingml/2006/main" xmlns:r="http://schemas.openxmlformats.org/officeDocument/2006/relationships" xmlns:p="http://schemas.openxmlformats.org/presentationml/2006/main">
+  <p:cSld>
+    <p:spTree>
+      <p:nvGrpSpPr>
+        <p:cNvPr id="1" name=""/>
+        <p:cNvGrpSpPr/>
+        <p:nvPr/>
+      </p:nvGrpSpPr>
+      <p:grpSpPr>
+        <a:xfrm>
+          <a:off x="0" y="0"/>
+          <a:ext cx="0" cy="0"/>
+          <a:chOff x="0" y="0"/>
+          <a:chExt cx="0" cy="0"/>
+        </a:xfrm>
+      </p:grpSpPr>
+      <p:sp>
+        <p:nvSpPr>
+          <p:cNvPr id="2" name="タイトル 1">
+            <a:extLst>
+              <a:ext uri="{FF2B5EF4-FFF2-40B4-BE49-F238E27FC236}">
+                <a16:creationId xmlns:a16="http://schemas.microsoft.com/office/drawing/2014/main" id="{23293CDF-C8B2-0249-B006-9AB1745DECD2}"/>
+              </a:ext>
+            </a:extLst>
+          </p:cNvPr>
+          <p:cNvSpPr>
+            <a:spLocks noGrp="1"/>
+          </p:cNvSpPr>
+          <p:nvPr>
+            <p:ph type="title"/>
+          </p:nvPr>
+        </p:nvSpPr>
+        <p:spPr/>
+        <p:txBody>
+          <a:bodyPr/>
+          <a:lstStyle/>
+          <a:p>
+            <a:r>
+              <a:rPr lang="en-US" altLang="ja-JP" dirty="0"/>
+              <a:t>Approach to create initial assignment</a:t>
+            </a:r>
+            <a:endParaRPr kumimoji="1" lang="ja-JP" altLang="en-US"/>
+          </a:p>
+        </p:txBody>
+      </p:sp>
+      <p:sp>
+        <p:nvSpPr>
+          <p:cNvPr id="3" name="コンテンツ プレースホルダー 2">
+            <a:extLst>
+              <a:ext uri="{FF2B5EF4-FFF2-40B4-BE49-F238E27FC236}">
+                <a16:creationId xmlns:a16="http://schemas.microsoft.com/office/drawing/2014/main" id="{E20F269F-0243-3E42-9DD2-4D0E5F2B1161}"/>
+              </a:ext>
+            </a:extLst>
+          </p:cNvPr>
+          <p:cNvSpPr>
+            <a:spLocks noGrp="1"/>
+          </p:cNvSpPr>
+          <p:nvPr>
+            <p:ph idx="1"/>
+          </p:nvPr>
+        </p:nvSpPr>
+        <p:spPr/>
+        <p:txBody>
+          <a:bodyPr>
+            <a:normAutofit/>
+          </a:bodyPr>
+          <a:lstStyle/>
+          <a:p>
             <a:pPr marL="457200" indent="-457200">
               <a:buFont typeface="+mj-lt"/>
               <a:buAutoNum type="arabicPeriod"/>
@@ -18294,7 +23024,7 @@
 </p:sld>
 </file>
 
-<file path=ppt/slides/slide41.xml><?xml version="1.0" encoding="utf-8"?>
+<file path=ppt/slides/slide42.xml><?xml version="1.0" encoding="utf-8"?>
 <p:sld xmlns:a="http://schemas.openxmlformats.org/drawingml/2006/main" xmlns:r="http://schemas.openxmlformats.org/officeDocument/2006/relationships" xmlns:p="http://schemas.openxmlformats.org/presentationml/2006/main">
   <p:cSld>
     <p:spTree>
@@ -18416,7 +23146,7 @@
 </p:sld>
 </file>
 
-<file path=ppt/slides/slide42.xml><?xml version="1.0" encoding="utf-8"?>
+<file path=ppt/slides/slide43.xml><?xml version="1.0" encoding="utf-8"?>
 <p:sld xmlns:a="http://schemas.openxmlformats.org/drawingml/2006/main" xmlns:r="http://schemas.openxmlformats.org/officeDocument/2006/relationships" xmlns:p="http://schemas.openxmlformats.org/presentationml/2006/main">
   <p:cSld>
     <p:spTree>
@@ -18542,7 +23272,7 @@
 </p:sld>
 </file>
 
-<file path=ppt/slides/slide43.xml><?xml version="1.0" encoding="utf-8"?>
+<file path=ppt/slides/slide44.xml><?xml version="1.0" encoding="utf-8"?>
 <p:sld xmlns:a="http://schemas.openxmlformats.org/drawingml/2006/main" xmlns:r="http://schemas.openxmlformats.org/officeDocument/2006/relationships" xmlns:p="http://schemas.openxmlformats.org/presentationml/2006/main">
   <p:cSld>
     <p:spTree>
@@ -18654,7 +23384,7 @@
 </p:sld>
 </file>
 
-<file path=ppt/slides/slide44.xml><?xml version="1.0" encoding="utf-8"?>
+<file path=ppt/slides/slide45.xml><?xml version="1.0" encoding="utf-8"?>
 <p:sld xmlns:a="http://schemas.openxmlformats.org/drawingml/2006/main" xmlns:r="http://schemas.openxmlformats.org/officeDocument/2006/relationships" xmlns:p="http://schemas.openxmlformats.org/presentationml/2006/main">
   <p:cSld>
     <p:spTree>
@@ -19749,7 +24479,7 @@
 </p:sld>
 </file>
 
-<file path=ppt/slides/slide45.xml><?xml version="1.0" encoding="utf-8"?>
+<file path=ppt/slides/slide46.xml><?xml version="1.0" encoding="utf-8"?>
 <p:sld xmlns:a="http://schemas.openxmlformats.org/drawingml/2006/main" xmlns:r="http://schemas.openxmlformats.org/officeDocument/2006/relationships" xmlns:p="http://schemas.openxmlformats.org/presentationml/2006/main">
   <p:cSld>
     <p:spTree>
@@ -19858,7 +24588,7 @@
 </p:sld>
 </file>
 
-<file path=ppt/slides/slide46.xml><?xml version="1.0" encoding="utf-8"?>
+<file path=ppt/slides/slide47.xml><?xml version="1.0" encoding="utf-8"?>
 <p:sld xmlns:a="http://schemas.openxmlformats.org/drawingml/2006/main" xmlns:r="http://schemas.openxmlformats.org/officeDocument/2006/relationships" xmlns:p="http://schemas.openxmlformats.org/presentationml/2006/main">
   <p:cSld>
     <p:spTree>
@@ -20640,7 +25370,7 @@
 </p:sld>
 </file>
 
-<file path=ppt/slides/slide47.xml><?xml version="1.0" encoding="utf-8"?>
+<file path=ppt/slides/slide48.xml><?xml version="1.0" encoding="utf-8"?>
 <p:sld xmlns:a="http://schemas.openxmlformats.org/drawingml/2006/main" xmlns:r="http://schemas.openxmlformats.org/officeDocument/2006/relationships" xmlns:p="http://schemas.openxmlformats.org/presentationml/2006/main">
   <p:cSld>
     <p:spTree>
@@ -20768,7 +25498,7 @@
 </p:sld>
 </file>
 
-<file path=ppt/slides/slide48.xml><?xml version="1.0" encoding="utf-8"?>
+<file path=ppt/slides/slide49.xml><?xml version="1.0" encoding="utf-8"?>
 <p:sld xmlns:a="http://schemas.openxmlformats.org/drawingml/2006/main" xmlns:r="http://schemas.openxmlformats.org/officeDocument/2006/relationships" xmlns:p="http://schemas.openxmlformats.org/presentationml/2006/main">
   <p:cSld>
     <p:spTree>
@@ -22147,7 +26877,117 @@
 </p:sld>
 </file>
 
-<file path=ppt/slides/slide49.xml><?xml version="1.0" encoding="utf-8"?>
+<file path=ppt/slides/slide5.xml><?xml version="1.0" encoding="utf-8"?>
+<p:sld xmlns:a="http://schemas.openxmlformats.org/drawingml/2006/main" xmlns:r="http://schemas.openxmlformats.org/officeDocument/2006/relationships" xmlns:p="http://schemas.openxmlformats.org/presentationml/2006/main">
+  <p:cSld>
+    <p:spTree>
+      <p:nvGrpSpPr>
+        <p:cNvPr id="1" name=""/>
+        <p:cNvGrpSpPr/>
+        <p:nvPr/>
+      </p:nvGrpSpPr>
+      <p:grpSpPr>
+        <a:xfrm>
+          <a:off x="0" y="0"/>
+          <a:ext cx="0" cy="0"/>
+          <a:chOff x="0" y="0"/>
+          <a:chExt cx="0" cy="0"/>
+        </a:xfrm>
+      </p:grpSpPr>
+      <p:sp>
+        <p:nvSpPr>
+          <p:cNvPr id="2" name="タイトル 1">
+            <a:extLst>
+              <a:ext uri="{FF2B5EF4-FFF2-40B4-BE49-F238E27FC236}">
+                <a16:creationId xmlns:a16="http://schemas.microsoft.com/office/drawing/2014/main" id="{03DC7BD9-E43D-E442-9A49-33395737C89D}"/>
+              </a:ext>
+            </a:extLst>
+          </p:cNvPr>
+          <p:cNvSpPr>
+            <a:spLocks noGrp="1"/>
+          </p:cNvSpPr>
+          <p:nvPr>
+            <p:ph type="title"/>
+          </p:nvPr>
+        </p:nvSpPr>
+        <p:spPr/>
+        <p:txBody>
+          <a:bodyPr/>
+          <a:lstStyle/>
+          <a:p>
+            <a:r>
+              <a:rPr kumimoji="1" lang="en-US" altLang="ja-JP" dirty="0"/>
+              <a:t>Background</a:t>
+            </a:r>
+            <a:endParaRPr kumimoji="1" lang="ja-JP" altLang="en-US"/>
+          </a:p>
+        </p:txBody>
+      </p:sp>
+      <p:sp>
+        <p:nvSpPr>
+          <p:cNvPr id="3" name="コンテンツ プレースホルダー 2">
+            <a:extLst>
+              <a:ext uri="{FF2B5EF4-FFF2-40B4-BE49-F238E27FC236}">
+                <a16:creationId xmlns:a16="http://schemas.microsoft.com/office/drawing/2014/main" id="{AD3B2DD4-96C6-BB42-93C1-3859304F6137}"/>
+              </a:ext>
+            </a:extLst>
+          </p:cNvPr>
+          <p:cNvSpPr>
+            <a:spLocks noGrp="1"/>
+          </p:cNvSpPr>
+          <p:nvPr>
+            <p:ph idx="1"/>
+          </p:nvPr>
+        </p:nvSpPr>
+        <p:spPr/>
+        <p:txBody>
+          <a:bodyPr>
+            <a:normAutofit/>
+          </a:bodyPr>
+          <a:lstStyle/>
+          <a:p>
+            <a:r>
+              <a:rPr lang="en-US" altLang="ja-JP" sz="2400" dirty="0"/>
+              <a:t>There are a lot of things that has to be considered</a:t>
+            </a:r>
+          </a:p>
+          <a:p>
+            <a:pPr lvl="1"/>
+            <a:r>
+              <a:rPr lang="en-US" altLang="ja-JP" sz="2200" dirty="0"/>
+              <a:t>Planning assignments that makes it easy to load and unload cars is important.</a:t>
+            </a:r>
+          </a:p>
+          <a:p>
+            <a:pPr lvl="1"/>
+            <a:r>
+              <a:rPr lang="en-US" altLang="ja-JP" sz="2200" dirty="0"/>
+              <a:t>Human error should not happen.</a:t>
+            </a:r>
+          </a:p>
+          <a:p>
+            <a:pPr lvl="1"/>
+            <a:r>
+              <a:rPr lang="en-US" altLang="ja-JP" sz="2400" dirty="0"/>
+              <a:t>Unbalanced assignments may result in a sinking.</a:t>
+            </a:r>
+          </a:p>
+        </p:txBody>
+      </p:sp>
+    </p:spTree>
+    <p:extLst>
+      <p:ext uri="{BB962C8B-B14F-4D97-AF65-F5344CB8AC3E}">
+        <p14:creationId xmlns:p14="http://schemas.microsoft.com/office/powerpoint/2010/main" val="3649340498"/>
+      </p:ext>
+    </p:extLst>
+  </p:cSld>
+  <p:clrMapOvr>
+    <a:masterClrMapping/>
+  </p:clrMapOvr>
+</p:sld>
+</file>
+
+<file path=ppt/slides/slide50.xml><?xml version="1.0" encoding="utf-8"?>
 <p:sld xmlns:a="http://schemas.openxmlformats.org/drawingml/2006/main" xmlns:r="http://schemas.openxmlformats.org/officeDocument/2006/relationships" xmlns:p="http://schemas.openxmlformats.org/presentationml/2006/main">
   <p:cSld>
     <p:spTree>
@@ -22624,117 +27464,7 @@
 </p:sld>
 </file>
 
-<file path=ppt/slides/slide5.xml><?xml version="1.0" encoding="utf-8"?>
-<p:sld xmlns:a="http://schemas.openxmlformats.org/drawingml/2006/main" xmlns:r="http://schemas.openxmlformats.org/officeDocument/2006/relationships" xmlns:p="http://schemas.openxmlformats.org/presentationml/2006/main">
-  <p:cSld>
-    <p:spTree>
-      <p:nvGrpSpPr>
-        <p:cNvPr id="1" name=""/>
-        <p:cNvGrpSpPr/>
-        <p:nvPr/>
-      </p:nvGrpSpPr>
-      <p:grpSpPr>
-        <a:xfrm>
-          <a:off x="0" y="0"/>
-          <a:ext cx="0" cy="0"/>
-          <a:chOff x="0" y="0"/>
-          <a:chExt cx="0" cy="0"/>
-        </a:xfrm>
-      </p:grpSpPr>
-      <p:sp>
-        <p:nvSpPr>
-          <p:cNvPr id="2" name="タイトル 1">
-            <a:extLst>
-              <a:ext uri="{FF2B5EF4-FFF2-40B4-BE49-F238E27FC236}">
-                <a16:creationId xmlns:a16="http://schemas.microsoft.com/office/drawing/2014/main" id="{03DC7BD9-E43D-E442-9A49-33395737C89D}"/>
-              </a:ext>
-            </a:extLst>
-          </p:cNvPr>
-          <p:cNvSpPr>
-            <a:spLocks noGrp="1"/>
-          </p:cNvSpPr>
-          <p:nvPr>
-            <p:ph type="title"/>
-          </p:nvPr>
-        </p:nvSpPr>
-        <p:spPr/>
-        <p:txBody>
-          <a:bodyPr/>
-          <a:lstStyle/>
-          <a:p>
-            <a:r>
-              <a:rPr kumimoji="1" lang="en-US" altLang="ja-JP" dirty="0"/>
-              <a:t>Background</a:t>
-            </a:r>
-            <a:endParaRPr kumimoji="1" lang="ja-JP" altLang="en-US"/>
-          </a:p>
-        </p:txBody>
-      </p:sp>
-      <p:sp>
-        <p:nvSpPr>
-          <p:cNvPr id="3" name="コンテンツ プレースホルダー 2">
-            <a:extLst>
-              <a:ext uri="{FF2B5EF4-FFF2-40B4-BE49-F238E27FC236}">
-                <a16:creationId xmlns:a16="http://schemas.microsoft.com/office/drawing/2014/main" id="{AD3B2DD4-96C6-BB42-93C1-3859304F6137}"/>
-              </a:ext>
-            </a:extLst>
-          </p:cNvPr>
-          <p:cNvSpPr>
-            <a:spLocks noGrp="1"/>
-          </p:cNvSpPr>
-          <p:nvPr>
-            <p:ph idx="1"/>
-          </p:nvPr>
-        </p:nvSpPr>
-        <p:spPr/>
-        <p:txBody>
-          <a:bodyPr>
-            <a:normAutofit/>
-          </a:bodyPr>
-          <a:lstStyle/>
-          <a:p>
-            <a:r>
-              <a:rPr lang="en-US" altLang="ja-JP" sz="2400" dirty="0"/>
-              <a:t>There are a lot of things that has to be considered</a:t>
-            </a:r>
-          </a:p>
-          <a:p>
-            <a:pPr lvl="1"/>
-            <a:r>
-              <a:rPr lang="en-US" altLang="ja-JP" sz="2200" dirty="0"/>
-              <a:t>Planning assignments that makes it easy to load and unload cars is important.</a:t>
-            </a:r>
-          </a:p>
-          <a:p>
-            <a:pPr lvl="1"/>
-            <a:r>
-              <a:rPr lang="en-US" altLang="ja-JP" sz="2200" dirty="0"/>
-              <a:t>Human error should not happen.</a:t>
-            </a:r>
-          </a:p>
-          <a:p>
-            <a:pPr lvl="1"/>
-            <a:r>
-              <a:rPr lang="en-US" altLang="ja-JP" sz="2400" dirty="0"/>
-              <a:t>Unbalanced assignments may result in a sinking.</a:t>
-            </a:r>
-          </a:p>
-        </p:txBody>
-      </p:sp>
-    </p:spTree>
-    <p:extLst>
-      <p:ext uri="{BB962C8B-B14F-4D97-AF65-F5344CB8AC3E}">
-        <p14:creationId xmlns:p14="http://schemas.microsoft.com/office/powerpoint/2010/main" val="3649340498"/>
-      </p:ext>
-    </p:extLst>
-  </p:cSld>
-  <p:clrMapOvr>
-    <a:masterClrMapping/>
-  </p:clrMapOvr>
-</p:sld>
-</file>
-
-<file path=ppt/slides/slide50.xml><?xml version="1.0" encoding="utf-8"?>
+<file path=ppt/slides/slide51.xml><?xml version="1.0" encoding="utf-8"?>
 <p:sld xmlns:a="http://schemas.openxmlformats.org/drawingml/2006/main" xmlns:r="http://schemas.openxmlformats.org/officeDocument/2006/relationships" xmlns:p="http://schemas.openxmlformats.org/presentationml/2006/main">
   <p:cSld>
     <p:spTree>
@@ -22855,7 +27585,7 @@
 </p:sld>
 </file>
 
-<file path=ppt/slides/slide51.xml><?xml version="1.0" encoding="utf-8"?>
+<file path=ppt/slides/slide52.xml><?xml version="1.0" encoding="utf-8"?>
 <p:sld xmlns:a="http://schemas.openxmlformats.org/drawingml/2006/main" xmlns:r="http://schemas.openxmlformats.org/officeDocument/2006/relationships" xmlns:p="http://schemas.openxmlformats.org/presentationml/2006/main">
   <p:cSld>
     <p:spTree>
@@ -23223,7 +27953,7 @@
 </p:sld>
 </file>
 
-<file path=ppt/slides/slide52.xml><?xml version="1.0" encoding="utf-8"?>
+<file path=ppt/slides/slide53.xml><?xml version="1.0" encoding="utf-8"?>
 <p:sld xmlns:a="http://schemas.openxmlformats.org/drawingml/2006/main" xmlns:r="http://schemas.openxmlformats.org/officeDocument/2006/relationships" xmlns:p="http://schemas.openxmlformats.org/presentationml/2006/main">
   <p:cSld>
     <p:spTree>
@@ -23591,7 +28321,7 @@
 </p:sld>
 </file>
 
-<file path=ppt/slides/slide53.xml><?xml version="1.0" encoding="utf-8"?>
+<file path=ppt/slides/slide54.xml><?xml version="1.0" encoding="utf-8"?>
 <p:sld xmlns:a="http://schemas.openxmlformats.org/drawingml/2006/main" xmlns:r="http://schemas.openxmlformats.org/officeDocument/2006/relationships" xmlns:p="http://schemas.openxmlformats.org/presentationml/2006/main">
   <p:cSld>
     <p:spTree>
@@ -23818,7 +28548,7 @@
 </p:sld>
 </file>
 
-<file path=ppt/slides/slide54.xml><?xml version="1.0" encoding="utf-8"?>
+<file path=ppt/slides/slide55.xml><?xml version="1.0" encoding="utf-8"?>
 <p:sld xmlns:a="http://schemas.openxmlformats.org/drawingml/2006/main" xmlns:r="http://schemas.openxmlformats.org/officeDocument/2006/relationships" xmlns:p="http://schemas.openxmlformats.org/presentationml/2006/main">
   <p:cSld>
     <p:spTree>
@@ -24133,7 +28863,7 @@
 </p:sld>
 </file>
 
-<file path=ppt/slides/slide55.xml><?xml version="1.0" encoding="utf-8"?>
+<file path=ppt/slides/slide56.xml><?xml version="1.0" encoding="utf-8"?>
 <p:sld xmlns:a="http://schemas.openxmlformats.org/drawingml/2006/main" xmlns:r="http://schemas.openxmlformats.org/officeDocument/2006/relationships" xmlns:p="http://schemas.openxmlformats.org/presentationml/2006/main">
   <p:cSld>
     <p:spTree>
@@ -24845,7 +29575,7 @@
 </p:sld>
 </file>
 
-<file path=ppt/slides/slide56.xml><?xml version="1.0" encoding="utf-8"?>
+<file path=ppt/slides/slide57.xml><?xml version="1.0" encoding="utf-8"?>
 <p:sld xmlns:a="http://schemas.openxmlformats.org/drawingml/2006/main" xmlns:r="http://schemas.openxmlformats.org/officeDocument/2006/relationships" xmlns:p="http://schemas.openxmlformats.org/presentationml/2006/main">
   <p:cSld>
     <p:spTree>
@@ -24963,7 +29693,7 @@
 </p:sld>
 </file>
 
-<file path=ppt/slides/slide57.xml><?xml version="1.0" encoding="utf-8"?>
+<file path=ppt/slides/slide58.xml><?xml version="1.0" encoding="utf-8"?>
 <p:sld xmlns:a="http://schemas.openxmlformats.org/drawingml/2006/main" xmlns:r="http://schemas.openxmlformats.org/officeDocument/2006/relationships" xmlns:p="http://schemas.openxmlformats.org/presentationml/2006/main">
   <p:cSld>
     <p:spTree>
@@ -25955,7 +30685,7 @@
 </p:sld>
 </file>
 
-<file path=ppt/slides/slide58.xml><?xml version="1.0" encoding="utf-8"?>
+<file path=ppt/slides/slide59.xml><?xml version="1.0" encoding="utf-8"?>
 <p:sld xmlns:a="http://schemas.openxmlformats.org/drawingml/2006/main" xmlns:r="http://schemas.openxmlformats.org/officeDocument/2006/relationships" xmlns:p="http://schemas.openxmlformats.org/presentationml/2006/main">
   <p:cSld>
     <p:spTree>
@@ -26062,7 +30792,146 @@
 </p:sld>
 </file>
 
-<file path=ppt/slides/slide59.xml><?xml version="1.0" encoding="utf-8"?>
+<file path=ppt/slides/slide6.xml><?xml version="1.0" encoding="utf-8"?>
+<p:sld xmlns:a="http://schemas.openxmlformats.org/drawingml/2006/main" xmlns:r="http://schemas.openxmlformats.org/officeDocument/2006/relationships" xmlns:p="http://schemas.openxmlformats.org/presentationml/2006/main">
+  <p:cSld>
+    <p:spTree>
+      <p:nvGrpSpPr>
+        <p:cNvPr id="1" name=""/>
+        <p:cNvGrpSpPr/>
+        <p:nvPr/>
+      </p:nvGrpSpPr>
+      <p:grpSpPr>
+        <a:xfrm>
+          <a:off x="0" y="0"/>
+          <a:ext cx="0" cy="0"/>
+          <a:chOff x="0" y="0"/>
+          <a:chExt cx="0" cy="0"/>
+        </a:xfrm>
+      </p:grpSpPr>
+      <p:sp>
+        <p:nvSpPr>
+          <p:cNvPr id="2" name="タイトル 1">
+            <a:extLst>
+              <a:ext uri="{FF2B5EF4-FFF2-40B4-BE49-F238E27FC236}">
+                <a16:creationId xmlns:a16="http://schemas.microsoft.com/office/drawing/2014/main" id="{93010AF0-9B7D-1145-8148-06A633089EBF}"/>
+              </a:ext>
+            </a:extLst>
+          </p:cNvPr>
+          <p:cNvSpPr>
+            <a:spLocks noGrp="1"/>
+          </p:cNvSpPr>
+          <p:nvPr>
+            <p:ph type="title"/>
+          </p:nvPr>
+        </p:nvSpPr>
+        <p:spPr/>
+        <p:txBody>
+          <a:bodyPr/>
+          <a:lstStyle/>
+          <a:p>
+            <a:r>
+              <a:rPr kumimoji="1" lang="en-US" altLang="ja-JP" dirty="0"/>
+              <a:t>Outline</a:t>
+            </a:r>
+            <a:endParaRPr kumimoji="1" lang="ja-JP" altLang="en-US"/>
+          </a:p>
+        </p:txBody>
+      </p:sp>
+      <p:sp>
+        <p:nvSpPr>
+          <p:cNvPr id="3" name="コンテンツ プレースホルダー 2">
+            <a:extLst>
+              <a:ext uri="{FF2B5EF4-FFF2-40B4-BE49-F238E27FC236}">
+                <a16:creationId xmlns:a16="http://schemas.microsoft.com/office/drawing/2014/main" id="{97A5DCCE-A463-7E40-A93C-1FAC6C539F8C}"/>
+              </a:ext>
+            </a:extLst>
+          </p:cNvPr>
+          <p:cNvSpPr>
+            <a:spLocks noGrp="1"/>
+          </p:cNvSpPr>
+          <p:nvPr>
+            <p:ph idx="1"/>
+          </p:nvPr>
+        </p:nvSpPr>
+        <p:spPr/>
+        <p:txBody>
+          <a:bodyPr>
+            <a:normAutofit/>
+          </a:bodyPr>
+          <a:lstStyle/>
+          <a:p>
+            <a:r>
+              <a:rPr kumimoji="1" lang="en-US" altLang="ja-JP" sz="2400" dirty="0">
+                <a:solidFill>
+                  <a:schemeClr val="bg1">
+                    <a:lumMod val="75000"/>
+                  </a:schemeClr>
+                </a:solidFill>
+              </a:rPr>
+              <a:t>Background</a:t>
+            </a:r>
+          </a:p>
+          <a:p>
+            <a:r>
+              <a:rPr lang="en-US" altLang="ja-JP" sz="2400" dirty="0"/>
+              <a:t>Problem definition</a:t>
+            </a:r>
+            <a:endParaRPr kumimoji="1" lang="en-US" altLang="ja-JP" sz="2400" dirty="0"/>
+          </a:p>
+          <a:p>
+            <a:r>
+              <a:rPr lang="en-US" altLang="ja-JP" sz="2400" dirty="0">
+                <a:solidFill>
+                  <a:schemeClr val="bg1">
+                    <a:lumMod val="75000"/>
+                  </a:schemeClr>
+                </a:solidFill>
+              </a:rPr>
+              <a:t>Proposed model</a:t>
+            </a:r>
+          </a:p>
+          <a:p>
+            <a:r>
+              <a:rPr lang="en-US" altLang="ja-JP" sz="2400" dirty="0">
+                <a:solidFill>
+                  <a:schemeClr val="bg1">
+                    <a:lumMod val="75000"/>
+                  </a:schemeClr>
+                </a:solidFill>
+              </a:rPr>
+              <a:t>Summary</a:t>
+            </a:r>
+            <a:endParaRPr kumimoji="1" lang="en-US" altLang="ja-JP" sz="2400" dirty="0">
+              <a:solidFill>
+                <a:schemeClr val="bg1">
+                  <a:lumMod val="75000"/>
+                </a:schemeClr>
+              </a:solidFill>
+            </a:endParaRPr>
+          </a:p>
+          <a:p>
+            <a:endParaRPr kumimoji="1" lang="en-US" altLang="ja-JP" sz="2400" dirty="0"/>
+          </a:p>
+          <a:p>
+            <a:endParaRPr kumimoji="1" lang="ja-JP" altLang="en-US" sz="2400"/>
+          </a:p>
+        </p:txBody>
+      </p:sp>
+    </p:spTree>
+    <p:extLst>
+      <p:ext uri="{BB962C8B-B14F-4D97-AF65-F5344CB8AC3E}">
+        <p14:creationId xmlns:p14="http://schemas.microsoft.com/office/powerpoint/2010/main" val="3752892603"/>
+      </p:ext>
+    </p:extLst>
+  </p:cSld>
+  <p:clrMapOvr>
+    <a:masterClrMapping/>
+  </p:clrMapOvr>
+</p:sld>
+</file>
+
+<file path=ppt/slides/slide60.xml><?xml version="1.0" encoding="utf-8"?>
 <p:sld xmlns:a="http://schemas.openxmlformats.org/drawingml/2006/main" xmlns:r="http://schemas.openxmlformats.org/officeDocument/2006/relationships" xmlns:p="http://schemas.openxmlformats.org/presentationml/2006/main">
   <p:cSld>
     <p:spTree>
@@ -26112,8 +30981,8 @@
           </a:p>
         </p:txBody>
       </p:sp>
-      <mc:AlternateContent xmlns:mc="http://schemas.openxmlformats.org/markup-compatibility/2006">
-        <mc:Choice xmlns:a14="http://schemas.microsoft.com/office/drawing/2010/main" Requires="a14">
+      <mc:AlternateContent xmlns:mc="http://schemas.openxmlformats.org/markup-compatibility/2006" xmlns:a14="http://schemas.microsoft.com/office/drawing/2010/main">
+        <mc:Choice Requires="a14">
           <p:sp>
             <p:nvSpPr>
               <p:cNvPr id="3" name="コンテンツ プレースホルダー 2">
@@ -26457,7 +31326,7 @@
             </p:txBody>
           </p:sp>
         </mc:Choice>
-        <mc:Fallback>
+        <mc:Fallback xmlns="">
           <p:sp>
             <p:nvSpPr>
               <p:cNvPr id="3" name="コンテンツ プレースホルダー 2">
@@ -26514,146 +31383,7 @@
 </p:sld>
 </file>
 
-<file path=ppt/slides/slide6.xml><?xml version="1.0" encoding="utf-8"?>
-<p:sld xmlns:a="http://schemas.openxmlformats.org/drawingml/2006/main" xmlns:r="http://schemas.openxmlformats.org/officeDocument/2006/relationships" xmlns:p="http://schemas.openxmlformats.org/presentationml/2006/main">
-  <p:cSld>
-    <p:spTree>
-      <p:nvGrpSpPr>
-        <p:cNvPr id="1" name=""/>
-        <p:cNvGrpSpPr/>
-        <p:nvPr/>
-      </p:nvGrpSpPr>
-      <p:grpSpPr>
-        <a:xfrm>
-          <a:off x="0" y="0"/>
-          <a:ext cx="0" cy="0"/>
-          <a:chOff x="0" y="0"/>
-          <a:chExt cx="0" cy="0"/>
-        </a:xfrm>
-      </p:grpSpPr>
-      <p:sp>
-        <p:nvSpPr>
-          <p:cNvPr id="2" name="タイトル 1">
-            <a:extLst>
-              <a:ext uri="{FF2B5EF4-FFF2-40B4-BE49-F238E27FC236}">
-                <a16:creationId xmlns:a16="http://schemas.microsoft.com/office/drawing/2014/main" id="{93010AF0-9B7D-1145-8148-06A633089EBF}"/>
-              </a:ext>
-            </a:extLst>
-          </p:cNvPr>
-          <p:cNvSpPr>
-            <a:spLocks noGrp="1"/>
-          </p:cNvSpPr>
-          <p:nvPr>
-            <p:ph type="title"/>
-          </p:nvPr>
-        </p:nvSpPr>
-        <p:spPr/>
-        <p:txBody>
-          <a:bodyPr/>
-          <a:lstStyle/>
-          <a:p>
-            <a:r>
-              <a:rPr kumimoji="1" lang="en-US" altLang="ja-JP" dirty="0"/>
-              <a:t>Outline</a:t>
-            </a:r>
-            <a:endParaRPr kumimoji="1" lang="ja-JP" altLang="en-US"/>
-          </a:p>
-        </p:txBody>
-      </p:sp>
-      <p:sp>
-        <p:nvSpPr>
-          <p:cNvPr id="3" name="コンテンツ プレースホルダー 2">
-            <a:extLst>
-              <a:ext uri="{FF2B5EF4-FFF2-40B4-BE49-F238E27FC236}">
-                <a16:creationId xmlns:a16="http://schemas.microsoft.com/office/drawing/2014/main" id="{97A5DCCE-A463-7E40-A93C-1FAC6C539F8C}"/>
-              </a:ext>
-            </a:extLst>
-          </p:cNvPr>
-          <p:cNvSpPr>
-            <a:spLocks noGrp="1"/>
-          </p:cNvSpPr>
-          <p:nvPr>
-            <p:ph idx="1"/>
-          </p:nvPr>
-        </p:nvSpPr>
-        <p:spPr/>
-        <p:txBody>
-          <a:bodyPr>
-            <a:normAutofit/>
-          </a:bodyPr>
-          <a:lstStyle/>
-          <a:p>
-            <a:r>
-              <a:rPr kumimoji="1" lang="en-US" altLang="ja-JP" sz="2400" dirty="0">
-                <a:solidFill>
-                  <a:schemeClr val="bg1">
-                    <a:lumMod val="75000"/>
-                  </a:schemeClr>
-                </a:solidFill>
-              </a:rPr>
-              <a:t>Background</a:t>
-            </a:r>
-          </a:p>
-          <a:p>
-            <a:r>
-              <a:rPr lang="en-US" altLang="ja-JP" sz="2400" dirty="0"/>
-              <a:t>Problem definition</a:t>
-            </a:r>
-            <a:endParaRPr kumimoji="1" lang="en-US" altLang="ja-JP" sz="2400" dirty="0"/>
-          </a:p>
-          <a:p>
-            <a:r>
-              <a:rPr lang="en-US" altLang="ja-JP" sz="2400" dirty="0">
-                <a:solidFill>
-                  <a:schemeClr val="bg1">
-                    <a:lumMod val="75000"/>
-                  </a:schemeClr>
-                </a:solidFill>
-              </a:rPr>
-              <a:t>Proposed model</a:t>
-            </a:r>
-          </a:p>
-          <a:p>
-            <a:r>
-              <a:rPr lang="en-US" altLang="ja-JP" sz="2400" dirty="0">
-                <a:solidFill>
-                  <a:schemeClr val="bg1">
-                    <a:lumMod val="75000"/>
-                  </a:schemeClr>
-                </a:solidFill>
-              </a:rPr>
-              <a:t>Summary</a:t>
-            </a:r>
-            <a:endParaRPr kumimoji="1" lang="en-US" altLang="ja-JP" sz="2400" dirty="0">
-              <a:solidFill>
-                <a:schemeClr val="bg1">
-                  <a:lumMod val="75000"/>
-                </a:schemeClr>
-              </a:solidFill>
-            </a:endParaRPr>
-          </a:p>
-          <a:p>
-            <a:endParaRPr kumimoji="1" lang="en-US" altLang="ja-JP" sz="2400" dirty="0"/>
-          </a:p>
-          <a:p>
-            <a:endParaRPr kumimoji="1" lang="ja-JP" altLang="en-US" sz="2400"/>
-          </a:p>
-        </p:txBody>
-      </p:sp>
-    </p:spTree>
-    <p:extLst>
-      <p:ext uri="{BB962C8B-B14F-4D97-AF65-F5344CB8AC3E}">
-        <p14:creationId xmlns:p14="http://schemas.microsoft.com/office/powerpoint/2010/main" val="3752892603"/>
-      </p:ext>
-    </p:extLst>
-  </p:cSld>
-  <p:clrMapOvr>
-    <a:masterClrMapping/>
-  </p:clrMapOvr>
-</p:sld>
-</file>
-
-<file path=ppt/slides/slide60.xml><?xml version="1.0" encoding="utf-8"?>
+<file path=ppt/slides/slide61.xml><?xml version="1.0" encoding="utf-8"?>
 <p:sld xmlns:a="http://schemas.openxmlformats.org/drawingml/2006/main" xmlns:r="http://schemas.openxmlformats.org/officeDocument/2006/relationships" xmlns:p="http://schemas.openxmlformats.org/presentationml/2006/main">
   <p:cSld>
     <p:spTree>
@@ -26782,7 +31512,7 @@
 </p:sld>
 </file>
 
-<file path=ppt/slides/slide61.xml><?xml version="1.0" encoding="utf-8"?>
+<file path=ppt/slides/slide62.xml><?xml version="1.0" encoding="utf-8"?>
 <p:sld xmlns:a="http://schemas.openxmlformats.org/drawingml/2006/main" xmlns:r="http://schemas.openxmlformats.org/officeDocument/2006/relationships" xmlns:p="http://schemas.openxmlformats.org/presentationml/2006/main">
   <p:cSld>
     <p:spTree>
@@ -27819,7 +32549,7 @@
 </p:sld>
 </file>
 
-<file path=ppt/slides/slide62.xml><?xml version="1.0" encoding="utf-8"?>
+<file path=ppt/slides/slide63.xml><?xml version="1.0" encoding="utf-8"?>
 <p:sld xmlns:a="http://schemas.openxmlformats.org/drawingml/2006/main" xmlns:r="http://schemas.openxmlformats.org/officeDocument/2006/relationships" xmlns:p="http://schemas.openxmlformats.org/presentationml/2006/main">
   <p:cSld>
     <p:spTree>
@@ -29426,7 +34156,7 @@
 </p:sld>
 </file>
 
-<file path=ppt/slides/slide63.xml><?xml version="1.0" encoding="utf-8"?>
+<file path=ppt/slides/slide64.xml><?xml version="1.0" encoding="utf-8"?>
 <p:sld xmlns:a="http://schemas.openxmlformats.org/drawingml/2006/main" xmlns:r="http://schemas.openxmlformats.org/officeDocument/2006/relationships" xmlns:p="http://schemas.openxmlformats.org/presentationml/2006/main">
   <p:cSld>
     <p:spTree>
@@ -29997,7 +34727,7 @@
 </p:sld>
 </file>
 
-<file path=ppt/slides/slide64.xml><?xml version="1.0" encoding="utf-8"?>
+<file path=ppt/slides/slide65.xml><?xml version="1.0" encoding="utf-8"?>
 <p:sld xmlns:a="http://schemas.openxmlformats.org/drawingml/2006/main" xmlns:r="http://schemas.openxmlformats.org/officeDocument/2006/relationships" xmlns:p="http://schemas.openxmlformats.org/presentationml/2006/main">
   <p:cSld>
     <p:spTree>
@@ -31055,7 +35785,7 @@
         </p:nvSpPr>
         <p:spPr>
           <a:xfrm>
-            <a:off x="2125187" y="1713930"/>
+            <a:off x="2138634" y="1905000"/>
             <a:ext cx="9120567" cy="4427562"/>
           </a:xfrm>
         </p:spPr>
@@ -31067,42 +35797,61 @@
           <a:p>
             <a:r>
               <a:rPr lang="en-US" altLang="ja-JP" sz="2400" dirty="0"/>
-              <a:t>Booking information</a:t>
-            </a:r>
-            <a:endParaRPr kumimoji="1" lang="en-US" altLang="ja-JP" sz="2400" dirty="0"/>
+              <a:t>We are given information on bookings.</a:t>
+            </a:r>
+          </a:p>
+          <a:p>
+            <a:pPr lvl="1"/>
+            <a:r>
+              <a:rPr kumimoji="1" lang="en-US" altLang="ja-JP" sz="2200" dirty="0"/>
+              <a:t>Booking ID</a:t>
+            </a:r>
+          </a:p>
+          <a:p>
+            <a:pPr lvl="1"/>
+            <a:r>
+              <a:rPr kumimoji="1" lang="en-US" altLang="ja-JP" sz="2200" dirty="0"/>
+              <a:t>Loading port</a:t>
+            </a:r>
+          </a:p>
+          <a:p>
+            <a:pPr lvl="1"/>
+            <a:r>
+              <a:rPr kumimoji="1" lang="en-US" altLang="ja-JP" sz="2200" dirty="0"/>
+              <a:t>Destination Port</a:t>
+            </a:r>
+          </a:p>
+          <a:p>
+            <a:pPr lvl="1"/>
+            <a:r>
+              <a:rPr kumimoji="1" lang="en-US" altLang="ja-JP" sz="2200" dirty="0"/>
+              <a:t>Number of vehicles</a:t>
+            </a:r>
+          </a:p>
+          <a:p>
+            <a:pPr lvl="1"/>
+            <a:r>
+              <a:rPr lang="en-US" altLang="ja-JP" sz="2200" dirty="0"/>
+              <a:t>Size of vehicles </a:t>
+            </a:r>
+          </a:p>
+          <a:p>
+            <a:pPr lvl="1"/>
+            <a:r>
+              <a:rPr lang="en-US" altLang="ja-JP" sz="2200" dirty="0" err="1"/>
+              <a:t>et</a:t>
+            </a:r>
+            <a:r>
+              <a:rPr kumimoji="1" lang="en-US" altLang="ja-JP" sz="2200" dirty="0" err="1"/>
+              <a:t>c</a:t>
+            </a:r>
+            <a:r>
+              <a:rPr kumimoji="1" lang="en-US" altLang="ja-JP" sz="2200" dirty="0"/>
+              <a:t>…</a:t>
+            </a:r>
           </a:p>
         </p:txBody>
       </p:sp>
-      <p:pic>
-        <p:nvPicPr>
-          <p:cNvPr id="5" name="図 4">
-            <a:extLst>
-              <a:ext uri="{FF2B5EF4-FFF2-40B4-BE49-F238E27FC236}">
-                <a16:creationId xmlns:a16="http://schemas.microsoft.com/office/drawing/2014/main" id="{C119040F-67D3-9B4C-85ED-B26CE8BEBBCF}"/>
-              </a:ext>
-            </a:extLst>
-          </p:cNvPr>
-          <p:cNvPicPr>
-            <a:picLocks noChangeAspect="1"/>
-          </p:cNvPicPr>
-          <p:nvPr/>
-        </p:nvPicPr>
-        <p:blipFill>
-          <a:blip r:embed="rId2"/>
-          <a:stretch>
-            <a:fillRect/>
-          </a:stretch>
-        </p:blipFill>
-        <p:spPr>
-          <a:xfrm>
-            <a:off x="2971348" y="2678808"/>
-            <a:ext cx="6111082" cy="2688876"/>
-          </a:xfrm>
-          <a:prstGeom prst="rect">
-            <a:avLst/>
-          </a:prstGeom>
-        </p:spPr>
-      </p:pic>
     </p:spTree>
     <p:extLst>
       <p:ext uri="{BB962C8B-B14F-4D97-AF65-F5344CB8AC3E}">
@@ -31186,8 +35935,12 @@
           <a:lstStyle/>
           <a:p>
             <a:r>
+              <a:rPr lang="en-US" altLang="ja-JP" sz="2400" dirty="0"/>
+              <a:t>We are also given</a:t>
+            </a:r>
+            <a:r>
               <a:rPr kumimoji="1" lang="en-US" altLang="ja-JP" sz="2400" dirty="0"/>
-              <a:t>Ship information</a:t>
+              <a:t> information about ships.</a:t>
             </a:r>
           </a:p>
           <a:p>

--- a/竹田.pptx
+++ b/竹田.pptx
@@ -9036,7 +9036,7 @@
         </p:nvSpPr>
         <p:spPr>
           <a:xfrm>
-            <a:off x="8175812" y="1639182"/>
+            <a:off x="8511989" y="1639182"/>
             <a:ext cx="2353235" cy="369332"/>
           </a:xfrm>
           <a:prstGeom prst="rect">

--- a/竹田.pptx
+++ b/竹田.pptx
@@ -14,62 +14,61 @@
     <p:sldId id="259" r:id="rId8"/>
     <p:sldId id="260" r:id="rId9"/>
     <p:sldId id="565" r:id="rId10"/>
-    <p:sldId id="262" r:id="rId11"/>
-    <p:sldId id="631" r:id="rId12"/>
-    <p:sldId id="263" r:id="rId13"/>
-    <p:sldId id="269" r:id="rId14"/>
-    <p:sldId id="270" r:id="rId15"/>
-    <p:sldId id="271" r:id="rId16"/>
-    <p:sldId id="272" r:id="rId17"/>
-    <p:sldId id="273" r:id="rId18"/>
-    <p:sldId id="274" r:id="rId19"/>
-    <p:sldId id="264" r:id="rId20"/>
-    <p:sldId id="265" r:id="rId21"/>
-    <p:sldId id="266" r:id="rId22"/>
-    <p:sldId id="626" r:id="rId23"/>
-    <p:sldId id="569" r:id="rId24"/>
-    <p:sldId id="571" r:id="rId25"/>
-    <p:sldId id="573" r:id="rId26"/>
-    <p:sldId id="574" r:id="rId27"/>
-    <p:sldId id="627" r:id="rId28"/>
-    <p:sldId id="628" r:id="rId29"/>
-    <p:sldId id="629" r:id="rId30"/>
-    <p:sldId id="576" r:id="rId31"/>
-    <p:sldId id="579" r:id="rId32"/>
-    <p:sldId id="580" r:id="rId33"/>
-    <p:sldId id="581" r:id="rId34"/>
-    <p:sldId id="588" r:id="rId35"/>
-    <p:sldId id="589" r:id="rId36"/>
-    <p:sldId id="591" r:id="rId37"/>
-    <p:sldId id="590" r:id="rId38"/>
-    <p:sldId id="592" r:id="rId39"/>
-    <p:sldId id="594" r:id="rId40"/>
-    <p:sldId id="607" r:id="rId41"/>
-    <p:sldId id="610" r:id="rId42"/>
-    <p:sldId id="630" r:id="rId43"/>
-    <p:sldId id="611" r:id="rId44"/>
-    <p:sldId id="616" r:id="rId45"/>
-    <p:sldId id="609" r:id="rId46"/>
-    <p:sldId id="578" r:id="rId47"/>
-    <p:sldId id="621" r:id="rId48"/>
-    <p:sldId id="561" r:id="rId49"/>
-    <p:sldId id="562" r:id="rId50"/>
-    <p:sldId id="563" r:id="rId51"/>
-    <p:sldId id="564" r:id="rId52"/>
-    <p:sldId id="566" r:id="rId53"/>
-    <p:sldId id="568" r:id="rId54"/>
-    <p:sldId id="620" r:id="rId55"/>
-    <p:sldId id="619" r:id="rId56"/>
-    <p:sldId id="587" r:id="rId57"/>
-    <p:sldId id="596" r:id="rId58"/>
-    <p:sldId id="597" r:id="rId59"/>
-    <p:sldId id="598" r:id="rId60"/>
-    <p:sldId id="601" r:id="rId61"/>
-    <p:sldId id="602" r:id="rId62"/>
-    <p:sldId id="603" r:id="rId63"/>
-    <p:sldId id="604" r:id="rId64"/>
-    <p:sldId id="606" r:id="rId65"/>
-    <p:sldId id="608" r:id="rId66"/>
+    <p:sldId id="631" r:id="rId11"/>
+    <p:sldId id="263" r:id="rId12"/>
+    <p:sldId id="269" r:id="rId13"/>
+    <p:sldId id="270" r:id="rId14"/>
+    <p:sldId id="271" r:id="rId15"/>
+    <p:sldId id="272" r:id="rId16"/>
+    <p:sldId id="273" r:id="rId17"/>
+    <p:sldId id="274" r:id="rId18"/>
+    <p:sldId id="264" r:id="rId19"/>
+    <p:sldId id="265" r:id="rId20"/>
+    <p:sldId id="266" r:id="rId21"/>
+    <p:sldId id="626" r:id="rId22"/>
+    <p:sldId id="569" r:id="rId23"/>
+    <p:sldId id="571" r:id="rId24"/>
+    <p:sldId id="573" r:id="rId25"/>
+    <p:sldId id="574" r:id="rId26"/>
+    <p:sldId id="627" r:id="rId27"/>
+    <p:sldId id="628" r:id="rId28"/>
+    <p:sldId id="629" r:id="rId29"/>
+    <p:sldId id="576" r:id="rId30"/>
+    <p:sldId id="579" r:id="rId31"/>
+    <p:sldId id="580" r:id="rId32"/>
+    <p:sldId id="581" r:id="rId33"/>
+    <p:sldId id="588" r:id="rId34"/>
+    <p:sldId id="589" r:id="rId35"/>
+    <p:sldId id="591" r:id="rId36"/>
+    <p:sldId id="590" r:id="rId37"/>
+    <p:sldId id="592" r:id="rId38"/>
+    <p:sldId id="594" r:id="rId39"/>
+    <p:sldId id="607" r:id="rId40"/>
+    <p:sldId id="610" r:id="rId41"/>
+    <p:sldId id="630" r:id="rId42"/>
+    <p:sldId id="611" r:id="rId43"/>
+    <p:sldId id="616" r:id="rId44"/>
+    <p:sldId id="609" r:id="rId45"/>
+    <p:sldId id="578" r:id="rId46"/>
+    <p:sldId id="621" r:id="rId47"/>
+    <p:sldId id="561" r:id="rId48"/>
+    <p:sldId id="562" r:id="rId49"/>
+    <p:sldId id="563" r:id="rId50"/>
+    <p:sldId id="564" r:id="rId51"/>
+    <p:sldId id="566" r:id="rId52"/>
+    <p:sldId id="568" r:id="rId53"/>
+    <p:sldId id="620" r:id="rId54"/>
+    <p:sldId id="619" r:id="rId55"/>
+    <p:sldId id="587" r:id="rId56"/>
+    <p:sldId id="596" r:id="rId57"/>
+    <p:sldId id="597" r:id="rId58"/>
+    <p:sldId id="598" r:id="rId59"/>
+    <p:sldId id="601" r:id="rId60"/>
+    <p:sldId id="602" r:id="rId61"/>
+    <p:sldId id="603" r:id="rId62"/>
+    <p:sldId id="604" r:id="rId63"/>
+    <p:sldId id="606" r:id="rId64"/>
+    <p:sldId id="608" r:id="rId65"/>
   </p:sldIdLst>
   <p:sldSz cx="12192000" cy="6858000"/>
   <p:notesSz cx="6858000" cy="9144000"/>
@@ -8447,183 +8446,6 @@
           <p:cNvPr id="2" name="タイトル 1">
             <a:extLst>
               <a:ext uri="{FF2B5EF4-FFF2-40B4-BE49-F238E27FC236}">
-                <a16:creationId xmlns:a16="http://schemas.microsoft.com/office/drawing/2014/main" id="{6F71ED5D-E72C-DB40-A958-3D404E7C2BDB}"/>
-              </a:ext>
-            </a:extLst>
-          </p:cNvPr>
-          <p:cNvSpPr>
-            <a:spLocks noGrp="1"/>
-          </p:cNvSpPr>
-          <p:nvPr>
-            <p:ph type="title"/>
-          </p:nvPr>
-        </p:nvSpPr>
-        <p:spPr/>
-        <p:txBody>
-          <a:bodyPr/>
-          <a:lstStyle/>
-          <a:p>
-            <a:r>
-              <a:rPr lang="en-US" altLang="ja-JP" dirty="0"/>
-              <a:t>Stowage plan</a:t>
-            </a:r>
-            <a:endParaRPr kumimoji="1" lang="ja-JP" altLang="en-US"/>
-          </a:p>
-        </p:txBody>
-      </p:sp>
-      <mc:AlternateContent xmlns:mc="http://schemas.openxmlformats.org/markup-compatibility/2006" xmlns:a14="http://schemas.microsoft.com/office/drawing/2010/main">
-        <mc:Choice Requires="a14">
-          <p:sp>
-            <p:nvSpPr>
-              <p:cNvPr id="3" name="コンテンツ プレースホルダー 2">
-                <a:extLst>
-                  <a:ext uri="{FF2B5EF4-FFF2-40B4-BE49-F238E27FC236}">
-                    <a16:creationId xmlns:a16="http://schemas.microsoft.com/office/drawing/2014/main" id="{C91B532C-DD0A-5649-814C-749997C24508}"/>
-                  </a:ext>
-                </a:extLst>
-              </p:cNvPr>
-              <p:cNvSpPr>
-                <a:spLocks noGrp="1"/>
-              </p:cNvSpPr>
-              <p:nvPr>
-                <p:ph idx="1"/>
-              </p:nvPr>
-            </p:nvSpPr>
-            <p:spPr/>
-            <p:txBody>
-              <a:bodyPr>
-                <a:normAutofit/>
-              </a:bodyPr>
-              <a:lstStyle/>
-              <a:p>
-                <a:r>
-                  <a:rPr lang="en-US" altLang="ja-JP" sz="2400" dirty="0"/>
-                  <a:t>We assign cars in every booking to the hold.</a:t>
-                </a:r>
-              </a:p>
-              <a:p>
-                <a:pPr lvl="1"/>
-                <a:r>
-                  <a:rPr lang="en" altLang="ja-JP" sz="2400" dirty="0"/>
-                  <a:t>The booking ID 0 is assigned the 3rd hold of 1st deck. </a:t>
-                </a:r>
-              </a:p>
-              <a:p>
-                <a:pPr marL="457200" lvl="1" indent="0">
-                  <a:buNone/>
-                </a:pPr>
-                <a:r>
-                  <a:rPr lang="en" altLang="ja-JP" sz="2400" dirty="0"/>
-                  <a:t>                                        </a:t>
-                </a:r>
-                <a14:m>
-                  <m:oMath xmlns:m="http://schemas.openxmlformats.org/officeDocument/2006/math">
-                    <m:r>
-                      <a:rPr lang="en" altLang="ja-JP" sz="2400" i="1" smtClean="0">
-                        <a:latin typeface="Cambria Math" panose="02040503050406030204" pitchFamily="18" charset="0"/>
-                        <a:ea typeface="Cambria Math" panose="02040503050406030204" pitchFamily="18" charset="0"/>
-                      </a:rPr>
-                      <m:t>⋮</m:t>
-                    </m:r>
-                  </m:oMath>
-                </a14:m>
-                <a:endParaRPr lang="en" altLang="ja-JP" sz="2400" dirty="0"/>
-              </a:p>
-              <a:p>
-                <a:pPr lvl="1"/>
-                <a:r>
-                  <a:rPr lang="en" altLang="ja-JP" sz="2400" dirty="0"/>
-                  <a:t>The booking ID 5 is assigned the 2rd hold of 4th deck. </a:t>
-                </a:r>
-              </a:p>
-              <a:p>
-                <a:pPr lvl="1"/>
-                <a:endParaRPr lang="en" altLang="ja-JP" dirty="0"/>
-              </a:p>
-              <a:p>
-                <a:endParaRPr lang="en-US" altLang="ja-JP" sz="2400" dirty="0"/>
-              </a:p>
-              <a:p>
-                <a:endParaRPr kumimoji="1" lang="ja-JP" altLang="en-US" sz="2400"/>
-              </a:p>
-            </p:txBody>
-          </p:sp>
-        </mc:Choice>
-        <mc:Fallback xmlns="">
-          <p:sp>
-            <p:nvSpPr>
-              <p:cNvPr id="3" name="コンテンツ プレースホルダー 2">
-                <a:extLst>
-                  <a:ext uri="{FF2B5EF4-FFF2-40B4-BE49-F238E27FC236}">
-                    <a16:creationId xmlns:a16="http://schemas.microsoft.com/office/drawing/2014/main" id="{C91B532C-DD0A-5649-814C-749997C24508}"/>
-                  </a:ext>
-                </a:extLst>
-              </p:cNvPr>
-              <p:cNvSpPr>
-                <a:spLocks noGrp="1" noRot="1" noChangeAspect="1" noMove="1" noResize="1" noEditPoints="1" noAdjustHandles="1" noChangeArrowheads="1" noChangeShapeType="1" noTextEdit="1"/>
-              </p:cNvSpPr>
-              <p:nvPr>
-                <p:ph idx="1"/>
-              </p:nvPr>
-            </p:nvSpPr>
-            <p:spPr>
-              <a:blipFill>
-                <a:blip r:embed="rId2"/>
-                <a:stretch>
-                  <a:fillRect l="-997" t="-1347"/>
-                </a:stretch>
-              </a:blipFill>
-            </p:spPr>
-            <p:txBody>
-              <a:bodyPr/>
-              <a:lstStyle/>
-              <a:p>
-                <a:r>
-                  <a:rPr lang="ja-JP" altLang="en-US">
-                    <a:noFill/>
-                  </a:rPr>
-                  <a:t> </a:t>
-                </a:r>
-              </a:p>
-            </p:txBody>
-          </p:sp>
-        </mc:Fallback>
-      </mc:AlternateContent>
-    </p:spTree>
-    <p:extLst>
-      <p:ext uri="{BB962C8B-B14F-4D97-AF65-F5344CB8AC3E}">
-        <p14:creationId xmlns:p14="http://schemas.microsoft.com/office/powerpoint/2010/main" val="3717920886"/>
-      </p:ext>
-    </p:extLst>
-  </p:cSld>
-  <p:clrMapOvr>
-    <a:masterClrMapping/>
-  </p:clrMapOvr>
-</p:sld>
-</file>
-
-<file path=ppt/slides/slide11.xml><?xml version="1.0" encoding="utf-8"?>
-<p:sld xmlns:a="http://schemas.openxmlformats.org/drawingml/2006/main" xmlns:r="http://schemas.openxmlformats.org/officeDocument/2006/relationships" xmlns:p="http://schemas.openxmlformats.org/presentationml/2006/main">
-  <p:cSld>
-    <p:spTree>
-      <p:nvGrpSpPr>
-        <p:cNvPr id="1" name=""/>
-        <p:cNvGrpSpPr/>
-        <p:nvPr/>
-      </p:nvGrpSpPr>
-      <p:grpSpPr>
-        <a:xfrm>
-          <a:off x="0" y="0"/>
-          <a:ext cx="0" cy="0"/>
-          <a:chOff x="0" y="0"/>
-          <a:chExt cx="0" cy="0"/>
-        </a:xfrm>
-      </p:grpSpPr>
-      <p:sp>
-        <p:nvSpPr>
-          <p:cNvPr id="2" name="タイトル 1">
-            <a:extLst>
-              <a:ext uri="{FF2B5EF4-FFF2-40B4-BE49-F238E27FC236}">
                 <a16:creationId xmlns:a16="http://schemas.microsoft.com/office/drawing/2014/main" id="{F1EC487D-BADB-134B-B07C-646D2DBAC991}"/>
               </a:ext>
             </a:extLst>
@@ -8669,14 +8491,14 @@
             <p:ph idx="1"/>
             <p:extLst>
               <p:ext uri="{D42A27DB-BD31-4B8C-83A1-F6EECF244321}">
-                <p14:modId xmlns:p14="http://schemas.microsoft.com/office/powerpoint/2010/main" val="785509014"/>
+                <p14:modId xmlns:p14="http://schemas.microsoft.com/office/powerpoint/2010/main" val="1439241249"/>
               </p:ext>
             </p:extLst>
           </p:nvPr>
         </p:nvGraphicFramePr>
         <p:xfrm>
-          <a:off x="2613786" y="2155073"/>
-          <a:ext cx="3394728" cy="1797424"/>
+          <a:off x="2582025" y="1910020"/>
+          <a:ext cx="3394728" cy="1622232"/>
         </p:xfrm>
         <a:graphic>
           <a:graphicData uri="http://schemas.openxmlformats.org/drawingml/2006/table">
@@ -8714,7 +8536,7 @@
                   </a:extLst>
                 </a:gridCol>
               </a:tblGrid>
-              <a:tr h="449356">
+              <a:tr h="405558">
                 <a:tc>
                   <a:txBody>
                     <a:bodyPr/>
@@ -8781,7 +8603,7 @@
                   </a:ext>
                 </a:extLst>
               </a:tr>
-              <a:tr h="449356">
+              <a:tr h="405558">
                 <a:tc>
                   <a:txBody>
                     <a:bodyPr/>
@@ -8835,7 +8657,7 @@
                       <a:pPr algn="ctr"/>
                       <a:r>
                         <a:rPr kumimoji="1" lang="en-US" altLang="ja-JP" dirty="0"/>
-                        <a:t>6</a:t>
+                        <a:t>5</a:t>
                       </a:r>
                       <a:endParaRPr kumimoji="1" lang="ja-JP" altLang="en-US"/>
                     </a:p>
@@ -8848,7 +8670,7 @@
                   </a:ext>
                 </a:extLst>
               </a:tr>
-              <a:tr h="449356">
+              <a:tr h="405558">
                 <a:tc>
                   <a:txBody>
                     <a:bodyPr/>
@@ -8902,7 +8724,7 @@
                       <a:pPr algn="ctr"/>
                       <a:r>
                         <a:rPr kumimoji="1" lang="en-US" altLang="ja-JP" dirty="0"/>
-                        <a:t>10</a:t>
+                        <a:t>8</a:t>
                       </a:r>
                       <a:endParaRPr kumimoji="1" lang="ja-JP" altLang="en-US"/>
                     </a:p>
@@ -8915,7 +8737,7 @@
                   </a:ext>
                 </a:extLst>
               </a:tr>
-              <a:tr h="449356">
+              <a:tr h="405558">
                 <a:tc>
                   <a:txBody>
                     <a:bodyPr/>
@@ -8969,7 +8791,7 @@
                       <a:pPr algn="ctr"/>
                       <a:r>
                         <a:rPr kumimoji="1" lang="en-US" altLang="ja-JP" dirty="0"/>
-                        <a:t>6</a:t>
+                        <a:t>5</a:t>
                       </a:r>
                       <a:endParaRPr kumimoji="1" lang="ja-JP" altLang="en-US"/>
                     </a:p>
@@ -9000,7 +8822,7 @@
         </p:nvSpPr>
         <p:spPr>
           <a:xfrm>
-            <a:off x="3626087" y="1669053"/>
+            <a:off x="3621884" y="1454145"/>
             <a:ext cx="2023129" cy="369332"/>
           </a:xfrm>
           <a:prstGeom prst="rect">
@@ -9036,7 +8858,7 @@
         </p:nvSpPr>
         <p:spPr>
           <a:xfrm>
-            <a:off x="8511989" y="1639182"/>
+            <a:off x="8700248" y="1454145"/>
             <a:ext cx="2353235" cy="369332"/>
           </a:xfrm>
           <a:prstGeom prst="rect">
@@ -9073,14 +8895,14 @@
           <p:nvPr>
             <p:extLst>
               <p:ext uri="{D42A27DB-BD31-4B8C-83A1-F6EECF244321}">
-                <p14:modId xmlns:p14="http://schemas.microsoft.com/office/powerpoint/2010/main" val="674462336"/>
+                <p14:modId xmlns:p14="http://schemas.microsoft.com/office/powerpoint/2010/main" val="888004704"/>
               </p:ext>
             </p:extLst>
           </p:nvPr>
         </p:nvGraphicFramePr>
         <p:xfrm>
-          <a:off x="7675507" y="2183664"/>
-          <a:ext cx="3394728" cy="4208930"/>
+          <a:off x="7900994" y="1906298"/>
+          <a:ext cx="3394728" cy="2560320"/>
         </p:xfrm>
         <a:graphic>
           <a:graphicData uri="http://schemas.openxmlformats.org/drawingml/2006/table">
@@ -9118,7 +8940,7 @@
                   </a:extLst>
                 </a:gridCol>
               </a:tblGrid>
-              <a:tr h="420893">
+              <a:tr h="350834">
                 <a:tc>
                   <a:txBody>
                     <a:bodyPr/>
@@ -9185,7 +9007,7 @@
                   </a:ext>
                 </a:extLst>
               </a:tr>
-              <a:tr h="420893">
+              <a:tr h="350834">
                 <a:tc>
                   <a:txBody>
                     <a:bodyPr/>
@@ -9210,6 +9032,14 @@
                       <a:r>
                         <a:rPr kumimoji="1" lang="en-US" altLang="ja-JP" dirty="0"/>
                         <a:t>1</a:t>
+                      </a:r>
+                      <a:r>
+                        <a:rPr kumimoji="1" lang="en-US" altLang="ja-JP" baseline="30000" dirty="0"/>
+                        <a:t>st</a:t>
+                      </a:r>
+                      <a:r>
+                        <a:rPr kumimoji="1" lang="en-US" altLang="ja-JP" dirty="0"/>
+                        <a:t> </a:t>
                       </a:r>
                       <a:endParaRPr kumimoji="1" lang="ja-JP" altLang="en-US"/>
                     </a:p>
@@ -9252,7 +9082,7 @@
                   </a:ext>
                 </a:extLst>
               </a:tr>
-              <a:tr h="420893">
+              <a:tr h="350834">
                 <a:tc>
                   <a:txBody>
                     <a:bodyPr/>
@@ -9277,6 +9107,14 @@
                       <a:r>
                         <a:rPr kumimoji="1" lang="en-US" altLang="ja-JP" dirty="0"/>
                         <a:t>1</a:t>
+                      </a:r>
+                      <a:r>
+                        <a:rPr kumimoji="1" lang="en-US" altLang="ja-JP" baseline="30000" dirty="0"/>
+                        <a:t>st</a:t>
+                      </a:r>
+                      <a:r>
+                        <a:rPr kumimoji="1" lang="en-US" altLang="ja-JP" dirty="0"/>
+                        <a:t> </a:t>
                       </a:r>
                       <a:endParaRPr kumimoji="1" lang="ja-JP" altLang="en-US"/>
                     </a:p>
@@ -9306,7 +9144,7 @@
                       <a:pPr algn="ctr"/>
                       <a:r>
                         <a:rPr kumimoji="1" lang="en-US" altLang="ja-JP" dirty="0"/>
-                        <a:t>2</a:t>
+                        <a:t>3</a:t>
                       </a:r>
                       <a:endParaRPr kumimoji="1" lang="ja-JP" altLang="en-US"/>
                     </a:p>
@@ -9319,7 +9157,7 @@
                   </a:ext>
                 </a:extLst>
               </a:tr>
-              <a:tr h="420893">
+              <a:tr h="350834">
                 <a:tc>
                   <a:txBody>
                     <a:bodyPr/>
@@ -9327,16 +9165,8 @@
                     <a:p>
                       <a:pPr algn="ctr"/>
                       <a:r>
-                        <a:rPr kumimoji="1" lang="en-US" altLang="ja-JP" sz="1800" b="0" i="0" kern="1200" dirty="0">
-                          <a:solidFill>
-                            <a:schemeClr val="dk1"/>
-                          </a:solidFill>
-                          <a:effectLst/>
-                          <a:latin typeface="+mn-lt"/>
-                          <a:ea typeface="+mn-ea"/>
-                          <a:cs typeface="+mn-cs"/>
-                        </a:rPr>
-                        <a:t>1</a:t>
+                        <a:rPr kumimoji="1" lang="en-US" altLang="ja-JP" dirty="0"/>
+                        <a:t>2</a:t>
                       </a:r>
                       <a:endParaRPr kumimoji="1" lang="ja-JP" altLang="en-US"/>
                     </a:p>
@@ -9359,7 +9189,31 @@
                           <a:ea typeface="+mn-ea"/>
                           <a:cs typeface="+mn-cs"/>
                         </a:rPr>
-                        <a:t>1</a:t>
+                        <a:t>2</a:t>
+                      </a:r>
+                      <a:r>
+                        <a:rPr kumimoji="1" lang="en-US" altLang="ja-JP" sz="1800" b="0" i="0" kern="1200" baseline="30000" dirty="0">
+                          <a:solidFill>
+                            <a:schemeClr val="dk1"/>
+                          </a:solidFill>
+                          <a:effectLst/>
+                          <a:latin typeface="+mn-lt"/>
+                          <a:ea typeface="+mn-ea"/>
+                          <a:cs typeface="+mn-cs"/>
+                        </a:rPr>
+                        <a:t>nd</a:t>
+                      </a:r>
+                      <a:r>
+                        <a:rPr kumimoji="1" lang="en-US" altLang="ja-JP" sz="1800" b="0" i="0" kern="1200" dirty="0">
+                          <a:solidFill>
+                            <a:schemeClr val="dk1"/>
+                          </a:solidFill>
+                          <a:effectLst/>
+                          <a:latin typeface="+mn-lt"/>
+                          <a:ea typeface="+mn-ea"/>
+                          <a:cs typeface="+mn-cs"/>
+                        </a:rPr>
+                        <a:t> </a:t>
                       </a:r>
                       <a:endParaRPr kumimoji="1" lang="ja-JP" altLang="en-US"/>
                     </a:p>
@@ -9405,7 +9259,7 @@
                           <a:ea typeface="+mn-ea"/>
                           <a:cs typeface="+mn-cs"/>
                         </a:rPr>
-                        <a:t>2</a:t>
+                        <a:t>4</a:t>
                       </a:r>
                       <a:endParaRPr kumimoji="1" lang="ja-JP" altLang="en-US"/>
                     </a:p>
@@ -9418,7 +9272,7 @@
                   </a:ext>
                 </a:extLst>
               </a:tr>
-              <a:tr h="420893">
+              <a:tr h="350834">
                 <a:tc>
                   <a:txBody>
                     <a:bodyPr/>
@@ -9443,6 +9297,14 @@
                       <a:r>
                         <a:rPr kumimoji="1" lang="en-US" altLang="ja-JP" dirty="0"/>
                         <a:t>2</a:t>
+                      </a:r>
+                      <a:r>
+                        <a:rPr kumimoji="1" lang="en-US" altLang="ja-JP" baseline="30000" dirty="0"/>
+                        <a:t>nd</a:t>
+                      </a:r>
+                      <a:r>
+                        <a:rPr kumimoji="1" lang="en-US" altLang="ja-JP" dirty="0"/>
+                        <a:t> </a:t>
                       </a:r>
                       <a:endParaRPr kumimoji="1" lang="ja-JP" altLang="en-US"/>
                     </a:p>
@@ -9472,7 +9334,7 @@
                       <a:pPr algn="ctr"/>
                       <a:r>
                         <a:rPr kumimoji="1" lang="en-US" altLang="ja-JP" dirty="0"/>
-                        <a:t>3</a:t>
+                        <a:t>5</a:t>
                       </a:r>
                       <a:endParaRPr kumimoji="1" lang="ja-JP" altLang="en-US"/>
                     </a:p>
@@ -9485,7 +9347,7 @@
                   </a:ext>
                 </a:extLst>
               </a:tr>
-              <a:tr h="420893">
+              <a:tr h="350834">
                 <a:tc>
                   <a:txBody>
                     <a:bodyPr/>
@@ -9494,7 +9356,30 @@
                       <a:pPr algn="ctr"/>
                       <a:r>
                         <a:rPr kumimoji="1" lang="en-US" altLang="ja-JP" dirty="0"/>
-                        <a:t>2</a:t>
+                        <a:t>3</a:t>
+                      </a:r>
+                      <a:endParaRPr kumimoji="1" lang="ja-JP" altLang="en-US"/>
+                    </a:p>
+                  </a:txBody>
+                  <a:tcPr/>
+                </a:tc>
+                <a:tc>
+                  <a:txBody>
+                    <a:bodyPr/>
+                    <a:lstStyle/>
+                    <a:p>
+                      <a:pPr algn="ctr"/>
+                      <a:r>
+                        <a:rPr kumimoji="1" lang="en-US" altLang="ja-JP" dirty="0"/>
+                        <a:t>3</a:t>
+                      </a:r>
+                      <a:r>
+                        <a:rPr kumimoji="1" lang="en-US" altLang="ja-JP" baseline="30000" dirty="0"/>
+                        <a:t>rd</a:t>
+                      </a:r>
+                      <a:r>
+                        <a:rPr kumimoji="1" lang="en-US" altLang="ja-JP" dirty="0"/>
+                        <a:t> </a:t>
                       </a:r>
                       <a:endParaRPr kumimoji="1" lang="ja-JP" altLang="en-US"/>
                     </a:p>
@@ -9531,28 +9416,13 @@
                   </a:txBody>
                   <a:tcPr/>
                 </a:tc>
-                <a:tc>
-                  <a:txBody>
-                    <a:bodyPr/>
-                    <a:lstStyle/>
-                    <a:p>
-                      <a:pPr algn="ctr"/>
-                      <a:r>
-                        <a:rPr kumimoji="1" lang="en-US" altLang="ja-JP" dirty="0"/>
-                        <a:t>4</a:t>
-                      </a:r>
-                      <a:endParaRPr kumimoji="1" lang="ja-JP" altLang="en-US"/>
-                    </a:p>
-                  </a:txBody>
-                  <a:tcPr/>
-                </a:tc>
                 <a:extLst>
                   <a:ext uri="{0D108BD9-81ED-4DB2-BD59-A6C34878D82A}">
                     <a16:rowId xmlns:a16="http://schemas.microsoft.com/office/drawing/2014/main" val="3824035766"/>
                   </a:ext>
                 </a:extLst>
               </a:tr>
-              <a:tr h="420893">
+              <a:tr h="350834">
                 <a:tc>
                   <a:txBody>
                     <a:bodyPr/>
@@ -9569,7 +9439,7 @@
                           <a:ea typeface="+mn-ea"/>
                           <a:cs typeface="+mn-cs"/>
                         </a:rPr>
-                        <a:t>2</a:t>
+                        <a:t>3</a:t>
                       </a:r>
                       <a:endParaRPr kumimoji="1" lang="ja-JP" altLang="en-US"/>
                     </a:p>
@@ -9592,7 +9462,31 @@
                           <a:ea typeface="+mn-ea"/>
                           <a:cs typeface="+mn-cs"/>
                         </a:rPr>
-                        <a:t>2</a:t>
+                        <a:t>3</a:t>
+                      </a:r>
+                      <a:r>
+                        <a:rPr kumimoji="1" lang="en-US" altLang="ja-JP" sz="1800" b="0" i="0" kern="1200" baseline="30000" dirty="0">
+                          <a:solidFill>
+                            <a:schemeClr val="dk1"/>
+                          </a:solidFill>
+                          <a:effectLst/>
+                          <a:latin typeface="+mn-lt"/>
+                          <a:ea typeface="+mn-ea"/>
+                          <a:cs typeface="+mn-cs"/>
+                        </a:rPr>
+                        <a:t>rd</a:t>
+                      </a:r>
+                      <a:r>
+                        <a:rPr kumimoji="1" lang="en-US" altLang="ja-JP" sz="1800" b="0" i="0" kern="1200" dirty="0">
+                          <a:solidFill>
+                            <a:schemeClr val="dk1"/>
+                          </a:solidFill>
+                          <a:effectLst/>
+                          <a:latin typeface="+mn-lt"/>
+                          <a:ea typeface="+mn-ea"/>
+                          <a:cs typeface="+mn-cs"/>
+                        </a:rPr>
+                        <a:t> </a:t>
                       </a:r>
                       <a:endParaRPr kumimoji="1" lang="ja-JP" altLang="en-US"/>
                     </a:p>
@@ -9651,217 +9545,16 @@
                   </a:ext>
                 </a:extLst>
               </a:tr>
-              <a:tr h="420893">
-                <a:tc>
-                  <a:txBody>
-                    <a:bodyPr/>
-                    <a:lstStyle/>
-                    <a:p>
-                      <a:pPr algn="ctr"/>
-                      <a:r>
-                        <a:rPr kumimoji="1" lang="en-US" altLang="ja-JP" dirty="0"/>
-                        <a:t>3</a:t>
-                      </a:r>
-                      <a:endParaRPr kumimoji="1" lang="ja-JP" altLang="en-US"/>
-                    </a:p>
-                  </a:txBody>
-                  <a:tcPr/>
-                </a:tc>
-                <a:tc>
-                  <a:txBody>
-                    <a:bodyPr/>
-                    <a:lstStyle/>
-                    <a:p>
-                      <a:pPr algn="ctr"/>
-                      <a:r>
-                        <a:rPr kumimoji="1" lang="en-US" altLang="ja-JP" dirty="0"/>
-                        <a:t>3</a:t>
-                      </a:r>
-                      <a:endParaRPr kumimoji="1" lang="ja-JP" altLang="en-US"/>
-                    </a:p>
-                  </a:txBody>
-                  <a:tcPr/>
-                </a:tc>
-                <a:tc>
-                  <a:txBody>
-                    <a:bodyPr/>
-                    <a:lstStyle/>
-                    <a:p>
-                      <a:pPr algn="ctr"/>
-                      <a:r>
-                        <a:rPr kumimoji="1" lang="en-US" altLang="ja-JP" dirty="0"/>
-                        <a:t>1</a:t>
-                      </a:r>
-                      <a:endParaRPr kumimoji="1" lang="ja-JP" altLang="en-US"/>
-                    </a:p>
-                  </a:txBody>
-                  <a:tcPr/>
-                </a:tc>
-                <a:tc>
-                  <a:txBody>
-                    <a:bodyPr/>
-                    <a:lstStyle/>
-                    <a:p>
-                      <a:pPr algn="ctr"/>
-                      <a:r>
-                        <a:rPr kumimoji="1" lang="en-US" altLang="ja-JP" dirty="0"/>
-                        <a:t>2</a:t>
-                      </a:r>
-                      <a:endParaRPr kumimoji="1" lang="ja-JP" altLang="en-US"/>
-                    </a:p>
-                  </a:txBody>
-                  <a:tcPr/>
-                </a:tc>
-                <a:extLst>
-                  <a:ext uri="{0D108BD9-81ED-4DB2-BD59-A6C34878D82A}">
-                    <a16:rowId xmlns:a16="http://schemas.microsoft.com/office/drawing/2014/main" val="1865796830"/>
-                  </a:ext>
-                </a:extLst>
-              </a:tr>
-              <a:tr h="420893">
-                <a:tc>
-                  <a:txBody>
-                    <a:bodyPr/>
-                    <a:lstStyle/>
-                    <a:p>
-                      <a:pPr algn="ctr"/>
-                      <a:r>
-                        <a:rPr kumimoji="1" lang="en-US" altLang="ja-JP" dirty="0"/>
-                        <a:t>3</a:t>
-                      </a:r>
-                      <a:endParaRPr kumimoji="1" lang="ja-JP" altLang="en-US"/>
-                    </a:p>
-                  </a:txBody>
-                  <a:tcPr/>
-                </a:tc>
-                <a:tc>
-                  <a:txBody>
-                    <a:bodyPr/>
-                    <a:lstStyle/>
-                    <a:p>
-                      <a:pPr algn="ctr"/>
-                      <a:r>
-                        <a:rPr kumimoji="1" lang="en-US" altLang="ja-JP" dirty="0"/>
-                        <a:t>3</a:t>
-                      </a:r>
-                      <a:endParaRPr kumimoji="1" lang="ja-JP" altLang="en-US"/>
-                    </a:p>
-                  </a:txBody>
-                  <a:tcPr/>
-                </a:tc>
-                <a:tc>
-                  <a:txBody>
-                    <a:bodyPr/>
-                    <a:lstStyle/>
-                    <a:p>
-                      <a:pPr algn="ctr"/>
-                      <a:r>
-                        <a:rPr kumimoji="1" lang="en-US" altLang="ja-JP" dirty="0"/>
-                        <a:t>2</a:t>
-                      </a:r>
-                      <a:endParaRPr kumimoji="1" lang="ja-JP" altLang="en-US"/>
-                    </a:p>
-                  </a:txBody>
-                  <a:tcPr/>
-                </a:tc>
-                <a:tc>
-                  <a:txBody>
-                    <a:bodyPr/>
-                    <a:lstStyle/>
-                    <a:p>
-                      <a:pPr algn="ctr"/>
-                      <a:r>
-                        <a:rPr kumimoji="1" lang="en-US" altLang="ja-JP" dirty="0"/>
-                        <a:t>2</a:t>
-                      </a:r>
-                      <a:endParaRPr kumimoji="1" lang="ja-JP" altLang="en-US"/>
-                    </a:p>
-                  </a:txBody>
-                  <a:tcPr/>
-                </a:tc>
-                <a:extLst>
-                  <a:ext uri="{0D108BD9-81ED-4DB2-BD59-A6C34878D82A}">
-                    <a16:rowId xmlns:a16="http://schemas.microsoft.com/office/drawing/2014/main" val="2069694502"/>
-                  </a:ext>
-                </a:extLst>
-              </a:tr>
-              <a:tr h="420893">
-                <a:tc>
-                  <a:txBody>
-                    <a:bodyPr/>
-                    <a:lstStyle/>
-                    <a:p>
-                      <a:pPr algn="ctr"/>
-                      <a:r>
-                        <a:rPr kumimoji="1" lang="en-US" altLang="ja-JP" dirty="0"/>
-                        <a:t>3</a:t>
-                      </a:r>
-                      <a:endParaRPr kumimoji="1" lang="ja-JP" altLang="en-US"/>
-                    </a:p>
-                  </a:txBody>
-                  <a:tcPr/>
-                </a:tc>
-                <a:tc>
-                  <a:txBody>
-                    <a:bodyPr/>
-                    <a:lstStyle/>
-                    <a:p>
-                      <a:pPr algn="ctr"/>
-                      <a:r>
-                        <a:rPr kumimoji="1" lang="en-US" altLang="ja-JP" dirty="0"/>
-                        <a:t>3</a:t>
-                      </a:r>
-                      <a:endParaRPr kumimoji="1" lang="ja-JP" altLang="en-US"/>
-                    </a:p>
-                  </a:txBody>
-                  <a:tcPr/>
-                </a:tc>
-                <a:tc>
-                  <a:txBody>
-                    <a:bodyPr/>
-                    <a:lstStyle/>
-                    <a:p>
-                      <a:pPr algn="ctr"/>
-                      <a:r>
-                        <a:rPr kumimoji="1" lang="en-US" altLang="ja-JP" dirty="0"/>
-                        <a:t>3</a:t>
-                      </a:r>
-                      <a:endParaRPr kumimoji="1" lang="ja-JP" altLang="en-US"/>
-                    </a:p>
-                  </a:txBody>
-                  <a:tcPr/>
-                </a:tc>
-                <a:tc>
-                  <a:txBody>
-                    <a:bodyPr/>
-                    <a:lstStyle/>
-                    <a:p>
-                      <a:pPr algn="ctr"/>
-                      <a:r>
-                        <a:rPr kumimoji="1" lang="en-US" altLang="ja-JP" dirty="0"/>
-                        <a:t>2</a:t>
-                      </a:r>
-                      <a:endParaRPr kumimoji="1" lang="ja-JP" altLang="en-US"/>
-                    </a:p>
-                  </a:txBody>
-                  <a:tcPr/>
-                </a:tc>
-                <a:extLst>
-                  <a:ext uri="{0D108BD9-81ED-4DB2-BD59-A6C34878D82A}">
-                    <a16:rowId xmlns:a16="http://schemas.microsoft.com/office/drawing/2014/main" val="3706934724"/>
-                  </a:ext>
-                </a:extLst>
-              </a:tr>
             </a:tbl>
           </a:graphicData>
         </a:graphic>
       </p:graphicFrame>
       <p:sp>
         <p:nvSpPr>
-          <p:cNvPr id="87" name="ホームベース 86">
+          <p:cNvPr id="117" name="右矢印 116">
             <a:extLst>
               <a:ext uri="{FF2B5EF4-FFF2-40B4-BE49-F238E27FC236}">
-                <a16:creationId xmlns:a16="http://schemas.microsoft.com/office/drawing/2014/main" id="{160AA7B3-E227-B24A-ABC1-C96CCD8A9C87}"/>
+                <a16:creationId xmlns:a16="http://schemas.microsoft.com/office/drawing/2014/main" id="{B68EEE63-0FF8-1C45-A8F5-7EDA51AE8F06}"/>
               </a:ext>
             </a:extLst>
           </p:cNvPr>
@@ -9870,7 +9563,62 @@
         </p:nvSpPr>
         <p:spPr>
           <a:xfrm>
-            <a:off x="4037434" y="4425907"/>
+            <a:off x="6205255" y="2428551"/>
+            <a:ext cx="1378885" cy="697944"/>
+          </a:xfrm>
+          <a:prstGeom prst="rightArrow">
+            <a:avLst/>
+          </a:prstGeom>
+          <a:solidFill>
+            <a:schemeClr val="tx1">
+              <a:lumMod val="65000"/>
+              <a:lumOff val="35000"/>
+            </a:schemeClr>
+          </a:solidFill>
+          <a:ln>
+            <a:noFill/>
+          </a:ln>
+        </p:spPr>
+        <p:style>
+          <a:lnRef idx="2">
+            <a:schemeClr val="accent1">
+              <a:shade val="50000"/>
+            </a:schemeClr>
+          </a:lnRef>
+          <a:fillRef idx="1">
+            <a:schemeClr val="accent1"/>
+          </a:fillRef>
+          <a:effectRef idx="0">
+            <a:schemeClr val="accent1"/>
+          </a:effectRef>
+          <a:fontRef idx="minor">
+            <a:schemeClr val="lt1"/>
+          </a:fontRef>
+        </p:style>
+        <p:txBody>
+          <a:bodyPr rtlCol="0" anchor="ctr"/>
+          <a:lstStyle/>
+          <a:p>
+            <a:pPr algn="ctr"/>
+            <a:endParaRPr kumimoji="1" lang="ja-JP" altLang="en-US"/>
+          </a:p>
+        </p:txBody>
+      </p:sp>
+      <p:sp>
+        <p:nvSpPr>
+          <p:cNvPr id="64" name="ホームベース 63">
+            <a:extLst>
+              <a:ext uri="{FF2B5EF4-FFF2-40B4-BE49-F238E27FC236}">
+                <a16:creationId xmlns:a16="http://schemas.microsoft.com/office/drawing/2014/main" id="{30DF914F-D4AA-734F-A89F-DE925F35FB12}"/>
+              </a:ext>
+            </a:extLst>
+          </p:cNvPr>
+          <p:cNvSpPr/>
+          <p:nvPr/>
+        </p:nvSpPr>
+        <p:spPr>
+          <a:xfrm>
+            <a:off x="5504303" y="4339153"/>
             <a:ext cx="2396691" cy="1281718"/>
           </a:xfrm>
           <a:prstGeom prst="homePlate">
@@ -9910,10 +9658,10 @@
       </p:sp>
       <p:sp>
         <p:nvSpPr>
-          <p:cNvPr id="88" name="円/楕円 87">
+          <p:cNvPr id="65" name="円/楕円 64">
             <a:extLst>
               <a:ext uri="{FF2B5EF4-FFF2-40B4-BE49-F238E27FC236}">
-                <a16:creationId xmlns:a16="http://schemas.microsoft.com/office/drawing/2014/main" id="{7E57D12A-8D37-3F42-891B-34252FFC2F3E}"/>
+                <a16:creationId xmlns:a16="http://schemas.microsoft.com/office/drawing/2014/main" id="{55821CF8-1C61-3B4B-94EA-08E1B6F1D59B}"/>
               </a:ext>
             </a:extLst>
           </p:cNvPr>
@@ -9922,7 +9670,7 @@
         </p:nvSpPr>
         <p:spPr>
           <a:xfrm>
-            <a:off x="4263628" y="4617633"/>
+            <a:off x="5730497" y="4530879"/>
             <a:ext cx="250257" cy="250257"/>
           </a:xfrm>
           <a:prstGeom prst="ellipse">
@@ -9966,10 +9714,10 @@
       </p:sp>
       <p:sp>
         <p:nvSpPr>
-          <p:cNvPr id="89" name="円/楕円 88">
+          <p:cNvPr id="66" name="円/楕円 65">
             <a:extLst>
               <a:ext uri="{FF2B5EF4-FFF2-40B4-BE49-F238E27FC236}">
-                <a16:creationId xmlns:a16="http://schemas.microsoft.com/office/drawing/2014/main" id="{63C44443-60C4-8F41-A8EC-06747F426285}"/>
+                <a16:creationId xmlns:a16="http://schemas.microsoft.com/office/drawing/2014/main" id="{2342E6FE-34C2-884C-B3EF-2B87E4EFA449}"/>
               </a:ext>
             </a:extLst>
           </p:cNvPr>
@@ -9978,7 +9726,7 @@
         </p:nvSpPr>
         <p:spPr>
           <a:xfrm>
-            <a:off x="4788605" y="4617633"/>
+            <a:off x="6255474" y="4530879"/>
             <a:ext cx="250257" cy="250257"/>
           </a:xfrm>
           <a:prstGeom prst="ellipse">
@@ -10022,10 +9770,10 @@
       </p:sp>
       <p:sp>
         <p:nvSpPr>
-          <p:cNvPr id="90" name="円/楕円 89">
+          <p:cNvPr id="67" name="円/楕円 66">
             <a:extLst>
               <a:ext uri="{FF2B5EF4-FFF2-40B4-BE49-F238E27FC236}">
-                <a16:creationId xmlns:a16="http://schemas.microsoft.com/office/drawing/2014/main" id="{68953286-6D8C-574D-9AA5-2D124C5F6A3D}"/>
+                <a16:creationId xmlns:a16="http://schemas.microsoft.com/office/drawing/2014/main" id="{AA7257CF-AFF6-BD4A-9074-53B0151340CA}"/>
               </a:ext>
             </a:extLst>
           </p:cNvPr>
@@ -10034,7 +9782,7 @@
         </p:nvSpPr>
         <p:spPr>
           <a:xfrm>
-            <a:off x="5313583" y="4617633"/>
+            <a:off x="6780452" y="4530879"/>
             <a:ext cx="250257" cy="250257"/>
           </a:xfrm>
           <a:prstGeom prst="ellipse">
@@ -10078,10 +9826,10 @@
       </p:sp>
       <p:sp>
         <p:nvSpPr>
-          <p:cNvPr id="91" name="直角三角形 90">
+          <p:cNvPr id="68" name="直角三角形 67">
             <a:extLst>
               <a:ext uri="{FF2B5EF4-FFF2-40B4-BE49-F238E27FC236}">
-                <a16:creationId xmlns:a16="http://schemas.microsoft.com/office/drawing/2014/main" id="{5BA4F685-4A00-4F46-9136-268C15EA9DCA}"/>
+                <a16:creationId xmlns:a16="http://schemas.microsoft.com/office/drawing/2014/main" id="{F77D6734-7F2F-1148-9271-B8ED34436B6A}"/>
               </a:ext>
             </a:extLst>
           </p:cNvPr>
@@ -10090,7 +9838,7 @@
         </p:nvSpPr>
         <p:spPr>
           <a:xfrm rot="10800000">
-            <a:off x="1609194" y="5066764"/>
+            <a:off x="3076063" y="4980010"/>
             <a:ext cx="503999" cy="1534515"/>
           </a:xfrm>
           <a:prstGeom prst="rtTriangle">
@@ -10134,10 +9882,10 @@
       </p:sp>
       <p:sp>
         <p:nvSpPr>
-          <p:cNvPr id="92" name="直角三角形 91">
+          <p:cNvPr id="69" name="直角三角形 68">
             <a:extLst>
               <a:ext uri="{FF2B5EF4-FFF2-40B4-BE49-F238E27FC236}">
-                <a16:creationId xmlns:a16="http://schemas.microsoft.com/office/drawing/2014/main" id="{A960C1F8-8D6A-7042-B2E4-E37A7864040B}"/>
+                <a16:creationId xmlns:a16="http://schemas.microsoft.com/office/drawing/2014/main" id="{791C6631-1F2F-9E4A-9030-0F8A9FC62CD6}"/>
               </a:ext>
             </a:extLst>
           </p:cNvPr>
@@ -10146,7 +9894,7 @@
         </p:nvSpPr>
         <p:spPr>
           <a:xfrm rot="10800000" flipH="1">
-            <a:off x="6757413" y="5066763"/>
+            <a:off x="8224282" y="4980009"/>
             <a:ext cx="503999" cy="1534513"/>
           </a:xfrm>
           <a:prstGeom prst="rtTriangle">
@@ -10190,10 +9938,10 @@
       </p:sp>
       <p:sp>
         <p:nvSpPr>
-          <p:cNvPr id="93" name="正方形/長方形 92">
+          <p:cNvPr id="70" name="正方形/長方形 69">
             <a:extLst>
               <a:ext uri="{FF2B5EF4-FFF2-40B4-BE49-F238E27FC236}">
-                <a16:creationId xmlns:a16="http://schemas.microsoft.com/office/drawing/2014/main" id="{541FACF3-C38A-C047-B1E7-C2C263C5548F}"/>
+                <a16:creationId xmlns:a16="http://schemas.microsoft.com/office/drawing/2014/main" id="{3B2A931E-20C8-8944-89CC-34671391CBF3}"/>
               </a:ext>
             </a:extLst>
           </p:cNvPr>
@@ -10202,8 +9950,8 @@
         </p:nvSpPr>
         <p:spPr>
           <a:xfrm>
-            <a:off x="5038862" y="4098684"/>
-            <a:ext cx="274721" cy="327223"/>
+            <a:off x="6530196" y="3867144"/>
+            <a:ext cx="250256" cy="472009"/>
           </a:xfrm>
           <a:prstGeom prst="rect">
             <a:avLst/>
@@ -10246,10 +9994,10 @@
       </p:sp>
       <p:graphicFrame>
         <p:nvGraphicFramePr>
-          <p:cNvPr id="94" name="表 11">
+          <p:cNvPr id="71" name="表 11">
             <a:extLst>
               <a:ext uri="{FF2B5EF4-FFF2-40B4-BE49-F238E27FC236}">
-                <a16:creationId xmlns:a16="http://schemas.microsoft.com/office/drawing/2014/main" id="{BE81E672-4784-3944-8755-21A0ED107A50}"/>
+                <a16:creationId xmlns:a16="http://schemas.microsoft.com/office/drawing/2014/main" id="{8FCCF6D9-ACC5-AF4B-AD39-6E4AF46E9BED}"/>
               </a:ext>
             </a:extLst>
           </p:cNvPr>
@@ -10259,14 +10007,14 @@
           <p:nvPr>
             <p:extLst>
               <p:ext uri="{D42A27DB-BD31-4B8C-83A1-F6EECF244321}">
-                <p14:modId xmlns:p14="http://schemas.microsoft.com/office/powerpoint/2010/main" val="2959979722"/>
+                <p14:modId xmlns:p14="http://schemas.microsoft.com/office/powerpoint/2010/main" val="3867505638"/>
               </p:ext>
             </p:extLst>
           </p:nvPr>
         </p:nvGraphicFramePr>
         <p:xfrm>
-          <a:off x="2111981" y="5066766"/>
-          <a:ext cx="4644222" cy="1534515"/>
+          <a:off x="3578850" y="4980012"/>
+          <a:ext cx="4645432" cy="1534515"/>
         </p:xfrm>
         <a:graphic>
           <a:graphicData uri="http://schemas.openxmlformats.org/drawingml/2006/table">
@@ -10275,24 +10023,17 @@
                 <a:tableStyleId>{5C22544A-7EE6-4342-B048-85BDC9FD1C3A}</a:tableStyleId>
               </a:tblPr>
               <a:tblGrid>
-                <a:gridCol w="1548074">
+                <a:gridCol w="2080066">
                   <a:extLst>
                     <a:ext uri="{9D8B030D-6E8A-4147-A177-3AD203B41FA5}">
                       <a16:colId xmlns:a16="http://schemas.microsoft.com/office/drawing/2014/main" val="1120760323"/>
                     </a:ext>
                   </a:extLst>
                 </a:gridCol>
-                <a:gridCol w="1548074">
+                <a:gridCol w="2565366">
                   <a:extLst>
                     <a:ext uri="{9D8B030D-6E8A-4147-A177-3AD203B41FA5}">
                       <a16:colId xmlns:a16="http://schemas.microsoft.com/office/drawing/2014/main" val="1830531746"/>
-                    </a:ext>
-                  </a:extLst>
-                </a:gridCol>
-                <a:gridCol w="1548074">
-                  <a:extLst>
-                    <a:ext uri="{9D8B030D-6E8A-4147-A177-3AD203B41FA5}">
-                      <a16:colId xmlns:a16="http://schemas.microsoft.com/office/drawing/2014/main" val="3898694262"/>
                     </a:ext>
                   </a:extLst>
                 </a:gridCol>
@@ -10414,56 +10155,6 @@
                     </a:solidFill>
                   </a:tcPr>
                 </a:tc>
-                <a:tc>
-                  <a:txBody>
-                    <a:bodyPr/>
-                    <a:lstStyle/>
-                    <a:p>
-                      <a:endParaRPr kumimoji="1" lang="ja-JP" altLang="en-US"/>
-                    </a:p>
-                  </a:txBody>
-                  <a:tcPr>
-                    <a:lnL w="12700" cap="flat" cmpd="sng" algn="ctr">
-                      <a:solidFill>
-                        <a:schemeClr val="tx1"/>
-                      </a:solidFill>
-                      <a:prstDash val="solid"/>
-                      <a:round/>
-                      <a:headEnd type="none" w="med" len="med"/>
-                      <a:tailEnd type="none" w="med" len="med"/>
-                    </a:lnL>
-                    <a:lnR w="12700" cap="flat" cmpd="sng" algn="ctr">
-                      <a:solidFill>
-                        <a:schemeClr val="tx1"/>
-                      </a:solidFill>
-                      <a:prstDash val="solid"/>
-                      <a:round/>
-                      <a:headEnd type="none" w="med" len="med"/>
-                      <a:tailEnd type="none" w="med" len="med"/>
-                    </a:lnR>
-                    <a:lnT w="12700" cap="flat" cmpd="sng" algn="ctr">
-                      <a:solidFill>
-                        <a:schemeClr val="tx1"/>
-                      </a:solidFill>
-                      <a:prstDash val="solid"/>
-                      <a:round/>
-                      <a:headEnd type="none" w="med" len="med"/>
-                      <a:tailEnd type="none" w="med" len="med"/>
-                    </a:lnT>
-                    <a:lnB w="12700" cap="flat" cmpd="sng" algn="ctr">
-                      <a:solidFill>
-                        <a:schemeClr val="tx1"/>
-                      </a:solidFill>
-                      <a:prstDash val="solid"/>
-                      <a:round/>
-                      <a:headEnd type="none" w="med" len="med"/>
-                      <a:tailEnd type="none" w="med" len="med"/>
-                    </a:lnB>
-                    <a:solidFill>
-                      <a:schemeClr val="bg1"/>
-                    </a:solidFill>
-                  </a:tcPr>
-                </a:tc>
                 <a:extLst>
                   <a:ext uri="{0D108BD9-81ED-4DB2-BD59-A6C34878D82A}">
                     <a16:rowId xmlns:a16="http://schemas.microsoft.com/office/drawing/2014/main" val="4197178994"/>
@@ -10481,56 +10172,6 @@
                           <a:srgbClr val="FF0000"/>
                         </a:solidFill>
                       </a:endParaRPr>
-                    </a:p>
-                  </a:txBody>
-                  <a:tcPr>
-                    <a:lnL w="12700" cap="flat" cmpd="sng" algn="ctr">
-                      <a:solidFill>
-                        <a:schemeClr val="tx1"/>
-                      </a:solidFill>
-                      <a:prstDash val="solid"/>
-                      <a:round/>
-                      <a:headEnd type="none" w="med" len="med"/>
-                      <a:tailEnd type="none" w="med" len="med"/>
-                    </a:lnL>
-                    <a:lnR w="12700" cap="flat" cmpd="sng" algn="ctr">
-                      <a:solidFill>
-                        <a:schemeClr val="tx1"/>
-                      </a:solidFill>
-                      <a:prstDash val="solid"/>
-                      <a:round/>
-                      <a:headEnd type="none" w="med" len="med"/>
-                      <a:tailEnd type="none" w="med" len="med"/>
-                    </a:lnR>
-                    <a:lnT w="12700" cap="flat" cmpd="sng" algn="ctr">
-                      <a:solidFill>
-                        <a:schemeClr val="tx1"/>
-                      </a:solidFill>
-                      <a:prstDash val="solid"/>
-                      <a:round/>
-                      <a:headEnd type="none" w="med" len="med"/>
-                      <a:tailEnd type="none" w="med" len="med"/>
-                    </a:lnT>
-                    <a:lnB w="12700" cap="flat" cmpd="sng" algn="ctr">
-                      <a:solidFill>
-                        <a:schemeClr val="tx1"/>
-                      </a:solidFill>
-                      <a:prstDash val="solid"/>
-                      <a:round/>
-                      <a:headEnd type="none" w="med" len="med"/>
-                      <a:tailEnd type="none" w="med" len="med"/>
-                    </a:lnB>
-                    <a:solidFill>
-                      <a:schemeClr val="bg1"/>
-                    </a:solidFill>
-                  </a:tcPr>
-                </a:tc>
-                <a:tc>
-                  <a:txBody>
-                    <a:bodyPr/>
-                    <a:lstStyle/>
-                    <a:p>
-                      <a:endParaRPr kumimoji="1" lang="ja-JP" altLang="en-US"/>
                     </a:p>
                   </a:txBody>
                   <a:tcPr>
@@ -10732,56 +10373,6 @@
                     </a:solidFill>
                   </a:tcPr>
                 </a:tc>
-                <a:tc>
-                  <a:txBody>
-                    <a:bodyPr/>
-                    <a:lstStyle/>
-                    <a:p>
-                      <a:endParaRPr kumimoji="1" lang="ja-JP" altLang="en-US"/>
-                    </a:p>
-                  </a:txBody>
-                  <a:tcPr>
-                    <a:lnL w="12700" cap="flat" cmpd="sng" algn="ctr">
-                      <a:solidFill>
-                        <a:schemeClr val="tx1"/>
-                      </a:solidFill>
-                      <a:prstDash val="solid"/>
-                      <a:round/>
-                      <a:headEnd type="none" w="med" len="med"/>
-                      <a:tailEnd type="none" w="med" len="med"/>
-                    </a:lnL>
-                    <a:lnR w="12700" cap="flat" cmpd="sng" algn="ctr">
-                      <a:solidFill>
-                        <a:schemeClr val="tx1"/>
-                      </a:solidFill>
-                      <a:prstDash val="solid"/>
-                      <a:round/>
-                      <a:headEnd type="none" w="med" len="med"/>
-                      <a:tailEnd type="none" w="med" len="med"/>
-                    </a:lnR>
-                    <a:lnT w="12700" cap="flat" cmpd="sng" algn="ctr">
-                      <a:solidFill>
-                        <a:schemeClr val="tx1"/>
-                      </a:solidFill>
-                      <a:prstDash val="solid"/>
-                      <a:round/>
-                      <a:headEnd type="none" w="med" len="med"/>
-                      <a:tailEnd type="none" w="med" len="med"/>
-                    </a:lnT>
-                    <a:lnB w="12700" cap="flat" cmpd="sng" algn="ctr">
-                      <a:solidFill>
-                        <a:schemeClr val="tx1"/>
-                      </a:solidFill>
-                      <a:prstDash val="solid"/>
-                      <a:round/>
-                      <a:headEnd type="none" w="med" len="med"/>
-                      <a:tailEnd type="none" w="med" len="med"/>
-                    </a:lnB>
-                    <a:solidFill>
-                      <a:schemeClr val="bg1"/>
-                    </a:solidFill>
-                  </a:tcPr>
-                </a:tc>
                 <a:extLst>
                   <a:ext uri="{0D108BD9-81ED-4DB2-BD59-A6C34878D82A}">
                     <a16:rowId xmlns:a16="http://schemas.microsoft.com/office/drawing/2014/main" val="1514342851"/>
@@ -10794,10 +10385,10 @@
       </p:graphicFrame>
       <p:pic>
         <p:nvPicPr>
-          <p:cNvPr id="95" name="図 94">
+          <p:cNvPr id="72" name="図 71">
             <a:extLst>
               <a:ext uri="{FF2B5EF4-FFF2-40B4-BE49-F238E27FC236}">
-                <a16:creationId xmlns:a16="http://schemas.microsoft.com/office/drawing/2014/main" id="{F8FE2D65-D90F-B148-87BA-028E51C0B195}"/>
+                <a16:creationId xmlns:a16="http://schemas.microsoft.com/office/drawing/2014/main" id="{EBC2AAD2-FBC1-7541-B28F-CFEEDA165607}"/>
               </a:ext>
             </a:extLst>
           </p:cNvPr>
@@ -10814,7 +10405,7 @@
         </p:blipFill>
         <p:spPr>
           <a:xfrm>
-            <a:off x="5246337" y="5122749"/>
+            <a:off x="6608703" y="5044868"/>
             <a:ext cx="672921" cy="487913"/>
           </a:xfrm>
           <a:prstGeom prst="rect">
@@ -10824,10 +10415,10 @@
       </p:pic>
       <p:pic>
         <p:nvPicPr>
-          <p:cNvPr id="96" name="図 95">
+          <p:cNvPr id="73" name="図 72">
             <a:extLst>
               <a:ext uri="{FF2B5EF4-FFF2-40B4-BE49-F238E27FC236}">
-                <a16:creationId xmlns:a16="http://schemas.microsoft.com/office/drawing/2014/main" id="{4F23B0B4-FEC9-AE47-994F-4546A539C0BA}"/>
+                <a16:creationId xmlns:a16="http://schemas.microsoft.com/office/drawing/2014/main" id="{05198A8A-45E7-7249-A5E0-3BC49C7EDBF3}"/>
               </a:ext>
             </a:extLst>
           </p:cNvPr>
@@ -10844,7 +10435,7 @@
         </p:blipFill>
         <p:spPr>
           <a:xfrm>
-            <a:off x="5994684" y="5126367"/>
+            <a:off x="7447950" y="5042081"/>
             <a:ext cx="672921" cy="487913"/>
           </a:xfrm>
           <a:prstGeom prst="rect">
@@ -10854,10 +10445,10 @@
       </p:pic>
       <p:pic>
         <p:nvPicPr>
-          <p:cNvPr id="97" name="図 96">
+          <p:cNvPr id="74" name="図 73">
             <a:extLst>
               <a:ext uri="{FF2B5EF4-FFF2-40B4-BE49-F238E27FC236}">
-                <a16:creationId xmlns:a16="http://schemas.microsoft.com/office/drawing/2014/main" id="{F631B49B-033C-514F-A3C1-777314DBF1CB}"/>
+                <a16:creationId xmlns:a16="http://schemas.microsoft.com/office/drawing/2014/main" id="{5D2A1031-4C74-E249-90CA-8F048EC70E66}"/>
               </a:ext>
             </a:extLst>
           </p:cNvPr>
@@ -10874,7 +10465,7 @@
         </p:blipFill>
         <p:spPr>
           <a:xfrm>
-            <a:off x="2866409" y="5135368"/>
+            <a:off x="4659635" y="5042081"/>
             <a:ext cx="672921" cy="487913"/>
           </a:xfrm>
           <a:prstGeom prst="rect">
@@ -10884,10 +10475,10 @@
       </p:pic>
       <p:pic>
         <p:nvPicPr>
-          <p:cNvPr id="98" name="図 97">
+          <p:cNvPr id="75" name="図 74">
             <a:extLst>
               <a:ext uri="{FF2B5EF4-FFF2-40B4-BE49-F238E27FC236}">
-                <a16:creationId xmlns:a16="http://schemas.microsoft.com/office/drawing/2014/main" id="{279A2D28-A143-C74D-82A9-FE64CC291397}"/>
+                <a16:creationId xmlns:a16="http://schemas.microsoft.com/office/drawing/2014/main" id="{13886640-6E56-F843-898F-8139A26380E8}"/>
               </a:ext>
             </a:extLst>
           </p:cNvPr>
@@ -10904,7 +10495,7 @@
         </p:blipFill>
         <p:spPr>
           <a:xfrm>
-            <a:off x="2155631" y="5135369"/>
+            <a:off x="3854413" y="5054082"/>
             <a:ext cx="672921" cy="487913"/>
           </a:xfrm>
           <a:prstGeom prst="rect">
@@ -10914,10 +10505,340 @@
       </p:pic>
       <p:pic>
         <p:nvPicPr>
-          <p:cNvPr id="99" name="図 98">
+          <p:cNvPr id="78" name="図 77">
             <a:extLst>
               <a:ext uri="{FF2B5EF4-FFF2-40B4-BE49-F238E27FC236}">
-                <a16:creationId xmlns:a16="http://schemas.microsoft.com/office/drawing/2014/main" id="{FCF5FBAF-3A40-334E-A1D8-E8CC504E43B7}"/>
+                <a16:creationId xmlns:a16="http://schemas.microsoft.com/office/drawing/2014/main" id="{2A90675E-871C-8D4B-97DE-FDA20FD3B090}"/>
+              </a:ext>
+            </a:extLst>
+          </p:cNvPr>
+          <p:cNvPicPr>
+            <a:picLocks noChangeAspect="1"/>
+          </p:cNvPicPr>
+          <p:nvPr/>
+        </p:nvPicPr>
+        <p:blipFill>
+          <a:blip r:embed="rId3"/>
+          <a:stretch>
+            <a:fillRect/>
+          </a:stretch>
+        </p:blipFill>
+        <p:spPr>
+          <a:xfrm>
+            <a:off x="3731163" y="5744291"/>
+            <a:ext cx="416618" cy="302076"/>
+          </a:xfrm>
+          <a:prstGeom prst="rect">
+            <a:avLst/>
+          </a:prstGeom>
+        </p:spPr>
+      </p:pic>
+      <p:pic>
+        <p:nvPicPr>
+          <p:cNvPr id="79" name="図 78">
+            <a:extLst>
+              <a:ext uri="{FF2B5EF4-FFF2-40B4-BE49-F238E27FC236}">
+                <a16:creationId xmlns:a16="http://schemas.microsoft.com/office/drawing/2014/main" id="{9D990516-B045-8745-9923-DC26E7AB7275}"/>
+              </a:ext>
+            </a:extLst>
+          </p:cNvPr>
+          <p:cNvPicPr>
+            <a:picLocks noChangeAspect="1"/>
+          </p:cNvPicPr>
+          <p:nvPr/>
+        </p:nvPicPr>
+        <p:blipFill>
+          <a:blip r:embed="rId3"/>
+          <a:stretch>
+            <a:fillRect/>
+          </a:stretch>
+        </p:blipFill>
+        <p:spPr>
+          <a:xfrm>
+            <a:off x="4354760" y="5744291"/>
+            <a:ext cx="416618" cy="302076"/>
+          </a:xfrm>
+          <a:prstGeom prst="rect">
+            <a:avLst/>
+          </a:prstGeom>
+        </p:spPr>
+      </p:pic>
+      <p:pic>
+        <p:nvPicPr>
+          <p:cNvPr id="80" name="図 79">
+            <a:extLst>
+              <a:ext uri="{FF2B5EF4-FFF2-40B4-BE49-F238E27FC236}">
+                <a16:creationId xmlns:a16="http://schemas.microsoft.com/office/drawing/2014/main" id="{DEA44F23-7B58-5C46-909D-550A364093D5}"/>
+              </a:ext>
+            </a:extLst>
+          </p:cNvPr>
+          <p:cNvPicPr>
+            <a:picLocks noChangeAspect="1"/>
+          </p:cNvPicPr>
+          <p:nvPr/>
+        </p:nvPicPr>
+        <p:blipFill>
+          <a:blip r:embed="rId3"/>
+          <a:stretch>
+            <a:fillRect/>
+          </a:stretch>
+        </p:blipFill>
+        <p:spPr>
+          <a:xfrm>
+            <a:off x="4987090" y="5735858"/>
+            <a:ext cx="416618" cy="302076"/>
+          </a:xfrm>
+          <a:prstGeom prst="rect">
+            <a:avLst/>
+          </a:prstGeom>
+        </p:spPr>
+      </p:pic>
+      <p:pic>
+        <p:nvPicPr>
+          <p:cNvPr id="84" name="図 83">
+            <a:extLst>
+              <a:ext uri="{FF2B5EF4-FFF2-40B4-BE49-F238E27FC236}">
+                <a16:creationId xmlns:a16="http://schemas.microsoft.com/office/drawing/2014/main" id="{97CC0647-AD00-3F42-9A77-2C1D509EF370}"/>
+              </a:ext>
+            </a:extLst>
+          </p:cNvPr>
+          <p:cNvPicPr>
+            <a:picLocks noChangeAspect="1"/>
+          </p:cNvPicPr>
+          <p:nvPr/>
+        </p:nvPicPr>
+        <p:blipFill>
+          <a:blip r:embed="rId3"/>
+          <a:stretch>
+            <a:fillRect/>
+          </a:stretch>
+        </p:blipFill>
+        <p:spPr>
+          <a:xfrm>
+            <a:off x="6752643" y="5740562"/>
+            <a:ext cx="416618" cy="302076"/>
+          </a:xfrm>
+          <a:prstGeom prst="rect">
+            <a:avLst/>
+          </a:prstGeom>
+        </p:spPr>
+      </p:pic>
+      <p:pic>
+        <p:nvPicPr>
+          <p:cNvPr id="85" name="図 84">
+            <a:extLst>
+              <a:ext uri="{FF2B5EF4-FFF2-40B4-BE49-F238E27FC236}">
+                <a16:creationId xmlns:a16="http://schemas.microsoft.com/office/drawing/2014/main" id="{DF6D86E5-F404-4748-86B9-51BD2C34CF69}"/>
+              </a:ext>
+            </a:extLst>
+          </p:cNvPr>
+          <p:cNvPicPr>
+            <a:picLocks noChangeAspect="1"/>
+          </p:cNvPicPr>
+          <p:nvPr/>
+        </p:nvPicPr>
+        <p:blipFill>
+          <a:blip r:embed="rId3"/>
+          <a:stretch>
+            <a:fillRect/>
+          </a:stretch>
+        </p:blipFill>
+        <p:spPr>
+          <a:xfrm>
+            <a:off x="7335064" y="5731828"/>
+            <a:ext cx="416618" cy="302076"/>
+          </a:xfrm>
+          <a:prstGeom prst="rect">
+            <a:avLst/>
+          </a:prstGeom>
+        </p:spPr>
+      </p:pic>
+      <p:pic>
+        <p:nvPicPr>
+          <p:cNvPr id="86" name="図 85">
+            <a:extLst>
+              <a:ext uri="{FF2B5EF4-FFF2-40B4-BE49-F238E27FC236}">
+                <a16:creationId xmlns:a16="http://schemas.microsoft.com/office/drawing/2014/main" id="{BFF7007C-AFCE-8049-AFF8-7F1E7000D242}"/>
+              </a:ext>
+            </a:extLst>
+          </p:cNvPr>
+          <p:cNvPicPr>
+            <a:picLocks noChangeAspect="1"/>
+          </p:cNvPicPr>
+          <p:nvPr/>
+        </p:nvPicPr>
+        <p:blipFill>
+          <a:blip r:embed="rId3"/>
+          <a:stretch>
+            <a:fillRect/>
+          </a:stretch>
+        </p:blipFill>
+        <p:spPr>
+          <a:xfrm>
+            <a:off x="7810324" y="5736190"/>
+            <a:ext cx="416618" cy="302076"/>
+          </a:xfrm>
+          <a:prstGeom prst="rect">
+            <a:avLst/>
+          </a:prstGeom>
+        </p:spPr>
+      </p:pic>
+      <p:pic>
+        <p:nvPicPr>
+          <p:cNvPr id="118" name="図 117">
+            <a:extLst>
+              <a:ext uri="{FF2B5EF4-FFF2-40B4-BE49-F238E27FC236}">
+                <a16:creationId xmlns:a16="http://schemas.microsoft.com/office/drawing/2014/main" id="{601B6AC4-B4C7-5349-9EC5-A7A97C995859}"/>
+              </a:ext>
+            </a:extLst>
+          </p:cNvPr>
+          <p:cNvPicPr>
+            <a:picLocks noChangeAspect="1"/>
+          </p:cNvPicPr>
+          <p:nvPr/>
+        </p:nvPicPr>
+        <p:blipFill>
+          <a:blip r:embed="rId3"/>
+          <a:stretch>
+            <a:fillRect/>
+          </a:stretch>
+        </p:blipFill>
+        <p:spPr>
+          <a:xfrm>
+            <a:off x="6189068" y="5735858"/>
+            <a:ext cx="416618" cy="302076"/>
+          </a:xfrm>
+          <a:prstGeom prst="rect">
+            <a:avLst/>
+          </a:prstGeom>
+        </p:spPr>
+      </p:pic>
+      <p:pic>
+        <p:nvPicPr>
+          <p:cNvPr id="119" name="図 118">
+            <a:extLst>
+              <a:ext uri="{FF2B5EF4-FFF2-40B4-BE49-F238E27FC236}">
+                <a16:creationId xmlns:a16="http://schemas.microsoft.com/office/drawing/2014/main" id="{B2A36B05-3AE0-1F44-9DE4-321C2215DDF4}"/>
+              </a:ext>
+            </a:extLst>
+          </p:cNvPr>
+          <p:cNvPicPr>
+            <a:picLocks noChangeAspect="1"/>
+          </p:cNvPicPr>
+          <p:nvPr/>
+        </p:nvPicPr>
+        <p:blipFill>
+          <a:blip r:embed="rId4"/>
+          <a:stretch>
+            <a:fillRect/>
+          </a:stretch>
+        </p:blipFill>
+        <p:spPr>
+          <a:xfrm>
+            <a:off x="3809581" y="6077026"/>
+            <a:ext cx="686133" cy="497492"/>
+          </a:xfrm>
+          <a:prstGeom prst="rect">
+            <a:avLst/>
+          </a:prstGeom>
+        </p:spPr>
+      </p:pic>
+      <p:pic>
+        <p:nvPicPr>
+          <p:cNvPr id="120" name="図 119">
+            <a:extLst>
+              <a:ext uri="{FF2B5EF4-FFF2-40B4-BE49-F238E27FC236}">
+                <a16:creationId xmlns:a16="http://schemas.microsoft.com/office/drawing/2014/main" id="{EDF4F4EA-99DA-A845-9F49-527857FC4A11}"/>
+              </a:ext>
+            </a:extLst>
+          </p:cNvPr>
+          <p:cNvPicPr>
+            <a:picLocks noChangeAspect="1"/>
+          </p:cNvPicPr>
+          <p:nvPr/>
+        </p:nvPicPr>
+        <p:blipFill>
+          <a:blip r:embed="rId4"/>
+          <a:stretch>
+            <a:fillRect/>
+          </a:stretch>
+        </p:blipFill>
+        <p:spPr>
+          <a:xfrm>
+            <a:off x="4674763" y="6077026"/>
+            <a:ext cx="686133" cy="497492"/>
+          </a:xfrm>
+          <a:prstGeom prst="rect">
+            <a:avLst/>
+          </a:prstGeom>
+        </p:spPr>
+      </p:pic>
+      <p:pic>
+        <p:nvPicPr>
+          <p:cNvPr id="123" name="図 122">
+            <a:extLst>
+              <a:ext uri="{FF2B5EF4-FFF2-40B4-BE49-F238E27FC236}">
+                <a16:creationId xmlns:a16="http://schemas.microsoft.com/office/drawing/2014/main" id="{D7CB8637-9C5C-8C42-8B7E-545864B185D1}"/>
+              </a:ext>
+            </a:extLst>
+          </p:cNvPr>
+          <p:cNvPicPr>
+            <a:picLocks noChangeAspect="1"/>
+          </p:cNvPicPr>
+          <p:nvPr/>
+        </p:nvPicPr>
+        <p:blipFill>
+          <a:blip r:embed="rId4"/>
+          <a:stretch>
+            <a:fillRect/>
+          </a:stretch>
+        </p:blipFill>
+        <p:spPr>
+          <a:xfrm>
+            <a:off x="6720263" y="6077026"/>
+            <a:ext cx="686133" cy="497492"/>
+          </a:xfrm>
+          <a:prstGeom prst="rect">
+            <a:avLst/>
+          </a:prstGeom>
+        </p:spPr>
+      </p:pic>
+      <p:pic>
+        <p:nvPicPr>
+          <p:cNvPr id="124" name="図 123">
+            <a:extLst>
+              <a:ext uri="{FF2B5EF4-FFF2-40B4-BE49-F238E27FC236}">
+                <a16:creationId xmlns:a16="http://schemas.microsoft.com/office/drawing/2014/main" id="{11D2904B-B1AC-2C4D-9CF3-EFAE36E1F291}"/>
+              </a:ext>
+            </a:extLst>
+          </p:cNvPr>
+          <p:cNvPicPr>
+            <a:picLocks noChangeAspect="1"/>
+          </p:cNvPicPr>
+          <p:nvPr/>
+        </p:nvPicPr>
+        <p:blipFill>
+          <a:blip r:embed="rId4"/>
+          <a:stretch>
+            <a:fillRect/>
+          </a:stretch>
+        </p:blipFill>
+        <p:spPr>
+          <a:xfrm>
+            <a:off x="7573562" y="6093895"/>
+            <a:ext cx="686133" cy="497492"/>
+          </a:xfrm>
+          <a:prstGeom prst="rect">
+            <a:avLst/>
+          </a:prstGeom>
+        </p:spPr>
+      </p:pic>
+      <p:pic>
+        <p:nvPicPr>
+          <p:cNvPr id="125" name="図 124">
+            <a:extLst>
+              <a:ext uri="{FF2B5EF4-FFF2-40B4-BE49-F238E27FC236}">
+                <a16:creationId xmlns:a16="http://schemas.microsoft.com/office/drawing/2014/main" id="{EA8A702B-49A0-A84E-8B2D-FECDD5B581BD}"/>
               </a:ext>
             </a:extLst>
           </p:cNvPr>
@@ -10934,7 +10855,7 @@
         </p:blipFill>
         <p:spPr>
           <a:xfrm>
-            <a:off x="3733525" y="5135369"/>
+            <a:off x="5821663" y="5054082"/>
             <a:ext cx="672921" cy="487913"/>
           </a:xfrm>
           <a:prstGeom prst="rect">
@@ -10944,40 +10865,10 @@
       </p:pic>
       <p:pic>
         <p:nvPicPr>
-          <p:cNvPr id="100" name="図 99">
+          <p:cNvPr id="126" name="図 125">
             <a:extLst>
               <a:ext uri="{FF2B5EF4-FFF2-40B4-BE49-F238E27FC236}">
-                <a16:creationId xmlns:a16="http://schemas.microsoft.com/office/drawing/2014/main" id="{62460DDC-40AA-FE46-A0F0-BA91B1E9A41D}"/>
-              </a:ext>
-            </a:extLst>
-          </p:cNvPr>
-          <p:cNvPicPr>
-            <a:picLocks noChangeAspect="1"/>
-          </p:cNvPicPr>
-          <p:nvPr/>
-        </p:nvPicPr>
-        <p:blipFill>
-          <a:blip r:embed="rId2"/>
-          <a:stretch>
-            <a:fillRect/>
-          </a:stretch>
-        </p:blipFill>
-        <p:spPr>
-          <a:xfrm>
-            <a:off x="4462103" y="5135370"/>
-            <a:ext cx="672921" cy="487913"/>
-          </a:xfrm>
-          <a:prstGeom prst="rect">
-            <a:avLst/>
-          </a:prstGeom>
-        </p:spPr>
-      </p:pic>
-      <p:pic>
-        <p:nvPicPr>
-          <p:cNvPr id="101" name="図 100">
-            <a:extLst>
-              <a:ext uri="{FF2B5EF4-FFF2-40B4-BE49-F238E27FC236}">
-                <a16:creationId xmlns:a16="http://schemas.microsoft.com/office/drawing/2014/main" id="{34D66517-7049-F04B-8235-AAB9BBC0CEAD}"/>
+                <a16:creationId xmlns:a16="http://schemas.microsoft.com/office/drawing/2014/main" id="{F2314334-1DEF-B642-ACCA-C6EA54CAA725}"/>
               </a:ext>
             </a:extLst>
           </p:cNvPr>
@@ -10994,7 +10885,7 @@
         </p:blipFill>
         <p:spPr>
           <a:xfrm>
-            <a:off x="2165407" y="5822612"/>
+            <a:off x="5663722" y="5737204"/>
             <a:ext cx="416618" cy="302076"/>
           </a:xfrm>
           <a:prstGeom prst="rect">
@@ -11004,280 +10895,10 @@
       </p:pic>
       <p:pic>
         <p:nvPicPr>
-          <p:cNvPr id="102" name="図 101">
+          <p:cNvPr id="127" name="図 126">
             <a:extLst>
               <a:ext uri="{FF2B5EF4-FFF2-40B4-BE49-F238E27FC236}">
-                <a16:creationId xmlns:a16="http://schemas.microsoft.com/office/drawing/2014/main" id="{E36405C9-2397-FB4C-B6B4-60CFEFB0ABB0}"/>
-              </a:ext>
-            </a:extLst>
-          </p:cNvPr>
-          <p:cNvPicPr>
-            <a:picLocks noChangeAspect="1"/>
-          </p:cNvPicPr>
-          <p:nvPr/>
-        </p:nvPicPr>
-        <p:blipFill>
-          <a:blip r:embed="rId3"/>
-          <a:stretch>
-            <a:fillRect/>
-          </a:stretch>
-        </p:blipFill>
-        <p:spPr>
-          <a:xfrm>
-            <a:off x="2678550" y="5829085"/>
-            <a:ext cx="416618" cy="302076"/>
-          </a:xfrm>
-          <a:prstGeom prst="rect">
-            <a:avLst/>
-          </a:prstGeom>
-        </p:spPr>
-      </p:pic>
-      <p:pic>
-        <p:nvPicPr>
-          <p:cNvPr id="103" name="図 102">
-            <a:extLst>
-              <a:ext uri="{FF2B5EF4-FFF2-40B4-BE49-F238E27FC236}">
-                <a16:creationId xmlns:a16="http://schemas.microsoft.com/office/drawing/2014/main" id="{2F6C6E0D-C61B-4A4F-BAC1-A80AF2FF73D5}"/>
-              </a:ext>
-            </a:extLst>
-          </p:cNvPr>
-          <p:cNvPicPr>
-            <a:picLocks noChangeAspect="1"/>
-          </p:cNvPicPr>
-          <p:nvPr/>
-        </p:nvPicPr>
-        <p:blipFill>
-          <a:blip r:embed="rId3"/>
-          <a:stretch>
-            <a:fillRect/>
-          </a:stretch>
-        </p:blipFill>
-        <p:spPr>
-          <a:xfrm>
-            <a:off x="3163635" y="5818390"/>
-            <a:ext cx="416618" cy="302076"/>
-          </a:xfrm>
-          <a:prstGeom prst="rect">
-            <a:avLst/>
-          </a:prstGeom>
-        </p:spPr>
-      </p:pic>
-      <p:pic>
-        <p:nvPicPr>
-          <p:cNvPr id="104" name="図 103">
-            <a:extLst>
-              <a:ext uri="{FF2B5EF4-FFF2-40B4-BE49-F238E27FC236}">
-                <a16:creationId xmlns:a16="http://schemas.microsoft.com/office/drawing/2014/main" id="{19DF1FBF-A658-6F46-AC54-6FADA4625AFD}"/>
-              </a:ext>
-            </a:extLst>
-          </p:cNvPr>
-          <p:cNvPicPr>
-            <a:picLocks noChangeAspect="1"/>
-          </p:cNvPicPr>
-          <p:nvPr/>
-        </p:nvPicPr>
-        <p:blipFill>
-          <a:blip r:embed="rId3"/>
-          <a:stretch>
-            <a:fillRect/>
-          </a:stretch>
-        </p:blipFill>
-        <p:spPr>
-          <a:xfrm>
-            <a:off x="3637785" y="5823492"/>
-            <a:ext cx="416618" cy="302076"/>
-          </a:xfrm>
-          <a:prstGeom prst="rect">
-            <a:avLst/>
-          </a:prstGeom>
-        </p:spPr>
-      </p:pic>
-      <p:pic>
-        <p:nvPicPr>
-          <p:cNvPr id="105" name="図 104">
-            <a:extLst>
-              <a:ext uri="{FF2B5EF4-FFF2-40B4-BE49-F238E27FC236}">
-                <a16:creationId xmlns:a16="http://schemas.microsoft.com/office/drawing/2014/main" id="{00691C3B-1435-0840-BE7E-CDF3CF60DD78}"/>
-              </a:ext>
-            </a:extLst>
-          </p:cNvPr>
-          <p:cNvPicPr>
-            <a:picLocks noChangeAspect="1"/>
-          </p:cNvPicPr>
-          <p:nvPr/>
-        </p:nvPicPr>
-        <p:blipFill>
-          <a:blip r:embed="rId3"/>
-          <a:stretch>
-            <a:fillRect/>
-          </a:stretch>
-        </p:blipFill>
-        <p:spPr>
-          <a:xfrm>
-            <a:off x="4017475" y="5823492"/>
-            <a:ext cx="416618" cy="302076"/>
-          </a:xfrm>
-          <a:prstGeom prst="rect">
-            <a:avLst/>
-          </a:prstGeom>
-        </p:spPr>
-      </p:pic>
-      <p:pic>
-        <p:nvPicPr>
-          <p:cNvPr id="106" name="図 105">
-            <a:extLst>
-              <a:ext uri="{FF2B5EF4-FFF2-40B4-BE49-F238E27FC236}">
-                <a16:creationId xmlns:a16="http://schemas.microsoft.com/office/drawing/2014/main" id="{1E213E2A-5BE7-4443-9469-BD13A78BC550}"/>
-              </a:ext>
-            </a:extLst>
-          </p:cNvPr>
-          <p:cNvPicPr>
-            <a:picLocks noChangeAspect="1"/>
-          </p:cNvPicPr>
-          <p:nvPr/>
-        </p:nvPicPr>
-        <p:blipFill>
-          <a:blip r:embed="rId3"/>
-          <a:stretch>
-            <a:fillRect/>
-          </a:stretch>
-        </p:blipFill>
-        <p:spPr>
-          <a:xfrm>
-            <a:off x="4809044" y="5818390"/>
-            <a:ext cx="416618" cy="302076"/>
-          </a:xfrm>
-          <a:prstGeom prst="rect">
-            <a:avLst/>
-          </a:prstGeom>
-        </p:spPr>
-      </p:pic>
-      <p:pic>
-        <p:nvPicPr>
-          <p:cNvPr id="107" name="図 106">
-            <a:extLst>
-              <a:ext uri="{FF2B5EF4-FFF2-40B4-BE49-F238E27FC236}">
-                <a16:creationId xmlns:a16="http://schemas.microsoft.com/office/drawing/2014/main" id="{1B5AF44B-58CE-804C-9759-314384CB79BA}"/>
-              </a:ext>
-            </a:extLst>
-          </p:cNvPr>
-          <p:cNvPicPr>
-            <a:picLocks noChangeAspect="1"/>
-          </p:cNvPicPr>
-          <p:nvPr/>
-        </p:nvPicPr>
-        <p:blipFill>
-          <a:blip r:embed="rId3"/>
-          <a:stretch>
-            <a:fillRect/>
-          </a:stretch>
-        </p:blipFill>
-        <p:spPr>
-          <a:xfrm>
-            <a:off x="5309692" y="5831077"/>
-            <a:ext cx="416618" cy="302076"/>
-          </a:xfrm>
-          <a:prstGeom prst="rect">
-            <a:avLst/>
-          </a:prstGeom>
-        </p:spPr>
-      </p:pic>
-      <p:pic>
-        <p:nvPicPr>
-          <p:cNvPr id="108" name="図 107">
-            <a:extLst>
-              <a:ext uri="{FF2B5EF4-FFF2-40B4-BE49-F238E27FC236}">
-                <a16:creationId xmlns:a16="http://schemas.microsoft.com/office/drawing/2014/main" id="{354F9CE6-5D3F-D841-9FF1-45D7A65A8267}"/>
-              </a:ext>
-            </a:extLst>
-          </p:cNvPr>
-          <p:cNvPicPr>
-            <a:picLocks noChangeAspect="1"/>
-          </p:cNvPicPr>
-          <p:nvPr/>
-        </p:nvPicPr>
-        <p:blipFill>
-          <a:blip r:embed="rId3"/>
-          <a:stretch>
-            <a:fillRect/>
-          </a:stretch>
-        </p:blipFill>
-        <p:spPr>
-          <a:xfrm>
-            <a:off x="5786375" y="5822612"/>
-            <a:ext cx="416618" cy="302076"/>
-          </a:xfrm>
-          <a:prstGeom prst="rect">
-            <a:avLst/>
-          </a:prstGeom>
-        </p:spPr>
-      </p:pic>
-      <p:pic>
-        <p:nvPicPr>
-          <p:cNvPr id="109" name="図 108">
-            <a:extLst>
-              <a:ext uri="{FF2B5EF4-FFF2-40B4-BE49-F238E27FC236}">
-                <a16:creationId xmlns:a16="http://schemas.microsoft.com/office/drawing/2014/main" id="{045D5724-84CF-5545-BD23-BD9131D282C1}"/>
-              </a:ext>
-            </a:extLst>
-          </p:cNvPr>
-          <p:cNvPicPr>
-            <a:picLocks noChangeAspect="1"/>
-          </p:cNvPicPr>
-          <p:nvPr/>
-        </p:nvPicPr>
-        <p:blipFill>
-          <a:blip r:embed="rId3"/>
-          <a:stretch>
-            <a:fillRect/>
-          </a:stretch>
-        </p:blipFill>
-        <p:spPr>
-          <a:xfrm>
-            <a:off x="6285289" y="5813156"/>
-            <a:ext cx="416618" cy="302076"/>
-          </a:xfrm>
-          <a:prstGeom prst="rect">
-            <a:avLst/>
-          </a:prstGeom>
-        </p:spPr>
-      </p:pic>
-      <p:pic>
-        <p:nvPicPr>
-          <p:cNvPr id="110" name="図 109">
-            <a:extLst>
-              <a:ext uri="{FF2B5EF4-FFF2-40B4-BE49-F238E27FC236}">
-                <a16:creationId xmlns:a16="http://schemas.microsoft.com/office/drawing/2014/main" id="{6D1DD414-E1CC-6D43-8438-EAA3EE3E0CEB}"/>
-              </a:ext>
-            </a:extLst>
-          </p:cNvPr>
-          <p:cNvPicPr>
-            <a:picLocks noChangeAspect="1"/>
-          </p:cNvPicPr>
-          <p:nvPr/>
-        </p:nvPicPr>
-        <p:blipFill>
-          <a:blip r:embed="rId3"/>
-          <a:stretch>
-            <a:fillRect/>
-          </a:stretch>
-        </p:blipFill>
-        <p:spPr>
-          <a:xfrm>
-            <a:off x="4410525" y="5822612"/>
-            <a:ext cx="416618" cy="302076"/>
-          </a:xfrm>
-          <a:prstGeom prst="rect">
-            <a:avLst/>
-          </a:prstGeom>
-        </p:spPr>
-      </p:pic>
-      <p:pic>
-        <p:nvPicPr>
-          <p:cNvPr id="111" name="図 110">
-            <a:extLst>
-              <a:ext uri="{FF2B5EF4-FFF2-40B4-BE49-F238E27FC236}">
-                <a16:creationId xmlns:a16="http://schemas.microsoft.com/office/drawing/2014/main" id="{FF3A27F4-98B6-A64D-BEFE-2F6541635FCC}"/>
+                <a16:creationId xmlns:a16="http://schemas.microsoft.com/office/drawing/2014/main" id="{4C8B8C48-EA04-4B4D-ADF9-0EC8C8AD262D}"/>
               </a:ext>
             </a:extLst>
           </p:cNvPr>
@@ -11294,7 +10915,7 @@
         </p:blipFill>
         <p:spPr>
           <a:xfrm>
-            <a:off x="2148606" y="6163780"/>
+            <a:off x="5815894" y="6055465"/>
             <a:ext cx="686133" cy="497492"/>
           </a:xfrm>
           <a:prstGeom prst="rect">
@@ -11302,211 +10923,6 @@
           </a:prstGeom>
         </p:spPr>
       </p:pic>
-      <p:pic>
-        <p:nvPicPr>
-          <p:cNvPr id="112" name="図 111">
-            <a:extLst>
-              <a:ext uri="{FF2B5EF4-FFF2-40B4-BE49-F238E27FC236}">
-                <a16:creationId xmlns:a16="http://schemas.microsoft.com/office/drawing/2014/main" id="{27C9B6AB-70FD-CC4B-9E0E-EF81A04F1F90}"/>
-              </a:ext>
-            </a:extLst>
-          </p:cNvPr>
-          <p:cNvPicPr>
-            <a:picLocks noChangeAspect="1"/>
-          </p:cNvPicPr>
-          <p:nvPr/>
-        </p:nvPicPr>
-        <p:blipFill>
-          <a:blip r:embed="rId4"/>
-          <a:stretch>
-            <a:fillRect/>
-          </a:stretch>
-        </p:blipFill>
-        <p:spPr>
-          <a:xfrm>
-            <a:off x="2859802" y="6157758"/>
-            <a:ext cx="686133" cy="497492"/>
-          </a:xfrm>
-          <a:prstGeom prst="rect">
-            <a:avLst/>
-          </a:prstGeom>
-        </p:spPr>
-      </p:pic>
-      <p:pic>
-        <p:nvPicPr>
-          <p:cNvPr id="113" name="図 112">
-            <a:extLst>
-              <a:ext uri="{FF2B5EF4-FFF2-40B4-BE49-F238E27FC236}">
-                <a16:creationId xmlns:a16="http://schemas.microsoft.com/office/drawing/2014/main" id="{30BD0825-34C9-1241-B876-D16D51CC4E0F}"/>
-              </a:ext>
-            </a:extLst>
-          </p:cNvPr>
-          <p:cNvPicPr>
-            <a:picLocks noChangeAspect="1"/>
-          </p:cNvPicPr>
-          <p:nvPr/>
-        </p:nvPicPr>
-        <p:blipFill>
-          <a:blip r:embed="rId4"/>
-          <a:stretch>
-            <a:fillRect/>
-          </a:stretch>
-        </p:blipFill>
-        <p:spPr>
-          <a:xfrm>
-            <a:off x="4410962" y="6163780"/>
-            <a:ext cx="686133" cy="497492"/>
-          </a:xfrm>
-          <a:prstGeom prst="rect">
-            <a:avLst/>
-          </a:prstGeom>
-        </p:spPr>
-      </p:pic>
-      <p:pic>
-        <p:nvPicPr>
-          <p:cNvPr id="114" name="図 113">
-            <a:extLst>
-              <a:ext uri="{FF2B5EF4-FFF2-40B4-BE49-F238E27FC236}">
-                <a16:creationId xmlns:a16="http://schemas.microsoft.com/office/drawing/2014/main" id="{E0908843-6E8D-9849-9242-391B0A22DEEF}"/>
-              </a:ext>
-            </a:extLst>
-          </p:cNvPr>
-          <p:cNvPicPr>
-            <a:picLocks noChangeAspect="1"/>
-          </p:cNvPicPr>
-          <p:nvPr/>
-        </p:nvPicPr>
-        <p:blipFill>
-          <a:blip r:embed="rId4"/>
-          <a:stretch>
-            <a:fillRect/>
-          </a:stretch>
-        </p:blipFill>
-        <p:spPr>
-          <a:xfrm>
-            <a:off x="3680841" y="6145961"/>
-            <a:ext cx="686133" cy="497492"/>
-          </a:xfrm>
-          <a:prstGeom prst="rect">
-            <a:avLst/>
-          </a:prstGeom>
-        </p:spPr>
-      </p:pic>
-      <p:pic>
-        <p:nvPicPr>
-          <p:cNvPr id="115" name="図 114">
-            <a:extLst>
-              <a:ext uri="{FF2B5EF4-FFF2-40B4-BE49-F238E27FC236}">
-                <a16:creationId xmlns:a16="http://schemas.microsoft.com/office/drawing/2014/main" id="{352C7A36-2939-A346-8C23-1BA1E18175DE}"/>
-              </a:ext>
-            </a:extLst>
-          </p:cNvPr>
-          <p:cNvPicPr>
-            <a:picLocks noChangeAspect="1"/>
-          </p:cNvPicPr>
-          <p:nvPr/>
-        </p:nvPicPr>
-        <p:blipFill>
-          <a:blip r:embed="rId4"/>
-          <a:stretch>
-            <a:fillRect/>
-          </a:stretch>
-        </p:blipFill>
-        <p:spPr>
-          <a:xfrm>
-            <a:off x="5301947" y="6157758"/>
-            <a:ext cx="686133" cy="497492"/>
-          </a:xfrm>
-          <a:prstGeom prst="rect">
-            <a:avLst/>
-          </a:prstGeom>
-        </p:spPr>
-      </p:pic>
-      <p:pic>
-        <p:nvPicPr>
-          <p:cNvPr id="116" name="図 115">
-            <a:extLst>
-              <a:ext uri="{FF2B5EF4-FFF2-40B4-BE49-F238E27FC236}">
-                <a16:creationId xmlns:a16="http://schemas.microsoft.com/office/drawing/2014/main" id="{D8FF98C0-26E3-E540-AC09-D359DE180742}"/>
-              </a:ext>
-            </a:extLst>
-          </p:cNvPr>
-          <p:cNvPicPr>
-            <a:picLocks noChangeAspect="1"/>
-          </p:cNvPicPr>
-          <p:nvPr/>
-        </p:nvPicPr>
-        <p:blipFill>
-          <a:blip r:embed="rId4"/>
-          <a:stretch>
-            <a:fillRect/>
-          </a:stretch>
-        </p:blipFill>
-        <p:spPr>
-          <a:xfrm>
-            <a:off x="6013143" y="6150462"/>
-            <a:ext cx="686133" cy="497492"/>
-          </a:xfrm>
-          <a:prstGeom prst="rect">
-            <a:avLst/>
-          </a:prstGeom>
-        </p:spPr>
-      </p:pic>
-      <p:sp>
-        <p:nvSpPr>
-          <p:cNvPr id="117" name="右矢印 116">
-            <a:extLst>
-              <a:ext uri="{FF2B5EF4-FFF2-40B4-BE49-F238E27FC236}">
-                <a16:creationId xmlns:a16="http://schemas.microsoft.com/office/drawing/2014/main" id="{B68EEE63-0FF8-1C45-A8F5-7EDA51AE8F06}"/>
-              </a:ext>
-            </a:extLst>
-          </p:cNvPr>
-          <p:cNvSpPr/>
-          <p:nvPr/>
-        </p:nvSpPr>
-        <p:spPr>
-          <a:xfrm>
-            <a:off x="6205256" y="3053785"/>
-            <a:ext cx="1056156" cy="697944"/>
-          </a:xfrm>
-          <a:prstGeom prst="rightArrow">
-            <a:avLst/>
-          </a:prstGeom>
-          <a:solidFill>
-            <a:schemeClr val="tx1">
-              <a:lumMod val="65000"/>
-              <a:lumOff val="35000"/>
-            </a:schemeClr>
-          </a:solidFill>
-          <a:ln>
-            <a:noFill/>
-          </a:ln>
-        </p:spPr>
-        <p:style>
-          <a:lnRef idx="2">
-            <a:schemeClr val="accent1">
-              <a:shade val="50000"/>
-            </a:schemeClr>
-          </a:lnRef>
-          <a:fillRef idx="1">
-            <a:schemeClr val="accent1"/>
-          </a:fillRef>
-          <a:effectRef idx="0">
-            <a:schemeClr val="accent1"/>
-          </a:effectRef>
-          <a:fontRef idx="minor">
-            <a:schemeClr val="lt1"/>
-          </a:fontRef>
-        </p:style>
-        <p:txBody>
-          <a:bodyPr rtlCol="0" anchor="ctr"/>
-          <a:lstStyle/>
-          <a:p>
-            <a:pPr algn="ctr"/>
-            <a:endParaRPr kumimoji="1" lang="ja-JP" altLang="en-US"/>
-          </a:p>
-        </p:txBody>
-      </p:sp>
     </p:spTree>
     <p:extLst>
       <p:ext uri="{BB962C8B-B14F-4D97-AF65-F5344CB8AC3E}">
@@ -11520,7 +10936,7 @@
 </p:sld>
 </file>
 
-<file path=ppt/slides/slide12.xml><?xml version="1.0" encoding="utf-8"?>
+<file path=ppt/slides/slide11.xml><?xml version="1.0" encoding="utf-8"?>
 <p:sld xmlns:a="http://schemas.openxmlformats.org/drawingml/2006/main" xmlns:r="http://schemas.openxmlformats.org/officeDocument/2006/relationships" xmlns:p="http://schemas.openxmlformats.org/presentationml/2006/main">
   <p:cSld>
     <p:spTree>
@@ -11635,7 +11051,7 @@
 </p:sld>
 </file>
 
-<file path=ppt/slides/slide13.xml><?xml version="1.0" encoding="utf-8"?>
+<file path=ppt/slides/slide12.xml><?xml version="1.0" encoding="utf-8"?>
 <p:sld xmlns:a="http://schemas.openxmlformats.org/drawingml/2006/main" xmlns:r="http://schemas.openxmlformats.org/officeDocument/2006/relationships" xmlns:p="http://schemas.openxmlformats.org/presentationml/2006/main">
   <p:cSld>
     <p:spTree>
@@ -11793,7 +11209,7 @@
 </p:sld>
 </file>
 
-<file path=ppt/slides/slide14.xml><?xml version="1.0" encoding="utf-8"?>
+<file path=ppt/slides/slide13.xml><?xml version="1.0" encoding="utf-8"?>
 <p:sld xmlns:a="http://schemas.openxmlformats.org/drawingml/2006/main" xmlns:r="http://schemas.openxmlformats.org/officeDocument/2006/relationships" xmlns:p="http://schemas.openxmlformats.org/presentationml/2006/main">
   <p:cSld>
     <p:spTree>
@@ -12204,7 +11620,7 @@
 </p:sld>
 </file>
 
-<file path=ppt/slides/slide15.xml><?xml version="1.0" encoding="utf-8"?>
+<file path=ppt/slides/slide14.xml><?xml version="1.0" encoding="utf-8"?>
 <p:sld xmlns:a="http://schemas.openxmlformats.org/drawingml/2006/main" xmlns:r="http://schemas.openxmlformats.org/officeDocument/2006/relationships" xmlns:p="http://schemas.openxmlformats.org/presentationml/2006/main">
   <p:cSld>
     <p:spTree>
@@ -13647,7 +13063,7 @@
 </p:sld>
 </file>
 
-<file path=ppt/slides/slide16.xml><?xml version="1.0" encoding="utf-8"?>
+<file path=ppt/slides/slide15.xml><?xml version="1.0" encoding="utf-8"?>
 <p:sld xmlns:a="http://schemas.openxmlformats.org/drawingml/2006/main" xmlns:r="http://schemas.openxmlformats.org/officeDocument/2006/relationships" xmlns:p="http://schemas.openxmlformats.org/presentationml/2006/main">
   <p:cSld>
     <p:spTree>
@@ -13767,7 +13183,7 @@
 </p:sld>
 </file>
 
-<file path=ppt/slides/slide17.xml><?xml version="1.0" encoding="utf-8"?>
+<file path=ppt/slides/slide16.xml><?xml version="1.0" encoding="utf-8"?>
 <p:sld xmlns:a="http://schemas.openxmlformats.org/drawingml/2006/main" xmlns:r="http://schemas.openxmlformats.org/officeDocument/2006/relationships" xmlns:p="http://schemas.openxmlformats.org/presentationml/2006/main">
   <p:cSld>
     <p:spTree>
@@ -14432,7 +13848,7 @@
 </p:sld>
 </file>
 
-<file path=ppt/slides/slide18.xml><?xml version="1.0" encoding="utf-8"?>
+<file path=ppt/slides/slide17.xml><?xml version="1.0" encoding="utf-8"?>
 <p:sld xmlns:a="http://schemas.openxmlformats.org/drawingml/2006/main" xmlns:r="http://schemas.openxmlformats.org/officeDocument/2006/relationships" xmlns:p="http://schemas.openxmlformats.org/presentationml/2006/main">
   <p:cSld>
     <p:spTree>
@@ -14942,7 +14358,7 @@
 </p:sld>
 </file>
 
-<file path=ppt/slides/slide19.xml><?xml version="1.0" encoding="utf-8"?>
+<file path=ppt/slides/slide18.xml><?xml version="1.0" encoding="utf-8"?>
 <p:sld xmlns:a="http://schemas.openxmlformats.org/drawingml/2006/main" xmlns:r="http://schemas.openxmlformats.org/officeDocument/2006/relationships" xmlns:p="http://schemas.openxmlformats.org/presentationml/2006/main">
   <p:cSld>
     <p:spTree>
@@ -15070,121 +14486,7 @@
 </p:sld>
 </file>
 
-<file path=ppt/slides/slide2.xml><?xml version="1.0" encoding="utf-8"?>
-<p:sld xmlns:a="http://schemas.openxmlformats.org/drawingml/2006/main" xmlns:r="http://schemas.openxmlformats.org/officeDocument/2006/relationships" xmlns:p="http://schemas.openxmlformats.org/presentationml/2006/main">
-  <p:cSld>
-    <p:spTree>
-      <p:nvGrpSpPr>
-        <p:cNvPr id="1" name=""/>
-        <p:cNvGrpSpPr/>
-        <p:nvPr/>
-      </p:nvGrpSpPr>
-      <p:grpSpPr>
-        <a:xfrm>
-          <a:off x="0" y="0"/>
-          <a:ext cx="0" cy="0"/>
-          <a:chOff x="0" y="0"/>
-          <a:chExt cx="0" cy="0"/>
-        </a:xfrm>
-      </p:grpSpPr>
-      <p:sp>
-        <p:nvSpPr>
-          <p:cNvPr id="2" name="タイトル 1">
-            <a:extLst>
-              <a:ext uri="{FF2B5EF4-FFF2-40B4-BE49-F238E27FC236}">
-                <a16:creationId xmlns:a16="http://schemas.microsoft.com/office/drawing/2014/main" id="{93010AF0-9B7D-1145-8148-06A633089EBF}"/>
-              </a:ext>
-            </a:extLst>
-          </p:cNvPr>
-          <p:cNvSpPr>
-            <a:spLocks noGrp="1"/>
-          </p:cNvSpPr>
-          <p:nvPr>
-            <p:ph type="title"/>
-          </p:nvPr>
-        </p:nvSpPr>
-        <p:spPr/>
-        <p:txBody>
-          <a:bodyPr/>
-          <a:lstStyle/>
-          <a:p>
-            <a:r>
-              <a:rPr kumimoji="1" lang="en-US" altLang="ja-JP" dirty="0"/>
-              <a:t>Outline</a:t>
-            </a:r>
-            <a:endParaRPr kumimoji="1" lang="ja-JP" altLang="en-US"/>
-          </a:p>
-        </p:txBody>
-      </p:sp>
-      <p:sp>
-        <p:nvSpPr>
-          <p:cNvPr id="3" name="コンテンツ プレースホルダー 2">
-            <a:extLst>
-              <a:ext uri="{FF2B5EF4-FFF2-40B4-BE49-F238E27FC236}">
-                <a16:creationId xmlns:a16="http://schemas.microsoft.com/office/drawing/2014/main" id="{97A5DCCE-A463-7E40-A93C-1FAC6C539F8C}"/>
-              </a:ext>
-            </a:extLst>
-          </p:cNvPr>
-          <p:cNvSpPr>
-            <a:spLocks noGrp="1"/>
-          </p:cNvSpPr>
-          <p:nvPr>
-            <p:ph idx="1"/>
-          </p:nvPr>
-        </p:nvSpPr>
-        <p:spPr/>
-        <p:txBody>
-          <a:bodyPr>
-            <a:normAutofit/>
-          </a:bodyPr>
-          <a:lstStyle/>
-          <a:p>
-            <a:r>
-              <a:rPr kumimoji="1" lang="en-US" altLang="ja-JP" sz="2400" dirty="0"/>
-              <a:t>Background</a:t>
-            </a:r>
-          </a:p>
-          <a:p>
-            <a:r>
-              <a:rPr lang="en-US" altLang="ja-JP" sz="2400" dirty="0"/>
-              <a:t>Problem definition</a:t>
-            </a:r>
-            <a:endParaRPr kumimoji="1" lang="en-US" altLang="ja-JP" sz="2400" dirty="0"/>
-          </a:p>
-          <a:p>
-            <a:r>
-              <a:rPr lang="en-US" altLang="ja-JP" sz="2400" dirty="0"/>
-              <a:t>Proposed model</a:t>
-            </a:r>
-          </a:p>
-          <a:p>
-            <a:r>
-              <a:rPr kumimoji="1" lang="en-US" altLang="ja-JP" sz="2400" dirty="0"/>
-              <a:t>Summary</a:t>
-            </a:r>
-          </a:p>
-          <a:p>
-            <a:endParaRPr kumimoji="1" lang="en-US" altLang="ja-JP" sz="2400" dirty="0"/>
-          </a:p>
-          <a:p>
-            <a:endParaRPr kumimoji="1" lang="ja-JP" altLang="en-US" sz="2400"/>
-          </a:p>
-        </p:txBody>
-      </p:sp>
-    </p:spTree>
-    <p:extLst>
-      <p:ext uri="{BB962C8B-B14F-4D97-AF65-F5344CB8AC3E}">
-        <p14:creationId xmlns:p14="http://schemas.microsoft.com/office/powerpoint/2010/main" val="3695423022"/>
-      </p:ext>
-    </p:extLst>
-  </p:cSld>
-  <p:clrMapOvr>
-    <a:masterClrMapping/>
-  </p:clrMapOvr>
-</p:sld>
-</file>
-
-<file path=ppt/slides/slide20.xml><?xml version="1.0" encoding="utf-8"?>
+<file path=ppt/slides/slide19.xml><?xml version="1.0" encoding="utf-8"?>
 <p:sld xmlns:a="http://schemas.openxmlformats.org/drawingml/2006/main" xmlns:r="http://schemas.openxmlformats.org/officeDocument/2006/relationships" xmlns:p="http://schemas.openxmlformats.org/presentationml/2006/main">
   <p:cSld>
     <p:spTree>
@@ -15527,7 +14829,121 @@
 </p:sld>
 </file>
 
-<file path=ppt/slides/slide21.xml><?xml version="1.0" encoding="utf-8"?>
+<file path=ppt/slides/slide2.xml><?xml version="1.0" encoding="utf-8"?>
+<p:sld xmlns:a="http://schemas.openxmlformats.org/drawingml/2006/main" xmlns:r="http://schemas.openxmlformats.org/officeDocument/2006/relationships" xmlns:p="http://schemas.openxmlformats.org/presentationml/2006/main">
+  <p:cSld>
+    <p:spTree>
+      <p:nvGrpSpPr>
+        <p:cNvPr id="1" name=""/>
+        <p:cNvGrpSpPr/>
+        <p:nvPr/>
+      </p:nvGrpSpPr>
+      <p:grpSpPr>
+        <a:xfrm>
+          <a:off x="0" y="0"/>
+          <a:ext cx="0" cy="0"/>
+          <a:chOff x="0" y="0"/>
+          <a:chExt cx="0" cy="0"/>
+        </a:xfrm>
+      </p:grpSpPr>
+      <p:sp>
+        <p:nvSpPr>
+          <p:cNvPr id="2" name="タイトル 1">
+            <a:extLst>
+              <a:ext uri="{FF2B5EF4-FFF2-40B4-BE49-F238E27FC236}">
+                <a16:creationId xmlns:a16="http://schemas.microsoft.com/office/drawing/2014/main" id="{93010AF0-9B7D-1145-8148-06A633089EBF}"/>
+              </a:ext>
+            </a:extLst>
+          </p:cNvPr>
+          <p:cNvSpPr>
+            <a:spLocks noGrp="1"/>
+          </p:cNvSpPr>
+          <p:nvPr>
+            <p:ph type="title"/>
+          </p:nvPr>
+        </p:nvSpPr>
+        <p:spPr/>
+        <p:txBody>
+          <a:bodyPr/>
+          <a:lstStyle/>
+          <a:p>
+            <a:r>
+              <a:rPr kumimoji="1" lang="en-US" altLang="ja-JP" dirty="0"/>
+              <a:t>Outline</a:t>
+            </a:r>
+            <a:endParaRPr kumimoji="1" lang="ja-JP" altLang="en-US"/>
+          </a:p>
+        </p:txBody>
+      </p:sp>
+      <p:sp>
+        <p:nvSpPr>
+          <p:cNvPr id="3" name="コンテンツ プレースホルダー 2">
+            <a:extLst>
+              <a:ext uri="{FF2B5EF4-FFF2-40B4-BE49-F238E27FC236}">
+                <a16:creationId xmlns:a16="http://schemas.microsoft.com/office/drawing/2014/main" id="{97A5DCCE-A463-7E40-A93C-1FAC6C539F8C}"/>
+              </a:ext>
+            </a:extLst>
+          </p:cNvPr>
+          <p:cNvSpPr>
+            <a:spLocks noGrp="1"/>
+          </p:cNvSpPr>
+          <p:nvPr>
+            <p:ph idx="1"/>
+          </p:nvPr>
+        </p:nvSpPr>
+        <p:spPr/>
+        <p:txBody>
+          <a:bodyPr>
+            <a:normAutofit/>
+          </a:bodyPr>
+          <a:lstStyle/>
+          <a:p>
+            <a:r>
+              <a:rPr kumimoji="1" lang="en-US" altLang="ja-JP" sz="2400" dirty="0"/>
+              <a:t>Background</a:t>
+            </a:r>
+          </a:p>
+          <a:p>
+            <a:r>
+              <a:rPr lang="en-US" altLang="ja-JP" sz="2400" dirty="0"/>
+              <a:t>Problem definition</a:t>
+            </a:r>
+            <a:endParaRPr kumimoji="1" lang="en-US" altLang="ja-JP" sz="2400" dirty="0"/>
+          </a:p>
+          <a:p>
+            <a:r>
+              <a:rPr lang="en-US" altLang="ja-JP" sz="2400" dirty="0"/>
+              <a:t>Proposed model</a:t>
+            </a:r>
+          </a:p>
+          <a:p>
+            <a:r>
+              <a:rPr kumimoji="1" lang="en-US" altLang="ja-JP" sz="2400" dirty="0"/>
+              <a:t>Summary</a:t>
+            </a:r>
+          </a:p>
+          <a:p>
+            <a:endParaRPr kumimoji="1" lang="en-US" altLang="ja-JP" sz="2400" dirty="0"/>
+          </a:p>
+          <a:p>
+            <a:endParaRPr kumimoji="1" lang="ja-JP" altLang="en-US" sz="2400"/>
+          </a:p>
+        </p:txBody>
+      </p:sp>
+    </p:spTree>
+    <p:extLst>
+      <p:ext uri="{BB962C8B-B14F-4D97-AF65-F5344CB8AC3E}">
+        <p14:creationId xmlns:p14="http://schemas.microsoft.com/office/powerpoint/2010/main" val="3695423022"/>
+      </p:ext>
+    </p:extLst>
+  </p:cSld>
+  <p:clrMapOvr>
+    <a:masterClrMapping/>
+  </p:clrMapOvr>
+</p:sld>
+</file>
+
+<file path=ppt/slides/slide20.xml><?xml version="1.0" encoding="utf-8"?>
 <p:sld xmlns:a="http://schemas.openxmlformats.org/drawingml/2006/main" xmlns:r="http://schemas.openxmlformats.org/officeDocument/2006/relationships" xmlns:p="http://schemas.openxmlformats.org/presentationml/2006/main">
   <p:cSld>
     <p:spTree>
@@ -15673,7 +15089,7 @@
 </p:sld>
 </file>
 
-<file path=ppt/slides/slide22.xml><?xml version="1.0" encoding="utf-8"?>
+<file path=ppt/slides/slide21.xml><?xml version="1.0" encoding="utf-8"?>
 <p:sld xmlns:a="http://schemas.openxmlformats.org/drawingml/2006/main" xmlns:r="http://schemas.openxmlformats.org/officeDocument/2006/relationships" xmlns:p="http://schemas.openxmlformats.org/presentationml/2006/main">
   <p:cSld>
     <p:spTree>
@@ -15818,7 +15234,7 @@
 </p:sld>
 </file>
 
-<file path=ppt/slides/slide23.xml><?xml version="1.0" encoding="utf-8"?>
+<file path=ppt/slides/slide22.xml><?xml version="1.0" encoding="utf-8"?>
 <p:sld xmlns:a="http://schemas.openxmlformats.org/drawingml/2006/main" xmlns:r="http://schemas.openxmlformats.org/officeDocument/2006/relationships" xmlns:p="http://schemas.openxmlformats.org/presentationml/2006/main">
   <p:cSld>
     <p:spTree>
@@ -15940,7 +15356,7 @@
 </p:sld>
 </file>
 
-<file path=ppt/slides/slide24.xml><?xml version="1.0" encoding="utf-8"?>
+<file path=ppt/slides/slide23.xml><?xml version="1.0" encoding="utf-8"?>
 <p:sld xmlns:a="http://schemas.openxmlformats.org/drawingml/2006/main" xmlns:r="http://schemas.openxmlformats.org/officeDocument/2006/relationships" xmlns:p="http://schemas.openxmlformats.org/presentationml/2006/main">
   <p:cSld>
     <p:spTree>
@@ -16064,7 +15480,7 @@
 </p:sld>
 </file>
 
-<file path=ppt/slides/slide25.xml><?xml version="1.0" encoding="utf-8"?>
+<file path=ppt/slides/slide24.xml><?xml version="1.0" encoding="utf-8"?>
 <p:sld xmlns:a="http://schemas.openxmlformats.org/drawingml/2006/main" xmlns:r="http://schemas.openxmlformats.org/officeDocument/2006/relationships" xmlns:p="http://schemas.openxmlformats.org/presentationml/2006/main">
   <p:cSld>
     <p:spTree>
@@ -16178,7 +15594,7 @@
 </p:sld>
 </file>
 
-<file path=ppt/slides/slide26.xml><?xml version="1.0" encoding="utf-8"?>
+<file path=ppt/slides/slide25.xml><?xml version="1.0" encoding="utf-8"?>
 <p:sld xmlns:a="http://schemas.openxmlformats.org/drawingml/2006/main" xmlns:r="http://schemas.openxmlformats.org/officeDocument/2006/relationships" xmlns:p="http://schemas.openxmlformats.org/presentationml/2006/main">
   <p:cSld>
     <p:spTree>
@@ -16331,7 +15747,7 @@
 </p:sld>
 </file>
 
-<file path=ppt/slides/slide27.xml><?xml version="1.0" encoding="utf-8"?>
+<file path=ppt/slides/slide26.xml><?xml version="1.0" encoding="utf-8"?>
 <p:sld xmlns:a="http://schemas.openxmlformats.org/drawingml/2006/main" xmlns:r="http://schemas.openxmlformats.org/officeDocument/2006/relationships" xmlns:p="http://schemas.openxmlformats.org/presentationml/2006/main">
   <p:cSld>
     <p:spTree>
@@ -16531,7 +15947,7 @@
 </p:sld>
 </file>
 
-<file path=ppt/slides/slide28.xml><?xml version="1.0" encoding="utf-8"?>
+<file path=ppt/slides/slide27.xml><?xml version="1.0" encoding="utf-8"?>
 <p:sld xmlns:a="http://schemas.openxmlformats.org/drawingml/2006/main" xmlns:r="http://schemas.openxmlformats.org/officeDocument/2006/relationships" xmlns:p="http://schemas.openxmlformats.org/presentationml/2006/main">
   <p:cSld>
     <p:spTree>
@@ -16863,7 +16279,7 @@
 </p:sld>
 </file>
 
-<file path=ppt/slides/slide29.xml><?xml version="1.0" encoding="utf-8"?>
+<file path=ppt/slides/slide28.xml><?xml version="1.0" encoding="utf-8"?>
 <p:sld xmlns:a="http://schemas.openxmlformats.org/drawingml/2006/main" xmlns:r="http://schemas.openxmlformats.org/officeDocument/2006/relationships" xmlns:p="http://schemas.openxmlformats.org/presentationml/2006/main">
   <p:cSld>
     <p:spTree>
@@ -17287,6 +16703,139 @@
 </p:sld>
 </file>
 
+<file path=ppt/slides/slide29.xml><?xml version="1.0" encoding="utf-8"?>
+<p:sld xmlns:a="http://schemas.openxmlformats.org/drawingml/2006/main" xmlns:r="http://schemas.openxmlformats.org/officeDocument/2006/relationships" xmlns:p="http://schemas.openxmlformats.org/presentationml/2006/main">
+  <p:cSld>
+    <p:spTree>
+      <p:nvGrpSpPr>
+        <p:cNvPr id="1" name=""/>
+        <p:cNvGrpSpPr/>
+        <p:nvPr/>
+      </p:nvGrpSpPr>
+      <p:grpSpPr>
+        <a:xfrm>
+          <a:off x="0" y="0"/>
+          <a:ext cx="0" cy="0"/>
+          <a:chOff x="0" y="0"/>
+          <a:chExt cx="0" cy="0"/>
+        </a:xfrm>
+      </p:grpSpPr>
+      <p:sp>
+        <p:nvSpPr>
+          <p:cNvPr id="2" name="タイトル 1">
+            <a:extLst>
+              <a:ext uri="{FF2B5EF4-FFF2-40B4-BE49-F238E27FC236}">
+                <a16:creationId xmlns:a16="http://schemas.microsoft.com/office/drawing/2014/main" id="{FDC6E643-84C1-D84A-A5EC-DEBAA379F4FF}"/>
+              </a:ext>
+            </a:extLst>
+          </p:cNvPr>
+          <p:cNvSpPr>
+            <a:spLocks noGrp="1"/>
+          </p:cNvSpPr>
+          <p:nvPr>
+            <p:ph type="title"/>
+          </p:nvPr>
+        </p:nvSpPr>
+        <p:spPr/>
+        <p:txBody>
+          <a:bodyPr/>
+          <a:lstStyle/>
+          <a:p>
+            <a:r>
+              <a:rPr lang="en" altLang="ja-JP" dirty="0"/>
+              <a:t>Expr	</a:t>
+            </a:r>
+            <a:r>
+              <a:rPr lang="en" altLang="ja-JP" dirty="0" err="1"/>
+              <a:t>ession</a:t>
+            </a:r>
+            <a:r>
+              <a:rPr lang="en" altLang="ja-JP" dirty="0"/>
+              <a:t> of solution</a:t>
+            </a:r>
+            <a:endParaRPr kumimoji="1" lang="ja-JP" altLang="en-US"/>
+          </a:p>
+        </p:txBody>
+      </p:sp>
+      <p:sp>
+        <p:nvSpPr>
+          <p:cNvPr id="3" name="コンテンツ プレースホルダー 2">
+            <a:extLst>
+              <a:ext uri="{FF2B5EF4-FFF2-40B4-BE49-F238E27FC236}">
+                <a16:creationId xmlns:a16="http://schemas.microsoft.com/office/drawing/2014/main" id="{87DA18FE-55DE-054F-B0FC-BCAE58372308}"/>
+              </a:ext>
+            </a:extLst>
+          </p:cNvPr>
+          <p:cNvSpPr>
+            <a:spLocks noGrp="1"/>
+          </p:cNvSpPr>
+          <p:nvPr>
+            <p:ph idx="1"/>
+          </p:nvPr>
+        </p:nvSpPr>
+        <p:spPr/>
+        <p:txBody>
+          <a:bodyPr>
+            <a:normAutofit/>
+          </a:bodyPr>
+          <a:lstStyle/>
+          <a:p>
+            <a:r>
+              <a:rPr lang="en" altLang="ja-JP" sz="2400" dirty="0"/>
+              <a:t>Given an array of booking assigned to segments, we assign the bookings to holds based on the rules.</a:t>
+            </a:r>
+          </a:p>
+          <a:p>
+            <a:r>
+              <a:rPr lang="en" altLang="ja-JP" sz="2400" dirty="0"/>
+              <a:t>We load the vehicles from the back hold </a:t>
+            </a:r>
+            <a:r>
+              <a:rPr lang="en-US" altLang="ja-JP" sz="2400" dirty="0"/>
+              <a:t>while satisfying the travel routes constraints.</a:t>
+            </a:r>
+          </a:p>
+          <a:p>
+            <a:r>
+              <a:rPr lang="en" altLang="ja-JP" sz="2400" dirty="0"/>
+              <a:t>Other constraints or objectives are calculated in</a:t>
+            </a:r>
+            <a:r>
+              <a:rPr lang="en-US" altLang="ja-JP" sz="2400" dirty="0"/>
+              <a:t> the</a:t>
+            </a:r>
+            <a:r>
+              <a:rPr lang="en" altLang="ja-JP" sz="2400" dirty="0"/>
+              <a:t> evaluation function.</a:t>
+            </a:r>
+          </a:p>
+          <a:p>
+            <a:endParaRPr lang="en" altLang="ja-JP" sz="2400" dirty="0"/>
+          </a:p>
+          <a:p>
+            <a:endParaRPr lang="en-US" altLang="ja-JP" sz="2400" dirty="0"/>
+          </a:p>
+          <a:p>
+            <a:endParaRPr lang="en" altLang="ja-JP" sz="2400" dirty="0"/>
+          </a:p>
+          <a:p>
+            <a:endParaRPr kumimoji="1" lang="en" altLang="ja-JP" sz="2400" dirty="0"/>
+          </a:p>
+        </p:txBody>
+      </p:sp>
+    </p:spTree>
+    <p:extLst>
+      <p:ext uri="{BB962C8B-B14F-4D97-AF65-F5344CB8AC3E}">
+        <p14:creationId xmlns:p14="http://schemas.microsoft.com/office/powerpoint/2010/main" val="1840310504"/>
+      </p:ext>
+    </p:extLst>
+  </p:cSld>
+  <p:clrMapOvr>
+    <a:masterClrMapping/>
+  </p:clrMapOvr>
+</p:sld>
+</file>
+
 <file path=ppt/slides/slide3.xml><?xml version="1.0" encoding="utf-8"?>
 <p:sld xmlns:a="http://schemas.openxmlformats.org/drawingml/2006/main" xmlns:r="http://schemas.openxmlformats.org/officeDocument/2006/relationships" xmlns:p="http://schemas.openxmlformats.org/presentationml/2006/main">
   <p:cSld>
@@ -17447,139 +16996,6 @@
           <p:cNvPr id="2" name="タイトル 1">
             <a:extLst>
               <a:ext uri="{FF2B5EF4-FFF2-40B4-BE49-F238E27FC236}">
-                <a16:creationId xmlns:a16="http://schemas.microsoft.com/office/drawing/2014/main" id="{FDC6E643-84C1-D84A-A5EC-DEBAA379F4FF}"/>
-              </a:ext>
-            </a:extLst>
-          </p:cNvPr>
-          <p:cNvSpPr>
-            <a:spLocks noGrp="1"/>
-          </p:cNvSpPr>
-          <p:nvPr>
-            <p:ph type="title"/>
-          </p:nvPr>
-        </p:nvSpPr>
-        <p:spPr/>
-        <p:txBody>
-          <a:bodyPr/>
-          <a:lstStyle/>
-          <a:p>
-            <a:r>
-              <a:rPr lang="en" altLang="ja-JP" dirty="0"/>
-              <a:t>Expr	</a:t>
-            </a:r>
-            <a:r>
-              <a:rPr lang="en" altLang="ja-JP" dirty="0" err="1"/>
-              <a:t>ession</a:t>
-            </a:r>
-            <a:r>
-              <a:rPr lang="en" altLang="ja-JP" dirty="0"/>
-              <a:t> of solution</a:t>
-            </a:r>
-            <a:endParaRPr kumimoji="1" lang="ja-JP" altLang="en-US"/>
-          </a:p>
-        </p:txBody>
-      </p:sp>
-      <p:sp>
-        <p:nvSpPr>
-          <p:cNvPr id="3" name="コンテンツ プレースホルダー 2">
-            <a:extLst>
-              <a:ext uri="{FF2B5EF4-FFF2-40B4-BE49-F238E27FC236}">
-                <a16:creationId xmlns:a16="http://schemas.microsoft.com/office/drawing/2014/main" id="{87DA18FE-55DE-054F-B0FC-BCAE58372308}"/>
-              </a:ext>
-            </a:extLst>
-          </p:cNvPr>
-          <p:cNvSpPr>
-            <a:spLocks noGrp="1"/>
-          </p:cNvSpPr>
-          <p:nvPr>
-            <p:ph idx="1"/>
-          </p:nvPr>
-        </p:nvSpPr>
-        <p:spPr/>
-        <p:txBody>
-          <a:bodyPr>
-            <a:normAutofit/>
-          </a:bodyPr>
-          <a:lstStyle/>
-          <a:p>
-            <a:r>
-              <a:rPr lang="en" altLang="ja-JP" sz="2400" dirty="0"/>
-              <a:t>Given an array of booking assigned to segments, we assign the bookings to holds based on the rules.</a:t>
-            </a:r>
-          </a:p>
-          <a:p>
-            <a:r>
-              <a:rPr lang="en" altLang="ja-JP" sz="2400" dirty="0"/>
-              <a:t>We load the vehicles from the back hold </a:t>
-            </a:r>
-            <a:r>
-              <a:rPr lang="en-US" altLang="ja-JP" sz="2400" dirty="0"/>
-              <a:t>while satisfying the travel routes constraints.</a:t>
-            </a:r>
-          </a:p>
-          <a:p>
-            <a:r>
-              <a:rPr lang="en" altLang="ja-JP" sz="2400" dirty="0"/>
-              <a:t>Other constraints or objectives are calculated in</a:t>
-            </a:r>
-            <a:r>
-              <a:rPr lang="en-US" altLang="ja-JP" sz="2400" dirty="0"/>
-              <a:t> the</a:t>
-            </a:r>
-            <a:r>
-              <a:rPr lang="en" altLang="ja-JP" sz="2400" dirty="0"/>
-              <a:t> evaluation function.</a:t>
-            </a:r>
-          </a:p>
-          <a:p>
-            <a:endParaRPr lang="en" altLang="ja-JP" sz="2400" dirty="0"/>
-          </a:p>
-          <a:p>
-            <a:endParaRPr lang="en-US" altLang="ja-JP" sz="2400" dirty="0"/>
-          </a:p>
-          <a:p>
-            <a:endParaRPr lang="en" altLang="ja-JP" sz="2400" dirty="0"/>
-          </a:p>
-          <a:p>
-            <a:endParaRPr kumimoji="1" lang="en" altLang="ja-JP" sz="2400" dirty="0"/>
-          </a:p>
-        </p:txBody>
-      </p:sp>
-    </p:spTree>
-    <p:extLst>
-      <p:ext uri="{BB962C8B-B14F-4D97-AF65-F5344CB8AC3E}">
-        <p14:creationId xmlns:p14="http://schemas.microsoft.com/office/powerpoint/2010/main" val="1840310504"/>
-      </p:ext>
-    </p:extLst>
-  </p:cSld>
-  <p:clrMapOvr>
-    <a:masterClrMapping/>
-  </p:clrMapOvr>
-</p:sld>
-</file>
-
-<file path=ppt/slides/slide31.xml><?xml version="1.0" encoding="utf-8"?>
-<p:sld xmlns:a="http://schemas.openxmlformats.org/drawingml/2006/main" xmlns:r="http://schemas.openxmlformats.org/officeDocument/2006/relationships" xmlns:p="http://schemas.openxmlformats.org/presentationml/2006/main">
-  <p:cSld>
-    <p:spTree>
-      <p:nvGrpSpPr>
-        <p:cNvPr id="1" name=""/>
-        <p:cNvGrpSpPr/>
-        <p:nvPr/>
-      </p:nvGrpSpPr>
-      <p:grpSpPr>
-        <a:xfrm>
-          <a:off x="0" y="0"/>
-          <a:ext cx="0" cy="0"/>
-          <a:chOff x="0" y="0"/>
-          <a:chExt cx="0" cy="0"/>
-        </a:xfrm>
-      </p:grpSpPr>
-      <p:sp>
-        <p:nvSpPr>
-          <p:cNvPr id="2" name="タイトル 1">
-            <a:extLst>
-              <a:ext uri="{FF2B5EF4-FFF2-40B4-BE49-F238E27FC236}">
                 <a16:creationId xmlns:a16="http://schemas.microsoft.com/office/drawing/2014/main" id="{2B278DCE-0685-4441-B128-DC9D8C8EB809}"/>
               </a:ext>
             </a:extLst>
@@ -17666,7 +17082,7 @@
 </p:sld>
 </file>
 
-<file path=ppt/slides/slide32.xml><?xml version="1.0" encoding="utf-8"?>
+<file path=ppt/slides/slide31.xml><?xml version="1.0" encoding="utf-8"?>
 <p:sld xmlns:a="http://schemas.openxmlformats.org/drawingml/2006/main" xmlns:r="http://schemas.openxmlformats.org/officeDocument/2006/relationships" xmlns:p="http://schemas.openxmlformats.org/presentationml/2006/main">
   <p:cSld>
     <p:spTree>
@@ -17792,7 +17208,7 @@
 </p:sld>
 </file>
 
-<file path=ppt/slides/slide33.xml><?xml version="1.0" encoding="utf-8"?>
+<file path=ppt/slides/slide32.xml><?xml version="1.0" encoding="utf-8"?>
 <p:sld xmlns:a="http://schemas.openxmlformats.org/drawingml/2006/main" xmlns:r="http://schemas.openxmlformats.org/officeDocument/2006/relationships" xmlns:p="http://schemas.openxmlformats.org/presentationml/2006/main">
   <p:cSld>
     <p:spTree>
@@ -17915,7 +17331,7 @@
 </p:sld>
 </file>
 
-<file path=ppt/slides/slide34.xml><?xml version="1.0" encoding="utf-8"?>
+<file path=ppt/slides/slide33.xml><?xml version="1.0" encoding="utf-8"?>
 <p:sld xmlns:a="http://schemas.openxmlformats.org/drawingml/2006/main" xmlns:r="http://schemas.openxmlformats.org/officeDocument/2006/relationships" xmlns:p="http://schemas.openxmlformats.org/presentationml/2006/main">
   <p:cSld>
     <p:spTree>
@@ -18022,7 +17438,7 @@
 </p:sld>
 </file>
 
-<file path=ppt/slides/slide35.xml><?xml version="1.0" encoding="utf-8"?>
+<file path=ppt/slides/slide34.xml><?xml version="1.0" encoding="utf-8"?>
 <p:sld xmlns:a="http://schemas.openxmlformats.org/drawingml/2006/main" xmlns:r="http://schemas.openxmlformats.org/officeDocument/2006/relationships" xmlns:p="http://schemas.openxmlformats.org/presentationml/2006/main">
   <p:cSld>
     <p:spTree>
@@ -18229,7 +17645,7 @@
 </p:sld>
 </file>
 
-<file path=ppt/slides/slide36.xml><?xml version="1.0" encoding="utf-8"?>
+<file path=ppt/slides/slide35.xml><?xml version="1.0" encoding="utf-8"?>
 <p:sld xmlns:a="http://schemas.openxmlformats.org/drawingml/2006/main" xmlns:r="http://schemas.openxmlformats.org/officeDocument/2006/relationships" xmlns:p="http://schemas.openxmlformats.org/presentationml/2006/main">
   <p:cSld>
     <p:spTree>
@@ -19300,7 +18716,7 @@
 </p:sld>
 </file>
 
-<file path=ppt/slides/slide37.xml><?xml version="1.0" encoding="utf-8"?>
+<file path=ppt/slides/slide36.xml><?xml version="1.0" encoding="utf-8"?>
 <p:sld xmlns:a="http://schemas.openxmlformats.org/drawingml/2006/main" xmlns:r="http://schemas.openxmlformats.org/officeDocument/2006/relationships" xmlns:p="http://schemas.openxmlformats.org/presentationml/2006/main">
   <p:cSld>
     <p:spTree>
@@ -19443,7 +18859,7 @@
 </p:sld>
 </file>
 
-<file path=ppt/slides/slide38.xml><?xml version="1.0" encoding="utf-8"?>
+<file path=ppt/slides/slide37.xml><?xml version="1.0" encoding="utf-8"?>
 <p:sld xmlns:a="http://schemas.openxmlformats.org/drawingml/2006/main" xmlns:r="http://schemas.openxmlformats.org/officeDocument/2006/relationships" xmlns:p="http://schemas.openxmlformats.org/presentationml/2006/main">
   <p:cSld>
     <p:spTree>
@@ -20040,7 +19456,7 @@
 </p:sld>
 </file>
 
-<file path=ppt/slides/slide39.xml><?xml version="1.0" encoding="utf-8"?>
+<file path=ppt/slides/slide38.xml><?xml version="1.0" encoding="utf-8"?>
 <p:sld xmlns:a="http://schemas.openxmlformats.org/drawingml/2006/main" xmlns:r="http://schemas.openxmlformats.org/officeDocument/2006/relationships" xmlns:p="http://schemas.openxmlformats.org/presentationml/2006/main">
   <p:cSld>
     <p:spTree>
@@ -20848,6 +20264,126 @@
     <p:extLst>
       <p:ext uri="{BB962C8B-B14F-4D97-AF65-F5344CB8AC3E}">
         <p14:creationId xmlns:p14="http://schemas.microsoft.com/office/powerpoint/2010/main" val="3034498478"/>
+      </p:ext>
+    </p:extLst>
+  </p:cSld>
+  <p:clrMapOvr>
+    <a:masterClrMapping/>
+  </p:clrMapOvr>
+</p:sld>
+</file>
+
+<file path=ppt/slides/slide39.xml><?xml version="1.0" encoding="utf-8"?>
+<p:sld xmlns:a="http://schemas.openxmlformats.org/drawingml/2006/main" xmlns:r="http://schemas.openxmlformats.org/officeDocument/2006/relationships" xmlns:p="http://schemas.openxmlformats.org/presentationml/2006/main">
+  <p:cSld>
+    <p:spTree>
+      <p:nvGrpSpPr>
+        <p:cNvPr id="1" name=""/>
+        <p:cNvGrpSpPr/>
+        <p:nvPr/>
+      </p:nvGrpSpPr>
+      <p:grpSpPr>
+        <a:xfrm>
+          <a:off x="0" y="0"/>
+          <a:ext cx="0" cy="0"/>
+          <a:chOff x="0" y="0"/>
+          <a:chExt cx="0" cy="0"/>
+        </a:xfrm>
+      </p:grpSpPr>
+      <p:sp>
+        <p:nvSpPr>
+          <p:cNvPr id="2" name="タイトル 1">
+            <a:extLst>
+              <a:ext uri="{FF2B5EF4-FFF2-40B4-BE49-F238E27FC236}">
+                <a16:creationId xmlns:a16="http://schemas.microsoft.com/office/drawing/2014/main" id="{23293CDF-C8B2-0249-B006-9AB1745DECD2}"/>
+              </a:ext>
+            </a:extLst>
+          </p:cNvPr>
+          <p:cNvSpPr>
+            <a:spLocks noGrp="1"/>
+          </p:cNvSpPr>
+          <p:nvPr>
+            <p:ph type="title"/>
+          </p:nvPr>
+        </p:nvSpPr>
+        <p:spPr/>
+        <p:txBody>
+          <a:bodyPr/>
+          <a:lstStyle/>
+          <a:p>
+            <a:r>
+              <a:rPr lang="en-US" altLang="ja-JP" dirty="0"/>
+              <a:t>Initial solution</a:t>
+            </a:r>
+            <a:endParaRPr kumimoji="1" lang="ja-JP" altLang="en-US"/>
+          </a:p>
+        </p:txBody>
+      </p:sp>
+      <p:sp>
+        <p:nvSpPr>
+          <p:cNvPr id="3" name="コンテンツ プレースホルダー 2">
+            <a:extLst>
+              <a:ext uri="{FF2B5EF4-FFF2-40B4-BE49-F238E27FC236}">
+                <a16:creationId xmlns:a16="http://schemas.microsoft.com/office/drawing/2014/main" id="{E20F269F-0243-3E42-9DD2-4D0E5F2B1161}"/>
+              </a:ext>
+            </a:extLst>
+          </p:cNvPr>
+          <p:cNvSpPr>
+            <a:spLocks noGrp="1"/>
+          </p:cNvSpPr>
+          <p:nvPr>
+            <p:ph idx="1"/>
+          </p:nvPr>
+        </p:nvSpPr>
+        <p:spPr/>
+        <p:txBody>
+          <a:bodyPr>
+            <a:normAutofit/>
+          </a:bodyPr>
+          <a:lstStyle/>
+          <a:p>
+            <a:r>
+              <a:rPr kumimoji="1" lang="en-US" altLang="ja-JP" sz="2400" dirty="0"/>
+              <a:t>We propose several approach to create initial solution.</a:t>
+            </a:r>
+          </a:p>
+          <a:p>
+            <a:pPr marL="0" indent="0">
+              <a:buNone/>
+            </a:pPr>
+            <a:endParaRPr kumimoji="1" lang="en-US" altLang="ja-JP" sz="2400" dirty="0"/>
+          </a:p>
+          <a:p>
+            <a:pPr marL="457200" indent="-457200">
+              <a:buFont typeface="+mj-lt"/>
+              <a:buAutoNum type="arabicPeriod"/>
+            </a:pPr>
+            <a:r>
+              <a:rPr kumimoji="1" lang="en-US" altLang="ja-JP" sz="2400" dirty="0"/>
+              <a:t>generating from solution by relaxation of linear programming</a:t>
+            </a:r>
+          </a:p>
+          <a:p>
+            <a:pPr marL="457200" indent="-457200">
+              <a:buFont typeface="+mj-lt"/>
+              <a:buAutoNum type="arabicPeriod"/>
+            </a:pPr>
+            <a:r>
+              <a:rPr kumimoji="1" lang="en-US" altLang="ja-JP" sz="2400" dirty="0"/>
+              <a:t>generating from solution </a:t>
+            </a:r>
+            <a:r>
+              <a:rPr lang="en-US" altLang="ja-JP" sz="2400" dirty="0"/>
+              <a:t>of a problem formulated in MIP with bookings grouped by port</a:t>
+            </a:r>
+            <a:endParaRPr kumimoji="1" lang="en-US" altLang="ja-JP" sz="2400" dirty="0"/>
+          </a:p>
+        </p:txBody>
+      </p:sp>
+    </p:spTree>
+    <p:extLst>
+      <p:ext uri="{BB962C8B-B14F-4D97-AF65-F5344CB8AC3E}">
+        <p14:creationId xmlns:p14="http://schemas.microsoft.com/office/powerpoint/2010/main" val="3354853748"/>
       </p:ext>
     </p:extLst>
   </p:cSld>
@@ -22818,7 +22354,7 @@
           <a:p>
             <a:r>
               <a:rPr lang="en-US" altLang="ja-JP" dirty="0"/>
-              <a:t>Initial solution</a:t>
+              <a:t>Approach to create initial assignment</a:t>
             </a:r>
             <a:endParaRPr kumimoji="1" lang="ja-JP" altLang="en-US"/>
           </a:p>
@@ -22847,18 +22383,6 @@
           </a:bodyPr>
           <a:lstStyle/>
           <a:p>
-            <a:r>
-              <a:rPr kumimoji="1" lang="en-US" altLang="ja-JP" sz="2400" dirty="0"/>
-              <a:t>We propose several approach to create initial solution.</a:t>
-            </a:r>
-          </a:p>
-          <a:p>
-            <a:pPr marL="0" indent="0">
-              <a:buNone/>
-            </a:pPr>
-            <a:endParaRPr kumimoji="1" lang="en-US" altLang="ja-JP" sz="2400" dirty="0"/>
-          </a:p>
-          <a:p>
             <a:pPr marL="457200" indent="-457200">
               <a:buFont typeface="+mj-lt"/>
               <a:buAutoNum type="arabicPeriod"/>
@@ -22874,21 +22398,39 @@
               <a:buAutoNum type="arabicPeriod"/>
             </a:pPr>
             <a:r>
-              <a:rPr kumimoji="1" lang="en-US" altLang="ja-JP" sz="2400" dirty="0"/>
-              <a:t>generating from solution </a:t>
-            </a:r>
-            <a:r>
-              <a:rPr lang="en-US" altLang="ja-JP" sz="2400" dirty="0"/>
+              <a:rPr kumimoji="1" lang="en-US" altLang="ja-JP" sz="2400" dirty="0">
+                <a:solidFill>
+                  <a:schemeClr val="bg1">
+                    <a:lumMod val="85000"/>
+                  </a:schemeClr>
+                </a:solidFill>
+              </a:rPr>
+              <a:t>Generating from solution </a:t>
+            </a:r>
+            <a:r>
+              <a:rPr lang="en-US" altLang="ja-JP" sz="2400" dirty="0">
+                <a:solidFill>
+                  <a:schemeClr val="bg1">
+                    <a:lumMod val="85000"/>
+                  </a:schemeClr>
+                </a:solidFill>
+              </a:rPr>
               <a:t>of a problem formulated in MIP with bookings grouped by port</a:t>
             </a:r>
-            <a:endParaRPr kumimoji="1" lang="en-US" altLang="ja-JP" sz="2400" dirty="0"/>
+            <a:endParaRPr kumimoji="1" lang="en-US" altLang="ja-JP" sz="2400" dirty="0">
+              <a:solidFill>
+                <a:schemeClr val="bg1">
+                  <a:lumMod val="85000"/>
+                </a:schemeClr>
+              </a:solidFill>
+            </a:endParaRPr>
           </a:p>
         </p:txBody>
       </p:sp>
     </p:spTree>
     <p:extLst>
       <p:ext uri="{BB962C8B-B14F-4D97-AF65-F5344CB8AC3E}">
-        <p14:creationId xmlns:p14="http://schemas.microsoft.com/office/powerpoint/2010/main" val="3354853748"/>
+        <p14:creationId xmlns:p14="http://schemas.microsoft.com/office/powerpoint/2010/main" val="2379747017"/>
       </p:ext>
     </p:extLst>
   </p:cSld>
@@ -22899,6 +22441,128 @@
 </file>
 
 <file path=ppt/slides/slide41.xml><?xml version="1.0" encoding="utf-8"?>
+<p:sld xmlns:a="http://schemas.openxmlformats.org/drawingml/2006/main" xmlns:r="http://schemas.openxmlformats.org/officeDocument/2006/relationships" xmlns:p="http://schemas.openxmlformats.org/presentationml/2006/main">
+  <p:cSld>
+    <p:spTree>
+      <p:nvGrpSpPr>
+        <p:cNvPr id="1" name=""/>
+        <p:cNvGrpSpPr/>
+        <p:nvPr/>
+      </p:nvGrpSpPr>
+      <p:grpSpPr>
+        <a:xfrm>
+          <a:off x="0" y="0"/>
+          <a:ext cx="0" cy="0"/>
+          <a:chOff x="0" y="0"/>
+          <a:chExt cx="0" cy="0"/>
+        </a:xfrm>
+      </p:grpSpPr>
+      <p:sp>
+        <p:nvSpPr>
+          <p:cNvPr id="2" name="タイトル 1">
+            <a:extLst>
+              <a:ext uri="{FF2B5EF4-FFF2-40B4-BE49-F238E27FC236}">
+                <a16:creationId xmlns:a16="http://schemas.microsoft.com/office/drawing/2014/main" id="{77CCAC05-3AAC-D943-B7CA-119266FCBE65}"/>
+              </a:ext>
+            </a:extLst>
+          </p:cNvPr>
+          <p:cNvSpPr>
+            <a:spLocks noGrp="1"/>
+          </p:cNvSpPr>
+          <p:nvPr>
+            <p:ph type="title"/>
+          </p:nvPr>
+        </p:nvSpPr>
+        <p:spPr/>
+        <p:txBody>
+          <a:bodyPr/>
+          <a:lstStyle/>
+          <a:p>
+            <a:r>
+              <a:rPr lang="en-US" altLang="ja-JP" dirty="0"/>
+              <a:t>Relaxation of linear programming</a:t>
+            </a:r>
+            <a:endParaRPr kumimoji="1" lang="ja-JP" altLang="en-US"/>
+          </a:p>
+        </p:txBody>
+      </p:sp>
+      <p:sp>
+        <p:nvSpPr>
+          <p:cNvPr id="3" name="コンテンツ プレースホルダー 2">
+            <a:extLst>
+              <a:ext uri="{FF2B5EF4-FFF2-40B4-BE49-F238E27FC236}">
+                <a16:creationId xmlns:a16="http://schemas.microsoft.com/office/drawing/2014/main" id="{83572324-1E1A-3541-9C80-10CFC06750E2}"/>
+              </a:ext>
+            </a:extLst>
+          </p:cNvPr>
+          <p:cNvSpPr>
+            <a:spLocks noGrp="1"/>
+          </p:cNvSpPr>
+          <p:nvPr>
+            <p:ph idx="1"/>
+          </p:nvPr>
+        </p:nvSpPr>
+        <p:spPr/>
+        <p:txBody>
+          <a:bodyPr>
+            <a:normAutofit/>
+          </a:bodyPr>
+          <a:lstStyle/>
+          <a:p>
+            <a:r>
+              <a:rPr lang="en-US" altLang="ja-JP" sz="2400" dirty="0"/>
+              <a:t>As a preliminary experiment, we compare the solutions to the MIP problem and the relaxation problem. </a:t>
+            </a:r>
+          </a:p>
+          <a:p>
+            <a:r>
+              <a:rPr lang="en" altLang="ja-JP" sz="2400" dirty="0"/>
+              <a:t>To compare the properties of the solutions, we use the Manhattan distance</a:t>
+            </a:r>
+            <a:r>
+              <a:rPr lang="en-US" altLang="ja-JP" sz="2400" dirty="0"/>
+              <a:t>. </a:t>
+            </a:r>
+          </a:p>
+          <a:p>
+            <a:r>
+              <a:rPr lang="en" altLang="ja-JP" sz="2400" dirty="0"/>
+              <a:t>We performed the comparison and confirmed that the properties of the relaxed solution and the MIP solution are close</a:t>
+            </a:r>
+            <a:r>
+              <a:rPr lang="en-US" altLang="ja-JP" sz="2400" dirty="0"/>
+              <a:t>.</a:t>
+            </a:r>
+            <a:endParaRPr lang="en" altLang="ja-JP" sz="2400" dirty="0"/>
+          </a:p>
+          <a:p>
+            <a:endParaRPr lang="en-US" altLang="ja-JP" sz="2400" dirty="0"/>
+          </a:p>
+          <a:p>
+            <a:endParaRPr lang="en-US" altLang="ja-JP" sz="2400" dirty="0"/>
+          </a:p>
+          <a:p>
+            <a:endParaRPr lang="en-US" altLang="ja-JP" sz="2400" dirty="0"/>
+          </a:p>
+          <a:p>
+            <a:endParaRPr kumimoji="1" lang="ja-JP" altLang="en-US" sz="2400"/>
+          </a:p>
+        </p:txBody>
+      </p:sp>
+    </p:spTree>
+    <p:extLst>
+      <p:ext uri="{BB962C8B-B14F-4D97-AF65-F5344CB8AC3E}">
+        <p14:creationId xmlns:p14="http://schemas.microsoft.com/office/powerpoint/2010/main" val="2087942310"/>
+      </p:ext>
+    </p:extLst>
+  </p:cSld>
+  <p:clrMapOvr>
+    <a:masterClrMapping/>
+  </p:clrMapOvr>
+</p:sld>
+</file>
+
+<file path=ppt/slides/slide42.xml><?xml version="1.0" encoding="utf-8"?>
 <p:sld xmlns:a="http://schemas.openxmlformats.org/drawingml/2006/main" xmlns:r="http://schemas.openxmlformats.org/officeDocument/2006/relationships" xmlns:p="http://schemas.openxmlformats.org/presentationml/2006/main">
   <p:cSld>
     <p:spTree>
@@ -22972,254 +22636,6 @@
               <a:buAutoNum type="arabicPeriod"/>
             </a:pPr>
             <a:r>
-              <a:rPr kumimoji="1" lang="en-US" altLang="ja-JP" sz="2400" dirty="0"/>
-              <a:t>generating from solution by relaxation of linear programming</a:t>
-            </a:r>
-          </a:p>
-          <a:p>
-            <a:pPr marL="457200" indent="-457200">
-              <a:buFont typeface="+mj-lt"/>
-              <a:buAutoNum type="arabicPeriod"/>
-            </a:pPr>
-            <a:r>
-              <a:rPr kumimoji="1" lang="en-US" altLang="ja-JP" sz="2400" dirty="0">
-                <a:solidFill>
-                  <a:schemeClr val="bg1">
-                    <a:lumMod val="85000"/>
-                  </a:schemeClr>
-                </a:solidFill>
-              </a:rPr>
-              <a:t>Generating from solution </a:t>
-            </a:r>
-            <a:r>
-              <a:rPr lang="en-US" altLang="ja-JP" sz="2400" dirty="0">
-                <a:solidFill>
-                  <a:schemeClr val="bg1">
-                    <a:lumMod val="85000"/>
-                  </a:schemeClr>
-                </a:solidFill>
-              </a:rPr>
-              <a:t>of a problem formulated in MIP with bookings grouped by port</a:t>
-            </a:r>
-            <a:endParaRPr kumimoji="1" lang="en-US" altLang="ja-JP" sz="2400" dirty="0">
-              <a:solidFill>
-                <a:schemeClr val="bg1">
-                  <a:lumMod val="85000"/>
-                </a:schemeClr>
-              </a:solidFill>
-            </a:endParaRPr>
-          </a:p>
-        </p:txBody>
-      </p:sp>
-    </p:spTree>
-    <p:extLst>
-      <p:ext uri="{BB962C8B-B14F-4D97-AF65-F5344CB8AC3E}">
-        <p14:creationId xmlns:p14="http://schemas.microsoft.com/office/powerpoint/2010/main" val="2379747017"/>
-      </p:ext>
-    </p:extLst>
-  </p:cSld>
-  <p:clrMapOvr>
-    <a:masterClrMapping/>
-  </p:clrMapOvr>
-</p:sld>
-</file>
-
-<file path=ppt/slides/slide42.xml><?xml version="1.0" encoding="utf-8"?>
-<p:sld xmlns:a="http://schemas.openxmlformats.org/drawingml/2006/main" xmlns:r="http://schemas.openxmlformats.org/officeDocument/2006/relationships" xmlns:p="http://schemas.openxmlformats.org/presentationml/2006/main">
-  <p:cSld>
-    <p:spTree>
-      <p:nvGrpSpPr>
-        <p:cNvPr id="1" name=""/>
-        <p:cNvGrpSpPr/>
-        <p:nvPr/>
-      </p:nvGrpSpPr>
-      <p:grpSpPr>
-        <a:xfrm>
-          <a:off x="0" y="0"/>
-          <a:ext cx="0" cy="0"/>
-          <a:chOff x="0" y="0"/>
-          <a:chExt cx="0" cy="0"/>
-        </a:xfrm>
-      </p:grpSpPr>
-      <p:sp>
-        <p:nvSpPr>
-          <p:cNvPr id="2" name="タイトル 1">
-            <a:extLst>
-              <a:ext uri="{FF2B5EF4-FFF2-40B4-BE49-F238E27FC236}">
-                <a16:creationId xmlns:a16="http://schemas.microsoft.com/office/drawing/2014/main" id="{77CCAC05-3AAC-D943-B7CA-119266FCBE65}"/>
-              </a:ext>
-            </a:extLst>
-          </p:cNvPr>
-          <p:cNvSpPr>
-            <a:spLocks noGrp="1"/>
-          </p:cNvSpPr>
-          <p:nvPr>
-            <p:ph type="title"/>
-          </p:nvPr>
-        </p:nvSpPr>
-        <p:spPr/>
-        <p:txBody>
-          <a:bodyPr/>
-          <a:lstStyle/>
-          <a:p>
-            <a:r>
-              <a:rPr lang="en-US" altLang="ja-JP" dirty="0"/>
-              <a:t>Relaxation of linear programming</a:t>
-            </a:r>
-            <a:endParaRPr kumimoji="1" lang="ja-JP" altLang="en-US"/>
-          </a:p>
-        </p:txBody>
-      </p:sp>
-      <p:sp>
-        <p:nvSpPr>
-          <p:cNvPr id="3" name="コンテンツ プレースホルダー 2">
-            <a:extLst>
-              <a:ext uri="{FF2B5EF4-FFF2-40B4-BE49-F238E27FC236}">
-                <a16:creationId xmlns:a16="http://schemas.microsoft.com/office/drawing/2014/main" id="{83572324-1E1A-3541-9C80-10CFC06750E2}"/>
-              </a:ext>
-            </a:extLst>
-          </p:cNvPr>
-          <p:cNvSpPr>
-            <a:spLocks noGrp="1"/>
-          </p:cNvSpPr>
-          <p:nvPr>
-            <p:ph idx="1"/>
-          </p:nvPr>
-        </p:nvSpPr>
-        <p:spPr/>
-        <p:txBody>
-          <a:bodyPr>
-            <a:normAutofit/>
-          </a:bodyPr>
-          <a:lstStyle/>
-          <a:p>
-            <a:r>
-              <a:rPr lang="en-US" altLang="ja-JP" sz="2400" dirty="0"/>
-              <a:t>As a preliminary experiment, we compare the solutions to the MIP problem and the relaxation problem. </a:t>
-            </a:r>
-          </a:p>
-          <a:p>
-            <a:r>
-              <a:rPr lang="en" altLang="ja-JP" sz="2400" dirty="0"/>
-              <a:t>To compare the properties of the solutions, we use the Manhattan distance</a:t>
-            </a:r>
-            <a:r>
-              <a:rPr lang="en-US" altLang="ja-JP" sz="2400" dirty="0"/>
-              <a:t>. </a:t>
-            </a:r>
-          </a:p>
-          <a:p>
-            <a:r>
-              <a:rPr lang="en" altLang="ja-JP" sz="2400" dirty="0"/>
-              <a:t>We performed the comparison and confirmed that the properties of the relaxed solution and the MIP solution are close</a:t>
-            </a:r>
-            <a:r>
-              <a:rPr lang="en-US" altLang="ja-JP" sz="2400" dirty="0"/>
-              <a:t>.</a:t>
-            </a:r>
-            <a:endParaRPr lang="en" altLang="ja-JP" sz="2400" dirty="0"/>
-          </a:p>
-          <a:p>
-            <a:endParaRPr lang="en-US" altLang="ja-JP" sz="2400" dirty="0"/>
-          </a:p>
-          <a:p>
-            <a:endParaRPr lang="en-US" altLang="ja-JP" sz="2400" dirty="0"/>
-          </a:p>
-          <a:p>
-            <a:endParaRPr lang="en-US" altLang="ja-JP" sz="2400" dirty="0"/>
-          </a:p>
-          <a:p>
-            <a:endParaRPr kumimoji="1" lang="ja-JP" altLang="en-US" sz="2400"/>
-          </a:p>
-        </p:txBody>
-      </p:sp>
-    </p:spTree>
-    <p:extLst>
-      <p:ext uri="{BB962C8B-B14F-4D97-AF65-F5344CB8AC3E}">
-        <p14:creationId xmlns:p14="http://schemas.microsoft.com/office/powerpoint/2010/main" val="2087942310"/>
-      </p:ext>
-    </p:extLst>
-  </p:cSld>
-  <p:clrMapOvr>
-    <a:masterClrMapping/>
-  </p:clrMapOvr>
-</p:sld>
-</file>
-
-<file path=ppt/slides/slide43.xml><?xml version="1.0" encoding="utf-8"?>
-<p:sld xmlns:a="http://schemas.openxmlformats.org/drawingml/2006/main" xmlns:r="http://schemas.openxmlformats.org/officeDocument/2006/relationships" xmlns:p="http://schemas.openxmlformats.org/presentationml/2006/main">
-  <p:cSld>
-    <p:spTree>
-      <p:nvGrpSpPr>
-        <p:cNvPr id="1" name=""/>
-        <p:cNvGrpSpPr/>
-        <p:nvPr/>
-      </p:nvGrpSpPr>
-      <p:grpSpPr>
-        <a:xfrm>
-          <a:off x="0" y="0"/>
-          <a:ext cx="0" cy="0"/>
-          <a:chOff x="0" y="0"/>
-          <a:chExt cx="0" cy="0"/>
-        </a:xfrm>
-      </p:grpSpPr>
-      <p:sp>
-        <p:nvSpPr>
-          <p:cNvPr id="2" name="タイトル 1">
-            <a:extLst>
-              <a:ext uri="{FF2B5EF4-FFF2-40B4-BE49-F238E27FC236}">
-                <a16:creationId xmlns:a16="http://schemas.microsoft.com/office/drawing/2014/main" id="{23293CDF-C8B2-0249-B006-9AB1745DECD2}"/>
-              </a:ext>
-            </a:extLst>
-          </p:cNvPr>
-          <p:cNvSpPr>
-            <a:spLocks noGrp="1"/>
-          </p:cNvSpPr>
-          <p:nvPr>
-            <p:ph type="title"/>
-          </p:nvPr>
-        </p:nvSpPr>
-        <p:spPr/>
-        <p:txBody>
-          <a:bodyPr/>
-          <a:lstStyle/>
-          <a:p>
-            <a:r>
-              <a:rPr lang="en-US" altLang="ja-JP" dirty="0"/>
-              <a:t>Approach to create initial assignment</a:t>
-            </a:r>
-            <a:endParaRPr kumimoji="1" lang="ja-JP" altLang="en-US"/>
-          </a:p>
-        </p:txBody>
-      </p:sp>
-      <p:sp>
-        <p:nvSpPr>
-          <p:cNvPr id="3" name="コンテンツ プレースホルダー 2">
-            <a:extLst>
-              <a:ext uri="{FF2B5EF4-FFF2-40B4-BE49-F238E27FC236}">
-                <a16:creationId xmlns:a16="http://schemas.microsoft.com/office/drawing/2014/main" id="{E20F269F-0243-3E42-9DD2-4D0E5F2B1161}"/>
-              </a:ext>
-            </a:extLst>
-          </p:cNvPr>
-          <p:cNvSpPr>
-            <a:spLocks noGrp="1"/>
-          </p:cNvSpPr>
-          <p:nvPr>
-            <p:ph idx="1"/>
-          </p:nvPr>
-        </p:nvSpPr>
-        <p:spPr/>
-        <p:txBody>
-          <a:bodyPr>
-            <a:normAutofit/>
-          </a:bodyPr>
-          <a:lstStyle/>
-          <a:p>
-            <a:pPr marL="457200" indent="-457200">
-              <a:buFont typeface="+mj-lt"/>
-              <a:buAutoNum type="arabicPeriod"/>
-            </a:pPr>
-            <a:r>
               <a:rPr kumimoji="1" lang="en-US" altLang="ja-JP" sz="2400" dirty="0">
                 <a:solidFill>
                   <a:schemeClr val="bg1">
@@ -23272,7 +22688,7 @@
 </p:sld>
 </file>
 
-<file path=ppt/slides/slide44.xml><?xml version="1.0" encoding="utf-8"?>
+<file path=ppt/slides/slide43.xml><?xml version="1.0" encoding="utf-8"?>
 <p:sld xmlns:a="http://schemas.openxmlformats.org/drawingml/2006/main" xmlns:r="http://schemas.openxmlformats.org/officeDocument/2006/relationships" xmlns:p="http://schemas.openxmlformats.org/presentationml/2006/main">
   <p:cSld>
     <p:spTree>
@@ -23384,7 +22800,7 @@
 </p:sld>
 </file>
 
-<file path=ppt/slides/slide45.xml><?xml version="1.0" encoding="utf-8"?>
+<file path=ppt/slides/slide44.xml><?xml version="1.0" encoding="utf-8"?>
 <p:sld xmlns:a="http://schemas.openxmlformats.org/drawingml/2006/main" xmlns:r="http://schemas.openxmlformats.org/officeDocument/2006/relationships" xmlns:p="http://schemas.openxmlformats.org/presentationml/2006/main">
   <p:cSld>
     <p:spTree>
@@ -24479,7 +23895,7 @@
 </p:sld>
 </file>
 
-<file path=ppt/slides/slide46.xml><?xml version="1.0" encoding="utf-8"?>
+<file path=ppt/slides/slide45.xml><?xml version="1.0" encoding="utf-8"?>
 <p:sld xmlns:a="http://schemas.openxmlformats.org/drawingml/2006/main" xmlns:r="http://schemas.openxmlformats.org/officeDocument/2006/relationships" xmlns:p="http://schemas.openxmlformats.org/presentationml/2006/main">
   <p:cSld>
     <p:spTree>
@@ -24588,7 +24004,7 @@
 </p:sld>
 </file>
 
-<file path=ppt/slides/slide47.xml><?xml version="1.0" encoding="utf-8"?>
+<file path=ppt/slides/slide46.xml><?xml version="1.0" encoding="utf-8"?>
 <p:sld xmlns:a="http://schemas.openxmlformats.org/drawingml/2006/main" xmlns:r="http://schemas.openxmlformats.org/officeDocument/2006/relationships" xmlns:p="http://schemas.openxmlformats.org/presentationml/2006/main">
   <p:cSld>
     <p:spTree>
@@ -25370,7 +24786,7 @@
 </p:sld>
 </file>
 
-<file path=ppt/slides/slide48.xml><?xml version="1.0" encoding="utf-8"?>
+<file path=ppt/slides/slide47.xml><?xml version="1.0" encoding="utf-8"?>
 <p:sld xmlns:a="http://schemas.openxmlformats.org/drawingml/2006/main" xmlns:r="http://schemas.openxmlformats.org/officeDocument/2006/relationships" xmlns:p="http://schemas.openxmlformats.org/presentationml/2006/main">
   <p:cSld>
     <p:spTree>
@@ -25498,7 +24914,7 @@
 </p:sld>
 </file>
 
-<file path=ppt/slides/slide49.xml><?xml version="1.0" encoding="utf-8"?>
+<file path=ppt/slides/slide48.xml><?xml version="1.0" encoding="utf-8"?>
 <p:sld xmlns:a="http://schemas.openxmlformats.org/drawingml/2006/main" xmlns:r="http://schemas.openxmlformats.org/officeDocument/2006/relationships" xmlns:p="http://schemas.openxmlformats.org/presentationml/2006/main">
   <p:cSld>
     <p:spTree>
@@ -26877,117 +26293,7 @@
 </p:sld>
 </file>
 
-<file path=ppt/slides/slide5.xml><?xml version="1.0" encoding="utf-8"?>
-<p:sld xmlns:a="http://schemas.openxmlformats.org/drawingml/2006/main" xmlns:r="http://schemas.openxmlformats.org/officeDocument/2006/relationships" xmlns:p="http://schemas.openxmlformats.org/presentationml/2006/main">
-  <p:cSld>
-    <p:spTree>
-      <p:nvGrpSpPr>
-        <p:cNvPr id="1" name=""/>
-        <p:cNvGrpSpPr/>
-        <p:nvPr/>
-      </p:nvGrpSpPr>
-      <p:grpSpPr>
-        <a:xfrm>
-          <a:off x="0" y="0"/>
-          <a:ext cx="0" cy="0"/>
-          <a:chOff x="0" y="0"/>
-          <a:chExt cx="0" cy="0"/>
-        </a:xfrm>
-      </p:grpSpPr>
-      <p:sp>
-        <p:nvSpPr>
-          <p:cNvPr id="2" name="タイトル 1">
-            <a:extLst>
-              <a:ext uri="{FF2B5EF4-FFF2-40B4-BE49-F238E27FC236}">
-                <a16:creationId xmlns:a16="http://schemas.microsoft.com/office/drawing/2014/main" id="{03DC7BD9-E43D-E442-9A49-33395737C89D}"/>
-              </a:ext>
-            </a:extLst>
-          </p:cNvPr>
-          <p:cNvSpPr>
-            <a:spLocks noGrp="1"/>
-          </p:cNvSpPr>
-          <p:nvPr>
-            <p:ph type="title"/>
-          </p:nvPr>
-        </p:nvSpPr>
-        <p:spPr/>
-        <p:txBody>
-          <a:bodyPr/>
-          <a:lstStyle/>
-          <a:p>
-            <a:r>
-              <a:rPr kumimoji="1" lang="en-US" altLang="ja-JP" dirty="0"/>
-              <a:t>Background</a:t>
-            </a:r>
-            <a:endParaRPr kumimoji="1" lang="ja-JP" altLang="en-US"/>
-          </a:p>
-        </p:txBody>
-      </p:sp>
-      <p:sp>
-        <p:nvSpPr>
-          <p:cNvPr id="3" name="コンテンツ プレースホルダー 2">
-            <a:extLst>
-              <a:ext uri="{FF2B5EF4-FFF2-40B4-BE49-F238E27FC236}">
-                <a16:creationId xmlns:a16="http://schemas.microsoft.com/office/drawing/2014/main" id="{AD3B2DD4-96C6-BB42-93C1-3859304F6137}"/>
-              </a:ext>
-            </a:extLst>
-          </p:cNvPr>
-          <p:cNvSpPr>
-            <a:spLocks noGrp="1"/>
-          </p:cNvSpPr>
-          <p:nvPr>
-            <p:ph idx="1"/>
-          </p:nvPr>
-        </p:nvSpPr>
-        <p:spPr/>
-        <p:txBody>
-          <a:bodyPr>
-            <a:normAutofit/>
-          </a:bodyPr>
-          <a:lstStyle/>
-          <a:p>
-            <a:r>
-              <a:rPr lang="en-US" altLang="ja-JP" sz="2400" dirty="0"/>
-              <a:t>There are a lot of things that has to be considered</a:t>
-            </a:r>
-          </a:p>
-          <a:p>
-            <a:pPr lvl="1"/>
-            <a:r>
-              <a:rPr lang="en-US" altLang="ja-JP" sz="2200" dirty="0"/>
-              <a:t>Planning assignments that makes it easy to load and unload cars is important.</a:t>
-            </a:r>
-          </a:p>
-          <a:p>
-            <a:pPr lvl="1"/>
-            <a:r>
-              <a:rPr lang="en-US" altLang="ja-JP" sz="2200" dirty="0"/>
-              <a:t>Human error should not happen.</a:t>
-            </a:r>
-          </a:p>
-          <a:p>
-            <a:pPr lvl="1"/>
-            <a:r>
-              <a:rPr lang="en-US" altLang="ja-JP" sz="2400" dirty="0"/>
-              <a:t>Unbalanced assignments may result in a sinking.</a:t>
-            </a:r>
-          </a:p>
-        </p:txBody>
-      </p:sp>
-    </p:spTree>
-    <p:extLst>
-      <p:ext uri="{BB962C8B-B14F-4D97-AF65-F5344CB8AC3E}">
-        <p14:creationId xmlns:p14="http://schemas.microsoft.com/office/powerpoint/2010/main" val="3649340498"/>
-      </p:ext>
-    </p:extLst>
-  </p:cSld>
-  <p:clrMapOvr>
-    <a:masterClrMapping/>
-  </p:clrMapOvr>
-</p:sld>
-</file>
-
-<file path=ppt/slides/slide50.xml><?xml version="1.0" encoding="utf-8"?>
+<file path=ppt/slides/slide49.xml><?xml version="1.0" encoding="utf-8"?>
 <p:sld xmlns:a="http://schemas.openxmlformats.org/drawingml/2006/main" xmlns:r="http://schemas.openxmlformats.org/officeDocument/2006/relationships" xmlns:p="http://schemas.openxmlformats.org/presentationml/2006/main">
   <p:cSld>
     <p:spTree>
@@ -27464,7 +26770,117 @@
 </p:sld>
 </file>
 
-<file path=ppt/slides/slide51.xml><?xml version="1.0" encoding="utf-8"?>
+<file path=ppt/slides/slide5.xml><?xml version="1.0" encoding="utf-8"?>
+<p:sld xmlns:a="http://schemas.openxmlformats.org/drawingml/2006/main" xmlns:r="http://schemas.openxmlformats.org/officeDocument/2006/relationships" xmlns:p="http://schemas.openxmlformats.org/presentationml/2006/main">
+  <p:cSld>
+    <p:spTree>
+      <p:nvGrpSpPr>
+        <p:cNvPr id="1" name=""/>
+        <p:cNvGrpSpPr/>
+        <p:nvPr/>
+      </p:nvGrpSpPr>
+      <p:grpSpPr>
+        <a:xfrm>
+          <a:off x="0" y="0"/>
+          <a:ext cx="0" cy="0"/>
+          <a:chOff x="0" y="0"/>
+          <a:chExt cx="0" cy="0"/>
+        </a:xfrm>
+      </p:grpSpPr>
+      <p:sp>
+        <p:nvSpPr>
+          <p:cNvPr id="2" name="タイトル 1">
+            <a:extLst>
+              <a:ext uri="{FF2B5EF4-FFF2-40B4-BE49-F238E27FC236}">
+                <a16:creationId xmlns:a16="http://schemas.microsoft.com/office/drawing/2014/main" id="{03DC7BD9-E43D-E442-9A49-33395737C89D}"/>
+              </a:ext>
+            </a:extLst>
+          </p:cNvPr>
+          <p:cNvSpPr>
+            <a:spLocks noGrp="1"/>
+          </p:cNvSpPr>
+          <p:nvPr>
+            <p:ph type="title"/>
+          </p:nvPr>
+        </p:nvSpPr>
+        <p:spPr/>
+        <p:txBody>
+          <a:bodyPr/>
+          <a:lstStyle/>
+          <a:p>
+            <a:r>
+              <a:rPr kumimoji="1" lang="en-US" altLang="ja-JP" dirty="0"/>
+              <a:t>Background</a:t>
+            </a:r>
+            <a:endParaRPr kumimoji="1" lang="ja-JP" altLang="en-US"/>
+          </a:p>
+        </p:txBody>
+      </p:sp>
+      <p:sp>
+        <p:nvSpPr>
+          <p:cNvPr id="3" name="コンテンツ プレースホルダー 2">
+            <a:extLst>
+              <a:ext uri="{FF2B5EF4-FFF2-40B4-BE49-F238E27FC236}">
+                <a16:creationId xmlns:a16="http://schemas.microsoft.com/office/drawing/2014/main" id="{AD3B2DD4-96C6-BB42-93C1-3859304F6137}"/>
+              </a:ext>
+            </a:extLst>
+          </p:cNvPr>
+          <p:cNvSpPr>
+            <a:spLocks noGrp="1"/>
+          </p:cNvSpPr>
+          <p:nvPr>
+            <p:ph idx="1"/>
+          </p:nvPr>
+        </p:nvSpPr>
+        <p:spPr/>
+        <p:txBody>
+          <a:bodyPr>
+            <a:normAutofit/>
+          </a:bodyPr>
+          <a:lstStyle/>
+          <a:p>
+            <a:r>
+              <a:rPr lang="en-US" altLang="ja-JP" sz="2400" dirty="0"/>
+              <a:t>There are a lot of things that has to be considered</a:t>
+            </a:r>
+          </a:p>
+          <a:p>
+            <a:pPr lvl="1"/>
+            <a:r>
+              <a:rPr lang="en-US" altLang="ja-JP" sz="2200" dirty="0"/>
+              <a:t>Planning assignments that makes it easy to load and unload cars is important.</a:t>
+            </a:r>
+          </a:p>
+          <a:p>
+            <a:pPr lvl="1"/>
+            <a:r>
+              <a:rPr lang="en-US" altLang="ja-JP" sz="2200" dirty="0"/>
+              <a:t>Human error should not happen.</a:t>
+            </a:r>
+          </a:p>
+          <a:p>
+            <a:pPr lvl="1"/>
+            <a:r>
+              <a:rPr lang="en-US" altLang="ja-JP" sz="2400" dirty="0"/>
+              <a:t>Unbalanced assignments may result in a sinking.</a:t>
+            </a:r>
+          </a:p>
+        </p:txBody>
+      </p:sp>
+    </p:spTree>
+    <p:extLst>
+      <p:ext uri="{BB962C8B-B14F-4D97-AF65-F5344CB8AC3E}">
+        <p14:creationId xmlns:p14="http://schemas.microsoft.com/office/powerpoint/2010/main" val="3649340498"/>
+      </p:ext>
+    </p:extLst>
+  </p:cSld>
+  <p:clrMapOvr>
+    <a:masterClrMapping/>
+  </p:clrMapOvr>
+</p:sld>
+</file>
+
+<file path=ppt/slides/slide50.xml><?xml version="1.0" encoding="utf-8"?>
 <p:sld xmlns:a="http://schemas.openxmlformats.org/drawingml/2006/main" xmlns:r="http://schemas.openxmlformats.org/officeDocument/2006/relationships" xmlns:p="http://schemas.openxmlformats.org/presentationml/2006/main">
   <p:cSld>
     <p:spTree>
@@ -27585,7 +27001,7 @@
 </p:sld>
 </file>
 
-<file path=ppt/slides/slide52.xml><?xml version="1.0" encoding="utf-8"?>
+<file path=ppt/slides/slide51.xml><?xml version="1.0" encoding="utf-8"?>
 <p:sld xmlns:a="http://schemas.openxmlformats.org/drawingml/2006/main" xmlns:r="http://schemas.openxmlformats.org/officeDocument/2006/relationships" xmlns:p="http://schemas.openxmlformats.org/presentationml/2006/main">
   <p:cSld>
     <p:spTree>
@@ -27953,7 +27369,7 @@
 </p:sld>
 </file>
 
-<file path=ppt/slides/slide53.xml><?xml version="1.0" encoding="utf-8"?>
+<file path=ppt/slides/slide52.xml><?xml version="1.0" encoding="utf-8"?>
 <p:sld xmlns:a="http://schemas.openxmlformats.org/drawingml/2006/main" xmlns:r="http://schemas.openxmlformats.org/officeDocument/2006/relationships" xmlns:p="http://schemas.openxmlformats.org/presentationml/2006/main">
   <p:cSld>
     <p:spTree>
@@ -28321,7 +27737,7 @@
 </p:sld>
 </file>
 
-<file path=ppt/slides/slide54.xml><?xml version="1.0" encoding="utf-8"?>
+<file path=ppt/slides/slide53.xml><?xml version="1.0" encoding="utf-8"?>
 <p:sld xmlns:a="http://schemas.openxmlformats.org/drawingml/2006/main" xmlns:r="http://schemas.openxmlformats.org/officeDocument/2006/relationships" xmlns:p="http://schemas.openxmlformats.org/presentationml/2006/main">
   <p:cSld>
     <p:spTree>
@@ -28548,7 +27964,7 @@
 </p:sld>
 </file>
 
-<file path=ppt/slides/slide55.xml><?xml version="1.0" encoding="utf-8"?>
+<file path=ppt/slides/slide54.xml><?xml version="1.0" encoding="utf-8"?>
 <p:sld xmlns:a="http://schemas.openxmlformats.org/drawingml/2006/main" xmlns:r="http://schemas.openxmlformats.org/officeDocument/2006/relationships" xmlns:p="http://schemas.openxmlformats.org/presentationml/2006/main">
   <p:cSld>
     <p:spTree>
@@ -28863,7 +28279,7 @@
 </p:sld>
 </file>
 
-<file path=ppt/slides/slide56.xml><?xml version="1.0" encoding="utf-8"?>
+<file path=ppt/slides/slide55.xml><?xml version="1.0" encoding="utf-8"?>
 <p:sld xmlns:a="http://schemas.openxmlformats.org/drawingml/2006/main" xmlns:r="http://schemas.openxmlformats.org/officeDocument/2006/relationships" xmlns:p="http://schemas.openxmlformats.org/presentationml/2006/main">
   <p:cSld>
     <p:spTree>
@@ -29575,7 +28991,7 @@
 </p:sld>
 </file>
 
-<file path=ppt/slides/slide57.xml><?xml version="1.0" encoding="utf-8"?>
+<file path=ppt/slides/slide56.xml><?xml version="1.0" encoding="utf-8"?>
 <p:sld xmlns:a="http://schemas.openxmlformats.org/drawingml/2006/main" xmlns:r="http://schemas.openxmlformats.org/officeDocument/2006/relationships" xmlns:p="http://schemas.openxmlformats.org/presentationml/2006/main">
   <p:cSld>
     <p:spTree>
@@ -29693,7 +29109,7 @@
 </p:sld>
 </file>
 
-<file path=ppt/slides/slide58.xml><?xml version="1.0" encoding="utf-8"?>
+<file path=ppt/slides/slide57.xml><?xml version="1.0" encoding="utf-8"?>
 <p:sld xmlns:a="http://schemas.openxmlformats.org/drawingml/2006/main" xmlns:r="http://schemas.openxmlformats.org/officeDocument/2006/relationships" xmlns:p="http://schemas.openxmlformats.org/presentationml/2006/main">
   <p:cSld>
     <p:spTree>
@@ -30685,7 +30101,7 @@
 </p:sld>
 </file>
 
-<file path=ppt/slides/slide59.xml><?xml version="1.0" encoding="utf-8"?>
+<file path=ppt/slides/slide58.xml><?xml version="1.0" encoding="utf-8"?>
 <p:sld xmlns:a="http://schemas.openxmlformats.org/drawingml/2006/main" xmlns:r="http://schemas.openxmlformats.org/officeDocument/2006/relationships" xmlns:p="http://schemas.openxmlformats.org/presentationml/2006/main">
   <p:cSld>
     <p:spTree>
@@ -30792,146 +30208,7 @@
 </p:sld>
 </file>
 
-<file path=ppt/slides/slide6.xml><?xml version="1.0" encoding="utf-8"?>
-<p:sld xmlns:a="http://schemas.openxmlformats.org/drawingml/2006/main" xmlns:r="http://schemas.openxmlformats.org/officeDocument/2006/relationships" xmlns:p="http://schemas.openxmlformats.org/presentationml/2006/main">
-  <p:cSld>
-    <p:spTree>
-      <p:nvGrpSpPr>
-        <p:cNvPr id="1" name=""/>
-        <p:cNvGrpSpPr/>
-        <p:nvPr/>
-      </p:nvGrpSpPr>
-      <p:grpSpPr>
-        <a:xfrm>
-          <a:off x="0" y="0"/>
-          <a:ext cx="0" cy="0"/>
-          <a:chOff x="0" y="0"/>
-          <a:chExt cx="0" cy="0"/>
-        </a:xfrm>
-      </p:grpSpPr>
-      <p:sp>
-        <p:nvSpPr>
-          <p:cNvPr id="2" name="タイトル 1">
-            <a:extLst>
-              <a:ext uri="{FF2B5EF4-FFF2-40B4-BE49-F238E27FC236}">
-                <a16:creationId xmlns:a16="http://schemas.microsoft.com/office/drawing/2014/main" id="{93010AF0-9B7D-1145-8148-06A633089EBF}"/>
-              </a:ext>
-            </a:extLst>
-          </p:cNvPr>
-          <p:cNvSpPr>
-            <a:spLocks noGrp="1"/>
-          </p:cNvSpPr>
-          <p:nvPr>
-            <p:ph type="title"/>
-          </p:nvPr>
-        </p:nvSpPr>
-        <p:spPr/>
-        <p:txBody>
-          <a:bodyPr/>
-          <a:lstStyle/>
-          <a:p>
-            <a:r>
-              <a:rPr kumimoji="1" lang="en-US" altLang="ja-JP" dirty="0"/>
-              <a:t>Outline</a:t>
-            </a:r>
-            <a:endParaRPr kumimoji="1" lang="ja-JP" altLang="en-US"/>
-          </a:p>
-        </p:txBody>
-      </p:sp>
-      <p:sp>
-        <p:nvSpPr>
-          <p:cNvPr id="3" name="コンテンツ プレースホルダー 2">
-            <a:extLst>
-              <a:ext uri="{FF2B5EF4-FFF2-40B4-BE49-F238E27FC236}">
-                <a16:creationId xmlns:a16="http://schemas.microsoft.com/office/drawing/2014/main" id="{97A5DCCE-A463-7E40-A93C-1FAC6C539F8C}"/>
-              </a:ext>
-            </a:extLst>
-          </p:cNvPr>
-          <p:cNvSpPr>
-            <a:spLocks noGrp="1"/>
-          </p:cNvSpPr>
-          <p:nvPr>
-            <p:ph idx="1"/>
-          </p:nvPr>
-        </p:nvSpPr>
-        <p:spPr/>
-        <p:txBody>
-          <a:bodyPr>
-            <a:normAutofit/>
-          </a:bodyPr>
-          <a:lstStyle/>
-          <a:p>
-            <a:r>
-              <a:rPr kumimoji="1" lang="en-US" altLang="ja-JP" sz="2400" dirty="0">
-                <a:solidFill>
-                  <a:schemeClr val="bg1">
-                    <a:lumMod val="75000"/>
-                  </a:schemeClr>
-                </a:solidFill>
-              </a:rPr>
-              <a:t>Background</a:t>
-            </a:r>
-          </a:p>
-          <a:p>
-            <a:r>
-              <a:rPr lang="en-US" altLang="ja-JP" sz="2400" dirty="0"/>
-              <a:t>Problem definition</a:t>
-            </a:r>
-            <a:endParaRPr kumimoji="1" lang="en-US" altLang="ja-JP" sz="2400" dirty="0"/>
-          </a:p>
-          <a:p>
-            <a:r>
-              <a:rPr lang="en-US" altLang="ja-JP" sz="2400" dirty="0">
-                <a:solidFill>
-                  <a:schemeClr val="bg1">
-                    <a:lumMod val="75000"/>
-                  </a:schemeClr>
-                </a:solidFill>
-              </a:rPr>
-              <a:t>Proposed model</a:t>
-            </a:r>
-          </a:p>
-          <a:p>
-            <a:r>
-              <a:rPr lang="en-US" altLang="ja-JP" sz="2400" dirty="0">
-                <a:solidFill>
-                  <a:schemeClr val="bg1">
-                    <a:lumMod val="75000"/>
-                  </a:schemeClr>
-                </a:solidFill>
-              </a:rPr>
-              <a:t>Summary</a:t>
-            </a:r>
-            <a:endParaRPr kumimoji="1" lang="en-US" altLang="ja-JP" sz="2400" dirty="0">
-              <a:solidFill>
-                <a:schemeClr val="bg1">
-                  <a:lumMod val="75000"/>
-                </a:schemeClr>
-              </a:solidFill>
-            </a:endParaRPr>
-          </a:p>
-          <a:p>
-            <a:endParaRPr kumimoji="1" lang="en-US" altLang="ja-JP" sz="2400" dirty="0"/>
-          </a:p>
-          <a:p>
-            <a:endParaRPr kumimoji="1" lang="ja-JP" altLang="en-US" sz="2400"/>
-          </a:p>
-        </p:txBody>
-      </p:sp>
-    </p:spTree>
-    <p:extLst>
-      <p:ext uri="{BB962C8B-B14F-4D97-AF65-F5344CB8AC3E}">
-        <p14:creationId xmlns:p14="http://schemas.microsoft.com/office/powerpoint/2010/main" val="3752892603"/>
-      </p:ext>
-    </p:extLst>
-  </p:cSld>
-  <p:clrMapOvr>
-    <a:masterClrMapping/>
-  </p:clrMapOvr>
-</p:sld>
-</file>
-
-<file path=ppt/slides/slide60.xml><?xml version="1.0" encoding="utf-8"?>
+<file path=ppt/slides/slide59.xml><?xml version="1.0" encoding="utf-8"?>
 <p:sld xmlns:a="http://schemas.openxmlformats.org/drawingml/2006/main" xmlns:r="http://schemas.openxmlformats.org/officeDocument/2006/relationships" xmlns:p="http://schemas.openxmlformats.org/presentationml/2006/main">
   <p:cSld>
     <p:spTree>
@@ -31383,7 +30660,146 @@
 </p:sld>
 </file>
 
-<file path=ppt/slides/slide61.xml><?xml version="1.0" encoding="utf-8"?>
+<file path=ppt/slides/slide6.xml><?xml version="1.0" encoding="utf-8"?>
+<p:sld xmlns:a="http://schemas.openxmlformats.org/drawingml/2006/main" xmlns:r="http://schemas.openxmlformats.org/officeDocument/2006/relationships" xmlns:p="http://schemas.openxmlformats.org/presentationml/2006/main">
+  <p:cSld>
+    <p:spTree>
+      <p:nvGrpSpPr>
+        <p:cNvPr id="1" name=""/>
+        <p:cNvGrpSpPr/>
+        <p:nvPr/>
+      </p:nvGrpSpPr>
+      <p:grpSpPr>
+        <a:xfrm>
+          <a:off x="0" y="0"/>
+          <a:ext cx="0" cy="0"/>
+          <a:chOff x="0" y="0"/>
+          <a:chExt cx="0" cy="0"/>
+        </a:xfrm>
+      </p:grpSpPr>
+      <p:sp>
+        <p:nvSpPr>
+          <p:cNvPr id="2" name="タイトル 1">
+            <a:extLst>
+              <a:ext uri="{FF2B5EF4-FFF2-40B4-BE49-F238E27FC236}">
+                <a16:creationId xmlns:a16="http://schemas.microsoft.com/office/drawing/2014/main" id="{93010AF0-9B7D-1145-8148-06A633089EBF}"/>
+              </a:ext>
+            </a:extLst>
+          </p:cNvPr>
+          <p:cNvSpPr>
+            <a:spLocks noGrp="1"/>
+          </p:cNvSpPr>
+          <p:nvPr>
+            <p:ph type="title"/>
+          </p:nvPr>
+        </p:nvSpPr>
+        <p:spPr/>
+        <p:txBody>
+          <a:bodyPr/>
+          <a:lstStyle/>
+          <a:p>
+            <a:r>
+              <a:rPr kumimoji="1" lang="en-US" altLang="ja-JP" dirty="0"/>
+              <a:t>Outline</a:t>
+            </a:r>
+            <a:endParaRPr kumimoji="1" lang="ja-JP" altLang="en-US"/>
+          </a:p>
+        </p:txBody>
+      </p:sp>
+      <p:sp>
+        <p:nvSpPr>
+          <p:cNvPr id="3" name="コンテンツ プレースホルダー 2">
+            <a:extLst>
+              <a:ext uri="{FF2B5EF4-FFF2-40B4-BE49-F238E27FC236}">
+                <a16:creationId xmlns:a16="http://schemas.microsoft.com/office/drawing/2014/main" id="{97A5DCCE-A463-7E40-A93C-1FAC6C539F8C}"/>
+              </a:ext>
+            </a:extLst>
+          </p:cNvPr>
+          <p:cNvSpPr>
+            <a:spLocks noGrp="1"/>
+          </p:cNvSpPr>
+          <p:nvPr>
+            <p:ph idx="1"/>
+          </p:nvPr>
+        </p:nvSpPr>
+        <p:spPr/>
+        <p:txBody>
+          <a:bodyPr>
+            <a:normAutofit/>
+          </a:bodyPr>
+          <a:lstStyle/>
+          <a:p>
+            <a:r>
+              <a:rPr kumimoji="1" lang="en-US" altLang="ja-JP" sz="2400" dirty="0">
+                <a:solidFill>
+                  <a:schemeClr val="bg1">
+                    <a:lumMod val="75000"/>
+                  </a:schemeClr>
+                </a:solidFill>
+              </a:rPr>
+              <a:t>Background</a:t>
+            </a:r>
+          </a:p>
+          <a:p>
+            <a:r>
+              <a:rPr lang="en-US" altLang="ja-JP" sz="2400" dirty="0"/>
+              <a:t>Problem definition</a:t>
+            </a:r>
+            <a:endParaRPr kumimoji="1" lang="en-US" altLang="ja-JP" sz="2400" dirty="0"/>
+          </a:p>
+          <a:p>
+            <a:r>
+              <a:rPr lang="en-US" altLang="ja-JP" sz="2400" dirty="0">
+                <a:solidFill>
+                  <a:schemeClr val="bg1">
+                    <a:lumMod val="75000"/>
+                  </a:schemeClr>
+                </a:solidFill>
+              </a:rPr>
+              <a:t>Proposed model</a:t>
+            </a:r>
+          </a:p>
+          <a:p>
+            <a:r>
+              <a:rPr lang="en-US" altLang="ja-JP" sz="2400" dirty="0">
+                <a:solidFill>
+                  <a:schemeClr val="bg1">
+                    <a:lumMod val="75000"/>
+                  </a:schemeClr>
+                </a:solidFill>
+              </a:rPr>
+              <a:t>Summary</a:t>
+            </a:r>
+            <a:endParaRPr kumimoji="1" lang="en-US" altLang="ja-JP" sz="2400" dirty="0">
+              <a:solidFill>
+                <a:schemeClr val="bg1">
+                  <a:lumMod val="75000"/>
+                </a:schemeClr>
+              </a:solidFill>
+            </a:endParaRPr>
+          </a:p>
+          <a:p>
+            <a:endParaRPr kumimoji="1" lang="en-US" altLang="ja-JP" sz="2400" dirty="0"/>
+          </a:p>
+          <a:p>
+            <a:endParaRPr kumimoji="1" lang="ja-JP" altLang="en-US" sz="2400"/>
+          </a:p>
+        </p:txBody>
+      </p:sp>
+    </p:spTree>
+    <p:extLst>
+      <p:ext uri="{BB962C8B-B14F-4D97-AF65-F5344CB8AC3E}">
+        <p14:creationId xmlns:p14="http://schemas.microsoft.com/office/powerpoint/2010/main" val="3752892603"/>
+      </p:ext>
+    </p:extLst>
+  </p:cSld>
+  <p:clrMapOvr>
+    <a:masterClrMapping/>
+  </p:clrMapOvr>
+</p:sld>
+</file>
+
+<file path=ppt/slides/slide60.xml><?xml version="1.0" encoding="utf-8"?>
 <p:sld xmlns:a="http://schemas.openxmlformats.org/drawingml/2006/main" xmlns:r="http://schemas.openxmlformats.org/officeDocument/2006/relationships" xmlns:p="http://schemas.openxmlformats.org/presentationml/2006/main">
   <p:cSld>
     <p:spTree>
@@ -31512,7 +30928,7 @@
 </p:sld>
 </file>
 
-<file path=ppt/slides/slide62.xml><?xml version="1.0" encoding="utf-8"?>
+<file path=ppt/slides/slide61.xml><?xml version="1.0" encoding="utf-8"?>
 <p:sld xmlns:a="http://schemas.openxmlformats.org/drawingml/2006/main" xmlns:r="http://schemas.openxmlformats.org/officeDocument/2006/relationships" xmlns:p="http://schemas.openxmlformats.org/presentationml/2006/main">
   <p:cSld>
     <p:spTree>
@@ -32549,7 +31965,7 @@
 </p:sld>
 </file>
 
-<file path=ppt/slides/slide63.xml><?xml version="1.0" encoding="utf-8"?>
+<file path=ppt/slides/slide62.xml><?xml version="1.0" encoding="utf-8"?>
 <p:sld xmlns:a="http://schemas.openxmlformats.org/drawingml/2006/main" xmlns:r="http://schemas.openxmlformats.org/officeDocument/2006/relationships" xmlns:p="http://schemas.openxmlformats.org/presentationml/2006/main">
   <p:cSld>
     <p:spTree>
@@ -34156,7 +33572,7 @@
 </p:sld>
 </file>
 
-<file path=ppt/slides/slide64.xml><?xml version="1.0" encoding="utf-8"?>
+<file path=ppt/slides/slide63.xml><?xml version="1.0" encoding="utf-8"?>
 <p:sld xmlns:a="http://schemas.openxmlformats.org/drawingml/2006/main" xmlns:r="http://schemas.openxmlformats.org/officeDocument/2006/relationships" xmlns:p="http://schemas.openxmlformats.org/presentationml/2006/main">
   <p:cSld>
     <p:spTree>
@@ -34727,7 +34143,7 @@
 </p:sld>
 </file>
 
-<file path=ppt/slides/slide65.xml><?xml version="1.0" encoding="utf-8"?>
+<file path=ppt/slides/slide64.xml><?xml version="1.0" encoding="utf-8"?>
 <p:sld xmlns:a="http://schemas.openxmlformats.org/drawingml/2006/main" xmlns:r="http://schemas.openxmlformats.org/officeDocument/2006/relationships" xmlns:p="http://schemas.openxmlformats.org/presentationml/2006/main">
   <p:cSld>
     <p:spTree>

--- a/竹田.pptx
+++ b/竹田.pptx
@@ -17,7 +17,7 @@
     <p:sldId id="631" r:id="rId11"/>
     <p:sldId id="263" r:id="rId12"/>
     <p:sldId id="269" r:id="rId13"/>
-    <p:sldId id="270" r:id="rId14"/>
+    <p:sldId id="632" r:id="rId14"/>
     <p:sldId id="271" r:id="rId15"/>
     <p:sldId id="272" r:id="rId16"/>
     <p:sldId id="273" r:id="rId17"/>
@@ -52,23 +52,24 @@
     <p:sldId id="578" r:id="rId46"/>
     <p:sldId id="621" r:id="rId47"/>
     <p:sldId id="561" r:id="rId48"/>
-    <p:sldId id="562" r:id="rId49"/>
-    <p:sldId id="563" r:id="rId50"/>
-    <p:sldId id="564" r:id="rId51"/>
-    <p:sldId id="566" r:id="rId52"/>
-    <p:sldId id="568" r:id="rId53"/>
-    <p:sldId id="620" r:id="rId54"/>
-    <p:sldId id="619" r:id="rId55"/>
-    <p:sldId id="587" r:id="rId56"/>
-    <p:sldId id="596" r:id="rId57"/>
-    <p:sldId id="597" r:id="rId58"/>
-    <p:sldId id="598" r:id="rId59"/>
-    <p:sldId id="601" r:id="rId60"/>
-    <p:sldId id="602" r:id="rId61"/>
-    <p:sldId id="603" r:id="rId62"/>
-    <p:sldId id="604" r:id="rId63"/>
-    <p:sldId id="606" r:id="rId64"/>
-    <p:sldId id="608" r:id="rId65"/>
+    <p:sldId id="633" r:id="rId49"/>
+    <p:sldId id="562" r:id="rId50"/>
+    <p:sldId id="563" r:id="rId51"/>
+    <p:sldId id="564" r:id="rId52"/>
+    <p:sldId id="566" r:id="rId53"/>
+    <p:sldId id="568" r:id="rId54"/>
+    <p:sldId id="620" r:id="rId55"/>
+    <p:sldId id="619" r:id="rId56"/>
+    <p:sldId id="587" r:id="rId57"/>
+    <p:sldId id="596" r:id="rId58"/>
+    <p:sldId id="597" r:id="rId59"/>
+    <p:sldId id="598" r:id="rId60"/>
+    <p:sldId id="601" r:id="rId61"/>
+    <p:sldId id="602" r:id="rId62"/>
+    <p:sldId id="603" r:id="rId63"/>
+    <p:sldId id="604" r:id="rId64"/>
+    <p:sldId id="606" r:id="rId65"/>
+    <p:sldId id="608" r:id="rId66"/>
   </p:sldIdLst>
   <p:sldSz cx="12192000" cy="6858000"/>
   <p:notesSz cx="6858000" cy="9144000"/>
@@ -11274,7 +11275,12 @@
             <p:ph idx="1"/>
           </p:nvPr>
         </p:nvSpPr>
-        <p:spPr/>
+        <p:spPr>
+          <a:xfrm>
+            <a:off x="2589212" y="1905000"/>
+            <a:ext cx="8915400" cy="3777622"/>
+          </a:xfrm>
+        </p:spPr>
         <p:txBody>
           <a:bodyPr>
             <a:normAutofit/>
@@ -11317,25 +11323,49 @@
             </a:r>
           </a:p>
           <a:p>
-            <a:endParaRPr kumimoji="1" lang="en" altLang="ja-JP" sz="2400" dirty="0"/>
-          </a:p>
-          <a:p>
-            <a:r>
-              <a:rPr lang="en" altLang="ja-JP" sz="2400" dirty="0"/>
-              <a:t>e.g. when unloading at port A</a:t>
-            </a:r>
-          </a:p>
-          <a:p>
+            <a:pPr marL="0" indent="0">
+              <a:buNone/>
+            </a:pPr>
             <a:endParaRPr lang="en" altLang="ja-JP" sz="2400" dirty="0"/>
           </a:p>
         </p:txBody>
       </p:sp>
+      <p:pic>
+        <p:nvPicPr>
+          <p:cNvPr id="40" name="図 39">
+            <a:extLst>
+              <a:ext uri="{FF2B5EF4-FFF2-40B4-BE49-F238E27FC236}">
+                <a16:creationId xmlns:a16="http://schemas.microsoft.com/office/drawing/2014/main" id="{FC3549F8-BFF4-7F45-B565-6112FAC5929E}"/>
+              </a:ext>
+            </a:extLst>
+          </p:cNvPr>
+          <p:cNvPicPr>
+            <a:picLocks noChangeAspect="1"/>
+          </p:cNvPicPr>
+          <p:nvPr/>
+        </p:nvPicPr>
+        <p:blipFill>
+          <a:blip r:embed="rId2"/>
+          <a:stretch>
+            <a:fillRect/>
+          </a:stretch>
+        </p:blipFill>
+        <p:spPr>
+          <a:xfrm>
+            <a:off x="3097740" y="4542767"/>
+            <a:ext cx="3343072" cy="1581588"/>
+          </a:xfrm>
+          <a:prstGeom prst="rect">
+            <a:avLst/>
+          </a:prstGeom>
+        </p:spPr>
+      </p:pic>
       <p:sp>
         <p:nvSpPr>
-          <p:cNvPr id="4" name="正方形/長方形 3">
+          <p:cNvPr id="41" name="円/楕円 40">
             <a:extLst>
               <a:ext uri="{FF2B5EF4-FFF2-40B4-BE49-F238E27FC236}">
-                <a16:creationId xmlns:a16="http://schemas.microsoft.com/office/drawing/2014/main" id="{4125FC03-1821-1B49-B8D7-7061C39DDC9A}"/>
+                <a16:creationId xmlns:a16="http://schemas.microsoft.com/office/drawing/2014/main" id="{A25566C1-18AC-6947-86D0-79C1B4C05B9B}"/>
               </a:ext>
             </a:extLst>
           </p:cNvPr>
@@ -11344,201 +11374,18 @@
         </p:nvSpPr>
         <p:spPr>
           <a:xfrm>
-            <a:off x="3029803" y="5336275"/>
-            <a:ext cx="968991" cy="900752"/>
+            <a:off x="7246829" y="4194066"/>
+            <a:ext cx="2639684" cy="1030925"/>
           </a:xfrm>
-          <a:prstGeom prst="rect">
+          <a:prstGeom prst="ellipse">
             <a:avLst/>
           </a:prstGeom>
           <a:solidFill>
-            <a:srgbClr val="FFC000"/>
-          </a:solidFill>
-        </p:spPr>
-        <p:style>
-          <a:lnRef idx="2">
-            <a:schemeClr val="accent1">
-              <a:shade val="50000"/>
-            </a:schemeClr>
-          </a:lnRef>
-          <a:fillRef idx="1">
-            <a:schemeClr val="accent1"/>
-          </a:fillRef>
-          <a:effectRef idx="0">
-            <a:schemeClr val="accent1"/>
-          </a:effectRef>
-          <a:fontRef idx="minor">
-            <a:schemeClr val="lt1"/>
-          </a:fontRef>
-        </p:style>
-        <p:txBody>
-          <a:bodyPr rtlCol="0" anchor="ctr"/>
-          <a:lstStyle/>
-          <a:p>
-            <a:pPr algn="ctr"/>
-            <a:r>
-              <a:rPr kumimoji="1" lang="en-US" altLang="ja-JP" dirty="0">
-                <a:solidFill>
-                  <a:schemeClr val="tx1"/>
-                </a:solidFill>
-              </a:rPr>
-              <a:t>Port A</a:t>
-            </a:r>
-            <a:endParaRPr kumimoji="1" lang="ja-JP" altLang="en-US">
-              <a:solidFill>
-                <a:schemeClr val="tx1"/>
-              </a:solidFill>
-            </a:endParaRPr>
-          </a:p>
-        </p:txBody>
-      </p:sp>
-      <p:sp>
-        <p:nvSpPr>
-          <p:cNvPr id="5" name="正方形/長方形 4">
-            <a:extLst>
-              <a:ext uri="{FF2B5EF4-FFF2-40B4-BE49-F238E27FC236}">
-                <a16:creationId xmlns:a16="http://schemas.microsoft.com/office/drawing/2014/main" id="{8A1E8740-20DB-134D-8573-DB8BD029D323}"/>
-              </a:ext>
-            </a:extLst>
-          </p:cNvPr>
-          <p:cNvSpPr/>
-          <p:nvPr/>
-        </p:nvSpPr>
-        <p:spPr>
-          <a:xfrm>
-            <a:off x="3998794" y="5336275"/>
-            <a:ext cx="968991" cy="900752"/>
-          </a:xfrm>
-          <a:prstGeom prst="rect">
-            <a:avLst/>
-          </a:prstGeom>
-          <a:solidFill>
-            <a:srgbClr val="92D050"/>
-          </a:solidFill>
-        </p:spPr>
-        <p:style>
-          <a:lnRef idx="2">
-            <a:schemeClr val="accent1">
-              <a:shade val="50000"/>
-            </a:schemeClr>
-          </a:lnRef>
-          <a:fillRef idx="1">
-            <a:schemeClr val="accent1"/>
-          </a:fillRef>
-          <a:effectRef idx="0">
-            <a:schemeClr val="accent1"/>
-          </a:effectRef>
-          <a:fontRef idx="minor">
-            <a:schemeClr val="lt1"/>
-          </a:fontRef>
-        </p:style>
-        <p:txBody>
-          <a:bodyPr rtlCol="0" anchor="ctr"/>
-          <a:lstStyle/>
-          <a:p>
-            <a:pPr algn="ctr"/>
-            <a:r>
-              <a:rPr kumimoji="1" lang="en-US" altLang="ja-JP" dirty="0">
-                <a:solidFill>
-                  <a:schemeClr val="tx1"/>
-                </a:solidFill>
-              </a:rPr>
-              <a:t>Port B</a:t>
-            </a:r>
-            <a:endParaRPr kumimoji="1" lang="ja-JP" altLang="en-US">
-              <a:solidFill>
-                <a:schemeClr val="tx1"/>
-              </a:solidFill>
-            </a:endParaRPr>
-          </a:p>
-        </p:txBody>
-      </p:sp>
-      <p:sp>
-        <p:nvSpPr>
-          <p:cNvPr id="6" name="正方形/長方形 5">
-            <a:extLst>
-              <a:ext uri="{FF2B5EF4-FFF2-40B4-BE49-F238E27FC236}">
-                <a16:creationId xmlns:a16="http://schemas.microsoft.com/office/drawing/2014/main" id="{A12812F2-2A27-8244-AF1E-7BAE2D408214}"/>
-              </a:ext>
-            </a:extLst>
-          </p:cNvPr>
-          <p:cNvSpPr/>
-          <p:nvPr/>
-        </p:nvSpPr>
-        <p:spPr>
-          <a:xfrm>
-            <a:off x="4967785" y="5336275"/>
-            <a:ext cx="968991" cy="900752"/>
-          </a:xfrm>
-          <a:prstGeom prst="rect">
-            <a:avLst/>
-          </a:prstGeom>
-          <a:solidFill>
-            <a:srgbClr val="00B0F0"/>
-          </a:solidFill>
-        </p:spPr>
-        <p:style>
-          <a:lnRef idx="2">
-            <a:schemeClr val="accent1">
-              <a:shade val="50000"/>
-            </a:schemeClr>
-          </a:lnRef>
-          <a:fillRef idx="1">
-            <a:schemeClr val="accent1"/>
-          </a:fillRef>
-          <a:effectRef idx="0">
-            <a:schemeClr val="accent1"/>
-          </a:effectRef>
-          <a:fontRef idx="minor">
-            <a:schemeClr val="lt1"/>
-          </a:fontRef>
-        </p:style>
-        <p:txBody>
-          <a:bodyPr rtlCol="0" anchor="ctr"/>
-          <a:lstStyle/>
-          <a:p>
-            <a:pPr algn="ctr"/>
-            <a:r>
-              <a:rPr kumimoji="1" lang="en-US" altLang="ja-JP" dirty="0">
-                <a:solidFill>
-                  <a:schemeClr val="tx1"/>
-                </a:solidFill>
-              </a:rPr>
-              <a:t>Port C</a:t>
-            </a:r>
-            <a:endParaRPr kumimoji="1" lang="ja-JP" altLang="en-US">
-              <a:solidFill>
-                <a:schemeClr val="tx1"/>
-              </a:solidFill>
-            </a:endParaRPr>
-          </a:p>
-        </p:txBody>
-      </p:sp>
-      <p:sp>
-        <p:nvSpPr>
-          <p:cNvPr id="9" name="右矢印 8">
-            <a:extLst>
-              <a:ext uri="{FF2B5EF4-FFF2-40B4-BE49-F238E27FC236}">
-                <a16:creationId xmlns:a16="http://schemas.microsoft.com/office/drawing/2014/main" id="{DAFDF226-D662-6240-8E16-4C880D981060}"/>
-              </a:ext>
-            </a:extLst>
-          </p:cNvPr>
-          <p:cNvSpPr/>
-          <p:nvPr/>
-        </p:nvSpPr>
-        <p:spPr>
-          <a:xfrm>
-            <a:off x="6264322" y="5561463"/>
-            <a:ext cx="782590" cy="450376"/>
-          </a:xfrm>
-          <a:prstGeom prst="rightArrow">
-            <a:avLst/>
-          </a:prstGeom>
-          <a:solidFill>
-            <a:schemeClr val="accent2"/>
+            <a:schemeClr val="bg1"/>
           </a:solidFill>
           <a:ln>
             <a:solidFill>
-              <a:schemeClr val="accent2"/>
+              <a:srgbClr val="0070C0"/>
             </a:solidFill>
           </a:ln>
         </p:spPr>
@@ -11567,12 +11414,524 @@
           </a:p>
         </p:txBody>
       </p:sp>
+      <p:cxnSp>
+        <p:nvCxnSpPr>
+          <p:cNvPr id="43" name="直線コネクタ 42">
+            <a:extLst>
+              <a:ext uri="{FF2B5EF4-FFF2-40B4-BE49-F238E27FC236}">
+                <a16:creationId xmlns:a16="http://schemas.microsoft.com/office/drawing/2014/main" id="{BCC03C2D-B39E-7446-8D2A-C4319F1D9287}"/>
+              </a:ext>
+            </a:extLst>
+          </p:cNvPr>
+          <p:cNvCxnSpPr>
+            <a:cxnSpLocks/>
+          </p:cNvCxnSpPr>
+          <p:nvPr/>
+        </p:nvCxnSpPr>
+        <p:spPr>
+          <a:xfrm flipV="1">
+            <a:off x="5852783" y="4426701"/>
+            <a:ext cx="1627883" cy="888875"/>
+          </a:xfrm>
+          <a:prstGeom prst="line">
+            <a:avLst/>
+          </a:prstGeom>
+          <a:ln>
+            <a:solidFill>
+              <a:srgbClr val="00B0F0"/>
+            </a:solidFill>
+          </a:ln>
+        </p:spPr>
+        <p:style>
+          <a:lnRef idx="1">
+            <a:schemeClr val="accent1"/>
+          </a:lnRef>
+          <a:fillRef idx="0">
+            <a:schemeClr val="accent1"/>
+          </a:fillRef>
+          <a:effectRef idx="0">
+            <a:schemeClr val="accent1"/>
+          </a:effectRef>
+          <a:fontRef idx="minor">
+            <a:schemeClr val="tx1"/>
+          </a:fontRef>
+        </p:style>
+      </p:cxnSp>
+      <p:cxnSp>
+        <p:nvCxnSpPr>
+          <p:cNvPr id="45" name="直線コネクタ 44">
+            <a:extLst>
+              <a:ext uri="{FF2B5EF4-FFF2-40B4-BE49-F238E27FC236}">
+                <a16:creationId xmlns:a16="http://schemas.microsoft.com/office/drawing/2014/main" id="{FD7C2EC0-2A07-EA40-AC42-0E2CD9408D40}"/>
+              </a:ext>
+            </a:extLst>
+          </p:cNvPr>
+          <p:cNvCxnSpPr>
+            <a:cxnSpLocks/>
+          </p:cNvCxnSpPr>
+          <p:nvPr/>
+        </p:nvCxnSpPr>
+        <p:spPr>
+          <a:xfrm flipV="1">
+            <a:off x="5844638" y="5044267"/>
+            <a:ext cx="1647838" cy="339692"/>
+          </a:xfrm>
+          <a:prstGeom prst="line">
+            <a:avLst/>
+          </a:prstGeom>
+          <a:ln>
+            <a:solidFill>
+              <a:srgbClr val="00B0F0"/>
+            </a:solidFill>
+          </a:ln>
+        </p:spPr>
+        <p:style>
+          <a:lnRef idx="1">
+            <a:schemeClr val="accent1"/>
+          </a:lnRef>
+          <a:fillRef idx="0">
+            <a:schemeClr val="accent1"/>
+          </a:fillRef>
+          <a:effectRef idx="0">
+            <a:schemeClr val="accent1"/>
+          </a:effectRef>
+          <a:fontRef idx="minor">
+            <a:schemeClr val="tx1"/>
+          </a:fontRef>
+        </p:style>
+      </p:cxnSp>
       <p:sp>
         <p:nvSpPr>
-          <p:cNvPr id="10" name="テキスト ボックス 9">
+          <p:cNvPr id="55" name="正方形/長方形 54">
             <a:extLst>
               <a:ext uri="{FF2B5EF4-FFF2-40B4-BE49-F238E27FC236}">
-                <a16:creationId xmlns:a16="http://schemas.microsoft.com/office/drawing/2014/main" id="{4894A48D-AB41-A647-84D2-7A3F67EEB78D}"/>
+                <a16:creationId xmlns:a16="http://schemas.microsoft.com/office/drawing/2014/main" id="{DA73D8EB-DAC5-4A46-9C0F-7FD651D87E5C}"/>
+              </a:ext>
+            </a:extLst>
+          </p:cNvPr>
+          <p:cNvSpPr/>
+          <p:nvPr/>
+        </p:nvSpPr>
+        <p:spPr>
+          <a:xfrm>
+            <a:off x="7721869" y="4492013"/>
+            <a:ext cx="1682865" cy="429162"/>
+          </a:xfrm>
+          <a:prstGeom prst="rect">
+            <a:avLst/>
+          </a:prstGeom>
+          <a:solidFill>
+            <a:schemeClr val="bg1"/>
+          </a:solidFill>
+        </p:spPr>
+        <p:style>
+          <a:lnRef idx="2">
+            <a:schemeClr val="accent1">
+              <a:shade val="50000"/>
+            </a:schemeClr>
+          </a:lnRef>
+          <a:fillRef idx="1">
+            <a:schemeClr val="accent1"/>
+          </a:fillRef>
+          <a:effectRef idx="0">
+            <a:schemeClr val="accent1"/>
+          </a:effectRef>
+          <a:fontRef idx="minor">
+            <a:schemeClr val="lt1"/>
+          </a:fontRef>
+        </p:style>
+        <p:txBody>
+          <a:bodyPr rtlCol="0" anchor="ctr"/>
+          <a:lstStyle/>
+          <a:p>
+            <a:pPr algn="ctr"/>
+            <a:endParaRPr kumimoji="1" lang="ja-JP" altLang="en-US">
+              <a:solidFill>
+                <a:schemeClr val="tx1"/>
+              </a:solidFill>
+            </a:endParaRPr>
+          </a:p>
+        </p:txBody>
+      </p:sp>
+      <p:pic>
+        <p:nvPicPr>
+          <p:cNvPr id="62" name="図 61">
+            <a:extLst>
+              <a:ext uri="{FF2B5EF4-FFF2-40B4-BE49-F238E27FC236}">
+                <a16:creationId xmlns:a16="http://schemas.microsoft.com/office/drawing/2014/main" id="{672A1DF7-AED8-1445-85D4-92615CC49D5F}"/>
+              </a:ext>
+            </a:extLst>
+          </p:cNvPr>
+          <p:cNvPicPr>
+            <a:picLocks noChangeAspect="1"/>
+          </p:cNvPicPr>
+          <p:nvPr/>
+        </p:nvPicPr>
+        <p:blipFill>
+          <a:blip r:embed="rId3"/>
+          <a:stretch>
+            <a:fillRect/>
+          </a:stretch>
+        </p:blipFill>
+        <p:spPr>
+          <a:xfrm flipH="1">
+            <a:off x="7718857" y="4533647"/>
+            <a:ext cx="601900" cy="436418"/>
+          </a:xfrm>
+          <a:prstGeom prst="rect">
+            <a:avLst/>
+          </a:prstGeom>
+        </p:spPr>
+      </p:pic>
+      <p:pic>
+        <p:nvPicPr>
+          <p:cNvPr id="63" name="図 62">
+            <a:extLst>
+              <a:ext uri="{FF2B5EF4-FFF2-40B4-BE49-F238E27FC236}">
+                <a16:creationId xmlns:a16="http://schemas.microsoft.com/office/drawing/2014/main" id="{2810A4D3-B93F-1846-99F2-A69498BA5E2B}"/>
+              </a:ext>
+            </a:extLst>
+          </p:cNvPr>
+          <p:cNvPicPr>
+            <a:picLocks noChangeAspect="1"/>
+          </p:cNvPicPr>
+          <p:nvPr/>
+        </p:nvPicPr>
+        <p:blipFill>
+          <a:blip r:embed="rId4"/>
+          <a:stretch>
+            <a:fillRect/>
+          </a:stretch>
+        </p:blipFill>
+        <p:spPr>
+          <a:xfrm>
+            <a:off x="8806207" y="4542406"/>
+            <a:ext cx="589820" cy="427659"/>
+          </a:xfrm>
+          <a:prstGeom prst="rect">
+            <a:avLst/>
+          </a:prstGeom>
+        </p:spPr>
+      </p:pic>
+      <p:pic>
+        <p:nvPicPr>
+          <p:cNvPr id="64" name="図 63">
+            <a:extLst>
+              <a:ext uri="{FF2B5EF4-FFF2-40B4-BE49-F238E27FC236}">
+                <a16:creationId xmlns:a16="http://schemas.microsoft.com/office/drawing/2014/main" id="{13C9B7DB-194B-1041-81B9-5CC94AB76DAA}"/>
+              </a:ext>
+            </a:extLst>
+          </p:cNvPr>
+          <p:cNvPicPr>
+            <a:picLocks noChangeAspect="1"/>
+          </p:cNvPicPr>
+          <p:nvPr/>
+        </p:nvPicPr>
+        <p:blipFill>
+          <a:blip r:embed="rId5"/>
+          <a:stretch>
+            <a:fillRect/>
+          </a:stretch>
+        </p:blipFill>
+        <p:spPr>
+          <a:xfrm>
+            <a:off x="8286612" y="4563613"/>
+            <a:ext cx="544672" cy="394924"/>
+          </a:xfrm>
+          <a:prstGeom prst="rect">
+            <a:avLst/>
+          </a:prstGeom>
+        </p:spPr>
+      </p:pic>
+      <p:sp>
+        <p:nvSpPr>
+          <p:cNvPr id="79" name="円/楕円 78">
+            <a:extLst>
+              <a:ext uri="{FF2B5EF4-FFF2-40B4-BE49-F238E27FC236}">
+                <a16:creationId xmlns:a16="http://schemas.microsoft.com/office/drawing/2014/main" id="{C359F6CE-5794-1C4E-96FC-A0F431FBAA3A}"/>
+              </a:ext>
+            </a:extLst>
+          </p:cNvPr>
+          <p:cNvSpPr/>
+          <p:nvPr/>
+        </p:nvSpPr>
+        <p:spPr>
+          <a:xfrm>
+            <a:off x="7246829" y="5450149"/>
+            <a:ext cx="2639684" cy="1030925"/>
+          </a:xfrm>
+          <a:prstGeom prst="ellipse">
+            <a:avLst/>
+          </a:prstGeom>
+          <a:solidFill>
+            <a:schemeClr val="bg1"/>
+          </a:solidFill>
+          <a:ln>
+            <a:solidFill>
+              <a:srgbClr val="0070C0"/>
+            </a:solidFill>
+          </a:ln>
+        </p:spPr>
+        <p:style>
+          <a:lnRef idx="2">
+            <a:schemeClr val="accent1">
+              <a:shade val="50000"/>
+            </a:schemeClr>
+          </a:lnRef>
+          <a:fillRef idx="1">
+            <a:schemeClr val="accent1"/>
+          </a:fillRef>
+          <a:effectRef idx="0">
+            <a:schemeClr val="accent1"/>
+          </a:effectRef>
+          <a:fontRef idx="minor">
+            <a:schemeClr val="lt1"/>
+          </a:fontRef>
+        </p:style>
+        <p:txBody>
+          <a:bodyPr rtlCol="0" anchor="ctr"/>
+          <a:lstStyle/>
+          <a:p>
+            <a:pPr algn="ctr"/>
+            <a:endParaRPr kumimoji="1" lang="ja-JP" altLang="en-US"/>
+          </a:p>
+        </p:txBody>
+      </p:sp>
+      <p:cxnSp>
+        <p:nvCxnSpPr>
+          <p:cNvPr id="82" name="直線コネクタ 81">
+            <a:extLst>
+              <a:ext uri="{FF2B5EF4-FFF2-40B4-BE49-F238E27FC236}">
+                <a16:creationId xmlns:a16="http://schemas.microsoft.com/office/drawing/2014/main" id="{0C3BC2E3-EFB8-254C-AA6B-DE193EF1E3E3}"/>
+              </a:ext>
+            </a:extLst>
+          </p:cNvPr>
+          <p:cNvCxnSpPr>
+            <a:cxnSpLocks/>
+          </p:cNvCxnSpPr>
+          <p:nvPr/>
+        </p:nvCxnSpPr>
+        <p:spPr>
+          <a:xfrm>
+            <a:off x="5844638" y="6003016"/>
+            <a:ext cx="1773687" cy="308894"/>
+          </a:xfrm>
+          <a:prstGeom prst="line">
+            <a:avLst/>
+          </a:prstGeom>
+          <a:ln>
+            <a:solidFill>
+              <a:srgbClr val="00B0F0"/>
+            </a:solidFill>
+          </a:ln>
+        </p:spPr>
+        <p:style>
+          <a:lnRef idx="1">
+            <a:schemeClr val="accent1"/>
+          </a:lnRef>
+          <a:fillRef idx="0">
+            <a:schemeClr val="accent1"/>
+          </a:fillRef>
+          <a:effectRef idx="0">
+            <a:schemeClr val="accent1"/>
+          </a:effectRef>
+          <a:fontRef idx="minor">
+            <a:schemeClr val="tx1"/>
+          </a:fontRef>
+        </p:style>
+      </p:cxnSp>
+      <p:cxnSp>
+        <p:nvCxnSpPr>
+          <p:cNvPr id="83" name="直線コネクタ 82">
+            <a:extLst>
+              <a:ext uri="{FF2B5EF4-FFF2-40B4-BE49-F238E27FC236}">
+                <a16:creationId xmlns:a16="http://schemas.microsoft.com/office/drawing/2014/main" id="{AA170742-D386-184E-B858-3F6B4A2CBBBD}"/>
+              </a:ext>
+            </a:extLst>
+          </p:cNvPr>
+          <p:cNvCxnSpPr>
+            <a:cxnSpLocks/>
+          </p:cNvCxnSpPr>
+          <p:nvPr/>
+        </p:nvCxnSpPr>
+        <p:spPr>
+          <a:xfrm flipV="1">
+            <a:off x="5844638" y="5503131"/>
+            <a:ext cx="2118072" cy="462480"/>
+          </a:xfrm>
+          <a:prstGeom prst="line">
+            <a:avLst/>
+          </a:prstGeom>
+          <a:ln>
+            <a:solidFill>
+              <a:srgbClr val="00B0F0"/>
+            </a:solidFill>
+          </a:ln>
+        </p:spPr>
+        <p:style>
+          <a:lnRef idx="1">
+            <a:schemeClr val="accent1"/>
+          </a:lnRef>
+          <a:fillRef idx="0">
+            <a:schemeClr val="accent1"/>
+          </a:fillRef>
+          <a:effectRef idx="0">
+            <a:schemeClr val="accent1"/>
+          </a:effectRef>
+          <a:fontRef idx="minor">
+            <a:schemeClr val="tx1"/>
+          </a:fontRef>
+        </p:style>
+      </p:cxnSp>
+      <p:sp>
+        <p:nvSpPr>
+          <p:cNvPr id="91" name="正方形/長方形 90">
+            <a:extLst>
+              <a:ext uri="{FF2B5EF4-FFF2-40B4-BE49-F238E27FC236}">
+                <a16:creationId xmlns:a16="http://schemas.microsoft.com/office/drawing/2014/main" id="{4D56B4D1-9A48-D944-92CC-31F336A8F8AA}"/>
+              </a:ext>
+            </a:extLst>
+          </p:cNvPr>
+          <p:cNvSpPr/>
+          <p:nvPr/>
+        </p:nvSpPr>
+        <p:spPr>
+          <a:xfrm>
+            <a:off x="7725238" y="5723625"/>
+            <a:ext cx="1682865" cy="429162"/>
+          </a:xfrm>
+          <a:prstGeom prst="rect">
+            <a:avLst/>
+          </a:prstGeom>
+          <a:solidFill>
+            <a:schemeClr val="bg1"/>
+          </a:solidFill>
+        </p:spPr>
+        <p:style>
+          <a:lnRef idx="2">
+            <a:schemeClr val="accent1">
+              <a:shade val="50000"/>
+            </a:schemeClr>
+          </a:lnRef>
+          <a:fillRef idx="1">
+            <a:schemeClr val="accent1"/>
+          </a:fillRef>
+          <a:effectRef idx="0">
+            <a:schemeClr val="accent1"/>
+          </a:effectRef>
+          <a:fontRef idx="minor">
+            <a:schemeClr val="lt1"/>
+          </a:fontRef>
+        </p:style>
+        <p:txBody>
+          <a:bodyPr rtlCol="0" anchor="ctr"/>
+          <a:lstStyle/>
+          <a:p>
+            <a:pPr algn="ctr"/>
+            <a:endParaRPr kumimoji="1" lang="ja-JP" altLang="en-US">
+              <a:solidFill>
+                <a:schemeClr val="tx1"/>
+              </a:solidFill>
+            </a:endParaRPr>
+          </a:p>
+        </p:txBody>
+      </p:sp>
+      <p:pic>
+        <p:nvPicPr>
+          <p:cNvPr id="92" name="図 91">
+            <a:extLst>
+              <a:ext uri="{FF2B5EF4-FFF2-40B4-BE49-F238E27FC236}">
+                <a16:creationId xmlns:a16="http://schemas.microsoft.com/office/drawing/2014/main" id="{C6375F13-8410-CD4A-8A5D-E1B100AB44EC}"/>
+              </a:ext>
+            </a:extLst>
+          </p:cNvPr>
+          <p:cNvPicPr>
+            <a:picLocks noChangeAspect="1"/>
+          </p:cNvPicPr>
+          <p:nvPr/>
+        </p:nvPicPr>
+        <p:blipFill>
+          <a:blip r:embed="rId6"/>
+          <a:stretch>
+            <a:fillRect/>
+          </a:stretch>
+        </p:blipFill>
+        <p:spPr>
+          <a:xfrm>
+            <a:off x="7718857" y="5786208"/>
+            <a:ext cx="568454" cy="412167"/>
+          </a:xfrm>
+          <a:prstGeom prst="rect">
+            <a:avLst/>
+          </a:prstGeom>
+        </p:spPr>
+      </p:pic>
+      <p:pic>
+        <p:nvPicPr>
+          <p:cNvPr id="95" name="図 94">
+            <a:extLst>
+              <a:ext uri="{FF2B5EF4-FFF2-40B4-BE49-F238E27FC236}">
+                <a16:creationId xmlns:a16="http://schemas.microsoft.com/office/drawing/2014/main" id="{8E475C16-4ACE-094E-89FB-028678C0AEF1}"/>
+              </a:ext>
+            </a:extLst>
+          </p:cNvPr>
+          <p:cNvPicPr>
+            <a:picLocks noChangeAspect="1"/>
+          </p:cNvPicPr>
+          <p:nvPr/>
+        </p:nvPicPr>
+        <p:blipFill>
+          <a:blip r:embed="rId6"/>
+          <a:stretch>
+            <a:fillRect/>
+          </a:stretch>
+        </p:blipFill>
+        <p:spPr>
+          <a:xfrm>
+            <a:off x="8283131" y="5796933"/>
+            <a:ext cx="568454" cy="412167"/>
+          </a:xfrm>
+          <a:prstGeom prst="rect">
+            <a:avLst/>
+          </a:prstGeom>
+        </p:spPr>
+      </p:pic>
+      <p:pic>
+        <p:nvPicPr>
+          <p:cNvPr id="96" name="図 95">
+            <a:extLst>
+              <a:ext uri="{FF2B5EF4-FFF2-40B4-BE49-F238E27FC236}">
+                <a16:creationId xmlns:a16="http://schemas.microsoft.com/office/drawing/2014/main" id="{061AFD74-DA2A-AB40-80DD-0C5A885EE478}"/>
+              </a:ext>
+            </a:extLst>
+          </p:cNvPr>
+          <p:cNvPicPr>
+            <a:picLocks noChangeAspect="1"/>
+          </p:cNvPicPr>
+          <p:nvPr/>
+        </p:nvPicPr>
+        <p:blipFill>
+          <a:blip r:embed="rId6"/>
+          <a:stretch>
+            <a:fillRect/>
+          </a:stretch>
+        </p:blipFill>
+        <p:spPr>
+          <a:xfrm>
+            <a:off x="8847405" y="5779938"/>
+            <a:ext cx="568454" cy="412167"/>
+          </a:xfrm>
+          <a:prstGeom prst="rect">
+            <a:avLst/>
+          </a:prstGeom>
+        </p:spPr>
+      </p:pic>
+      <p:sp>
+        <p:nvSpPr>
+          <p:cNvPr id="97" name="テキスト ボックス 96">
+            <a:extLst>
+              <a:ext uri="{FF2B5EF4-FFF2-40B4-BE49-F238E27FC236}">
+                <a16:creationId xmlns:a16="http://schemas.microsoft.com/office/drawing/2014/main" id="{11E8126D-C3D7-AC49-A414-6BB9229F785A}"/>
               </a:ext>
             </a:extLst>
           </p:cNvPr>
@@ -11581,8 +11940,8 @@
         </p:nvSpPr>
         <p:spPr>
           <a:xfrm>
-            <a:off x="7374458" y="5431936"/>
-            <a:ext cx="3807725" cy="707886"/>
+            <a:off x="10135827" y="5839768"/>
+            <a:ext cx="629920" cy="461665"/>
           </a:xfrm>
           <a:prstGeom prst="rect">
             <a:avLst/>
@@ -11596,21 +11955,61 @@
           <a:lstStyle/>
           <a:p>
             <a:r>
-              <a:rPr lang="en-US" altLang="ja-JP" sz="2000" dirty="0"/>
-              <a:t>We a</a:t>
-            </a:r>
-            <a:r>
-              <a:rPr kumimoji="1" lang="en-US" altLang="ja-JP" sz="2000" dirty="0"/>
-              <a:t>dd a penalty of two to the objective function</a:t>
-            </a:r>
-            <a:endParaRPr kumimoji="1" lang="ja-JP" altLang="en-US" sz="2000"/>
+              <a:rPr lang="ja-JP" altLang="en-US" sz="2400">
+                <a:solidFill>
+                  <a:srgbClr val="FF0000"/>
+                </a:solidFill>
+              </a:rPr>
+              <a:t>○</a:t>
+            </a:r>
+            <a:endParaRPr kumimoji="1" lang="ja-JP" altLang="en-US" sz="2400"/>
+          </a:p>
+        </p:txBody>
+      </p:sp>
+      <p:sp>
+        <p:nvSpPr>
+          <p:cNvPr id="98" name="テキスト ボックス 97">
+            <a:extLst>
+              <a:ext uri="{FF2B5EF4-FFF2-40B4-BE49-F238E27FC236}">
+                <a16:creationId xmlns:a16="http://schemas.microsoft.com/office/drawing/2014/main" id="{BC22EA2B-ED39-CE4F-AC2C-5DEB6E86A31B}"/>
+              </a:ext>
+            </a:extLst>
+          </p:cNvPr>
+          <p:cNvSpPr txBox="1"/>
+          <p:nvPr/>
+        </p:nvSpPr>
+        <p:spPr>
+          <a:xfrm>
+            <a:off x="10072909" y="4426701"/>
+            <a:ext cx="629507" cy="461665"/>
+          </a:xfrm>
+          <a:prstGeom prst="rect">
+            <a:avLst/>
+          </a:prstGeom>
+          <a:noFill/>
+        </p:spPr>
+        <p:txBody>
+          <a:bodyPr wrap="square" rtlCol="0">
+            <a:spAutoFit/>
+          </a:bodyPr>
+          <a:lstStyle/>
+          <a:p>
+            <a:r>
+              <a:rPr lang="en-US" altLang="ja-JP" sz="2400" dirty="0">
+                <a:solidFill>
+                  <a:srgbClr val="FF0000"/>
+                </a:solidFill>
+              </a:rPr>
+              <a:t>×</a:t>
+            </a:r>
+            <a:endParaRPr kumimoji="1" lang="ja-JP" altLang="en-US" sz="2400"/>
           </a:p>
         </p:txBody>
       </p:sp>
     </p:spTree>
     <p:extLst>
       <p:ext uri="{BB962C8B-B14F-4D97-AF65-F5344CB8AC3E}">
-        <p14:creationId xmlns:p14="http://schemas.microsoft.com/office/powerpoint/2010/main" val="3129602522"/>
+        <p14:creationId xmlns:p14="http://schemas.microsoft.com/office/powerpoint/2010/main" val="96928548"/>
       </p:ext>
     </p:extLst>
   </p:cSld>
@@ -24936,6 +25335,417 @@
           <p:cNvPr id="2" name="タイトル 1">
             <a:extLst>
               <a:ext uri="{FF2B5EF4-FFF2-40B4-BE49-F238E27FC236}">
+                <a16:creationId xmlns:a16="http://schemas.microsoft.com/office/drawing/2014/main" id="{8FFD2DF9-F802-CB4A-8FDC-1DBC0B21EA23}"/>
+              </a:ext>
+            </a:extLst>
+          </p:cNvPr>
+          <p:cNvSpPr>
+            <a:spLocks noGrp="1"/>
+          </p:cNvSpPr>
+          <p:nvPr>
+            <p:ph type="title"/>
+          </p:nvPr>
+        </p:nvSpPr>
+        <p:spPr/>
+        <p:txBody>
+          <a:bodyPr/>
+          <a:lstStyle/>
+          <a:p>
+            <a:r>
+              <a:rPr lang="en-US" altLang="ja-JP" dirty="0"/>
+              <a:t>avoiding multiple bookings in one hold</a:t>
+            </a:r>
+            <a:br>
+              <a:rPr lang="en-US" altLang="ja-JP" dirty="0"/>
+            </a:br>
+            <a:endParaRPr kumimoji="1" lang="ja-JP" altLang="en-US"/>
+          </a:p>
+        </p:txBody>
+      </p:sp>
+      <p:sp>
+        <p:nvSpPr>
+          <p:cNvPr id="3" name="コンテンツ プレースホルダー 2">
+            <a:extLst>
+              <a:ext uri="{FF2B5EF4-FFF2-40B4-BE49-F238E27FC236}">
+                <a16:creationId xmlns:a16="http://schemas.microsoft.com/office/drawing/2014/main" id="{3F298097-154C-9341-91D5-37BAB2F21D3D}"/>
+              </a:ext>
+            </a:extLst>
+          </p:cNvPr>
+          <p:cNvSpPr>
+            <a:spLocks noGrp="1"/>
+          </p:cNvSpPr>
+          <p:nvPr>
+            <p:ph idx="1"/>
+          </p:nvPr>
+        </p:nvSpPr>
+        <p:spPr/>
+        <p:txBody>
+          <a:bodyPr>
+            <a:normAutofit/>
+          </a:bodyPr>
+          <a:lstStyle/>
+          <a:p>
+            <a:r>
+              <a:rPr lang="en" altLang="ja-JP" sz="2400" dirty="0"/>
+              <a:t>When a </a:t>
+            </a:r>
+            <a:r>
+              <a:rPr lang="en-US" altLang="ja-JP" sz="2400" dirty="0"/>
+              <a:t>booking</a:t>
+            </a:r>
+            <a:r>
+              <a:rPr lang="en" altLang="ja-JP" sz="2400" dirty="0"/>
+              <a:t> is unloaded from a hold at a certain port, if there are several </a:t>
+            </a:r>
+            <a:r>
+              <a:rPr lang="en-US" altLang="ja-JP" sz="2400" dirty="0"/>
+              <a:t>booking</a:t>
+            </a:r>
+            <a:r>
+              <a:rPr lang="en" altLang="ja-JP" sz="2400" dirty="0"/>
+              <a:t>s with different destinations in the same hold, human error may occur.</a:t>
+            </a:r>
+          </a:p>
+          <a:p>
+            <a:r>
+              <a:rPr lang="en" altLang="ja-JP" sz="2400" dirty="0"/>
+              <a:t>we minimize the number of </a:t>
+            </a:r>
+            <a:r>
+              <a:rPr lang="en-US" altLang="ja-JP" sz="2400" dirty="0"/>
+              <a:t>booking</a:t>
+            </a:r>
+            <a:r>
+              <a:rPr lang="en" altLang="ja-JP" sz="2400" dirty="0"/>
+              <a:t>s with different destinations in different loading areas for each hold.</a:t>
+            </a:r>
+          </a:p>
+          <a:p>
+            <a:endParaRPr kumimoji="1" lang="en" altLang="ja-JP" sz="2400" dirty="0"/>
+          </a:p>
+          <a:p>
+            <a:r>
+              <a:rPr lang="en" altLang="ja-JP" sz="2400" dirty="0"/>
+              <a:t>e.g. when unloading at port A</a:t>
+            </a:r>
+          </a:p>
+          <a:p>
+            <a:endParaRPr lang="en" altLang="ja-JP" sz="2400" dirty="0"/>
+          </a:p>
+        </p:txBody>
+      </p:sp>
+      <p:sp>
+        <p:nvSpPr>
+          <p:cNvPr id="4" name="正方形/長方形 3">
+            <a:extLst>
+              <a:ext uri="{FF2B5EF4-FFF2-40B4-BE49-F238E27FC236}">
+                <a16:creationId xmlns:a16="http://schemas.microsoft.com/office/drawing/2014/main" id="{4125FC03-1821-1B49-B8D7-7061C39DDC9A}"/>
+              </a:ext>
+            </a:extLst>
+          </p:cNvPr>
+          <p:cNvSpPr/>
+          <p:nvPr/>
+        </p:nvSpPr>
+        <p:spPr>
+          <a:xfrm>
+            <a:off x="3029803" y="5336275"/>
+            <a:ext cx="968991" cy="900752"/>
+          </a:xfrm>
+          <a:prstGeom prst="rect">
+            <a:avLst/>
+          </a:prstGeom>
+          <a:solidFill>
+            <a:srgbClr val="FFC000"/>
+          </a:solidFill>
+        </p:spPr>
+        <p:style>
+          <a:lnRef idx="2">
+            <a:schemeClr val="accent1">
+              <a:shade val="50000"/>
+            </a:schemeClr>
+          </a:lnRef>
+          <a:fillRef idx="1">
+            <a:schemeClr val="accent1"/>
+          </a:fillRef>
+          <a:effectRef idx="0">
+            <a:schemeClr val="accent1"/>
+          </a:effectRef>
+          <a:fontRef idx="minor">
+            <a:schemeClr val="lt1"/>
+          </a:fontRef>
+        </p:style>
+        <p:txBody>
+          <a:bodyPr rtlCol="0" anchor="ctr"/>
+          <a:lstStyle/>
+          <a:p>
+            <a:pPr algn="ctr"/>
+            <a:r>
+              <a:rPr kumimoji="1" lang="en-US" altLang="ja-JP" dirty="0">
+                <a:solidFill>
+                  <a:schemeClr val="tx1"/>
+                </a:solidFill>
+              </a:rPr>
+              <a:t>Port A</a:t>
+            </a:r>
+            <a:endParaRPr kumimoji="1" lang="ja-JP" altLang="en-US">
+              <a:solidFill>
+                <a:schemeClr val="tx1"/>
+              </a:solidFill>
+            </a:endParaRPr>
+          </a:p>
+        </p:txBody>
+      </p:sp>
+      <p:sp>
+        <p:nvSpPr>
+          <p:cNvPr id="5" name="正方形/長方形 4">
+            <a:extLst>
+              <a:ext uri="{FF2B5EF4-FFF2-40B4-BE49-F238E27FC236}">
+                <a16:creationId xmlns:a16="http://schemas.microsoft.com/office/drawing/2014/main" id="{8A1E8740-20DB-134D-8573-DB8BD029D323}"/>
+              </a:ext>
+            </a:extLst>
+          </p:cNvPr>
+          <p:cNvSpPr/>
+          <p:nvPr/>
+        </p:nvSpPr>
+        <p:spPr>
+          <a:xfrm>
+            <a:off x="3998794" y="5336275"/>
+            <a:ext cx="968991" cy="900752"/>
+          </a:xfrm>
+          <a:prstGeom prst="rect">
+            <a:avLst/>
+          </a:prstGeom>
+          <a:solidFill>
+            <a:srgbClr val="92D050"/>
+          </a:solidFill>
+        </p:spPr>
+        <p:style>
+          <a:lnRef idx="2">
+            <a:schemeClr val="accent1">
+              <a:shade val="50000"/>
+            </a:schemeClr>
+          </a:lnRef>
+          <a:fillRef idx="1">
+            <a:schemeClr val="accent1"/>
+          </a:fillRef>
+          <a:effectRef idx="0">
+            <a:schemeClr val="accent1"/>
+          </a:effectRef>
+          <a:fontRef idx="minor">
+            <a:schemeClr val="lt1"/>
+          </a:fontRef>
+        </p:style>
+        <p:txBody>
+          <a:bodyPr rtlCol="0" anchor="ctr"/>
+          <a:lstStyle/>
+          <a:p>
+            <a:pPr algn="ctr"/>
+            <a:r>
+              <a:rPr kumimoji="1" lang="en-US" altLang="ja-JP" dirty="0">
+                <a:solidFill>
+                  <a:schemeClr val="tx1"/>
+                </a:solidFill>
+              </a:rPr>
+              <a:t>Port B</a:t>
+            </a:r>
+            <a:endParaRPr kumimoji="1" lang="ja-JP" altLang="en-US">
+              <a:solidFill>
+                <a:schemeClr val="tx1"/>
+              </a:solidFill>
+            </a:endParaRPr>
+          </a:p>
+        </p:txBody>
+      </p:sp>
+      <p:sp>
+        <p:nvSpPr>
+          <p:cNvPr id="6" name="正方形/長方形 5">
+            <a:extLst>
+              <a:ext uri="{FF2B5EF4-FFF2-40B4-BE49-F238E27FC236}">
+                <a16:creationId xmlns:a16="http://schemas.microsoft.com/office/drawing/2014/main" id="{A12812F2-2A27-8244-AF1E-7BAE2D408214}"/>
+              </a:ext>
+            </a:extLst>
+          </p:cNvPr>
+          <p:cNvSpPr/>
+          <p:nvPr/>
+        </p:nvSpPr>
+        <p:spPr>
+          <a:xfrm>
+            <a:off x="4967785" y="5336275"/>
+            <a:ext cx="968991" cy="900752"/>
+          </a:xfrm>
+          <a:prstGeom prst="rect">
+            <a:avLst/>
+          </a:prstGeom>
+          <a:solidFill>
+            <a:srgbClr val="00B0F0"/>
+          </a:solidFill>
+        </p:spPr>
+        <p:style>
+          <a:lnRef idx="2">
+            <a:schemeClr val="accent1">
+              <a:shade val="50000"/>
+            </a:schemeClr>
+          </a:lnRef>
+          <a:fillRef idx="1">
+            <a:schemeClr val="accent1"/>
+          </a:fillRef>
+          <a:effectRef idx="0">
+            <a:schemeClr val="accent1"/>
+          </a:effectRef>
+          <a:fontRef idx="minor">
+            <a:schemeClr val="lt1"/>
+          </a:fontRef>
+        </p:style>
+        <p:txBody>
+          <a:bodyPr rtlCol="0" anchor="ctr"/>
+          <a:lstStyle/>
+          <a:p>
+            <a:pPr algn="ctr"/>
+            <a:r>
+              <a:rPr kumimoji="1" lang="en-US" altLang="ja-JP" dirty="0">
+                <a:solidFill>
+                  <a:schemeClr val="tx1"/>
+                </a:solidFill>
+              </a:rPr>
+              <a:t>Port C</a:t>
+            </a:r>
+            <a:endParaRPr kumimoji="1" lang="ja-JP" altLang="en-US">
+              <a:solidFill>
+                <a:schemeClr val="tx1"/>
+              </a:solidFill>
+            </a:endParaRPr>
+          </a:p>
+        </p:txBody>
+      </p:sp>
+      <p:sp>
+        <p:nvSpPr>
+          <p:cNvPr id="9" name="右矢印 8">
+            <a:extLst>
+              <a:ext uri="{FF2B5EF4-FFF2-40B4-BE49-F238E27FC236}">
+                <a16:creationId xmlns:a16="http://schemas.microsoft.com/office/drawing/2014/main" id="{DAFDF226-D662-6240-8E16-4C880D981060}"/>
+              </a:ext>
+            </a:extLst>
+          </p:cNvPr>
+          <p:cNvSpPr/>
+          <p:nvPr/>
+        </p:nvSpPr>
+        <p:spPr>
+          <a:xfrm>
+            <a:off x="6264322" y="5561463"/>
+            <a:ext cx="782590" cy="450376"/>
+          </a:xfrm>
+          <a:prstGeom prst="rightArrow">
+            <a:avLst/>
+          </a:prstGeom>
+          <a:solidFill>
+            <a:schemeClr val="accent2"/>
+          </a:solidFill>
+          <a:ln>
+            <a:solidFill>
+              <a:schemeClr val="accent2"/>
+            </a:solidFill>
+          </a:ln>
+        </p:spPr>
+        <p:style>
+          <a:lnRef idx="2">
+            <a:schemeClr val="accent1">
+              <a:shade val="50000"/>
+            </a:schemeClr>
+          </a:lnRef>
+          <a:fillRef idx="1">
+            <a:schemeClr val="accent1"/>
+          </a:fillRef>
+          <a:effectRef idx="0">
+            <a:schemeClr val="accent1"/>
+          </a:effectRef>
+          <a:fontRef idx="minor">
+            <a:schemeClr val="lt1"/>
+          </a:fontRef>
+        </p:style>
+        <p:txBody>
+          <a:bodyPr rtlCol="0" anchor="ctr"/>
+          <a:lstStyle/>
+          <a:p>
+            <a:pPr algn="ctr"/>
+            <a:endParaRPr kumimoji="1" lang="ja-JP" altLang="en-US"/>
+          </a:p>
+        </p:txBody>
+      </p:sp>
+      <p:sp>
+        <p:nvSpPr>
+          <p:cNvPr id="10" name="テキスト ボックス 9">
+            <a:extLst>
+              <a:ext uri="{FF2B5EF4-FFF2-40B4-BE49-F238E27FC236}">
+                <a16:creationId xmlns:a16="http://schemas.microsoft.com/office/drawing/2014/main" id="{4894A48D-AB41-A647-84D2-7A3F67EEB78D}"/>
+              </a:ext>
+            </a:extLst>
+          </p:cNvPr>
+          <p:cNvSpPr txBox="1"/>
+          <p:nvPr/>
+        </p:nvSpPr>
+        <p:spPr>
+          <a:xfrm>
+            <a:off x="7374458" y="5431936"/>
+            <a:ext cx="3807725" cy="707886"/>
+          </a:xfrm>
+          <a:prstGeom prst="rect">
+            <a:avLst/>
+          </a:prstGeom>
+          <a:noFill/>
+        </p:spPr>
+        <p:txBody>
+          <a:bodyPr wrap="square" rtlCol="0">
+            <a:spAutoFit/>
+          </a:bodyPr>
+          <a:lstStyle/>
+          <a:p>
+            <a:r>
+              <a:rPr lang="en-US" altLang="ja-JP" sz="2000" dirty="0"/>
+              <a:t>We a</a:t>
+            </a:r>
+            <a:r>
+              <a:rPr kumimoji="1" lang="en-US" altLang="ja-JP" sz="2000" dirty="0"/>
+              <a:t>dd a penalty of two to the objective function</a:t>
+            </a:r>
+            <a:endParaRPr kumimoji="1" lang="ja-JP" altLang="en-US" sz="2000"/>
+          </a:p>
+        </p:txBody>
+      </p:sp>
+    </p:spTree>
+    <p:extLst>
+      <p:ext uri="{BB962C8B-B14F-4D97-AF65-F5344CB8AC3E}">
+        <p14:creationId xmlns:p14="http://schemas.microsoft.com/office/powerpoint/2010/main" val="2737764478"/>
+      </p:ext>
+    </p:extLst>
+  </p:cSld>
+  <p:clrMapOvr>
+    <a:masterClrMapping/>
+  </p:clrMapOvr>
+</p:sld>
+</file>
+
+<file path=ppt/slides/slide49.xml><?xml version="1.0" encoding="utf-8"?>
+<p:sld xmlns:a="http://schemas.openxmlformats.org/drawingml/2006/main" xmlns:r="http://schemas.openxmlformats.org/officeDocument/2006/relationships" xmlns:p="http://schemas.openxmlformats.org/presentationml/2006/main">
+  <p:cSld>
+    <p:spTree>
+      <p:nvGrpSpPr>
+        <p:cNvPr id="1" name=""/>
+        <p:cNvGrpSpPr/>
+        <p:nvPr/>
+      </p:nvGrpSpPr>
+      <p:grpSpPr>
+        <a:xfrm>
+          <a:off x="0" y="0"/>
+          <a:ext cx="0" cy="0"/>
+          <a:chOff x="0" y="0"/>
+          <a:chExt cx="0" cy="0"/>
+        </a:xfrm>
+      </p:grpSpPr>
+      <p:sp>
+        <p:nvSpPr>
+          <p:cNvPr id="2" name="タイトル 1">
+            <a:extLst>
+              <a:ext uri="{FF2B5EF4-FFF2-40B4-BE49-F238E27FC236}">
                 <a16:creationId xmlns:a16="http://schemas.microsoft.com/office/drawing/2014/main" id="{8F4A7623-2617-7E47-93EA-15A7188AB806}"/>
               </a:ext>
             </a:extLst>
@@ -26293,7 +27103,117 @@
 </p:sld>
 </file>
 
-<file path=ppt/slides/slide49.xml><?xml version="1.0" encoding="utf-8"?>
+<file path=ppt/slides/slide5.xml><?xml version="1.0" encoding="utf-8"?>
+<p:sld xmlns:a="http://schemas.openxmlformats.org/drawingml/2006/main" xmlns:r="http://schemas.openxmlformats.org/officeDocument/2006/relationships" xmlns:p="http://schemas.openxmlformats.org/presentationml/2006/main">
+  <p:cSld>
+    <p:spTree>
+      <p:nvGrpSpPr>
+        <p:cNvPr id="1" name=""/>
+        <p:cNvGrpSpPr/>
+        <p:nvPr/>
+      </p:nvGrpSpPr>
+      <p:grpSpPr>
+        <a:xfrm>
+          <a:off x="0" y="0"/>
+          <a:ext cx="0" cy="0"/>
+          <a:chOff x="0" y="0"/>
+          <a:chExt cx="0" cy="0"/>
+        </a:xfrm>
+      </p:grpSpPr>
+      <p:sp>
+        <p:nvSpPr>
+          <p:cNvPr id="2" name="タイトル 1">
+            <a:extLst>
+              <a:ext uri="{FF2B5EF4-FFF2-40B4-BE49-F238E27FC236}">
+                <a16:creationId xmlns:a16="http://schemas.microsoft.com/office/drawing/2014/main" id="{03DC7BD9-E43D-E442-9A49-33395737C89D}"/>
+              </a:ext>
+            </a:extLst>
+          </p:cNvPr>
+          <p:cNvSpPr>
+            <a:spLocks noGrp="1"/>
+          </p:cNvSpPr>
+          <p:nvPr>
+            <p:ph type="title"/>
+          </p:nvPr>
+        </p:nvSpPr>
+        <p:spPr/>
+        <p:txBody>
+          <a:bodyPr/>
+          <a:lstStyle/>
+          <a:p>
+            <a:r>
+              <a:rPr kumimoji="1" lang="en-US" altLang="ja-JP" dirty="0"/>
+              <a:t>Background</a:t>
+            </a:r>
+            <a:endParaRPr kumimoji="1" lang="ja-JP" altLang="en-US"/>
+          </a:p>
+        </p:txBody>
+      </p:sp>
+      <p:sp>
+        <p:nvSpPr>
+          <p:cNvPr id="3" name="コンテンツ プレースホルダー 2">
+            <a:extLst>
+              <a:ext uri="{FF2B5EF4-FFF2-40B4-BE49-F238E27FC236}">
+                <a16:creationId xmlns:a16="http://schemas.microsoft.com/office/drawing/2014/main" id="{AD3B2DD4-96C6-BB42-93C1-3859304F6137}"/>
+              </a:ext>
+            </a:extLst>
+          </p:cNvPr>
+          <p:cNvSpPr>
+            <a:spLocks noGrp="1"/>
+          </p:cNvSpPr>
+          <p:nvPr>
+            <p:ph idx="1"/>
+          </p:nvPr>
+        </p:nvSpPr>
+        <p:spPr/>
+        <p:txBody>
+          <a:bodyPr>
+            <a:normAutofit/>
+          </a:bodyPr>
+          <a:lstStyle/>
+          <a:p>
+            <a:r>
+              <a:rPr lang="en-US" altLang="ja-JP" sz="2400" dirty="0"/>
+              <a:t>There are a lot of things that has to be considered</a:t>
+            </a:r>
+          </a:p>
+          <a:p>
+            <a:pPr lvl="1"/>
+            <a:r>
+              <a:rPr lang="en-US" altLang="ja-JP" sz="2200" dirty="0"/>
+              <a:t>Planning assignments that makes it easy to load and unload cars is important.</a:t>
+            </a:r>
+          </a:p>
+          <a:p>
+            <a:pPr lvl="1"/>
+            <a:r>
+              <a:rPr lang="en-US" altLang="ja-JP" sz="2200" dirty="0"/>
+              <a:t>Human error should not happen.</a:t>
+            </a:r>
+          </a:p>
+          <a:p>
+            <a:pPr lvl="1"/>
+            <a:r>
+              <a:rPr lang="en-US" altLang="ja-JP" sz="2400" dirty="0"/>
+              <a:t>Unbalanced assignments may result in a sinking.</a:t>
+            </a:r>
+          </a:p>
+        </p:txBody>
+      </p:sp>
+    </p:spTree>
+    <p:extLst>
+      <p:ext uri="{BB962C8B-B14F-4D97-AF65-F5344CB8AC3E}">
+        <p14:creationId xmlns:p14="http://schemas.microsoft.com/office/powerpoint/2010/main" val="3649340498"/>
+      </p:ext>
+    </p:extLst>
+  </p:cSld>
+  <p:clrMapOvr>
+    <a:masterClrMapping/>
+  </p:clrMapOvr>
+</p:sld>
+</file>
+
+<file path=ppt/slides/slide50.xml><?xml version="1.0" encoding="utf-8"?>
 <p:sld xmlns:a="http://schemas.openxmlformats.org/drawingml/2006/main" xmlns:r="http://schemas.openxmlformats.org/officeDocument/2006/relationships" xmlns:p="http://schemas.openxmlformats.org/presentationml/2006/main">
   <p:cSld>
     <p:spTree>
@@ -26770,117 +27690,7 @@
 </p:sld>
 </file>
 
-<file path=ppt/slides/slide5.xml><?xml version="1.0" encoding="utf-8"?>
-<p:sld xmlns:a="http://schemas.openxmlformats.org/drawingml/2006/main" xmlns:r="http://schemas.openxmlformats.org/officeDocument/2006/relationships" xmlns:p="http://schemas.openxmlformats.org/presentationml/2006/main">
-  <p:cSld>
-    <p:spTree>
-      <p:nvGrpSpPr>
-        <p:cNvPr id="1" name=""/>
-        <p:cNvGrpSpPr/>
-        <p:nvPr/>
-      </p:nvGrpSpPr>
-      <p:grpSpPr>
-        <a:xfrm>
-          <a:off x="0" y="0"/>
-          <a:ext cx="0" cy="0"/>
-          <a:chOff x="0" y="0"/>
-          <a:chExt cx="0" cy="0"/>
-        </a:xfrm>
-      </p:grpSpPr>
-      <p:sp>
-        <p:nvSpPr>
-          <p:cNvPr id="2" name="タイトル 1">
-            <a:extLst>
-              <a:ext uri="{FF2B5EF4-FFF2-40B4-BE49-F238E27FC236}">
-                <a16:creationId xmlns:a16="http://schemas.microsoft.com/office/drawing/2014/main" id="{03DC7BD9-E43D-E442-9A49-33395737C89D}"/>
-              </a:ext>
-            </a:extLst>
-          </p:cNvPr>
-          <p:cNvSpPr>
-            <a:spLocks noGrp="1"/>
-          </p:cNvSpPr>
-          <p:nvPr>
-            <p:ph type="title"/>
-          </p:nvPr>
-        </p:nvSpPr>
-        <p:spPr/>
-        <p:txBody>
-          <a:bodyPr/>
-          <a:lstStyle/>
-          <a:p>
-            <a:r>
-              <a:rPr kumimoji="1" lang="en-US" altLang="ja-JP" dirty="0"/>
-              <a:t>Background</a:t>
-            </a:r>
-            <a:endParaRPr kumimoji="1" lang="ja-JP" altLang="en-US"/>
-          </a:p>
-        </p:txBody>
-      </p:sp>
-      <p:sp>
-        <p:nvSpPr>
-          <p:cNvPr id="3" name="コンテンツ プレースホルダー 2">
-            <a:extLst>
-              <a:ext uri="{FF2B5EF4-FFF2-40B4-BE49-F238E27FC236}">
-                <a16:creationId xmlns:a16="http://schemas.microsoft.com/office/drawing/2014/main" id="{AD3B2DD4-96C6-BB42-93C1-3859304F6137}"/>
-              </a:ext>
-            </a:extLst>
-          </p:cNvPr>
-          <p:cNvSpPr>
-            <a:spLocks noGrp="1"/>
-          </p:cNvSpPr>
-          <p:nvPr>
-            <p:ph idx="1"/>
-          </p:nvPr>
-        </p:nvSpPr>
-        <p:spPr/>
-        <p:txBody>
-          <a:bodyPr>
-            <a:normAutofit/>
-          </a:bodyPr>
-          <a:lstStyle/>
-          <a:p>
-            <a:r>
-              <a:rPr lang="en-US" altLang="ja-JP" sz="2400" dirty="0"/>
-              <a:t>There are a lot of things that has to be considered</a:t>
-            </a:r>
-          </a:p>
-          <a:p>
-            <a:pPr lvl="1"/>
-            <a:r>
-              <a:rPr lang="en-US" altLang="ja-JP" sz="2200" dirty="0"/>
-              <a:t>Planning assignments that makes it easy to load and unload cars is important.</a:t>
-            </a:r>
-          </a:p>
-          <a:p>
-            <a:pPr lvl="1"/>
-            <a:r>
-              <a:rPr lang="en-US" altLang="ja-JP" sz="2200" dirty="0"/>
-              <a:t>Human error should not happen.</a:t>
-            </a:r>
-          </a:p>
-          <a:p>
-            <a:pPr lvl="1"/>
-            <a:r>
-              <a:rPr lang="en-US" altLang="ja-JP" sz="2400" dirty="0"/>
-              <a:t>Unbalanced assignments may result in a sinking.</a:t>
-            </a:r>
-          </a:p>
-        </p:txBody>
-      </p:sp>
-    </p:spTree>
-    <p:extLst>
-      <p:ext uri="{BB962C8B-B14F-4D97-AF65-F5344CB8AC3E}">
-        <p14:creationId xmlns:p14="http://schemas.microsoft.com/office/powerpoint/2010/main" val="3649340498"/>
-      </p:ext>
-    </p:extLst>
-  </p:cSld>
-  <p:clrMapOvr>
-    <a:masterClrMapping/>
-  </p:clrMapOvr>
-</p:sld>
-</file>
-
-<file path=ppt/slides/slide50.xml><?xml version="1.0" encoding="utf-8"?>
+<file path=ppt/slides/slide51.xml><?xml version="1.0" encoding="utf-8"?>
 <p:sld xmlns:a="http://schemas.openxmlformats.org/drawingml/2006/main" xmlns:r="http://schemas.openxmlformats.org/officeDocument/2006/relationships" xmlns:p="http://schemas.openxmlformats.org/presentationml/2006/main">
   <p:cSld>
     <p:spTree>
@@ -27001,7 +27811,7 @@
 </p:sld>
 </file>
 
-<file path=ppt/slides/slide51.xml><?xml version="1.0" encoding="utf-8"?>
+<file path=ppt/slides/slide52.xml><?xml version="1.0" encoding="utf-8"?>
 <p:sld xmlns:a="http://schemas.openxmlformats.org/drawingml/2006/main" xmlns:r="http://schemas.openxmlformats.org/officeDocument/2006/relationships" xmlns:p="http://schemas.openxmlformats.org/presentationml/2006/main">
   <p:cSld>
     <p:spTree>
@@ -27369,7 +28179,7 @@
 </p:sld>
 </file>
 
-<file path=ppt/slides/slide52.xml><?xml version="1.0" encoding="utf-8"?>
+<file path=ppt/slides/slide53.xml><?xml version="1.0" encoding="utf-8"?>
 <p:sld xmlns:a="http://schemas.openxmlformats.org/drawingml/2006/main" xmlns:r="http://schemas.openxmlformats.org/officeDocument/2006/relationships" xmlns:p="http://schemas.openxmlformats.org/presentationml/2006/main">
   <p:cSld>
     <p:spTree>
@@ -27737,7 +28547,7 @@
 </p:sld>
 </file>
 
-<file path=ppt/slides/slide53.xml><?xml version="1.0" encoding="utf-8"?>
+<file path=ppt/slides/slide54.xml><?xml version="1.0" encoding="utf-8"?>
 <p:sld xmlns:a="http://schemas.openxmlformats.org/drawingml/2006/main" xmlns:r="http://schemas.openxmlformats.org/officeDocument/2006/relationships" xmlns:p="http://schemas.openxmlformats.org/presentationml/2006/main">
   <p:cSld>
     <p:spTree>
@@ -27964,7 +28774,7 @@
 </p:sld>
 </file>
 
-<file path=ppt/slides/slide54.xml><?xml version="1.0" encoding="utf-8"?>
+<file path=ppt/slides/slide55.xml><?xml version="1.0" encoding="utf-8"?>
 <p:sld xmlns:a="http://schemas.openxmlformats.org/drawingml/2006/main" xmlns:r="http://schemas.openxmlformats.org/officeDocument/2006/relationships" xmlns:p="http://schemas.openxmlformats.org/presentationml/2006/main">
   <p:cSld>
     <p:spTree>
@@ -28279,7 +29089,7 @@
 </p:sld>
 </file>
 
-<file path=ppt/slides/slide55.xml><?xml version="1.0" encoding="utf-8"?>
+<file path=ppt/slides/slide56.xml><?xml version="1.0" encoding="utf-8"?>
 <p:sld xmlns:a="http://schemas.openxmlformats.org/drawingml/2006/main" xmlns:r="http://schemas.openxmlformats.org/officeDocument/2006/relationships" xmlns:p="http://schemas.openxmlformats.org/presentationml/2006/main">
   <p:cSld>
     <p:spTree>
@@ -28991,7 +29801,7 @@
 </p:sld>
 </file>
 
-<file path=ppt/slides/slide56.xml><?xml version="1.0" encoding="utf-8"?>
+<file path=ppt/slides/slide57.xml><?xml version="1.0" encoding="utf-8"?>
 <p:sld xmlns:a="http://schemas.openxmlformats.org/drawingml/2006/main" xmlns:r="http://schemas.openxmlformats.org/officeDocument/2006/relationships" xmlns:p="http://schemas.openxmlformats.org/presentationml/2006/main">
   <p:cSld>
     <p:spTree>
@@ -29109,7 +29919,7 @@
 </p:sld>
 </file>
 
-<file path=ppt/slides/slide57.xml><?xml version="1.0" encoding="utf-8"?>
+<file path=ppt/slides/slide58.xml><?xml version="1.0" encoding="utf-8"?>
 <p:sld xmlns:a="http://schemas.openxmlformats.org/drawingml/2006/main" xmlns:r="http://schemas.openxmlformats.org/officeDocument/2006/relationships" xmlns:p="http://schemas.openxmlformats.org/presentationml/2006/main">
   <p:cSld>
     <p:spTree>
@@ -30101,7 +30911,7 @@
 </p:sld>
 </file>
 
-<file path=ppt/slides/slide58.xml><?xml version="1.0" encoding="utf-8"?>
+<file path=ppt/slides/slide59.xml><?xml version="1.0" encoding="utf-8"?>
 <p:sld xmlns:a="http://schemas.openxmlformats.org/drawingml/2006/main" xmlns:r="http://schemas.openxmlformats.org/officeDocument/2006/relationships" xmlns:p="http://schemas.openxmlformats.org/presentationml/2006/main">
   <p:cSld>
     <p:spTree>
@@ -30208,7 +31018,146 @@
 </p:sld>
 </file>
 
-<file path=ppt/slides/slide59.xml><?xml version="1.0" encoding="utf-8"?>
+<file path=ppt/slides/slide6.xml><?xml version="1.0" encoding="utf-8"?>
+<p:sld xmlns:a="http://schemas.openxmlformats.org/drawingml/2006/main" xmlns:r="http://schemas.openxmlformats.org/officeDocument/2006/relationships" xmlns:p="http://schemas.openxmlformats.org/presentationml/2006/main">
+  <p:cSld>
+    <p:spTree>
+      <p:nvGrpSpPr>
+        <p:cNvPr id="1" name=""/>
+        <p:cNvGrpSpPr/>
+        <p:nvPr/>
+      </p:nvGrpSpPr>
+      <p:grpSpPr>
+        <a:xfrm>
+          <a:off x="0" y="0"/>
+          <a:ext cx="0" cy="0"/>
+          <a:chOff x="0" y="0"/>
+          <a:chExt cx="0" cy="0"/>
+        </a:xfrm>
+      </p:grpSpPr>
+      <p:sp>
+        <p:nvSpPr>
+          <p:cNvPr id="2" name="タイトル 1">
+            <a:extLst>
+              <a:ext uri="{FF2B5EF4-FFF2-40B4-BE49-F238E27FC236}">
+                <a16:creationId xmlns:a16="http://schemas.microsoft.com/office/drawing/2014/main" id="{93010AF0-9B7D-1145-8148-06A633089EBF}"/>
+              </a:ext>
+            </a:extLst>
+          </p:cNvPr>
+          <p:cNvSpPr>
+            <a:spLocks noGrp="1"/>
+          </p:cNvSpPr>
+          <p:nvPr>
+            <p:ph type="title"/>
+          </p:nvPr>
+        </p:nvSpPr>
+        <p:spPr/>
+        <p:txBody>
+          <a:bodyPr/>
+          <a:lstStyle/>
+          <a:p>
+            <a:r>
+              <a:rPr kumimoji="1" lang="en-US" altLang="ja-JP" dirty="0"/>
+              <a:t>Outline</a:t>
+            </a:r>
+            <a:endParaRPr kumimoji="1" lang="ja-JP" altLang="en-US"/>
+          </a:p>
+        </p:txBody>
+      </p:sp>
+      <p:sp>
+        <p:nvSpPr>
+          <p:cNvPr id="3" name="コンテンツ プレースホルダー 2">
+            <a:extLst>
+              <a:ext uri="{FF2B5EF4-FFF2-40B4-BE49-F238E27FC236}">
+                <a16:creationId xmlns:a16="http://schemas.microsoft.com/office/drawing/2014/main" id="{97A5DCCE-A463-7E40-A93C-1FAC6C539F8C}"/>
+              </a:ext>
+            </a:extLst>
+          </p:cNvPr>
+          <p:cNvSpPr>
+            <a:spLocks noGrp="1"/>
+          </p:cNvSpPr>
+          <p:nvPr>
+            <p:ph idx="1"/>
+          </p:nvPr>
+        </p:nvSpPr>
+        <p:spPr/>
+        <p:txBody>
+          <a:bodyPr>
+            <a:normAutofit/>
+          </a:bodyPr>
+          <a:lstStyle/>
+          <a:p>
+            <a:r>
+              <a:rPr kumimoji="1" lang="en-US" altLang="ja-JP" sz="2400" dirty="0">
+                <a:solidFill>
+                  <a:schemeClr val="bg1">
+                    <a:lumMod val="75000"/>
+                  </a:schemeClr>
+                </a:solidFill>
+              </a:rPr>
+              <a:t>Background</a:t>
+            </a:r>
+          </a:p>
+          <a:p>
+            <a:r>
+              <a:rPr lang="en-US" altLang="ja-JP" sz="2400" dirty="0"/>
+              <a:t>Problem definition</a:t>
+            </a:r>
+            <a:endParaRPr kumimoji="1" lang="en-US" altLang="ja-JP" sz="2400" dirty="0"/>
+          </a:p>
+          <a:p>
+            <a:r>
+              <a:rPr lang="en-US" altLang="ja-JP" sz="2400" dirty="0">
+                <a:solidFill>
+                  <a:schemeClr val="bg1">
+                    <a:lumMod val="75000"/>
+                  </a:schemeClr>
+                </a:solidFill>
+              </a:rPr>
+              <a:t>Proposed model</a:t>
+            </a:r>
+          </a:p>
+          <a:p>
+            <a:r>
+              <a:rPr lang="en-US" altLang="ja-JP" sz="2400" dirty="0">
+                <a:solidFill>
+                  <a:schemeClr val="bg1">
+                    <a:lumMod val="75000"/>
+                  </a:schemeClr>
+                </a:solidFill>
+              </a:rPr>
+              <a:t>Summary</a:t>
+            </a:r>
+            <a:endParaRPr kumimoji="1" lang="en-US" altLang="ja-JP" sz="2400" dirty="0">
+              <a:solidFill>
+                <a:schemeClr val="bg1">
+                  <a:lumMod val="75000"/>
+                </a:schemeClr>
+              </a:solidFill>
+            </a:endParaRPr>
+          </a:p>
+          <a:p>
+            <a:endParaRPr kumimoji="1" lang="en-US" altLang="ja-JP" sz="2400" dirty="0"/>
+          </a:p>
+          <a:p>
+            <a:endParaRPr kumimoji="1" lang="ja-JP" altLang="en-US" sz="2400"/>
+          </a:p>
+        </p:txBody>
+      </p:sp>
+    </p:spTree>
+    <p:extLst>
+      <p:ext uri="{BB962C8B-B14F-4D97-AF65-F5344CB8AC3E}">
+        <p14:creationId xmlns:p14="http://schemas.microsoft.com/office/powerpoint/2010/main" val="3752892603"/>
+      </p:ext>
+    </p:extLst>
+  </p:cSld>
+  <p:clrMapOvr>
+    <a:masterClrMapping/>
+  </p:clrMapOvr>
+</p:sld>
+</file>
+
+<file path=ppt/slides/slide60.xml><?xml version="1.0" encoding="utf-8"?>
 <p:sld xmlns:a="http://schemas.openxmlformats.org/drawingml/2006/main" xmlns:r="http://schemas.openxmlformats.org/officeDocument/2006/relationships" xmlns:p="http://schemas.openxmlformats.org/presentationml/2006/main">
   <p:cSld>
     <p:spTree>
@@ -30660,146 +31609,7 @@
 </p:sld>
 </file>
 
-<file path=ppt/slides/slide6.xml><?xml version="1.0" encoding="utf-8"?>
-<p:sld xmlns:a="http://schemas.openxmlformats.org/drawingml/2006/main" xmlns:r="http://schemas.openxmlformats.org/officeDocument/2006/relationships" xmlns:p="http://schemas.openxmlformats.org/presentationml/2006/main">
-  <p:cSld>
-    <p:spTree>
-      <p:nvGrpSpPr>
-        <p:cNvPr id="1" name=""/>
-        <p:cNvGrpSpPr/>
-        <p:nvPr/>
-      </p:nvGrpSpPr>
-      <p:grpSpPr>
-        <a:xfrm>
-          <a:off x="0" y="0"/>
-          <a:ext cx="0" cy="0"/>
-          <a:chOff x="0" y="0"/>
-          <a:chExt cx="0" cy="0"/>
-        </a:xfrm>
-      </p:grpSpPr>
-      <p:sp>
-        <p:nvSpPr>
-          <p:cNvPr id="2" name="タイトル 1">
-            <a:extLst>
-              <a:ext uri="{FF2B5EF4-FFF2-40B4-BE49-F238E27FC236}">
-                <a16:creationId xmlns:a16="http://schemas.microsoft.com/office/drawing/2014/main" id="{93010AF0-9B7D-1145-8148-06A633089EBF}"/>
-              </a:ext>
-            </a:extLst>
-          </p:cNvPr>
-          <p:cNvSpPr>
-            <a:spLocks noGrp="1"/>
-          </p:cNvSpPr>
-          <p:nvPr>
-            <p:ph type="title"/>
-          </p:nvPr>
-        </p:nvSpPr>
-        <p:spPr/>
-        <p:txBody>
-          <a:bodyPr/>
-          <a:lstStyle/>
-          <a:p>
-            <a:r>
-              <a:rPr kumimoji="1" lang="en-US" altLang="ja-JP" dirty="0"/>
-              <a:t>Outline</a:t>
-            </a:r>
-            <a:endParaRPr kumimoji="1" lang="ja-JP" altLang="en-US"/>
-          </a:p>
-        </p:txBody>
-      </p:sp>
-      <p:sp>
-        <p:nvSpPr>
-          <p:cNvPr id="3" name="コンテンツ プレースホルダー 2">
-            <a:extLst>
-              <a:ext uri="{FF2B5EF4-FFF2-40B4-BE49-F238E27FC236}">
-                <a16:creationId xmlns:a16="http://schemas.microsoft.com/office/drawing/2014/main" id="{97A5DCCE-A463-7E40-A93C-1FAC6C539F8C}"/>
-              </a:ext>
-            </a:extLst>
-          </p:cNvPr>
-          <p:cNvSpPr>
-            <a:spLocks noGrp="1"/>
-          </p:cNvSpPr>
-          <p:nvPr>
-            <p:ph idx="1"/>
-          </p:nvPr>
-        </p:nvSpPr>
-        <p:spPr/>
-        <p:txBody>
-          <a:bodyPr>
-            <a:normAutofit/>
-          </a:bodyPr>
-          <a:lstStyle/>
-          <a:p>
-            <a:r>
-              <a:rPr kumimoji="1" lang="en-US" altLang="ja-JP" sz="2400" dirty="0">
-                <a:solidFill>
-                  <a:schemeClr val="bg1">
-                    <a:lumMod val="75000"/>
-                  </a:schemeClr>
-                </a:solidFill>
-              </a:rPr>
-              <a:t>Background</a:t>
-            </a:r>
-          </a:p>
-          <a:p>
-            <a:r>
-              <a:rPr lang="en-US" altLang="ja-JP" sz="2400" dirty="0"/>
-              <a:t>Problem definition</a:t>
-            </a:r>
-            <a:endParaRPr kumimoji="1" lang="en-US" altLang="ja-JP" sz="2400" dirty="0"/>
-          </a:p>
-          <a:p>
-            <a:r>
-              <a:rPr lang="en-US" altLang="ja-JP" sz="2400" dirty="0">
-                <a:solidFill>
-                  <a:schemeClr val="bg1">
-                    <a:lumMod val="75000"/>
-                  </a:schemeClr>
-                </a:solidFill>
-              </a:rPr>
-              <a:t>Proposed model</a:t>
-            </a:r>
-          </a:p>
-          <a:p>
-            <a:r>
-              <a:rPr lang="en-US" altLang="ja-JP" sz="2400" dirty="0">
-                <a:solidFill>
-                  <a:schemeClr val="bg1">
-                    <a:lumMod val="75000"/>
-                  </a:schemeClr>
-                </a:solidFill>
-              </a:rPr>
-              <a:t>Summary</a:t>
-            </a:r>
-            <a:endParaRPr kumimoji="1" lang="en-US" altLang="ja-JP" sz="2400" dirty="0">
-              <a:solidFill>
-                <a:schemeClr val="bg1">
-                  <a:lumMod val="75000"/>
-                </a:schemeClr>
-              </a:solidFill>
-            </a:endParaRPr>
-          </a:p>
-          <a:p>
-            <a:endParaRPr kumimoji="1" lang="en-US" altLang="ja-JP" sz="2400" dirty="0"/>
-          </a:p>
-          <a:p>
-            <a:endParaRPr kumimoji="1" lang="ja-JP" altLang="en-US" sz="2400"/>
-          </a:p>
-        </p:txBody>
-      </p:sp>
-    </p:spTree>
-    <p:extLst>
-      <p:ext uri="{BB962C8B-B14F-4D97-AF65-F5344CB8AC3E}">
-        <p14:creationId xmlns:p14="http://schemas.microsoft.com/office/powerpoint/2010/main" val="3752892603"/>
-      </p:ext>
-    </p:extLst>
-  </p:cSld>
-  <p:clrMapOvr>
-    <a:masterClrMapping/>
-  </p:clrMapOvr>
-</p:sld>
-</file>
-
-<file path=ppt/slides/slide60.xml><?xml version="1.0" encoding="utf-8"?>
+<file path=ppt/slides/slide61.xml><?xml version="1.0" encoding="utf-8"?>
 <p:sld xmlns:a="http://schemas.openxmlformats.org/drawingml/2006/main" xmlns:r="http://schemas.openxmlformats.org/officeDocument/2006/relationships" xmlns:p="http://schemas.openxmlformats.org/presentationml/2006/main">
   <p:cSld>
     <p:spTree>
@@ -30928,7 +31738,7 @@
 </p:sld>
 </file>
 
-<file path=ppt/slides/slide61.xml><?xml version="1.0" encoding="utf-8"?>
+<file path=ppt/slides/slide62.xml><?xml version="1.0" encoding="utf-8"?>
 <p:sld xmlns:a="http://schemas.openxmlformats.org/drawingml/2006/main" xmlns:r="http://schemas.openxmlformats.org/officeDocument/2006/relationships" xmlns:p="http://schemas.openxmlformats.org/presentationml/2006/main">
   <p:cSld>
     <p:spTree>
@@ -31965,7 +32775,7 @@
 </p:sld>
 </file>
 
-<file path=ppt/slides/slide62.xml><?xml version="1.0" encoding="utf-8"?>
+<file path=ppt/slides/slide63.xml><?xml version="1.0" encoding="utf-8"?>
 <p:sld xmlns:a="http://schemas.openxmlformats.org/drawingml/2006/main" xmlns:r="http://schemas.openxmlformats.org/officeDocument/2006/relationships" xmlns:p="http://schemas.openxmlformats.org/presentationml/2006/main">
   <p:cSld>
     <p:spTree>
@@ -33572,7 +34382,7 @@
 </p:sld>
 </file>
 
-<file path=ppt/slides/slide63.xml><?xml version="1.0" encoding="utf-8"?>
+<file path=ppt/slides/slide64.xml><?xml version="1.0" encoding="utf-8"?>
 <p:sld xmlns:a="http://schemas.openxmlformats.org/drawingml/2006/main" xmlns:r="http://schemas.openxmlformats.org/officeDocument/2006/relationships" xmlns:p="http://schemas.openxmlformats.org/presentationml/2006/main">
   <p:cSld>
     <p:spTree>
@@ -34143,7 +34953,7 @@
 </p:sld>
 </file>
 
-<file path=ppt/slides/slide64.xml><?xml version="1.0" encoding="utf-8"?>
+<file path=ppt/slides/slide65.xml><?xml version="1.0" encoding="utf-8"?>
 <p:sld xmlns:a="http://schemas.openxmlformats.org/drawingml/2006/main" xmlns:r="http://schemas.openxmlformats.org/officeDocument/2006/relationships" xmlns:p="http://schemas.openxmlformats.org/presentationml/2006/main">
   <p:cSld>
     <p:spTree>

--- a/竹田.pptx
+++ b/竹田.pptx
@@ -19,57 +19,58 @@
     <p:sldId id="269" r:id="rId13"/>
     <p:sldId id="632" r:id="rId14"/>
     <p:sldId id="271" r:id="rId15"/>
-    <p:sldId id="272" r:id="rId16"/>
-    <p:sldId id="273" r:id="rId17"/>
-    <p:sldId id="274" r:id="rId18"/>
-    <p:sldId id="264" r:id="rId19"/>
-    <p:sldId id="265" r:id="rId20"/>
-    <p:sldId id="266" r:id="rId21"/>
-    <p:sldId id="626" r:id="rId22"/>
-    <p:sldId id="569" r:id="rId23"/>
-    <p:sldId id="571" r:id="rId24"/>
-    <p:sldId id="573" r:id="rId25"/>
-    <p:sldId id="574" r:id="rId26"/>
-    <p:sldId id="627" r:id="rId27"/>
-    <p:sldId id="628" r:id="rId28"/>
-    <p:sldId id="629" r:id="rId29"/>
-    <p:sldId id="576" r:id="rId30"/>
-    <p:sldId id="579" r:id="rId31"/>
-    <p:sldId id="580" r:id="rId32"/>
-    <p:sldId id="581" r:id="rId33"/>
-    <p:sldId id="588" r:id="rId34"/>
-    <p:sldId id="589" r:id="rId35"/>
-    <p:sldId id="591" r:id="rId36"/>
-    <p:sldId id="590" r:id="rId37"/>
-    <p:sldId id="592" r:id="rId38"/>
-    <p:sldId id="594" r:id="rId39"/>
-    <p:sldId id="607" r:id="rId40"/>
-    <p:sldId id="610" r:id="rId41"/>
-    <p:sldId id="630" r:id="rId42"/>
-    <p:sldId id="611" r:id="rId43"/>
-    <p:sldId id="616" r:id="rId44"/>
-    <p:sldId id="609" r:id="rId45"/>
-    <p:sldId id="578" r:id="rId46"/>
-    <p:sldId id="621" r:id="rId47"/>
-    <p:sldId id="561" r:id="rId48"/>
-    <p:sldId id="633" r:id="rId49"/>
-    <p:sldId id="562" r:id="rId50"/>
-    <p:sldId id="563" r:id="rId51"/>
-    <p:sldId id="564" r:id="rId52"/>
-    <p:sldId id="566" r:id="rId53"/>
-    <p:sldId id="568" r:id="rId54"/>
-    <p:sldId id="620" r:id="rId55"/>
-    <p:sldId id="619" r:id="rId56"/>
-    <p:sldId id="587" r:id="rId57"/>
-    <p:sldId id="596" r:id="rId58"/>
-    <p:sldId id="597" r:id="rId59"/>
-    <p:sldId id="598" r:id="rId60"/>
-    <p:sldId id="601" r:id="rId61"/>
-    <p:sldId id="602" r:id="rId62"/>
-    <p:sldId id="603" r:id="rId63"/>
-    <p:sldId id="604" r:id="rId64"/>
-    <p:sldId id="606" r:id="rId65"/>
-    <p:sldId id="608" r:id="rId66"/>
+    <p:sldId id="634" r:id="rId16"/>
+    <p:sldId id="272" r:id="rId17"/>
+    <p:sldId id="273" r:id="rId18"/>
+    <p:sldId id="274" r:id="rId19"/>
+    <p:sldId id="264" r:id="rId20"/>
+    <p:sldId id="265" r:id="rId21"/>
+    <p:sldId id="266" r:id="rId22"/>
+    <p:sldId id="626" r:id="rId23"/>
+    <p:sldId id="569" r:id="rId24"/>
+    <p:sldId id="571" r:id="rId25"/>
+    <p:sldId id="573" r:id="rId26"/>
+    <p:sldId id="574" r:id="rId27"/>
+    <p:sldId id="627" r:id="rId28"/>
+    <p:sldId id="628" r:id="rId29"/>
+    <p:sldId id="629" r:id="rId30"/>
+    <p:sldId id="576" r:id="rId31"/>
+    <p:sldId id="579" r:id="rId32"/>
+    <p:sldId id="580" r:id="rId33"/>
+    <p:sldId id="581" r:id="rId34"/>
+    <p:sldId id="588" r:id="rId35"/>
+    <p:sldId id="589" r:id="rId36"/>
+    <p:sldId id="591" r:id="rId37"/>
+    <p:sldId id="590" r:id="rId38"/>
+    <p:sldId id="592" r:id="rId39"/>
+    <p:sldId id="594" r:id="rId40"/>
+    <p:sldId id="607" r:id="rId41"/>
+    <p:sldId id="610" r:id="rId42"/>
+    <p:sldId id="630" r:id="rId43"/>
+    <p:sldId id="611" r:id="rId44"/>
+    <p:sldId id="616" r:id="rId45"/>
+    <p:sldId id="609" r:id="rId46"/>
+    <p:sldId id="578" r:id="rId47"/>
+    <p:sldId id="621" r:id="rId48"/>
+    <p:sldId id="561" r:id="rId49"/>
+    <p:sldId id="633" r:id="rId50"/>
+    <p:sldId id="562" r:id="rId51"/>
+    <p:sldId id="563" r:id="rId52"/>
+    <p:sldId id="564" r:id="rId53"/>
+    <p:sldId id="566" r:id="rId54"/>
+    <p:sldId id="568" r:id="rId55"/>
+    <p:sldId id="620" r:id="rId56"/>
+    <p:sldId id="619" r:id="rId57"/>
+    <p:sldId id="587" r:id="rId58"/>
+    <p:sldId id="596" r:id="rId59"/>
+    <p:sldId id="597" r:id="rId60"/>
+    <p:sldId id="598" r:id="rId61"/>
+    <p:sldId id="601" r:id="rId62"/>
+    <p:sldId id="602" r:id="rId63"/>
+    <p:sldId id="603" r:id="rId64"/>
+    <p:sldId id="604" r:id="rId65"/>
+    <p:sldId id="606" r:id="rId66"/>
+    <p:sldId id="608" r:id="rId67"/>
   </p:sldIdLst>
   <p:sldSz cx="12192000" cy="6858000"/>
   <p:notesSz cx="6858000" cy="9144000"/>
@@ -13484,6 +13485,497 @@
           <p:cNvPr id="2" name="タイトル 1">
             <a:extLst>
               <a:ext uri="{FF2B5EF4-FFF2-40B4-BE49-F238E27FC236}">
+                <a16:creationId xmlns:a16="http://schemas.microsoft.com/office/drawing/2014/main" id="{2ACE2C3C-4BC0-9A48-8819-B8962728EB30}"/>
+              </a:ext>
+            </a:extLst>
+          </p:cNvPr>
+          <p:cNvSpPr>
+            <a:spLocks noGrp="1"/>
+          </p:cNvSpPr>
+          <p:nvPr>
+            <p:ph type="title"/>
+          </p:nvPr>
+        </p:nvSpPr>
+        <p:spPr>
+          <a:xfrm>
+            <a:off x="2435663" y="633910"/>
+            <a:ext cx="9482534" cy="1280890"/>
+          </a:xfrm>
+        </p:spPr>
+        <p:txBody>
+          <a:bodyPr>
+            <a:normAutofit fontScale="90000"/>
+          </a:bodyPr>
+          <a:lstStyle/>
+          <a:p>
+            <a:r>
+              <a:rPr lang="en" altLang="ja-JP" dirty="0"/>
+              <a:t>placing </a:t>
+            </a:r>
+            <a:r>
+              <a:rPr lang="en-US" altLang="ja-JP" dirty="0"/>
+              <a:t>same</a:t>
+            </a:r>
+            <a:r>
+              <a:rPr lang="en" altLang="ja-JP" dirty="0"/>
+              <a:t> bookings by port closer together</a:t>
+            </a:r>
+            <a:br>
+              <a:rPr lang="en" altLang="ja-JP" dirty="0"/>
+            </a:br>
+            <a:endParaRPr kumimoji="1" lang="ja-JP" altLang="en-US"/>
+          </a:p>
+        </p:txBody>
+      </p:sp>
+      <p:sp>
+        <p:nvSpPr>
+          <p:cNvPr id="3" name="コンテンツ プレースホルダー 2">
+            <a:extLst>
+              <a:ext uri="{FF2B5EF4-FFF2-40B4-BE49-F238E27FC236}">
+                <a16:creationId xmlns:a16="http://schemas.microsoft.com/office/drawing/2014/main" id="{D6FD89FE-6EBE-9B45-9FEE-179DCD542FAD}"/>
+              </a:ext>
+            </a:extLst>
+          </p:cNvPr>
+          <p:cNvSpPr>
+            <a:spLocks noGrp="1"/>
+          </p:cNvSpPr>
+          <p:nvPr>
+            <p:ph idx="1"/>
+          </p:nvPr>
+        </p:nvSpPr>
+        <p:spPr>
+          <a:xfrm>
+            <a:off x="2592925" y="1578699"/>
+            <a:ext cx="8915400" cy="3777622"/>
+          </a:xfrm>
+        </p:spPr>
+        <p:txBody>
+          <a:bodyPr>
+            <a:normAutofit/>
+          </a:bodyPr>
+          <a:lstStyle/>
+          <a:p>
+            <a:r>
+              <a:rPr lang="en-US" altLang="ja-JP" sz="2400" dirty="0"/>
+              <a:t>it is easy to load and unload cars if same bookings by port are placed closer.</a:t>
+            </a:r>
+          </a:p>
+          <a:p>
+            <a:r>
+              <a:rPr lang="en" altLang="ja-JP" sz="2400" dirty="0"/>
+              <a:t>we minimize the number of </a:t>
+            </a:r>
+            <a:r>
+              <a:rPr lang="en-US" altLang="ja-JP" sz="2400" dirty="0"/>
+              <a:t>booking</a:t>
+            </a:r>
+            <a:r>
+              <a:rPr lang="en" altLang="ja-JP" sz="2400" dirty="0"/>
+              <a:t>s with different ports that exist in adjacent pairs of holds. </a:t>
+            </a:r>
+            <a:br>
+              <a:rPr lang="en" altLang="ja-JP" sz="2400" dirty="0"/>
+            </a:br>
+            <a:endParaRPr kumimoji="1" lang="en" altLang="ja-JP" sz="2400" dirty="0">
+              <a:solidFill>
+                <a:srgbClr val="FF0000"/>
+              </a:solidFill>
+            </a:endParaRPr>
+          </a:p>
+          <a:p>
+            <a:pPr marL="0" indent="0">
+              <a:buNone/>
+            </a:pPr>
+            <a:r>
+              <a:rPr kumimoji="1" lang="en-US" altLang="ja-JP" sz="2400" dirty="0">
+                <a:solidFill>
+                  <a:srgbClr val="FF0000"/>
+                </a:solidFill>
+              </a:rPr>
+              <a:t>	                </a:t>
+            </a:r>
+            <a:r>
+              <a:rPr kumimoji="1" lang="ja-JP" altLang="en-US" sz="2400">
+                <a:solidFill>
+                  <a:srgbClr val="FF0000"/>
+                </a:solidFill>
+              </a:rPr>
+              <a:t>○ </a:t>
+            </a:r>
+            <a:r>
+              <a:rPr kumimoji="1" lang="ja-JP" altLang="en-US" sz="2400"/>
+              <a:t>                                    </a:t>
+            </a:r>
+            <a:r>
+              <a:rPr kumimoji="1" lang="en-US" altLang="ja-JP" sz="2400" dirty="0">
+                <a:solidFill>
+                  <a:srgbClr val="FF0000"/>
+                </a:solidFill>
+              </a:rPr>
+              <a:t>×</a:t>
+            </a:r>
+            <a:endParaRPr kumimoji="1" lang="ja-JP" altLang="en-US" sz="2400">
+              <a:solidFill>
+                <a:srgbClr val="FF0000"/>
+              </a:solidFill>
+            </a:endParaRPr>
+          </a:p>
+        </p:txBody>
+      </p:sp>
+      <p:sp>
+        <p:nvSpPr>
+          <p:cNvPr id="22" name="正方形/長方形 21">
+            <a:extLst>
+              <a:ext uri="{FF2B5EF4-FFF2-40B4-BE49-F238E27FC236}">
+                <a16:creationId xmlns:a16="http://schemas.microsoft.com/office/drawing/2014/main" id="{7D8525D6-AAB4-8542-8282-403599A3EBD5}"/>
+              </a:ext>
+            </a:extLst>
+          </p:cNvPr>
+          <p:cNvSpPr/>
+          <p:nvPr/>
+        </p:nvSpPr>
+        <p:spPr>
+          <a:xfrm>
+            <a:off x="9873021" y="5183886"/>
+            <a:ext cx="668741" cy="204193"/>
+          </a:xfrm>
+          <a:prstGeom prst="rect">
+            <a:avLst/>
+          </a:prstGeom>
+          <a:solidFill>
+            <a:srgbClr val="92D050"/>
+          </a:solidFill>
+        </p:spPr>
+        <p:style>
+          <a:lnRef idx="2">
+            <a:schemeClr val="accent1">
+              <a:shade val="50000"/>
+            </a:schemeClr>
+          </a:lnRef>
+          <a:fillRef idx="1">
+            <a:schemeClr val="accent1"/>
+          </a:fillRef>
+          <a:effectRef idx="0">
+            <a:schemeClr val="accent1"/>
+          </a:effectRef>
+          <a:fontRef idx="minor">
+            <a:schemeClr val="lt1"/>
+          </a:fontRef>
+        </p:style>
+        <p:txBody>
+          <a:bodyPr rtlCol="0" anchor="ctr"/>
+          <a:lstStyle/>
+          <a:p>
+            <a:pPr algn="ctr"/>
+            <a:endParaRPr kumimoji="1" lang="ja-JP" altLang="en-US"/>
+          </a:p>
+        </p:txBody>
+      </p:sp>
+      <p:sp>
+        <p:nvSpPr>
+          <p:cNvPr id="23" name="正方形/長方形 22">
+            <a:extLst>
+              <a:ext uri="{FF2B5EF4-FFF2-40B4-BE49-F238E27FC236}">
+                <a16:creationId xmlns:a16="http://schemas.microsoft.com/office/drawing/2014/main" id="{BDE40002-7532-B94D-9CB0-51A84B9770D2}"/>
+              </a:ext>
+            </a:extLst>
+          </p:cNvPr>
+          <p:cNvSpPr/>
+          <p:nvPr/>
+        </p:nvSpPr>
+        <p:spPr>
+          <a:xfrm>
+            <a:off x="9873020" y="4836783"/>
+            <a:ext cx="668741" cy="176573"/>
+          </a:xfrm>
+          <a:prstGeom prst="rect">
+            <a:avLst/>
+          </a:prstGeom>
+          <a:solidFill>
+            <a:srgbClr val="FFC000"/>
+          </a:solidFill>
+        </p:spPr>
+        <p:style>
+          <a:lnRef idx="2">
+            <a:schemeClr val="accent1">
+              <a:shade val="50000"/>
+            </a:schemeClr>
+          </a:lnRef>
+          <a:fillRef idx="1">
+            <a:schemeClr val="accent1"/>
+          </a:fillRef>
+          <a:effectRef idx="0">
+            <a:schemeClr val="accent1"/>
+          </a:effectRef>
+          <a:fontRef idx="minor">
+            <a:schemeClr val="lt1"/>
+          </a:fontRef>
+        </p:style>
+        <p:txBody>
+          <a:bodyPr rtlCol="0" anchor="ctr"/>
+          <a:lstStyle/>
+          <a:p>
+            <a:pPr algn="ctr"/>
+            <a:endParaRPr kumimoji="1" lang="ja-JP" altLang="en-US"/>
+          </a:p>
+        </p:txBody>
+      </p:sp>
+      <p:sp>
+        <p:nvSpPr>
+          <p:cNvPr id="24" name="正方形/長方形 23">
+            <a:extLst>
+              <a:ext uri="{FF2B5EF4-FFF2-40B4-BE49-F238E27FC236}">
+                <a16:creationId xmlns:a16="http://schemas.microsoft.com/office/drawing/2014/main" id="{E0CE906E-6301-F145-B809-EB1FABB25FE1}"/>
+              </a:ext>
+            </a:extLst>
+          </p:cNvPr>
+          <p:cNvSpPr/>
+          <p:nvPr/>
+        </p:nvSpPr>
+        <p:spPr>
+          <a:xfrm>
+            <a:off x="9873020" y="5575977"/>
+            <a:ext cx="668741" cy="192352"/>
+          </a:xfrm>
+          <a:prstGeom prst="rect">
+            <a:avLst/>
+          </a:prstGeom>
+          <a:solidFill>
+            <a:srgbClr val="00B0F0"/>
+          </a:solidFill>
+        </p:spPr>
+        <p:style>
+          <a:lnRef idx="2">
+            <a:schemeClr val="accent1">
+              <a:shade val="50000"/>
+            </a:schemeClr>
+          </a:lnRef>
+          <a:fillRef idx="1">
+            <a:schemeClr val="accent1"/>
+          </a:fillRef>
+          <a:effectRef idx="0">
+            <a:schemeClr val="accent1"/>
+          </a:effectRef>
+          <a:fontRef idx="minor">
+            <a:schemeClr val="lt1"/>
+          </a:fontRef>
+        </p:style>
+        <p:txBody>
+          <a:bodyPr rtlCol="0" anchor="ctr"/>
+          <a:lstStyle/>
+          <a:p>
+            <a:pPr algn="ctr"/>
+            <a:endParaRPr kumimoji="1" lang="ja-JP" altLang="en-US"/>
+          </a:p>
+        </p:txBody>
+      </p:sp>
+      <p:sp>
+        <p:nvSpPr>
+          <p:cNvPr id="26" name="テキスト ボックス 25">
+            <a:extLst>
+              <a:ext uri="{FF2B5EF4-FFF2-40B4-BE49-F238E27FC236}">
+                <a16:creationId xmlns:a16="http://schemas.microsoft.com/office/drawing/2014/main" id="{B722AE1D-A352-004B-ABDE-711CA479A371}"/>
+              </a:ext>
+            </a:extLst>
+          </p:cNvPr>
+          <p:cNvSpPr txBox="1"/>
+          <p:nvPr/>
+        </p:nvSpPr>
+        <p:spPr>
+          <a:xfrm>
+            <a:off x="10709329" y="4720025"/>
+            <a:ext cx="1208868" cy="369332"/>
+          </a:xfrm>
+          <a:prstGeom prst="rect">
+            <a:avLst/>
+          </a:prstGeom>
+          <a:noFill/>
+        </p:spPr>
+        <p:txBody>
+          <a:bodyPr wrap="square" rtlCol="0">
+            <a:spAutoFit/>
+          </a:bodyPr>
+          <a:lstStyle/>
+          <a:p>
+            <a:r>
+              <a:rPr kumimoji="1" lang="en-US" altLang="ja-JP" dirty="0"/>
+              <a:t>Port A</a:t>
+            </a:r>
+            <a:endParaRPr kumimoji="1" lang="ja-JP" altLang="en-US"/>
+          </a:p>
+        </p:txBody>
+      </p:sp>
+      <p:sp>
+        <p:nvSpPr>
+          <p:cNvPr id="28" name="テキスト ボックス 27">
+            <a:extLst>
+              <a:ext uri="{FF2B5EF4-FFF2-40B4-BE49-F238E27FC236}">
+                <a16:creationId xmlns:a16="http://schemas.microsoft.com/office/drawing/2014/main" id="{8D4D313C-5C91-F74C-AC89-4C49C4553CEA}"/>
+              </a:ext>
+            </a:extLst>
+          </p:cNvPr>
+          <p:cNvSpPr txBox="1"/>
+          <p:nvPr/>
+        </p:nvSpPr>
+        <p:spPr>
+          <a:xfrm>
+            <a:off x="10709329" y="5117863"/>
+            <a:ext cx="965012" cy="369332"/>
+          </a:xfrm>
+          <a:prstGeom prst="rect">
+            <a:avLst/>
+          </a:prstGeom>
+          <a:noFill/>
+        </p:spPr>
+        <p:txBody>
+          <a:bodyPr wrap="square" rtlCol="0">
+            <a:spAutoFit/>
+          </a:bodyPr>
+          <a:lstStyle/>
+          <a:p>
+            <a:r>
+              <a:rPr kumimoji="1" lang="en-US" altLang="ja-JP" dirty="0"/>
+              <a:t>Port B</a:t>
+            </a:r>
+            <a:endParaRPr kumimoji="1" lang="ja-JP" altLang="en-US"/>
+          </a:p>
+        </p:txBody>
+      </p:sp>
+      <p:sp>
+        <p:nvSpPr>
+          <p:cNvPr id="29" name="テキスト ボックス 28">
+            <a:extLst>
+              <a:ext uri="{FF2B5EF4-FFF2-40B4-BE49-F238E27FC236}">
+                <a16:creationId xmlns:a16="http://schemas.microsoft.com/office/drawing/2014/main" id="{E555D4AA-4C5E-E142-904E-A766476D394F}"/>
+              </a:ext>
+            </a:extLst>
+          </p:cNvPr>
+          <p:cNvSpPr txBox="1"/>
+          <p:nvPr/>
+        </p:nvSpPr>
+        <p:spPr>
+          <a:xfrm>
+            <a:off x="10709329" y="5498110"/>
+            <a:ext cx="965012" cy="369332"/>
+          </a:xfrm>
+          <a:prstGeom prst="rect">
+            <a:avLst/>
+          </a:prstGeom>
+          <a:noFill/>
+        </p:spPr>
+        <p:txBody>
+          <a:bodyPr wrap="square" rtlCol="0">
+            <a:spAutoFit/>
+          </a:bodyPr>
+          <a:lstStyle/>
+          <a:p>
+            <a:r>
+              <a:rPr kumimoji="1" lang="en-US" altLang="ja-JP" dirty="0"/>
+              <a:t>Port </a:t>
+            </a:r>
+            <a:r>
+              <a:rPr lang="en-US" altLang="ja-JP" dirty="0"/>
+              <a:t>C</a:t>
+            </a:r>
+            <a:endParaRPr kumimoji="1" lang="ja-JP" altLang="en-US"/>
+          </a:p>
+        </p:txBody>
+      </p:sp>
+      <p:pic>
+        <p:nvPicPr>
+          <p:cNvPr id="36" name="図 35">
+            <a:extLst>
+              <a:ext uri="{FF2B5EF4-FFF2-40B4-BE49-F238E27FC236}">
+                <a16:creationId xmlns:a16="http://schemas.microsoft.com/office/drawing/2014/main" id="{4314CFD3-7A6B-FD44-8A51-646A82269D32}"/>
+              </a:ext>
+            </a:extLst>
+          </p:cNvPr>
+          <p:cNvPicPr>
+            <a:picLocks noChangeAspect="1"/>
+          </p:cNvPicPr>
+          <p:nvPr/>
+        </p:nvPicPr>
+        <p:blipFill>
+          <a:blip r:embed="rId2"/>
+          <a:stretch>
+            <a:fillRect/>
+          </a:stretch>
+        </p:blipFill>
+        <p:spPr>
+          <a:xfrm>
+            <a:off x="2817385" y="4368000"/>
+            <a:ext cx="3268613" cy="1772447"/>
+          </a:xfrm>
+          <a:prstGeom prst="rect">
+            <a:avLst/>
+          </a:prstGeom>
+        </p:spPr>
+      </p:pic>
+      <p:pic>
+        <p:nvPicPr>
+          <p:cNvPr id="38" name="図 37">
+            <a:extLst>
+              <a:ext uri="{FF2B5EF4-FFF2-40B4-BE49-F238E27FC236}">
+                <a16:creationId xmlns:a16="http://schemas.microsoft.com/office/drawing/2014/main" id="{8318B98B-C35E-6040-AFE4-2E4BF54901CB}"/>
+              </a:ext>
+            </a:extLst>
+          </p:cNvPr>
+          <p:cNvPicPr>
+            <a:picLocks noChangeAspect="1"/>
+          </p:cNvPicPr>
+          <p:nvPr/>
+        </p:nvPicPr>
+        <p:blipFill>
+          <a:blip r:embed="rId3"/>
+          <a:stretch>
+            <a:fillRect/>
+          </a:stretch>
+        </p:blipFill>
+        <p:spPr>
+          <a:xfrm>
+            <a:off x="6310458" y="4367999"/>
+            <a:ext cx="3268613" cy="1772447"/>
+          </a:xfrm>
+          <a:prstGeom prst="rect">
+            <a:avLst/>
+          </a:prstGeom>
+        </p:spPr>
+      </p:pic>
+    </p:spTree>
+    <p:extLst>
+      <p:ext uri="{BB962C8B-B14F-4D97-AF65-F5344CB8AC3E}">
+        <p14:creationId xmlns:p14="http://schemas.microsoft.com/office/powerpoint/2010/main" val="2584420887"/>
+      </p:ext>
+    </p:extLst>
+  </p:cSld>
+  <p:clrMapOvr>
+    <a:masterClrMapping/>
+  </p:clrMapOvr>
+</p:sld>
+</file>
+
+<file path=ppt/slides/slide16.xml><?xml version="1.0" encoding="utf-8"?>
+<p:sld xmlns:a="http://schemas.openxmlformats.org/drawingml/2006/main" xmlns:r="http://schemas.openxmlformats.org/officeDocument/2006/relationships" xmlns:p="http://schemas.openxmlformats.org/presentationml/2006/main">
+  <p:cSld>
+    <p:spTree>
+      <p:nvGrpSpPr>
+        <p:cNvPr id="1" name=""/>
+        <p:cNvGrpSpPr/>
+        <p:nvPr/>
+      </p:nvGrpSpPr>
+      <p:grpSpPr>
+        <a:xfrm>
+          <a:off x="0" y="0"/>
+          <a:ext cx="0" cy="0"/>
+          <a:chOff x="0" y="0"/>
+          <a:chExt cx="0" cy="0"/>
+        </a:xfrm>
+      </p:grpSpPr>
+      <p:sp>
+        <p:nvSpPr>
+          <p:cNvPr id="2" name="タイトル 1">
+            <a:extLst>
+              <a:ext uri="{FF2B5EF4-FFF2-40B4-BE49-F238E27FC236}">
                 <a16:creationId xmlns:a16="http://schemas.microsoft.com/office/drawing/2014/main" id="{AD513AB0-DE80-1249-81CC-02FEBF1A9A4F}"/>
               </a:ext>
             </a:extLst>
@@ -13582,7 +14074,7 @@
 </p:sld>
 </file>
 
-<file path=ppt/slides/slide16.xml><?xml version="1.0" encoding="utf-8"?>
+<file path=ppt/slides/slide17.xml><?xml version="1.0" encoding="utf-8"?>
 <p:sld xmlns:a="http://schemas.openxmlformats.org/drawingml/2006/main" xmlns:r="http://schemas.openxmlformats.org/officeDocument/2006/relationships" xmlns:p="http://schemas.openxmlformats.org/presentationml/2006/main">
   <p:cSld>
     <p:spTree>
@@ -14247,7 +14739,7 @@
 </p:sld>
 </file>
 
-<file path=ppt/slides/slide17.xml><?xml version="1.0" encoding="utf-8"?>
+<file path=ppt/slides/slide18.xml><?xml version="1.0" encoding="utf-8"?>
 <p:sld xmlns:a="http://schemas.openxmlformats.org/drawingml/2006/main" xmlns:r="http://schemas.openxmlformats.org/officeDocument/2006/relationships" xmlns:p="http://schemas.openxmlformats.org/presentationml/2006/main">
   <p:cSld>
     <p:spTree>
@@ -14757,7 +15249,7 @@
 </p:sld>
 </file>
 
-<file path=ppt/slides/slide18.xml><?xml version="1.0" encoding="utf-8"?>
+<file path=ppt/slides/slide19.xml><?xml version="1.0" encoding="utf-8"?>
 <p:sld xmlns:a="http://schemas.openxmlformats.org/drawingml/2006/main" xmlns:r="http://schemas.openxmlformats.org/officeDocument/2006/relationships" xmlns:p="http://schemas.openxmlformats.org/presentationml/2006/main">
   <p:cSld>
     <p:spTree>
@@ -14885,7 +15377,121 @@
 </p:sld>
 </file>
 
-<file path=ppt/slides/slide19.xml><?xml version="1.0" encoding="utf-8"?>
+<file path=ppt/slides/slide2.xml><?xml version="1.0" encoding="utf-8"?>
+<p:sld xmlns:a="http://schemas.openxmlformats.org/drawingml/2006/main" xmlns:r="http://schemas.openxmlformats.org/officeDocument/2006/relationships" xmlns:p="http://schemas.openxmlformats.org/presentationml/2006/main">
+  <p:cSld>
+    <p:spTree>
+      <p:nvGrpSpPr>
+        <p:cNvPr id="1" name=""/>
+        <p:cNvGrpSpPr/>
+        <p:nvPr/>
+      </p:nvGrpSpPr>
+      <p:grpSpPr>
+        <a:xfrm>
+          <a:off x="0" y="0"/>
+          <a:ext cx="0" cy="0"/>
+          <a:chOff x="0" y="0"/>
+          <a:chExt cx="0" cy="0"/>
+        </a:xfrm>
+      </p:grpSpPr>
+      <p:sp>
+        <p:nvSpPr>
+          <p:cNvPr id="2" name="タイトル 1">
+            <a:extLst>
+              <a:ext uri="{FF2B5EF4-FFF2-40B4-BE49-F238E27FC236}">
+                <a16:creationId xmlns:a16="http://schemas.microsoft.com/office/drawing/2014/main" id="{93010AF0-9B7D-1145-8148-06A633089EBF}"/>
+              </a:ext>
+            </a:extLst>
+          </p:cNvPr>
+          <p:cNvSpPr>
+            <a:spLocks noGrp="1"/>
+          </p:cNvSpPr>
+          <p:nvPr>
+            <p:ph type="title"/>
+          </p:nvPr>
+        </p:nvSpPr>
+        <p:spPr/>
+        <p:txBody>
+          <a:bodyPr/>
+          <a:lstStyle/>
+          <a:p>
+            <a:r>
+              <a:rPr kumimoji="1" lang="en-US" altLang="ja-JP" dirty="0"/>
+              <a:t>Outline</a:t>
+            </a:r>
+            <a:endParaRPr kumimoji="1" lang="ja-JP" altLang="en-US"/>
+          </a:p>
+        </p:txBody>
+      </p:sp>
+      <p:sp>
+        <p:nvSpPr>
+          <p:cNvPr id="3" name="コンテンツ プレースホルダー 2">
+            <a:extLst>
+              <a:ext uri="{FF2B5EF4-FFF2-40B4-BE49-F238E27FC236}">
+                <a16:creationId xmlns:a16="http://schemas.microsoft.com/office/drawing/2014/main" id="{97A5DCCE-A463-7E40-A93C-1FAC6C539F8C}"/>
+              </a:ext>
+            </a:extLst>
+          </p:cNvPr>
+          <p:cNvSpPr>
+            <a:spLocks noGrp="1"/>
+          </p:cNvSpPr>
+          <p:nvPr>
+            <p:ph idx="1"/>
+          </p:nvPr>
+        </p:nvSpPr>
+        <p:spPr/>
+        <p:txBody>
+          <a:bodyPr>
+            <a:normAutofit/>
+          </a:bodyPr>
+          <a:lstStyle/>
+          <a:p>
+            <a:r>
+              <a:rPr kumimoji="1" lang="en-US" altLang="ja-JP" sz="2400" dirty="0"/>
+              <a:t>Background</a:t>
+            </a:r>
+          </a:p>
+          <a:p>
+            <a:r>
+              <a:rPr lang="en-US" altLang="ja-JP" sz="2400" dirty="0"/>
+              <a:t>Problem definition</a:t>
+            </a:r>
+            <a:endParaRPr kumimoji="1" lang="en-US" altLang="ja-JP" sz="2400" dirty="0"/>
+          </a:p>
+          <a:p>
+            <a:r>
+              <a:rPr lang="en-US" altLang="ja-JP" sz="2400" dirty="0"/>
+              <a:t>Proposed model</a:t>
+            </a:r>
+          </a:p>
+          <a:p>
+            <a:r>
+              <a:rPr kumimoji="1" lang="en-US" altLang="ja-JP" sz="2400" dirty="0"/>
+              <a:t>Summary</a:t>
+            </a:r>
+          </a:p>
+          <a:p>
+            <a:endParaRPr kumimoji="1" lang="en-US" altLang="ja-JP" sz="2400" dirty="0"/>
+          </a:p>
+          <a:p>
+            <a:endParaRPr kumimoji="1" lang="ja-JP" altLang="en-US" sz="2400"/>
+          </a:p>
+        </p:txBody>
+      </p:sp>
+    </p:spTree>
+    <p:extLst>
+      <p:ext uri="{BB962C8B-B14F-4D97-AF65-F5344CB8AC3E}">
+        <p14:creationId xmlns:p14="http://schemas.microsoft.com/office/powerpoint/2010/main" val="3695423022"/>
+      </p:ext>
+    </p:extLst>
+  </p:cSld>
+  <p:clrMapOvr>
+    <a:masterClrMapping/>
+  </p:clrMapOvr>
+</p:sld>
+</file>
+
+<file path=ppt/slides/slide20.xml><?xml version="1.0" encoding="utf-8"?>
 <p:sld xmlns:a="http://schemas.openxmlformats.org/drawingml/2006/main" xmlns:r="http://schemas.openxmlformats.org/officeDocument/2006/relationships" xmlns:p="http://schemas.openxmlformats.org/presentationml/2006/main">
   <p:cSld>
     <p:spTree>
@@ -15228,121 +15834,7 @@
 </p:sld>
 </file>
 
-<file path=ppt/slides/slide2.xml><?xml version="1.0" encoding="utf-8"?>
-<p:sld xmlns:a="http://schemas.openxmlformats.org/drawingml/2006/main" xmlns:r="http://schemas.openxmlformats.org/officeDocument/2006/relationships" xmlns:p="http://schemas.openxmlformats.org/presentationml/2006/main">
-  <p:cSld>
-    <p:spTree>
-      <p:nvGrpSpPr>
-        <p:cNvPr id="1" name=""/>
-        <p:cNvGrpSpPr/>
-        <p:nvPr/>
-      </p:nvGrpSpPr>
-      <p:grpSpPr>
-        <a:xfrm>
-          <a:off x="0" y="0"/>
-          <a:ext cx="0" cy="0"/>
-          <a:chOff x="0" y="0"/>
-          <a:chExt cx="0" cy="0"/>
-        </a:xfrm>
-      </p:grpSpPr>
-      <p:sp>
-        <p:nvSpPr>
-          <p:cNvPr id="2" name="タイトル 1">
-            <a:extLst>
-              <a:ext uri="{FF2B5EF4-FFF2-40B4-BE49-F238E27FC236}">
-                <a16:creationId xmlns:a16="http://schemas.microsoft.com/office/drawing/2014/main" id="{93010AF0-9B7D-1145-8148-06A633089EBF}"/>
-              </a:ext>
-            </a:extLst>
-          </p:cNvPr>
-          <p:cNvSpPr>
-            <a:spLocks noGrp="1"/>
-          </p:cNvSpPr>
-          <p:nvPr>
-            <p:ph type="title"/>
-          </p:nvPr>
-        </p:nvSpPr>
-        <p:spPr/>
-        <p:txBody>
-          <a:bodyPr/>
-          <a:lstStyle/>
-          <a:p>
-            <a:r>
-              <a:rPr kumimoji="1" lang="en-US" altLang="ja-JP" dirty="0"/>
-              <a:t>Outline</a:t>
-            </a:r>
-            <a:endParaRPr kumimoji="1" lang="ja-JP" altLang="en-US"/>
-          </a:p>
-        </p:txBody>
-      </p:sp>
-      <p:sp>
-        <p:nvSpPr>
-          <p:cNvPr id="3" name="コンテンツ プレースホルダー 2">
-            <a:extLst>
-              <a:ext uri="{FF2B5EF4-FFF2-40B4-BE49-F238E27FC236}">
-                <a16:creationId xmlns:a16="http://schemas.microsoft.com/office/drawing/2014/main" id="{97A5DCCE-A463-7E40-A93C-1FAC6C539F8C}"/>
-              </a:ext>
-            </a:extLst>
-          </p:cNvPr>
-          <p:cNvSpPr>
-            <a:spLocks noGrp="1"/>
-          </p:cNvSpPr>
-          <p:nvPr>
-            <p:ph idx="1"/>
-          </p:nvPr>
-        </p:nvSpPr>
-        <p:spPr/>
-        <p:txBody>
-          <a:bodyPr>
-            <a:normAutofit/>
-          </a:bodyPr>
-          <a:lstStyle/>
-          <a:p>
-            <a:r>
-              <a:rPr kumimoji="1" lang="en-US" altLang="ja-JP" sz="2400" dirty="0"/>
-              <a:t>Background</a:t>
-            </a:r>
-          </a:p>
-          <a:p>
-            <a:r>
-              <a:rPr lang="en-US" altLang="ja-JP" sz="2400" dirty="0"/>
-              <a:t>Problem definition</a:t>
-            </a:r>
-            <a:endParaRPr kumimoji="1" lang="en-US" altLang="ja-JP" sz="2400" dirty="0"/>
-          </a:p>
-          <a:p>
-            <a:r>
-              <a:rPr lang="en-US" altLang="ja-JP" sz="2400" dirty="0"/>
-              <a:t>Proposed model</a:t>
-            </a:r>
-          </a:p>
-          <a:p>
-            <a:r>
-              <a:rPr kumimoji="1" lang="en-US" altLang="ja-JP" sz="2400" dirty="0"/>
-              <a:t>Summary</a:t>
-            </a:r>
-          </a:p>
-          <a:p>
-            <a:endParaRPr kumimoji="1" lang="en-US" altLang="ja-JP" sz="2400" dirty="0"/>
-          </a:p>
-          <a:p>
-            <a:endParaRPr kumimoji="1" lang="ja-JP" altLang="en-US" sz="2400"/>
-          </a:p>
-        </p:txBody>
-      </p:sp>
-    </p:spTree>
-    <p:extLst>
-      <p:ext uri="{BB962C8B-B14F-4D97-AF65-F5344CB8AC3E}">
-        <p14:creationId xmlns:p14="http://schemas.microsoft.com/office/powerpoint/2010/main" val="3695423022"/>
-      </p:ext>
-    </p:extLst>
-  </p:cSld>
-  <p:clrMapOvr>
-    <a:masterClrMapping/>
-  </p:clrMapOvr>
-</p:sld>
-</file>
-
-<file path=ppt/slides/slide20.xml><?xml version="1.0" encoding="utf-8"?>
+<file path=ppt/slides/slide21.xml><?xml version="1.0" encoding="utf-8"?>
 <p:sld xmlns:a="http://schemas.openxmlformats.org/drawingml/2006/main" xmlns:r="http://schemas.openxmlformats.org/officeDocument/2006/relationships" xmlns:p="http://schemas.openxmlformats.org/presentationml/2006/main">
   <p:cSld>
     <p:spTree>
@@ -15488,7 +15980,7 @@
 </p:sld>
 </file>
 
-<file path=ppt/slides/slide21.xml><?xml version="1.0" encoding="utf-8"?>
+<file path=ppt/slides/slide22.xml><?xml version="1.0" encoding="utf-8"?>
 <p:sld xmlns:a="http://schemas.openxmlformats.org/drawingml/2006/main" xmlns:r="http://schemas.openxmlformats.org/officeDocument/2006/relationships" xmlns:p="http://schemas.openxmlformats.org/presentationml/2006/main">
   <p:cSld>
     <p:spTree>
@@ -15633,7 +16125,7 @@
 </p:sld>
 </file>
 
-<file path=ppt/slides/slide22.xml><?xml version="1.0" encoding="utf-8"?>
+<file path=ppt/slides/slide23.xml><?xml version="1.0" encoding="utf-8"?>
 <p:sld xmlns:a="http://schemas.openxmlformats.org/drawingml/2006/main" xmlns:r="http://schemas.openxmlformats.org/officeDocument/2006/relationships" xmlns:p="http://schemas.openxmlformats.org/presentationml/2006/main">
   <p:cSld>
     <p:spTree>
@@ -15755,7 +16247,7 @@
 </p:sld>
 </file>
 
-<file path=ppt/slides/slide23.xml><?xml version="1.0" encoding="utf-8"?>
+<file path=ppt/slides/slide24.xml><?xml version="1.0" encoding="utf-8"?>
 <p:sld xmlns:a="http://schemas.openxmlformats.org/drawingml/2006/main" xmlns:r="http://schemas.openxmlformats.org/officeDocument/2006/relationships" xmlns:p="http://schemas.openxmlformats.org/presentationml/2006/main">
   <p:cSld>
     <p:spTree>
@@ -15879,7 +16371,7 @@
 </p:sld>
 </file>
 
-<file path=ppt/slides/slide24.xml><?xml version="1.0" encoding="utf-8"?>
+<file path=ppt/slides/slide25.xml><?xml version="1.0" encoding="utf-8"?>
 <p:sld xmlns:a="http://schemas.openxmlformats.org/drawingml/2006/main" xmlns:r="http://schemas.openxmlformats.org/officeDocument/2006/relationships" xmlns:p="http://schemas.openxmlformats.org/presentationml/2006/main">
   <p:cSld>
     <p:spTree>
@@ -15993,7 +16485,7 @@
 </p:sld>
 </file>
 
-<file path=ppt/slides/slide25.xml><?xml version="1.0" encoding="utf-8"?>
+<file path=ppt/slides/slide26.xml><?xml version="1.0" encoding="utf-8"?>
 <p:sld xmlns:a="http://schemas.openxmlformats.org/drawingml/2006/main" xmlns:r="http://schemas.openxmlformats.org/officeDocument/2006/relationships" xmlns:p="http://schemas.openxmlformats.org/presentationml/2006/main">
   <p:cSld>
     <p:spTree>
@@ -16146,7 +16638,7 @@
 </p:sld>
 </file>
 
-<file path=ppt/slides/slide26.xml><?xml version="1.0" encoding="utf-8"?>
+<file path=ppt/slides/slide27.xml><?xml version="1.0" encoding="utf-8"?>
 <p:sld xmlns:a="http://schemas.openxmlformats.org/drawingml/2006/main" xmlns:r="http://schemas.openxmlformats.org/officeDocument/2006/relationships" xmlns:p="http://schemas.openxmlformats.org/presentationml/2006/main">
   <p:cSld>
     <p:spTree>
@@ -16346,7 +16838,7 @@
 </p:sld>
 </file>
 
-<file path=ppt/slides/slide27.xml><?xml version="1.0" encoding="utf-8"?>
+<file path=ppt/slides/slide28.xml><?xml version="1.0" encoding="utf-8"?>
 <p:sld xmlns:a="http://schemas.openxmlformats.org/drawingml/2006/main" xmlns:r="http://schemas.openxmlformats.org/officeDocument/2006/relationships" xmlns:p="http://schemas.openxmlformats.org/presentationml/2006/main">
   <p:cSld>
     <p:spTree>
@@ -16678,7 +17170,7 @@
 </p:sld>
 </file>
 
-<file path=ppt/slides/slide28.xml><?xml version="1.0" encoding="utf-8"?>
+<file path=ppt/slides/slide29.xml><?xml version="1.0" encoding="utf-8"?>
 <p:sld xmlns:a="http://schemas.openxmlformats.org/drawingml/2006/main" xmlns:r="http://schemas.openxmlformats.org/officeDocument/2006/relationships" xmlns:p="http://schemas.openxmlformats.org/presentationml/2006/main">
   <p:cSld>
     <p:spTree>
@@ -17102,139 +17594,6 @@
 </p:sld>
 </file>
 
-<file path=ppt/slides/slide29.xml><?xml version="1.0" encoding="utf-8"?>
-<p:sld xmlns:a="http://schemas.openxmlformats.org/drawingml/2006/main" xmlns:r="http://schemas.openxmlformats.org/officeDocument/2006/relationships" xmlns:p="http://schemas.openxmlformats.org/presentationml/2006/main">
-  <p:cSld>
-    <p:spTree>
-      <p:nvGrpSpPr>
-        <p:cNvPr id="1" name=""/>
-        <p:cNvGrpSpPr/>
-        <p:nvPr/>
-      </p:nvGrpSpPr>
-      <p:grpSpPr>
-        <a:xfrm>
-          <a:off x="0" y="0"/>
-          <a:ext cx="0" cy="0"/>
-          <a:chOff x="0" y="0"/>
-          <a:chExt cx="0" cy="0"/>
-        </a:xfrm>
-      </p:grpSpPr>
-      <p:sp>
-        <p:nvSpPr>
-          <p:cNvPr id="2" name="タイトル 1">
-            <a:extLst>
-              <a:ext uri="{FF2B5EF4-FFF2-40B4-BE49-F238E27FC236}">
-                <a16:creationId xmlns:a16="http://schemas.microsoft.com/office/drawing/2014/main" id="{FDC6E643-84C1-D84A-A5EC-DEBAA379F4FF}"/>
-              </a:ext>
-            </a:extLst>
-          </p:cNvPr>
-          <p:cNvSpPr>
-            <a:spLocks noGrp="1"/>
-          </p:cNvSpPr>
-          <p:nvPr>
-            <p:ph type="title"/>
-          </p:nvPr>
-        </p:nvSpPr>
-        <p:spPr/>
-        <p:txBody>
-          <a:bodyPr/>
-          <a:lstStyle/>
-          <a:p>
-            <a:r>
-              <a:rPr lang="en" altLang="ja-JP" dirty="0"/>
-              <a:t>Expr	</a:t>
-            </a:r>
-            <a:r>
-              <a:rPr lang="en" altLang="ja-JP" dirty="0" err="1"/>
-              <a:t>ession</a:t>
-            </a:r>
-            <a:r>
-              <a:rPr lang="en" altLang="ja-JP" dirty="0"/>
-              <a:t> of solution</a:t>
-            </a:r>
-            <a:endParaRPr kumimoji="1" lang="ja-JP" altLang="en-US"/>
-          </a:p>
-        </p:txBody>
-      </p:sp>
-      <p:sp>
-        <p:nvSpPr>
-          <p:cNvPr id="3" name="コンテンツ プレースホルダー 2">
-            <a:extLst>
-              <a:ext uri="{FF2B5EF4-FFF2-40B4-BE49-F238E27FC236}">
-                <a16:creationId xmlns:a16="http://schemas.microsoft.com/office/drawing/2014/main" id="{87DA18FE-55DE-054F-B0FC-BCAE58372308}"/>
-              </a:ext>
-            </a:extLst>
-          </p:cNvPr>
-          <p:cNvSpPr>
-            <a:spLocks noGrp="1"/>
-          </p:cNvSpPr>
-          <p:nvPr>
-            <p:ph idx="1"/>
-          </p:nvPr>
-        </p:nvSpPr>
-        <p:spPr/>
-        <p:txBody>
-          <a:bodyPr>
-            <a:normAutofit/>
-          </a:bodyPr>
-          <a:lstStyle/>
-          <a:p>
-            <a:r>
-              <a:rPr lang="en" altLang="ja-JP" sz="2400" dirty="0"/>
-              <a:t>Given an array of booking assigned to segments, we assign the bookings to holds based on the rules.</a:t>
-            </a:r>
-          </a:p>
-          <a:p>
-            <a:r>
-              <a:rPr lang="en" altLang="ja-JP" sz="2400" dirty="0"/>
-              <a:t>We load the vehicles from the back hold </a:t>
-            </a:r>
-            <a:r>
-              <a:rPr lang="en-US" altLang="ja-JP" sz="2400" dirty="0"/>
-              <a:t>while satisfying the travel routes constraints.</a:t>
-            </a:r>
-          </a:p>
-          <a:p>
-            <a:r>
-              <a:rPr lang="en" altLang="ja-JP" sz="2400" dirty="0"/>
-              <a:t>Other constraints or objectives are calculated in</a:t>
-            </a:r>
-            <a:r>
-              <a:rPr lang="en-US" altLang="ja-JP" sz="2400" dirty="0"/>
-              <a:t> the</a:t>
-            </a:r>
-            <a:r>
-              <a:rPr lang="en" altLang="ja-JP" sz="2400" dirty="0"/>
-              <a:t> evaluation function.</a:t>
-            </a:r>
-          </a:p>
-          <a:p>
-            <a:endParaRPr lang="en" altLang="ja-JP" sz="2400" dirty="0"/>
-          </a:p>
-          <a:p>
-            <a:endParaRPr lang="en-US" altLang="ja-JP" sz="2400" dirty="0"/>
-          </a:p>
-          <a:p>
-            <a:endParaRPr lang="en" altLang="ja-JP" sz="2400" dirty="0"/>
-          </a:p>
-          <a:p>
-            <a:endParaRPr kumimoji="1" lang="en" altLang="ja-JP" sz="2400" dirty="0"/>
-          </a:p>
-        </p:txBody>
-      </p:sp>
-    </p:spTree>
-    <p:extLst>
-      <p:ext uri="{BB962C8B-B14F-4D97-AF65-F5344CB8AC3E}">
-        <p14:creationId xmlns:p14="http://schemas.microsoft.com/office/powerpoint/2010/main" val="1840310504"/>
-      </p:ext>
-    </p:extLst>
-  </p:cSld>
-  <p:clrMapOvr>
-    <a:masterClrMapping/>
-  </p:clrMapOvr>
-</p:sld>
-</file>
-
 <file path=ppt/slides/slide3.xml><?xml version="1.0" encoding="utf-8"?>
 <p:sld xmlns:a="http://schemas.openxmlformats.org/drawingml/2006/main" xmlns:r="http://schemas.openxmlformats.org/officeDocument/2006/relationships" xmlns:p="http://schemas.openxmlformats.org/presentationml/2006/main">
   <p:cSld>
@@ -17395,6 +17754,139 @@
           <p:cNvPr id="2" name="タイトル 1">
             <a:extLst>
               <a:ext uri="{FF2B5EF4-FFF2-40B4-BE49-F238E27FC236}">
+                <a16:creationId xmlns:a16="http://schemas.microsoft.com/office/drawing/2014/main" id="{FDC6E643-84C1-D84A-A5EC-DEBAA379F4FF}"/>
+              </a:ext>
+            </a:extLst>
+          </p:cNvPr>
+          <p:cNvSpPr>
+            <a:spLocks noGrp="1"/>
+          </p:cNvSpPr>
+          <p:nvPr>
+            <p:ph type="title"/>
+          </p:nvPr>
+        </p:nvSpPr>
+        <p:spPr/>
+        <p:txBody>
+          <a:bodyPr/>
+          <a:lstStyle/>
+          <a:p>
+            <a:r>
+              <a:rPr lang="en" altLang="ja-JP" dirty="0"/>
+              <a:t>Expr	</a:t>
+            </a:r>
+            <a:r>
+              <a:rPr lang="en" altLang="ja-JP" dirty="0" err="1"/>
+              <a:t>ession</a:t>
+            </a:r>
+            <a:r>
+              <a:rPr lang="en" altLang="ja-JP" dirty="0"/>
+              <a:t> of solution</a:t>
+            </a:r>
+            <a:endParaRPr kumimoji="1" lang="ja-JP" altLang="en-US"/>
+          </a:p>
+        </p:txBody>
+      </p:sp>
+      <p:sp>
+        <p:nvSpPr>
+          <p:cNvPr id="3" name="コンテンツ プレースホルダー 2">
+            <a:extLst>
+              <a:ext uri="{FF2B5EF4-FFF2-40B4-BE49-F238E27FC236}">
+                <a16:creationId xmlns:a16="http://schemas.microsoft.com/office/drawing/2014/main" id="{87DA18FE-55DE-054F-B0FC-BCAE58372308}"/>
+              </a:ext>
+            </a:extLst>
+          </p:cNvPr>
+          <p:cNvSpPr>
+            <a:spLocks noGrp="1"/>
+          </p:cNvSpPr>
+          <p:nvPr>
+            <p:ph idx="1"/>
+          </p:nvPr>
+        </p:nvSpPr>
+        <p:spPr/>
+        <p:txBody>
+          <a:bodyPr>
+            <a:normAutofit/>
+          </a:bodyPr>
+          <a:lstStyle/>
+          <a:p>
+            <a:r>
+              <a:rPr lang="en" altLang="ja-JP" sz="2400" dirty="0"/>
+              <a:t>Given an array of booking assigned to segments, we assign the bookings to holds based on the rules.</a:t>
+            </a:r>
+          </a:p>
+          <a:p>
+            <a:r>
+              <a:rPr lang="en" altLang="ja-JP" sz="2400" dirty="0"/>
+              <a:t>We load the vehicles from the back hold </a:t>
+            </a:r>
+            <a:r>
+              <a:rPr lang="en-US" altLang="ja-JP" sz="2400" dirty="0"/>
+              <a:t>while satisfying the travel routes constraints.</a:t>
+            </a:r>
+          </a:p>
+          <a:p>
+            <a:r>
+              <a:rPr lang="en" altLang="ja-JP" sz="2400" dirty="0"/>
+              <a:t>Other constraints or objectives are calculated in</a:t>
+            </a:r>
+            <a:r>
+              <a:rPr lang="en-US" altLang="ja-JP" sz="2400" dirty="0"/>
+              <a:t> the</a:t>
+            </a:r>
+            <a:r>
+              <a:rPr lang="en" altLang="ja-JP" sz="2400" dirty="0"/>
+              <a:t> evaluation function.</a:t>
+            </a:r>
+          </a:p>
+          <a:p>
+            <a:endParaRPr lang="en" altLang="ja-JP" sz="2400" dirty="0"/>
+          </a:p>
+          <a:p>
+            <a:endParaRPr lang="en-US" altLang="ja-JP" sz="2400" dirty="0"/>
+          </a:p>
+          <a:p>
+            <a:endParaRPr lang="en" altLang="ja-JP" sz="2400" dirty="0"/>
+          </a:p>
+          <a:p>
+            <a:endParaRPr kumimoji="1" lang="en" altLang="ja-JP" sz="2400" dirty="0"/>
+          </a:p>
+        </p:txBody>
+      </p:sp>
+    </p:spTree>
+    <p:extLst>
+      <p:ext uri="{BB962C8B-B14F-4D97-AF65-F5344CB8AC3E}">
+        <p14:creationId xmlns:p14="http://schemas.microsoft.com/office/powerpoint/2010/main" val="1840310504"/>
+      </p:ext>
+    </p:extLst>
+  </p:cSld>
+  <p:clrMapOvr>
+    <a:masterClrMapping/>
+  </p:clrMapOvr>
+</p:sld>
+</file>
+
+<file path=ppt/slides/slide31.xml><?xml version="1.0" encoding="utf-8"?>
+<p:sld xmlns:a="http://schemas.openxmlformats.org/drawingml/2006/main" xmlns:r="http://schemas.openxmlformats.org/officeDocument/2006/relationships" xmlns:p="http://schemas.openxmlformats.org/presentationml/2006/main">
+  <p:cSld>
+    <p:spTree>
+      <p:nvGrpSpPr>
+        <p:cNvPr id="1" name=""/>
+        <p:cNvGrpSpPr/>
+        <p:nvPr/>
+      </p:nvGrpSpPr>
+      <p:grpSpPr>
+        <a:xfrm>
+          <a:off x="0" y="0"/>
+          <a:ext cx="0" cy="0"/>
+          <a:chOff x="0" y="0"/>
+          <a:chExt cx="0" cy="0"/>
+        </a:xfrm>
+      </p:grpSpPr>
+      <p:sp>
+        <p:nvSpPr>
+          <p:cNvPr id="2" name="タイトル 1">
+            <a:extLst>
+              <a:ext uri="{FF2B5EF4-FFF2-40B4-BE49-F238E27FC236}">
                 <a16:creationId xmlns:a16="http://schemas.microsoft.com/office/drawing/2014/main" id="{2B278DCE-0685-4441-B128-DC9D8C8EB809}"/>
               </a:ext>
             </a:extLst>
@@ -17481,7 +17973,7 @@
 </p:sld>
 </file>
 
-<file path=ppt/slides/slide31.xml><?xml version="1.0" encoding="utf-8"?>
+<file path=ppt/slides/slide32.xml><?xml version="1.0" encoding="utf-8"?>
 <p:sld xmlns:a="http://schemas.openxmlformats.org/drawingml/2006/main" xmlns:r="http://schemas.openxmlformats.org/officeDocument/2006/relationships" xmlns:p="http://schemas.openxmlformats.org/presentationml/2006/main">
   <p:cSld>
     <p:spTree>
@@ -17607,7 +18099,7 @@
 </p:sld>
 </file>
 
-<file path=ppt/slides/slide32.xml><?xml version="1.0" encoding="utf-8"?>
+<file path=ppt/slides/slide33.xml><?xml version="1.0" encoding="utf-8"?>
 <p:sld xmlns:a="http://schemas.openxmlformats.org/drawingml/2006/main" xmlns:r="http://schemas.openxmlformats.org/officeDocument/2006/relationships" xmlns:p="http://schemas.openxmlformats.org/presentationml/2006/main">
   <p:cSld>
     <p:spTree>
@@ -17730,7 +18222,7 @@
 </p:sld>
 </file>
 
-<file path=ppt/slides/slide33.xml><?xml version="1.0" encoding="utf-8"?>
+<file path=ppt/slides/slide34.xml><?xml version="1.0" encoding="utf-8"?>
 <p:sld xmlns:a="http://schemas.openxmlformats.org/drawingml/2006/main" xmlns:r="http://schemas.openxmlformats.org/officeDocument/2006/relationships" xmlns:p="http://schemas.openxmlformats.org/presentationml/2006/main">
   <p:cSld>
     <p:spTree>
@@ -17837,7 +18329,7 @@
 </p:sld>
 </file>
 
-<file path=ppt/slides/slide34.xml><?xml version="1.0" encoding="utf-8"?>
+<file path=ppt/slides/slide35.xml><?xml version="1.0" encoding="utf-8"?>
 <p:sld xmlns:a="http://schemas.openxmlformats.org/drawingml/2006/main" xmlns:r="http://schemas.openxmlformats.org/officeDocument/2006/relationships" xmlns:p="http://schemas.openxmlformats.org/presentationml/2006/main">
   <p:cSld>
     <p:spTree>
@@ -18044,7 +18536,7 @@
 </p:sld>
 </file>
 
-<file path=ppt/slides/slide35.xml><?xml version="1.0" encoding="utf-8"?>
+<file path=ppt/slides/slide36.xml><?xml version="1.0" encoding="utf-8"?>
 <p:sld xmlns:a="http://schemas.openxmlformats.org/drawingml/2006/main" xmlns:r="http://schemas.openxmlformats.org/officeDocument/2006/relationships" xmlns:p="http://schemas.openxmlformats.org/presentationml/2006/main">
   <p:cSld>
     <p:spTree>
@@ -19115,7 +19607,7 @@
 </p:sld>
 </file>
 
-<file path=ppt/slides/slide36.xml><?xml version="1.0" encoding="utf-8"?>
+<file path=ppt/slides/slide37.xml><?xml version="1.0" encoding="utf-8"?>
 <p:sld xmlns:a="http://schemas.openxmlformats.org/drawingml/2006/main" xmlns:r="http://schemas.openxmlformats.org/officeDocument/2006/relationships" xmlns:p="http://schemas.openxmlformats.org/presentationml/2006/main">
   <p:cSld>
     <p:spTree>
@@ -19258,7 +19750,7 @@
 </p:sld>
 </file>
 
-<file path=ppt/slides/slide37.xml><?xml version="1.0" encoding="utf-8"?>
+<file path=ppt/slides/slide38.xml><?xml version="1.0" encoding="utf-8"?>
 <p:sld xmlns:a="http://schemas.openxmlformats.org/drawingml/2006/main" xmlns:r="http://schemas.openxmlformats.org/officeDocument/2006/relationships" xmlns:p="http://schemas.openxmlformats.org/presentationml/2006/main">
   <p:cSld>
     <p:spTree>
@@ -19855,7 +20347,7 @@
 </p:sld>
 </file>
 
-<file path=ppt/slides/slide38.xml><?xml version="1.0" encoding="utf-8"?>
+<file path=ppt/slides/slide39.xml><?xml version="1.0" encoding="utf-8"?>
 <p:sld xmlns:a="http://schemas.openxmlformats.org/drawingml/2006/main" xmlns:r="http://schemas.openxmlformats.org/officeDocument/2006/relationships" xmlns:p="http://schemas.openxmlformats.org/presentationml/2006/main">
   <p:cSld>
     <p:spTree>
@@ -20663,126 +21155,6 @@
     <p:extLst>
       <p:ext uri="{BB962C8B-B14F-4D97-AF65-F5344CB8AC3E}">
         <p14:creationId xmlns:p14="http://schemas.microsoft.com/office/powerpoint/2010/main" val="3034498478"/>
-      </p:ext>
-    </p:extLst>
-  </p:cSld>
-  <p:clrMapOvr>
-    <a:masterClrMapping/>
-  </p:clrMapOvr>
-</p:sld>
-</file>
-
-<file path=ppt/slides/slide39.xml><?xml version="1.0" encoding="utf-8"?>
-<p:sld xmlns:a="http://schemas.openxmlformats.org/drawingml/2006/main" xmlns:r="http://schemas.openxmlformats.org/officeDocument/2006/relationships" xmlns:p="http://schemas.openxmlformats.org/presentationml/2006/main">
-  <p:cSld>
-    <p:spTree>
-      <p:nvGrpSpPr>
-        <p:cNvPr id="1" name=""/>
-        <p:cNvGrpSpPr/>
-        <p:nvPr/>
-      </p:nvGrpSpPr>
-      <p:grpSpPr>
-        <a:xfrm>
-          <a:off x="0" y="0"/>
-          <a:ext cx="0" cy="0"/>
-          <a:chOff x="0" y="0"/>
-          <a:chExt cx="0" cy="0"/>
-        </a:xfrm>
-      </p:grpSpPr>
-      <p:sp>
-        <p:nvSpPr>
-          <p:cNvPr id="2" name="タイトル 1">
-            <a:extLst>
-              <a:ext uri="{FF2B5EF4-FFF2-40B4-BE49-F238E27FC236}">
-                <a16:creationId xmlns:a16="http://schemas.microsoft.com/office/drawing/2014/main" id="{23293CDF-C8B2-0249-B006-9AB1745DECD2}"/>
-              </a:ext>
-            </a:extLst>
-          </p:cNvPr>
-          <p:cNvSpPr>
-            <a:spLocks noGrp="1"/>
-          </p:cNvSpPr>
-          <p:nvPr>
-            <p:ph type="title"/>
-          </p:nvPr>
-        </p:nvSpPr>
-        <p:spPr/>
-        <p:txBody>
-          <a:bodyPr/>
-          <a:lstStyle/>
-          <a:p>
-            <a:r>
-              <a:rPr lang="en-US" altLang="ja-JP" dirty="0"/>
-              <a:t>Initial solution</a:t>
-            </a:r>
-            <a:endParaRPr kumimoji="1" lang="ja-JP" altLang="en-US"/>
-          </a:p>
-        </p:txBody>
-      </p:sp>
-      <p:sp>
-        <p:nvSpPr>
-          <p:cNvPr id="3" name="コンテンツ プレースホルダー 2">
-            <a:extLst>
-              <a:ext uri="{FF2B5EF4-FFF2-40B4-BE49-F238E27FC236}">
-                <a16:creationId xmlns:a16="http://schemas.microsoft.com/office/drawing/2014/main" id="{E20F269F-0243-3E42-9DD2-4D0E5F2B1161}"/>
-              </a:ext>
-            </a:extLst>
-          </p:cNvPr>
-          <p:cNvSpPr>
-            <a:spLocks noGrp="1"/>
-          </p:cNvSpPr>
-          <p:nvPr>
-            <p:ph idx="1"/>
-          </p:nvPr>
-        </p:nvSpPr>
-        <p:spPr/>
-        <p:txBody>
-          <a:bodyPr>
-            <a:normAutofit/>
-          </a:bodyPr>
-          <a:lstStyle/>
-          <a:p>
-            <a:r>
-              <a:rPr kumimoji="1" lang="en-US" altLang="ja-JP" sz="2400" dirty="0"/>
-              <a:t>We propose several approach to create initial solution.</a:t>
-            </a:r>
-          </a:p>
-          <a:p>
-            <a:pPr marL="0" indent="0">
-              <a:buNone/>
-            </a:pPr>
-            <a:endParaRPr kumimoji="1" lang="en-US" altLang="ja-JP" sz="2400" dirty="0"/>
-          </a:p>
-          <a:p>
-            <a:pPr marL="457200" indent="-457200">
-              <a:buFont typeface="+mj-lt"/>
-              <a:buAutoNum type="arabicPeriod"/>
-            </a:pPr>
-            <a:r>
-              <a:rPr kumimoji="1" lang="en-US" altLang="ja-JP" sz="2400" dirty="0"/>
-              <a:t>generating from solution by relaxation of linear programming</a:t>
-            </a:r>
-          </a:p>
-          <a:p>
-            <a:pPr marL="457200" indent="-457200">
-              <a:buFont typeface="+mj-lt"/>
-              <a:buAutoNum type="arabicPeriod"/>
-            </a:pPr>
-            <a:r>
-              <a:rPr kumimoji="1" lang="en-US" altLang="ja-JP" sz="2400" dirty="0"/>
-              <a:t>generating from solution </a:t>
-            </a:r>
-            <a:r>
-              <a:rPr lang="en-US" altLang="ja-JP" sz="2400" dirty="0"/>
-              <a:t>of a problem formulated in MIP with bookings grouped by port</a:t>
-            </a:r>
-            <a:endParaRPr kumimoji="1" lang="en-US" altLang="ja-JP" sz="2400" dirty="0"/>
-          </a:p>
-        </p:txBody>
-      </p:sp>
-    </p:spTree>
-    <p:extLst>
-      <p:ext uri="{BB962C8B-B14F-4D97-AF65-F5344CB8AC3E}">
-        <p14:creationId xmlns:p14="http://schemas.microsoft.com/office/powerpoint/2010/main" val="3354853748"/>
       </p:ext>
     </p:extLst>
   </p:cSld>
@@ -22753,7 +23125,7 @@
           <a:p>
             <a:r>
               <a:rPr lang="en-US" altLang="ja-JP" dirty="0"/>
-              <a:t>Approach to create initial assignment</a:t>
+              <a:t>Initial solution</a:t>
             </a:r>
             <a:endParaRPr kumimoji="1" lang="ja-JP" altLang="en-US"/>
           </a:p>
@@ -22782,6 +23154,126 @@
           </a:bodyPr>
           <a:lstStyle/>
           <a:p>
+            <a:r>
+              <a:rPr kumimoji="1" lang="en-US" altLang="ja-JP" sz="2400" dirty="0"/>
+              <a:t>We propose several approach to create initial solution.</a:t>
+            </a:r>
+          </a:p>
+          <a:p>
+            <a:pPr marL="0" indent="0">
+              <a:buNone/>
+            </a:pPr>
+            <a:endParaRPr kumimoji="1" lang="en-US" altLang="ja-JP" sz="2400" dirty="0"/>
+          </a:p>
+          <a:p>
+            <a:pPr marL="457200" indent="-457200">
+              <a:buFont typeface="+mj-lt"/>
+              <a:buAutoNum type="arabicPeriod"/>
+            </a:pPr>
+            <a:r>
+              <a:rPr kumimoji="1" lang="en-US" altLang="ja-JP" sz="2400" dirty="0"/>
+              <a:t>generating from solution by relaxation of linear programming</a:t>
+            </a:r>
+          </a:p>
+          <a:p>
+            <a:pPr marL="457200" indent="-457200">
+              <a:buFont typeface="+mj-lt"/>
+              <a:buAutoNum type="arabicPeriod"/>
+            </a:pPr>
+            <a:r>
+              <a:rPr kumimoji="1" lang="en-US" altLang="ja-JP" sz="2400" dirty="0"/>
+              <a:t>generating from solution </a:t>
+            </a:r>
+            <a:r>
+              <a:rPr lang="en-US" altLang="ja-JP" sz="2400" dirty="0"/>
+              <a:t>of a problem formulated in MIP with bookings grouped by port</a:t>
+            </a:r>
+            <a:endParaRPr kumimoji="1" lang="en-US" altLang="ja-JP" sz="2400" dirty="0"/>
+          </a:p>
+        </p:txBody>
+      </p:sp>
+    </p:spTree>
+    <p:extLst>
+      <p:ext uri="{BB962C8B-B14F-4D97-AF65-F5344CB8AC3E}">
+        <p14:creationId xmlns:p14="http://schemas.microsoft.com/office/powerpoint/2010/main" val="3354853748"/>
+      </p:ext>
+    </p:extLst>
+  </p:cSld>
+  <p:clrMapOvr>
+    <a:masterClrMapping/>
+  </p:clrMapOvr>
+</p:sld>
+</file>
+
+<file path=ppt/slides/slide41.xml><?xml version="1.0" encoding="utf-8"?>
+<p:sld xmlns:a="http://schemas.openxmlformats.org/drawingml/2006/main" xmlns:r="http://schemas.openxmlformats.org/officeDocument/2006/relationships" xmlns:p="http://schemas.openxmlformats.org/presentationml/2006/main">
+  <p:cSld>
+    <p:spTree>
+      <p:nvGrpSpPr>
+        <p:cNvPr id="1" name=""/>
+        <p:cNvGrpSpPr/>
+        <p:nvPr/>
+      </p:nvGrpSpPr>
+      <p:grpSpPr>
+        <a:xfrm>
+          <a:off x="0" y="0"/>
+          <a:ext cx="0" cy="0"/>
+          <a:chOff x="0" y="0"/>
+          <a:chExt cx="0" cy="0"/>
+        </a:xfrm>
+      </p:grpSpPr>
+      <p:sp>
+        <p:nvSpPr>
+          <p:cNvPr id="2" name="タイトル 1">
+            <a:extLst>
+              <a:ext uri="{FF2B5EF4-FFF2-40B4-BE49-F238E27FC236}">
+                <a16:creationId xmlns:a16="http://schemas.microsoft.com/office/drawing/2014/main" id="{23293CDF-C8B2-0249-B006-9AB1745DECD2}"/>
+              </a:ext>
+            </a:extLst>
+          </p:cNvPr>
+          <p:cNvSpPr>
+            <a:spLocks noGrp="1"/>
+          </p:cNvSpPr>
+          <p:nvPr>
+            <p:ph type="title"/>
+          </p:nvPr>
+        </p:nvSpPr>
+        <p:spPr/>
+        <p:txBody>
+          <a:bodyPr/>
+          <a:lstStyle/>
+          <a:p>
+            <a:r>
+              <a:rPr lang="en-US" altLang="ja-JP" dirty="0"/>
+              <a:t>Approach to create initial assignment</a:t>
+            </a:r>
+            <a:endParaRPr kumimoji="1" lang="ja-JP" altLang="en-US"/>
+          </a:p>
+        </p:txBody>
+      </p:sp>
+      <p:sp>
+        <p:nvSpPr>
+          <p:cNvPr id="3" name="コンテンツ プレースホルダー 2">
+            <a:extLst>
+              <a:ext uri="{FF2B5EF4-FFF2-40B4-BE49-F238E27FC236}">
+                <a16:creationId xmlns:a16="http://schemas.microsoft.com/office/drawing/2014/main" id="{E20F269F-0243-3E42-9DD2-4D0E5F2B1161}"/>
+              </a:ext>
+            </a:extLst>
+          </p:cNvPr>
+          <p:cNvSpPr>
+            <a:spLocks noGrp="1"/>
+          </p:cNvSpPr>
+          <p:nvPr>
+            <p:ph idx="1"/>
+          </p:nvPr>
+        </p:nvSpPr>
+        <p:spPr/>
+        <p:txBody>
+          <a:bodyPr>
+            <a:normAutofit/>
+          </a:bodyPr>
+          <a:lstStyle/>
+          <a:p>
             <a:pPr marL="457200" indent="-457200">
               <a:buFont typeface="+mj-lt"/>
               <a:buAutoNum type="arabicPeriod"/>
@@ -22839,7 +23331,7 @@
 </p:sld>
 </file>
 
-<file path=ppt/slides/slide41.xml><?xml version="1.0" encoding="utf-8"?>
+<file path=ppt/slides/slide42.xml><?xml version="1.0" encoding="utf-8"?>
 <p:sld xmlns:a="http://schemas.openxmlformats.org/drawingml/2006/main" xmlns:r="http://schemas.openxmlformats.org/officeDocument/2006/relationships" xmlns:p="http://schemas.openxmlformats.org/presentationml/2006/main">
   <p:cSld>
     <p:spTree>
@@ -22961,7 +23453,7 @@
 </p:sld>
 </file>
 
-<file path=ppt/slides/slide42.xml><?xml version="1.0" encoding="utf-8"?>
+<file path=ppt/slides/slide43.xml><?xml version="1.0" encoding="utf-8"?>
 <p:sld xmlns:a="http://schemas.openxmlformats.org/drawingml/2006/main" xmlns:r="http://schemas.openxmlformats.org/officeDocument/2006/relationships" xmlns:p="http://schemas.openxmlformats.org/presentationml/2006/main">
   <p:cSld>
     <p:spTree>
@@ -23087,7 +23579,7 @@
 </p:sld>
 </file>
 
-<file path=ppt/slides/slide43.xml><?xml version="1.0" encoding="utf-8"?>
+<file path=ppt/slides/slide44.xml><?xml version="1.0" encoding="utf-8"?>
 <p:sld xmlns:a="http://schemas.openxmlformats.org/drawingml/2006/main" xmlns:r="http://schemas.openxmlformats.org/officeDocument/2006/relationships" xmlns:p="http://schemas.openxmlformats.org/presentationml/2006/main">
   <p:cSld>
     <p:spTree>
@@ -23199,7 +23691,7 @@
 </p:sld>
 </file>
 
-<file path=ppt/slides/slide44.xml><?xml version="1.0" encoding="utf-8"?>
+<file path=ppt/slides/slide45.xml><?xml version="1.0" encoding="utf-8"?>
 <p:sld xmlns:a="http://schemas.openxmlformats.org/drawingml/2006/main" xmlns:r="http://schemas.openxmlformats.org/officeDocument/2006/relationships" xmlns:p="http://schemas.openxmlformats.org/presentationml/2006/main">
   <p:cSld>
     <p:spTree>
@@ -24294,7 +24786,7 @@
 </p:sld>
 </file>
 
-<file path=ppt/slides/slide45.xml><?xml version="1.0" encoding="utf-8"?>
+<file path=ppt/slides/slide46.xml><?xml version="1.0" encoding="utf-8"?>
 <p:sld xmlns:a="http://schemas.openxmlformats.org/drawingml/2006/main" xmlns:r="http://schemas.openxmlformats.org/officeDocument/2006/relationships" xmlns:p="http://schemas.openxmlformats.org/presentationml/2006/main">
   <p:cSld>
     <p:spTree>
@@ -24403,7 +24895,7 @@
 </p:sld>
 </file>
 
-<file path=ppt/slides/slide46.xml><?xml version="1.0" encoding="utf-8"?>
+<file path=ppt/slides/slide47.xml><?xml version="1.0" encoding="utf-8"?>
 <p:sld xmlns:a="http://schemas.openxmlformats.org/drawingml/2006/main" xmlns:r="http://schemas.openxmlformats.org/officeDocument/2006/relationships" xmlns:p="http://schemas.openxmlformats.org/presentationml/2006/main">
   <p:cSld>
     <p:spTree>
@@ -25185,7 +25677,7 @@
 </p:sld>
 </file>
 
-<file path=ppt/slides/slide47.xml><?xml version="1.0" encoding="utf-8"?>
+<file path=ppt/slides/slide48.xml><?xml version="1.0" encoding="utf-8"?>
 <p:sld xmlns:a="http://schemas.openxmlformats.org/drawingml/2006/main" xmlns:r="http://schemas.openxmlformats.org/officeDocument/2006/relationships" xmlns:p="http://schemas.openxmlformats.org/presentationml/2006/main">
   <p:cSld>
     <p:spTree>
@@ -25313,7 +25805,7 @@
 </p:sld>
 </file>
 
-<file path=ppt/slides/slide48.xml><?xml version="1.0" encoding="utf-8"?>
+<file path=ppt/slides/slide49.xml><?xml version="1.0" encoding="utf-8"?>
 <p:sld xmlns:a="http://schemas.openxmlformats.org/drawingml/2006/main" xmlns:r="http://schemas.openxmlformats.org/officeDocument/2006/relationships" xmlns:p="http://schemas.openxmlformats.org/presentationml/2006/main">
   <p:cSld>
     <p:spTree>
@@ -25724,7 +26216,117 @@
 </p:sld>
 </file>
 
-<file path=ppt/slides/slide49.xml><?xml version="1.0" encoding="utf-8"?>
+<file path=ppt/slides/slide5.xml><?xml version="1.0" encoding="utf-8"?>
+<p:sld xmlns:a="http://schemas.openxmlformats.org/drawingml/2006/main" xmlns:r="http://schemas.openxmlformats.org/officeDocument/2006/relationships" xmlns:p="http://schemas.openxmlformats.org/presentationml/2006/main">
+  <p:cSld>
+    <p:spTree>
+      <p:nvGrpSpPr>
+        <p:cNvPr id="1" name=""/>
+        <p:cNvGrpSpPr/>
+        <p:nvPr/>
+      </p:nvGrpSpPr>
+      <p:grpSpPr>
+        <a:xfrm>
+          <a:off x="0" y="0"/>
+          <a:ext cx="0" cy="0"/>
+          <a:chOff x="0" y="0"/>
+          <a:chExt cx="0" cy="0"/>
+        </a:xfrm>
+      </p:grpSpPr>
+      <p:sp>
+        <p:nvSpPr>
+          <p:cNvPr id="2" name="タイトル 1">
+            <a:extLst>
+              <a:ext uri="{FF2B5EF4-FFF2-40B4-BE49-F238E27FC236}">
+                <a16:creationId xmlns:a16="http://schemas.microsoft.com/office/drawing/2014/main" id="{03DC7BD9-E43D-E442-9A49-33395737C89D}"/>
+              </a:ext>
+            </a:extLst>
+          </p:cNvPr>
+          <p:cNvSpPr>
+            <a:spLocks noGrp="1"/>
+          </p:cNvSpPr>
+          <p:nvPr>
+            <p:ph type="title"/>
+          </p:nvPr>
+        </p:nvSpPr>
+        <p:spPr/>
+        <p:txBody>
+          <a:bodyPr/>
+          <a:lstStyle/>
+          <a:p>
+            <a:r>
+              <a:rPr kumimoji="1" lang="en-US" altLang="ja-JP" dirty="0"/>
+              <a:t>Background</a:t>
+            </a:r>
+            <a:endParaRPr kumimoji="1" lang="ja-JP" altLang="en-US"/>
+          </a:p>
+        </p:txBody>
+      </p:sp>
+      <p:sp>
+        <p:nvSpPr>
+          <p:cNvPr id="3" name="コンテンツ プレースホルダー 2">
+            <a:extLst>
+              <a:ext uri="{FF2B5EF4-FFF2-40B4-BE49-F238E27FC236}">
+                <a16:creationId xmlns:a16="http://schemas.microsoft.com/office/drawing/2014/main" id="{AD3B2DD4-96C6-BB42-93C1-3859304F6137}"/>
+              </a:ext>
+            </a:extLst>
+          </p:cNvPr>
+          <p:cNvSpPr>
+            <a:spLocks noGrp="1"/>
+          </p:cNvSpPr>
+          <p:nvPr>
+            <p:ph idx="1"/>
+          </p:nvPr>
+        </p:nvSpPr>
+        <p:spPr/>
+        <p:txBody>
+          <a:bodyPr>
+            <a:normAutofit/>
+          </a:bodyPr>
+          <a:lstStyle/>
+          <a:p>
+            <a:r>
+              <a:rPr lang="en-US" altLang="ja-JP" sz="2400" dirty="0"/>
+              <a:t>There are a lot of things that has to be considered</a:t>
+            </a:r>
+          </a:p>
+          <a:p>
+            <a:pPr lvl="1"/>
+            <a:r>
+              <a:rPr lang="en-US" altLang="ja-JP" sz="2200" dirty="0"/>
+              <a:t>Planning assignments that makes it easy to load and unload cars is important.</a:t>
+            </a:r>
+          </a:p>
+          <a:p>
+            <a:pPr lvl="1"/>
+            <a:r>
+              <a:rPr lang="en-US" altLang="ja-JP" sz="2200" dirty="0"/>
+              <a:t>Human error should not happen.</a:t>
+            </a:r>
+          </a:p>
+          <a:p>
+            <a:pPr lvl="1"/>
+            <a:r>
+              <a:rPr lang="en-US" altLang="ja-JP" sz="2400" dirty="0"/>
+              <a:t>Unbalanced assignments may result in a sinking.</a:t>
+            </a:r>
+          </a:p>
+        </p:txBody>
+      </p:sp>
+    </p:spTree>
+    <p:extLst>
+      <p:ext uri="{BB962C8B-B14F-4D97-AF65-F5344CB8AC3E}">
+        <p14:creationId xmlns:p14="http://schemas.microsoft.com/office/powerpoint/2010/main" val="3649340498"/>
+      </p:ext>
+    </p:extLst>
+  </p:cSld>
+  <p:clrMapOvr>
+    <a:masterClrMapping/>
+  </p:clrMapOvr>
+</p:sld>
+</file>
+
+<file path=ppt/slides/slide50.xml><?xml version="1.0" encoding="utf-8"?>
 <p:sld xmlns:a="http://schemas.openxmlformats.org/drawingml/2006/main" xmlns:r="http://schemas.openxmlformats.org/officeDocument/2006/relationships" xmlns:p="http://schemas.openxmlformats.org/presentationml/2006/main">
   <p:cSld>
     <p:spTree>
@@ -27103,117 +27705,7 @@
 </p:sld>
 </file>
 
-<file path=ppt/slides/slide5.xml><?xml version="1.0" encoding="utf-8"?>
-<p:sld xmlns:a="http://schemas.openxmlformats.org/drawingml/2006/main" xmlns:r="http://schemas.openxmlformats.org/officeDocument/2006/relationships" xmlns:p="http://schemas.openxmlformats.org/presentationml/2006/main">
-  <p:cSld>
-    <p:spTree>
-      <p:nvGrpSpPr>
-        <p:cNvPr id="1" name=""/>
-        <p:cNvGrpSpPr/>
-        <p:nvPr/>
-      </p:nvGrpSpPr>
-      <p:grpSpPr>
-        <a:xfrm>
-          <a:off x="0" y="0"/>
-          <a:ext cx="0" cy="0"/>
-          <a:chOff x="0" y="0"/>
-          <a:chExt cx="0" cy="0"/>
-        </a:xfrm>
-      </p:grpSpPr>
-      <p:sp>
-        <p:nvSpPr>
-          <p:cNvPr id="2" name="タイトル 1">
-            <a:extLst>
-              <a:ext uri="{FF2B5EF4-FFF2-40B4-BE49-F238E27FC236}">
-                <a16:creationId xmlns:a16="http://schemas.microsoft.com/office/drawing/2014/main" id="{03DC7BD9-E43D-E442-9A49-33395737C89D}"/>
-              </a:ext>
-            </a:extLst>
-          </p:cNvPr>
-          <p:cNvSpPr>
-            <a:spLocks noGrp="1"/>
-          </p:cNvSpPr>
-          <p:nvPr>
-            <p:ph type="title"/>
-          </p:nvPr>
-        </p:nvSpPr>
-        <p:spPr/>
-        <p:txBody>
-          <a:bodyPr/>
-          <a:lstStyle/>
-          <a:p>
-            <a:r>
-              <a:rPr kumimoji="1" lang="en-US" altLang="ja-JP" dirty="0"/>
-              <a:t>Background</a:t>
-            </a:r>
-            <a:endParaRPr kumimoji="1" lang="ja-JP" altLang="en-US"/>
-          </a:p>
-        </p:txBody>
-      </p:sp>
-      <p:sp>
-        <p:nvSpPr>
-          <p:cNvPr id="3" name="コンテンツ プレースホルダー 2">
-            <a:extLst>
-              <a:ext uri="{FF2B5EF4-FFF2-40B4-BE49-F238E27FC236}">
-                <a16:creationId xmlns:a16="http://schemas.microsoft.com/office/drawing/2014/main" id="{AD3B2DD4-96C6-BB42-93C1-3859304F6137}"/>
-              </a:ext>
-            </a:extLst>
-          </p:cNvPr>
-          <p:cNvSpPr>
-            <a:spLocks noGrp="1"/>
-          </p:cNvSpPr>
-          <p:nvPr>
-            <p:ph idx="1"/>
-          </p:nvPr>
-        </p:nvSpPr>
-        <p:spPr/>
-        <p:txBody>
-          <a:bodyPr>
-            <a:normAutofit/>
-          </a:bodyPr>
-          <a:lstStyle/>
-          <a:p>
-            <a:r>
-              <a:rPr lang="en-US" altLang="ja-JP" sz="2400" dirty="0"/>
-              <a:t>There are a lot of things that has to be considered</a:t>
-            </a:r>
-          </a:p>
-          <a:p>
-            <a:pPr lvl="1"/>
-            <a:r>
-              <a:rPr lang="en-US" altLang="ja-JP" sz="2200" dirty="0"/>
-              <a:t>Planning assignments that makes it easy to load and unload cars is important.</a:t>
-            </a:r>
-          </a:p>
-          <a:p>
-            <a:pPr lvl="1"/>
-            <a:r>
-              <a:rPr lang="en-US" altLang="ja-JP" sz="2200" dirty="0"/>
-              <a:t>Human error should not happen.</a:t>
-            </a:r>
-          </a:p>
-          <a:p>
-            <a:pPr lvl="1"/>
-            <a:r>
-              <a:rPr lang="en-US" altLang="ja-JP" sz="2400" dirty="0"/>
-              <a:t>Unbalanced assignments may result in a sinking.</a:t>
-            </a:r>
-          </a:p>
-        </p:txBody>
-      </p:sp>
-    </p:spTree>
-    <p:extLst>
-      <p:ext uri="{BB962C8B-B14F-4D97-AF65-F5344CB8AC3E}">
-        <p14:creationId xmlns:p14="http://schemas.microsoft.com/office/powerpoint/2010/main" val="3649340498"/>
-      </p:ext>
-    </p:extLst>
-  </p:cSld>
-  <p:clrMapOvr>
-    <a:masterClrMapping/>
-  </p:clrMapOvr>
-</p:sld>
-</file>
-
-<file path=ppt/slides/slide50.xml><?xml version="1.0" encoding="utf-8"?>
+<file path=ppt/slides/slide51.xml><?xml version="1.0" encoding="utf-8"?>
 <p:sld xmlns:a="http://schemas.openxmlformats.org/drawingml/2006/main" xmlns:r="http://schemas.openxmlformats.org/officeDocument/2006/relationships" xmlns:p="http://schemas.openxmlformats.org/presentationml/2006/main">
   <p:cSld>
     <p:spTree>
@@ -27690,7 +28182,7 @@
 </p:sld>
 </file>
 
-<file path=ppt/slides/slide51.xml><?xml version="1.0" encoding="utf-8"?>
+<file path=ppt/slides/slide52.xml><?xml version="1.0" encoding="utf-8"?>
 <p:sld xmlns:a="http://schemas.openxmlformats.org/drawingml/2006/main" xmlns:r="http://schemas.openxmlformats.org/officeDocument/2006/relationships" xmlns:p="http://schemas.openxmlformats.org/presentationml/2006/main">
   <p:cSld>
     <p:spTree>
@@ -27811,7 +28303,7 @@
 </p:sld>
 </file>
 
-<file path=ppt/slides/slide52.xml><?xml version="1.0" encoding="utf-8"?>
+<file path=ppt/slides/slide53.xml><?xml version="1.0" encoding="utf-8"?>
 <p:sld xmlns:a="http://schemas.openxmlformats.org/drawingml/2006/main" xmlns:r="http://schemas.openxmlformats.org/officeDocument/2006/relationships" xmlns:p="http://schemas.openxmlformats.org/presentationml/2006/main">
   <p:cSld>
     <p:spTree>
@@ -28179,7 +28671,7 @@
 </p:sld>
 </file>
 
-<file path=ppt/slides/slide53.xml><?xml version="1.0" encoding="utf-8"?>
+<file path=ppt/slides/slide54.xml><?xml version="1.0" encoding="utf-8"?>
 <p:sld xmlns:a="http://schemas.openxmlformats.org/drawingml/2006/main" xmlns:r="http://schemas.openxmlformats.org/officeDocument/2006/relationships" xmlns:p="http://schemas.openxmlformats.org/presentationml/2006/main">
   <p:cSld>
     <p:spTree>
@@ -28547,7 +29039,7 @@
 </p:sld>
 </file>
 
-<file path=ppt/slides/slide54.xml><?xml version="1.0" encoding="utf-8"?>
+<file path=ppt/slides/slide55.xml><?xml version="1.0" encoding="utf-8"?>
 <p:sld xmlns:a="http://schemas.openxmlformats.org/drawingml/2006/main" xmlns:r="http://schemas.openxmlformats.org/officeDocument/2006/relationships" xmlns:p="http://schemas.openxmlformats.org/presentationml/2006/main">
   <p:cSld>
     <p:spTree>
@@ -28774,7 +29266,7 @@
 </p:sld>
 </file>
 
-<file path=ppt/slides/slide55.xml><?xml version="1.0" encoding="utf-8"?>
+<file path=ppt/slides/slide56.xml><?xml version="1.0" encoding="utf-8"?>
 <p:sld xmlns:a="http://schemas.openxmlformats.org/drawingml/2006/main" xmlns:r="http://schemas.openxmlformats.org/officeDocument/2006/relationships" xmlns:p="http://schemas.openxmlformats.org/presentationml/2006/main">
   <p:cSld>
     <p:spTree>
@@ -29089,7 +29581,7 @@
 </p:sld>
 </file>
 
-<file path=ppt/slides/slide56.xml><?xml version="1.0" encoding="utf-8"?>
+<file path=ppt/slides/slide57.xml><?xml version="1.0" encoding="utf-8"?>
 <p:sld xmlns:a="http://schemas.openxmlformats.org/drawingml/2006/main" xmlns:r="http://schemas.openxmlformats.org/officeDocument/2006/relationships" xmlns:p="http://schemas.openxmlformats.org/presentationml/2006/main">
   <p:cSld>
     <p:spTree>
@@ -29801,7 +30293,7 @@
 </p:sld>
 </file>
 
-<file path=ppt/slides/slide57.xml><?xml version="1.0" encoding="utf-8"?>
+<file path=ppt/slides/slide58.xml><?xml version="1.0" encoding="utf-8"?>
 <p:sld xmlns:a="http://schemas.openxmlformats.org/drawingml/2006/main" xmlns:r="http://schemas.openxmlformats.org/officeDocument/2006/relationships" xmlns:p="http://schemas.openxmlformats.org/presentationml/2006/main">
   <p:cSld>
     <p:spTree>
@@ -29919,7 +30411,7 @@
 </p:sld>
 </file>
 
-<file path=ppt/slides/slide58.xml><?xml version="1.0" encoding="utf-8"?>
+<file path=ppt/slides/slide59.xml><?xml version="1.0" encoding="utf-8"?>
 <p:sld xmlns:a="http://schemas.openxmlformats.org/drawingml/2006/main" xmlns:r="http://schemas.openxmlformats.org/officeDocument/2006/relationships" xmlns:p="http://schemas.openxmlformats.org/presentationml/2006/main">
   <p:cSld>
     <p:spTree>
@@ -30911,113 +31403,6 @@
 </p:sld>
 </file>
 
-<file path=ppt/slides/slide59.xml><?xml version="1.0" encoding="utf-8"?>
-<p:sld xmlns:a="http://schemas.openxmlformats.org/drawingml/2006/main" xmlns:r="http://schemas.openxmlformats.org/officeDocument/2006/relationships" xmlns:p="http://schemas.openxmlformats.org/presentationml/2006/main">
-  <p:cSld>
-    <p:spTree>
-      <p:nvGrpSpPr>
-        <p:cNvPr id="1" name=""/>
-        <p:cNvGrpSpPr/>
-        <p:nvPr/>
-      </p:nvGrpSpPr>
-      <p:grpSpPr>
-        <a:xfrm>
-          <a:off x="0" y="0"/>
-          <a:ext cx="0" cy="0"/>
-          <a:chOff x="0" y="0"/>
-          <a:chExt cx="0" cy="0"/>
-        </a:xfrm>
-      </p:grpSpPr>
-      <p:sp>
-        <p:nvSpPr>
-          <p:cNvPr id="2" name="タイトル 1">
-            <a:extLst>
-              <a:ext uri="{FF2B5EF4-FFF2-40B4-BE49-F238E27FC236}">
-                <a16:creationId xmlns:a16="http://schemas.microsoft.com/office/drawing/2014/main" id="{67E01A06-7475-E541-961D-071D4242BA42}"/>
-              </a:ext>
-            </a:extLst>
-          </p:cNvPr>
-          <p:cNvSpPr>
-            <a:spLocks noGrp="1"/>
-          </p:cNvSpPr>
-          <p:nvPr>
-            <p:ph type="title"/>
-          </p:nvPr>
-        </p:nvSpPr>
-        <p:spPr/>
-        <p:txBody>
-          <a:bodyPr/>
-          <a:lstStyle/>
-          <a:p>
-            <a:r>
-              <a:rPr lang="en" altLang="ja-JP" dirty="0"/>
-              <a:t>Comparison by insertion method</a:t>
-            </a:r>
-            <a:endParaRPr kumimoji="1" lang="ja-JP" altLang="en-US"/>
-          </a:p>
-        </p:txBody>
-      </p:sp>
-      <p:sp>
-        <p:nvSpPr>
-          <p:cNvPr id="3" name="コンテンツ プレースホルダー 2">
-            <a:extLst>
-              <a:ext uri="{FF2B5EF4-FFF2-40B4-BE49-F238E27FC236}">
-                <a16:creationId xmlns:a16="http://schemas.microsoft.com/office/drawing/2014/main" id="{8FC75E83-6FCB-684F-BB17-BF63CBD11644}"/>
-              </a:ext>
-            </a:extLst>
-          </p:cNvPr>
-          <p:cNvSpPr>
-            <a:spLocks noGrp="1"/>
-          </p:cNvSpPr>
-          <p:nvPr>
-            <p:ph idx="1"/>
-          </p:nvPr>
-        </p:nvSpPr>
-        <p:spPr/>
-        <p:txBody>
-          <a:bodyPr>
-            <a:normAutofit/>
-          </a:bodyPr>
-          <a:lstStyle/>
-          <a:p>
-            <a:r>
-              <a:rPr lang="en" altLang="ja-JP" sz="2400" dirty="0"/>
-              <a:t>Computation time varies greatly.</a:t>
-            </a:r>
-          </a:p>
-          <a:p>
-            <a:r>
-              <a:rPr lang="en" altLang="ja-JP" sz="2400" dirty="0"/>
-              <a:t>The quality of the local optimal solution is not very different between the two approaches.</a:t>
-            </a:r>
-          </a:p>
-          <a:p>
-            <a:r>
-              <a:rPr lang="en" altLang="ja-JP" sz="2400" dirty="0"/>
-              <a:t>When this algorithm is actually used, it will be checked by a person in the end.</a:t>
-            </a:r>
-          </a:p>
-          <a:p>
-            <a:r>
-              <a:rPr lang="en" altLang="ja-JP" sz="2400" dirty="0"/>
-              <a:t>there may be possibilities that obtaining a solution with a certain degree of quality in a short time may be sufficient.</a:t>
-            </a:r>
-          </a:p>
-        </p:txBody>
-      </p:sp>
-    </p:spTree>
-    <p:extLst>
-      <p:ext uri="{BB962C8B-B14F-4D97-AF65-F5344CB8AC3E}">
-        <p14:creationId xmlns:p14="http://schemas.microsoft.com/office/powerpoint/2010/main" val="3116219373"/>
-      </p:ext>
-    </p:extLst>
-  </p:cSld>
-  <p:clrMapOvr>
-    <a:masterClrMapping/>
-  </p:clrMapOvr>
-</p:sld>
-</file>
-
 <file path=ppt/slides/slide6.xml><?xml version="1.0" encoding="utf-8"?>
 <p:sld xmlns:a="http://schemas.openxmlformats.org/drawingml/2006/main" xmlns:r="http://schemas.openxmlformats.org/officeDocument/2006/relationships" xmlns:p="http://schemas.openxmlformats.org/presentationml/2006/main">
   <p:cSld>
@@ -31158,6 +31543,113 @@
 </file>
 
 <file path=ppt/slides/slide60.xml><?xml version="1.0" encoding="utf-8"?>
+<p:sld xmlns:a="http://schemas.openxmlformats.org/drawingml/2006/main" xmlns:r="http://schemas.openxmlformats.org/officeDocument/2006/relationships" xmlns:p="http://schemas.openxmlformats.org/presentationml/2006/main">
+  <p:cSld>
+    <p:spTree>
+      <p:nvGrpSpPr>
+        <p:cNvPr id="1" name=""/>
+        <p:cNvGrpSpPr/>
+        <p:nvPr/>
+      </p:nvGrpSpPr>
+      <p:grpSpPr>
+        <a:xfrm>
+          <a:off x="0" y="0"/>
+          <a:ext cx="0" cy="0"/>
+          <a:chOff x="0" y="0"/>
+          <a:chExt cx="0" cy="0"/>
+        </a:xfrm>
+      </p:grpSpPr>
+      <p:sp>
+        <p:nvSpPr>
+          <p:cNvPr id="2" name="タイトル 1">
+            <a:extLst>
+              <a:ext uri="{FF2B5EF4-FFF2-40B4-BE49-F238E27FC236}">
+                <a16:creationId xmlns:a16="http://schemas.microsoft.com/office/drawing/2014/main" id="{67E01A06-7475-E541-961D-071D4242BA42}"/>
+              </a:ext>
+            </a:extLst>
+          </p:cNvPr>
+          <p:cNvSpPr>
+            <a:spLocks noGrp="1"/>
+          </p:cNvSpPr>
+          <p:nvPr>
+            <p:ph type="title"/>
+          </p:nvPr>
+        </p:nvSpPr>
+        <p:spPr/>
+        <p:txBody>
+          <a:bodyPr/>
+          <a:lstStyle/>
+          <a:p>
+            <a:r>
+              <a:rPr lang="en" altLang="ja-JP" dirty="0"/>
+              <a:t>Comparison by insertion method</a:t>
+            </a:r>
+            <a:endParaRPr kumimoji="1" lang="ja-JP" altLang="en-US"/>
+          </a:p>
+        </p:txBody>
+      </p:sp>
+      <p:sp>
+        <p:nvSpPr>
+          <p:cNvPr id="3" name="コンテンツ プレースホルダー 2">
+            <a:extLst>
+              <a:ext uri="{FF2B5EF4-FFF2-40B4-BE49-F238E27FC236}">
+                <a16:creationId xmlns:a16="http://schemas.microsoft.com/office/drawing/2014/main" id="{8FC75E83-6FCB-684F-BB17-BF63CBD11644}"/>
+              </a:ext>
+            </a:extLst>
+          </p:cNvPr>
+          <p:cNvSpPr>
+            <a:spLocks noGrp="1"/>
+          </p:cNvSpPr>
+          <p:nvPr>
+            <p:ph idx="1"/>
+          </p:nvPr>
+        </p:nvSpPr>
+        <p:spPr/>
+        <p:txBody>
+          <a:bodyPr>
+            <a:normAutofit/>
+          </a:bodyPr>
+          <a:lstStyle/>
+          <a:p>
+            <a:r>
+              <a:rPr lang="en" altLang="ja-JP" sz="2400" dirty="0"/>
+              <a:t>Computation time varies greatly.</a:t>
+            </a:r>
+          </a:p>
+          <a:p>
+            <a:r>
+              <a:rPr lang="en" altLang="ja-JP" sz="2400" dirty="0"/>
+              <a:t>The quality of the local optimal solution is not very different between the two approaches.</a:t>
+            </a:r>
+          </a:p>
+          <a:p>
+            <a:r>
+              <a:rPr lang="en" altLang="ja-JP" sz="2400" dirty="0"/>
+              <a:t>When this algorithm is actually used, it will be checked by a person in the end.</a:t>
+            </a:r>
+          </a:p>
+          <a:p>
+            <a:r>
+              <a:rPr lang="en" altLang="ja-JP" sz="2400" dirty="0"/>
+              <a:t>there may be possibilities that obtaining a solution with a certain degree of quality in a short time may be sufficient.</a:t>
+            </a:r>
+          </a:p>
+        </p:txBody>
+      </p:sp>
+    </p:spTree>
+    <p:extLst>
+      <p:ext uri="{BB962C8B-B14F-4D97-AF65-F5344CB8AC3E}">
+        <p14:creationId xmlns:p14="http://schemas.microsoft.com/office/powerpoint/2010/main" val="3116219373"/>
+      </p:ext>
+    </p:extLst>
+  </p:cSld>
+  <p:clrMapOvr>
+    <a:masterClrMapping/>
+  </p:clrMapOvr>
+</p:sld>
+</file>
+
+<file path=ppt/slides/slide61.xml><?xml version="1.0" encoding="utf-8"?>
 <p:sld xmlns:a="http://schemas.openxmlformats.org/drawingml/2006/main" xmlns:r="http://schemas.openxmlformats.org/officeDocument/2006/relationships" xmlns:p="http://schemas.openxmlformats.org/presentationml/2006/main">
   <p:cSld>
     <p:spTree>
@@ -31609,7 +32101,7 @@
 </p:sld>
 </file>
 
-<file path=ppt/slides/slide61.xml><?xml version="1.0" encoding="utf-8"?>
+<file path=ppt/slides/slide62.xml><?xml version="1.0" encoding="utf-8"?>
 <p:sld xmlns:a="http://schemas.openxmlformats.org/drawingml/2006/main" xmlns:r="http://schemas.openxmlformats.org/officeDocument/2006/relationships" xmlns:p="http://schemas.openxmlformats.org/presentationml/2006/main">
   <p:cSld>
     <p:spTree>
@@ -31738,7 +32230,7 @@
 </p:sld>
 </file>
 
-<file path=ppt/slides/slide62.xml><?xml version="1.0" encoding="utf-8"?>
+<file path=ppt/slides/slide63.xml><?xml version="1.0" encoding="utf-8"?>
 <p:sld xmlns:a="http://schemas.openxmlformats.org/drawingml/2006/main" xmlns:r="http://schemas.openxmlformats.org/officeDocument/2006/relationships" xmlns:p="http://schemas.openxmlformats.org/presentationml/2006/main">
   <p:cSld>
     <p:spTree>
@@ -32775,7 +33267,7 @@
 </p:sld>
 </file>
 
-<file path=ppt/slides/slide63.xml><?xml version="1.0" encoding="utf-8"?>
+<file path=ppt/slides/slide64.xml><?xml version="1.0" encoding="utf-8"?>
 <p:sld xmlns:a="http://schemas.openxmlformats.org/drawingml/2006/main" xmlns:r="http://schemas.openxmlformats.org/officeDocument/2006/relationships" xmlns:p="http://schemas.openxmlformats.org/presentationml/2006/main">
   <p:cSld>
     <p:spTree>
@@ -34382,7 +34874,7 @@
 </p:sld>
 </file>
 
-<file path=ppt/slides/slide64.xml><?xml version="1.0" encoding="utf-8"?>
+<file path=ppt/slides/slide65.xml><?xml version="1.0" encoding="utf-8"?>
 <p:sld xmlns:a="http://schemas.openxmlformats.org/drawingml/2006/main" xmlns:r="http://schemas.openxmlformats.org/officeDocument/2006/relationships" xmlns:p="http://schemas.openxmlformats.org/presentationml/2006/main">
   <p:cSld>
     <p:spTree>
@@ -34953,7 +35445,7 @@
 </p:sld>
 </file>
 
-<file path=ppt/slides/slide65.xml><?xml version="1.0" encoding="utf-8"?>
+<file path=ppt/slides/slide66.xml><?xml version="1.0" encoding="utf-8"?>
 <p:sld xmlns:a="http://schemas.openxmlformats.org/drawingml/2006/main" xmlns:r="http://schemas.openxmlformats.org/officeDocument/2006/relationships" xmlns:p="http://schemas.openxmlformats.org/presentationml/2006/main">
   <p:cSld>
     <p:spTree>

--- a/竹田.pptx
+++ b/竹田.pptx
@@ -18,59 +18,58 @@
     <p:sldId id="263" r:id="rId12"/>
     <p:sldId id="269" r:id="rId13"/>
     <p:sldId id="632" r:id="rId14"/>
-    <p:sldId id="271" r:id="rId15"/>
-    <p:sldId id="634" r:id="rId16"/>
-    <p:sldId id="272" r:id="rId17"/>
-    <p:sldId id="273" r:id="rId18"/>
-    <p:sldId id="274" r:id="rId19"/>
-    <p:sldId id="264" r:id="rId20"/>
-    <p:sldId id="265" r:id="rId21"/>
-    <p:sldId id="266" r:id="rId22"/>
-    <p:sldId id="626" r:id="rId23"/>
-    <p:sldId id="569" r:id="rId24"/>
-    <p:sldId id="571" r:id="rId25"/>
-    <p:sldId id="573" r:id="rId26"/>
-    <p:sldId id="574" r:id="rId27"/>
-    <p:sldId id="627" r:id="rId28"/>
-    <p:sldId id="628" r:id="rId29"/>
-    <p:sldId id="629" r:id="rId30"/>
-    <p:sldId id="576" r:id="rId31"/>
-    <p:sldId id="579" r:id="rId32"/>
-    <p:sldId id="580" r:id="rId33"/>
-    <p:sldId id="581" r:id="rId34"/>
-    <p:sldId id="588" r:id="rId35"/>
-    <p:sldId id="589" r:id="rId36"/>
-    <p:sldId id="591" r:id="rId37"/>
-    <p:sldId id="590" r:id="rId38"/>
-    <p:sldId id="592" r:id="rId39"/>
-    <p:sldId id="594" r:id="rId40"/>
-    <p:sldId id="607" r:id="rId41"/>
-    <p:sldId id="610" r:id="rId42"/>
-    <p:sldId id="630" r:id="rId43"/>
-    <p:sldId id="611" r:id="rId44"/>
-    <p:sldId id="616" r:id="rId45"/>
-    <p:sldId id="609" r:id="rId46"/>
-    <p:sldId id="578" r:id="rId47"/>
-    <p:sldId id="621" r:id="rId48"/>
-    <p:sldId id="561" r:id="rId49"/>
-    <p:sldId id="633" r:id="rId50"/>
-    <p:sldId id="562" r:id="rId51"/>
-    <p:sldId id="563" r:id="rId52"/>
-    <p:sldId id="564" r:id="rId53"/>
-    <p:sldId id="566" r:id="rId54"/>
-    <p:sldId id="568" r:id="rId55"/>
-    <p:sldId id="620" r:id="rId56"/>
-    <p:sldId id="619" r:id="rId57"/>
-    <p:sldId id="587" r:id="rId58"/>
-    <p:sldId id="596" r:id="rId59"/>
-    <p:sldId id="597" r:id="rId60"/>
-    <p:sldId id="598" r:id="rId61"/>
-    <p:sldId id="601" r:id="rId62"/>
-    <p:sldId id="602" r:id="rId63"/>
-    <p:sldId id="603" r:id="rId64"/>
-    <p:sldId id="604" r:id="rId65"/>
-    <p:sldId id="606" r:id="rId66"/>
-    <p:sldId id="608" r:id="rId67"/>
+    <p:sldId id="634" r:id="rId15"/>
+    <p:sldId id="272" r:id="rId16"/>
+    <p:sldId id="273" r:id="rId17"/>
+    <p:sldId id="274" r:id="rId18"/>
+    <p:sldId id="264" r:id="rId19"/>
+    <p:sldId id="265" r:id="rId20"/>
+    <p:sldId id="266" r:id="rId21"/>
+    <p:sldId id="626" r:id="rId22"/>
+    <p:sldId id="569" r:id="rId23"/>
+    <p:sldId id="571" r:id="rId24"/>
+    <p:sldId id="573" r:id="rId25"/>
+    <p:sldId id="574" r:id="rId26"/>
+    <p:sldId id="627" r:id="rId27"/>
+    <p:sldId id="628" r:id="rId28"/>
+    <p:sldId id="629" r:id="rId29"/>
+    <p:sldId id="576" r:id="rId30"/>
+    <p:sldId id="579" r:id="rId31"/>
+    <p:sldId id="580" r:id="rId32"/>
+    <p:sldId id="581" r:id="rId33"/>
+    <p:sldId id="588" r:id="rId34"/>
+    <p:sldId id="589" r:id="rId35"/>
+    <p:sldId id="591" r:id="rId36"/>
+    <p:sldId id="590" r:id="rId37"/>
+    <p:sldId id="592" r:id="rId38"/>
+    <p:sldId id="594" r:id="rId39"/>
+    <p:sldId id="607" r:id="rId40"/>
+    <p:sldId id="610" r:id="rId41"/>
+    <p:sldId id="630" r:id="rId42"/>
+    <p:sldId id="611" r:id="rId43"/>
+    <p:sldId id="616" r:id="rId44"/>
+    <p:sldId id="609" r:id="rId45"/>
+    <p:sldId id="578" r:id="rId46"/>
+    <p:sldId id="621" r:id="rId47"/>
+    <p:sldId id="561" r:id="rId48"/>
+    <p:sldId id="633" r:id="rId49"/>
+    <p:sldId id="562" r:id="rId50"/>
+    <p:sldId id="563" r:id="rId51"/>
+    <p:sldId id="564" r:id="rId52"/>
+    <p:sldId id="566" r:id="rId53"/>
+    <p:sldId id="568" r:id="rId54"/>
+    <p:sldId id="620" r:id="rId55"/>
+    <p:sldId id="619" r:id="rId56"/>
+    <p:sldId id="587" r:id="rId57"/>
+    <p:sldId id="596" r:id="rId58"/>
+    <p:sldId id="597" r:id="rId59"/>
+    <p:sldId id="598" r:id="rId60"/>
+    <p:sldId id="601" r:id="rId61"/>
+    <p:sldId id="602" r:id="rId62"/>
+    <p:sldId id="603" r:id="rId63"/>
+    <p:sldId id="604" r:id="rId64"/>
+    <p:sldId id="606" r:id="rId65"/>
+    <p:sldId id="608" r:id="rId66"/>
   </p:sldIdLst>
   <p:sldSz cx="12192000" cy="6858000"/>
   <p:notesSz cx="6858000" cy="9144000"/>
@@ -12130,1449 +12129,6 @@
               <a:rPr lang="en" altLang="ja-JP" sz="2400" dirty="0"/>
               <a:t>s with different ports that exist in adjacent pairs of holds. </a:t>
             </a:r>
-          </a:p>
-          <a:p>
-            <a:pPr marL="1828800" lvl="4" indent="0">
-              <a:buNone/>
-            </a:pPr>
-            <a:endParaRPr kumimoji="1" lang="en-US" altLang="ja-JP" sz="2400" dirty="0">
-              <a:solidFill>
-                <a:srgbClr val="FF0000"/>
-              </a:solidFill>
-            </a:endParaRPr>
-          </a:p>
-          <a:p>
-            <a:pPr marL="1828800" lvl="4" indent="0">
-              <a:buNone/>
-            </a:pPr>
-            <a:r>
-              <a:rPr kumimoji="1" lang="ja-JP" altLang="en-US" sz="2400">
-                <a:solidFill>
-                  <a:srgbClr val="FF0000"/>
-                </a:solidFill>
-              </a:rPr>
-              <a:t>○ </a:t>
-            </a:r>
-            <a:r>
-              <a:rPr kumimoji="1" lang="ja-JP" altLang="en-US" sz="2400"/>
-              <a:t>                                    </a:t>
-            </a:r>
-            <a:r>
-              <a:rPr kumimoji="1" lang="en-US" altLang="ja-JP" sz="2400" dirty="0">
-                <a:solidFill>
-                  <a:srgbClr val="FF0000"/>
-                </a:solidFill>
-              </a:rPr>
-              <a:t>×</a:t>
-            </a:r>
-            <a:endParaRPr kumimoji="1" lang="ja-JP" altLang="en-US" sz="2400">
-              <a:solidFill>
-                <a:srgbClr val="FF0000"/>
-              </a:solidFill>
-            </a:endParaRPr>
-          </a:p>
-        </p:txBody>
-      </p:sp>
-      <p:sp>
-        <p:nvSpPr>
-          <p:cNvPr id="4" name="正方形/長方形 3">
-            <a:extLst>
-              <a:ext uri="{FF2B5EF4-FFF2-40B4-BE49-F238E27FC236}">
-                <a16:creationId xmlns:a16="http://schemas.microsoft.com/office/drawing/2014/main" id="{067A9BD7-4B51-6D49-81E0-C1B4397DB9C7}"/>
-              </a:ext>
-            </a:extLst>
-          </p:cNvPr>
-          <p:cNvSpPr/>
-          <p:nvPr/>
-        </p:nvSpPr>
-        <p:spPr>
-          <a:xfrm>
-            <a:off x="4971503" y="4485564"/>
-            <a:ext cx="668741" cy="627797"/>
-          </a:xfrm>
-          <a:prstGeom prst="rect">
-            <a:avLst/>
-          </a:prstGeom>
-          <a:solidFill>
-            <a:srgbClr val="00B0F0"/>
-          </a:solidFill>
-        </p:spPr>
-        <p:style>
-          <a:lnRef idx="2">
-            <a:schemeClr val="accent1">
-              <a:shade val="50000"/>
-            </a:schemeClr>
-          </a:lnRef>
-          <a:fillRef idx="1">
-            <a:schemeClr val="accent1"/>
-          </a:fillRef>
-          <a:effectRef idx="0">
-            <a:schemeClr val="accent1"/>
-          </a:effectRef>
-          <a:fontRef idx="minor">
-            <a:schemeClr val="lt1"/>
-          </a:fontRef>
-        </p:style>
-        <p:txBody>
-          <a:bodyPr rtlCol="0" anchor="ctr"/>
-          <a:lstStyle/>
-          <a:p>
-            <a:pPr algn="ctr"/>
-            <a:endParaRPr kumimoji="1" lang="ja-JP" altLang="en-US"/>
-          </a:p>
-        </p:txBody>
-      </p:sp>
-      <p:sp>
-        <p:nvSpPr>
-          <p:cNvPr id="5" name="正方形/長方形 4">
-            <a:extLst>
-              <a:ext uri="{FF2B5EF4-FFF2-40B4-BE49-F238E27FC236}">
-                <a16:creationId xmlns:a16="http://schemas.microsoft.com/office/drawing/2014/main" id="{BCD9801A-E6B6-364D-BDB2-D8F14B6B9C9C}"/>
-              </a:ext>
-            </a:extLst>
-          </p:cNvPr>
-          <p:cNvSpPr/>
-          <p:nvPr/>
-        </p:nvSpPr>
-        <p:spPr>
-          <a:xfrm>
-            <a:off x="4307652" y="4485564"/>
-            <a:ext cx="668741" cy="627797"/>
-          </a:xfrm>
-          <a:prstGeom prst="rect">
-            <a:avLst/>
-          </a:prstGeom>
-          <a:solidFill>
-            <a:srgbClr val="00B0F0"/>
-          </a:solidFill>
-        </p:spPr>
-        <p:style>
-          <a:lnRef idx="2">
-            <a:schemeClr val="accent1">
-              <a:shade val="50000"/>
-            </a:schemeClr>
-          </a:lnRef>
-          <a:fillRef idx="1">
-            <a:schemeClr val="accent1"/>
-          </a:fillRef>
-          <a:effectRef idx="0">
-            <a:schemeClr val="accent1"/>
-          </a:effectRef>
-          <a:fontRef idx="minor">
-            <a:schemeClr val="lt1"/>
-          </a:fontRef>
-        </p:style>
-        <p:txBody>
-          <a:bodyPr rtlCol="0" anchor="ctr"/>
-          <a:lstStyle/>
-          <a:p>
-            <a:pPr algn="ctr"/>
-            <a:endParaRPr kumimoji="1" lang="ja-JP" altLang="en-US"/>
-          </a:p>
-        </p:txBody>
-      </p:sp>
-      <p:sp>
-        <p:nvSpPr>
-          <p:cNvPr id="6" name="正方形/長方形 5">
-            <a:extLst>
-              <a:ext uri="{FF2B5EF4-FFF2-40B4-BE49-F238E27FC236}">
-                <a16:creationId xmlns:a16="http://schemas.microsoft.com/office/drawing/2014/main" id="{7B132D4E-A696-B644-A4CD-B3B900A4D173}"/>
-              </a:ext>
-            </a:extLst>
-          </p:cNvPr>
-          <p:cNvSpPr/>
-          <p:nvPr/>
-        </p:nvSpPr>
-        <p:spPr>
-          <a:xfrm>
-            <a:off x="3661883" y="4481014"/>
-            <a:ext cx="668741" cy="627797"/>
-          </a:xfrm>
-          <a:prstGeom prst="rect">
-            <a:avLst/>
-          </a:prstGeom>
-          <a:solidFill>
-            <a:srgbClr val="00B0F0"/>
-          </a:solidFill>
-        </p:spPr>
-        <p:style>
-          <a:lnRef idx="2">
-            <a:schemeClr val="accent1">
-              <a:shade val="50000"/>
-            </a:schemeClr>
-          </a:lnRef>
-          <a:fillRef idx="1">
-            <a:schemeClr val="accent1"/>
-          </a:fillRef>
-          <a:effectRef idx="0">
-            <a:schemeClr val="accent1"/>
-          </a:effectRef>
-          <a:fontRef idx="minor">
-            <a:schemeClr val="lt1"/>
-          </a:fontRef>
-        </p:style>
-        <p:txBody>
-          <a:bodyPr rtlCol="0" anchor="ctr"/>
-          <a:lstStyle/>
-          <a:p>
-            <a:pPr algn="ctr"/>
-            <a:endParaRPr kumimoji="1" lang="ja-JP" altLang="en-US"/>
-          </a:p>
-        </p:txBody>
-      </p:sp>
-      <p:sp>
-        <p:nvSpPr>
-          <p:cNvPr id="7" name="正方形/長方形 6">
-            <a:extLst>
-              <a:ext uri="{FF2B5EF4-FFF2-40B4-BE49-F238E27FC236}">
-                <a16:creationId xmlns:a16="http://schemas.microsoft.com/office/drawing/2014/main" id="{CC9B5BF5-74FC-B442-B2BD-9B549170319F}"/>
-              </a:ext>
-            </a:extLst>
-          </p:cNvPr>
-          <p:cNvSpPr/>
-          <p:nvPr/>
-        </p:nvSpPr>
-        <p:spPr>
-          <a:xfrm>
-            <a:off x="3661882" y="5121208"/>
-            <a:ext cx="668741" cy="627797"/>
-          </a:xfrm>
-          <a:prstGeom prst="rect">
-            <a:avLst/>
-          </a:prstGeom>
-          <a:solidFill>
-            <a:srgbClr val="00B0F0"/>
-          </a:solidFill>
-        </p:spPr>
-        <p:style>
-          <a:lnRef idx="2">
-            <a:schemeClr val="accent1">
-              <a:shade val="50000"/>
-            </a:schemeClr>
-          </a:lnRef>
-          <a:fillRef idx="1">
-            <a:schemeClr val="accent1"/>
-          </a:fillRef>
-          <a:effectRef idx="0">
-            <a:schemeClr val="accent1"/>
-          </a:effectRef>
-          <a:fontRef idx="minor">
-            <a:schemeClr val="lt1"/>
-          </a:fontRef>
-        </p:style>
-        <p:txBody>
-          <a:bodyPr rtlCol="0" anchor="ctr"/>
-          <a:lstStyle/>
-          <a:p>
-            <a:pPr algn="ctr"/>
-            <a:endParaRPr kumimoji="1" lang="ja-JP" altLang="en-US"/>
-          </a:p>
-        </p:txBody>
-      </p:sp>
-      <p:sp>
-        <p:nvSpPr>
-          <p:cNvPr id="8" name="正方形/長方形 7">
-            <a:extLst>
-              <a:ext uri="{FF2B5EF4-FFF2-40B4-BE49-F238E27FC236}">
-                <a16:creationId xmlns:a16="http://schemas.microsoft.com/office/drawing/2014/main" id="{D0702233-B52A-444B-8BEA-0A9934C0E778}"/>
-              </a:ext>
-            </a:extLst>
-          </p:cNvPr>
-          <p:cNvSpPr/>
-          <p:nvPr/>
-        </p:nvSpPr>
-        <p:spPr>
-          <a:xfrm>
-            <a:off x="4320122" y="5113361"/>
-            <a:ext cx="668741" cy="627797"/>
-          </a:xfrm>
-          <a:prstGeom prst="rect">
-            <a:avLst/>
-          </a:prstGeom>
-          <a:solidFill>
-            <a:srgbClr val="92D050"/>
-          </a:solidFill>
-        </p:spPr>
-        <p:style>
-          <a:lnRef idx="2">
-            <a:schemeClr val="accent1">
-              <a:shade val="50000"/>
-            </a:schemeClr>
-          </a:lnRef>
-          <a:fillRef idx="1">
-            <a:schemeClr val="accent1"/>
-          </a:fillRef>
-          <a:effectRef idx="0">
-            <a:schemeClr val="accent1"/>
-          </a:effectRef>
-          <a:fontRef idx="minor">
-            <a:schemeClr val="lt1"/>
-          </a:fontRef>
-        </p:style>
-        <p:txBody>
-          <a:bodyPr rtlCol="0" anchor="ctr"/>
-          <a:lstStyle/>
-          <a:p>
-            <a:pPr algn="ctr"/>
-            <a:endParaRPr kumimoji="1" lang="ja-JP" altLang="en-US"/>
-          </a:p>
-        </p:txBody>
-      </p:sp>
-      <p:sp>
-        <p:nvSpPr>
-          <p:cNvPr id="9" name="正方形/長方形 8">
-            <a:extLst>
-              <a:ext uri="{FF2B5EF4-FFF2-40B4-BE49-F238E27FC236}">
-                <a16:creationId xmlns:a16="http://schemas.microsoft.com/office/drawing/2014/main" id="{5DBA1192-030E-6041-9CFA-4C6A4A2318AB}"/>
-              </a:ext>
-            </a:extLst>
-          </p:cNvPr>
-          <p:cNvSpPr/>
-          <p:nvPr/>
-        </p:nvSpPr>
-        <p:spPr>
-          <a:xfrm>
-            <a:off x="4976393" y="5122460"/>
-            <a:ext cx="668741" cy="627797"/>
-          </a:xfrm>
-          <a:prstGeom prst="rect">
-            <a:avLst/>
-          </a:prstGeom>
-          <a:solidFill>
-            <a:srgbClr val="92D050"/>
-          </a:solidFill>
-        </p:spPr>
-        <p:style>
-          <a:lnRef idx="2">
-            <a:schemeClr val="accent1">
-              <a:shade val="50000"/>
-            </a:schemeClr>
-          </a:lnRef>
-          <a:fillRef idx="1">
-            <a:schemeClr val="accent1"/>
-          </a:fillRef>
-          <a:effectRef idx="0">
-            <a:schemeClr val="accent1"/>
-          </a:effectRef>
-          <a:fontRef idx="minor">
-            <a:schemeClr val="lt1"/>
-          </a:fontRef>
-        </p:style>
-        <p:txBody>
-          <a:bodyPr rtlCol="0" anchor="ctr"/>
-          <a:lstStyle/>
-          <a:p>
-            <a:pPr algn="ctr"/>
-            <a:endParaRPr kumimoji="1" lang="ja-JP" altLang="en-US"/>
-          </a:p>
-        </p:txBody>
-      </p:sp>
-      <p:sp>
-        <p:nvSpPr>
-          <p:cNvPr id="10" name="正方形/長方形 9">
-            <a:extLst>
-              <a:ext uri="{FF2B5EF4-FFF2-40B4-BE49-F238E27FC236}">
-                <a16:creationId xmlns:a16="http://schemas.microsoft.com/office/drawing/2014/main" id="{C278E65F-59A7-B14B-B9BA-BA19CDFF962E}"/>
-              </a:ext>
-            </a:extLst>
-          </p:cNvPr>
-          <p:cNvSpPr/>
-          <p:nvPr/>
-        </p:nvSpPr>
-        <p:spPr>
-          <a:xfrm>
-            <a:off x="4971503" y="5756853"/>
-            <a:ext cx="668741" cy="627797"/>
-          </a:xfrm>
-          <a:prstGeom prst="rect">
-            <a:avLst/>
-          </a:prstGeom>
-          <a:solidFill>
-            <a:srgbClr val="92D050"/>
-          </a:solidFill>
-        </p:spPr>
-        <p:style>
-          <a:lnRef idx="2">
-            <a:schemeClr val="accent1">
-              <a:shade val="50000"/>
-            </a:schemeClr>
-          </a:lnRef>
-          <a:fillRef idx="1">
-            <a:schemeClr val="accent1"/>
-          </a:fillRef>
-          <a:effectRef idx="0">
-            <a:schemeClr val="accent1"/>
-          </a:effectRef>
-          <a:fontRef idx="minor">
-            <a:schemeClr val="lt1"/>
-          </a:fontRef>
-        </p:style>
-        <p:txBody>
-          <a:bodyPr rtlCol="0" anchor="ctr"/>
-          <a:lstStyle/>
-          <a:p>
-            <a:pPr algn="ctr"/>
-            <a:endParaRPr kumimoji="1" lang="ja-JP" altLang="en-US"/>
-          </a:p>
-        </p:txBody>
-      </p:sp>
-      <p:sp>
-        <p:nvSpPr>
-          <p:cNvPr id="11" name="正方形/長方形 10">
-            <a:extLst>
-              <a:ext uri="{FF2B5EF4-FFF2-40B4-BE49-F238E27FC236}">
-                <a16:creationId xmlns:a16="http://schemas.microsoft.com/office/drawing/2014/main" id="{A8032D0F-7E0A-A34A-8684-4B8C77F9576F}"/>
-              </a:ext>
-            </a:extLst>
-          </p:cNvPr>
-          <p:cNvSpPr/>
-          <p:nvPr/>
-        </p:nvSpPr>
-        <p:spPr>
-          <a:xfrm>
-            <a:off x="3661881" y="5741158"/>
-            <a:ext cx="668741" cy="627797"/>
-          </a:xfrm>
-          <a:prstGeom prst="rect">
-            <a:avLst/>
-          </a:prstGeom>
-          <a:solidFill>
-            <a:srgbClr val="FFC000"/>
-          </a:solidFill>
-        </p:spPr>
-        <p:style>
-          <a:lnRef idx="2">
-            <a:schemeClr val="accent1">
-              <a:shade val="50000"/>
-            </a:schemeClr>
-          </a:lnRef>
-          <a:fillRef idx="1">
-            <a:schemeClr val="accent1"/>
-          </a:fillRef>
-          <a:effectRef idx="0">
-            <a:schemeClr val="accent1"/>
-          </a:effectRef>
-          <a:fontRef idx="minor">
-            <a:schemeClr val="lt1"/>
-          </a:fontRef>
-        </p:style>
-        <p:txBody>
-          <a:bodyPr rtlCol="0" anchor="ctr"/>
-          <a:lstStyle/>
-          <a:p>
-            <a:pPr algn="ctr"/>
-            <a:endParaRPr kumimoji="1" lang="ja-JP" altLang="en-US"/>
-          </a:p>
-        </p:txBody>
-      </p:sp>
-      <p:sp>
-        <p:nvSpPr>
-          <p:cNvPr id="12" name="正方形/長方形 11">
-            <a:extLst>
-              <a:ext uri="{FF2B5EF4-FFF2-40B4-BE49-F238E27FC236}">
-                <a16:creationId xmlns:a16="http://schemas.microsoft.com/office/drawing/2014/main" id="{9DD44B77-9C6E-1D47-B7FE-C3C33C39256F}"/>
-              </a:ext>
-            </a:extLst>
-          </p:cNvPr>
-          <p:cNvSpPr/>
-          <p:nvPr/>
-        </p:nvSpPr>
-        <p:spPr>
-          <a:xfrm>
-            <a:off x="4317314" y="5747754"/>
-            <a:ext cx="668741" cy="627797"/>
-          </a:xfrm>
-          <a:prstGeom prst="rect">
-            <a:avLst/>
-          </a:prstGeom>
-          <a:solidFill>
-            <a:srgbClr val="FFC000"/>
-          </a:solidFill>
-        </p:spPr>
-        <p:style>
-          <a:lnRef idx="2">
-            <a:schemeClr val="accent1">
-              <a:shade val="50000"/>
-            </a:schemeClr>
-          </a:lnRef>
-          <a:fillRef idx="1">
-            <a:schemeClr val="accent1"/>
-          </a:fillRef>
-          <a:effectRef idx="0">
-            <a:schemeClr val="accent1"/>
-          </a:effectRef>
-          <a:fontRef idx="minor">
-            <a:schemeClr val="lt1"/>
-          </a:fontRef>
-        </p:style>
-        <p:txBody>
-          <a:bodyPr rtlCol="0" anchor="ctr"/>
-          <a:lstStyle/>
-          <a:p>
-            <a:pPr algn="ctr"/>
-            <a:endParaRPr kumimoji="1" lang="ja-JP" altLang="en-US"/>
-          </a:p>
-        </p:txBody>
-      </p:sp>
-      <p:sp>
-        <p:nvSpPr>
-          <p:cNvPr id="13" name="正方形/長方形 12">
-            <a:extLst>
-              <a:ext uri="{FF2B5EF4-FFF2-40B4-BE49-F238E27FC236}">
-                <a16:creationId xmlns:a16="http://schemas.microsoft.com/office/drawing/2014/main" id="{50CC7B0D-C49F-4845-AB34-6920D7F2CDD4}"/>
-              </a:ext>
-            </a:extLst>
-          </p:cNvPr>
-          <p:cNvSpPr/>
-          <p:nvPr/>
-        </p:nvSpPr>
-        <p:spPr>
-          <a:xfrm>
-            <a:off x="8423424" y="4485564"/>
-            <a:ext cx="668741" cy="627797"/>
-          </a:xfrm>
-          <a:prstGeom prst="rect">
-            <a:avLst/>
-          </a:prstGeom>
-          <a:solidFill>
-            <a:srgbClr val="00B0F0"/>
-          </a:solidFill>
-        </p:spPr>
-        <p:style>
-          <a:lnRef idx="2">
-            <a:schemeClr val="accent1">
-              <a:shade val="50000"/>
-            </a:schemeClr>
-          </a:lnRef>
-          <a:fillRef idx="1">
-            <a:schemeClr val="accent1"/>
-          </a:fillRef>
-          <a:effectRef idx="0">
-            <a:schemeClr val="accent1"/>
-          </a:effectRef>
-          <a:fontRef idx="minor">
-            <a:schemeClr val="lt1"/>
-          </a:fontRef>
-        </p:style>
-        <p:txBody>
-          <a:bodyPr rtlCol="0" anchor="ctr"/>
-          <a:lstStyle/>
-          <a:p>
-            <a:pPr algn="ctr"/>
-            <a:endParaRPr kumimoji="1" lang="ja-JP" altLang="en-US"/>
-          </a:p>
-        </p:txBody>
-      </p:sp>
-      <p:sp>
-        <p:nvSpPr>
-          <p:cNvPr id="14" name="正方形/長方形 13">
-            <a:extLst>
-              <a:ext uri="{FF2B5EF4-FFF2-40B4-BE49-F238E27FC236}">
-                <a16:creationId xmlns:a16="http://schemas.microsoft.com/office/drawing/2014/main" id="{B6DB7078-4225-C74C-95D8-6FA063090B0D}"/>
-              </a:ext>
-            </a:extLst>
-          </p:cNvPr>
-          <p:cNvSpPr/>
-          <p:nvPr/>
-        </p:nvSpPr>
-        <p:spPr>
-          <a:xfrm>
-            <a:off x="7757461" y="4485564"/>
-            <a:ext cx="668741" cy="627797"/>
-          </a:xfrm>
-          <a:prstGeom prst="rect">
-            <a:avLst/>
-          </a:prstGeom>
-          <a:solidFill>
-            <a:srgbClr val="92D050"/>
-          </a:solidFill>
-        </p:spPr>
-        <p:style>
-          <a:lnRef idx="2">
-            <a:schemeClr val="accent1">
-              <a:shade val="50000"/>
-            </a:schemeClr>
-          </a:lnRef>
-          <a:fillRef idx="1">
-            <a:schemeClr val="accent1"/>
-          </a:fillRef>
-          <a:effectRef idx="0">
-            <a:schemeClr val="accent1"/>
-          </a:effectRef>
-          <a:fontRef idx="minor">
-            <a:schemeClr val="lt1"/>
-          </a:fontRef>
-        </p:style>
-        <p:txBody>
-          <a:bodyPr rtlCol="0" anchor="ctr"/>
-          <a:lstStyle/>
-          <a:p>
-            <a:pPr algn="ctr"/>
-            <a:endParaRPr kumimoji="1" lang="ja-JP" altLang="en-US"/>
-          </a:p>
-        </p:txBody>
-      </p:sp>
-      <p:sp>
-        <p:nvSpPr>
-          <p:cNvPr id="15" name="正方形/長方形 14">
-            <a:extLst>
-              <a:ext uri="{FF2B5EF4-FFF2-40B4-BE49-F238E27FC236}">
-                <a16:creationId xmlns:a16="http://schemas.microsoft.com/office/drawing/2014/main" id="{C137D3F7-BFDC-FD4B-9D6C-DDB075D374BE}"/>
-              </a:ext>
-            </a:extLst>
-          </p:cNvPr>
-          <p:cNvSpPr/>
-          <p:nvPr/>
-        </p:nvSpPr>
-        <p:spPr>
-          <a:xfrm>
-            <a:off x="7088155" y="4486897"/>
-            <a:ext cx="668741" cy="627797"/>
-          </a:xfrm>
-          <a:prstGeom prst="rect">
-            <a:avLst/>
-          </a:prstGeom>
-          <a:solidFill>
-            <a:srgbClr val="00B0F0"/>
-          </a:solidFill>
-        </p:spPr>
-        <p:style>
-          <a:lnRef idx="2">
-            <a:schemeClr val="accent1">
-              <a:shade val="50000"/>
-            </a:schemeClr>
-          </a:lnRef>
-          <a:fillRef idx="1">
-            <a:schemeClr val="accent1"/>
-          </a:fillRef>
-          <a:effectRef idx="0">
-            <a:schemeClr val="accent1"/>
-          </a:effectRef>
-          <a:fontRef idx="minor">
-            <a:schemeClr val="lt1"/>
-          </a:fontRef>
-        </p:style>
-        <p:txBody>
-          <a:bodyPr rtlCol="0" anchor="ctr"/>
-          <a:lstStyle/>
-          <a:p>
-            <a:pPr algn="ctr"/>
-            <a:endParaRPr kumimoji="1" lang="ja-JP" altLang="en-US"/>
-          </a:p>
-        </p:txBody>
-      </p:sp>
-      <p:sp>
-        <p:nvSpPr>
-          <p:cNvPr id="16" name="正方形/長方形 15">
-            <a:extLst>
-              <a:ext uri="{FF2B5EF4-FFF2-40B4-BE49-F238E27FC236}">
-                <a16:creationId xmlns:a16="http://schemas.microsoft.com/office/drawing/2014/main" id="{55677416-99E6-E348-B5AA-ED1777CE10B6}"/>
-              </a:ext>
-            </a:extLst>
-          </p:cNvPr>
-          <p:cNvSpPr/>
-          <p:nvPr/>
-        </p:nvSpPr>
-        <p:spPr>
-          <a:xfrm>
-            <a:off x="7083150" y="5105595"/>
-            <a:ext cx="668741" cy="627797"/>
-          </a:xfrm>
-          <a:prstGeom prst="rect">
-            <a:avLst/>
-          </a:prstGeom>
-          <a:solidFill>
-            <a:srgbClr val="92D050"/>
-          </a:solidFill>
-        </p:spPr>
-        <p:style>
-          <a:lnRef idx="2">
-            <a:schemeClr val="accent1">
-              <a:shade val="50000"/>
-            </a:schemeClr>
-          </a:lnRef>
-          <a:fillRef idx="1">
-            <a:schemeClr val="accent1"/>
-          </a:fillRef>
-          <a:effectRef idx="0">
-            <a:schemeClr val="accent1"/>
-          </a:effectRef>
-          <a:fontRef idx="minor">
-            <a:schemeClr val="lt1"/>
-          </a:fontRef>
-        </p:style>
-        <p:txBody>
-          <a:bodyPr rtlCol="0" anchor="ctr"/>
-          <a:lstStyle/>
-          <a:p>
-            <a:pPr algn="ctr"/>
-            <a:endParaRPr kumimoji="1" lang="ja-JP" altLang="en-US"/>
-          </a:p>
-        </p:txBody>
-      </p:sp>
-      <p:sp>
-        <p:nvSpPr>
-          <p:cNvPr id="17" name="正方形/長方形 16">
-            <a:extLst>
-              <a:ext uri="{FF2B5EF4-FFF2-40B4-BE49-F238E27FC236}">
-                <a16:creationId xmlns:a16="http://schemas.microsoft.com/office/drawing/2014/main" id="{15FCB09D-0443-EC4E-9395-9B8B32ABCF85}"/>
-              </a:ext>
-            </a:extLst>
-          </p:cNvPr>
-          <p:cNvSpPr/>
-          <p:nvPr/>
-        </p:nvSpPr>
-        <p:spPr>
-          <a:xfrm>
-            <a:off x="7752571" y="5114694"/>
-            <a:ext cx="668741" cy="627797"/>
-          </a:xfrm>
-          <a:prstGeom prst="rect">
-            <a:avLst/>
-          </a:prstGeom>
-          <a:solidFill>
-            <a:srgbClr val="FFC000"/>
-          </a:solidFill>
-        </p:spPr>
-        <p:style>
-          <a:lnRef idx="2">
-            <a:schemeClr val="accent1">
-              <a:shade val="50000"/>
-            </a:schemeClr>
-          </a:lnRef>
-          <a:fillRef idx="1">
-            <a:schemeClr val="accent1"/>
-          </a:fillRef>
-          <a:effectRef idx="0">
-            <a:schemeClr val="accent1"/>
-          </a:effectRef>
-          <a:fontRef idx="minor">
-            <a:schemeClr val="lt1"/>
-          </a:fontRef>
-        </p:style>
-        <p:txBody>
-          <a:bodyPr rtlCol="0" anchor="ctr"/>
-          <a:lstStyle/>
-          <a:p>
-            <a:pPr algn="ctr"/>
-            <a:endParaRPr kumimoji="1" lang="ja-JP" altLang="en-US"/>
-          </a:p>
-        </p:txBody>
-      </p:sp>
-      <p:sp>
-        <p:nvSpPr>
-          <p:cNvPr id="18" name="正方形/長方形 17">
-            <a:extLst>
-              <a:ext uri="{FF2B5EF4-FFF2-40B4-BE49-F238E27FC236}">
-                <a16:creationId xmlns:a16="http://schemas.microsoft.com/office/drawing/2014/main" id="{441E9B8E-DEF7-FA48-8162-9FA170FD789F}"/>
-              </a:ext>
-            </a:extLst>
-          </p:cNvPr>
-          <p:cNvSpPr/>
-          <p:nvPr/>
-        </p:nvSpPr>
-        <p:spPr>
-          <a:xfrm>
-            <a:off x="8427454" y="5096496"/>
-            <a:ext cx="668741" cy="627797"/>
-          </a:xfrm>
-          <a:prstGeom prst="rect">
-            <a:avLst/>
-          </a:prstGeom>
-          <a:solidFill>
-            <a:srgbClr val="92D050"/>
-          </a:solidFill>
-        </p:spPr>
-        <p:style>
-          <a:lnRef idx="2">
-            <a:schemeClr val="accent1">
-              <a:shade val="50000"/>
-            </a:schemeClr>
-          </a:lnRef>
-          <a:fillRef idx="1">
-            <a:schemeClr val="accent1"/>
-          </a:fillRef>
-          <a:effectRef idx="0">
-            <a:schemeClr val="accent1"/>
-          </a:effectRef>
-          <a:fontRef idx="minor">
-            <a:schemeClr val="lt1"/>
-          </a:fontRef>
-        </p:style>
-        <p:txBody>
-          <a:bodyPr rtlCol="0" anchor="ctr"/>
-          <a:lstStyle/>
-          <a:p>
-            <a:pPr algn="ctr"/>
-            <a:endParaRPr kumimoji="1" lang="ja-JP" altLang="en-US"/>
-          </a:p>
-        </p:txBody>
-      </p:sp>
-      <p:sp>
-        <p:nvSpPr>
-          <p:cNvPr id="19" name="正方形/長方形 18">
-            <a:extLst>
-              <a:ext uri="{FF2B5EF4-FFF2-40B4-BE49-F238E27FC236}">
-                <a16:creationId xmlns:a16="http://schemas.microsoft.com/office/drawing/2014/main" id="{27AD64C6-E207-2541-B143-EF3357E88206}"/>
-              </a:ext>
-            </a:extLst>
-          </p:cNvPr>
-          <p:cNvSpPr/>
-          <p:nvPr/>
-        </p:nvSpPr>
-        <p:spPr>
-          <a:xfrm>
-            <a:off x="8423423" y="5733392"/>
-            <a:ext cx="668741" cy="627797"/>
-          </a:xfrm>
-          <a:prstGeom prst="rect">
-            <a:avLst/>
-          </a:prstGeom>
-          <a:solidFill>
-            <a:srgbClr val="00B0F0"/>
-          </a:solidFill>
-        </p:spPr>
-        <p:style>
-          <a:lnRef idx="2">
-            <a:schemeClr val="accent1">
-              <a:shade val="50000"/>
-            </a:schemeClr>
-          </a:lnRef>
-          <a:fillRef idx="1">
-            <a:schemeClr val="accent1"/>
-          </a:fillRef>
-          <a:effectRef idx="0">
-            <a:schemeClr val="accent1"/>
-          </a:effectRef>
-          <a:fontRef idx="minor">
-            <a:schemeClr val="lt1"/>
-          </a:fontRef>
-        </p:style>
-        <p:txBody>
-          <a:bodyPr rtlCol="0" anchor="ctr"/>
-          <a:lstStyle/>
-          <a:p>
-            <a:pPr algn="ctr"/>
-            <a:endParaRPr kumimoji="1" lang="ja-JP" altLang="en-US"/>
-          </a:p>
-        </p:txBody>
-      </p:sp>
-      <p:sp>
-        <p:nvSpPr>
-          <p:cNvPr id="20" name="正方形/長方形 19">
-            <a:extLst>
-              <a:ext uri="{FF2B5EF4-FFF2-40B4-BE49-F238E27FC236}">
-                <a16:creationId xmlns:a16="http://schemas.microsoft.com/office/drawing/2014/main" id="{41B55C55-21F5-A648-AC5D-19858576D85C}"/>
-              </a:ext>
-            </a:extLst>
-          </p:cNvPr>
-          <p:cNvSpPr/>
-          <p:nvPr/>
-        </p:nvSpPr>
-        <p:spPr>
-          <a:xfrm>
-            <a:off x="7086146" y="5733392"/>
-            <a:ext cx="668741" cy="627797"/>
-          </a:xfrm>
-          <a:prstGeom prst="rect">
-            <a:avLst/>
-          </a:prstGeom>
-          <a:solidFill>
-            <a:srgbClr val="FFC000"/>
-          </a:solidFill>
-        </p:spPr>
-        <p:style>
-          <a:lnRef idx="2">
-            <a:schemeClr val="accent1">
-              <a:shade val="50000"/>
-            </a:schemeClr>
-          </a:lnRef>
-          <a:fillRef idx="1">
-            <a:schemeClr val="accent1"/>
-          </a:fillRef>
-          <a:effectRef idx="0">
-            <a:schemeClr val="accent1"/>
-          </a:effectRef>
-          <a:fontRef idx="minor">
-            <a:schemeClr val="lt1"/>
-          </a:fontRef>
-        </p:style>
-        <p:txBody>
-          <a:bodyPr rtlCol="0" anchor="ctr"/>
-          <a:lstStyle/>
-          <a:p>
-            <a:pPr algn="ctr"/>
-            <a:endParaRPr kumimoji="1" lang="ja-JP" altLang="en-US"/>
-          </a:p>
-        </p:txBody>
-      </p:sp>
-      <p:sp>
-        <p:nvSpPr>
-          <p:cNvPr id="21" name="正方形/長方形 20">
-            <a:extLst>
-              <a:ext uri="{FF2B5EF4-FFF2-40B4-BE49-F238E27FC236}">
-                <a16:creationId xmlns:a16="http://schemas.microsoft.com/office/drawing/2014/main" id="{63672841-7121-D749-BEFB-B917B0B8B014}"/>
-              </a:ext>
-            </a:extLst>
-          </p:cNvPr>
-          <p:cNvSpPr/>
-          <p:nvPr/>
-        </p:nvSpPr>
-        <p:spPr>
-          <a:xfrm>
-            <a:off x="7752571" y="5741158"/>
-            <a:ext cx="668741" cy="627797"/>
-          </a:xfrm>
-          <a:prstGeom prst="rect">
-            <a:avLst/>
-          </a:prstGeom>
-          <a:solidFill>
-            <a:srgbClr val="00B0F0"/>
-          </a:solidFill>
-        </p:spPr>
-        <p:style>
-          <a:lnRef idx="2">
-            <a:schemeClr val="accent1">
-              <a:shade val="50000"/>
-            </a:schemeClr>
-          </a:lnRef>
-          <a:fillRef idx="1">
-            <a:schemeClr val="accent1"/>
-          </a:fillRef>
-          <a:effectRef idx="0">
-            <a:schemeClr val="accent1"/>
-          </a:effectRef>
-          <a:fontRef idx="minor">
-            <a:schemeClr val="lt1"/>
-          </a:fontRef>
-        </p:style>
-        <p:txBody>
-          <a:bodyPr rtlCol="0" anchor="ctr"/>
-          <a:lstStyle/>
-          <a:p>
-            <a:pPr algn="ctr"/>
-            <a:endParaRPr kumimoji="1" lang="ja-JP" altLang="en-US"/>
-          </a:p>
-        </p:txBody>
-      </p:sp>
-      <p:sp>
-        <p:nvSpPr>
-          <p:cNvPr id="22" name="正方形/長方形 21">
-            <a:extLst>
-              <a:ext uri="{FF2B5EF4-FFF2-40B4-BE49-F238E27FC236}">
-                <a16:creationId xmlns:a16="http://schemas.microsoft.com/office/drawing/2014/main" id="{7D8525D6-AAB4-8542-8282-403599A3EBD5}"/>
-              </a:ext>
-            </a:extLst>
-          </p:cNvPr>
-          <p:cNvSpPr/>
-          <p:nvPr/>
-        </p:nvSpPr>
-        <p:spPr>
-          <a:xfrm>
-            <a:off x="9873021" y="5254224"/>
-            <a:ext cx="668741" cy="204193"/>
-          </a:xfrm>
-          <a:prstGeom prst="rect">
-            <a:avLst/>
-          </a:prstGeom>
-          <a:solidFill>
-            <a:srgbClr val="92D050"/>
-          </a:solidFill>
-        </p:spPr>
-        <p:style>
-          <a:lnRef idx="2">
-            <a:schemeClr val="accent1">
-              <a:shade val="50000"/>
-            </a:schemeClr>
-          </a:lnRef>
-          <a:fillRef idx="1">
-            <a:schemeClr val="accent1"/>
-          </a:fillRef>
-          <a:effectRef idx="0">
-            <a:schemeClr val="accent1"/>
-          </a:effectRef>
-          <a:fontRef idx="minor">
-            <a:schemeClr val="lt1"/>
-          </a:fontRef>
-        </p:style>
-        <p:txBody>
-          <a:bodyPr rtlCol="0" anchor="ctr"/>
-          <a:lstStyle/>
-          <a:p>
-            <a:pPr algn="ctr"/>
-            <a:endParaRPr kumimoji="1" lang="ja-JP" altLang="en-US"/>
-          </a:p>
-        </p:txBody>
-      </p:sp>
-      <p:sp>
-        <p:nvSpPr>
-          <p:cNvPr id="23" name="正方形/長方形 22">
-            <a:extLst>
-              <a:ext uri="{FF2B5EF4-FFF2-40B4-BE49-F238E27FC236}">
-                <a16:creationId xmlns:a16="http://schemas.microsoft.com/office/drawing/2014/main" id="{BDE40002-7532-B94D-9CB0-51A84B9770D2}"/>
-              </a:ext>
-            </a:extLst>
-          </p:cNvPr>
-          <p:cNvSpPr/>
-          <p:nvPr/>
-        </p:nvSpPr>
-        <p:spPr>
-          <a:xfrm>
-            <a:off x="9873020" y="4907121"/>
-            <a:ext cx="668741" cy="176573"/>
-          </a:xfrm>
-          <a:prstGeom prst="rect">
-            <a:avLst/>
-          </a:prstGeom>
-          <a:solidFill>
-            <a:srgbClr val="FFC000"/>
-          </a:solidFill>
-        </p:spPr>
-        <p:style>
-          <a:lnRef idx="2">
-            <a:schemeClr val="accent1">
-              <a:shade val="50000"/>
-            </a:schemeClr>
-          </a:lnRef>
-          <a:fillRef idx="1">
-            <a:schemeClr val="accent1"/>
-          </a:fillRef>
-          <a:effectRef idx="0">
-            <a:schemeClr val="accent1"/>
-          </a:effectRef>
-          <a:fontRef idx="minor">
-            <a:schemeClr val="lt1"/>
-          </a:fontRef>
-        </p:style>
-        <p:txBody>
-          <a:bodyPr rtlCol="0" anchor="ctr"/>
-          <a:lstStyle/>
-          <a:p>
-            <a:pPr algn="ctr"/>
-            <a:endParaRPr kumimoji="1" lang="ja-JP" altLang="en-US"/>
-          </a:p>
-        </p:txBody>
-      </p:sp>
-      <p:sp>
-        <p:nvSpPr>
-          <p:cNvPr id="24" name="正方形/長方形 23">
-            <a:extLst>
-              <a:ext uri="{FF2B5EF4-FFF2-40B4-BE49-F238E27FC236}">
-                <a16:creationId xmlns:a16="http://schemas.microsoft.com/office/drawing/2014/main" id="{E0CE906E-6301-F145-B809-EB1FABB25FE1}"/>
-              </a:ext>
-            </a:extLst>
-          </p:cNvPr>
-          <p:cNvSpPr/>
-          <p:nvPr/>
-        </p:nvSpPr>
-        <p:spPr>
-          <a:xfrm>
-            <a:off x="9873020" y="5646315"/>
-            <a:ext cx="668741" cy="192352"/>
-          </a:xfrm>
-          <a:prstGeom prst="rect">
-            <a:avLst/>
-          </a:prstGeom>
-          <a:solidFill>
-            <a:srgbClr val="00B0F0"/>
-          </a:solidFill>
-        </p:spPr>
-        <p:style>
-          <a:lnRef idx="2">
-            <a:schemeClr val="accent1">
-              <a:shade val="50000"/>
-            </a:schemeClr>
-          </a:lnRef>
-          <a:fillRef idx="1">
-            <a:schemeClr val="accent1"/>
-          </a:fillRef>
-          <a:effectRef idx="0">
-            <a:schemeClr val="accent1"/>
-          </a:effectRef>
-          <a:fontRef idx="minor">
-            <a:schemeClr val="lt1"/>
-          </a:fontRef>
-        </p:style>
-        <p:txBody>
-          <a:bodyPr rtlCol="0" anchor="ctr"/>
-          <a:lstStyle/>
-          <a:p>
-            <a:pPr algn="ctr"/>
-            <a:endParaRPr kumimoji="1" lang="ja-JP" altLang="en-US"/>
-          </a:p>
-        </p:txBody>
-      </p:sp>
-      <p:sp>
-        <p:nvSpPr>
-          <p:cNvPr id="26" name="テキスト ボックス 25">
-            <a:extLst>
-              <a:ext uri="{FF2B5EF4-FFF2-40B4-BE49-F238E27FC236}">
-                <a16:creationId xmlns:a16="http://schemas.microsoft.com/office/drawing/2014/main" id="{B722AE1D-A352-004B-ABDE-711CA479A371}"/>
-              </a:ext>
-            </a:extLst>
-          </p:cNvPr>
-          <p:cNvSpPr txBox="1"/>
-          <p:nvPr/>
-        </p:nvSpPr>
-        <p:spPr>
-          <a:xfrm>
-            <a:off x="10709329" y="4790363"/>
-            <a:ext cx="1208868" cy="369332"/>
-          </a:xfrm>
-          <a:prstGeom prst="rect">
-            <a:avLst/>
-          </a:prstGeom>
-          <a:noFill/>
-        </p:spPr>
-        <p:txBody>
-          <a:bodyPr wrap="square" rtlCol="0">
-            <a:spAutoFit/>
-          </a:bodyPr>
-          <a:lstStyle/>
-          <a:p>
-            <a:r>
-              <a:rPr kumimoji="1" lang="en-US" altLang="ja-JP" dirty="0"/>
-              <a:t>Port A</a:t>
-            </a:r>
-            <a:endParaRPr kumimoji="1" lang="ja-JP" altLang="en-US"/>
-          </a:p>
-        </p:txBody>
-      </p:sp>
-      <p:sp>
-        <p:nvSpPr>
-          <p:cNvPr id="28" name="テキスト ボックス 27">
-            <a:extLst>
-              <a:ext uri="{FF2B5EF4-FFF2-40B4-BE49-F238E27FC236}">
-                <a16:creationId xmlns:a16="http://schemas.microsoft.com/office/drawing/2014/main" id="{8D4D313C-5C91-F74C-AC89-4C49C4553CEA}"/>
-              </a:ext>
-            </a:extLst>
-          </p:cNvPr>
-          <p:cNvSpPr txBox="1"/>
-          <p:nvPr/>
-        </p:nvSpPr>
-        <p:spPr>
-          <a:xfrm>
-            <a:off x="10709329" y="5159695"/>
-            <a:ext cx="965012" cy="369332"/>
-          </a:xfrm>
-          <a:prstGeom prst="rect">
-            <a:avLst/>
-          </a:prstGeom>
-          <a:noFill/>
-        </p:spPr>
-        <p:txBody>
-          <a:bodyPr wrap="square" rtlCol="0">
-            <a:spAutoFit/>
-          </a:bodyPr>
-          <a:lstStyle/>
-          <a:p>
-            <a:r>
-              <a:rPr kumimoji="1" lang="en-US" altLang="ja-JP" dirty="0"/>
-              <a:t>Port B</a:t>
-            </a:r>
-            <a:endParaRPr kumimoji="1" lang="ja-JP" altLang="en-US"/>
-          </a:p>
-        </p:txBody>
-      </p:sp>
-      <p:sp>
-        <p:nvSpPr>
-          <p:cNvPr id="29" name="テキスト ボックス 28">
-            <a:extLst>
-              <a:ext uri="{FF2B5EF4-FFF2-40B4-BE49-F238E27FC236}">
-                <a16:creationId xmlns:a16="http://schemas.microsoft.com/office/drawing/2014/main" id="{E555D4AA-4C5E-E142-904E-A766476D394F}"/>
-              </a:ext>
-            </a:extLst>
-          </p:cNvPr>
-          <p:cNvSpPr txBox="1"/>
-          <p:nvPr/>
-        </p:nvSpPr>
-        <p:spPr>
-          <a:xfrm>
-            <a:off x="10709329" y="5646315"/>
-            <a:ext cx="965012" cy="369332"/>
-          </a:xfrm>
-          <a:prstGeom prst="rect">
-            <a:avLst/>
-          </a:prstGeom>
-          <a:noFill/>
-        </p:spPr>
-        <p:txBody>
-          <a:bodyPr wrap="square" rtlCol="0">
-            <a:spAutoFit/>
-          </a:bodyPr>
-          <a:lstStyle/>
-          <a:p>
-            <a:r>
-              <a:rPr kumimoji="1" lang="en-US" altLang="ja-JP" dirty="0"/>
-              <a:t>Port </a:t>
-            </a:r>
-            <a:r>
-              <a:rPr lang="en-US" altLang="ja-JP" dirty="0"/>
-              <a:t>C</a:t>
-            </a:r>
-            <a:endParaRPr kumimoji="1" lang="ja-JP" altLang="en-US"/>
-          </a:p>
-        </p:txBody>
-      </p:sp>
-      <p:sp>
-        <p:nvSpPr>
-          <p:cNvPr id="30" name="テキスト ボックス 29">
-            <a:extLst>
-              <a:ext uri="{FF2B5EF4-FFF2-40B4-BE49-F238E27FC236}">
-                <a16:creationId xmlns:a16="http://schemas.microsoft.com/office/drawing/2014/main" id="{F0F96D9C-E7E3-024A-AC36-6264ACE0D3A9}"/>
-              </a:ext>
-            </a:extLst>
-          </p:cNvPr>
-          <p:cNvSpPr txBox="1"/>
-          <p:nvPr/>
-        </p:nvSpPr>
-        <p:spPr>
-          <a:xfrm>
-            <a:off x="2476282" y="4605697"/>
-            <a:ext cx="1079656" cy="369332"/>
-          </a:xfrm>
-          <a:prstGeom prst="rect">
-            <a:avLst/>
-          </a:prstGeom>
-          <a:noFill/>
-        </p:spPr>
-        <p:txBody>
-          <a:bodyPr wrap="square" rtlCol="0">
-            <a:spAutoFit/>
-          </a:bodyPr>
-          <a:lstStyle/>
-          <a:p>
-            <a:r>
-              <a:rPr kumimoji="1" lang="en-US" altLang="ja-JP" dirty="0"/>
-              <a:t>3</a:t>
-            </a:r>
-            <a:r>
-              <a:rPr kumimoji="1" lang="en-US" altLang="ja-JP" baseline="30000" dirty="0"/>
-              <a:t>rd</a:t>
-            </a:r>
-            <a:r>
-              <a:rPr kumimoji="1" lang="en-US" altLang="ja-JP" dirty="0"/>
-              <a:t> floor</a:t>
-            </a:r>
-            <a:endParaRPr kumimoji="1" lang="ja-JP" altLang="en-US"/>
-          </a:p>
-        </p:txBody>
-      </p:sp>
-      <p:sp>
-        <p:nvSpPr>
-          <p:cNvPr id="31" name="テキスト ボックス 30">
-            <a:extLst>
-              <a:ext uri="{FF2B5EF4-FFF2-40B4-BE49-F238E27FC236}">
-                <a16:creationId xmlns:a16="http://schemas.microsoft.com/office/drawing/2014/main" id="{A683509C-82A2-4C40-BA98-C0DF725011BD}"/>
-              </a:ext>
-            </a:extLst>
-          </p:cNvPr>
-          <p:cNvSpPr txBox="1"/>
-          <p:nvPr/>
-        </p:nvSpPr>
-        <p:spPr>
-          <a:xfrm>
-            <a:off x="2476282" y="5234520"/>
-            <a:ext cx="1079656" cy="369332"/>
-          </a:xfrm>
-          <a:prstGeom prst="rect">
-            <a:avLst/>
-          </a:prstGeom>
-          <a:noFill/>
-        </p:spPr>
-        <p:txBody>
-          <a:bodyPr wrap="square" rtlCol="0">
-            <a:spAutoFit/>
-          </a:bodyPr>
-          <a:lstStyle/>
-          <a:p>
-            <a:r>
-              <a:rPr lang="en-US" altLang="ja-JP" dirty="0"/>
-              <a:t>2</a:t>
-            </a:r>
-            <a:r>
-              <a:rPr lang="en-US" altLang="ja-JP" baseline="30000" dirty="0"/>
-              <a:t>nd</a:t>
-            </a:r>
-            <a:r>
-              <a:rPr lang="en-US" altLang="ja-JP" dirty="0"/>
-              <a:t> </a:t>
-            </a:r>
-            <a:r>
-              <a:rPr kumimoji="1" lang="en-US" altLang="ja-JP" dirty="0"/>
-              <a:t>floor</a:t>
-            </a:r>
-            <a:endParaRPr kumimoji="1" lang="ja-JP" altLang="en-US"/>
-          </a:p>
-        </p:txBody>
-      </p:sp>
-      <p:sp>
-        <p:nvSpPr>
-          <p:cNvPr id="32" name="テキスト ボックス 31">
-            <a:extLst>
-              <a:ext uri="{FF2B5EF4-FFF2-40B4-BE49-F238E27FC236}">
-                <a16:creationId xmlns:a16="http://schemas.microsoft.com/office/drawing/2014/main" id="{F255F23A-F0CD-E448-A021-1789908D3737}"/>
-              </a:ext>
-            </a:extLst>
-          </p:cNvPr>
-          <p:cNvSpPr txBox="1"/>
-          <p:nvPr/>
-        </p:nvSpPr>
-        <p:spPr>
-          <a:xfrm>
-            <a:off x="2478783" y="5965009"/>
-            <a:ext cx="1079656" cy="369332"/>
-          </a:xfrm>
-          <a:prstGeom prst="rect">
-            <a:avLst/>
-          </a:prstGeom>
-          <a:noFill/>
-        </p:spPr>
-        <p:txBody>
-          <a:bodyPr wrap="square" rtlCol="0">
-            <a:spAutoFit/>
-          </a:bodyPr>
-          <a:lstStyle/>
-          <a:p>
-            <a:r>
-              <a:rPr kumimoji="1" lang="en-US" altLang="ja-JP" dirty="0"/>
-              <a:t>1</a:t>
-            </a:r>
-            <a:r>
-              <a:rPr kumimoji="1" lang="en-US" altLang="ja-JP" baseline="30000" dirty="0"/>
-              <a:t>st</a:t>
-            </a:r>
-            <a:r>
-              <a:rPr kumimoji="1" lang="en-US" altLang="ja-JP" dirty="0"/>
-              <a:t>  floor</a:t>
-            </a:r>
-            <a:endParaRPr kumimoji="1" lang="ja-JP" altLang="en-US"/>
-          </a:p>
-        </p:txBody>
-      </p:sp>
-    </p:spTree>
-    <p:extLst>
-      <p:ext uri="{BB962C8B-B14F-4D97-AF65-F5344CB8AC3E}">
-        <p14:creationId xmlns:p14="http://schemas.microsoft.com/office/powerpoint/2010/main" val="3273950687"/>
-      </p:ext>
-    </p:extLst>
-  </p:cSld>
-  <p:clrMapOvr>
-    <a:masterClrMapping/>
-  </p:clrMapOvr>
-</p:sld>
-</file>
-
-<file path=ppt/slides/slide15.xml><?xml version="1.0" encoding="utf-8"?>
-<p:sld xmlns:a="http://schemas.openxmlformats.org/drawingml/2006/main" xmlns:r="http://schemas.openxmlformats.org/officeDocument/2006/relationships" xmlns:p="http://schemas.openxmlformats.org/presentationml/2006/main">
-  <p:cSld>
-    <p:spTree>
-      <p:nvGrpSpPr>
-        <p:cNvPr id="1" name=""/>
-        <p:cNvGrpSpPr/>
-        <p:nvPr/>
-      </p:nvGrpSpPr>
-      <p:grpSpPr>
-        <a:xfrm>
-          <a:off x="0" y="0"/>
-          <a:ext cx="0" cy="0"/>
-          <a:chOff x="0" y="0"/>
-          <a:chExt cx="0" cy="0"/>
-        </a:xfrm>
-      </p:grpSpPr>
-      <p:sp>
-        <p:nvSpPr>
-          <p:cNvPr id="2" name="タイトル 1">
-            <a:extLst>
-              <a:ext uri="{FF2B5EF4-FFF2-40B4-BE49-F238E27FC236}">
-                <a16:creationId xmlns:a16="http://schemas.microsoft.com/office/drawing/2014/main" id="{2ACE2C3C-4BC0-9A48-8819-B8962728EB30}"/>
-              </a:ext>
-            </a:extLst>
-          </p:cNvPr>
-          <p:cNvSpPr>
-            <a:spLocks noGrp="1"/>
-          </p:cNvSpPr>
-          <p:nvPr>
-            <p:ph type="title"/>
-          </p:nvPr>
-        </p:nvSpPr>
-        <p:spPr>
-          <a:xfrm>
-            <a:off x="2435663" y="633910"/>
-            <a:ext cx="9482534" cy="1280890"/>
-          </a:xfrm>
-        </p:spPr>
-        <p:txBody>
-          <a:bodyPr>
-            <a:normAutofit fontScale="90000"/>
-          </a:bodyPr>
-          <a:lstStyle/>
-          <a:p>
-            <a:r>
-              <a:rPr lang="en" altLang="ja-JP" dirty="0"/>
-              <a:t>placing </a:t>
-            </a:r>
-            <a:r>
-              <a:rPr lang="en-US" altLang="ja-JP" dirty="0"/>
-              <a:t>same</a:t>
-            </a:r>
-            <a:r>
-              <a:rPr lang="en" altLang="ja-JP" dirty="0"/>
-              <a:t> bookings by port closer together</a:t>
-            </a:r>
-            <a:br>
-              <a:rPr lang="en" altLang="ja-JP" dirty="0"/>
-            </a:br>
-            <a:endParaRPr kumimoji="1" lang="ja-JP" altLang="en-US"/>
-          </a:p>
-        </p:txBody>
-      </p:sp>
-      <p:sp>
-        <p:nvSpPr>
-          <p:cNvPr id="3" name="コンテンツ プレースホルダー 2">
-            <a:extLst>
-              <a:ext uri="{FF2B5EF4-FFF2-40B4-BE49-F238E27FC236}">
-                <a16:creationId xmlns:a16="http://schemas.microsoft.com/office/drawing/2014/main" id="{D6FD89FE-6EBE-9B45-9FEE-179DCD542FAD}"/>
-              </a:ext>
-            </a:extLst>
-          </p:cNvPr>
-          <p:cNvSpPr>
-            <a:spLocks noGrp="1"/>
-          </p:cNvSpPr>
-          <p:nvPr>
-            <p:ph idx="1"/>
-          </p:nvPr>
-        </p:nvSpPr>
-        <p:spPr>
-          <a:xfrm>
-            <a:off x="2592925" y="1578699"/>
-            <a:ext cx="8915400" cy="3777622"/>
-          </a:xfrm>
-        </p:spPr>
-        <p:txBody>
-          <a:bodyPr>
-            <a:normAutofit/>
-          </a:bodyPr>
-          <a:lstStyle/>
-          <a:p>
-            <a:r>
-              <a:rPr lang="en-US" altLang="ja-JP" sz="2400" dirty="0"/>
-              <a:t>it is easy to load and unload cars if same bookings by port are placed closer.</a:t>
-            </a:r>
-          </a:p>
-          <a:p>
-            <a:r>
-              <a:rPr lang="en" altLang="ja-JP" sz="2400" dirty="0"/>
-              <a:t>we minimize the number of </a:t>
-            </a:r>
-            <a:r>
-              <a:rPr lang="en-US" altLang="ja-JP" sz="2400" dirty="0"/>
-              <a:t>booking</a:t>
-            </a:r>
-            <a:r>
-              <a:rPr lang="en" altLang="ja-JP" sz="2400" dirty="0"/>
-              <a:t>s with different ports that exist in adjacent pairs of holds. </a:t>
-            </a:r>
             <a:br>
               <a:rPr lang="en" altLang="ja-JP" sz="2400" dirty="0"/>
             </a:br>
@@ -13954,7 +12510,7 @@
 </p:sld>
 </file>
 
-<file path=ppt/slides/slide16.xml><?xml version="1.0" encoding="utf-8"?>
+<file path=ppt/slides/slide15.xml><?xml version="1.0" encoding="utf-8"?>
 <p:sld xmlns:a="http://schemas.openxmlformats.org/drawingml/2006/main" xmlns:r="http://schemas.openxmlformats.org/officeDocument/2006/relationships" xmlns:p="http://schemas.openxmlformats.org/presentationml/2006/main">
   <p:cSld>
     <p:spTree>
@@ -14074,7 +12630,7 @@
 </p:sld>
 </file>
 
-<file path=ppt/slides/slide17.xml><?xml version="1.0" encoding="utf-8"?>
+<file path=ppt/slides/slide16.xml><?xml version="1.0" encoding="utf-8"?>
 <p:sld xmlns:a="http://schemas.openxmlformats.org/drawingml/2006/main" xmlns:r="http://schemas.openxmlformats.org/officeDocument/2006/relationships" xmlns:p="http://schemas.openxmlformats.org/presentationml/2006/main">
   <p:cSld>
     <p:spTree>
@@ -14091,6 +12647,36 @@
           <a:chExt cx="0" cy="0"/>
         </a:xfrm>
       </p:grpSpPr>
+      <p:pic>
+        <p:nvPicPr>
+          <p:cNvPr id="10" name="図 9">
+            <a:extLst>
+              <a:ext uri="{FF2B5EF4-FFF2-40B4-BE49-F238E27FC236}">
+                <a16:creationId xmlns:a16="http://schemas.microsoft.com/office/drawing/2014/main" id="{B15E3E5E-2FE2-6049-9641-DCF278ED616D}"/>
+              </a:ext>
+            </a:extLst>
+          </p:cNvPr>
+          <p:cNvPicPr>
+            <a:picLocks noChangeAspect="1"/>
+          </p:cNvPicPr>
+          <p:nvPr/>
+        </p:nvPicPr>
+        <p:blipFill>
+          <a:blip r:embed="rId2"/>
+          <a:stretch>
+            <a:fillRect/>
+          </a:stretch>
+        </p:blipFill>
+        <p:spPr>
+          <a:xfrm>
+            <a:off x="3034886" y="4208526"/>
+            <a:ext cx="4603734" cy="2178000"/>
+          </a:xfrm>
+          <a:prstGeom prst="rect">
+            <a:avLst/>
+          </a:prstGeom>
+        </p:spPr>
+      </p:pic>
       <p:sp>
         <p:nvSpPr>
           <p:cNvPr id="18" name="角丸四角形 17">
@@ -14105,17 +12691,14 @@
         </p:nvSpPr>
         <p:spPr>
           <a:xfrm>
-            <a:off x="7880277" y="4268776"/>
+            <a:off x="8080580" y="4339133"/>
             <a:ext cx="3316637" cy="1541498"/>
           </a:xfrm>
           <a:prstGeom prst="roundRect">
             <a:avLst/>
           </a:prstGeom>
           <a:solidFill>
-            <a:schemeClr val="accent1">
-              <a:lumMod val="40000"/>
-              <a:lumOff val="60000"/>
-            </a:schemeClr>
+            <a:schemeClr val="bg1"/>
           </a:solidFill>
         </p:spPr>
         <p:style>
@@ -14234,362 +12817,6 @@
       </p:sp>
       <p:sp>
         <p:nvSpPr>
-          <p:cNvPr id="5" name="正方形/長方形 4">
-            <a:extLst>
-              <a:ext uri="{FF2B5EF4-FFF2-40B4-BE49-F238E27FC236}">
-                <a16:creationId xmlns:a16="http://schemas.microsoft.com/office/drawing/2014/main" id="{64BA7E5D-CA0E-A348-945D-1AC3EB4A10F7}"/>
-              </a:ext>
-            </a:extLst>
-          </p:cNvPr>
-          <p:cNvSpPr/>
-          <p:nvPr/>
-        </p:nvSpPr>
-        <p:spPr>
-          <a:xfrm>
-            <a:off x="6014589" y="4752600"/>
-            <a:ext cx="1193369" cy="796782"/>
-          </a:xfrm>
-          <a:prstGeom prst="rect">
-            <a:avLst/>
-          </a:prstGeom>
-          <a:solidFill>
-            <a:schemeClr val="bg1"/>
-          </a:solidFill>
-          <a:ln>
-            <a:solidFill>
-              <a:srgbClr val="92D050"/>
-            </a:solidFill>
-          </a:ln>
-        </p:spPr>
-        <p:style>
-          <a:lnRef idx="2">
-            <a:schemeClr val="accent6"/>
-          </a:lnRef>
-          <a:fillRef idx="1">
-            <a:schemeClr val="lt1"/>
-          </a:fillRef>
-          <a:effectRef idx="0">
-            <a:schemeClr val="accent6"/>
-          </a:effectRef>
-          <a:fontRef idx="minor">
-            <a:schemeClr val="dk1"/>
-          </a:fontRef>
-        </p:style>
-        <p:txBody>
-          <a:bodyPr rtlCol="0" anchor="ctr"/>
-          <a:lstStyle/>
-          <a:p>
-            <a:pPr algn="ctr"/>
-            <a:endParaRPr kumimoji="1" lang="ja-JP" altLang="en-US"/>
-          </a:p>
-        </p:txBody>
-      </p:sp>
-      <p:sp>
-        <p:nvSpPr>
-          <p:cNvPr id="6" name="正方形/長方形 5">
-            <a:extLst>
-              <a:ext uri="{FF2B5EF4-FFF2-40B4-BE49-F238E27FC236}">
-                <a16:creationId xmlns:a16="http://schemas.microsoft.com/office/drawing/2014/main" id="{FCADF422-2C36-4042-A2A7-16BE3F51A670}"/>
-              </a:ext>
-            </a:extLst>
-          </p:cNvPr>
-          <p:cNvSpPr/>
-          <p:nvPr/>
-        </p:nvSpPr>
-        <p:spPr>
-          <a:xfrm>
-            <a:off x="3621853" y="4752600"/>
-            <a:ext cx="1193369" cy="796782"/>
-          </a:xfrm>
-          <a:prstGeom prst="rect">
-            <a:avLst/>
-          </a:prstGeom>
-          <a:solidFill>
-            <a:srgbClr val="92D050"/>
-          </a:solidFill>
-        </p:spPr>
-        <p:style>
-          <a:lnRef idx="2">
-            <a:schemeClr val="accent6"/>
-          </a:lnRef>
-          <a:fillRef idx="1">
-            <a:schemeClr val="lt1"/>
-          </a:fillRef>
-          <a:effectRef idx="0">
-            <a:schemeClr val="accent6"/>
-          </a:effectRef>
-          <a:fontRef idx="minor">
-            <a:schemeClr val="dk1"/>
-          </a:fontRef>
-        </p:style>
-        <p:txBody>
-          <a:bodyPr rtlCol="0" anchor="ctr"/>
-          <a:lstStyle/>
-          <a:p>
-            <a:pPr algn="ctr"/>
-            <a:r>
-              <a:rPr lang="en-US" altLang="ja-JP" dirty="0"/>
-              <a:t>90% full</a:t>
-            </a:r>
-            <a:endParaRPr kumimoji="1" lang="ja-JP" altLang="en-US"/>
-          </a:p>
-        </p:txBody>
-      </p:sp>
-      <p:sp>
-        <p:nvSpPr>
-          <p:cNvPr id="7" name="正方形/長方形 6">
-            <a:extLst>
-              <a:ext uri="{FF2B5EF4-FFF2-40B4-BE49-F238E27FC236}">
-                <a16:creationId xmlns:a16="http://schemas.microsoft.com/office/drawing/2014/main" id="{37D42EA1-A4C4-9B40-A717-FFB9D18CED53}"/>
-              </a:ext>
-            </a:extLst>
-          </p:cNvPr>
-          <p:cNvSpPr/>
-          <p:nvPr/>
-        </p:nvSpPr>
-        <p:spPr>
-          <a:xfrm>
-            <a:off x="4815222" y="4752600"/>
-            <a:ext cx="1193369" cy="796782"/>
-          </a:xfrm>
-          <a:prstGeom prst="rect">
-            <a:avLst/>
-          </a:prstGeom>
-          <a:solidFill>
-            <a:schemeClr val="bg1"/>
-          </a:solidFill>
-          <a:ln>
-            <a:solidFill>
-              <a:srgbClr val="92D050"/>
-            </a:solidFill>
-          </a:ln>
-        </p:spPr>
-        <p:style>
-          <a:lnRef idx="2">
-            <a:schemeClr val="accent6"/>
-          </a:lnRef>
-          <a:fillRef idx="1">
-            <a:schemeClr val="lt1"/>
-          </a:fillRef>
-          <a:effectRef idx="0">
-            <a:schemeClr val="accent6"/>
-          </a:effectRef>
-          <a:fontRef idx="minor">
-            <a:schemeClr val="dk1"/>
-          </a:fontRef>
-        </p:style>
-        <p:txBody>
-          <a:bodyPr rtlCol="0" anchor="ctr"/>
-          <a:lstStyle/>
-          <a:p>
-            <a:pPr algn="ctr"/>
-            <a:endParaRPr kumimoji="1" lang="ja-JP" altLang="en-US"/>
-          </a:p>
-        </p:txBody>
-      </p:sp>
-      <p:sp>
-        <p:nvSpPr>
-          <p:cNvPr id="8" name="正方形/長方形 7">
-            <a:extLst>
-              <a:ext uri="{FF2B5EF4-FFF2-40B4-BE49-F238E27FC236}">
-                <a16:creationId xmlns:a16="http://schemas.microsoft.com/office/drawing/2014/main" id="{F86F1E0B-48AC-8A4D-9F14-9A1DF7D0474C}"/>
-              </a:ext>
-            </a:extLst>
-          </p:cNvPr>
-          <p:cNvSpPr/>
-          <p:nvPr/>
-        </p:nvSpPr>
-        <p:spPr>
-          <a:xfrm>
-            <a:off x="4815223" y="5549983"/>
-            <a:ext cx="1193369" cy="796782"/>
-          </a:xfrm>
-          <a:prstGeom prst="rect">
-            <a:avLst/>
-          </a:prstGeom>
-          <a:solidFill>
-            <a:srgbClr val="00B0F0"/>
-          </a:solidFill>
-          <a:ln>
-            <a:solidFill>
-              <a:srgbClr val="92D050"/>
-            </a:solidFill>
-          </a:ln>
-        </p:spPr>
-        <p:style>
-          <a:lnRef idx="2">
-            <a:schemeClr val="accent6"/>
-          </a:lnRef>
-          <a:fillRef idx="1">
-            <a:schemeClr val="lt1"/>
-          </a:fillRef>
-          <a:effectRef idx="0">
-            <a:schemeClr val="accent6"/>
-          </a:effectRef>
-          <a:fontRef idx="minor">
-            <a:schemeClr val="dk1"/>
-          </a:fontRef>
-        </p:style>
-        <p:txBody>
-          <a:bodyPr rtlCol="0" anchor="ctr"/>
-          <a:lstStyle/>
-          <a:p>
-            <a:pPr algn="ctr"/>
-            <a:r>
-              <a:rPr kumimoji="1" lang="en-US" altLang="ja-JP" dirty="0"/>
-              <a:t>60% full</a:t>
-            </a:r>
-            <a:endParaRPr kumimoji="1" lang="ja-JP" altLang="en-US"/>
-          </a:p>
-        </p:txBody>
-      </p:sp>
-      <p:sp>
-        <p:nvSpPr>
-          <p:cNvPr id="9" name="正方形/長方形 8">
-            <a:extLst>
-              <a:ext uri="{FF2B5EF4-FFF2-40B4-BE49-F238E27FC236}">
-                <a16:creationId xmlns:a16="http://schemas.microsoft.com/office/drawing/2014/main" id="{CDBE8632-6E71-B445-A7F7-275688A93873}"/>
-              </a:ext>
-            </a:extLst>
-          </p:cNvPr>
-          <p:cNvSpPr/>
-          <p:nvPr/>
-        </p:nvSpPr>
-        <p:spPr>
-          <a:xfrm>
-            <a:off x="3621854" y="5549983"/>
-            <a:ext cx="1193369" cy="796782"/>
-          </a:xfrm>
-          <a:prstGeom prst="rect">
-            <a:avLst/>
-          </a:prstGeom>
-          <a:solidFill>
-            <a:srgbClr val="92D050"/>
-          </a:solidFill>
-        </p:spPr>
-        <p:style>
-          <a:lnRef idx="2">
-            <a:schemeClr val="accent6"/>
-          </a:lnRef>
-          <a:fillRef idx="1">
-            <a:schemeClr val="lt1"/>
-          </a:fillRef>
-          <a:effectRef idx="0">
-            <a:schemeClr val="accent6"/>
-          </a:effectRef>
-          <a:fontRef idx="minor">
-            <a:schemeClr val="dk1"/>
-          </a:fontRef>
-        </p:style>
-        <p:txBody>
-          <a:bodyPr rtlCol="0" anchor="ctr"/>
-          <a:lstStyle/>
-          <a:p>
-            <a:pPr algn="ctr"/>
-            <a:r>
-              <a:rPr kumimoji="1" lang="en-US" altLang="ja-JP" dirty="0"/>
-              <a:t>50% full</a:t>
-            </a:r>
-            <a:endParaRPr kumimoji="1" lang="ja-JP" altLang="en-US"/>
-          </a:p>
-        </p:txBody>
-      </p:sp>
-      <p:sp>
-        <p:nvSpPr>
-          <p:cNvPr id="11" name="正方形/長方形 10">
-            <a:extLst>
-              <a:ext uri="{FF2B5EF4-FFF2-40B4-BE49-F238E27FC236}">
-                <a16:creationId xmlns:a16="http://schemas.microsoft.com/office/drawing/2014/main" id="{F30E823E-D107-9841-919E-365A3003EF58}"/>
-              </a:ext>
-            </a:extLst>
-          </p:cNvPr>
-          <p:cNvSpPr/>
-          <p:nvPr/>
-        </p:nvSpPr>
-        <p:spPr>
-          <a:xfrm>
-            <a:off x="6020586" y="5549983"/>
-            <a:ext cx="1193369" cy="796782"/>
-          </a:xfrm>
-          <a:prstGeom prst="rect">
-            <a:avLst/>
-          </a:prstGeom>
-          <a:solidFill>
-            <a:srgbClr val="FFC000"/>
-          </a:solidFill>
-        </p:spPr>
-        <p:style>
-          <a:lnRef idx="2">
-            <a:schemeClr val="accent6"/>
-          </a:lnRef>
-          <a:fillRef idx="1">
-            <a:schemeClr val="lt1"/>
-          </a:fillRef>
-          <a:effectRef idx="0">
-            <a:schemeClr val="accent6"/>
-          </a:effectRef>
-          <a:fontRef idx="minor">
-            <a:schemeClr val="dk1"/>
-          </a:fontRef>
-        </p:style>
-        <p:txBody>
-          <a:bodyPr rtlCol="0" anchor="ctr"/>
-          <a:lstStyle/>
-          <a:p>
-            <a:pPr algn="ctr"/>
-            <a:r>
-              <a:rPr kumimoji="1" lang="en-US" altLang="ja-JP" dirty="0"/>
-              <a:t>60% full</a:t>
-            </a:r>
-            <a:endParaRPr kumimoji="1" lang="ja-JP" altLang="en-US"/>
-          </a:p>
-        </p:txBody>
-      </p:sp>
-      <p:cxnSp>
-        <p:nvCxnSpPr>
-          <p:cNvPr id="13" name="直線矢印コネクタ 12">
-            <a:extLst>
-              <a:ext uri="{FF2B5EF4-FFF2-40B4-BE49-F238E27FC236}">
-                <a16:creationId xmlns:a16="http://schemas.microsoft.com/office/drawing/2014/main" id="{96BFE210-1150-0D4E-941D-B75E40DDDF57}"/>
-              </a:ext>
-            </a:extLst>
-          </p:cNvPr>
-          <p:cNvCxnSpPr/>
-          <p:nvPr/>
-        </p:nvCxnSpPr>
-        <p:spPr>
-          <a:xfrm>
-            <a:off x="4029560" y="5252335"/>
-            <a:ext cx="0" cy="557939"/>
-          </a:xfrm>
-          <a:prstGeom prst="straightConnector1">
-            <a:avLst/>
-          </a:prstGeom>
-          <a:ln>
-            <a:solidFill>
-              <a:schemeClr val="tx1"/>
-            </a:solidFill>
-            <a:headEnd type="triangle"/>
-            <a:tailEnd type="triangle"/>
-          </a:ln>
-        </p:spPr>
-        <p:style>
-          <a:lnRef idx="1">
-            <a:schemeClr val="accent1"/>
-          </a:lnRef>
-          <a:fillRef idx="0">
-            <a:schemeClr val="accent1"/>
-          </a:fillRef>
-          <a:effectRef idx="0">
-            <a:schemeClr val="accent1"/>
-          </a:effectRef>
-          <a:fontRef idx="minor">
-            <a:schemeClr val="tx1"/>
-          </a:fontRef>
-        </p:style>
-      </p:cxnSp>
-      <p:sp>
-        <p:nvSpPr>
           <p:cNvPr id="15" name="曲折矢印 14">
             <a:extLst>
               <a:ext uri="{FF2B5EF4-FFF2-40B4-BE49-F238E27FC236}">
@@ -14602,11 +12829,16 @@
         </p:nvSpPr>
         <p:spPr>
           <a:xfrm>
-            <a:off x="5513273" y="4307683"/>
-            <a:ext cx="2196000" cy="828000"/>
+            <a:off x="5455972" y="4489581"/>
+            <a:ext cx="2461153" cy="829678"/>
           </a:xfrm>
           <a:prstGeom prst="bentArrow">
-            <a:avLst/>
+            <a:avLst>
+              <a:gd name="adj1" fmla="val 25000"/>
+              <a:gd name="adj2" fmla="val 20952"/>
+              <a:gd name="adj3" fmla="val 25000"/>
+              <a:gd name="adj4" fmla="val 43750"/>
+            </a:avLst>
           </a:prstGeom>
           <a:solidFill>
             <a:schemeClr val="bg2"/>
@@ -14655,8 +12887,8 @@
         </p:nvSpPr>
         <p:spPr>
           <a:xfrm>
-            <a:off x="6794252" y="5150991"/>
-            <a:ext cx="915021" cy="258883"/>
+            <a:off x="6634071" y="5109882"/>
+            <a:ext cx="1283054" cy="418754"/>
           </a:xfrm>
           <a:prstGeom prst="rightArrow">
             <a:avLst/>
@@ -14704,7 +12936,7 @@
         </p:nvSpPr>
         <p:spPr>
           <a:xfrm>
-            <a:off x="8028233" y="4604574"/>
+            <a:off x="8228536" y="4674931"/>
             <a:ext cx="3332136" cy="830997"/>
           </a:xfrm>
           <a:prstGeom prst="rect">
@@ -14720,9 +12952,21 @@
           <a:p>
             <a:r>
               <a:rPr kumimoji="1" lang="en-US" altLang="ja-JP" sz="2400" dirty="0"/>
-              <a:t>These space are called dead space</a:t>
-            </a:r>
-            <a:endParaRPr kumimoji="1" lang="ja-JP" altLang="en-US" sz="2400"/>
+              <a:t>These space are called </a:t>
+            </a:r>
+            <a:r>
+              <a:rPr kumimoji="1" lang="en-US" altLang="ja-JP" sz="2400" dirty="0">
+                <a:solidFill>
+                  <a:srgbClr val="FF0000"/>
+                </a:solidFill>
+              </a:rPr>
+              <a:t>dead space</a:t>
+            </a:r>
+            <a:endParaRPr kumimoji="1" lang="ja-JP" altLang="en-US" sz="2400">
+              <a:solidFill>
+                <a:srgbClr val="FF0000"/>
+              </a:solidFill>
+            </a:endParaRPr>
           </a:p>
         </p:txBody>
       </p:sp>
@@ -14739,7 +12983,7 @@
 </p:sld>
 </file>
 
-<file path=ppt/slides/slide18.xml><?xml version="1.0" encoding="utf-8"?>
+<file path=ppt/slides/slide17.xml><?xml version="1.0" encoding="utf-8"?>
 <p:sld xmlns:a="http://schemas.openxmlformats.org/drawingml/2006/main" xmlns:r="http://schemas.openxmlformats.org/officeDocument/2006/relationships" xmlns:p="http://schemas.openxmlformats.org/presentationml/2006/main">
   <p:cSld>
     <p:spTree>
@@ -14857,385 +13101,36 @@
           </a:p>
         </p:txBody>
       </p:sp>
-      <p:sp>
-        <p:nvSpPr>
-          <p:cNvPr id="4" name="正方形/長方形 3">
+      <p:pic>
+        <p:nvPicPr>
+          <p:cNvPr id="17" name="図 16">
             <a:extLst>
               <a:ext uri="{FF2B5EF4-FFF2-40B4-BE49-F238E27FC236}">
-                <a16:creationId xmlns:a16="http://schemas.microsoft.com/office/drawing/2014/main" id="{F9FCECD4-69A6-024A-B872-4D676AE15E11}"/>
+                <a16:creationId xmlns:a16="http://schemas.microsoft.com/office/drawing/2014/main" id="{30EEDAB2-1BE1-F74F-89AE-5B7E8BB81222}"/>
               </a:ext>
             </a:extLst>
           </p:cNvPr>
-          <p:cNvSpPr/>
+          <p:cNvPicPr>
+            <a:picLocks noChangeAspect="1"/>
+          </p:cNvPicPr>
           <p:nvPr/>
-        </p:nvSpPr>
+        </p:nvPicPr>
+        <p:blipFill>
+          <a:blip r:embed="rId2"/>
+          <a:stretch>
+            <a:fillRect/>
+          </a:stretch>
+        </p:blipFill>
         <p:spPr>
           <a:xfrm>
-            <a:off x="6612153" y="4317057"/>
-            <a:ext cx="1193369" cy="796782"/>
+            <a:off x="3369129" y="3865926"/>
+            <a:ext cx="6852557" cy="2273896"/>
           </a:xfrm>
           <a:prstGeom prst="rect">
             <a:avLst/>
           </a:prstGeom>
-          <a:solidFill>
-            <a:schemeClr val="bg1"/>
-          </a:solidFill>
-          <a:ln>
-            <a:solidFill>
-              <a:srgbClr val="92D050"/>
-            </a:solidFill>
-          </a:ln>
         </p:spPr>
-        <p:style>
-          <a:lnRef idx="2">
-            <a:schemeClr val="accent6"/>
-          </a:lnRef>
-          <a:fillRef idx="1">
-            <a:schemeClr val="lt1"/>
-          </a:fillRef>
-          <a:effectRef idx="0">
-            <a:schemeClr val="accent6"/>
-          </a:effectRef>
-          <a:fontRef idx="minor">
-            <a:schemeClr val="dk1"/>
-          </a:fontRef>
-        </p:style>
-        <p:txBody>
-          <a:bodyPr rtlCol="0" anchor="ctr"/>
-          <a:lstStyle/>
-          <a:p>
-            <a:pPr algn="ctr"/>
-            <a:endParaRPr kumimoji="1" lang="ja-JP" altLang="en-US"/>
-          </a:p>
-        </p:txBody>
-      </p:sp>
-      <p:sp>
-        <p:nvSpPr>
-          <p:cNvPr id="5" name="正方形/長方形 4">
-            <a:extLst>
-              <a:ext uri="{FF2B5EF4-FFF2-40B4-BE49-F238E27FC236}">
-                <a16:creationId xmlns:a16="http://schemas.microsoft.com/office/drawing/2014/main" id="{0F0286D3-20A0-3947-A2B5-DEFF7F710651}"/>
-              </a:ext>
-            </a:extLst>
-          </p:cNvPr>
-          <p:cNvSpPr/>
-          <p:nvPr/>
-        </p:nvSpPr>
-        <p:spPr>
-          <a:xfrm>
-            <a:off x="4219417" y="4317057"/>
-            <a:ext cx="1193369" cy="796782"/>
-          </a:xfrm>
-          <a:prstGeom prst="rect">
-            <a:avLst/>
-          </a:prstGeom>
-          <a:solidFill>
-            <a:srgbClr val="92D050"/>
-          </a:solidFill>
-        </p:spPr>
-        <p:style>
-          <a:lnRef idx="2">
-            <a:schemeClr val="accent6"/>
-          </a:lnRef>
-          <a:fillRef idx="1">
-            <a:schemeClr val="lt1"/>
-          </a:fillRef>
-          <a:effectRef idx="0">
-            <a:schemeClr val="accent6"/>
-          </a:effectRef>
-          <a:fontRef idx="minor">
-            <a:schemeClr val="dk1"/>
-          </a:fontRef>
-        </p:style>
-        <p:txBody>
-          <a:bodyPr rtlCol="0" anchor="ctr"/>
-          <a:lstStyle/>
-          <a:p>
-            <a:pPr algn="ctr"/>
-            <a:endParaRPr kumimoji="1" lang="ja-JP" altLang="en-US"/>
-          </a:p>
-        </p:txBody>
-      </p:sp>
-      <p:sp>
-        <p:nvSpPr>
-          <p:cNvPr id="6" name="正方形/長方形 5">
-            <a:extLst>
-              <a:ext uri="{FF2B5EF4-FFF2-40B4-BE49-F238E27FC236}">
-                <a16:creationId xmlns:a16="http://schemas.microsoft.com/office/drawing/2014/main" id="{83E76893-1302-B744-ACB3-781F4E89A774}"/>
-              </a:ext>
-            </a:extLst>
-          </p:cNvPr>
-          <p:cNvSpPr/>
-          <p:nvPr/>
-        </p:nvSpPr>
-        <p:spPr>
-          <a:xfrm>
-            <a:off x="5412786" y="4317057"/>
-            <a:ext cx="1193369" cy="796782"/>
-          </a:xfrm>
-          <a:prstGeom prst="rect">
-            <a:avLst/>
-          </a:prstGeom>
-          <a:solidFill>
-            <a:schemeClr val="bg1"/>
-          </a:solidFill>
-          <a:ln>
-            <a:solidFill>
-              <a:srgbClr val="92D050"/>
-            </a:solidFill>
-          </a:ln>
-        </p:spPr>
-        <p:style>
-          <a:lnRef idx="2">
-            <a:schemeClr val="accent6"/>
-          </a:lnRef>
-          <a:fillRef idx="1">
-            <a:schemeClr val="lt1"/>
-          </a:fillRef>
-          <a:effectRef idx="0">
-            <a:schemeClr val="accent6"/>
-          </a:effectRef>
-          <a:fontRef idx="minor">
-            <a:schemeClr val="dk1"/>
-          </a:fontRef>
-        </p:style>
-        <p:txBody>
-          <a:bodyPr rtlCol="0" anchor="ctr"/>
-          <a:lstStyle/>
-          <a:p>
-            <a:pPr algn="ctr"/>
-            <a:endParaRPr kumimoji="1" lang="ja-JP" altLang="en-US"/>
-          </a:p>
-        </p:txBody>
-      </p:sp>
-      <p:sp>
-        <p:nvSpPr>
-          <p:cNvPr id="7" name="正方形/長方形 6">
-            <a:extLst>
-              <a:ext uri="{FF2B5EF4-FFF2-40B4-BE49-F238E27FC236}">
-                <a16:creationId xmlns:a16="http://schemas.microsoft.com/office/drawing/2014/main" id="{75DF4B00-A954-6B4E-A52B-764408A3C261}"/>
-              </a:ext>
-            </a:extLst>
-          </p:cNvPr>
-          <p:cNvSpPr/>
-          <p:nvPr/>
-        </p:nvSpPr>
-        <p:spPr>
-          <a:xfrm>
-            <a:off x="5412787" y="5114440"/>
-            <a:ext cx="1193369" cy="796782"/>
-          </a:xfrm>
-          <a:prstGeom prst="rect">
-            <a:avLst/>
-          </a:prstGeom>
-          <a:solidFill>
-            <a:srgbClr val="00B0F0"/>
-          </a:solidFill>
-          <a:ln>
-            <a:solidFill>
-              <a:srgbClr val="92D050"/>
-            </a:solidFill>
-          </a:ln>
-        </p:spPr>
-        <p:style>
-          <a:lnRef idx="2">
-            <a:schemeClr val="accent6"/>
-          </a:lnRef>
-          <a:fillRef idx="1">
-            <a:schemeClr val="lt1"/>
-          </a:fillRef>
-          <a:effectRef idx="0">
-            <a:schemeClr val="accent6"/>
-          </a:effectRef>
-          <a:fontRef idx="minor">
-            <a:schemeClr val="dk1"/>
-          </a:fontRef>
-        </p:style>
-        <p:txBody>
-          <a:bodyPr rtlCol="0" anchor="ctr"/>
-          <a:lstStyle/>
-          <a:p>
-            <a:pPr algn="ctr"/>
-            <a:endParaRPr kumimoji="1" lang="ja-JP" altLang="en-US"/>
-          </a:p>
-        </p:txBody>
-      </p:sp>
-      <p:sp>
-        <p:nvSpPr>
-          <p:cNvPr id="8" name="正方形/長方形 7">
-            <a:extLst>
-              <a:ext uri="{FF2B5EF4-FFF2-40B4-BE49-F238E27FC236}">
-                <a16:creationId xmlns:a16="http://schemas.microsoft.com/office/drawing/2014/main" id="{C6FD4A90-8BD6-4841-B0BC-C81324DDE6DB}"/>
-              </a:ext>
-            </a:extLst>
-          </p:cNvPr>
-          <p:cNvSpPr/>
-          <p:nvPr/>
-        </p:nvSpPr>
-        <p:spPr>
-          <a:xfrm>
-            <a:off x="4219418" y="5114440"/>
-            <a:ext cx="1193369" cy="796782"/>
-          </a:xfrm>
-          <a:prstGeom prst="rect">
-            <a:avLst/>
-          </a:prstGeom>
-          <a:solidFill>
-            <a:srgbClr val="92D050"/>
-          </a:solidFill>
-        </p:spPr>
-        <p:style>
-          <a:lnRef idx="2">
-            <a:schemeClr val="accent6"/>
-          </a:lnRef>
-          <a:fillRef idx="1">
-            <a:schemeClr val="lt1"/>
-          </a:fillRef>
-          <a:effectRef idx="0">
-            <a:schemeClr val="accent6"/>
-          </a:effectRef>
-          <a:fontRef idx="minor">
-            <a:schemeClr val="dk1"/>
-          </a:fontRef>
-        </p:style>
-        <p:txBody>
-          <a:bodyPr rtlCol="0" anchor="ctr"/>
-          <a:lstStyle/>
-          <a:p>
-            <a:pPr algn="ctr"/>
-            <a:endParaRPr kumimoji="1" lang="ja-JP" altLang="en-US"/>
-          </a:p>
-        </p:txBody>
-      </p:sp>
-      <p:sp>
-        <p:nvSpPr>
-          <p:cNvPr id="9" name="正方形/長方形 8">
-            <a:extLst>
-              <a:ext uri="{FF2B5EF4-FFF2-40B4-BE49-F238E27FC236}">
-                <a16:creationId xmlns:a16="http://schemas.microsoft.com/office/drawing/2014/main" id="{1B98646B-717C-1D47-BA61-CA6FB135C465}"/>
-              </a:ext>
-            </a:extLst>
-          </p:cNvPr>
-          <p:cNvSpPr/>
-          <p:nvPr/>
-        </p:nvSpPr>
-        <p:spPr>
-          <a:xfrm>
-            <a:off x="6618150" y="5114440"/>
-            <a:ext cx="1193369" cy="796782"/>
-          </a:xfrm>
-          <a:prstGeom prst="rect">
-            <a:avLst/>
-          </a:prstGeom>
-          <a:solidFill>
-            <a:srgbClr val="FFC000"/>
-          </a:solidFill>
-        </p:spPr>
-        <p:style>
-          <a:lnRef idx="2">
-            <a:schemeClr val="accent6"/>
-          </a:lnRef>
-          <a:fillRef idx="1">
-            <a:schemeClr val="lt1"/>
-          </a:fillRef>
-          <a:effectRef idx="0">
-            <a:schemeClr val="accent6"/>
-          </a:effectRef>
-          <a:fontRef idx="minor">
-            <a:schemeClr val="dk1"/>
-          </a:fontRef>
-        </p:style>
-        <p:txBody>
-          <a:bodyPr rtlCol="0" anchor="ctr"/>
-          <a:lstStyle/>
-          <a:p>
-            <a:pPr algn="ctr"/>
-            <a:endParaRPr kumimoji="1" lang="ja-JP" altLang="en-US"/>
-          </a:p>
-        </p:txBody>
-      </p:sp>
-      <p:sp>
-        <p:nvSpPr>
-          <p:cNvPr id="12" name="右矢印 11">
-            <a:extLst>
-              <a:ext uri="{FF2B5EF4-FFF2-40B4-BE49-F238E27FC236}">
-                <a16:creationId xmlns:a16="http://schemas.microsoft.com/office/drawing/2014/main" id="{E8336B91-7838-7148-AE0B-8E79303900D1}"/>
-              </a:ext>
-            </a:extLst>
-          </p:cNvPr>
-          <p:cNvSpPr/>
-          <p:nvPr/>
-        </p:nvSpPr>
-        <p:spPr>
-          <a:xfrm>
-            <a:off x="7646332" y="4622369"/>
-            <a:ext cx="417208" cy="263471"/>
-          </a:xfrm>
-          <a:prstGeom prst="rightArrow">
-            <a:avLst/>
-          </a:prstGeom>
-        </p:spPr>
-        <p:style>
-          <a:lnRef idx="2">
-            <a:schemeClr val="accent1">
-              <a:shade val="50000"/>
-            </a:schemeClr>
-          </a:lnRef>
-          <a:fillRef idx="1">
-            <a:schemeClr val="accent1"/>
-          </a:fillRef>
-          <a:effectRef idx="0">
-            <a:schemeClr val="accent1"/>
-          </a:effectRef>
-          <a:fontRef idx="minor">
-            <a:schemeClr val="lt1"/>
-          </a:fontRef>
-        </p:style>
-        <p:txBody>
-          <a:bodyPr rtlCol="0" anchor="ctr"/>
-          <a:lstStyle/>
-          <a:p>
-            <a:pPr algn="ctr"/>
-            <a:endParaRPr kumimoji="1" lang="ja-JP" altLang="en-US"/>
-          </a:p>
-        </p:txBody>
-      </p:sp>
-      <p:sp>
-        <p:nvSpPr>
-          <p:cNvPr id="13" name="テキスト ボックス 12">
-            <a:extLst>
-              <a:ext uri="{FF2B5EF4-FFF2-40B4-BE49-F238E27FC236}">
-                <a16:creationId xmlns:a16="http://schemas.microsoft.com/office/drawing/2014/main" id="{63B3B040-9146-7341-98B8-EA409090CA23}"/>
-              </a:ext>
-            </a:extLst>
-          </p:cNvPr>
-          <p:cNvSpPr txBox="1"/>
-          <p:nvPr/>
-        </p:nvSpPr>
-        <p:spPr>
-          <a:xfrm>
-            <a:off x="8063540" y="4569438"/>
-            <a:ext cx="2080980" cy="369332"/>
-          </a:xfrm>
-          <a:prstGeom prst="rect">
-            <a:avLst/>
-          </a:prstGeom>
-          <a:noFill/>
-        </p:spPr>
-        <p:txBody>
-          <a:bodyPr wrap="square" rtlCol="0">
-            <a:spAutoFit/>
-          </a:bodyPr>
-          <a:lstStyle/>
-          <a:p>
-            <a:r>
-              <a:rPr kumimoji="1" lang="en-US" altLang="ja-JP" dirty="0"/>
-              <a:t>The entrance</a:t>
-            </a:r>
-            <a:endParaRPr kumimoji="1" lang="ja-JP" altLang="en-US"/>
-          </a:p>
-        </p:txBody>
-      </p:sp>
+      </p:pic>
     </p:spTree>
     <p:extLst>
       <p:ext uri="{BB962C8B-B14F-4D97-AF65-F5344CB8AC3E}">
@@ -15249,7 +13144,7 @@
 </p:sld>
 </file>
 
-<file path=ppt/slides/slide19.xml><?xml version="1.0" encoding="utf-8"?>
+<file path=ppt/slides/slide18.xml><?xml version="1.0" encoding="utf-8"?>
 <p:sld xmlns:a="http://schemas.openxmlformats.org/drawingml/2006/main" xmlns:r="http://schemas.openxmlformats.org/officeDocument/2006/relationships" xmlns:p="http://schemas.openxmlformats.org/presentationml/2006/main">
   <p:cSld>
     <p:spTree>
@@ -15377,121 +13272,7 @@
 </p:sld>
 </file>
 
-<file path=ppt/slides/slide2.xml><?xml version="1.0" encoding="utf-8"?>
-<p:sld xmlns:a="http://schemas.openxmlformats.org/drawingml/2006/main" xmlns:r="http://schemas.openxmlformats.org/officeDocument/2006/relationships" xmlns:p="http://schemas.openxmlformats.org/presentationml/2006/main">
-  <p:cSld>
-    <p:spTree>
-      <p:nvGrpSpPr>
-        <p:cNvPr id="1" name=""/>
-        <p:cNvGrpSpPr/>
-        <p:nvPr/>
-      </p:nvGrpSpPr>
-      <p:grpSpPr>
-        <a:xfrm>
-          <a:off x="0" y="0"/>
-          <a:ext cx="0" cy="0"/>
-          <a:chOff x="0" y="0"/>
-          <a:chExt cx="0" cy="0"/>
-        </a:xfrm>
-      </p:grpSpPr>
-      <p:sp>
-        <p:nvSpPr>
-          <p:cNvPr id="2" name="タイトル 1">
-            <a:extLst>
-              <a:ext uri="{FF2B5EF4-FFF2-40B4-BE49-F238E27FC236}">
-                <a16:creationId xmlns:a16="http://schemas.microsoft.com/office/drawing/2014/main" id="{93010AF0-9B7D-1145-8148-06A633089EBF}"/>
-              </a:ext>
-            </a:extLst>
-          </p:cNvPr>
-          <p:cNvSpPr>
-            <a:spLocks noGrp="1"/>
-          </p:cNvSpPr>
-          <p:nvPr>
-            <p:ph type="title"/>
-          </p:nvPr>
-        </p:nvSpPr>
-        <p:spPr/>
-        <p:txBody>
-          <a:bodyPr/>
-          <a:lstStyle/>
-          <a:p>
-            <a:r>
-              <a:rPr kumimoji="1" lang="en-US" altLang="ja-JP" dirty="0"/>
-              <a:t>Outline</a:t>
-            </a:r>
-            <a:endParaRPr kumimoji="1" lang="ja-JP" altLang="en-US"/>
-          </a:p>
-        </p:txBody>
-      </p:sp>
-      <p:sp>
-        <p:nvSpPr>
-          <p:cNvPr id="3" name="コンテンツ プレースホルダー 2">
-            <a:extLst>
-              <a:ext uri="{FF2B5EF4-FFF2-40B4-BE49-F238E27FC236}">
-                <a16:creationId xmlns:a16="http://schemas.microsoft.com/office/drawing/2014/main" id="{97A5DCCE-A463-7E40-A93C-1FAC6C539F8C}"/>
-              </a:ext>
-            </a:extLst>
-          </p:cNvPr>
-          <p:cNvSpPr>
-            <a:spLocks noGrp="1"/>
-          </p:cNvSpPr>
-          <p:nvPr>
-            <p:ph idx="1"/>
-          </p:nvPr>
-        </p:nvSpPr>
-        <p:spPr/>
-        <p:txBody>
-          <a:bodyPr>
-            <a:normAutofit/>
-          </a:bodyPr>
-          <a:lstStyle/>
-          <a:p>
-            <a:r>
-              <a:rPr kumimoji="1" lang="en-US" altLang="ja-JP" sz="2400" dirty="0"/>
-              <a:t>Background</a:t>
-            </a:r>
-          </a:p>
-          <a:p>
-            <a:r>
-              <a:rPr lang="en-US" altLang="ja-JP" sz="2400" dirty="0"/>
-              <a:t>Problem definition</a:t>
-            </a:r>
-            <a:endParaRPr kumimoji="1" lang="en-US" altLang="ja-JP" sz="2400" dirty="0"/>
-          </a:p>
-          <a:p>
-            <a:r>
-              <a:rPr lang="en-US" altLang="ja-JP" sz="2400" dirty="0"/>
-              <a:t>Proposed model</a:t>
-            </a:r>
-          </a:p>
-          <a:p>
-            <a:r>
-              <a:rPr kumimoji="1" lang="en-US" altLang="ja-JP" sz="2400" dirty="0"/>
-              <a:t>Summary</a:t>
-            </a:r>
-          </a:p>
-          <a:p>
-            <a:endParaRPr kumimoji="1" lang="en-US" altLang="ja-JP" sz="2400" dirty="0"/>
-          </a:p>
-          <a:p>
-            <a:endParaRPr kumimoji="1" lang="ja-JP" altLang="en-US" sz="2400"/>
-          </a:p>
-        </p:txBody>
-      </p:sp>
-    </p:spTree>
-    <p:extLst>
-      <p:ext uri="{BB962C8B-B14F-4D97-AF65-F5344CB8AC3E}">
-        <p14:creationId xmlns:p14="http://schemas.microsoft.com/office/powerpoint/2010/main" val="3695423022"/>
-      </p:ext>
-    </p:extLst>
-  </p:cSld>
-  <p:clrMapOvr>
-    <a:masterClrMapping/>
-  </p:clrMapOvr>
-</p:sld>
-</file>
-
-<file path=ppt/slides/slide20.xml><?xml version="1.0" encoding="utf-8"?>
+<file path=ppt/slides/slide19.xml><?xml version="1.0" encoding="utf-8"?>
 <p:sld xmlns:a="http://schemas.openxmlformats.org/drawingml/2006/main" xmlns:r="http://schemas.openxmlformats.org/officeDocument/2006/relationships" xmlns:p="http://schemas.openxmlformats.org/presentationml/2006/main">
   <p:cSld>
     <p:spTree>
@@ -15834,7 +13615,121 @@
 </p:sld>
 </file>
 
-<file path=ppt/slides/slide21.xml><?xml version="1.0" encoding="utf-8"?>
+<file path=ppt/slides/slide2.xml><?xml version="1.0" encoding="utf-8"?>
+<p:sld xmlns:a="http://schemas.openxmlformats.org/drawingml/2006/main" xmlns:r="http://schemas.openxmlformats.org/officeDocument/2006/relationships" xmlns:p="http://schemas.openxmlformats.org/presentationml/2006/main">
+  <p:cSld>
+    <p:spTree>
+      <p:nvGrpSpPr>
+        <p:cNvPr id="1" name=""/>
+        <p:cNvGrpSpPr/>
+        <p:nvPr/>
+      </p:nvGrpSpPr>
+      <p:grpSpPr>
+        <a:xfrm>
+          <a:off x="0" y="0"/>
+          <a:ext cx="0" cy="0"/>
+          <a:chOff x="0" y="0"/>
+          <a:chExt cx="0" cy="0"/>
+        </a:xfrm>
+      </p:grpSpPr>
+      <p:sp>
+        <p:nvSpPr>
+          <p:cNvPr id="2" name="タイトル 1">
+            <a:extLst>
+              <a:ext uri="{FF2B5EF4-FFF2-40B4-BE49-F238E27FC236}">
+                <a16:creationId xmlns:a16="http://schemas.microsoft.com/office/drawing/2014/main" id="{93010AF0-9B7D-1145-8148-06A633089EBF}"/>
+              </a:ext>
+            </a:extLst>
+          </p:cNvPr>
+          <p:cNvSpPr>
+            <a:spLocks noGrp="1"/>
+          </p:cNvSpPr>
+          <p:nvPr>
+            <p:ph type="title"/>
+          </p:nvPr>
+        </p:nvSpPr>
+        <p:spPr/>
+        <p:txBody>
+          <a:bodyPr/>
+          <a:lstStyle/>
+          <a:p>
+            <a:r>
+              <a:rPr kumimoji="1" lang="en-US" altLang="ja-JP" dirty="0"/>
+              <a:t>Outline</a:t>
+            </a:r>
+            <a:endParaRPr kumimoji="1" lang="ja-JP" altLang="en-US"/>
+          </a:p>
+        </p:txBody>
+      </p:sp>
+      <p:sp>
+        <p:nvSpPr>
+          <p:cNvPr id="3" name="コンテンツ プレースホルダー 2">
+            <a:extLst>
+              <a:ext uri="{FF2B5EF4-FFF2-40B4-BE49-F238E27FC236}">
+                <a16:creationId xmlns:a16="http://schemas.microsoft.com/office/drawing/2014/main" id="{97A5DCCE-A463-7E40-A93C-1FAC6C539F8C}"/>
+              </a:ext>
+            </a:extLst>
+          </p:cNvPr>
+          <p:cNvSpPr>
+            <a:spLocks noGrp="1"/>
+          </p:cNvSpPr>
+          <p:nvPr>
+            <p:ph idx="1"/>
+          </p:nvPr>
+        </p:nvSpPr>
+        <p:spPr/>
+        <p:txBody>
+          <a:bodyPr>
+            <a:normAutofit/>
+          </a:bodyPr>
+          <a:lstStyle/>
+          <a:p>
+            <a:r>
+              <a:rPr kumimoji="1" lang="en-US" altLang="ja-JP" sz="2400" dirty="0"/>
+              <a:t>Background</a:t>
+            </a:r>
+          </a:p>
+          <a:p>
+            <a:r>
+              <a:rPr lang="en-US" altLang="ja-JP" sz="2400" dirty="0"/>
+              <a:t>Problem definition</a:t>
+            </a:r>
+            <a:endParaRPr kumimoji="1" lang="en-US" altLang="ja-JP" sz="2400" dirty="0"/>
+          </a:p>
+          <a:p>
+            <a:r>
+              <a:rPr lang="en-US" altLang="ja-JP" sz="2400" dirty="0"/>
+              <a:t>Proposed model</a:t>
+            </a:r>
+          </a:p>
+          <a:p>
+            <a:r>
+              <a:rPr kumimoji="1" lang="en-US" altLang="ja-JP" sz="2400" dirty="0"/>
+              <a:t>Summary</a:t>
+            </a:r>
+          </a:p>
+          <a:p>
+            <a:endParaRPr kumimoji="1" lang="en-US" altLang="ja-JP" sz="2400" dirty="0"/>
+          </a:p>
+          <a:p>
+            <a:endParaRPr kumimoji="1" lang="ja-JP" altLang="en-US" sz="2400"/>
+          </a:p>
+        </p:txBody>
+      </p:sp>
+    </p:spTree>
+    <p:extLst>
+      <p:ext uri="{BB962C8B-B14F-4D97-AF65-F5344CB8AC3E}">
+        <p14:creationId xmlns:p14="http://schemas.microsoft.com/office/powerpoint/2010/main" val="3695423022"/>
+      </p:ext>
+    </p:extLst>
+  </p:cSld>
+  <p:clrMapOvr>
+    <a:masterClrMapping/>
+  </p:clrMapOvr>
+</p:sld>
+</file>
+
+<file path=ppt/slides/slide20.xml><?xml version="1.0" encoding="utf-8"?>
 <p:sld xmlns:a="http://schemas.openxmlformats.org/drawingml/2006/main" xmlns:r="http://schemas.openxmlformats.org/officeDocument/2006/relationships" xmlns:p="http://schemas.openxmlformats.org/presentationml/2006/main">
   <p:cSld>
     <p:spTree>
@@ -15980,7 +13875,7 @@
 </p:sld>
 </file>
 
-<file path=ppt/slides/slide22.xml><?xml version="1.0" encoding="utf-8"?>
+<file path=ppt/slides/slide21.xml><?xml version="1.0" encoding="utf-8"?>
 <p:sld xmlns:a="http://schemas.openxmlformats.org/drawingml/2006/main" xmlns:r="http://schemas.openxmlformats.org/officeDocument/2006/relationships" xmlns:p="http://schemas.openxmlformats.org/presentationml/2006/main">
   <p:cSld>
     <p:spTree>
@@ -16125,7 +14020,7 @@
 </p:sld>
 </file>
 
-<file path=ppt/slides/slide23.xml><?xml version="1.0" encoding="utf-8"?>
+<file path=ppt/slides/slide22.xml><?xml version="1.0" encoding="utf-8"?>
 <p:sld xmlns:a="http://schemas.openxmlformats.org/drawingml/2006/main" xmlns:r="http://schemas.openxmlformats.org/officeDocument/2006/relationships" xmlns:p="http://schemas.openxmlformats.org/presentationml/2006/main">
   <p:cSld>
     <p:spTree>
@@ -16247,7 +14142,7 @@
 </p:sld>
 </file>
 
-<file path=ppt/slides/slide24.xml><?xml version="1.0" encoding="utf-8"?>
+<file path=ppt/slides/slide23.xml><?xml version="1.0" encoding="utf-8"?>
 <p:sld xmlns:a="http://schemas.openxmlformats.org/drawingml/2006/main" xmlns:r="http://schemas.openxmlformats.org/officeDocument/2006/relationships" xmlns:p="http://schemas.openxmlformats.org/presentationml/2006/main">
   <p:cSld>
     <p:spTree>
@@ -16371,7 +14266,7 @@
 </p:sld>
 </file>
 
-<file path=ppt/slides/slide25.xml><?xml version="1.0" encoding="utf-8"?>
+<file path=ppt/slides/slide24.xml><?xml version="1.0" encoding="utf-8"?>
 <p:sld xmlns:a="http://schemas.openxmlformats.org/drawingml/2006/main" xmlns:r="http://schemas.openxmlformats.org/officeDocument/2006/relationships" xmlns:p="http://schemas.openxmlformats.org/presentationml/2006/main">
   <p:cSld>
     <p:spTree>
@@ -16485,7 +14380,7 @@
 </p:sld>
 </file>
 
-<file path=ppt/slides/slide26.xml><?xml version="1.0" encoding="utf-8"?>
+<file path=ppt/slides/slide25.xml><?xml version="1.0" encoding="utf-8"?>
 <p:sld xmlns:a="http://schemas.openxmlformats.org/drawingml/2006/main" xmlns:r="http://schemas.openxmlformats.org/officeDocument/2006/relationships" xmlns:p="http://schemas.openxmlformats.org/presentationml/2006/main">
   <p:cSld>
     <p:spTree>
@@ -16638,7 +14533,7 @@
 </p:sld>
 </file>
 
-<file path=ppt/slides/slide27.xml><?xml version="1.0" encoding="utf-8"?>
+<file path=ppt/slides/slide26.xml><?xml version="1.0" encoding="utf-8"?>
 <p:sld xmlns:a="http://schemas.openxmlformats.org/drawingml/2006/main" xmlns:r="http://schemas.openxmlformats.org/officeDocument/2006/relationships" xmlns:p="http://schemas.openxmlformats.org/presentationml/2006/main">
   <p:cSld>
     <p:spTree>
@@ -16838,7 +14733,7 @@
 </p:sld>
 </file>
 
-<file path=ppt/slides/slide28.xml><?xml version="1.0" encoding="utf-8"?>
+<file path=ppt/slides/slide27.xml><?xml version="1.0" encoding="utf-8"?>
 <p:sld xmlns:a="http://schemas.openxmlformats.org/drawingml/2006/main" xmlns:r="http://schemas.openxmlformats.org/officeDocument/2006/relationships" xmlns:p="http://schemas.openxmlformats.org/presentationml/2006/main">
   <p:cSld>
     <p:spTree>
@@ -17170,7 +15065,7 @@
 </p:sld>
 </file>
 
-<file path=ppt/slides/slide29.xml><?xml version="1.0" encoding="utf-8"?>
+<file path=ppt/slides/slide28.xml><?xml version="1.0" encoding="utf-8"?>
 <p:sld xmlns:a="http://schemas.openxmlformats.org/drawingml/2006/main" xmlns:r="http://schemas.openxmlformats.org/officeDocument/2006/relationships" xmlns:p="http://schemas.openxmlformats.org/presentationml/2006/main">
   <p:cSld>
     <p:spTree>
@@ -17594,6 +15489,139 @@
 </p:sld>
 </file>
 
+<file path=ppt/slides/slide29.xml><?xml version="1.0" encoding="utf-8"?>
+<p:sld xmlns:a="http://schemas.openxmlformats.org/drawingml/2006/main" xmlns:r="http://schemas.openxmlformats.org/officeDocument/2006/relationships" xmlns:p="http://schemas.openxmlformats.org/presentationml/2006/main">
+  <p:cSld>
+    <p:spTree>
+      <p:nvGrpSpPr>
+        <p:cNvPr id="1" name=""/>
+        <p:cNvGrpSpPr/>
+        <p:nvPr/>
+      </p:nvGrpSpPr>
+      <p:grpSpPr>
+        <a:xfrm>
+          <a:off x="0" y="0"/>
+          <a:ext cx="0" cy="0"/>
+          <a:chOff x="0" y="0"/>
+          <a:chExt cx="0" cy="0"/>
+        </a:xfrm>
+      </p:grpSpPr>
+      <p:sp>
+        <p:nvSpPr>
+          <p:cNvPr id="2" name="タイトル 1">
+            <a:extLst>
+              <a:ext uri="{FF2B5EF4-FFF2-40B4-BE49-F238E27FC236}">
+                <a16:creationId xmlns:a16="http://schemas.microsoft.com/office/drawing/2014/main" id="{FDC6E643-84C1-D84A-A5EC-DEBAA379F4FF}"/>
+              </a:ext>
+            </a:extLst>
+          </p:cNvPr>
+          <p:cNvSpPr>
+            <a:spLocks noGrp="1"/>
+          </p:cNvSpPr>
+          <p:nvPr>
+            <p:ph type="title"/>
+          </p:nvPr>
+        </p:nvSpPr>
+        <p:spPr/>
+        <p:txBody>
+          <a:bodyPr/>
+          <a:lstStyle/>
+          <a:p>
+            <a:r>
+              <a:rPr lang="en" altLang="ja-JP" dirty="0"/>
+              <a:t>Expr	</a:t>
+            </a:r>
+            <a:r>
+              <a:rPr lang="en" altLang="ja-JP" dirty="0" err="1"/>
+              <a:t>ession</a:t>
+            </a:r>
+            <a:r>
+              <a:rPr lang="en" altLang="ja-JP" dirty="0"/>
+              <a:t> of solution</a:t>
+            </a:r>
+            <a:endParaRPr kumimoji="1" lang="ja-JP" altLang="en-US"/>
+          </a:p>
+        </p:txBody>
+      </p:sp>
+      <p:sp>
+        <p:nvSpPr>
+          <p:cNvPr id="3" name="コンテンツ プレースホルダー 2">
+            <a:extLst>
+              <a:ext uri="{FF2B5EF4-FFF2-40B4-BE49-F238E27FC236}">
+                <a16:creationId xmlns:a16="http://schemas.microsoft.com/office/drawing/2014/main" id="{87DA18FE-55DE-054F-B0FC-BCAE58372308}"/>
+              </a:ext>
+            </a:extLst>
+          </p:cNvPr>
+          <p:cNvSpPr>
+            <a:spLocks noGrp="1"/>
+          </p:cNvSpPr>
+          <p:nvPr>
+            <p:ph idx="1"/>
+          </p:nvPr>
+        </p:nvSpPr>
+        <p:spPr/>
+        <p:txBody>
+          <a:bodyPr>
+            <a:normAutofit/>
+          </a:bodyPr>
+          <a:lstStyle/>
+          <a:p>
+            <a:r>
+              <a:rPr lang="en" altLang="ja-JP" sz="2400" dirty="0"/>
+              <a:t>Given an array of booking assigned to segments, we assign the bookings to holds based on the rules.</a:t>
+            </a:r>
+          </a:p>
+          <a:p>
+            <a:r>
+              <a:rPr lang="en" altLang="ja-JP" sz="2400" dirty="0"/>
+              <a:t>We load the vehicles from the back hold </a:t>
+            </a:r>
+            <a:r>
+              <a:rPr lang="en-US" altLang="ja-JP" sz="2400" dirty="0"/>
+              <a:t>while satisfying the travel routes constraints.</a:t>
+            </a:r>
+          </a:p>
+          <a:p>
+            <a:r>
+              <a:rPr lang="en" altLang="ja-JP" sz="2400" dirty="0"/>
+              <a:t>Other constraints or objectives are calculated in</a:t>
+            </a:r>
+            <a:r>
+              <a:rPr lang="en-US" altLang="ja-JP" sz="2400" dirty="0"/>
+              <a:t> the</a:t>
+            </a:r>
+            <a:r>
+              <a:rPr lang="en" altLang="ja-JP" sz="2400" dirty="0"/>
+              <a:t> evaluation function.</a:t>
+            </a:r>
+          </a:p>
+          <a:p>
+            <a:endParaRPr lang="en" altLang="ja-JP" sz="2400" dirty="0"/>
+          </a:p>
+          <a:p>
+            <a:endParaRPr lang="en-US" altLang="ja-JP" sz="2400" dirty="0"/>
+          </a:p>
+          <a:p>
+            <a:endParaRPr lang="en" altLang="ja-JP" sz="2400" dirty="0"/>
+          </a:p>
+          <a:p>
+            <a:endParaRPr kumimoji="1" lang="en" altLang="ja-JP" sz="2400" dirty="0"/>
+          </a:p>
+        </p:txBody>
+      </p:sp>
+    </p:spTree>
+    <p:extLst>
+      <p:ext uri="{BB962C8B-B14F-4D97-AF65-F5344CB8AC3E}">
+        <p14:creationId xmlns:p14="http://schemas.microsoft.com/office/powerpoint/2010/main" val="1840310504"/>
+      </p:ext>
+    </p:extLst>
+  </p:cSld>
+  <p:clrMapOvr>
+    <a:masterClrMapping/>
+  </p:clrMapOvr>
+</p:sld>
+</file>
+
 <file path=ppt/slides/slide3.xml><?xml version="1.0" encoding="utf-8"?>
 <p:sld xmlns:a="http://schemas.openxmlformats.org/drawingml/2006/main" xmlns:r="http://schemas.openxmlformats.org/officeDocument/2006/relationships" xmlns:p="http://schemas.openxmlformats.org/presentationml/2006/main">
   <p:cSld>
@@ -17754,139 +15782,6 @@
           <p:cNvPr id="2" name="タイトル 1">
             <a:extLst>
               <a:ext uri="{FF2B5EF4-FFF2-40B4-BE49-F238E27FC236}">
-                <a16:creationId xmlns:a16="http://schemas.microsoft.com/office/drawing/2014/main" id="{FDC6E643-84C1-D84A-A5EC-DEBAA379F4FF}"/>
-              </a:ext>
-            </a:extLst>
-          </p:cNvPr>
-          <p:cNvSpPr>
-            <a:spLocks noGrp="1"/>
-          </p:cNvSpPr>
-          <p:nvPr>
-            <p:ph type="title"/>
-          </p:nvPr>
-        </p:nvSpPr>
-        <p:spPr/>
-        <p:txBody>
-          <a:bodyPr/>
-          <a:lstStyle/>
-          <a:p>
-            <a:r>
-              <a:rPr lang="en" altLang="ja-JP" dirty="0"/>
-              <a:t>Expr	</a:t>
-            </a:r>
-            <a:r>
-              <a:rPr lang="en" altLang="ja-JP" dirty="0" err="1"/>
-              <a:t>ession</a:t>
-            </a:r>
-            <a:r>
-              <a:rPr lang="en" altLang="ja-JP" dirty="0"/>
-              <a:t> of solution</a:t>
-            </a:r>
-            <a:endParaRPr kumimoji="1" lang="ja-JP" altLang="en-US"/>
-          </a:p>
-        </p:txBody>
-      </p:sp>
-      <p:sp>
-        <p:nvSpPr>
-          <p:cNvPr id="3" name="コンテンツ プレースホルダー 2">
-            <a:extLst>
-              <a:ext uri="{FF2B5EF4-FFF2-40B4-BE49-F238E27FC236}">
-                <a16:creationId xmlns:a16="http://schemas.microsoft.com/office/drawing/2014/main" id="{87DA18FE-55DE-054F-B0FC-BCAE58372308}"/>
-              </a:ext>
-            </a:extLst>
-          </p:cNvPr>
-          <p:cNvSpPr>
-            <a:spLocks noGrp="1"/>
-          </p:cNvSpPr>
-          <p:nvPr>
-            <p:ph idx="1"/>
-          </p:nvPr>
-        </p:nvSpPr>
-        <p:spPr/>
-        <p:txBody>
-          <a:bodyPr>
-            <a:normAutofit/>
-          </a:bodyPr>
-          <a:lstStyle/>
-          <a:p>
-            <a:r>
-              <a:rPr lang="en" altLang="ja-JP" sz="2400" dirty="0"/>
-              <a:t>Given an array of booking assigned to segments, we assign the bookings to holds based on the rules.</a:t>
-            </a:r>
-          </a:p>
-          <a:p>
-            <a:r>
-              <a:rPr lang="en" altLang="ja-JP" sz="2400" dirty="0"/>
-              <a:t>We load the vehicles from the back hold </a:t>
-            </a:r>
-            <a:r>
-              <a:rPr lang="en-US" altLang="ja-JP" sz="2400" dirty="0"/>
-              <a:t>while satisfying the travel routes constraints.</a:t>
-            </a:r>
-          </a:p>
-          <a:p>
-            <a:r>
-              <a:rPr lang="en" altLang="ja-JP" sz="2400" dirty="0"/>
-              <a:t>Other constraints or objectives are calculated in</a:t>
-            </a:r>
-            <a:r>
-              <a:rPr lang="en-US" altLang="ja-JP" sz="2400" dirty="0"/>
-              <a:t> the</a:t>
-            </a:r>
-            <a:r>
-              <a:rPr lang="en" altLang="ja-JP" sz="2400" dirty="0"/>
-              <a:t> evaluation function.</a:t>
-            </a:r>
-          </a:p>
-          <a:p>
-            <a:endParaRPr lang="en" altLang="ja-JP" sz="2400" dirty="0"/>
-          </a:p>
-          <a:p>
-            <a:endParaRPr lang="en-US" altLang="ja-JP" sz="2400" dirty="0"/>
-          </a:p>
-          <a:p>
-            <a:endParaRPr lang="en" altLang="ja-JP" sz="2400" dirty="0"/>
-          </a:p>
-          <a:p>
-            <a:endParaRPr kumimoji="1" lang="en" altLang="ja-JP" sz="2400" dirty="0"/>
-          </a:p>
-        </p:txBody>
-      </p:sp>
-    </p:spTree>
-    <p:extLst>
-      <p:ext uri="{BB962C8B-B14F-4D97-AF65-F5344CB8AC3E}">
-        <p14:creationId xmlns:p14="http://schemas.microsoft.com/office/powerpoint/2010/main" val="1840310504"/>
-      </p:ext>
-    </p:extLst>
-  </p:cSld>
-  <p:clrMapOvr>
-    <a:masterClrMapping/>
-  </p:clrMapOvr>
-</p:sld>
-</file>
-
-<file path=ppt/slides/slide31.xml><?xml version="1.0" encoding="utf-8"?>
-<p:sld xmlns:a="http://schemas.openxmlformats.org/drawingml/2006/main" xmlns:r="http://schemas.openxmlformats.org/officeDocument/2006/relationships" xmlns:p="http://schemas.openxmlformats.org/presentationml/2006/main">
-  <p:cSld>
-    <p:spTree>
-      <p:nvGrpSpPr>
-        <p:cNvPr id="1" name=""/>
-        <p:cNvGrpSpPr/>
-        <p:nvPr/>
-      </p:nvGrpSpPr>
-      <p:grpSpPr>
-        <a:xfrm>
-          <a:off x="0" y="0"/>
-          <a:ext cx="0" cy="0"/>
-          <a:chOff x="0" y="0"/>
-          <a:chExt cx="0" cy="0"/>
-        </a:xfrm>
-      </p:grpSpPr>
-      <p:sp>
-        <p:nvSpPr>
-          <p:cNvPr id="2" name="タイトル 1">
-            <a:extLst>
-              <a:ext uri="{FF2B5EF4-FFF2-40B4-BE49-F238E27FC236}">
                 <a16:creationId xmlns:a16="http://schemas.microsoft.com/office/drawing/2014/main" id="{2B278DCE-0685-4441-B128-DC9D8C8EB809}"/>
               </a:ext>
             </a:extLst>
@@ -17973,7 +15868,7 @@
 </p:sld>
 </file>
 
-<file path=ppt/slides/slide32.xml><?xml version="1.0" encoding="utf-8"?>
+<file path=ppt/slides/slide31.xml><?xml version="1.0" encoding="utf-8"?>
 <p:sld xmlns:a="http://schemas.openxmlformats.org/drawingml/2006/main" xmlns:r="http://schemas.openxmlformats.org/officeDocument/2006/relationships" xmlns:p="http://schemas.openxmlformats.org/presentationml/2006/main">
   <p:cSld>
     <p:spTree>
@@ -18099,7 +15994,7 @@
 </p:sld>
 </file>
 
-<file path=ppt/slides/slide33.xml><?xml version="1.0" encoding="utf-8"?>
+<file path=ppt/slides/slide32.xml><?xml version="1.0" encoding="utf-8"?>
 <p:sld xmlns:a="http://schemas.openxmlformats.org/drawingml/2006/main" xmlns:r="http://schemas.openxmlformats.org/officeDocument/2006/relationships" xmlns:p="http://schemas.openxmlformats.org/presentationml/2006/main">
   <p:cSld>
     <p:spTree>
@@ -18222,7 +16117,7 @@
 </p:sld>
 </file>
 
-<file path=ppt/slides/slide34.xml><?xml version="1.0" encoding="utf-8"?>
+<file path=ppt/slides/slide33.xml><?xml version="1.0" encoding="utf-8"?>
 <p:sld xmlns:a="http://schemas.openxmlformats.org/drawingml/2006/main" xmlns:r="http://schemas.openxmlformats.org/officeDocument/2006/relationships" xmlns:p="http://schemas.openxmlformats.org/presentationml/2006/main">
   <p:cSld>
     <p:spTree>
@@ -18329,7 +16224,7 @@
 </p:sld>
 </file>
 
-<file path=ppt/slides/slide35.xml><?xml version="1.0" encoding="utf-8"?>
+<file path=ppt/slides/slide34.xml><?xml version="1.0" encoding="utf-8"?>
 <p:sld xmlns:a="http://schemas.openxmlformats.org/drawingml/2006/main" xmlns:r="http://schemas.openxmlformats.org/officeDocument/2006/relationships" xmlns:p="http://schemas.openxmlformats.org/presentationml/2006/main">
   <p:cSld>
     <p:spTree>
@@ -18536,7 +16431,7 @@
 </p:sld>
 </file>
 
-<file path=ppt/slides/slide36.xml><?xml version="1.0" encoding="utf-8"?>
+<file path=ppt/slides/slide35.xml><?xml version="1.0" encoding="utf-8"?>
 <p:sld xmlns:a="http://schemas.openxmlformats.org/drawingml/2006/main" xmlns:r="http://schemas.openxmlformats.org/officeDocument/2006/relationships" xmlns:p="http://schemas.openxmlformats.org/presentationml/2006/main">
   <p:cSld>
     <p:spTree>
@@ -19607,7 +17502,7 @@
 </p:sld>
 </file>
 
-<file path=ppt/slides/slide37.xml><?xml version="1.0" encoding="utf-8"?>
+<file path=ppt/slides/slide36.xml><?xml version="1.0" encoding="utf-8"?>
 <p:sld xmlns:a="http://schemas.openxmlformats.org/drawingml/2006/main" xmlns:r="http://schemas.openxmlformats.org/officeDocument/2006/relationships" xmlns:p="http://schemas.openxmlformats.org/presentationml/2006/main">
   <p:cSld>
     <p:spTree>
@@ -19750,7 +17645,7 @@
 </p:sld>
 </file>
 
-<file path=ppt/slides/slide38.xml><?xml version="1.0" encoding="utf-8"?>
+<file path=ppt/slides/slide37.xml><?xml version="1.0" encoding="utf-8"?>
 <p:sld xmlns:a="http://schemas.openxmlformats.org/drawingml/2006/main" xmlns:r="http://schemas.openxmlformats.org/officeDocument/2006/relationships" xmlns:p="http://schemas.openxmlformats.org/presentationml/2006/main">
   <p:cSld>
     <p:spTree>
@@ -20347,7 +18242,7 @@
 </p:sld>
 </file>
 
-<file path=ppt/slides/slide39.xml><?xml version="1.0" encoding="utf-8"?>
+<file path=ppt/slides/slide38.xml><?xml version="1.0" encoding="utf-8"?>
 <p:sld xmlns:a="http://schemas.openxmlformats.org/drawingml/2006/main" xmlns:r="http://schemas.openxmlformats.org/officeDocument/2006/relationships" xmlns:p="http://schemas.openxmlformats.org/presentationml/2006/main">
   <p:cSld>
     <p:spTree>
@@ -21155,6 +19050,126 @@
     <p:extLst>
       <p:ext uri="{BB962C8B-B14F-4D97-AF65-F5344CB8AC3E}">
         <p14:creationId xmlns:p14="http://schemas.microsoft.com/office/powerpoint/2010/main" val="3034498478"/>
+      </p:ext>
+    </p:extLst>
+  </p:cSld>
+  <p:clrMapOvr>
+    <a:masterClrMapping/>
+  </p:clrMapOvr>
+</p:sld>
+</file>
+
+<file path=ppt/slides/slide39.xml><?xml version="1.0" encoding="utf-8"?>
+<p:sld xmlns:a="http://schemas.openxmlformats.org/drawingml/2006/main" xmlns:r="http://schemas.openxmlformats.org/officeDocument/2006/relationships" xmlns:p="http://schemas.openxmlformats.org/presentationml/2006/main">
+  <p:cSld>
+    <p:spTree>
+      <p:nvGrpSpPr>
+        <p:cNvPr id="1" name=""/>
+        <p:cNvGrpSpPr/>
+        <p:nvPr/>
+      </p:nvGrpSpPr>
+      <p:grpSpPr>
+        <a:xfrm>
+          <a:off x="0" y="0"/>
+          <a:ext cx="0" cy="0"/>
+          <a:chOff x="0" y="0"/>
+          <a:chExt cx="0" cy="0"/>
+        </a:xfrm>
+      </p:grpSpPr>
+      <p:sp>
+        <p:nvSpPr>
+          <p:cNvPr id="2" name="タイトル 1">
+            <a:extLst>
+              <a:ext uri="{FF2B5EF4-FFF2-40B4-BE49-F238E27FC236}">
+                <a16:creationId xmlns:a16="http://schemas.microsoft.com/office/drawing/2014/main" id="{23293CDF-C8B2-0249-B006-9AB1745DECD2}"/>
+              </a:ext>
+            </a:extLst>
+          </p:cNvPr>
+          <p:cNvSpPr>
+            <a:spLocks noGrp="1"/>
+          </p:cNvSpPr>
+          <p:nvPr>
+            <p:ph type="title"/>
+          </p:nvPr>
+        </p:nvSpPr>
+        <p:spPr/>
+        <p:txBody>
+          <a:bodyPr/>
+          <a:lstStyle/>
+          <a:p>
+            <a:r>
+              <a:rPr lang="en-US" altLang="ja-JP" dirty="0"/>
+              <a:t>Initial solution</a:t>
+            </a:r>
+            <a:endParaRPr kumimoji="1" lang="ja-JP" altLang="en-US"/>
+          </a:p>
+        </p:txBody>
+      </p:sp>
+      <p:sp>
+        <p:nvSpPr>
+          <p:cNvPr id="3" name="コンテンツ プレースホルダー 2">
+            <a:extLst>
+              <a:ext uri="{FF2B5EF4-FFF2-40B4-BE49-F238E27FC236}">
+                <a16:creationId xmlns:a16="http://schemas.microsoft.com/office/drawing/2014/main" id="{E20F269F-0243-3E42-9DD2-4D0E5F2B1161}"/>
+              </a:ext>
+            </a:extLst>
+          </p:cNvPr>
+          <p:cNvSpPr>
+            <a:spLocks noGrp="1"/>
+          </p:cNvSpPr>
+          <p:nvPr>
+            <p:ph idx="1"/>
+          </p:nvPr>
+        </p:nvSpPr>
+        <p:spPr/>
+        <p:txBody>
+          <a:bodyPr>
+            <a:normAutofit/>
+          </a:bodyPr>
+          <a:lstStyle/>
+          <a:p>
+            <a:r>
+              <a:rPr kumimoji="1" lang="en-US" altLang="ja-JP" sz="2400" dirty="0"/>
+              <a:t>We propose several approach to create initial solution.</a:t>
+            </a:r>
+          </a:p>
+          <a:p>
+            <a:pPr marL="0" indent="0">
+              <a:buNone/>
+            </a:pPr>
+            <a:endParaRPr kumimoji="1" lang="en-US" altLang="ja-JP" sz="2400" dirty="0"/>
+          </a:p>
+          <a:p>
+            <a:pPr marL="457200" indent="-457200">
+              <a:buFont typeface="+mj-lt"/>
+              <a:buAutoNum type="arabicPeriod"/>
+            </a:pPr>
+            <a:r>
+              <a:rPr kumimoji="1" lang="en-US" altLang="ja-JP" sz="2400" dirty="0"/>
+              <a:t>generating from solution by relaxation of linear programming</a:t>
+            </a:r>
+          </a:p>
+          <a:p>
+            <a:pPr marL="457200" indent="-457200">
+              <a:buFont typeface="+mj-lt"/>
+              <a:buAutoNum type="arabicPeriod"/>
+            </a:pPr>
+            <a:r>
+              <a:rPr kumimoji="1" lang="en-US" altLang="ja-JP" sz="2400" dirty="0"/>
+              <a:t>generating from solution </a:t>
+            </a:r>
+            <a:r>
+              <a:rPr lang="en-US" altLang="ja-JP" sz="2400" dirty="0"/>
+              <a:t>of a problem formulated in MIP with bookings grouped by port</a:t>
+            </a:r>
+            <a:endParaRPr kumimoji="1" lang="en-US" altLang="ja-JP" sz="2400" dirty="0"/>
+          </a:p>
+        </p:txBody>
+      </p:sp>
+    </p:spTree>
+    <p:extLst>
+      <p:ext uri="{BB962C8B-B14F-4D97-AF65-F5344CB8AC3E}">
+        <p14:creationId xmlns:p14="http://schemas.microsoft.com/office/powerpoint/2010/main" val="3354853748"/>
       </p:ext>
     </p:extLst>
   </p:cSld>
@@ -23125,7 +21140,7 @@
           <a:p>
             <a:r>
               <a:rPr lang="en-US" altLang="ja-JP" dirty="0"/>
-              <a:t>Initial solution</a:t>
+              <a:t>Approach to create initial assignment</a:t>
             </a:r>
             <a:endParaRPr kumimoji="1" lang="ja-JP" altLang="en-US"/>
           </a:p>
@@ -23154,18 +21169,6 @@
           </a:bodyPr>
           <a:lstStyle/>
           <a:p>
-            <a:r>
-              <a:rPr kumimoji="1" lang="en-US" altLang="ja-JP" sz="2400" dirty="0"/>
-              <a:t>We propose several approach to create initial solution.</a:t>
-            </a:r>
-          </a:p>
-          <a:p>
-            <a:pPr marL="0" indent="0">
-              <a:buNone/>
-            </a:pPr>
-            <a:endParaRPr kumimoji="1" lang="en-US" altLang="ja-JP" sz="2400" dirty="0"/>
-          </a:p>
-          <a:p>
             <a:pPr marL="457200" indent="-457200">
               <a:buFont typeface="+mj-lt"/>
               <a:buAutoNum type="arabicPeriod"/>
@@ -23181,21 +21184,39 @@
               <a:buAutoNum type="arabicPeriod"/>
             </a:pPr>
             <a:r>
-              <a:rPr kumimoji="1" lang="en-US" altLang="ja-JP" sz="2400" dirty="0"/>
-              <a:t>generating from solution </a:t>
-            </a:r>
-            <a:r>
-              <a:rPr lang="en-US" altLang="ja-JP" sz="2400" dirty="0"/>
+              <a:rPr kumimoji="1" lang="en-US" altLang="ja-JP" sz="2400" dirty="0">
+                <a:solidFill>
+                  <a:schemeClr val="bg1">
+                    <a:lumMod val="85000"/>
+                  </a:schemeClr>
+                </a:solidFill>
+              </a:rPr>
+              <a:t>Generating from solution </a:t>
+            </a:r>
+            <a:r>
+              <a:rPr lang="en-US" altLang="ja-JP" sz="2400" dirty="0">
+                <a:solidFill>
+                  <a:schemeClr val="bg1">
+                    <a:lumMod val="85000"/>
+                  </a:schemeClr>
+                </a:solidFill>
+              </a:rPr>
               <a:t>of a problem formulated in MIP with bookings grouped by port</a:t>
             </a:r>
-            <a:endParaRPr kumimoji="1" lang="en-US" altLang="ja-JP" sz="2400" dirty="0"/>
+            <a:endParaRPr kumimoji="1" lang="en-US" altLang="ja-JP" sz="2400" dirty="0">
+              <a:solidFill>
+                <a:schemeClr val="bg1">
+                  <a:lumMod val="85000"/>
+                </a:schemeClr>
+              </a:solidFill>
+            </a:endParaRPr>
           </a:p>
         </p:txBody>
       </p:sp>
     </p:spTree>
     <p:extLst>
       <p:ext uri="{BB962C8B-B14F-4D97-AF65-F5344CB8AC3E}">
-        <p14:creationId xmlns:p14="http://schemas.microsoft.com/office/powerpoint/2010/main" val="3354853748"/>
+        <p14:creationId xmlns:p14="http://schemas.microsoft.com/office/powerpoint/2010/main" val="2379747017"/>
       </p:ext>
     </p:extLst>
   </p:cSld>
@@ -23206,6 +21227,128 @@
 </file>
 
 <file path=ppt/slides/slide41.xml><?xml version="1.0" encoding="utf-8"?>
+<p:sld xmlns:a="http://schemas.openxmlformats.org/drawingml/2006/main" xmlns:r="http://schemas.openxmlformats.org/officeDocument/2006/relationships" xmlns:p="http://schemas.openxmlformats.org/presentationml/2006/main">
+  <p:cSld>
+    <p:spTree>
+      <p:nvGrpSpPr>
+        <p:cNvPr id="1" name=""/>
+        <p:cNvGrpSpPr/>
+        <p:nvPr/>
+      </p:nvGrpSpPr>
+      <p:grpSpPr>
+        <a:xfrm>
+          <a:off x="0" y="0"/>
+          <a:ext cx="0" cy="0"/>
+          <a:chOff x="0" y="0"/>
+          <a:chExt cx="0" cy="0"/>
+        </a:xfrm>
+      </p:grpSpPr>
+      <p:sp>
+        <p:nvSpPr>
+          <p:cNvPr id="2" name="タイトル 1">
+            <a:extLst>
+              <a:ext uri="{FF2B5EF4-FFF2-40B4-BE49-F238E27FC236}">
+                <a16:creationId xmlns:a16="http://schemas.microsoft.com/office/drawing/2014/main" id="{77CCAC05-3AAC-D943-B7CA-119266FCBE65}"/>
+              </a:ext>
+            </a:extLst>
+          </p:cNvPr>
+          <p:cNvSpPr>
+            <a:spLocks noGrp="1"/>
+          </p:cNvSpPr>
+          <p:nvPr>
+            <p:ph type="title"/>
+          </p:nvPr>
+        </p:nvSpPr>
+        <p:spPr/>
+        <p:txBody>
+          <a:bodyPr/>
+          <a:lstStyle/>
+          <a:p>
+            <a:r>
+              <a:rPr lang="en-US" altLang="ja-JP" dirty="0"/>
+              <a:t>Relaxation of linear programming</a:t>
+            </a:r>
+            <a:endParaRPr kumimoji="1" lang="ja-JP" altLang="en-US"/>
+          </a:p>
+        </p:txBody>
+      </p:sp>
+      <p:sp>
+        <p:nvSpPr>
+          <p:cNvPr id="3" name="コンテンツ プレースホルダー 2">
+            <a:extLst>
+              <a:ext uri="{FF2B5EF4-FFF2-40B4-BE49-F238E27FC236}">
+                <a16:creationId xmlns:a16="http://schemas.microsoft.com/office/drawing/2014/main" id="{83572324-1E1A-3541-9C80-10CFC06750E2}"/>
+              </a:ext>
+            </a:extLst>
+          </p:cNvPr>
+          <p:cNvSpPr>
+            <a:spLocks noGrp="1"/>
+          </p:cNvSpPr>
+          <p:nvPr>
+            <p:ph idx="1"/>
+          </p:nvPr>
+        </p:nvSpPr>
+        <p:spPr/>
+        <p:txBody>
+          <a:bodyPr>
+            <a:normAutofit/>
+          </a:bodyPr>
+          <a:lstStyle/>
+          <a:p>
+            <a:r>
+              <a:rPr lang="en-US" altLang="ja-JP" sz="2400" dirty="0"/>
+              <a:t>As a preliminary experiment, we compare the solutions to the MIP problem and the relaxation problem. </a:t>
+            </a:r>
+          </a:p>
+          <a:p>
+            <a:r>
+              <a:rPr lang="en" altLang="ja-JP" sz="2400" dirty="0"/>
+              <a:t>To compare the properties of the solutions, we use the Manhattan distance</a:t>
+            </a:r>
+            <a:r>
+              <a:rPr lang="en-US" altLang="ja-JP" sz="2400" dirty="0"/>
+              <a:t>. </a:t>
+            </a:r>
+          </a:p>
+          <a:p>
+            <a:r>
+              <a:rPr lang="en" altLang="ja-JP" sz="2400" dirty="0"/>
+              <a:t>We performed the comparison and confirmed that the properties of the relaxed solution and the MIP solution are close</a:t>
+            </a:r>
+            <a:r>
+              <a:rPr lang="en-US" altLang="ja-JP" sz="2400" dirty="0"/>
+              <a:t>.</a:t>
+            </a:r>
+            <a:endParaRPr lang="en" altLang="ja-JP" sz="2400" dirty="0"/>
+          </a:p>
+          <a:p>
+            <a:endParaRPr lang="en-US" altLang="ja-JP" sz="2400" dirty="0"/>
+          </a:p>
+          <a:p>
+            <a:endParaRPr lang="en-US" altLang="ja-JP" sz="2400" dirty="0"/>
+          </a:p>
+          <a:p>
+            <a:endParaRPr lang="en-US" altLang="ja-JP" sz="2400" dirty="0"/>
+          </a:p>
+          <a:p>
+            <a:endParaRPr kumimoji="1" lang="ja-JP" altLang="en-US" sz="2400"/>
+          </a:p>
+        </p:txBody>
+      </p:sp>
+    </p:spTree>
+    <p:extLst>
+      <p:ext uri="{BB962C8B-B14F-4D97-AF65-F5344CB8AC3E}">
+        <p14:creationId xmlns:p14="http://schemas.microsoft.com/office/powerpoint/2010/main" val="2087942310"/>
+      </p:ext>
+    </p:extLst>
+  </p:cSld>
+  <p:clrMapOvr>
+    <a:masterClrMapping/>
+  </p:clrMapOvr>
+</p:sld>
+</file>
+
+<file path=ppt/slides/slide42.xml><?xml version="1.0" encoding="utf-8"?>
 <p:sld xmlns:a="http://schemas.openxmlformats.org/drawingml/2006/main" xmlns:r="http://schemas.openxmlformats.org/officeDocument/2006/relationships" xmlns:p="http://schemas.openxmlformats.org/presentationml/2006/main">
   <p:cSld>
     <p:spTree>
@@ -23279,254 +21422,6 @@
               <a:buAutoNum type="arabicPeriod"/>
             </a:pPr>
             <a:r>
-              <a:rPr kumimoji="1" lang="en-US" altLang="ja-JP" sz="2400" dirty="0"/>
-              <a:t>generating from solution by relaxation of linear programming</a:t>
-            </a:r>
-          </a:p>
-          <a:p>
-            <a:pPr marL="457200" indent="-457200">
-              <a:buFont typeface="+mj-lt"/>
-              <a:buAutoNum type="arabicPeriod"/>
-            </a:pPr>
-            <a:r>
-              <a:rPr kumimoji="1" lang="en-US" altLang="ja-JP" sz="2400" dirty="0">
-                <a:solidFill>
-                  <a:schemeClr val="bg1">
-                    <a:lumMod val="85000"/>
-                  </a:schemeClr>
-                </a:solidFill>
-              </a:rPr>
-              <a:t>Generating from solution </a:t>
-            </a:r>
-            <a:r>
-              <a:rPr lang="en-US" altLang="ja-JP" sz="2400" dirty="0">
-                <a:solidFill>
-                  <a:schemeClr val="bg1">
-                    <a:lumMod val="85000"/>
-                  </a:schemeClr>
-                </a:solidFill>
-              </a:rPr>
-              <a:t>of a problem formulated in MIP with bookings grouped by port</a:t>
-            </a:r>
-            <a:endParaRPr kumimoji="1" lang="en-US" altLang="ja-JP" sz="2400" dirty="0">
-              <a:solidFill>
-                <a:schemeClr val="bg1">
-                  <a:lumMod val="85000"/>
-                </a:schemeClr>
-              </a:solidFill>
-            </a:endParaRPr>
-          </a:p>
-        </p:txBody>
-      </p:sp>
-    </p:spTree>
-    <p:extLst>
-      <p:ext uri="{BB962C8B-B14F-4D97-AF65-F5344CB8AC3E}">
-        <p14:creationId xmlns:p14="http://schemas.microsoft.com/office/powerpoint/2010/main" val="2379747017"/>
-      </p:ext>
-    </p:extLst>
-  </p:cSld>
-  <p:clrMapOvr>
-    <a:masterClrMapping/>
-  </p:clrMapOvr>
-</p:sld>
-</file>
-
-<file path=ppt/slides/slide42.xml><?xml version="1.0" encoding="utf-8"?>
-<p:sld xmlns:a="http://schemas.openxmlformats.org/drawingml/2006/main" xmlns:r="http://schemas.openxmlformats.org/officeDocument/2006/relationships" xmlns:p="http://schemas.openxmlformats.org/presentationml/2006/main">
-  <p:cSld>
-    <p:spTree>
-      <p:nvGrpSpPr>
-        <p:cNvPr id="1" name=""/>
-        <p:cNvGrpSpPr/>
-        <p:nvPr/>
-      </p:nvGrpSpPr>
-      <p:grpSpPr>
-        <a:xfrm>
-          <a:off x="0" y="0"/>
-          <a:ext cx="0" cy="0"/>
-          <a:chOff x="0" y="0"/>
-          <a:chExt cx="0" cy="0"/>
-        </a:xfrm>
-      </p:grpSpPr>
-      <p:sp>
-        <p:nvSpPr>
-          <p:cNvPr id="2" name="タイトル 1">
-            <a:extLst>
-              <a:ext uri="{FF2B5EF4-FFF2-40B4-BE49-F238E27FC236}">
-                <a16:creationId xmlns:a16="http://schemas.microsoft.com/office/drawing/2014/main" id="{77CCAC05-3AAC-D943-B7CA-119266FCBE65}"/>
-              </a:ext>
-            </a:extLst>
-          </p:cNvPr>
-          <p:cNvSpPr>
-            <a:spLocks noGrp="1"/>
-          </p:cNvSpPr>
-          <p:nvPr>
-            <p:ph type="title"/>
-          </p:nvPr>
-        </p:nvSpPr>
-        <p:spPr/>
-        <p:txBody>
-          <a:bodyPr/>
-          <a:lstStyle/>
-          <a:p>
-            <a:r>
-              <a:rPr lang="en-US" altLang="ja-JP" dirty="0"/>
-              <a:t>Relaxation of linear programming</a:t>
-            </a:r>
-            <a:endParaRPr kumimoji="1" lang="ja-JP" altLang="en-US"/>
-          </a:p>
-        </p:txBody>
-      </p:sp>
-      <p:sp>
-        <p:nvSpPr>
-          <p:cNvPr id="3" name="コンテンツ プレースホルダー 2">
-            <a:extLst>
-              <a:ext uri="{FF2B5EF4-FFF2-40B4-BE49-F238E27FC236}">
-                <a16:creationId xmlns:a16="http://schemas.microsoft.com/office/drawing/2014/main" id="{83572324-1E1A-3541-9C80-10CFC06750E2}"/>
-              </a:ext>
-            </a:extLst>
-          </p:cNvPr>
-          <p:cNvSpPr>
-            <a:spLocks noGrp="1"/>
-          </p:cNvSpPr>
-          <p:nvPr>
-            <p:ph idx="1"/>
-          </p:nvPr>
-        </p:nvSpPr>
-        <p:spPr/>
-        <p:txBody>
-          <a:bodyPr>
-            <a:normAutofit/>
-          </a:bodyPr>
-          <a:lstStyle/>
-          <a:p>
-            <a:r>
-              <a:rPr lang="en-US" altLang="ja-JP" sz="2400" dirty="0"/>
-              <a:t>As a preliminary experiment, we compare the solutions to the MIP problem and the relaxation problem. </a:t>
-            </a:r>
-          </a:p>
-          <a:p>
-            <a:r>
-              <a:rPr lang="en" altLang="ja-JP" sz="2400" dirty="0"/>
-              <a:t>To compare the properties of the solutions, we use the Manhattan distance</a:t>
-            </a:r>
-            <a:r>
-              <a:rPr lang="en-US" altLang="ja-JP" sz="2400" dirty="0"/>
-              <a:t>. </a:t>
-            </a:r>
-          </a:p>
-          <a:p>
-            <a:r>
-              <a:rPr lang="en" altLang="ja-JP" sz="2400" dirty="0"/>
-              <a:t>We performed the comparison and confirmed that the properties of the relaxed solution and the MIP solution are close</a:t>
-            </a:r>
-            <a:r>
-              <a:rPr lang="en-US" altLang="ja-JP" sz="2400" dirty="0"/>
-              <a:t>.</a:t>
-            </a:r>
-            <a:endParaRPr lang="en" altLang="ja-JP" sz="2400" dirty="0"/>
-          </a:p>
-          <a:p>
-            <a:endParaRPr lang="en-US" altLang="ja-JP" sz="2400" dirty="0"/>
-          </a:p>
-          <a:p>
-            <a:endParaRPr lang="en-US" altLang="ja-JP" sz="2400" dirty="0"/>
-          </a:p>
-          <a:p>
-            <a:endParaRPr lang="en-US" altLang="ja-JP" sz="2400" dirty="0"/>
-          </a:p>
-          <a:p>
-            <a:endParaRPr kumimoji="1" lang="ja-JP" altLang="en-US" sz="2400"/>
-          </a:p>
-        </p:txBody>
-      </p:sp>
-    </p:spTree>
-    <p:extLst>
-      <p:ext uri="{BB962C8B-B14F-4D97-AF65-F5344CB8AC3E}">
-        <p14:creationId xmlns:p14="http://schemas.microsoft.com/office/powerpoint/2010/main" val="2087942310"/>
-      </p:ext>
-    </p:extLst>
-  </p:cSld>
-  <p:clrMapOvr>
-    <a:masterClrMapping/>
-  </p:clrMapOvr>
-</p:sld>
-</file>
-
-<file path=ppt/slides/slide43.xml><?xml version="1.0" encoding="utf-8"?>
-<p:sld xmlns:a="http://schemas.openxmlformats.org/drawingml/2006/main" xmlns:r="http://schemas.openxmlformats.org/officeDocument/2006/relationships" xmlns:p="http://schemas.openxmlformats.org/presentationml/2006/main">
-  <p:cSld>
-    <p:spTree>
-      <p:nvGrpSpPr>
-        <p:cNvPr id="1" name=""/>
-        <p:cNvGrpSpPr/>
-        <p:nvPr/>
-      </p:nvGrpSpPr>
-      <p:grpSpPr>
-        <a:xfrm>
-          <a:off x="0" y="0"/>
-          <a:ext cx="0" cy="0"/>
-          <a:chOff x="0" y="0"/>
-          <a:chExt cx="0" cy="0"/>
-        </a:xfrm>
-      </p:grpSpPr>
-      <p:sp>
-        <p:nvSpPr>
-          <p:cNvPr id="2" name="タイトル 1">
-            <a:extLst>
-              <a:ext uri="{FF2B5EF4-FFF2-40B4-BE49-F238E27FC236}">
-                <a16:creationId xmlns:a16="http://schemas.microsoft.com/office/drawing/2014/main" id="{23293CDF-C8B2-0249-B006-9AB1745DECD2}"/>
-              </a:ext>
-            </a:extLst>
-          </p:cNvPr>
-          <p:cNvSpPr>
-            <a:spLocks noGrp="1"/>
-          </p:cNvSpPr>
-          <p:nvPr>
-            <p:ph type="title"/>
-          </p:nvPr>
-        </p:nvSpPr>
-        <p:spPr/>
-        <p:txBody>
-          <a:bodyPr/>
-          <a:lstStyle/>
-          <a:p>
-            <a:r>
-              <a:rPr lang="en-US" altLang="ja-JP" dirty="0"/>
-              <a:t>Approach to create initial assignment</a:t>
-            </a:r>
-            <a:endParaRPr kumimoji="1" lang="ja-JP" altLang="en-US"/>
-          </a:p>
-        </p:txBody>
-      </p:sp>
-      <p:sp>
-        <p:nvSpPr>
-          <p:cNvPr id="3" name="コンテンツ プレースホルダー 2">
-            <a:extLst>
-              <a:ext uri="{FF2B5EF4-FFF2-40B4-BE49-F238E27FC236}">
-                <a16:creationId xmlns:a16="http://schemas.microsoft.com/office/drawing/2014/main" id="{E20F269F-0243-3E42-9DD2-4D0E5F2B1161}"/>
-              </a:ext>
-            </a:extLst>
-          </p:cNvPr>
-          <p:cNvSpPr>
-            <a:spLocks noGrp="1"/>
-          </p:cNvSpPr>
-          <p:nvPr>
-            <p:ph idx="1"/>
-          </p:nvPr>
-        </p:nvSpPr>
-        <p:spPr/>
-        <p:txBody>
-          <a:bodyPr>
-            <a:normAutofit/>
-          </a:bodyPr>
-          <a:lstStyle/>
-          <a:p>
-            <a:pPr marL="457200" indent="-457200">
-              <a:buFont typeface="+mj-lt"/>
-              <a:buAutoNum type="arabicPeriod"/>
-            </a:pPr>
-            <a:r>
               <a:rPr kumimoji="1" lang="en-US" altLang="ja-JP" sz="2400" dirty="0">
                 <a:solidFill>
                   <a:schemeClr val="bg1">
@@ -23579,7 +21474,7 @@
 </p:sld>
 </file>
 
-<file path=ppt/slides/slide44.xml><?xml version="1.0" encoding="utf-8"?>
+<file path=ppt/slides/slide43.xml><?xml version="1.0" encoding="utf-8"?>
 <p:sld xmlns:a="http://schemas.openxmlformats.org/drawingml/2006/main" xmlns:r="http://schemas.openxmlformats.org/officeDocument/2006/relationships" xmlns:p="http://schemas.openxmlformats.org/presentationml/2006/main">
   <p:cSld>
     <p:spTree>
@@ -23691,7 +21586,7 @@
 </p:sld>
 </file>
 
-<file path=ppt/slides/slide45.xml><?xml version="1.0" encoding="utf-8"?>
+<file path=ppt/slides/slide44.xml><?xml version="1.0" encoding="utf-8"?>
 <p:sld xmlns:a="http://schemas.openxmlformats.org/drawingml/2006/main" xmlns:r="http://schemas.openxmlformats.org/officeDocument/2006/relationships" xmlns:p="http://schemas.openxmlformats.org/presentationml/2006/main">
   <p:cSld>
     <p:spTree>
@@ -24786,7 +22681,7 @@
 </p:sld>
 </file>
 
-<file path=ppt/slides/slide46.xml><?xml version="1.0" encoding="utf-8"?>
+<file path=ppt/slides/slide45.xml><?xml version="1.0" encoding="utf-8"?>
 <p:sld xmlns:a="http://schemas.openxmlformats.org/drawingml/2006/main" xmlns:r="http://schemas.openxmlformats.org/officeDocument/2006/relationships" xmlns:p="http://schemas.openxmlformats.org/presentationml/2006/main">
   <p:cSld>
     <p:spTree>
@@ -24895,7 +22790,7 @@
 </p:sld>
 </file>
 
-<file path=ppt/slides/slide47.xml><?xml version="1.0" encoding="utf-8"?>
+<file path=ppt/slides/slide46.xml><?xml version="1.0" encoding="utf-8"?>
 <p:sld xmlns:a="http://schemas.openxmlformats.org/drawingml/2006/main" xmlns:r="http://schemas.openxmlformats.org/officeDocument/2006/relationships" xmlns:p="http://schemas.openxmlformats.org/presentationml/2006/main">
   <p:cSld>
     <p:spTree>
@@ -25677,7 +23572,7 @@
 </p:sld>
 </file>
 
-<file path=ppt/slides/slide48.xml><?xml version="1.0" encoding="utf-8"?>
+<file path=ppt/slides/slide47.xml><?xml version="1.0" encoding="utf-8"?>
 <p:sld xmlns:a="http://schemas.openxmlformats.org/drawingml/2006/main" xmlns:r="http://schemas.openxmlformats.org/officeDocument/2006/relationships" xmlns:p="http://schemas.openxmlformats.org/presentationml/2006/main">
   <p:cSld>
     <p:spTree>
@@ -25805,7 +23700,7 @@
 </p:sld>
 </file>
 
-<file path=ppt/slides/slide49.xml><?xml version="1.0" encoding="utf-8"?>
+<file path=ppt/slides/slide48.xml><?xml version="1.0" encoding="utf-8"?>
 <p:sld xmlns:a="http://schemas.openxmlformats.org/drawingml/2006/main" xmlns:r="http://schemas.openxmlformats.org/officeDocument/2006/relationships" xmlns:p="http://schemas.openxmlformats.org/presentationml/2006/main">
   <p:cSld>
     <p:spTree>
@@ -26216,117 +24111,7 @@
 </p:sld>
 </file>
 
-<file path=ppt/slides/slide5.xml><?xml version="1.0" encoding="utf-8"?>
-<p:sld xmlns:a="http://schemas.openxmlformats.org/drawingml/2006/main" xmlns:r="http://schemas.openxmlformats.org/officeDocument/2006/relationships" xmlns:p="http://schemas.openxmlformats.org/presentationml/2006/main">
-  <p:cSld>
-    <p:spTree>
-      <p:nvGrpSpPr>
-        <p:cNvPr id="1" name=""/>
-        <p:cNvGrpSpPr/>
-        <p:nvPr/>
-      </p:nvGrpSpPr>
-      <p:grpSpPr>
-        <a:xfrm>
-          <a:off x="0" y="0"/>
-          <a:ext cx="0" cy="0"/>
-          <a:chOff x="0" y="0"/>
-          <a:chExt cx="0" cy="0"/>
-        </a:xfrm>
-      </p:grpSpPr>
-      <p:sp>
-        <p:nvSpPr>
-          <p:cNvPr id="2" name="タイトル 1">
-            <a:extLst>
-              <a:ext uri="{FF2B5EF4-FFF2-40B4-BE49-F238E27FC236}">
-                <a16:creationId xmlns:a16="http://schemas.microsoft.com/office/drawing/2014/main" id="{03DC7BD9-E43D-E442-9A49-33395737C89D}"/>
-              </a:ext>
-            </a:extLst>
-          </p:cNvPr>
-          <p:cNvSpPr>
-            <a:spLocks noGrp="1"/>
-          </p:cNvSpPr>
-          <p:nvPr>
-            <p:ph type="title"/>
-          </p:nvPr>
-        </p:nvSpPr>
-        <p:spPr/>
-        <p:txBody>
-          <a:bodyPr/>
-          <a:lstStyle/>
-          <a:p>
-            <a:r>
-              <a:rPr kumimoji="1" lang="en-US" altLang="ja-JP" dirty="0"/>
-              <a:t>Background</a:t>
-            </a:r>
-            <a:endParaRPr kumimoji="1" lang="ja-JP" altLang="en-US"/>
-          </a:p>
-        </p:txBody>
-      </p:sp>
-      <p:sp>
-        <p:nvSpPr>
-          <p:cNvPr id="3" name="コンテンツ プレースホルダー 2">
-            <a:extLst>
-              <a:ext uri="{FF2B5EF4-FFF2-40B4-BE49-F238E27FC236}">
-                <a16:creationId xmlns:a16="http://schemas.microsoft.com/office/drawing/2014/main" id="{AD3B2DD4-96C6-BB42-93C1-3859304F6137}"/>
-              </a:ext>
-            </a:extLst>
-          </p:cNvPr>
-          <p:cNvSpPr>
-            <a:spLocks noGrp="1"/>
-          </p:cNvSpPr>
-          <p:nvPr>
-            <p:ph idx="1"/>
-          </p:nvPr>
-        </p:nvSpPr>
-        <p:spPr/>
-        <p:txBody>
-          <a:bodyPr>
-            <a:normAutofit/>
-          </a:bodyPr>
-          <a:lstStyle/>
-          <a:p>
-            <a:r>
-              <a:rPr lang="en-US" altLang="ja-JP" sz="2400" dirty="0"/>
-              <a:t>There are a lot of things that has to be considered</a:t>
-            </a:r>
-          </a:p>
-          <a:p>
-            <a:pPr lvl="1"/>
-            <a:r>
-              <a:rPr lang="en-US" altLang="ja-JP" sz="2200" dirty="0"/>
-              <a:t>Planning assignments that makes it easy to load and unload cars is important.</a:t>
-            </a:r>
-          </a:p>
-          <a:p>
-            <a:pPr lvl="1"/>
-            <a:r>
-              <a:rPr lang="en-US" altLang="ja-JP" sz="2200" dirty="0"/>
-              <a:t>Human error should not happen.</a:t>
-            </a:r>
-          </a:p>
-          <a:p>
-            <a:pPr lvl="1"/>
-            <a:r>
-              <a:rPr lang="en-US" altLang="ja-JP" sz="2400" dirty="0"/>
-              <a:t>Unbalanced assignments may result in a sinking.</a:t>
-            </a:r>
-          </a:p>
-        </p:txBody>
-      </p:sp>
-    </p:spTree>
-    <p:extLst>
-      <p:ext uri="{BB962C8B-B14F-4D97-AF65-F5344CB8AC3E}">
-        <p14:creationId xmlns:p14="http://schemas.microsoft.com/office/powerpoint/2010/main" val="3649340498"/>
-      </p:ext>
-    </p:extLst>
-  </p:cSld>
-  <p:clrMapOvr>
-    <a:masterClrMapping/>
-  </p:clrMapOvr>
-</p:sld>
-</file>
-
-<file path=ppt/slides/slide50.xml><?xml version="1.0" encoding="utf-8"?>
+<file path=ppt/slides/slide49.xml><?xml version="1.0" encoding="utf-8"?>
 <p:sld xmlns:a="http://schemas.openxmlformats.org/drawingml/2006/main" xmlns:r="http://schemas.openxmlformats.org/officeDocument/2006/relationships" xmlns:p="http://schemas.openxmlformats.org/presentationml/2006/main">
   <p:cSld>
     <p:spTree>
@@ -27705,7 +25490,117 @@
 </p:sld>
 </file>
 
-<file path=ppt/slides/slide51.xml><?xml version="1.0" encoding="utf-8"?>
+<file path=ppt/slides/slide5.xml><?xml version="1.0" encoding="utf-8"?>
+<p:sld xmlns:a="http://schemas.openxmlformats.org/drawingml/2006/main" xmlns:r="http://schemas.openxmlformats.org/officeDocument/2006/relationships" xmlns:p="http://schemas.openxmlformats.org/presentationml/2006/main">
+  <p:cSld>
+    <p:spTree>
+      <p:nvGrpSpPr>
+        <p:cNvPr id="1" name=""/>
+        <p:cNvGrpSpPr/>
+        <p:nvPr/>
+      </p:nvGrpSpPr>
+      <p:grpSpPr>
+        <a:xfrm>
+          <a:off x="0" y="0"/>
+          <a:ext cx="0" cy="0"/>
+          <a:chOff x="0" y="0"/>
+          <a:chExt cx="0" cy="0"/>
+        </a:xfrm>
+      </p:grpSpPr>
+      <p:sp>
+        <p:nvSpPr>
+          <p:cNvPr id="2" name="タイトル 1">
+            <a:extLst>
+              <a:ext uri="{FF2B5EF4-FFF2-40B4-BE49-F238E27FC236}">
+                <a16:creationId xmlns:a16="http://schemas.microsoft.com/office/drawing/2014/main" id="{03DC7BD9-E43D-E442-9A49-33395737C89D}"/>
+              </a:ext>
+            </a:extLst>
+          </p:cNvPr>
+          <p:cNvSpPr>
+            <a:spLocks noGrp="1"/>
+          </p:cNvSpPr>
+          <p:nvPr>
+            <p:ph type="title"/>
+          </p:nvPr>
+        </p:nvSpPr>
+        <p:spPr/>
+        <p:txBody>
+          <a:bodyPr/>
+          <a:lstStyle/>
+          <a:p>
+            <a:r>
+              <a:rPr kumimoji="1" lang="en-US" altLang="ja-JP" dirty="0"/>
+              <a:t>Background</a:t>
+            </a:r>
+            <a:endParaRPr kumimoji="1" lang="ja-JP" altLang="en-US"/>
+          </a:p>
+        </p:txBody>
+      </p:sp>
+      <p:sp>
+        <p:nvSpPr>
+          <p:cNvPr id="3" name="コンテンツ プレースホルダー 2">
+            <a:extLst>
+              <a:ext uri="{FF2B5EF4-FFF2-40B4-BE49-F238E27FC236}">
+                <a16:creationId xmlns:a16="http://schemas.microsoft.com/office/drawing/2014/main" id="{AD3B2DD4-96C6-BB42-93C1-3859304F6137}"/>
+              </a:ext>
+            </a:extLst>
+          </p:cNvPr>
+          <p:cNvSpPr>
+            <a:spLocks noGrp="1"/>
+          </p:cNvSpPr>
+          <p:nvPr>
+            <p:ph idx="1"/>
+          </p:nvPr>
+        </p:nvSpPr>
+        <p:spPr/>
+        <p:txBody>
+          <a:bodyPr>
+            <a:normAutofit/>
+          </a:bodyPr>
+          <a:lstStyle/>
+          <a:p>
+            <a:r>
+              <a:rPr lang="en-US" altLang="ja-JP" sz="2400" dirty="0"/>
+              <a:t>There are a lot of things that has to be considered</a:t>
+            </a:r>
+          </a:p>
+          <a:p>
+            <a:pPr lvl="1"/>
+            <a:r>
+              <a:rPr lang="en-US" altLang="ja-JP" sz="2200" dirty="0"/>
+              <a:t>Planning assignments that makes it easy to load and unload cars is important.</a:t>
+            </a:r>
+          </a:p>
+          <a:p>
+            <a:pPr lvl="1"/>
+            <a:r>
+              <a:rPr lang="en-US" altLang="ja-JP" sz="2200" dirty="0"/>
+              <a:t>Human error should not happen.</a:t>
+            </a:r>
+          </a:p>
+          <a:p>
+            <a:pPr lvl="1"/>
+            <a:r>
+              <a:rPr lang="en-US" altLang="ja-JP" sz="2400" dirty="0"/>
+              <a:t>Unbalanced assignments may result in a sinking.</a:t>
+            </a:r>
+          </a:p>
+        </p:txBody>
+      </p:sp>
+    </p:spTree>
+    <p:extLst>
+      <p:ext uri="{BB962C8B-B14F-4D97-AF65-F5344CB8AC3E}">
+        <p14:creationId xmlns:p14="http://schemas.microsoft.com/office/powerpoint/2010/main" val="3649340498"/>
+      </p:ext>
+    </p:extLst>
+  </p:cSld>
+  <p:clrMapOvr>
+    <a:masterClrMapping/>
+  </p:clrMapOvr>
+</p:sld>
+</file>
+
+<file path=ppt/slides/slide50.xml><?xml version="1.0" encoding="utf-8"?>
 <p:sld xmlns:a="http://schemas.openxmlformats.org/drawingml/2006/main" xmlns:r="http://schemas.openxmlformats.org/officeDocument/2006/relationships" xmlns:p="http://schemas.openxmlformats.org/presentationml/2006/main">
   <p:cSld>
     <p:spTree>
@@ -28182,7 +26077,7 @@
 </p:sld>
 </file>
 
-<file path=ppt/slides/slide52.xml><?xml version="1.0" encoding="utf-8"?>
+<file path=ppt/slides/slide51.xml><?xml version="1.0" encoding="utf-8"?>
 <p:sld xmlns:a="http://schemas.openxmlformats.org/drawingml/2006/main" xmlns:r="http://schemas.openxmlformats.org/officeDocument/2006/relationships" xmlns:p="http://schemas.openxmlformats.org/presentationml/2006/main">
   <p:cSld>
     <p:spTree>
@@ -28303,7 +26198,7 @@
 </p:sld>
 </file>
 
-<file path=ppt/slides/slide53.xml><?xml version="1.0" encoding="utf-8"?>
+<file path=ppt/slides/slide52.xml><?xml version="1.0" encoding="utf-8"?>
 <p:sld xmlns:a="http://schemas.openxmlformats.org/drawingml/2006/main" xmlns:r="http://schemas.openxmlformats.org/officeDocument/2006/relationships" xmlns:p="http://schemas.openxmlformats.org/presentationml/2006/main">
   <p:cSld>
     <p:spTree>
@@ -28671,7 +26566,7 @@
 </p:sld>
 </file>
 
-<file path=ppt/slides/slide54.xml><?xml version="1.0" encoding="utf-8"?>
+<file path=ppt/slides/slide53.xml><?xml version="1.0" encoding="utf-8"?>
 <p:sld xmlns:a="http://schemas.openxmlformats.org/drawingml/2006/main" xmlns:r="http://schemas.openxmlformats.org/officeDocument/2006/relationships" xmlns:p="http://schemas.openxmlformats.org/presentationml/2006/main">
   <p:cSld>
     <p:spTree>
@@ -29039,7 +26934,7 @@
 </p:sld>
 </file>
 
-<file path=ppt/slides/slide55.xml><?xml version="1.0" encoding="utf-8"?>
+<file path=ppt/slides/slide54.xml><?xml version="1.0" encoding="utf-8"?>
 <p:sld xmlns:a="http://schemas.openxmlformats.org/drawingml/2006/main" xmlns:r="http://schemas.openxmlformats.org/officeDocument/2006/relationships" xmlns:p="http://schemas.openxmlformats.org/presentationml/2006/main">
   <p:cSld>
     <p:spTree>
@@ -29266,7 +27161,7 @@
 </p:sld>
 </file>
 
-<file path=ppt/slides/slide56.xml><?xml version="1.0" encoding="utf-8"?>
+<file path=ppt/slides/slide55.xml><?xml version="1.0" encoding="utf-8"?>
 <p:sld xmlns:a="http://schemas.openxmlformats.org/drawingml/2006/main" xmlns:r="http://schemas.openxmlformats.org/officeDocument/2006/relationships" xmlns:p="http://schemas.openxmlformats.org/presentationml/2006/main">
   <p:cSld>
     <p:spTree>
@@ -29581,7 +27476,7 @@
 </p:sld>
 </file>
 
-<file path=ppt/slides/slide57.xml><?xml version="1.0" encoding="utf-8"?>
+<file path=ppt/slides/slide56.xml><?xml version="1.0" encoding="utf-8"?>
 <p:sld xmlns:a="http://schemas.openxmlformats.org/drawingml/2006/main" xmlns:r="http://schemas.openxmlformats.org/officeDocument/2006/relationships" xmlns:p="http://schemas.openxmlformats.org/presentationml/2006/main">
   <p:cSld>
     <p:spTree>
@@ -30293,7 +28188,7 @@
 </p:sld>
 </file>
 
-<file path=ppt/slides/slide58.xml><?xml version="1.0" encoding="utf-8"?>
+<file path=ppt/slides/slide57.xml><?xml version="1.0" encoding="utf-8"?>
 <p:sld xmlns:a="http://schemas.openxmlformats.org/drawingml/2006/main" xmlns:r="http://schemas.openxmlformats.org/officeDocument/2006/relationships" xmlns:p="http://schemas.openxmlformats.org/presentationml/2006/main">
   <p:cSld>
     <p:spTree>
@@ -30411,7 +28306,7 @@
 </p:sld>
 </file>
 
-<file path=ppt/slides/slide59.xml><?xml version="1.0" encoding="utf-8"?>
+<file path=ppt/slides/slide58.xml><?xml version="1.0" encoding="utf-8"?>
 <p:sld xmlns:a="http://schemas.openxmlformats.org/drawingml/2006/main" xmlns:r="http://schemas.openxmlformats.org/officeDocument/2006/relationships" xmlns:p="http://schemas.openxmlformats.org/presentationml/2006/main">
   <p:cSld>
     <p:spTree>
@@ -31403,6 +29298,113 @@
 </p:sld>
 </file>
 
+<file path=ppt/slides/slide59.xml><?xml version="1.0" encoding="utf-8"?>
+<p:sld xmlns:a="http://schemas.openxmlformats.org/drawingml/2006/main" xmlns:r="http://schemas.openxmlformats.org/officeDocument/2006/relationships" xmlns:p="http://schemas.openxmlformats.org/presentationml/2006/main">
+  <p:cSld>
+    <p:spTree>
+      <p:nvGrpSpPr>
+        <p:cNvPr id="1" name=""/>
+        <p:cNvGrpSpPr/>
+        <p:nvPr/>
+      </p:nvGrpSpPr>
+      <p:grpSpPr>
+        <a:xfrm>
+          <a:off x="0" y="0"/>
+          <a:ext cx="0" cy="0"/>
+          <a:chOff x="0" y="0"/>
+          <a:chExt cx="0" cy="0"/>
+        </a:xfrm>
+      </p:grpSpPr>
+      <p:sp>
+        <p:nvSpPr>
+          <p:cNvPr id="2" name="タイトル 1">
+            <a:extLst>
+              <a:ext uri="{FF2B5EF4-FFF2-40B4-BE49-F238E27FC236}">
+                <a16:creationId xmlns:a16="http://schemas.microsoft.com/office/drawing/2014/main" id="{67E01A06-7475-E541-961D-071D4242BA42}"/>
+              </a:ext>
+            </a:extLst>
+          </p:cNvPr>
+          <p:cNvSpPr>
+            <a:spLocks noGrp="1"/>
+          </p:cNvSpPr>
+          <p:nvPr>
+            <p:ph type="title"/>
+          </p:nvPr>
+        </p:nvSpPr>
+        <p:spPr/>
+        <p:txBody>
+          <a:bodyPr/>
+          <a:lstStyle/>
+          <a:p>
+            <a:r>
+              <a:rPr lang="en" altLang="ja-JP" dirty="0"/>
+              <a:t>Comparison by insertion method</a:t>
+            </a:r>
+            <a:endParaRPr kumimoji="1" lang="ja-JP" altLang="en-US"/>
+          </a:p>
+        </p:txBody>
+      </p:sp>
+      <p:sp>
+        <p:nvSpPr>
+          <p:cNvPr id="3" name="コンテンツ プレースホルダー 2">
+            <a:extLst>
+              <a:ext uri="{FF2B5EF4-FFF2-40B4-BE49-F238E27FC236}">
+                <a16:creationId xmlns:a16="http://schemas.microsoft.com/office/drawing/2014/main" id="{8FC75E83-6FCB-684F-BB17-BF63CBD11644}"/>
+              </a:ext>
+            </a:extLst>
+          </p:cNvPr>
+          <p:cNvSpPr>
+            <a:spLocks noGrp="1"/>
+          </p:cNvSpPr>
+          <p:nvPr>
+            <p:ph idx="1"/>
+          </p:nvPr>
+        </p:nvSpPr>
+        <p:spPr/>
+        <p:txBody>
+          <a:bodyPr>
+            <a:normAutofit/>
+          </a:bodyPr>
+          <a:lstStyle/>
+          <a:p>
+            <a:r>
+              <a:rPr lang="en" altLang="ja-JP" sz="2400" dirty="0"/>
+              <a:t>Computation time varies greatly.</a:t>
+            </a:r>
+          </a:p>
+          <a:p>
+            <a:r>
+              <a:rPr lang="en" altLang="ja-JP" sz="2400" dirty="0"/>
+              <a:t>The quality of the local optimal solution is not very different between the two approaches.</a:t>
+            </a:r>
+          </a:p>
+          <a:p>
+            <a:r>
+              <a:rPr lang="en" altLang="ja-JP" sz="2400" dirty="0"/>
+              <a:t>When this algorithm is actually used, it will be checked by a person in the end.</a:t>
+            </a:r>
+          </a:p>
+          <a:p>
+            <a:r>
+              <a:rPr lang="en" altLang="ja-JP" sz="2400" dirty="0"/>
+              <a:t>there may be possibilities that obtaining a solution with a certain degree of quality in a short time may be sufficient.</a:t>
+            </a:r>
+          </a:p>
+        </p:txBody>
+      </p:sp>
+    </p:spTree>
+    <p:extLst>
+      <p:ext uri="{BB962C8B-B14F-4D97-AF65-F5344CB8AC3E}">
+        <p14:creationId xmlns:p14="http://schemas.microsoft.com/office/powerpoint/2010/main" val="3116219373"/>
+      </p:ext>
+    </p:extLst>
+  </p:cSld>
+  <p:clrMapOvr>
+    <a:masterClrMapping/>
+  </p:clrMapOvr>
+</p:sld>
+</file>
+
 <file path=ppt/slides/slide6.xml><?xml version="1.0" encoding="utf-8"?>
 <p:sld xmlns:a="http://schemas.openxmlformats.org/drawingml/2006/main" xmlns:r="http://schemas.openxmlformats.org/officeDocument/2006/relationships" xmlns:p="http://schemas.openxmlformats.org/presentationml/2006/main">
   <p:cSld>
@@ -31543,113 +29545,6 @@
 </file>
 
 <file path=ppt/slides/slide60.xml><?xml version="1.0" encoding="utf-8"?>
-<p:sld xmlns:a="http://schemas.openxmlformats.org/drawingml/2006/main" xmlns:r="http://schemas.openxmlformats.org/officeDocument/2006/relationships" xmlns:p="http://schemas.openxmlformats.org/presentationml/2006/main">
-  <p:cSld>
-    <p:spTree>
-      <p:nvGrpSpPr>
-        <p:cNvPr id="1" name=""/>
-        <p:cNvGrpSpPr/>
-        <p:nvPr/>
-      </p:nvGrpSpPr>
-      <p:grpSpPr>
-        <a:xfrm>
-          <a:off x="0" y="0"/>
-          <a:ext cx="0" cy="0"/>
-          <a:chOff x="0" y="0"/>
-          <a:chExt cx="0" cy="0"/>
-        </a:xfrm>
-      </p:grpSpPr>
-      <p:sp>
-        <p:nvSpPr>
-          <p:cNvPr id="2" name="タイトル 1">
-            <a:extLst>
-              <a:ext uri="{FF2B5EF4-FFF2-40B4-BE49-F238E27FC236}">
-                <a16:creationId xmlns:a16="http://schemas.microsoft.com/office/drawing/2014/main" id="{67E01A06-7475-E541-961D-071D4242BA42}"/>
-              </a:ext>
-            </a:extLst>
-          </p:cNvPr>
-          <p:cNvSpPr>
-            <a:spLocks noGrp="1"/>
-          </p:cNvSpPr>
-          <p:nvPr>
-            <p:ph type="title"/>
-          </p:nvPr>
-        </p:nvSpPr>
-        <p:spPr/>
-        <p:txBody>
-          <a:bodyPr/>
-          <a:lstStyle/>
-          <a:p>
-            <a:r>
-              <a:rPr lang="en" altLang="ja-JP" dirty="0"/>
-              <a:t>Comparison by insertion method</a:t>
-            </a:r>
-            <a:endParaRPr kumimoji="1" lang="ja-JP" altLang="en-US"/>
-          </a:p>
-        </p:txBody>
-      </p:sp>
-      <p:sp>
-        <p:nvSpPr>
-          <p:cNvPr id="3" name="コンテンツ プレースホルダー 2">
-            <a:extLst>
-              <a:ext uri="{FF2B5EF4-FFF2-40B4-BE49-F238E27FC236}">
-                <a16:creationId xmlns:a16="http://schemas.microsoft.com/office/drawing/2014/main" id="{8FC75E83-6FCB-684F-BB17-BF63CBD11644}"/>
-              </a:ext>
-            </a:extLst>
-          </p:cNvPr>
-          <p:cNvSpPr>
-            <a:spLocks noGrp="1"/>
-          </p:cNvSpPr>
-          <p:nvPr>
-            <p:ph idx="1"/>
-          </p:nvPr>
-        </p:nvSpPr>
-        <p:spPr/>
-        <p:txBody>
-          <a:bodyPr>
-            <a:normAutofit/>
-          </a:bodyPr>
-          <a:lstStyle/>
-          <a:p>
-            <a:r>
-              <a:rPr lang="en" altLang="ja-JP" sz="2400" dirty="0"/>
-              <a:t>Computation time varies greatly.</a:t>
-            </a:r>
-          </a:p>
-          <a:p>
-            <a:r>
-              <a:rPr lang="en" altLang="ja-JP" sz="2400" dirty="0"/>
-              <a:t>The quality of the local optimal solution is not very different between the two approaches.</a:t>
-            </a:r>
-          </a:p>
-          <a:p>
-            <a:r>
-              <a:rPr lang="en" altLang="ja-JP" sz="2400" dirty="0"/>
-              <a:t>When this algorithm is actually used, it will be checked by a person in the end.</a:t>
-            </a:r>
-          </a:p>
-          <a:p>
-            <a:r>
-              <a:rPr lang="en" altLang="ja-JP" sz="2400" dirty="0"/>
-              <a:t>there may be possibilities that obtaining a solution with a certain degree of quality in a short time may be sufficient.</a:t>
-            </a:r>
-          </a:p>
-        </p:txBody>
-      </p:sp>
-    </p:spTree>
-    <p:extLst>
-      <p:ext uri="{BB962C8B-B14F-4D97-AF65-F5344CB8AC3E}">
-        <p14:creationId xmlns:p14="http://schemas.microsoft.com/office/powerpoint/2010/main" val="3116219373"/>
-      </p:ext>
-    </p:extLst>
-  </p:cSld>
-  <p:clrMapOvr>
-    <a:masterClrMapping/>
-  </p:clrMapOvr>
-</p:sld>
-</file>
-
-<file path=ppt/slides/slide61.xml><?xml version="1.0" encoding="utf-8"?>
 <p:sld xmlns:a="http://schemas.openxmlformats.org/drawingml/2006/main" xmlns:r="http://schemas.openxmlformats.org/officeDocument/2006/relationships" xmlns:p="http://schemas.openxmlformats.org/presentationml/2006/main">
   <p:cSld>
     <p:spTree>
@@ -32101,7 +29996,7 @@
 </p:sld>
 </file>
 
-<file path=ppt/slides/slide62.xml><?xml version="1.0" encoding="utf-8"?>
+<file path=ppt/slides/slide61.xml><?xml version="1.0" encoding="utf-8"?>
 <p:sld xmlns:a="http://schemas.openxmlformats.org/drawingml/2006/main" xmlns:r="http://schemas.openxmlformats.org/officeDocument/2006/relationships" xmlns:p="http://schemas.openxmlformats.org/presentationml/2006/main">
   <p:cSld>
     <p:spTree>
@@ -32230,7 +30125,7 @@
 </p:sld>
 </file>
 
-<file path=ppt/slides/slide63.xml><?xml version="1.0" encoding="utf-8"?>
+<file path=ppt/slides/slide62.xml><?xml version="1.0" encoding="utf-8"?>
 <p:sld xmlns:a="http://schemas.openxmlformats.org/drawingml/2006/main" xmlns:r="http://schemas.openxmlformats.org/officeDocument/2006/relationships" xmlns:p="http://schemas.openxmlformats.org/presentationml/2006/main">
   <p:cSld>
     <p:spTree>
@@ -33267,7 +31162,7 @@
 </p:sld>
 </file>
 
-<file path=ppt/slides/slide64.xml><?xml version="1.0" encoding="utf-8"?>
+<file path=ppt/slides/slide63.xml><?xml version="1.0" encoding="utf-8"?>
 <p:sld xmlns:a="http://schemas.openxmlformats.org/drawingml/2006/main" xmlns:r="http://schemas.openxmlformats.org/officeDocument/2006/relationships" xmlns:p="http://schemas.openxmlformats.org/presentationml/2006/main">
   <p:cSld>
     <p:spTree>
@@ -34874,7 +32769,7 @@
 </p:sld>
 </file>
 
-<file path=ppt/slides/slide65.xml><?xml version="1.0" encoding="utf-8"?>
+<file path=ppt/slides/slide64.xml><?xml version="1.0" encoding="utf-8"?>
 <p:sld xmlns:a="http://schemas.openxmlformats.org/drawingml/2006/main" xmlns:r="http://schemas.openxmlformats.org/officeDocument/2006/relationships" xmlns:p="http://schemas.openxmlformats.org/presentationml/2006/main">
   <p:cSld>
     <p:spTree>
@@ -35445,7 +33340,7 @@
 </p:sld>
 </file>
 
-<file path=ppt/slides/slide66.xml><?xml version="1.0" encoding="utf-8"?>
+<file path=ppt/slides/slide65.xml><?xml version="1.0" encoding="utf-8"?>
 <p:sld xmlns:a="http://schemas.openxmlformats.org/drawingml/2006/main" xmlns:r="http://schemas.openxmlformats.org/officeDocument/2006/relationships" xmlns:p="http://schemas.openxmlformats.org/presentationml/2006/main">
   <p:cSld>
     <p:spTree>

--- a/竹田.pptx
+++ b/竹田.pptx
@@ -52,24 +52,25 @@
     <p:sldId id="578" r:id="rId46"/>
     <p:sldId id="621" r:id="rId47"/>
     <p:sldId id="561" r:id="rId48"/>
-    <p:sldId id="633" r:id="rId49"/>
-    <p:sldId id="562" r:id="rId50"/>
-    <p:sldId id="563" r:id="rId51"/>
-    <p:sldId id="564" r:id="rId52"/>
-    <p:sldId id="566" r:id="rId53"/>
-    <p:sldId id="568" r:id="rId54"/>
-    <p:sldId id="620" r:id="rId55"/>
-    <p:sldId id="619" r:id="rId56"/>
-    <p:sldId id="587" r:id="rId57"/>
-    <p:sldId id="596" r:id="rId58"/>
-    <p:sldId id="597" r:id="rId59"/>
-    <p:sldId id="598" r:id="rId60"/>
-    <p:sldId id="601" r:id="rId61"/>
-    <p:sldId id="602" r:id="rId62"/>
-    <p:sldId id="603" r:id="rId63"/>
-    <p:sldId id="604" r:id="rId64"/>
-    <p:sldId id="606" r:id="rId65"/>
-    <p:sldId id="608" r:id="rId66"/>
+    <p:sldId id="635" r:id="rId49"/>
+    <p:sldId id="633" r:id="rId50"/>
+    <p:sldId id="636" r:id="rId51"/>
+    <p:sldId id="563" r:id="rId52"/>
+    <p:sldId id="564" r:id="rId53"/>
+    <p:sldId id="566" r:id="rId54"/>
+    <p:sldId id="568" r:id="rId55"/>
+    <p:sldId id="620" r:id="rId56"/>
+    <p:sldId id="619" r:id="rId57"/>
+    <p:sldId id="587" r:id="rId58"/>
+    <p:sldId id="596" r:id="rId59"/>
+    <p:sldId id="597" r:id="rId60"/>
+    <p:sldId id="598" r:id="rId61"/>
+    <p:sldId id="601" r:id="rId62"/>
+    <p:sldId id="602" r:id="rId63"/>
+    <p:sldId id="603" r:id="rId64"/>
+    <p:sldId id="604" r:id="rId65"/>
+    <p:sldId id="606" r:id="rId66"/>
+    <p:sldId id="608" r:id="rId67"/>
   </p:sldIdLst>
   <p:sldSz cx="12192000" cy="6858000"/>
   <p:notesSz cx="6858000" cy="9144000"/>
@@ -23722,6 +23723,90 @@
           <p:cNvPr id="2" name="タイトル 1">
             <a:extLst>
               <a:ext uri="{FF2B5EF4-FFF2-40B4-BE49-F238E27FC236}">
+                <a16:creationId xmlns:a16="http://schemas.microsoft.com/office/drawing/2014/main" id="{3E8989E2-790E-4448-9194-76C36D2AF936}"/>
+              </a:ext>
+            </a:extLst>
+          </p:cNvPr>
+          <p:cNvSpPr>
+            <a:spLocks noGrp="1"/>
+          </p:cNvSpPr>
+          <p:nvPr>
+            <p:ph type="title"/>
+          </p:nvPr>
+        </p:nvSpPr>
+        <p:spPr/>
+        <p:txBody>
+          <a:bodyPr/>
+          <a:lstStyle/>
+          <a:p>
+            <a:r>
+              <a:rPr lang="en" altLang="ja-JP" dirty="0"/>
+              <a:t>supplementary materials</a:t>
+            </a:r>
+            <a:endParaRPr kumimoji="1" lang="ja-JP" altLang="en-US"/>
+          </a:p>
+        </p:txBody>
+      </p:sp>
+      <p:sp>
+        <p:nvSpPr>
+          <p:cNvPr id="3" name="コンテンツ プレースホルダー 2">
+            <a:extLst>
+              <a:ext uri="{FF2B5EF4-FFF2-40B4-BE49-F238E27FC236}">
+                <a16:creationId xmlns:a16="http://schemas.microsoft.com/office/drawing/2014/main" id="{68E734B8-7789-F84D-8697-3D387D1DC167}"/>
+              </a:ext>
+            </a:extLst>
+          </p:cNvPr>
+          <p:cNvSpPr>
+            <a:spLocks noGrp="1"/>
+          </p:cNvSpPr>
+          <p:nvPr>
+            <p:ph idx="1"/>
+          </p:nvPr>
+        </p:nvSpPr>
+        <p:spPr/>
+        <p:txBody>
+          <a:bodyPr/>
+          <a:lstStyle/>
+          <a:p>
+            <a:endParaRPr kumimoji="1" lang="ja-JP" altLang="en-US"/>
+          </a:p>
+        </p:txBody>
+      </p:sp>
+    </p:spTree>
+    <p:extLst>
+      <p:ext uri="{BB962C8B-B14F-4D97-AF65-F5344CB8AC3E}">
+        <p14:creationId xmlns:p14="http://schemas.microsoft.com/office/powerpoint/2010/main" val="3565661457"/>
+      </p:ext>
+    </p:extLst>
+  </p:cSld>
+  <p:clrMapOvr>
+    <a:masterClrMapping/>
+  </p:clrMapOvr>
+</p:sld>
+</file>
+
+<file path=ppt/slides/slide49.xml><?xml version="1.0" encoding="utf-8"?>
+<p:sld xmlns:a="http://schemas.openxmlformats.org/drawingml/2006/main" xmlns:r="http://schemas.openxmlformats.org/officeDocument/2006/relationships" xmlns:p="http://schemas.openxmlformats.org/presentationml/2006/main">
+  <p:cSld>
+    <p:spTree>
+      <p:nvGrpSpPr>
+        <p:cNvPr id="1" name=""/>
+        <p:cNvGrpSpPr/>
+        <p:nvPr/>
+      </p:nvGrpSpPr>
+      <p:grpSpPr>
+        <a:xfrm>
+          <a:off x="0" y="0"/>
+          <a:ext cx="0" cy="0"/>
+          <a:chOff x="0" y="0"/>
+          <a:chExt cx="0" cy="0"/>
+        </a:xfrm>
+      </p:grpSpPr>
+      <p:sp>
+        <p:nvSpPr>
+          <p:cNvPr id="2" name="タイトル 1">
+            <a:extLst>
+              <a:ext uri="{FF2B5EF4-FFF2-40B4-BE49-F238E27FC236}">
                 <a16:creationId xmlns:a16="http://schemas.microsoft.com/office/drawing/2014/main" id="{8FFD2DF9-F802-CB4A-8FDC-1DBC0B21EA23}"/>
               </a:ext>
             </a:extLst>
@@ -24111,1385 +24196,6 @@
 </p:sld>
 </file>
 
-<file path=ppt/slides/slide49.xml><?xml version="1.0" encoding="utf-8"?>
-<p:sld xmlns:a="http://schemas.openxmlformats.org/drawingml/2006/main" xmlns:r="http://schemas.openxmlformats.org/officeDocument/2006/relationships" xmlns:p="http://schemas.openxmlformats.org/presentationml/2006/main">
-  <p:cSld>
-    <p:spTree>
-      <p:nvGrpSpPr>
-        <p:cNvPr id="1" name=""/>
-        <p:cNvGrpSpPr/>
-        <p:nvPr/>
-      </p:nvGrpSpPr>
-      <p:grpSpPr>
-        <a:xfrm>
-          <a:off x="0" y="0"/>
-          <a:ext cx="0" cy="0"/>
-          <a:chOff x="0" y="0"/>
-          <a:chExt cx="0" cy="0"/>
-        </a:xfrm>
-      </p:grpSpPr>
-      <p:sp>
-        <p:nvSpPr>
-          <p:cNvPr id="2" name="タイトル 1">
-            <a:extLst>
-              <a:ext uri="{FF2B5EF4-FFF2-40B4-BE49-F238E27FC236}">
-                <a16:creationId xmlns:a16="http://schemas.microsoft.com/office/drawing/2014/main" id="{8F4A7623-2617-7E47-93EA-15A7188AB806}"/>
-              </a:ext>
-            </a:extLst>
-          </p:cNvPr>
-          <p:cNvSpPr>
-            <a:spLocks noGrp="1"/>
-          </p:cNvSpPr>
-          <p:nvPr>
-            <p:ph type="title"/>
-          </p:nvPr>
-        </p:nvSpPr>
-        <p:spPr/>
-        <p:txBody>
-          <a:bodyPr>
-            <a:normAutofit/>
-          </a:bodyPr>
-          <a:lstStyle/>
-          <a:p>
-            <a:r>
-              <a:rPr lang="en" altLang="ja-JP" dirty="0"/>
-              <a:t>placing </a:t>
-            </a:r>
-            <a:r>
-              <a:rPr lang="en-US" altLang="ja-JP" dirty="0"/>
-              <a:t>same</a:t>
-            </a:r>
-            <a:r>
-              <a:rPr lang="en" altLang="ja-JP" dirty="0"/>
-              <a:t> orders by port closer together</a:t>
-            </a:r>
-            <a:endParaRPr kumimoji="1" lang="ja-JP" altLang="en-US"/>
-          </a:p>
-        </p:txBody>
-      </p:sp>
-      <p:sp>
-        <p:nvSpPr>
-          <p:cNvPr id="3" name="コンテンツ プレースホルダー 2">
-            <a:extLst>
-              <a:ext uri="{FF2B5EF4-FFF2-40B4-BE49-F238E27FC236}">
-                <a16:creationId xmlns:a16="http://schemas.microsoft.com/office/drawing/2014/main" id="{2BE70447-34B2-A141-9D69-FF1462A54041}"/>
-              </a:ext>
-            </a:extLst>
-          </p:cNvPr>
-          <p:cNvSpPr>
-            <a:spLocks noGrp="1"/>
-          </p:cNvSpPr>
-          <p:nvPr>
-            <p:ph idx="1"/>
-          </p:nvPr>
-        </p:nvSpPr>
-        <p:spPr>
-          <a:xfrm>
-            <a:off x="2589212" y="1928665"/>
-            <a:ext cx="8915400" cy="3777622"/>
-          </a:xfrm>
-        </p:spPr>
-        <p:txBody>
-          <a:bodyPr>
-            <a:normAutofit/>
-          </a:bodyPr>
-          <a:lstStyle/>
-          <a:p>
-            <a:r>
-              <a:rPr kumimoji="1" lang="en-US" altLang="ja-JP" sz="2400" dirty="0"/>
-              <a:t>As </a:t>
-            </a:r>
-            <a:r>
-              <a:rPr lang="en-US" altLang="ja-JP" sz="2400" dirty="0"/>
-              <a:t>pair of adjacent holds, we consider two patterns</a:t>
-            </a:r>
-          </a:p>
-          <a:p>
-            <a:pPr lvl="1"/>
-            <a:r>
-              <a:rPr kumimoji="1" lang="en-US" altLang="ja-JP" sz="2000" dirty="0"/>
-              <a:t>Adjacent hold to the other</a:t>
-            </a:r>
-          </a:p>
-          <a:p>
-            <a:pPr lvl="1"/>
-            <a:r>
-              <a:rPr lang="en-US" altLang="ja-JP" sz="2000" dirty="0"/>
-              <a:t>Holds connected with a slope</a:t>
-            </a:r>
-          </a:p>
-          <a:p>
-            <a:r>
-              <a:rPr kumimoji="1" lang="en-US" altLang="ja-JP" sz="2400" dirty="0"/>
-              <a:t>We calculate the penalty for both loading ports and destination port</a:t>
-            </a:r>
-            <a:endParaRPr kumimoji="1" lang="ja-JP" altLang="en-US" sz="2400"/>
-          </a:p>
-        </p:txBody>
-      </p:sp>
-      <p:sp>
-        <p:nvSpPr>
-          <p:cNvPr id="4" name="正方形/長方形 3">
-            <a:extLst>
-              <a:ext uri="{FF2B5EF4-FFF2-40B4-BE49-F238E27FC236}">
-                <a16:creationId xmlns:a16="http://schemas.microsoft.com/office/drawing/2014/main" id="{4BE5591A-E27D-BD47-962A-63C89E7F0AC1}"/>
-              </a:ext>
-            </a:extLst>
-          </p:cNvPr>
-          <p:cNvSpPr/>
-          <p:nvPr/>
-        </p:nvSpPr>
-        <p:spPr>
-          <a:xfrm>
-            <a:off x="4911366" y="4488875"/>
-            <a:ext cx="668741" cy="627797"/>
-          </a:xfrm>
-          <a:prstGeom prst="rect">
-            <a:avLst/>
-          </a:prstGeom>
-          <a:solidFill>
-            <a:srgbClr val="00B0F0"/>
-          </a:solidFill>
-        </p:spPr>
-        <p:style>
-          <a:lnRef idx="2">
-            <a:schemeClr val="accent1">
-              <a:shade val="50000"/>
-            </a:schemeClr>
-          </a:lnRef>
-          <a:fillRef idx="1">
-            <a:schemeClr val="accent1"/>
-          </a:fillRef>
-          <a:effectRef idx="0">
-            <a:schemeClr val="accent1"/>
-          </a:effectRef>
-          <a:fontRef idx="minor">
-            <a:schemeClr val="lt1"/>
-          </a:fontRef>
-        </p:style>
-        <p:txBody>
-          <a:bodyPr rtlCol="0" anchor="ctr"/>
-          <a:lstStyle/>
-          <a:p>
-            <a:pPr algn="ctr"/>
-            <a:endParaRPr kumimoji="1" lang="ja-JP" altLang="en-US"/>
-          </a:p>
-        </p:txBody>
-      </p:sp>
-      <p:sp>
-        <p:nvSpPr>
-          <p:cNvPr id="5" name="正方形/長方形 4">
-            <a:extLst>
-              <a:ext uri="{FF2B5EF4-FFF2-40B4-BE49-F238E27FC236}">
-                <a16:creationId xmlns:a16="http://schemas.microsoft.com/office/drawing/2014/main" id="{BDC2B0AC-0E7A-074F-9CD7-977AE238DDB4}"/>
-              </a:ext>
-            </a:extLst>
-          </p:cNvPr>
-          <p:cNvSpPr/>
-          <p:nvPr/>
-        </p:nvSpPr>
-        <p:spPr>
-          <a:xfrm>
-            <a:off x="4247515" y="4488875"/>
-            <a:ext cx="668741" cy="627797"/>
-          </a:xfrm>
-          <a:prstGeom prst="rect">
-            <a:avLst/>
-          </a:prstGeom>
-          <a:solidFill>
-            <a:srgbClr val="00B0F0"/>
-          </a:solidFill>
-        </p:spPr>
-        <p:style>
-          <a:lnRef idx="2">
-            <a:schemeClr val="accent1">
-              <a:shade val="50000"/>
-            </a:schemeClr>
-          </a:lnRef>
-          <a:fillRef idx="1">
-            <a:schemeClr val="accent1"/>
-          </a:fillRef>
-          <a:effectRef idx="0">
-            <a:schemeClr val="accent1"/>
-          </a:effectRef>
-          <a:fontRef idx="minor">
-            <a:schemeClr val="lt1"/>
-          </a:fontRef>
-        </p:style>
-        <p:txBody>
-          <a:bodyPr rtlCol="0" anchor="ctr"/>
-          <a:lstStyle/>
-          <a:p>
-            <a:pPr algn="ctr"/>
-            <a:endParaRPr kumimoji="1" lang="ja-JP" altLang="en-US"/>
-          </a:p>
-        </p:txBody>
-      </p:sp>
-      <p:sp>
-        <p:nvSpPr>
-          <p:cNvPr id="6" name="正方形/長方形 5">
-            <a:extLst>
-              <a:ext uri="{FF2B5EF4-FFF2-40B4-BE49-F238E27FC236}">
-                <a16:creationId xmlns:a16="http://schemas.microsoft.com/office/drawing/2014/main" id="{3EB3BB6E-2B41-5D4E-8311-D40F98DED2AC}"/>
-              </a:ext>
-            </a:extLst>
-          </p:cNvPr>
-          <p:cNvSpPr/>
-          <p:nvPr/>
-        </p:nvSpPr>
-        <p:spPr>
-          <a:xfrm>
-            <a:off x="3601746" y="4484325"/>
-            <a:ext cx="668741" cy="627797"/>
-          </a:xfrm>
-          <a:prstGeom prst="rect">
-            <a:avLst/>
-          </a:prstGeom>
-          <a:solidFill>
-            <a:srgbClr val="00B0F0"/>
-          </a:solidFill>
-        </p:spPr>
-        <p:style>
-          <a:lnRef idx="2">
-            <a:schemeClr val="accent1">
-              <a:shade val="50000"/>
-            </a:schemeClr>
-          </a:lnRef>
-          <a:fillRef idx="1">
-            <a:schemeClr val="accent1"/>
-          </a:fillRef>
-          <a:effectRef idx="0">
-            <a:schemeClr val="accent1"/>
-          </a:effectRef>
-          <a:fontRef idx="minor">
-            <a:schemeClr val="lt1"/>
-          </a:fontRef>
-        </p:style>
-        <p:txBody>
-          <a:bodyPr rtlCol="0" anchor="ctr"/>
-          <a:lstStyle/>
-          <a:p>
-            <a:pPr algn="ctr"/>
-            <a:endParaRPr kumimoji="1" lang="ja-JP" altLang="en-US"/>
-          </a:p>
-        </p:txBody>
-      </p:sp>
-      <p:sp>
-        <p:nvSpPr>
-          <p:cNvPr id="7" name="正方形/長方形 6">
-            <a:extLst>
-              <a:ext uri="{FF2B5EF4-FFF2-40B4-BE49-F238E27FC236}">
-                <a16:creationId xmlns:a16="http://schemas.microsoft.com/office/drawing/2014/main" id="{10E67929-C7BF-1443-B3A8-3C21F3AC1AF9}"/>
-              </a:ext>
-            </a:extLst>
-          </p:cNvPr>
-          <p:cNvSpPr/>
-          <p:nvPr/>
-        </p:nvSpPr>
-        <p:spPr>
-          <a:xfrm>
-            <a:off x="3601745" y="5124519"/>
-            <a:ext cx="668741" cy="627797"/>
-          </a:xfrm>
-          <a:prstGeom prst="rect">
-            <a:avLst/>
-          </a:prstGeom>
-          <a:solidFill>
-            <a:srgbClr val="00B0F0"/>
-          </a:solidFill>
-        </p:spPr>
-        <p:style>
-          <a:lnRef idx="2">
-            <a:schemeClr val="accent1">
-              <a:shade val="50000"/>
-            </a:schemeClr>
-          </a:lnRef>
-          <a:fillRef idx="1">
-            <a:schemeClr val="accent1"/>
-          </a:fillRef>
-          <a:effectRef idx="0">
-            <a:schemeClr val="accent1"/>
-          </a:effectRef>
-          <a:fontRef idx="minor">
-            <a:schemeClr val="lt1"/>
-          </a:fontRef>
-        </p:style>
-        <p:txBody>
-          <a:bodyPr rtlCol="0" anchor="ctr"/>
-          <a:lstStyle/>
-          <a:p>
-            <a:pPr algn="ctr"/>
-            <a:endParaRPr kumimoji="1" lang="ja-JP" altLang="en-US"/>
-          </a:p>
-        </p:txBody>
-      </p:sp>
-      <p:sp>
-        <p:nvSpPr>
-          <p:cNvPr id="8" name="正方形/長方形 7">
-            <a:extLst>
-              <a:ext uri="{FF2B5EF4-FFF2-40B4-BE49-F238E27FC236}">
-                <a16:creationId xmlns:a16="http://schemas.microsoft.com/office/drawing/2014/main" id="{7962B9A6-CB27-4249-A9CB-D86CF1655FE7}"/>
-              </a:ext>
-            </a:extLst>
-          </p:cNvPr>
-          <p:cNvSpPr/>
-          <p:nvPr/>
-        </p:nvSpPr>
-        <p:spPr>
-          <a:xfrm>
-            <a:off x="4259985" y="5116672"/>
-            <a:ext cx="668741" cy="627797"/>
-          </a:xfrm>
-          <a:prstGeom prst="rect">
-            <a:avLst/>
-          </a:prstGeom>
-          <a:solidFill>
-            <a:srgbClr val="92D050"/>
-          </a:solidFill>
-        </p:spPr>
-        <p:style>
-          <a:lnRef idx="2">
-            <a:schemeClr val="accent1">
-              <a:shade val="50000"/>
-            </a:schemeClr>
-          </a:lnRef>
-          <a:fillRef idx="1">
-            <a:schemeClr val="accent1"/>
-          </a:fillRef>
-          <a:effectRef idx="0">
-            <a:schemeClr val="accent1"/>
-          </a:effectRef>
-          <a:fontRef idx="minor">
-            <a:schemeClr val="lt1"/>
-          </a:fontRef>
-        </p:style>
-        <p:txBody>
-          <a:bodyPr rtlCol="0" anchor="ctr"/>
-          <a:lstStyle/>
-          <a:p>
-            <a:pPr algn="ctr"/>
-            <a:endParaRPr kumimoji="1" lang="ja-JP" altLang="en-US"/>
-          </a:p>
-        </p:txBody>
-      </p:sp>
-      <p:sp>
-        <p:nvSpPr>
-          <p:cNvPr id="9" name="正方形/長方形 8">
-            <a:extLst>
-              <a:ext uri="{FF2B5EF4-FFF2-40B4-BE49-F238E27FC236}">
-                <a16:creationId xmlns:a16="http://schemas.microsoft.com/office/drawing/2014/main" id="{A54AEF62-6412-0A41-8C4E-609FB88AF903}"/>
-              </a:ext>
-            </a:extLst>
-          </p:cNvPr>
-          <p:cNvSpPr/>
-          <p:nvPr/>
-        </p:nvSpPr>
-        <p:spPr>
-          <a:xfrm>
-            <a:off x="4916256" y="5125771"/>
-            <a:ext cx="668741" cy="627797"/>
-          </a:xfrm>
-          <a:prstGeom prst="rect">
-            <a:avLst/>
-          </a:prstGeom>
-          <a:solidFill>
-            <a:srgbClr val="92D050"/>
-          </a:solidFill>
-        </p:spPr>
-        <p:style>
-          <a:lnRef idx="2">
-            <a:schemeClr val="accent1">
-              <a:shade val="50000"/>
-            </a:schemeClr>
-          </a:lnRef>
-          <a:fillRef idx="1">
-            <a:schemeClr val="accent1"/>
-          </a:fillRef>
-          <a:effectRef idx="0">
-            <a:schemeClr val="accent1"/>
-          </a:effectRef>
-          <a:fontRef idx="minor">
-            <a:schemeClr val="lt1"/>
-          </a:fontRef>
-        </p:style>
-        <p:txBody>
-          <a:bodyPr rtlCol="0" anchor="ctr"/>
-          <a:lstStyle/>
-          <a:p>
-            <a:pPr algn="ctr"/>
-            <a:endParaRPr kumimoji="1" lang="ja-JP" altLang="en-US"/>
-          </a:p>
-        </p:txBody>
-      </p:sp>
-      <p:sp>
-        <p:nvSpPr>
-          <p:cNvPr id="10" name="正方形/長方形 9">
-            <a:extLst>
-              <a:ext uri="{FF2B5EF4-FFF2-40B4-BE49-F238E27FC236}">
-                <a16:creationId xmlns:a16="http://schemas.microsoft.com/office/drawing/2014/main" id="{9B02E6CA-7313-D949-9779-E452182B9F4C}"/>
-              </a:ext>
-            </a:extLst>
-          </p:cNvPr>
-          <p:cNvSpPr/>
-          <p:nvPr/>
-        </p:nvSpPr>
-        <p:spPr>
-          <a:xfrm>
-            <a:off x="4911366" y="5760164"/>
-            <a:ext cx="668741" cy="627797"/>
-          </a:xfrm>
-          <a:prstGeom prst="rect">
-            <a:avLst/>
-          </a:prstGeom>
-          <a:solidFill>
-            <a:srgbClr val="92D050"/>
-          </a:solidFill>
-        </p:spPr>
-        <p:style>
-          <a:lnRef idx="2">
-            <a:schemeClr val="accent1">
-              <a:shade val="50000"/>
-            </a:schemeClr>
-          </a:lnRef>
-          <a:fillRef idx="1">
-            <a:schemeClr val="accent1"/>
-          </a:fillRef>
-          <a:effectRef idx="0">
-            <a:schemeClr val="accent1"/>
-          </a:effectRef>
-          <a:fontRef idx="minor">
-            <a:schemeClr val="lt1"/>
-          </a:fontRef>
-        </p:style>
-        <p:txBody>
-          <a:bodyPr rtlCol="0" anchor="ctr"/>
-          <a:lstStyle/>
-          <a:p>
-            <a:pPr algn="ctr"/>
-            <a:endParaRPr kumimoji="1" lang="ja-JP" altLang="en-US"/>
-          </a:p>
-        </p:txBody>
-      </p:sp>
-      <p:sp>
-        <p:nvSpPr>
-          <p:cNvPr id="11" name="正方形/長方形 10">
-            <a:extLst>
-              <a:ext uri="{FF2B5EF4-FFF2-40B4-BE49-F238E27FC236}">
-                <a16:creationId xmlns:a16="http://schemas.microsoft.com/office/drawing/2014/main" id="{1AB95A08-370B-3744-8162-321FBBC758A1}"/>
-              </a:ext>
-            </a:extLst>
-          </p:cNvPr>
-          <p:cNvSpPr/>
-          <p:nvPr/>
-        </p:nvSpPr>
-        <p:spPr>
-          <a:xfrm>
-            <a:off x="3601744" y="5744469"/>
-            <a:ext cx="668741" cy="627797"/>
-          </a:xfrm>
-          <a:prstGeom prst="rect">
-            <a:avLst/>
-          </a:prstGeom>
-          <a:solidFill>
-            <a:srgbClr val="FFC000"/>
-          </a:solidFill>
-        </p:spPr>
-        <p:style>
-          <a:lnRef idx="2">
-            <a:schemeClr val="accent1">
-              <a:shade val="50000"/>
-            </a:schemeClr>
-          </a:lnRef>
-          <a:fillRef idx="1">
-            <a:schemeClr val="accent1"/>
-          </a:fillRef>
-          <a:effectRef idx="0">
-            <a:schemeClr val="accent1"/>
-          </a:effectRef>
-          <a:fontRef idx="minor">
-            <a:schemeClr val="lt1"/>
-          </a:fontRef>
-        </p:style>
-        <p:txBody>
-          <a:bodyPr rtlCol="0" anchor="ctr"/>
-          <a:lstStyle/>
-          <a:p>
-            <a:pPr algn="ctr"/>
-            <a:endParaRPr kumimoji="1" lang="ja-JP" altLang="en-US"/>
-          </a:p>
-        </p:txBody>
-      </p:sp>
-      <p:sp>
-        <p:nvSpPr>
-          <p:cNvPr id="12" name="正方形/長方形 11">
-            <a:extLst>
-              <a:ext uri="{FF2B5EF4-FFF2-40B4-BE49-F238E27FC236}">
-                <a16:creationId xmlns:a16="http://schemas.microsoft.com/office/drawing/2014/main" id="{EC5CB7D3-DF38-7749-84F0-629F9C5839DB}"/>
-              </a:ext>
-            </a:extLst>
-          </p:cNvPr>
-          <p:cNvSpPr/>
-          <p:nvPr/>
-        </p:nvSpPr>
-        <p:spPr>
-          <a:xfrm>
-            <a:off x="4257177" y="5751065"/>
-            <a:ext cx="668741" cy="627797"/>
-          </a:xfrm>
-          <a:prstGeom prst="rect">
-            <a:avLst/>
-          </a:prstGeom>
-          <a:solidFill>
-            <a:srgbClr val="FFC000"/>
-          </a:solidFill>
-        </p:spPr>
-        <p:style>
-          <a:lnRef idx="2">
-            <a:schemeClr val="accent1">
-              <a:shade val="50000"/>
-            </a:schemeClr>
-          </a:lnRef>
-          <a:fillRef idx="1">
-            <a:schemeClr val="accent1"/>
-          </a:fillRef>
-          <a:effectRef idx="0">
-            <a:schemeClr val="accent1"/>
-          </a:effectRef>
-          <a:fontRef idx="minor">
-            <a:schemeClr val="lt1"/>
-          </a:fontRef>
-        </p:style>
-        <p:txBody>
-          <a:bodyPr rtlCol="0" anchor="ctr"/>
-          <a:lstStyle/>
-          <a:p>
-            <a:pPr algn="ctr"/>
-            <a:endParaRPr kumimoji="1" lang="ja-JP" altLang="en-US"/>
-          </a:p>
-        </p:txBody>
-      </p:sp>
-      <p:sp>
-        <p:nvSpPr>
-          <p:cNvPr id="13" name="正方形/長方形 12">
-            <a:extLst>
-              <a:ext uri="{FF2B5EF4-FFF2-40B4-BE49-F238E27FC236}">
-                <a16:creationId xmlns:a16="http://schemas.microsoft.com/office/drawing/2014/main" id="{5C065FAB-01E3-9743-A9D6-CF403A3707BE}"/>
-              </a:ext>
-            </a:extLst>
-          </p:cNvPr>
-          <p:cNvSpPr/>
-          <p:nvPr/>
-        </p:nvSpPr>
-        <p:spPr>
-          <a:xfrm>
-            <a:off x="8825933" y="4484325"/>
-            <a:ext cx="668741" cy="627797"/>
-          </a:xfrm>
-          <a:prstGeom prst="rect">
-            <a:avLst/>
-          </a:prstGeom>
-          <a:solidFill>
-            <a:srgbClr val="00B0F0"/>
-          </a:solidFill>
-        </p:spPr>
-        <p:style>
-          <a:lnRef idx="2">
-            <a:schemeClr val="accent1">
-              <a:shade val="50000"/>
-            </a:schemeClr>
-          </a:lnRef>
-          <a:fillRef idx="1">
-            <a:schemeClr val="accent1"/>
-          </a:fillRef>
-          <a:effectRef idx="0">
-            <a:schemeClr val="accent1"/>
-          </a:effectRef>
-          <a:fontRef idx="minor">
-            <a:schemeClr val="lt1"/>
-          </a:fontRef>
-        </p:style>
-        <p:txBody>
-          <a:bodyPr rtlCol="0" anchor="ctr"/>
-          <a:lstStyle/>
-          <a:p>
-            <a:pPr algn="ctr"/>
-            <a:endParaRPr kumimoji="1" lang="ja-JP" altLang="en-US"/>
-          </a:p>
-        </p:txBody>
-      </p:sp>
-      <p:sp>
-        <p:nvSpPr>
-          <p:cNvPr id="14" name="正方形/長方形 13">
-            <a:extLst>
-              <a:ext uri="{FF2B5EF4-FFF2-40B4-BE49-F238E27FC236}">
-                <a16:creationId xmlns:a16="http://schemas.microsoft.com/office/drawing/2014/main" id="{0DAB8177-1BF4-594F-8721-9A86FA4D21DD}"/>
-              </a:ext>
-            </a:extLst>
-          </p:cNvPr>
-          <p:cNvSpPr/>
-          <p:nvPr/>
-        </p:nvSpPr>
-        <p:spPr>
-          <a:xfrm>
-            <a:off x="8159970" y="4484325"/>
-            <a:ext cx="668741" cy="627797"/>
-          </a:xfrm>
-          <a:prstGeom prst="rect">
-            <a:avLst/>
-          </a:prstGeom>
-          <a:solidFill>
-            <a:srgbClr val="92D050"/>
-          </a:solidFill>
-        </p:spPr>
-        <p:style>
-          <a:lnRef idx="2">
-            <a:schemeClr val="accent1">
-              <a:shade val="50000"/>
-            </a:schemeClr>
-          </a:lnRef>
-          <a:fillRef idx="1">
-            <a:schemeClr val="accent1"/>
-          </a:fillRef>
-          <a:effectRef idx="0">
-            <a:schemeClr val="accent1"/>
-          </a:effectRef>
-          <a:fontRef idx="minor">
-            <a:schemeClr val="lt1"/>
-          </a:fontRef>
-        </p:style>
-        <p:txBody>
-          <a:bodyPr rtlCol="0" anchor="ctr"/>
-          <a:lstStyle/>
-          <a:p>
-            <a:pPr algn="ctr"/>
-            <a:endParaRPr kumimoji="1" lang="ja-JP" altLang="en-US"/>
-          </a:p>
-        </p:txBody>
-      </p:sp>
-      <p:sp>
-        <p:nvSpPr>
-          <p:cNvPr id="15" name="正方形/長方形 14">
-            <a:extLst>
-              <a:ext uri="{FF2B5EF4-FFF2-40B4-BE49-F238E27FC236}">
-                <a16:creationId xmlns:a16="http://schemas.microsoft.com/office/drawing/2014/main" id="{64AF218B-33AD-BE4D-A6EF-13B232AF5BDC}"/>
-              </a:ext>
-            </a:extLst>
-          </p:cNvPr>
-          <p:cNvSpPr/>
-          <p:nvPr/>
-        </p:nvSpPr>
-        <p:spPr>
-          <a:xfrm>
-            <a:off x="7490664" y="4485658"/>
-            <a:ext cx="668741" cy="627797"/>
-          </a:xfrm>
-          <a:prstGeom prst="rect">
-            <a:avLst/>
-          </a:prstGeom>
-          <a:solidFill>
-            <a:srgbClr val="00B0F0"/>
-          </a:solidFill>
-        </p:spPr>
-        <p:style>
-          <a:lnRef idx="2">
-            <a:schemeClr val="accent1">
-              <a:shade val="50000"/>
-            </a:schemeClr>
-          </a:lnRef>
-          <a:fillRef idx="1">
-            <a:schemeClr val="accent1"/>
-          </a:fillRef>
-          <a:effectRef idx="0">
-            <a:schemeClr val="accent1"/>
-          </a:effectRef>
-          <a:fontRef idx="minor">
-            <a:schemeClr val="lt1"/>
-          </a:fontRef>
-        </p:style>
-        <p:txBody>
-          <a:bodyPr rtlCol="0" anchor="ctr"/>
-          <a:lstStyle/>
-          <a:p>
-            <a:pPr algn="ctr"/>
-            <a:endParaRPr kumimoji="1" lang="ja-JP" altLang="en-US"/>
-          </a:p>
-        </p:txBody>
-      </p:sp>
-      <p:sp>
-        <p:nvSpPr>
-          <p:cNvPr id="16" name="正方形/長方形 15">
-            <a:extLst>
-              <a:ext uri="{FF2B5EF4-FFF2-40B4-BE49-F238E27FC236}">
-                <a16:creationId xmlns:a16="http://schemas.microsoft.com/office/drawing/2014/main" id="{9B12E895-5784-FE4B-9359-B2961C2E67FB}"/>
-              </a:ext>
-            </a:extLst>
-          </p:cNvPr>
-          <p:cNvSpPr/>
-          <p:nvPr/>
-        </p:nvSpPr>
-        <p:spPr>
-          <a:xfrm>
-            <a:off x="7485659" y="5104356"/>
-            <a:ext cx="668741" cy="627797"/>
-          </a:xfrm>
-          <a:prstGeom prst="rect">
-            <a:avLst/>
-          </a:prstGeom>
-          <a:solidFill>
-            <a:srgbClr val="92D050"/>
-          </a:solidFill>
-        </p:spPr>
-        <p:style>
-          <a:lnRef idx="2">
-            <a:schemeClr val="accent1">
-              <a:shade val="50000"/>
-            </a:schemeClr>
-          </a:lnRef>
-          <a:fillRef idx="1">
-            <a:schemeClr val="accent1"/>
-          </a:fillRef>
-          <a:effectRef idx="0">
-            <a:schemeClr val="accent1"/>
-          </a:effectRef>
-          <a:fontRef idx="minor">
-            <a:schemeClr val="lt1"/>
-          </a:fontRef>
-        </p:style>
-        <p:txBody>
-          <a:bodyPr rtlCol="0" anchor="ctr"/>
-          <a:lstStyle/>
-          <a:p>
-            <a:pPr algn="ctr"/>
-            <a:endParaRPr kumimoji="1" lang="ja-JP" altLang="en-US"/>
-          </a:p>
-        </p:txBody>
-      </p:sp>
-      <p:sp>
-        <p:nvSpPr>
-          <p:cNvPr id="17" name="正方形/長方形 16">
-            <a:extLst>
-              <a:ext uri="{FF2B5EF4-FFF2-40B4-BE49-F238E27FC236}">
-                <a16:creationId xmlns:a16="http://schemas.microsoft.com/office/drawing/2014/main" id="{B2EEC8E6-7BBE-ED43-A65E-AF3DFFEF3EB9}"/>
-              </a:ext>
-            </a:extLst>
-          </p:cNvPr>
-          <p:cNvSpPr/>
-          <p:nvPr/>
-        </p:nvSpPr>
-        <p:spPr>
-          <a:xfrm>
-            <a:off x="8155080" y="5113455"/>
-            <a:ext cx="668741" cy="627797"/>
-          </a:xfrm>
-          <a:prstGeom prst="rect">
-            <a:avLst/>
-          </a:prstGeom>
-          <a:solidFill>
-            <a:srgbClr val="FFC000"/>
-          </a:solidFill>
-        </p:spPr>
-        <p:style>
-          <a:lnRef idx="2">
-            <a:schemeClr val="accent1">
-              <a:shade val="50000"/>
-            </a:schemeClr>
-          </a:lnRef>
-          <a:fillRef idx="1">
-            <a:schemeClr val="accent1"/>
-          </a:fillRef>
-          <a:effectRef idx="0">
-            <a:schemeClr val="accent1"/>
-          </a:effectRef>
-          <a:fontRef idx="minor">
-            <a:schemeClr val="lt1"/>
-          </a:fontRef>
-        </p:style>
-        <p:txBody>
-          <a:bodyPr rtlCol="0" anchor="ctr"/>
-          <a:lstStyle/>
-          <a:p>
-            <a:pPr algn="ctr"/>
-            <a:endParaRPr kumimoji="1" lang="ja-JP" altLang="en-US"/>
-          </a:p>
-        </p:txBody>
-      </p:sp>
-      <p:sp>
-        <p:nvSpPr>
-          <p:cNvPr id="18" name="正方形/長方形 17">
-            <a:extLst>
-              <a:ext uri="{FF2B5EF4-FFF2-40B4-BE49-F238E27FC236}">
-                <a16:creationId xmlns:a16="http://schemas.microsoft.com/office/drawing/2014/main" id="{C0824BA0-2624-7B48-99F9-D1A231970538}"/>
-              </a:ext>
-            </a:extLst>
-          </p:cNvPr>
-          <p:cNvSpPr/>
-          <p:nvPr/>
-        </p:nvSpPr>
-        <p:spPr>
-          <a:xfrm>
-            <a:off x="8829963" y="5095257"/>
-            <a:ext cx="668741" cy="627797"/>
-          </a:xfrm>
-          <a:prstGeom prst="rect">
-            <a:avLst/>
-          </a:prstGeom>
-          <a:solidFill>
-            <a:srgbClr val="92D050"/>
-          </a:solidFill>
-        </p:spPr>
-        <p:style>
-          <a:lnRef idx="2">
-            <a:schemeClr val="accent1">
-              <a:shade val="50000"/>
-            </a:schemeClr>
-          </a:lnRef>
-          <a:fillRef idx="1">
-            <a:schemeClr val="accent1"/>
-          </a:fillRef>
-          <a:effectRef idx="0">
-            <a:schemeClr val="accent1"/>
-          </a:effectRef>
-          <a:fontRef idx="minor">
-            <a:schemeClr val="lt1"/>
-          </a:fontRef>
-        </p:style>
-        <p:txBody>
-          <a:bodyPr rtlCol="0" anchor="ctr"/>
-          <a:lstStyle/>
-          <a:p>
-            <a:pPr algn="ctr"/>
-            <a:endParaRPr kumimoji="1" lang="ja-JP" altLang="en-US"/>
-          </a:p>
-        </p:txBody>
-      </p:sp>
-      <p:sp>
-        <p:nvSpPr>
-          <p:cNvPr id="19" name="正方形/長方形 18">
-            <a:extLst>
-              <a:ext uri="{FF2B5EF4-FFF2-40B4-BE49-F238E27FC236}">
-                <a16:creationId xmlns:a16="http://schemas.microsoft.com/office/drawing/2014/main" id="{D881592E-2AB0-7A40-82D2-980CC727A520}"/>
-              </a:ext>
-            </a:extLst>
-          </p:cNvPr>
-          <p:cNvSpPr/>
-          <p:nvPr/>
-        </p:nvSpPr>
-        <p:spPr>
-          <a:xfrm>
-            <a:off x="8825932" y="5732153"/>
-            <a:ext cx="668741" cy="627797"/>
-          </a:xfrm>
-          <a:prstGeom prst="rect">
-            <a:avLst/>
-          </a:prstGeom>
-          <a:solidFill>
-            <a:srgbClr val="00B0F0"/>
-          </a:solidFill>
-        </p:spPr>
-        <p:style>
-          <a:lnRef idx="2">
-            <a:schemeClr val="accent1">
-              <a:shade val="50000"/>
-            </a:schemeClr>
-          </a:lnRef>
-          <a:fillRef idx="1">
-            <a:schemeClr val="accent1"/>
-          </a:fillRef>
-          <a:effectRef idx="0">
-            <a:schemeClr val="accent1"/>
-          </a:effectRef>
-          <a:fontRef idx="minor">
-            <a:schemeClr val="lt1"/>
-          </a:fontRef>
-        </p:style>
-        <p:txBody>
-          <a:bodyPr rtlCol="0" anchor="ctr"/>
-          <a:lstStyle/>
-          <a:p>
-            <a:pPr algn="ctr"/>
-            <a:endParaRPr kumimoji="1" lang="ja-JP" altLang="en-US"/>
-          </a:p>
-        </p:txBody>
-      </p:sp>
-      <p:sp>
-        <p:nvSpPr>
-          <p:cNvPr id="20" name="正方形/長方形 19">
-            <a:extLst>
-              <a:ext uri="{FF2B5EF4-FFF2-40B4-BE49-F238E27FC236}">
-                <a16:creationId xmlns:a16="http://schemas.microsoft.com/office/drawing/2014/main" id="{B0385AD5-ED2F-8345-AFDA-00F722891E98}"/>
-              </a:ext>
-            </a:extLst>
-          </p:cNvPr>
-          <p:cNvSpPr/>
-          <p:nvPr/>
-        </p:nvSpPr>
-        <p:spPr>
-          <a:xfrm>
-            <a:off x="7488655" y="5732153"/>
-            <a:ext cx="668741" cy="627797"/>
-          </a:xfrm>
-          <a:prstGeom prst="rect">
-            <a:avLst/>
-          </a:prstGeom>
-          <a:solidFill>
-            <a:srgbClr val="FFC000"/>
-          </a:solidFill>
-        </p:spPr>
-        <p:style>
-          <a:lnRef idx="2">
-            <a:schemeClr val="accent1">
-              <a:shade val="50000"/>
-            </a:schemeClr>
-          </a:lnRef>
-          <a:fillRef idx="1">
-            <a:schemeClr val="accent1"/>
-          </a:fillRef>
-          <a:effectRef idx="0">
-            <a:schemeClr val="accent1"/>
-          </a:effectRef>
-          <a:fontRef idx="minor">
-            <a:schemeClr val="lt1"/>
-          </a:fontRef>
-        </p:style>
-        <p:txBody>
-          <a:bodyPr rtlCol="0" anchor="ctr"/>
-          <a:lstStyle/>
-          <a:p>
-            <a:pPr algn="ctr"/>
-            <a:endParaRPr kumimoji="1" lang="ja-JP" altLang="en-US"/>
-          </a:p>
-        </p:txBody>
-      </p:sp>
-      <p:sp>
-        <p:nvSpPr>
-          <p:cNvPr id="21" name="正方形/長方形 20">
-            <a:extLst>
-              <a:ext uri="{FF2B5EF4-FFF2-40B4-BE49-F238E27FC236}">
-                <a16:creationId xmlns:a16="http://schemas.microsoft.com/office/drawing/2014/main" id="{24F0BAB0-8226-4047-A858-2389976041B3}"/>
-              </a:ext>
-            </a:extLst>
-          </p:cNvPr>
-          <p:cNvSpPr/>
-          <p:nvPr/>
-        </p:nvSpPr>
-        <p:spPr>
-          <a:xfrm>
-            <a:off x="8155080" y="5739919"/>
-            <a:ext cx="668741" cy="627797"/>
-          </a:xfrm>
-          <a:prstGeom prst="rect">
-            <a:avLst/>
-          </a:prstGeom>
-          <a:solidFill>
-            <a:srgbClr val="00B0F0"/>
-          </a:solidFill>
-        </p:spPr>
-        <p:style>
-          <a:lnRef idx="2">
-            <a:schemeClr val="accent1">
-              <a:shade val="50000"/>
-            </a:schemeClr>
-          </a:lnRef>
-          <a:fillRef idx="1">
-            <a:schemeClr val="accent1"/>
-          </a:fillRef>
-          <a:effectRef idx="0">
-            <a:schemeClr val="accent1"/>
-          </a:effectRef>
-          <a:fontRef idx="minor">
-            <a:schemeClr val="lt1"/>
-          </a:fontRef>
-        </p:style>
-        <p:txBody>
-          <a:bodyPr rtlCol="0" anchor="ctr"/>
-          <a:lstStyle/>
-          <a:p>
-            <a:pPr algn="ctr"/>
-            <a:endParaRPr kumimoji="1" lang="ja-JP" altLang="en-US"/>
-          </a:p>
-        </p:txBody>
-      </p:sp>
-      <p:cxnSp>
-        <p:nvCxnSpPr>
-          <p:cNvPr id="75" name="直線矢印コネクタ 74">
-            <a:extLst>
-              <a:ext uri="{FF2B5EF4-FFF2-40B4-BE49-F238E27FC236}">
-                <a16:creationId xmlns:a16="http://schemas.microsoft.com/office/drawing/2014/main" id="{9F20EA3A-D9B0-894F-8802-4C9E330DDDBE}"/>
-              </a:ext>
-            </a:extLst>
-          </p:cNvPr>
-          <p:cNvCxnSpPr/>
-          <p:nvPr/>
-        </p:nvCxnSpPr>
-        <p:spPr>
-          <a:xfrm>
-            <a:off x="3915969" y="4925909"/>
-            <a:ext cx="0" cy="354842"/>
-          </a:xfrm>
-          <a:prstGeom prst="straightConnector1">
-            <a:avLst/>
-          </a:prstGeom>
-          <a:ln>
-            <a:headEnd type="triangle"/>
-            <a:tailEnd type="triangle"/>
-          </a:ln>
-        </p:spPr>
-        <p:style>
-          <a:lnRef idx="1">
-            <a:schemeClr val="accent1"/>
-          </a:lnRef>
-          <a:fillRef idx="0">
-            <a:schemeClr val="accent1"/>
-          </a:fillRef>
-          <a:effectRef idx="0">
-            <a:schemeClr val="accent1"/>
-          </a:effectRef>
-          <a:fontRef idx="minor">
-            <a:schemeClr val="tx1"/>
-          </a:fontRef>
-        </p:style>
-      </p:cxnSp>
-      <p:cxnSp>
-        <p:nvCxnSpPr>
-          <p:cNvPr id="76" name="直線矢印コネクタ 75">
-            <a:extLst>
-              <a:ext uri="{FF2B5EF4-FFF2-40B4-BE49-F238E27FC236}">
-                <a16:creationId xmlns:a16="http://schemas.microsoft.com/office/drawing/2014/main" id="{B38BBFED-B25C-194B-A5D4-9579E34ABF0B}"/>
-              </a:ext>
-            </a:extLst>
-          </p:cNvPr>
-          <p:cNvCxnSpPr/>
-          <p:nvPr/>
-        </p:nvCxnSpPr>
-        <p:spPr>
-          <a:xfrm>
-            <a:off x="5296668" y="5582743"/>
-            <a:ext cx="0" cy="354842"/>
-          </a:xfrm>
-          <a:prstGeom prst="straightConnector1">
-            <a:avLst/>
-          </a:prstGeom>
-          <a:ln>
-            <a:headEnd type="triangle"/>
-            <a:tailEnd type="triangle"/>
-          </a:ln>
-        </p:spPr>
-        <p:style>
-          <a:lnRef idx="1">
-            <a:schemeClr val="accent1"/>
-          </a:lnRef>
-          <a:fillRef idx="0">
-            <a:schemeClr val="accent1"/>
-          </a:fillRef>
-          <a:effectRef idx="0">
-            <a:schemeClr val="accent1"/>
-          </a:effectRef>
-          <a:fontRef idx="minor">
-            <a:schemeClr val="tx1"/>
-          </a:fontRef>
-        </p:style>
-      </p:cxnSp>
-      <p:cxnSp>
-        <p:nvCxnSpPr>
-          <p:cNvPr id="77" name="直線矢印コネクタ 76">
-            <a:extLst>
-              <a:ext uri="{FF2B5EF4-FFF2-40B4-BE49-F238E27FC236}">
-                <a16:creationId xmlns:a16="http://schemas.microsoft.com/office/drawing/2014/main" id="{77920787-5877-8345-A6AA-A50FA6C413F0}"/>
-              </a:ext>
-            </a:extLst>
-          </p:cNvPr>
-          <p:cNvCxnSpPr/>
-          <p:nvPr/>
-        </p:nvCxnSpPr>
-        <p:spPr>
-          <a:xfrm>
-            <a:off x="7779482" y="4917836"/>
-            <a:ext cx="0" cy="354842"/>
-          </a:xfrm>
-          <a:prstGeom prst="straightConnector1">
-            <a:avLst/>
-          </a:prstGeom>
-          <a:ln>
-            <a:headEnd type="triangle"/>
-            <a:tailEnd type="triangle"/>
-          </a:ln>
-        </p:spPr>
-        <p:style>
-          <a:lnRef idx="1">
-            <a:schemeClr val="accent1"/>
-          </a:lnRef>
-          <a:fillRef idx="0">
-            <a:schemeClr val="accent1"/>
-          </a:fillRef>
-          <a:effectRef idx="0">
-            <a:schemeClr val="accent1"/>
-          </a:effectRef>
-          <a:fontRef idx="minor">
-            <a:schemeClr val="tx1"/>
-          </a:fontRef>
-        </p:style>
-      </p:cxnSp>
-      <p:cxnSp>
-        <p:nvCxnSpPr>
-          <p:cNvPr id="78" name="直線矢印コネクタ 77">
-            <a:extLst>
-              <a:ext uri="{FF2B5EF4-FFF2-40B4-BE49-F238E27FC236}">
-                <a16:creationId xmlns:a16="http://schemas.microsoft.com/office/drawing/2014/main" id="{CB00F6D0-E6CB-B640-BB2F-05E18D1DCFAE}"/>
-              </a:ext>
-            </a:extLst>
-          </p:cNvPr>
-          <p:cNvCxnSpPr/>
-          <p:nvPr/>
-        </p:nvCxnSpPr>
-        <p:spPr>
-          <a:xfrm>
-            <a:off x="9212497" y="5554732"/>
-            <a:ext cx="0" cy="354842"/>
-          </a:xfrm>
-          <a:prstGeom prst="straightConnector1">
-            <a:avLst/>
-          </a:prstGeom>
-          <a:ln>
-            <a:headEnd type="triangle"/>
-            <a:tailEnd type="triangle"/>
-          </a:ln>
-        </p:spPr>
-        <p:style>
-          <a:lnRef idx="1">
-            <a:schemeClr val="accent1"/>
-          </a:lnRef>
-          <a:fillRef idx="0">
-            <a:schemeClr val="accent1"/>
-          </a:fillRef>
-          <a:effectRef idx="0">
-            <a:schemeClr val="accent1"/>
-          </a:effectRef>
-          <a:fontRef idx="minor">
-            <a:schemeClr val="tx1"/>
-          </a:fontRef>
-        </p:style>
-      </p:cxnSp>
-      <p:sp>
-        <p:nvSpPr>
-          <p:cNvPr id="79" name="テキスト ボックス 78">
-            <a:extLst>
-              <a:ext uri="{FF2B5EF4-FFF2-40B4-BE49-F238E27FC236}">
-                <a16:creationId xmlns:a16="http://schemas.microsoft.com/office/drawing/2014/main" id="{AC7EF878-AFAC-9445-82C4-E9D06965DE70}"/>
-              </a:ext>
-            </a:extLst>
-          </p:cNvPr>
-          <p:cNvSpPr txBox="1"/>
-          <p:nvPr/>
-        </p:nvSpPr>
-        <p:spPr>
-          <a:xfrm>
-            <a:off x="5591139" y="4927495"/>
-            <a:ext cx="1505844" cy="646331"/>
-          </a:xfrm>
-          <a:prstGeom prst="rect">
-            <a:avLst/>
-          </a:prstGeom>
-          <a:noFill/>
-        </p:spPr>
-        <p:txBody>
-          <a:bodyPr wrap="square" rtlCol="0">
-            <a:spAutoFit/>
-          </a:bodyPr>
-          <a:lstStyle/>
-          <a:p>
-            <a:r>
-              <a:rPr lang="en-US" altLang="ja-JP" dirty="0"/>
-              <a:t>The penalty is 2</a:t>
-            </a:r>
-            <a:endParaRPr kumimoji="1" lang="en-US" altLang="ja-JP" dirty="0"/>
-          </a:p>
-        </p:txBody>
-      </p:sp>
-      <p:sp>
-        <p:nvSpPr>
-          <p:cNvPr id="80" name="テキスト ボックス 79">
-            <a:extLst>
-              <a:ext uri="{FF2B5EF4-FFF2-40B4-BE49-F238E27FC236}">
-                <a16:creationId xmlns:a16="http://schemas.microsoft.com/office/drawing/2014/main" id="{29AF6932-79D7-AA4E-966D-2F5E998AB692}"/>
-              </a:ext>
-            </a:extLst>
-          </p:cNvPr>
-          <p:cNvSpPr txBox="1"/>
-          <p:nvPr/>
-        </p:nvSpPr>
-        <p:spPr>
-          <a:xfrm>
-            <a:off x="9703870" y="5097829"/>
-            <a:ext cx="1589912" cy="646331"/>
-          </a:xfrm>
-          <a:prstGeom prst="rect">
-            <a:avLst/>
-          </a:prstGeom>
-          <a:noFill/>
-        </p:spPr>
-        <p:txBody>
-          <a:bodyPr wrap="square" rtlCol="0">
-            <a:spAutoFit/>
-          </a:bodyPr>
-          <a:lstStyle/>
-          <a:p>
-            <a:r>
-              <a:rPr lang="en-US" altLang="ja-JP" dirty="0"/>
-              <a:t>The penalty is 7</a:t>
-            </a:r>
-            <a:endParaRPr kumimoji="1" lang="en-US" altLang="ja-JP" dirty="0"/>
-          </a:p>
-        </p:txBody>
-      </p:sp>
-      <p:sp>
-        <p:nvSpPr>
-          <p:cNvPr id="22" name="テキスト ボックス 21">
-            <a:extLst>
-              <a:ext uri="{FF2B5EF4-FFF2-40B4-BE49-F238E27FC236}">
-                <a16:creationId xmlns:a16="http://schemas.microsoft.com/office/drawing/2014/main" id="{5974DF50-14F2-1F41-BB51-5B16E16E3DBD}"/>
-              </a:ext>
-            </a:extLst>
-          </p:cNvPr>
-          <p:cNvSpPr txBox="1"/>
-          <p:nvPr/>
-        </p:nvSpPr>
-        <p:spPr>
-          <a:xfrm>
-            <a:off x="2325250" y="4556577"/>
-            <a:ext cx="1079656" cy="369332"/>
-          </a:xfrm>
-          <a:prstGeom prst="rect">
-            <a:avLst/>
-          </a:prstGeom>
-          <a:noFill/>
-        </p:spPr>
-        <p:txBody>
-          <a:bodyPr wrap="square" rtlCol="0">
-            <a:spAutoFit/>
-          </a:bodyPr>
-          <a:lstStyle/>
-          <a:p>
-            <a:r>
-              <a:rPr kumimoji="1" lang="en-US" altLang="ja-JP" dirty="0"/>
-              <a:t>3</a:t>
-            </a:r>
-            <a:r>
-              <a:rPr kumimoji="1" lang="en-US" altLang="ja-JP" baseline="30000" dirty="0"/>
-              <a:t>rd</a:t>
-            </a:r>
-            <a:r>
-              <a:rPr kumimoji="1" lang="en-US" altLang="ja-JP" dirty="0"/>
-              <a:t> floor</a:t>
-            </a:r>
-            <a:endParaRPr kumimoji="1" lang="ja-JP" altLang="en-US"/>
-          </a:p>
-        </p:txBody>
-      </p:sp>
-      <p:sp>
-        <p:nvSpPr>
-          <p:cNvPr id="29" name="テキスト ボックス 28">
-            <a:extLst>
-              <a:ext uri="{FF2B5EF4-FFF2-40B4-BE49-F238E27FC236}">
-                <a16:creationId xmlns:a16="http://schemas.microsoft.com/office/drawing/2014/main" id="{4494B2D4-DD27-B74A-B4B8-06648AA0D969}"/>
-              </a:ext>
-            </a:extLst>
-          </p:cNvPr>
-          <p:cNvSpPr txBox="1"/>
-          <p:nvPr/>
-        </p:nvSpPr>
-        <p:spPr>
-          <a:xfrm>
-            <a:off x="2325250" y="5185400"/>
-            <a:ext cx="1079656" cy="369332"/>
-          </a:xfrm>
-          <a:prstGeom prst="rect">
-            <a:avLst/>
-          </a:prstGeom>
-          <a:noFill/>
-        </p:spPr>
-        <p:txBody>
-          <a:bodyPr wrap="square" rtlCol="0">
-            <a:spAutoFit/>
-          </a:bodyPr>
-          <a:lstStyle/>
-          <a:p>
-            <a:r>
-              <a:rPr lang="en-US" altLang="ja-JP" dirty="0"/>
-              <a:t>2</a:t>
-            </a:r>
-            <a:r>
-              <a:rPr lang="en-US" altLang="ja-JP" baseline="30000" dirty="0"/>
-              <a:t>nd</a:t>
-            </a:r>
-            <a:r>
-              <a:rPr lang="en-US" altLang="ja-JP" dirty="0"/>
-              <a:t> </a:t>
-            </a:r>
-            <a:r>
-              <a:rPr kumimoji="1" lang="en-US" altLang="ja-JP" dirty="0"/>
-              <a:t>floor</a:t>
-            </a:r>
-            <a:endParaRPr kumimoji="1" lang="ja-JP" altLang="en-US"/>
-          </a:p>
-        </p:txBody>
-      </p:sp>
-      <p:sp>
-        <p:nvSpPr>
-          <p:cNvPr id="30" name="テキスト ボックス 29">
-            <a:extLst>
-              <a:ext uri="{FF2B5EF4-FFF2-40B4-BE49-F238E27FC236}">
-                <a16:creationId xmlns:a16="http://schemas.microsoft.com/office/drawing/2014/main" id="{21B5A057-5790-EE4F-8581-CF31F3F129EE}"/>
-              </a:ext>
-            </a:extLst>
-          </p:cNvPr>
-          <p:cNvSpPr txBox="1"/>
-          <p:nvPr/>
-        </p:nvSpPr>
-        <p:spPr>
-          <a:xfrm>
-            <a:off x="2327751" y="5915889"/>
-            <a:ext cx="1079656" cy="369332"/>
-          </a:xfrm>
-          <a:prstGeom prst="rect">
-            <a:avLst/>
-          </a:prstGeom>
-          <a:noFill/>
-        </p:spPr>
-        <p:txBody>
-          <a:bodyPr wrap="square" rtlCol="0">
-            <a:spAutoFit/>
-          </a:bodyPr>
-          <a:lstStyle/>
-          <a:p>
-            <a:r>
-              <a:rPr kumimoji="1" lang="en-US" altLang="ja-JP" dirty="0"/>
-              <a:t>1</a:t>
-            </a:r>
-            <a:r>
-              <a:rPr kumimoji="1" lang="en-US" altLang="ja-JP" baseline="30000" dirty="0"/>
-              <a:t>st</a:t>
-            </a:r>
-            <a:r>
-              <a:rPr kumimoji="1" lang="en-US" altLang="ja-JP" dirty="0"/>
-              <a:t>  floor</a:t>
-            </a:r>
-            <a:endParaRPr kumimoji="1" lang="ja-JP" altLang="en-US"/>
-          </a:p>
-        </p:txBody>
-      </p:sp>
-    </p:spTree>
-    <p:extLst>
-      <p:ext uri="{BB962C8B-B14F-4D97-AF65-F5344CB8AC3E}">
-        <p14:creationId xmlns:p14="http://schemas.microsoft.com/office/powerpoint/2010/main" val="3135819228"/>
-      </p:ext>
-    </p:extLst>
-  </p:cSld>
-  <p:clrMapOvr>
-    <a:masterClrMapping/>
-  </p:clrMapOvr>
-</p:sld>
-</file>
-
 <file path=ppt/slides/slide5.xml><?xml version="1.0" encoding="utf-8"?>
 <p:sld xmlns:a="http://schemas.openxmlformats.org/drawingml/2006/main" xmlns:r="http://schemas.openxmlformats.org/officeDocument/2006/relationships" xmlns:p="http://schemas.openxmlformats.org/presentationml/2006/main">
   <p:cSld>
@@ -25601,6 +24307,565 @@
 </file>
 
 <file path=ppt/slides/slide50.xml><?xml version="1.0" encoding="utf-8"?>
+<p:sld xmlns:a="http://schemas.openxmlformats.org/drawingml/2006/main" xmlns:r="http://schemas.openxmlformats.org/officeDocument/2006/relationships" xmlns:p="http://schemas.openxmlformats.org/presentationml/2006/main">
+  <p:cSld>
+    <p:spTree>
+      <p:nvGrpSpPr>
+        <p:cNvPr id="1" name=""/>
+        <p:cNvGrpSpPr/>
+        <p:nvPr/>
+      </p:nvGrpSpPr>
+      <p:grpSpPr>
+        <a:xfrm>
+          <a:off x="0" y="0"/>
+          <a:ext cx="0" cy="0"/>
+          <a:chOff x="0" y="0"/>
+          <a:chExt cx="0" cy="0"/>
+        </a:xfrm>
+      </p:grpSpPr>
+      <p:sp>
+        <p:nvSpPr>
+          <p:cNvPr id="2" name="タイトル 1">
+            <a:extLst>
+              <a:ext uri="{FF2B5EF4-FFF2-40B4-BE49-F238E27FC236}">
+                <a16:creationId xmlns:a16="http://schemas.microsoft.com/office/drawing/2014/main" id="{2ACE2C3C-4BC0-9A48-8819-B8962728EB30}"/>
+              </a:ext>
+            </a:extLst>
+          </p:cNvPr>
+          <p:cNvSpPr>
+            <a:spLocks noGrp="1"/>
+          </p:cNvSpPr>
+          <p:nvPr>
+            <p:ph type="title"/>
+          </p:nvPr>
+        </p:nvSpPr>
+        <p:spPr>
+          <a:xfrm>
+            <a:off x="2435663" y="633910"/>
+            <a:ext cx="9482534" cy="1280890"/>
+          </a:xfrm>
+        </p:spPr>
+        <p:txBody>
+          <a:bodyPr>
+            <a:normAutofit fontScale="90000"/>
+          </a:bodyPr>
+          <a:lstStyle/>
+          <a:p>
+            <a:r>
+              <a:rPr lang="en" altLang="ja-JP" dirty="0"/>
+              <a:t>placing </a:t>
+            </a:r>
+            <a:r>
+              <a:rPr lang="en-US" altLang="ja-JP" dirty="0"/>
+              <a:t>same</a:t>
+            </a:r>
+            <a:r>
+              <a:rPr lang="en" altLang="ja-JP" dirty="0"/>
+              <a:t> bookings by port closer together</a:t>
+            </a:r>
+            <a:br>
+              <a:rPr lang="en" altLang="ja-JP" dirty="0"/>
+            </a:br>
+            <a:endParaRPr kumimoji="1" lang="ja-JP" altLang="en-US"/>
+          </a:p>
+        </p:txBody>
+      </p:sp>
+      <p:sp>
+        <p:nvSpPr>
+          <p:cNvPr id="3" name="コンテンツ プレースホルダー 2">
+            <a:extLst>
+              <a:ext uri="{FF2B5EF4-FFF2-40B4-BE49-F238E27FC236}">
+                <a16:creationId xmlns:a16="http://schemas.microsoft.com/office/drawing/2014/main" id="{D6FD89FE-6EBE-9B45-9FEE-179DCD542FAD}"/>
+              </a:ext>
+            </a:extLst>
+          </p:cNvPr>
+          <p:cNvSpPr>
+            <a:spLocks noGrp="1"/>
+          </p:cNvSpPr>
+          <p:nvPr>
+            <p:ph idx="1"/>
+          </p:nvPr>
+        </p:nvSpPr>
+        <p:spPr>
+          <a:xfrm>
+            <a:off x="2592925" y="1578699"/>
+            <a:ext cx="8915400" cy="3777622"/>
+          </a:xfrm>
+        </p:spPr>
+        <p:txBody>
+          <a:bodyPr>
+            <a:normAutofit/>
+          </a:bodyPr>
+          <a:lstStyle/>
+          <a:p>
+            <a:r>
+              <a:rPr lang="en-US" altLang="ja-JP" sz="2400" dirty="0"/>
+              <a:t>it is easy to load and unload cars if same bookings by port are placed closer.</a:t>
+            </a:r>
+          </a:p>
+          <a:p>
+            <a:r>
+              <a:rPr lang="en" altLang="ja-JP" sz="2400" dirty="0"/>
+              <a:t>we minimize the number of </a:t>
+            </a:r>
+            <a:r>
+              <a:rPr lang="en-US" altLang="ja-JP" sz="2400" dirty="0"/>
+              <a:t>booking</a:t>
+            </a:r>
+            <a:r>
+              <a:rPr lang="en" altLang="ja-JP" sz="2400" dirty="0"/>
+              <a:t>s with different ports that exist in adjacent pairs of holds. </a:t>
+            </a:r>
+            <a:br>
+              <a:rPr lang="en" altLang="ja-JP" sz="2400" dirty="0"/>
+            </a:br>
+            <a:endParaRPr kumimoji="1" lang="en" altLang="ja-JP" sz="2400" dirty="0">
+              <a:solidFill>
+                <a:srgbClr val="FF0000"/>
+              </a:solidFill>
+            </a:endParaRPr>
+          </a:p>
+          <a:p>
+            <a:pPr marL="0" indent="0">
+              <a:buNone/>
+            </a:pPr>
+            <a:r>
+              <a:rPr kumimoji="1" lang="en-US" altLang="ja-JP" sz="2400" dirty="0">
+                <a:solidFill>
+                  <a:srgbClr val="FF0000"/>
+                </a:solidFill>
+              </a:rPr>
+              <a:t>	                </a:t>
+            </a:r>
+            <a:r>
+              <a:rPr kumimoji="1" lang="ja-JP" altLang="en-US" sz="2400">
+                <a:solidFill>
+                  <a:srgbClr val="FF0000"/>
+                </a:solidFill>
+              </a:rPr>
+              <a:t>○ </a:t>
+            </a:r>
+            <a:r>
+              <a:rPr kumimoji="1" lang="ja-JP" altLang="en-US" sz="2400"/>
+              <a:t>                                    </a:t>
+            </a:r>
+            <a:r>
+              <a:rPr kumimoji="1" lang="en-US" altLang="ja-JP" sz="2400" dirty="0">
+                <a:solidFill>
+                  <a:srgbClr val="FF0000"/>
+                </a:solidFill>
+              </a:rPr>
+              <a:t>×</a:t>
+            </a:r>
+            <a:endParaRPr kumimoji="1" lang="ja-JP" altLang="en-US" sz="2400">
+              <a:solidFill>
+                <a:srgbClr val="FF0000"/>
+              </a:solidFill>
+            </a:endParaRPr>
+          </a:p>
+        </p:txBody>
+      </p:sp>
+      <p:sp>
+        <p:nvSpPr>
+          <p:cNvPr id="22" name="正方形/長方形 21">
+            <a:extLst>
+              <a:ext uri="{FF2B5EF4-FFF2-40B4-BE49-F238E27FC236}">
+                <a16:creationId xmlns:a16="http://schemas.microsoft.com/office/drawing/2014/main" id="{7D8525D6-AAB4-8542-8282-403599A3EBD5}"/>
+              </a:ext>
+            </a:extLst>
+          </p:cNvPr>
+          <p:cNvSpPr/>
+          <p:nvPr/>
+        </p:nvSpPr>
+        <p:spPr>
+          <a:xfrm>
+            <a:off x="9873021" y="5183886"/>
+            <a:ext cx="668741" cy="204193"/>
+          </a:xfrm>
+          <a:prstGeom prst="rect">
+            <a:avLst/>
+          </a:prstGeom>
+          <a:solidFill>
+            <a:srgbClr val="92D050"/>
+          </a:solidFill>
+        </p:spPr>
+        <p:style>
+          <a:lnRef idx="2">
+            <a:schemeClr val="accent1">
+              <a:shade val="50000"/>
+            </a:schemeClr>
+          </a:lnRef>
+          <a:fillRef idx="1">
+            <a:schemeClr val="accent1"/>
+          </a:fillRef>
+          <a:effectRef idx="0">
+            <a:schemeClr val="accent1"/>
+          </a:effectRef>
+          <a:fontRef idx="minor">
+            <a:schemeClr val="lt1"/>
+          </a:fontRef>
+        </p:style>
+        <p:txBody>
+          <a:bodyPr rtlCol="0" anchor="ctr"/>
+          <a:lstStyle/>
+          <a:p>
+            <a:pPr algn="ctr"/>
+            <a:endParaRPr kumimoji="1" lang="ja-JP" altLang="en-US"/>
+          </a:p>
+        </p:txBody>
+      </p:sp>
+      <p:sp>
+        <p:nvSpPr>
+          <p:cNvPr id="23" name="正方形/長方形 22">
+            <a:extLst>
+              <a:ext uri="{FF2B5EF4-FFF2-40B4-BE49-F238E27FC236}">
+                <a16:creationId xmlns:a16="http://schemas.microsoft.com/office/drawing/2014/main" id="{BDE40002-7532-B94D-9CB0-51A84B9770D2}"/>
+              </a:ext>
+            </a:extLst>
+          </p:cNvPr>
+          <p:cNvSpPr/>
+          <p:nvPr/>
+        </p:nvSpPr>
+        <p:spPr>
+          <a:xfrm>
+            <a:off x="9873020" y="4836783"/>
+            <a:ext cx="668741" cy="176573"/>
+          </a:xfrm>
+          <a:prstGeom prst="rect">
+            <a:avLst/>
+          </a:prstGeom>
+          <a:solidFill>
+            <a:srgbClr val="FFC000"/>
+          </a:solidFill>
+        </p:spPr>
+        <p:style>
+          <a:lnRef idx="2">
+            <a:schemeClr val="accent1">
+              <a:shade val="50000"/>
+            </a:schemeClr>
+          </a:lnRef>
+          <a:fillRef idx="1">
+            <a:schemeClr val="accent1"/>
+          </a:fillRef>
+          <a:effectRef idx="0">
+            <a:schemeClr val="accent1"/>
+          </a:effectRef>
+          <a:fontRef idx="minor">
+            <a:schemeClr val="lt1"/>
+          </a:fontRef>
+        </p:style>
+        <p:txBody>
+          <a:bodyPr rtlCol="0" anchor="ctr"/>
+          <a:lstStyle/>
+          <a:p>
+            <a:pPr algn="ctr"/>
+            <a:endParaRPr kumimoji="1" lang="ja-JP" altLang="en-US"/>
+          </a:p>
+        </p:txBody>
+      </p:sp>
+      <p:sp>
+        <p:nvSpPr>
+          <p:cNvPr id="24" name="正方形/長方形 23">
+            <a:extLst>
+              <a:ext uri="{FF2B5EF4-FFF2-40B4-BE49-F238E27FC236}">
+                <a16:creationId xmlns:a16="http://schemas.microsoft.com/office/drawing/2014/main" id="{E0CE906E-6301-F145-B809-EB1FABB25FE1}"/>
+              </a:ext>
+            </a:extLst>
+          </p:cNvPr>
+          <p:cNvSpPr/>
+          <p:nvPr/>
+        </p:nvSpPr>
+        <p:spPr>
+          <a:xfrm>
+            <a:off x="9873020" y="5575977"/>
+            <a:ext cx="668741" cy="192352"/>
+          </a:xfrm>
+          <a:prstGeom prst="rect">
+            <a:avLst/>
+          </a:prstGeom>
+          <a:solidFill>
+            <a:srgbClr val="00B0F0"/>
+          </a:solidFill>
+        </p:spPr>
+        <p:style>
+          <a:lnRef idx="2">
+            <a:schemeClr val="accent1">
+              <a:shade val="50000"/>
+            </a:schemeClr>
+          </a:lnRef>
+          <a:fillRef idx="1">
+            <a:schemeClr val="accent1"/>
+          </a:fillRef>
+          <a:effectRef idx="0">
+            <a:schemeClr val="accent1"/>
+          </a:effectRef>
+          <a:fontRef idx="minor">
+            <a:schemeClr val="lt1"/>
+          </a:fontRef>
+        </p:style>
+        <p:txBody>
+          <a:bodyPr rtlCol="0" anchor="ctr"/>
+          <a:lstStyle/>
+          <a:p>
+            <a:pPr algn="ctr"/>
+            <a:endParaRPr kumimoji="1" lang="ja-JP" altLang="en-US"/>
+          </a:p>
+        </p:txBody>
+      </p:sp>
+      <p:sp>
+        <p:nvSpPr>
+          <p:cNvPr id="26" name="テキスト ボックス 25">
+            <a:extLst>
+              <a:ext uri="{FF2B5EF4-FFF2-40B4-BE49-F238E27FC236}">
+                <a16:creationId xmlns:a16="http://schemas.microsoft.com/office/drawing/2014/main" id="{B722AE1D-A352-004B-ABDE-711CA479A371}"/>
+              </a:ext>
+            </a:extLst>
+          </p:cNvPr>
+          <p:cNvSpPr txBox="1"/>
+          <p:nvPr/>
+        </p:nvSpPr>
+        <p:spPr>
+          <a:xfrm>
+            <a:off x="10709329" y="4720025"/>
+            <a:ext cx="1208868" cy="369332"/>
+          </a:xfrm>
+          <a:prstGeom prst="rect">
+            <a:avLst/>
+          </a:prstGeom>
+          <a:noFill/>
+        </p:spPr>
+        <p:txBody>
+          <a:bodyPr wrap="square" rtlCol="0">
+            <a:spAutoFit/>
+          </a:bodyPr>
+          <a:lstStyle/>
+          <a:p>
+            <a:r>
+              <a:rPr kumimoji="1" lang="en-US" altLang="ja-JP" dirty="0"/>
+              <a:t>Port A</a:t>
+            </a:r>
+            <a:endParaRPr kumimoji="1" lang="ja-JP" altLang="en-US"/>
+          </a:p>
+        </p:txBody>
+      </p:sp>
+      <p:sp>
+        <p:nvSpPr>
+          <p:cNvPr id="28" name="テキスト ボックス 27">
+            <a:extLst>
+              <a:ext uri="{FF2B5EF4-FFF2-40B4-BE49-F238E27FC236}">
+                <a16:creationId xmlns:a16="http://schemas.microsoft.com/office/drawing/2014/main" id="{8D4D313C-5C91-F74C-AC89-4C49C4553CEA}"/>
+              </a:ext>
+            </a:extLst>
+          </p:cNvPr>
+          <p:cNvSpPr txBox="1"/>
+          <p:nvPr/>
+        </p:nvSpPr>
+        <p:spPr>
+          <a:xfrm>
+            <a:off x="10709329" y="5117863"/>
+            <a:ext cx="965012" cy="369332"/>
+          </a:xfrm>
+          <a:prstGeom prst="rect">
+            <a:avLst/>
+          </a:prstGeom>
+          <a:noFill/>
+        </p:spPr>
+        <p:txBody>
+          <a:bodyPr wrap="square" rtlCol="0">
+            <a:spAutoFit/>
+          </a:bodyPr>
+          <a:lstStyle/>
+          <a:p>
+            <a:r>
+              <a:rPr kumimoji="1" lang="en-US" altLang="ja-JP" dirty="0"/>
+              <a:t>Port B</a:t>
+            </a:r>
+            <a:endParaRPr kumimoji="1" lang="ja-JP" altLang="en-US"/>
+          </a:p>
+        </p:txBody>
+      </p:sp>
+      <p:sp>
+        <p:nvSpPr>
+          <p:cNvPr id="29" name="テキスト ボックス 28">
+            <a:extLst>
+              <a:ext uri="{FF2B5EF4-FFF2-40B4-BE49-F238E27FC236}">
+                <a16:creationId xmlns:a16="http://schemas.microsoft.com/office/drawing/2014/main" id="{E555D4AA-4C5E-E142-904E-A766476D394F}"/>
+              </a:ext>
+            </a:extLst>
+          </p:cNvPr>
+          <p:cNvSpPr txBox="1"/>
+          <p:nvPr/>
+        </p:nvSpPr>
+        <p:spPr>
+          <a:xfrm>
+            <a:off x="10709329" y="5498110"/>
+            <a:ext cx="965012" cy="369332"/>
+          </a:xfrm>
+          <a:prstGeom prst="rect">
+            <a:avLst/>
+          </a:prstGeom>
+          <a:noFill/>
+        </p:spPr>
+        <p:txBody>
+          <a:bodyPr wrap="square" rtlCol="0">
+            <a:spAutoFit/>
+          </a:bodyPr>
+          <a:lstStyle/>
+          <a:p>
+            <a:r>
+              <a:rPr kumimoji="1" lang="en-US" altLang="ja-JP" dirty="0"/>
+              <a:t>Port </a:t>
+            </a:r>
+            <a:r>
+              <a:rPr lang="en-US" altLang="ja-JP" dirty="0"/>
+              <a:t>C</a:t>
+            </a:r>
+            <a:endParaRPr kumimoji="1" lang="ja-JP" altLang="en-US"/>
+          </a:p>
+        </p:txBody>
+      </p:sp>
+      <p:pic>
+        <p:nvPicPr>
+          <p:cNvPr id="36" name="図 35">
+            <a:extLst>
+              <a:ext uri="{FF2B5EF4-FFF2-40B4-BE49-F238E27FC236}">
+                <a16:creationId xmlns:a16="http://schemas.microsoft.com/office/drawing/2014/main" id="{4314CFD3-7A6B-FD44-8A51-646A82269D32}"/>
+              </a:ext>
+            </a:extLst>
+          </p:cNvPr>
+          <p:cNvPicPr>
+            <a:picLocks noChangeAspect="1"/>
+          </p:cNvPicPr>
+          <p:nvPr/>
+        </p:nvPicPr>
+        <p:blipFill>
+          <a:blip r:embed="rId2"/>
+          <a:stretch>
+            <a:fillRect/>
+          </a:stretch>
+        </p:blipFill>
+        <p:spPr>
+          <a:xfrm>
+            <a:off x="2817385" y="4368000"/>
+            <a:ext cx="3268613" cy="1772447"/>
+          </a:xfrm>
+          <a:prstGeom prst="rect">
+            <a:avLst/>
+          </a:prstGeom>
+        </p:spPr>
+      </p:pic>
+      <p:pic>
+        <p:nvPicPr>
+          <p:cNvPr id="38" name="図 37">
+            <a:extLst>
+              <a:ext uri="{FF2B5EF4-FFF2-40B4-BE49-F238E27FC236}">
+                <a16:creationId xmlns:a16="http://schemas.microsoft.com/office/drawing/2014/main" id="{8318B98B-C35E-6040-AFE4-2E4BF54901CB}"/>
+              </a:ext>
+            </a:extLst>
+          </p:cNvPr>
+          <p:cNvPicPr>
+            <a:picLocks noChangeAspect="1"/>
+          </p:cNvPicPr>
+          <p:nvPr/>
+        </p:nvPicPr>
+        <p:blipFill>
+          <a:blip r:embed="rId3"/>
+          <a:stretch>
+            <a:fillRect/>
+          </a:stretch>
+        </p:blipFill>
+        <p:spPr>
+          <a:xfrm>
+            <a:off x="6310458" y="4367999"/>
+            <a:ext cx="3268613" cy="1772447"/>
+          </a:xfrm>
+          <a:prstGeom prst="rect">
+            <a:avLst/>
+          </a:prstGeom>
+        </p:spPr>
+      </p:pic>
+      <p:sp>
+        <p:nvSpPr>
+          <p:cNvPr id="4" name="正方形/長方形 3">
+            <a:extLst>
+              <a:ext uri="{FF2B5EF4-FFF2-40B4-BE49-F238E27FC236}">
+                <a16:creationId xmlns:a16="http://schemas.microsoft.com/office/drawing/2014/main" id="{4A1842FF-C7C9-EA4D-802B-771AF1B8F9B8}"/>
+              </a:ext>
+            </a:extLst>
+          </p:cNvPr>
+          <p:cNvSpPr/>
+          <p:nvPr/>
+        </p:nvSpPr>
+        <p:spPr>
+          <a:xfrm>
+            <a:off x="3508965" y="6140446"/>
+            <a:ext cx="1885453" cy="369332"/>
+          </a:xfrm>
+          <a:prstGeom prst="rect">
+            <a:avLst/>
+          </a:prstGeom>
+        </p:spPr>
+        <p:txBody>
+          <a:bodyPr wrap="none">
+            <a:spAutoFit/>
+          </a:bodyPr>
+          <a:lstStyle/>
+          <a:p>
+            <a:r>
+              <a:rPr lang="en-US" altLang="ja-JP" dirty="0"/>
+              <a:t>The penalty is 2</a:t>
+            </a:r>
+          </a:p>
+        </p:txBody>
+      </p:sp>
+      <p:sp>
+        <p:nvSpPr>
+          <p:cNvPr id="6" name="正方形/長方形 5">
+            <a:extLst>
+              <a:ext uri="{FF2B5EF4-FFF2-40B4-BE49-F238E27FC236}">
+                <a16:creationId xmlns:a16="http://schemas.microsoft.com/office/drawing/2014/main" id="{B49E8E46-38F9-2747-B3EE-B5CE5AF663F3}"/>
+              </a:ext>
+            </a:extLst>
+          </p:cNvPr>
+          <p:cNvSpPr/>
+          <p:nvPr/>
+        </p:nvSpPr>
+        <p:spPr>
+          <a:xfrm>
+            <a:off x="7050625" y="6140446"/>
+            <a:ext cx="1885453" cy="369332"/>
+          </a:xfrm>
+          <a:prstGeom prst="rect">
+            <a:avLst/>
+          </a:prstGeom>
+        </p:spPr>
+        <p:txBody>
+          <a:bodyPr wrap="none">
+            <a:spAutoFit/>
+          </a:bodyPr>
+          <a:lstStyle/>
+          <a:p>
+            <a:r>
+              <a:rPr lang="en-US" altLang="ja-JP" dirty="0"/>
+              <a:t>The penalty is 7</a:t>
+            </a:r>
+          </a:p>
+        </p:txBody>
+      </p:sp>
+    </p:spTree>
+    <p:extLst>
+      <p:ext uri="{BB962C8B-B14F-4D97-AF65-F5344CB8AC3E}">
+        <p14:creationId xmlns:p14="http://schemas.microsoft.com/office/powerpoint/2010/main" val="4293659328"/>
+      </p:ext>
+    </p:extLst>
+  </p:cSld>
+  <p:clrMapOvr>
+    <a:masterClrMapping/>
+  </p:clrMapOvr>
+</p:sld>
+</file>
+
+<file path=ppt/slides/slide51.xml><?xml version="1.0" encoding="utf-8"?>
 <p:sld xmlns:a="http://schemas.openxmlformats.org/drawingml/2006/main" xmlns:r="http://schemas.openxmlformats.org/officeDocument/2006/relationships" xmlns:p="http://schemas.openxmlformats.org/presentationml/2006/main">
   <p:cSld>
     <p:spTree>
@@ -26077,7 +25342,7 @@
 </p:sld>
 </file>
 
-<file path=ppt/slides/slide51.xml><?xml version="1.0" encoding="utf-8"?>
+<file path=ppt/slides/slide52.xml><?xml version="1.0" encoding="utf-8"?>
 <p:sld xmlns:a="http://schemas.openxmlformats.org/drawingml/2006/main" xmlns:r="http://schemas.openxmlformats.org/officeDocument/2006/relationships" xmlns:p="http://schemas.openxmlformats.org/presentationml/2006/main">
   <p:cSld>
     <p:spTree>
@@ -26198,7 +25463,7 @@
 </p:sld>
 </file>
 
-<file path=ppt/slides/slide52.xml><?xml version="1.0" encoding="utf-8"?>
+<file path=ppt/slides/slide53.xml><?xml version="1.0" encoding="utf-8"?>
 <p:sld xmlns:a="http://schemas.openxmlformats.org/drawingml/2006/main" xmlns:r="http://schemas.openxmlformats.org/officeDocument/2006/relationships" xmlns:p="http://schemas.openxmlformats.org/presentationml/2006/main">
   <p:cSld>
     <p:spTree>
@@ -26566,7 +25831,7 @@
 </p:sld>
 </file>
 
-<file path=ppt/slides/slide53.xml><?xml version="1.0" encoding="utf-8"?>
+<file path=ppt/slides/slide54.xml><?xml version="1.0" encoding="utf-8"?>
 <p:sld xmlns:a="http://schemas.openxmlformats.org/drawingml/2006/main" xmlns:r="http://schemas.openxmlformats.org/officeDocument/2006/relationships" xmlns:p="http://schemas.openxmlformats.org/presentationml/2006/main">
   <p:cSld>
     <p:spTree>
@@ -26934,7 +26199,7 @@
 </p:sld>
 </file>
 
-<file path=ppt/slides/slide54.xml><?xml version="1.0" encoding="utf-8"?>
+<file path=ppt/slides/slide55.xml><?xml version="1.0" encoding="utf-8"?>
 <p:sld xmlns:a="http://schemas.openxmlformats.org/drawingml/2006/main" xmlns:r="http://schemas.openxmlformats.org/officeDocument/2006/relationships" xmlns:p="http://schemas.openxmlformats.org/presentationml/2006/main">
   <p:cSld>
     <p:spTree>
@@ -27161,7 +26426,7 @@
 </p:sld>
 </file>
 
-<file path=ppt/slides/slide55.xml><?xml version="1.0" encoding="utf-8"?>
+<file path=ppt/slides/slide56.xml><?xml version="1.0" encoding="utf-8"?>
 <p:sld xmlns:a="http://schemas.openxmlformats.org/drawingml/2006/main" xmlns:r="http://schemas.openxmlformats.org/officeDocument/2006/relationships" xmlns:p="http://schemas.openxmlformats.org/presentationml/2006/main">
   <p:cSld>
     <p:spTree>
@@ -27476,7 +26741,7 @@
 </p:sld>
 </file>
 
-<file path=ppt/slides/slide56.xml><?xml version="1.0" encoding="utf-8"?>
+<file path=ppt/slides/slide57.xml><?xml version="1.0" encoding="utf-8"?>
 <p:sld xmlns:a="http://schemas.openxmlformats.org/drawingml/2006/main" xmlns:r="http://schemas.openxmlformats.org/officeDocument/2006/relationships" xmlns:p="http://schemas.openxmlformats.org/presentationml/2006/main">
   <p:cSld>
     <p:spTree>
@@ -28188,7 +27453,7 @@
 </p:sld>
 </file>
 
-<file path=ppt/slides/slide57.xml><?xml version="1.0" encoding="utf-8"?>
+<file path=ppt/slides/slide58.xml><?xml version="1.0" encoding="utf-8"?>
 <p:sld xmlns:a="http://schemas.openxmlformats.org/drawingml/2006/main" xmlns:r="http://schemas.openxmlformats.org/officeDocument/2006/relationships" xmlns:p="http://schemas.openxmlformats.org/presentationml/2006/main">
   <p:cSld>
     <p:spTree>
@@ -28306,7 +27571,7 @@
 </p:sld>
 </file>
 
-<file path=ppt/slides/slide58.xml><?xml version="1.0" encoding="utf-8"?>
+<file path=ppt/slides/slide59.xml><?xml version="1.0" encoding="utf-8"?>
 <p:sld xmlns:a="http://schemas.openxmlformats.org/drawingml/2006/main" xmlns:r="http://schemas.openxmlformats.org/officeDocument/2006/relationships" xmlns:p="http://schemas.openxmlformats.org/presentationml/2006/main">
   <p:cSld>
     <p:spTree>
@@ -29298,113 +28563,6 @@
 </p:sld>
 </file>
 
-<file path=ppt/slides/slide59.xml><?xml version="1.0" encoding="utf-8"?>
-<p:sld xmlns:a="http://schemas.openxmlformats.org/drawingml/2006/main" xmlns:r="http://schemas.openxmlformats.org/officeDocument/2006/relationships" xmlns:p="http://schemas.openxmlformats.org/presentationml/2006/main">
-  <p:cSld>
-    <p:spTree>
-      <p:nvGrpSpPr>
-        <p:cNvPr id="1" name=""/>
-        <p:cNvGrpSpPr/>
-        <p:nvPr/>
-      </p:nvGrpSpPr>
-      <p:grpSpPr>
-        <a:xfrm>
-          <a:off x="0" y="0"/>
-          <a:ext cx="0" cy="0"/>
-          <a:chOff x="0" y="0"/>
-          <a:chExt cx="0" cy="0"/>
-        </a:xfrm>
-      </p:grpSpPr>
-      <p:sp>
-        <p:nvSpPr>
-          <p:cNvPr id="2" name="タイトル 1">
-            <a:extLst>
-              <a:ext uri="{FF2B5EF4-FFF2-40B4-BE49-F238E27FC236}">
-                <a16:creationId xmlns:a16="http://schemas.microsoft.com/office/drawing/2014/main" id="{67E01A06-7475-E541-961D-071D4242BA42}"/>
-              </a:ext>
-            </a:extLst>
-          </p:cNvPr>
-          <p:cNvSpPr>
-            <a:spLocks noGrp="1"/>
-          </p:cNvSpPr>
-          <p:nvPr>
-            <p:ph type="title"/>
-          </p:nvPr>
-        </p:nvSpPr>
-        <p:spPr/>
-        <p:txBody>
-          <a:bodyPr/>
-          <a:lstStyle/>
-          <a:p>
-            <a:r>
-              <a:rPr lang="en" altLang="ja-JP" dirty="0"/>
-              <a:t>Comparison by insertion method</a:t>
-            </a:r>
-            <a:endParaRPr kumimoji="1" lang="ja-JP" altLang="en-US"/>
-          </a:p>
-        </p:txBody>
-      </p:sp>
-      <p:sp>
-        <p:nvSpPr>
-          <p:cNvPr id="3" name="コンテンツ プレースホルダー 2">
-            <a:extLst>
-              <a:ext uri="{FF2B5EF4-FFF2-40B4-BE49-F238E27FC236}">
-                <a16:creationId xmlns:a16="http://schemas.microsoft.com/office/drawing/2014/main" id="{8FC75E83-6FCB-684F-BB17-BF63CBD11644}"/>
-              </a:ext>
-            </a:extLst>
-          </p:cNvPr>
-          <p:cNvSpPr>
-            <a:spLocks noGrp="1"/>
-          </p:cNvSpPr>
-          <p:nvPr>
-            <p:ph idx="1"/>
-          </p:nvPr>
-        </p:nvSpPr>
-        <p:spPr/>
-        <p:txBody>
-          <a:bodyPr>
-            <a:normAutofit/>
-          </a:bodyPr>
-          <a:lstStyle/>
-          <a:p>
-            <a:r>
-              <a:rPr lang="en" altLang="ja-JP" sz="2400" dirty="0"/>
-              <a:t>Computation time varies greatly.</a:t>
-            </a:r>
-          </a:p>
-          <a:p>
-            <a:r>
-              <a:rPr lang="en" altLang="ja-JP" sz="2400" dirty="0"/>
-              <a:t>The quality of the local optimal solution is not very different between the two approaches.</a:t>
-            </a:r>
-          </a:p>
-          <a:p>
-            <a:r>
-              <a:rPr lang="en" altLang="ja-JP" sz="2400" dirty="0"/>
-              <a:t>When this algorithm is actually used, it will be checked by a person in the end.</a:t>
-            </a:r>
-          </a:p>
-          <a:p>
-            <a:r>
-              <a:rPr lang="en" altLang="ja-JP" sz="2400" dirty="0"/>
-              <a:t>there may be possibilities that obtaining a solution with a certain degree of quality in a short time may be sufficient.</a:t>
-            </a:r>
-          </a:p>
-        </p:txBody>
-      </p:sp>
-    </p:spTree>
-    <p:extLst>
-      <p:ext uri="{BB962C8B-B14F-4D97-AF65-F5344CB8AC3E}">
-        <p14:creationId xmlns:p14="http://schemas.microsoft.com/office/powerpoint/2010/main" val="3116219373"/>
-      </p:ext>
-    </p:extLst>
-  </p:cSld>
-  <p:clrMapOvr>
-    <a:masterClrMapping/>
-  </p:clrMapOvr>
-</p:sld>
-</file>
-
 <file path=ppt/slides/slide6.xml><?xml version="1.0" encoding="utf-8"?>
 <p:sld xmlns:a="http://schemas.openxmlformats.org/drawingml/2006/main" xmlns:r="http://schemas.openxmlformats.org/officeDocument/2006/relationships" xmlns:p="http://schemas.openxmlformats.org/presentationml/2006/main">
   <p:cSld>
@@ -29545,6 +28703,113 @@
 </file>
 
 <file path=ppt/slides/slide60.xml><?xml version="1.0" encoding="utf-8"?>
+<p:sld xmlns:a="http://schemas.openxmlformats.org/drawingml/2006/main" xmlns:r="http://schemas.openxmlformats.org/officeDocument/2006/relationships" xmlns:p="http://schemas.openxmlformats.org/presentationml/2006/main">
+  <p:cSld>
+    <p:spTree>
+      <p:nvGrpSpPr>
+        <p:cNvPr id="1" name=""/>
+        <p:cNvGrpSpPr/>
+        <p:nvPr/>
+      </p:nvGrpSpPr>
+      <p:grpSpPr>
+        <a:xfrm>
+          <a:off x="0" y="0"/>
+          <a:ext cx="0" cy="0"/>
+          <a:chOff x="0" y="0"/>
+          <a:chExt cx="0" cy="0"/>
+        </a:xfrm>
+      </p:grpSpPr>
+      <p:sp>
+        <p:nvSpPr>
+          <p:cNvPr id="2" name="タイトル 1">
+            <a:extLst>
+              <a:ext uri="{FF2B5EF4-FFF2-40B4-BE49-F238E27FC236}">
+                <a16:creationId xmlns:a16="http://schemas.microsoft.com/office/drawing/2014/main" id="{67E01A06-7475-E541-961D-071D4242BA42}"/>
+              </a:ext>
+            </a:extLst>
+          </p:cNvPr>
+          <p:cNvSpPr>
+            <a:spLocks noGrp="1"/>
+          </p:cNvSpPr>
+          <p:nvPr>
+            <p:ph type="title"/>
+          </p:nvPr>
+        </p:nvSpPr>
+        <p:spPr/>
+        <p:txBody>
+          <a:bodyPr/>
+          <a:lstStyle/>
+          <a:p>
+            <a:r>
+              <a:rPr lang="en" altLang="ja-JP" dirty="0"/>
+              <a:t>Comparison by insertion method</a:t>
+            </a:r>
+            <a:endParaRPr kumimoji="1" lang="ja-JP" altLang="en-US"/>
+          </a:p>
+        </p:txBody>
+      </p:sp>
+      <p:sp>
+        <p:nvSpPr>
+          <p:cNvPr id="3" name="コンテンツ プレースホルダー 2">
+            <a:extLst>
+              <a:ext uri="{FF2B5EF4-FFF2-40B4-BE49-F238E27FC236}">
+                <a16:creationId xmlns:a16="http://schemas.microsoft.com/office/drawing/2014/main" id="{8FC75E83-6FCB-684F-BB17-BF63CBD11644}"/>
+              </a:ext>
+            </a:extLst>
+          </p:cNvPr>
+          <p:cNvSpPr>
+            <a:spLocks noGrp="1"/>
+          </p:cNvSpPr>
+          <p:nvPr>
+            <p:ph idx="1"/>
+          </p:nvPr>
+        </p:nvSpPr>
+        <p:spPr/>
+        <p:txBody>
+          <a:bodyPr>
+            <a:normAutofit/>
+          </a:bodyPr>
+          <a:lstStyle/>
+          <a:p>
+            <a:r>
+              <a:rPr lang="en" altLang="ja-JP" sz="2400" dirty="0"/>
+              <a:t>Computation time varies greatly.</a:t>
+            </a:r>
+          </a:p>
+          <a:p>
+            <a:r>
+              <a:rPr lang="en" altLang="ja-JP" sz="2400" dirty="0"/>
+              <a:t>The quality of the local optimal solution is not very different between the two approaches.</a:t>
+            </a:r>
+          </a:p>
+          <a:p>
+            <a:r>
+              <a:rPr lang="en" altLang="ja-JP" sz="2400" dirty="0"/>
+              <a:t>When this algorithm is actually used, it will be checked by a person in the end.</a:t>
+            </a:r>
+          </a:p>
+          <a:p>
+            <a:r>
+              <a:rPr lang="en" altLang="ja-JP" sz="2400" dirty="0"/>
+              <a:t>there may be possibilities that obtaining a solution with a certain degree of quality in a short time may be sufficient.</a:t>
+            </a:r>
+          </a:p>
+        </p:txBody>
+      </p:sp>
+    </p:spTree>
+    <p:extLst>
+      <p:ext uri="{BB962C8B-B14F-4D97-AF65-F5344CB8AC3E}">
+        <p14:creationId xmlns:p14="http://schemas.microsoft.com/office/powerpoint/2010/main" val="3116219373"/>
+      </p:ext>
+    </p:extLst>
+  </p:cSld>
+  <p:clrMapOvr>
+    <a:masterClrMapping/>
+  </p:clrMapOvr>
+</p:sld>
+</file>
+
+<file path=ppt/slides/slide61.xml><?xml version="1.0" encoding="utf-8"?>
 <p:sld xmlns:a="http://schemas.openxmlformats.org/drawingml/2006/main" xmlns:r="http://schemas.openxmlformats.org/officeDocument/2006/relationships" xmlns:p="http://schemas.openxmlformats.org/presentationml/2006/main">
   <p:cSld>
     <p:spTree>
@@ -29996,7 +29261,7 @@
 </p:sld>
 </file>
 
-<file path=ppt/slides/slide61.xml><?xml version="1.0" encoding="utf-8"?>
+<file path=ppt/slides/slide62.xml><?xml version="1.0" encoding="utf-8"?>
 <p:sld xmlns:a="http://schemas.openxmlformats.org/drawingml/2006/main" xmlns:r="http://schemas.openxmlformats.org/officeDocument/2006/relationships" xmlns:p="http://schemas.openxmlformats.org/presentationml/2006/main">
   <p:cSld>
     <p:spTree>
@@ -30125,7 +29390,7 @@
 </p:sld>
 </file>
 
-<file path=ppt/slides/slide62.xml><?xml version="1.0" encoding="utf-8"?>
+<file path=ppt/slides/slide63.xml><?xml version="1.0" encoding="utf-8"?>
 <p:sld xmlns:a="http://schemas.openxmlformats.org/drawingml/2006/main" xmlns:r="http://schemas.openxmlformats.org/officeDocument/2006/relationships" xmlns:p="http://schemas.openxmlformats.org/presentationml/2006/main">
   <p:cSld>
     <p:spTree>
@@ -31162,7 +30427,7 @@
 </p:sld>
 </file>
 
-<file path=ppt/slides/slide63.xml><?xml version="1.0" encoding="utf-8"?>
+<file path=ppt/slides/slide64.xml><?xml version="1.0" encoding="utf-8"?>
 <p:sld xmlns:a="http://schemas.openxmlformats.org/drawingml/2006/main" xmlns:r="http://schemas.openxmlformats.org/officeDocument/2006/relationships" xmlns:p="http://schemas.openxmlformats.org/presentationml/2006/main">
   <p:cSld>
     <p:spTree>
@@ -32769,7 +32034,7 @@
 </p:sld>
 </file>
 
-<file path=ppt/slides/slide64.xml><?xml version="1.0" encoding="utf-8"?>
+<file path=ppt/slides/slide65.xml><?xml version="1.0" encoding="utf-8"?>
 <p:sld xmlns:a="http://schemas.openxmlformats.org/drawingml/2006/main" xmlns:r="http://schemas.openxmlformats.org/officeDocument/2006/relationships" xmlns:p="http://schemas.openxmlformats.org/presentationml/2006/main">
   <p:cSld>
     <p:spTree>
@@ -33340,7 +32605,7 @@
 </p:sld>
 </file>
 
-<file path=ppt/slides/slide65.xml><?xml version="1.0" encoding="utf-8"?>
+<file path=ppt/slides/slide66.xml><?xml version="1.0" encoding="utf-8"?>
 <p:sld xmlns:a="http://schemas.openxmlformats.org/drawingml/2006/main" xmlns:r="http://schemas.openxmlformats.org/officeDocument/2006/relationships" xmlns:p="http://schemas.openxmlformats.org/presentationml/2006/main">
   <p:cSld>
     <p:spTree>

--- a/竹田.pptx
+++ b/竹田.pptx
@@ -4,6 +4,9 @@
   <p:sldMasterIdLst>
     <p:sldMasterId id="2147483920" r:id="rId1"/>
   </p:sldMasterIdLst>
+  <p:notesMasterIdLst>
+    <p:notesMasterId r:id="rId68"/>
+  </p:notesMasterIdLst>
   <p:sldIdLst>
     <p:sldId id="256" r:id="rId2"/>
     <p:sldId id="257" r:id="rId3"/>
@@ -177,6 +180,446 @@
 </p:presentation>
 </file>
 
+<file path=ppt/notesMasters/notesMaster1.xml><?xml version="1.0" encoding="utf-8"?>
+<p:notesMaster xmlns:a="http://schemas.openxmlformats.org/drawingml/2006/main" xmlns:r="http://schemas.openxmlformats.org/officeDocument/2006/relationships" xmlns:p="http://schemas.openxmlformats.org/presentationml/2006/main">
+  <p:cSld>
+    <p:bg>
+      <p:bgRef idx="1001">
+        <a:schemeClr val="bg1"/>
+      </p:bgRef>
+    </p:bg>
+    <p:spTree>
+      <p:nvGrpSpPr>
+        <p:cNvPr id="1" name=""/>
+        <p:cNvGrpSpPr/>
+        <p:nvPr/>
+      </p:nvGrpSpPr>
+      <p:grpSpPr>
+        <a:xfrm>
+          <a:off x="0" y="0"/>
+          <a:ext cx="0" cy="0"/>
+          <a:chOff x="0" y="0"/>
+          <a:chExt cx="0" cy="0"/>
+        </a:xfrm>
+      </p:grpSpPr>
+      <p:sp>
+        <p:nvSpPr>
+          <p:cNvPr id="2" name="ヘッダー プレースホルダー 1"/>
+          <p:cNvSpPr>
+            <a:spLocks noGrp="1"/>
+          </p:cNvSpPr>
+          <p:nvPr>
+            <p:ph type="hdr" sz="quarter"/>
+          </p:nvPr>
+        </p:nvSpPr>
+        <p:spPr>
+          <a:xfrm>
+            <a:off x="0" y="0"/>
+            <a:ext cx="2971800" cy="458788"/>
+          </a:xfrm>
+          <a:prstGeom prst="rect">
+            <a:avLst/>
+          </a:prstGeom>
+        </p:spPr>
+        <p:txBody>
+          <a:bodyPr vert="horz" lIns="91440" tIns="45720" rIns="91440" bIns="45720" rtlCol="0"/>
+          <a:lstStyle>
+            <a:lvl1pPr algn="l">
+              <a:defRPr sz="1200"/>
+            </a:lvl1pPr>
+          </a:lstStyle>
+          <a:p>
+            <a:endParaRPr kumimoji="1" lang="ja-JP" altLang="en-US"/>
+          </a:p>
+        </p:txBody>
+      </p:sp>
+      <p:sp>
+        <p:nvSpPr>
+          <p:cNvPr id="3" name="日付プレースホルダー 2"/>
+          <p:cNvSpPr>
+            <a:spLocks noGrp="1"/>
+          </p:cNvSpPr>
+          <p:nvPr>
+            <p:ph type="dt" idx="1"/>
+          </p:nvPr>
+        </p:nvSpPr>
+        <p:spPr>
+          <a:xfrm>
+            <a:off x="3884613" y="0"/>
+            <a:ext cx="2971800" cy="458788"/>
+          </a:xfrm>
+          <a:prstGeom prst="rect">
+            <a:avLst/>
+          </a:prstGeom>
+        </p:spPr>
+        <p:txBody>
+          <a:bodyPr vert="horz" lIns="91440" tIns="45720" rIns="91440" bIns="45720" rtlCol="0"/>
+          <a:lstStyle>
+            <a:lvl1pPr algn="r">
+              <a:defRPr sz="1200"/>
+            </a:lvl1pPr>
+          </a:lstStyle>
+          <a:p>
+            <a:fld id="{3B03D47E-AED4-8243-879A-55EC95DEF81D}" type="datetimeFigureOut">
+              <a:rPr kumimoji="1" lang="ja-JP" altLang="en-US" smtClean="0"/>
+              <a:t>2022/1/7</a:t>
+            </a:fld>
+            <a:endParaRPr kumimoji="1" lang="ja-JP" altLang="en-US"/>
+          </a:p>
+        </p:txBody>
+      </p:sp>
+      <p:sp>
+        <p:nvSpPr>
+          <p:cNvPr id="4" name="スライド イメージ プレースホルダー 3"/>
+          <p:cNvSpPr>
+            <a:spLocks noGrp="1" noRot="1" noChangeAspect="1"/>
+          </p:cNvSpPr>
+          <p:nvPr>
+            <p:ph type="sldImg" idx="2"/>
+          </p:nvPr>
+        </p:nvSpPr>
+        <p:spPr>
+          <a:xfrm>
+            <a:off x="685800" y="1143000"/>
+            <a:ext cx="5486400" cy="3086100"/>
+          </a:xfrm>
+          <a:prstGeom prst="rect">
+            <a:avLst/>
+          </a:prstGeom>
+          <a:noFill/>
+          <a:ln w="12700">
+            <a:solidFill>
+              <a:prstClr val="black"/>
+            </a:solidFill>
+          </a:ln>
+        </p:spPr>
+        <p:txBody>
+          <a:bodyPr vert="horz" lIns="91440" tIns="45720" rIns="91440" bIns="45720" rtlCol="0" anchor="ctr"/>
+          <a:lstStyle/>
+          <a:p>
+            <a:endParaRPr lang="ja-JP" altLang="en-US"/>
+          </a:p>
+        </p:txBody>
+      </p:sp>
+      <p:sp>
+        <p:nvSpPr>
+          <p:cNvPr id="5" name="ノート プレースホルダー 4"/>
+          <p:cNvSpPr>
+            <a:spLocks noGrp="1"/>
+          </p:cNvSpPr>
+          <p:nvPr>
+            <p:ph type="body" sz="quarter" idx="3"/>
+          </p:nvPr>
+        </p:nvSpPr>
+        <p:spPr>
+          <a:xfrm>
+            <a:off x="685800" y="4400550"/>
+            <a:ext cx="5486400" cy="3600450"/>
+          </a:xfrm>
+          <a:prstGeom prst="rect">
+            <a:avLst/>
+          </a:prstGeom>
+        </p:spPr>
+        <p:txBody>
+          <a:bodyPr vert="horz" lIns="91440" tIns="45720" rIns="91440" bIns="45720" rtlCol="0"/>
+          <a:lstStyle/>
+          <a:p>
+            <a:r>
+              <a:rPr kumimoji="1" lang="ja-JP" altLang="en-US"/>
+              <a:t>マスター テキストの書式設定
+第 </a:t>
+            </a:r>
+            <a:r>
+              <a:rPr kumimoji="1" lang="en-US" altLang="ja-JP"/>
+              <a:t>2 </a:t>
+            </a:r>
+            <a:r>
+              <a:rPr kumimoji="1" lang="ja-JP" altLang="en-US"/>
+              <a:t>レベル
+第 </a:t>
+            </a:r>
+            <a:r>
+              <a:rPr kumimoji="1" lang="en-US" altLang="ja-JP"/>
+              <a:t>3 </a:t>
+            </a:r>
+            <a:r>
+              <a:rPr kumimoji="1" lang="ja-JP" altLang="en-US"/>
+              <a:t>レベル
+第 </a:t>
+            </a:r>
+            <a:r>
+              <a:rPr kumimoji="1" lang="en-US" altLang="ja-JP"/>
+              <a:t>4 </a:t>
+            </a:r>
+            <a:r>
+              <a:rPr kumimoji="1" lang="ja-JP" altLang="en-US"/>
+              <a:t>レベル
+第 </a:t>
+            </a:r>
+            <a:r>
+              <a:rPr kumimoji="1" lang="en-US" altLang="ja-JP"/>
+              <a:t>5 </a:t>
+            </a:r>
+            <a:r>
+              <a:rPr kumimoji="1" lang="ja-JP" altLang="en-US"/>
+              <a:t>レベル</a:t>
+            </a:r>
+          </a:p>
+        </p:txBody>
+      </p:sp>
+      <p:sp>
+        <p:nvSpPr>
+          <p:cNvPr id="6" name="フッター プレースホルダー 5"/>
+          <p:cNvSpPr>
+            <a:spLocks noGrp="1"/>
+          </p:cNvSpPr>
+          <p:nvPr>
+            <p:ph type="ftr" sz="quarter" idx="4"/>
+          </p:nvPr>
+        </p:nvSpPr>
+        <p:spPr>
+          <a:xfrm>
+            <a:off x="0" y="8685213"/>
+            <a:ext cx="2971800" cy="458787"/>
+          </a:xfrm>
+          <a:prstGeom prst="rect">
+            <a:avLst/>
+          </a:prstGeom>
+        </p:spPr>
+        <p:txBody>
+          <a:bodyPr vert="horz" lIns="91440" tIns="45720" rIns="91440" bIns="45720" rtlCol="0" anchor="b"/>
+          <a:lstStyle>
+            <a:lvl1pPr algn="l">
+              <a:defRPr sz="1200"/>
+            </a:lvl1pPr>
+          </a:lstStyle>
+          <a:p>
+            <a:endParaRPr kumimoji="1" lang="ja-JP" altLang="en-US"/>
+          </a:p>
+        </p:txBody>
+      </p:sp>
+      <p:sp>
+        <p:nvSpPr>
+          <p:cNvPr id="7" name="スライド番号プレースホルダー 6"/>
+          <p:cNvSpPr>
+            <a:spLocks noGrp="1"/>
+          </p:cNvSpPr>
+          <p:nvPr>
+            <p:ph type="sldNum" sz="quarter" idx="5"/>
+          </p:nvPr>
+        </p:nvSpPr>
+        <p:spPr>
+          <a:xfrm>
+            <a:off x="3884613" y="8685213"/>
+            <a:ext cx="2971800" cy="458787"/>
+          </a:xfrm>
+          <a:prstGeom prst="rect">
+            <a:avLst/>
+          </a:prstGeom>
+        </p:spPr>
+        <p:txBody>
+          <a:bodyPr vert="horz" lIns="91440" tIns="45720" rIns="91440" bIns="45720" rtlCol="0" anchor="b"/>
+          <a:lstStyle>
+            <a:lvl1pPr algn="r">
+              <a:defRPr sz="1200"/>
+            </a:lvl1pPr>
+          </a:lstStyle>
+          <a:p>
+            <a:fld id="{CAD0DAA7-4C30-2D47-97C1-12961BDEFAB8}" type="slidenum">
+              <a:rPr kumimoji="1" lang="ja-JP" altLang="en-US" smtClean="0"/>
+              <a:t>‹#›</a:t>
+            </a:fld>
+            <a:endParaRPr kumimoji="1" lang="ja-JP" altLang="en-US"/>
+          </a:p>
+        </p:txBody>
+      </p:sp>
+    </p:spTree>
+    <p:extLst>
+      <p:ext uri="{BB962C8B-B14F-4D97-AF65-F5344CB8AC3E}">
+        <p14:creationId xmlns:p14="http://schemas.microsoft.com/office/powerpoint/2010/main" val="1993080720"/>
+      </p:ext>
+    </p:extLst>
+  </p:cSld>
+  <p:clrMap bg1="lt1" tx1="dk1" bg2="lt2" tx2="dk2" accent1="accent1" accent2="accent2" accent3="accent3" accent4="accent4" accent5="accent5" accent6="accent6" hlink="hlink" folHlink="folHlink"/>
+  <p:notesStyle>
+    <a:lvl1pPr marL="0" algn="l" defTabSz="914400" rtl="0" eaLnBrk="1" latinLnBrk="0" hangingPunct="1">
+      <a:defRPr kumimoji="1" sz="1200" kern="1200">
+        <a:solidFill>
+          <a:schemeClr val="tx1"/>
+        </a:solidFill>
+        <a:latin typeface="+mn-lt"/>
+        <a:ea typeface="+mn-ea"/>
+        <a:cs typeface="+mn-cs"/>
+      </a:defRPr>
+    </a:lvl1pPr>
+    <a:lvl2pPr marL="457200" algn="l" defTabSz="914400" rtl="0" eaLnBrk="1" latinLnBrk="0" hangingPunct="1">
+      <a:defRPr kumimoji="1" sz="1200" kern="1200">
+        <a:solidFill>
+          <a:schemeClr val="tx1"/>
+        </a:solidFill>
+        <a:latin typeface="+mn-lt"/>
+        <a:ea typeface="+mn-ea"/>
+        <a:cs typeface="+mn-cs"/>
+      </a:defRPr>
+    </a:lvl2pPr>
+    <a:lvl3pPr marL="914400" algn="l" defTabSz="914400" rtl="0" eaLnBrk="1" latinLnBrk="0" hangingPunct="1">
+      <a:defRPr kumimoji="1" sz="1200" kern="1200">
+        <a:solidFill>
+          <a:schemeClr val="tx1"/>
+        </a:solidFill>
+        <a:latin typeface="+mn-lt"/>
+        <a:ea typeface="+mn-ea"/>
+        <a:cs typeface="+mn-cs"/>
+      </a:defRPr>
+    </a:lvl3pPr>
+    <a:lvl4pPr marL="1371600" algn="l" defTabSz="914400" rtl="0" eaLnBrk="1" latinLnBrk="0" hangingPunct="1">
+      <a:defRPr kumimoji="1" sz="1200" kern="1200">
+        <a:solidFill>
+          <a:schemeClr val="tx1"/>
+        </a:solidFill>
+        <a:latin typeface="+mn-lt"/>
+        <a:ea typeface="+mn-ea"/>
+        <a:cs typeface="+mn-cs"/>
+      </a:defRPr>
+    </a:lvl4pPr>
+    <a:lvl5pPr marL="1828800" algn="l" defTabSz="914400" rtl="0" eaLnBrk="1" latinLnBrk="0" hangingPunct="1">
+      <a:defRPr kumimoji="1" sz="1200" kern="1200">
+        <a:solidFill>
+          <a:schemeClr val="tx1"/>
+        </a:solidFill>
+        <a:latin typeface="+mn-lt"/>
+        <a:ea typeface="+mn-ea"/>
+        <a:cs typeface="+mn-cs"/>
+      </a:defRPr>
+    </a:lvl5pPr>
+    <a:lvl6pPr marL="2286000" algn="l" defTabSz="914400" rtl="0" eaLnBrk="1" latinLnBrk="0" hangingPunct="1">
+      <a:defRPr kumimoji="1" sz="1200" kern="1200">
+        <a:solidFill>
+          <a:schemeClr val="tx1"/>
+        </a:solidFill>
+        <a:latin typeface="+mn-lt"/>
+        <a:ea typeface="+mn-ea"/>
+        <a:cs typeface="+mn-cs"/>
+      </a:defRPr>
+    </a:lvl6pPr>
+    <a:lvl7pPr marL="2743200" algn="l" defTabSz="914400" rtl="0" eaLnBrk="1" latinLnBrk="0" hangingPunct="1">
+      <a:defRPr kumimoji="1" sz="1200" kern="1200">
+        <a:solidFill>
+          <a:schemeClr val="tx1"/>
+        </a:solidFill>
+        <a:latin typeface="+mn-lt"/>
+        <a:ea typeface="+mn-ea"/>
+        <a:cs typeface="+mn-cs"/>
+      </a:defRPr>
+    </a:lvl7pPr>
+    <a:lvl8pPr marL="3200400" algn="l" defTabSz="914400" rtl="0" eaLnBrk="1" latinLnBrk="0" hangingPunct="1">
+      <a:defRPr kumimoji="1" sz="1200" kern="1200">
+        <a:solidFill>
+          <a:schemeClr val="tx1"/>
+        </a:solidFill>
+        <a:latin typeface="+mn-lt"/>
+        <a:ea typeface="+mn-ea"/>
+        <a:cs typeface="+mn-cs"/>
+      </a:defRPr>
+    </a:lvl8pPr>
+    <a:lvl9pPr marL="3657600" algn="l" defTabSz="914400" rtl="0" eaLnBrk="1" latinLnBrk="0" hangingPunct="1">
+      <a:defRPr kumimoji="1" sz="1200" kern="1200">
+        <a:solidFill>
+          <a:schemeClr val="tx1"/>
+        </a:solidFill>
+        <a:latin typeface="+mn-lt"/>
+        <a:ea typeface="+mn-ea"/>
+        <a:cs typeface="+mn-cs"/>
+      </a:defRPr>
+    </a:lvl9pPr>
+  </p:notesStyle>
+</p:notesMaster>
+</file>
+
+<file path=ppt/notesSlides/notesSlide1.xml><?xml version="1.0" encoding="utf-8"?>
+<p:notes xmlns:a="http://schemas.openxmlformats.org/drawingml/2006/main" xmlns:r="http://schemas.openxmlformats.org/officeDocument/2006/relationships" xmlns:p="http://schemas.openxmlformats.org/presentationml/2006/main">
+  <p:cSld>
+    <p:spTree>
+      <p:nvGrpSpPr>
+        <p:cNvPr id="1" name=""/>
+        <p:cNvGrpSpPr/>
+        <p:nvPr/>
+      </p:nvGrpSpPr>
+      <p:grpSpPr>
+        <a:xfrm>
+          <a:off x="0" y="0"/>
+          <a:ext cx="0" cy="0"/>
+          <a:chOff x="0" y="0"/>
+          <a:chExt cx="0" cy="0"/>
+        </a:xfrm>
+      </p:grpSpPr>
+      <p:sp>
+        <p:nvSpPr>
+          <p:cNvPr id="2" name="スライド イメージ プレースホルダー 1"/>
+          <p:cNvSpPr>
+            <a:spLocks noGrp="1" noRot="1" noChangeAspect="1"/>
+          </p:cNvSpPr>
+          <p:nvPr>
+            <p:ph type="sldImg"/>
+          </p:nvPr>
+        </p:nvSpPr>
+        <p:spPr/>
+      </p:sp>
+      <p:sp>
+        <p:nvSpPr>
+          <p:cNvPr id="3" name="ノート プレースホルダー 2"/>
+          <p:cNvSpPr>
+            <a:spLocks noGrp="1"/>
+          </p:cNvSpPr>
+          <p:nvPr>
+            <p:ph type="body" idx="1"/>
+          </p:nvPr>
+        </p:nvSpPr>
+        <p:spPr/>
+        <p:txBody>
+          <a:bodyPr/>
+          <a:lstStyle/>
+          <a:p>
+            <a:endParaRPr kumimoji="1" lang="ja-JP" altLang="en-US"/>
+          </a:p>
+        </p:txBody>
+      </p:sp>
+      <p:sp>
+        <p:nvSpPr>
+          <p:cNvPr id="4" name="スライド番号プレースホルダー 3"/>
+          <p:cNvSpPr>
+            <a:spLocks noGrp="1"/>
+          </p:cNvSpPr>
+          <p:nvPr>
+            <p:ph type="sldNum" sz="quarter" idx="5"/>
+          </p:nvPr>
+        </p:nvSpPr>
+        <p:spPr/>
+        <p:txBody>
+          <a:bodyPr/>
+          <a:lstStyle/>
+          <a:p>
+            <a:fld id="{CAD0DAA7-4C30-2D47-97C1-12961BDEFAB8}" type="slidenum">
+              <a:rPr kumimoji="1" lang="ja-JP" altLang="en-US" smtClean="0"/>
+              <a:t>37</a:t>
+            </a:fld>
+            <a:endParaRPr kumimoji="1" lang="ja-JP" altLang="en-US"/>
+          </a:p>
+        </p:txBody>
+      </p:sp>
+    </p:spTree>
+    <p:extLst>
+      <p:ext uri="{BB962C8B-B14F-4D97-AF65-F5344CB8AC3E}">
+        <p14:creationId xmlns:p14="http://schemas.microsoft.com/office/powerpoint/2010/main" val="1948715496"/>
+      </p:ext>
+    </p:extLst>
+  </p:cSld>
+  <p:clrMapOvr>
+    <a:masterClrMapping/>
+  </p:clrMapOvr>
+</p:notes>
+</file>
+
 <file path=ppt/slideLayouts/slideLayout1.xml><?xml version="1.0" encoding="utf-8"?>
 <p:sldLayout xmlns:a="http://schemas.openxmlformats.org/drawingml/2006/main" xmlns:r="http://schemas.openxmlformats.org/officeDocument/2006/relationships" xmlns:p="http://schemas.openxmlformats.org/presentationml/2006/main" type="title" preserve="1">
   <p:cSld name="タイトル スライド">
@@ -365,7 +808,7 @@
           <a:p>
             <a:fld id="{C8659C27-364E-C74E-8EB0-0FFA61AB3438}" type="datetimeFigureOut">
               <a:rPr kumimoji="1" lang="ja-JP" altLang="en-US" smtClean="0"/>
-              <a:t>2022/1/4</a:t>
+              <a:t>2022/1/7</a:t>
             </a:fld>
             <a:endParaRPr kumimoji="1" lang="ja-JP" altLang="en-US"/>
           </a:p>
@@ -740,7 +1183,7 @@
           <a:p>
             <a:fld id="{C8659C27-364E-C74E-8EB0-0FFA61AB3438}" type="datetimeFigureOut">
               <a:rPr kumimoji="1" lang="ja-JP" altLang="en-US" smtClean="0"/>
-              <a:t>2022/1/4</a:t>
+              <a:t>2022/1/7</a:t>
             </a:fld>
             <a:endParaRPr kumimoji="1" lang="ja-JP" altLang="en-US"/>
           </a:p>
@@ -1215,7 +1658,7 @@
           <a:p>
             <a:fld id="{C8659C27-364E-C74E-8EB0-0FFA61AB3438}" type="datetimeFigureOut">
               <a:rPr kumimoji="1" lang="ja-JP" altLang="en-US" smtClean="0"/>
-              <a:t>2022/1/4</a:t>
+              <a:t>2022/1/7</a:t>
             </a:fld>
             <a:endParaRPr kumimoji="1" lang="ja-JP" altLang="en-US"/>
           </a:p>
@@ -1588,7 +2031,7 @@
           <a:p>
             <a:fld id="{C8659C27-364E-C74E-8EB0-0FFA61AB3438}" type="datetimeFigureOut">
               <a:rPr kumimoji="1" lang="ja-JP" altLang="en-US" smtClean="0"/>
-              <a:t>2022/1/4</a:t>
+              <a:t>2022/1/7</a:t>
             </a:fld>
             <a:endParaRPr kumimoji="1" lang="ja-JP" altLang="en-US"/>
           </a:p>
@@ -1982,7 +2425,7 @@
           <a:p>
             <a:fld id="{C8659C27-364E-C74E-8EB0-0FFA61AB3438}" type="datetimeFigureOut">
               <a:rPr kumimoji="1" lang="ja-JP" altLang="en-US" smtClean="0"/>
-              <a:t>2022/1/4</a:t>
+              <a:t>2022/1/7</a:t>
             </a:fld>
             <a:endParaRPr kumimoji="1" lang="ja-JP" altLang="en-US"/>
           </a:p>
@@ -2452,7 +2895,7 @@
           <a:p>
             <a:fld id="{C8659C27-364E-C74E-8EB0-0FFA61AB3438}" type="datetimeFigureOut">
               <a:rPr kumimoji="1" lang="ja-JP" altLang="en-US" smtClean="0"/>
-              <a:t>2022/1/4</a:t>
+              <a:t>2022/1/7</a:t>
             </a:fld>
             <a:endParaRPr kumimoji="1" lang="ja-JP" altLang="en-US"/>
           </a:p>
@@ -2717,7 +3160,7 @@
           <a:p>
             <a:fld id="{C8659C27-364E-C74E-8EB0-0FFA61AB3438}" type="datetimeFigureOut">
               <a:rPr kumimoji="1" lang="ja-JP" altLang="en-US" smtClean="0"/>
-              <a:t>2022/1/4</a:t>
+              <a:t>2022/1/7</a:t>
             </a:fld>
             <a:endParaRPr kumimoji="1" lang="ja-JP" altLang="en-US"/>
           </a:p>
@@ -2987,7 +3430,7 @@
           <a:p>
             <a:fld id="{C8659C27-364E-C74E-8EB0-0FFA61AB3438}" type="datetimeFigureOut">
               <a:rPr kumimoji="1" lang="ja-JP" altLang="en-US" smtClean="0"/>
-              <a:t>2022/1/4</a:t>
+              <a:t>2022/1/7</a:t>
             </a:fld>
             <a:endParaRPr kumimoji="1" lang="ja-JP" altLang="en-US"/>
           </a:p>
@@ -3257,7 +3700,7 @@
           <a:p>
             <a:fld id="{C8659C27-364E-C74E-8EB0-0FFA61AB3438}" type="datetimeFigureOut">
               <a:rPr kumimoji="1" lang="ja-JP" altLang="en-US" smtClean="0"/>
-              <a:t>2022/1/4</a:t>
+              <a:t>2022/1/7</a:t>
             </a:fld>
             <a:endParaRPr kumimoji="1" lang="ja-JP" altLang="en-US"/>
           </a:p>
@@ -3623,7 +4066,7 @@
           <a:p>
             <a:fld id="{C8659C27-364E-C74E-8EB0-0FFA61AB3438}" type="datetimeFigureOut">
               <a:rPr kumimoji="1" lang="ja-JP" altLang="en-US" smtClean="0"/>
-              <a:t>2022/1/4</a:t>
+              <a:t>2022/1/7</a:t>
             </a:fld>
             <a:endParaRPr kumimoji="1" lang="ja-JP" altLang="en-US"/>
           </a:p>
@@ -3962,7 +4405,7 @@
           <a:p>
             <a:fld id="{C8659C27-364E-C74E-8EB0-0FFA61AB3438}" type="datetimeFigureOut">
               <a:rPr kumimoji="1" lang="ja-JP" altLang="en-US" smtClean="0"/>
-              <a:t>2022/1/4</a:t>
+              <a:t>2022/1/7</a:t>
             </a:fld>
             <a:endParaRPr kumimoji="1" lang="ja-JP" altLang="en-US"/>
           </a:p>
@@ -4509,7 +4952,7 @@
           <a:p>
             <a:fld id="{C8659C27-364E-C74E-8EB0-0FFA61AB3438}" type="datetimeFigureOut">
               <a:rPr kumimoji="1" lang="ja-JP" altLang="en-US" smtClean="0"/>
-              <a:t>2022/1/4</a:t>
+              <a:t>2022/1/7</a:t>
             </a:fld>
             <a:endParaRPr kumimoji="1" lang="ja-JP" altLang="en-US"/>
           </a:p>
@@ -4714,7 +5157,7 @@
           <a:p>
             <a:fld id="{C8659C27-364E-C74E-8EB0-0FFA61AB3438}" type="datetimeFigureOut">
               <a:rPr kumimoji="1" lang="ja-JP" altLang="en-US" smtClean="0"/>
-              <a:t>2022/1/4</a:t>
+              <a:t>2022/1/7</a:t>
             </a:fld>
             <a:endParaRPr kumimoji="1" lang="ja-JP" altLang="en-US"/>
           </a:p>
@@ -4891,7 +5334,7 @@
           <a:p>
             <a:fld id="{C8659C27-364E-C74E-8EB0-0FFA61AB3438}" type="datetimeFigureOut">
               <a:rPr kumimoji="1" lang="ja-JP" altLang="en-US" smtClean="0"/>
-              <a:t>2022/1/4</a:t>
+              <a:t>2022/1/7</a:t>
             </a:fld>
             <a:endParaRPr kumimoji="1" lang="ja-JP" altLang="en-US"/>
           </a:p>
@@ -5269,7 +5712,7 @@
           <a:p>
             <a:fld id="{C8659C27-364E-C74E-8EB0-0FFA61AB3438}" type="datetimeFigureOut">
               <a:rPr kumimoji="1" lang="ja-JP" altLang="en-US" smtClean="0"/>
-              <a:t>2022/1/4</a:t>
+              <a:t>2022/1/7</a:t>
             </a:fld>
             <a:endParaRPr kumimoji="1" lang="ja-JP" altLang="en-US"/>
           </a:p>
@@ -5651,7 +6094,7 @@
           <a:p>
             <a:fld id="{C8659C27-364E-C74E-8EB0-0FFA61AB3438}" type="datetimeFigureOut">
               <a:rPr kumimoji="1" lang="ja-JP" altLang="en-US" smtClean="0"/>
-              <a:t>2022/1/4</a:t>
+              <a:t>2022/1/7</a:t>
             </a:fld>
             <a:endParaRPr kumimoji="1" lang="ja-JP" altLang="en-US"/>
           </a:p>
@@ -7776,7 +8219,7 @@
           <a:p>
             <a:fld id="{C8659C27-364E-C74E-8EB0-0FFA61AB3438}" type="datetimeFigureOut">
               <a:rPr kumimoji="1" lang="ja-JP" altLang="en-US" smtClean="0"/>
-              <a:t>2022/1/4</a:t>
+              <a:t>2022/1/7</a:t>
             </a:fld>
             <a:endParaRPr kumimoji="1" lang="ja-JP" altLang="en-US"/>
           </a:p>
@@ -15593,7 +16036,7 @@
             </a:r>
             <a:r>
               <a:rPr lang="en" altLang="ja-JP" sz="2400" dirty="0"/>
-              <a:t> evaluation function.</a:t>
+              <a:t> evaluate function.</a:t>
             </a:r>
           </a:p>
           <a:p>
@@ -15833,7 +16276,7 @@
           <a:p>
             <a:r>
               <a:rPr lang="en" altLang="ja-JP" sz="2400" dirty="0"/>
-              <a:t>moving from solution to solution in the space of candidate solutions by applying local changes</a:t>
+              <a:t>moving from solution to solution in the space of candidate by applying local changes</a:t>
             </a:r>
           </a:p>
           <a:p>
@@ -15845,7 +16288,7 @@
           <a:p>
             <a:r>
               <a:rPr lang="en-US" altLang="ja-JP" sz="2400" dirty="0"/>
-              <a:t>In this research, we use shift neighborhood and swap neighborhood</a:t>
+              <a:t>In this research, we use shift neighborhood and swap neighborhood.</a:t>
             </a:r>
           </a:p>
           <a:p>
@@ -15955,7 +16398,7 @@
             </a:r>
             <a:r>
               <a:rPr kumimoji="1" lang="en-US" altLang="ja-JP" sz="2400" dirty="0"/>
-              <a:t>reassigning one order which was assigned to a segment to another segment</a:t>
+              <a:t>reassigning one order which was assigned to a segment to another segment. </a:t>
             </a:r>
           </a:p>
           <a:p>
@@ -17811,7 +18254,7 @@
             </a:pPr>
             <a:r>
               <a:rPr lang="en" altLang="ja-JP" sz="2000" dirty="0"/>
-              <a:t>In this case, we insert only before and after order F,  and select the best insertion position.</a:t>
+              <a:t>In this case, we insert only before and after booking F,  and select the best insertion position.</a:t>
             </a:r>
           </a:p>
           <a:p>
@@ -18121,7 +18564,7 @@
                       </a:txBody>
                       <a:tcPr>
                         <a:blipFill>
-                          <a:blip r:embed="rId2"/>
+                          <a:blip r:embed="rId3"/>
                           <a:stretch>
                             <a:fillRect l="-100455" t="-6667" r="-100909" b="-120000"/>
                           </a:stretch>
@@ -18138,7 +18581,7 @@
                       </a:txBody>
                       <a:tcPr>
                         <a:blipFill>
-                          <a:blip r:embed="rId2"/>
+                          <a:blip r:embed="rId3"/>
                           <a:stretch>
                             <a:fillRect l="-199548" t="-6667" r="-452" b="-120000"/>
                           </a:stretch>
@@ -18312,14 +18755,14 @@
             <p:ph idx="1"/>
             <p:extLst>
               <p:ext uri="{D42A27DB-BD31-4B8C-83A1-F6EECF244321}">
-                <p14:modId xmlns:p14="http://schemas.microsoft.com/office/powerpoint/2010/main" val="1578251292"/>
+                <p14:modId xmlns:p14="http://schemas.microsoft.com/office/powerpoint/2010/main" val="1269495162"/>
               </p:ext>
             </p:extLst>
           </p:nvPr>
         </p:nvGraphicFramePr>
         <p:xfrm>
           <a:off x="2030506" y="2600914"/>
-          <a:ext cx="8564388" cy="3139440"/>
+          <a:ext cx="8564388" cy="3230880"/>
         </p:xfrm>
         <a:graphic>
           <a:graphicData uri="http://schemas.openxmlformats.org/drawingml/2006/table">
@@ -18496,12 +18939,8 @@
                     <a:p>
                       <a:pPr algn="ctr"/>
                       <a:r>
-                        <a:rPr kumimoji="1" lang="en-US" altLang="ja-JP" sz="2000" dirty="0" err="1"/>
-                        <a:t>Num</a:t>
-                      </a:r>
-                      <a:r>
                         <a:rPr kumimoji="1" lang="en-US" altLang="ja-JP" sz="2000" dirty="0"/>
-                        <a:t> of orders</a:t>
+                        <a:t>Number of orders</a:t>
                       </a:r>
                       <a:endParaRPr kumimoji="1" lang="ja-JP" altLang="en-US" sz="2000"/>
                     </a:p>
@@ -18515,12 +18954,8 @@
                     <a:p>
                       <a:pPr algn="ctr"/>
                       <a:r>
-                        <a:rPr kumimoji="1" lang="en-US" altLang="ja-JP" sz="2000" dirty="0" err="1"/>
-                        <a:t>Num</a:t>
-                      </a:r>
-                      <a:r>
                         <a:rPr kumimoji="1" lang="en-US" altLang="ja-JP" sz="2000" dirty="0"/>
-                        <a:t> </a:t>
+                        <a:t>Number </a:t>
                       </a:r>
                     </a:p>
                     <a:p>
@@ -18541,12 +18976,8 @@
                     <a:p>
                       <a:pPr algn="ctr"/>
                       <a:r>
-                        <a:rPr kumimoji="1" lang="en-US" altLang="ja-JP" sz="2000" dirty="0" err="1"/>
-                        <a:t>Num</a:t>
-                      </a:r>
-                      <a:r>
                         <a:rPr kumimoji="1" lang="en-US" altLang="ja-JP" sz="2000" dirty="0"/>
-                        <a:t> </a:t>
+                        <a:t>Number</a:t>
                       </a:r>
                     </a:p>
                     <a:p>
@@ -34121,4 +34552,299 @@
     </a:ext>
   </a:extLst>
 </a:theme>
+</file>
+
+<file path=ppt/theme/theme2.xml><?xml version="1.0" encoding="utf-8"?>
+<a:theme xmlns:a="http://schemas.openxmlformats.org/drawingml/2006/main" name="Office テーマ">
+  <a:themeElements>
+    <a:clrScheme name="Office">
+      <a:dk1>
+        <a:sysClr val="windowText" lastClr="000000"/>
+      </a:dk1>
+      <a:lt1>
+        <a:sysClr val="window" lastClr="FFFFFF"/>
+      </a:lt1>
+      <a:dk2>
+        <a:srgbClr val="44546A"/>
+      </a:dk2>
+      <a:lt2>
+        <a:srgbClr val="E7E6E6"/>
+      </a:lt2>
+      <a:accent1>
+        <a:srgbClr val="4472C4"/>
+      </a:accent1>
+      <a:accent2>
+        <a:srgbClr val="ED7D31"/>
+      </a:accent2>
+      <a:accent3>
+        <a:srgbClr val="A5A5A5"/>
+      </a:accent3>
+      <a:accent4>
+        <a:srgbClr val="FFC000"/>
+      </a:accent4>
+      <a:accent5>
+        <a:srgbClr val="5B9BD5"/>
+      </a:accent5>
+      <a:accent6>
+        <a:srgbClr val="70AD47"/>
+      </a:accent6>
+      <a:hlink>
+        <a:srgbClr val="0563C1"/>
+      </a:hlink>
+      <a:folHlink>
+        <a:srgbClr val="954F72"/>
+      </a:folHlink>
+    </a:clrScheme>
+    <a:fontScheme name="Office">
+      <a:majorFont>
+        <a:latin typeface="游ゴシック Light" panose="020F0302020204030204"/>
+        <a:ea typeface=""/>
+        <a:cs typeface=""/>
+        <a:font script="Jpan" typeface="游ゴシック Light"/>
+        <a:font script="Hang" typeface="맑은 고딕"/>
+        <a:font script="Hans" typeface="等线 Light"/>
+        <a:font script="Hant" typeface="新細明體"/>
+        <a:font script="Arab" typeface="Times New Roman"/>
+        <a:font script="Hebr" typeface="Times New Roman"/>
+        <a:font script="Thai" typeface="Angsana New"/>
+        <a:font script="Ethi" typeface="Nyala"/>
+        <a:font script="Beng" typeface="Vrinda"/>
+        <a:font script="Gujr" typeface="Shruti"/>
+        <a:font script="Khmr" typeface="MoolBoran"/>
+        <a:font script="Knda" typeface="Tunga"/>
+        <a:font script="Guru" typeface="Raavi"/>
+        <a:font script="Cans" typeface="Euphemia"/>
+        <a:font script="Cher" typeface="Plantagenet Cherokee"/>
+        <a:font script="Yiii" typeface="Microsoft Yi Baiti"/>
+        <a:font script="Tibt" typeface="Microsoft Himalaya"/>
+        <a:font script="Thaa" typeface="MV Boli"/>
+        <a:font script="Deva" typeface="Mangal"/>
+        <a:font script="Telu" typeface="Gautami"/>
+        <a:font script="Taml" typeface="Latha"/>
+        <a:font script="Syrc" typeface="Estrangelo Edessa"/>
+        <a:font script="Orya" typeface="Kalinga"/>
+        <a:font script="Mlym" typeface="Kartika"/>
+        <a:font script="Laoo" typeface="DokChampa"/>
+        <a:font script="Sinh" typeface="Iskoola Pota"/>
+        <a:font script="Mong" typeface="Mongolian Baiti"/>
+        <a:font script="Viet" typeface="Times New Roman"/>
+        <a:font script="Uigh" typeface="Microsoft Uighur"/>
+        <a:font script="Geor" typeface="Sylfaen"/>
+        <a:font script="Armn" typeface="Arial"/>
+        <a:font script="Bugi" typeface="Leelawadee UI"/>
+        <a:font script="Bopo" typeface="Microsoft JhengHei"/>
+        <a:font script="Java" typeface="Javanese Text"/>
+        <a:font script="Lisu" typeface="Segoe UI"/>
+        <a:font script="Mymr" typeface="Myanmar Text"/>
+        <a:font script="Nkoo" typeface="Ebrima"/>
+        <a:font script="Olck" typeface="Nirmala UI"/>
+        <a:font script="Osma" typeface="Ebrima"/>
+        <a:font script="Phag" typeface="Phagspa"/>
+        <a:font script="Syrn" typeface="Estrangelo Edessa"/>
+        <a:font script="Syrj" typeface="Estrangelo Edessa"/>
+        <a:font script="Syre" typeface="Estrangelo Edessa"/>
+        <a:font script="Sora" typeface="Nirmala UI"/>
+        <a:font script="Tale" typeface="Microsoft Tai Le"/>
+        <a:font script="Talu" typeface="Microsoft New Tai Lue"/>
+        <a:font script="Tfng" typeface="Ebrima"/>
+      </a:majorFont>
+      <a:minorFont>
+        <a:latin typeface="游ゴシック" panose="020F0502020204030204"/>
+        <a:ea typeface=""/>
+        <a:cs typeface=""/>
+        <a:font script="Jpan" typeface="游ゴシック"/>
+        <a:font script="Hang" typeface="맑은 고딕"/>
+        <a:font script="Hans" typeface="等线"/>
+        <a:font script="Hant" typeface="新細明體"/>
+        <a:font script="Arab" typeface="Arial"/>
+        <a:font script="Hebr" typeface="Arial"/>
+        <a:font script="Thai" typeface="Cordia New"/>
+        <a:font script="Ethi" typeface="Nyala"/>
+        <a:font script="Beng" typeface="Vrinda"/>
+        <a:font script="Gujr" typeface="Shruti"/>
+        <a:font script="Khmr" typeface="DaunPenh"/>
+        <a:font script="Knda" typeface="Tunga"/>
+        <a:font script="Guru" typeface="Raavi"/>
+        <a:font script="Cans" typeface="Euphemia"/>
+        <a:font script="Cher" typeface="Plantagenet Cherokee"/>
+        <a:font script="Yiii" typeface="Microsoft Yi Baiti"/>
+        <a:font script="Tibt" typeface="Microsoft Himalaya"/>
+        <a:font script="Thaa" typeface="MV Boli"/>
+        <a:font script="Deva" typeface="Mangal"/>
+        <a:font script="Telu" typeface="Gautami"/>
+        <a:font script="Taml" typeface="Latha"/>
+        <a:font script="Syrc" typeface="Estrangelo Edessa"/>
+        <a:font script="Orya" typeface="Kalinga"/>
+        <a:font script="Mlym" typeface="Kartika"/>
+        <a:font script="Laoo" typeface="DokChampa"/>
+        <a:font script="Sinh" typeface="Iskoola Pota"/>
+        <a:font script="Mong" typeface="Mongolian Baiti"/>
+        <a:font script="Viet" typeface="Arial"/>
+        <a:font script="Uigh" typeface="Microsoft Uighur"/>
+        <a:font script="Geor" typeface="Sylfaen"/>
+        <a:font script="Armn" typeface="Arial"/>
+        <a:font script="Bugi" typeface="Leelawadee UI"/>
+        <a:font script="Bopo" typeface="Microsoft JhengHei"/>
+        <a:font script="Java" typeface="Javanese Text"/>
+        <a:font script="Lisu" typeface="Segoe UI"/>
+        <a:font script="Mymr" typeface="Myanmar Text"/>
+        <a:font script="Nkoo" typeface="Ebrima"/>
+        <a:font script="Olck" typeface="Nirmala UI"/>
+        <a:font script="Osma" typeface="Ebrima"/>
+        <a:font script="Phag" typeface="Phagspa"/>
+        <a:font script="Syrn" typeface="Estrangelo Edessa"/>
+        <a:font script="Syrj" typeface="Estrangelo Edessa"/>
+        <a:font script="Syre" typeface="Estrangelo Edessa"/>
+        <a:font script="Sora" typeface="Nirmala UI"/>
+        <a:font script="Tale" typeface="Microsoft Tai Le"/>
+        <a:font script="Talu" typeface="Microsoft New Tai Lue"/>
+        <a:font script="Tfng" typeface="Ebrima"/>
+      </a:minorFont>
+    </a:fontScheme>
+    <a:fmtScheme name="Office">
+      <a:fillStyleLst>
+        <a:solidFill>
+          <a:schemeClr val="phClr"/>
+        </a:solidFill>
+        <a:gradFill rotWithShape="1">
+          <a:gsLst>
+            <a:gs pos="0">
+              <a:schemeClr val="phClr">
+                <a:lumMod val="110000"/>
+                <a:satMod val="105000"/>
+                <a:tint val="67000"/>
+              </a:schemeClr>
+            </a:gs>
+            <a:gs pos="50000">
+              <a:schemeClr val="phClr">
+                <a:lumMod val="105000"/>
+                <a:satMod val="103000"/>
+                <a:tint val="73000"/>
+              </a:schemeClr>
+            </a:gs>
+            <a:gs pos="100000">
+              <a:schemeClr val="phClr">
+                <a:lumMod val="105000"/>
+                <a:satMod val="109000"/>
+                <a:tint val="81000"/>
+              </a:schemeClr>
+            </a:gs>
+          </a:gsLst>
+          <a:lin ang="5400000" scaled="0"/>
+        </a:gradFill>
+        <a:gradFill rotWithShape="1">
+          <a:gsLst>
+            <a:gs pos="0">
+              <a:schemeClr val="phClr">
+                <a:satMod val="103000"/>
+                <a:lumMod val="102000"/>
+                <a:tint val="94000"/>
+              </a:schemeClr>
+            </a:gs>
+            <a:gs pos="50000">
+              <a:schemeClr val="phClr">
+                <a:satMod val="110000"/>
+                <a:lumMod val="100000"/>
+                <a:shade val="100000"/>
+              </a:schemeClr>
+            </a:gs>
+            <a:gs pos="100000">
+              <a:schemeClr val="phClr">
+                <a:lumMod val="99000"/>
+                <a:satMod val="120000"/>
+                <a:shade val="78000"/>
+              </a:schemeClr>
+            </a:gs>
+          </a:gsLst>
+          <a:lin ang="5400000" scaled="0"/>
+        </a:gradFill>
+      </a:fillStyleLst>
+      <a:lnStyleLst>
+        <a:ln w="6350" cap="flat" cmpd="sng" algn="ctr">
+          <a:solidFill>
+            <a:schemeClr val="phClr"/>
+          </a:solidFill>
+          <a:prstDash val="solid"/>
+          <a:miter lim="800000"/>
+        </a:ln>
+        <a:ln w="12700" cap="flat" cmpd="sng" algn="ctr">
+          <a:solidFill>
+            <a:schemeClr val="phClr"/>
+          </a:solidFill>
+          <a:prstDash val="solid"/>
+          <a:miter lim="800000"/>
+        </a:ln>
+        <a:ln w="19050" cap="flat" cmpd="sng" algn="ctr">
+          <a:solidFill>
+            <a:schemeClr val="phClr"/>
+          </a:solidFill>
+          <a:prstDash val="solid"/>
+          <a:miter lim="800000"/>
+        </a:ln>
+      </a:lnStyleLst>
+      <a:effectStyleLst>
+        <a:effectStyle>
+          <a:effectLst/>
+        </a:effectStyle>
+        <a:effectStyle>
+          <a:effectLst/>
+        </a:effectStyle>
+        <a:effectStyle>
+          <a:effectLst>
+            <a:outerShdw blurRad="57150" dist="19050" dir="5400000" algn="ctr" rotWithShape="0">
+              <a:srgbClr val="000000">
+                <a:alpha val="63000"/>
+              </a:srgbClr>
+            </a:outerShdw>
+          </a:effectLst>
+        </a:effectStyle>
+      </a:effectStyleLst>
+      <a:bgFillStyleLst>
+        <a:solidFill>
+          <a:schemeClr val="phClr"/>
+        </a:solidFill>
+        <a:solidFill>
+          <a:schemeClr val="phClr">
+            <a:tint val="95000"/>
+            <a:satMod val="170000"/>
+          </a:schemeClr>
+        </a:solidFill>
+        <a:gradFill rotWithShape="1">
+          <a:gsLst>
+            <a:gs pos="0">
+              <a:schemeClr val="phClr">
+                <a:tint val="93000"/>
+                <a:satMod val="150000"/>
+                <a:shade val="98000"/>
+                <a:lumMod val="102000"/>
+              </a:schemeClr>
+            </a:gs>
+            <a:gs pos="50000">
+              <a:schemeClr val="phClr">
+                <a:tint val="98000"/>
+                <a:satMod val="130000"/>
+                <a:shade val="90000"/>
+                <a:lumMod val="103000"/>
+              </a:schemeClr>
+            </a:gs>
+            <a:gs pos="100000">
+              <a:schemeClr val="phClr">
+                <a:shade val="63000"/>
+                <a:satMod val="120000"/>
+              </a:schemeClr>
+            </a:gs>
+          </a:gsLst>
+          <a:lin ang="5400000" scaled="0"/>
+        </a:gradFill>
+      </a:bgFillStyleLst>
+    </a:fmtScheme>
+  </a:themeElements>
+  <a:objectDefaults/>
+  <a:extraClrSchemeLst/>
+  <a:extLst>
+    <a:ext uri="{05A4C25C-085E-4340-85A3-A5531E510DB2}">
+      <thm15:themeFamily xmlns:thm15="http://schemas.microsoft.com/office/thememl/2012/main" name="Office Theme" id="{62F939B6-93AF-4DB8-9C6B-D6C7DFDC589F}" vid="{4A3C46E8-61CC-4603-A589-7422A47A8E4A}"/>
+    </a:ext>
+  </a:extLst>
+</a:theme>
 </file>
--- a/竹田.pptx
+++ b/竹田.pptx
@@ -262,7 +262,7 @@
           <a:p>
             <a:fld id="{3B03D47E-AED4-8243-879A-55EC95DEF81D}" type="datetimeFigureOut">
               <a:rPr kumimoji="1" lang="ja-JP" altLang="en-US" smtClean="0"/>
-              <a:t>2022/1/7</a:t>
+              <a:t>2022/1/8</a:t>
             </a:fld>
             <a:endParaRPr kumimoji="1" lang="ja-JP" altLang="en-US"/>
           </a:p>
@@ -808,7 +808,7 @@
           <a:p>
             <a:fld id="{C8659C27-364E-C74E-8EB0-0FFA61AB3438}" type="datetimeFigureOut">
               <a:rPr kumimoji="1" lang="ja-JP" altLang="en-US" smtClean="0"/>
-              <a:t>2022/1/7</a:t>
+              <a:t>2022/1/8</a:t>
             </a:fld>
             <a:endParaRPr kumimoji="1" lang="ja-JP" altLang="en-US"/>
           </a:p>
@@ -1183,7 +1183,7 @@
           <a:p>
             <a:fld id="{C8659C27-364E-C74E-8EB0-0FFA61AB3438}" type="datetimeFigureOut">
               <a:rPr kumimoji="1" lang="ja-JP" altLang="en-US" smtClean="0"/>
-              <a:t>2022/1/7</a:t>
+              <a:t>2022/1/8</a:t>
             </a:fld>
             <a:endParaRPr kumimoji="1" lang="ja-JP" altLang="en-US"/>
           </a:p>
@@ -1658,7 +1658,7 @@
           <a:p>
             <a:fld id="{C8659C27-364E-C74E-8EB0-0FFA61AB3438}" type="datetimeFigureOut">
               <a:rPr kumimoji="1" lang="ja-JP" altLang="en-US" smtClean="0"/>
-              <a:t>2022/1/7</a:t>
+              <a:t>2022/1/8</a:t>
             </a:fld>
             <a:endParaRPr kumimoji="1" lang="ja-JP" altLang="en-US"/>
           </a:p>
@@ -2031,7 +2031,7 @@
           <a:p>
             <a:fld id="{C8659C27-364E-C74E-8EB0-0FFA61AB3438}" type="datetimeFigureOut">
               <a:rPr kumimoji="1" lang="ja-JP" altLang="en-US" smtClean="0"/>
-              <a:t>2022/1/7</a:t>
+              <a:t>2022/1/8</a:t>
             </a:fld>
             <a:endParaRPr kumimoji="1" lang="ja-JP" altLang="en-US"/>
           </a:p>
@@ -2425,7 +2425,7 @@
           <a:p>
             <a:fld id="{C8659C27-364E-C74E-8EB0-0FFA61AB3438}" type="datetimeFigureOut">
               <a:rPr kumimoji="1" lang="ja-JP" altLang="en-US" smtClean="0"/>
-              <a:t>2022/1/7</a:t>
+              <a:t>2022/1/8</a:t>
             </a:fld>
             <a:endParaRPr kumimoji="1" lang="ja-JP" altLang="en-US"/>
           </a:p>
@@ -2895,7 +2895,7 @@
           <a:p>
             <a:fld id="{C8659C27-364E-C74E-8EB0-0FFA61AB3438}" type="datetimeFigureOut">
               <a:rPr kumimoji="1" lang="ja-JP" altLang="en-US" smtClean="0"/>
-              <a:t>2022/1/7</a:t>
+              <a:t>2022/1/8</a:t>
             </a:fld>
             <a:endParaRPr kumimoji="1" lang="ja-JP" altLang="en-US"/>
           </a:p>
@@ -3160,7 +3160,7 @@
           <a:p>
             <a:fld id="{C8659C27-364E-C74E-8EB0-0FFA61AB3438}" type="datetimeFigureOut">
               <a:rPr kumimoji="1" lang="ja-JP" altLang="en-US" smtClean="0"/>
-              <a:t>2022/1/7</a:t>
+              <a:t>2022/1/8</a:t>
             </a:fld>
             <a:endParaRPr kumimoji="1" lang="ja-JP" altLang="en-US"/>
           </a:p>
@@ -3430,7 +3430,7 @@
           <a:p>
             <a:fld id="{C8659C27-364E-C74E-8EB0-0FFA61AB3438}" type="datetimeFigureOut">
               <a:rPr kumimoji="1" lang="ja-JP" altLang="en-US" smtClean="0"/>
-              <a:t>2022/1/7</a:t>
+              <a:t>2022/1/8</a:t>
             </a:fld>
             <a:endParaRPr kumimoji="1" lang="ja-JP" altLang="en-US"/>
           </a:p>
@@ -3700,7 +3700,7 @@
           <a:p>
             <a:fld id="{C8659C27-364E-C74E-8EB0-0FFA61AB3438}" type="datetimeFigureOut">
               <a:rPr kumimoji="1" lang="ja-JP" altLang="en-US" smtClean="0"/>
-              <a:t>2022/1/7</a:t>
+              <a:t>2022/1/8</a:t>
             </a:fld>
             <a:endParaRPr kumimoji="1" lang="ja-JP" altLang="en-US"/>
           </a:p>
@@ -4066,7 +4066,7 @@
           <a:p>
             <a:fld id="{C8659C27-364E-C74E-8EB0-0FFA61AB3438}" type="datetimeFigureOut">
               <a:rPr kumimoji="1" lang="ja-JP" altLang="en-US" smtClean="0"/>
-              <a:t>2022/1/7</a:t>
+              <a:t>2022/1/8</a:t>
             </a:fld>
             <a:endParaRPr kumimoji="1" lang="ja-JP" altLang="en-US"/>
           </a:p>
@@ -4405,7 +4405,7 @@
           <a:p>
             <a:fld id="{C8659C27-364E-C74E-8EB0-0FFA61AB3438}" type="datetimeFigureOut">
               <a:rPr kumimoji="1" lang="ja-JP" altLang="en-US" smtClean="0"/>
-              <a:t>2022/1/7</a:t>
+              <a:t>2022/1/8</a:t>
             </a:fld>
             <a:endParaRPr kumimoji="1" lang="ja-JP" altLang="en-US"/>
           </a:p>
@@ -4952,7 +4952,7 @@
           <a:p>
             <a:fld id="{C8659C27-364E-C74E-8EB0-0FFA61AB3438}" type="datetimeFigureOut">
               <a:rPr kumimoji="1" lang="ja-JP" altLang="en-US" smtClean="0"/>
-              <a:t>2022/1/7</a:t>
+              <a:t>2022/1/8</a:t>
             </a:fld>
             <a:endParaRPr kumimoji="1" lang="ja-JP" altLang="en-US"/>
           </a:p>
@@ -5157,7 +5157,7 @@
           <a:p>
             <a:fld id="{C8659C27-364E-C74E-8EB0-0FFA61AB3438}" type="datetimeFigureOut">
               <a:rPr kumimoji="1" lang="ja-JP" altLang="en-US" smtClean="0"/>
-              <a:t>2022/1/7</a:t>
+              <a:t>2022/1/8</a:t>
             </a:fld>
             <a:endParaRPr kumimoji="1" lang="ja-JP" altLang="en-US"/>
           </a:p>
@@ -5334,7 +5334,7 @@
           <a:p>
             <a:fld id="{C8659C27-364E-C74E-8EB0-0FFA61AB3438}" type="datetimeFigureOut">
               <a:rPr kumimoji="1" lang="ja-JP" altLang="en-US" smtClean="0"/>
-              <a:t>2022/1/7</a:t>
+              <a:t>2022/1/8</a:t>
             </a:fld>
             <a:endParaRPr kumimoji="1" lang="ja-JP" altLang="en-US"/>
           </a:p>
@@ -5712,7 +5712,7 @@
           <a:p>
             <a:fld id="{C8659C27-364E-C74E-8EB0-0FFA61AB3438}" type="datetimeFigureOut">
               <a:rPr kumimoji="1" lang="ja-JP" altLang="en-US" smtClean="0"/>
-              <a:t>2022/1/7</a:t>
+              <a:t>2022/1/8</a:t>
             </a:fld>
             <a:endParaRPr kumimoji="1" lang="ja-JP" altLang="en-US"/>
           </a:p>
@@ -6094,7 +6094,7 @@
           <a:p>
             <a:fld id="{C8659C27-364E-C74E-8EB0-0FFA61AB3438}" type="datetimeFigureOut">
               <a:rPr kumimoji="1" lang="ja-JP" altLang="en-US" smtClean="0"/>
-              <a:t>2022/1/7</a:t>
+              <a:t>2022/1/8</a:t>
             </a:fld>
             <a:endParaRPr kumimoji="1" lang="ja-JP" altLang="en-US"/>
           </a:p>
@@ -8219,7 +8219,7 @@
           <a:p>
             <a:fld id="{C8659C27-364E-C74E-8EB0-0FFA61AB3438}" type="datetimeFigureOut">
               <a:rPr kumimoji="1" lang="ja-JP" altLang="en-US" smtClean="0"/>
-              <a:t>2022/1/7</a:t>
+              <a:t>2022/1/8</a:t>
             </a:fld>
             <a:endParaRPr kumimoji="1" lang="ja-JP" altLang="en-US"/>
           </a:p>
@@ -15231,8 +15231,8 @@
           </a:p>
         </p:txBody>
       </p:sp>
-      <mc:AlternateContent xmlns:mc="http://schemas.openxmlformats.org/markup-compatibility/2006" xmlns:a14="http://schemas.microsoft.com/office/drawing/2010/main">
-        <mc:Choice Requires="a14">
+      <mc:AlternateContent xmlns:mc="http://schemas.openxmlformats.org/markup-compatibility/2006">
+        <mc:Choice xmlns:a14="http://schemas.microsoft.com/office/drawing/2010/main" Requires="a14">
           <p:sp>
             <p:nvSpPr>
               <p:cNvPr id="3" name="コンテンツ プレースホルダー 2">
@@ -15251,8 +15251,8 @@
             </p:nvSpPr>
             <p:spPr>
               <a:xfrm>
-                <a:off x="2589212" y="1905000"/>
-                <a:ext cx="8915400" cy="4132729"/>
+                <a:off x="2272553" y="1905000"/>
+                <a:ext cx="9507071" cy="4132729"/>
               </a:xfrm>
             </p:spPr>
             <p:txBody>
@@ -15377,7 +15377,7 @@
               <a:p>
                 <a:r>
                   <a:rPr lang="en" altLang="ja-JP" sz="2400" dirty="0"/>
-                  <a:t>The assignment to each hold can be as follows:</a:t>
+                  <a:t>For example, the assignment to each hold can be as follows:</a:t>
                 </a:r>
               </a:p>
               <a:p>
@@ -15452,7 +15452,7 @@
             </p:txBody>
           </p:sp>
         </mc:Choice>
-        <mc:Fallback xmlns="">
+        <mc:Fallback>
           <p:sp>
             <p:nvSpPr>
               <p:cNvPr id="3" name="コンテンツ プレースホルダー 2">
@@ -15471,13 +15471,13 @@
             </p:nvSpPr>
             <p:spPr>
               <a:xfrm>
-                <a:off x="2589212" y="1905000"/>
-                <a:ext cx="8915400" cy="4132729"/>
+                <a:off x="2272553" y="1905000"/>
+                <a:ext cx="9507071" cy="4132729"/>
               </a:xfrm>
               <a:blipFill>
                 <a:blip r:embed="rId2"/>
                 <a:stretch>
-                  <a:fillRect l="-1140" t="-1227"/>
+                  <a:fillRect l="-933" t="-1227" r="-800"/>
                 </a:stretch>
               </a:blipFill>
             </p:spPr>

--- a/竹田.pptx
+++ b/竹田.pptx
@@ -1,6 +1,6 @@
 
 <file path=ppt/presentation.xml><?xml version="1.0" encoding="utf-8"?>
-<p:presentation xmlns:a="http://schemas.openxmlformats.org/drawingml/2006/main" xmlns:r="http://schemas.openxmlformats.org/officeDocument/2006/relationships" xmlns:p="http://schemas.openxmlformats.org/presentationml/2006/main" saveSubsetFonts="1" autoCompressPictures="0">
+<p:presentation xmlns:a="http://schemas.openxmlformats.org/drawingml/2006/main" xmlns:r="http://schemas.openxmlformats.org/officeDocument/2006/relationships" xmlns:p="http://schemas.openxmlformats.org/presentationml/2006/main" showSpecialPlsOnTitleSld="0" saveSubsetFonts="1" autoCompressPictures="0">
   <p:sldMasterIdLst>
     <p:sldMasterId id="2147483920" r:id="rId1"/>
   </p:sldMasterIdLst>
@@ -262,7 +262,7 @@
           <a:p>
             <a:fld id="{3B03D47E-AED4-8243-879A-55EC95DEF81D}" type="datetimeFigureOut">
               <a:rPr kumimoji="1" lang="ja-JP" altLang="en-US" smtClean="0"/>
-              <a:t>2022/1/8</a:t>
+              <a:t>2022/1/11</a:t>
             </a:fld>
             <a:endParaRPr kumimoji="1" lang="ja-JP" altLang="en-US"/>
           </a:p>
@@ -806,9 +806,9 @@
           <a:bodyPr/>
           <a:lstStyle/>
           <a:p>
-            <a:fld id="{C8659C27-364E-C74E-8EB0-0FFA61AB3438}" type="datetimeFigureOut">
+            <a:fld id="{37611DD3-E02A-6E42-A7C1-B407A1558DC9}" type="datetime1">
               <a:rPr kumimoji="1" lang="ja-JP" altLang="en-US" smtClean="0"/>
-              <a:t>2022/1/8</a:t>
+              <a:t>2022/1/11</a:t>
             </a:fld>
             <a:endParaRPr kumimoji="1" lang="ja-JP" altLang="en-US"/>
           </a:p>
@@ -1181,9 +1181,9 @@
           <a:bodyPr/>
           <a:lstStyle/>
           <a:p>
-            <a:fld id="{C8659C27-364E-C74E-8EB0-0FFA61AB3438}" type="datetimeFigureOut">
+            <a:fld id="{08312B69-2C3D-FE44-9610-1B8492513A7A}" type="datetime1">
               <a:rPr kumimoji="1" lang="ja-JP" altLang="en-US" smtClean="0"/>
-              <a:t>2022/1/8</a:t>
+              <a:t>2022/1/11</a:t>
             </a:fld>
             <a:endParaRPr kumimoji="1" lang="ja-JP" altLang="en-US"/>
           </a:p>
@@ -1656,9 +1656,9 @@
           <a:bodyPr/>
           <a:lstStyle/>
           <a:p>
-            <a:fld id="{C8659C27-364E-C74E-8EB0-0FFA61AB3438}" type="datetimeFigureOut">
+            <a:fld id="{C1A77019-ACCC-5E42-809C-6CA699AE3056}" type="datetime1">
               <a:rPr kumimoji="1" lang="ja-JP" altLang="en-US" smtClean="0"/>
-              <a:t>2022/1/8</a:t>
+              <a:t>2022/1/11</a:t>
             </a:fld>
             <a:endParaRPr kumimoji="1" lang="ja-JP" altLang="en-US"/>
           </a:p>
@@ -2029,9 +2029,9 @@
           <a:bodyPr/>
           <a:lstStyle/>
           <a:p>
-            <a:fld id="{C8659C27-364E-C74E-8EB0-0FFA61AB3438}" type="datetimeFigureOut">
+            <a:fld id="{DF47C680-71A8-3D40-803D-C60F2F2714A9}" type="datetime1">
               <a:rPr kumimoji="1" lang="ja-JP" altLang="en-US" smtClean="0"/>
-              <a:t>2022/1/8</a:t>
+              <a:t>2022/1/11</a:t>
             </a:fld>
             <a:endParaRPr kumimoji="1" lang="ja-JP" altLang="en-US"/>
           </a:p>
@@ -2423,9 +2423,9 @@
           <a:bodyPr/>
           <a:lstStyle/>
           <a:p>
-            <a:fld id="{C8659C27-364E-C74E-8EB0-0FFA61AB3438}" type="datetimeFigureOut">
+            <a:fld id="{14BEADAF-6E12-A14A-8D93-5FB5A1F24ED6}" type="datetime1">
               <a:rPr kumimoji="1" lang="ja-JP" altLang="en-US" smtClean="0"/>
-              <a:t>2022/1/8</a:t>
+              <a:t>2022/1/11</a:t>
             </a:fld>
             <a:endParaRPr kumimoji="1" lang="ja-JP" altLang="en-US"/>
           </a:p>
@@ -2893,9 +2893,9 @@
           <a:bodyPr/>
           <a:lstStyle/>
           <a:p>
-            <a:fld id="{C8659C27-364E-C74E-8EB0-0FFA61AB3438}" type="datetimeFigureOut">
+            <a:fld id="{F2A97EC4-32CF-9B47-859C-647EE2390CE1}" type="datetime1">
               <a:rPr kumimoji="1" lang="ja-JP" altLang="en-US" smtClean="0"/>
-              <a:t>2022/1/8</a:t>
+              <a:t>2022/1/11</a:t>
             </a:fld>
             <a:endParaRPr kumimoji="1" lang="ja-JP" altLang="en-US"/>
           </a:p>
@@ -3158,9 +3158,9 @@
           <a:bodyPr/>
           <a:lstStyle/>
           <a:p>
-            <a:fld id="{C8659C27-364E-C74E-8EB0-0FFA61AB3438}" type="datetimeFigureOut">
+            <a:fld id="{051E8BCD-2286-BC42-AA77-92847E5E9ECC}" type="datetime1">
               <a:rPr kumimoji="1" lang="ja-JP" altLang="en-US" smtClean="0"/>
-              <a:t>2022/1/8</a:t>
+              <a:t>2022/1/11</a:t>
             </a:fld>
             <a:endParaRPr kumimoji="1" lang="ja-JP" altLang="en-US"/>
           </a:p>
@@ -3428,9 +3428,9 @@
           <a:bodyPr/>
           <a:lstStyle/>
           <a:p>
-            <a:fld id="{C8659C27-364E-C74E-8EB0-0FFA61AB3438}" type="datetimeFigureOut">
+            <a:fld id="{CAAECB6F-334C-A347-BC86-F32B93E43066}" type="datetime1">
               <a:rPr kumimoji="1" lang="ja-JP" altLang="en-US" smtClean="0"/>
-              <a:t>2022/1/8</a:t>
+              <a:t>2022/1/11</a:t>
             </a:fld>
             <a:endParaRPr kumimoji="1" lang="ja-JP" altLang="en-US"/>
           </a:p>
@@ -3698,9 +3698,9 @@
           <a:bodyPr/>
           <a:lstStyle/>
           <a:p>
-            <a:fld id="{C8659C27-364E-C74E-8EB0-0FFA61AB3438}" type="datetimeFigureOut">
+            <a:fld id="{D01C14DA-3253-DA45-AD3E-5D2453C52156}" type="datetime1">
               <a:rPr kumimoji="1" lang="ja-JP" altLang="en-US" smtClean="0"/>
-              <a:t>2022/1/8</a:t>
+              <a:t>2022/1/11</a:t>
             </a:fld>
             <a:endParaRPr kumimoji="1" lang="ja-JP" altLang="en-US"/>
           </a:p>
@@ -3817,16 +3817,30 @@
             <p:ph type="sldNum" sz="quarter" idx="12"/>
           </p:nvPr>
         </p:nvSpPr>
-        <p:spPr/>
+        <p:spPr>
+          <a:xfrm>
+            <a:off x="10724845" y="6133072"/>
+            <a:ext cx="779767" cy="365125"/>
+          </a:xfrm>
+        </p:spPr>
         <p:txBody>
           <a:bodyPr/>
-          <a:lstStyle/>
+          <a:lstStyle>
+            <a:lvl1pPr>
+              <a:defRPr sz="2000">
+                <a:solidFill>
+                  <a:schemeClr val="tx1"/>
+                </a:solidFill>
+              </a:defRPr>
+            </a:lvl1pPr>
+          </a:lstStyle>
           <a:p>
             <a:fld id="{1413D9FB-836C-864C-8E5A-36E5384B9725}" type="slidenum">
-              <a:rPr kumimoji="1" lang="ja-JP" altLang="en-US" smtClean="0"/>
+              <a:rPr lang="ja-JP" altLang="en-US" smtClean="0"/>
+              <a:pPr/>
               <a:t>‹#›</a:t>
             </a:fld>
-            <a:endParaRPr kumimoji="1" lang="ja-JP" altLang="en-US"/>
+            <a:endParaRPr lang="ja-JP" altLang="en-US"/>
           </a:p>
         </p:txBody>
       </p:sp>
@@ -4064,9 +4078,9 @@
           <a:bodyPr/>
           <a:lstStyle/>
           <a:p>
-            <a:fld id="{C8659C27-364E-C74E-8EB0-0FFA61AB3438}" type="datetimeFigureOut">
+            <a:fld id="{54143F19-8407-6F41-B1BD-2D90C561DAB2}" type="datetime1">
               <a:rPr kumimoji="1" lang="ja-JP" altLang="en-US" smtClean="0"/>
-              <a:t>2022/1/8</a:t>
+              <a:t>2022/1/11</a:t>
             </a:fld>
             <a:endParaRPr kumimoji="1" lang="ja-JP" altLang="en-US"/>
           </a:p>
@@ -4403,9 +4417,9 @@
           <a:bodyPr/>
           <a:lstStyle/>
           <a:p>
-            <a:fld id="{C8659C27-364E-C74E-8EB0-0FFA61AB3438}" type="datetimeFigureOut">
+            <a:fld id="{21126E5B-855D-714D-96C7-998AECB7FFCC}" type="datetime1">
               <a:rPr kumimoji="1" lang="ja-JP" altLang="en-US" smtClean="0"/>
-              <a:t>2022/1/8</a:t>
+              <a:t>2022/1/11</a:t>
             </a:fld>
             <a:endParaRPr kumimoji="1" lang="ja-JP" altLang="en-US"/>
           </a:p>
@@ -4950,9 +4964,9 @@
           <a:bodyPr/>
           <a:lstStyle/>
           <a:p>
-            <a:fld id="{C8659C27-364E-C74E-8EB0-0FFA61AB3438}" type="datetimeFigureOut">
+            <a:fld id="{F62D3458-CB29-044B-8476-B784A7CDBEE4}" type="datetime1">
               <a:rPr kumimoji="1" lang="ja-JP" altLang="en-US" smtClean="0"/>
-              <a:t>2022/1/8</a:t>
+              <a:t>2022/1/11</a:t>
             </a:fld>
             <a:endParaRPr kumimoji="1" lang="ja-JP" altLang="en-US"/>
           </a:p>
@@ -5155,9 +5169,9 @@
           <a:bodyPr/>
           <a:lstStyle/>
           <a:p>
-            <a:fld id="{C8659C27-364E-C74E-8EB0-0FFA61AB3438}" type="datetimeFigureOut">
+            <a:fld id="{DF6749EE-E252-BC45-86F5-17D6A8AFB065}" type="datetime1">
               <a:rPr kumimoji="1" lang="ja-JP" altLang="en-US" smtClean="0"/>
-              <a:t>2022/1/8</a:t>
+              <a:t>2022/1/11</a:t>
             </a:fld>
             <a:endParaRPr kumimoji="1" lang="ja-JP" altLang="en-US"/>
           </a:p>
@@ -5332,9 +5346,9 @@
           <a:bodyPr/>
           <a:lstStyle/>
           <a:p>
-            <a:fld id="{C8659C27-364E-C74E-8EB0-0FFA61AB3438}" type="datetimeFigureOut">
+            <a:fld id="{A703B27E-F805-9D49-A257-496309EE3623}" type="datetime1">
               <a:rPr kumimoji="1" lang="ja-JP" altLang="en-US" smtClean="0"/>
-              <a:t>2022/1/8</a:t>
+              <a:t>2022/1/11</a:t>
             </a:fld>
             <a:endParaRPr kumimoji="1" lang="ja-JP" altLang="en-US"/>
           </a:p>
@@ -5710,9 +5724,9 @@
           <a:bodyPr/>
           <a:lstStyle/>
           <a:p>
-            <a:fld id="{C8659C27-364E-C74E-8EB0-0FFA61AB3438}" type="datetimeFigureOut">
+            <a:fld id="{F07665BB-FB76-3B4C-A614-890EB2C4B82D}" type="datetime1">
               <a:rPr kumimoji="1" lang="ja-JP" altLang="en-US" smtClean="0"/>
-              <a:t>2022/1/8</a:t>
+              <a:t>2022/1/11</a:t>
             </a:fld>
             <a:endParaRPr kumimoji="1" lang="ja-JP" altLang="en-US"/>
           </a:p>
@@ -6092,9 +6106,9 @@
           <a:bodyPr/>
           <a:lstStyle/>
           <a:p>
-            <a:fld id="{C8659C27-364E-C74E-8EB0-0FFA61AB3438}" type="datetimeFigureOut">
+            <a:fld id="{5489CDEB-C09C-DC47-AC96-194D943E1C20}" type="datetime1">
               <a:rPr kumimoji="1" lang="ja-JP" altLang="en-US" smtClean="0"/>
-              <a:t>2022/1/8</a:t>
+              <a:t>2022/1/11</a:t>
             </a:fld>
             <a:endParaRPr kumimoji="1" lang="ja-JP" altLang="en-US"/>
           </a:p>
@@ -8217,9 +8231,9 @@
             </a:lvl1pPr>
           </a:lstStyle>
           <a:p>
-            <a:fld id="{C8659C27-364E-C74E-8EB0-0FFA61AB3438}" type="datetimeFigureOut">
+            <a:fld id="{F3F8D81C-B60F-EE49-90F6-50AA32831801}" type="datetime1">
               <a:rPr kumimoji="1" lang="ja-JP" altLang="en-US" smtClean="0"/>
-              <a:t>2022/1/8</a:t>
+              <a:t>2022/1/11</a:t>
             </a:fld>
             <a:endParaRPr kumimoji="1" lang="ja-JP" altLang="en-US"/>
           </a:p>
@@ -8327,6 +8341,7 @@
     <p:sldLayoutId id="2147483935" r:id="rId15"/>
     <p:sldLayoutId id="2147483936" r:id="rId16"/>
   </p:sldLayoutIdLst>
+  <p:hf hdr="0" ftr="0" dt="0"/>
   <p:txStyles>
     <p:titleStyle>
       <a:lvl1pPr algn="l" defTabSz="457200" rtl="0" eaLnBrk="1" latinLnBrk="0" hangingPunct="1">
@@ -8717,7 +8732,7 @@
       </a:lvl9pPr>
     </p:otherStyle>
   </p:txStyles>
-  <p:extLst>
+  <p:extLst mod="1">
     <p:ext uri="{27BBF7A9-308A-43DC-89C8-2F10F3537804}">
       <p15:sldGuideLst xmlns:p15="http://schemas.microsoft.com/office/powerpoint/2012/main"/>
     </p:ext>
@@ -11368,6 +11383,35 @@
           </a:prstGeom>
         </p:spPr>
       </p:pic>
+      <p:sp>
+        <p:nvSpPr>
+          <p:cNvPr id="3" name="スライド番号プレースホルダー 2">
+            <a:extLst>
+              <a:ext uri="{FF2B5EF4-FFF2-40B4-BE49-F238E27FC236}">
+                <a16:creationId xmlns:a16="http://schemas.microsoft.com/office/drawing/2014/main" id="{37014106-09C1-C14F-9107-A7DB528C9A36}"/>
+              </a:ext>
+            </a:extLst>
+          </p:cNvPr>
+          <p:cNvSpPr>
+            <a:spLocks noGrp="1"/>
+          </p:cNvSpPr>
+          <p:nvPr>
+            <p:ph type="sldNum" sz="quarter" idx="12"/>
+          </p:nvPr>
+        </p:nvSpPr>
+        <p:spPr/>
+        <p:txBody>
+          <a:bodyPr/>
+          <a:lstStyle/>
+          <a:p>
+            <a:fld id="{1413D9FB-836C-864C-8E5A-36E5384B9725}" type="slidenum">
+              <a:rPr kumimoji="1" lang="ja-JP" altLang="en-US" smtClean="0"/>
+              <a:t>10</a:t>
+            </a:fld>
+            <a:endParaRPr kumimoji="1" lang="ja-JP" altLang="en-US"/>
+          </a:p>
+        </p:txBody>
+      </p:sp>
     </p:spTree>
     <p:extLst>
       <p:ext uri="{BB962C8B-B14F-4D97-AF65-F5344CB8AC3E}">
@@ -11452,7 +11496,7 @@
           <a:p>
             <a:r>
               <a:rPr lang="en-US" altLang="ja-JP" sz="2400" dirty="0"/>
-              <a:t>We conducted multiple interviews with the planners who actually decide the stowage planning.</a:t>
+              <a:t>We conducted multiple interviews with the planners who actually decide the stowage plan.</a:t>
             </a:r>
             <a:endParaRPr kumimoji="1" lang="en-US" altLang="ja-JP" sz="2400" dirty="0"/>
           </a:p>
@@ -11480,6 +11524,35 @@
               <a:t>by one.</a:t>
             </a:r>
             <a:endParaRPr kumimoji="1" lang="ja-JP" altLang="en-US" sz="2400"/>
+          </a:p>
+        </p:txBody>
+      </p:sp>
+      <p:sp>
+        <p:nvSpPr>
+          <p:cNvPr id="4" name="スライド番号プレースホルダー 3">
+            <a:extLst>
+              <a:ext uri="{FF2B5EF4-FFF2-40B4-BE49-F238E27FC236}">
+                <a16:creationId xmlns:a16="http://schemas.microsoft.com/office/drawing/2014/main" id="{8E30D904-47DA-3548-ACCA-3DF8AB473687}"/>
+              </a:ext>
+            </a:extLst>
+          </p:cNvPr>
+          <p:cNvSpPr>
+            <a:spLocks noGrp="1"/>
+          </p:cNvSpPr>
+          <p:nvPr>
+            <p:ph type="sldNum" sz="quarter" idx="12"/>
+          </p:nvPr>
+        </p:nvSpPr>
+        <p:spPr/>
+        <p:txBody>
+          <a:bodyPr/>
+          <a:lstStyle/>
+          <a:p>
+            <a:fld id="{1413D9FB-836C-864C-8E5A-36E5384B9725}" type="slidenum">
+              <a:rPr kumimoji="1" lang="ja-JP" altLang="en-US" smtClean="0"/>
+              <a:t>11</a:t>
+            </a:fld>
+            <a:endParaRPr kumimoji="1" lang="ja-JP" altLang="en-US"/>
           </a:p>
         </p:txBody>
       </p:sp>
@@ -11638,6 +11711,35 @@
               <a:rPr lang="en" altLang="ja-JP" sz="2400" dirty="0"/>
               <a:t>placing empty space close to the entrance</a:t>
             </a:r>
+          </a:p>
+        </p:txBody>
+      </p:sp>
+      <p:sp>
+        <p:nvSpPr>
+          <p:cNvPr id="4" name="スライド番号プレースホルダー 3">
+            <a:extLst>
+              <a:ext uri="{FF2B5EF4-FFF2-40B4-BE49-F238E27FC236}">
+                <a16:creationId xmlns:a16="http://schemas.microsoft.com/office/drawing/2014/main" id="{9C36D162-F0CE-9841-8135-59B988609BE0}"/>
+              </a:ext>
+            </a:extLst>
+          </p:cNvPr>
+          <p:cNvSpPr>
+            <a:spLocks noGrp="1"/>
+          </p:cNvSpPr>
+          <p:nvPr>
+            <p:ph type="sldNum" sz="quarter" idx="12"/>
+          </p:nvPr>
+        </p:nvSpPr>
+        <p:spPr/>
+        <p:txBody>
+          <a:bodyPr/>
+          <a:lstStyle/>
+          <a:p>
+            <a:fld id="{1413D9FB-836C-864C-8E5A-36E5384B9725}" type="slidenum">
+              <a:rPr kumimoji="1" lang="ja-JP" altLang="en-US" smtClean="0"/>
+              <a:t>12</a:t>
+            </a:fld>
+            <a:endParaRPr kumimoji="1" lang="ja-JP" altLang="en-US"/>
           </a:p>
         </p:txBody>
       </p:sp>
@@ -12450,6 +12552,35 @@
           </a:p>
         </p:txBody>
       </p:sp>
+      <p:sp>
+        <p:nvSpPr>
+          <p:cNvPr id="4" name="スライド番号プレースホルダー 3">
+            <a:extLst>
+              <a:ext uri="{FF2B5EF4-FFF2-40B4-BE49-F238E27FC236}">
+                <a16:creationId xmlns:a16="http://schemas.microsoft.com/office/drawing/2014/main" id="{3B0CE0C1-5A9E-5341-9387-1A39BA74B32F}"/>
+              </a:ext>
+            </a:extLst>
+          </p:cNvPr>
+          <p:cNvSpPr>
+            <a:spLocks noGrp="1"/>
+          </p:cNvSpPr>
+          <p:nvPr>
+            <p:ph type="sldNum" sz="quarter" idx="12"/>
+          </p:nvPr>
+        </p:nvSpPr>
+        <p:spPr/>
+        <p:txBody>
+          <a:bodyPr/>
+          <a:lstStyle/>
+          <a:p>
+            <a:fld id="{1413D9FB-836C-864C-8E5A-36E5384B9725}" type="slidenum">
+              <a:rPr kumimoji="1" lang="ja-JP" altLang="en-US" smtClean="0"/>
+              <a:t>13</a:t>
+            </a:fld>
+            <a:endParaRPr kumimoji="1" lang="ja-JP" altLang="en-US"/>
+          </a:p>
+        </p:txBody>
+      </p:sp>
     </p:spTree>
     <p:extLst>
       <p:ext uri="{BB962C8B-B14F-4D97-AF65-F5344CB8AC3E}">
@@ -12941,6 +13072,35 @@
           </a:prstGeom>
         </p:spPr>
       </p:pic>
+      <p:sp>
+        <p:nvSpPr>
+          <p:cNvPr id="4" name="スライド番号プレースホルダー 3">
+            <a:extLst>
+              <a:ext uri="{FF2B5EF4-FFF2-40B4-BE49-F238E27FC236}">
+                <a16:creationId xmlns:a16="http://schemas.microsoft.com/office/drawing/2014/main" id="{976A3197-2FFC-BE4A-B1EA-C6A7913E5966}"/>
+              </a:ext>
+            </a:extLst>
+          </p:cNvPr>
+          <p:cNvSpPr>
+            <a:spLocks noGrp="1"/>
+          </p:cNvSpPr>
+          <p:nvPr>
+            <p:ph type="sldNum" sz="quarter" idx="12"/>
+          </p:nvPr>
+        </p:nvSpPr>
+        <p:spPr/>
+        <p:txBody>
+          <a:bodyPr/>
+          <a:lstStyle/>
+          <a:p>
+            <a:fld id="{1413D9FB-836C-864C-8E5A-36E5384B9725}" type="slidenum">
+              <a:rPr kumimoji="1" lang="ja-JP" altLang="en-US" smtClean="0"/>
+              <a:t>14</a:t>
+            </a:fld>
+            <a:endParaRPr kumimoji="1" lang="ja-JP" altLang="en-US"/>
+          </a:p>
+        </p:txBody>
+      </p:sp>
     </p:spTree>
     <p:extLst>
       <p:ext uri="{BB962C8B-B14F-4D97-AF65-F5344CB8AC3E}">
@@ -13058,6 +13218,35 @@
           </a:p>
           <a:p>
             <a:endParaRPr lang="en" altLang="ja-JP" sz="2400" dirty="0"/>
+          </a:p>
+        </p:txBody>
+      </p:sp>
+      <p:sp>
+        <p:nvSpPr>
+          <p:cNvPr id="4" name="スライド番号プレースホルダー 3">
+            <a:extLst>
+              <a:ext uri="{FF2B5EF4-FFF2-40B4-BE49-F238E27FC236}">
+                <a16:creationId xmlns:a16="http://schemas.microsoft.com/office/drawing/2014/main" id="{47FC9119-CA10-AE4C-9CF6-89695E7CF1E5}"/>
+              </a:ext>
+            </a:extLst>
+          </p:cNvPr>
+          <p:cNvSpPr>
+            <a:spLocks noGrp="1"/>
+          </p:cNvSpPr>
+          <p:nvPr>
+            <p:ph type="sldNum" sz="quarter" idx="12"/>
+          </p:nvPr>
+        </p:nvSpPr>
+        <p:spPr/>
+        <p:txBody>
+          <a:bodyPr/>
+          <a:lstStyle/>
+          <a:p>
+            <a:fld id="{1413D9FB-836C-864C-8E5A-36E5384B9725}" type="slidenum">
+              <a:rPr kumimoji="1" lang="ja-JP" altLang="en-US" smtClean="0"/>
+              <a:t>15</a:t>
+            </a:fld>
+            <a:endParaRPr kumimoji="1" lang="ja-JP" altLang="en-US"/>
           </a:p>
         </p:txBody>
       </p:sp>
@@ -13414,6 +13603,35 @@
           </a:p>
         </p:txBody>
       </p:sp>
+      <p:sp>
+        <p:nvSpPr>
+          <p:cNvPr id="4" name="スライド番号プレースホルダー 3">
+            <a:extLst>
+              <a:ext uri="{FF2B5EF4-FFF2-40B4-BE49-F238E27FC236}">
+                <a16:creationId xmlns:a16="http://schemas.microsoft.com/office/drawing/2014/main" id="{8DB874F8-35B2-1A47-9C74-B8556ACDEB09}"/>
+              </a:ext>
+            </a:extLst>
+          </p:cNvPr>
+          <p:cNvSpPr>
+            <a:spLocks noGrp="1"/>
+          </p:cNvSpPr>
+          <p:nvPr>
+            <p:ph type="sldNum" sz="quarter" idx="12"/>
+          </p:nvPr>
+        </p:nvSpPr>
+        <p:spPr/>
+        <p:txBody>
+          <a:bodyPr/>
+          <a:lstStyle/>
+          <a:p>
+            <a:fld id="{1413D9FB-836C-864C-8E5A-36E5384B9725}" type="slidenum">
+              <a:rPr kumimoji="1" lang="ja-JP" altLang="en-US" smtClean="0"/>
+              <a:t>16</a:t>
+            </a:fld>
+            <a:endParaRPr kumimoji="1" lang="ja-JP" altLang="en-US"/>
+          </a:p>
+        </p:txBody>
+      </p:sp>
     </p:spTree>
     <p:extLst>
       <p:ext uri="{BB962C8B-B14F-4D97-AF65-F5344CB8AC3E}">
@@ -13575,6 +13793,35 @@
           </a:prstGeom>
         </p:spPr>
       </p:pic>
+      <p:sp>
+        <p:nvSpPr>
+          <p:cNvPr id="4" name="スライド番号プレースホルダー 3">
+            <a:extLst>
+              <a:ext uri="{FF2B5EF4-FFF2-40B4-BE49-F238E27FC236}">
+                <a16:creationId xmlns:a16="http://schemas.microsoft.com/office/drawing/2014/main" id="{DE91A17F-78DD-1E4F-B3C2-C14354BE51BC}"/>
+              </a:ext>
+            </a:extLst>
+          </p:cNvPr>
+          <p:cNvSpPr>
+            <a:spLocks noGrp="1"/>
+          </p:cNvSpPr>
+          <p:nvPr>
+            <p:ph type="sldNum" sz="quarter" idx="12"/>
+          </p:nvPr>
+        </p:nvSpPr>
+        <p:spPr/>
+        <p:txBody>
+          <a:bodyPr/>
+          <a:lstStyle/>
+          <a:p>
+            <a:fld id="{1413D9FB-836C-864C-8E5A-36E5384B9725}" type="slidenum">
+              <a:rPr kumimoji="1" lang="ja-JP" altLang="en-US" smtClean="0"/>
+              <a:t>17</a:t>
+            </a:fld>
+            <a:endParaRPr kumimoji="1" lang="ja-JP" altLang="en-US"/>
+          </a:p>
+        </p:txBody>
+      </p:sp>
     </p:spTree>
     <p:extLst>
       <p:ext uri="{BB962C8B-B14F-4D97-AF65-F5344CB8AC3E}">
@@ -13700,6 +13947,35 @@
               <a:rPr lang="en" altLang="ja-JP" sz="2400" dirty="0"/>
               <a:t>All vehicles must be loaded.</a:t>
             </a:r>
+          </a:p>
+        </p:txBody>
+      </p:sp>
+      <p:sp>
+        <p:nvSpPr>
+          <p:cNvPr id="4" name="スライド番号プレースホルダー 3">
+            <a:extLst>
+              <a:ext uri="{FF2B5EF4-FFF2-40B4-BE49-F238E27FC236}">
+                <a16:creationId xmlns:a16="http://schemas.microsoft.com/office/drawing/2014/main" id="{998D3EE6-94AB-DB46-AE24-9C8443063587}"/>
+              </a:ext>
+            </a:extLst>
+          </p:cNvPr>
+          <p:cNvSpPr>
+            <a:spLocks noGrp="1"/>
+          </p:cNvSpPr>
+          <p:nvPr>
+            <p:ph type="sldNum" sz="quarter" idx="12"/>
+          </p:nvPr>
+        </p:nvSpPr>
+        <p:spPr/>
+        <p:txBody>
+          <a:bodyPr/>
+          <a:lstStyle/>
+          <a:p>
+            <a:fld id="{1413D9FB-836C-864C-8E5A-36E5384B9725}" type="slidenum">
+              <a:rPr kumimoji="1" lang="ja-JP" altLang="en-US" smtClean="0"/>
+              <a:t>18</a:t>
+            </a:fld>
+            <a:endParaRPr kumimoji="1" lang="ja-JP" altLang="en-US"/>
           </a:p>
         </p:txBody>
       </p:sp>
@@ -14046,6 +14322,35 @@
           </p:sp>
         </mc:Fallback>
       </mc:AlternateContent>
+      <p:sp>
+        <p:nvSpPr>
+          <p:cNvPr id="4" name="スライド番号プレースホルダー 3">
+            <a:extLst>
+              <a:ext uri="{FF2B5EF4-FFF2-40B4-BE49-F238E27FC236}">
+                <a16:creationId xmlns:a16="http://schemas.microsoft.com/office/drawing/2014/main" id="{081E5318-5FB8-AD45-87FF-C1ED49B33105}"/>
+              </a:ext>
+            </a:extLst>
+          </p:cNvPr>
+          <p:cNvSpPr>
+            <a:spLocks noGrp="1"/>
+          </p:cNvSpPr>
+          <p:nvPr>
+            <p:ph type="sldNum" sz="quarter" idx="12"/>
+          </p:nvPr>
+        </p:nvSpPr>
+        <p:spPr/>
+        <p:txBody>
+          <a:bodyPr/>
+          <a:lstStyle/>
+          <a:p>
+            <a:fld id="{1413D9FB-836C-864C-8E5A-36E5384B9725}" type="slidenum">
+              <a:rPr kumimoji="1" lang="ja-JP" altLang="en-US" smtClean="0"/>
+              <a:t>19</a:t>
+            </a:fld>
+            <a:endParaRPr kumimoji="1" lang="ja-JP" altLang="en-US"/>
+          </a:p>
+        </p:txBody>
+      </p:sp>
     </p:spTree>
     <p:extLst>
       <p:ext uri="{BB962C8B-B14F-4D97-AF65-F5344CB8AC3E}">
@@ -14160,6 +14465,35 @@
           </a:p>
         </p:txBody>
       </p:sp>
+      <p:sp>
+        <p:nvSpPr>
+          <p:cNvPr id="4" name="スライド番号プレースホルダー 3">
+            <a:extLst>
+              <a:ext uri="{FF2B5EF4-FFF2-40B4-BE49-F238E27FC236}">
+                <a16:creationId xmlns:a16="http://schemas.microsoft.com/office/drawing/2014/main" id="{5EAC613A-4E24-514E-9F2E-0B153C066066}"/>
+              </a:ext>
+            </a:extLst>
+          </p:cNvPr>
+          <p:cNvSpPr>
+            <a:spLocks noGrp="1"/>
+          </p:cNvSpPr>
+          <p:nvPr>
+            <p:ph type="sldNum" sz="quarter" idx="12"/>
+          </p:nvPr>
+        </p:nvSpPr>
+        <p:spPr/>
+        <p:txBody>
+          <a:bodyPr/>
+          <a:lstStyle/>
+          <a:p>
+            <a:fld id="{1413D9FB-836C-864C-8E5A-36E5384B9725}" type="slidenum">
+              <a:rPr kumimoji="1" lang="ja-JP" altLang="en-US" smtClean="0"/>
+              <a:t>2</a:t>
+            </a:fld>
+            <a:endParaRPr kumimoji="1" lang="ja-JP" altLang="en-US"/>
+          </a:p>
+        </p:txBody>
+      </p:sp>
     </p:spTree>
     <p:extLst>
       <p:ext uri="{BB962C8B-B14F-4D97-AF65-F5344CB8AC3E}">
@@ -14306,6 +14640,35 @@
           </a:prstGeom>
         </p:spPr>
       </p:pic>
+      <p:sp>
+        <p:nvSpPr>
+          <p:cNvPr id="4" name="スライド番号プレースホルダー 3">
+            <a:extLst>
+              <a:ext uri="{FF2B5EF4-FFF2-40B4-BE49-F238E27FC236}">
+                <a16:creationId xmlns:a16="http://schemas.microsoft.com/office/drawing/2014/main" id="{1507111A-8AAB-B545-BD84-E4CE2CBD45CF}"/>
+              </a:ext>
+            </a:extLst>
+          </p:cNvPr>
+          <p:cNvSpPr>
+            <a:spLocks noGrp="1"/>
+          </p:cNvSpPr>
+          <p:nvPr>
+            <p:ph type="sldNum" sz="quarter" idx="12"/>
+          </p:nvPr>
+        </p:nvSpPr>
+        <p:spPr/>
+        <p:txBody>
+          <a:bodyPr/>
+          <a:lstStyle/>
+          <a:p>
+            <a:fld id="{1413D9FB-836C-864C-8E5A-36E5384B9725}" type="slidenum">
+              <a:rPr kumimoji="1" lang="ja-JP" altLang="en-US" smtClean="0"/>
+              <a:t>20</a:t>
+            </a:fld>
+            <a:endParaRPr kumimoji="1" lang="ja-JP" altLang="en-US"/>
+          </a:p>
+        </p:txBody>
+      </p:sp>
     </p:spTree>
     <p:extLst>
       <p:ext uri="{BB962C8B-B14F-4D97-AF65-F5344CB8AC3E}">
@@ -14451,6 +14814,35 @@
           </a:p>
         </p:txBody>
       </p:sp>
+      <p:sp>
+        <p:nvSpPr>
+          <p:cNvPr id="4" name="スライド番号プレースホルダー 3">
+            <a:extLst>
+              <a:ext uri="{FF2B5EF4-FFF2-40B4-BE49-F238E27FC236}">
+                <a16:creationId xmlns:a16="http://schemas.microsoft.com/office/drawing/2014/main" id="{EA4D9C2D-4C48-CD4F-887B-314E831E1E54}"/>
+              </a:ext>
+            </a:extLst>
+          </p:cNvPr>
+          <p:cNvSpPr>
+            <a:spLocks noGrp="1"/>
+          </p:cNvSpPr>
+          <p:nvPr>
+            <p:ph type="sldNum" sz="quarter" idx="12"/>
+          </p:nvPr>
+        </p:nvSpPr>
+        <p:spPr/>
+        <p:txBody>
+          <a:bodyPr/>
+          <a:lstStyle/>
+          <a:p>
+            <a:fld id="{1413D9FB-836C-864C-8E5A-36E5384B9725}" type="slidenum">
+              <a:rPr kumimoji="1" lang="ja-JP" altLang="en-US" smtClean="0"/>
+              <a:t>21</a:t>
+            </a:fld>
+            <a:endParaRPr kumimoji="1" lang="ja-JP" altLang="en-US"/>
+          </a:p>
+        </p:txBody>
+      </p:sp>
     </p:spTree>
     <p:extLst>
       <p:ext uri="{BB962C8B-B14F-4D97-AF65-F5344CB8AC3E}">
@@ -14573,6 +14965,35 @@
           </a:p>
         </p:txBody>
       </p:sp>
+      <p:sp>
+        <p:nvSpPr>
+          <p:cNvPr id="4" name="スライド番号プレースホルダー 3">
+            <a:extLst>
+              <a:ext uri="{FF2B5EF4-FFF2-40B4-BE49-F238E27FC236}">
+                <a16:creationId xmlns:a16="http://schemas.microsoft.com/office/drawing/2014/main" id="{89797955-54AF-5444-A207-9D8AAA8CD14F}"/>
+              </a:ext>
+            </a:extLst>
+          </p:cNvPr>
+          <p:cNvSpPr>
+            <a:spLocks noGrp="1"/>
+          </p:cNvSpPr>
+          <p:nvPr>
+            <p:ph type="sldNum" sz="quarter" idx="12"/>
+          </p:nvPr>
+        </p:nvSpPr>
+        <p:spPr/>
+        <p:txBody>
+          <a:bodyPr/>
+          <a:lstStyle/>
+          <a:p>
+            <a:fld id="{1413D9FB-836C-864C-8E5A-36E5384B9725}" type="slidenum">
+              <a:rPr kumimoji="1" lang="ja-JP" altLang="en-US" smtClean="0"/>
+              <a:t>22</a:t>
+            </a:fld>
+            <a:endParaRPr kumimoji="1" lang="ja-JP" altLang="en-US"/>
+          </a:p>
+        </p:txBody>
+      </p:sp>
     </p:spTree>
     <p:extLst>
       <p:ext uri="{BB962C8B-B14F-4D97-AF65-F5344CB8AC3E}">
@@ -14697,6 +15118,35 @@
           </a:p>
         </p:txBody>
       </p:sp>
+      <p:sp>
+        <p:nvSpPr>
+          <p:cNvPr id="4" name="スライド番号プレースホルダー 3">
+            <a:extLst>
+              <a:ext uri="{FF2B5EF4-FFF2-40B4-BE49-F238E27FC236}">
+                <a16:creationId xmlns:a16="http://schemas.microsoft.com/office/drawing/2014/main" id="{F915BA8E-2451-624A-AAE2-805356B0A849}"/>
+              </a:ext>
+            </a:extLst>
+          </p:cNvPr>
+          <p:cNvSpPr>
+            <a:spLocks noGrp="1"/>
+          </p:cNvSpPr>
+          <p:nvPr>
+            <p:ph type="sldNum" sz="quarter" idx="12"/>
+          </p:nvPr>
+        </p:nvSpPr>
+        <p:spPr/>
+        <p:txBody>
+          <a:bodyPr/>
+          <a:lstStyle/>
+          <a:p>
+            <a:fld id="{1413D9FB-836C-864C-8E5A-36E5384B9725}" type="slidenum">
+              <a:rPr kumimoji="1" lang="ja-JP" altLang="en-US" smtClean="0"/>
+              <a:t>23</a:t>
+            </a:fld>
+            <a:endParaRPr kumimoji="1" lang="ja-JP" altLang="en-US"/>
+          </a:p>
+        </p:txBody>
+      </p:sp>
     </p:spTree>
     <p:extLst>
       <p:ext uri="{BB962C8B-B14F-4D97-AF65-F5344CB8AC3E}">
@@ -14811,6 +15261,35 @@
           </a:p>
         </p:txBody>
       </p:sp>
+      <p:sp>
+        <p:nvSpPr>
+          <p:cNvPr id="4" name="スライド番号プレースホルダー 3">
+            <a:extLst>
+              <a:ext uri="{FF2B5EF4-FFF2-40B4-BE49-F238E27FC236}">
+                <a16:creationId xmlns:a16="http://schemas.microsoft.com/office/drawing/2014/main" id="{210A082B-DC2D-DF48-B920-B2AEC4981FFD}"/>
+              </a:ext>
+            </a:extLst>
+          </p:cNvPr>
+          <p:cNvSpPr>
+            <a:spLocks noGrp="1"/>
+          </p:cNvSpPr>
+          <p:nvPr>
+            <p:ph type="sldNum" sz="quarter" idx="12"/>
+          </p:nvPr>
+        </p:nvSpPr>
+        <p:spPr/>
+        <p:txBody>
+          <a:bodyPr/>
+          <a:lstStyle/>
+          <a:p>
+            <a:fld id="{1413D9FB-836C-864C-8E5A-36E5384B9725}" type="slidenum">
+              <a:rPr kumimoji="1" lang="ja-JP" altLang="en-US" smtClean="0"/>
+              <a:t>24</a:t>
+            </a:fld>
+            <a:endParaRPr kumimoji="1" lang="ja-JP" altLang="en-US"/>
+          </a:p>
+        </p:txBody>
+      </p:sp>
     </p:spTree>
     <p:extLst>
       <p:ext uri="{BB962C8B-B14F-4D97-AF65-F5344CB8AC3E}">
@@ -14964,6 +15443,35 @@
           </a:prstGeom>
         </p:spPr>
       </p:pic>
+      <p:sp>
+        <p:nvSpPr>
+          <p:cNvPr id="3" name="スライド番号プレースホルダー 2">
+            <a:extLst>
+              <a:ext uri="{FF2B5EF4-FFF2-40B4-BE49-F238E27FC236}">
+                <a16:creationId xmlns:a16="http://schemas.microsoft.com/office/drawing/2014/main" id="{73B0E6E6-CC02-3143-8571-41DB9C144572}"/>
+              </a:ext>
+            </a:extLst>
+          </p:cNvPr>
+          <p:cNvSpPr>
+            <a:spLocks noGrp="1"/>
+          </p:cNvSpPr>
+          <p:nvPr>
+            <p:ph type="sldNum" sz="quarter" idx="12"/>
+          </p:nvPr>
+        </p:nvSpPr>
+        <p:spPr/>
+        <p:txBody>
+          <a:bodyPr/>
+          <a:lstStyle/>
+          <a:p>
+            <a:fld id="{1413D9FB-836C-864C-8E5A-36E5384B9725}" type="slidenum">
+              <a:rPr kumimoji="1" lang="ja-JP" altLang="en-US" smtClean="0"/>
+              <a:t>25</a:t>
+            </a:fld>
+            <a:endParaRPr kumimoji="1" lang="ja-JP" altLang="en-US"/>
+          </a:p>
+        </p:txBody>
+      </p:sp>
     </p:spTree>
     <p:extLst>
       <p:ext uri="{BB962C8B-B14F-4D97-AF65-F5344CB8AC3E}">
@@ -15164,6 +15672,35 @@
           </p:sp>
         </mc:Fallback>
       </mc:AlternateContent>
+      <p:sp>
+        <p:nvSpPr>
+          <p:cNvPr id="4" name="スライド番号プレースホルダー 3">
+            <a:extLst>
+              <a:ext uri="{FF2B5EF4-FFF2-40B4-BE49-F238E27FC236}">
+                <a16:creationId xmlns:a16="http://schemas.microsoft.com/office/drawing/2014/main" id="{F0132C97-0FFA-E146-95D0-AA726C0D8A01}"/>
+              </a:ext>
+            </a:extLst>
+          </p:cNvPr>
+          <p:cNvSpPr>
+            <a:spLocks noGrp="1"/>
+          </p:cNvSpPr>
+          <p:nvPr>
+            <p:ph type="sldNum" sz="quarter" idx="12"/>
+          </p:nvPr>
+        </p:nvSpPr>
+        <p:spPr/>
+        <p:txBody>
+          <a:bodyPr/>
+          <a:lstStyle/>
+          <a:p>
+            <a:fld id="{1413D9FB-836C-864C-8E5A-36E5384B9725}" type="slidenum">
+              <a:rPr kumimoji="1" lang="ja-JP" altLang="en-US" smtClean="0"/>
+              <a:t>26</a:t>
+            </a:fld>
+            <a:endParaRPr kumimoji="1" lang="ja-JP" altLang="en-US"/>
+          </a:p>
+        </p:txBody>
+      </p:sp>
     </p:spTree>
     <p:extLst>
       <p:ext uri="{BB962C8B-B14F-4D97-AF65-F5344CB8AC3E}">
@@ -15231,8 +15768,8 @@
           </a:p>
         </p:txBody>
       </p:sp>
-      <mc:AlternateContent xmlns:mc="http://schemas.openxmlformats.org/markup-compatibility/2006">
-        <mc:Choice xmlns:a14="http://schemas.microsoft.com/office/drawing/2010/main" Requires="a14">
+      <mc:AlternateContent xmlns:mc="http://schemas.openxmlformats.org/markup-compatibility/2006" xmlns:a14="http://schemas.microsoft.com/office/drawing/2010/main">
+        <mc:Choice Requires="a14">
           <p:sp>
             <p:nvSpPr>
               <p:cNvPr id="3" name="コンテンツ プレースホルダー 2">
@@ -15452,7 +15989,7 @@
             </p:txBody>
           </p:sp>
         </mc:Choice>
-        <mc:Fallback>
+        <mc:Fallback xmlns="">
           <p:sp>
             <p:nvSpPr>
               <p:cNvPr id="3" name="コンテンツ プレースホルダー 2">
@@ -15496,6 +16033,35 @@
           </p:sp>
         </mc:Fallback>
       </mc:AlternateContent>
+      <p:sp>
+        <p:nvSpPr>
+          <p:cNvPr id="4" name="スライド番号プレースホルダー 3">
+            <a:extLst>
+              <a:ext uri="{FF2B5EF4-FFF2-40B4-BE49-F238E27FC236}">
+                <a16:creationId xmlns:a16="http://schemas.microsoft.com/office/drawing/2014/main" id="{43C832B4-D61E-9D45-94F7-CC0E9C5C68EE}"/>
+              </a:ext>
+            </a:extLst>
+          </p:cNvPr>
+          <p:cNvSpPr>
+            <a:spLocks noGrp="1"/>
+          </p:cNvSpPr>
+          <p:nvPr>
+            <p:ph type="sldNum" sz="quarter" idx="12"/>
+          </p:nvPr>
+        </p:nvSpPr>
+        <p:spPr/>
+        <p:txBody>
+          <a:bodyPr/>
+          <a:lstStyle/>
+          <a:p>
+            <a:fld id="{1413D9FB-836C-864C-8E5A-36E5384B9725}" type="slidenum">
+              <a:rPr kumimoji="1" lang="ja-JP" altLang="en-US" smtClean="0"/>
+              <a:t>27</a:t>
+            </a:fld>
+            <a:endParaRPr kumimoji="1" lang="ja-JP" altLang="en-US"/>
+          </a:p>
+        </p:txBody>
+      </p:sp>
     </p:spTree>
     <p:extLst>
       <p:ext uri="{BB962C8B-B14F-4D97-AF65-F5344CB8AC3E}">
@@ -15920,6 +16486,35 @@
           </a:p>
         </p:txBody>
       </p:sp>
+      <p:sp>
+        <p:nvSpPr>
+          <p:cNvPr id="6" name="スライド番号プレースホルダー 5">
+            <a:extLst>
+              <a:ext uri="{FF2B5EF4-FFF2-40B4-BE49-F238E27FC236}">
+                <a16:creationId xmlns:a16="http://schemas.microsoft.com/office/drawing/2014/main" id="{76EB19ED-F4AA-8344-B828-38423F8FE322}"/>
+              </a:ext>
+            </a:extLst>
+          </p:cNvPr>
+          <p:cNvSpPr>
+            <a:spLocks noGrp="1"/>
+          </p:cNvSpPr>
+          <p:nvPr>
+            <p:ph type="sldNum" sz="quarter" idx="12"/>
+          </p:nvPr>
+        </p:nvSpPr>
+        <p:spPr/>
+        <p:txBody>
+          <a:bodyPr/>
+          <a:lstStyle/>
+          <a:p>
+            <a:fld id="{1413D9FB-836C-864C-8E5A-36E5384B9725}" type="slidenum">
+              <a:rPr kumimoji="1" lang="ja-JP" altLang="en-US" smtClean="0"/>
+              <a:t>28</a:t>
+            </a:fld>
+            <a:endParaRPr kumimoji="1" lang="ja-JP" altLang="en-US"/>
+          </a:p>
+        </p:txBody>
+      </p:sp>
     </p:spTree>
     <p:extLst>
       <p:ext uri="{BB962C8B-B14F-4D97-AF65-F5344CB8AC3E}">
@@ -15973,15 +16568,7 @@
           <a:p>
             <a:r>
               <a:rPr lang="en" altLang="ja-JP" dirty="0"/>
-              <a:t>Expr	</a:t>
-            </a:r>
-            <a:r>
-              <a:rPr lang="en" altLang="ja-JP" dirty="0" err="1"/>
-              <a:t>ession</a:t>
-            </a:r>
-            <a:r>
-              <a:rPr lang="en" altLang="ja-JP" dirty="0"/>
-              <a:t> of solution</a:t>
+              <a:t>Assigning to hold</a:t>
             </a:r>
             <a:endParaRPr kumimoji="1" lang="ja-JP" altLang="en-US"/>
           </a:p>
@@ -16050,6 +16637,35 @@
           </a:p>
           <a:p>
             <a:endParaRPr kumimoji="1" lang="en" altLang="ja-JP" sz="2400" dirty="0"/>
+          </a:p>
+        </p:txBody>
+      </p:sp>
+      <p:sp>
+        <p:nvSpPr>
+          <p:cNvPr id="4" name="スライド番号プレースホルダー 3">
+            <a:extLst>
+              <a:ext uri="{FF2B5EF4-FFF2-40B4-BE49-F238E27FC236}">
+                <a16:creationId xmlns:a16="http://schemas.microsoft.com/office/drawing/2014/main" id="{C66FFA7B-DEFA-7A40-8B60-B0D2386C65E2}"/>
+              </a:ext>
+            </a:extLst>
+          </p:cNvPr>
+          <p:cNvSpPr>
+            <a:spLocks noGrp="1"/>
+          </p:cNvSpPr>
+          <p:nvPr>
+            <p:ph type="sldNum" sz="quarter" idx="12"/>
+          </p:nvPr>
+        </p:nvSpPr>
+        <p:spPr/>
+        <p:txBody>
+          <a:bodyPr/>
+          <a:lstStyle/>
+          <a:p>
+            <a:fld id="{1413D9FB-836C-864C-8E5A-36E5384B9725}" type="slidenum">
+              <a:rPr kumimoji="1" lang="ja-JP" altLang="en-US" smtClean="0"/>
+              <a:t>29</a:t>
+            </a:fld>
+            <a:endParaRPr kumimoji="1" lang="ja-JP" altLang="en-US"/>
           </a:p>
         </p:txBody>
       </p:sp>
@@ -16191,6 +16807,35 @@
           </a:p>
         </p:txBody>
       </p:sp>
+      <p:sp>
+        <p:nvSpPr>
+          <p:cNvPr id="4" name="スライド番号プレースホルダー 3">
+            <a:extLst>
+              <a:ext uri="{FF2B5EF4-FFF2-40B4-BE49-F238E27FC236}">
+                <a16:creationId xmlns:a16="http://schemas.microsoft.com/office/drawing/2014/main" id="{610AC398-D9E3-FC4F-811C-EE5E575C6880}"/>
+              </a:ext>
+            </a:extLst>
+          </p:cNvPr>
+          <p:cNvSpPr>
+            <a:spLocks noGrp="1"/>
+          </p:cNvSpPr>
+          <p:nvPr>
+            <p:ph type="sldNum" sz="quarter" idx="12"/>
+          </p:nvPr>
+        </p:nvSpPr>
+        <p:spPr/>
+        <p:txBody>
+          <a:bodyPr/>
+          <a:lstStyle/>
+          <a:p>
+            <a:fld id="{1413D9FB-836C-864C-8E5A-36E5384B9725}" type="slidenum">
+              <a:rPr kumimoji="1" lang="ja-JP" altLang="en-US" smtClean="0"/>
+              <a:t>3</a:t>
+            </a:fld>
+            <a:endParaRPr kumimoji="1" lang="ja-JP" altLang="en-US"/>
+          </a:p>
+        </p:txBody>
+      </p:sp>
     </p:spTree>
     <p:extLst>
       <p:ext uri="{BB962C8B-B14F-4D97-AF65-F5344CB8AC3E}">
@@ -16299,6 +16944,35 @@
           </a:p>
         </p:txBody>
       </p:sp>
+      <p:sp>
+        <p:nvSpPr>
+          <p:cNvPr id="4" name="スライド番号プレースホルダー 3">
+            <a:extLst>
+              <a:ext uri="{FF2B5EF4-FFF2-40B4-BE49-F238E27FC236}">
+                <a16:creationId xmlns:a16="http://schemas.microsoft.com/office/drawing/2014/main" id="{11800B15-CE42-844A-873A-4A0C5569C46C}"/>
+              </a:ext>
+            </a:extLst>
+          </p:cNvPr>
+          <p:cNvSpPr>
+            <a:spLocks noGrp="1"/>
+          </p:cNvSpPr>
+          <p:nvPr>
+            <p:ph type="sldNum" sz="quarter" idx="12"/>
+          </p:nvPr>
+        </p:nvSpPr>
+        <p:spPr/>
+        <p:txBody>
+          <a:bodyPr/>
+          <a:lstStyle/>
+          <a:p>
+            <a:fld id="{1413D9FB-836C-864C-8E5A-36E5384B9725}" type="slidenum">
+              <a:rPr kumimoji="1" lang="ja-JP" altLang="en-US" smtClean="0"/>
+              <a:t>30</a:t>
+            </a:fld>
+            <a:endParaRPr kumimoji="1" lang="ja-JP" altLang="en-US"/>
+          </a:p>
+        </p:txBody>
+      </p:sp>
     </p:spTree>
     <p:extLst>
       <p:ext uri="{BB962C8B-B14F-4D97-AF65-F5344CB8AC3E}">
@@ -16398,7 +17072,7 @@
             </a:r>
             <a:r>
               <a:rPr kumimoji="1" lang="en-US" altLang="ja-JP" sz="2400" dirty="0"/>
-              <a:t>reassigning one order which was assigned to a segment to another segment. </a:t>
+              <a:t>reassigning one booking which was assigned to a segment to another segment. </a:t>
             </a:r>
           </a:p>
           <a:p>
@@ -16419,9 +17093,38 @@
             </a:r>
             <a:r>
               <a:rPr lang="en-US" altLang="ja-JP" sz="2400" dirty="0"/>
-              <a:t>wapping the allocated segments of two orders.</a:t>
+              <a:t>wapping the allocated segments of two bookings.</a:t>
             </a:r>
             <a:endParaRPr kumimoji="1" lang="ja-JP" altLang="en-US" sz="2400"/>
+          </a:p>
+        </p:txBody>
+      </p:sp>
+      <p:sp>
+        <p:nvSpPr>
+          <p:cNvPr id="4" name="スライド番号プレースホルダー 3">
+            <a:extLst>
+              <a:ext uri="{FF2B5EF4-FFF2-40B4-BE49-F238E27FC236}">
+                <a16:creationId xmlns:a16="http://schemas.microsoft.com/office/drawing/2014/main" id="{F95BD5A2-1BAE-094B-AC86-B052D8DF5EF5}"/>
+              </a:ext>
+            </a:extLst>
+          </p:cNvPr>
+          <p:cNvSpPr>
+            <a:spLocks noGrp="1"/>
+          </p:cNvSpPr>
+          <p:nvPr>
+            <p:ph type="sldNum" sz="quarter" idx="12"/>
+          </p:nvPr>
+        </p:nvSpPr>
+        <p:spPr/>
+        <p:txBody>
+          <a:bodyPr/>
+          <a:lstStyle/>
+          <a:p>
+            <a:fld id="{1413D9FB-836C-864C-8E5A-36E5384B9725}" type="slidenum">
+              <a:rPr kumimoji="1" lang="ja-JP" altLang="en-US" smtClean="0"/>
+              <a:t>31</a:t>
+            </a:fld>
+            <a:endParaRPr kumimoji="1" lang="ja-JP" altLang="en-US"/>
           </a:p>
         </p:txBody>
       </p:sp>
@@ -16548,6 +17251,35 @@
           </a:p>
         </p:txBody>
       </p:sp>
+      <p:sp>
+        <p:nvSpPr>
+          <p:cNvPr id="4" name="スライド番号プレースホルダー 3">
+            <a:extLst>
+              <a:ext uri="{FF2B5EF4-FFF2-40B4-BE49-F238E27FC236}">
+                <a16:creationId xmlns:a16="http://schemas.microsoft.com/office/drawing/2014/main" id="{C88F3636-CA9F-194F-B51C-2E9F30882970}"/>
+              </a:ext>
+            </a:extLst>
+          </p:cNvPr>
+          <p:cNvSpPr>
+            <a:spLocks noGrp="1"/>
+          </p:cNvSpPr>
+          <p:nvPr>
+            <p:ph type="sldNum" sz="quarter" idx="12"/>
+          </p:nvPr>
+        </p:nvSpPr>
+        <p:spPr/>
+        <p:txBody>
+          <a:bodyPr/>
+          <a:lstStyle/>
+          <a:p>
+            <a:fld id="{1413D9FB-836C-864C-8E5A-36E5384B9725}" type="slidenum">
+              <a:rPr kumimoji="1" lang="ja-JP" altLang="en-US" smtClean="0"/>
+              <a:t>32</a:t>
+            </a:fld>
+            <a:endParaRPr kumimoji="1" lang="ja-JP" altLang="en-US"/>
+          </a:p>
+        </p:txBody>
+      </p:sp>
     </p:spTree>
     <p:extLst>
       <p:ext uri="{BB962C8B-B14F-4D97-AF65-F5344CB8AC3E}">
@@ -16655,6 +17387,35 @@
           </a:p>
         </p:txBody>
       </p:sp>
+      <p:sp>
+        <p:nvSpPr>
+          <p:cNvPr id="4" name="スライド番号プレースホルダー 3">
+            <a:extLst>
+              <a:ext uri="{FF2B5EF4-FFF2-40B4-BE49-F238E27FC236}">
+                <a16:creationId xmlns:a16="http://schemas.microsoft.com/office/drawing/2014/main" id="{D6B98096-3519-2C4D-9BF8-8A1F1CC998AE}"/>
+              </a:ext>
+            </a:extLst>
+          </p:cNvPr>
+          <p:cNvSpPr>
+            <a:spLocks noGrp="1"/>
+          </p:cNvSpPr>
+          <p:nvPr>
+            <p:ph type="sldNum" sz="quarter" idx="12"/>
+          </p:nvPr>
+        </p:nvSpPr>
+        <p:spPr/>
+        <p:txBody>
+          <a:bodyPr/>
+          <a:lstStyle/>
+          <a:p>
+            <a:fld id="{1413D9FB-836C-864C-8E5A-36E5384B9725}" type="slidenum">
+              <a:rPr kumimoji="1" lang="ja-JP" altLang="en-US" smtClean="0"/>
+              <a:t>33</a:t>
+            </a:fld>
+            <a:endParaRPr kumimoji="1" lang="ja-JP" altLang="en-US"/>
+          </a:p>
+        </p:txBody>
+      </p:sp>
     </p:spTree>
     <p:extLst>
       <p:ext uri="{BB962C8B-B14F-4D97-AF65-F5344CB8AC3E}">
@@ -16749,7 +17510,7 @@
           <a:p>
             <a:r>
               <a:rPr lang="en-US" altLang="ja-JP" sz="2400" dirty="0"/>
-              <a:t>When inserting one order into another hold, we make a change to the sequence order of the bookings to be inserted. </a:t>
+              <a:t>When inserting one booking into another hold, we make a change to the sequence order of the bookings to be inserted. </a:t>
             </a:r>
           </a:p>
           <a:p>
@@ -16859,6 +17620,35 @@
               <a:t>In this case, we try 4 patterns and select the best inserted position. </a:t>
             </a:r>
             <a:endParaRPr kumimoji="1" lang="ja-JP" altLang="en-US" sz="2400"/>
+          </a:p>
+        </p:txBody>
+      </p:sp>
+      <p:sp>
+        <p:nvSpPr>
+          <p:cNvPr id="4" name="スライド番号プレースホルダー 3">
+            <a:extLst>
+              <a:ext uri="{FF2B5EF4-FFF2-40B4-BE49-F238E27FC236}">
+                <a16:creationId xmlns:a16="http://schemas.microsoft.com/office/drawing/2014/main" id="{3D6685CC-0ED9-CD4C-819B-9BC95F3FA2A9}"/>
+              </a:ext>
+            </a:extLst>
+          </p:cNvPr>
+          <p:cNvSpPr>
+            <a:spLocks noGrp="1"/>
+          </p:cNvSpPr>
+          <p:nvPr>
+            <p:ph type="sldNum" sz="quarter" idx="12"/>
+          </p:nvPr>
+        </p:nvSpPr>
+        <p:spPr/>
+        <p:txBody>
+          <a:bodyPr/>
+          <a:lstStyle/>
+          <a:p>
+            <a:fld id="{1413D9FB-836C-864C-8E5A-36E5384B9725}" type="slidenum">
+              <a:rPr kumimoji="1" lang="ja-JP" altLang="en-US" smtClean="0"/>
+              <a:t>34</a:t>
+            </a:fld>
+            <a:endParaRPr kumimoji="1" lang="ja-JP" altLang="en-US"/>
           </a:p>
         </p:txBody>
       </p:sp>
@@ -17933,6 +18723,35 @@
           </p:graphicFrame>
         </mc:Fallback>
       </mc:AlternateContent>
+      <p:sp>
+        <p:nvSpPr>
+          <p:cNvPr id="5" name="スライド番号プレースホルダー 4">
+            <a:extLst>
+              <a:ext uri="{FF2B5EF4-FFF2-40B4-BE49-F238E27FC236}">
+                <a16:creationId xmlns:a16="http://schemas.microsoft.com/office/drawing/2014/main" id="{1CEA459F-DEBC-944C-90FB-5DE077743BDF}"/>
+              </a:ext>
+            </a:extLst>
+          </p:cNvPr>
+          <p:cNvSpPr>
+            <a:spLocks noGrp="1"/>
+          </p:cNvSpPr>
+          <p:nvPr>
+            <p:ph type="sldNum" sz="quarter" idx="12"/>
+          </p:nvPr>
+        </p:nvSpPr>
+        <p:spPr/>
+        <p:txBody>
+          <a:bodyPr/>
+          <a:lstStyle/>
+          <a:p>
+            <a:fld id="{1413D9FB-836C-864C-8E5A-36E5384B9725}" type="slidenum">
+              <a:rPr kumimoji="1" lang="ja-JP" altLang="en-US" smtClean="0"/>
+              <a:t>35</a:t>
+            </a:fld>
+            <a:endParaRPr kumimoji="1" lang="ja-JP" altLang="en-US"/>
+          </a:p>
+        </p:txBody>
+      </p:sp>
     </p:spTree>
     <p:extLst>
       <p:ext uri="{BB962C8B-B14F-4D97-AF65-F5344CB8AC3E}">
@@ -18073,6 +18892,35 @@
               <a:rPr lang="en" altLang="ja-JP" sz="2400" dirty="0"/>
               <a:t>We select the best insertion position</a:t>
             </a:r>
+          </a:p>
+        </p:txBody>
+      </p:sp>
+      <p:sp>
+        <p:nvSpPr>
+          <p:cNvPr id="4" name="スライド番号プレースホルダー 3">
+            <a:extLst>
+              <a:ext uri="{FF2B5EF4-FFF2-40B4-BE49-F238E27FC236}">
+                <a16:creationId xmlns:a16="http://schemas.microsoft.com/office/drawing/2014/main" id="{EB20C100-B07F-C046-9AAD-5B13656A41A5}"/>
+              </a:ext>
+            </a:extLst>
+          </p:cNvPr>
+          <p:cNvSpPr>
+            <a:spLocks noGrp="1"/>
+          </p:cNvSpPr>
+          <p:nvPr>
+            <p:ph type="sldNum" sz="quarter" idx="12"/>
+          </p:nvPr>
+        </p:nvSpPr>
+        <p:spPr/>
+        <p:txBody>
+          <a:bodyPr/>
+          <a:lstStyle/>
+          <a:p>
+            <a:fld id="{1413D9FB-836C-864C-8E5A-36E5384B9725}" type="slidenum">
+              <a:rPr kumimoji="1" lang="ja-JP" altLang="en-US" smtClean="0"/>
+              <a:t>36</a:t>
+            </a:fld>
+            <a:endParaRPr kumimoji="1" lang="ja-JP" altLang="en-US"/>
           </a:p>
         </p:txBody>
       </p:sp>
@@ -18673,6 +19521,35 @@
           </p:graphicFrame>
         </mc:Fallback>
       </mc:AlternateContent>
+      <p:sp>
+        <p:nvSpPr>
+          <p:cNvPr id="5" name="スライド番号プレースホルダー 4">
+            <a:extLst>
+              <a:ext uri="{FF2B5EF4-FFF2-40B4-BE49-F238E27FC236}">
+                <a16:creationId xmlns:a16="http://schemas.microsoft.com/office/drawing/2014/main" id="{AB2A2BBA-549E-734F-A767-70642644BC24}"/>
+              </a:ext>
+            </a:extLst>
+          </p:cNvPr>
+          <p:cNvSpPr>
+            <a:spLocks noGrp="1"/>
+          </p:cNvSpPr>
+          <p:nvPr>
+            <p:ph type="sldNum" sz="quarter" idx="12"/>
+          </p:nvPr>
+        </p:nvSpPr>
+        <p:spPr/>
+        <p:txBody>
+          <a:bodyPr/>
+          <a:lstStyle/>
+          <a:p>
+            <a:fld id="{1413D9FB-836C-864C-8E5A-36E5384B9725}" type="slidenum">
+              <a:rPr kumimoji="1" lang="ja-JP" altLang="en-US" smtClean="0"/>
+              <a:t>37</a:t>
+            </a:fld>
+            <a:endParaRPr kumimoji="1" lang="ja-JP" altLang="en-US"/>
+          </a:p>
+        </p:txBody>
+      </p:sp>
     </p:spTree>
     <p:extLst>
       <p:ext uri="{BB962C8B-B14F-4D97-AF65-F5344CB8AC3E}">
@@ -19478,6 +20355,35 @@
           </a:p>
         </p:txBody>
       </p:sp>
+      <p:sp>
+        <p:nvSpPr>
+          <p:cNvPr id="6" name="スライド番号プレースホルダー 5">
+            <a:extLst>
+              <a:ext uri="{FF2B5EF4-FFF2-40B4-BE49-F238E27FC236}">
+                <a16:creationId xmlns:a16="http://schemas.microsoft.com/office/drawing/2014/main" id="{C827ED0E-F724-EF43-B080-E7CDA3CB37D7}"/>
+              </a:ext>
+            </a:extLst>
+          </p:cNvPr>
+          <p:cNvSpPr>
+            <a:spLocks noGrp="1"/>
+          </p:cNvSpPr>
+          <p:nvPr>
+            <p:ph type="sldNum" sz="quarter" idx="12"/>
+          </p:nvPr>
+        </p:nvSpPr>
+        <p:spPr/>
+        <p:txBody>
+          <a:bodyPr/>
+          <a:lstStyle/>
+          <a:p>
+            <a:fld id="{1413D9FB-836C-864C-8E5A-36E5384B9725}" type="slidenum">
+              <a:rPr kumimoji="1" lang="ja-JP" altLang="en-US" smtClean="0"/>
+              <a:t>38</a:t>
+            </a:fld>
+            <a:endParaRPr kumimoji="1" lang="ja-JP" altLang="en-US"/>
+          </a:p>
+        </p:txBody>
+      </p:sp>
     </p:spTree>
     <p:extLst>
       <p:ext uri="{BB962C8B-B14F-4D97-AF65-F5344CB8AC3E}">
@@ -19595,6 +20501,35 @@
               <a:t>of a problem formulated in MIP with bookings grouped by port</a:t>
             </a:r>
             <a:endParaRPr kumimoji="1" lang="en-US" altLang="ja-JP" sz="2400" dirty="0"/>
+          </a:p>
+        </p:txBody>
+      </p:sp>
+      <p:sp>
+        <p:nvSpPr>
+          <p:cNvPr id="4" name="スライド番号プレースホルダー 3">
+            <a:extLst>
+              <a:ext uri="{FF2B5EF4-FFF2-40B4-BE49-F238E27FC236}">
+                <a16:creationId xmlns:a16="http://schemas.microsoft.com/office/drawing/2014/main" id="{755548C9-F06A-CF45-BF53-242F4EE1F84D}"/>
+              </a:ext>
+            </a:extLst>
+          </p:cNvPr>
+          <p:cNvSpPr>
+            <a:spLocks noGrp="1"/>
+          </p:cNvSpPr>
+          <p:nvPr>
+            <p:ph type="sldNum" sz="quarter" idx="12"/>
+          </p:nvPr>
+        </p:nvSpPr>
+        <p:spPr/>
+        <p:txBody>
+          <a:bodyPr/>
+          <a:lstStyle/>
+          <a:p>
+            <a:fld id="{1413D9FB-836C-864C-8E5A-36E5384B9725}" type="slidenum">
+              <a:rPr kumimoji="1" lang="ja-JP" altLang="en-US" smtClean="0"/>
+              <a:t>39</a:t>
+            </a:fld>
+            <a:endParaRPr kumimoji="1" lang="ja-JP" altLang="en-US"/>
           </a:p>
         </p:txBody>
       </p:sp>
@@ -21519,6 +22454,35 @@
           </a:prstGeom>
         </p:spPr>
       </p:pic>
+      <p:sp>
+        <p:nvSpPr>
+          <p:cNvPr id="36" name="スライド番号プレースホルダー 35">
+            <a:extLst>
+              <a:ext uri="{FF2B5EF4-FFF2-40B4-BE49-F238E27FC236}">
+                <a16:creationId xmlns:a16="http://schemas.microsoft.com/office/drawing/2014/main" id="{5C6B1857-F1BC-E243-89E0-3C2D11DEB165}"/>
+              </a:ext>
+            </a:extLst>
+          </p:cNvPr>
+          <p:cNvSpPr>
+            <a:spLocks noGrp="1"/>
+          </p:cNvSpPr>
+          <p:nvPr>
+            <p:ph type="sldNum" sz="quarter" idx="12"/>
+          </p:nvPr>
+        </p:nvSpPr>
+        <p:spPr/>
+        <p:txBody>
+          <a:bodyPr/>
+          <a:lstStyle/>
+          <a:p>
+            <a:fld id="{1413D9FB-836C-864C-8E5A-36E5384B9725}" type="slidenum">
+              <a:rPr kumimoji="1" lang="ja-JP" altLang="en-US" smtClean="0"/>
+              <a:t>4</a:t>
+            </a:fld>
+            <a:endParaRPr kumimoji="1" lang="ja-JP" altLang="en-US"/>
+          </a:p>
+        </p:txBody>
+      </p:sp>
     </p:spTree>
     <p:extLst>
       <p:ext uri="{BB962C8B-B14F-4D97-AF65-F5344CB8AC3E}">
@@ -21645,6 +22609,35 @@
           </a:p>
         </p:txBody>
       </p:sp>
+      <p:sp>
+        <p:nvSpPr>
+          <p:cNvPr id="4" name="スライド番号プレースホルダー 3">
+            <a:extLst>
+              <a:ext uri="{FF2B5EF4-FFF2-40B4-BE49-F238E27FC236}">
+                <a16:creationId xmlns:a16="http://schemas.microsoft.com/office/drawing/2014/main" id="{80F39395-DA9E-6B4D-9E6B-843CAEBCBF46}"/>
+              </a:ext>
+            </a:extLst>
+          </p:cNvPr>
+          <p:cNvSpPr>
+            <a:spLocks noGrp="1"/>
+          </p:cNvSpPr>
+          <p:nvPr>
+            <p:ph type="sldNum" sz="quarter" idx="12"/>
+          </p:nvPr>
+        </p:nvSpPr>
+        <p:spPr/>
+        <p:txBody>
+          <a:bodyPr/>
+          <a:lstStyle/>
+          <a:p>
+            <a:fld id="{1413D9FB-836C-864C-8E5A-36E5384B9725}" type="slidenum">
+              <a:rPr kumimoji="1" lang="ja-JP" altLang="en-US" smtClean="0"/>
+              <a:t>40</a:t>
+            </a:fld>
+            <a:endParaRPr kumimoji="1" lang="ja-JP" altLang="en-US"/>
+          </a:p>
+        </p:txBody>
+      </p:sp>
     </p:spTree>
     <p:extLst>
       <p:ext uri="{BB962C8B-B14F-4D97-AF65-F5344CB8AC3E}">
@@ -21767,6 +22760,35 @@
           </a:p>
         </p:txBody>
       </p:sp>
+      <p:sp>
+        <p:nvSpPr>
+          <p:cNvPr id="4" name="スライド番号プレースホルダー 3">
+            <a:extLst>
+              <a:ext uri="{FF2B5EF4-FFF2-40B4-BE49-F238E27FC236}">
+                <a16:creationId xmlns:a16="http://schemas.microsoft.com/office/drawing/2014/main" id="{8DAA0D4D-82E8-3046-B732-248E075E5E4C}"/>
+              </a:ext>
+            </a:extLst>
+          </p:cNvPr>
+          <p:cNvSpPr>
+            <a:spLocks noGrp="1"/>
+          </p:cNvSpPr>
+          <p:nvPr>
+            <p:ph type="sldNum" sz="quarter" idx="12"/>
+          </p:nvPr>
+        </p:nvSpPr>
+        <p:spPr/>
+        <p:txBody>
+          <a:bodyPr/>
+          <a:lstStyle/>
+          <a:p>
+            <a:fld id="{1413D9FB-836C-864C-8E5A-36E5384B9725}" type="slidenum">
+              <a:rPr kumimoji="1" lang="ja-JP" altLang="en-US" smtClean="0"/>
+              <a:t>41</a:t>
+            </a:fld>
+            <a:endParaRPr kumimoji="1" lang="ja-JP" altLang="en-US"/>
+          </a:p>
+        </p:txBody>
+      </p:sp>
     </p:spTree>
     <p:extLst>
       <p:ext uri="{BB962C8B-B14F-4D97-AF65-F5344CB8AC3E}">
@@ -21893,6 +22915,35 @@
           </a:p>
         </p:txBody>
       </p:sp>
+      <p:sp>
+        <p:nvSpPr>
+          <p:cNvPr id="4" name="スライド番号プレースホルダー 3">
+            <a:extLst>
+              <a:ext uri="{FF2B5EF4-FFF2-40B4-BE49-F238E27FC236}">
+                <a16:creationId xmlns:a16="http://schemas.microsoft.com/office/drawing/2014/main" id="{EFD2A9DB-5222-964C-9F01-E915E69C91EC}"/>
+              </a:ext>
+            </a:extLst>
+          </p:cNvPr>
+          <p:cNvSpPr>
+            <a:spLocks noGrp="1"/>
+          </p:cNvSpPr>
+          <p:nvPr>
+            <p:ph type="sldNum" sz="quarter" idx="12"/>
+          </p:nvPr>
+        </p:nvSpPr>
+        <p:spPr/>
+        <p:txBody>
+          <a:bodyPr/>
+          <a:lstStyle/>
+          <a:p>
+            <a:fld id="{1413D9FB-836C-864C-8E5A-36E5384B9725}" type="slidenum">
+              <a:rPr kumimoji="1" lang="ja-JP" altLang="en-US" smtClean="0"/>
+              <a:t>42</a:t>
+            </a:fld>
+            <a:endParaRPr kumimoji="1" lang="ja-JP" altLang="en-US"/>
+          </a:p>
+        </p:txBody>
+      </p:sp>
     </p:spTree>
     <p:extLst>
       <p:ext uri="{BB962C8B-B14F-4D97-AF65-F5344CB8AC3E}">
@@ -22002,6 +23053,35 @@
               <a:t>, we can get a rough solution in a short time.</a:t>
             </a:r>
             <a:endParaRPr lang="en-US" altLang="ja-JP" sz="2400" dirty="0"/>
+          </a:p>
+        </p:txBody>
+      </p:sp>
+      <p:sp>
+        <p:nvSpPr>
+          <p:cNvPr id="4" name="スライド番号プレースホルダー 3">
+            <a:extLst>
+              <a:ext uri="{FF2B5EF4-FFF2-40B4-BE49-F238E27FC236}">
+                <a16:creationId xmlns:a16="http://schemas.microsoft.com/office/drawing/2014/main" id="{563306FB-1C5E-2A4E-802F-FF3920E3A4E0}"/>
+              </a:ext>
+            </a:extLst>
+          </p:cNvPr>
+          <p:cNvSpPr>
+            <a:spLocks noGrp="1"/>
+          </p:cNvSpPr>
+          <p:nvPr>
+            <p:ph type="sldNum" sz="quarter" idx="12"/>
+          </p:nvPr>
+        </p:nvSpPr>
+        <p:spPr/>
+        <p:txBody>
+          <a:bodyPr/>
+          <a:lstStyle/>
+          <a:p>
+            <a:fld id="{1413D9FB-836C-864C-8E5A-36E5384B9725}" type="slidenum">
+              <a:rPr kumimoji="1" lang="ja-JP" altLang="en-US" smtClean="0"/>
+              <a:t>43</a:t>
+            </a:fld>
+            <a:endParaRPr kumimoji="1" lang="ja-JP" altLang="en-US"/>
           </a:p>
         </p:txBody>
       </p:sp>
@@ -23100,6 +24180,35 @@
           </a:p>
         </p:txBody>
       </p:sp>
+      <p:sp>
+        <p:nvSpPr>
+          <p:cNvPr id="5" name="スライド番号プレースホルダー 4">
+            <a:extLst>
+              <a:ext uri="{FF2B5EF4-FFF2-40B4-BE49-F238E27FC236}">
+                <a16:creationId xmlns:a16="http://schemas.microsoft.com/office/drawing/2014/main" id="{E9CDBD15-02BC-7F46-BC7A-F02B7F218937}"/>
+              </a:ext>
+            </a:extLst>
+          </p:cNvPr>
+          <p:cNvSpPr>
+            <a:spLocks noGrp="1"/>
+          </p:cNvSpPr>
+          <p:nvPr>
+            <p:ph type="sldNum" sz="quarter" idx="12"/>
+          </p:nvPr>
+        </p:nvSpPr>
+        <p:spPr/>
+        <p:txBody>
+          <a:bodyPr/>
+          <a:lstStyle/>
+          <a:p>
+            <a:fld id="{1413D9FB-836C-864C-8E5A-36E5384B9725}" type="slidenum">
+              <a:rPr kumimoji="1" lang="ja-JP" altLang="en-US" smtClean="0"/>
+              <a:t>44</a:t>
+            </a:fld>
+            <a:endParaRPr kumimoji="1" lang="ja-JP" altLang="en-US"/>
+          </a:p>
+        </p:txBody>
+      </p:sp>
     </p:spTree>
     <p:extLst>
       <p:ext uri="{BB962C8B-B14F-4D97-AF65-F5344CB8AC3E}">
@@ -23206,6 +24315,35 @@
               <a:rPr lang="en-US" altLang="ja-JP" sz="2400" dirty="0"/>
               <a:t>. </a:t>
             </a:r>
+          </a:p>
+        </p:txBody>
+      </p:sp>
+      <p:sp>
+        <p:nvSpPr>
+          <p:cNvPr id="4" name="スライド番号プレースホルダー 3">
+            <a:extLst>
+              <a:ext uri="{FF2B5EF4-FFF2-40B4-BE49-F238E27FC236}">
+                <a16:creationId xmlns:a16="http://schemas.microsoft.com/office/drawing/2014/main" id="{EBCE3F09-13BB-BA41-83CF-1609AF4258B2}"/>
+              </a:ext>
+            </a:extLst>
+          </p:cNvPr>
+          <p:cNvSpPr>
+            <a:spLocks noGrp="1"/>
+          </p:cNvSpPr>
+          <p:nvPr>
+            <p:ph type="sldNum" sz="quarter" idx="12"/>
+          </p:nvPr>
+        </p:nvSpPr>
+        <p:spPr/>
+        <p:txBody>
+          <a:bodyPr/>
+          <a:lstStyle/>
+          <a:p>
+            <a:fld id="{1413D9FB-836C-864C-8E5A-36E5384B9725}" type="slidenum">
+              <a:rPr kumimoji="1" lang="ja-JP" altLang="en-US" smtClean="0"/>
+              <a:t>45</a:t>
+            </a:fld>
+            <a:endParaRPr kumimoji="1" lang="ja-JP" altLang="en-US"/>
           </a:p>
         </p:txBody>
       </p:sp>
@@ -23991,6 +25129,35 @@
           </a:p>
         </p:txBody>
       </p:sp>
+      <p:sp>
+        <p:nvSpPr>
+          <p:cNvPr id="5" name="スライド番号プレースホルダー 4">
+            <a:extLst>
+              <a:ext uri="{FF2B5EF4-FFF2-40B4-BE49-F238E27FC236}">
+                <a16:creationId xmlns:a16="http://schemas.microsoft.com/office/drawing/2014/main" id="{6DCFEB65-A00A-354F-964D-A6B53EE89E4F}"/>
+              </a:ext>
+            </a:extLst>
+          </p:cNvPr>
+          <p:cNvSpPr>
+            <a:spLocks noGrp="1"/>
+          </p:cNvSpPr>
+          <p:nvPr>
+            <p:ph type="sldNum" sz="quarter" idx="12"/>
+          </p:nvPr>
+        </p:nvSpPr>
+        <p:spPr/>
+        <p:txBody>
+          <a:bodyPr/>
+          <a:lstStyle/>
+          <a:p>
+            <a:fld id="{1413D9FB-836C-864C-8E5A-36E5384B9725}" type="slidenum">
+              <a:rPr kumimoji="1" lang="ja-JP" altLang="en-US" smtClean="0"/>
+              <a:t>46</a:t>
+            </a:fld>
+            <a:endParaRPr kumimoji="1" lang="ja-JP" altLang="en-US"/>
+          </a:p>
+        </p:txBody>
+      </p:sp>
     </p:spTree>
     <p:extLst>
       <p:ext uri="{BB962C8B-B14F-4D97-AF65-F5344CB8AC3E}">
@@ -24119,6 +25286,35 @@
           </a:p>
         </p:txBody>
       </p:sp>
+      <p:sp>
+        <p:nvSpPr>
+          <p:cNvPr id="4" name="スライド番号プレースホルダー 3">
+            <a:extLst>
+              <a:ext uri="{FF2B5EF4-FFF2-40B4-BE49-F238E27FC236}">
+                <a16:creationId xmlns:a16="http://schemas.microsoft.com/office/drawing/2014/main" id="{D4FDBFAF-DC59-2A44-8DD7-7C5EE577BE35}"/>
+              </a:ext>
+            </a:extLst>
+          </p:cNvPr>
+          <p:cNvSpPr>
+            <a:spLocks noGrp="1"/>
+          </p:cNvSpPr>
+          <p:nvPr>
+            <p:ph type="sldNum" sz="quarter" idx="12"/>
+          </p:nvPr>
+        </p:nvSpPr>
+        <p:spPr/>
+        <p:txBody>
+          <a:bodyPr/>
+          <a:lstStyle/>
+          <a:p>
+            <a:fld id="{1413D9FB-836C-864C-8E5A-36E5384B9725}" type="slidenum">
+              <a:rPr kumimoji="1" lang="ja-JP" altLang="en-US" smtClean="0"/>
+              <a:t>47</a:t>
+            </a:fld>
+            <a:endParaRPr kumimoji="1" lang="ja-JP" altLang="en-US"/>
+          </a:p>
+        </p:txBody>
+      </p:sp>
     </p:spTree>
     <p:extLst>
       <p:ext uri="{BB962C8B-B14F-4D97-AF65-F5344CB8AC3E}">
@@ -24199,6 +25395,35 @@
           <a:bodyPr/>
           <a:lstStyle/>
           <a:p>
+            <a:endParaRPr kumimoji="1" lang="ja-JP" altLang="en-US"/>
+          </a:p>
+        </p:txBody>
+      </p:sp>
+      <p:sp>
+        <p:nvSpPr>
+          <p:cNvPr id="4" name="スライド番号プレースホルダー 3">
+            <a:extLst>
+              <a:ext uri="{FF2B5EF4-FFF2-40B4-BE49-F238E27FC236}">
+                <a16:creationId xmlns:a16="http://schemas.microsoft.com/office/drawing/2014/main" id="{49721713-D5A1-B649-8A73-70FA64EDD1A6}"/>
+              </a:ext>
+            </a:extLst>
+          </p:cNvPr>
+          <p:cNvSpPr>
+            <a:spLocks noGrp="1"/>
+          </p:cNvSpPr>
+          <p:nvPr>
+            <p:ph type="sldNum" sz="quarter" idx="12"/>
+          </p:nvPr>
+        </p:nvSpPr>
+        <p:spPr/>
+        <p:txBody>
+          <a:bodyPr/>
+          <a:lstStyle/>
+          <a:p>
+            <a:fld id="{1413D9FB-836C-864C-8E5A-36E5384B9725}" type="slidenum">
+              <a:rPr kumimoji="1" lang="ja-JP" altLang="en-US" smtClean="0"/>
+              <a:t>48</a:t>
+            </a:fld>
             <a:endParaRPr kumimoji="1" lang="ja-JP" altLang="en-US"/>
           </a:p>
         </p:txBody>
@@ -24614,6 +25839,35 @@
           </a:p>
         </p:txBody>
       </p:sp>
+      <p:sp>
+        <p:nvSpPr>
+          <p:cNvPr id="7" name="スライド番号プレースホルダー 6">
+            <a:extLst>
+              <a:ext uri="{FF2B5EF4-FFF2-40B4-BE49-F238E27FC236}">
+                <a16:creationId xmlns:a16="http://schemas.microsoft.com/office/drawing/2014/main" id="{21F3DBBE-482F-2148-8CB4-8B1F303B99E7}"/>
+              </a:ext>
+            </a:extLst>
+          </p:cNvPr>
+          <p:cNvSpPr>
+            <a:spLocks noGrp="1"/>
+          </p:cNvSpPr>
+          <p:nvPr>
+            <p:ph type="sldNum" sz="quarter" idx="12"/>
+          </p:nvPr>
+        </p:nvSpPr>
+        <p:spPr/>
+        <p:txBody>
+          <a:bodyPr/>
+          <a:lstStyle/>
+          <a:p>
+            <a:fld id="{1413D9FB-836C-864C-8E5A-36E5384B9725}" type="slidenum">
+              <a:rPr kumimoji="1" lang="ja-JP" altLang="en-US" smtClean="0"/>
+              <a:t>49</a:t>
+            </a:fld>
+            <a:endParaRPr kumimoji="1" lang="ja-JP" altLang="en-US"/>
+          </a:p>
+        </p:txBody>
+      </p:sp>
     </p:spTree>
     <p:extLst>
       <p:ext uri="{BB962C8B-B14F-4D97-AF65-F5344CB8AC3E}">
@@ -24721,6 +25975,35 @@
               <a:rPr lang="en-US" altLang="ja-JP" sz="2400" dirty="0"/>
               <a:t>Unbalanced assignments may result in a sinking.</a:t>
             </a:r>
+          </a:p>
+        </p:txBody>
+      </p:sp>
+      <p:sp>
+        <p:nvSpPr>
+          <p:cNvPr id="4" name="スライド番号プレースホルダー 3">
+            <a:extLst>
+              <a:ext uri="{FF2B5EF4-FFF2-40B4-BE49-F238E27FC236}">
+                <a16:creationId xmlns:a16="http://schemas.microsoft.com/office/drawing/2014/main" id="{D11A346B-5DC2-0B44-81D9-55291BD59FF5}"/>
+              </a:ext>
+            </a:extLst>
+          </p:cNvPr>
+          <p:cNvSpPr>
+            <a:spLocks noGrp="1"/>
+          </p:cNvSpPr>
+          <p:nvPr>
+            <p:ph type="sldNum" sz="quarter" idx="12"/>
+          </p:nvPr>
+        </p:nvSpPr>
+        <p:spPr/>
+        <p:txBody>
+          <a:bodyPr/>
+          <a:lstStyle/>
+          <a:p>
+            <a:fld id="{1413D9FB-836C-864C-8E5A-36E5384B9725}" type="slidenum">
+              <a:rPr kumimoji="1" lang="ja-JP" altLang="en-US" smtClean="0"/>
+              <a:t>5</a:t>
+            </a:fld>
+            <a:endParaRPr kumimoji="1" lang="ja-JP" altLang="en-US"/>
           </a:p>
         </p:txBody>
       </p:sp>
@@ -25283,6 +26566,35 @@
           </a:p>
         </p:txBody>
       </p:sp>
+      <p:sp>
+        <p:nvSpPr>
+          <p:cNvPr id="5" name="スライド番号プレースホルダー 4">
+            <a:extLst>
+              <a:ext uri="{FF2B5EF4-FFF2-40B4-BE49-F238E27FC236}">
+                <a16:creationId xmlns:a16="http://schemas.microsoft.com/office/drawing/2014/main" id="{522B26E9-C024-2441-85A6-F97FC4C9E661}"/>
+              </a:ext>
+            </a:extLst>
+          </p:cNvPr>
+          <p:cNvSpPr>
+            <a:spLocks noGrp="1"/>
+          </p:cNvSpPr>
+          <p:nvPr>
+            <p:ph type="sldNum" sz="quarter" idx="12"/>
+          </p:nvPr>
+        </p:nvSpPr>
+        <p:spPr/>
+        <p:txBody>
+          <a:bodyPr/>
+          <a:lstStyle/>
+          <a:p>
+            <a:fld id="{1413D9FB-836C-864C-8E5A-36E5384B9725}" type="slidenum">
+              <a:rPr kumimoji="1" lang="ja-JP" altLang="en-US" smtClean="0"/>
+              <a:t>50</a:t>
+            </a:fld>
+            <a:endParaRPr kumimoji="1" lang="ja-JP" altLang="en-US"/>
+          </a:p>
+        </p:txBody>
+      </p:sp>
     </p:spTree>
     <p:extLst>
       <p:ext uri="{BB962C8B-B14F-4D97-AF65-F5344CB8AC3E}">
@@ -25760,6 +27072,35 @@
           </a:p>
         </p:txBody>
       </p:sp>
+      <p:sp>
+        <p:nvSpPr>
+          <p:cNvPr id="10" name="スライド番号プレースホルダー 9">
+            <a:extLst>
+              <a:ext uri="{FF2B5EF4-FFF2-40B4-BE49-F238E27FC236}">
+                <a16:creationId xmlns:a16="http://schemas.microsoft.com/office/drawing/2014/main" id="{243C2EF0-0229-5948-9C8D-9CA84BBF8602}"/>
+              </a:ext>
+            </a:extLst>
+          </p:cNvPr>
+          <p:cNvSpPr>
+            <a:spLocks noGrp="1"/>
+          </p:cNvSpPr>
+          <p:nvPr>
+            <p:ph type="sldNum" sz="quarter" idx="12"/>
+          </p:nvPr>
+        </p:nvSpPr>
+        <p:spPr/>
+        <p:txBody>
+          <a:bodyPr/>
+          <a:lstStyle/>
+          <a:p>
+            <a:fld id="{1413D9FB-836C-864C-8E5A-36E5384B9725}" type="slidenum">
+              <a:rPr kumimoji="1" lang="ja-JP" altLang="en-US" smtClean="0"/>
+              <a:t>51</a:t>
+            </a:fld>
+            <a:endParaRPr kumimoji="1" lang="ja-JP" altLang="en-US"/>
+          </a:p>
+        </p:txBody>
+      </p:sp>
     </p:spTree>
     <p:extLst>
       <p:ext uri="{BB962C8B-B14F-4D97-AF65-F5344CB8AC3E}">
@@ -25877,6 +27218,35 @@
             <a:endParaRPr lang="en-US" altLang="ja-JP" sz="2400" dirty="0"/>
           </a:p>
           <a:p>
+            <a:endParaRPr kumimoji="1" lang="ja-JP" altLang="en-US"/>
+          </a:p>
+        </p:txBody>
+      </p:sp>
+      <p:sp>
+        <p:nvSpPr>
+          <p:cNvPr id="4" name="スライド番号プレースホルダー 3">
+            <a:extLst>
+              <a:ext uri="{FF2B5EF4-FFF2-40B4-BE49-F238E27FC236}">
+                <a16:creationId xmlns:a16="http://schemas.microsoft.com/office/drawing/2014/main" id="{CC054AA2-0925-4A4B-A5FB-2AE07CDC4929}"/>
+              </a:ext>
+            </a:extLst>
+          </p:cNvPr>
+          <p:cNvSpPr>
+            <a:spLocks noGrp="1"/>
+          </p:cNvSpPr>
+          <p:nvPr>
+            <p:ph type="sldNum" sz="quarter" idx="12"/>
+          </p:nvPr>
+        </p:nvSpPr>
+        <p:spPr/>
+        <p:txBody>
+          <a:bodyPr/>
+          <a:lstStyle/>
+          <a:p>
+            <a:fld id="{1413D9FB-836C-864C-8E5A-36E5384B9725}" type="slidenum">
+              <a:rPr kumimoji="1" lang="ja-JP" altLang="en-US" smtClean="0"/>
+              <a:t>52</a:t>
+            </a:fld>
             <a:endParaRPr kumimoji="1" lang="ja-JP" altLang="en-US"/>
           </a:p>
         </p:txBody>
@@ -26249,6 +27619,35 @@
           </p:sp>
         </mc:Fallback>
       </mc:AlternateContent>
+      <p:sp>
+        <p:nvSpPr>
+          <p:cNvPr id="4" name="スライド番号プレースホルダー 3">
+            <a:extLst>
+              <a:ext uri="{FF2B5EF4-FFF2-40B4-BE49-F238E27FC236}">
+                <a16:creationId xmlns:a16="http://schemas.microsoft.com/office/drawing/2014/main" id="{B9C147EE-7698-784D-A579-9A7D4B8CDABA}"/>
+              </a:ext>
+            </a:extLst>
+          </p:cNvPr>
+          <p:cNvSpPr>
+            <a:spLocks noGrp="1"/>
+          </p:cNvSpPr>
+          <p:nvPr>
+            <p:ph type="sldNum" sz="quarter" idx="12"/>
+          </p:nvPr>
+        </p:nvSpPr>
+        <p:spPr/>
+        <p:txBody>
+          <a:bodyPr/>
+          <a:lstStyle/>
+          <a:p>
+            <a:fld id="{1413D9FB-836C-864C-8E5A-36E5384B9725}" type="slidenum">
+              <a:rPr kumimoji="1" lang="ja-JP" altLang="en-US" smtClean="0"/>
+              <a:t>53</a:t>
+            </a:fld>
+            <a:endParaRPr kumimoji="1" lang="ja-JP" altLang="en-US"/>
+          </a:p>
+        </p:txBody>
+      </p:sp>
     </p:spTree>
     <p:extLst>
       <p:ext uri="{BB962C8B-B14F-4D97-AF65-F5344CB8AC3E}">
@@ -26617,6 +28016,35 @@
           </p:sp>
         </mc:Fallback>
       </mc:AlternateContent>
+      <p:sp>
+        <p:nvSpPr>
+          <p:cNvPr id="4" name="スライド番号プレースホルダー 3">
+            <a:extLst>
+              <a:ext uri="{FF2B5EF4-FFF2-40B4-BE49-F238E27FC236}">
+                <a16:creationId xmlns:a16="http://schemas.microsoft.com/office/drawing/2014/main" id="{62E255AE-DC4B-1843-AD7F-25EFB8008747}"/>
+              </a:ext>
+            </a:extLst>
+          </p:cNvPr>
+          <p:cNvSpPr>
+            <a:spLocks noGrp="1"/>
+          </p:cNvSpPr>
+          <p:nvPr>
+            <p:ph type="sldNum" sz="quarter" idx="12"/>
+          </p:nvPr>
+        </p:nvSpPr>
+        <p:spPr/>
+        <p:txBody>
+          <a:bodyPr/>
+          <a:lstStyle/>
+          <a:p>
+            <a:fld id="{1413D9FB-836C-864C-8E5A-36E5384B9725}" type="slidenum">
+              <a:rPr kumimoji="1" lang="ja-JP" altLang="en-US" smtClean="0"/>
+              <a:t>54</a:t>
+            </a:fld>
+            <a:endParaRPr kumimoji="1" lang="ja-JP" altLang="en-US"/>
+          </a:p>
+        </p:txBody>
+      </p:sp>
     </p:spTree>
     <p:extLst>
       <p:ext uri="{BB962C8B-B14F-4D97-AF65-F5344CB8AC3E}">
@@ -26844,6 +28272,35 @@
           </a:fontRef>
         </p:style>
       </p:cxnSp>
+      <p:sp>
+        <p:nvSpPr>
+          <p:cNvPr id="4" name="スライド番号プレースホルダー 3">
+            <a:extLst>
+              <a:ext uri="{FF2B5EF4-FFF2-40B4-BE49-F238E27FC236}">
+                <a16:creationId xmlns:a16="http://schemas.microsoft.com/office/drawing/2014/main" id="{748E3AC2-77AA-864C-8EB4-31467879BA0A}"/>
+              </a:ext>
+            </a:extLst>
+          </p:cNvPr>
+          <p:cNvSpPr>
+            <a:spLocks noGrp="1"/>
+          </p:cNvSpPr>
+          <p:nvPr>
+            <p:ph type="sldNum" sz="quarter" idx="12"/>
+          </p:nvPr>
+        </p:nvSpPr>
+        <p:spPr/>
+        <p:txBody>
+          <a:bodyPr/>
+          <a:lstStyle/>
+          <a:p>
+            <a:fld id="{1413D9FB-836C-864C-8E5A-36E5384B9725}" type="slidenum">
+              <a:rPr kumimoji="1" lang="ja-JP" altLang="en-US" smtClean="0"/>
+              <a:t>55</a:t>
+            </a:fld>
+            <a:endParaRPr kumimoji="1" lang="ja-JP" altLang="en-US"/>
+          </a:p>
+        </p:txBody>
+      </p:sp>
     </p:spTree>
     <p:extLst>
       <p:ext uri="{BB962C8B-B14F-4D97-AF65-F5344CB8AC3E}">
@@ -27159,6 +28616,35 @@
           </a:fontRef>
         </p:style>
       </p:cxnSp>
+      <p:sp>
+        <p:nvSpPr>
+          <p:cNvPr id="4" name="スライド番号プレースホルダー 3">
+            <a:extLst>
+              <a:ext uri="{FF2B5EF4-FFF2-40B4-BE49-F238E27FC236}">
+                <a16:creationId xmlns:a16="http://schemas.microsoft.com/office/drawing/2014/main" id="{405CDDBA-11F0-A040-BE2D-44D56BBE0B92}"/>
+              </a:ext>
+            </a:extLst>
+          </p:cNvPr>
+          <p:cNvSpPr>
+            <a:spLocks noGrp="1"/>
+          </p:cNvSpPr>
+          <p:nvPr>
+            <p:ph type="sldNum" sz="quarter" idx="12"/>
+          </p:nvPr>
+        </p:nvSpPr>
+        <p:spPr/>
+        <p:txBody>
+          <a:bodyPr/>
+          <a:lstStyle/>
+          <a:p>
+            <a:fld id="{1413D9FB-836C-864C-8E5A-36E5384B9725}" type="slidenum">
+              <a:rPr kumimoji="1" lang="ja-JP" altLang="en-US" smtClean="0"/>
+              <a:t>56</a:t>
+            </a:fld>
+            <a:endParaRPr kumimoji="1" lang="ja-JP" altLang="en-US"/>
+          </a:p>
+        </p:txBody>
+      </p:sp>
     </p:spTree>
     <p:extLst>
       <p:ext uri="{BB962C8B-B14F-4D97-AF65-F5344CB8AC3E}">
@@ -27871,6 +29357,35 @@
           </a:p>
         </p:txBody>
       </p:sp>
+      <p:sp>
+        <p:nvSpPr>
+          <p:cNvPr id="6" name="スライド番号プレースホルダー 5">
+            <a:extLst>
+              <a:ext uri="{FF2B5EF4-FFF2-40B4-BE49-F238E27FC236}">
+                <a16:creationId xmlns:a16="http://schemas.microsoft.com/office/drawing/2014/main" id="{8F942695-8C79-9C43-8D87-78E8844C05E4}"/>
+              </a:ext>
+            </a:extLst>
+          </p:cNvPr>
+          <p:cNvSpPr>
+            <a:spLocks noGrp="1"/>
+          </p:cNvSpPr>
+          <p:nvPr>
+            <p:ph type="sldNum" sz="quarter" idx="12"/>
+          </p:nvPr>
+        </p:nvSpPr>
+        <p:spPr/>
+        <p:txBody>
+          <a:bodyPr/>
+          <a:lstStyle/>
+          <a:p>
+            <a:fld id="{1413D9FB-836C-864C-8E5A-36E5384B9725}" type="slidenum">
+              <a:rPr kumimoji="1" lang="ja-JP" altLang="en-US" smtClean="0"/>
+              <a:t>57</a:t>
+            </a:fld>
+            <a:endParaRPr kumimoji="1" lang="ja-JP" altLang="en-US"/>
+          </a:p>
+        </p:txBody>
+      </p:sp>
     </p:spTree>
     <p:extLst>
       <p:ext uri="{BB962C8B-B14F-4D97-AF65-F5344CB8AC3E}">
@@ -27986,6 +29501,35 @@
               <a:rPr lang="en" altLang="ja-JP" sz="2400" dirty="0"/>
               <a:t>Case that orders are inserted randomly</a:t>
             </a:r>
+          </a:p>
+        </p:txBody>
+      </p:sp>
+      <p:sp>
+        <p:nvSpPr>
+          <p:cNvPr id="4" name="スライド番号プレースホルダー 3">
+            <a:extLst>
+              <a:ext uri="{FF2B5EF4-FFF2-40B4-BE49-F238E27FC236}">
+                <a16:creationId xmlns:a16="http://schemas.microsoft.com/office/drawing/2014/main" id="{2C27B16C-F9F3-9446-BC5D-253CE97314D7}"/>
+              </a:ext>
+            </a:extLst>
+          </p:cNvPr>
+          <p:cNvSpPr>
+            <a:spLocks noGrp="1"/>
+          </p:cNvSpPr>
+          <p:nvPr>
+            <p:ph type="sldNum" sz="quarter" idx="12"/>
+          </p:nvPr>
+        </p:nvSpPr>
+        <p:spPr/>
+        <p:txBody>
+          <a:bodyPr/>
+          <a:lstStyle/>
+          <a:p>
+            <a:fld id="{1413D9FB-836C-864C-8E5A-36E5384B9725}" type="slidenum">
+              <a:rPr kumimoji="1" lang="ja-JP" altLang="en-US" smtClean="0"/>
+              <a:t>58</a:t>
+            </a:fld>
+            <a:endParaRPr kumimoji="1" lang="ja-JP" altLang="en-US"/>
           </a:p>
         </p:txBody>
       </p:sp>
@@ -28981,6 +30525,35 @@
           </a:graphicData>
         </a:graphic>
       </p:graphicFrame>
+      <p:sp>
+        <p:nvSpPr>
+          <p:cNvPr id="3" name="スライド番号プレースホルダー 2">
+            <a:extLst>
+              <a:ext uri="{FF2B5EF4-FFF2-40B4-BE49-F238E27FC236}">
+                <a16:creationId xmlns:a16="http://schemas.microsoft.com/office/drawing/2014/main" id="{8EEE700C-A63A-DC43-A56A-99847056F1F5}"/>
+              </a:ext>
+            </a:extLst>
+          </p:cNvPr>
+          <p:cNvSpPr>
+            <a:spLocks noGrp="1"/>
+          </p:cNvSpPr>
+          <p:nvPr>
+            <p:ph type="sldNum" sz="quarter" idx="12"/>
+          </p:nvPr>
+        </p:nvSpPr>
+        <p:spPr/>
+        <p:txBody>
+          <a:bodyPr/>
+          <a:lstStyle/>
+          <a:p>
+            <a:fld id="{1413D9FB-836C-864C-8E5A-36E5384B9725}" type="slidenum">
+              <a:rPr kumimoji="1" lang="ja-JP" altLang="en-US" smtClean="0"/>
+              <a:t>59</a:t>
+            </a:fld>
+            <a:endParaRPr kumimoji="1" lang="ja-JP" altLang="en-US"/>
+          </a:p>
+        </p:txBody>
+      </p:sp>
     </p:spTree>
     <p:extLst>
       <p:ext uri="{BB962C8B-B14F-4D97-AF65-F5344CB8AC3E}">
@@ -29120,6 +30693,35 @@
           </a:p>
         </p:txBody>
       </p:sp>
+      <p:sp>
+        <p:nvSpPr>
+          <p:cNvPr id="4" name="スライド番号プレースホルダー 3">
+            <a:extLst>
+              <a:ext uri="{FF2B5EF4-FFF2-40B4-BE49-F238E27FC236}">
+                <a16:creationId xmlns:a16="http://schemas.microsoft.com/office/drawing/2014/main" id="{C2D34417-1747-3149-85A7-440083D1D24E}"/>
+              </a:ext>
+            </a:extLst>
+          </p:cNvPr>
+          <p:cNvSpPr>
+            <a:spLocks noGrp="1"/>
+          </p:cNvSpPr>
+          <p:nvPr>
+            <p:ph type="sldNum" sz="quarter" idx="12"/>
+          </p:nvPr>
+        </p:nvSpPr>
+        <p:spPr/>
+        <p:txBody>
+          <a:bodyPr/>
+          <a:lstStyle/>
+          <a:p>
+            <a:fld id="{1413D9FB-836C-864C-8E5A-36E5384B9725}" type="slidenum">
+              <a:rPr kumimoji="1" lang="ja-JP" altLang="en-US" smtClean="0"/>
+              <a:t>6</a:t>
+            </a:fld>
+            <a:endParaRPr kumimoji="1" lang="ja-JP" altLang="en-US"/>
+          </a:p>
+        </p:txBody>
+      </p:sp>
     </p:spTree>
     <p:extLst>
       <p:ext uri="{BB962C8B-B14F-4D97-AF65-F5344CB8AC3E}">
@@ -29224,6 +30826,35 @@
               <a:rPr lang="en" altLang="ja-JP" sz="2400" dirty="0"/>
               <a:t>there may be possibilities that obtaining a solution with a certain degree of quality in a short time may be sufficient.</a:t>
             </a:r>
+          </a:p>
+        </p:txBody>
+      </p:sp>
+      <p:sp>
+        <p:nvSpPr>
+          <p:cNvPr id="4" name="スライド番号プレースホルダー 3">
+            <a:extLst>
+              <a:ext uri="{FF2B5EF4-FFF2-40B4-BE49-F238E27FC236}">
+                <a16:creationId xmlns:a16="http://schemas.microsoft.com/office/drawing/2014/main" id="{80C1BE0B-99E8-E945-9F0F-3DEEACE087D6}"/>
+              </a:ext>
+            </a:extLst>
+          </p:cNvPr>
+          <p:cNvSpPr>
+            <a:spLocks noGrp="1"/>
+          </p:cNvSpPr>
+          <p:nvPr>
+            <p:ph type="sldNum" sz="quarter" idx="12"/>
+          </p:nvPr>
+        </p:nvSpPr>
+        <p:spPr/>
+        <p:txBody>
+          <a:bodyPr/>
+          <a:lstStyle/>
+          <a:p>
+            <a:fld id="{1413D9FB-836C-864C-8E5A-36E5384B9725}" type="slidenum">
+              <a:rPr kumimoji="1" lang="ja-JP" altLang="en-US" smtClean="0"/>
+              <a:t>60</a:t>
+            </a:fld>
+            <a:endParaRPr kumimoji="1" lang="ja-JP" altLang="en-US"/>
           </a:p>
         </p:txBody>
       </p:sp>
@@ -29679,6 +31310,35 @@
           </p:sp>
         </mc:Fallback>
       </mc:AlternateContent>
+      <p:sp>
+        <p:nvSpPr>
+          <p:cNvPr id="4" name="スライド番号プレースホルダー 3">
+            <a:extLst>
+              <a:ext uri="{FF2B5EF4-FFF2-40B4-BE49-F238E27FC236}">
+                <a16:creationId xmlns:a16="http://schemas.microsoft.com/office/drawing/2014/main" id="{A7C0C104-7B5C-1645-B44A-5283A1E85B53}"/>
+              </a:ext>
+            </a:extLst>
+          </p:cNvPr>
+          <p:cNvSpPr>
+            <a:spLocks noGrp="1"/>
+          </p:cNvSpPr>
+          <p:nvPr>
+            <p:ph type="sldNum" sz="quarter" idx="12"/>
+          </p:nvPr>
+        </p:nvSpPr>
+        <p:spPr/>
+        <p:txBody>
+          <a:bodyPr/>
+          <a:lstStyle/>
+          <a:p>
+            <a:fld id="{1413D9FB-836C-864C-8E5A-36E5384B9725}" type="slidenum">
+              <a:rPr kumimoji="1" lang="ja-JP" altLang="en-US" smtClean="0"/>
+              <a:t>61</a:t>
+            </a:fld>
+            <a:endParaRPr kumimoji="1" lang="ja-JP" altLang="en-US"/>
+          </a:p>
+        </p:txBody>
+      </p:sp>
     </p:spTree>
     <p:extLst>
       <p:ext uri="{BB962C8B-B14F-4D97-AF65-F5344CB8AC3E}">
@@ -29805,6 +31465,35 @@
               <a:buNone/>
             </a:pPr>
             <a:endParaRPr kumimoji="1" lang="ja-JP" altLang="en-US" sz="2400"/>
+          </a:p>
+        </p:txBody>
+      </p:sp>
+      <p:sp>
+        <p:nvSpPr>
+          <p:cNvPr id="4" name="スライド番号プレースホルダー 3">
+            <a:extLst>
+              <a:ext uri="{FF2B5EF4-FFF2-40B4-BE49-F238E27FC236}">
+                <a16:creationId xmlns:a16="http://schemas.microsoft.com/office/drawing/2014/main" id="{1B7F9FBF-E2D8-514B-8D79-BA83A6E980D7}"/>
+              </a:ext>
+            </a:extLst>
+          </p:cNvPr>
+          <p:cNvSpPr>
+            <a:spLocks noGrp="1"/>
+          </p:cNvSpPr>
+          <p:nvPr>
+            <p:ph type="sldNum" sz="quarter" idx="12"/>
+          </p:nvPr>
+        </p:nvSpPr>
+        <p:spPr/>
+        <p:txBody>
+          <a:bodyPr/>
+          <a:lstStyle/>
+          <a:p>
+            <a:fld id="{1413D9FB-836C-864C-8E5A-36E5384B9725}" type="slidenum">
+              <a:rPr kumimoji="1" lang="ja-JP" altLang="en-US" smtClean="0"/>
+              <a:t>62</a:t>
+            </a:fld>
+            <a:endParaRPr kumimoji="1" lang="ja-JP" altLang="en-US"/>
           </a:p>
         </p:txBody>
       </p:sp>
@@ -30845,6 +32534,35 @@
           </a:graphicData>
         </a:graphic>
       </p:graphicFrame>
+      <p:sp>
+        <p:nvSpPr>
+          <p:cNvPr id="3" name="スライド番号プレースホルダー 2">
+            <a:extLst>
+              <a:ext uri="{FF2B5EF4-FFF2-40B4-BE49-F238E27FC236}">
+                <a16:creationId xmlns:a16="http://schemas.microsoft.com/office/drawing/2014/main" id="{84B59C7D-4F6E-2948-A14A-96208BED2F75}"/>
+              </a:ext>
+            </a:extLst>
+          </p:cNvPr>
+          <p:cNvSpPr>
+            <a:spLocks noGrp="1"/>
+          </p:cNvSpPr>
+          <p:nvPr>
+            <p:ph type="sldNum" sz="quarter" idx="12"/>
+          </p:nvPr>
+        </p:nvSpPr>
+        <p:spPr/>
+        <p:txBody>
+          <a:bodyPr/>
+          <a:lstStyle/>
+          <a:p>
+            <a:fld id="{1413D9FB-836C-864C-8E5A-36E5384B9725}" type="slidenum">
+              <a:rPr kumimoji="1" lang="ja-JP" altLang="en-US" smtClean="0"/>
+              <a:t>63</a:t>
+            </a:fld>
+            <a:endParaRPr kumimoji="1" lang="ja-JP" altLang="en-US"/>
+          </a:p>
+        </p:txBody>
+      </p:sp>
     </p:spTree>
     <p:extLst>
       <p:ext uri="{BB962C8B-B14F-4D97-AF65-F5344CB8AC3E}">
@@ -32452,6 +34170,35 @@
           </p:sp>
         </mc:Fallback>
       </mc:AlternateContent>
+      <p:sp>
+        <p:nvSpPr>
+          <p:cNvPr id="3" name="スライド番号プレースホルダー 2">
+            <a:extLst>
+              <a:ext uri="{FF2B5EF4-FFF2-40B4-BE49-F238E27FC236}">
+                <a16:creationId xmlns:a16="http://schemas.microsoft.com/office/drawing/2014/main" id="{A7E772E5-0B9C-F14B-B634-4BC5645D2F39}"/>
+              </a:ext>
+            </a:extLst>
+          </p:cNvPr>
+          <p:cNvSpPr>
+            <a:spLocks noGrp="1"/>
+          </p:cNvSpPr>
+          <p:nvPr>
+            <p:ph type="sldNum" sz="quarter" idx="12"/>
+          </p:nvPr>
+        </p:nvSpPr>
+        <p:spPr/>
+        <p:txBody>
+          <a:bodyPr/>
+          <a:lstStyle/>
+          <a:p>
+            <a:fld id="{1413D9FB-836C-864C-8E5A-36E5384B9725}" type="slidenum">
+              <a:rPr kumimoji="1" lang="ja-JP" altLang="en-US" smtClean="0"/>
+              <a:t>64</a:t>
+            </a:fld>
+            <a:endParaRPr kumimoji="1" lang="ja-JP" altLang="en-US"/>
+          </a:p>
+        </p:txBody>
+      </p:sp>
     </p:spTree>
     <p:extLst>
       <p:ext uri="{BB962C8B-B14F-4D97-AF65-F5344CB8AC3E}">
@@ -33023,6 +34770,35 @@
           </a:p>
         </p:txBody>
       </p:sp>
+      <p:sp>
+        <p:nvSpPr>
+          <p:cNvPr id="6" name="スライド番号プレースホルダー 5">
+            <a:extLst>
+              <a:ext uri="{FF2B5EF4-FFF2-40B4-BE49-F238E27FC236}">
+                <a16:creationId xmlns:a16="http://schemas.microsoft.com/office/drawing/2014/main" id="{003FB2C4-A6C8-A64D-82BB-A2420D1AB1F0}"/>
+              </a:ext>
+            </a:extLst>
+          </p:cNvPr>
+          <p:cNvSpPr>
+            <a:spLocks noGrp="1"/>
+          </p:cNvSpPr>
+          <p:nvPr>
+            <p:ph type="sldNum" sz="quarter" idx="12"/>
+          </p:nvPr>
+        </p:nvSpPr>
+        <p:spPr/>
+        <p:txBody>
+          <a:bodyPr/>
+          <a:lstStyle/>
+          <a:p>
+            <a:fld id="{1413D9FB-836C-864C-8E5A-36E5384B9725}" type="slidenum">
+              <a:rPr kumimoji="1" lang="ja-JP" altLang="en-US" smtClean="0"/>
+              <a:t>65</a:t>
+            </a:fld>
+            <a:endParaRPr kumimoji="1" lang="ja-JP" altLang="en-US"/>
+          </a:p>
+        </p:txBody>
+      </p:sp>
     </p:spTree>
     <p:extLst>
       <p:ext uri="{BB962C8B-B14F-4D97-AF65-F5344CB8AC3E}">
@@ -33571,6 +35347,35 @@
           </a:p>
         </p:txBody>
       </p:sp>
+      <p:sp>
+        <p:nvSpPr>
+          <p:cNvPr id="7" name="スライド番号プレースホルダー 6">
+            <a:extLst>
+              <a:ext uri="{FF2B5EF4-FFF2-40B4-BE49-F238E27FC236}">
+                <a16:creationId xmlns:a16="http://schemas.microsoft.com/office/drawing/2014/main" id="{0FA72CB4-8554-934D-A48F-C489118542D5}"/>
+              </a:ext>
+            </a:extLst>
+          </p:cNvPr>
+          <p:cNvSpPr>
+            <a:spLocks noGrp="1"/>
+          </p:cNvSpPr>
+          <p:nvPr>
+            <p:ph type="sldNum" sz="quarter" idx="12"/>
+          </p:nvPr>
+        </p:nvSpPr>
+        <p:spPr/>
+        <p:txBody>
+          <a:bodyPr/>
+          <a:lstStyle/>
+          <a:p>
+            <a:fld id="{1413D9FB-836C-864C-8E5A-36E5384B9725}" type="slidenum">
+              <a:rPr kumimoji="1" lang="ja-JP" altLang="en-US" smtClean="0"/>
+              <a:t>66</a:t>
+            </a:fld>
+            <a:endParaRPr kumimoji="1" lang="ja-JP" altLang="en-US"/>
+          </a:p>
+        </p:txBody>
+      </p:sp>
     </p:spTree>
     <p:extLst>
       <p:ext uri="{BB962C8B-B14F-4D97-AF65-F5344CB8AC3E}">
@@ -34010,6 +35815,35 @@
           </a:p>
         </p:txBody>
       </p:sp>
+      <p:sp>
+        <p:nvSpPr>
+          <p:cNvPr id="4" name="スライド番号プレースホルダー 3">
+            <a:extLst>
+              <a:ext uri="{FF2B5EF4-FFF2-40B4-BE49-F238E27FC236}">
+                <a16:creationId xmlns:a16="http://schemas.microsoft.com/office/drawing/2014/main" id="{ADE850DF-0A55-D54C-9AC4-A73D2BBE53FA}"/>
+              </a:ext>
+            </a:extLst>
+          </p:cNvPr>
+          <p:cNvSpPr>
+            <a:spLocks noGrp="1"/>
+          </p:cNvSpPr>
+          <p:nvPr>
+            <p:ph type="sldNum" sz="quarter" idx="12"/>
+          </p:nvPr>
+        </p:nvSpPr>
+        <p:spPr/>
+        <p:txBody>
+          <a:bodyPr/>
+          <a:lstStyle/>
+          <a:p>
+            <a:fld id="{1413D9FB-836C-864C-8E5A-36E5384B9725}" type="slidenum">
+              <a:rPr kumimoji="1" lang="ja-JP" altLang="en-US" smtClean="0"/>
+              <a:t>7</a:t>
+            </a:fld>
+            <a:endParaRPr kumimoji="1" lang="ja-JP" altLang="en-US"/>
+          </a:p>
+        </p:txBody>
+      </p:sp>
     </p:spTree>
     <p:extLst>
       <p:ext uri="{BB962C8B-B14F-4D97-AF65-F5344CB8AC3E}">
@@ -34161,6 +35995,35 @@
           </a:p>
         </p:txBody>
       </p:sp>
+      <p:sp>
+        <p:nvSpPr>
+          <p:cNvPr id="4" name="スライド番号プレースホルダー 3">
+            <a:extLst>
+              <a:ext uri="{FF2B5EF4-FFF2-40B4-BE49-F238E27FC236}">
+                <a16:creationId xmlns:a16="http://schemas.microsoft.com/office/drawing/2014/main" id="{C2EB36A0-8DF7-6D4A-B5BA-5BFFA68F2216}"/>
+              </a:ext>
+            </a:extLst>
+          </p:cNvPr>
+          <p:cNvSpPr>
+            <a:spLocks noGrp="1"/>
+          </p:cNvSpPr>
+          <p:nvPr>
+            <p:ph type="sldNum" sz="quarter" idx="12"/>
+          </p:nvPr>
+        </p:nvSpPr>
+        <p:spPr/>
+        <p:txBody>
+          <a:bodyPr/>
+          <a:lstStyle/>
+          <a:p>
+            <a:fld id="{1413D9FB-836C-864C-8E5A-36E5384B9725}" type="slidenum">
+              <a:rPr kumimoji="1" lang="ja-JP" altLang="en-US" smtClean="0"/>
+              <a:t>8</a:t>
+            </a:fld>
+            <a:endParaRPr kumimoji="1" lang="ja-JP" altLang="en-US"/>
+          </a:p>
+        </p:txBody>
+      </p:sp>
     </p:spTree>
     <p:extLst>
       <p:ext uri="{BB962C8B-B14F-4D97-AF65-F5344CB8AC3E}">
@@ -34295,6 +36158,35 @@
           <a:p>
             <a:pPr lvl="1"/>
             <a:endParaRPr kumimoji="1" lang="ja-JP" altLang="en-US" sz="2400"/>
+          </a:p>
+        </p:txBody>
+      </p:sp>
+      <p:sp>
+        <p:nvSpPr>
+          <p:cNvPr id="4" name="スライド番号プレースホルダー 3">
+            <a:extLst>
+              <a:ext uri="{FF2B5EF4-FFF2-40B4-BE49-F238E27FC236}">
+                <a16:creationId xmlns:a16="http://schemas.microsoft.com/office/drawing/2014/main" id="{943FDBF8-C640-D34B-AA2F-82D472B67067}"/>
+              </a:ext>
+            </a:extLst>
+          </p:cNvPr>
+          <p:cNvSpPr>
+            <a:spLocks noGrp="1"/>
+          </p:cNvSpPr>
+          <p:nvPr>
+            <p:ph type="sldNum" sz="quarter" idx="12"/>
+          </p:nvPr>
+        </p:nvSpPr>
+        <p:spPr/>
+        <p:txBody>
+          <a:bodyPr/>
+          <a:lstStyle/>
+          <a:p>
+            <a:fld id="{1413D9FB-836C-864C-8E5A-36E5384B9725}" type="slidenum">
+              <a:rPr kumimoji="1" lang="ja-JP" altLang="en-US" smtClean="0"/>
+              <a:t>9</a:t>
+            </a:fld>
+            <a:endParaRPr kumimoji="1" lang="ja-JP" altLang="en-US"/>
           </a:p>
         </p:txBody>
       </p:sp>

--- a/竹田.pptx
+++ b/竹田.pptx
@@ -262,7 +262,7 @@
           <a:p>
             <a:fld id="{3B03D47E-AED4-8243-879A-55EC95DEF81D}" type="datetimeFigureOut">
               <a:rPr kumimoji="1" lang="ja-JP" altLang="en-US" smtClean="0"/>
-              <a:t>2022/1/11</a:t>
+              <a:t>2022/1/12</a:t>
             </a:fld>
             <a:endParaRPr kumimoji="1" lang="ja-JP" altLang="en-US"/>
           </a:p>
@@ -808,7 +808,7 @@
           <a:p>
             <a:fld id="{37611DD3-E02A-6E42-A7C1-B407A1558DC9}" type="datetime1">
               <a:rPr kumimoji="1" lang="ja-JP" altLang="en-US" smtClean="0"/>
-              <a:t>2022/1/11</a:t>
+              <a:t>2022/1/12</a:t>
             </a:fld>
             <a:endParaRPr kumimoji="1" lang="ja-JP" altLang="en-US"/>
           </a:p>
@@ -1183,7 +1183,7 @@
           <a:p>
             <a:fld id="{08312B69-2C3D-FE44-9610-1B8492513A7A}" type="datetime1">
               <a:rPr kumimoji="1" lang="ja-JP" altLang="en-US" smtClean="0"/>
-              <a:t>2022/1/11</a:t>
+              <a:t>2022/1/12</a:t>
             </a:fld>
             <a:endParaRPr kumimoji="1" lang="ja-JP" altLang="en-US"/>
           </a:p>
@@ -1658,7 +1658,7 @@
           <a:p>
             <a:fld id="{C1A77019-ACCC-5E42-809C-6CA699AE3056}" type="datetime1">
               <a:rPr kumimoji="1" lang="ja-JP" altLang="en-US" smtClean="0"/>
-              <a:t>2022/1/11</a:t>
+              <a:t>2022/1/12</a:t>
             </a:fld>
             <a:endParaRPr kumimoji="1" lang="ja-JP" altLang="en-US"/>
           </a:p>
@@ -2031,7 +2031,7 @@
           <a:p>
             <a:fld id="{DF47C680-71A8-3D40-803D-C60F2F2714A9}" type="datetime1">
               <a:rPr kumimoji="1" lang="ja-JP" altLang="en-US" smtClean="0"/>
-              <a:t>2022/1/11</a:t>
+              <a:t>2022/1/12</a:t>
             </a:fld>
             <a:endParaRPr kumimoji="1" lang="ja-JP" altLang="en-US"/>
           </a:p>
@@ -2425,7 +2425,7 @@
           <a:p>
             <a:fld id="{14BEADAF-6E12-A14A-8D93-5FB5A1F24ED6}" type="datetime1">
               <a:rPr kumimoji="1" lang="ja-JP" altLang="en-US" smtClean="0"/>
-              <a:t>2022/1/11</a:t>
+              <a:t>2022/1/12</a:t>
             </a:fld>
             <a:endParaRPr kumimoji="1" lang="ja-JP" altLang="en-US"/>
           </a:p>
@@ -2895,7 +2895,7 @@
           <a:p>
             <a:fld id="{F2A97EC4-32CF-9B47-859C-647EE2390CE1}" type="datetime1">
               <a:rPr kumimoji="1" lang="ja-JP" altLang="en-US" smtClean="0"/>
-              <a:t>2022/1/11</a:t>
+              <a:t>2022/1/12</a:t>
             </a:fld>
             <a:endParaRPr kumimoji="1" lang="ja-JP" altLang="en-US"/>
           </a:p>
@@ -3160,7 +3160,7 @@
           <a:p>
             <a:fld id="{051E8BCD-2286-BC42-AA77-92847E5E9ECC}" type="datetime1">
               <a:rPr kumimoji="1" lang="ja-JP" altLang="en-US" smtClean="0"/>
-              <a:t>2022/1/11</a:t>
+              <a:t>2022/1/12</a:t>
             </a:fld>
             <a:endParaRPr kumimoji="1" lang="ja-JP" altLang="en-US"/>
           </a:p>
@@ -3430,7 +3430,7 @@
           <a:p>
             <a:fld id="{CAAECB6F-334C-A347-BC86-F32B93E43066}" type="datetime1">
               <a:rPr kumimoji="1" lang="ja-JP" altLang="en-US" smtClean="0"/>
-              <a:t>2022/1/11</a:t>
+              <a:t>2022/1/12</a:t>
             </a:fld>
             <a:endParaRPr kumimoji="1" lang="ja-JP" altLang="en-US"/>
           </a:p>
@@ -3700,7 +3700,7 @@
           <a:p>
             <a:fld id="{D01C14DA-3253-DA45-AD3E-5D2453C52156}" type="datetime1">
               <a:rPr kumimoji="1" lang="ja-JP" altLang="en-US" smtClean="0"/>
-              <a:t>2022/1/11</a:t>
+              <a:t>2022/1/12</a:t>
             </a:fld>
             <a:endParaRPr kumimoji="1" lang="ja-JP" altLang="en-US"/>
           </a:p>
@@ -4080,7 +4080,7 @@
           <a:p>
             <a:fld id="{54143F19-8407-6F41-B1BD-2D90C561DAB2}" type="datetime1">
               <a:rPr kumimoji="1" lang="ja-JP" altLang="en-US" smtClean="0"/>
-              <a:t>2022/1/11</a:t>
+              <a:t>2022/1/12</a:t>
             </a:fld>
             <a:endParaRPr kumimoji="1" lang="ja-JP" altLang="en-US"/>
           </a:p>
@@ -4419,7 +4419,7 @@
           <a:p>
             <a:fld id="{21126E5B-855D-714D-96C7-998AECB7FFCC}" type="datetime1">
               <a:rPr kumimoji="1" lang="ja-JP" altLang="en-US" smtClean="0"/>
-              <a:t>2022/1/11</a:t>
+              <a:t>2022/1/12</a:t>
             </a:fld>
             <a:endParaRPr kumimoji="1" lang="ja-JP" altLang="en-US"/>
           </a:p>
@@ -4966,7 +4966,7 @@
           <a:p>
             <a:fld id="{F62D3458-CB29-044B-8476-B784A7CDBEE4}" type="datetime1">
               <a:rPr kumimoji="1" lang="ja-JP" altLang="en-US" smtClean="0"/>
-              <a:t>2022/1/11</a:t>
+              <a:t>2022/1/12</a:t>
             </a:fld>
             <a:endParaRPr kumimoji="1" lang="ja-JP" altLang="en-US"/>
           </a:p>
@@ -5171,7 +5171,7 @@
           <a:p>
             <a:fld id="{DF6749EE-E252-BC45-86F5-17D6A8AFB065}" type="datetime1">
               <a:rPr kumimoji="1" lang="ja-JP" altLang="en-US" smtClean="0"/>
-              <a:t>2022/1/11</a:t>
+              <a:t>2022/1/12</a:t>
             </a:fld>
             <a:endParaRPr kumimoji="1" lang="ja-JP" altLang="en-US"/>
           </a:p>
@@ -5348,7 +5348,7 @@
           <a:p>
             <a:fld id="{A703B27E-F805-9D49-A257-496309EE3623}" type="datetime1">
               <a:rPr kumimoji="1" lang="ja-JP" altLang="en-US" smtClean="0"/>
-              <a:t>2022/1/11</a:t>
+              <a:t>2022/1/12</a:t>
             </a:fld>
             <a:endParaRPr kumimoji="1" lang="ja-JP" altLang="en-US"/>
           </a:p>
@@ -5726,7 +5726,7 @@
           <a:p>
             <a:fld id="{F07665BB-FB76-3B4C-A614-890EB2C4B82D}" type="datetime1">
               <a:rPr kumimoji="1" lang="ja-JP" altLang="en-US" smtClean="0"/>
-              <a:t>2022/1/11</a:t>
+              <a:t>2022/1/12</a:t>
             </a:fld>
             <a:endParaRPr kumimoji="1" lang="ja-JP" altLang="en-US"/>
           </a:p>
@@ -6108,7 +6108,7 @@
           <a:p>
             <a:fld id="{5489CDEB-C09C-DC47-AC96-194D943E1C20}" type="datetime1">
               <a:rPr kumimoji="1" lang="ja-JP" altLang="en-US" smtClean="0"/>
-              <a:t>2022/1/11</a:t>
+              <a:t>2022/1/12</a:t>
             </a:fld>
             <a:endParaRPr kumimoji="1" lang="ja-JP" altLang="en-US"/>
           </a:p>
@@ -8233,7 +8233,7 @@
           <a:p>
             <a:fld id="{F3F8D81C-B60F-EE49-90F6-50AA32831801}" type="datetime1">
               <a:rPr kumimoji="1" lang="ja-JP" altLang="en-US" smtClean="0"/>
-              <a:t>2022/1/11</a:t>
+              <a:t>2022/1/12</a:t>
             </a:fld>
             <a:endParaRPr kumimoji="1" lang="ja-JP" altLang="en-US"/>
           </a:p>
@@ -8823,7 +8823,15 @@
           <a:p>
             <a:r>
               <a:rPr kumimoji="1" lang="en-US" altLang="ja-JP" sz="3200" dirty="0"/>
-              <a:t>Kiyoshi, TAKEDA</a:t>
+              <a:t>Kiyoshi</a:t>
+            </a:r>
+            <a:r>
+              <a:rPr lang="en-US" altLang="ja-JP" sz="3200" dirty="0"/>
+              <a:t> </a:t>
+            </a:r>
+            <a:r>
+              <a:rPr kumimoji="1" lang="en-US" altLang="ja-JP" sz="3200" dirty="0"/>
+              <a:t>TAKEDA</a:t>
             </a:r>
           </a:p>
           <a:p>
@@ -15531,8 +15539,8 @@
           </a:p>
         </p:txBody>
       </p:sp>
-      <mc:AlternateContent xmlns:mc="http://schemas.openxmlformats.org/markup-compatibility/2006" xmlns:a14="http://schemas.microsoft.com/office/drawing/2010/main">
-        <mc:Choice Requires="a14">
+      <mc:AlternateContent xmlns:mc="http://schemas.openxmlformats.org/markup-compatibility/2006">
+        <mc:Choice xmlns:a14="http://schemas.microsoft.com/office/drawing/2010/main" Requires="a14">
           <p:sp>
             <p:nvSpPr>
               <p:cNvPr id="3" name="コンテンツ プレースホルダー 2">
@@ -15584,20 +15592,12 @@
                   </m:oMath>
                 </a14:m>
                 <a:r>
-                  <a:rPr lang="en" altLang="ja-JP" sz="2400" dirty="0"/>
-                  <a:t>-</a:t>
-                </a:r>
-                <a:r>
                   <a:rPr lang="en" altLang="ja-JP" sz="2400" dirty="0" err="1"/>
                   <a:t>th</a:t>
                 </a:r>
                 <a:r>
-                  <a:rPr lang="en" altLang="ja-JP" sz="2400"/>
-                  <a:t> element represents </a:t>
-                </a:r>
-                <a:r>
                   <a:rPr lang="en" altLang="ja-JP" sz="2400" dirty="0"/>
-                  <a:t>the set of bookings that will be assigned to the </a:t>
+                  <a:t> element represents the set of bookings that will be assigned to the </a:t>
                 </a:r>
                 <a14:m>
                   <m:oMath xmlns:m="http://schemas.openxmlformats.org/officeDocument/2006/math">
@@ -15632,7 +15632,7 @@
             </p:txBody>
           </p:sp>
         </mc:Choice>
-        <mc:Fallback xmlns="">
+        <mc:Fallback>
           <p:sp>
             <p:nvSpPr>
               <p:cNvPr id="3" name="コンテンツ プレースホルダー 2">
@@ -20467,8 +20467,12 @@
           <a:lstStyle/>
           <a:p>
             <a:r>
+              <a:rPr lang="en-US" altLang="ja-JP" sz="2400" dirty="0"/>
+              <a:t>A</a:t>
+            </a:r>
+            <a:r>
               <a:rPr kumimoji="1" lang="en-US" altLang="ja-JP" sz="2400" dirty="0"/>
-              <a:t>We propose several approach to create initial solution.</a:t>
+              <a:t>pproaches we propose to create initial solutions:</a:t>
             </a:r>
           </a:p>
           <a:p>
@@ -35961,7 +35965,7 @@
             <a:pPr lvl="1"/>
             <a:r>
               <a:rPr kumimoji="1" lang="en-US" altLang="ja-JP" sz="2200" dirty="0"/>
-              <a:t>Destination Port</a:t>
+              <a:t>Destination port</a:t>
             </a:r>
           </a:p>
           <a:p>

--- a/竹田.pptx
+++ b/竹田.pptx
@@ -14,9 +14,9 @@
     <p:sldId id="258" r:id="rId5"/>
     <p:sldId id="261" r:id="rId6"/>
     <p:sldId id="624" r:id="rId7"/>
-    <p:sldId id="259" r:id="rId8"/>
-    <p:sldId id="260" r:id="rId9"/>
-    <p:sldId id="565" r:id="rId10"/>
+    <p:sldId id="260" r:id="rId8"/>
+    <p:sldId id="565" r:id="rId9"/>
+    <p:sldId id="259" r:id="rId10"/>
     <p:sldId id="631" r:id="rId11"/>
     <p:sldId id="263" r:id="rId12"/>
     <p:sldId id="269" r:id="rId13"/>
@@ -32,36 +32,36 @@
     <p:sldId id="569" r:id="rId23"/>
     <p:sldId id="571" r:id="rId24"/>
     <p:sldId id="573" r:id="rId25"/>
-    <p:sldId id="574" r:id="rId26"/>
-    <p:sldId id="627" r:id="rId27"/>
-    <p:sldId id="628" r:id="rId28"/>
-    <p:sldId id="629" r:id="rId29"/>
-    <p:sldId id="576" r:id="rId30"/>
-    <p:sldId id="579" r:id="rId31"/>
-    <p:sldId id="580" r:id="rId32"/>
-    <p:sldId id="581" r:id="rId33"/>
-    <p:sldId id="588" r:id="rId34"/>
-    <p:sldId id="589" r:id="rId35"/>
-    <p:sldId id="591" r:id="rId36"/>
-    <p:sldId id="590" r:id="rId37"/>
-    <p:sldId id="592" r:id="rId38"/>
-    <p:sldId id="594" r:id="rId39"/>
-    <p:sldId id="607" r:id="rId40"/>
-    <p:sldId id="610" r:id="rId41"/>
-    <p:sldId id="630" r:id="rId42"/>
-    <p:sldId id="611" r:id="rId43"/>
-    <p:sldId id="616" r:id="rId44"/>
-    <p:sldId id="609" r:id="rId45"/>
-    <p:sldId id="578" r:id="rId46"/>
-    <p:sldId id="621" r:id="rId47"/>
-    <p:sldId id="561" r:id="rId48"/>
-    <p:sldId id="635" r:id="rId49"/>
-    <p:sldId id="633" r:id="rId50"/>
-    <p:sldId id="636" r:id="rId51"/>
-    <p:sldId id="563" r:id="rId52"/>
-    <p:sldId id="564" r:id="rId53"/>
-    <p:sldId id="566" r:id="rId54"/>
-    <p:sldId id="568" r:id="rId55"/>
+    <p:sldId id="627" r:id="rId26"/>
+    <p:sldId id="628" r:id="rId27"/>
+    <p:sldId id="629" r:id="rId28"/>
+    <p:sldId id="579" r:id="rId29"/>
+    <p:sldId id="580" r:id="rId30"/>
+    <p:sldId id="581" r:id="rId31"/>
+    <p:sldId id="588" r:id="rId32"/>
+    <p:sldId id="589" r:id="rId33"/>
+    <p:sldId id="591" r:id="rId34"/>
+    <p:sldId id="590" r:id="rId35"/>
+    <p:sldId id="592" r:id="rId36"/>
+    <p:sldId id="594" r:id="rId37"/>
+    <p:sldId id="607" r:id="rId38"/>
+    <p:sldId id="610" r:id="rId39"/>
+    <p:sldId id="630" r:id="rId40"/>
+    <p:sldId id="611" r:id="rId41"/>
+    <p:sldId id="616" r:id="rId42"/>
+    <p:sldId id="609" r:id="rId43"/>
+    <p:sldId id="578" r:id="rId44"/>
+    <p:sldId id="621" r:id="rId45"/>
+    <p:sldId id="561" r:id="rId46"/>
+    <p:sldId id="635" r:id="rId47"/>
+    <p:sldId id="633" r:id="rId48"/>
+    <p:sldId id="636" r:id="rId49"/>
+    <p:sldId id="563" r:id="rId50"/>
+    <p:sldId id="564" r:id="rId51"/>
+    <p:sldId id="566" r:id="rId52"/>
+    <p:sldId id="568" r:id="rId53"/>
+    <p:sldId id="574" r:id="rId54"/>
+    <p:sldId id="576" r:id="rId55"/>
     <p:sldId id="620" r:id="rId56"/>
     <p:sldId id="619" r:id="rId57"/>
     <p:sldId id="587" r:id="rId58"/>
@@ -601,7 +601,7 @@
           <a:p>
             <a:fld id="{CAD0DAA7-4C30-2D47-97C1-12961BDEFAB8}" type="slidenum">
               <a:rPr kumimoji="1" lang="ja-JP" altLang="en-US" smtClean="0"/>
-              <a:t>37</a:t>
+              <a:t>35</a:t>
             </a:fld>
             <a:endParaRPr kumimoji="1" lang="ja-JP" altLang="en-US"/>
           </a:p>
@@ -11473,7 +11473,7 @@
           <a:p>
             <a:r>
               <a:rPr lang="en-US" altLang="ja-JP" dirty="0"/>
-              <a:t>Mathematical Modeling</a:t>
+              <a:t>Mathematical modeling</a:t>
             </a:r>
             <a:endParaRPr kumimoji="1" lang="ja-JP" altLang="en-US"/>
           </a:p>
@@ -11661,7 +11661,7 @@
             </a:pPr>
             <a:r>
               <a:rPr lang="en-US" altLang="ja-JP" sz="2400" dirty="0"/>
-              <a:t>avoiding multiple bookings in one hold</a:t>
+              <a:t>Avoiding multiple bookings in one hold</a:t>
             </a:r>
           </a:p>
           <a:p>
@@ -11671,7 +11671,7 @@
             </a:pPr>
             <a:r>
               <a:rPr lang="en" altLang="ja-JP" sz="2400" dirty="0"/>
-              <a:t>placing </a:t>
+              <a:t>Placing </a:t>
             </a:r>
             <a:r>
               <a:rPr lang="en-US" altLang="ja-JP" sz="2400" dirty="0"/>
@@ -11697,7 +11697,7 @@
             </a:pPr>
             <a:r>
               <a:rPr lang="en" altLang="ja-JP" sz="2400" dirty="0"/>
-              <a:t>securing a path to prevent loss of work efficiency</a:t>
+              <a:t>Securing a path to prevent loss of work efficiency</a:t>
             </a:r>
           </a:p>
           <a:p>
@@ -11717,7 +11717,7 @@
             </a:pPr>
             <a:r>
               <a:rPr lang="en" altLang="ja-JP" sz="2400" dirty="0"/>
-              <a:t>placing empty space close to the entrance</a:t>
+              <a:t>Placing empty space close to the entrance</a:t>
             </a:r>
           </a:p>
         </p:txBody>
@@ -11804,7 +11804,7 @@
           <a:p>
             <a:r>
               <a:rPr lang="en-US" altLang="ja-JP" dirty="0"/>
-              <a:t>avoiding multiple bookings in one hold</a:t>
+              <a:t>Avoiding multiple bookings in one hold</a:t>
             </a:r>
             <a:br>
               <a:rPr lang="en-US" altLang="ja-JP" dirty="0"/>
@@ -12649,7 +12649,7 @@
           <a:p>
             <a:r>
               <a:rPr lang="en" altLang="ja-JP" dirty="0"/>
-              <a:t>placing </a:t>
+              <a:t>Placing </a:t>
             </a:r>
             <a:r>
               <a:rPr lang="en-US" altLang="ja-JP" dirty="0"/>
@@ -13695,7 +13695,7 @@
           <a:p>
             <a:r>
               <a:rPr lang="en" altLang="ja-JP" dirty="0"/>
-              <a:t>placing empty space close to the entrance</a:t>
+              <a:t>Placing empty space close to the entrance</a:t>
             </a:r>
             <a:endParaRPr kumimoji="1" lang="ja-JP" altLang="en-US"/>
           </a:p>
@@ -14598,7 +14598,7 @@
           <a:p>
             <a:r>
               <a:rPr lang="en-US" altLang="ja-JP" sz="2400" dirty="0"/>
-              <a:t>we add constraints for balance in two directions</a:t>
+              <a:t>We add constraints for balance in two directions</a:t>
             </a:r>
           </a:p>
           <a:p>
@@ -15333,188 +15333,6 @@
           <p:cNvPr id="2" name="タイトル 1">
             <a:extLst>
               <a:ext uri="{FF2B5EF4-FFF2-40B4-BE49-F238E27FC236}">
-                <a16:creationId xmlns:a16="http://schemas.microsoft.com/office/drawing/2014/main" id="{531AE33E-1F70-7949-9F8B-070B10EEC187}"/>
-              </a:ext>
-            </a:extLst>
-          </p:cNvPr>
-          <p:cNvSpPr>
-            <a:spLocks noGrp="1"/>
-          </p:cNvSpPr>
-          <p:nvPr>
-            <p:ph type="title"/>
-          </p:nvPr>
-        </p:nvSpPr>
-        <p:spPr/>
-        <p:txBody>
-          <a:bodyPr/>
-          <a:lstStyle/>
-          <a:p>
-            <a:r>
-              <a:rPr lang="en-US" altLang="ja-JP" dirty="0"/>
-              <a:t>Detailed Segment</a:t>
-            </a:r>
-            <a:endParaRPr kumimoji="1" lang="ja-JP" altLang="en-US"/>
-          </a:p>
-        </p:txBody>
-      </p:sp>
-      <p:pic>
-        <p:nvPicPr>
-          <p:cNvPr id="5" name="コンテンツ プレースホルダー 4">
-            <a:extLst>
-              <a:ext uri="{FF2B5EF4-FFF2-40B4-BE49-F238E27FC236}">
-                <a16:creationId xmlns:a16="http://schemas.microsoft.com/office/drawing/2014/main" id="{B9457E1D-F013-A342-A3D1-47C286D004BC}"/>
-              </a:ext>
-            </a:extLst>
-          </p:cNvPr>
-          <p:cNvPicPr>
-            <a:picLocks noGrp="1" noChangeAspect="1"/>
-          </p:cNvPicPr>
-          <p:nvPr>
-            <p:ph idx="1"/>
-          </p:nvPr>
-        </p:nvPicPr>
-        <p:blipFill>
-          <a:blip r:embed="rId2"/>
-          <a:stretch>
-            <a:fillRect/>
-          </a:stretch>
-        </p:blipFill>
-        <p:spPr>
-          <a:xfrm>
-            <a:off x="1554693" y="2238233"/>
-            <a:ext cx="4051732" cy="3493827"/>
-          </a:xfrm>
-        </p:spPr>
-      </p:pic>
-      <p:sp>
-        <p:nvSpPr>
-          <p:cNvPr id="6" name="テキスト ボックス 5">
-            <a:extLst>
-              <a:ext uri="{FF2B5EF4-FFF2-40B4-BE49-F238E27FC236}">
-                <a16:creationId xmlns:a16="http://schemas.microsoft.com/office/drawing/2014/main" id="{AC098C05-FF14-6044-BFC6-396A4D238EFA}"/>
-              </a:ext>
-            </a:extLst>
-          </p:cNvPr>
-          <p:cNvSpPr txBox="1"/>
-          <p:nvPr/>
-        </p:nvSpPr>
-        <p:spPr>
-          <a:xfrm>
-            <a:off x="5964072" y="3562066"/>
-            <a:ext cx="415498" cy="369332"/>
-          </a:xfrm>
-          <a:prstGeom prst="rect">
-            <a:avLst/>
-          </a:prstGeom>
-          <a:noFill/>
-        </p:spPr>
-        <p:txBody>
-          <a:bodyPr wrap="none" rtlCol="0">
-            <a:spAutoFit/>
-          </a:bodyPr>
-          <a:lstStyle/>
-          <a:p>
-            <a:r>
-              <a:rPr kumimoji="1" lang="ja-JP" altLang="en-US"/>
-              <a:t>→</a:t>
-            </a:r>
-          </a:p>
-        </p:txBody>
-      </p:sp>
-      <p:pic>
-        <p:nvPicPr>
-          <p:cNvPr id="8" name="図 7">
-            <a:extLst>
-              <a:ext uri="{FF2B5EF4-FFF2-40B4-BE49-F238E27FC236}">
-                <a16:creationId xmlns:a16="http://schemas.microsoft.com/office/drawing/2014/main" id="{101DCCF4-FB0F-BC4D-AE09-263BEE099105}"/>
-              </a:ext>
-            </a:extLst>
-          </p:cNvPr>
-          <p:cNvPicPr>
-            <a:picLocks noChangeAspect="1"/>
-          </p:cNvPicPr>
-          <p:nvPr/>
-        </p:nvPicPr>
-        <p:blipFill>
-          <a:blip r:embed="rId3"/>
-          <a:stretch>
-            <a:fillRect/>
-          </a:stretch>
-        </p:blipFill>
-        <p:spPr>
-          <a:xfrm>
-            <a:off x="6737217" y="2238232"/>
-            <a:ext cx="4346732" cy="3493827"/>
-          </a:xfrm>
-          <a:prstGeom prst="rect">
-            <a:avLst/>
-          </a:prstGeom>
-        </p:spPr>
-      </p:pic>
-      <p:sp>
-        <p:nvSpPr>
-          <p:cNvPr id="3" name="スライド番号プレースホルダー 2">
-            <a:extLst>
-              <a:ext uri="{FF2B5EF4-FFF2-40B4-BE49-F238E27FC236}">
-                <a16:creationId xmlns:a16="http://schemas.microsoft.com/office/drawing/2014/main" id="{73B0E6E6-CC02-3143-8571-41DB9C144572}"/>
-              </a:ext>
-            </a:extLst>
-          </p:cNvPr>
-          <p:cNvSpPr>
-            <a:spLocks noGrp="1"/>
-          </p:cNvSpPr>
-          <p:nvPr>
-            <p:ph type="sldNum" sz="quarter" idx="12"/>
-          </p:nvPr>
-        </p:nvSpPr>
-        <p:spPr/>
-        <p:txBody>
-          <a:bodyPr/>
-          <a:lstStyle/>
-          <a:p>
-            <a:fld id="{1413D9FB-836C-864C-8E5A-36E5384B9725}" type="slidenum">
-              <a:rPr kumimoji="1" lang="ja-JP" altLang="en-US" smtClean="0"/>
-              <a:t>25</a:t>
-            </a:fld>
-            <a:endParaRPr kumimoji="1" lang="ja-JP" altLang="en-US"/>
-          </a:p>
-        </p:txBody>
-      </p:sp>
-    </p:spTree>
-    <p:extLst>
-      <p:ext uri="{BB962C8B-B14F-4D97-AF65-F5344CB8AC3E}">
-        <p14:creationId xmlns:p14="http://schemas.microsoft.com/office/powerpoint/2010/main" val="3933843285"/>
-      </p:ext>
-    </p:extLst>
-  </p:cSld>
-  <p:clrMapOvr>
-    <a:masterClrMapping/>
-  </p:clrMapOvr>
-</p:sld>
-</file>
-
-<file path=ppt/slides/slide26.xml><?xml version="1.0" encoding="utf-8"?>
-<p:sld xmlns:a="http://schemas.openxmlformats.org/drawingml/2006/main" xmlns:r="http://schemas.openxmlformats.org/officeDocument/2006/relationships" xmlns:p="http://schemas.openxmlformats.org/presentationml/2006/main">
-  <p:cSld>
-    <p:spTree>
-      <p:nvGrpSpPr>
-        <p:cNvPr id="1" name=""/>
-        <p:cNvGrpSpPr/>
-        <p:nvPr/>
-      </p:nvGrpSpPr>
-      <p:grpSpPr>
-        <a:xfrm>
-          <a:off x="0" y="0"/>
-          <a:ext cx="0" cy="0"/>
-          <a:chOff x="0" y="0"/>
-          <a:chExt cx="0" cy="0"/>
-        </a:xfrm>
-      </p:grpSpPr>
-      <p:sp>
-        <p:nvSpPr>
-          <p:cNvPr id="2" name="タイトル 1">
-            <a:extLst>
-              <a:ext uri="{FF2B5EF4-FFF2-40B4-BE49-F238E27FC236}">
                 <a16:creationId xmlns:a16="http://schemas.microsoft.com/office/drawing/2014/main" id="{12CE1CC6-A6DE-7D4A-B0CE-90CF2774247B}"/>
               </a:ext>
             </a:extLst>
@@ -15532,8 +15350,8 @@
           <a:lstStyle/>
           <a:p>
             <a:r>
-              <a:rPr lang="en" altLang="ja-JP" dirty="0"/>
-              <a:t>Expression of solution</a:t>
+              <a:rPr kumimoji="1" lang="en" altLang="ja-JP" dirty="0"/>
+              <a:t>Solution representation</a:t>
             </a:r>
             <a:endParaRPr kumimoji="1" lang="ja-JP" altLang="en-US"/>
           </a:p>
@@ -15592,7 +15410,7 @@
                   </m:oMath>
                 </a14:m>
                 <a:r>
-                  <a:rPr lang="en" altLang="ja-JP" sz="2400" dirty="0" err="1"/>
+                  <a:rPr lang="en" altLang="ja-JP" sz="2400" baseline="30000" dirty="0"/>
                   <a:t>th</a:t>
                 </a:r>
                 <a:r>
@@ -15610,11 +15428,7 @@
                   </m:oMath>
                 </a14:m>
                 <a:r>
-                  <a:rPr lang="en" altLang="ja-JP" sz="2400" dirty="0"/>
-                  <a:t>-</a:t>
-                </a:r>
-                <a:r>
-                  <a:rPr lang="en" altLang="ja-JP" sz="2400" dirty="0" err="1"/>
+                  <a:rPr lang="en" altLang="ja-JP" sz="2400" baseline="30000" dirty="0"/>
                   <a:t>th</a:t>
                 </a:r>
                 <a:r>
@@ -15653,7 +15467,7 @@
               <a:blipFill>
                 <a:blip r:embed="rId2"/>
                 <a:stretch>
-                  <a:fillRect l="-997" t="-1347"/>
+                  <a:fillRect l="-997" t="-1347" r="-1709"/>
                 </a:stretch>
               </a:blipFill>
             </p:spPr>
@@ -15695,7 +15509,7 @@
           <a:p>
             <a:fld id="{1413D9FB-836C-864C-8E5A-36E5384B9725}" type="slidenum">
               <a:rPr kumimoji="1" lang="ja-JP" altLang="en-US" smtClean="0"/>
-              <a:t>26</a:t>
+              <a:t>25</a:t>
             </a:fld>
             <a:endParaRPr kumimoji="1" lang="ja-JP" altLang="en-US"/>
           </a:p>
@@ -15714,7 +15528,7 @@
 </p:sld>
 </file>
 
-<file path=ppt/slides/slide27.xml><?xml version="1.0" encoding="utf-8"?>
+<file path=ppt/slides/slide26.xml><?xml version="1.0" encoding="utf-8"?>
 <p:sld xmlns:a="http://schemas.openxmlformats.org/drawingml/2006/main" xmlns:r="http://schemas.openxmlformats.org/officeDocument/2006/relationships" xmlns:p="http://schemas.openxmlformats.org/presentationml/2006/main">
   <p:cSld>
     <p:spTree>
@@ -15754,22 +15568,14 @@
           <a:p>
             <a:r>
               <a:rPr lang="en" altLang="ja-JP" dirty="0"/>
-              <a:t>Expr	</a:t>
-            </a:r>
-            <a:r>
-              <a:rPr lang="en" altLang="ja-JP" dirty="0" err="1"/>
-              <a:t>ession</a:t>
-            </a:r>
-            <a:r>
-              <a:rPr lang="en" altLang="ja-JP" dirty="0"/>
-              <a:t> of solution</a:t>
+              <a:t>Solution representation</a:t>
             </a:r>
             <a:endParaRPr kumimoji="1" lang="ja-JP" altLang="en-US"/>
           </a:p>
         </p:txBody>
       </p:sp>
-      <mc:AlternateContent xmlns:mc="http://schemas.openxmlformats.org/markup-compatibility/2006" xmlns:a14="http://schemas.microsoft.com/office/drawing/2010/main">
-        <mc:Choice Requires="a14">
+      <mc:AlternateContent xmlns:mc="http://schemas.openxmlformats.org/markup-compatibility/2006">
+        <mc:Choice xmlns:a14="http://schemas.microsoft.com/office/drawing/2010/main" Requires="a14">
           <p:sp>
             <p:nvSpPr>
               <p:cNvPr id="3" name="コンテンツ プレースホルダー 2">
@@ -15822,11 +15628,7 @@
                   </m:oMath>
                 </a14:m>
                 <a:r>
-                  <a:rPr lang="en-US" altLang="ja-JP" sz="2400" dirty="0"/>
-                  <a:t>-</a:t>
-                </a:r>
-                <a:r>
-                  <a:rPr lang="en-US" altLang="ja-JP" sz="2400" dirty="0" err="1"/>
+                  <a:rPr lang="en-US" altLang="ja-JP" sz="2400" baseline="30000" dirty="0"/>
                   <a:t>th</a:t>
                 </a:r>
                 <a:r>
@@ -15880,11 +15682,7 @@
                   </m:oMath>
                 </a14:m>
                 <a:r>
-                  <a:rPr lang="en" altLang="ja-JP" sz="2400" dirty="0"/>
-                  <a:t>-</a:t>
-                </a:r>
-                <a:r>
-                  <a:rPr lang="en" altLang="ja-JP" sz="2400" dirty="0" err="1"/>
+                  <a:rPr lang="en" altLang="ja-JP" sz="2400" baseline="30000" dirty="0" err="1"/>
                   <a:t>th</a:t>
                 </a:r>
                 <a:r>
@@ -15989,7 +15787,7 @@
             </p:txBody>
           </p:sp>
         </mc:Choice>
-        <mc:Fallback xmlns="">
+        <mc:Fallback>
           <p:sp>
             <p:nvSpPr>
               <p:cNvPr id="3" name="コンテンツ プレースホルダー 2">
@@ -16056,7 +15854,7 @@
           <a:p>
             <a:fld id="{1413D9FB-836C-864C-8E5A-36E5384B9725}" type="slidenum">
               <a:rPr kumimoji="1" lang="ja-JP" altLang="en-US" smtClean="0"/>
-              <a:t>27</a:t>
+              <a:t>26</a:t>
             </a:fld>
             <a:endParaRPr kumimoji="1" lang="ja-JP" altLang="en-US"/>
           </a:p>
@@ -16075,7 +15873,7 @@
 </p:sld>
 </file>
 
-<file path=ppt/slides/slide28.xml><?xml version="1.0" encoding="utf-8"?>
+<file path=ppt/slides/slide27.xml><?xml version="1.0" encoding="utf-8"?>
 <p:sld xmlns:a="http://schemas.openxmlformats.org/drawingml/2006/main" xmlns:r="http://schemas.openxmlformats.org/officeDocument/2006/relationships" xmlns:p="http://schemas.openxmlformats.org/presentationml/2006/main">
   <p:cSld>
     <p:spTree>
@@ -16115,15 +15913,7 @@
           <a:p>
             <a:r>
               <a:rPr lang="en" altLang="ja-JP" dirty="0"/>
-              <a:t>Expr	</a:t>
-            </a:r>
-            <a:r>
-              <a:rPr lang="en" altLang="ja-JP" dirty="0" err="1"/>
-              <a:t>ession</a:t>
-            </a:r>
-            <a:r>
-              <a:rPr lang="en" altLang="ja-JP" dirty="0"/>
-              <a:t> of solution</a:t>
+              <a:t>Solution representation</a:t>
             </a:r>
             <a:endParaRPr kumimoji="1" lang="ja-JP" altLang="en-US"/>
           </a:p>
@@ -16509,7 +16299,7 @@
           <a:p>
             <a:fld id="{1413D9FB-836C-864C-8E5A-36E5384B9725}" type="slidenum">
               <a:rPr kumimoji="1" lang="ja-JP" altLang="en-US" smtClean="0"/>
-              <a:t>28</a:t>
+              <a:t>27</a:t>
             </a:fld>
             <a:endParaRPr kumimoji="1" lang="ja-JP" altLang="en-US"/>
           </a:p>
@@ -16519,6 +16309,143 @@
     <p:extLst>
       <p:ext uri="{BB962C8B-B14F-4D97-AF65-F5344CB8AC3E}">
         <p14:creationId xmlns:p14="http://schemas.microsoft.com/office/powerpoint/2010/main" val="42799173"/>
+      </p:ext>
+    </p:extLst>
+  </p:cSld>
+  <p:clrMapOvr>
+    <a:masterClrMapping/>
+  </p:clrMapOvr>
+</p:sld>
+</file>
+
+<file path=ppt/slides/slide28.xml><?xml version="1.0" encoding="utf-8"?>
+<p:sld xmlns:a="http://schemas.openxmlformats.org/drawingml/2006/main" xmlns:r="http://schemas.openxmlformats.org/officeDocument/2006/relationships" xmlns:p="http://schemas.openxmlformats.org/presentationml/2006/main">
+  <p:cSld>
+    <p:spTree>
+      <p:nvGrpSpPr>
+        <p:cNvPr id="1" name=""/>
+        <p:cNvGrpSpPr/>
+        <p:nvPr/>
+      </p:nvGrpSpPr>
+      <p:grpSpPr>
+        <a:xfrm>
+          <a:off x="0" y="0"/>
+          <a:ext cx="0" cy="0"/>
+          <a:chOff x="0" y="0"/>
+          <a:chExt cx="0" cy="0"/>
+        </a:xfrm>
+      </p:grpSpPr>
+      <p:sp>
+        <p:nvSpPr>
+          <p:cNvPr id="2" name="タイトル 1">
+            <a:extLst>
+              <a:ext uri="{FF2B5EF4-FFF2-40B4-BE49-F238E27FC236}">
+                <a16:creationId xmlns:a16="http://schemas.microsoft.com/office/drawing/2014/main" id="{2B278DCE-0685-4441-B128-DC9D8C8EB809}"/>
+              </a:ext>
+            </a:extLst>
+          </p:cNvPr>
+          <p:cNvSpPr>
+            <a:spLocks noGrp="1"/>
+          </p:cNvSpPr>
+          <p:nvPr>
+            <p:ph type="title"/>
+          </p:nvPr>
+        </p:nvSpPr>
+        <p:spPr/>
+        <p:txBody>
+          <a:bodyPr/>
+          <a:lstStyle/>
+          <a:p>
+            <a:r>
+              <a:rPr kumimoji="1" lang="en-US" altLang="ja-JP" dirty="0"/>
+              <a:t>Local Search</a:t>
+            </a:r>
+            <a:br>
+              <a:rPr kumimoji="1" lang="en-US" altLang="ja-JP" dirty="0"/>
+            </a:br>
+            <a:endParaRPr kumimoji="1" lang="ja-JP" altLang="en-US"/>
+          </a:p>
+        </p:txBody>
+      </p:sp>
+      <p:sp>
+        <p:nvSpPr>
+          <p:cNvPr id="3" name="コンテンツ プレースホルダー 2">
+            <a:extLst>
+              <a:ext uri="{FF2B5EF4-FFF2-40B4-BE49-F238E27FC236}">
+                <a16:creationId xmlns:a16="http://schemas.microsoft.com/office/drawing/2014/main" id="{613B841F-8DD0-1147-9E25-B1A91183D7E1}"/>
+              </a:ext>
+            </a:extLst>
+          </p:cNvPr>
+          <p:cNvSpPr>
+            <a:spLocks noGrp="1"/>
+          </p:cNvSpPr>
+          <p:nvPr>
+            <p:ph idx="1"/>
+          </p:nvPr>
+        </p:nvSpPr>
+        <p:spPr/>
+        <p:txBody>
+          <a:bodyPr/>
+          <a:lstStyle/>
+          <a:p>
+            <a:r>
+              <a:rPr lang="en" altLang="ja-JP" sz="2400" dirty="0"/>
+              <a:t>Local search algorithms move from solution to solution in the space of candidate by applying local changes </a:t>
+            </a:r>
+          </a:p>
+          <a:p>
+            <a:r>
+              <a:rPr lang="en" altLang="ja-JP" sz="2400" dirty="0"/>
+              <a:t>We repeat this operation until the termination condition is satisfied</a:t>
+            </a:r>
+          </a:p>
+          <a:p>
+            <a:r>
+              <a:rPr lang="en-US" altLang="ja-JP" sz="2400" dirty="0"/>
+              <a:t>In this research, we use shift neighborhood and swap neighborhood.</a:t>
+            </a:r>
+          </a:p>
+          <a:p>
+            <a:endParaRPr lang="en" altLang="ja-JP" sz="2400" dirty="0"/>
+          </a:p>
+          <a:p>
+            <a:endParaRPr kumimoji="1" lang="ja-JP" altLang="en-US"/>
+          </a:p>
+        </p:txBody>
+      </p:sp>
+      <p:sp>
+        <p:nvSpPr>
+          <p:cNvPr id="4" name="スライド番号プレースホルダー 3">
+            <a:extLst>
+              <a:ext uri="{FF2B5EF4-FFF2-40B4-BE49-F238E27FC236}">
+                <a16:creationId xmlns:a16="http://schemas.microsoft.com/office/drawing/2014/main" id="{11800B15-CE42-844A-873A-4A0C5569C46C}"/>
+              </a:ext>
+            </a:extLst>
+          </p:cNvPr>
+          <p:cNvSpPr>
+            <a:spLocks noGrp="1"/>
+          </p:cNvSpPr>
+          <p:nvPr>
+            <p:ph type="sldNum" sz="quarter" idx="12"/>
+          </p:nvPr>
+        </p:nvSpPr>
+        <p:spPr/>
+        <p:txBody>
+          <a:bodyPr/>
+          <a:lstStyle/>
+          <a:p>
+            <a:fld id="{1413D9FB-836C-864C-8E5A-36E5384B9725}" type="slidenum">
+              <a:rPr kumimoji="1" lang="ja-JP" altLang="en-US" smtClean="0"/>
+              <a:t>28</a:t>
+            </a:fld>
+            <a:endParaRPr kumimoji="1" lang="ja-JP" altLang="en-US"/>
+          </a:p>
+        </p:txBody>
+      </p:sp>
+    </p:spTree>
+    <p:extLst>
+      <p:ext uri="{BB962C8B-B14F-4D97-AF65-F5344CB8AC3E}">
+        <p14:creationId xmlns:p14="http://schemas.microsoft.com/office/powerpoint/2010/main" val="2244460313"/>
       </p:ext>
     </p:extLst>
   </p:cSld>
@@ -16550,7 +16477,7 @@
           <p:cNvPr id="2" name="タイトル 1">
             <a:extLst>
               <a:ext uri="{FF2B5EF4-FFF2-40B4-BE49-F238E27FC236}">
-                <a16:creationId xmlns:a16="http://schemas.microsoft.com/office/drawing/2014/main" id="{FDC6E643-84C1-D84A-A5EC-DEBAA379F4FF}"/>
+                <a16:creationId xmlns:a16="http://schemas.microsoft.com/office/drawing/2014/main" id="{3D8A63EE-A0A1-4C4E-9821-A455B6473202}"/>
               </a:ext>
             </a:extLst>
           </p:cNvPr>
@@ -16567,8 +16494,8 @@
           <a:lstStyle/>
           <a:p>
             <a:r>
-              <a:rPr lang="en" altLang="ja-JP" dirty="0"/>
-              <a:t>Assigning to hold</a:t>
+              <a:rPr kumimoji="1" lang="en-US" altLang="ja-JP" dirty="0"/>
+              <a:t>Neighborhood</a:t>
             </a:r>
             <a:endParaRPr kumimoji="1" lang="ja-JP" altLang="en-US"/>
           </a:p>
@@ -16579,7 +16506,7 @@
           <p:cNvPr id="3" name="コンテンツ プレースホルダー 2">
             <a:extLst>
               <a:ext uri="{FF2B5EF4-FFF2-40B4-BE49-F238E27FC236}">
-                <a16:creationId xmlns:a16="http://schemas.microsoft.com/office/drawing/2014/main" id="{87DA18FE-55DE-054F-B0FC-BCAE58372308}"/>
+                <a16:creationId xmlns:a16="http://schemas.microsoft.com/office/drawing/2014/main" id="{240D5665-5F70-714B-87E9-C1AB005B3571}"/>
               </a:ext>
             </a:extLst>
           </p:cNvPr>
@@ -16598,45 +16525,46 @@
           <a:lstStyle/>
           <a:p>
             <a:r>
-              <a:rPr lang="en" altLang="ja-JP" sz="2400" dirty="0"/>
-              <a:t>Given an array of booking assigned to segments, we assign the bookings to holds based on the rules.</a:t>
-            </a:r>
-          </a:p>
-          <a:p>
-            <a:r>
-              <a:rPr lang="en" altLang="ja-JP" sz="2400" dirty="0"/>
-              <a:t>We load the vehicles from the back hold </a:t>
+              <a:rPr kumimoji="1" lang="en-US" altLang="ja-JP" sz="2400" dirty="0"/>
+              <a:t>Shift neighborhood</a:t>
+            </a:r>
+          </a:p>
+          <a:p>
+            <a:pPr lvl="1"/>
+            <a:r>
+              <a:rPr kumimoji="1" lang="en-US" altLang="ja-JP" sz="2400" dirty="0"/>
+              <a:t>This is obtained by</a:t>
+            </a:r>
+            <a:r>
+              <a:rPr kumimoji="1" lang="ja-JP" altLang="en-US" sz="2400"/>
+              <a:t> </a:t>
+            </a:r>
+            <a:r>
+              <a:rPr kumimoji="1" lang="en-US" altLang="ja-JP" sz="2400" dirty="0"/>
+              <a:t>reassigning one booking which was assigned to a segment to another segment. </a:t>
+            </a:r>
+          </a:p>
+          <a:p>
+            <a:r>
+              <a:rPr kumimoji="1" lang="en-US" altLang="ja-JP" sz="2400" dirty="0"/>
+              <a:t>Swap </a:t>
             </a:r>
             <a:r>
               <a:rPr lang="en-US" altLang="ja-JP" sz="2400" dirty="0"/>
-              <a:t>while satisfying the travel routes constraints.</a:t>
-            </a:r>
-          </a:p>
-          <a:p>
-            <a:r>
-              <a:rPr lang="en" altLang="ja-JP" sz="2400" dirty="0"/>
-              <a:t>Other constraints or objectives are calculated in</a:t>
+              <a:t>neighborhood</a:t>
+            </a:r>
+          </a:p>
+          <a:p>
+            <a:pPr lvl="1"/>
+            <a:r>
+              <a:rPr kumimoji="1" lang="en-US" altLang="ja-JP" sz="2400" dirty="0"/>
+              <a:t>This is obtained by s</a:t>
             </a:r>
             <a:r>
               <a:rPr lang="en-US" altLang="ja-JP" sz="2400" dirty="0"/>
-              <a:t> the</a:t>
-            </a:r>
-            <a:r>
-              <a:rPr lang="en" altLang="ja-JP" sz="2400" dirty="0"/>
-              <a:t> evaluate function.</a:t>
-            </a:r>
-          </a:p>
-          <a:p>
-            <a:endParaRPr lang="en" altLang="ja-JP" sz="2400" dirty="0"/>
-          </a:p>
-          <a:p>
-            <a:endParaRPr lang="en-US" altLang="ja-JP" sz="2400" dirty="0"/>
-          </a:p>
-          <a:p>
-            <a:endParaRPr lang="en" altLang="ja-JP" sz="2400" dirty="0"/>
-          </a:p>
-          <a:p>
-            <a:endParaRPr kumimoji="1" lang="en" altLang="ja-JP" sz="2400" dirty="0"/>
+              <a:t>wapping the allocated segments of two bookings.</a:t>
+            </a:r>
+            <a:endParaRPr kumimoji="1" lang="ja-JP" altLang="en-US" sz="2400"/>
           </a:p>
         </p:txBody>
       </p:sp>
@@ -16645,7 +16573,7 @@
           <p:cNvPr id="4" name="スライド番号プレースホルダー 3">
             <a:extLst>
               <a:ext uri="{FF2B5EF4-FFF2-40B4-BE49-F238E27FC236}">
-                <a16:creationId xmlns:a16="http://schemas.microsoft.com/office/drawing/2014/main" id="{C66FFA7B-DEFA-7A40-8B60-B0D2386C65E2}"/>
+                <a16:creationId xmlns:a16="http://schemas.microsoft.com/office/drawing/2014/main" id="{F95BD5A2-1BAE-094B-AC86-B052D8DF5EF5}"/>
               </a:ext>
             </a:extLst>
           </p:cNvPr>
@@ -16672,7 +16600,7 @@
     </p:spTree>
     <p:extLst>
       <p:ext uri="{BB962C8B-B14F-4D97-AF65-F5344CB8AC3E}">
-        <p14:creationId xmlns:p14="http://schemas.microsoft.com/office/powerpoint/2010/main" val="1840310504"/>
+        <p14:creationId xmlns:p14="http://schemas.microsoft.com/office/powerpoint/2010/main" val="719674508"/>
       </p:ext>
     </p:extLst>
   </p:cSld>
@@ -16871,7 +16799,7 @@
           <p:cNvPr id="2" name="タイトル 1">
             <a:extLst>
               <a:ext uri="{FF2B5EF4-FFF2-40B4-BE49-F238E27FC236}">
-                <a16:creationId xmlns:a16="http://schemas.microsoft.com/office/drawing/2014/main" id="{2B278DCE-0685-4441-B128-DC9D8C8EB809}"/>
+                <a16:creationId xmlns:a16="http://schemas.microsoft.com/office/drawing/2014/main" id="{0BE0AB04-8F34-BD4F-8DDD-608D0F3AC3BC}"/>
               </a:ext>
             </a:extLst>
           </p:cNvPr>
@@ -16889,11 +16817,8 @@
           <a:p>
             <a:r>
               <a:rPr kumimoji="1" lang="en-US" altLang="ja-JP" dirty="0"/>
-              <a:t>Local Search</a:t>
-            </a:r>
-            <a:br>
-              <a:rPr kumimoji="1" lang="en-US" altLang="ja-JP" dirty="0"/>
-            </a:br>
+              <a:t>Flow of local search</a:t>
+            </a:r>
             <a:endParaRPr kumimoji="1" lang="ja-JP" altLang="en-US"/>
           </a:p>
         </p:txBody>
@@ -16903,7 +16828,7 @@
           <p:cNvPr id="3" name="コンテンツ プレースホルダー 2">
             <a:extLst>
               <a:ext uri="{FF2B5EF4-FFF2-40B4-BE49-F238E27FC236}">
-                <a16:creationId xmlns:a16="http://schemas.microsoft.com/office/drawing/2014/main" id="{613B841F-8DD0-1147-9E25-B1A91183D7E1}"/>
+                <a16:creationId xmlns:a16="http://schemas.microsoft.com/office/drawing/2014/main" id="{EF816E5E-667D-8843-89E2-F9D0E26CD703}"/>
               </a:ext>
             </a:extLst>
           </p:cNvPr>
@@ -16914,33 +16839,51 @@
             <p:ph idx="1"/>
           </p:nvPr>
         </p:nvSpPr>
-        <p:spPr/>
+        <p:spPr>
+          <a:xfrm>
+            <a:off x="2589211" y="2133600"/>
+            <a:ext cx="7522977" cy="3777622"/>
+          </a:xfrm>
+        </p:spPr>
         <p:txBody>
-          <a:bodyPr/>
+          <a:bodyPr>
+            <a:normAutofit/>
+          </a:bodyPr>
           <a:lstStyle/>
           <a:p>
+            <a:pPr>
+              <a:buFont typeface="+mj-lt"/>
+              <a:buAutoNum type="arabicPeriod"/>
+            </a:pPr>
             <a:r>
               <a:rPr lang="en" altLang="ja-JP" sz="2400" dirty="0"/>
-              <a:t>moving from solution to solution in the space of candidate by applying local changes</a:t>
-            </a:r>
-          </a:p>
-          <a:p>
+              <a:t>Searching the shift neighborhood until no better solution is found.</a:t>
+            </a:r>
+          </a:p>
+          <a:p>
+            <a:pPr>
+              <a:buFont typeface="+mj-lt"/>
+              <a:buAutoNum type="arabicPeriod"/>
+            </a:pPr>
             <a:r>
               <a:rPr lang="en" altLang="ja-JP" sz="2400" dirty="0"/>
-              <a:t>We repeat this operation until the termination condition is satisfied</a:t>
-            </a:r>
-          </a:p>
-          <a:p>
+              <a:t>Searching the swap neighborhood until no better solution is found.</a:t>
+            </a:r>
+          </a:p>
+          <a:p>
+            <a:pPr>
+              <a:buFont typeface="+mj-lt"/>
+              <a:buAutoNum type="arabicPeriod"/>
+            </a:pPr>
+            <a:r>
+              <a:rPr lang="en" altLang="ja-JP" sz="2400" dirty="0"/>
+              <a:t>If better solution is found in step 1 or step 2,</a:t>
+            </a:r>
             <a:r>
               <a:rPr lang="en-US" altLang="ja-JP" sz="2400" dirty="0"/>
-              <a:t>In this research, we use shift neighborhood and swap neighborhood.</a:t>
-            </a:r>
-          </a:p>
-          <a:p>
+              <a:t> return to step 1.</a:t>
+            </a:r>
             <a:endParaRPr lang="en" altLang="ja-JP" sz="2400" dirty="0"/>
-          </a:p>
-          <a:p>
-            <a:endParaRPr kumimoji="1" lang="ja-JP" altLang="en-US"/>
           </a:p>
         </p:txBody>
       </p:sp>
@@ -16949,7 +16892,7 @@
           <p:cNvPr id="4" name="スライド番号プレースホルダー 3">
             <a:extLst>
               <a:ext uri="{FF2B5EF4-FFF2-40B4-BE49-F238E27FC236}">
-                <a16:creationId xmlns:a16="http://schemas.microsoft.com/office/drawing/2014/main" id="{11800B15-CE42-844A-873A-4A0C5569C46C}"/>
+                <a16:creationId xmlns:a16="http://schemas.microsoft.com/office/drawing/2014/main" id="{C88F3636-CA9F-194F-B51C-2E9F30882970}"/>
               </a:ext>
             </a:extLst>
           </p:cNvPr>
@@ -16976,7 +16919,7 @@
     </p:spTree>
     <p:extLst>
       <p:ext uri="{BB962C8B-B14F-4D97-AF65-F5344CB8AC3E}">
-        <p14:creationId xmlns:p14="http://schemas.microsoft.com/office/powerpoint/2010/main" val="2244460313"/>
+        <p14:creationId xmlns:p14="http://schemas.microsoft.com/office/powerpoint/2010/main" val="1443573793"/>
       </p:ext>
     </p:extLst>
   </p:cSld>
@@ -17008,7 +16951,7 @@
           <p:cNvPr id="2" name="タイトル 1">
             <a:extLst>
               <a:ext uri="{FF2B5EF4-FFF2-40B4-BE49-F238E27FC236}">
-                <a16:creationId xmlns:a16="http://schemas.microsoft.com/office/drawing/2014/main" id="{3D8A63EE-A0A1-4C4E-9821-A455B6473202}"/>
+                <a16:creationId xmlns:a16="http://schemas.microsoft.com/office/drawing/2014/main" id="{FCE7EB18-D7E1-894E-BC25-80C1A8AA5D09}"/>
               </a:ext>
             </a:extLst>
           </p:cNvPr>
@@ -17025,8 +16968,8 @@
           <a:lstStyle/>
           <a:p>
             <a:r>
-              <a:rPr kumimoji="1" lang="en-US" altLang="ja-JP" dirty="0"/>
-              <a:t>Neighborhood</a:t>
+              <a:rPr lang="en" altLang="ja-JP" dirty="0"/>
+              <a:t>Shift neighborhood</a:t>
             </a:r>
             <a:endParaRPr kumimoji="1" lang="ja-JP" altLang="en-US"/>
           </a:p>
@@ -17037,7 +16980,7 @@
           <p:cNvPr id="3" name="コンテンツ プレースホルダー 2">
             <a:extLst>
               <a:ext uri="{FF2B5EF4-FFF2-40B4-BE49-F238E27FC236}">
-                <a16:creationId xmlns:a16="http://schemas.microsoft.com/office/drawing/2014/main" id="{240D5665-5F70-714B-87E9-C1AB005B3571}"/>
+                <a16:creationId xmlns:a16="http://schemas.microsoft.com/office/drawing/2014/main" id="{DF18F744-42F4-CA45-A447-4C7A6529DF3D}"/>
               </a:ext>
             </a:extLst>
           </p:cNvPr>
@@ -17048,7 +16991,12 @@
             <p:ph idx="1"/>
           </p:nvPr>
         </p:nvSpPr>
-        <p:spPr/>
+        <p:spPr>
+          <a:xfrm>
+            <a:off x="2589212" y="2133600"/>
+            <a:ext cx="8356694" cy="3777622"/>
+          </a:xfrm>
+        </p:spPr>
         <p:txBody>
           <a:bodyPr>
             <a:normAutofit/>
@@ -17057,44 +17005,20 @@
           <a:p>
             <a:r>
               <a:rPr kumimoji="1" lang="en-US" altLang="ja-JP" sz="2400" dirty="0"/>
-              <a:t>Shift neighborhood</a:t>
-            </a:r>
-          </a:p>
-          <a:p>
-            <a:pPr lvl="1"/>
-            <a:r>
-              <a:rPr kumimoji="1" lang="en-US" altLang="ja-JP" sz="2400" dirty="0"/>
-              <a:t>This is obtained by</a:t>
-            </a:r>
-            <a:r>
-              <a:rPr kumimoji="1" lang="ja-JP" altLang="en-US" sz="2400"/>
-              <a:t> </a:t>
-            </a:r>
-            <a:r>
-              <a:rPr kumimoji="1" lang="en-US" altLang="ja-JP" sz="2400" dirty="0"/>
-              <a:t>reassigning one booking which was assigned to a segment to another segment. </a:t>
-            </a:r>
-          </a:p>
-          <a:p>
-            <a:r>
-              <a:rPr kumimoji="1" lang="en-US" altLang="ja-JP" sz="2400" dirty="0"/>
-              <a:t>Swap </a:t>
+              <a:t>When searching </a:t>
             </a:r>
             <a:r>
               <a:rPr lang="en-US" altLang="ja-JP" sz="2400" dirty="0"/>
-              <a:t>neighborhood</a:t>
-            </a:r>
-          </a:p>
-          <a:p>
-            <a:pPr lvl="1"/>
-            <a:r>
-              <a:rPr kumimoji="1" lang="en-US" altLang="ja-JP" sz="2400" dirty="0"/>
-              <a:t>This is obtained by s</a:t>
-            </a:r>
-            <a:r>
-              <a:rPr lang="en-US" altLang="ja-JP" sz="2400" dirty="0"/>
-              <a:t>wapping the allocated segments of two bookings.</a:t>
-            </a:r>
+              <a:t>shift neighborhoods, we normally calculate the evaluate function for all possible insertion positions and insert in the best position.</a:t>
+            </a:r>
+          </a:p>
+          <a:p>
+            <a:r>
+              <a:rPr lang="en" altLang="ja-JP" sz="2400" dirty="0"/>
+              <a:t>For this problem, there may be a waste of resources.</a:t>
+            </a:r>
+          </a:p>
+          <a:p>
             <a:endParaRPr kumimoji="1" lang="ja-JP" altLang="en-US" sz="2400"/>
           </a:p>
         </p:txBody>
@@ -17104,7 +17028,7 @@
           <p:cNvPr id="4" name="スライド番号プレースホルダー 3">
             <a:extLst>
               <a:ext uri="{FF2B5EF4-FFF2-40B4-BE49-F238E27FC236}">
-                <a16:creationId xmlns:a16="http://schemas.microsoft.com/office/drawing/2014/main" id="{F95BD5A2-1BAE-094B-AC86-B052D8DF5EF5}"/>
+                <a16:creationId xmlns:a16="http://schemas.microsoft.com/office/drawing/2014/main" id="{D6B98096-3519-2C4D-9BF8-8A1F1CC998AE}"/>
               </a:ext>
             </a:extLst>
           </p:cNvPr>
@@ -17131,7 +17055,7 @@
     </p:spTree>
     <p:extLst>
       <p:ext uri="{BB962C8B-B14F-4D97-AF65-F5344CB8AC3E}">
-        <p14:creationId xmlns:p14="http://schemas.microsoft.com/office/powerpoint/2010/main" val="719674508"/>
+        <p14:creationId xmlns:p14="http://schemas.microsoft.com/office/powerpoint/2010/main" val="664206571"/>
       </p:ext>
     </p:extLst>
   </p:cSld>
@@ -17163,294 +17087,6 @@
           <p:cNvPr id="2" name="タイトル 1">
             <a:extLst>
               <a:ext uri="{FF2B5EF4-FFF2-40B4-BE49-F238E27FC236}">
-                <a16:creationId xmlns:a16="http://schemas.microsoft.com/office/drawing/2014/main" id="{0BE0AB04-8F34-BD4F-8DDD-608D0F3AC3BC}"/>
-              </a:ext>
-            </a:extLst>
-          </p:cNvPr>
-          <p:cNvSpPr>
-            <a:spLocks noGrp="1"/>
-          </p:cNvSpPr>
-          <p:nvPr>
-            <p:ph type="title"/>
-          </p:nvPr>
-        </p:nvSpPr>
-        <p:spPr/>
-        <p:txBody>
-          <a:bodyPr/>
-          <a:lstStyle/>
-          <a:p>
-            <a:r>
-              <a:rPr kumimoji="1" lang="en-US" altLang="ja-JP" dirty="0"/>
-              <a:t>Flow of local search</a:t>
-            </a:r>
-            <a:endParaRPr kumimoji="1" lang="ja-JP" altLang="en-US"/>
-          </a:p>
-        </p:txBody>
-      </p:sp>
-      <p:sp>
-        <p:nvSpPr>
-          <p:cNvPr id="3" name="コンテンツ プレースホルダー 2">
-            <a:extLst>
-              <a:ext uri="{FF2B5EF4-FFF2-40B4-BE49-F238E27FC236}">
-                <a16:creationId xmlns:a16="http://schemas.microsoft.com/office/drawing/2014/main" id="{EF816E5E-667D-8843-89E2-F9D0E26CD703}"/>
-              </a:ext>
-            </a:extLst>
-          </p:cNvPr>
-          <p:cNvSpPr>
-            <a:spLocks noGrp="1"/>
-          </p:cNvSpPr>
-          <p:nvPr>
-            <p:ph idx="1"/>
-          </p:nvPr>
-        </p:nvSpPr>
-        <p:spPr>
-          <a:xfrm>
-            <a:off x="2589211" y="2133600"/>
-            <a:ext cx="7522977" cy="3777622"/>
-          </a:xfrm>
-        </p:spPr>
-        <p:txBody>
-          <a:bodyPr>
-            <a:normAutofit/>
-          </a:bodyPr>
-          <a:lstStyle/>
-          <a:p>
-            <a:pPr>
-              <a:buFont typeface="+mj-lt"/>
-              <a:buAutoNum type="arabicPeriod"/>
-            </a:pPr>
-            <a:r>
-              <a:rPr lang="en" altLang="ja-JP" sz="2400" dirty="0"/>
-              <a:t>searching the shift neighborhood until no better solution is found.</a:t>
-            </a:r>
-          </a:p>
-          <a:p>
-            <a:pPr>
-              <a:buFont typeface="+mj-lt"/>
-              <a:buAutoNum type="arabicPeriod"/>
-            </a:pPr>
-            <a:r>
-              <a:rPr lang="en" altLang="ja-JP" sz="2400" dirty="0"/>
-              <a:t>searching the swap neighborhood until no better solution is found.</a:t>
-            </a:r>
-          </a:p>
-          <a:p>
-            <a:pPr>
-              <a:buFont typeface="+mj-lt"/>
-              <a:buAutoNum type="arabicPeriod"/>
-            </a:pPr>
-            <a:r>
-              <a:rPr lang="en" altLang="ja-JP" sz="2400" dirty="0"/>
-              <a:t>If better solution is found in step 1 or step 2,</a:t>
-            </a:r>
-            <a:r>
-              <a:rPr lang="en-US" altLang="ja-JP" sz="2400" dirty="0"/>
-              <a:t> return to step 1.</a:t>
-            </a:r>
-            <a:endParaRPr lang="en" altLang="ja-JP" sz="2400" dirty="0"/>
-          </a:p>
-        </p:txBody>
-      </p:sp>
-      <p:sp>
-        <p:nvSpPr>
-          <p:cNvPr id="4" name="スライド番号プレースホルダー 3">
-            <a:extLst>
-              <a:ext uri="{FF2B5EF4-FFF2-40B4-BE49-F238E27FC236}">
-                <a16:creationId xmlns:a16="http://schemas.microsoft.com/office/drawing/2014/main" id="{C88F3636-CA9F-194F-B51C-2E9F30882970}"/>
-              </a:ext>
-            </a:extLst>
-          </p:cNvPr>
-          <p:cNvSpPr>
-            <a:spLocks noGrp="1"/>
-          </p:cNvSpPr>
-          <p:nvPr>
-            <p:ph type="sldNum" sz="quarter" idx="12"/>
-          </p:nvPr>
-        </p:nvSpPr>
-        <p:spPr/>
-        <p:txBody>
-          <a:bodyPr/>
-          <a:lstStyle/>
-          <a:p>
-            <a:fld id="{1413D9FB-836C-864C-8E5A-36E5384B9725}" type="slidenum">
-              <a:rPr kumimoji="1" lang="ja-JP" altLang="en-US" smtClean="0"/>
-              <a:t>32</a:t>
-            </a:fld>
-            <a:endParaRPr kumimoji="1" lang="ja-JP" altLang="en-US"/>
-          </a:p>
-        </p:txBody>
-      </p:sp>
-    </p:spTree>
-    <p:extLst>
-      <p:ext uri="{BB962C8B-B14F-4D97-AF65-F5344CB8AC3E}">
-        <p14:creationId xmlns:p14="http://schemas.microsoft.com/office/powerpoint/2010/main" val="1443573793"/>
-      </p:ext>
-    </p:extLst>
-  </p:cSld>
-  <p:clrMapOvr>
-    <a:masterClrMapping/>
-  </p:clrMapOvr>
-</p:sld>
-</file>
-
-<file path=ppt/slides/slide33.xml><?xml version="1.0" encoding="utf-8"?>
-<p:sld xmlns:a="http://schemas.openxmlformats.org/drawingml/2006/main" xmlns:r="http://schemas.openxmlformats.org/officeDocument/2006/relationships" xmlns:p="http://schemas.openxmlformats.org/presentationml/2006/main">
-  <p:cSld>
-    <p:spTree>
-      <p:nvGrpSpPr>
-        <p:cNvPr id="1" name=""/>
-        <p:cNvGrpSpPr/>
-        <p:nvPr/>
-      </p:nvGrpSpPr>
-      <p:grpSpPr>
-        <a:xfrm>
-          <a:off x="0" y="0"/>
-          <a:ext cx="0" cy="0"/>
-          <a:chOff x="0" y="0"/>
-          <a:chExt cx="0" cy="0"/>
-        </a:xfrm>
-      </p:grpSpPr>
-      <p:sp>
-        <p:nvSpPr>
-          <p:cNvPr id="2" name="タイトル 1">
-            <a:extLst>
-              <a:ext uri="{FF2B5EF4-FFF2-40B4-BE49-F238E27FC236}">
-                <a16:creationId xmlns:a16="http://schemas.microsoft.com/office/drawing/2014/main" id="{FCE7EB18-D7E1-894E-BC25-80C1A8AA5D09}"/>
-              </a:ext>
-            </a:extLst>
-          </p:cNvPr>
-          <p:cNvSpPr>
-            <a:spLocks noGrp="1"/>
-          </p:cNvSpPr>
-          <p:nvPr>
-            <p:ph type="title"/>
-          </p:nvPr>
-        </p:nvSpPr>
-        <p:spPr/>
-        <p:txBody>
-          <a:bodyPr/>
-          <a:lstStyle/>
-          <a:p>
-            <a:r>
-              <a:rPr lang="en" altLang="ja-JP" dirty="0"/>
-              <a:t>Shift neighborhood</a:t>
-            </a:r>
-            <a:endParaRPr kumimoji="1" lang="ja-JP" altLang="en-US"/>
-          </a:p>
-        </p:txBody>
-      </p:sp>
-      <p:sp>
-        <p:nvSpPr>
-          <p:cNvPr id="3" name="コンテンツ プレースホルダー 2">
-            <a:extLst>
-              <a:ext uri="{FF2B5EF4-FFF2-40B4-BE49-F238E27FC236}">
-                <a16:creationId xmlns:a16="http://schemas.microsoft.com/office/drawing/2014/main" id="{DF18F744-42F4-CA45-A447-4C7A6529DF3D}"/>
-              </a:ext>
-            </a:extLst>
-          </p:cNvPr>
-          <p:cNvSpPr>
-            <a:spLocks noGrp="1"/>
-          </p:cNvSpPr>
-          <p:nvPr>
-            <p:ph idx="1"/>
-          </p:nvPr>
-        </p:nvSpPr>
-        <p:spPr>
-          <a:xfrm>
-            <a:off x="2589212" y="2133600"/>
-            <a:ext cx="8356694" cy="3777622"/>
-          </a:xfrm>
-        </p:spPr>
-        <p:txBody>
-          <a:bodyPr>
-            <a:normAutofit/>
-          </a:bodyPr>
-          <a:lstStyle/>
-          <a:p>
-            <a:r>
-              <a:rPr kumimoji="1" lang="en-US" altLang="ja-JP" sz="2400" dirty="0"/>
-              <a:t>When searching </a:t>
-            </a:r>
-            <a:r>
-              <a:rPr lang="en-US" altLang="ja-JP" sz="2400" dirty="0"/>
-              <a:t>shift neighborhoods, we normally calculate the evaluate function for all possible insertion positions and insert in the best position.</a:t>
-            </a:r>
-          </a:p>
-          <a:p>
-            <a:r>
-              <a:rPr lang="en" altLang="ja-JP" sz="2400" dirty="0"/>
-              <a:t>For this problem, there may be a waste of resources.</a:t>
-            </a:r>
-          </a:p>
-          <a:p>
-            <a:endParaRPr kumimoji="1" lang="ja-JP" altLang="en-US" sz="2400"/>
-          </a:p>
-        </p:txBody>
-      </p:sp>
-      <p:sp>
-        <p:nvSpPr>
-          <p:cNvPr id="4" name="スライド番号プレースホルダー 3">
-            <a:extLst>
-              <a:ext uri="{FF2B5EF4-FFF2-40B4-BE49-F238E27FC236}">
-                <a16:creationId xmlns:a16="http://schemas.microsoft.com/office/drawing/2014/main" id="{D6B98096-3519-2C4D-9BF8-8A1F1CC998AE}"/>
-              </a:ext>
-            </a:extLst>
-          </p:cNvPr>
-          <p:cNvSpPr>
-            <a:spLocks noGrp="1"/>
-          </p:cNvSpPr>
-          <p:nvPr>
-            <p:ph type="sldNum" sz="quarter" idx="12"/>
-          </p:nvPr>
-        </p:nvSpPr>
-        <p:spPr/>
-        <p:txBody>
-          <a:bodyPr/>
-          <a:lstStyle/>
-          <a:p>
-            <a:fld id="{1413D9FB-836C-864C-8E5A-36E5384B9725}" type="slidenum">
-              <a:rPr kumimoji="1" lang="ja-JP" altLang="en-US" smtClean="0"/>
-              <a:t>33</a:t>
-            </a:fld>
-            <a:endParaRPr kumimoji="1" lang="ja-JP" altLang="en-US"/>
-          </a:p>
-        </p:txBody>
-      </p:sp>
-    </p:spTree>
-    <p:extLst>
-      <p:ext uri="{BB962C8B-B14F-4D97-AF65-F5344CB8AC3E}">
-        <p14:creationId xmlns:p14="http://schemas.microsoft.com/office/powerpoint/2010/main" val="664206571"/>
-      </p:ext>
-    </p:extLst>
-  </p:cSld>
-  <p:clrMapOvr>
-    <a:masterClrMapping/>
-  </p:clrMapOvr>
-</p:sld>
-</file>
-
-<file path=ppt/slides/slide34.xml><?xml version="1.0" encoding="utf-8"?>
-<p:sld xmlns:a="http://schemas.openxmlformats.org/drawingml/2006/main" xmlns:r="http://schemas.openxmlformats.org/officeDocument/2006/relationships" xmlns:p="http://schemas.openxmlformats.org/presentationml/2006/main">
-  <p:cSld>
-    <p:spTree>
-      <p:nvGrpSpPr>
-        <p:cNvPr id="1" name=""/>
-        <p:cNvGrpSpPr/>
-        <p:nvPr/>
-      </p:nvGrpSpPr>
-      <p:grpSpPr>
-        <a:xfrm>
-          <a:off x="0" y="0"/>
-          <a:ext cx="0" cy="0"/>
-          <a:chOff x="0" y="0"/>
-          <a:chExt cx="0" cy="0"/>
-        </a:xfrm>
-      </p:grpSpPr>
-      <p:sp>
-        <p:nvSpPr>
-          <p:cNvPr id="2" name="タイトル 1">
-            <a:extLst>
-              <a:ext uri="{FF2B5EF4-FFF2-40B4-BE49-F238E27FC236}">
                 <a16:creationId xmlns:a16="http://schemas.microsoft.com/office/drawing/2014/main" id="{03BB7B5E-C4C4-9B4A-9494-821EF1303692}"/>
               </a:ext>
             </a:extLst>
@@ -17519,7 +17155,7 @@
             </a:pPr>
             <a:r>
               <a:rPr lang="en-US" altLang="ja-JP" sz="2400" dirty="0"/>
-              <a:t>Example: inserting booking A</a:t>
+              <a:t> e.g. inserting booking A</a:t>
             </a:r>
           </a:p>
           <a:p>
@@ -17528,7 +17164,7 @@
             </a:pPr>
             <a:r>
               <a:rPr lang="en-US" altLang="ja-JP" sz="2400" dirty="0"/>
-              <a:t> [C,B,D] </a:t>
+              <a:t> 	[C,B,D] </a:t>
             </a:r>
             <a:r>
               <a:rPr lang="ja-JP" altLang="en-US" sz="2400"/>
@@ -17557,7 +17193,7 @@
             </a:pPr>
             <a:r>
               <a:rPr lang="en-US" altLang="ja-JP" sz="2400" dirty="0"/>
-              <a:t>		       [C, </a:t>
+              <a:t>		       	[C, </a:t>
             </a:r>
             <a:r>
               <a:rPr lang="en-US" altLang="ja-JP" sz="2400" dirty="0">
@@ -17578,7 +17214,7 @@
             </a:pPr>
             <a:r>
               <a:rPr lang="en-US" altLang="ja-JP" sz="2400" dirty="0"/>
-              <a:t>			 [C, B, </a:t>
+              <a:t>			 	[C, B, </a:t>
             </a:r>
             <a:r>
               <a:rPr lang="en-US" altLang="ja-JP" sz="2400" dirty="0">
@@ -17599,7 +17235,7 @@
             </a:pPr>
             <a:r>
               <a:rPr lang="en-US" altLang="ja-JP" sz="2400" dirty="0"/>
-              <a:t>			 [C, B, D, </a:t>
+              <a:t>			 	[C, B, D, </a:t>
             </a:r>
             <a:r>
               <a:rPr lang="en-US" altLang="ja-JP" sz="2400" dirty="0">
@@ -17646,7 +17282,7 @@
           <a:p>
             <a:fld id="{1413D9FB-836C-864C-8E5A-36E5384B9725}" type="slidenum">
               <a:rPr kumimoji="1" lang="ja-JP" altLang="en-US" smtClean="0"/>
-              <a:t>34</a:t>
+              <a:t>32</a:t>
             </a:fld>
             <a:endParaRPr kumimoji="1" lang="ja-JP" altLang="en-US"/>
           </a:p>
@@ -17665,7 +17301,7 @@
 </p:sld>
 </file>
 
-<file path=ppt/slides/slide35.xml><?xml version="1.0" encoding="utf-8"?>
+<file path=ppt/slides/slide33.xml><?xml version="1.0" encoding="utf-8"?>
 <p:sld xmlns:a="http://schemas.openxmlformats.org/drawingml/2006/main" xmlns:r="http://schemas.openxmlformats.org/officeDocument/2006/relationships" xmlns:p="http://schemas.openxmlformats.org/presentationml/2006/main">
   <p:cSld>
     <p:spTree>
@@ -18746,7 +18382,7 @@
           <a:p>
             <a:fld id="{1413D9FB-836C-864C-8E5A-36E5384B9725}" type="slidenum">
               <a:rPr kumimoji="1" lang="ja-JP" altLang="en-US" smtClean="0"/>
-              <a:t>35</a:t>
+              <a:t>33</a:t>
             </a:fld>
             <a:endParaRPr kumimoji="1" lang="ja-JP" altLang="en-US"/>
           </a:p>
@@ -18765,7 +18401,7 @@
 </p:sld>
 </file>
 
-<file path=ppt/slides/slide36.xml><?xml version="1.0" encoding="utf-8"?>
+<file path=ppt/slides/slide34.xml><?xml version="1.0" encoding="utf-8"?>
 <p:sld xmlns:a="http://schemas.openxmlformats.org/drawingml/2006/main" xmlns:r="http://schemas.openxmlformats.org/officeDocument/2006/relationships" xmlns:p="http://schemas.openxmlformats.org/presentationml/2006/main">
   <p:cSld>
     <p:spTree>
@@ -18870,7 +18506,7 @@
             </a:pPr>
             <a:r>
               <a:rPr lang="en" altLang="ja-JP" sz="2400" dirty="0"/>
-              <a:t>we memorize bookings that are split in two. </a:t>
+              <a:t>We memorize bookings that are split in two. </a:t>
             </a:r>
           </a:p>
           <a:p>
@@ -18918,7 +18554,7 @@
           <a:p>
             <a:fld id="{1413D9FB-836C-864C-8E5A-36E5384B9725}" type="slidenum">
               <a:rPr kumimoji="1" lang="ja-JP" altLang="en-US" smtClean="0"/>
-              <a:t>36</a:t>
+              <a:t>34</a:t>
             </a:fld>
             <a:endParaRPr kumimoji="1" lang="ja-JP" altLang="en-US"/>
           </a:p>
@@ -18937,7 +18573,7 @@
 </p:sld>
 </file>
 
-<file path=ppt/slides/slide37.xml><?xml version="1.0" encoding="utf-8"?>
+<file path=ppt/slides/slide35.xml><?xml version="1.0" encoding="utf-8"?>
 <p:sld xmlns:a="http://schemas.openxmlformats.org/drawingml/2006/main" xmlns:r="http://schemas.openxmlformats.org/officeDocument/2006/relationships" xmlns:p="http://schemas.openxmlformats.org/presentationml/2006/main">
   <p:cSld>
     <p:spTree>
@@ -19544,7 +19180,7 @@
           <a:p>
             <a:fld id="{1413D9FB-836C-864C-8E5A-36E5384B9725}" type="slidenum">
               <a:rPr kumimoji="1" lang="ja-JP" altLang="en-US" smtClean="0"/>
-              <a:t>37</a:t>
+              <a:t>35</a:t>
             </a:fld>
             <a:endParaRPr kumimoji="1" lang="ja-JP" altLang="en-US"/>
           </a:p>
@@ -19563,7 +19199,7 @@
 </p:sld>
 </file>
 
-<file path=ppt/slides/slide38.xml><?xml version="1.0" encoding="utf-8"?>
+<file path=ppt/slides/slide36.xml><?xml version="1.0" encoding="utf-8"?>
 <p:sld xmlns:a="http://schemas.openxmlformats.org/drawingml/2006/main" xmlns:r="http://schemas.openxmlformats.org/officeDocument/2006/relationships" xmlns:p="http://schemas.openxmlformats.org/presentationml/2006/main">
   <p:cSld>
     <p:spTree>
@@ -19632,14 +19268,14 @@
             <p:ph idx="1"/>
             <p:extLst>
               <p:ext uri="{D42A27DB-BD31-4B8C-83A1-F6EECF244321}">
-                <p14:modId xmlns:p14="http://schemas.microsoft.com/office/powerpoint/2010/main" val="1269495162"/>
+                <p14:modId xmlns:p14="http://schemas.microsoft.com/office/powerpoint/2010/main" val="3437438734"/>
               </p:ext>
             </p:extLst>
           </p:nvPr>
         </p:nvGraphicFramePr>
         <p:xfrm>
-          <a:off x="2030506" y="2600914"/>
-          <a:ext cx="8564388" cy="3230880"/>
+          <a:off x="2118642" y="2523717"/>
+          <a:ext cx="7388916" cy="3230880"/>
         </p:xfrm>
         <a:graphic>
           <a:graphicData uri="http://schemas.openxmlformats.org/drawingml/2006/table">
@@ -19648,35 +19284,35 @@
                 <a:tableStyleId>{5C22544A-7EE6-4342-B048-85BDC9FD1C3A}</a:tableStyleId>
               </a:tblPr>
               <a:tblGrid>
-                <a:gridCol w="1211660">
+                <a:gridCol w="1285570">
                   <a:extLst>
                     <a:ext uri="{9D8B030D-6E8A-4147-A177-3AD203B41FA5}">
                       <a16:colId xmlns:a16="http://schemas.microsoft.com/office/drawing/2014/main" val="3767232075"/>
                     </a:ext>
                   </a:extLst>
                 </a:gridCol>
-                <a:gridCol w="1455721">
+                <a:gridCol w="1222872">
                   <a:extLst>
                     <a:ext uri="{9D8B030D-6E8A-4147-A177-3AD203B41FA5}">
                       <a16:colId xmlns:a16="http://schemas.microsoft.com/office/drawing/2014/main" val="3477330652"/>
                     </a:ext>
                   </a:extLst>
                 </a:gridCol>
-                <a:gridCol w="1617353">
+                <a:gridCol w="1222873">
                   <a:extLst>
                     <a:ext uri="{9D8B030D-6E8A-4147-A177-3AD203B41FA5}">
                       <a16:colId xmlns:a16="http://schemas.microsoft.com/office/drawing/2014/main" val="2984689672"/>
                     </a:ext>
                   </a:extLst>
                 </a:gridCol>
-                <a:gridCol w="2123688">
+                <a:gridCol w="1817783">
                   <a:extLst>
                     <a:ext uri="{9D8B030D-6E8A-4147-A177-3AD203B41FA5}">
                       <a16:colId xmlns:a16="http://schemas.microsoft.com/office/drawing/2014/main" val="608630972"/>
                     </a:ext>
                   </a:extLst>
                 </a:gridCol>
-                <a:gridCol w="2155966">
+                <a:gridCol w="1839818">
                   <a:extLst>
                     <a:ext uri="{9D8B030D-6E8A-4147-A177-3AD203B41FA5}">
                       <a16:colId xmlns:a16="http://schemas.microsoft.com/office/drawing/2014/main" val="998590916"/>
@@ -19684,7 +19320,7 @@
                   </a:extLst>
                 </a:gridCol>
               </a:tblGrid>
-              <a:tr h="613551">
+              <a:tr h="616256">
                 <a:tc gridSpan="3">
                   <a:txBody>
                     <a:bodyPr/>
@@ -19693,7 +19329,7 @@
                       <a:pPr algn="ctr"/>
                       <a:r>
                         <a:rPr kumimoji="1" lang="en-US" altLang="ja-JP" sz="2000" dirty="0"/>
-                        <a:t>instance</a:t>
+                        <a:t>Instance</a:t>
                       </a:r>
                       <a:endParaRPr kumimoji="1" lang="ja-JP" altLang="en-US" sz="2000"/>
                     </a:p>
@@ -19808,7 +19444,7 @@
                   </a:ext>
                 </a:extLst>
               </a:tr>
-              <a:tr h="876501">
+              <a:tr h="968403">
                 <a:tc>
                   <a:txBody>
                     <a:bodyPr/>
@@ -19817,7 +19453,14 @@
                       <a:pPr algn="ctr"/>
                       <a:r>
                         <a:rPr kumimoji="1" lang="en-US" altLang="ja-JP" sz="2000" dirty="0"/>
-                        <a:t>Number of orders</a:t>
+                        <a:t>Number of </a:t>
+                      </a:r>
+                    </a:p>
+                    <a:p>
+                      <a:pPr algn="ctr"/>
+                      <a:r>
+                        <a:rPr kumimoji="1" lang="en-US" altLang="ja-JP" sz="2000" dirty="0"/>
+                        <a:t>orders</a:t>
                       </a:r>
                       <a:endParaRPr kumimoji="1" lang="ja-JP" altLang="en-US" sz="2000"/>
                     </a:p>
@@ -19955,7 +19598,7 @@
                   </a:ext>
                 </a:extLst>
               </a:tr>
-              <a:tr h="379817">
+              <a:tr h="381492">
                 <a:tc>
                   <a:txBody>
                     <a:bodyPr/>
@@ -20037,7 +19680,7 @@
                   </a:ext>
                 </a:extLst>
               </a:tr>
-              <a:tr h="379817">
+              <a:tr h="381492">
                 <a:tc>
                   <a:txBody>
                     <a:bodyPr/>
@@ -20118,7 +19761,7 @@
                   </a:ext>
                 </a:extLst>
               </a:tr>
-              <a:tr h="379817">
+              <a:tr h="381492">
                 <a:tc>
                   <a:txBody>
                     <a:bodyPr/>
@@ -20199,7 +19842,7 @@
                   </a:ext>
                 </a:extLst>
               </a:tr>
-              <a:tr h="379817">
+              <a:tr h="381492">
                 <a:tc>
                   <a:txBody>
                     <a:bodyPr/>
@@ -20378,7 +20021,7 @@
           <a:p>
             <a:fld id="{1413D9FB-836C-864C-8E5A-36E5384B9725}" type="slidenum">
               <a:rPr kumimoji="1" lang="ja-JP" altLang="en-US" smtClean="0"/>
-              <a:t>38</a:t>
+              <a:t>36</a:t>
             </a:fld>
             <a:endParaRPr kumimoji="1" lang="ja-JP" altLang="en-US"/>
           </a:p>
@@ -20388,6 +20031,322 @@
     <p:extLst>
       <p:ext uri="{BB962C8B-B14F-4D97-AF65-F5344CB8AC3E}">
         <p14:creationId xmlns:p14="http://schemas.microsoft.com/office/powerpoint/2010/main" val="3034498478"/>
+      </p:ext>
+    </p:extLst>
+  </p:cSld>
+  <p:clrMapOvr>
+    <a:masterClrMapping/>
+  </p:clrMapOvr>
+</p:sld>
+</file>
+
+<file path=ppt/slides/slide37.xml><?xml version="1.0" encoding="utf-8"?>
+<p:sld xmlns:a="http://schemas.openxmlformats.org/drawingml/2006/main" xmlns:r="http://schemas.openxmlformats.org/officeDocument/2006/relationships" xmlns:p="http://schemas.openxmlformats.org/presentationml/2006/main">
+  <p:cSld>
+    <p:spTree>
+      <p:nvGrpSpPr>
+        <p:cNvPr id="1" name=""/>
+        <p:cNvGrpSpPr/>
+        <p:nvPr/>
+      </p:nvGrpSpPr>
+      <p:grpSpPr>
+        <a:xfrm>
+          <a:off x="0" y="0"/>
+          <a:ext cx="0" cy="0"/>
+          <a:chOff x="0" y="0"/>
+          <a:chExt cx="0" cy="0"/>
+        </a:xfrm>
+      </p:grpSpPr>
+      <p:sp>
+        <p:nvSpPr>
+          <p:cNvPr id="2" name="タイトル 1">
+            <a:extLst>
+              <a:ext uri="{FF2B5EF4-FFF2-40B4-BE49-F238E27FC236}">
+                <a16:creationId xmlns:a16="http://schemas.microsoft.com/office/drawing/2014/main" id="{23293CDF-C8B2-0249-B006-9AB1745DECD2}"/>
+              </a:ext>
+            </a:extLst>
+          </p:cNvPr>
+          <p:cNvSpPr>
+            <a:spLocks noGrp="1"/>
+          </p:cNvSpPr>
+          <p:nvPr>
+            <p:ph type="title"/>
+          </p:nvPr>
+        </p:nvSpPr>
+        <p:spPr/>
+        <p:txBody>
+          <a:bodyPr/>
+          <a:lstStyle/>
+          <a:p>
+            <a:r>
+              <a:rPr lang="en-US" altLang="ja-JP" dirty="0"/>
+              <a:t>Initial solution</a:t>
+            </a:r>
+            <a:endParaRPr kumimoji="1" lang="ja-JP" altLang="en-US"/>
+          </a:p>
+        </p:txBody>
+      </p:sp>
+      <p:sp>
+        <p:nvSpPr>
+          <p:cNvPr id="3" name="コンテンツ プレースホルダー 2">
+            <a:extLst>
+              <a:ext uri="{FF2B5EF4-FFF2-40B4-BE49-F238E27FC236}">
+                <a16:creationId xmlns:a16="http://schemas.microsoft.com/office/drawing/2014/main" id="{E20F269F-0243-3E42-9DD2-4D0E5F2B1161}"/>
+              </a:ext>
+            </a:extLst>
+          </p:cNvPr>
+          <p:cNvSpPr>
+            <a:spLocks noGrp="1"/>
+          </p:cNvSpPr>
+          <p:nvPr>
+            <p:ph idx="1"/>
+          </p:nvPr>
+        </p:nvSpPr>
+        <p:spPr/>
+        <p:txBody>
+          <a:bodyPr>
+            <a:normAutofit/>
+          </a:bodyPr>
+          <a:lstStyle/>
+          <a:p>
+            <a:r>
+              <a:rPr lang="en-US" altLang="ja-JP" sz="2400" dirty="0"/>
+              <a:t>A</a:t>
+            </a:r>
+            <a:r>
+              <a:rPr kumimoji="1" lang="en-US" altLang="ja-JP" sz="2400" dirty="0"/>
+              <a:t>pproaches we propose to create initial solutions:</a:t>
+            </a:r>
+          </a:p>
+          <a:p>
+            <a:pPr marL="0" indent="0">
+              <a:buNone/>
+            </a:pPr>
+            <a:endParaRPr kumimoji="1" lang="en-US" altLang="ja-JP" sz="2400" dirty="0"/>
+          </a:p>
+          <a:p>
+            <a:pPr marL="457200" indent="-457200">
+              <a:buFont typeface="+mj-lt"/>
+              <a:buAutoNum type="arabicPeriod"/>
+            </a:pPr>
+            <a:r>
+              <a:rPr lang="en-US" altLang="ja-JP" sz="2400" dirty="0"/>
+              <a:t>G</a:t>
+            </a:r>
+            <a:r>
+              <a:rPr kumimoji="1" lang="en-US" altLang="ja-JP" sz="2400" dirty="0"/>
+              <a:t>enerating from solution by relaxation of linear programming</a:t>
+            </a:r>
+          </a:p>
+          <a:p>
+            <a:pPr marL="457200" indent="-457200">
+              <a:buFont typeface="+mj-lt"/>
+              <a:buAutoNum type="arabicPeriod"/>
+            </a:pPr>
+            <a:r>
+              <a:rPr kumimoji="1" lang="en-US" altLang="ja-JP" sz="2400" dirty="0"/>
+              <a:t>Generating from solution </a:t>
+            </a:r>
+            <a:r>
+              <a:rPr lang="en-US" altLang="ja-JP" sz="2400" dirty="0"/>
+              <a:t>of a problem formulated in MIP with bookings grouped by port</a:t>
+            </a:r>
+            <a:endParaRPr kumimoji="1" lang="en-US" altLang="ja-JP" sz="2400" dirty="0"/>
+          </a:p>
+        </p:txBody>
+      </p:sp>
+      <p:sp>
+        <p:nvSpPr>
+          <p:cNvPr id="4" name="スライド番号プレースホルダー 3">
+            <a:extLst>
+              <a:ext uri="{FF2B5EF4-FFF2-40B4-BE49-F238E27FC236}">
+                <a16:creationId xmlns:a16="http://schemas.microsoft.com/office/drawing/2014/main" id="{755548C9-F06A-CF45-BF53-242F4EE1F84D}"/>
+              </a:ext>
+            </a:extLst>
+          </p:cNvPr>
+          <p:cNvSpPr>
+            <a:spLocks noGrp="1"/>
+          </p:cNvSpPr>
+          <p:nvPr>
+            <p:ph type="sldNum" sz="quarter" idx="12"/>
+          </p:nvPr>
+        </p:nvSpPr>
+        <p:spPr/>
+        <p:txBody>
+          <a:bodyPr/>
+          <a:lstStyle/>
+          <a:p>
+            <a:fld id="{1413D9FB-836C-864C-8E5A-36E5384B9725}" type="slidenum">
+              <a:rPr kumimoji="1" lang="ja-JP" altLang="en-US" smtClean="0"/>
+              <a:t>37</a:t>
+            </a:fld>
+            <a:endParaRPr kumimoji="1" lang="ja-JP" altLang="en-US"/>
+          </a:p>
+        </p:txBody>
+      </p:sp>
+    </p:spTree>
+    <p:extLst>
+      <p:ext uri="{BB962C8B-B14F-4D97-AF65-F5344CB8AC3E}">
+        <p14:creationId xmlns:p14="http://schemas.microsoft.com/office/powerpoint/2010/main" val="3354853748"/>
+      </p:ext>
+    </p:extLst>
+  </p:cSld>
+  <p:clrMapOvr>
+    <a:masterClrMapping/>
+  </p:clrMapOvr>
+</p:sld>
+</file>
+
+<file path=ppt/slides/slide38.xml><?xml version="1.0" encoding="utf-8"?>
+<p:sld xmlns:a="http://schemas.openxmlformats.org/drawingml/2006/main" xmlns:r="http://schemas.openxmlformats.org/officeDocument/2006/relationships" xmlns:p="http://schemas.openxmlformats.org/presentationml/2006/main">
+  <p:cSld>
+    <p:spTree>
+      <p:nvGrpSpPr>
+        <p:cNvPr id="1" name=""/>
+        <p:cNvGrpSpPr/>
+        <p:nvPr/>
+      </p:nvGrpSpPr>
+      <p:grpSpPr>
+        <a:xfrm>
+          <a:off x="0" y="0"/>
+          <a:ext cx="0" cy="0"/>
+          <a:chOff x="0" y="0"/>
+          <a:chExt cx="0" cy="0"/>
+        </a:xfrm>
+      </p:grpSpPr>
+      <p:sp>
+        <p:nvSpPr>
+          <p:cNvPr id="2" name="タイトル 1">
+            <a:extLst>
+              <a:ext uri="{FF2B5EF4-FFF2-40B4-BE49-F238E27FC236}">
+                <a16:creationId xmlns:a16="http://schemas.microsoft.com/office/drawing/2014/main" id="{23293CDF-C8B2-0249-B006-9AB1745DECD2}"/>
+              </a:ext>
+            </a:extLst>
+          </p:cNvPr>
+          <p:cNvSpPr>
+            <a:spLocks noGrp="1"/>
+          </p:cNvSpPr>
+          <p:nvPr>
+            <p:ph type="title"/>
+          </p:nvPr>
+        </p:nvSpPr>
+        <p:spPr/>
+        <p:txBody>
+          <a:bodyPr/>
+          <a:lstStyle/>
+          <a:p>
+            <a:r>
+              <a:rPr lang="en-US" altLang="ja-JP" dirty="0"/>
+              <a:t>Approach to create initial assignment</a:t>
+            </a:r>
+            <a:endParaRPr kumimoji="1" lang="ja-JP" altLang="en-US"/>
+          </a:p>
+        </p:txBody>
+      </p:sp>
+      <p:sp>
+        <p:nvSpPr>
+          <p:cNvPr id="3" name="コンテンツ プレースホルダー 2">
+            <a:extLst>
+              <a:ext uri="{FF2B5EF4-FFF2-40B4-BE49-F238E27FC236}">
+                <a16:creationId xmlns:a16="http://schemas.microsoft.com/office/drawing/2014/main" id="{E20F269F-0243-3E42-9DD2-4D0E5F2B1161}"/>
+              </a:ext>
+            </a:extLst>
+          </p:cNvPr>
+          <p:cNvSpPr>
+            <a:spLocks noGrp="1"/>
+          </p:cNvSpPr>
+          <p:nvPr>
+            <p:ph idx="1"/>
+          </p:nvPr>
+        </p:nvSpPr>
+        <p:spPr/>
+        <p:txBody>
+          <a:bodyPr>
+            <a:normAutofit/>
+          </a:bodyPr>
+          <a:lstStyle/>
+          <a:p>
+            <a:pPr marL="457200" indent="-457200">
+              <a:buFont typeface="+mj-lt"/>
+              <a:buAutoNum type="arabicPeriod"/>
+            </a:pPr>
+            <a:r>
+              <a:rPr lang="en-US" altLang="ja-JP" sz="2400" dirty="0"/>
+              <a:t>G</a:t>
+            </a:r>
+            <a:r>
+              <a:rPr kumimoji="1" lang="en-US" altLang="ja-JP" sz="2400" dirty="0"/>
+              <a:t>enerating from solution by relaxation of linear programming</a:t>
+            </a:r>
+          </a:p>
+          <a:p>
+            <a:pPr marL="457200" indent="-457200">
+              <a:buFont typeface="+mj-lt"/>
+              <a:buAutoNum type="arabicPeriod"/>
+            </a:pPr>
+            <a:r>
+              <a:rPr kumimoji="1" lang="en-US" altLang="ja-JP" sz="2400" dirty="0">
+                <a:solidFill>
+                  <a:schemeClr val="bg1">
+                    <a:lumMod val="85000"/>
+                  </a:schemeClr>
+                </a:solidFill>
+              </a:rPr>
+              <a:t>Generating from solution </a:t>
+            </a:r>
+            <a:r>
+              <a:rPr lang="en-US" altLang="ja-JP" sz="2400" dirty="0">
+                <a:solidFill>
+                  <a:schemeClr val="bg1">
+                    <a:lumMod val="85000"/>
+                  </a:schemeClr>
+                </a:solidFill>
+              </a:rPr>
+              <a:t>of a problem formulated in MIP with bookings grouped by port</a:t>
+            </a:r>
+            <a:endParaRPr kumimoji="1" lang="en-US" altLang="ja-JP" sz="2400" dirty="0">
+              <a:solidFill>
+                <a:schemeClr val="bg1">
+                  <a:lumMod val="85000"/>
+                </a:schemeClr>
+              </a:solidFill>
+            </a:endParaRPr>
+          </a:p>
+        </p:txBody>
+      </p:sp>
+      <p:sp>
+        <p:nvSpPr>
+          <p:cNvPr id="4" name="スライド番号プレースホルダー 3">
+            <a:extLst>
+              <a:ext uri="{FF2B5EF4-FFF2-40B4-BE49-F238E27FC236}">
+                <a16:creationId xmlns:a16="http://schemas.microsoft.com/office/drawing/2014/main" id="{80F39395-DA9E-6B4D-9E6B-843CAEBCBF46}"/>
+              </a:ext>
+            </a:extLst>
+          </p:cNvPr>
+          <p:cNvSpPr>
+            <a:spLocks noGrp="1"/>
+          </p:cNvSpPr>
+          <p:nvPr>
+            <p:ph type="sldNum" sz="quarter" idx="12"/>
+          </p:nvPr>
+        </p:nvSpPr>
+        <p:spPr/>
+        <p:txBody>
+          <a:bodyPr/>
+          <a:lstStyle/>
+          <a:p>
+            <a:fld id="{1413D9FB-836C-864C-8E5A-36E5384B9725}" type="slidenum">
+              <a:rPr kumimoji="1" lang="ja-JP" altLang="en-US" smtClean="0"/>
+              <a:t>38</a:t>
+            </a:fld>
+            <a:endParaRPr kumimoji="1" lang="ja-JP" altLang="en-US"/>
+          </a:p>
+        </p:txBody>
+      </p:sp>
+    </p:spTree>
+    <p:extLst>
+      <p:ext uri="{BB962C8B-B14F-4D97-AF65-F5344CB8AC3E}">
+        <p14:creationId xmlns:p14="http://schemas.microsoft.com/office/powerpoint/2010/main" val="2379747017"/>
       </p:ext>
     </p:extLst>
   </p:cSld>
@@ -20419,7 +20378,7 @@
           <p:cNvPr id="2" name="タイトル 1">
             <a:extLst>
               <a:ext uri="{FF2B5EF4-FFF2-40B4-BE49-F238E27FC236}">
-                <a16:creationId xmlns:a16="http://schemas.microsoft.com/office/drawing/2014/main" id="{23293CDF-C8B2-0249-B006-9AB1745DECD2}"/>
+                <a16:creationId xmlns:a16="http://schemas.microsoft.com/office/drawing/2014/main" id="{77CCAC05-3AAC-D943-B7CA-119266FCBE65}"/>
               </a:ext>
             </a:extLst>
           </p:cNvPr>
@@ -20437,7 +20396,7 @@
           <a:p>
             <a:r>
               <a:rPr lang="en-US" altLang="ja-JP" dirty="0"/>
-              <a:t>Initial solution</a:t>
+              <a:t>Relaxation of linear programming</a:t>
             </a:r>
             <a:endParaRPr kumimoji="1" lang="ja-JP" altLang="en-US"/>
           </a:p>
@@ -20448,7 +20407,7 @@
           <p:cNvPr id="3" name="コンテンツ プレースホルダー 2">
             <a:extLst>
               <a:ext uri="{FF2B5EF4-FFF2-40B4-BE49-F238E27FC236}">
-                <a16:creationId xmlns:a16="http://schemas.microsoft.com/office/drawing/2014/main" id="{E20F269F-0243-3E42-9DD2-4D0E5F2B1161}"/>
+                <a16:creationId xmlns:a16="http://schemas.microsoft.com/office/drawing/2014/main" id="{83572324-1E1A-3541-9C80-10CFC06750E2}"/>
               </a:ext>
             </a:extLst>
           </p:cNvPr>
@@ -20468,43 +20427,41 @@
           <a:p>
             <a:r>
               <a:rPr lang="en-US" altLang="ja-JP" sz="2400" dirty="0"/>
-              <a:t>A</a:t>
-            </a:r>
-            <a:r>
-              <a:rPr kumimoji="1" lang="en-US" altLang="ja-JP" sz="2400" dirty="0"/>
-              <a:t>pproaches we propose to create initial solutions:</a:t>
-            </a:r>
-          </a:p>
-          <a:p>
-            <a:pPr marL="0" indent="0">
-              <a:buNone/>
-            </a:pPr>
-            <a:endParaRPr kumimoji="1" lang="en-US" altLang="ja-JP" sz="2400" dirty="0"/>
-          </a:p>
-          <a:p>
-            <a:pPr marL="457200" indent="-457200">
-              <a:buFont typeface="+mj-lt"/>
-              <a:buAutoNum type="arabicPeriod"/>
-            </a:pPr>
-            <a:r>
-              <a:rPr kumimoji="1" lang="en-US" altLang="ja-JP" sz="2400" dirty="0"/>
-              <a:t>generating from solution by relaxation of linear programming</a:t>
-            </a:r>
-          </a:p>
-          <a:p>
-            <a:pPr marL="457200" indent="-457200">
-              <a:buFont typeface="+mj-lt"/>
-              <a:buAutoNum type="arabicPeriod"/>
-            </a:pPr>
-            <a:r>
-              <a:rPr kumimoji="1" lang="en-US" altLang="ja-JP" sz="2400" dirty="0"/>
-              <a:t>generating from solution </a:t>
+              <a:t>As a preliminary experiment, we compare the solutions to the MIP problem and the relaxation problem. </a:t>
+            </a:r>
+          </a:p>
+          <a:p>
+            <a:r>
+              <a:rPr lang="en" altLang="ja-JP" sz="2400" dirty="0"/>
+              <a:t>To compare the properties of the solutions, we use the Manhattan distance</a:t>
             </a:r>
             <a:r>
               <a:rPr lang="en-US" altLang="ja-JP" sz="2400" dirty="0"/>
-              <a:t>of a problem formulated in MIP with bookings grouped by port</a:t>
-            </a:r>
-            <a:endParaRPr kumimoji="1" lang="en-US" altLang="ja-JP" sz="2400" dirty="0"/>
+              <a:t>. </a:t>
+            </a:r>
+          </a:p>
+          <a:p>
+            <a:r>
+              <a:rPr lang="en" altLang="ja-JP" sz="2400" dirty="0"/>
+              <a:t>We performed the comparison and confirmed that the properties of the relaxed solution and the MIP solution are close</a:t>
+            </a:r>
+            <a:r>
+              <a:rPr lang="en-US" altLang="ja-JP" sz="2400" dirty="0"/>
+              <a:t>.</a:t>
+            </a:r>
+            <a:endParaRPr lang="en" altLang="ja-JP" sz="2400" dirty="0"/>
+          </a:p>
+          <a:p>
+            <a:endParaRPr lang="en-US" altLang="ja-JP" sz="2400" dirty="0"/>
+          </a:p>
+          <a:p>
+            <a:endParaRPr lang="en-US" altLang="ja-JP" sz="2400" dirty="0"/>
+          </a:p>
+          <a:p>
+            <a:endParaRPr lang="en-US" altLang="ja-JP" sz="2400" dirty="0"/>
+          </a:p>
+          <a:p>
+            <a:endParaRPr kumimoji="1" lang="ja-JP" altLang="en-US" sz="2400"/>
           </a:p>
         </p:txBody>
       </p:sp>
@@ -20513,7 +20470,7 @@
           <p:cNvPr id="4" name="スライド番号プレースホルダー 3">
             <a:extLst>
               <a:ext uri="{FF2B5EF4-FFF2-40B4-BE49-F238E27FC236}">
-                <a16:creationId xmlns:a16="http://schemas.microsoft.com/office/drawing/2014/main" id="{755548C9-F06A-CF45-BF53-242F4EE1F84D}"/>
+                <a16:creationId xmlns:a16="http://schemas.microsoft.com/office/drawing/2014/main" id="{8DAA0D4D-82E8-3046-B732-248E075E5E4C}"/>
               </a:ext>
             </a:extLst>
           </p:cNvPr>
@@ -20540,7 +20497,7 @@
     </p:spTree>
     <p:extLst>
       <p:ext uri="{BB962C8B-B14F-4D97-AF65-F5344CB8AC3E}">
-        <p14:creationId xmlns:p14="http://schemas.microsoft.com/office/powerpoint/2010/main" val="3354853748"/>
+        <p14:creationId xmlns:p14="http://schemas.microsoft.com/office/powerpoint/2010/main" val="2087942310"/>
       </p:ext>
     </p:extLst>
   </p:cSld>
@@ -20627,7 +20584,15 @@
           <a:p>
             <a:r>
               <a:rPr lang="en" altLang="ja-JP" sz="2400" dirty="0"/>
-              <a:t>Assignment of cars to ship is planned manually.</a:t>
+              <a:t>Assignment of </a:t>
+            </a:r>
+            <a:r>
+              <a:rPr lang="en" altLang="ja-JP" sz="2400" dirty="0" err="1"/>
+              <a:t>cehicles</a:t>
+            </a:r>
+            <a:r>
+              <a:rPr lang="en" altLang="ja-JP" sz="2400" dirty="0"/>
+              <a:t> to ship is planned manually.</a:t>
             </a:r>
           </a:p>
           <a:p>
@@ -22574,16 +22539,6 @@
               <a:buAutoNum type="arabicPeriod"/>
             </a:pPr>
             <a:r>
-              <a:rPr kumimoji="1" lang="en-US" altLang="ja-JP" sz="2400" dirty="0"/>
-              <a:t>generating from solution by relaxation of linear programming</a:t>
-            </a:r>
-          </a:p>
-          <a:p>
-            <a:pPr marL="457200" indent="-457200">
-              <a:buFont typeface="+mj-lt"/>
-              <a:buAutoNum type="arabicPeriod"/>
-            </a:pPr>
-            <a:r>
               <a:rPr kumimoji="1" lang="en-US" altLang="ja-JP" sz="2400" dirty="0">
                 <a:solidFill>
                   <a:schemeClr val="bg1">
@@ -22591,23 +22546,41 @@
                   </a:schemeClr>
                 </a:solidFill>
               </a:rPr>
-              <a:t>Generating from solution </a:t>
-            </a:r>
+              <a:t>Generating from solution by relaxation of linear programming</a:t>
+            </a:r>
+          </a:p>
+          <a:p>
+            <a:pPr marL="457200" indent="-457200">
+              <a:buFont typeface="+mj-lt"/>
+              <a:buAutoNum type="arabicPeriod"/>
+            </a:pPr>
             <a:r>
               <a:rPr lang="en-US" altLang="ja-JP" sz="2400" dirty="0">
                 <a:solidFill>
-                  <a:schemeClr val="bg1">
-                    <a:lumMod val="85000"/>
-                  </a:schemeClr>
+                  <a:schemeClr val="tx1"/>
+                </a:solidFill>
+              </a:rPr>
+              <a:t>G</a:t>
+            </a:r>
+            <a:r>
+              <a:rPr kumimoji="1" lang="en-US" altLang="ja-JP" sz="2400" dirty="0">
+                <a:solidFill>
+                  <a:schemeClr val="tx1"/>
+                </a:solidFill>
+              </a:rPr>
+              <a:t>enerating from solution </a:t>
+            </a:r>
+            <a:r>
+              <a:rPr lang="en-US" altLang="ja-JP" sz="2400" dirty="0">
+                <a:solidFill>
+                  <a:schemeClr val="tx1"/>
                 </a:solidFill>
               </a:rPr>
               <a:t>of a problem formulated in MIP with bookings grouped by port</a:t>
             </a:r>
             <a:endParaRPr kumimoji="1" lang="en-US" altLang="ja-JP" sz="2400" dirty="0">
               <a:solidFill>
-                <a:schemeClr val="bg1">
-                  <a:lumMod val="85000"/>
-                </a:schemeClr>
+                <a:schemeClr val="tx1"/>
               </a:solidFill>
             </a:endParaRPr>
           </a:p>
@@ -22618,7 +22591,7 @@
           <p:cNvPr id="4" name="スライド番号プレースホルダー 3">
             <a:extLst>
               <a:ext uri="{FF2B5EF4-FFF2-40B4-BE49-F238E27FC236}">
-                <a16:creationId xmlns:a16="http://schemas.microsoft.com/office/drawing/2014/main" id="{80F39395-DA9E-6B4D-9E6B-843CAEBCBF46}"/>
+                <a16:creationId xmlns:a16="http://schemas.microsoft.com/office/drawing/2014/main" id="{EFD2A9DB-5222-964C-9F01-E915E69C91EC}"/>
               </a:ext>
             </a:extLst>
           </p:cNvPr>
@@ -22645,7 +22618,7 @@
     </p:spTree>
     <p:extLst>
       <p:ext uri="{BB962C8B-B14F-4D97-AF65-F5344CB8AC3E}">
-        <p14:creationId xmlns:p14="http://schemas.microsoft.com/office/powerpoint/2010/main" val="2379747017"/>
+        <p14:creationId xmlns:p14="http://schemas.microsoft.com/office/powerpoint/2010/main" val="1226177036"/>
       </p:ext>
     </p:extLst>
   </p:cSld>
@@ -22677,312 +22650,6 @@
           <p:cNvPr id="2" name="タイトル 1">
             <a:extLst>
               <a:ext uri="{FF2B5EF4-FFF2-40B4-BE49-F238E27FC236}">
-                <a16:creationId xmlns:a16="http://schemas.microsoft.com/office/drawing/2014/main" id="{77CCAC05-3AAC-D943-B7CA-119266FCBE65}"/>
-              </a:ext>
-            </a:extLst>
-          </p:cNvPr>
-          <p:cNvSpPr>
-            <a:spLocks noGrp="1"/>
-          </p:cNvSpPr>
-          <p:nvPr>
-            <p:ph type="title"/>
-          </p:nvPr>
-        </p:nvSpPr>
-        <p:spPr/>
-        <p:txBody>
-          <a:bodyPr/>
-          <a:lstStyle/>
-          <a:p>
-            <a:r>
-              <a:rPr lang="en-US" altLang="ja-JP" dirty="0"/>
-              <a:t>Relaxation of linear programming</a:t>
-            </a:r>
-            <a:endParaRPr kumimoji="1" lang="ja-JP" altLang="en-US"/>
-          </a:p>
-        </p:txBody>
-      </p:sp>
-      <p:sp>
-        <p:nvSpPr>
-          <p:cNvPr id="3" name="コンテンツ プレースホルダー 2">
-            <a:extLst>
-              <a:ext uri="{FF2B5EF4-FFF2-40B4-BE49-F238E27FC236}">
-                <a16:creationId xmlns:a16="http://schemas.microsoft.com/office/drawing/2014/main" id="{83572324-1E1A-3541-9C80-10CFC06750E2}"/>
-              </a:ext>
-            </a:extLst>
-          </p:cNvPr>
-          <p:cNvSpPr>
-            <a:spLocks noGrp="1"/>
-          </p:cNvSpPr>
-          <p:nvPr>
-            <p:ph idx="1"/>
-          </p:nvPr>
-        </p:nvSpPr>
-        <p:spPr/>
-        <p:txBody>
-          <a:bodyPr>
-            <a:normAutofit/>
-          </a:bodyPr>
-          <a:lstStyle/>
-          <a:p>
-            <a:r>
-              <a:rPr lang="en-US" altLang="ja-JP" sz="2400" dirty="0"/>
-              <a:t>As a preliminary experiment, we compare the solutions to the MIP problem and the relaxation problem. </a:t>
-            </a:r>
-          </a:p>
-          <a:p>
-            <a:r>
-              <a:rPr lang="en" altLang="ja-JP" sz="2400" dirty="0"/>
-              <a:t>To compare the properties of the solutions, we use the Manhattan distance</a:t>
-            </a:r>
-            <a:r>
-              <a:rPr lang="en-US" altLang="ja-JP" sz="2400" dirty="0"/>
-              <a:t>. </a:t>
-            </a:r>
-          </a:p>
-          <a:p>
-            <a:r>
-              <a:rPr lang="en" altLang="ja-JP" sz="2400" dirty="0"/>
-              <a:t>We performed the comparison and confirmed that the properties of the relaxed solution and the MIP solution are close</a:t>
-            </a:r>
-            <a:r>
-              <a:rPr lang="en-US" altLang="ja-JP" sz="2400" dirty="0"/>
-              <a:t>.</a:t>
-            </a:r>
-            <a:endParaRPr lang="en" altLang="ja-JP" sz="2400" dirty="0"/>
-          </a:p>
-          <a:p>
-            <a:endParaRPr lang="en-US" altLang="ja-JP" sz="2400" dirty="0"/>
-          </a:p>
-          <a:p>
-            <a:endParaRPr lang="en-US" altLang="ja-JP" sz="2400" dirty="0"/>
-          </a:p>
-          <a:p>
-            <a:endParaRPr lang="en-US" altLang="ja-JP" sz="2400" dirty="0"/>
-          </a:p>
-          <a:p>
-            <a:endParaRPr kumimoji="1" lang="ja-JP" altLang="en-US" sz="2400"/>
-          </a:p>
-        </p:txBody>
-      </p:sp>
-      <p:sp>
-        <p:nvSpPr>
-          <p:cNvPr id="4" name="スライド番号プレースホルダー 3">
-            <a:extLst>
-              <a:ext uri="{FF2B5EF4-FFF2-40B4-BE49-F238E27FC236}">
-                <a16:creationId xmlns:a16="http://schemas.microsoft.com/office/drawing/2014/main" id="{8DAA0D4D-82E8-3046-B732-248E075E5E4C}"/>
-              </a:ext>
-            </a:extLst>
-          </p:cNvPr>
-          <p:cNvSpPr>
-            <a:spLocks noGrp="1"/>
-          </p:cNvSpPr>
-          <p:nvPr>
-            <p:ph type="sldNum" sz="quarter" idx="12"/>
-          </p:nvPr>
-        </p:nvSpPr>
-        <p:spPr/>
-        <p:txBody>
-          <a:bodyPr/>
-          <a:lstStyle/>
-          <a:p>
-            <a:fld id="{1413D9FB-836C-864C-8E5A-36E5384B9725}" type="slidenum">
-              <a:rPr kumimoji="1" lang="ja-JP" altLang="en-US" smtClean="0"/>
-              <a:t>41</a:t>
-            </a:fld>
-            <a:endParaRPr kumimoji="1" lang="ja-JP" altLang="en-US"/>
-          </a:p>
-        </p:txBody>
-      </p:sp>
-    </p:spTree>
-    <p:extLst>
-      <p:ext uri="{BB962C8B-B14F-4D97-AF65-F5344CB8AC3E}">
-        <p14:creationId xmlns:p14="http://schemas.microsoft.com/office/powerpoint/2010/main" val="2087942310"/>
-      </p:ext>
-    </p:extLst>
-  </p:cSld>
-  <p:clrMapOvr>
-    <a:masterClrMapping/>
-  </p:clrMapOvr>
-</p:sld>
-</file>
-
-<file path=ppt/slides/slide42.xml><?xml version="1.0" encoding="utf-8"?>
-<p:sld xmlns:a="http://schemas.openxmlformats.org/drawingml/2006/main" xmlns:r="http://schemas.openxmlformats.org/officeDocument/2006/relationships" xmlns:p="http://schemas.openxmlformats.org/presentationml/2006/main">
-  <p:cSld>
-    <p:spTree>
-      <p:nvGrpSpPr>
-        <p:cNvPr id="1" name=""/>
-        <p:cNvGrpSpPr/>
-        <p:nvPr/>
-      </p:nvGrpSpPr>
-      <p:grpSpPr>
-        <a:xfrm>
-          <a:off x="0" y="0"/>
-          <a:ext cx="0" cy="0"/>
-          <a:chOff x="0" y="0"/>
-          <a:chExt cx="0" cy="0"/>
-        </a:xfrm>
-      </p:grpSpPr>
-      <p:sp>
-        <p:nvSpPr>
-          <p:cNvPr id="2" name="タイトル 1">
-            <a:extLst>
-              <a:ext uri="{FF2B5EF4-FFF2-40B4-BE49-F238E27FC236}">
-                <a16:creationId xmlns:a16="http://schemas.microsoft.com/office/drawing/2014/main" id="{23293CDF-C8B2-0249-B006-9AB1745DECD2}"/>
-              </a:ext>
-            </a:extLst>
-          </p:cNvPr>
-          <p:cNvSpPr>
-            <a:spLocks noGrp="1"/>
-          </p:cNvSpPr>
-          <p:nvPr>
-            <p:ph type="title"/>
-          </p:nvPr>
-        </p:nvSpPr>
-        <p:spPr/>
-        <p:txBody>
-          <a:bodyPr/>
-          <a:lstStyle/>
-          <a:p>
-            <a:r>
-              <a:rPr lang="en-US" altLang="ja-JP" dirty="0"/>
-              <a:t>Approach to create initial assignment</a:t>
-            </a:r>
-            <a:endParaRPr kumimoji="1" lang="ja-JP" altLang="en-US"/>
-          </a:p>
-        </p:txBody>
-      </p:sp>
-      <p:sp>
-        <p:nvSpPr>
-          <p:cNvPr id="3" name="コンテンツ プレースホルダー 2">
-            <a:extLst>
-              <a:ext uri="{FF2B5EF4-FFF2-40B4-BE49-F238E27FC236}">
-                <a16:creationId xmlns:a16="http://schemas.microsoft.com/office/drawing/2014/main" id="{E20F269F-0243-3E42-9DD2-4D0E5F2B1161}"/>
-              </a:ext>
-            </a:extLst>
-          </p:cNvPr>
-          <p:cNvSpPr>
-            <a:spLocks noGrp="1"/>
-          </p:cNvSpPr>
-          <p:nvPr>
-            <p:ph idx="1"/>
-          </p:nvPr>
-        </p:nvSpPr>
-        <p:spPr/>
-        <p:txBody>
-          <a:bodyPr>
-            <a:normAutofit/>
-          </a:bodyPr>
-          <a:lstStyle/>
-          <a:p>
-            <a:pPr marL="457200" indent="-457200">
-              <a:buFont typeface="+mj-lt"/>
-              <a:buAutoNum type="arabicPeriod"/>
-            </a:pPr>
-            <a:r>
-              <a:rPr kumimoji="1" lang="en-US" altLang="ja-JP" sz="2400" dirty="0">
-                <a:solidFill>
-                  <a:schemeClr val="bg1">
-                    <a:lumMod val="85000"/>
-                  </a:schemeClr>
-                </a:solidFill>
-              </a:rPr>
-              <a:t>generating from solution by relaxation of linear programming</a:t>
-            </a:r>
-          </a:p>
-          <a:p>
-            <a:pPr marL="457200" indent="-457200">
-              <a:buFont typeface="+mj-lt"/>
-              <a:buAutoNum type="arabicPeriod"/>
-            </a:pPr>
-            <a:r>
-              <a:rPr kumimoji="1" lang="en-US" altLang="ja-JP" sz="2400" dirty="0">
-                <a:solidFill>
-                  <a:schemeClr val="tx1"/>
-                </a:solidFill>
-              </a:rPr>
-              <a:t>Generating from solution </a:t>
-            </a:r>
-            <a:r>
-              <a:rPr lang="en-US" altLang="ja-JP" sz="2400" dirty="0">
-                <a:solidFill>
-                  <a:schemeClr val="tx1"/>
-                </a:solidFill>
-              </a:rPr>
-              <a:t>of a problem formulated in MIP with bookings grouped by port</a:t>
-            </a:r>
-            <a:endParaRPr kumimoji="1" lang="en-US" altLang="ja-JP" sz="2400" dirty="0">
-              <a:solidFill>
-                <a:schemeClr val="tx1"/>
-              </a:solidFill>
-            </a:endParaRPr>
-          </a:p>
-        </p:txBody>
-      </p:sp>
-      <p:sp>
-        <p:nvSpPr>
-          <p:cNvPr id="4" name="スライド番号プレースホルダー 3">
-            <a:extLst>
-              <a:ext uri="{FF2B5EF4-FFF2-40B4-BE49-F238E27FC236}">
-                <a16:creationId xmlns:a16="http://schemas.microsoft.com/office/drawing/2014/main" id="{EFD2A9DB-5222-964C-9F01-E915E69C91EC}"/>
-              </a:ext>
-            </a:extLst>
-          </p:cNvPr>
-          <p:cNvSpPr>
-            <a:spLocks noGrp="1"/>
-          </p:cNvSpPr>
-          <p:nvPr>
-            <p:ph type="sldNum" sz="quarter" idx="12"/>
-          </p:nvPr>
-        </p:nvSpPr>
-        <p:spPr/>
-        <p:txBody>
-          <a:bodyPr/>
-          <a:lstStyle/>
-          <a:p>
-            <a:fld id="{1413D9FB-836C-864C-8E5A-36E5384B9725}" type="slidenum">
-              <a:rPr kumimoji="1" lang="ja-JP" altLang="en-US" smtClean="0"/>
-              <a:t>42</a:t>
-            </a:fld>
-            <a:endParaRPr kumimoji="1" lang="ja-JP" altLang="en-US"/>
-          </a:p>
-        </p:txBody>
-      </p:sp>
-    </p:spTree>
-    <p:extLst>
-      <p:ext uri="{BB962C8B-B14F-4D97-AF65-F5344CB8AC3E}">
-        <p14:creationId xmlns:p14="http://schemas.microsoft.com/office/powerpoint/2010/main" val="1226177036"/>
-      </p:ext>
-    </p:extLst>
-  </p:cSld>
-  <p:clrMapOvr>
-    <a:masterClrMapping/>
-  </p:clrMapOvr>
-</p:sld>
-</file>
-
-<file path=ppt/slides/slide43.xml><?xml version="1.0" encoding="utf-8"?>
-<p:sld xmlns:a="http://schemas.openxmlformats.org/drawingml/2006/main" xmlns:r="http://schemas.openxmlformats.org/officeDocument/2006/relationships" xmlns:p="http://schemas.openxmlformats.org/presentationml/2006/main">
-  <p:cSld>
-    <p:spTree>
-      <p:nvGrpSpPr>
-        <p:cNvPr id="1" name=""/>
-        <p:cNvGrpSpPr/>
-        <p:nvPr/>
-      </p:nvGrpSpPr>
-      <p:grpSpPr>
-        <a:xfrm>
-          <a:off x="0" y="0"/>
-          <a:ext cx="0" cy="0"/>
-          <a:chOff x="0" y="0"/>
-          <a:chExt cx="0" cy="0"/>
-        </a:xfrm>
-      </p:grpSpPr>
-      <p:sp>
-        <p:nvSpPr>
-          <p:cNvPr id="2" name="タイトル 1">
-            <a:extLst>
-              <a:ext uri="{FF2B5EF4-FFF2-40B4-BE49-F238E27FC236}">
                 <a16:creationId xmlns:a16="http://schemas.microsoft.com/office/drawing/2014/main" id="{26B9DA74-0919-8C4D-A488-16B05DD6B4A6}"/>
               </a:ext>
             </a:extLst>
@@ -23083,7 +22750,7 @@
           <a:p>
             <a:fld id="{1413D9FB-836C-864C-8E5A-36E5384B9725}" type="slidenum">
               <a:rPr kumimoji="1" lang="ja-JP" altLang="en-US" smtClean="0"/>
-              <a:t>43</a:t>
+              <a:t>41</a:t>
             </a:fld>
             <a:endParaRPr kumimoji="1" lang="ja-JP" altLang="en-US"/>
           </a:p>
@@ -23102,7 +22769,7 @@
 </p:sld>
 </file>
 
-<file path=ppt/slides/slide44.xml><?xml version="1.0" encoding="utf-8"?>
+<file path=ppt/slides/slide42.xml><?xml version="1.0" encoding="utf-8"?>
 <p:sld xmlns:a="http://schemas.openxmlformats.org/drawingml/2006/main" xmlns:r="http://schemas.openxmlformats.org/officeDocument/2006/relationships" xmlns:p="http://schemas.openxmlformats.org/presentationml/2006/main">
   <p:cSld>
     <p:spTree>
@@ -24207,7 +23874,7 @@
           <a:p>
             <a:fld id="{1413D9FB-836C-864C-8E5A-36E5384B9725}" type="slidenum">
               <a:rPr kumimoji="1" lang="ja-JP" altLang="en-US" smtClean="0"/>
-              <a:t>44</a:t>
+              <a:t>42</a:t>
             </a:fld>
             <a:endParaRPr kumimoji="1" lang="ja-JP" altLang="en-US"/>
           </a:p>
@@ -24226,7 +23893,7 @@
 </p:sld>
 </file>
 
-<file path=ppt/slides/slide45.xml><?xml version="1.0" encoding="utf-8"?>
+<file path=ppt/slides/slide43.xml><?xml version="1.0" encoding="utf-8"?>
 <p:sld xmlns:a="http://schemas.openxmlformats.org/drawingml/2006/main" xmlns:r="http://schemas.openxmlformats.org/officeDocument/2006/relationships" xmlns:p="http://schemas.openxmlformats.org/presentationml/2006/main">
   <p:cSld>
     <p:spTree>
@@ -24297,17 +23964,17 @@
           <a:p>
             <a:r>
               <a:rPr lang="en-US" altLang="ja-JP" sz="2400" dirty="0"/>
-              <a:t>We compare the quality and the computation time of the proposed model with that of solving MIP problem.</a:t>
+              <a:t>We compare the quality and the computation time of the proposed model with that of solving MIP.</a:t>
             </a:r>
           </a:p>
           <a:p>
             <a:r>
               <a:rPr lang="en-US" altLang="ja-JP" sz="2400" dirty="0"/>
-              <a:t>For MIP problem,</a:t>
+              <a:t>For MIP,</a:t>
             </a:r>
             <a:r>
               <a:rPr lang="en" altLang="ja-JP" sz="2400" dirty="0"/>
-              <a:t> we show the values of the solution after         1 hour and after 24 hours</a:t>
+              <a:t> we show the values of the solution after 1 hour and after 24 hours</a:t>
             </a:r>
           </a:p>
           <a:p>
@@ -24345,7 +24012,7 @@
           <a:p>
             <a:fld id="{1413D9FB-836C-864C-8E5A-36E5384B9725}" type="slidenum">
               <a:rPr kumimoji="1" lang="ja-JP" altLang="en-US" smtClean="0"/>
-              <a:t>45</a:t>
+              <a:t>43</a:t>
             </a:fld>
             <a:endParaRPr kumimoji="1" lang="ja-JP" altLang="en-US"/>
           </a:p>
@@ -24364,7 +24031,7 @@
 </p:sld>
 </file>
 
-<file path=ppt/slides/slide46.xml><?xml version="1.0" encoding="utf-8"?>
+<file path=ppt/slides/slide44.xml><?xml version="1.0" encoding="utf-8"?>
 <p:sld xmlns:a="http://schemas.openxmlformats.org/drawingml/2006/main" xmlns:r="http://schemas.openxmlformats.org/officeDocument/2006/relationships" xmlns:p="http://schemas.openxmlformats.org/presentationml/2006/main">
   <p:cSld>
     <p:spTree>
@@ -24426,7 +24093,7 @@
             <p:ph idx="1"/>
             <p:extLst>
               <p:ext uri="{D42A27DB-BD31-4B8C-83A1-F6EECF244321}">
-                <p14:modId xmlns:p14="http://schemas.microsoft.com/office/powerpoint/2010/main" val="1321949838"/>
+                <p14:modId xmlns:p14="http://schemas.microsoft.com/office/powerpoint/2010/main" val="824058237"/>
               </p:ext>
             </p:extLst>
           </p:nvPr>
@@ -24487,7 +24154,7 @@
                       <a:pPr algn="ctr"/>
                       <a:r>
                         <a:rPr kumimoji="1" lang="en-US" altLang="ja-JP" sz="2000" dirty="0"/>
-                        <a:t>instance</a:t>
+                        <a:t>Instance</a:t>
                       </a:r>
                       <a:endParaRPr kumimoji="1" lang="ja-JP" altLang="en-US" sz="2000"/>
                     </a:p>
@@ -25156,7 +24823,7 @@
           <a:p>
             <a:fld id="{1413D9FB-836C-864C-8E5A-36E5384B9725}" type="slidenum">
               <a:rPr kumimoji="1" lang="ja-JP" altLang="en-US" smtClean="0"/>
-              <a:t>46</a:t>
+              <a:t>44</a:t>
             </a:fld>
             <a:endParaRPr kumimoji="1" lang="ja-JP" altLang="en-US"/>
           </a:p>
@@ -25175,7 +24842,7 @@
 </p:sld>
 </file>
 
-<file path=ppt/slides/slide47.xml><?xml version="1.0" encoding="utf-8"?>
+<file path=ppt/slides/slide45.xml><?xml version="1.0" encoding="utf-8"?>
 <p:sld xmlns:a="http://schemas.openxmlformats.org/drawingml/2006/main" xmlns:r="http://schemas.openxmlformats.org/officeDocument/2006/relationships" xmlns:p="http://schemas.openxmlformats.org/presentationml/2006/main">
   <p:cSld>
     <p:spTree>
@@ -25265,7 +24932,7 @@
           <a:p>
             <a:r>
               <a:rPr lang="en" altLang="ja-JP" sz="2400" dirty="0"/>
-              <a:t>we propose an approach to reduce computation time in local search.</a:t>
+              <a:t>We propose an approach to reduce computation time in local search.</a:t>
             </a:r>
           </a:p>
           <a:p>
@@ -25313,7 +24980,7 @@
           <a:p>
             <a:fld id="{1413D9FB-836C-864C-8E5A-36E5384B9725}" type="slidenum">
               <a:rPr kumimoji="1" lang="ja-JP" altLang="en-US" smtClean="0"/>
-              <a:t>47</a:t>
+              <a:t>45</a:t>
             </a:fld>
             <a:endParaRPr kumimoji="1" lang="ja-JP" altLang="en-US"/>
           </a:p>
@@ -25332,7 +24999,7 @@
 </p:sld>
 </file>
 
-<file path=ppt/slides/slide48.xml><?xml version="1.0" encoding="utf-8"?>
+<file path=ppt/slides/slide46.xml><?xml version="1.0" encoding="utf-8"?>
 <p:sld xmlns:a="http://schemas.openxmlformats.org/drawingml/2006/main" xmlns:r="http://schemas.openxmlformats.org/officeDocument/2006/relationships" xmlns:p="http://schemas.openxmlformats.org/presentationml/2006/main">
   <p:cSld>
     <p:spTree>
@@ -25426,7 +25093,7 @@
           <a:p>
             <a:fld id="{1413D9FB-836C-864C-8E5A-36E5384B9725}" type="slidenum">
               <a:rPr kumimoji="1" lang="ja-JP" altLang="en-US" smtClean="0"/>
-              <a:t>48</a:t>
+              <a:t>46</a:t>
             </a:fld>
             <a:endParaRPr kumimoji="1" lang="ja-JP" altLang="en-US"/>
           </a:p>
@@ -25445,7 +25112,7 @@
 </p:sld>
 </file>
 
-<file path=ppt/slides/slide49.xml><?xml version="1.0" encoding="utf-8"?>
+<file path=ppt/slides/slide47.xml><?xml version="1.0" encoding="utf-8"?>
 <p:sld xmlns:a="http://schemas.openxmlformats.org/drawingml/2006/main" xmlns:r="http://schemas.openxmlformats.org/officeDocument/2006/relationships" xmlns:p="http://schemas.openxmlformats.org/presentationml/2006/main">
   <p:cSld>
     <p:spTree>
@@ -25866,7 +25533,7 @@
           <a:p>
             <a:fld id="{1413D9FB-836C-864C-8E5A-36E5384B9725}" type="slidenum">
               <a:rPr kumimoji="1" lang="ja-JP" altLang="en-US" smtClean="0"/>
-              <a:t>49</a:t>
+              <a:t>47</a:t>
             </a:fld>
             <a:endParaRPr kumimoji="1" lang="ja-JP" altLang="en-US"/>
           </a:p>
@@ -25885,146 +25552,7 @@
 </p:sld>
 </file>
 
-<file path=ppt/slides/slide5.xml><?xml version="1.0" encoding="utf-8"?>
-<p:sld xmlns:a="http://schemas.openxmlformats.org/drawingml/2006/main" xmlns:r="http://schemas.openxmlformats.org/officeDocument/2006/relationships" xmlns:p="http://schemas.openxmlformats.org/presentationml/2006/main">
-  <p:cSld>
-    <p:spTree>
-      <p:nvGrpSpPr>
-        <p:cNvPr id="1" name=""/>
-        <p:cNvGrpSpPr/>
-        <p:nvPr/>
-      </p:nvGrpSpPr>
-      <p:grpSpPr>
-        <a:xfrm>
-          <a:off x="0" y="0"/>
-          <a:ext cx="0" cy="0"/>
-          <a:chOff x="0" y="0"/>
-          <a:chExt cx="0" cy="0"/>
-        </a:xfrm>
-      </p:grpSpPr>
-      <p:sp>
-        <p:nvSpPr>
-          <p:cNvPr id="2" name="タイトル 1">
-            <a:extLst>
-              <a:ext uri="{FF2B5EF4-FFF2-40B4-BE49-F238E27FC236}">
-                <a16:creationId xmlns:a16="http://schemas.microsoft.com/office/drawing/2014/main" id="{03DC7BD9-E43D-E442-9A49-33395737C89D}"/>
-              </a:ext>
-            </a:extLst>
-          </p:cNvPr>
-          <p:cNvSpPr>
-            <a:spLocks noGrp="1"/>
-          </p:cNvSpPr>
-          <p:nvPr>
-            <p:ph type="title"/>
-          </p:nvPr>
-        </p:nvSpPr>
-        <p:spPr/>
-        <p:txBody>
-          <a:bodyPr/>
-          <a:lstStyle/>
-          <a:p>
-            <a:r>
-              <a:rPr kumimoji="1" lang="en-US" altLang="ja-JP" dirty="0"/>
-              <a:t>Background</a:t>
-            </a:r>
-            <a:endParaRPr kumimoji="1" lang="ja-JP" altLang="en-US"/>
-          </a:p>
-        </p:txBody>
-      </p:sp>
-      <p:sp>
-        <p:nvSpPr>
-          <p:cNvPr id="3" name="コンテンツ プレースホルダー 2">
-            <a:extLst>
-              <a:ext uri="{FF2B5EF4-FFF2-40B4-BE49-F238E27FC236}">
-                <a16:creationId xmlns:a16="http://schemas.microsoft.com/office/drawing/2014/main" id="{AD3B2DD4-96C6-BB42-93C1-3859304F6137}"/>
-              </a:ext>
-            </a:extLst>
-          </p:cNvPr>
-          <p:cNvSpPr>
-            <a:spLocks noGrp="1"/>
-          </p:cNvSpPr>
-          <p:nvPr>
-            <p:ph idx="1"/>
-          </p:nvPr>
-        </p:nvSpPr>
-        <p:spPr/>
-        <p:txBody>
-          <a:bodyPr>
-            <a:normAutofit/>
-          </a:bodyPr>
-          <a:lstStyle/>
-          <a:p>
-            <a:r>
-              <a:rPr lang="en-US" altLang="ja-JP" sz="2400" dirty="0"/>
-              <a:t>There are a lot of things that has to be considered</a:t>
-            </a:r>
-          </a:p>
-          <a:p>
-            <a:pPr lvl="1"/>
-            <a:r>
-              <a:rPr lang="en-US" altLang="ja-JP" sz="2200" dirty="0"/>
-              <a:t>Planning assignments that makes it easy to load and unload cars is important.</a:t>
-            </a:r>
-          </a:p>
-          <a:p>
-            <a:pPr lvl="1"/>
-            <a:r>
-              <a:rPr lang="en-US" altLang="ja-JP" sz="2200" dirty="0"/>
-              <a:t>Human error should not happen.</a:t>
-            </a:r>
-          </a:p>
-          <a:p>
-            <a:pPr lvl="1"/>
-            <a:r>
-              <a:rPr lang="en-US" altLang="ja-JP" sz="2400" dirty="0"/>
-              <a:t>Unbalanced assignments may result in a sinking.</a:t>
-            </a:r>
-          </a:p>
-        </p:txBody>
-      </p:sp>
-      <p:sp>
-        <p:nvSpPr>
-          <p:cNvPr id="4" name="スライド番号プレースホルダー 3">
-            <a:extLst>
-              <a:ext uri="{FF2B5EF4-FFF2-40B4-BE49-F238E27FC236}">
-                <a16:creationId xmlns:a16="http://schemas.microsoft.com/office/drawing/2014/main" id="{D11A346B-5DC2-0B44-81D9-55291BD59FF5}"/>
-              </a:ext>
-            </a:extLst>
-          </p:cNvPr>
-          <p:cNvSpPr>
-            <a:spLocks noGrp="1"/>
-          </p:cNvSpPr>
-          <p:nvPr>
-            <p:ph type="sldNum" sz="quarter" idx="12"/>
-          </p:nvPr>
-        </p:nvSpPr>
-        <p:spPr/>
-        <p:txBody>
-          <a:bodyPr/>
-          <a:lstStyle/>
-          <a:p>
-            <a:fld id="{1413D9FB-836C-864C-8E5A-36E5384B9725}" type="slidenum">
-              <a:rPr kumimoji="1" lang="ja-JP" altLang="en-US" smtClean="0"/>
-              <a:t>5</a:t>
-            </a:fld>
-            <a:endParaRPr kumimoji="1" lang="ja-JP" altLang="en-US"/>
-          </a:p>
-        </p:txBody>
-      </p:sp>
-    </p:spTree>
-    <p:extLst>
-      <p:ext uri="{BB962C8B-B14F-4D97-AF65-F5344CB8AC3E}">
-        <p14:creationId xmlns:p14="http://schemas.microsoft.com/office/powerpoint/2010/main" val="3649340498"/>
-      </p:ext>
-    </p:extLst>
-  </p:cSld>
-  <p:clrMapOvr>
-    <a:masterClrMapping/>
-  </p:clrMapOvr>
-</p:sld>
-</file>
-
-<file path=ppt/slides/slide50.xml><?xml version="1.0" encoding="utf-8"?>
+<file path=ppt/slides/slide48.xml><?xml version="1.0" encoding="utf-8"?>
 <p:sld xmlns:a="http://schemas.openxmlformats.org/drawingml/2006/main" xmlns:r="http://schemas.openxmlformats.org/officeDocument/2006/relationships" xmlns:p="http://schemas.openxmlformats.org/presentationml/2006/main">
   <p:cSld>
     <p:spTree>
@@ -26593,7 +26121,7 @@
           <a:p>
             <a:fld id="{1413D9FB-836C-864C-8E5A-36E5384B9725}" type="slidenum">
               <a:rPr kumimoji="1" lang="ja-JP" altLang="en-US" smtClean="0"/>
-              <a:t>50</a:t>
+              <a:t>48</a:t>
             </a:fld>
             <a:endParaRPr kumimoji="1" lang="ja-JP" altLang="en-US"/>
           </a:p>
@@ -26612,7 +26140,7 @@
 </p:sld>
 </file>
 
-<file path=ppt/slides/slide51.xml><?xml version="1.0" encoding="utf-8"?>
+<file path=ppt/slides/slide49.xml><?xml version="1.0" encoding="utf-8"?>
 <p:sld xmlns:a="http://schemas.openxmlformats.org/drawingml/2006/main" xmlns:r="http://schemas.openxmlformats.org/officeDocument/2006/relationships" xmlns:p="http://schemas.openxmlformats.org/presentationml/2006/main">
   <p:cSld>
     <p:spTree>
@@ -27099,7 +26627,7 @@
           <a:p>
             <a:fld id="{1413D9FB-836C-864C-8E5A-36E5384B9725}" type="slidenum">
               <a:rPr kumimoji="1" lang="ja-JP" altLang="en-US" smtClean="0"/>
-              <a:t>51</a:t>
+              <a:t>49</a:t>
             </a:fld>
             <a:endParaRPr kumimoji="1" lang="ja-JP" altLang="en-US"/>
           </a:p>
@@ -27118,7 +26646,7 @@
 </p:sld>
 </file>
 
-<file path=ppt/slides/slide52.xml><?xml version="1.0" encoding="utf-8"?>
+<file path=ppt/slides/slide5.xml><?xml version="1.0" encoding="utf-8"?>
 <p:sld xmlns:a="http://schemas.openxmlformats.org/drawingml/2006/main" xmlns:r="http://schemas.openxmlformats.org/officeDocument/2006/relationships" xmlns:p="http://schemas.openxmlformats.org/presentationml/2006/main">
   <p:cSld>
     <p:spTree>
@@ -27140,6 +26668,145 @@
           <p:cNvPr id="2" name="タイトル 1">
             <a:extLst>
               <a:ext uri="{FF2B5EF4-FFF2-40B4-BE49-F238E27FC236}">
+                <a16:creationId xmlns:a16="http://schemas.microsoft.com/office/drawing/2014/main" id="{03DC7BD9-E43D-E442-9A49-33395737C89D}"/>
+              </a:ext>
+            </a:extLst>
+          </p:cNvPr>
+          <p:cNvSpPr>
+            <a:spLocks noGrp="1"/>
+          </p:cNvSpPr>
+          <p:nvPr>
+            <p:ph type="title"/>
+          </p:nvPr>
+        </p:nvSpPr>
+        <p:spPr/>
+        <p:txBody>
+          <a:bodyPr/>
+          <a:lstStyle/>
+          <a:p>
+            <a:r>
+              <a:rPr kumimoji="1" lang="en-US" altLang="ja-JP" dirty="0"/>
+              <a:t>Background</a:t>
+            </a:r>
+            <a:endParaRPr kumimoji="1" lang="ja-JP" altLang="en-US"/>
+          </a:p>
+        </p:txBody>
+      </p:sp>
+      <p:sp>
+        <p:nvSpPr>
+          <p:cNvPr id="3" name="コンテンツ プレースホルダー 2">
+            <a:extLst>
+              <a:ext uri="{FF2B5EF4-FFF2-40B4-BE49-F238E27FC236}">
+                <a16:creationId xmlns:a16="http://schemas.microsoft.com/office/drawing/2014/main" id="{AD3B2DD4-96C6-BB42-93C1-3859304F6137}"/>
+              </a:ext>
+            </a:extLst>
+          </p:cNvPr>
+          <p:cNvSpPr>
+            <a:spLocks noGrp="1"/>
+          </p:cNvSpPr>
+          <p:nvPr>
+            <p:ph idx="1"/>
+          </p:nvPr>
+        </p:nvSpPr>
+        <p:spPr/>
+        <p:txBody>
+          <a:bodyPr>
+            <a:normAutofit/>
+          </a:bodyPr>
+          <a:lstStyle/>
+          <a:p>
+            <a:r>
+              <a:rPr lang="en-US" altLang="ja-JP" sz="2400" dirty="0"/>
+              <a:t>There are a lot of things that has to be considered</a:t>
+            </a:r>
+          </a:p>
+          <a:p>
+            <a:pPr lvl="1"/>
+            <a:r>
+              <a:rPr lang="en-US" altLang="ja-JP" sz="2200" dirty="0"/>
+              <a:t>Planning assignments that makes it easy to load and unload vehicles is important.</a:t>
+            </a:r>
+          </a:p>
+          <a:p>
+            <a:pPr lvl="1"/>
+            <a:r>
+              <a:rPr lang="en-US" altLang="ja-JP" sz="2200" dirty="0"/>
+              <a:t>Human error should not happen.</a:t>
+            </a:r>
+          </a:p>
+          <a:p>
+            <a:pPr lvl="1"/>
+            <a:r>
+              <a:rPr lang="en-US" altLang="ja-JP" sz="2400" dirty="0"/>
+              <a:t>Unbalanced assignments may result in a sinking.</a:t>
+            </a:r>
+          </a:p>
+        </p:txBody>
+      </p:sp>
+      <p:sp>
+        <p:nvSpPr>
+          <p:cNvPr id="4" name="スライド番号プレースホルダー 3">
+            <a:extLst>
+              <a:ext uri="{FF2B5EF4-FFF2-40B4-BE49-F238E27FC236}">
+                <a16:creationId xmlns:a16="http://schemas.microsoft.com/office/drawing/2014/main" id="{D11A346B-5DC2-0B44-81D9-55291BD59FF5}"/>
+              </a:ext>
+            </a:extLst>
+          </p:cNvPr>
+          <p:cNvSpPr>
+            <a:spLocks noGrp="1"/>
+          </p:cNvSpPr>
+          <p:nvPr>
+            <p:ph type="sldNum" sz="quarter" idx="12"/>
+          </p:nvPr>
+        </p:nvSpPr>
+        <p:spPr/>
+        <p:txBody>
+          <a:bodyPr/>
+          <a:lstStyle/>
+          <a:p>
+            <a:fld id="{1413D9FB-836C-864C-8E5A-36E5384B9725}" type="slidenum">
+              <a:rPr kumimoji="1" lang="ja-JP" altLang="en-US" smtClean="0"/>
+              <a:t>5</a:t>
+            </a:fld>
+            <a:endParaRPr kumimoji="1" lang="ja-JP" altLang="en-US"/>
+          </a:p>
+        </p:txBody>
+      </p:sp>
+    </p:spTree>
+    <p:extLst>
+      <p:ext uri="{BB962C8B-B14F-4D97-AF65-F5344CB8AC3E}">
+        <p14:creationId xmlns:p14="http://schemas.microsoft.com/office/powerpoint/2010/main" val="3649340498"/>
+      </p:ext>
+    </p:extLst>
+  </p:cSld>
+  <p:clrMapOvr>
+    <a:masterClrMapping/>
+  </p:clrMapOvr>
+</p:sld>
+</file>
+
+<file path=ppt/slides/slide50.xml><?xml version="1.0" encoding="utf-8"?>
+<p:sld xmlns:a="http://schemas.openxmlformats.org/drawingml/2006/main" xmlns:r="http://schemas.openxmlformats.org/officeDocument/2006/relationships" xmlns:p="http://schemas.openxmlformats.org/presentationml/2006/main">
+  <p:cSld>
+    <p:spTree>
+      <p:nvGrpSpPr>
+        <p:cNvPr id="1" name=""/>
+        <p:cNvGrpSpPr/>
+        <p:nvPr/>
+      </p:nvGrpSpPr>
+      <p:grpSpPr>
+        <a:xfrm>
+          <a:off x="0" y="0"/>
+          <a:ext cx="0" cy="0"/>
+          <a:chOff x="0" y="0"/>
+          <a:chExt cx="0" cy="0"/>
+        </a:xfrm>
+      </p:grpSpPr>
+      <p:sp>
+        <p:nvSpPr>
+          <p:cNvPr id="2" name="タイトル 1">
+            <a:extLst>
+              <a:ext uri="{FF2B5EF4-FFF2-40B4-BE49-F238E27FC236}">
                 <a16:creationId xmlns:a16="http://schemas.microsoft.com/office/drawing/2014/main" id="{546CADF5-44DE-ED46-8CE2-50B894135079}"/>
               </a:ext>
             </a:extLst>
@@ -27249,7 +26916,7 @@
           <a:p>
             <a:fld id="{1413D9FB-836C-864C-8E5A-36E5384B9725}" type="slidenum">
               <a:rPr kumimoji="1" lang="ja-JP" altLang="en-US" smtClean="0"/>
-              <a:t>52</a:t>
+              <a:t>50</a:t>
             </a:fld>
             <a:endParaRPr kumimoji="1" lang="ja-JP" altLang="en-US"/>
           </a:p>
@@ -27268,7 +26935,7 @@
 </p:sld>
 </file>
 
-<file path=ppt/slides/slide53.xml><?xml version="1.0" encoding="utf-8"?>
+<file path=ppt/slides/slide51.xml><?xml version="1.0" encoding="utf-8"?>
 <p:sld xmlns:a="http://schemas.openxmlformats.org/drawingml/2006/main" xmlns:r="http://schemas.openxmlformats.org/officeDocument/2006/relationships" xmlns:p="http://schemas.openxmlformats.org/presentationml/2006/main">
   <p:cSld>
     <p:spTree>
@@ -27646,7 +27313,7 @@
           <a:p>
             <a:fld id="{1413D9FB-836C-864C-8E5A-36E5384B9725}" type="slidenum">
               <a:rPr kumimoji="1" lang="ja-JP" altLang="en-US" smtClean="0"/>
-              <a:t>53</a:t>
+              <a:t>51</a:t>
             </a:fld>
             <a:endParaRPr kumimoji="1" lang="ja-JP" altLang="en-US"/>
           </a:p>
@@ -27665,7 +27332,7 @@
 </p:sld>
 </file>
 
-<file path=ppt/slides/slide54.xml><?xml version="1.0" encoding="utf-8"?>
+<file path=ppt/slides/slide52.xml><?xml version="1.0" encoding="utf-8"?>
 <p:sld xmlns:a="http://schemas.openxmlformats.org/drawingml/2006/main" xmlns:r="http://schemas.openxmlformats.org/officeDocument/2006/relationships" xmlns:p="http://schemas.openxmlformats.org/presentationml/2006/main">
   <p:cSld>
     <p:spTree>
@@ -28043,7 +27710,7 @@
           <a:p>
             <a:fld id="{1413D9FB-836C-864C-8E5A-36E5384B9725}" type="slidenum">
               <a:rPr kumimoji="1" lang="ja-JP" altLang="en-US" smtClean="0"/>
-              <a:t>54</a:t>
+              <a:t>52</a:t>
             </a:fld>
             <a:endParaRPr kumimoji="1" lang="ja-JP" altLang="en-US"/>
           </a:p>
@@ -28053,6 +27720,342 @@
     <p:extLst>
       <p:ext uri="{BB962C8B-B14F-4D97-AF65-F5344CB8AC3E}">
         <p14:creationId xmlns:p14="http://schemas.microsoft.com/office/powerpoint/2010/main" val="3973483634"/>
+      </p:ext>
+    </p:extLst>
+  </p:cSld>
+  <p:clrMapOvr>
+    <a:masterClrMapping/>
+  </p:clrMapOvr>
+</p:sld>
+</file>
+
+<file path=ppt/slides/slide53.xml><?xml version="1.0" encoding="utf-8"?>
+<p:sld xmlns:a="http://schemas.openxmlformats.org/drawingml/2006/main" xmlns:r="http://schemas.openxmlformats.org/officeDocument/2006/relationships" xmlns:p="http://schemas.openxmlformats.org/presentationml/2006/main">
+  <p:cSld>
+    <p:spTree>
+      <p:nvGrpSpPr>
+        <p:cNvPr id="1" name=""/>
+        <p:cNvGrpSpPr/>
+        <p:nvPr/>
+      </p:nvGrpSpPr>
+      <p:grpSpPr>
+        <a:xfrm>
+          <a:off x="0" y="0"/>
+          <a:ext cx="0" cy="0"/>
+          <a:chOff x="0" y="0"/>
+          <a:chExt cx="0" cy="0"/>
+        </a:xfrm>
+      </p:grpSpPr>
+      <p:sp>
+        <p:nvSpPr>
+          <p:cNvPr id="2" name="タイトル 1">
+            <a:extLst>
+              <a:ext uri="{FF2B5EF4-FFF2-40B4-BE49-F238E27FC236}">
+                <a16:creationId xmlns:a16="http://schemas.microsoft.com/office/drawing/2014/main" id="{531AE33E-1F70-7949-9F8B-070B10EEC187}"/>
+              </a:ext>
+            </a:extLst>
+          </p:cNvPr>
+          <p:cNvSpPr>
+            <a:spLocks noGrp="1"/>
+          </p:cNvSpPr>
+          <p:nvPr>
+            <p:ph type="title"/>
+          </p:nvPr>
+        </p:nvSpPr>
+        <p:spPr/>
+        <p:txBody>
+          <a:bodyPr/>
+          <a:lstStyle/>
+          <a:p>
+            <a:r>
+              <a:rPr lang="en-US" altLang="ja-JP" dirty="0"/>
+              <a:t>Detailed Segment</a:t>
+            </a:r>
+            <a:endParaRPr kumimoji="1" lang="ja-JP" altLang="en-US"/>
+          </a:p>
+        </p:txBody>
+      </p:sp>
+      <p:pic>
+        <p:nvPicPr>
+          <p:cNvPr id="5" name="コンテンツ プレースホルダー 4">
+            <a:extLst>
+              <a:ext uri="{FF2B5EF4-FFF2-40B4-BE49-F238E27FC236}">
+                <a16:creationId xmlns:a16="http://schemas.microsoft.com/office/drawing/2014/main" id="{B9457E1D-F013-A342-A3D1-47C286D004BC}"/>
+              </a:ext>
+            </a:extLst>
+          </p:cNvPr>
+          <p:cNvPicPr>
+            <a:picLocks noGrp="1" noChangeAspect="1"/>
+          </p:cNvPicPr>
+          <p:nvPr>
+            <p:ph idx="1"/>
+          </p:nvPr>
+        </p:nvPicPr>
+        <p:blipFill>
+          <a:blip r:embed="rId2"/>
+          <a:stretch>
+            <a:fillRect/>
+          </a:stretch>
+        </p:blipFill>
+        <p:spPr>
+          <a:xfrm>
+            <a:off x="1554693" y="2238233"/>
+            <a:ext cx="4051732" cy="3493827"/>
+          </a:xfrm>
+        </p:spPr>
+      </p:pic>
+      <p:sp>
+        <p:nvSpPr>
+          <p:cNvPr id="6" name="テキスト ボックス 5">
+            <a:extLst>
+              <a:ext uri="{FF2B5EF4-FFF2-40B4-BE49-F238E27FC236}">
+                <a16:creationId xmlns:a16="http://schemas.microsoft.com/office/drawing/2014/main" id="{AC098C05-FF14-6044-BFC6-396A4D238EFA}"/>
+              </a:ext>
+            </a:extLst>
+          </p:cNvPr>
+          <p:cNvSpPr txBox="1"/>
+          <p:nvPr/>
+        </p:nvSpPr>
+        <p:spPr>
+          <a:xfrm>
+            <a:off x="5964072" y="3562066"/>
+            <a:ext cx="415498" cy="369332"/>
+          </a:xfrm>
+          <a:prstGeom prst="rect">
+            <a:avLst/>
+          </a:prstGeom>
+          <a:noFill/>
+        </p:spPr>
+        <p:txBody>
+          <a:bodyPr wrap="none" rtlCol="0">
+            <a:spAutoFit/>
+          </a:bodyPr>
+          <a:lstStyle/>
+          <a:p>
+            <a:r>
+              <a:rPr kumimoji="1" lang="ja-JP" altLang="en-US"/>
+              <a:t>→</a:t>
+            </a:r>
+          </a:p>
+        </p:txBody>
+      </p:sp>
+      <p:pic>
+        <p:nvPicPr>
+          <p:cNvPr id="8" name="図 7">
+            <a:extLst>
+              <a:ext uri="{FF2B5EF4-FFF2-40B4-BE49-F238E27FC236}">
+                <a16:creationId xmlns:a16="http://schemas.microsoft.com/office/drawing/2014/main" id="{101DCCF4-FB0F-BC4D-AE09-263BEE099105}"/>
+              </a:ext>
+            </a:extLst>
+          </p:cNvPr>
+          <p:cNvPicPr>
+            <a:picLocks noChangeAspect="1"/>
+          </p:cNvPicPr>
+          <p:nvPr/>
+        </p:nvPicPr>
+        <p:blipFill>
+          <a:blip r:embed="rId3"/>
+          <a:stretch>
+            <a:fillRect/>
+          </a:stretch>
+        </p:blipFill>
+        <p:spPr>
+          <a:xfrm>
+            <a:off x="6737217" y="2238232"/>
+            <a:ext cx="4346732" cy="3493827"/>
+          </a:xfrm>
+          <a:prstGeom prst="rect">
+            <a:avLst/>
+          </a:prstGeom>
+        </p:spPr>
+      </p:pic>
+      <p:sp>
+        <p:nvSpPr>
+          <p:cNvPr id="3" name="スライド番号プレースホルダー 2">
+            <a:extLst>
+              <a:ext uri="{FF2B5EF4-FFF2-40B4-BE49-F238E27FC236}">
+                <a16:creationId xmlns:a16="http://schemas.microsoft.com/office/drawing/2014/main" id="{73B0E6E6-CC02-3143-8571-41DB9C144572}"/>
+              </a:ext>
+            </a:extLst>
+          </p:cNvPr>
+          <p:cNvSpPr>
+            <a:spLocks noGrp="1"/>
+          </p:cNvSpPr>
+          <p:nvPr>
+            <p:ph type="sldNum" sz="quarter" idx="12"/>
+          </p:nvPr>
+        </p:nvSpPr>
+        <p:spPr/>
+        <p:txBody>
+          <a:bodyPr/>
+          <a:lstStyle/>
+          <a:p>
+            <a:fld id="{1413D9FB-836C-864C-8E5A-36E5384B9725}" type="slidenum">
+              <a:rPr kumimoji="1" lang="ja-JP" altLang="en-US" smtClean="0"/>
+              <a:t>53</a:t>
+            </a:fld>
+            <a:endParaRPr kumimoji="1" lang="ja-JP" altLang="en-US"/>
+          </a:p>
+        </p:txBody>
+      </p:sp>
+    </p:spTree>
+    <p:extLst>
+      <p:ext uri="{BB962C8B-B14F-4D97-AF65-F5344CB8AC3E}">
+        <p14:creationId xmlns:p14="http://schemas.microsoft.com/office/powerpoint/2010/main" val="3933843285"/>
+      </p:ext>
+    </p:extLst>
+  </p:cSld>
+  <p:clrMapOvr>
+    <a:masterClrMapping/>
+  </p:clrMapOvr>
+</p:sld>
+</file>
+
+<file path=ppt/slides/slide54.xml><?xml version="1.0" encoding="utf-8"?>
+<p:sld xmlns:a="http://schemas.openxmlformats.org/drawingml/2006/main" xmlns:r="http://schemas.openxmlformats.org/officeDocument/2006/relationships" xmlns:p="http://schemas.openxmlformats.org/presentationml/2006/main">
+  <p:cSld>
+    <p:spTree>
+      <p:nvGrpSpPr>
+        <p:cNvPr id="1" name=""/>
+        <p:cNvGrpSpPr/>
+        <p:nvPr/>
+      </p:nvGrpSpPr>
+      <p:grpSpPr>
+        <a:xfrm>
+          <a:off x="0" y="0"/>
+          <a:ext cx="0" cy="0"/>
+          <a:chOff x="0" y="0"/>
+          <a:chExt cx="0" cy="0"/>
+        </a:xfrm>
+      </p:grpSpPr>
+      <p:sp>
+        <p:nvSpPr>
+          <p:cNvPr id="2" name="タイトル 1">
+            <a:extLst>
+              <a:ext uri="{FF2B5EF4-FFF2-40B4-BE49-F238E27FC236}">
+                <a16:creationId xmlns:a16="http://schemas.microsoft.com/office/drawing/2014/main" id="{FDC6E643-84C1-D84A-A5EC-DEBAA379F4FF}"/>
+              </a:ext>
+            </a:extLst>
+          </p:cNvPr>
+          <p:cNvSpPr>
+            <a:spLocks noGrp="1"/>
+          </p:cNvSpPr>
+          <p:nvPr>
+            <p:ph type="title"/>
+          </p:nvPr>
+        </p:nvSpPr>
+        <p:spPr/>
+        <p:txBody>
+          <a:bodyPr/>
+          <a:lstStyle/>
+          <a:p>
+            <a:r>
+              <a:rPr lang="en" altLang="ja-JP" dirty="0"/>
+              <a:t>Assigning to hold</a:t>
+            </a:r>
+            <a:endParaRPr kumimoji="1" lang="ja-JP" altLang="en-US"/>
+          </a:p>
+        </p:txBody>
+      </p:sp>
+      <p:sp>
+        <p:nvSpPr>
+          <p:cNvPr id="3" name="コンテンツ プレースホルダー 2">
+            <a:extLst>
+              <a:ext uri="{FF2B5EF4-FFF2-40B4-BE49-F238E27FC236}">
+                <a16:creationId xmlns:a16="http://schemas.microsoft.com/office/drawing/2014/main" id="{87DA18FE-55DE-054F-B0FC-BCAE58372308}"/>
+              </a:ext>
+            </a:extLst>
+          </p:cNvPr>
+          <p:cNvSpPr>
+            <a:spLocks noGrp="1"/>
+          </p:cNvSpPr>
+          <p:nvPr>
+            <p:ph idx="1"/>
+          </p:nvPr>
+        </p:nvSpPr>
+        <p:spPr/>
+        <p:txBody>
+          <a:bodyPr>
+            <a:normAutofit/>
+          </a:bodyPr>
+          <a:lstStyle/>
+          <a:p>
+            <a:r>
+              <a:rPr lang="en" altLang="ja-JP" sz="2400" dirty="0"/>
+              <a:t>Given an array of booking assigned to segments, we assign the bookings to holds based on the rules.</a:t>
+            </a:r>
+          </a:p>
+          <a:p>
+            <a:r>
+              <a:rPr lang="en" altLang="ja-JP" sz="2400" dirty="0"/>
+              <a:t>We load the vehicles from the back hold </a:t>
+            </a:r>
+            <a:r>
+              <a:rPr lang="en-US" altLang="ja-JP" sz="2400" dirty="0"/>
+              <a:t>while satisfying the travel routes constraints.</a:t>
+            </a:r>
+          </a:p>
+          <a:p>
+            <a:r>
+              <a:rPr lang="en" altLang="ja-JP" sz="2400" dirty="0"/>
+              <a:t>Other constraints or objectives are calculated in</a:t>
+            </a:r>
+            <a:r>
+              <a:rPr lang="en-US" altLang="ja-JP" sz="2400" dirty="0"/>
+              <a:t> the</a:t>
+            </a:r>
+            <a:r>
+              <a:rPr lang="en" altLang="ja-JP" sz="2400" dirty="0"/>
+              <a:t> evaluate function.</a:t>
+            </a:r>
+          </a:p>
+          <a:p>
+            <a:endParaRPr lang="en" altLang="ja-JP" sz="2400" dirty="0"/>
+          </a:p>
+          <a:p>
+            <a:endParaRPr lang="en-US" altLang="ja-JP" sz="2400" dirty="0"/>
+          </a:p>
+          <a:p>
+            <a:endParaRPr lang="en" altLang="ja-JP" sz="2400" dirty="0"/>
+          </a:p>
+          <a:p>
+            <a:endParaRPr kumimoji="1" lang="en" altLang="ja-JP" sz="2400" dirty="0"/>
+          </a:p>
+        </p:txBody>
+      </p:sp>
+      <p:sp>
+        <p:nvSpPr>
+          <p:cNvPr id="4" name="スライド番号プレースホルダー 3">
+            <a:extLst>
+              <a:ext uri="{FF2B5EF4-FFF2-40B4-BE49-F238E27FC236}">
+                <a16:creationId xmlns:a16="http://schemas.microsoft.com/office/drawing/2014/main" id="{C66FFA7B-DEFA-7A40-8B60-B0D2386C65E2}"/>
+              </a:ext>
+            </a:extLst>
+          </p:cNvPr>
+          <p:cNvSpPr>
+            <a:spLocks noGrp="1"/>
+          </p:cNvSpPr>
+          <p:nvPr>
+            <p:ph type="sldNum" sz="quarter" idx="12"/>
+          </p:nvPr>
+        </p:nvSpPr>
+        <p:spPr/>
+        <p:txBody>
+          <a:bodyPr/>
+          <a:lstStyle/>
+          <a:p>
+            <a:fld id="{1413D9FB-836C-864C-8E5A-36E5384B9725}" type="slidenum">
+              <a:rPr kumimoji="1" lang="ja-JP" altLang="en-US" smtClean="0"/>
+              <a:t>54</a:t>
+            </a:fld>
+            <a:endParaRPr kumimoji="1" lang="ja-JP" altLang="en-US"/>
+          </a:p>
+        </p:txBody>
+      </p:sp>
+    </p:spTree>
+    <p:extLst>
+      <p:ext uri="{BB962C8B-B14F-4D97-AF65-F5344CB8AC3E}">
+        <p14:creationId xmlns:p14="http://schemas.microsoft.com/office/powerpoint/2010/main" val="1840310504"/>
       </p:ext>
     </p:extLst>
   </p:cSld>
@@ -35412,6 +35415,352 @@
       </p:grpSpPr>
       <p:sp>
         <p:nvSpPr>
+          <p:cNvPr id="2" name="タイトル 1">
+            <a:extLst>
+              <a:ext uri="{FF2B5EF4-FFF2-40B4-BE49-F238E27FC236}">
+                <a16:creationId xmlns:a16="http://schemas.microsoft.com/office/drawing/2014/main" id="{A1A8B07D-6CCE-FB44-B6F2-0060DFEC85FE}"/>
+              </a:ext>
+            </a:extLst>
+          </p:cNvPr>
+          <p:cNvSpPr>
+            <a:spLocks noGrp="1"/>
+          </p:cNvSpPr>
+          <p:nvPr>
+            <p:ph type="title"/>
+          </p:nvPr>
+        </p:nvSpPr>
+        <p:spPr/>
+        <p:txBody>
+          <a:bodyPr/>
+          <a:lstStyle/>
+          <a:p>
+            <a:r>
+              <a:rPr kumimoji="1" lang="en-US" altLang="ja-JP" dirty="0"/>
+              <a:t>Booking definition</a:t>
+            </a:r>
+            <a:br>
+              <a:rPr kumimoji="1" lang="en-US" altLang="ja-JP" dirty="0"/>
+            </a:br>
+            <a:endParaRPr kumimoji="1" lang="ja-JP" altLang="en-US"/>
+          </a:p>
+        </p:txBody>
+      </p:sp>
+      <p:sp>
+        <p:nvSpPr>
+          <p:cNvPr id="3" name="コンテンツ プレースホルダー 2">
+            <a:extLst>
+              <a:ext uri="{FF2B5EF4-FFF2-40B4-BE49-F238E27FC236}">
+                <a16:creationId xmlns:a16="http://schemas.microsoft.com/office/drawing/2014/main" id="{4B9E269F-05A6-2844-83AE-AB30ED0C9367}"/>
+              </a:ext>
+            </a:extLst>
+          </p:cNvPr>
+          <p:cNvSpPr>
+            <a:spLocks noGrp="1"/>
+          </p:cNvSpPr>
+          <p:nvPr>
+            <p:ph idx="1"/>
+          </p:nvPr>
+        </p:nvSpPr>
+        <p:spPr>
+          <a:xfrm>
+            <a:off x="2138634" y="1905000"/>
+            <a:ext cx="9120567" cy="4427562"/>
+          </a:xfrm>
+        </p:spPr>
+        <p:txBody>
+          <a:bodyPr>
+            <a:normAutofit/>
+          </a:bodyPr>
+          <a:lstStyle/>
+          <a:p>
+            <a:r>
+              <a:rPr lang="en-US" altLang="ja-JP" sz="2400" dirty="0"/>
+              <a:t>We are given booking information.</a:t>
+            </a:r>
+          </a:p>
+          <a:p>
+            <a:pPr lvl="1"/>
+            <a:r>
+              <a:rPr kumimoji="1" lang="en-US" altLang="ja-JP" sz="2200" dirty="0"/>
+              <a:t>Booking ID</a:t>
+            </a:r>
+          </a:p>
+          <a:p>
+            <a:pPr lvl="1"/>
+            <a:r>
+              <a:rPr kumimoji="1" lang="en-US" altLang="ja-JP" sz="2200" dirty="0"/>
+              <a:t>Loading port</a:t>
+            </a:r>
+          </a:p>
+          <a:p>
+            <a:pPr lvl="1"/>
+            <a:r>
+              <a:rPr kumimoji="1" lang="en-US" altLang="ja-JP" sz="2200" dirty="0"/>
+              <a:t>Destination port</a:t>
+            </a:r>
+          </a:p>
+          <a:p>
+            <a:pPr lvl="1"/>
+            <a:r>
+              <a:rPr kumimoji="1" lang="en-US" altLang="ja-JP" sz="2200" dirty="0"/>
+              <a:t>Number of vehicles</a:t>
+            </a:r>
+          </a:p>
+          <a:p>
+            <a:pPr lvl="1"/>
+            <a:r>
+              <a:rPr lang="en-US" altLang="ja-JP" sz="2200" dirty="0"/>
+              <a:t>Size of vehicles </a:t>
+            </a:r>
+          </a:p>
+          <a:p>
+            <a:pPr lvl="1"/>
+            <a:r>
+              <a:rPr lang="en-US" altLang="ja-JP" sz="2200" dirty="0" err="1"/>
+              <a:t>et</a:t>
+            </a:r>
+            <a:r>
+              <a:rPr kumimoji="1" lang="en-US" altLang="ja-JP" sz="2200" dirty="0" err="1"/>
+              <a:t>c</a:t>
+            </a:r>
+            <a:r>
+              <a:rPr kumimoji="1" lang="en-US" altLang="ja-JP" sz="2200" dirty="0"/>
+              <a:t>…</a:t>
+            </a:r>
+          </a:p>
+        </p:txBody>
+      </p:sp>
+      <p:sp>
+        <p:nvSpPr>
+          <p:cNvPr id="4" name="スライド番号プレースホルダー 3">
+            <a:extLst>
+              <a:ext uri="{FF2B5EF4-FFF2-40B4-BE49-F238E27FC236}">
+                <a16:creationId xmlns:a16="http://schemas.microsoft.com/office/drawing/2014/main" id="{C2EB36A0-8DF7-6D4A-B5BA-5BFFA68F2216}"/>
+              </a:ext>
+            </a:extLst>
+          </p:cNvPr>
+          <p:cNvSpPr>
+            <a:spLocks noGrp="1"/>
+          </p:cNvSpPr>
+          <p:nvPr>
+            <p:ph type="sldNum" sz="quarter" idx="12"/>
+          </p:nvPr>
+        </p:nvSpPr>
+        <p:spPr/>
+        <p:txBody>
+          <a:bodyPr/>
+          <a:lstStyle/>
+          <a:p>
+            <a:fld id="{1413D9FB-836C-864C-8E5A-36E5384B9725}" type="slidenum">
+              <a:rPr kumimoji="1" lang="ja-JP" altLang="en-US" smtClean="0"/>
+              <a:t>7</a:t>
+            </a:fld>
+            <a:endParaRPr kumimoji="1" lang="ja-JP" altLang="en-US"/>
+          </a:p>
+        </p:txBody>
+      </p:sp>
+    </p:spTree>
+    <p:extLst>
+      <p:ext uri="{BB962C8B-B14F-4D97-AF65-F5344CB8AC3E}">
+        <p14:creationId xmlns:p14="http://schemas.microsoft.com/office/powerpoint/2010/main" val="2959332184"/>
+      </p:ext>
+    </p:extLst>
+  </p:cSld>
+  <p:clrMapOvr>
+    <a:masterClrMapping/>
+  </p:clrMapOvr>
+</p:sld>
+</file>
+
+<file path=ppt/slides/slide8.xml><?xml version="1.0" encoding="utf-8"?>
+<p:sld xmlns:a="http://schemas.openxmlformats.org/drawingml/2006/main" xmlns:r="http://schemas.openxmlformats.org/officeDocument/2006/relationships" xmlns:p="http://schemas.openxmlformats.org/presentationml/2006/main">
+  <p:cSld>
+    <p:spTree>
+      <p:nvGrpSpPr>
+        <p:cNvPr id="1" name=""/>
+        <p:cNvGrpSpPr/>
+        <p:nvPr/>
+      </p:nvGrpSpPr>
+      <p:grpSpPr>
+        <a:xfrm>
+          <a:off x="0" y="0"/>
+          <a:ext cx="0" cy="0"/>
+          <a:chOff x="0" y="0"/>
+          <a:chExt cx="0" cy="0"/>
+        </a:xfrm>
+      </p:grpSpPr>
+      <p:sp>
+        <p:nvSpPr>
+          <p:cNvPr id="2" name="タイトル 1">
+            <a:extLst>
+              <a:ext uri="{FF2B5EF4-FFF2-40B4-BE49-F238E27FC236}">
+                <a16:creationId xmlns:a16="http://schemas.microsoft.com/office/drawing/2014/main" id="{92047B87-2603-A144-964A-4BE3C1BE3111}"/>
+              </a:ext>
+            </a:extLst>
+          </p:cNvPr>
+          <p:cNvSpPr>
+            <a:spLocks noGrp="1"/>
+          </p:cNvSpPr>
+          <p:nvPr>
+            <p:ph type="title"/>
+          </p:nvPr>
+        </p:nvSpPr>
+        <p:spPr/>
+        <p:txBody>
+          <a:bodyPr/>
+          <a:lstStyle/>
+          <a:p>
+            <a:r>
+              <a:rPr lang="en-US" altLang="ja-JP" dirty="0"/>
+              <a:t>Ship</a:t>
+            </a:r>
+            <a:r>
+              <a:rPr kumimoji="1" lang="en-US" altLang="ja-JP" dirty="0"/>
+              <a:t> information</a:t>
+            </a:r>
+            <a:endParaRPr kumimoji="1" lang="ja-JP" altLang="en-US"/>
+          </a:p>
+        </p:txBody>
+      </p:sp>
+      <p:sp>
+        <p:nvSpPr>
+          <p:cNvPr id="3" name="コンテンツ プレースホルダー 2">
+            <a:extLst>
+              <a:ext uri="{FF2B5EF4-FFF2-40B4-BE49-F238E27FC236}">
+                <a16:creationId xmlns:a16="http://schemas.microsoft.com/office/drawing/2014/main" id="{49A4257B-C21A-9E4A-AAAF-C87FAC0753DF}"/>
+              </a:ext>
+            </a:extLst>
+          </p:cNvPr>
+          <p:cNvSpPr>
+            <a:spLocks noGrp="1"/>
+          </p:cNvSpPr>
+          <p:nvPr>
+            <p:ph idx="1"/>
+          </p:nvPr>
+        </p:nvSpPr>
+        <p:spPr/>
+        <p:txBody>
+          <a:bodyPr>
+            <a:normAutofit/>
+          </a:bodyPr>
+          <a:lstStyle/>
+          <a:p>
+            <a:r>
+              <a:rPr lang="en-US" altLang="ja-JP" sz="2400" dirty="0"/>
+              <a:t>We are also given ship </a:t>
+            </a:r>
+            <a:r>
+              <a:rPr kumimoji="1" lang="en-US" altLang="ja-JP" sz="2400" dirty="0"/>
+              <a:t>information.</a:t>
+            </a:r>
+          </a:p>
+          <a:p>
+            <a:pPr lvl="1"/>
+            <a:r>
+              <a:rPr lang="en" altLang="ja-JP" sz="2400" dirty="0"/>
+              <a:t>How many holds exist.</a:t>
+            </a:r>
+          </a:p>
+          <a:p>
+            <a:pPr lvl="1"/>
+            <a:r>
+              <a:rPr lang="en" altLang="ja-JP" sz="2400" dirty="0"/>
+              <a:t>How large each hold is. </a:t>
+            </a:r>
+          </a:p>
+          <a:p>
+            <a:pPr lvl="1"/>
+            <a:r>
+              <a:rPr lang="en" altLang="ja-JP" sz="2400" dirty="0"/>
+              <a:t>Which holds are connected.</a:t>
+            </a:r>
+          </a:p>
+          <a:p>
+            <a:pPr lvl="1"/>
+            <a:r>
+              <a:rPr lang="en" altLang="ja-JP" sz="2400" dirty="0" err="1"/>
+              <a:t>etc</a:t>
+            </a:r>
+            <a:r>
+              <a:rPr lang="en" altLang="ja-JP" sz="2400" dirty="0"/>
+              <a:t>…</a:t>
+            </a:r>
+          </a:p>
+          <a:p>
+            <a:pPr lvl="1"/>
+            <a:endParaRPr lang="en" altLang="ja-JP" sz="2400" dirty="0"/>
+          </a:p>
+          <a:p>
+            <a:pPr lvl="1"/>
+            <a:endParaRPr lang="en" altLang="ja-JP" sz="2400" dirty="0"/>
+          </a:p>
+          <a:p>
+            <a:pPr lvl="1"/>
+            <a:endParaRPr kumimoji="1" lang="ja-JP" altLang="en-US" sz="2400"/>
+          </a:p>
+        </p:txBody>
+      </p:sp>
+      <p:sp>
+        <p:nvSpPr>
+          <p:cNvPr id="4" name="スライド番号プレースホルダー 3">
+            <a:extLst>
+              <a:ext uri="{FF2B5EF4-FFF2-40B4-BE49-F238E27FC236}">
+                <a16:creationId xmlns:a16="http://schemas.microsoft.com/office/drawing/2014/main" id="{943FDBF8-C640-D34B-AA2F-82D472B67067}"/>
+              </a:ext>
+            </a:extLst>
+          </p:cNvPr>
+          <p:cNvSpPr>
+            <a:spLocks noGrp="1"/>
+          </p:cNvSpPr>
+          <p:nvPr>
+            <p:ph type="sldNum" sz="quarter" idx="12"/>
+          </p:nvPr>
+        </p:nvSpPr>
+        <p:spPr/>
+        <p:txBody>
+          <a:bodyPr/>
+          <a:lstStyle/>
+          <a:p>
+            <a:fld id="{1413D9FB-836C-864C-8E5A-36E5384B9725}" type="slidenum">
+              <a:rPr kumimoji="1" lang="ja-JP" altLang="en-US" smtClean="0"/>
+              <a:t>8</a:t>
+            </a:fld>
+            <a:endParaRPr kumimoji="1" lang="ja-JP" altLang="en-US"/>
+          </a:p>
+        </p:txBody>
+      </p:sp>
+    </p:spTree>
+    <p:extLst>
+      <p:ext uri="{BB962C8B-B14F-4D97-AF65-F5344CB8AC3E}">
+        <p14:creationId xmlns:p14="http://schemas.microsoft.com/office/powerpoint/2010/main" val="2696231861"/>
+      </p:ext>
+    </p:extLst>
+  </p:cSld>
+  <p:clrMapOvr>
+    <a:masterClrMapping/>
+  </p:clrMapOvr>
+</p:sld>
+</file>
+
+<file path=ppt/slides/slide9.xml><?xml version="1.0" encoding="utf-8"?>
+<p:sld xmlns:a="http://schemas.openxmlformats.org/drawingml/2006/main" xmlns:r="http://schemas.openxmlformats.org/officeDocument/2006/relationships" xmlns:p="http://schemas.openxmlformats.org/presentationml/2006/main">
+  <p:cSld>
+    <p:spTree>
+      <p:nvGrpSpPr>
+        <p:cNvPr id="1" name=""/>
+        <p:cNvGrpSpPr/>
+        <p:nvPr/>
+      </p:nvGrpSpPr>
+      <p:grpSpPr>
+        <a:xfrm>
+          <a:off x="0" y="0"/>
+          <a:ext cx="0" cy="0"/>
+          <a:chOff x="0" y="0"/>
+          <a:chExt cx="0" cy="0"/>
+        </a:xfrm>
+      </p:grpSpPr>
+      <p:sp>
+        <p:nvSpPr>
           <p:cNvPr id="3" name="コンテンツ プレースホルダー 2">
             <a:extLst>
               <a:ext uri="{FF2B5EF4-FFF2-40B4-BE49-F238E27FC236}">
@@ -35428,8 +35777,8 @@
         </p:nvSpPr>
         <p:spPr>
           <a:xfrm>
-            <a:off x="2591068" y="1736073"/>
-            <a:ext cx="8915400" cy="3777622"/>
+            <a:off x="2214640" y="1736073"/>
+            <a:ext cx="9464139" cy="3777622"/>
           </a:xfrm>
         </p:spPr>
         <p:txBody>
@@ -35440,13 +35789,13 @@
           <a:p>
             <a:r>
               <a:rPr lang="en-US" altLang="ja-JP" sz="2400" dirty="0"/>
-              <a:t>We consider a ship that has 12 decks (floors).</a:t>
+              <a:t>In this research, we consider a ship that has 12 floors.</a:t>
             </a:r>
           </a:p>
           <a:p>
             <a:r>
               <a:rPr lang="en-US" altLang="ja-JP" sz="2400" dirty="0"/>
-              <a:t>Each deck has up to 4 holds</a:t>
+              <a:t>Each floor has up to 4 holds.</a:t>
             </a:r>
           </a:p>
         </p:txBody>
@@ -35473,7 +35822,7 @@
         </p:blipFill>
         <p:spPr>
           <a:xfrm>
-            <a:off x="2589212" y="3384645"/>
+            <a:off x="2479283" y="3161494"/>
             <a:ext cx="4726017" cy="3093966"/>
           </a:xfrm>
           <a:prstGeom prst="rect">
@@ -35495,7 +35844,7 @@
         </p:nvCxnSpPr>
         <p:spPr>
           <a:xfrm flipV="1">
-            <a:off x="6794612" y="5336275"/>
+            <a:off x="6720102" y="5109352"/>
             <a:ext cx="998260" cy="354841"/>
           </a:xfrm>
           <a:prstGeom prst="line">
@@ -35531,7 +35880,7 @@
         </p:nvCxnSpPr>
         <p:spPr>
           <a:xfrm flipV="1">
-            <a:off x="6946710" y="4776716"/>
+            <a:off x="6796151" y="4586838"/>
             <a:ext cx="846162" cy="559559"/>
           </a:xfrm>
           <a:prstGeom prst="line">
@@ -35567,7 +35916,7 @@
         </p:nvSpPr>
         <p:spPr>
           <a:xfrm>
-            <a:off x="7615989" y="4177084"/>
+            <a:off x="7526335" y="3796182"/>
             <a:ext cx="4228493" cy="1824589"/>
           </a:xfrm>
           <a:prstGeom prst="ellipse">
@@ -35611,7 +35960,7 @@
         </p:nvSpPr>
         <p:spPr>
           <a:xfrm>
-            <a:off x="8093632" y="4708477"/>
+            <a:off x="8039397" y="4304134"/>
             <a:ext cx="818866" cy="805218"/>
           </a:xfrm>
           <a:prstGeom prst="rect">
@@ -35658,7 +36007,7 @@
         </p:nvSpPr>
         <p:spPr>
           <a:xfrm>
-            <a:off x="8897634" y="4708477"/>
+            <a:off x="8843399" y="4304134"/>
             <a:ext cx="818866" cy="805218"/>
           </a:xfrm>
           <a:prstGeom prst="rect">
@@ -35705,7 +36054,7 @@
         </p:nvSpPr>
         <p:spPr>
           <a:xfrm>
-            <a:off x="9701636" y="4708477"/>
+            <a:off x="9647401" y="4304134"/>
             <a:ext cx="818866" cy="805218"/>
           </a:xfrm>
           <a:prstGeom prst="rect">
@@ -35752,7 +36101,7 @@
         </p:nvSpPr>
         <p:spPr>
           <a:xfrm>
-            <a:off x="10534434" y="4708477"/>
+            <a:off x="10480199" y="4304134"/>
             <a:ext cx="818866" cy="805218"/>
           </a:xfrm>
           <a:prstGeom prst="rect">
@@ -35813,7 +36162,7 @@
           <a:p>
             <a:r>
               <a:rPr kumimoji="1" lang="en-US" altLang="ja-JP" dirty="0"/>
-              <a:t>Problem Definition</a:t>
+              <a:t>Ship information</a:t>
             </a:r>
             <a:endParaRPr kumimoji="1" lang="ja-JP" altLang="en-US"/>
           </a:p>
@@ -35842,7 +36191,7 @@
           <a:p>
             <a:fld id="{1413D9FB-836C-864C-8E5A-36E5384B9725}" type="slidenum">
               <a:rPr kumimoji="1" lang="ja-JP" altLang="en-US" smtClean="0"/>
-              <a:t>7</a:t>
+              <a:t>9</a:t>
             </a:fld>
             <a:endParaRPr kumimoji="1" lang="ja-JP" altLang="en-US"/>
           </a:p>
@@ -35852,352 +36201,6 @@
     <p:extLst>
       <p:ext uri="{BB962C8B-B14F-4D97-AF65-F5344CB8AC3E}">
         <p14:creationId xmlns:p14="http://schemas.microsoft.com/office/powerpoint/2010/main" val="3873094983"/>
-      </p:ext>
-    </p:extLst>
-  </p:cSld>
-  <p:clrMapOvr>
-    <a:masterClrMapping/>
-  </p:clrMapOvr>
-</p:sld>
-</file>
-
-<file path=ppt/slides/slide8.xml><?xml version="1.0" encoding="utf-8"?>
-<p:sld xmlns:a="http://schemas.openxmlformats.org/drawingml/2006/main" xmlns:r="http://schemas.openxmlformats.org/officeDocument/2006/relationships" xmlns:p="http://schemas.openxmlformats.org/presentationml/2006/main">
-  <p:cSld>
-    <p:spTree>
-      <p:nvGrpSpPr>
-        <p:cNvPr id="1" name=""/>
-        <p:cNvGrpSpPr/>
-        <p:nvPr/>
-      </p:nvGrpSpPr>
-      <p:grpSpPr>
-        <a:xfrm>
-          <a:off x="0" y="0"/>
-          <a:ext cx="0" cy="0"/>
-          <a:chOff x="0" y="0"/>
-          <a:chExt cx="0" cy="0"/>
-        </a:xfrm>
-      </p:grpSpPr>
-      <p:sp>
-        <p:nvSpPr>
-          <p:cNvPr id="2" name="タイトル 1">
-            <a:extLst>
-              <a:ext uri="{FF2B5EF4-FFF2-40B4-BE49-F238E27FC236}">
-                <a16:creationId xmlns:a16="http://schemas.microsoft.com/office/drawing/2014/main" id="{A1A8B07D-6CCE-FB44-B6F2-0060DFEC85FE}"/>
-              </a:ext>
-            </a:extLst>
-          </p:cNvPr>
-          <p:cNvSpPr>
-            <a:spLocks noGrp="1"/>
-          </p:cNvSpPr>
-          <p:nvPr>
-            <p:ph type="title"/>
-          </p:nvPr>
-        </p:nvSpPr>
-        <p:spPr/>
-        <p:txBody>
-          <a:bodyPr/>
-          <a:lstStyle/>
-          <a:p>
-            <a:r>
-              <a:rPr lang="en-US" altLang="ja-JP" dirty="0"/>
-              <a:t>Given</a:t>
-            </a:r>
-            <a:r>
-              <a:rPr kumimoji="1" lang="en-US" altLang="ja-JP" dirty="0"/>
-              <a:t> definition</a:t>
-            </a:r>
-            <a:br>
-              <a:rPr kumimoji="1" lang="en-US" altLang="ja-JP" dirty="0"/>
-            </a:br>
-            <a:endParaRPr kumimoji="1" lang="ja-JP" altLang="en-US"/>
-          </a:p>
-        </p:txBody>
-      </p:sp>
-      <p:sp>
-        <p:nvSpPr>
-          <p:cNvPr id="3" name="コンテンツ プレースホルダー 2">
-            <a:extLst>
-              <a:ext uri="{FF2B5EF4-FFF2-40B4-BE49-F238E27FC236}">
-                <a16:creationId xmlns:a16="http://schemas.microsoft.com/office/drawing/2014/main" id="{4B9E269F-05A6-2844-83AE-AB30ED0C9367}"/>
-              </a:ext>
-            </a:extLst>
-          </p:cNvPr>
-          <p:cNvSpPr>
-            <a:spLocks noGrp="1"/>
-          </p:cNvSpPr>
-          <p:nvPr>
-            <p:ph idx="1"/>
-          </p:nvPr>
-        </p:nvSpPr>
-        <p:spPr>
-          <a:xfrm>
-            <a:off x="2138634" y="1905000"/>
-            <a:ext cx="9120567" cy="4427562"/>
-          </a:xfrm>
-        </p:spPr>
-        <p:txBody>
-          <a:bodyPr>
-            <a:normAutofit/>
-          </a:bodyPr>
-          <a:lstStyle/>
-          <a:p>
-            <a:r>
-              <a:rPr lang="en-US" altLang="ja-JP" sz="2400" dirty="0"/>
-              <a:t>We are given information on bookings.</a:t>
-            </a:r>
-          </a:p>
-          <a:p>
-            <a:pPr lvl="1"/>
-            <a:r>
-              <a:rPr kumimoji="1" lang="en-US" altLang="ja-JP" sz="2200" dirty="0"/>
-              <a:t>Booking ID</a:t>
-            </a:r>
-          </a:p>
-          <a:p>
-            <a:pPr lvl="1"/>
-            <a:r>
-              <a:rPr kumimoji="1" lang="en-US" altLang="ja-JP" sz="2200" dirty="0"/>
-              <a:t>Loading port</a:t>
-            </a:r>
-          </a:p>
-          <a:p>
-            <a:pPr lvl="1"/>
-            <a:r>
-              <a:rPr kumimoji="1" lang="en-US" altLang="ja-JP" sz="2200" dirty="0"/>
-              <a:t>Destination port</a:t>
-            </a:r>
-          </a:p>
-          <a:p>
-            <a:pPr lvl="1"/>
-            <a:r>
-              <a:rPr kumimoji="1" lang="en-US" altLang="ja-JP" sz="2200" dirty="0"/>
-              <a:t>Number of vehicles</a:t>
-            </a:r>
-          </a:p>
-          <a:p>
-            <a:pPr lvl="1"/>
-            <a:r>
-              <a:rPr lang="en-US" altLang="ja-JP" sz="2200" dirty="0"/>
-              <a:t>Size of vehicles </a:t>
-            </a:r>
-          </a:p>
-          <a:p>
-            <a:pPr lvl="1"/>
-            <a:r>
-              <a:rPr lang="en-US" altLang="ja-JP" sz="2200" dirty="0" err="1"/>
-              <a:t>et</a:t>
-            </a:r>
-            <a:r>
-              <a:rPr kumimoji="1" lang="en-US" altLang="ja-JP" sz="2200" dirty="0" err="1"/>
-              <a:t>c</a:t>
-            </a:r>
-            <a:r>
-              <a:rPr kumimoji="1" lang="en-US" altLang="ja-JP" sz="2200" dirty="0"/>
-              <a:t>…</a:t>
-            </a:r>
-          </a:p>
-        </p:txBody>
-      </p:sp>
-      <p:sp>
-        <p:nvSpPr>
-          <p:cNvPr id="4" name="スライド番号プレースホルダー 3">
-            <a:extLst>
-              <a:ext uri="{FF2B5EF4-FFF2-40B4-BE49-F238E27FC236}">
-                <a16:creationId xmlns:a16="http://schemas.microsoft.com/office/drawing/2014/main" id="{C2EB36A0-8DF7-6D4A-B5BA-5BFFA68F2216}"/>
-              </a:ext>
-            </a:extLst>
-          </p:cNvPr>
-          <p:cNvSpPr>
-            <a:spLocks noGrp="1"/>
-          </p:cNvSpPr>
-          <p:nvPr>
-            <p:ph type="sldNum" sz="quarter" idx="12"/>
-          </p:nvPr>
-        </p:nvSpPr>
-        <p:spPr/>
-        <p:txBody>
-          <a:bodyPr/>
-          <a:lstStyle/>
-          <a:p>
-            <a:fld id="{1413D9FB-836C-864C-8E5A-36E5384B9725}" type="slidenum">
-              <a:rPr kumimoji="1" lang="ja-JP" altLang="en-US" smtClean="0"/>
-              <a:t>8</a:t>
-            </a:fld>
-            <a:endParaRPr kumimoji="1" lang="ja-JP" altLang="en-US"/>
-          </a:p>
-        </p:txBody>
-      </p:sp>
-    </p:spTree>
-    <p:extLst>
-      <p:ext uri="{BB962C8B-B14F-4D97-AF65-F5344CB8AC3E}">
-        <p14:creationId xmlns:p14="http://schemas.microsoft.com/office/powerpoint/2010/main" val="2959332184"/>
-      </p:ext>
-    </p:extLst>
-  </p:cSld>
-  <p:clrMapOvr>
-    <a:masterClrMapping/>
-  </p:clrMapOvr>
-</p:sld>
-</file>
-
-<file path=ppt/slides/slide9.xml><?xml version="1.0" encoding="utf-8"?>
-<p:sld xmlns:a="http://schemas.openxmlformats.org/drawingml/2006/main" xmlns:r="http://schemas.openxmlformats.org/officeDocument/2006/relationships" xmlns:p="http://schemas.openxmlformats.org/presentationml/2006/main">
-  <p:cSld>
-    <p:spTree>
-      <p:nvGrpSpPr>
-        <p:cNvPr id="1" name=""/>
-        <p:cNvGrpSpPr/>
-        <p:nvPr/>
-      </p:nvGrpSpPr>
-      <p:grpSpPr>
-        <a:xfrm>
-          <a:off x="0" y="0"/>
-          <a:ext cx="0" cy="0"/>
-          <a:chOff x="0" y="0"/>
-          <a:chExt cx="0" cy="0"/>
-        </a:xfrm>
-      </p:grpSpPr>
-      <p:sp>
-        <p:nvSpPr>
-          <p:cNvPr id="2" name="タイトル 1">
-            <a:extLst>
-              <a:ext uri="{FF2B5EF4-FFF2-40B4-BE49-F238E27FC236}">
-                <a16:creationId xmlns:a16="http://schemas.microsoft.com/office/drawing/2014/main" id="{92047B87-2603-A144-964A-4BE3C1BE3111}"/>
-              </a:ext>
-            </a:extLst>
-          </p:cNvPr>
-          <p:cNvSpPr>
-            <a:spLocks noGrp="1"/>
-          </p:cNvSpPr>
-          <p:nvPr>
-            <p:ph type="title"/>
-          </p:nvPr>
-        </p:nvSpPr>
-        <p:spPr/>
-        <p:txBody>
-          <a:bodyPr/>
-          <a:lstStyle/>
-          <a:p>
-            <a:r>
-              <a:rPr kumimoji="1" lang="en-US" altLang="ja-JP" dirty="0"/>
-              <a:t>Given information</a:t>
-            </a:r>
-            <a:endParaRPr kumimoji="1" lang="ja-JP" altLang="en-US"/>
-          </a:p>
-        </p:txBody>
-      </p:sp>
-      <p:sp>
-        <p:nvSpPr>
-          <p:cNvPr id="3" name="コンテンツ プレースホルダー 2">
-            <a:extLst>
-              <a:ext uri="{FF2B5EF4-FFF2-40B4-BE49-F238E27FC236}">
-                <a16:creationId xmlns:a16="http://schemas.microsoft.com/office/drawing/2014/main" id="{49A4257B-C21A-9E4A-AAAF-C87FAC0753DF}"/>
-              </a:ext>
-            </a:extLst>
-          </p:cNvPr>
-          <p:cNvSpPr>
-            <a:spLocks noGrp="1"/>
-          </p:cNvSpPr>
-          <p:nvPr>
-            <p:ph idx="1"/>
-          </p:nvPr>
-        </p:nvSpPr>
-        <p:spPr/>
-        <p:txBody>
-          <a:bodyPr>
-            <a:normAutofit/>
-          </a:bodyPr>
-          <a:lstStyle/>
-          <a:p>
-            <a:r>
-              <a:rPr lang="en-US" altLang="ja-JP" sz="2400" dirty="0"/>
-              <a:t>We are also given</a:t>
-            </a:r>
-            <a:r>
-              <a:rPr kumimoji="1" lang="en-US" altLang="ja-JP" sz="2400" dirty="0"/>
-              <a:t> information about ships.</a:t>
-            </a:r>
-          </a:p>
-          <a:p>
-            <a:pPr lvl="1"/>
-            <a:r>
-              <a:rPr lang="en" altLang="ja-JP" sz="2400" dirty="0"/>
-              <a:t>How many holds exist.</a:t>
-            </a:r>
-          </a:p>
-          <a:p>
-            <a:pPr lvl="1"/>
-            <a:r>
-              <a:rPr lang="en" altLang="ja-JP" sz="2400" dirty="0"/>
-              <a:t>How large each hold is. </a:t>
-            </a:r>
-          </a:p>
-          <a:p>
-            <a:pPr lvl="1"/>
-            <a:r>
-              <a:rPr lang="en" altLang="ja-JP" sz="2400" dirty="0"/>
-              <a:t>Which holds are connected.</a:t>
-            </a:r>
-          </a:p>
-          <a:p>
-            <a:pPr lvl="1"/>
-            <a:r>
-              <a:rPr lang="en" altLang="ja-JP" sz="2400" dirty="0" err="1"/>
-              <a:t>etc</a:t>
-            </a:r>
-            <a:r>
-              <a:rPr lang="en" altLang="ja-JP" sz="2400" dirty="0"/>
-              <a:t>…</a:t>
-            </a:r>
-          </a:p>
-          <a:p>
-            <a:pPr lvl="1"/>
-            <a:endParaRPr lang="en" altLang="ja-JP" sz="2400" dirty="0"/>
-          </a:p>
-          <a:p>
-            <a:pPr lvl="1"/>
-            <a:endParaRPr lang="en" altLang="ja-JP" sz="2400" dirty="0"/>
-          </a:p>
-          <a:p>
-            <a:pPr lvl="1"/>
-            <a:endParaRPr kumimoji="1" lang="ja-JP" altLang="en-US" sz="2400"/>
-          </a:p>
-        </p:txBody>
-      </p:sp>
-      <p:sp>
-        <p:nvSpPr>
-          <p:cNvPr id="4" name="スライド番号プレースホルダー 3">
-            <a:extLst>
-              <a:ext uri="{FF2B5EF4-FFF2-40B4-BE49-F238E27FC236}">
-                <a16:creationId xmlns:a16="http://schemas.microsoft.com/office/drawing/2014/main" id="{943FDBF8-C640-D34B-AA2F-82D472B67067}"/>
-              </a:ext>
-            </a:extLst>
-          </p:cNvPr>
-          <p:cNvSpPr>
-            <a:spLocks noGrp="1"/>
-          </p:cNvSpPr>
-          <p:nvPr>
-            <p:ph type="sldNum" sz="quarter" idx="12"/>
-          </p:nvPr>
-        </p:nvSpPr>
-        <p:spPr/>
-        <p:txBody>
-          <a:bodyPr/>
-          <a:lstStyle/>
-          <a:p>
-            <a:fld id="{1413D9FB-836C-864C-8E5A-36E5384B9725}" type="slidenum">
-              <a:rPr kumimoji="1" lang="ja-JP" altLang="en-US" smtClean="0"/>
-              <a:t>9</a:t>
-            </a:fld>
-            <a:endParaRPr kumimoji="1" lang="ja-JP" altLang="en-US"/>
-          </a:p>
-        </p:txBody>
-      </p:sp>
-    </p:spTree>
-    <p:extLst>
-      <p:ext uri="{BB962C8B-B14F-4D97-AF65-F5344CB8AC3E}">
-        <p14:creationId xmlns:p14="http://schemas.microsoft.com/office/powerpoint/2010/main" val="2696231861"/>
       </p:ext>
     </p:extLst>
   </p:cSld>

--- a/竹田.pptx
+++ b/竹田.pptx
@@ -5,75 +5,76 @@
     <p:sldMasterId id="2147483920" r:id="rId1"/>
   </p:sldMasterIdLst>
   <p:notesMasterIdLst>
-    <p:notesMasterId r:id="rId68"/>
+    <p:notesMasterId r:id="rId69"/>
   </p:notesMasterIdLst>
   <p:sldIdLst>
     <p:sldId id="256" r:id="rId2"/>
     <p:sldId id="257" r:id="rId3"/>
     <p:sldId id="623" r:id="rId4"/>
     <p:sldId id="258" r:id="rId5"/>
-    <p:sldId id="261" r:id="rId6"/>
-    <p:sldId id="624" r:id="rId7"/>
-    <p:sldId id="260" r:id="rId8"/>
-    <p:sldId id="565" r:id="rId9"/>
-    <p:sldId id="259" r:id="rId10"/>
-    <p:sldId id="631" r:id="rId11"/>
-    <p:sldId id="263" r:id="rId12"/>
-    <p:sldId id="269" r:id="rId13"/>
-    <p:sldId id="632" r:id="rId14"/>
-    <p:sldId id="634" r:id="rId15"/>
-    <p:sldId id="272" r:id="rId16"/>
-    <p:sldId id="273" r:id="rId17"/>
-    <p:sldId id="274" r:id="rId18"/>
-    <p:sldId id="264" r:id="rId19"/>
-    <p:sldId id="265" r:id="rId20"/>
-    <p:sldId id="266" r:id="rId21"/>
-    <p:sldId id="626" r:id="rId22"/>
-    <p:sldId id="569" r:id="rId23"/>
-    <p:sldId id="571" r:id="rId24"/>
-    <p:sldId id="573" r:id="rId25"/>
-    <p:sldId id="627" r:id="rId26"/>
-    <p:sldId id="628" r:id="rId27"/>
-    <p:sldId id="629" r:id="rId28"/>
-    <p:sldId id="579" r:id="rId29"/>
-    <p:sldId id="580" r:id="rId30"/>
-    <p:sldId id="581" r:id="rId31"/>
-    <p:sldId id="588" r:id="rId32"/>
-    <p:sldId id="589" r:id="rId33"/>
-    <p:sldId id="591" r:id="rId34"/>
-    <p:sldId id="590" r:id="rId35"/>
-    <p:sldId id="592" r:id="rId36"/>
-    <p:sldId id="594" r:id="rId37"/>
-    <p:sldId id="607" r:id="rId38"/>
-    <p:sldId id="610" r:id="rId39"/>
-    <p:sldId id="630" r:id="rId40"/>
-    <p:sldId id="611" r:id="rId41"/>
-    <p:sldId id="616" r:id="rId42"/>
-    <p:sldId id="609" r:id="rId43"/>
-    <p:sldId id="578" r:id="rId44"/>
-    <p:sldId id="621" r:id="rId45"/>
-    <p:sldId id="561" r:id="rId46"/>
-    <p:sldId id="635" r:id="rId47"/>
-    <p:sldId id="633" r:id="rId48"/>
-    <p:sldId id="636" r:id="rId49"/>
-    <p:sldId id="563" r:id="rId50"/>
-    <p:sldId id="564" r:id="rId51"/>
-    <p:sldId id="566" r:id="rId52"/>
-    <p:sldId id="568" r:id="rId53"/>
-    <p:sldId id="574" r:id="rId54"/>
-    <p:sldId id="576" r:id="rId55"/>
-    <p:sldId id="620" r:id="rId56"/>
-    <p:sldId id="619" r:id="rId57"/>
-    <p:sldId id="587" r:id="rId58"/>
-    <p:sldId id="596" r:id="rId59"/>
-    <p:sldId id="597" r:id="rId60"/>
-    <p:sldId id="598" r:id="rId61"/>
-    <p:sldId id="601" r:id="rId62"/>
-    <p:sldId id="602" r:id="rId63"/>
-    <p:sldId id="603" r:id="rId64"/>
-    <p:sldId id="604" r:id="rId65"/>
-    <p:sldId id="606" r:id="rId66"/>
-    <p:sldId id="608" r:id="rId67"/>
+    <p:sldId id="637" r:id="rId6"/>
+    <p:sldId id="261" r:id="rId7"/>
+    <p:sldId id="624" r:id="rId8"/>
+    <p:sldId id="260" r:id="rId9"/>
+    <p:sldId id="565" r:id="rId10"/>
+    <p:sldId id="259" r:id="rId11"/>
+    <p:sldId id="631" r:id="rId12"/>
+    <p:sldId id="263" r:id="rId13"/>
+    <p:sldId id="269" r:id="rId14"/>
+    <p:sldId id="632" r:id="rId15"/>
+    <p:sldId id="634" r:id="rId16"/>
+    <p:sldId id="272" r:id="rId17"/>
+    <p:sldId id="273" r:id="rId18"/>
+    <p:sldId id="274" r:id="rId19"/>
+    <p:sldId id="264" r:id="rId20"/>
+    <p:sldId id="265" r:id="rId21"/>
+    <p:sldId id="266" r:id="rId22"/>
+    <p:sldId id="626" r:id="rId23"/>
+    <p:sldId id="569" r:id="rId24"/>
+    <p:sldId id="571" r:id="rId25"/>
+    <p:sldId id="573" r:id="rId26"/>
+    <p:sldId id="627" r:id="rId27"/>
+    <p:sldId id="628" r:id="rId28"/>
+    <p:sldId id="629" r:id="rId29"/>
+    <p:sldId id="579" r:id="rId30"/>
+    <p:sldId id="580" r:id="rId31"/>
+    <p:sldId id="581" r:id="rId32"/>
+    <p:sldId id="588" r:id="rId33"/>
+    <p:sldId id="589" r:id="rId34"/>
+    <p:sldId id="591" r:id="rId35"/>
+    <p:sldId id="590" r:id="rId36"/>
+    <p:sldId id="592" r:id="rId37"/>
+    <p:sldId id="594" r:id="rId38"/>
+    <p:sldId id="607" r:id="rId39"/>
+    <p:sldId id="610" r:id="rId40"/>
+    <p:sldId id="630" r:id="rId41"/>
+    <p:sldId id="611" r:id="rId42"/>
+    <p:sldId id="616" r:id="rId43"/>
+    <p:sldId id="609" r:id="rId44"/>
+    <p:sldId id="578" r:id="rId45"/>
+    <p:sldId id="621" r:id="rId46"/>
+    <p:sldId id="561" r:id="rId47"/>
+    <p:sldId id="635" r:id="rId48"/>
+    <p:sldId id="633" r:id="rId49"/>
+    <p:sldId id="636" r:id="rId50"/>
+    <p:sldId id="563" r:id="rId51"/>
+    <p:sldId id="564" r:id="rId52"/>
+    <p:sldId id="566" r:id="rId53"/>
+    <p:sldId id="568" r:id="rId54"/>
+    <p:sldId id="574" r:id="rId55"/>
+    <p:sldId id="576" r:id="rId56"/>
+    <p:sldId id="620" r:id="rId57"/>
+    <p:sldId id="619" r:id="rId58"/>
+    <p:sldId id="587" r:id="rId59"/>
+    <p:sldId id="596" r:id="rId60"/>
+    <p:sldId id="597" r:id="rId61"/>
+    <p:sldId id="598" r:id="rId62"/>
+    <p:sldId id="601" r:id="rId63"/>
+    <p:sldId id="602" r:id="rId64"/>
+    <p:sldId id="603" r:id="rId65"/>
+    <p:sldId id="604" r:id="rId66"/>
+    <p:sldId id="606" r:id="rId67"/>
+    <p:sldId id="608" r:id="rId68"/>
   </p:sldIdLst>
   <p:sldSz cx="12192000" cy="6858000"/>
   <p:notesSz cx="6858000" cy="9144000"/>
@@ -601,7 +602,7 @@
           <a:p>
             <a:fld id="{CAD0DAA7-4C30-2D47-97C1-12961BDEFAB8}" type="slidenum">
               <a:rPr kumimoji="1" lang="ja-JP" altLang="en-US" smtClean="0"/>
-              <a:t>35</a:t>
+              <a:t>36</a:t>
             </a:fld>
             <a:endParaRPr kumimoji="1" lang="ja-JP" altLang="en-US"/>
           </a:p>
@@ -8911,6 +8912,474 @@
       </p:grpSpPr>
       <p:sp>
         <p:nvSpPr>
+          <p:cNvPr id="3" name="コンテンツ プレースホルダー 2">
+            <a:extLst>
+              <a:ext uri="{FF2B5EF4-FFF2-40B4-BE49-F238E27FC236}">
+                <a16:creationId xmlns:a16="http://schemas.microsoft.com/office/drawing/2014/main" id="{E1E4F098-294C-D141-AD53-3960C7CBF23B}"/>
+              </a:ext>
+            </a:extLst>
+          </p:cNvPr>
+          <p:cNvSpPr>
+            <a:spLocks noGrp="1"/>
+          </p:cNvSpPr>
+          <p:nvPr>
+            <p:ph idx="1"/>
+          </p:nvPr>
+        </p:nvSpPr>
+        <p:spPr>
+          <a:xfrm>
+            <a:off x="2214640" y="1736073"/>
+            <a:ext cx="9464139" cy="3777622"/>
+          </a:xfrm>
+        </p:spPr>
+        <p:txBody>
+          <a:bodyPr>
+            <a:normAutofit/>
+          </a:bodyPr>
+          <a:lstStyle/>
+          <a:p>
+            <a:r>
+              <a:rPr lang="en-US" altLang="ja-JP" sz="2400" dirty="0"/>
+              <a:t>In this research, we consider a ship that has 12 floors.</a:t>
+            </a:r>
+          </a:p>
+          <a:p>
+            <a:r>
+              <a:rPr lang="en-US" altLang="ja-JP" sz="2400" dirty="0"/>
+              <a:t>Each floor has up to 4 holds.</a:t>
+            </a:r>
+          </a:p>
+        </p:txBody>
+      </p:sp>
+      <p:pic>
+        <p:nvPicPr>
+          <p:cNvPr id="5" name="図 4">
+            <a:extLst>
+              <a:ext uri="{FF2B5EF4-FFF2-40B4-BE49-F238E27FC236}">
+                <a16:creationId xmlns:a16="http://schemas.microsoft.com/office/drawing/2014/main" id="{2842823E-0742-3241-980F-487CA451AA47}"/>
+              </a:ext>
+            </a:extLst>
+          </p:cNvPr>
+          <p:cNvPicPr>
+            <a:picLocks noChangeAspect="1"/>
+          </p:cNvPicPr>
+          <p:nvPr/>
+        </p:nvPicPr>
+        <p:blipFill>
+          <a:blip r:embed="rId2"/>
+          <a:stretch>
+            <a:fillRect/>
+          </a:stretch>
+        </p:blipFill>
+        <p:spPr>
+          <a:xfrm>
+            <a:off x="2479283" y="3161494"/>
+            <a:ext cx="4726017" cy="3093966"/>
+          </a:xfrm>
+          <a:prstGeom prst="rect">
+            <a:avLst/>
+          </a:prstGeom>
+        </p:spPr>
+      </p:pic>
+      <p:cxnSp>
+        <p:nvCxnSpPr>
+          <p:cNvPr id="15" name="直線コネクタ 14">
+            <a:extLst>
+              <a:ext uri="{FF2B5EF4-FFF2-40B4-BE49-F238E27FC236}">
+                <a16:creationId xmlns:a16="http://schemas.microsoft.com/office/drawing/2014/main" id="{E8F2F112-ACAD-BE49-A2A3-3FFF01998D93}"/>
+              </a:ext>
+            </a:extLst>
+          </p:cNvPr>
+          <p:cNvCxnSpPr/>
+          <p:nvPr/>
+        </p:nvCxnSpPr>
+        <p:spPr>
+          <a:xfrm flipV="1">
+            <a:off x="6720102" y="5109352"/>
+            <a:ext cx="998260" cy="354841"/>
+          </a:xfrm>
+          <a:prstGeom prst="line">
+            <a:avLst/>
+          </a:prstGeom>
+        </p:spPr>
+        <p:style>
+          <a:lnRef idx="1">
+            <a:schemeClr val="dk1"/>
+          </a:lnRef>
+          <a:fillRef idx="0">
+            <a:schemeClr val="dk1"/>
+          </a:fillRef>
+          <a:effectRef idx="0">
+            <a:schemeClr val="dk1"/>
+          </a:effectRef>
+          <a:fontRef idx="minor">
+            <a:schemeClr val="tx1"/>
+          </a:fontRef>
+        </p:style>
+      </p:cxnSp>
+      <p:cxnSp>
+        <p:nvCxnSpPr>
+          <p:cNvPr id="11" name="直線コネクタ 10">
+            <a:extLst>
+              <a:ext uri="{FF2B5EF4-FFF2-40B4-BE49-F238E27FC236}">
+                <a16:creationId xmlns:a16="http://schemas.microsoft.com/office/drawing/2014/main" id="{833C8682-9FCC-E645-B37A-6BBCF98D2582}"/>
+              </a:ext>
+            </a:extLst>
+          </p:cNvPr>
+          <p:cNvCxnSpPr/>
+          <p:nvPr/>
+        </p:nvCxnSpPr>
+        <p:spPr>
+          <a:xfrm flipV="1">
+            <a:off x="6796151" y="4586838"/>
+            <a:ext cx="846162" cy="559559"/>
+          </a:xfrm>
+          <a:prstGeom prst="line">
+            <a:avLst/>
+          </a:prstGeom>
+        </p:spPr>
+        <p:style>
+          <a:lnRef idx="1">
+            <a:schemeClr val="dk1"/>
+          </a:lnRef>
+          <a:fillRef idx="0">
+            <a:schemeClr val="dk1"/>
+          </a:fillRef>
+          <a:effectRef idx="0">
+            <a:schemeClr val="dk1"/>
+          </a:effectRef>
+          <a:fontRef idx="minor">
+            <a:schemeClr val="tx1"/>
+          </a:fontRef>
+        </p:style>
+      </p:cxnSp>
+      <p:sp>
+        <p:nvSpPr>
+          <p:cNvPr id="17" name="円/楕円 16">
+            <a:extLst>
+              <a:ext uri="{FF2B5EF4-FFF2-40B4-BE49-F238E27FC236}">
+                <a16:creationId xmlns:a16="http://schemas.microsoft.com/office/drawing/2014/main" id="{E45806FA-8321-B241-B338-5BD47E48E10D}"/>
+              </a:ext>
+            </a:extLst>
+          </p:cNvPr>
+          <p:cNvSpPr/>
+          <p:nvPr/>
+        </p:nvSpPr>
+        <p:spPr>
+          <a:xfrm>
+            <a:off x="7526335" y="3796182"/>
+            <a:ext cx="4228493" cy="1824589"/>
+          </a:xfrm>
+          <a:prstGeom prst="ellipse">
+            <a:avLst/>
+          </a:prstGeom>
+        </p:spPr>
+        <p:style>
+          <a:lnRef idx="2">
+            <a:schemeClr val="accent6"/>
+          </a:lnRef>
+          <a:fillRef idx="1">
+            <a:schemeClr val="lt1"/>
+          </a:fillRef>
+          <a:effectRef idx="0">
+            <a:schemeClr val="accent6"/>
+          </a:effectRef>
+          <a:fontRef idx="minor">
+            <a:schemeClr val="dk1"/>
+          </a:fontRef>
+        </p:style>
+        <p:txBody>
+          <a:bodyPr rtlCol="0" anchor="ctr"/>
+          <a:lstStyle/>
+          <a:p>
+            <a:pPr algn="ctr"/>
+            <a:endParaRPr kumimoji="1" lang="ja-JP" altLang="en-US"/>
+          </a:p>
+        </p:txBody>
+      </p:sp>
+      <p:sp>
+        <p:nvSpPr>
+          <p:cNvPr id="6" name="正方形/長方形 5">
+            <a:extLst>
+              <a:ext uri="{FF2B5EF4-FFF2-40B4-BE49-F238E27FC236}">
+                <a16:creationId xmlns:a16="http://schemas.microsoft.com/office/drawing/2014/main" id="{B04F6E53-1041-C946-A46D-BEB0D0FCB64C}"/>
+              </a:ext>
+            </a:extLst>
+          </p:cNvPr>
+          <p:cNvSpPr/>
+          <p:nvPr/>
+        </p:nvSpPr>
+        <p:spPr>
+          <a:xfrm>
+            <a:off x="8039397" y="4304134"/>
+            <a:ext cx="818866" cy="805218"/>
+          </a:xfrm>
+          <a:prstGeom prst="rect">
+            <a:avLst/>
+          </a:prstGeom>
+        </p:spPr>
+        <p:style>
+          <a:lnRef idx="2">
+            <a:schemeClr val="accent6"/>
+          </a:lnRef>
+          <a:fillRef idx="1">
+            <a:schemeClr val="lt1"/>
+          </a:fillRef>
+          <a:effectRef idx="0">
+            <a:schemeClr val="accent6"/>
+          </a:effectRef>
+          <a:fontRef idx="minor">
+            <a:schemeClr val="dk1"/>
+          </a:fontRef>
+        </p:style>
+        <p:txBody>
+          <a:bodyPr rtlCol="0" anchor="ctr"/>
+          <a:lstStyle/>
+          <a:p>
+            <a:pPr algn="ctr"/>
+            <a:r>
+              <a:rPr kumimoji="1" lang="ja-JP" altLang="en-US"/>
+              <a:t>４</a:t>
+            </a:r>
+          </a:p>
+        </p:txBody>
+      </p:sp>
+      <p:sp>
+        <p:nvSpPr>
+          <p:cNvPr id="7" name="正方形/長方形 6">
+            <a:extLst>
+              <a:ext uri="{FF2B5EF4-FFF2-40B4-BE49-F238E27FC236}">
+                <a16:creationId xmlns:a16="http://schemas.microsoft.com/office/drawing/2014/main" id="{4870ED44-030D-0B47-B560-56379A93FB9E}"/>
+              </a:ext>
+            </a:extLst>
+          </p:cNvPr>
+          <p:cNvSpPr/>
+          <p:nvPr/>
+        </p:nvSpPr>
+        <p:spPr>
+          <a:xfrm>
+            <a:off x="8843399" y="4304134"/>
+            <a:ext cx="818866" cy="805218"/>
+          </a:xfrm>
+          <a:prstGeom prst="rect">
+            <a:avLst/>
+          </a:prstGeom>
+        </p:spPr>
+        <p:style>
+          <a:lnRef idx="2">
+            <a:schemeClr val="accent6"/>
+          </a:lnRef>
+          <a:fillRef idx="1">
+            <a:schemeClr val="lt1"/>
+          </a:fillRef>
+          <a:effectRef idx="0">
+            <a:schemeClr val="accent6"/>
+          </a:effectRef>
+          <a:fontRef idx="minor">
+            <a:schemeClr val="dk1"/>
+          </a:fontRef>
+        </p:style>
+        <p:txBody>
+          <a:bodyPr rtlCol="0" anchor="ctr"/>
+          <a:lstStyle/>
+          <a:p>
+            <a:pPr algn="ctr"/>
+            <a:r>
+              <a:rPr kumimoji="1" lang="ja-JP" altLang="en-US"/>
+              <a:t>３</a:t>
+            </a:r>
+          </a:p>
+        </p:txBody>
+      </p:sp>
+      <p:sp>
+        <p:nvSpPr>
+          <p:cNvPr id="8" name="正方形/長方形 7">
+            <a:extLst>
+              <a:ext uri="{FF2B5EF4-FFF2-40B4-BE49-F238E27FC236}">
+                <a16:creationId xmlns:a16="http://schemas.microsoft.com/office/drawing/2014/main" id="{F7261E6C-68B7-504E-8024-5A3EDDA5CC91}"/>
+              </a:ext>
+            </a:extLst>
+          </p:cNvPr>
+          <p:cNvSpPr/>
+          <p:nvPr/>
+        </p:nvSpPr>
+        <p:spPr>
+          <a:xfrm>
+            <a:off x="9647401" y="4304134"/>
+            <a:ext cx="818866" cy="805218"/>
+          </a:xfrm>
+          <a:prstGeom prst="rect">
+            <a:avLst/>
+          </a:prstGeom>
+        </p:spPr>
+        <p:style>
+          <a:lnRef idx="2">
+            <a:schemeClr val="accent6"/>
+          </a:lnRef>
+          <a:fillRef idx="1">
+            <a:schemeClr val="lt1"/>
+          </a:fillRef>
+          <a:effectRef idx="0">
+            <a:schemeClr val="accent6"/>
+          </a:effectRef>
+          <a:fontRef idx="minor">
+            <a:schemeClr val="dk1"/>
+          </a:fontRef>
+        </p:style>
+        <p:txBody>
+          <a:bodyPr rtlCol="0" anchor="ctr"/>
+          <a:lstStyle/>
+          <a:p>
+            <a:pPr algn="ctr"/>
+            <a:r>
+              <a:rPr kumimoji="1" lang="ja-JP" altLang="en-US"/>
+              <a:t>２</a:t>
+            </a:r>
+          </a:p>
+        </p:txBody>
+      </p:sp>
+      <p:sp>
+        <p:nvSpPr>
+          <p:cNvPr id="9" name="正方形/長方形 8">
+            <a:extLst>
+              <a:ext uri="{FF2B5EF4-FFF2-40B4-BE49-F238E27FC236}">
+                <a16:creationId xmlns:a16="http://schemas.microsoft.com/office/drawing/2014/main" id="{D73A65D0-0289-6544-BFCE-4E05EC166522}"/>
+              </a:ext>
+            </a:extLst>
+          </p:cNvPr>
+          <p:cNvSpPr/>
+          <p:nvPr/>
+        </p:nvSpPr>
+        <p:spPr>
+          <a:xfrm>
+            <a:off x="10480199" y="4304134"/>
+            <a:ext cx="818866" cy="805218"/>
+          </a:xfrm>
+          <a:prstGeom prst="rect">
+            <a:avLst/>
+          </a:prstGeom>
+        </p:spPr>
+        <p:style>
+          <a:lnRef idx="2">
+            <a:schemeClr val="accent6"/>
+          </a:lnRef>
+          <a:fillRef idx="1">
+            <a:schemeClr val="lt1"/>
+          </a:fillRef>
+          <a:effectRef idx="0">
+            <a:schemeClr val="accent6"/>
+          </a:effectRef>
+          <a:fontRef idx="minor">
+            <a:schemeClr val="dk1"/>
+          </a:fontRef>
+        </p:style>
+        <p:txBody>
+          <a:bodyPr rtlCol="0" anchor="ctr"/>
+          <a:lstStyle/>
+          <a:p>
+            <a:pPr algn="ctr"/>
+            <a:r>
+              <a:rPr kumimoji="1" lang="ja-JP" altLang="en-US"/>
+              <a:t>１</a:t>
+            </a:r>
+          </a:p>
+        </p:txBody>
+      </p:sp>
+      <p:sp>
+        <p:nvSpPr>
+          <p:cNvPr id="2" name="タイトル 1">
+            <a:extLst>
+              <a:ext uri="{FF2B5EF4-FFF2-40B4-BE49-F238E27FC236}">
+                <a16:creationId xmlns:a16="http://schemas.microsoft.com/office/drawing/2014/main" id="{7A7A5F4A-71EE-C844-A93C-36C19AEF0EE9}"/>
+              </a:ext>
+            </a:extLst>
+          </p:cNvPr>
+          <p:cNvSpPr>
+            <a:spLocks noGrp="1"/>
+          </p:cNvSpPr>
+          <p:nvPr>
+            <p:ph type="title"/>
+          </p:nvPr>
+        </p:nvSpPr>
+        <p:spPr>
+          <a:xfrm>
+            <a:off x="2592925" y="624110"/>
+            <a:ext cx="8911687" cy="1280890"/>
+          </a:xfrm>
+        </p:spPr>
+        <p:txBody>
+          <a:bodyPr/>
+          <a:lstStyle/>
+          <a:p>
+            <a:r>
+              <a:rPr kumimoji="1" lang="en-US" altLang="ja-JP" dirty="0"/>
+              <a:t>Ship information</a:t>
+            </a:r>
+            <a:endParaRPr kumimoji="1" lang="ja-JP" altLang="en-US"/>
+          </a:p>
+        </p:txBody>
+      </p:sp>
+      <p:sp>
+        <p:nvSpPr>
+          <p:cNvPr id="4" name="スライド番号プレースホルダー 3">
+            <a:extLst>
+              <a:ext uri="{FF2B5EF4-FFF2-40B4-BE49-F238E27FC236}">
+                <a16:creationId xmlns:a16="http://schemas.microsoft.com/office/drawing/2014/main" id="{ADE850DF-0A55-D54C-9AC4-A73D2BBE53FA}"/>
+              </a:ext>
+            </a:extLst>
+          </p:cNvPr>
+          <p:cNvSpPr>
+            <a:spLocks noGrp="1"/>
+          </p:cNvSpPr>
+          <p:nvPr>
+            <p:ph type="sldNum" sz="quarter" idx="12"/>
+          </p:nvPr>
+        </p:nvSpPr>
+        <p:spPr/>
+        <p:txBody>
+          <a:bodyPr/>
+          <a:lstStyle/>
+          <a:p>
+            <a:fld id="{1413D9FB-836C-864C-8E5A-36E5384B9725}" type="slidenum">
+              <a:rPr kumimoji="1" lang="ja-JP" altLang="en-US" smtClean="0"/>
+              <a:t>10</a:t>
+            </a:fld>
+            <a:endParaRPr kumimoji="1" lang="ja-JP" altLang="en-US"/>
+          </a:p>
+        </p:txBody>
+      </p:sp>
+    </p:spTree>
+    <p:extLst>
+      <p:ext uri="{BB962C8B-B14F-4D97-AF65-F5344CB8AC3E}">
+        <p14:creationId xmlns:p14="http://schemas.microsoft.com/office/powerpoint/2010/main" val="3873094983"/>
+      </p:ext>
+    </p:extLst>
+  </p:cSld>
+  <p:clrMapOvr>
+    <a:masterClrMapping/>
+  </p:clrMapOvr>
+</p:sld>
+</file>
+
+<file path=ppt/slides/slide11.xml><?xml version="1.0" encoding="utf-8"?>
+<p:sld xmlns:a="http://schemas.openxmlformats.org/drawingml/2006/main" xmlns:r="http://schemas.openxmlformats.org/officeDocument/2006/relationships" xmlns:p="http://schemas.openxmlformats.org/presentationml/2006/main">
+  <p:cSld>
+    <p:spTree>
+      <p:nvGrpSpPr>
+        <p:cNvPr id="1" name=""/>
+        <p:cNvGrpSpPr/>
+        <p:nvPr/>
+      </p:nvGrpSpPr>
+      <p:grpSpPr>
+        <a:xfrm>
+          <a:off x="0" y="0"/>
+          <a:ext cx="0" cy="0"/>
+          <a:chOff x="0" y="0"/>
+          <a:chExt cx="0" cy="0"/>
+        </a:xfrm>
+      </p:grpSpPr>
+      <p:sp>
+        <p:nvSpPr>
           <p:cNvPr id="2" name="タイトル 1">
             <a:extLst>
               <a:ext uri="{FF2B5EF4-FFF2-40B4-BE49-F238E27FC236}">
@@ -11414,7 +11883,7 @@
           <a:p>
             <a:fld id="{1413D9FB-836C-864C-8E5A-36E5384B9725}" type="slidenum">
               <a:rPr kumimoji="1" lang="ja-JP" altLang="en-US" smtClean="0"/>
-              <a:t>10</a:t>
+              <a:t>11</a:t>
             </a:fld>
             <a:endParaRPr kumimoji="1" lang="ja-JP" altLang="en-US"/>
           </a:p>
@@ -11424,150 +11893,6 @@
     <p:extLst>
       <p:ext uri="{BB962C8B-B14F-4D97-AF65-F5344CB8AC3E}">
         <p14:creationId xmlns:p14="http://schemas.microsoft.com/office/powerpoint/2010/main" val="373430944"/>
-      </p:ext>
-    </p:extLst>
-  </p:cSld>
-  <p:clrMapOvr>
-    <a:masterClrMapping/>
-  </p:clrMapOvr>
-</p:sld>
-</file>
-
-<file path=ppt/slides/slide11.xml><?xml version="1.0" encoding="utf-8"?>
-<p:sld xmlns:a="http://schemas.openxmlformats.org/drawingml/2006/main" xmlns:r="http://schemas.openxmlformats.org/officeDocument/2006/relationships" xmlns:p="http://schemas.openxmlformats.org/presentationml/2006/main">
-  <p:cSld>
-    <p:spTree>
-      <p:nvGrpSpPr>
-        <p:cNvPr id="1" name=""/>
-        <p:cNvGrpSpPr/>
-        <p:nvPr/>
-      </p:nvGrpSpPr>
-      <p:grpSpPr>
-        <a:xfrm>
-          <a:off x="0" y="0"/>
-          <a:ext cx="0" cy="0"/>
-          <a:chOff x="0" y="0"/>
-          <a:chExt cx="0" cy="0"/>
-        </a:xfrm>
-      </p:grpSpPr>
-      <p:sp>
-        <p:nvSpPr>
-          <p:cNvPr id="2" name="タイトル 1">
-            <a:extLst>
-              <a:ext uri="{FF2B5EF4-FFF2-40B4-BE49-F238E27FC236}">
-                <a16:creationId xmlns:a16="http://schemas.microsoft.com/office/drawing/2014/main" id="{89663C5D-CBA2-0E4F-B496-EAA0921F02CB}"/>
-              </a:ext>
-            </a:extLst>
-          </p:cNvPr>
-          <p:cNvSpPr>
-            <a:spLocks noGrp="1"/>
-          </p:cNvSpPr>
-          <p:nvPr>
-            <p:ph type="title"/>
-          </p:nvPr>
-        </p:nvSpPr>
-        <p:spPr/>
-        <p:txBody>
-          <a:bodyPr/>
-          <a:lstStyle/>
-          <a:p>
-            <a:r>
-              <a:rPr lang="en-US" altLang="ja-JP" dirty="0"/>
-              <a:t>Mathematical modeling</a:t>
-            </a:r>
-            <a:endParaRPr kumimoji="1" lang="ja-JP" altLang="en-US"/>
-          </a:p>
-        </p:txBody>
-      </p:sp>
-      <p:sp>
-        <p:nvSpPr>
-          <p:cNvPr id="3" name="コンテンツ プレースホルダー 2">
-            <a:extLst>
-              <a:ext uri="{FF2B5EF4-FFF2-40B4-BE49-F238E27FC236}">
-                <a16:creationId xmlns:a16="http://schemas.microsoft.com/office/drawing/2014/main" id="{DDCCA87D-98EC-5F4C-B7CC-2189578463C2}"/>
-              </a:ext>
-            </a:extLst>
-          </p:cNvPr>
-          <p:cNvSpPr>
-            <a:spLocks noGrp="1"/>
-          </p:cNvSpPr>
-          <p:nvPr>
-            <p:ph idx="1"/>
-          </p:nvPr>
-        </p:nvSpPr>
-        <p:spPr/>
-        <p:txBody>
-          <a:bodyPr>
-            <a:normAutofit/>
-          </a:bodyPr>
-          <a:lstStyle/>
-          <a:p>
-            <a:r>
-              <a:rPr lang="en-US" altLang="ja-JP" sz="2400" dirty="0"/>
-              <a:t>We conducted multiple interviews with the planners who actually decide the stowage plan.</a:t>
-            </a:r>
-            <a:endParaRPr kumimoji="1" lang="en-US" altLang="ja-JP" sz="2400" dirty="0"/>
-          </a:p>
-          <a:p>
-            <a:r>
-              <a:rPr kumimoji="1" lang="en-US" altLang="ja-JP" sz="2400" dirty="0"/>
-              <a:t>We model this </a:t>
-            </a:r>
-            <a:r>
-              <a:rPr lang="en-US" altLang="ja-JP" sz="2400" dirty="0"/>
-              <a:t>assignment based on interviews.</a:t>
-            </a:r>
-          </a:p>
-          <a:p>
-            <a:r>
-              <a:rPr kumimoji="1" lang="en-US" altLang="ja-JP" sz="2400" dirty="0"/>
-              <a:t>I will explain </a:t>
-            </a:r>
-            <a:r>
-              <a:rPr lang="en-US" altLang="ja-JP" sz="2400" dirty="0"/>
-              <a:t>objective function and constraints one </a:t>
-            </a:r>
-            <a:r>
-              <a:rPr kumimoji="1" lang="en-US" altLang="ja-JP" sz="2400" dirty="0"/>
-              <a:t>by one.</a:t>
-            </a:r>
-            <a:endParaRPr kumimoji="1" lang="ja-JP" altLang="en-US" sz="2400"/>
-          </a:p>
-        </p:txBody>
-      </p:sp>
-      <p:sp>
-        <p:nvSpPr>
-          <p:cNvPr id="4" name="スライド番号プレースホルダー 3">
-            <a:extLst>
-              <a:ext uri="{FF2B5EF4-FFF2-40B4-BE49-F238E27FC236}">
-                <a16:creationId xmlns:a16="http://schemas.microsoft.com/office/drawing/2014/main" id="{8E30D904-47DA-3548-ACCA-3DF8AB473687}"/>
-              </a:ext>
-            </a:extLst>
-          </p:cNvPr>
-          <p:cNvSpPr>
-            <a:spLocks noGrp="1"/>
-          </p:cNvSpPr>
-          <p:nvPr>
-            <p:ph type="sldNum" sz="quarter" idx="12"/>
-          </p:nvPr>
-        </p:nvSpPr>
-        <p:spPr/>
-        <p:txBody>
-          <a:bodyPr/>
-          <a:lstStyle/>
-          <a:p>
-            <a:fld id="{1413D9FB-836C-864C-8E5A-36E5384B9725}" type="slidenum">
-              <a:rPr kumimoji="1" lang="ja-JP" altLang="en-US" smtClean="0"/>
-              <a:t>11</a:t>
-            </a:fld>
-            <a:endParaRPr kumimoji="1" lang="ja-JP" altLang="en-US"/>
-          </a:p>
-        </p:txBody>
-      </p:sp>
-    </p:spTree>
-    <p:extLst>
-      <p:ext uri="{BB962C8B-B14F-4D97-AF65-F5344CB8AC3E}">
-        <p14:creationId xmlns:p14="http://schemas.microsoft.com/office/powerpoint/2010/main" val="1750544108"/>
       </p:ext>
     </p:extLst>
   </p:cSld>
@@ -11599,6 +11924,146 @@
           <p:cNvPr id="2" name="タイトル 1">
             <a:extLst>
               <a:ext uri="{FF2B5EF4-FFF2-40B4-BE49-F238E27FC236}">
+                <a16:creationId xmlns:a16="http://schemas.microsoft.com/office/drawing/2014/main" id="{89663C5D-CBA2-0E4F-B496-EAA0921F02CB}"/>
+              </a:ext>
+            </a:extLst>
+          </p:cNvPr>
+          <p:cNvSpPr>
+            <a:spLocks noGrp="1"/>
+          </p:cNvSpPr>
+          <p:nvPr>
+            <p:ph type="title"/>
+          </p:nvPr>
+        </p:nvSpPr>
+        <p:spPr/>
+        <p:txBody>
+          <a:bodyPr/>
+          <a:lstStyle/>
+          <a:p>
+            <a:r>
+              <a:rPr lang="en-US" altLang="ja-JP" dirty="0"/>
+              <a:t>Mathematical modeling</a:t>
+            </a:r>
+            <a:endParaRPr kumimoji="1" lang="ja-JP" altLang="en-US"/>
+          </a:p>
+        </p:txBody>
+      </p:sp>
+      <p:sp>
+        <p:nvSpPr>
+          <p:cNvPr id="3" name="コンテンツ プレースホルダー 2">
+            <a:extLst>
+              <a:ext uri="{FF2B5EF4-FFF2-40B4-BE49-F238E27FC236}">
+                <a16:creationId xmlns:a16="http://schemas.microsoft.com/office/drawing/2014/main" id="{DDCCA87D-98EC-5F4C-B7CC-2189578463C2}"/>
+              </a:ext>
+            </a:extLst>
+          </p:cNvPr>
+          <p:cNvSpPr>
+            <a:spLocks noGrp="1"/>
+          </p:cNvSpPr>
+          <p:nvPr>
+            <p:ph idx="1"/>
+          </p:nvPr>
+        </p:nvSpPr>
+        <p:spPr/>
+        <p:txBody>
+          <a:bodyPr>
+            <a:normAutofit/>
+          </a:bodyPr>
+          <a:lstStyle/>
+          <a:p>
+            <a:r>
+              <a:rPr lang="en-US" altLang="ja-JP" sz="2400" dirty="0"/>
+              <a:t>We conducted multiple interviews with the planners who actually decide the stowage plan.</a:t>
+            </a:r>
+            <a:endParaRPr kumimoji="1" lang="en-US" altLang="ja-JP" sz="2400" dirty="0"/>
+          </a:p>
+          <a:p>
+            <a:r>
+              <a:rPr lang="en-US" altLang="ja-JP" sz="2400" dirty="0"/>
+              <a:t>We model this problem as an assignment problem. </a:t>
+            </a:r>
+          </a:p>
+          <a:p>
+            <a:r>
+              <a:rPr kumimoji="1" lang="en-US" altLang="ja-JP" sz="2400" dirty="0"/>
+              <a:t>I will explain </a:t>
+            </a:r>
+            <a:r>
+              <a:rPr lang="en-US" altLang="ja-JP" sz="2400" dirty="0"/>
+              <a:t>objective function and constraints one </a:t>
+            </a:r>
+            <a:r>
+              <a:rPr kumimoji="1" lang="en-US" altLang="ja-JP" sz="2400" dirty="0"/>
+              <a:t>by one.</a:t>
+            </a:r>
+            <a:endParaRPr kumimoji="1" lang="ja-JP" altLang="en-US" sz="2400"/>
+          </a:p>
+        </p:txBody>
+      </p:sp>
+      <p:sp>
+        <p:nvSpPr>
+          <p:cNvPr id="4" name="スライド番号プレースホルダー 3">
+            <a:extLst>
+              <a:ext uri="{FF2B5EF4-FFF2-40B4-BE49-F238E27FC236}">
+                <a16:creationId xmlns:a16="http://schemas.microsoft.com/office/drawing/2014/main" id="{8E30D904-47DA-3548-ACCA-3DF8AB473687}"/>
+              </a:ext>
+            </a:extLst>
+          </p:cNvPr>
+          <p:cNvSpPr>
+            <a:spLocks noGrp="1"/>
+          </p:cNvSpPr>
+          <p:nvPr>
+            <p:ph type="sldNum" sz="quarter" idx="12"/>
+          </p:nvPr>
+        </p:nvSpPr>
+        <p:spPr/>
+        <p:txBody>
+          <a:bodyPr/>
+          <a:lstStyle/>
+          <a:p>
+            <a:fld id="{1413D9FB-836C-864C-8E5A-36E5384B9725}" type="slidenum">
+              <a:rPr kumimoji="1" lang="ja-JP" altLang="en-US" smtClean="0"/>
+              <a:t>12</a:t>
+            </a:fld>
+            <a:endParaRPr kumimoji="1" lang="ja-JP" altLang="en-US"/>
+          </a:p>
+        </p:txBody>
+      </p:sp>
+    </p:spTree>
+    <p:extLst>
+      <p:ext uri="{BB962C8B-B14F-4D97-AF65-F5344CB8AC3E}">
+        <p14:creationId xmlns:p14="http://schemas.microsoft.com/office/powerpoint/2010/main" val="1750544108"/>
+      </p:ext>
+    </p:extLst>
+  </p:cSld>
+  <p:clrMapOvr>
+    <a:masterClrMapping/>
+  </p:clrMapOvr>
+</p:sld>
+</file>
+
+<file path=ppt/slides/slide13.xml><?xml version="1.0" encoding="utf-8"?>
+<p:sld xmlns:a="http://schemas.openxmlformats.org/drawingml/2006/main" xmlns:r="http://schemas.openxmlformats.org/officeDocument/2006/relationships" xmlns:p="http://schemas.openxmlformats.org/presentationml/2006/main">
+  <p:cSld>
+    <p:spTree>
+      <p:nvGrpSpPr>
+        <p:cNvPr id="1" name=""/>
+        <p:cNvGrpSpPr/>
+        <p:nvPr/>
+      </p:nvGrpSpPr>
+      <p:grpSpPr>
+        <a:xfrm>
+          <a:off x="0" y="0"/>
+          <a:ext cx="0" cy="0"/>
+          <a:chOff x="0" y="0"/>
+          <a:chExt cx="0" cy="0"/>
+        </a:xfrm>
+      </p:grpSpPr>
+      <p:sp>
+        <p:nvSpPr>
+          <p:cNvPr id="2" name="タイトル 1">
+            <a:extLst>
+              <a:ext uri="{FF2B5EF4-FFF2-40B4-BE49-F238E27FC236}">
                 <a16:creationId xmlns:a16="http://schemas.microsoft.com/office/drawing/2014/main" id="{FD7804DA-5131-1342-B346-35CAC3C09CE7}"/>
               </a:ext>
             </a:extLst>
@@ -11745,7 +12210,7 @@
           <a:p>
             <a:fld id="{1413D9FB-836C-864C-8E5A-36E5384B9725}" type="slidenum">
               <a:rPr kumimoji="1" lang="ja-JP" altLang="en-US" smtClean="0"/>
-              <a:t>12</a:t>
+              <a:t>13</a:t>
             </a:fld>
             <a:endParaRPr kumimoji="1" lang="ja-JP" altLang="en-US"/>
           </a:p>
@@ -11764,7 +12229,7 @@
 </p:sld>
 </file>
 
-<file path=ppt/slides/slide13.xml><?xml version="1.0" encoding="utf-8"?>
+<file path=ppt/slides/slide14.xml><?xml version="1.0" encoding="utf-8"?>
 <p:sld xmlns:a="http://schemas.openxmlformats.org/drawingml/2006/main" xmlns:r="http://schemas.openxmlformats.org/officeDocument/2006/relationships" xmlns:p="http://schemas.openxmlformats.org/presentationml/2006/main">
   <p:cSld>
     <p:spTree>
@@ -12583,7 +13048,7 @@
           <a:p>
             <a:fld id="{1413D9FB-836C-864C-8E5A-36E5384B9725}" type="slidenum">
               <a:rPr kumimoji="1" lang="ja-JP" altLang="en-US" smtClean="0"/>
-              <a:t>13</a:t>
+              <a:t>14</a:t>
             </a:fld>
             <a:endParaRPr kumimoji="1" lang="ja-JP" altLang="en-US"/>
           </a:p>
@@ -12602,7 +13067,7 @@
 </p:sld>
 </file>
 
-<file path=ppt/slides/slide14.xml><?xml version="1.0" encoding="utf-8"?>
+<file path=ppt/slides/slide15.xml><?xml version="1.0" encoding="utf-8"?>
 <p:sld xmlns:a="http://schemas.openxmlformats.org/drawingml/2006/main" xmlns:r="http://schemas.openxmlformats.org/officeDocument/2006/relationships" xmlns:p="http://schemas.openxmlformats.org/presentationml/2006/main">
   <p:cSld>
     <p:spTree>
@@ -13103,7 +13568,7 @@
           <a:p>
             <a:fld id="{1413D9FB-836C-864C-8E5A-36E5384B9725}" type="slidenum">
               <a:rPr kumimoji="1" lang="ja-JP" altLang="en-US" smtClean="0"/>
-              <a:t>14</a:t>
+              <a:t>15</a:t>
             </a:fld>
             <a:endParaRPr kumimoji="1" lang="ja-JP" altLang="en-US"/>
           </a:p>
@@ -13122,7 +13587,7 @@
 </p:sld>
 </file>
 
-<file path=ppt/slides/slide15.xml><?xml version="1.0" encoding="utf-8"?>
+<file path=ppt/slides/slide16.xml><?xml version="1.0" encoding="utf-8"?>
 <p:sld xmlns:a="http://schemas.openxmlformats.org/drawingml/2006/main" xmlns:r="http://schemas.openxmlformats.org/officeDocument/2006/relationships" xmlns:p="http://schemas.openxmlformats.org/presentationml/2006/main">
   <p:cSld>
     <p:spTree>
@@ -13252,7 +13717,7 @@
           <a:p>
             <a:fld id="{1413D9FB-836C-864C-8E5A-36E5384B9725}" type="slidenum">
               <a:rPr kumimoji="1" lang="ja-JP" altLang="en-US" smtClean="0"/>
-              <a:t>15</a:t>
+              <a:t>16</a:t>
             </a:fld>
             <a:endParaRPr kumimoji="1" lang="ja-JP" altLang="en-US"/>
           </a:p>
@@ -13271,7 +13736,7 @@
 </p:sld>
 </file>
 
-<file path=ppt/slides/slide16.xml><?xml version="1.0" encoding="utf-8"?>
+<file path=ppt/slides/slide17.xml><?xml version="1.0" encoding="utf-8"?>
 <p:sld xmlns:a="http://schemas.openxmlformats.org/drawingml/2006/main" xmlns:r="http://schemas.openxmlformats.org/officeDocument/2006/relationships" xmlns:p="http://schemas.openxmlformats.org/presentationml/2006/main">
   <p:cSld>
     <p:spTree>
@@ -13634,7 +14099,7 @@
           <a:p>
             <a:fld id="{1413D9FB-836C-864C-8E5A-36E5384B9725}" type="slidenum">
               <a:rPr kumimoji="1" lang="ja-JP" altLang="en-US" smtClean="0"/>
-              <a:t>16</a:t>
+              <a:t>17</a:t>
             </a:fld>
             <a:endParaRPr kumimoji="1" lang="ja-JP" altLang="en-US"/>
           </a:p>
@@ -13653,7 +14118,7 @@
 </p:sld>
 </file>
 
-<file path=ppt/slides/slide17.xml><?xml version="1.0" encoding="utf-8"?>
+<file path=ppt/slides/slide18.xml><?xml version="1.0" encoding="utf-8"?>
 <p:sld xmlns:a="http://schemas.openxmlformats.org/drawingml/2006/main" xmlns:r="http://schemas.openxmlformats.org/officeDocument/2006/relationships" xmlns:p="http://schemas.openxmlformats.org/presentationml/2006/main">
   <p:cSld>
     <p:spTree>
@@ -13824,7 +14289,7 @@
           <a:p>
             <a:fld id="{1413D9FB-836C-864C-8E5A-36E5384B9725}" type="slidenum">
               <a:rPr kumimoji="1" lang="ja-JP" altLang="en-US" smtClean="0"/>
-              <a:t>17</a:t>
+              <a:t>18</a:t>
             </a:fld>
             <a:endParaRPr kumimoji="1" lang="ja-JP" altLang="en-US"/>
           </a:p>
@@ -13843,7 +14308,7 @@
 </p:sld>
 </file>
 
-<file path=ppt/slides/slide18.xml><?xml version="1.0" encoding="utf-8"?>
+<file path=ppt/slides/slide19.xml><?xml version="1.0" encoding="utf-8"?>
 <p:sld xmlns:a="http://schemas.openxmlformats.org/drawingml/2006/main" xmlns:r="http://schemas.openxmlformats.org/officeDocument/2006/relationships" xmlns:p="http://schemas.openxmlformats.org/presentationml/2006/main">
   <p:cSld>
     <p:spTree>
@@ -13981,7 +14446,7 @@
           <a:p>
             <a:fld id="{1413D9FB-836C-864C-8E5A-36E5384B9725}" type="slidenum">
               <a:rPr kumimoji="1" lang="ja-JP" altLang="en-US" smtClean="0"/>
-              <a:t>18</a:t>
+              <a:t>19</a:t>
             </a:fld>
             <a:endParaRPr kumimoji="1" lang="ja-JP" altLang="en-US"/>
           </a:p>
@@ -14000,7 +14465,150 @@
 </p:sld>
 </file>
 
-<file path=ppt/slides/slide19.xml><?xml version="1.0" encoding="utf-8"?>
+<file path=ppt/slides/slide2.xml><?xml version="1.0" encoding="utf-8"?>
+<p:sld xmlns:a="http://schemas.openxmlformats.org/drawingml/2006/main" xmlns:r="http://schemas.openxmlformats.org/officeDocument/2006/relationships" xmlns:p="http://schemas.openxmlformats.org/presentationml/2006/main">
+  <p:cSld>
+    <p:spTree>
+      <p:nvGrpSpPr>
+        <p:cNvPr id="1" name=""/>
+        <p:cNvGrpSpPr/>
+        <p:nvPr/>
+      </p:nvGrpSpPr>
+      <p:grpSpPr>
+        <a:xfrm>
+          <a:off x="0" y="0"/>
+          <a:ext cx="0" cy="0"/>
+          <a:chOff x="0" y="0"/>
+          <a:chExt cx="0" cy="0"/>
+        </a:xfrm>
+      </p:grpSpPr>
+      <p:sp>
+        <p:nvSpPr>
+          <p:cNvPr id="2" name="タイトル 1">
+            <a:extLst>
+              <a:ext uri="{FF2B5EF4-FFF2-40B4-BE49-F238E27FC236}">
+                <a16:creationId xmlns:a16="http://schemas.microsoft.com/office/drawing/2014/main" id="{93010AF0-9B7D-1145-8148-06A633089EBF}"/>
+              </a:ext>
+            </a:extLst>
+          </p:cNvPr>
+          <p:cNvSpPr>
+            <a:spLocks noGrp="1"/>
+          </p:cNvSpPr>
+          <p:nvPr>
+            <p:ph type="title"/>
+          </p:nvPr>
+        </p:nvSpPr>
+        <p:spPr/>
+        <p:txBody>
+          <a:bodyPr/>
+          <a:lstStyle/>
+          <a:p>
+            <a:r>
+              <a:rPr kumimoji="1" lang="en-US" altLang="ja-JP" dirty="0"/>
+              <a:t>Outline</a:t>
+            </a:r>
+            <a:endParaRPr kumimoji="1" lang="ja-JP" altLang="en-US"/>
+          </a:p>
+        </p:txBody>
+      </p:sp>
+      <p:sp>
+        <p:nvSpPr>
+          <p:cNvPr id="3" name="コンテンツ プレースホルダー 2">
+            <a:extLst>
+              <a:ext uri="{FF2B5EF4-FFF2-40B4-BE49-F238E27FC236}">
+                <a16:creationId xmlns:a16="http://schemas.microsoft.com/office/drawing/2014/main" id="{97A5DCCE-A463-7E40-A93C-1FAC6C539F8C}"/>
+              </a:ext>
+            </a:extLst>
+          </p:cNvPr>
+          <p:cNvSpPr>
+            <a:spLocks noGrp="1"/>
+          </p:cNvSpPr>
+          <p:nvPr>
+            <p:ph idx="1"/>
+          </p:nvPr>
+        </p:nvSpPr>
+        <p:spPr/>
+        <p:txBody>
+          <a:bodyPr>
+            <a:normAutofit/>
+          </a:bodyPr>
+          <a:lstStyle/>
+          <a:p>
+            <a:r>
+              <a:rPr kumimoji="1" lang="en-US" altLang="ja-JP" sz="2400" dirty="0"/>
+              <a:t>Background</a:t>
+            </a:r>
+          </a:p>
+          <a:p>
+            <a:r>
+              <a:rPr lang="en-US" altLang="ja-JP" sz="2400" dirty="0"/>
+              <a:t>Problem definition</a:t>
+            </a:r>
+            <a:endParaRPr kumimoji="1" lang="en-US" altLang="ja-JP" sz="2400" dirty="0"/>
+          </a:p>
+          <a:p>
+            <a:r>
+              <a:rPr lang="en-US" altLang="ja-JP" sz="2400" dirty="0"/>
+              <a:t>Proposed model</a:t>
+            </a:r>
+          </a:p>
+          <a:p>
+            <a:r>
+              <a:rPr kumimoji="1" lang="en-US" altLang="ja-JP" sz="2400" dirty="0"/>
+              <a:t>Summary</a:t>
+            </a:r>
+          </a:p>
+          <a:p>
+            <a:endParaRPr kumimoji="1" lang="en-US" altLang="ja-JP" sz="2400" dirty="0"/>
+          </a:p>
+          <a:p>
+            <a:endParaRPr kumimoji="1" lang="ja-JP" altLang="en-US" sz="2400"/>
+          </a:p>
+        </p:txBody>
+      </p:sp>
+      <p:sp>
+        <p:nvSpPr>
+          <p:cNvPr id="4" name="スライド番号プレースホルダー 3">
+            <a:extLst>
+              <a:ext uri="{FF2B5EF4-FFF2-40B4-BE49-F238E27FC236}">
+                <a16:creationId xmlns:a16="http://schemas.microsoft.com/office/drawing/2014/main" id="{5EAC613A-4E24-514E-9F2E-0B153C066066}"/>
+              </a:ext>
+            </a:extLst>
+          </p:cNvPr>
+          <p:cNvSpPr>
+            <a:spLocks noGrp="1"/>
+          </p:cNvSpPr>
+          <p:nvPr>
+            <p:ph type="sldNum" sz="quarter" idx="12"/>
+          </p:nvPr>
+        </p:nvSpPr>
+        <p:spPr/>
+        <p:txBody>
+          <a:bodyPr/>
+          <a:lstStyle/>
+          <a:p>
+            <a:fld id="{1413D9FB-836C-864C-8E5A-36E5384B9725}" type="slidenum">
+              <a:rPr kumimoji="1" lang="ja-JP" altLang="en-US" smtClean="0"/>
+              <a:t>2</a:t>
+            </a:fld>
+            <a:endParaRPr kumimoji="1" lang="ja-JP" altLang="en-US"/>
+          </a:p>
+        </p:txBody>
+      </p:sp>
+    </p:spTree>
+    <p:extLst>
+      <p:ext uri="{BB962C8B-B14F-4D97-AF65-F5344CB8AC3E}">
+        <p14:creationId xmlns:p14="http://schemas.microsoft.com/office/powerpoint/2010/main" val="3695423022"/>
+      </p:ext>
+    </p:extLst>
+  </p:cSld>
+  <p:clrMapOvr>
+    <a:masterClrMapping/>
+  </p:clrMapOvr>
+</p:sld>
+</file>
+
+<file path=ppt/slides/slide20.xml><?xml version="1.0" encoding="utf-8"?>
 <p:sld xmlns:a="http://schemas.openxmlformats.org/drawingml/2006/main" xmlns:r="http://schemas.openxmlformats.org/officeDocument/2006/relationships" xmlns:p="http://schemas.openxmlformats.org/presentationml/2006/main">
   <p:cSld>
     <p:spTree>
@@ -14353,7 +14961,7 @@
           <a:p>
             <a:fld id="{1413D9FB-836C-864C-8E5A-36E5384B9725}" type="slidenum">
               <a:rPr kumimoji="1" lang="ja-JP" altLang="en-US" smtClean="0"/>
-              <a:t>19</a:t>
+              <a:t>20</a:t>
             </a:fld>
             <a:endParaRPr kumimoji="1" lang="ja-JP" altLang="en-US"/>
           </a:p>
@@ -14372,150 +14980,7 @@
 </p:sld>
 </file>
 
-<file path=ppt/slides/slide2.xml><?xml version="1.0" encoding="utf-8"?>
-<p:sld xmlns:a="http://schemas.openxmlformats.org/drawingml/2006/main" xmlns:r="http://schemas.openxmlformats.org/officeDocument/2006/relationships" xmlns:p="http://schemas.openxmlformats.org/presentationml/2006/main">
-  <p:cSld>
-    <p:spTree>
-      <p:nvGrpSpPr>
-        <p:cNvPr id="1" name=""/>
-        <p:cNvGrpSpPr/>
-        <p:nvPr/>
-      </p:nvGrpSpPr>
-      <p:grpSpPr>
-        <a:xfrm>
-          <a:off x="0" y="0"/>
-          <a:ext cx="0" cy="0"/>
-          <a:chOff x="0" y="0"/>
-          <a:chExt cx="0" cy="0"/>
-        </a:xfrm>
-      </p:grpSpPr>
-      <p:sp>
-        <p:nvSpPr>
-          <p:cNvPr id="2" name="タイトル 1">
-            <a:extLst>
-              <a:ext uri="{FF2B5EF4-FFF2-40B4-BE49-F238E27FC236}">
-                <a16:creationId xmlns:a16="http://schemas.microsoft.com/office/drawing/2014/main" id="{93010AF0-9B7D-1145-8148-06A633089EBF}"/>
-              </a:ext>
-            </a:extLst>
-          </p:cNvPr>
-          <p:cNvSpPr>
-            <a:spLocks noGrp="1"/>
-          </p:cNvSpPr>
-          <p:nvPr>
-            <p:ph type="title"/>
-          </p:nvPr>
-        </p:nvSpPr>
-        <p:spPr/>
-        <p:txBody>
-          <a:bodyPr/>
-          <a:lstStyle/>
-          <a:p>
-            <a:r>
-              <a:rPr kumimoji="1" lang="en-US" altLang="ja-JP" dirty="0"/>
-              <a:t>Outline</a:t>
-            </a:r>
-            <a:endParaRPr kumimoji="1" lang="ja-JP" altLang="en-US"/>
-          </a:p>
-        </p:txBody>
-      </p:sp>
-      <p:sp>
-        <p:nvSpPr>
-          <p:cNvPr id="3" name="コンテンツ プレースホルダー 2">
-            <a:extLst>
-              <a:ext uri="{FF2B5EF4-FFF2-40B4-BE49-F238E27FC236}">
-                <a16:creationId xmlns:a16="http://schemas.microsoft.com/office/drawing/2014/main" id="{97A5DCCE-A463-7E40-A93C-1FAC6C539F8C}"/>
-              </a:ext>
-            </a:extLst>
-          </p:cNvPr>
-          <p:cNvSpPr>
-            <a:spLocks noGrp="1"/>
-          </p:cNvSpPr>
-          <p:nvPr>
-            <p:ph idx="1"/>
-          </p:nvPr>
-        </p:nvSpPr>
-        <p:spPr/>
-        <p:txBody>
-          <a:bodyPr>
-            <a:normAutofit/>
-          </a:bodyPr>
-          <a:lstStyle/>
-          <a:p>
-            <a:r>
-              <a:rPr kumimoji="1" lang="en-US" altLang="ja-JP" sz="2400" dirty="0"/>
-              <a:t>Background</a:t>
-            </a:r>
-          </a:p>
-          <a:p>
-            <a:r>
-              <a:rPr lang="en-US" altLang="ja-JP" sz="2400" dirty="0"/>
-              <a:t>Problem definition</a:t>
-            </a:r>
-            <a:endParaRPr kumimoji="1" lang="en-US" altLang="ja-JP" sz="2400" dirty="0"/>
-          </a:p>
-          <a:p>
-            <a:r>
-              <a:rPr lang="en-US" altLang="ja-JP" sz="2400" dirty="0"/>
-              <a:t>Proposed model</a:t>
-            </a:r>
-          </a:p>
-          <a:p>
-            <a:r>
-              <a:rPr kumimoji="1" lang="en-US" altLang="ja-JP" sz="2400" dirty="0"/>
-              <a:t>Summary</a:t>
-            </a:r>
-          </a:p>
-          <a:p>
-            <a:endParaRPr kumimoji="1" lang="en-US" altLang="ja-JP" sz="2400" dirty="0"/>
-          </a:p>
-          <a:p>
-            <a:endParaRPr kumimoji="1" lang="ja-JP" altLang="en-US" sz="2400"/>
-          </a:p>
-        </p:txBody>
-      </p:sp>
-      <p:sp>
-        <p:nvSpPr>
-          <p:cNvPr id="4" name="スライド番号プレースホルダー 3">
-            <a:extLst>
-              <a:ext uri="{FF2B5EF4-FFF2-40B4-BE49-F238E27FC236}">
-                <a16:creationId xmlns:a16="http://schemas.microsoft.com/office/drawing/2014/main" id="{5EAC613A-4E24-514E-9F2E-0B153C066066}"/>
-              </a:ext>
-            </a:extLst>
-          </p:cNvPr>
-          <p:cNvSpPr>
-            <a:spLocks noGrp="1"/>
-          </p:cNvSpPr>
-          <p:nvPr>
-            <p:ph type="sldNum" sz="quarter" idx="12"/>
-          </p:nvPr>
-        </p:nvSpPr>
-        <p:spPr/>
-        <p:txBody>
-          <a:bodyPr/>
-          <a:lstStyle/>
-          <a:p>
-            <a:fld id="{1413D9FB-836C-864C-8E5A-36E5384B9725}" type="slidenum">
-              <a:rPr kumimoji="1" lang="ja-JP" altLang="en-US" smtClean="0"/>
-              <a:t>2</a:t>
-            </a:fld>
-            <a:endParaRPr kumimoji="1" lang="ja-JP" altLang="en-US"/>
-          </a:p>
-        </p:txBody>
-      </p:sp>
-    </p:spTree>
-    <p:extLst>
-      <p:ext uri="{BB962C8B-B14F-4D97-AF65-F5344CB8AC3E}">
-        <p14:creationId xmlns:p14="http://schemas.microsoft.com/office/powerpoint/2010/main" val="3695423022"/>
-      </p:ext>
-    </p:extLst>
-  </p:cSld>
-  <p:clrMapOvr>
-    <a:masterClrMapping/>
-  </p:clrMapOvr>
-</p:sld>
-</file>
-
-<file path=ppt/slides/slide20.xml><?xml version="1.0" encoding="utf-8"?>
+<file path=ppt/slides/slide21.xml><?xml version="1.0" encoding="utf-8"?>
 <p:sld xmlns:a="http://schemas.openxmlformats.org/drawingml/2006/main" xmlns:r="http://schemas.openxmlformats.org/officeDocument/2006/relationships" xmlns:p="http://schemas.openxmlformats.org/presentationml/2006/main">
   <p:cSld>
     <p:spTree>
@@ -14671,7 +15136,7 @@
           <a:p>
             <a:fld id="{1413D9FB-836C-864C-8E5A-36E5384B9725}" type="slidenum">
               <a:rPr kumimoji="1" lang="ja-JP" altLang="en-US" smtClean="0"/>
-              <a:t>20</a:t>
+              <a:t>21</a:t>
             </a:fld>
             <a:endParaRPr kumimoji="1" lang="ja-JP" altLang="en-US"/>
           </a:p>
@@ -14681,180 +15146,6 @@
     <p:extLst>
       <p:ext uri="{BB962C8B-B14F-4D97-AF65-F5344CB8AC3E}">
         <p14:creationId xmlns:p14="http://schemas.microsoft.com/office/powerpoint/2010/main" val="855990403"/>
-      </p:ext>
-    </p:extLst>
-  </p:cSld>
-  <p:clrMapOvr>
-    <a:masterClrMapping/>
-  </p:clrMapOvr>
-</p:sld>
-</file>
-
-<file path=ppt/slides/slide21.xml><?xml version="1.0" encoding="utf-8"?>
-<p:sld xmlns:a="http://schemas.openxmlformats.org/drawingml/2006/main" xmlns:r="http://schemas.openxmlformats.org/officeDocument/2006/relationships" xmlns:p="http://schemas.openxmlformats.org/presentationml/2006/main">
-  <p:cSld>
-    <p:spTree>
-      <p:nvGrpSpPr>
-        <p:cNvPr id="1" name=""/>
-        <p:cNvGrpSpPr/>
-        <p:nvPr/>
-      </p:nvGrpSpPr>
-      <p:grpSpPr>
-        <a:xfrm>
-          <a:off x="0" y="0"/>
-          <a:ext cx="0" cy="0"/>
-          <a:chOff x="0" y="0"/>
-          <a:chExt cx="0" cy="0"/>
-        </a:xfrm>
-      </p:grpSpPr>
-      <p:sp>
-        <p:nvSpPr>
-          <p:cNvPr id="2" name="タイトル 1">
-            <a:extLst>
-              <a:ext uri="{FF2B5EF4-FFF2-40B4-BE49-F238E27FC236}">
-                <a16:creationId xmlns:a16="http://schemas.microsoft.com/office/drawing/2014/main" id="{93010AF0-9B7D-1145-8148-06A633089EBF}"/>
-              </a:ext>
-            </a:extLst>
-          </p:cNvPr>
-          <p:cNvSpPr>
-            <a:spLocks noGrp="1"/>
-          </p:cNvSpPr>
-          <p:nvPr>
-            <p:ph type="title"/>
-          </p:nvPr>
-        </p:nvSpPr>
-        <p:spPr/>
-        <p:txBody>
-          <a:bodyPr/>
-          <a:lstStyle/>
-          <a:p>
-            <a:r>
-              <a:rPr kumimoji="1" lang="en-US" altLang="ja-JP" dirty="0"/>
-              <a:t>Outline</a:t>
-            </a:r>
-            <a:endParaRPr kumimoji="1" lang="ja-JP" altLang="en-US"/>
-          </a:p>
-        </p:txBody>
-      </p:sp>
-      <p:sp>
-        <p:nvSpPr>
-          <p:cNvPr id="3" name="コンテンツ プレースホルダー 2">
-            <a:extLst>
-              <a:ext uri="{FF2B5EF4-FFF2-40B4-BE49-F238E27FC236}">
-                <a16:creationId xmlns:a16="http://schemas.microsoft.com/office/drawing/2014/main" id="{97A5DCCE-A463-7E40-A93C-1FAC6C539F8C}"/>
-              </a:ext>
-            </a:extLst>
-          </p:cNvPr>
-          <p:cNvSpPr>
-            <a:spLocks noGrp="1"/>
-          </p:cNvSpPr>
-          <p:nvPr>
-            <p:ph idx="1"/>
-          </p:nvPr>
-        </p:nvSpPr>
-        <p:spPr/>
-        <p:txBody>
-          <a:bodyPr>
-            <a:normAutofit/>
-          </a:bodyPr>
-          <a:lstStyle/>
-          <a:p>
-            <a:r>
-              <a:rPr kumimoji="1" lang="en-US" altLang="ja-JP" sz="2400" dirty="0">
-                <a:solidFill>
-                  <a:schemeClr val="bg1">
-                    <a:lumMod val="75000"/>
-                  </a:schemeClr>
-                </a:solidFill>
-              </a:rPr>
-              <a:t>Background</a:t>
-            </a:r>
-          </a:p>
-          <a:p>
-            <a:r>
-              <a:rPr lang="en-US" altLang="ja-JP" sz="2400" dirty="0">
-                <a:solidFill>
-                  <a:schemeClr val="bg1">
-                    <a:lumMod val="75000"/>
-                  </a:schemeClr>
-                </a:solidFill>
-              </a:rPr>
-              <a:t>Problem definition</a:t>
-            </a:r>
-            <a:endParaRPr kumimoji="1" lang="en-US" altLang="ja-JP" sz="2400" dirty="0">
-              <a:solidFill>
-                <a:schemeClr val="bg1">
-                  <a:lumMod val="75000"/>
-                </a:schemeClr>
-              </a:solidFill>
-            </a:endParaRPr>
-          </a:p>
-          <a:p>
-            <a:r>
-              <a:rPr lang="en-US" altLang="ja-JP" sz="2400" dirty="0"/>
-              <a:t>Proposed model</a:t>
-            </a:r>
-          </a:p>
-          <a:p>
-            <a:r>
-              <a:rPr lang="en-US" altLang="ja-JP" sz="2400" dirty="0">
-                <a:solidFill>
-                  <a:schemeClr val="bg1">
-                    <a:lumMod val="75000"/>
-                  </a:schemeClr>
-                </a:solidFill>
-              </a:rPr>
-              <a:t>Summary</a:t>
-            </a:r>
-            <a:endParaRPr kumimoji="1" lang="en-US" altLang="ja-JP" sz="2400" dirty="0">
-              <a:solidFill>
-                <a:schemeClr val="bg1">
-                  <a:lumMod val="75000"/>
-                </a:schemeClr>
-              </a:solidFill>
-            </a:endParaRPr>
-          </a:p>
-          <a:p>
-            <a:endParaRPr kumimoji="1" lang="en-US" altLang="ja-JP" sz="2400" dirty="0"/>
-          </a:p>
-          <a:p>
-            <a:endParaRPr kumimoji="1" lang="ja-JP" altLang="en-US" sz="2400"/>
-          </a:p>
-        </p:txBody>
-      </p:sp>
-      <p:sp>
-        <p:nvSpPr>
-          <p:cNvPr id="4" name="スライド番号プレースホルダー 3">
-            <a:extLst>
-              <a:ext uri="{FF2B5EF4-FFF2-40B4-BE49-F238E27FC236}">
-                <a16:creationId xmlns:a16="http://schemas.microsoft.com/office/drawing/2014/main" id="{EA4D9C2D-4C48-CD4F-887B-314E831E1E54}"/>
-              </a:ext>
-            </a:extLst>
-          </p:cNvPr>
-          <p:cNvSpPr>
-            <a:spLocks noGrp="1"/>
-          </p:cNvSpPr>
-          <p:nvPr>
-            <p:ph type="sldNum" sz="quarter" idx="12"/>
-          </p:nvPr>
-        </p:nvSpPr>
-        <p:spPr/>
-        <p:txBody>
-          <a:bodyPr/>
-          <a:lstStyle/>
-          <a:p>
-            <a:fld id="{1413D9FB-836C-864C-8E5A-36E5384B9725}" type="slidenum">
-              <a:rPr kumimoji="1" lang="ja-JP" altLang="en-US" smtClean="0"/>
-              <a:t>21</a:t>
-            </a:fld>
-            <a:endParaRPr kumimoji="1" lang="ja-JP" altLang="en-US"/>
-          </a:p>
-        </p:txBody>
-      </p:sp>
-    </p:spTree>
-    <p:extLst>
-      <p:ext uri="{BB962C8B-B14F-4D97-AF65-F5344CB8AC3E}">
-        <p14:creationId xmlns:p14="http://schemas.microsoft.com/office/powerpoint/2010/main" val="3599082772"/>
       </p:ext>
     </p:extLst>
   </p:cSld>
@@ -14886,7 +15177,7 @@
           <p:cNvPr id="2" name="タイトル 1">
             <a:extLst>
               <a:ext uri="{FF2B5EF4-FFF2-40B4-BE49-F238E27FC236}">
-                <a16:creationId xmlns:a16="http://schemas.microsoft.com/office/drawing/2014/main" id="{AA682DFF-D324-2B44-B659-FF46E3AA1D70}"/>
+                <a16:creationId xmlns:a16="http://schemas.microsoft.com/office/drawing/2014/main" id="{93010AF0-9B7D-1145-8148-06A633089EBF}"/>
               </a:ext>
             </a:extLst>
           </p:cNvPr>
@@ -14903,12 +15194,8 @@
           <a:lstStyle/>
           <a:p>
             <a:r>
-              <a:rPr lang="en-US" altLang="ja-JP" dirty="0"/>
-              <a:t>M</a:t>
-            </a:r>
-            <a:r>
               <a:rPr kumimoji="1" lang="en-US" altLang="ja-JP" dirty="0"/>
-              <a:t>odeling </a:t>
+              <a:t>Outline</a:t>
             </a:r>
             <a:endParaRPr kumimoji="1" lang="ja-JP" altLang="en-US"/>
           </a:p>
@@ -14919,7 +15206,7 @@
           <p:cNvPr id="3" name="コンテンツ プレースホルダー 2">
             <a:extLst>
               <a:ext uri="{FF2B5EF4-FFF2-40B4-BE49-F238E27FC236}">
-                <a16:creationId xmlns:a16="http://schemas.microsoft.com/office/drawing/2014/main" id="{A1B81CE6-3BEF-7F46-9003-6161F54DD432}"/>
+                <a16:creationId xmlns:a16="http://schemas.microsoft.com/office/drawing/2014/main" id="{97A5DCCE-A463-7E40-A93C-1FAC6C539F8C}"/>
               </a:ext>
             </a:extLst>
           </p:cNvPr>
@@ -14938,38 +15225,65 @@
           <a:lstStyle/>
           <a:p>
             <a:r>
-              <a:rPr kumimoji="1" lang="en-US" altLang="ja-JP" sz="2400" dirty="0"/>
-              <a:t>We propose </a:t>
-            </a:r>
+              <a:rPr kumimoji="1" lang="en-US" altLang="ja-JP" sz="2400" dirty="0">
+                <a:solidFill>
+                  <a:schemeClr val="bg1">
+                    <a:lumMod val="75000"/>
+                  </a:schemeClr>
+                </a:solidFill>
+              </a:rPr>
+              <a:t>Background</a:t>
+            </a:r>
+          </a:p>
+          <a:p>
+            <a:r>
+              <a:rPr lang="en-US" altLang="ja-JP" sz="2400" dirty="0">
+                <a:solidFill>
+                  <a:schemeClr val="bg1">
+                    <a:lumMod val="75000"/>
+                  </a:schemeClr>
+                </a:solidFill>
+              </a:rPr>
+              <a:t>Problem definition</a:t>
+            </a:r>
+            <a:endParaRPr kumimoji="1" lang="en-US" altLang="ja-JP" sz="2400" dirty="0">
+              <a:solidFill>
+                <a:schemeClr val="bg1">
+                  <a:lumMod val="75000"/>
+                </a:schemeClr>
+              </a:solidFill>
+            </a:endParaRPr>
+          </a:p>
+          <a:p>
             <a:r>
               <a:rPr lang="en-US" altLang="ja-JP" sz="2400" dirty="0"/>
-              <a:t>mathematical </a:t>
-            </a:r>
-            <a:r>
-              <a:rPr kumimoji="1" lang="en-US" altLang="ja-JP" sz="2400" dirty="0"/>
-              <a:t>model to </a:t>
-            </a:r>
-            <a:r>
-              <a:rPr lang="en" altLang="ja-JP" sz="2400" dirty="0"/>
-              <a:t>this problem.</a:t>
-            </a:r>
-          </a:p>
-          <a:p>
-            <a:r>
-              <a:rPr lang="en" altLang="ja-JP" sz="2400" dirty="0"/>
-              <a:t>The basic idea is based on heuristics.</a:t>
-            </a:r>
-          </a:p>
-          <a:p>
-            <a:r>
-              <a:rPr lang="en" altLang="ja-JP" sz="2400" dirty="0"/>
-              <a:t>Using the local search, we improve the</a:t>
-            </a:r>
-            <a:r>
-              <a:rPr lang="en-US" altLang="ja-JP" sz="2400" dirty="0"/>
-              <a:t> assignment. </a:t>
-            </a:r>
-            <a:endParaRPr lang="en" altLang="ja-JP" sz="2400" dirty="0"/>
+              <a:t>Proposed model</a:t>
+            </a:r>
+          </a:p>
+          <a:p>
+            <a:r>
+              <a:rPr lang="en-US" altLang="ja-JP" sz="2400" dirty="0">
+                <a:solidFill>
+                  <a:schemeClr val="bg1">
+                    <a:lumMod val="75000"/>
+                  </a:schemeClr>
+                </a:solidFill>
+              </a:rPr>
+              <a:t>Summary</a:t>
+            </a:r>
+            <a:endParaRPr kumimoji="1" lang="en-US" altLang="ja-JP" sz="2400" dirty="0">
+              <a:solidFill>
+                <a:schemeClr val="bg1">
+                  <a:lumMod val="75000"/>
+                </a:schemeClr>
+              </a:solidFill>
+            </a:endParaRPr>
+          </a:p>
+          <a:p>
+            <a:endParaRPr kumimoji="1" lang="en-US" altLang="ja-JP" sz="2400" dirty="0"/>
+          </a:p>
+          <a:p>
+            <a:endParaRPr kumimoji="1" lang="ja-JP" altLang="en-US" sz="2400"/>
           </a:p>
         </p:txBody>
       </p:sp>
@@ -14978,7 +15292,7 @@
           <p:cNvPr id="4" name="スライド番号プレースホルダー 3">
             <a:extLst>
               <a:ext uri="{FF2B5EF4-FFF2-40B4-BE49-F238E27FC236}">
-                <a16:creationId xmlns:a16="http://schemas.microsoft.com/office/drawing/2014/main" id="{89797955-54AF-5444-A207-9D8AAA8CD14F}"/>
+                <a16:creationId xmlns:a16="http://schemas.microsoft.com/office/drawing/2014/main" id="{EA4D9C2D-4C48-CD4F-887B-314E831E1E54}"/>
               </a:ext>
             </a:extLst>
           </p:cNvPr>
@@ -15005,7 +15319,7 @@
     </p:spTree>
     <p:extLst>
       <p:ext uri="{BB962C8B-B14F-4D97-AF65-F5344CB8AC3E}">
-        <p14:creationId xmlns:p14="http://schemas.microsoft.com/office/powerpoint/2010/main" val="2051790486"/>
+        <p14:creationId xmlns:p14="http://schemas.microsoft.com/office/powerpoint/2010/main" val="3599082772"/>
       </p:ext>
     </p:extLst>
   </p:cSld>
@@ -15037,7 +15351,7 @@
           <p:cNvPr id="2" name="タイトル 1">
             <a:extLst>
               <a:ext uri="{FF2B5EF4-FFF2-40B4-BE49-F238E27FC236}">
-                <a16:creationId xmlns:a16="http://schemas.microsoft.com/office/drawing/2014/main" id="{D4EA45E0-6EC3-4546-962B-3ADDD8781C9D}"/>
+                <a16:creationId xmlns:a16="http://schemas.microsoft.com/office/drawing/2014/main" id="{AA682DFF-D324-2B44-B659-FF46E3AA1D70}"/>
               </a:ext>
             </a:extLst>
           </p:cNvPr>
@@ -15055,7 +15369,11 @@
           <a:p>
             <a:r>
               <a:rPr lang="en-US" altLang="ja-JP" dirty="0"/>
-              <a:t>Modeling </a:t>
+              <a:t>M</a:t>
+            </a:r>
+            <a:r>
+              <a:rPr kumimoji="1" lang="en-US" altLang="ja-JP" dirty="0"/>
+              <a:t>odeling </a:t>
             </a:r>
             <a:endParaRPr kumimoji="1" lang="ja-JP" altLang="en-US"/>
           </a:p>
@@ -15066,7 +15384,7 @@
           <p:cNvPr id="3" name="コンテンツ プレースホルダー 2">
             <a:extLst>
               <a:ext uri="{FF2B5EF4-FFF2-40B4-BE49-F238E27FC236}">
-                <a16:creationId xmlns:a16="http://schemas.microsoft.com/office/drawing/2014/main" id="{C6E27343-2C9B-334E-90CD-315B46EA63CE}"/>
+                <a16:creationId xmlns:a16="http://schemas.microsoft.com/office/drawing/2014/main" id="{A1B81CE6-3BEF-7F46-9003-6161F54DD432}"/>
               </a:ext>
             </a:extLst>
           </p:cNvPr>
@@ -15085,44 +15403,38 @@
           <a:lstStyle/>
           <a:p>
             <a:r>
+              <a:rPr kumimoji="1" lang="en-US" altLang="ja-JP" sz="2400" dirty="0"/>
+              <a:t>We propose </a:t>
+            </a:r>
+            <a:r>
+              <a:rPr lang="en-US" altLang="ja-JP" sz="2400" dirty="0"/>
+              <a:t>mathematical </a:t>
+            </a:r>
+            <a:r>
+              <a:rPr kumimoji="1" lang="en-US" altLang="ja-JP" sz="2400" dirty="0"/>
+              <a:t>model to </a:t>
+            </a:r>
+            <a:r>
               <a:rPr lang="en" altLang="ja-JP" sz="2400" dirty="0"/>
-              <a:t>We propose model that splits the </a:t>
+              <a:t>this problem.</a:t>
+            </a:r>
+          </a:p>
+          <a:p>
+            <a:r>
+              <a:rPr lang="en" altLang="ja-JP" sz="2400" dirty="0"/>
+              <a:t>The basic idea is based on heuristics.</a:t>
+            </a:r>
+          </a:p>
+          <a:p>
+            <a:r>
+              <a:rPr lang="en" altLang="ja-JP" sz="2400" dirty="0"/>
+              <a:t>Using the local search, we improve the</a:t>
             </a:r>
             <a:r>
               <a:rPr lang="en-US" altLang="ja-JP" sz="2400" dirty="0"/>
-              <a:t>booking</a:t>
-            </a:r>
-            <a:r>
-              <a:rPr lang="en" altLang="ja-JP" sz="2400" dirty="0"/>
-              <a:t>s and assigns them to holds.</a:t>
-            </a:r>
-          </a:p>
-          <a:p>
-            <a:r>
-              <a:rPr lang="en" altLang="ja-JP" sz="2400" dirty="0"/>
-              <a:t>As for holds, we think about grouping some holds together and assigning </a:t>
-            </a:r>
-            <a:r>
-              <a:rPr lang="en-US" altLang="ja-JP" sz="2400" dirty="0"/>
-              <a:t>booking</a:t>
-            </a:r>
-            <a:r>
-              <a:rPr lang="en" altLang="ja-JP" sz="2400" dirty="0"/>
-              <a:t>s to them. </a:t>
-            </a:r>
-          </a:p>
-          <a:p>
-            <a:pPr lvl="1"/>
-            <a:r>
-              <a:rPr kumimoji="1" lang="en" altLang="ja-JP" sz="2200" dirty="0"/>
-              <a:t>We call them “segment”.</a:t>
-            </a:r>
-          </a:p>
-          <a:p>
-            <a:pPr marL="0" indent="0">
-              <a:buNone/>
-            </a:pPr>
-            <a:endParaRPr kumimoji="1" lang="ja-JP" altLang="en-US" sz="2400"/>
+              <a:t> assignment. </a:t>
+            </a:r>
+            <a:endParaRPr lang="en" altLang="ja-JP" sz="2400" dirty="0"/>
           </a:p>
         </p:txBody>
       </p:sp>
@@ -15131,7 +15443,7 @@
           <p:cNvPr id="4" name="スライド番号プレースホルダー 3">
             <a:extLst>
               <a:ext uri="{FF2B5EF4-FFF2-40B4-BE49-F238E27FC236}">
-                <a16:creationId xmlns:a16="http://schemas.microsoft.com/office/drawing/2014/main" id="{F915BA8E-2451-624A-AAE2-805356B0A849}"/>
+                <a16:creationId xmlns:a16="http://schemas.microsoft.com/office/drawing/2014/main" id="{89797955-54AF-5444-A207-9D8AAA8CD14F}"/>
               </a:ext>
             </a:extLst>
           </p:cNvPr>
@@ -15158,7 +15470,7 @@
     </p:spTree>
     <p:extLst>
       <p:ext uri="{BB962C8B-B14F-4D97-AF65-F5344CB8AC3E}">
-        <p14:creationId xmlns:p14="http://schemas.microsoft.com/office/powerpoint/2010/main" val="3274161218"/>
+        <p14:creationId xmlns:p14="http://schemas.microsoft.com/office/powerpoint/2010/main" val="2051790486"/>
       </p:ext>
     </p:extLst>
   </p:cSld>
@@ -15190,7 +15502,7 @@
           <p:cNvPr id="2" name="タイトル 1">
             <a:extLst>
               <a:ext uri="{FF2B5EF4-FFF2-40B4-BE49-F238E27FC236}">
-                <a16:creationId xmlns:a16="http://schemas.microsoft.com/office/drawing/2014/main" id="{A0F04F6F-5F7C-4C4A-A9DD-C0722B40C486}"/>
+                <a16:creationId xmlns:a16="http://schemas.microsoft.com/office/drawing/2014/main" id="{D4EA45E0-6EC3-4546-962B-3ADDD8781C9D}"/>
               </a:ext>
             </a:extLst>
           </p:cNvPr>
@@ -15207,8 +15519,8 @@
           <a:lstStyle/>
           <a:p>
             <a:r>
-              <a:rPr kumimoji="1" lang="en-US" altLang="ja-JP" dirty="0"/>
-              <a:t>Segment</a:t>
+              <a:rPr lang="en-US" altLang="ja-JP" dirty="0"/>
+              <a:t>Modeling </a:t>
             </a:r>
             <a:endParaRPr kumimoji="1" lang="ja-JP" altLang="en-US"/>
           </a:p>
@@ -15219,7 +15531,7 @@
           <p:cNvPr id="3" name="コンテンツ プレースホルダー 2">
             <a:extLst>
               <a:ext uri="{FF2B5EF4-FFF2-40B4-BE49-F238E27FC236}">
-                <a16:creationId xmlns:a16="http://schemas.microsoft.com/office/drawing/2014/main" id="{AE0BE67F-9583-8743-8B5D-219840071ED9}"/>
+                <a16:creationId xmlns:a16="http://schemas.microsoft.com/office/drawing/2014/main" id="{C6E27343-2C9B-334E-90CD-315B46EA63CE}"/>
               </a:ext>
             </a:extLst>
           </p:cNvPr>
@@ -15239,32 +15551,42 @@
           <a:p>
             <a:r>
               <a:rPr lang="en" altLang="ja-JP" sz="2400" dirty="0"/>
-              <a:t>The ship has 43 holds.</a:t>
-            </a:r>
-          </a:p>
-          <a:p>
+              <a:t>We propose model that splits the </a:t>
+            </a:r>
             <a:r>
               <a:rPr lang="en-US" altLang="ja-JP" sz="2400" dirty="0"/>
-              <a:t>We divide them into 17 segments.</a:t>
-            </a:r>
-          </a:p>
-          <a:p>
+              <a:t>booking</a:t>
+            </a:r>
+            <a:r>
+              <a:rPr lang="en" altLang="ja-JP" sz="2400" dirty="0"/>
+              <a:t>s and assigns them to holds.</a:t>
+            </a:r>
+          </a:p>
+          <a:p>
+            <a:r>
+              <a:rPr lang="en" altLang="ja-JP" sz="2400" dirty="0"/>
+              <a:t>As for holds, we think about grouping some holds together and assigning </a:t>
+            </a:r>
             <a:r>
               <a:rPr lang="en-US" altLang="ja-JP" sz="2400" dirty="0"/>
-              <a:t>It is based on the rule that on each floor, planners assign the cars in order </a:t>
+              <a:t>booking</a:t>
             </a:r>
             <a:r>
               <a:rPr lang="en" altLang="ja-JP" sz="2400" dirty="0"/>
-              <a:t>from the back hold to the hold with the ramp.</a:t>
-            </a:r>
-          </a:p>
-          <a:p>
-            <a:r>
-              <a:rPr lang="en" altLang="ja-JP" sz="2400" dirty="0"/>
-              <a:t>this grouping enable the model to create assignment that is similar to planners'.</a:t>
-            </a:r>
-          </a:p>
-          <a:p>
+              <a:t>s to them. </a:t>
+            </a:r>
+          </a:p>
+          <a:p>
+            <a:pPr lvl="1"/>
+            <a:r>
+              <a:rPr kumimoji="1" lang="en" altLang="ja-JP" sz="2200" dirty="0"/>
+              <a:t>We call them “segment”.</a:t>
+            </a:r>
+          </a:p>
+          <a:p>
+            <a:pPr marL="0" indent="0">
+              <a:buNone/>
+            </a:pPr>
             <a:endParaRPr kumimoji="1" lang="ja-JP" altLang="en-US" sz="2400"/>
           </a:p>
         </p:txBody>
@@ -15274,7 +15596,7 @@
           <p:cNvPr id="4" name="スライド番号プレースホルダー 3">
             <a:extLst>
               <a:ext uri="{FF2B5EF4-FFF2-40B4-BE49-F238E27FC236}">
-                <a16:creationId xmlns:a16="http://schemas.microsoft.com/office/drawing/2014/main" id="{210A082B-DC2D-DF48-B920-B2AEC4981FFD}"/>
+                <a16:creationId xmlns:a16="http://schemas.microsoft.com/office/drawing/2014/main" id="{F915BA8E-2451-624A-AAE2-805356B0A849}"/>
               </a:ext>
             </a:extLst>
           </p:cNvPr>
@@ -15301,7 +15623,7 @@
     </p:spTree>
     <p:extLst>
       <p:ext uri="{BB962C8B-B14F-4D97-AF65-F5344CB8AC3E}">
-        <p14:creationId xmlns:p14="http://schemas.microsoft.com/office/powerpoint/2010/main" val="2594584284"/>
+        <p14:creationId xmlns:p14="http://schemas.microsoft.com/office/powerpoint/2010/main" val="3274161218"/>
       </p:ext>
     </p:extLst>
   </p:cSld>
@@ -15333,6 +15655,149 @@
           <p:cNvPr id="2" name="タイトル 1">
             <a:extLst>
               <a:ext uri="{FF2B5EF4-FFF2-40B4-BE49-F238E27FC236}">
+                <a16:creationId xmlns:a16="http://schemas.microsoft.com/office/drawing/2014/main" id="{A0F04F6F-5F7C-4C4A-A9DD-C0722B40C486}"/>
+              </a:ext>
+            </a:extLst>
+          </p:cNvPr>
+          <p:cNvSpPr>
+            <a:spLocks noGrp="1"/>
+          </p:cNvSpPr>
+          <p:nvPr>
+            <p:ph type="title"/>
+          </p:nvPr>
+        </p:nvSpPr>
+        <p:spPr/>
+        <p:txBody>
+          <a:bodyPr/>
+          <a:lstStyle/>
+          <a:p>
+            <a:r>
+              <a:rPr kumimoji="1" lang="en-US" altLang="ja-JP" dirty="0"/>
+              <a:t>Segment</a:t>
+            </a:r>
+            <a:endParaRPr kumimoji="1" lang="ja-JP" altLang="en-US"/>
+          </a:p>
+        </p:txBody>
+      </p:sp>
+      <p:sp>
+        <p:nvSpPr>
+          <p:cNvPr id="3" name="コンテンツ プレースホルダー 2">
+            <a:extLst>
+              <a:ext uri="{FF2B5EF4-FFF2-40B4-BE49-F238E27FC236}">
+                <a16:creationId xmlns:a16="http://schemas.microsoft.com/office/drawing/2014/main" id="{AE0BE67F-9583-8743-8B5D-219840071ED9}"/>
+              </a:ext>
+            </a:extLst>
+          </p:cNvPr>
+          <p:cNvSpPr>
+            <a:spLocks noGrp="1"/>
+          </p:cNvSpPr>
+          <p:nvPr>
+            <p:ph idx="1"/>
+          </p:nvPr>
+        </p:nvSpPr>
+        <p:spPr/>
+        <p:txBody>
+          <a:bodyPr>
+            <a:normAutofit/>
+          </a:bodyPr>
+          <a:lstStyle/>
+          <a:p>
+            <a:r>
+              <a:rPr lang="en" altLang="ja-JP" sz="2400" dirty="0"/>
+              <a:t>The ship has 43 holds.</a:t>
+            </a:r>
+          </a:p>
+          <a:p>
+            <a:r>
+              <a:rPr lang="en-US" altLang="ja-JP" sz="2400" dirty="0"/>
+              <a:t>We divide them into 17 segments.</a:t>
+            </a:r>
+          </a:p>
+          <a:p>
+            <a:r>
+              <a:rPr lang="en-US" altLang="ja-JP" sz="2400" dirty="0"/>
+              <a:t>It is based on the rule that on each floor, planners assign the cars in order </a:t>
+            </a:r>
+            <a:r>
+              <a:rPr lang="en" altLang="ja-JP" sz="2400" dirty="0"/>
+              <a:t>from the back hold to the hold with the ramp.</a:t>
+            </a:r>
+          </a:p>
+          <a:p>
+            <a:r>
+              <a:rPr lang="en" altLang="ja-JP" sz="2400" dirty="0"/>
+              <a:t>this grouping enable the model to create assignment that is similar to planners'.</a:t>
+            </a:r>
+          </a:p>
+          <a:p>
+            <a:endParaRPr kumimoji="1" lang="ja-JP" altLang="en-US" sz="2400"/>
+          </a:p>
+        </p:txBody>
+      </p:sp>
+      <p:sp>
+        <p:nvSpPr>
+          <p:cNvPr id="4" name="スライド番号プレースホルダー 3">
+            <a:extLst>
+              <a:ext uri="{FF2B5EF4-FFF2-40B4-BE49-F238E27FC236}">
+                <a16:creationId xmlns:a16="http://schemas.microsoft.com/office/drawing/2014/main" id="{210A082B-DC2D-DF48-B920-B2AEC4981FFD}"/>
+              </a:ext>
+            </a:extLst>
+          </p:cNvPr>
+          <p:cNvSpPr>
+            <a:spLocks noGrp="1"/>
+          </p:cNvSpPr>
+          <p:nvPr>
+            <p:ph type="sldNum" sz="quarter" idx="12"/>
+          </p:nvPr>
+        </p:nvSpPr>
+        <p:spPr/>
+        <p:txBody>
+          <a:bodyPr/>
+          <a:lstStyle/>
+          <a:p>
+            <a:fld id="{1413D9FB-836C-864C-8E5A-36E5384B9725}" type="slidenum">
+              <a:rPr kumimoji="1" lang="ja-JP" altLang="en-US" smtClean="0"/>
+              <a:t>25</a:t>
+            </a:fld>
+            <a:endParaRPr kumimoji="1" lang="ja-JP" altLang="en-US"/>
+          </a:p>
+        </p:txBody>
+      </p:sp>
+    </p:spTree>
+    <p:extLst>
+      <p:ext uri="{BB962C8B-B14F-4D97-AF65-F5344CB8AC3E}">
+        <p14:creationId xmlns:p14="http://schemas.microsoft.com/office/powerpoint/2010/main" val="2594584284"/>
+      </p:ext>
+    </p:extLst>
+  </p:cSld>
+  <p:clrMapOvr>
+    <a:masterClrMapping/>
+  </p:clrMapOvr>
+</p:sld>
+</file>
+
+<file path=ppt/slides/slide26.xml><?xml version="1.0" encoding="utf-8"?>
+<p:sld xmlns:a="http://schemas.openxmlformats.org/drawingml/2006/main" xmlns:r="http://schemas.openxmlformats.org/officeDocument/2006/relationships" xmlns:p="http://schemas.openxmlformats.org/presentationml/2006/main">
+  <p:cSld>
+    <p:spTree>
+      <p:nvGrpSpPr>
+        <p:cNvPr id="1" name=""/>
+        <p:cNvGrpSpPr/>
+        <p:nvPr/>
+      </p:nvGrpSpPr>
+      <p:grpSpPr>
+        <a:xfrm>
+          <a:off x="0" y="0"/>
+          <a:ext cx="0" cy="0"/>
+          <a:chOff x="0" y="0"/>
+          <a:chExt cx="0" cy="0"/>
+        </a:xfrm>
+      </p:grpSpPr>
+      <p:sp>
+        <p:nvSpPr>
+          <p:cNvPr id="2" name="タイトル 1">
+            <a:extLst>
+              <a:ext uri="{FF2B5EF4-FFF2-40B4-BE49-F238E27FC236}">
                 <a16:creationId xmlns:a16="http://schemas.microsoft.com/office/drawing/2014/main" id="{12CE1CC6-A6DE-7D4A-B0CE-90CF2774247B}"/>
               </a:ext>
             </a:extLst>
@@ -15357,8 +15822,8 @@
           </a:p>
         </p:txBody>
       </p:sp>
-      <mc:AlternateContent xmlns:mc="http://schemas.openxmlformats.org/markup-compatibility/2006">
-        <mc:Choice xmlns:a14="http://schemas.microsoft.com/office/drawing/2010/main" Requires="a14">
+      <mc:AlternateContent xmlns:mc="http://schemas.openxmlformats.org/markup-compatibility/2006" xmlns:a14="http://schemas.microsoft.com/office/drawing/2010/main">
+        <mc:Choice Requires="a14">
           <p:sp>
             <p:nvSpPr>
               <p:cNvPr id="3" name="コンテンツ プレースホルダー 2">
@@ -15446,7 +15911,7 @@
             </p:txBody>
           </p:sp>
         </mc:Choice>
-        <mc:Fallback>
+        <mc:Fallback xmlns="">
           <p:sp>
             <p:nvSpPr>
               <p:cNvPr id="3" name="コンテンツ プレースホルダー 2">
@@ -15509,7 +15974,7 @@
           <a:p>
             <a:fld id="{1413D9FB-836C-864C-8E5A-36E5384B9725}" type="slidenum">
               <a:rPr kumimoji="1" lang="ja-JP" altLang="en-US" smtClean="0"/>
-              <a:t>25</a:t>
+              <a:t>26</a:t>
             </a:fld>
             <a:endParaRPr kumimoji="1" lang="ja-JP" altLang="en-US"/>
           </a:p>
@@ -15528,7 +15993,7 @@
 </p:sld>
 </file>
 
-<file path=ppt/slides/slide26.xml><?xml version="1.0" encoding="utf-8"?>
+<file path=ppt/slides/slide27.xml><?xml version="1.0" encoding="utf-8"?>
 <p:sld xmlns:a="http://schemas.openxmlformats.org/drawingml/2006/main" xmlns:r="http://schemas.openxmlformats.org/officeDocument/2006/relationships" xmlns:p="http://schemas.openxmlformats.org/presentationml/2006/main">
   <p:cSld>
     <p:spTree>
@@ -15574,8 +16039,8 @@
           </a:p>
         </p:txBody>
       </p:sp>
-      <mc:AlternateContent xmlns:mc="http://schemas.openxmlformats.org/markup-compatibility/2006">
-        <mc:Choice xmlns:a14="http://schemas.microsoft.com/office/drawing/2010/main" Requires="a14">
+      <mc:AlternateContent xmlns:mc="http://schemas.openxmlformats.org/markup-compatibility/2006" xmlns:a14="http://schemas.microsoft.com/office/drawing/2010/main">
+        <mc:Choice Requires="a14">
           <p:sp>
             <p:nvSpPr>
               <p:cNvPr id="3" name="コンテンツ プレースホルダー 2">
@@ -15787,7 +16252,7 @@
             </p:txBody>
           </p:sp>
         </mc:Choice>
-        <mc:Fallback>
+        <mc:Fallback xmlns="">
           <p:sp>
             <p:nvSpPr>
               <p:cNvPr id="3" name="コンテンツ プレースホルダー 2">
@@ -15854,7 +16319,7 @@
           <a:p>
             <a:fld id="{1413D9FB-836C-864C-8E5A-36E5384B9725}" type="slidenum">
               <a:rPr kumimoji="1" lang="ja-JP" altLang="en-US" smtClean="0"/>
-              <a:t>26</a:t>
+              <a:t>27</a:t>
             </a:fld>
             <a:endParaRPr kumimoji="1" lang="ja-JP" altLang="en-US"/>
           </a:p>
@@ -15873,7 +16338,7 @@
 </p:sld>
 </file>
 
-<file path=ppt/slides/slide27.xml><?xml version="1.0" encoding="utf-8"?>
+<file path=ppt/slides/slide28.xml><?xml version="1.0" encoding="utf-8"?>
 <p:sld xmlns:a="http://schemas.openxmlformats.org/drawingml/2006/main" xmlns:r="http://schemas.openxmlformats.org/officeDocument/2006/relationships" xmlns:p="http://schemas.openxmlformats.org/presentationml/2006/main">
   <p:cSld>
     <p:spTree>
@@ -16299,7 +16764,7 @@
           <a:p>
             <a:fld id="{1413D9FB-836C-864C-8E5A-36E5384B9725}" type="slidenum">
               <a:rPr kumimoji="1" lang="ja-JP" altLang="en-US" smtClean="0"/>
-              <a:t>27</a:t>
+              <a:t>28</a:t>
             </a:fld>
             <a:endParaRPr kumimoji="1" lang="ja-JP" altLang="en-US"/>
           </a:p>
@@ -16309,143 +16774,6 @@
     <p:extLst>
       <p:ext uri="{BB962C8B-B14F-4D97-AF65-F5344CB8AC3E}">
         <p14:creationId xmlns:p14="http://schemas.microsoft.com/office/powerpoint/2010/main" val="42799173"/>
-      </p:ext>
-    </p:extLst>
-  </p:cSld>
-  <p:clrMapOvr>
-    <a:masterClrMapping/>
-  </p:clrMapOvr>
-</p:sld>
-</file>
-
-<file path=ppt/slides/slide28.xml><?xml version="1.0" encoding="utf-8"?>
-<p:sld xmlns:a="http://schemas.openxmlformats.org/drawingml/2006/main" xmlns:r="http://schemas.openxmlformats.org/officeDocument/2006/relationships" xmlns:p="http://schemas.openxmlformats.org/presentationml/2006/main">
-  <p:cSld>
-    <p:spTree>
-      <p:nvGrpSpPr>
-        <p:cNvPr id="1" name=""/>
-        <p:cNvGrpSpPr/>
-        <p:nvPr/>
-      </p:nvGrpSpPr>
-      <p:grpSpPr>
-        <a:xfrm>
-          <a:off x="0" y="0"/>
-          <a:ext cx="0" cy="0"/>
-          <a:chOff x="0" y="0"/>
-          <a:chExt cx="0" cy="0"/>
-        </a:xfrm>
-      </p:grpSpPr>
-      <p:sp>
-        <p:nvSpPr>
-          <p:cNvPr id="2" name="タイトル 1">
-            <a:extLst>
-              <a:ext uri="{FF2B5EF4-FFF2-40B4-BE49-F238E27FC236}">
-                <a16:creationId xmlns:a16="http://schemas.microsoft.com/office/drawing/2014/main" id="{2B278DCE-0685-4441-B128-DC9D8C8EB809}"/>
-              </a:ext>
-            </a:extLst>
-          </p:cNvPr>
-          <p:cNvSpPr>
-            <a:spLocks noGrp="1"/>
-          </p:cNvSpPr>
-          <p:nvPr>
-            <p:ph type="title"/>
-          </p:nvPr>
-        </p:nvSpPr>
-        <p:spPr/>
-        <p:txBody>
-          <a:bodyPr/>
-          <a:lstStyle/>
-          <a:p>
-            <a:r>
-              <a:rPr kumimoji="1" lang="en-US" altLang="ja-JP" dirty="0"/>
-              <a:t>Local Search</a:t>
-            </a:r>
-            <a:br>
-              <a:rPr kumimoji="1" lang="en-US" altLang="ja-JP" dirty="0"/>
-            </a:br>
-            <a:endParaRPr kumimoji="1" lang="ja-JP" altLang="en-US"/>
-          </a:p>
-        </p:txBody>
-      </p:sp>
-      <p:sp>
-        <p:nvSpPr>
-          <p:cNvPr id="3" name="コンテンツ プレースホルダー 2">
-            <a:extLst>
-              <a:ext uri="{FF2B5EF4-FFF2-40B4-BE49-F238E27FC236}">
-                <a16:creationId xmlns:a16="http://schemas.microsoft.com/office/drawing/2014/main" id="{613B841F-8DD0-1147-9E25-B1A91183D7E1}"/>
-              </a:ext>
-            </a:extLst>
-          </p:cNvPr>
-          <p:cNvSpPr>
-            <a:spLocks noGrp="1"/>
-          </p:cNvSpPr>
-          <p:nvPr>
-            <p:ph idx="1"/>
-          </p:nvPr>
-        </p:nvSpPr>
-        <p:spPr/>
-        <p:txBody>
-          <a:bodyPr/>
-          <a:lstStyle/>
-          <a:p>
-            <a:r>
-              <a:rPr lang="en" altLang="ja-JP" sz="2400" dirty="0"/>
-              <a:t>Local search algorithms move from solution to solution in the space of candidate by applying local changes </a:t>
-            </a:r>
-          </a:p>
-          <a:p>
-            <a:r>
-              <a:rPr lang="en" altLang="ja-JP" sz="2400" dirty="0"/>
-              <a:t>We repeat this operation until the termination condition is satisfied</a:t>
-            </a:r>
-          </a:p>
-          <a:p>
-            <a:r>
-              <a:rPr lang="en-US" altLang="ja-JP" sz="2400" dirty="0"/>
-              <a:t>In this research, we use shift neighborhood and swap neighborhood.</a:t>
-            </a:r>
-          </a:p>
-          <a:p>
-            <a:endParaRPr lang="en" altLang="ja-JP" sz="2400" dirty="0"/>
-          </a:p>
-          <a:p>
-            <a:endParaRPr kumimoji="1" lang="ja-JP" altLang="en-US"/>
-          </a:p>
-        </p:txBody>
-      </p:sp>
-      <p:sp>
-        <p:nvSpPr>
-          <p:cNvPr id="4" name="スライド番号プレースホルダー 3">
-            <a:extLst>
-              <a:ext uri="{FF2B5EF4-FFF2-40B4-BE49-F238E27FC236}">
-                <a16:creationId xmlns:a16="http://schemas.microsoft.com/office/drawing/2014/main" id="{11800B15-CE42-844A-873A-4A0C5569C46C}"/>
-              </a:ext>
-            </a:extLst>
-          </p:cNvPr>
-          <p:cNvSpPr>
-            <a:spLocks noGrp="1"/>
-          </p:cNvSpPr>
-          <p:nvPr>
-            <p:ph type="sldNum" sz="quarter" idx="12"/>
-          </p:nvPr>
-        </p:nvSpPr>
-        <p:spPr/>
-        <p:txBody>
-          <a:bodyPr/>
-          <a:lstStyle/>
-          <a:p>
-            <a:fld id="{1413D9FB-836C-864C-8E5A-36E5384B9725}" type="slidenum">
-              <a:rPr kumimoji="1" lang="ja-JP" altLang="en-US" smtClean="0"/>
-              <a:t>28</a:t>
-            </a:fld>
-            <a:endParaRPr kumimoji="1" lang="ja-JP" altLang="en-US"/>
-          </a:p>
-        </p:txBody>
-      </p:sp>
-    </p:spTree>
-    <p:extLst>
-      <p:ext uri="{BB962C8B-B14F-4D97-AF65-F5344CB8AC3E}">
-        <p14:creationId xmlns:p14="http://schemas.microsoft.com/office/powerpoint/2010/main" val="2244460313"/>
       </p:ext>
     </p:extLst>
   </p:cSld>
@@ -16477,7 +16805,7 @@
           <p:cNvPr id="2" name="タイトル 1">
             <a:extLst>
               <a:ext uri="{FF2B5EF4-FFF2-40B4-BE49-F238E27FC236}">
-                <a16:creationId xmlns:a16="http://schemas.microsoft.com/office/drawing/2014/main" id="{3D8A63EE-A0A1-4C4E-9821-A455B6473202}"/>
+                <a16:creationId xmlns:a16="http://schemas.microsoft.com/office/drawing/2014/main" id="{2B278DCE-0685-4441-B128-DC9D8C8EB809}"/>
               </a:ext>
             </a:extLst>
           </p:cNvPr>
@@ -16495,8 +16823,11 @@
           <a:p>
             <a:r>
               <a:rPr kumimoji="1" lang="en-US" altLang="ja-JP" dirty="0"/>
-              <a:t>Neighborhood</a:t>
-            </a:r>
+              <a:t>Local Search</a:t>
+            </a:r>
+            <a:br>
+              <a:rPr kumimoji="1" lang="en-US" altLang="ja-JP" dirty="0"/>
+            </a:br>
             <a:endParaRPr kumimoji="1" lang="ja-JP" altLang="en-US"/>
           </a:p>
         </p:txBody>
@@ -16506,7 +16837,7 @@
           <p:cNvPr id="3" name="コンテンツ プレースホルダー 2">
             <a:extLst>
               <a:ext uri="{FF2B5EF4-FFF2-40B4-BE49-F238E27FC236}">
-                <a16:creationId xmlns:a16="http://schemas.microsoft.com/office/drawing/2014/main" id="{240D5665-5F70-714B-87E9-C1AB005B3571}"/>
+                <a16:creationId xmlns:a16="http://schemas.microsoft.com/office/drawing/2014/main" id="{613B841F-8DD0-1147-9E25-B1A91183D7E1}"/>
               </a:ext>
             </a:extLst>
           </p:cNvPr>
@@ -16519,52 +16850,31 @@
         </p:nvSpPr>
         <p:spPr/>
         <p:txBody>
-          <a:bodyPr>
-            <a:normAutofit/>
-          </a:bodyPr>
+          <a:bodyPr/>
           <a:lstStyle/>
           <a:p>
             <a:r>
-              <a:rPr kumimoji="1" lang="en-US" altLang="ja-JP" sz="2400" dirty="0"/>
-              <a:t>Shift neighborhood</a:t>
-            </a:r>
-          </a:p>
-          <a:p>
-            <a:pPr lvl="1"/>
-            <a:r>
-              <a:rPr kumimoji="1" lang="en-US" altLang="ja-JP" sz="2400" dirty="0"/>
-              <a:t>This is obtained by</a:t>
-            </a:r>
-            <a:r>
-              <a:rPr kumimoji="1" lang="ja-JP" altLang="en-US" sz="2400"/>
-              <a:t> </a:t>
-            </a:r>
-            <a:r>
-              <a:rPr kumimoji="1" lang="en-US" altLang="ja-JP" sz="2400" dirty="0"/>
-              <a:t>reassigning one booking which was assigned to a segment to another segment. </a:t>
-            </a:r>
-          </a:p>
-          <a:p>
-            <a:r>
-              <a:rPr kumimoji="1" lang="en-US" altLang="ja-JP" sz="2400" dirty="0"/>
-              <a:t>Swap </a:t>
-            </a:r>
+              <a:rPr lang="en" altLang="ja-JP" sz="2400" dirty="0"/>
+              <a:t>Local search algorithms move from solution to solution in the space of candidate by applying local changes </a:t>
+            </a:r>
+          </a:p>
+          <a:p>
+            <a:r>
+              <a:rPr lang="en" altLang="ja-JP" sz="2400" dirty="0"/>
+              <a:t>We repeat this operation until the termination condition is satisfied</a:t>
+            </a:r>
+          </a:p>
+          <a:p>
             <a:r>
               <a:rPr lang="en-US" altLang="ja-JP" sz="2400" dirty="0"/>
-              <a:t>neighborhood</a:t>
-            </a:r>
-          </a:p>
-          <a:p>
-            <a:pPr lvl="1"/>
-            <a:r>
-              <a:rPr kumimoji="1" lang="en-US" altLang="ja-JP" sz="2400" dirty="0"/>
-              <a:t>This is obtained by s</a:t>
-            </a:r>
-            <a:r>
-              <a:rPr lang="en-US" altLang="ja-JP" sz="2400" dirty="0"/>
-              <a:t>wapping the allocated segments of two bookings.</a:t>
-            </a:r>
-            <a:endParaRPr kumimoji="1" lang="ja-JP" altLang="en-US" sz="2400"/>
+              <a:t>In this research, we use shift neighborhood and swap neighborhood.</a:t>
+            </a:r>
+          </a:p>
+          <a:p>
+            <a:endParaRPr lang="en" altLang="ja-JP" sz="2400" dirty="0"/>
+          </a:p>
+          <a:p>
+            <a:endParaRPr kumimoji="1" lang="ja-JP" altLang="en-US"/>
           </a:p>
         </p:txBody>
       </p:sp>
@@ -16573,7 +16883,7 @@
           <p:cNvPr id="4" name="スライド番号プレースホルダー 3">
             <a:extLst>
               <a:ext uri="{FF2B5EF4-FFF2-40B4-BE49-F238E27FC236}">
-                <a16:creationId xmlns:a16="http://schemas.microsoft.com/office/drawing/2014/main" id="{F95BD5A2-1BAE-094B-AC86-B052D8DF5EF5}"/>
+                <a16:creationId xmlns:a16="http://schemas.microsoft.com/office/drawing/2014/main" id="{11800B15-CE42-844A-873A-4A0C5569C46C}"/>
               </a:ext>
             </a:extLst>
           </p:cNvPr>
@@ -16600,7 +16910,7 @@
     </p:spTree>
     <p:extLst>
       <p:ext uri="{BB962C8B-B14F-4D97-AF65-F5344CB8AC3E}">
-        <p14:creationId xmlns:p14="http://schemas.microsoft.com/office/powerpoint/2010/main" val="719674508"/>
+        <p14:creationId xmlns:p14="http://schemas.microsoft.com/office/powerpoint/2010/main" val="2244460313"/>
       </p:ext>
     </p:extLst>
   </p:cSld>
@@ -16799,7 +17109,7 @@
           <p:cNvPr id="2" name="タイトル 1">
             <a:extLst>
               <a:ext uri="{FF2B5EF4-FFF2-40B4-BE49-F238E27FC236}">
-                <a16:creationId xmlns:a16="http://schemas.microsoft.com/office/drawing/2014/main" id="{0BE0AB04-8F34-BD4F-8DDD-608D0F3AC3BC}"/>
+                <a16:creationId xmlns:a16="http://schemas.microsoft.com/office/drawing/2014/main" id="{3D8A63EE-A0A1-4C4E-9821-A455B6473202}"/>
               </a:ext>
             </a:extLst>
           </p:cNvPr>
@@ -16817,7 +17127,7 @@
           <a:p>
             <a:r>
               <a:rPr kumimoji="1" lang="en-US" altLang="ja-JP" dirty="0"/>
-              <a:t>Flow of local search</a:t>
+              <a:t>Neighborhood</a:t>
             </a:r>
             <a:endParaRPr kumimoji="1" lang="ja-JP" altLang="en-US"/>
           </a:p>
@@ -16828,7 +17138,7 @@
           <p:cNvPr id="3" name="コンテンツ プレースホルダー 2">
             <a:extLst>
               <a:ext uri="{FF2B5EF4-FFF2-40B4-BE49-F238E27FC236}">
-                <a16:creationId xmlns:a16="http://schemas.microsoft.com/office/drawing/2014/main" id="{EF816E5E-667D-8843-89E2-F9D0E26CD703}"/>
+                <a16:creationId xmlns:a16="http://schemas.microsoft.com/office/drawing/2014/main" id="{240D5665-5F70-714B-87E9-C1AB005B3571}"/>
               </a:ext>
             </a:extLst>
           </p:cNvPr>
@@ -16839,51 +17149,54 @@
             <p:ph idx="1"/>
           </p:nvPr>
         </p:nvSpPr>
-        <p:spPr>
-          <a:xfrm>
-            <a:off x="2589211" y="2133600"/>
-            <a:ext cx="7522977" cy="3777622"/>
-          </a:xfrm>
-        </p:spPr>
+        <p:spPr/>
         <p:txBody>
           <a:bodyPr>
             <a:normAutofit/>
           </a:bodyPr>
           <a:lstStyle/>
           <a:p>
-            <a:pPr>
-              <a:buFont typeface="+mj-lt"/>
-              <a:buAutoNum type="arabicPeriod"/>
-            </a:pPr>
-            <a:r>
-              <a:rPr lang="en" altLang="ja-JP" sz="2400" dirty="0"/>
-              <a:t>Searching the shift neighborhood until no better solution is found.</a:t>
-            </a:r>
-          </a:p>
-          <a:p>
-            <a:pPr>
-              <a:buFont typeface="+mj-lt"/>
-              <a:buAutoNum type="arabicPeriod"/>
-            </a:pPr>
-            <a:r>
-              <a:rPr lang="en" altLang="ja-JP" sz="2400" dirty="0"/>
-              <a:t>Searching the swap neighborhood until no better solution is found.</a:t>
-            </a:r>
-          </a:p>
-          <a:p>
-            <a:pPr>
-              <a:buFont typeface="+mj-lt"/>
-              <a:buAutoNum type="arabicPeriod"/>
-            </a:pPr>
-            <a:r>
-              <a:rPr lang="en" altLang="ja-JP" sz="2400" dirty="0"/>
-              <a:t>If better solution is found in step 1 or step 2,</a:t>
+            <a:r>
+              <a:rPr kumimoji="1" lang="en-US" altLang="ja-JP" sz="2400" dirty="0"/>
+              <a:t>Shift neighborhood</a:t>
+            </a:r>
+          </a:p>
+          <a:p>
+            <a:pPr lvl="1"/>
+            <a:r>
+              <a:rPr kumimoji="1" lang="en-US" altLang="ja-JP" sz="2400" dirty="0"/>
+              <a:t>This is obtained by</a:t>
+            </a:r>
+            <a:r>
+              <a:rPr kumimoji="1" lang="ja-JP" altLang="en-US" sz="2400"/>
+              <a:t> </a:t>
+            </a:r>
+            <a:r>
+              <a:rPr kumimoji="1" lang="en-US" altLang="ja-JP" sz="2400" dirty="0"/>
+              <a:t>reassigning one booking which was assigned to a segment to another segment. </a:t>
+            </a:r>
+          </a:p>
+          <a:p>
+            <a:r>
+              <a:rPr kumimoji="1" lang="en-US" altLang="ja-JP" sz="2400" dirty="0"/>
+              <a:t>Swap </a:t>
             </a:r>
             <a:r>
               <a:rPr lang="en-US" altLang="ja-JP" sz="2400" dirty="0"/>
-              <a:t> return to step 1.</a:t>
-            </a:r>
-            <a:endParaRPr lang="en" altLang="ja-JP" sz="2400" dirty="0"/>
+              <a:t>neighborhood</a:t>
+            </a:r>
+          </a:p>
+          <a:p>
+            <a:pPr lvl="1"/>
+            <a:r>
+              <a:rPr kumimoji="1" lang="en-US" altLang="ja-JP" sz="2400" dirty="0"/>
+              <a:t>This is obtained by s</a:t>
+            </a:r>
+            <a:r>
+              <a:rPr lang="en-US" altLang="ja-JP" sz="2400" dirty="0"/>
+              <a:t>wapping the allocated segments of two bookings.</a:t>
+            </a:r>
+            <a:endParaRPr kumimoji="1" lang="ja-JP" altLang="en-US" sz="2400"/>
           </a:p>
         </p:txBody>
       </p:sp>
@@ -16892,7 +17205,7 @@
           <p:cNvPr id="4" name="スライド番号プレースホルダー 3">
             <a:extLst>
               <a:ext uri="{FF2B5EF4-FFF2-40B4-BE49-F238E27FC236}">
-                <a16:creationId xmlns:a16="http://schemas.microsoft.com/office/drawing/2014/main" id="{C88F3636-CA9F-194F-B51C-2E9F30882970}"/>
+                <a16:creationId xmlns:a16="http://schemas.microsoft.com/office/drawing/2014/main" id="{F95BD5A2-1BAE-094B-AC86-B052D8DF5EF5}"/>
               </a:ext>
             </a:extLst>
           </p:cNvPr>
@@ -16919,7 +17232,7 @@
     </p:spTree>
     <p:extLst>
       <p:ext uri="{BB962C8B-B14F-4D97-AF65-F5344CB8AC3E}">
-        <p14:creationId xmlns:p14="http://schemas.microsoft.com/office/powerpoint/2010/main" val="1443573793"/>
+        <p14:creationId xmlns:p14="http://schemas.microsoft.com/office/powerpoint/2010/main" val="719674508"/>
       </p:ext>
     </p:extLst>
   </p:cSld>
@@ -16951,7 +17264,7 @@
           <p:cNvPr id="2" name="タイトル 1">
             <a:extLst>
               <a:ext uri="{FF2B5EF4-FFF2-40B4-BE49-F238E27FC236}">
-                <a16:creationId xmlns:a16="http://schemas.microsoft.com/office/drawing/2014/main" id="{FCE7EB18-D7E1-894E-BC25-80C1A8AA5D09}"/>
+                <a16:creationId xmlns:a16="http://schemas.microsoft.com/office/drawing/2014/main" id="{0BE0AB04-8F34-BD4F-8DDD-608D0F3AC3BC}"/>
               </a:ext>
             </a:extLst>
           </p:cNvPr>
@@ -16968,8 +17281,8 @@
           <a:lstStyle/>
           <a:p>
             <a:r>
-              <a:rPr lang="en" altLang="ja-JP" dirty="0"/>
-              <a:t>Shift neighborhood</a:t>
+              <a:rPr kumimoji="1" lang="en-US" altLang="ja-JP" dirty="0"/>
+              <a:t>Flow of local search</a:t>
             </a:r>
             <a:endParaRPr kumimoji="1" lang="ja-JP" altLang="en-US"/>
           </a:p>
@@ -16980,7 +17293,7 @@
           <p:cNvPr id="3" name="コンテンツ プレースホルダー 2">
             <a:extLst>
               <a:ext uri="{FF2B5EF4-FFF2-40B4-BE49-F238E27FC236}">
-                <a16:creationId xmlns:a16="http://schemas.microsoft.com/office/drawing/2014/main" id="{DF18F744-42F4-CA45-A447-4C7A6529DF3D}"/>
+                <a16:creationId xmlns:a16="http://schemas.microsoft.com/office/drawing/2014/main" id="{EF816E5E-667D-8843-89E2-F9D0E26CD703}"/>
               </a:ext>
             </a:extLst>
           </p:cNvPr>
@@ -16993,8 +17306,8 @@
         </p:nvSpPr>
         <p:spPr>
           <a:xfrm>
-            <a:off x="2589212" y="2133600"/>
-            <a:ext cx="8356694" cy="3777622"/>
+            <a:off x="2589211" y="2133600"/>
+            <a:ext cx="7522977" cy="3777622"/>
           </a:xfrm>
         </p:spPr>
         <p:txBody>
@@ -17003,23 +17316,39 @@
           </a:bodyPr>
           <a:lstStyle/>
           <a:p>
-            <a:r>
-              <a:rPr kumimoji="1" lang="en-US" altLang="ja-JP" sz="2400" dirty="0"/>
-              <a:t>When searching </a:t>
+            <a:pPr>
+              <a:buFont typeface="+mj-lt"/>
+              <a:buAutoNum type="arabicPeriod"/>
+            </a:pPr>
+            <a:r>
+              <a:rPr lang="en" altLang="ja-JP" sz="2400" dirty="0"/>
+              <a:t>Searching the shift neighborhood until no better solution is found.</a:t>
+            </a:r>
+          </a:p>
+          <a:p>
+            <a:pPr>
+              <a:buFont typeface="+mj-lt"/>
+              <a:buAutoNum type="arabicPeriod"/>
+            </a:pPr>
+            <a:r>
+              <a:rPr lang="en" altLang="ja-JP" sz="2400" dirty="0"/>
+              <a:t>Searching the swap neighborhood until no better solution is found.</a:t>
+            </a:r>
+          </a:p>
+          <a:p>
+            <a:pPr>
+              <a:buFont typeface="+mj-lt"/>
+              <a:buAutoNum type="arabicPeriod"/>
+            </a:pPr>
+            <a:r>
+              <a:rPr lang="en" altLang="ja-JP" sz="2400" dirty="0"/>
+              <a:t>If better solution is found in step 1 or step 2,</a:t>
             </a:r>
             <a:r>
               <a:rPr lang="en-US" altLang="ja-JP" sz="2400" dirty="0"/>
-              <a:t>shift neighborhoods, we normally calculate the evaluate function for all possible insertion positions and insert in the best position.</a:t>
-            </a:r>
-          </a:p>
-          <a:p>
-            <a:r>
-              <a:rPr lang="en" altLang="ja-JP" sz="2400" dirty="0"/>
-              <a:t>For this problem, there may be a waste of resources.</a:t>
-            </a:r>
-          </a:p>
-          <a:p>
-            <a:endParaRPr kumimoji="1" lang="ja-JP" altLang="en-US" sz="2400"/>
+              <a:t> return to step 1.</a:t>
+            </a:r>
+            <a:endParaRPr lang="en" altLang="ja-JP" sz="2400" dirty="0"/>
           </a:p>
         </p:txBody>
       </p:sp>
@@ -17028,7 +17357,7 @@
           <p:cNvPr id="4" name="スライド番号プレースホルダー 3">
             <a:extLst>
               <a:ext uri="{FF2B5EF4-FFF2-40B4-BE49-F238E27FC236}">
-                <a16:creationId xmlns:a16="http://schemas.microsoft.com/office/drawing/2014/main" id="{D6B98096-3519-2C4D-9BF8-8A1F1CC998AE}"/>
+                <a16:creationId xmlns:a16="http://schemas.microsoft.com/office/drawing/2014/main" id="{C88F3636-CA9F-194F-B51C-2E9F30882970}"/>
               </a:ext>
             </a:extLst>
           </p:cNvPr>
@@ -17055,7 +17384,7 @@
     </p:spTree>
     <p:extLst>
       <p:ext uri="{BB962C8B-B14F-4D97-AF65-F5344CB8AC3E}">
-        <p14:creationId xmlns:p14="http://schemas.microsoft.com/office/powerpoint/2010/main" val="664206571"/>
+        <p14:creationId xmlns:p14="http://schemas.microsoft.com/office/powerpoint/2010/main" val="1443573793"/>
       </p:ext>
     </p:extLst>
   </p:cSld>
@@ -17087,6 +17416,142 @@
           <p:cNvPr id="2" name="タイトル 1">
             <a:extLst>
               <a:ext uri="{FF2B5EF4-FFF2-40B4-BE49-F238E27FC236}">
+                <a16:creationId xmlns:a16="http://schemas.microsoft.com/office/drawing/2014/main" id="{FCE7EB18-D7E1-894E-BC25-80C1A8AA5D09}"/>
+              </a:ext>
+            </a:extLst>
+          </p:cNvPr>
+          <p:cNvSpPr>
+            <a:spLocks noGrp="1"/>
+          </p:cNvSpPr>
+          <p:nvPr>
+            <p:ph type="title"/>
+          </p:nvPr>
+        </p:nvSpPr>
+        <p:spPr/>
+        <p:txBody>
+          <a:bodyPr/>
+          <a:lstStyle/>
+          <a:p>
+            <a:r>
+              <a:rPr lang="en" altLang="ja-JP" dirty="0"/>
+              <a:t>Shift neighborhood</a:t>
+            </a:r>
+            <a:endParaRPr kumimoji="1" lang="ja-JP" altLang="en-US"/>
+          </a:p>
+        </p:txBody>
+      </p:sp>
+      <p:sp>
+        <p:nvSpPr>
+          <p:cNvPr id="3" name="コンテンツ プレースホルダー 2">
+            <a:extLst>
+              <a:ext uri="{FF2B5EF4-FFF2-40B4-BE49-F238E27FC236}">
+                <a16:creationId xmlns:a16="http://schemas.microsoft.com/office/drawing/2014/main" id="{DF18F744-42F4-CA45-A447-4C7A6529DF3D}"/>
+              </a:ext>
+            </a:extLst>
+          </p:cNvPr>
+          <p:cNvSpPr>
+            <a:spLocks noGrp="1"/>
+          </p:cNvSpPr>
+          <p:nvPr>
+            <p:ph idx="1"/>
+          </p:nvPr>
+        </p:nvSpPr>
+        <p:spPr>
+          <a:xfrm>
+            <a:off x="2589212" y="2133600"/>
+            <a:ext cx="8356694" cy="3777622"/>
+          </a:xfrm>
+        </p:spPr>
+        <p:txBody>
+          <a:bodyPr>
+            <a:normAutofit/>
+          </a:bodyPr>
+          <a:lstStyle/>
+          <a:p>
+            <a:r>
+              <a:rPr kumimoji="1" lang="en-US" altLang="ja-JP" sz="2400" dirty="0"/>
+              <a:t>When searching </a:t>
+            </a:r>
+            <a:r>
+              <a:rPr lang="en-US" altLang="ja-JP" sz="2400" dirty="0"/>
+              <a:t>shift neighborhoods, we normally calculate the evaluate function for all possible insertion positions and insert in the best position.</a:t>
+            </a:r>
+          </a:p>
+          <a:p>
+            <a:r>
+              <a:rPr lang="en" altLang="ja-JP" sz="2400" dirty="0"/>
+              <a:t>For this problem, there may be a waste of resources.</a:t>
+            </a:r>
+          </a:p>
+          <a:p>
+            <a:endParaRPr kumimoji="1" lang="ja-JP" altLang="en-US" sz="2400"/>
+          </a:p>
+        </p:txBody>
+      </p:sp>
+      <p:sp>
+        <p:nvSpPr>
+          <p:cNvPr id="4" name="スライド番号プレースホルダー 3">
+            <a:extLst>
+              <a:ext uri="{FF2B5EF4-FFF2-40B4-BE49-F238E27FC236}">
+                <a16:creationId xmlns:a16="http://schemas.microsoft.com/office/drawing/2014/main" id="{D6B98096-3519-2C4D-9BF8-8A1F1CC998AE}"/>
+              </a:ext>
+            </a:extLst>
+          </p:cNvPr>
+          <p:cNvSpPr>
+            <a:spLocks noGrp="1"/>
+          </p:cNvSpPr>
+          <p:nvPr>
+            <p:ph type="sldNum" sz="quarter" idx="12"/>
+          </p:nvPr>
+        </p:nvSpPr>
+        <p:spPr/>
+        <p:txBody>
+          <a:bodyPr/>
+          <a:lstStyle/>
+          <a:p>
+            <a:fld id="{1413D9FB-836C-864C-8E5A-36E5384B9725}" type="slidenum">
+              <a:rPr kumimoji="1" lang="ja-JP" altLang="en-US" smtClean="0"/>
+              <a:t>32</a:t>
+            </a:fld>
+            <a:endParaRPr kumimoji="1" lang="ja-JP" altLang="en-US"/>
+          </a:p>
+        </p:txBody>
+      </p:sp>
+    </p:spTree>
+    <p:extLst>
+      <p:ext uri="{BB962C8B-B14F-4D97-AF65-F5344CB8AC3E}">
+        <p14:creationId xmlns:p14="http://schemas.microsoft.com/office/powerpoint/2010/main" val="664206571"/>
+      </p:ext>
+    </p:extLst>
+  </p:cSld>
+  <p:clrMapOvr>
+    <a:masterClrMapping/>
+  </p:clrMapOvr>
+</p:sld>
+</file>
+
+<file path=ppt/slides/slide33.xml><?xml version="1.0" encoding="utf-8"?>
+<p:sld xmlns:a="http://schemas.openxmlformats.org/drawingml/2006/main" xmlns:r="http://schemas.openxmlformats.org/officeDocument/2006/relationships" xmlns:p="http://schemas.openxmlformats.org/presentationml/2006/main">
+  <p:cSld>
+    <p:spTree>
+      <p:nvGrpSpPr>
+        <p:cNvPr id="1" name=""/>
+        <p:cNvGrpSpPr/>
+        <p:nvPr/>
+      </p:nvGrpSpPr>
+      <p:grpSpPr>
+        <a:xfrm>
+          <a:off x="0" y="0"/>
+          <a:ext cx="0" cy="0"/>
+          <a:chOff x="0" y="0"/>
+          <a:chExt cx="0" cy="0"/>
+        </a:xfrm>
+      </p:grpSpPr>
+      <p:sp>
+        <p:nvSpPr>
+          <p:cNvPr id="2" name="タイトル 1">
+            <a:extLst>
+              <a:ext uri="{FF2B5EF4-FFF2-40B4-BE49-F238E27FC236}">
                 <a16:creationId xmlns:a16="http://schemas.microsoft.com/office/drawing/2014/main" id="{03BB7B5E-C4C4-9B4A-9494-821EF1303692}"/>
               </a:ext>
             </a:extLst>
@@ -17282,7 +17747,7 @@
           <a:p>
             <a:fld id="{1413D9FB-836C-864C-8E5A-36E5384B9725}" type="slidenum">
               <a:rPr kumimoji="1" lang="ja-JP" altLang="en-US" smtClean="0"/>
-              <a:t>32</a:t>
+              <a:t>33</a:t>
             </a:fld>
             <a:endParaRPr kumimoji="1" lang="ja-JP" altLang="en-US"/>
           </a:p>
@@ -17301,7 +17766,7 @@
 </p:sld>
 </file>
 
-<file path=ppt/slides/slide33.xml><?xml version="1.0" encoding="utf-8"?>
+<file path=ppt/slides/slide34.xml><?xml version="1.0" encoding="utf-8"?>
 <p:sld xmlns:a="http://schemas.openxmlformats.org/drawingml/2006/main" xmlns:r="http://schemas.openxmlformats.org/officeDocument/2006/relationships" xmlns:p="http://schemas.openxmlformats.org/presentationml/2006/main">
   <p:cSld>
     <p:spTree>
@@ -18382,7 +18847,7 @@
           <a:p>
             <a:fld id="{1413D9FB-836C-864C-8E5A-36E5384B9725}" type="slidenum">
               <a:rPr kumimoji="1" lang="ja-JP" altLang="en-US" smtClean="0"/>
-              <a:t>33</a:t>
+              <a:t>34</a:t>
             </a:fld>
             <a:endParaRPr kumimoji="1" lang="ja-JP" altLang="en-US"/>
           </a:p>
@@ -18401,7 +18866,7 @@
 </p:sld>
 </file>
 
-<file path=ppt/slides/slide34.xml><?xml version="1.0" encoding="utf-8"?>
+<file path=ppt/slides/slide35.xml><?xml version="1.0" encoding="utf-8"?>
 <p:sld xmlns:a="http://schemas.openxmlformats.org/drawingml/2006/main" xmlns:r="http://schemas.openxmlformats.org/officeDocument/2006/relationships" xmlns:p="http://schemas.openxmlformats.org/presentationml/2006/main">
   <p:cSld>
     <p:spTree>
@@ -18554,7 +19019,7 @@
           <a:p>
             <a:fld id="{1413D9FB-836C-864C-8E5A-36E5384B9725}" type="slidenum">
               <a:rPr kumimoji="1" lang="ja-JP" altLang="en-US" smtClean="0"/>
-              <a:t>34</a:t>
+              <a:t>35</a:t>
             </a:fld>
             <a:endParaRPr kumimoji="1" lang="ja-JP" altLang="en-US"/>
           </a:p>
@@ -18573,7 +19038,7 @@
 </p:sld>
 </file>
 
-<file path=ppt/slides/slide35.xml><?xml version="1.0" encoding="utf-8"?>
+<file path=ppt/slides/slide36.xml><?xml version="1.0" encoding="utf-8"?>
 <p:sld xmlns:a="http://schemas.openxmlformats.org/drawingml/2006/main" xmlns:r="http://schemas.openxmlformats.org/officeDocument/2006/relationships" xmlns:p="http://schemas.openxmlformats.org/presentationml/2006/main">
   <p:cSld>
     <p:spTree>
@@ -19180,7 +19645,7 @@
           <a:p>
             <a:fld id="{1413D9FB-836C-864C-8E5A-36E5384B9725}" type="slidenum">
               <a:rPr kumimoji="1" lang="ja-JP" altLang="en-US" smtClean="0"/>
-              <a:t>35</a:t>
+              <a:t>36</a:t>
             </a:fld>
             <a:endParaRPr kumimoji="1" lang="ja-JP" altLang="en-US"/>
           </a:p>
@@ -19199,7 +19664,7 @@
 </p:sld>
 </file>
 
-<file path=ppt/slides/slide36.xml><?xml version="1.0" encoding="utf-8"?>
+<file path=ppt/slides/slide37.xml><?xml version="1.0" encoding="utf-8"?>
 <p:sld xmlns:a="http://schemas.openxmlformats.org/drawingml/2006/main" xmlns:r="http://schemas.openxmlformats.org/officeDocument/2006/relationships" xmlns:p="http://schemas.openxmlformats.org/presentationml/2006/main">
   <p:cSld>
     <p:spTree>
@@ -20021,7 +20486,7 @@
           <a:p>
             <a:fld id="{1413D9FB-836C-864C-8E5A-36E5384B9725}" type="slidenum">
               <a:rPr kumimoji="1" lang="ja-JP" altLang="en-US" smtClean="0"/>
-              <a:t>36</a:t>
+              <a:t>37</a:t>
             </a:fld>
             <a:endParaRPr kumimoji="1" lang="ja-JP" altLang="en-US"/>
           </a:p>
@@ -20031,163 +20496,6 @@
     <p:extLst>
       <p:ext uri="{BB962C8B-B14F-4D97-AF65-F5344CB8AC3E}">
         <p14:creationId xmlns:p14="http://schemas.microsoft.com/office/powerpoint/2010/main" val="3034498478"/>
-      </p:ext>
-    </p:extLst>
-  </p:cSld>
-  <p:clrMapOvr>
-    <a:masterClrMapping/>
-  </p:clrMapOvr>
-</p:sld>
-</file>
-
-<file path=ppt/slides/slide37.xml><?xml version="1.0" encoding="utf-8"?>
-<p:sld xmlns:a="http://schemas.openxmlformats.org/drawingml/2006/main" xmlns:r="http://schemas.openxmlformats.org/officeDocument/2006/relationships" xmlns:p="http://schemas.openxmlformats.org/presentationml/2006/main">
-  <p:cSld>
-    <p:spTree>
-      <p:nvGrpSpPr>
-        <p:cNvPr id="1" name=""/>
-        <p:cNvGrpSpPr/>
-        <p:nvPr/>
-      </p:nvGrpSpPr>
-      <p:grpSpPr>
-        <a:xfrm>
-          <a:off x="0" y="0"/>
-          <a:ext cx="0" cy="0"/>
-          <a:chOff x="0" y="0"/>
-          <a:chExt cx="0" cy="0"/>
-        </a:xfrm>
-      </p:grpSpPr>
-      <p:sp>
-        <p:nvSpPr>
-          <p:cNvPr id="2" name="タイトル 1">
-            <a:extLst>
-              <a:ext uri="{FF2B5EF4-FFF2-40B4-BE49-F238E27FC236}">
-                <a16:creationId xmlns:a16="http://schemas.microsoft.com/office/drawing/2014/main" id="{23293CDF-C8B2-0249-B006-9AB1745DECD2}"/>
-              </a:ext>
-            </a:extLst>
-          </p:cNvPr>
-          <p:cNvSpPr>
-            <a:spLocks noGrp="1"/>
-          </p:cNvSpPr>
-          <p:nvPr>
-            <p:ph type="title"/>
-          </p:nvPr>
-        </p:nvSpPr>
-        <p:spPr/>
-        <p:txBody>
-          <a:bodyPr/>
-          <a:lstStyle/>
-          <a:p>
-            <a:r>
-              <a:rPr lang="en-US" altLang="ja-JP" dirty="0"/>
-              <a:t>Initial solution</a:t>
-            </a:r>
-            <a:endParaRPr kumimoji="1" lang="ja-JP" altLang="en-US"/>
-          </a:p>
-        </p:txBody>
-      </p:sp>
-      <p:sp>
-        <p:nvSpPr>
-          <p:cNvPr id="3" name="コンテンツ プレースホルダー 2">
-            <a:extLst>
-              <a:ext uri="{FF2B5EF4-FFF2-40B4-BE49-F238E27FC236}">
-                <a16:creationId xmlns:a16="http://schemas.microsoft.com/office/drawing/2014/main" id="{E20F269F-0243-3E42-9DD2-4D0E5F2B1161}"/>
-              </a:ext>
-            </a:extLst>
-          </p:cNvPr>
-          <p:cNvSpPr>
-            <a:spLocks noGrp="1"/>
-          </p:cNvSpPr>
-          <p:nvPr>
-            <p:ph idx="1"/>
-          </p:nvPr>
-        </p:nvSpPr>
-        <p:spPr/>
-        <p:txBody>
-          <a:bodyPr>
-            <a:normAutofit/>
-          </a:bodyPr>
-          <a:lstStyle/>
-          <a:p>
-            <a:r>
-              <a:rPr lang="en-US" altLang="ja-JP" sz="2400" dirty="0"/>
-              <a:t>A</a:t>
-            </a:r>
-            <a:r>
-              <a:rPr kumimoji="1" lang="en-US" altLang="ja-JP" sz="2400" dirty="0"/>
-              <a:t>pproaches we propose to create initial solutions:</a:t>
-            </a:r>
-          </a:p>
-          <a:p>
-            <a:pPr marL="0" indent="0">
-              <a:buNone/>
-            </a:pPr>
-            <a:endParaRPr kumimoji="1" lang="en-US" altLang="ja-JP" sz="2400" dirty="0"/>
-          </a:p>
-          <a:p>
-            <a:pPr marL="457200" indent="-457200">
-              <a:buFont typeface="+mj-lt"/>
-              <a:buAutoNum type="arabicPeriod"/>
-            </a:pPr>
-            <a:r>
-              <a:rPr lang="en-US" altLang="ja-JP" sz="2400" dirty="0"/>
-              <a:t>G</a:t>
-            </a:r>
-            <a:r>
-              <a:rPr kumimoji="1" lang="en-US" altLang="ja-JP" sz="2400" dirty="0"/>
-              <a:t>enerating from solution by relaxation of linear programming</a:t>
-            </a:r>
-          </a:p>
-          <a:p>
-            <a:pPr marL="457200" indent="-457200">
-              <a:buFont typeface="+mj-lt"/>
-              <a:buAutoNum type="arabicPeriod"/>
-            </a:pPr>
-            <a:r>
-              <a:rPr kumimoji="1" lang="en-US" altLang="ja-JP" sz="2400" dirty="0"/>
-              <a:t>Generating from solution </a:t>
-            </a:r>
-            <a:r>
-              <a:rPr lang="en-US" altLang="ja-JP" sz="2400" dirty="0"/>
-              <a:t>of a problem formulated in MIP with bookings grouped by port</a:t>
-            </a:r>
-            <a:endParaRPr kumimoji="1" lang="en-US" altLang="ja-JP" sz="2400" dirty="0"/>
-          </a:p>
-        </p:txBody>
-      </p:sp>
-      <p:sp>
-        <p:nvSpPr>
-          <p:cNvPr id="4" name="スライド番号プレースホルダー 3">
-            <a:extLst>
-              <a:ext uri="{FF2B5EF4-FFF2-40B4-BE49-F238E27FC236}">
-                <a16:creationId xmlns:a16="http://schemas.microsoft.com/office/drawing/2014/main" id="{755548C9-F06A-CF45-BF53-242F4EE1F84D}"/>
-              </a:ext>
-            </a:extLst>
-          </p:cNvPr>
-          <p:cNvSpPr>
-            <a:spLocks noGrp="1"/>
-          </p:cNvSpPr>
-          <p:nvPr>
-            <p:ph type="sldNum" sz="quarter" idx="12"/>
-          </p:nvPr>
-        </p:nvSpPr>
-        <p:spPr/>
-        <p:txBody>
-          <a:bodyPr/>
-          <a:lstStyle/>
-          <a:p>
-            <a:fld id="{1413D9FB-836C-864C-8E5A-36E5384B9725}" type="slidenum">
-              <a:rPr kumimoji="1" lang="ja-JP" altLang="en-US" smtClean="0"/>
-              <a:t>37</a:t>
-            </a:fld>
-            <a:endParaRPr kumimoji="1" lang="ja-JP" altLang="en-US"/>
-          </a:p>
-        </p:txBody>
-      </p:sp>
-    </p:spTree>
-    <p:extLst>
-      <p:ext uri="{BB962C8B-B14F-4D97-AF65-F5344CB8AC3E}">
-        <p14:creationId xmlns:p14="http://schemas.microsoft.com/office/powerpoint/2010/main" val="3354853748"/>
       </p:ext>
     </p:extLst>
   </p:cSld>
@@ -20237,7 +20545,7 @@
           <a:p>
             <a:r>
               <a:rPr lang="en-US" altLang="ja-JP" dirty="0"/>
-              <a:t>Approach to create initial assignment</a:t>
+              <a:t>Initial solution</a:t>
             </a:r>
             <a:endParaRPr kumimoji="1" lang="ja-JP" altLang="en-US"/>
           </a:p>
@@ -20266,6 +20574,22 @@
           </a:bodyPr>
           <a:lstStyle/>
           <a:p>
+            <a:r>
+              <a:rPr lang="en-US" altLang="ja-JP" sz="2400" dirty="0"/>
+              <a:t>A</a:t>
+            </a:r>
+            <a:r>
+              <a:rPr kumimoji="1" lang="en-US" altLang="ja-JP" sz="2400" dirty="0"/>
+              <a:t>pproaches we propose to create initial solutions:</a:t>
+            </a:r>
+          </a:p>
+          <a:p>
+            <a:pPr marL="0" indent="0">
+              <a:buNone/>
+            </a:pPr>
+            <a:endParaRPr kumimoji="1" lang="en-US" altLang="ja-JP" sz="2400" dirty="0"/>
+          </a:p>
+          <a:p>
             <a:pPr marL="457200" indent="-457200">
               <a:buFont typeface="+mj-lt"/>
               <a:buAutoNum type="arabicPeriod"/>
@@ -20285,32 +20609,14 @@
               <a:buAutoNum type="arabicPeriod"/>
             </a:pPr>
             <a:r>
-              <a:rPr kumimoji="1" lang="en-US" altLang="ja-JP" sz="2400" dirty="0">
-                <a:solidFill>
-                  <a:schemeClr val="bg1">
-                    <a:lumMod val="85000"/>
-                  </a:schemeClr>
-                </a:solidFill>
-              </a:rPr>
+              <a:rPr kumimoji="1" lang="en-US" altLang="ja-JP" sz="2400" dirty="0"/>
               <a:t>Generating from solution </a:t>
             </a:r>
             <a:r>
-              <a:rPr lang="en-US" altLang="ja-JP" sz="2400" dirty="0">
-                <a:solidFill>
-                  <a:schemeClr val="bg1">
-                    <a:lumMod val="85000"/>
-                  </a:schemeClr>
-                </a:solidFill>
-              </a:rPr>
+              <a:rPr lang="en-US" altLang="ja-JP" sz="2400" dirty="0"/>
               <a:t>of a problem formulated in MIP with bookings grouped by port</a:t>
             </a:r>
-            <a:endParaRPr kumimoji="1" lang="en-US" altLang="ja-JP" sz="2400" dirty="0">
-              <a:solidFill>
-                <a:schemeClr val="bg1">
-                  <a:lumMod val="85000"/>
-                </a:schemeClr>
-              </a:solidFill>
-            </a:endParaRPr>
+            <a:endParaRPr kumimoji="1" lang="en-US" altLang="ja-JP" sz="2400" dirty="0"/>
           </a:p>
         </p:txBody>
       </p:sp>
@@ -20319,7 +20625,7 @@
           <p:cNvPr id="4" name="スライド番号プレースホルダー 3">
             <a:extLst>
               <a:ext uri="{FF2B5EF4-FFF2-40B4-BE49-F238E27FC236}">
-                <a16:creationId xmlns:a16="http://schemas.microsoft.com/office/drawing/2014/main" id="{80F39395-DA9E-6B4D-9E6B-843CAEBCBF46}"/>
+                <a16:creationId xmlns:a16="http://schemas.microsoft.com/office/drawing/2014/main" id="{755548C9-F06A-CF45-BF53-242F4EE1F84D}"/>
               </a:ext>
             </a:extLst>
           </p:cNvPr>
@@ -20346,7 +20652,7 @@
     </p:spTree>
     <p:extLst>
       <p:ext uri="{BB962C8B-B14F-4D97-AF65-F5344CB8AC3E}">
-        <p14:creationId xmlns:p14="http://schemas.microsoft.com/office/powerpoint/2010/main" val="2379747017"/>
+        <p14:creationId xmlns:p14="http://schemas.microsoft.com/office/powerpoint/2010/main" val="3354853748"/>
       </p:ext>
     </p:extLst>
   </p:cSld>
@@ -20378,7 +20684,7 @@
           <p:cNvPr id="2" name="タイトル 1">
             <a:extLst>
               <a:ext uri="{FF2B5EF4-FFF2-40B4-BE49-F238E27FC236}">
-                <a16:creationId xmlns:a16="http://schemas.microsoft.com/office/drawing/2014/main" id="{77CCAC05-3AAC-D943-B7CA-119266FCBE65}"/>
+                <a16:creationId xmlns:a16="http://schemas.microsoft.com/office/drawing/2014/main" id="{23293CDF-C8B2-0249-B006-9AB1745DECD2}"/>
               </a:ext>
             </a:extLst>
           </p:cNvPr>
@@ -20396,7 +20702,7 @@
           <a:p>
             <a:r>
               <a:rPr lang="en-US" altLang="ja-JP" dirty="0"/>
-              <a:t>Relaxation of linear programming</a:t>
+              <a:t>Approach to create initial assignment</a:t>
             </a:r>
             <a:endParaRPr kumimoji="1" lang="ja-JP" altLang="en-US"/>
           </a:p>
@@ -20407,7 +20713,7 @@
           <p:cNvPr id="3" name="コンテンツ プレースホルダー 2">
             <a:extLst>
               <a:ext uri="{FF2B5EF4-FFF2-40B4-BE49-F238E27FC236}">
-                <a16:creationId xmlns:a16="http://schemas.microsoft.com/office/drawing/2014/main" id="{83572324-1E1A-3541-9C80-10CFC06750E2}"/>
+                <a16:creationId xmlns:a16="http://schemas.microsoft.com/office/drawing/2014/main" id="{E20F269F-0243-3E42-9DD2-4D0E5F2B1161}"/>
               </a:ext>
             </a:extLst>
           </p:cNvPr>
@@ -20425,43 +20731,51 @@
           </a:bodyPr>
           <a:lstStyle/>
           <a:p>
+            <a:pPr marL="457200" indent="-457200">
+              <a:buFont typeface="+mj-lt"/>
+              <a:buAutoNum type="arabicPeriod"/>
+            </a:pPr>
             <a:r>
               <a:rPr lang="en-US" altLang="ja-JP" sz="2400" dirty="0"/>
-              <a:t>As a preliminary experiment, we compare the solutions to the MIP problem and the relaxation problem. </a:t>
-            </a:r>
-          </a:p>
-          <a:p>
-            <a:r>
-              <a:rPr lang="en" altLang="ja-JP" sz="2400" dirty="0"/>
-              <a:t>To compare the properties of the solutions, we use the Manhattan distance</a:t>
-            </a:r>
-            <a:r>
-              <a:rPr lang="en-US" altLang="ja-JP" sz="2400" dirty="0"/>
-              <a:t>. </a:t>
-            </a:r>
-          </a:p>
-          <a:p>
-            <a:r>
-              <a:rPr lang="en" altLang="ja-JP" sz="2400" dirty="0"/>
-              <a:t>We performed the comparison and confirmed that the properties of the relaxed solution and the MIP solution are close</a:t>
-            </a:r>
-            <a:r>
-              <a:rPr lang="en-US" altLang="ja-JP" sz="2400" dirty="0"/>
-              <a:t>.</a:t>
-            </a:r>
-            <a:endParaRPr lang="en" altLang="ja-JP" sz="2400" dirty="0"/>
-          </a:p>
-          <a:p>
-            <a:endParaRPr lang="en-US" altLang="ja-JP" sz="2400" dirty="0"/>
-          </a:p>
-          <a:p>
-            <a:endParaRPr lang="en-US" altLang="ja-JP" sz="2400" dirty="0"/>
-          </a:p>
-          <a:p>
-            <a:endParaRPr lang="en-US" altLang="ja-JP" sz="2400" dirty="0"/>
-          </a:p>
-          <a:p>
-            <a:endParaRPr kumimoji="1" lang="ja-JP" altLang="en-US" sz="2400"/>
+              <a:t>G</a:t>
+            </a:r>
+            <a:r>
+              <a:rPr kumimoji="1" lang="en-US" altLang="ja-JP" sz="2400" dirty="0"/>
+              <a:t>enerating from solution by relaxation of linear programming</a:t>
+            </a:r>
+          </a:p>
+          <a:p>
+            <a:pPr marL="457200" indent="-457200">
+              <a:buFont typeface="+mj-lt"/>
+              <a:buAutoNum type="arabicPeriod"/>
+            </a:pPr>
+            <a:r>
+              <a:rPr kumimoji="1" lang="en-US" altLang="ja-JP" sz="2400" dirty="0">
+                <a:solidFill>
+                  <a:schemeClr val="bg1">
+                    <a:lumMod val="85000"/>
+                  </a:schemeClr>
+                </a:solidFill>
+              </a:rPr>
+              <a:t>Generating from solution </a:t>
+            </a:r>
+            <a:r>
+              <a:rPr lang="en-US" altLang="ja-JP" sz="2400" dirty="0">
+                <a:solidFill>
+                  <a:schemeClr val="bg1">
+                    <a:lumMod val="85000"/>
+                  </a:schemeClr>
+                </a:solidFill>
+              </a:rPr>
+              <a:t>of a problem formulated in MIP with bookings grouped by port</a:t>
+            </a:r>
+            <a:endParaRPr kumimoji="1" lang="en-US" altLang="ja-JP" sz="2400" dirty="0">
+              <a:solidFill>
+                <a:schemeClr val="bg1">
+                  <a:lumMod val="85000"/>
+                </a:schemeClr>
+              </a:solidFill>
+            </a:endParaRPr>
           </a:p>
         </p:txBody>
       </p:sp>
@@ -20470,7 +20784,7 @@
           <p:cNvPr id="4" name="スライド番号プレースホルダー 3">
             <a:extLst>
               <a:ext uri="{FF2B5EF4-FFF2-40B4-BE49-F238E27FC236}">
-                <a16:creationId xmlns:a16="http://schemas.microsoft.com/office/drawing/2014/main" id="{8DAA0D4D-82E8-3046-B732-248E075E5E4C}"/>
+                <a16:creationId xmlns:a16="http://schemas.microsoft.com/office/drawing/2014/main" id="{80F39395-DA9E-6B4D-9E6B-843CAEBCBF46}"/>
               </a:ext>
             </a:extLst>
           </p:cNvPr>
@@ -20497,7 +20811,7 @@
     </p:spTree>
     <p:extLst>
       <p:ext uri="{BB962C8B-B14F-4D97-AF65-F5344CB8AC3E}">
-        <p14:creationId xmlns:p14="http://schemas.microsoft.com/office/powerpoint/2010/main" val="2087942310"/>
+        <p14:creationId xmlns:p14="http://schemas.microsoft.com/office/powerpoint/2010/main" val="2379747017"/>
       </p:ext>
     </p:extLst>
   </p:cSld>
@@ -20582,1133 +20896,45 @@
             </a:r>
           </a:p>
           <a:p>
-            <a:r>
-              <a:rPr lang="en" altLang="ja-JP" sz="2400" dirty="0"/>
-              <a:t>Assignment of </a:t>
-            </a:r>
-            <a:r>
-              <a:rPr lang="en" altLang="ja-JP" sz="2400" dirty="0" err="1"/>
-              <a:t>cehicles</a:t>
-            </a:r>
-            <a:r>
-              <a:rPr lang="en" altLang="ja-JP" sz="2400" dirty="0"/>
-              <a:t> to ship is planned manually.</a:t>
-            </a:r>
-          </a:p>
-          <a:p>
-            <a:r>
-              <a:rPr lang="en" altLang="ja-JP" sz="2400" dirty="0"/>
-              <a:t>We aim to make assignment automatically</a:t>
-            </a:r>
-          </a:p>
-          <a:p>
             <a:endParaRPr kumimoji="1" lang="ja-JP" altLang="en-US" sz="2400"/>
           </a:p>
         </p:txBody>
       </p:sp>
       <p:sp>
         <p:nvSpPr>
-          <p:cNvPr id="4" name="ホームベース 3">
+          <p:cNvPr id="36" name="スライド番号プレースホルダー 35">
             <a:extLst>
               <a:ext uri="{FF2B5EF4-FFF2-40B4-BE49-F238E27FC236}">
-                <a16:creationId xmlns:a16="http://schemas.microsoft.com/office/drawing/2014/main" id="{93F24675-2C4F-C341-B97D-10DE3CCDCC18}"/>
+                <a16:creationId xmlns:a16="http://schemas.microsoft.com/office/drawing/2014/main" id="{5C6B1857-F1BC-E243-89E0-3C2D11DEB165}"/>
               </a:ext>
             </a:extLst>
           </p:cNvPr>
-          <p:cNvSpPr/>
-          <p:nvPr/>
-        </p:nvSpPr>
-        <p:spPr>
-          <a:xfrm>
-            <a:off x="5806825" y="4298812"/>
-            <a:ext cx="2396691" cy="1281718"/>
-          </a:xfrm>
-          <a:prstGeom prst="homePlate">
-            <a:avLst/>
-          </a:prstGeom>
-          <a:noFill/>
-          <a:ln>
-            <a:solidFill>
-              <a:schemeClr val="tx1"/>
-            </a:solidFill>
-          </a:ln>
-        </p:spPr>
-        <p:style>
-          <a:lnRef idx="2">
-            <a:schemeClr val="accent1">
-              <a:shade val="50000"/>
-            </a:schemeClr>
-          </a:lnRef>
-          <a:fillRef idx="1">
-            <a:schemeClr val="accent1"/>
-          </a:fillRef>
-          <a:effectRef idx="0">
-            <a:schemeClr val="accent1"/>
-          </a:effectRef>
-          <a:fontRef idx="minor">
-            <a:schemeClr val="lt1"/>
-          </a:fontRef>
-        </p:style>
+          <p:cNvSpPr>
+            <a:spLocks noGrp="1"/>
+          </p:cNvSpPr>
+          <p:nvPr>
+            <p:ph type="sldNum" sz="quarter" idx="12"/>
+          </p:nvPr>
+        </p:nvSpPr>
+        <p:spPr/>
         <p:txBody>
-          <a:bodyPr rtlCol="0" anchor="ctr"/>
+          <a:bodyPr/>
           <a:lstStyle/>
           <a:p>
-            <a:pPr algn="ctr"/>
+            <a:fld id="{1413D9FB-836C-864C-8E5A-36E5384B9725}" type="slidenum">
+              <a:rPr kumimoji="1" lang="ja-JP" altLang="en-US" smtClean="0"/>
+              <a:t>4</a:t>
+            </a:fld>
             <a:endParaRPr kumimoji="1" lang="ja-JP" altLang="en-US"/>
           </a:p>
         </p:txBody>
       </p:sp>
-      <p:graphicFrame>
-        <p:nvGraphicFramePr>
-          <p:cNvPr id="5" name="表 11">
+      <p:pic>
+        <p:nvPicPr>
+          <p:cNvPr id="38" name="図 37">
             <a:extLst>
               <a:ext uri="{FF2B5EF4-FFF2-40B4-BE49-F238E27FC236}">
-                <a16:creationId xmlns:a16="http://schemas.microsoft.com/office/drawing/2014/main" id="{507C43CC-7E1D-0143-8845-6AB81B145A12}"/>
-              </a:ext>
-            </a:extLst>
-          </p:cNvPr>
-          <p:cNvGraphicFramePr>
-            <a:graphicFrameLocks noGrp="1"/>
-          </p:cNvGraphicFramePr>
-          <p:nvPr>
-            <p:extLst>
-              <p:ext uri="{D42A27DB-BD31-4B8C-83A1-F6EECF244321}">
-                <p14:modId xmlns:p14="http://schemas.microsoft.com/office/powerpoint/2010/main" val="2333783418"/>
-              </p:ext>
-            </p:extLst>
-          </p:nvPr>
-        </p:nvGraphicFramePr>
-        <p:xfrm>
-          <a:off x="3881372" y="4939671"/>
-          <a:ext cx="4644316" cy="1534515"/>
-        </p:xfrm>
-        <a:graphic>
-          <a:graphicData uri="http://schemas.openxmlformats.org/drawingml/2006/table">
-            <a:tbl>
-              <a:tblPr firstRow="1" bandRow="1">
-                <a:tableStyleId>{5C22544A-7EE6-4342-B048-85BDC9FD1C3A}</a:tableStyleId>
-              </a:tblPr>
-              <a:tblGrid>
-                <a:gridCol w="1161079">
-                  <a:extLst>
-                    <a:ext uri="{9D8B030D-6E8A-4147-A177-3AD203B41FA5}">
-                      <a16:colId xmlns:a16="http://schemas.microsoft.com/office/drawing/2014/main" val="415769867"/>
-                    </a:ext>
-                  </a:extLst>
-                </a:gridCol>
-                <a:gridCol w="1161079">
-                  <a:extLst>
-                    <a:ext uri="{9D8B030D-6E8A-4147-A177-3AD203B41FA5}">
-                      <a16:colId xmlns:a16="http://schemas.microsoft.com/office/drawing/2014/main" val="1120760323"/>
-                    </a:ext>
-                  </a:extLst>
-                </a:gridCol>
-                <a:gridCol w="1161079">
-                  <a:extLst>
-                    <a:ext uri="{9D8B030D-6E8A-4147-A177-3AD203B41FA5}">
-                      <a16:colId xmlns:a16="http://schemas.microsoft.com/office/drawing/2014/main" val="1830531746"/>
-                    </a:ext>
-                  </a:extLst>
-                </a:gridCol>
-                <a:gridCol w="1161079">
-                  <a:extLst>
-                    <a:ext uri="{9D8B030D-6E8A-4147-A177-3AD203B41FA5}">
-                      <a16:colId xmlns:a16="http://schemas.microsoft.com/office/drawing/2014/main" val="3898694262"/>
-                    </a:ext>
-                  </a:extLst>
-                </a:gridCol>
-              </a:tblGrid>
-              <a:tr h="511505">
-                <a:tc>
-                  <a:txBody>
-                    <a:bodyPr/>
-                    <a:lstStyle/>
-                    <a:p>
-                      <a:endParaRPr kumimoji="1" lang="ja-JP" altLang="en-US"/>
-                    </a:p>
-                  </a:txBody>
-                  <a:tcPr>
-                    <a:lnL w="12700" cap="flat" cmpd="sng" algn="ctr">
-                      <a:solidFill>
-                        <a:schemeClr val="tx1"/>
-                      </a:solidFill>
-                      <a:prstDash val="solid"/>
-                      <a:round/>
-                      <a:headEnd type="none" w="med" len="med"/>
-                      <a:tailEnd type="none" w="med" len="med"/>
-                    </a:lnL>
-                    <a:lnR w="12700" cap="flat" cmpd="sng" algn="ctr">
-                      <a:solidFill>
-                        <a:schemeClr val="tx1"/>
-                      </a:solidFill>
-                      <a:prstDash val="solid"/>
-                      <a:round/>
-                      <a:headEnd type="none" w="med" len="med"/>
-                      <a:tailEnd type="none" w="med" len="med"/>
-                    </a:lnR>
-                    <a:lnT w="12700" cap="flat" cmpd="sng" algn="ctr">
-                      <a:solidFill>
-                        <a:schemeClr val="tx1"/>
-                      </a:solidFill>
-                      <a:prstDash val="solid"/>
-                      <a:round/>
-                      <a:headEnd type="none" w="med" len="med"/>
-                      <a:tailEnd type="none" w="med" len="med"/>
-                    </a:lnT>
-                    <a:lnB w="12700" cap="flat" cmpd="sng" algn="ctr">
-                      <a:solidFill>
-                        <a:schemeClr val="tx1"/>
-                      </a:solidFill>
-                      <a:prstDash val="solid"/>
-                      <a:round/>
-                      <a:headEnd type="none" w="med" len="med"/>
-                      <a:tailEnd type="none" w="med" len="med"/>
-                    </a:lnB>
-                    <a:lnTlToBr w="12700" cmpd="sng">
-                      <a:noFill/>
-                      <a:prstDash val="solid"/>
-                    </a:lnTlToBr>
-                    <a:lnBlToTr w="12700" cmpd="sng">
-                      <a:noFill/>
-                      <a:prstDash val="solid"/>
-                    </a:lnBlToTr>
-                    <a:noFill/>
-                  </a:tcPr>
-                </a:tc>
-                <a:tc>
-                  <a:txBody>
-                    <a:bodyPr/>
-                    <a:lstStyle/>
-                    <a:p>
-                      <a:endParaRPr kumimoji="1" lang="ja-JP" altLang="en-US"/>
-                    </a:p>
-                  </a:txBody>
-                  <a:tcPr>
-                    <a:lnL w="12700" cap="flat" cmpd="sng" algn="ctr">
-                      <a:solidFill>
-                        <a:schemeClr val="tx1"/>
-                      </a:solidFill>
-                      <a:prstDash val="solid"/>
-                      <a:round/>
-                      <a:headEnd type="none" w="med" len="med"/>
-                      <a:tailEnd type="none" w="med" len="med"/>
-                    </a:lnL>
-                    <a:lnR w="12700" cap="flat" cmpd="sng" algn="ctr">
-                      <a:solidFill>
-                        <a:schemeClr val="tx1"/>
-                      </a:solidFill>
-                      <a:prstDash val="solid"/>
-                      <a:round/>
-                      <a:headEnd type="none" w="med" len="med"/>
-                      <a:tailEnd type="none" w="med" len="med"/>
-                    </a:lnR>
-                    <a:lnT w="12700" cap="flat" cmpd="sng" algn="ctr">
-                      <a:solidFill>
-                        <a:schemeClr val="tx1"/>
-                      </a:solidFill>
-                      <a:prstDash val="solid"/>
-                      <a:round/>
-                      <a:headEnd type="none" w="med" len="med"/>
-                      <a:tailEnd type="none" w="med" len="med"/>
-                    </a:lnT>
-                    <a:lnB w="12700" cap="flat" cmpd="sng" algn="ctr">
-                      <a:solidFill>
-                        <a:schemeClr val="tx1"/>
-                      </a:solidFill>
-                      <a:prstDash val="solid"/>
-                      <a:round/>
-                      <a:headEnd type="none" w="med" len="med"/>
-                      <a:tailEnd type="none" w="med" len="med"/>
-                    </a:lnB>
-                    <a:lnTlToBr w="12700" cmpd="sng">
-                      <a:noFill/>
-                      <a:prstDash val="solid"/>
-                    </a:lnTlToBr>
-                    <a:lnBlToTr w="12700" cmpd="sng">
-                      <a:noFill/>
-                      <a:prstDash val="solid"/>
-                    </a:lnBlToTr>
-                    <a:solidFill>
-                      <a:schemeClr val="bg1"/>
-                    </a:solidFill>
-                  </a:tcPr>
-                </a:tc>
-                <a:tc>
-                  <a:txBody>
-                    <a:bodyPr/>
-                    <a:lstStyle/>
-                    <a:p>
-                      <a:endParaRPr kumimoji="1" lang="ja-JP" altLang="en-US"/>
-                    </a:p>
-                  </a:txBody>
-                  <a:tcPr>
-                    <a:lnL w="12700" cap="flat" cmpd="sng" algn="ctr">
-                      <a:solidFill>
-                        <a:schemeClr val="tx1"/>
-                      </a:solidFill>
-                      <a:prstDash val="solid"/>
-                      <a:round/>
-                      <a:headEnd type="none" w="med" len="med"/>
-                      <a:tailEnd type="none" w="med" len="med"/>
-                    </a:lnL>
-                    <a:lnR w="12700" cap="flat" cmpd="sng" algn="ctr">
-                      <a:solidFill>
-                        <a:schemeClr val="tx1"/>
-                      </a:solidFill>
-                      <a:prstDash val="solid"/>
-                      <a:round/>
-                      <a:headEnd type="none" w="med" len="med"/>
-                      <a:tailEnd type="none" w="med" len="med"/>
-                    </a:lnR>
-                    <a:lnT w="12700" cap="flat" cmpd="sng" algn="ctr">
-                      <a:solidFill>
-                        <a:schemeClr val="tx1"/>
-                      </a:solidFill>
-                      <a:prstDash val="solid"/>
-                      <a:round/>
-                      <a:headEnd type="none" w="med" len="med"/>
-                      <a:tailEnd type="none" w="med" len="med"/>
-                    </a:lnT>
-                    <a:lnB w="12700" cap="flat" cmpd="sng" algn="ctr">
-                      <a:solidFill>
-                        <a:schemeClr val="tx1"/>
-                      </a:solidFill>
-                      <a:prstDash val="solid"/>
-                      <a:round/>
-                      <a:headEnd type="none" w="med" len="med"/>
-                      <a:tailEnd type="none" w="med" len="med"/>
-                    </a:lnB>
-                    <a:lnTlToBr w="12700" cmpd="sng">
-                      <a:noFill/>
-                      <a:prstDash val="solid"/>
-                    </a:lnTlToBr>
-                    <a:lnBlToTr w="12700" cmpd="sng">
-                      <a:noFill/>
-                      <a:prstDash val="solid"/>
-                    </a:lnBlToTr>
-                    <a:noFill/>
-                  </a:tcPr>
-                </a:tc>
-                <a:tc>
-                  <a:txBody>
-                    <a:bodyPr/>
-                    <a:lstStyle/>
-                    <a:p>
-                      <a:endParaRPr kumimoji="1" lang="ja-JP" altLang="en-US"/>
-                    </a:p>
-                  </a:txBody>
-                  <a:tcPr>
-                    <a:lnL w="12700" cap="flat" cmpd="sng" algn="ctr">
-                      <a:solidFill>
-                        <a:schemeClr val="tx1"/>
-                      </a:solidFill>
-                      <a:prstDash val="solid"/>
-                      <a:round/>
-                      <a:headEnd type="none" w="med" len="med"/>
-                      <a:tailEnd type="none" w="med" len="med"/>
-                    </a:lnL>
-                    <a:lnR w="12700" cap="flat" cmpd="sng" algn="ctr">
-                      <a:solidFill>
-                        <a:schemeClr val="tx1"/>
-                      </a:solidFill>
-                      <a:prstDash val="solid"/>
-                      <a:round/>
-                      <a:headEnd type="none" w="med" len="med"/>
-                      <a:tailEnd type="none" w="med" len="med"/>
-                    </a:lnR>
-                    <a:lnT w="12700" cap="flat" cmpd="sng" algn="ctr">
-                      <a:solidFill>
-                        <a:schemeClr val="tx1"/>
-                      </a:solidFill>
-                      <a:prstDash val="solid"/>
-                      <a:round/>
-                      <a:headEnd type="none" w="med" len="med"/>
-                      <a:tailEnd type="none" w="med" len="med"/>
-                    </a:lnT>
-                    <a:lnB w="12700" cap="flat" cmpd="sng" algn="ctr">
-                      <a:solidFill>
-                        <a:schemeClr val="tx1"/>
-                      </a:solidFill>
-                      <a:prstDash val="solid"/>
-                      <a:round/>
-                      <a:headEnd type="none" w="med" len="med"/>
-                      <a:tailEnd type="none" w="med" len="med"/>
-                    </a:lnB>
-                    <a:solidFill>
-                      <a:schemeClr val="bg1"/>
-                    </a:solidFill>
-                  </a:tcPr>
-                </a:tc>
-                <a:extLst>
-                  <a:ext uri="{0D108BD9-81ED-4DB2-BD59-A6C34878D82A}">
-                    <a16:rowId xmlns:a16="http://schemas.microsoft.com/office/drawing/2014/main" val="4197178994"/>
-                  </a:ext>
-                </a:extLst>
-              </a:tr>
-              <a:tr h="511505">
-                <a:tc>
-                  <a:txBody>
-                    <a:bodyPr/>
-                    <a:lstStyle/>
-                    <a:p>
-                      <a:endParaRPr kumimoji="1" lang="ja-JP" altLang="en-US"/>
-                    </a:p>
-                  </a:txBody>
-                  <a:tcPr>
-                    <a:lnL w="12700" cap="flat" cmpd="sng" algn="ctr">
-                      <a:solidFill>
-                        <a:schemeClr val="tx1"/>
-                      </a:solidFill>
-                      <a:prstDash val="solid"/>
-                      <a:round/>
-                      <a:headEnd type="none" w="med" len="med"/>
-                      <a:tailEnd type="none" w="med" len="med"/>
-                    </a:lnL>
-                    <a:lnR w="12700" cap="flat" cmpd="sng" algn="ctr">
-                      <a:solidFill>
-                        <a:schemeClr val="tx1"/>
-                      </a:solidFill>
-                      <a:prstDash val="solid"/>
-                      <a:round/>
-                      <a:headEnd type="none" w="med" len="med"/>
-                      <a:tailEnd type="none" w="med" len="med"/>
-                    </a:lnR>
-                    <a:lnT w="12700" cap="flat" cmpd="sng" algn="ctr">
-                      <a:solidFill>
-                        <a:schemeClr val="tx1"/>
-                      </a:solidFill>
-                      <a:prstDash val="solid"/>
-                      <a:round/>
-                      <a:headEnd type="none" w="med" len="med"/>
-                      <a:tailEnd type="none" w="med" len="med"/>
-                    </a:lnT>
-                    <a:lnB w="12700" cap="flat" cmpd="sng" algn="ctr">
-                      <a:solidFill>
-                        <a:schemeClr val="tx1"/>
-                      </a:solidFill>
-                      <a:prstDash val="solid"/>
-                      <a:round/>
-                      <a:headEnd type="none" w="med" len="med"/>
-                      <a:tailEnd type="none" w="med" len="med"/>
-                    </a:lnB>
-                    <a:noFill/>
-                  </a:tcPr>
-                </a:tc>
-                <a:tc>
-                  <a:txBody>
-                    <a:bodyPr/>
-                    <a:lstStyle/>
-                    <a:p>
-                      <a:endParaRPr kumimoji="1" lang="ja-JP" altLang="en-US">
-                        <a:solidFill>
-                          <a:srgbClr val="FF0000"/>
-                        </a:solidFill>
-                      </a:endParaRPr>
-                    </a:p>
-                  </a:txBody>
-                  <a:tcPr>
-                    <a:lnL w="12700" cap="flat" cmpd="sng" algn="ctr">
-                      <a:solidFill>
-                        <a:schemeClr val="tx1"/>
-                      </a:solidFill>
-                      <a:prstDash val="solid"/>
-                      <a:round/>
-                      <a:headEnd type="none" w="med" len="med"/>
-                      <a:tailEnd type="none" w="med" len="med"/>
-                    </a:lnL>
-                    <a:lnR w="12700" cap="flat" cmpd="sng" algn="ctr">
-                      <a:solidFill>
-                        <a:schemeClr val="tx1"/>
-                      </a:solidFill>
-                      <a:prstDash val="solid"/>
-                      <a:round/>
-                      <a:headEnd type="none" w="med" len="med"/>
-                      <a:tailEnd type="none" w="med" len="med"/>
-                    </a:lnR>
-                    <a:lnT w="12700" cap="flat" cmpd="sng" algn="ctr">
-                      <a:solidFill>
-                        <a:schemeClr val="tx1"/>
-                      </a:solidFill>
-                      <a:prstDash val="solid"/>
-                      <a:round/>
-                      <a:headEnd type="none" w="med" len="med"/>
-                      <a:tailEnd type="none" w="med" len="med"/>
-                    </a:lnT>
-                    <a:lnB w="12700" cap="flat" cmpd="sng" algn="ctr">
-                      <a:solidFill>
-                        <a:schemeClr val="tx1"/>
-                      </a:solidFill>
-                      <a:prstDash val="solid"/>
-                      <a:round/>
-                      <a:headEnd type="none" w="med" len="med"/>
-                      <a:tailEnd type="none" w="med" len="med"/>
-                    </a:lnB>
-                    <a:solidFill>
-                      <a:schemeClr val="bg1"/>
-                    </a:solidFill>
-                  </a:tcPr>
-                </a:tc>
-                <a:tc>
-                  <a:txBody>
-                    <a:bodyPr/>
-                    <a:lstStyle/>
-                    <a:p>
-                      <a:endParaRPr kumimoji="1" lang="ja-JP" altLang="en-US"/>
-                    </a:p>
-                  </a:txBody>
-                  <a:tcPr>
-                    <a:lnL w="12700" cap="flat" cmpd="sng" algn="ctr">
-                      <a:solidFill>
-                        <a:schemeClr val="tx1"/>
-                      </a:solidFill>
-                      <a:prstDash val="solid"/>
-                      <a:round/>
-                      <a:headEnd type="none" w="med" len="med"/>
-                      <a:tailEnd type="none" w="med" len="med"/>
-                    </a:lnL>
-                    <a:lnR w="12700" cap="flat" cmpd="sng" algn="ctr">
-                      <a:solidFill>
-                        <a:schemeClr val="tx1"/>
-                      </a:solidFill>
-                      <a:prstDash val="solid"/>
-                      <a:round/>
-                      <a:headEnd type="none" w="med" len="med"/>
-                      <a:tailEnd type="none" w="med" len="med"/>
-                    </a:lnR>
-                    <a:lnT w="12700" cap="flat" cmpd="sng" algn="ctr">
-                      <a:solidFill>
-                        <a:schemeClr val="tx1"/>
-                      </a:solidFill>
-                      <a:prstDash val="solid"/>
-                      <a:round/>
-                      <a:headEnd type="none" w="med" len="med"/>
-                      <a:tailEnd type="none" w="med" len="med"/>
-                    </a:lnT>
-                    <a:lnB w="12700" cap="flat" cmpd="sng" algn="ctr">
-                      <a:solidFill>
-                        <a:schemeClr val="tx1"/>
-                      </a:solidFill>
-                      <a:prstDash val="solid"/>
-                      <a:round/>
-                      <a:headEnd type="none" w="med" len="med"/>
-                      <a:tailEnd type="none" w="med" len="med"/>
-                    </a:lnB>
-                    <a:solidFill>
-                      <a:schemeClr val="bg1"/>
-                    </a:solidFill>
-                  </a:tcPr>
-                </a:tc>
-                <a:tc>
-                  <a:txBody>
-                    <a:bodyPr/>
-                    <a:lstStyle/>
-                    <a:p>
-                      <a:endParaRPr kumimoji="1" lang="ja-JP" altLang="en-US"/>
-                    </a:p>
-                  </a:txBody>
-                  <a:tcPr>
-                    <a:lnL w="12700" cap="flat" cmpd="sng" algn="ctr">
-                      <a:solidFill>
-                        <a:schemeClr val="tx1"/>
-                      </a:solidFill>
-                      <a:prstDash val="solid"/>
-                      <a:round/>
-                      <a:headEnd type="none" w="med" len="med"/>
-                      <a:tailEnd type="none" w="med" len="med"/>
-                    </a:lnL>
-                    <a:lnR w="12700" cap="flat" cmpd="sng" algn="ctr">
-                      <a:solidFill>
-                        <a:schemeClr val="tx1"/>
-                      </a:solidFill>
-                      <a:prstDash val="solid"/>
-                      <a:round/>
-                      <a:headEnd type="none" w="med" len="med"/>
-                      <a:tailEnd type="none" w="med" len="med"/>
-                    </a:lnR>
-                    <a:lnT w="12700" cap="flat" cmpd="sng" algn="ctr">
-                      <a:solidFill>
-                        <a:schemeClr val="tx1"/>
-                      </a:solidFill>
-                      <a:prstDash val="solid"/>
-                      <a:round/>
-                      <a:headEnd type="none" w="med" len="med"/>
-                      <a:tailEnd type="none" w="med" len="med"/>
-                    </a:lnT>
-                    <a:lnB w="12700" cap="flat" cmpd="sng" algn="ctr">
-                      <a:solidFill>
-                        <a:schemeClr val="tx1"/>
-                      </a:solidFill>
-                      <a:prstDash val="solid"/>
-                      <a:round/>
-                      <a:headEnd type="none" w="med" len="med"/>
-                      <a:tailEnd type="none" w="med" len="med"/>
-                    </a:lnB>
-                    <a:solidFill>
-                      <a:schemeClr val="bg1"/>
-                    </a:solidFill>
-                  </a:tcPr>
-                </a:tc>
-                <a:extLst>
-                  <a:ext uri="{0D108BD9-81ED-4DB2-BD59-A6C34878D82A}">
-                    <a16:rowId xmlns:a16="http://schemas.microsoft.com/office/drawing/2014/main" val="3688764702"/>
-                  </a:ext>
-                </a:extLst>
-              </a:tr>
-              <a:tr h="511505">
-                <a:tc>
-                  <a:txBody>
-                    <a:bodyPr/>
-                    <a:lstStyle/>
-                    <a:p>
-                      <a:endParaRPr kumimoji="1" lang="ja-JP" altLang="en-US">
-                        <a:solidFill>
-                          <a:srgbClr val="FF0000"/>
-                        </a:solidFill>
-                      </a:endParaRPr>
-                    </a:p>
-                  </a:txBody>
-                  <a:tcPr>
-                    <a:lnL w="12700" cap="flat" cmpd="sng" algn="ctr">
-                      <a:solidFill>
-                        <a:schemeClr val="tx1"/>
-                      </a:solidFill>
-                      <a:prstDash val="solid"/>
-                      <a:round/>
-                      <a:headEnd type="none" w="med" len="med"/>
-                      <a:tailEnd type="none" w="med" len="med"/>
-                    </a:lnL>
-                    <a:lnR w="12700" cap="flat" cmpd="sng" algn="ctr">
-                      <a:solidFill>
-                        <a:schemeClr val="tx1"/>
-                      </a:solidFill>
-                      <a:prstDash val="solid"/>
-                      <a:round/>
-                      <a:headEnd type="none" w="med" len="med"/>
-                      <a:tailEnd type="none" w="med" len="med"/>
-                    </a:lnR>
-                    <a:lnT w="12700" cap="flat" cmpd="sng" algn="ctr">
-                      <a:solidFill>
-                        <a:schemeClr val="tx1"/>
-                      </a:solidFill>
-                      <a:prstDash val="solid"/>
-                      <a:round/>
-                      <a:headEnd type="none" w="med" len="med"/>
-                      <a:tailEnd type="none" w="med" len="med"/>
-                    </a:lnT>
-                    <a:lnB w="12700" cap="flat" cmpd="sng" algn="ctr">
-                      <a:solidFill>
-                        <a:schemeClr val="tx1"/>
-                      </a:solidFill>
-                      <a:prstDash val="solid"/>
-                      <a:round/>
-                      <a:headEnd type="none" w="med" len="med"/>
-                      <a:tailEnd type="none" w="med" len="med"/>
-                    </a:lnB>
-                    <a:solidFill>
-                      <a:schemeClr val="bg1"/>
-                    </a:solidFill>
-                  </a:tcPr>
-                </a:tc>
-                <a:tc>
-                  <a:txBody>
-                    <a:bodyPr/>
-                    <a:lstStyle/>
-                    <a:p>
-                      <a:endParaRPr kumimoji="1" lang="ja-JP" altLang="en-US"/>
-                    </a:p>
-                  </a:txBody>
-                  <a:tcPr>
-                    <a:lnL w="12700" cap="flat" cmpd="sng" algn="ctr">
-                      <a:solidFill>
-                        <a:schemeClr val="tx1"/>
-                      </a:solidFill>
-                      <a:prstDash val="solid"/>
-                      <a:round/>
-                      <a:headEnd type="none" w="med" len="med"/>
-                      <a:tailEnd type="none" w="med" len="med"/>
-                    </a:lnL>
-                    <a:lnR w="12700" cap="flat" cmpd="sng" algn="ctr">
-                      <a:solidFill>
-                        <a:schemeClr val="tx1"/>
-                      </a:solidFill>
-                      <a:prstDash val="solid"/>
-                      <a:round/>
-                      <a:headEnd type="none" w="med" len="med"/>
-                      <a:tailEnd type="none" w="med" len="med"/>
-                    </a:lnR>
-                    <a:lnT w="12700" cap="flat" cmpd="sng" algn="ctr">
-                      <a:solidFill>
-                        <a:schemeClr val="tx1"/>
-                      </a:solidFill>
-                      <a:prstDash val="solid"/>
-                      <a:round/>
-                      <a:headEnd type="none" w="med" len="med"/>
-                      <a:tailEnd type="none" w="med" len="med"/>
-                    </a:lnT>
-                    <a:lnB w="12700" cap="flat" cmpd="sng" algn="ctr">
-                      <a:solidFill>
-                        <a:schemeClr val="tx1"/>
-                      </a:solidFill>
-                      <a:prstDash val="solid"/>
-                      <a:round/>
-                      <a:headEnd type="none" w="med" len="med"/>
-                      <a:tailEnd type="none" w="med" len="med"/>
-                    </a:lnB>
-                    <a:noFill/>
-                  </a:tcPr>
-                </a:tc>
-                <a:tc>
-                  <a:txBody>
-                    <a:bodyPr/>
-                    <a:lstStyle/>
-                    <a:p>
-                      <a:endParaRPr kumimoji="1" lang="ja-JP" altLang="en-US"/>
-                    </a:p>
-                  </a:txBody>
-                  <a:tcPr>
-                    <a:lnL w="12700" cap="flat" cmpd="sng" algn="ctr">
-                      <a:solidFill>
-                        <a:schemeClr val="tx1"/>
-                      </a:solidFill>
-                      <a:prstDash val="solid"/>
-                      <a:round/>
-                      <a:headEnd type="none" w="med" len="med"/>
-                      <a:tailEnd type="none" w="med" len="med"/>
-                    </a:lnL>
-                    <a:lnR w="12700" cap="flat" cmpd="sng" algn="ctr">
-                      <a:solidFill>
-                        <a:schemeClr val="tx1"/>
-                      </a:solidFill>
-                      <a:prstDash val="solid"/>
-                      <a:round/>
-                      <a:headEnd type="none" w="med" len="med"/>
-                      <a:tailEnd type="none" w="med" len="med"/>
-                    </a:lnR>
-                    <a:lnT w="12700" cap="flat" cmpd="sng" algn="ctr">
-                      <a:solidFill>
-                        <a:schemeClr val="tx1"/>
-                      </a:solidFill>
-                      <a:prstDash val="solid"/>
-                      <a:round/>
-                      <a:headEnd type="none" w="med" len="med"/>
-                      <a:tailEnd type="none" w="med" len="med"/>
-                    </a:lnT>
-                    <a:lnB w="12700" cap="flat" cmpd="sng" algn="ctr">
-                      <a:solidFill>
-                        <a:schemeClr val="tx1"/>
-                      </a:solidFill>
-                      <a:prstDash val="solid"/>
-                      <a:round/>
-                      <a:headEnd type="none" w="med" len="med"/>
-                      <a:tailEnd type="none" w="med" len="med"/>
-                    </a:lnB>
-                    <a:solidFill>
-                      <a:schemeClr val="bg1"/>
-                    </a:solidFill>
-                  </a:tcPr>
-                </a:tc>
-                <a:tc>
-                  <a:txBody>
-                    <a:bodyPr/>
-                    <a:lstStyle/>
-                    <a:p>
-                      <a:endParaRPr kumimoji="1" lang="ja-JP" altLang="en-US"/>
-                    </a:p>
-                  </a:txBody>
-                  <a:tcPr>
-                    <a:lnL w="12700" cap="flat" cmpd="sng" algn="ctr">
-                      <a:solidFill>
-                        <a:schemeClr val="tx1"/>
-                      </a:solidFill>
-                      <a:prstDash val="solid"/>
-                      <a:round/>
-                      <a:headEnd type="none" w="med" len="med"/>
-                      <a:tailEnd type="none" w="med" len="med"/>
-                    </a:lnL>
-                    <a:lnR w="12700" cap="flat" cmpd="sng" algn="ctr">
-                      <a:solidFill>
-                        <a:schemeClr val="tx1"/>
-                      </a:solidFill>
-                      <a:prstDash val="solid"/>
-                      <a:round/>
-                      <a:headEnd type="none" w="med" len="med"/>
-                      <a:tailEnd type="none" w="med" len="med"/>
-                    </a:lnR>
-                    <a:lnT w="12700" cap="flat" cmpd="sng" algn="ctr">
-                      <a:solidFill>
-                        <a:schemeClr val="tx1"/>
-                      </a:solidFill>
-                      <a:prstDash val="solid"/>
-                      <a:round/>
-                      <a:headEnd type="none" w="med" len="med"/>
-                      <a:tailEnd type="none" w="med" len="med"/>
-                    </a:lnT>
-                    <a:lnB w="12700" cap="flat" cmpd="sng" algn="ctr">
-                      <a:solidFill>
-                        <a:schemeClr val="tx1"/>
-                      </a:solidFill>
-                      <a:prstDash val="solid"/>
-                      <a:round/>
-                      <a:headEnd type="none" w="med" len="med"/>
-                      <a:tailEnd type="none" w="med" len="med"/>
-                    </a:lnB>
-                    <a:solidFill>
-                      <a:schemeClr val="bg1"/>
-                    </a:solidFill>
-                  </a:tcPr>
-                </a:tc>
-                <a:extLst>
-                  <a:ext uri="{0D108BD9-81ED-4DB2-BD59-A6C34878D82A}">
-                    <a16:rowId xmlns:a16="http://schemas.microsoft.com/office/drawing/2014/main" val="1514342851"/>
-                  </a:ext>
-                </a:extLst>
-              </a:tr>
-            </a:tbl>
-          </a:graphicData>
-        </a:graphic>
-      </p:graphicFrame>
-      <p:sp>
-        <p:nvSpPr>
-          <p:cNvPr id="6" name="円/楕円 5">
-            <a:extLst>
-              <a:ext uri="{FF2B5EF4-FFF2-40B4-BE49-F238E27FC236}">
-                <a16:creationId xmlns:a16="http://schemas.microsoft.com/office/drawing/2014/main" id="{5A13594A-4C44-FB46-9934-5379C136F6CE}"/>
-              </a:ext>
-            </a:extLst>
-          </p:cNvPr>
-          <p:cNvSpPr/>
-          <p:nvPr/>
-        </p:nvSpPr>
-        <p:spPr>
-          <a:xfrm>
-            <a:off x="6033019" y="4490538"/>
-            <a:ext cx="250257" cy="250257"/>
-          </a:xfrm>
-          <a:prstGeom prst="ellipse">
-            <a:avLst/>
-          </a:prstGeom>
-          <a:solidFill>
-            <a:schemeClr val="bg1">
-              <a:lumMod val="75000"/>
-            </a:schemeClr>
-          </a:solidFill>
-          <a:ln>
-            <a:solidFill>
-              <a:schemeClr val="tx1"/>
-            </a:solidFill>
-          </a:ln>
-        </p:spPr>
-        <p:style>
-          <a:lnRef idx="2">
-            <a:schemeClr val="accent1">
-              <a:shade val="50000"/>
-            </a:schemeClr>
-          </a:lnRef>
-          <a:fillRef idx="1">
-            <a:schemeClr val="accent1"/>
-          </a:fillRef>
-          <a:effectRef idx="0">
-            <a:schemeClr val="accent1"/>
-          </a:effectRef>
-          <a:fontRef idx="minor">
-            <a:schemeClr val="lt1"/>
-          </a:fontRef>
-        </p:style>
-        <p:txBody>
-          <a:bodyPr rtlCol="0" anchor="ctr"/>
-          <a:lstStyle/>
-          <a:p>
-            <a:pPr algn="ctr"/>
-            <a:endParaRPr kumimoji="1" lang="ja-JP" altLang="en-US"/>
-          </a:p>
-        </p:txBody>
-      </p:sp>
-      <p:sp>
-        <p:nvSpPr>
-          <p:cNvPr id="7" name="円/楕円 6">
-            <a:extLst>
-              <a:ext uri="{FF2B5EF4-FFF2-40B4-BE49-F238E27FC236}">
-                <a16:creationId xmlns:a16="http://schemas.microsoft.com/office/drawing/2014/main" id="{30651E9A-EEA8-BA4B-905F-40CB911480DB}"/>
-              </a:ext>
-            </a:extLst>
-          </p:cNvPr>
-          <p:cNvSpPr/>
-          <p:nvPr/>
-        </p:nvSpPr>
-        <p:spPr>
-          <a:xfrm>
-            <a:off x="6557996" y="4490538"/>
-            <a:ext cx="250257" cy="250257"/>
-          </a:xfrm>
-          <a:prstGeom prst="ellipse">
-            <a:avLst/>
-          </a:prstGeom>
-          <a:solidFill>
-            <a:schemeClr val="bg1">
-              <a:lumMod val="75000"/>
-            </a:schemeClr>
-          </a:solidFill>
-          <a:ln>
-            <a:solidFill>
-              <a:schemeClr val="tx1"/>
-            </a:solidFill>
-          </a:ln>
-        </p:spPr>
-        <p:style>
-          <a:lnRef idx="2">
-            <a:schemeClr val="accent1">
-              <a:shade val="50000"/>
-            </a:schemeClr>
-          </a:lnRef>
-          <a:fillRef idx="1">
-            <a:schemeClr val="accent1"/>
-          </a:fillRef>
-          <a:effectRef idx="0">
-            <a:schemeClr val="accent1"/>
-          </a:effectRef>
-          <a:fontRef idx="minor">
-            <a:schemeClr val="lt1"/>
-          </a:fontRef>
-        </p:style>
-        <p:txBody>
-          <a:bodyPr rtlCol="0" anchor="ctr"/>
-          <a:lstStyle/>
-          <a:p>
-            <a:pPr algn="ctr"/>
-            <a:endParaRPr kumimoji="1" lang="ja-JP" altLang="en-US"/>
-          </a:p>
-        </p:txBody>
-      </p:sp>
-      <p:sp>
-        <p:nvSpPr>
-          <p:cNvPr id="8" name="円/楕円 7">
-            <a:extLst>
-              <a:ext uri="{FF2B5EF4-FFF2-40B4-BE49-F238E27FC236}">
-                <a16:creationId xmlns:a16="http://schemas.microsoft.com/office/drawing/2014/main" id="{00C56101-70F2-C843-89D0-069BF9133434}"/>
-              </a:ext>
-            </a:extLst>
-          </p:cNvPr>
-          <p:cNvSpPr/>
-          <p:nvPr/>
-        </p:nvSpPr>
-        <p:spPr>
-          <a:xfrm>
-            <a:off x="7082974" y="4490538"/>
-            <a:ext cx="250257" cy="250257"/>
-          </a:xfrm>
-          <a:prstGeom prst="ellipse">
-            <a:avLst/>
-          </a:prstGeom>
-          <a:solidFill>
-            <a:schemeClr val="bg1">
-              <a:lumMod val="75000"/>
-            </a:schemeClr>
-          </a:solidFill>
-          <a:ln>
-            <a:solidFill>
-              <a:schemeClr val="tx1"/>
-            </a:solidFill>
-          </a:ln>
-        </p:spPr>
-        <p:style>
-          <a:lnRef idx="2">
-            <a:schemeClr val="accent1">
-              <a:shade val="50000"/>
-            </a:schemeClr>
-          </a:lnRef>
-          <a:fillRef idx="1">
-            <a:schemeClr val="accent1"/>
-          </a:fillRef>
-          <a:effectRef idx="0">
-            <a:schemeClr val="accent1"/>
-          </a:effectRef>
-          <a:fontRef idx="minor">
-            <a:schemeClr val="lt1"/>
-          </a:fontRef>
-        </p:style>
-        <p:txBody>
-          <a:bodyPr rtlCol="0" anchor="ctr"/>
-          <a:lstStyle/>
-          <a:p>
-            <a:pPr algn="ctr"/>
-            <a:endParaRPr kumimoji="1" lang="ja-JP" altLang="en-US"/>
-          </a:p>
-        </p:txBody>
-      </p:sp>
-      <p:sp>
-        <p:nvSpPr>
-          <p:cNvPr id="9" name="直角三角形 8">
-            <a:extLst>
-              <a:ext uri="{FF2B5EF4-FFF2-40B4-BE49-F238E27FC236}">
-                <a16:creationId xmlns:a16="http://schemas.microsoft.com/office/drawing/2014/main" id="{54FC2D19-3289-FD47-A789-D21699CFA00D}"/>
-              </a:ext>
-            </a:extLst>
-          </p:cNvPr>
-          <p:cNvSpPr/>
-          <p:nvPr/>
-        </p:nvSpPr>
-        <p:spPr>
-          <a:xfrm rot="10800000">
-            <a:off x="3378585" y="4939669"/>
-            <a:ext cx="503999" cy="1534515"/>
-          </a:xfrm>
-          <a:prstGeom prst="rtTriangle">
-            <a:avLst/>
-          </a:prstGeom>
-          <a:solidFill>
-            <a:schemeClr val="bg1">
-              <a:lumMod val="75000"/>
-            </a:schemeClr>
-          </a:solidFill>
-          <a:ln>
-            <a:solidFill>
-              <a:schemeClr val="tx1"/>
-            </a:solidFill>
-          </a:ln>
-        </p:spPr>
-        <p:style>
-          <a:lnRef idx="2">
-            <a:schemeClr val="accent1">
-              <a:shade val="50000"/>
-            </a:schemeClr>
-          </a:lnRef>
-          <a:fillRef idx="1">
-            <a:schemeClr val="accent1"/>
-          </a:fillRef>
-          <a:effectRef idx="0">
-            <a:schemeClr val="accent1"/>
-          </a:effectRef>
-          <a:fontRef idx="minor">
-            <a:schemeClr val="lt1"/>
-          </a:fontRef>
-        </p:style>
-        <p:txBody>
-          <a:bodyPr rtlCol="0" anchor="ctr"/>
-          <a:lstStyle/>
-          <a:p>
-            <a:pPr algn="ctr"/>
-            <a:endParaRPr kumimoji="1" lang="ja-JP" altLang="en-US"/>
-          </a:p>
-        </p:txBody>
-      </p:sp>
-      <p:sp>
-        <p:nvSpPr>
-          <p:cNvPr id="10" name="直角三角形 9">
-            <a:extLst>
-              <a:ext uri="{FF2B5EF4-FFF2-40B4-BE49-F238E27FC236}">
-                <a16:creationId xmlns:a16="http://schemas.microsoft.com/office/drawing/2014/main" id="{0369E731-20F4-8F41-A392-8AE5664C6633}"/>
-              </a:ext>
-            </a:extLst>
-          </p:cNvPr>
-          <p:cNvSpPr/>
-          <p:nvPr/>
-        </p:nvSpPr>
-        <p:spPr>
-          <a:xfrm rot="10800000" flipH="1">
-            <a:off x="8526804" y="4939668"/>
-            <a:ext cx="503999" cy="1534513"/>
-          </a:xfrm>
-          <a:prstGeom prst="rtTriangle">
-            <a:avLst/>
-          </a:prstGeom>
-          <a:solidFill>
-            <a:schemeClr val="bg1">
-              <a:lumMod val="75000"/>
-            </a:schemeClr>
-          </a:solidFill>
-          <a:ln>
-            <a:solidFill>
-              <a:schemeClr val="tx1"/>
-            </a:solidFill>
-          </a:ln>
-        </p:spPr>
-        <p:style>
-          <a:lnRef idx="2">
-            <a:schemeClr val="accent1">
-              <a:shade val="50000"/>
-            </a:schemeClr>
-          </a:lnRef>
-          <a:fillRef idx="1">
-            <a:schemeClr val="accent1"/>
-          </a:fillRef>
-          <a:effectRef idx="0">
-            <a:schemeClr val="accent1"/>
-          </a:effectRef>
-          <a:fontRef idx="minor">
-            <a:schemeClr val="lt1"/>
-          </a:fontRef>
-        </p:style>
-        <p:txBody>
-          <a:bodyPr rtlCol="0" anchor="ctr"/>
-          <a:lstStyle/>
-          <a:p>
-            <a:pPr algn="ctr"/>
-            <a:endParaRPr kumimoji="1" lang="ja-JP" altLang="en-US"/>
-          </a:p>
-        </p:txBody>
-      </p:sp>
-      <p:sp>
-        <p:nvSpPr>
-          <p:cNvPr id="11" name="正方形/長方形 10">
-            <a:extLst>
-              <a:ext uri="{FF2B5EF4-FFF2-40B4-BE49-F238E27FC236}">
-                <a16:creationId xmlns:a16="http://schemas.microsoft.com/office/drawing/2014/main" id="{23440F99-B482-A34B-9FF7-9ECC03C47261}"/>
-              </a:ext>
-            </a:extLst>
-          </p:cNvPr>
-          <p:cNvSpPr/>
-          <p:nvPr/>
-        </p:nvSpPr>
-        <p:spPr>
-          <a:xfrm>
-            <a:off x="6832718" y="3826803"/>
-            <a:ext cx="250256" cy="472009"/>
-          </a:xfrm>
-          <a:prstGeom prst="rect">
-            <a:avLst/>
-          </a:prstGeom>
-          <a:solidFill>
-            <a:schemeClr val="bg1">
-              <a:lumMod val="75000"/>
-            </a:schemeClr>
-          </a:solidFill>
-          <a:ln>
-            <a:solidFill>
-              <a:schemeClr val="tx1"/>
-            </a:solidFill>
-          </a:ln>
-        </p:spPr>
-        <p:style>
-          <a:lnRef idx="2">
-            <a:schemeClr val="accent1">
-              <a:shade val="50000"/>
-            </a:schemeClr>
-          </a:lnRef>
-          <a:fillRef idx="1">
-            <a:schemeClr val="accent1"/>
-          </a:fillRef>
-          <a:effectRef idx="0">
-            <a:schemeClr val="accent1"/>
-          </a:effectRef>
-          <a:fontRef idx="minor">
-            <a:schemeClr val="lt1"/>
-          </a:fontRef>
-        </p:style>
-        <p:txBody>
-          <a:bodyPr rtlCol="0" anchor="ctr"/>
-          <a:lstStyle/>
-          <a:p>
-            <a:pPr algn="ctr"/>
-            <a:endParaRPr kumimoji="1" lang="ja-JP" altLang="en-US"/>
-          </a:p>
-        </p:txBody>
-      </p:sp>
-      <p:pic>
-        <p:nvPicPr>
-          <p:cNvPr id="12" name="図 11">
-            <a:extLst>
-              <a:ext uri="{FF2B5EF4-FFF2-40B4-BE49-F238E27FC236}">
-                <a16:creationId xmlns:a16="http://schemas.microsoft.com/office/drawing/2014/main" id="{CE19CFE0-C97C-1A42-848C-96C6E8C0EBB2}"/>
+                <a16:creationId xmlns:a16="http://schemas.microsoft.com/office/drawing/2014/main" id="{E7F17804-AD27-A24B-8245-75F06B19EC67}"/>
               </a:ext>
             </a:extLst>
           </p:cNvPr>
@@ -21724,9 +20950,9 @@
           </a:stretch>
         </p:blipFill>
         <p:spPr>
-          <a:xfrm flipH="1">
-            <a:off x="3880256" y="5084488"/>
-            <a:ext cx="601900" cy="436418"/>
+          <a:xfrm>
+            <a:off x="2589212" y="2674536"/>
+            <a:ext cx="5728648" cy="3236686"/>
           </a:xfrm>
           <a:prstGeom prst="rect">
             <a:avLst/>
@@ -21735,160 +20961,10 @@
       </p:pic>
       <p:pic>
         <p:nvPicPr>
-          <p:cNvPr id="13" name="図 12">
+          <p:cNvPr id="40" name="図 39">
             <a:extLst>
               <a:ext uri="{FF2B5EF4-FFF2-40B4-BE49-F238E27FC236}">
-                <a16:creationId xmlns:a16="http://schemas.microsoft.com/office/drawing/2014/main" id="{F1B025B8-AB32-E14C-8434-CE01A8EE460A}"/>
-              </a:ext>
-            </a:extLst>
-          </p:cNvPr>
-          <p:cNvPicPr>
-            <a:picLocks noChangeAspect="1"/>
-          </p:cNvPicPr>
-          <p:nvPr/>
-        </p:nvPicPr>
-        <p:blipFill>
-          <a:blip r:embed="rId2"/>
-          <a:stretch>
-            <a:fillRect/>
-          </a:stretch>
-        </p:blipFill>
-        <p:spPr>
-          <a:xfrm flipH="1">
-            <a:off x="3880256" y="5580530"/>
-            <a:ext cx="601900" cy="436418"/>
-          </a:xfrm>
-          <a:prstGeom prst="rect">
-            <a:avLst/>
-          </a:prstGeom>
-        </p:spPr>
-      </p:pic>
-      <p:pic>
-        <p:nvPicPr>
-          <p:cNvPr id="14" name="図 13">
-            <a:extLst>
-              <a:ext uri="{FF2B5EF4-FFF2-40B4-BE49-F238E27FC236}">
-                <a16:creationId xmlns:a16="http://schemas.microsoft.com/office/drawing/2014/main" id="{E0BF267C-12F5-D743-874D-7DDB5AB19D28}"/>
-              </a:ext>
-            </a:extLst>
-          </p:cNvPr>
-          <p:cNvPicPr>
-            <a:picLocks noChangeAspect="1"/>
-          </p:cNvPicPr>
-          <p:nvPr/>
-        </p:nvPicPr>
-        <p:blipFill>
-          <a:blip r:embed="rId2"/>
-          <a:stretch>
-            <a:fillRect/>
-          </a:stretch>
-        </p:blipFill>
-        <p:spPr>
-          <a:xfrm flipH="1">
-            <a:off x="4440392" y="5084488"/>
-            <a:ext cx="601900" cy="436418"/>
-          </a:xfrm>
-          <a:prstGeom prst="rect">
-            <a:avLst/>
-          </a:prstGeom>
-        </p:spPr>
-      </p:pic>
-      <p:pic>
-        <p:nvPicPr>
-          <p:cNvPr id="15" name="図 14">
-            <a:extLst>
-              <a:ext uri="{FF2B5EF4-FFF2-40B4-BE49-F238E27FC236}">
-                <a16:creationId xmlns:a16="http://schemas.microsoft.com/office/drawing/2014/main" id="{A1981BAB-3FBC-214E-9662-59D5C6AED519}"/>
-              </a:ext>
-            </a:extLst>
-          </p:cNvPr>
-          <p:cNvPicPr>
-            <a:picLocks noChangeAspect="1"/>
-          </p:cNvPicPr>
-          <p:nvPr/>
-        </p:nvPicPr>
-        <p:blipFill>
-          <a:blip r:embed="rId2"/>
-          <a:stretch>
-            <a:fillRect/>
-          </a:stretch>
-        </p:blipFill>
-        <p:spPr>
-          <a:xfrm flipH="1">
-            <a:off x="4449192" y="5580530"/>
-            <a:ext cx="601900" cy="436418"/>
-          </a:xfrm>
-          <a:prstGeom prst="rect">
-            <a:avLst/>
-          </a:prstGeom>
-        </p:spPr>
-      </p:pic>
-      <p:pic>
-        <p:nvPicPr>
-          <p:cNvPr id="16" name="図 15">
-            <a:extLst>
-              <a:ext uri="{FF2B5EF4-FFF2-40B4-BE49-F238E27FC236}">
-                <a16:creationId xmlns:a16="http://schemas.microsoft.com/office/drawing/2014/main" id="{27C21C4A-220E-924D-BCC0-ECC02E629E3E}"/>
-              </a:ext>
-            </a:extLst>
-          </p:cNvPr>
-          <p:cNvPicPr>
-            <a:picLocks noChangeAspect="1"/>
-          </p:cNvPicPr>
-          <p:nvPr/>
-        </p:nvPicPr>
-        <p:blipFill>
-          <a:blip r:embed="rId2"/>
-          <a:stretch>
-            <a:fillRect/>
-          </a:stretch>
-        </p:blipFill>
-        <p:spPr>
-          <a:xfrm flipH="1">
-            <a:off x="4449192" y="6090903"/>
-            <a:ext cx="601900" cy="436418"/>
-          </a:xfrm>
-          <a:prstGeom prst="rect">
-            <a:avLst/>
-          </a:prstGeom>
-        </p:spPr>
-      </p:pic>
-      <p:pic>
-        <p:nvPicPr>
-          <p:cNvPr id="17" name="図 16">
-            <a:extLst>
-              <a:ext uri="{FF2B5EF4-FFF2-40B4-BE49-F238E27FC236}">
-                <a16:creationId xmlns:a16="http://schemas.microsoft.com/office/drawing/2014/main" id="{F9F247D6-6778-A94B-94E3-EDAB9B764205}"/>
-              </a:ext>
-            </a:extLst>
-          </p:cNvPr>
-          <p:cNvPicPr>
-            <a:picLocks noChangeAspect="1"/>
-          </p:cNvPicPr>
-          <p:nvPr/>
-        </p:nvPicPr>
-        <p:blipFill>
-          <a:blip r:embed="rId2"/>
-          <a:stretch>
-            <a:fillRect/>
-          </a:stretch>
-        </p:blipFill>
-        <p:spPr>
-          <a:xfrm flipH="1">
-            <a:off x="3880256" y="6090903"/>
-            <a:ext cx="601900" cy="436418"/>
-          </a:xfrm>
-          <a:prstGeom prst="rect">
-            <a:avLst/>
-          </a:prstGeom>
-        </p:spPr>
-      </p:pic>
-      <p:pic>
-        <p:nvPicPr>
-          <p:cNvPr id="18" name="図 17">
-            <a:extLst>
-              <a:ext uri="{FF2B5EF4-FFF2-40B4-BE49-F238E27FC236}">
-                <a16:creationId xmlns:a16="http://schemas.microsoft.com/office/drawing/2014/main" id="{80D8F8A4-AAD7-774E-A329-D4F723CE72C7}"/>
+                <a16:creationId xmlns:a16="http://schemas.microsoft.com/office/drawing/2014/main" id="{B107DE13-7CEA-3A4D-BE3F-C56F4600B28B}"/>
               </a:ext>
             </a:extLst>
           </p:cNvPr>
@@ -21905,8 +20981,8 @@
         </p:blipFill>
         <p:spPr>
           <a:xfrm>
-            <a:off x="5039965" y="5100439"/>
-            <a:ext cx="560136" cy="406136"/>
+            <a:off x="8637682" y="3166344"/>
+            <a:ext cx="953391" cy="691273"/>
           </a:xfrm>
           <a:prstGeom prst="rect">
             <a:avLst/>
@@ -21915,160 +20991,10 @@
       </p:pic>
       <p:pic>
         <p:nvPicPr>
-          <p:cNvPr id="19" name="図 18">
+          <p:cNvPr id="42" name="図 41">
             <a:extLst>
               <a:ext uri="{FF2B5EF4-FFF2-40B4-BE49-F238E27FC236}">
-                <a16:creationId xmlns:a16="http://schemas.microsoft.com/office/drawing/2014/main" id="{804258CE-FC54-E942-9D4C-D18A6D53089A}"/>
-              </a:ext>
-            </a:extLst>
-          </p:cNvPr>
-          <p:cNvPicPr>
-            <a:picLocks noChangeAspect="1"/>
-          </p:cNvPicPr>
-          <p:nvPr/>
-        </p:nvPicPr>
-        <p:blipFill>
-          <a:blip r:embed="rId3"/>
-          <a:stretch>
-            <a:fillRect/>
-          </a:stretch>
-        </p:blipFill>
-        <p:spPr>
-          <a:xfrm>
-            <a:off x="5597774" y="5099629"/>
-            <a:ext cx="560136" cy="406136"/>
-          </a:xfrm>
-          <a:prstGeom prst="rect">
-            <a:avLst/>
-          </a:prstGeom>
-        </p:spPr>
-      </p:pic>
-      <p:pic>
-        <p:nvPicPr>
-          <p:cNvPr id="20" name="図 19">
-            <a:extLst>
-              <a:ext uri="{FF2B5EF4-FFF2-40B4-BE49-F238E27FC236}">
-                <a16:creationId xmlns:a16="http://schemas.microsoft.com/office/drawing/2014/main" id="{9A4D70F1-8022-2743-A8A2-7235A6A9F8AA}"/>
-              </a:ext>
-            </a:extLst>
-          </p:cNvPr>
-          <p:cNvPicPr>
-            <a:picLocks noChangeAspect="1"/>
-          </p:cNvPicPr>
-          <p:nvPr/>
-        </p:nvPicPr>
-        <p:blipFill>
-          <a:blip r:embed="rId3"/>
-          <a:stretch>
-            <a:fillRect/>
-          </a:stretch>
-        </p:blipFill>
-        <p:spPr>
-          <a:xfrm>
-            <a:off x="5057564" y="5603339"/>
-            <a:ext cx="560136" cy="406136"/>
-          </a:xfrm>
-          <a:prstGeom prst="rect">
-            <a:avLst/>
-          </a:prstGeom>
-        </p:spPr>
-      </p:pic>
-      <p:pic>
-        <p:nvPicPr>
-          <p:cNvPr id="21" name="図 20">
-            <a:extLst>
-              <a:ext uri="{FF2B5EF4-FFF2-40B4-BE49-F238E27FC236}">
-                <a16:creationId xmlns:a16="http://schemas.microsoft.com/office/drawing/2014/main" id="{A10653CB-A0F3-3340-9D38-5032F7889508}"/>
-              </a:ext>
-            </a:extLst>
-          </p:cNvPr>
-          <p:cNvPicPr>
-            <a:picLocks noChangeAspect="1"/>
-          </p:cNvPicPr>
-          <p:nvPr/>
-        </p:nvPicPr>
-        <p:blipFill>
-          <a:blip r:embed="rId3"/>
-          <a:stretch>
-            <a:fillRect/>
-          </a:stretch>
-        </p:blipFill>
-        <p:spPr>
-          <a:xfrm>
-            <a:off x="5599451" y="5587368"/>
-            <a:ext cx="560136" cy="406136"/>
-          </a:xfrm>
-          <a:prstGeom prst="rect">
-            <a:avLst/>
-          </a:prstGeom>
-        </p:spPr>
-      </p:pic>
-      <p:pic>
-        <p:nvPicPr>
-          <p:cNvPr id="22" name="図 21">
-            <a:extLst>
-              <a:ext uri="{FF2B5EF4-FFF2-40B4-BE49-F238E27FC236}">
-                <a16:creationId xmlns:a16="http://schemas.microsoft.com/office/drawing/2014/main" id="{F3576ACE-D241-EF4C-AF6F-37CEE8465075}"/>
-              </a:ext>
-            </a:extLst>
-          </p:cNvPr>
-          <p:cNvPicPr>
-            <a:picLocks noChangeAspect="1"/>
-          </p:cNvPicPr>
-          <p:nvPr/>
-        </p:nvPicPr>
-        <p:blipFill>
-          <a:blip r:embed="rId3"/>
-          <a:stretch>
-            <a:fillRect/>
-          </a:stretch>
-        </p:blipFill>
-        <p:spPr>
-          <a:xfrm>
-            <a:off x="5597774" y="6105198"/>
-            <a:ext cx="560136" cy="406136"/>
-          </a:xfrm>
-          <a:prstGeom prst="rect">
-            <a:avLst/>
-          </a:prstGeom>
-        </p:spPr>
-      </p:pic>
-      <p:pic>
-        <p:nvPicPr>
-          <p:cNvPr id="23" name="図 22">
-            <a:extLst>
-              <a:ext uri="{FF2B5EF4-FFF2-40B4-BE49-F238E27FC236}">
-                <a16:creationId xmlns:a16="http://schemas.microsoft.com/office/drawing/2014/main" id="{31D39C26-7D07-3E4B-8C90-B34CDC320AA4}"/>
-              </a:ext>
-            </a:extLst>
-          </p:cNvPr>
-          <p:cNvPicPr>
-            <a:picLocks noChangeAspect="1"/>
-          </p:cNvPicPr>
-          <p:nvPr/>
-        </p:nvPicPr>
-        <p:blipFill>
-          <a:blip r:embed="rId3"/>
-          <a:stretch>
-            <a:fillRect/>
-          </a:stretch>
-        </p:blipFill>
-        <p:spPr>
-          <a:xfrm>
-            <a:off x="5039965" y="6105028"/>
-            <a:ext cx="560136" cy="406136"/>
-          </a:xfrm>
-          <a:prstGeom prst="rect">
-            <a:avLst/>
-          </a:prstGeom>
-        </p:spPr>
-      </p:pic>
-      <p:pic>
-        <p:nvPicPr>
-          <p:cNvPr id="24" name="図 23">
-            <a:extLst>
-              <a:ext uri="{FF2B5EF4-FFF2-40B4-BE49-F238E27FC236}">
-                <a16:creationId xmlns:a16="http://schemas.microsoft.com/office/drawing/2014/main" id="{CB63CB22-525B-9E44-9FAF-2FE3C2CA9B04}"/>
+                <a16:creationId xmlns:a16="http://schemas.microsoft.com/office/drawing/2014/main" id="{549E0D82-2D2A-9E49-AC37-9B1E43A09705}"/>
               </a:ext>
             </a:extLst>
           </p:cNvPr>
@@ -22085,8 +21011,8 @@
         </p:blipFill>
         <p:spPr>
           <a:xfrm>
-            <a:off x="6201633" y="5084488"/>
-            <a:ext cx="554426" cy="401996"/>
+            <a:off x="8415736" y="4664165"/>
+            <a:ext cx="953391" cy="691273"/>
           </a:xfrm>
           <a:prstGeom prst="rect">
             <a:avLst/>
@@ -22095,160 +21021,10 @@
       </p:pic>
       <p:pic>
         <p:nvPicPr>
-          <p:cNvPr id="25" name="図 24">
+          <p:cNvPr id="44" name="図 43">
             <a:extLst>
               <a:ext uri="{FF2B5EF4-FFF2-40B4-BE49-F238E27FC236}">
-                <a16:creationId xmlns:a16="http://schemas.microsoft.com/office/drawing/2014/main" id="{EC66C992-1222-F148-8DBF-ECD8F0239656}"/>
-              </a:ext>
-            </a:extLst>
-          </p:cNvPr>
-          <p:cNvPicPr>
-            <a:picLocks noChangeAspect="1"/>
-          </p:cNvPicPr>
-          <p:nvPr/>
-        </p:nvPicPr>
-        <p:blipFill>
-          <a:blip r:embed="rId4"/>
-          <a:stretch>
-            <a:fillRect/>
-          </a:stretch>
-        </p:blipFill>
-        <p:spPr>
-          <a:xfrm>
-            <a:off x="6756059" y="5093641"/>
-            <a:ext cx="554426" cy="401996"/>
-          </a:xfrm>
-          <a:prstGeom prst="rect">
-            <a:avLst/>
-          </a:prstGeom>
-        </p:spPr>
-      </p:pic>
-      <p:pic>
-        <p:nvPicPr>
-          <p:cNvPr id="26" name="図 25">
-            <a:extLst>
-              <a:ext uri="{FF2B5EF4-FFF2-40B4-BE49-F238E27FC236}">
-                <a16:creationId xmlns:a16="http://schemas.microsoft.com/office/drawing/2014/main" id="{CE11B97B-DED0-8041-B30C-501870FE8708}"/>
-              </a:ext>
-            </a:extLst>
-          </p:cNvPr>
-          <p:cNvPicPr>
-            <a:picLocks noChangeAspect="1"/>
-          </p:cNvPicPr>
-          <p:nvPr/>
-        </p:nvPicPr>
-        <p:blipFill>
-          <a:blip r:embed="rId4"/>
-          <a:stretch>
-            <a:fillRect/>
-          </a:stretch>
-        </p:blipFill>
-        <p:spPr>
-          <a:xfrm>
-            <a:off x="6219275" y="5597324"/>
-            <a:ext cx="554426" cy="401996"/>
-          </a:xfrm>
-          <a:prstGeom prst="rect">
-            <a:avLst/>
-          </a:prstGeom>
-        </p:spPr>
-      </p:pic>
-      <p:pic>
-        <p:nvPicPr>
-          <p:cNvPr id="27" name="図 26">
-            <a:extLst>
-              <a:ext uri="{FF2B5EF4-FFF2-40B4-BE49-F238E27FC236}">
-                <a16:creationId xmlns:a16="http://schemas.microsoft.com/office/drawing/2014/main" id="{51396D79-5437-0B44-B42C-E9F4DB52C1DB}"/>
-              </a:ext>
-            </a:extLst>
-          </p:cNvPr>
-          <p:cNvPicPr>
-            <a:picLocks noChangeAspect="1"/>
-          </p:cNvPicPr>
-          <p:nvPr/>
-        </p:nvPicPr>
-        <p:blipFill>
-          <a:blip r:embed="rId4"/>
-          <a:stretch>
-            <a:fillRect/>
-          </a:stretch>
-        </p:blipFill>
-        <p:spPr>
-          <a:xfrm>
-            <a:off x="6788211" y="5584686"/>
-            <a:ext cx="554426" cy="401996"/>
-          </a:xfrm>
-          <a:prstGeom prst="rect">
-            <a:avLst/>
-          </a:prstGeom>
-        </p:spPr>
-      </p:pic>
-      <p:pic>
-        <p:nvPicPr>
-          <p:cNvPr id="28" name="図 27">
-            <a:extLst>
-              <a:ext uri="{FF2B5EF4-FFF2-40B4-BE49-F238E27FC236}">
-                <a16:creationId xmlns:a16="http://schemas.microsoft.com/office/drawing/2014/main" id="{555E041A-939C-1145-BD59-02E0F0603C0A}"/>
-              </a:ext>
-            </a:extLst>
-          </p:cNvPr>
-          <p:cNvPicPr>
-            <a:picLocks noChangeAspect="1"/>
-          </p:cNvPicPr>
-          <p:nvPr/>
-        </p:nvPicPr>
-        <p:blipFill>
-          <a:blip r:embed="rId4"/>
-          <a:stretch>
-            <a:fillRect/>
-          </a:stretch>
-        </p:blipFill>
-        <p:spPr>
-          <a:xfrm>
-            <a:off x="6778805" y="6105198"/>
-            <a:ext cx="554426" cy="401996"/>
-          </a:xfrm>
-          <a:prstGeom prst="rect">
-            <a:avLst/>
-          </a:prstGeom>
-        </p:spPr>
-      </p:pic>
-      <p:pic>
-        <p:nvPicPr>
-          <p:cNvPr id="29" name="図 28">
-            <a:extLst>
-              <a:ext uri="{FF2B5EF4-FFF2-40B4-BE49-F238E27FC236}">
-                <a16:creationId xmlns:a16="http://schemas.microsoft.com/office/drawing/2014/main" id="{6B5DC912-02D3-FA40-97DB-0389CE10EC96}"/>
-              </a:ext>
-            </a:extLst>
-          </p:cNvPr>
-          <p:cNvPicPr>
-            <a:picLocks noChangeAspect="1"/>
-          </p:cNvPicPr>
-          <p:nvPr/>
-        </p:nvPicPr>
-        <p:blipFill>
-          <a:blip r:embed="rId4"/>
-          <a:stretch>
-            <a:fillRect/>
-          </a:stretch>
-        </p:blipFill>
-        <p:spPr>
-          <a:xfrm>
-            <a:off x="6201633" y="6098758"/>
-            <a:ext cx="554426" cy="401996"/>
-          </a:xfrm>
-          <a:prstGeom prst="rect">
-            <a:avLst/>
-          </a:prstGeom>
-        </p:spPr>
-      </p:pic>
-      <p:pic>
-        <p:nvPicPr>
-          <p:cNvPr id="30" name="図 29">
-            <a:extLst>
-              <a:ext uri="{FF2B5EF4-FFF2-40B4-BE49-F238E27FC236}">
-                <a16:creationId xmlns:a16="http://schemas.microsoft.com/office/drawing/2014/main" id="{20CEF957-3114-9D48-8BA2-4BCC7C3ABA51}"/>
+                <a16:creationId xmlns:a16="http://schemas.microsoft.com/office/drawing/2014/main" id="{BF3565EE-0D1E-5049-8E6C-3ECE7D3B9148}"/>
               </a:ext>
             </a:extLst>
           </p:cNvPr>
@@ -22265,20 +21041,261 @@
         </p:blipFill>
         <p:spPr>
           <a:xfrm>
-            <a:off x="7380438" y="5068938"/>
-            <a:ext cx="575872" cy="417546"/>
+            <a:off x="6195128" y="5886120"/>
+            <a:ext cx="953391" cy="691274"/>
           </a:xfrm>
           <a:prstGeom prst="rect">
             <a:avLst/>
           </a:prstGeom>
         </p:spPr>
       </p:pic>
+      <p:cxnSp>
+        <p:nvCxnSpPr>
+          <p:cNvPr id="46" name="直線コネクタ 45">
+            <a:extLst>
+              <a:ext uri="{FF2B5EF4-FFF2-40B4-BE49-F238E27FC236}">
+                <a16:creationId xmlns:a16="http://schemas.microsoft.com/office/drawing/2014/main" id="{DD274819-22CD-D44D-A121-1C3438C467BB}"/>
+              </a:ext>
+            </a:extLst>
+          </p:cNvPr>
+          <p:cNvCxnSpPr>
+            <a:cxnSpLocks/>
+          </p:cNvCxnSpPr>
+          <p:nvPr/>
+        </p:nvCxnSpPr>
+        <p:spPr>
+          <a:xfrm flipV="1">
+            <a:off x="5063741" y="3568985"/>
+            <a:ext cx="3567184" cy="511806"/>
+          </a:xfrm>
+          <a:prstGeom prst="line">
+            <a:avLst/>
+          </a:prstGeom>
+          <a:ln>
+            <a:solidFill>
+              <a:schemeClr val="tx1"/>
+            </a:solidFill>
+          </a:ln>
+        </p:spPr>
+        <p:style>
+          <a:lnRef idx="1">
+            <a:schemeClr val="accent1"/>
+          </a:lnRef>
+          <a:fillRef idx="0">
+            <a:schemeClr val="accent1"/>
+          </a:fillRef>
+          <a:effectRef idx="0">
+            <a:schemeClr val="accent1"/>
+          </a:effectRef>
+          <a:fontRef idx="minor">
+            <a:schemeClr val="tx1"/>
+          </a:fontRef>
+        </p:style>
+      </p:cxnSp>
+      <p:cxnSp>
+        <p:nvCxnSpPr>
+          <p:cNvPr id="49" name="直線コネクタ 48">
+            <a:extLst>
+              <a:ext uri="{FF2B5EF4-FFF2-40B4-BE49-F238E27FC236}">
+                <a16:creationId xmlns:a16="http://schemas.microsoft.com/office/drawing/2014/main" id="{05B58488-8B8A-B844-9A23-CF9BB03ED8BA}"/>
+              </a:ext>
+            </a:extLst>
+          </p:cNvPr>
+          <p:cNvCxnSpPr>
+            <a:cxnSpLocks/>
+            <a:stCxn id="68" idx="2"/>
+            <a:endCxn id="42" idx="1"/>
+          </p:cNvCxnSpPr>
+          <p:nvPr/>
+        </p:nvCxnSpPr>
+        <p:spPr>
+          <a:xfrm>
+            <a:off x="4137971" y="4595074"/>
+            <a:ext cx="4277765" cy="414728"/>
+          </a:xfrm>
+          <a:prstGeom prst="line">
+            <a:avLst/>
+          </a:prstGeom>
+          <a:ln>
+            <a:solidFill>
+              <a:schemeClr val="tx1"/>
+            </a:solidFill>
+          </a:ln>
+        </p:spPr>
+        <p:style>
+          <a:lnRef idx="1">
+            <a:schemeClr val="accent1"/>
+          </a:lnRef>
+          <a:fillRef idx="0">
+            <a:schemeClr val="accent1"/>
+          </a:fillRef>
+          <a:effectRef idx="0">
+            <a:schemeClr val="accent1"/>
+          </a:effectRef>
+          <a:fontRef idx="minor">
+            <a:schemeClr val="tx1"/>
+          </a:fontRef>
+        </p:style>
+      </p:cxnSp>
+      <p:cxnSp>
+        <p:nvCxnSpPr>
+          <p:cNvPr id="50" name="直線コネクタ 49">
+            <a:extLst>
+              <a:ext uri="{FF2B5EF4-FFF2-40B4-BE49-F238E27FC236}">
+                <a16:creationId xmlns:a16="http://schemas.microsoft.com/office/drawing/2014/main" id="{9F4A2D22-5F4E-CB4F-8BBD-9637F2DADF44}"/>
+              </a:ext>
+            </a:extLst>
+          </p:cNvPr>
+          <p:cNvCxnSpPr>
+            <a:cxnSpLocks/>
+            <a:stCxn id="69" idx="2"/>
+            <a:endCxn id="44" idx="1"/>
+          </p:cNvCxnSpPr>
+          <p:nvPr/>
+        </p:nvCxnSpPr>
+        <p:spPr>
+          <a:xfrm>
+            <a:off x="3293716" y="5304366"/>
+            <a:ext cx="2901412" cy="927391"/>
+          </a:xfrm>
+          <a:prstGeom prst="line">
+            <a:avLst/>
+          </a:prstGeom>
+          <a:ln>
+            <a:solidFill>
+              <a:schemeClr val="tx1"/>
+            </a:solidFill>
+          </a:ln>
+        </p:spPr>
+        <p:style>
+          <a:lnRef idx="1">
+            <a:schemeClr val="accent1"/>
+          </a:lnRef>
+          <a:fillRef idx="0">
+            <a:schemeClr val="accent1"/>
+          </a:fillRef>
+          <a:effectRef idx="0">
+            <a:schemeClr val="accent1"/>
+          </a:effectRef>
+          <a:fontRef idx="minor">
+            <a:schemeClr val="tx1"/>
+          </a:fontRef>
+        </p:style>
+      </p:cxnSp>
+      <p:sp>
+        <p:nvSpPr>
+          <p:cNvPr id="56" name="テキスト ボックス 55">
+            <a:extLst>
+              <a:ext uri="{FF2B5EF4-FFF2-40B4-BE49-F238E27FC236}">
+                <a16:creationId xmlns:a16="http://schemas.microsoft.com/office/drawing/2014/main" id="{CEDE082F-146C-6547-8CD5-C276C0B83DCB}"/>
+              </a:ext>
+            </a:extLst>
+          </p:cNvPr>
+          <p:cNvSpPr txBox="1"/>
+          <p:nvPr/>
+        </p:nvSpPr>
+        <p:spPr>
+          <a:xfrm>
+            <a:off x="9565258" y="3276045"/>
+            <a:ext cx="1318086" cy="461665"/>
+          </a:xfrm>
+          <a:prstGeom prst="rect">
+            <a:avLst/>
+          </a:prstGeom>
+          <a:noFill/>
+        </p:spPr>
+        <p:txBody>
+          <a:bodyPr wrap="square" rtlCol="0">
+            <a:spAutoFit/>
+          </a:bodyPr>
+          <a:lstStyle/>
+          <a:p>
+            <a:r>
+              <a:rPr lang="en-US" altLang="ja-JP" sz="2400" dirty="0"/>
+              <a:t>×100</a:t>
+            </a:r>
+            <a:endParaRPr kumimoji="1" lang="ja-JP" altLang="en-US" sz="2400"/>
+          </a:p>
+        </p:txBody>
+      </p:sp>
+      <p:sp>
+        <p:nvSpPr>
+          <p:cNvPr id="59" name="テキスト ボックス 58">
+            <a:extLst>
+              <a:ext uri="{FF2B5EF4-FFF2-40B4-BE49-F238E27FC236}">
+                <a16:creationId xmlns:a16="http://schemas.microsoft.com/office/drawing/2014/main" id="{83E420BC-816D-3643-8560-933CEB20B503}"/>
+              </a:ext>
+            </a:extLst>
+          </p:cNvPr>
+          <p:cNvSpPr txBox="1"/>
+          <p:nvPr/>
+        </p:nvSpPr>
+        <p:spPr>
+          <a:xfrm>
+            <a:off x="9334969" y="4825156"/>
+            <a:ext cx="1318086" cy="461665"/>
+          </a:xfrm>
+          <a:prstGeom prst="rect">
+            <a:avLst/>
+          </a:prstGeom>
+          <a:noFill/>
+        </p:spPr>
+        <p:txBody>
+          <a:bodyPr wrap="square" rtlCol="0">
+            <a:spAutoFit/>
+          </a:bodyPr>
+          <a:lstStyle/>
+          <a:p>
+            <a:r>
+              <a:rPr lang="en-US" altLang="ja-JP" sz="2400" dirty="0"/>
+              <a:t>×50</a:t>
+            </a:r>
+            <a:endParaRPr kumimoji="1" lang="ja-JP" altLang="en-US" sz="2400"/>
+          </a:p>
+        </p:txBody>
+      </p:sp>
+      <p:sp>
+        <p:nvSpPr>
+          <p:cNvPr id="60" name="テキスト ボックス 59">
+            <a:extLst>
+              <a:ext uri="{FF2B5EF4-FFF2-40B4-BE49-F238E27FC236}">
+                <a16:creationId xmlns:a16="http://schemas.microsoft.com/office/drawing/2014/main" id="{6E1C3310-CD52-8344-8B16-74660A503361}"/>
+              </a:ext>
+            </a:extLst>
+          </p:cNvPr>
+          <p:cNvSpPr txBox="1"/>
+          <p:nvPr/>
+        </p:nvSpPr>
+        <p:spPr>
+          <a:xfrm>
+            <a:off x="7116085" y="6013475"/>
+            <a:ext cx="1318086" cy="461665"/>
+          </a:xfrm>
+          <a:prstGeom prst="rect">
+            <a:avLst/>
+          </a:prstGeom>
+          <a:noFill/>
+        </p:spPr>
+        <p:txBody>
+          <a:bodyPr wrap="square" rtlCol="0">
+            <a:spAutoFit/>
+          </a:bodyPr>
+          <a:lstStyle/>
+          <a:p>
+            <a:r>
+              <a:rPr lang="en-US" altLang="ja-JP" sz="2400" dirty="0"/>
+              <a:t>×200</a:t>
+            </a:r>
+            <a:endParaRPr kumimoji="1" lang="ja-JP" altLang="en-US" sz="2400"/>
+          </a:p>
+        </p:txBody>
+      </p:sp>
       <p:pic>
         <p:nvPicPr>
-          <p:cNvPr id="31" name="図 30">
+          <p:cNvPr id="67" name="図 66">
             <a:extLst>
               <a:ext uri="{FF2B5EF4-FFF2-40B4-BE49-F238E27FC236}">
-                <a16:creationId xmlns:a16="http://schemas.microsoft.com/office/drawing/2014/main" id="{A9CA1D8E-31FF-6A49-8A99-6D3C3A61D63A}"/>
+                <a16:creationId xmlns:a16="http://schemas.microsoft.com/office/drawing/2014/main" id="{3D2E360A-80FC-D642-908C-3060B9845E96}"/>
               </a:ext>
             </a:extLst>
           </p:cNvPr>
@@ -22288,15 +21305,15 @@
           <p:nvPr/>
         </p:nvPicPr>
         <p:blipFill>
-          <a:blip r:embed="rId5"/>
+          <a:blip r:embed="rId6"/>
           <a:stretch>
             <a:fillRect/>
           </a:stretch>
         </p:blipFill>
         <p:spPr>
           <a:xfrm>
-            <a:off x="7944377" y="5059155"/>
-            <a:ext cx="575872" cy="417546"/>
+            <a:off x="4905231" y="3759203"/>
+            <a:ext cx="303505" cy="392919"/>
           </a:xfrm>
           <a:prstGeom prst="rect">
             <a:avLst/>
@@ -22305,10 +21322,10 @@
       </p:pic>
       <p:pic>
         <p:nvPicPr>
-          <p:cNvPr id="32" name="図 31">
+          <p:cNvPr id="68" name="図 67">
             <a:extLst>
               <a:ext uri="{FF2B5EF4-FFF2-40B4-BE49-F238E27FC236}">
-                <a16:creationId xmlns:a16="http://schemas.microsoft.com/office/drawing/2014/main" id="{2782C463-F420-F442-AC36-D7BA66B82742}"/>
+                <a16:creationId xmlns:a16="http://schemas.microsoft.com/office/drawing/2014/main" id="{E6501719-451A-294B-AFC8-ACA47A38741E}"/>
               </a:ext>
             </a:extLst>
           </p:cNvPr>
@@ -22318,15 +21335,15 @@
           <p:nvPr/>
         </p:nvPicPr>
         <p:blipFill>
-          <a:blip r:embed="rId5"/>
+          <a:blip r:embed="rId6"/>
           <a:stretch>
             <a:fillRect/>
           </a:stretch>
         </p:blipFill>
         <p:spPr>
           <a:xfrm>
-            <a:off x="7360804" y="5569987"/>
-            <a:ext cx="575872" cy="417546"/>
+            <a:off x="3986218" y="4202155"/>
+            <a:ext cx="303505" cy="392919"/>
           </a:xfrm>
           <a:prstGeom prst="rect">
             <a:avLst/>
@@ -22335,10 +21352,10 @@
       </p:pic>
       <p:pic>
         <p:nvPicPr>
-          <p:cNvPr id="33" name="図 32">
+          <p:cNvPr id="69" name="図 68">
             <a:extLst>
               <a:ext uri="{FF2B5EF4-FFF2-40B4-BE49-F238E27FC236}">
-                <a16:creationId xmlns:a16="http://schemas.microsoft.com/office/drawing/2014/main" id="{692A86BA-97EA-7346-B714-0E04E79F1C76}"/>
+                <a16:creationId xmlns:a16="http://schemas.microsoft.com/office/drawing/2014/main" id="{4BD9C7CC-E590-6E4C-9EF6-F056496BAE0F}"/>
               </a:ext>
             </a:extLst>
           </p:cNvPr>
@@ -22348,110 +21365,21 @@
           <p:nvPr/>
         </p:nvPicPr>
         <p:blipFill>
-          <a:blip r:embed="rId5"/>
+          <a:blip r:embed="rId6"/>
           <a:stretch>
             <a:fillRect/>
           </a:stretch>
         </p:blipFill>
         <p:spPr>
           <a:xfrm>
-            <a:off x="7939345" y="5587368"/>
-            <a:ext cx="575872" cy="417546"/>
+            <a:off x="3141963" y="4911447"/>
+            <a:ext cx="303505" cy="392919"/>
           </a:xfrm>
           <a:prstGeom prst="rect">
             <a:avLst/>
           </a:prstGeom>
         </p:spPr>
       </p:pic>
-      <p:pic>
-        <p:nvPicPr>
-          <p:cNvPr id="34" name="図 33">
-            <a:extLst>
-              <a:ext uri="{FF2B5EF4-FFF2-40B4-BE49-F238E27FC236}">
-                <a16:creationId xmlns:a16="http://schemas.microsoft.com/office/drawing/2014/main" id="{E40314B3-2C0A-1446-A79B-E683FA14D74A}"/>
-              </a:ext>
-            </a:extLst>
-          </p:cNvPr>
-          <p:cNvPicPr>
-            <a:picLocks noChangeAspect="1"/>
-          </p:cNvPicPr>
-          <p:nvPr/>
-        </p:nvPicPr>
-        <p:blipFill>
-          <a:blip r:embed="rId5"/>
-          <a:stretch>
-            <a:fillRect/>
-          </a:stretch>
-        </p:blipFill>
-        <p:spPr>
-          <a:xfrm>
-            <a:off x="7954126" y="6081428"/>
-            <a:ext cx="575872" cy="417546"/>
-          </a:xfrm>
-          <a:prstGeom prst="rect">
-            <a:avLst/>
-          </a:prstGeom>
-        </p:spPr>
-      </p:pic>
-      <p:pic>
-        <p:nvPicPr>
-          <p:cNvPr id="35" name="図 34">
-            <a:extLst>
-              <a:ext uri="{FF2B5EF4-FFF2-40B4-BE49-F238E27FC236}">
-                <a16:creationId xmlns:a16="http://schemas.microsoft.com/office/drawing/2014/main" id="{31D207FF-AACB-6144-947E-8F6267CB6455}"/>
-              </a:ext>
-            </a:extLst>
-          </p:cNvPr>
-          <p:cNvPicPr>
-            <a:picLocks noChangeAspect="1"/>
-          </p:cNvPicPr>
-          <p:nvPr/>
-        </p:nvPicPr>
-        <p:blipFill>
-          <a:blip r:embed="rId5"/>
-          <a:stretch>
-            <a:fillRect/>
-          </a:stretch>
-        </p:blipFill>
-        <p:spPr>
-          <a:xfrm>
-            <a:off x="7405305" y="6077381"/>
-            <a:ext cx="575872" cy="417546"/>
-          </a:xfrm>
-          <a:prstGeom prst="rect">
-            <a:avLst/>
-          </a:prstGeom>
-        </p:spPr>
-      </p:pic>
-      <p:sp>
-        <p:nvSpPr>
-          <p:cNvPr id="36" name="スライド番号プレースホルダー 35">
-            <a:extLst>
-              <a:ext uri="{FF2B5EF4-FFF2-40B4-BE49-F238E27FC236}">
-                <a16:creationId xmlns:a16="http://schemas.microsoft.com/office/drawing/2014/main" id="{5C6B1857-F1BC-E243-89E0-3C2D11DEB165}"/>
-              </a:ext>
-            </a:extLst>
-          </p:cNvPr>
-          <p:cNvSpPr>
-            <a:spLocks noGrp="1"/>
-          </p:cNvSpPr>
-          <p:nvPr>
-            <p:ph type="sldNum" sz="quarter" idx="12"/>
-          </p:nvPr>
-        </p:nvSpPr>
-        <p:spPr/>
-        <p:txBody>
-          <a:bodyPr/>
-          <a:lstStyle/>
-          <a:p>
-            <a:fld id="{1413D9FB-836C-864C-8E5A-36E5384B9725}" type="slidenum">
-              <a:rPr kumimoji="1" lang="ja-JP" altLang="en-US" smtClean="0"/>
-              <a:t>4</a:t>
-            </a:fld>
-            <a:endParaRPr kumimoji="1" lang="ja-JP" altLang="en-US"/>
-          </a:p>
-        </p:txBody>
-      </p:sp>
     </p:spTree>
     <p:extLst>
       <p:ext uri="{BB962C8B-B14F-4D97-AF65-F5344CB8AC3E}">
@@ -22487,7 +21415,7 @@
           <p:cNvPr id="2" name="タイトル 1">
             <a:extLst>
               <a:ext uri="{FF2B5EF4-FFF2-40B4-BE49-F238E27FC236}">
-                <a16:creationId xmlns:a16="http://schemas.microsoft.com/office/drawing/2014/main" id="{23293CDF-C8B2-0249-B006-9AB1745DECD2}"/>
+                <a16:creationId xmlns:a16="http://schemas.microsoft.com/office/drawing/2014/main" id="{77CCAC05-3AAC-D943-B7CA-119266FCBE65}"/>
               </a:ext>
             </a:extLst>
           </p:cNvPr>
@@ -22505,7 +21433,7 @@
           <a:p>
             <a:r>
               <a:rPr lang="en-US" altLang="ja-JP" dirty="0"/>
-              <a:t>Approach to create initial assignment</a:t>
+              <a:t>Relaxation of linear programming</a:t>
             </a:r>
             <a:endParaRPr kumimoji="1" lang="ja-JP" altLang="en-US"/>
           </a:p>
@@ -22516,7 +21444,7 @@
           <p:cNvPr id="3" name="コンテンツ プレースホルダー 2">
             <a:extLst>
               <a:ext uri="{FF2B5EF4-FFF2-40B4-BE49-F238E27FC236}">
-                <a16:creationId xmlns:a16="http://schemas.microsoft.com/office/drawing/2014/main" id="{E20F269F-0243-3E42-9DD2-4D0E5F2B1161}"/>
+                <a16:creationId xmlns:a16="http://schemas.microsoft.com/office/drawing/2014/main" id="{83572324-1E1A-3541-9C80-10CFC06750E2}"/>
               </a:ext>
             </a:extLst>
           </p:cNvPr>
@@ -22534,55 +21462,43 @@
           </a:bodyPr>
           <a:lstStyle/>
           <a:p>
-            <a:pPr marL="457200" indent="-457200">
-              <a:buFont typeface="+mj-lt"/>
-              <a:buAutoNum type="arabicPeriod"/>
-            </a:pPr>
-            <a:r>
-              <a:rPr kumimoji="1" lang="en-US" altLang="ja-JP" sz="2400" dirty="0">
-                <a:solidFill>
-                  <a:schemeClr val="bg1">
-                    <a:lumMod val="85000"/>
-                  </a:schemeClr>
-                </a:solidFill>
-              </a:rPr>
-              <a:t>Generating from solution by relaxation of linear programming</a:t>
-            </a:r>
-          </a:p>
-          <a:p>
-            <a:pPr marL="457200" indent="-457200">
-              <a:buFont typeface="+mj-lt"/>
-              <a:buAutoNum type="arabicPeriod"/>
-            </a:pPr>
-            <a:r>
-              <a:rPr lang="en-US" altLang="ja-JP" sz="2400" dirty="0">
-                <a:solidFill>
-                  <a:schemeClr val="tx1"/>
-                </a:solidFill>
-              </a:rPr>
-              <a:t>G</a:t>
-            </a:r>
-            <a:r>
-              <a:rPr kumimoji="1" lang="en-US" altLang="ja-JP" sz="2400" dirty="0">
-                <a:solidFill>
-                  <a:schemeClr val="tx1"/>
-                </a:solidFill>
-              </a:rPr>
-              <a:t>enerating from solution </a:t>
-            </a:r>
-            <a:r>
-              <a:rPr lang="en-US" altLang="ja-JP" sz="2400" dirty="0">
-                <a:solidFill>
-                  <a:schemeClr val="tx1"/>
-                </a:solidFill>
-              </a:rPr>
-              <a:t>of a problem formulated in MIP with bookings grouped by port</a:t>
-            </a:r>
-            <a:endParaRPr kumimoji="1" lang="en-US" altLang="ja-JP" sz="2400" dirty="0">
-              <a:solidFill>
-                <a:schemeClr val="tx1"/>
-              </a:solidFill>
-            </a:endParaRPr>
+            <a:r>
+              <a:rPr lang="en-US" altLang="ja-JP" sz="2400" dirty="0"/>
+              <a:t>As a preliminary experiment, we compare the solutions to the MIP problem and the relaxation problem. </a:t>
+            </a:r>
+          </a:p>
+          <a:p>
+            <a:r>
+              <a:rPr lang="en" altLang="ja-JP" sz="2400" dirty="0"/>
+              <a:t>To compare the properties of the solutions, we use the Manhattan distance</a:t>
+            </a:r>
+            <a:r>
+              <a:rPr lang="en-US" altLang="ja-JP" sz="2400" dirty="0"/>
+              <a:t>. </a:t>
+            </a:r>
+          </a:p>
+          <a:p>
+            <a:r>
+              <a:rPr lang="en" altLang="ja-JP" sz="2400" dirty="0"/>
+              <a:t>We performed the comparison and confirmed that the properties of the relaxed solution and the MIP solution are close</a:t>
+            </a:r>
+            <a:r>
+              <a:rPr lang="en-US" altLang="ja-JP" sz="2400" dirty="0"/>
+              <a:t>.</a:t>
+            </a:r>
+            <a:endParaRPr lang="en" altLang="ja-JP" sz="2400" dirty="0"/>
+          </a:p>
+          <a:p>
+            <a:endParaRPr lang="en-US" altLang="ja-JP" sz="2400" dirty="0"/>
+          </a:p>
+          <a:p>
+            <a:endParaRPr lang="en-US" altLang="ja-JP" sz="2400" dirty="0"/>
+          </a:p>
+          <a:p>
+            <a:endParaRPr lang="en-US" altLang="ja-JP" sz="2400" dirty="0"/>
+          </a:p>
+          <a:p>
+            <a:endParaRPr kumimoji="1" lang="ja-JP" altLang="en-US" sz="2400"/>
           </a:p>
         </p:txBody>
       </p:sp>
@@ -22591,7 +21507,7 @@
           <p:cNvPr id="4" name="スライド番号プレースホルダー 3">
             <a:extLst>
               <a:ext uri="{FF2B5EF4-FFF2-40B4-BE49-F238E27FC236}">
-                <a16:creationId xmlns:a16="http://schemas.microsoft.com/office/drawing/2014/main" id="{EFD2A9DB-5222-964C-9F01-E915E69C91EC}"/>
+                <a16:creationId xmlns:a16="http://schemas.microsoft.com/office/drawing/2014/main" id="{8DAA0D4D-82E8-3046-B732-248E075E5E4C}"/>
               </a:ext>
             </a:extLst>
           </p:cNvPr>
@@ -22618,7 +21534,7 @@
     </p:spTree>
     <p:extLst>
       <p:ext uri="{BB962C8B-B14F-4D97-AF65-F5344CB8AC3E}">
-        <p14:creationId xmlns:p14="http://schemas.microsoft.com/office/powerpoint/2010/main" val="1226177036"/>
+        <p14:creationId xmlns:p14="http://schemas.microsoft.com/office/powerpoint/2010/main" val="2087942310"/>
       </p:ext>
     </p:extLst>
   </p:cSld>
@@ -22650,6 +21566,169 @@
           <p:cNvPr id="2" name="タイトル 1">
             <a:extLst>
               <a:ext uri="{FF2B5EF4-FFF2-40B4-BE49-F238E27FC236}">
+                <a16:creationId xmlns:a16="http://schemas.microsoft.com/office/drawing/2014/main" id="{23293CDF-C8B2-0249-B006-9AB1745DECD2}"/>
+              </a:ext>
+            </a:extLst>
+          </p:cNvPr>
+          <p:cNvSpPr>
+            <a:spLocks noGrp="1"/>
+          </p:cNvSpPr>
+          <p:nvPr>
+            <p:ph type="title"/>
+          </p:nvPr>
+        </p:nvSpPr>
+        <p:spPr/>
+        <p:txBody>
+          <a:bodyPr/>
+          <a:lstStyle/>
+          <a:p>
+            <a:r>
+              <a:rPr lang="en-US" altLang="ja-JP" dirty="0"/>
+              <a:t>Approach to create initial assignment</a:t>
+            </a:r>
+            <a:endParaRPr kumimoji="1" lang="ja-JP" altLang="en-US"/>
+          </a:p>
+        </p:txBody>
+      </p:sp>
+      <p:sp>
+        <p:nvSpPr>
+          <p:cNvPr id="3" name="コンテンツ プレースホルダー 2">
+            <a:extLst>
+              <a:ext uri="{FF2B5EF4-FFF2-40B4-BE49-F238E27FC236}">
+                <a16:creationId xmlns:a16="http://schemas.microsoft.com/office/drawing/2014/main" id="{E20F269F-0243-3E42-9DD2-4D0E5F2B1161}"/>
+              </a:ext>
+            </a:extLst>
+          </p:cNvPr>
+          <p:cNvSpPr>
+            <a:spLocks noGrp="1"/>
+          </p:cNvSpPr>
+          <p:nvPr>
+            <p:ph idx="1"/>
+          </p:nvPr>
+        </p:nvSpPr>
+        <p:spPr/>
+        <p:txBody>
+          <a:bodyPr>
+            <a:normAutofit/>
+          </a:bodyPr>
+          <a:lstStyle/>
+          <a:p>
+            <a:pPr marL="457200" indent="-457200">
+              <a:buFont typeface="+mj-lt"/>
+              <a:buAutoNum type="arabicPeriod"/>
+            </a:pPr>
+            <a:r>
+              <a:rPr kumimoji="1" lang="en-US" altLang="ja-JP" sz="2400" dirty="0">
+                <a:solidFill>
+                  <a:schemeClr val="bg1">
+                    <a:lumMod val="85000"/>
+                  </a:schemeClr>
+                </a:solidFill>
+              </a:rPr>
+              <a:t>Generating from solution by relaxation of linear programming</a:t>
+            </a:r>
+          </a:p>
+          <a:p>
+            <a:pPr marL="457200" indent="-457200">
+              <a:buFont typeface="+mj-lt"/>
+              <a:buAutoNum type="arabicPeriod"/>
+            </a:pPr>
+            <a:r>
+              <a:rPr lang="en-US" altLang="ja-JP" sz="2400" dirty="0">
+                <a:solidFill>
+                  <a:schemeClr val="tx1"/>
+                </a:solidFill>
+              </a:rPr>
+              <a:t>G</a:t>
+            </a:r>
+            <a:r>
+              <a:rPr kumimoji="1" lang="en-US" altLang="ja-JP" sz="2400" dirty="0">
+                <a:solidFill>
+                  <a:schemeClr val="tx1"/>
+                </a:solidFill>
+              </a:rPr>
+              <a:t>enerating from solution </a:t>
+            </a:r>
+            <a:r>
+              <a:rPr lang="en-US" altLang="ja-JP" sz="2400" dirty="0">
+                <a:solidFill>
+                  <a:schemeClr val="tx1"/>
+                </a:solidFill>
+              </a:rPr>
+              <a:t>of a problem formulated in MIP with bookings grouped by port</a:t>
+            </a:r>
+            <a:endParaRPr kumimoji="1" lang="en-US" altLang="ja-JP" sz="2400" dirty="0">
+              <a:solidFill>
+                <a:schemeClr val="tx1"/>
+              </a:solidFill>
+            </a:endParaRPr>
+          </a:p>
+        </p:txBody>
+      </p:sp>
+      <p:sp>
+        <p:nvSpPr>
+          <p:cNvPr id="4" name="スライド番号プレースホルダー 3">
+            <a:extLst>
+              <a:ext uri="{FF2B5EF4-FFF2-40B4-BE49-F238E27FC236}">
+                <a16:creationId xmlns:a16="http://schemas.microsoft.com/office/drawing/2014/main" id="{EFD2A9DB-5222-964C-9F01-E915E69C91EC}"/>
+              </a:ext>
+            </a:extLst>
+          </p:cNvPr>
+          <p:cNvSpPr>
+            <a:spLocks noGrp="1"/>
+          </p:cNvSpPr>
+          <p:nvPr>
+            <p:ph type="sldNum" sz="quarter" idx="12"/>
+          </p:nvPr>
+        </p:nvSpPr>
+        <p:spPr/>
+        <p:txBody>
+          <a:bodyPr/>
+          <a:lstStyle/>
+          <a:p>
+            <a:fld id="{1413D9FB-836C-864C-8E5A-36E5384B9725}" type="slidenum">
+              <a:rPr kumimoji="1" lang="ja-JP" altLang="en-US" smtClean="0"/>
+              <a:t>41</a:t>
+            </a:fld>
+            <a:endParaRPr kumimoji="1" lang="ja-JP" altLang="en-US"/>
+          </a:p>
+        </p:txBody>
+      </p:sp>
+    </p:spTree>
+    <p:extLst>
+      <p:ext uri="{BB962C8B-B14F-4D97-AF65-F5344CB8AC3E}">
+        <p14:creationId xmlns:p14="http://schemas.microsoft.com/office/powerpoint/2010/main" val="1226177036"/>
+      </p:ext>
+    </p:extLst>
+  </p:cSld>
+  <p:clrMapOvr>
+    <a:masterClrMapping/>
+  </p:clrMapOvr>
+</p:sld>
+</file>
+
+<file path=ppt/slides/slide42.xml><?xml version="1.0" encoding="utf-8"?>
+<p:sld xmlns:a="http://schemas.openxmlformats.org/drawingml/2006/main" xmlns:r="http://schemas.openxmlformats.org/officeDocument/2006/relationships" xmlns:p="http://schemas.openxmlformats.org/presentationml/2006/main">
+  <p:cSld>
+    <p:spTree>
+      <p:nvGrpSpPr>
+        <p:cNvPr id="1" name=""/>
+        <p:cNvGrpSpPr/>
+        <p:nvPr/>
+      </p:nvGrpSpPr>
+      <p:grpSpPr>
+        <a:xfrm>
+          <a:off x="0" y="0"/>
+          <a:ext cx="0" cy="0"/>
+          <a:chOff x="0" y="0"/>
+          <a:chExt cx="0" cy="0"/>
+        </a:xfrm>
+      </p:grpSpPr>
+      <p:sp>
+        <p:nvSpPr>
+          <p:cNvPr id="2" name="タイトル 1">
+            <a:extLst>
+              <a:ext uri="{FF2B5EF4-FFF2-40B4-BE49-F238E27FC236}">
                 <a16:creationId xmlns:a16="http://schemas.microsoft.com/office/drawing/2014/main" id="{26B9DA74-0919-8C4D-A488-16B05DD6B4A6}"/>
               </a:ext>
             </a:extLst>
@@ -22750,7 +21829,7 @@
           <a:p>
             <a:fld id="{1413D9FB-836C-864C-8E5A-36E5384B9725}" type="slidenum">
               <a:rPr kumimoji="1" lang="ja-JP" altLang="en-US" smtClean="0"/>
-              <a:t>41</a:t>
+              <a:t>42</a:t>
             </a:fld>
             <a:endParaRPr kumimoji="1" lang="ja-JP" altLang="en-US"/>
           </a:p>
@@ -22769,7 +21848,7 @@
 </p:sld>
 </file>
 
-<file path=ppt/slides/slide42.xml><?xml version="1.0" encoding="utf-8"?>
+<file path=ppt/slides/slide43.xml><?xml version="1.0" encoding="utf-8"?>
 <p:sld xmlns:a="http://schemas.openxmlformats.org/drawingml/2006/main" xmlns:r="http://schemas.openxmlformats.org/officeDocument/2006/relationships" xmlns:p="http://schemas.openxmlformats.org/presentationml/2006/main">
   <p:cSld>
     <p:spTree>
@@ -23874,7 +22953,7 @@
           <a:p>
             <a:fld id="{1413D9FB-836C-864C-8E5A-36E5384B9725}" type="slidenum">
               <a:rPr kumimoji="1" lang="ja-JP" altLang="en-US" smtClean="0"/>
-              <a:t>42</a:t>
+              <a:t>43</a:t>
             </a:fld>
             <a:endParaRPr kumimoji="1" lang="ja-JP" altLang="en-US"/>
           </a:p>
@@ -23893,7 +22972,7 @@
 </p:sld>
 </file>
 
-<file path=ppt/slides/slide43.xml><?xml version="1.0" encoding="utf-8"?>
+<file path=ppt/slides/slide44.xml><?xml version="1.0" encoding="utf-8"?>
 <p:sld xmlns:a="http://schemas.openxmlformats.org/drawingml/2006/main" xmlns:r="http://schemas.openxmlformats.org/officeDocument/2006/relationships" xmlns:p="http://schemas.openxmlformats.org/presentationml/2006/main">
   <p:cSld>
     <p:spTree>
@@ -24012,7 +23091,7 @@
           <a:p>
             <a:fld id="{1413D9FB-836C-864C-8E5A-36E5384B9725}" type="slidenum">
               <a:rPr kumimoji="1" lang="ja-JP" altLang="en-US" smtClean="0"/>
-              <a:t>43</a:t>
+              <a:t>44</a:t>
             </a:fld>
             <a:endParaRPr kumimoji="1" lang="ja-JP" altLang="en-US"/>
           </a:p>
@@ -24031,7 +23110,7 @@
 </p:sld>
 </file>
 
-<file path=ppt/slides/slide44.xml><?xml version="1.0" encoding="utf-8"?>
+<file path=ppt/slides/slide45.xml><?xml version="1.0" encoding="utf-8"?>
 <p:sld xmlns:a="http://schemas.openxmlformats.org/drawingml/2006/main" xmlns:r="http://schemas.openxmlformats.org/officeDocument/2006/relationships" xmlns:p="http://schemas.openxmlformats.org/presentationml/2006/main">
   <p:cSld>
     <p:spTree>
@@ -24823,7 +23902,7 @@
           <a:p>
             <a:fld id="{1413D9FB-836C-864C-8E5A-36E5384B9725}" type="slidenum">
               <a:rPr kumimoji="1" lang="ja-JP" altLang="en-US" smtClean="0"/>
-              <a:t>44</a:t>
+              <a:t>45</a:t>
             </a:fld>
             <a:endParaRPr kumimoji="1" lang="ja-JP" altLang="en-US"/>
           </a:p>
@@ -24833,163 +23912,6 @@
     <p:extLst>
       <p:ext uri="{BB962C8B-B14F-4D97-AF65-F5344CB8AC3E}">
         <p14:creationId xmlns:p14="http://schemas.microsoft.com/office/powerpoint/2010/main" val="751328007"/>
-      </p:ext>
-    </p:extLst>
-  </p:cSld>
-  <p:clrMapOvr>
-    <a:masterClrMapping/>
-  </p:clrMapOvr>
-</p:sld>
-</file>
-
-<file path=ppt/slides/slide45.xml><?xml version="1.0" encoding="utf-8"?>
-<p:sld xmlns:a="http://schemas.openxmlformats.org/drawingml/2006/main" xmlns:r="http://schemas.openxmlformats.org/officeDocument/2006/relationships" xmlns:p="http://schemas.openxmlformats.org/presentationml/2006/main">
-  <p:cSld>
-    <p:spTree>
-      <p:nvGrpSpPr>
-        <p:cNvPr id="1" name=""/>
-        <p:cNvGrpSpPr/>
-        <p:nvPr/>
-      </p:nvGrpSpPr>
-      <p:grpSpPr>
-        <a:xfrm>
-          <a:off x="0" y="0"/>
-          <a:ext cx="0" cy="0"/>
-          <a:chOff x="0" y="0"/>
-          <a:chExt cx="0" cy="0"/>
-        </a:xfrm>
-      </p:grpSpPr>
-      <p:sp>
-        <p:nvSpPr>
-          <p:cNvPr id="2" name="タイトル 1">
-            <a:extLst>
-              <a:ext uri="{FF2B5EF4-FFF2-40B4-BE49-F238E27FC236}">
-                <a16:creationId xmlns:a16="http://schemas.microsoft.com/office/drawing/2014/main" id="{7A74A867-EBEB-2F4D-8265-67DD34FA45C3}"/>
-              </a:ext>
-            </a:extLst>
-          </p:cNvPr>
-          <p:cNvSpPr>
-            <a:spLocks noGrp="1"/>
-          </p:cNvSpPr>
-          <p:nvPr>
-            <p:ph type="title"/>
-          </p:nvPr>
-        </p:nvSpPr>
-        <p:spPr/>
-        <p:txBody>
-          <a:bodyPr/>
-          <a:lstStyle/>
-          <a:p>
-            <a:r>
-              <a:rPr kumimoji="1" lang="en-US" altLang="ja-JP" dirty="0"/>
-              <a:t>Summary</a:t>
-            </a:r>
-            <a:endParaRPr kumimoji="1" lang="ja-JP" altLang="en-US"/>
-          </a:p>
-        </p:txBody>
-      </p:sp>
-      <p:sp>
-        <p:nvSpPr>
-          <p:cNvPr id="3" name="コンテンツ プレースホルダー 2">
-            <a:extLst>
-              <a:ext uri="{FF2B5EF4-FFF2-40B4-BE49-F238E27FC236}">
-                <a16:creationId xmlns:a16="http://schemas.microsoft.com/office/drawing/2014/main" id="{248D57BC-E16B-2345-B115-CA7B5ECA4B39}"/>
-              </a:ext>
-            </a:extLst>
-          </p:cNvPr>
-          <p:cNvSpPr>
-            <a:spLocks noGrp="1"/>
-          </p:cNvSpPr>
-          <p:nvPr>
-            <p:ph idx="1"/>
-          </p:nvPr>
-        </p:nvSpPr>
-        <p:spPr>
-          <a:xfrm>
-            <a:off x="2261665" y="1768521"/>
-            <a:ext cx="9434465" cy="4673221"/>
-          </a:xfrm>
-        </p:spPr>
-        <p:txBody>
-          <a:bodyPr>
-            <a:normAutofit/>
-          </a:bodyPr>
-          <a:lstStyle/>
-          <a:p>
-            <a:r>
-              <a:rPr lang="en" altLang="ja-JP" sz="2400" dirty="0"/>
-              <a:t>We formulated the stowage planning problem and proposed</a:t>
-            </a:r>
-            <a:r>
-              <a:rPr lang="en-US" altLang="ja-JP" sz="2400" dirty="0"/>
-              <a:t> </a:t>
-            </a:r>
-            <a:r>
-              <a:rPr lang="en" altLang="ja-JP" sz="2400" dirty="0"/>
-              <a:t>model which is based on heuristic.</a:t>
-            </a:r>
-          </a:p>
-          <a:p>
-            <a:r>
-              <a:rPr lang="en" altLang="ja-JP" sz="2400" dirty="0"/>
-              <a:t>We propose an approach to reduce computation time in local search.</a:t>
-            </a:r>
-          </a:p>
-          <a:p>
-            <a:r>
-              <a:rPr lang="en" altLang="ja-JP" sz="2400" dirty="0"/>
-              <a:t>We propose 2 approach to generate initial solution.</a:t>
-            </a:r>
-          </a:p>
-          <a:p>
-            <a:r>
-              <a:rPr lang="en" altLang="ja-JP" sz="2400" dirty="0"/>
-              <a:t>We confirmed that we can get feasible solutions with a certain quality in a relatively</a:t>
-            </a:r>
-            <a:r>
-              <a:rPr lang="en-US" altLang="ja-JP" sz="2400" dirty="0"/>
-              <a:t> </a:t>
-            </a:r>
-            <a:r>
-              <a:rPr lang="en" altLang="ja-JP" sz="2400" dirty="0"/>
-              <a:t>short computation time. </a:t>
-            </a:r>
-          </a:p>
-        </p:txBody>
-      </p:sp>
-      <p:sp>
-        <p:nvSpPr>
-          <p:cNvPr id="4" name="スライド番号プレースホルダー 3">
-            <a:extLst>
-              <a:ext uri="{FF2B5EF4-FFF2-40B4-BE49-F238E27FC236}">
-                <a16:creationId xmlns:a16="http://schemas.microsoft.com/office/drawing/2014/main" id="{D4FDBFAF-DC59-2A44-8DD7-7C5EE577BE35}"/>
-              </a:ext>
-            </a:extLst>
-          </p:cNvPr>
-          <p:cNvSpPr>
-            <a:spLocks noGrp="1"/>
-          </p:cNvSpPr>
-          <p:nvPr>
-            <p:ph type="sldNum" sz="quarter" idx="12"/>
-          </p:nvPr>
-        </p:nvSpPr>
-        <p:spPr/>
-        <p:txBody>
-          <a:bodyPr/>
-          <a:lstStyle/>
-          <a:p>
-            <a:fld id="{1413D9FB-836C-864C-8E5A-36E5384B9725}" type="slidenum">
-              <a:rPr kumimoji="1" lang="ja-JP" altLang="en-US" smtClean="0"/>
-              <a:t>45</a:t>
-            </a:fld>
-            <a:endParaRPr kumimoji="1" lang="ja-JP" altLang="en-US"/>
-          </a:p>
-        </p:txBody>
-      </p:sp>
-    </p:spTree>
-    <p:extLst>
-      <p:ext uri="{BB962C8B-B14F-4D97-AF65-F5344CB8AC3E}">
-        <p14:creationId xmlns:p14="http://schemas.microsoft.com/office/powerpoint/2010/main" val="547483656"/>
       </p:ext>
     </p:extLst>
   </p:cSld>
@@ -25021,6 +23943,163 @@
           <p:cNvPr id="2" name="タイトル 1">
             <a:extLst>
               <a:ext uri="{FF2B5EF4-FFF2-40B4-BE49-F238E27FC236}">
+                <a16:creationId xmlns:a16="http://schemas.microsoft.com/office/drawing/2014/main" id="{7A74A867-EBEB-2F4D-8265-67DD34FA45C3}"/>
+              </a:ext>
+            </a:extLst>
+          </p:cNvPr>
+          <p:cNvSpPr>
+            <a:spLocks noGrp="1"/>
+          </p:cNvSpPr>
+          <p:nvPr>
+            <p:ph type="title"/>
+          </p:nvPr>
+        </p:nvSpPr>
+        <p:spPr/>
+        <p:txBody>
+          <a:bodyPr/>
+          <a:lstStyle/>
+          <a:p>
+            <a:r>
+              <a:rPr kumimoji="1" lang="en-US" altLang="ja-JP" dirty="0"/>
+              <a:t>Summary</a:t>
+            </a:r>
+            <a:endParaRPr kumimoji="1" lang="ja-JP" altLang="en-US"/>
+          </a:p>
+        </p:txBody>
+      </p:sp>
+      <p:sp>
+        <p:nvSpPr>
+          <p:cNvPr id="3" name="コンテンツ プレースホルダー 2">
+            <a:extLst>
+              <a:ext uri="{FF2B5EF4-FFF2-40B4-BE49-F238E27FC236}">
+                <a16:creationId xmlns:a16="http://schemas.microsoft.com/office/drawing/2014/main" id="{248D57BC-E16B-2345-B115-CA7B5ECA4B39}"/>
+              </a:ext>
+            </a:extLst>
+          </p:cNvPr>
+          <p:cNvSpPr>
+            <a:spLocks noGrp="1"/>
+          </p:cNvSpPr>
+          <p:nvPr>
+            <p:ph idx="1"/>
+          </p:nvPr>
+        </p:nvSpPr>
+        <p:spPr>
+          <a:xfrm>
+            <a:off x="2261665" y="1768521"/>
+            <a:ext cx="9434465" cy="4673221"/>
+          </a:xfrm>
+        </p:spPr>
+        <p:txBody>
+          <a:bodyPr>
+            <a:normAutofit/>
+          </a:bodyPr>
+          <a:lstStyle/>
+          <a:p>
+            <a:r>
+              <a:rPr lang="en" altLang="ja-JP" sz="2400" dirty="0"/>
+              <a:t>We formulated the stowage planning problem and proposed</a:t>
+            </a:r>
+            <a:r>
+              <a:rPr lang="en-US" altLang="ja-JP" sz="2400" dirty="0"/>
+              <a:t> </a:t>
+            </a:r>
+            <a:r>
+              <a:rPr lang="en" altLang="ja-JP" sz="2400" dirty="0"/>
+              <a:t>model which is based on heuristic.</a:t>
+            </a:r>
+          </a:p>
+          <a:p>
+            <a:r>
+              <a:rPr lang="en" altLang="ja-JP" sz="2400" dirty="0"/>
+              <a:t>We propose an approach to reduce computation time in local search.</a:t>
+            </a:r>
+          </a:p>
+          <a:p>
+            <a:r>
+              <a:rPr lang="en" altLang="ja-JP" sz="2400" dirty="0"/>
+              <a:t>We propose 2 approach to generate initial solution.</a:t>
+            </a:r>
+          </a:p>
+          <a:p>
+            <a:r>
+              <a:rPr lang="en" altLang="ja-JP" sz="2400" dirty="0"/>
+              <a:t>We confirmed that we can get feasible solutions with a certain quality in a relatively</a:t>
+            </a:r>
+            <a:r>
+              <a:rPr lang="en-US" altLang="ja-JP" sz="2400" dirty="0"/>
+              <a:t> </a:t>
+            </a:r>
+            <a:r>
+              <a:rPr lang="en" altLang="ja-JP" sz="2400" dirty="0"/>
+              <a:t>short computation time. </a:t>
+            </a:r>
+          </a:p>
+        </p:txBody>
+      </p:sp>
+      <p:sp>
+        <p:nvSpPr>
+          <p:cNvPr id="4" name="スライド番号プレースホルダー 3">
+            <a:extLst>
+              <a:ext uri="{FF2B5EF4-FFF2-40B4-BE49-F238E27FC236}">
+                <a16:creationId xmlns:a16="http://schemas.microsoft.com/office/drawing/2014/main" id="{D4FDBFAF-DC59-2A44-8DD7-7C5EE577BE35}"/>
+              </a:ext>
+            </a:extLst>
+          </p:cNvPr>
+          <p:cNvSpPr>
+            <a:spLocks noGrp="1"/>
+          </p:cNvSpPr>
+          <p:nvPr>
+            <p:ph type="sldNum" sz="quarter" idx="12"/>
+          </p:nvPr>
+        </p:nvSpPr>
+        <p:spPr/>
+        <p:txBody>
+          <a:bodyPr/>
+          <a:lstStyle/>
+          <a:p>
+            <a:fld id="{1413D9FB-836C-864C-8E5A-36E5384B9725}" type="slidenum">
+              <a:rPr kumimoji="1" lang="ja-JP" altLang="en-US" smtClean="0"/>
+              <a:t>46</a:t>
+            </a:fld>
+            <a:endParaRPr kumimoji="1" lang="ja-JP" altLang="en-US"/>
+          </a:p>
+        </p:txBody>
+      </p:sp>
+    </p:spTree>
+    <p:extLst>
+      <p:ext uri="{BB962C8B-B14F-4D97-AF65-F5344CB8AC3E}">
+        <p14:creationId xmlns:p14="http://schemas.microsoft.com/office/powerpoint/2010/main" val="547483656"/>
+      </p:ext>
+    </p:extLst>
+  </p:cSld>
+  <p:clrMapOvr>
+    <a:masterClrMapping/>
+  </p:clrMapOvr>
+</p:sld>
+</file>
+
+<file path=ppt/slides/slide47.xml><?xml version="1.0" encoding="utf-8"?>
+<p:sld xmlns:a="http://schemas.openxmlformats.org/drawingml/2006/main" xmlns:r="http://schemas.openxmlformats.org/officeDocument/2006/relationships" xmlns:p="http://schemas.openxmlformats.org/presentationml/2006/main">
+  <p:cSld>
+    <p:spTree>
+      <p:nvGrpSpPr>
+        <p:cNvPr id="1" name=""/>
+        <p:cNvGrpSpPr/>
+        <p:nvPr/>
+      </p:nvGrpSpPr>
+      <p:grpSpPr>
+        <a:xfrm>
+          <a:off x="0" y="0"/>
+          <a:ext cx="0" cy="0"/>
+          <a:chOff x="0" y="0"/>
+          <a:chExt cx="0" cy="0"/>
+        </a:xfrm>
+      </p:grpSpPr>
+      <p:sp>
+        <p:nvSpPr>
+          <p:cNvPr id="2" name="タイトル 1">
+            <a:extLst>
+              <a:ext uri="{FF2B5EF4-FFF2-40B4-BE49-F238E27FC236}">
                 <a16:creationId xmlns:a16="http://schemas.microsoft.com/office/drawing/2014/main" id="{3E8989E2-790E-4448-9194-76C36D2AF936}"/>
               </a:ext>
             </a:extLst>
@@ -25093,7 +24172,7 @@
           <a:p>
             <a:fld id="{1413D9FB-836C-864C-8E5A-36E5384B9725}" type="slidenum">
               <a:rPr kumimoji="1" lang="ja-JP" altLang="en-US" smtClean="0"/>
-              <a:t>46</a:t>
+              <a:t>47</a:t>
             </a:fld>
             <a:endParaRPr kumimoji="1" lang="ja-JP" altLang="en-US"/>
           </a:p>
@@ -25112,7 +24191,7 @@
 </p:sld>
 </file>
 
-<file path=ppt/slides/slide47.xml><?xml version="1.0" encoding="utf-8"?>
+<file path=ppt/slides/slide48.xml><?xml version="1.0" encoding="utf-8"?>
 <p:sld xmlns:a="http://schemas.openxmlformats.org/drawingml/2006/main" xmlns:r="http://schemas.openxmlformats.org/officeDocument/2006/relationships" xmlns:p="http://schemas.openxmlformats.org/presentationml/2006/main">
   <p:cSld>
     <p:spTree>
@@ -25533,7 +24612,7 @@
           <a:p>
             <a:fld id="{1413D9FB-836C-864C-8E5A-36E5384B9725}" type="slidenum">
               <a:rPr kumimoji="1" lang="ja-JP" altLang="en-US" smtClean="0"/>
-              <a:t>47</a:t>
+              <a:t>48</a:t>
             </a:fld>
             <a:endParaRPr kumimoji="1" lang="ja-JP" altLang="en-US"/>
           </a:p>
@@ -25552,7 +24631,7 @@
 </p:sld>
 </file>
 
-<file path=ppt/slides/slide48.xml><?xml version="1.0" encoding="utf-8"?>
+<file path=ppt/slides/slide49.xml><?xml version="1.0" encoding="utf-8"?>
 <p:sld xmlns:a="http://schemas.openxmlformats.org/drawingml/2006/main" xmlns:r="http://schemas.openxmlformats.org/officeDocument/2006/relationships" xmlns:p="http://schemas.openxmlformats.org/presentationml/2006/main">
   <p:cSld>
     <p:spTree>
@@ -26121,7 +25200,7 @@
           <a:p>
             <a:fld id="{1413D9FB-836C-864C-8E5A-36E5384B9725}" type="slidenum">
               <a:rPr kumimoji="1" lang="ja-JP" altLang="en-US" smtClean="0"/>
-              <a:t>48</a:t>
+              <a:t>49</a:t>
             </a:fld>
             <a:endParaRPr kumimoji="1" lang="ja-JP" altLang="en-US"/>
           </a:p>
@@ -26140,7 +25219,1956 @@
 </p:sld>
 </file>
 
-<file path=ppt/slides/slide49.xml><?xml version="1.0" encoding="utf-8"?>
+<file path=ppt/slides/slide5.xml><?xml version="1.0" encoding="utf-8"?>
+<p:sld xmlns:a="http://schemas.openxmlformats.org/drawingml/2006/main" xmlns:r="http://schemas.openxmlformats.org/officeDocument/2006/relationships" xmlns:p="http://schemas.openxmlformats.org/presentationml/2006/main">
+  <p:cSld>
+    <p:spTree>
+      <p:nvGrpSpPr>
+        <p:cNvPr id="1" name=""/>
+        <p:cNvGrpSpPr/>
+        <p:nvPr/>
+      </p:nvGrpSpPr>
+      <p:grpSpPr>
+        <a:xfrm>
+          <a:off x="0" y="0"/>
+          <a:ext cx="0" cy="0"/>
+          <a:chOff x="0" y="0"/>
+          <a:chExt cx="0" cy="0"/>
+        </a:xfrm>
+      </p:grpSpPr>
+      <p:sp>
+        <p:nvSpPr>
+          <p:cNvPr id="2" name="タイトル 1">
+            <a:extLst>
+              <a:ext uri="{FF2B5EF4-FFF2-40B4-BE49-F238E27FC236}">
+                <a16:creationId xmlns:a16="http://schemas.microsoft.com/office/drawing/2014/main" id="{DAA7CDD4-9369-8F46-BC90-668A484ADAA5}"/>
+              </a:ext>
+            </a:extLst>
+          </p:cNvPr>
+          <p:cNvSpPr>
+            <a:spLocks noGrp="1"/>
+          </p:cNvSpPr>
+          <p:nvPr>
+            <p:ph type="title"/>
+          </p:nvPr>
+        </p:nvSpPr>
+        <p:spPr/>
+        <p:txBody>
+          <a:bodyPr/>
+          <a:lstStyle/>
+          <a:p>
+            <a:r>
+              <a:rPr lang="en-US" altLang="ja-JP" dirty="0"/>
+              <a:t>Background</a:t>
+            </a:r>
+            <a:endParaRPr kumimoji="1" lang="ja-JP" altLang="en-US"/>
+          </a:p>
+        </p:txBody>
+      </p:sp>
+      <p:sp>
+        <p:nvSpPr>
+          <p:cNvPr id="3" name="コンテンツ プレースホルダー 2">
+            <a:extLst>
+              <a:ext uri="{FF2B5EF4-FFF2-40B4-BE49-F238E27FC236}">
+                <a16:creationId xmlns:a16="http://schemas.microsoft.com/office/drawing/2014/main" id="{7F93AA56-E4CD-B54C-9403-BE0395C73060}"/>
+              </a:ext>
+            </a:extLst>
+          </p:cNvPr>
+          <p:cNvSpPr>
+            <a:spLocks noGrp="1"/>
+          </p:cNvSpPr>
+          <p:nvPr>
+            <p:ph idx="1"/>
+          </p:nvPr>
+        </p:nvSpPr>
+        <p:spPr/>
+        <p:txBody>
+          <a:bodyPr/>
+          <a:lstStyle/>
+          <a:p>
+            <a:r>
+              <a:rPr lang="en" altLang="ja-JP" sz="2400" dirty="0"/>
+              <a:t>Assignment of vehicles to ship is planned manually.</a:t>
+            </a:r>
+          </a:p>
+          <a:p>
+            <a:r>
+              <a:rPr lang="en" altLang="ja-JP" sz="2400" dirty="0"/>
+              <a:t>We aim to make assignment automatically</a:t>
+            </a:r>
+          </a:p>
+          <a:p>
+            <a:endParaRPr kumimoji="1" lang="en-US" altLang="ja-JP" dirty="0"/>
+          </a:p>
+          <a:p>
+            <a:endParaRPr lang="en-US" altLang="ja-JP" dirty="0"/>
+          </a:p>
+          <a:p>
+            <a:endParaRPr kumimoji="1" lang="ja-JP" altLang="en-US"/>
+          </a:p>
+        </p:txBody>
+      </p:sp>
+      <p:sp>
+        <p:nvSpPr>
+          <p:cNvPr id="4" name="スライド番号プレースホルダー 3">
+            <a:extLst>
+              <a:ext uri="{FF2B5EF4-FFF2-40B4-BE49-F238E27FC236}">
+                <a16:creationId xmlns:a16="http://schemas.microsoft.com/office/drawing/2014/main" id="{5698CE60-F6AE-AA4D-BB68-5647399F3A06}"/>
+              </a:ext>
+            </a:extLst>
+          </p:cNvPr>
+          <p:cNvSpPr>
+            <a:spLocks noGrp="1"/>
+          </p:cNvSpPr>
+          <p:nvPr>
+            <p:ph type="sldNum" sz="quarter" idx="12"/>
+          </p:nvPr>
+        </p:nvSpPr>
+        <p:spPr/>
+        <p:txBody>
+          <a:bodyPr/>
+          <a:lstStyle/>
+          <a:p>
+            <a:fld id="{1413D9FB-836C-864C-8E5A-36E5384B9725}" type="slidenum">
+              <a:rPr lang="ja-JP" altLang="en-US" smtClean="0"/>
+              <a:pPr/>
+              <a:t>5</a:t>
+            </a:fld>
+            <a:endParaRPr lang="ja-JP" altLang="en-US"/>
+          </a:p>
+        </p:txBody>
+      </p:sp>
+      <p:sp>
+        <p:nvSpPr>
+          <p:cNvPr id="95" name="ホームベース 94">
+            <a:extLst>
+              <a:ext uri="{FF2B5EF4-FFF2-40B4-BE49-F238E27FC236}">
+                <a16:creationId xmlns:a16="http://schemas.microsoft.com/office/drawing/2014/main" id="{0A0E50EA-09F8-AA42-AD5B-47CA1F180183}"/>
+              </a:ext>
+            </a:extLst>
+          </p:cNvPr>
+          <p:cNvSpPr/>
+          <p:nvPr/>
+        </p:nvSpPr>
+        <p:spPr>
+          <a:xfrm>
+            <a:off x="5796315" y="3920550"/>
+            <a:ext cx="2396691" cy="1281718"/>
+          </a:xfrm>
+          <a:prstGeom prst="homePlate">
+            <a:avLst/>
+          </a:prstGeom>
+          <a:noFill/>
+          <a:ln>
+            <a:solidFill>
+              <a:schemeClr val="tx1"/>
+            </a:solidFill>
+          </a:ln>
+        </p:spPr>
+        <p:style>
+          <a:lnRef idx="2">
+            <a:schemeClr val="accent1">
+              <a:shade val="50000"/>
+            </a:schemeClr>
+          </a:lnRef>
+          <a:fillRef idx="1">
+            <a:schemeClr val="accent1"/>
+          </a:fillRef>
+          <a:effectRef idx="0">
+            <a:schemeClr val="accent1"/>
+          </a:effectRef>
+          <a:fontRef idx="minor">
+            <a:schemeClr val="lt1"/>
+          </a:fontRef>
+        </p:style>
+        <p:txBody>
+          <a:bodyPr rtlCol="0" anchor="ctr"/>
+          <a:lstStyle/>
+          <a:p>
+            <a:pPr algn="ctr"/>
+            <a:endParaRPr kumimoji="1" lang="ja-JP" altLang="en-US"/>
+          </a:p>
+        </p:txBody>
+      </p:sp>
+      <p:graphicFrame>
+        <p:nvGraphicFramePr>
+          <p:cNvPr id="96" name="表 11">
+            <a:extLst>
+              <a:ext uri="{FF2B5EF4-FFF2-40B4-BE49-F238E27FC236}">
+                <a16:creationId xmlns:a16="http://schemas.microsoft.com/office/drawing/2014/main" id="{31FB0371-316B-7945-B940-489B5DCB667B}"/>
+              </a:ext>
+            </a:extLst>
+          </p:cNvPr>
+          <p:cNvGraphicFramePr>
+            <a:graphicFrameLocks noGrp="1"/>
+          </p:cNvGraphicFramePr>
+          <p:nvPr>
+            <p:extLst>
+              <p:ext uri="{D42A27DB-BD31-4B8C-83A1-F6EECF244321}">
+                <p14:modId xmlns:p14="http://schemas.microsoft.com/office/powerpoint/2010/main" val="3937922921"/>
+              </p:ext>
+            </p:extLst>
+          </p:nvPr>
+        </p:nvGraphicFramePr>
+        <p:xfrm>
+          <a:off x="3870862" y="4561409"/>
+          <a:ext cx="4644316" cy="1534515"/>
+        </p:xfrm>
+        <a:graphic>
+          <a:graphicData uri="http://schemas.openxmlformats.org/drawingml/2006/table">
+            <a:tbl>
+              <a:tblPr firstRow="1" bandRow="1">
+                <a:tableStyleId>{5C22544A-7EE6-4342-B048-85BDC9FD1C3A}</a:tableStyleId>
+              </a:tblPr>
+              <a:tblGrid>
+                <a:gridCol w="1161079">
+                  <a:extLst>
+                    <a:ext uri="{9D8B030D-6E8A-4147-A177-3AD203B41FA5}">
+                      <a16:colId xmlns:a16="http://schemas.microsoft.com/office/drawing/2014/main" val="415769867"/>
+                    </a:ext>
+                  </a:extLst>
+                </a:gridCol>
+                <a:gridCol w="1161079">
+                  <a:extLst>
+                    <a:ext uri="{9D8B030D-6E8A-4147-A177-3AD203B41FA5}">
+                      <a16:colId xmlns:a16="http://schemas.microsoft.com/office/drawing/2014/main" val="1120760323"/>
+                    </a:ext>
+                  </a:extLst>
+                </a:gridCol>
+                <a:gridCol w="1161079">
+                  <a:extLst>
+                    <a:ext uri="{9D8B030D-6E8A-4147-A177-3AD203B41FA5}">
+                      <a16:colId xmlns:a16="http://schemas.microsoft.com/office/drawing/2014/main" val="1830531746"/>
+                    </a:ext>
+                  </a:extLst>
+                </a:gridCol>
+                <a:gridCol w="1161079">
+                  <a:extLst>
+                    <a:ext uri="{9D8B030D-6E8A-4147-A177-3AD203B41FA5}">
+                      <a16:colId xmlns:a16="http://schemas.microsoft.com/office/drawing/2014/main" val="3898694262"/>
+                    </a:ext>
+                  </a:extLst>
+                </a:gridCol>
+              </a:tblGrid>
+              <a:tr h="511505">
+                <a:tc>
+                  <a:txBody>
+                    <a:bodyPr/>
+                    <a:lstStyle/>
+                    <a:p>
+                      <a:endParaRPr kumimoji="1" lang="ja-JP" altLang="en-US"/>
+                    </a:p>
+                  </a:txBody>
+                  <a:tcPr>
+                    <a:lnL w="12700" cap="flat" cmpd="sng" algn="ctr">
+                      <a:solidFill>
+                        <a:schemeClr val="tx1"/>
+                      </a:solidFill>
+                      <a:prstDash val="solid"/>
+                      <a:round/>
+                      <a:headEnd type="none" w="med" len="med"/>
+                      <a:tailEnd type="none" w="med" len="med"/>
+                    </a:lnL>
+                    <a:lnR w="12700" cap="flat" cmpd="sng" algn="ctr">
+                      <a:solidFill>
+                        <a:schemeClr val="tx1"/>
+                      </a:solidFill>
+                      <a:prstDash val="solid"/>
+                      <a:round/>
+                      <a:headEnd type="none" w="med" len="med"/>
+                      <a:tailEnd type="none" w="med" len="med"/>
+                    </a:lnR>
+                    <a:lnT w="12700" cap="flat" cmpd="sng" algn="ctr">
+                      <a:solidFill>
+                        <a:schemeClr val="tx1"/>
+                      </a:solidFill>
+                      <a:prstDash val="solid"/>
+                      <a:round/>
+                      <a:headEnd type="none" w="med" len="med"/>
+                      <a:tailEnd type="none" w="med" len="med"/>
+                    </a:lnT>
+                    <a:lnB w="12700" cap="flat" cmpd="sng" algn="ctr">
+                      <a:solidFill>
+                        <a:schemeClr val="tx1"/>
+                      </a:solidFill>
+                      <a:prstDash val="solid"/>
+                      <a:round/>
+                      <a:headEnd type="none" w="med" len="med"/>
+                      <a:tailEnd type="none" w="med" len="med"/>
+                    </a:lnB>
+                    <a:lnTlToBr w="12700" cmpd="sng">
+                      <a:noFill/>
+                      <a:prstDash val="solid"/>
+                    </a:lnTlToBr>
+                    <a:lnBlToTr w="12700" cmpd="sng">
+                      <a:noFill/>
+                      <a:prstDash val="solid"/>
+                    </a:lnBlToTr>
+                    <a:noFill/>
+                  </a:tcPr>
+                </a:tc>
+                <a:tc>
+                  <a:txBody>
+                    <a:bodyPr/>
+                    <a:lstStyle/>
+                    <a:p>
+                      <a:endParaRPr kumimoji="1" lang="ja-JP" altLang="en-US"/>
+                    </a:p>
+                  </a:txBody>
+                  <a:tcPr>
+                    <a:lnL w="12700" cap="flat" cmpd="sng" algn="ctr">
+                      <a:solidFill>
+                        <a:schemeClr val="tx1"/>
+                      </a:solidFill>
+                      <a:prstDash val="solid"/>
+                      <a:round/>
+                      <a:headEnd type="none" w="med" len="med"/>
+                      <a:tailEnd type="none" w="med" len="med"/>
+                    </a:lnL>
+                    <a:lnR w="12700" cap="flat" cmpd="sng" algn="ctr">
+                      <a:solidFill>
+                        <a:schemeClr val="tx1"/>
+                      </a:solidFill>
+                      <a:prstDash val="solid"/>
+                      <a:round/>
+                      <a:headEnd type="none" w="med" len="med"/>
+                      <a:tailEnd type="none" w="med" len="med"/>
+                    </a:lnR>
+                    <a:lnT w="12700" cap="flat" cmpd="sng" algn="ctr">
+                      <a:solidFill>
+                        <a:schemeClr val="tx1"/>
+                      </a:solidFill>
+                      <a:prstDash val="solid"/>
+                      <a:round/>
+                      <a:headEnd type="none" w="med" len="med"/>
+                      <a:tailEnd type="none" w="med" len="med"/>
+                    </a:lnT>
+                    <a:lnB w="12700" cap="flat" cmpd="sng" algn="ctr">
+                      <a:solidFill>
+                        <a:schemeClr val="tx1"/>
+                      </a:solidFill>
+                      <a:prstDash val="solid"/>
+                      <a:round/>
+                      <a:headEnd type="none" w="med" len="med"/>
+                      <a:tailEnd type="none" w="med" len="med"/>
+                    </a:lnB>
+                    <a:lnTlToBr w="12700" cmpd="sng">
+                      <a:noFill/>
+                      <a:prstDash val="solid"/>
+                    </a:lnTlToBr>
+                    <a:lnBlToTr w="12700" cmpd="sng">
+                      <a:noFill/>
+                      <a:prstDash val="solid"/>
+                    </a:lnBlToTr>
+                    <a:solidFill>
+                      <a:schemeClr val="bg1"/>
+                    </a:solidFill>
+                  </a:tcPr>
+                </a:tc>
+                <a:tc>
+                  <a:txBody>
+                    <a:bodyPr/>
+                    <a:lstStyle/>
+                    <a:p>
+                      <a:endParaRPr kumimoji="1" lang="ja-JP" altLang="en-US"/>
+                    </a:p>
+                  </a:txBody>
+                  <a:tcPr>
+                    <a:lnL w="12700" cap="flat" cmpd="sng" algn="ctr">
+                      <a:solidFill>
+                        <a:schemeClr val="tx1"/>
+                      </a:solidFill>
+                      <a:prstDash val="solid"/>
+                      <a:round/>
+                      <a:headEnd type="none" w="med" len="med"/>
+                      <a:tailEnd type="none" w="med" len="med"/>
+                    </a:lnL>
+                    <a:lnR w="12700" cap="flat" cmpd="sng" algn="ctr">
+                      <a:solidFill>
+                        <a:schemeClr val="tx1"/>
+                      </a:solidFill>
+                      <a:prstDash val="solid"/>
+                      <a:round/>
+                      <a:headEnd type="none" w="med" len="med"/>
+                      <a:tailEnd type="none" w="med" len="med"/>
+                    </a:lnR>
+                    <a:lnT w="12700" cap="flat" cmpd="sng" algn="ctr">
+                      <a:solidFill>
+                        <a:schemeClr val="tx1"/>
+                      </a:solidFill>
+                      <a:prstDash val="solid"/>
+                      <a:round/>
+                      <a:headEnd type="none" w="med" len="med"/>
+                      <a:tailEnd type="none" w="med" len="med"/>
+                    </a:lnT>
+                    <a:lnB w="12700" cap="flat" cmpd="sng" algn="ctr">
+                      <a:solidFill>
+                        <a:schemeClr val="tx1"/>
+                      </a:solidFill>
+                      <a:prstDash val="solid"/>
+                      <a:round/>
+                      <a:headEnd type="none" w="med" len="med"/>
+                      <a:tailEnd type="none" w="med" len="med"/>
+                    </a:lnB>
+                    <a:lnTlToBr w="12700" cmpd="sng">
+                      <a:noFill/>
+                      <a:prstDash val="solid"/>
+                    </a:lnTlToBr>
+                    <a:lnBlToTr w="12700" cmpd="sng">
+                      <a:noFill/>
+                      <a:prstDash val="solid"/>
+                    </a:lnBlToTr>
+                    <a:noFill/>
+                  </a:tcPr>
+                </a:tc>
+                <a:tc>
+                  <a:txBody>
+                    <a:bodyPr/>
+                    <a:lstStyle/>
+                    <a:p>
+                      <a:endParaRPr kumimoji="1" lang="ja-JP" altLang="en-US"/>
+                    </a:p>
+                  </a:txBody>
+                  <a:tcPr>
+                    <a:lnL w="12700" cap="flat" cmpd="sng" algn="ctr">
+                      <a:solidFill>
+                        <a:schemeClr val="tx1"/>
+                      </a:solidFill>
+                      <a:prstDash val="solid"/>
+                      <a:round/>
+                      <a:headEnd type="none" w="med" len="med"/>
+                      <a:tailEnd type="none" w="med" len="med"/>
+                    </a:lnL>
+                    <a:lnR w="12700" cap="flat" cmpd="sng" algn="ctr">
+                      <a:solidFill>
+                        <a:schemeClr val="tx1"/>
+                      </a:solidFill>
+                      <a:prstDash val="solid"/>
+                      <a:round/>
+                      <a:headEnd type="none" w="med" len="med"/>
+                      <a:tailEnd type="none" w="med" len="med"/>
+                    </a:lnR>
+                    <a:lnT w="12700" cap="flat" cmpd="sng" algn="ctr">
+                      <a:solidFill>
+                        <a:schemeClr val="tx1"/>
+                      </a:solidFill>
+                      <a:prstDash val="solid"/>
+                      <a:round/>
+                      <a:headEnd type="none" w="med" len="med"/>
+                      <a:tailEnd type="none" w="med" len="med"/>
+                    </a:lnT>
+                    <a:lnB w="12700" cap="flat" cmpd="sng" algn="ctr">
+                      <a:solidFill>
+                        <a:schemeClr val="tx1"/>
+                      </a:solidFill>
+                      <a:prstDash val="solid"/>
+                      <a:round/>
+                      <a:headEnd type="none" w="med" len="med"/>
+                      <a:tailEnd type="none" w="med" len="med"/>
+                    </a:lnB>
+                    <a:solidFill>
+                      <a:schemeClr val="bg1"/>
+                    </a:solidFill>
+                  </a:tcPr>
+                </a:tc>
+                <a:extLst>
+                  <a:ext uri="{0D108BD9-81ED-4DB2-BD59-A6C34878D82A}">
+                    <a16:rowId xmlns:a16="http://schemas.microsoft.com/office/drawing/2014/main" val="4197178994"/>
+                  </a:ext>
+                </a:extLst>
+              </a:tr>
+              <a:tr h="511505">
+                <a:tc>
+                  <a:txBody>
+                    <a:bodyPr/>
+                    <a:lstStyle/>
+                    <a:p>
+                      <a:endParaRPr kumimoji="1" lang="ja-JP" altLang="en-US"/>
+                    </a:p>
+                  </a:txBody>
+                  <a:tcPr>
+                    <a:lnL w="12700" cap="flat" cmpd="sng" algn="ctr">
+                      <a:solidFill>
+                        <a:schemeClr val="tx1"/>
+                      </a:solidFill>
+                      <a:prstDash val="solid"/>
+                      <a:round/>
+                      <a:headEnd type="none" w="med" len="med"/>
+                      <a:tailEnd type="none" w="med" len="med"/>
+                    </a:lnL>
+                    <a:lnR w="12700" cap="flat" cmpd="sng" algn="ctr">
+                      <a:solidFill>
+                        <a:schemeClr val="tx1"/>
+                      </a:solidFill>
+                      <a:prstDash val="solid"/>
+                      <a:round/>
+                      <a:headEnd type="none" w="med" len="med"/>
+                      <a:tailEnd type="none" w="med" len="med"/>
+                    </a:lnR>
+                    <a:lnT w="12700" cap="flat" cmpd="sng" algn="ctr">
+                      <a:solidFill>
+                        <a:schemeClr val="tx1"/>
+                      </a:solidFill>
+                      <a:prstDash val="solid"/>
+                      <a:round/>
+                      <a:headEnd type="none" w="med" len="med"/>
+                      <a:tailEnd type="none" w="med" len="med"/>
+                    </a:lnT>
+                    <a:lnB w="12700" cap="flat" cmpd="sng" algn="ctr">
+                      <a:solidFill>
+                        <a:schemeClr val="tx1"/>
+                      </a:solidFill>
+                      <a:prstDash val="solid"/>
+                      <a:round/>
+                      <a:headEnd type="none" w="med" len="med"/>
+                      <a:tailEnd type="none" w="med" len="med"/>
+                    </a:lnB>
+                    <a:noFill/>
+                  </a:tcPr>
+                </a:tc>
+                <a:tc>
+                  <a:txBody>
+                    <a:bodyPr/>
+                    <a:lstStyle/>
+                    <a:p>
+                      <a:endParaRPr kumimoji="1" lang="ja-JP" altLang="en-US">
+                        <a:solidFill>
+                          <a:srgbClr val="FF0000"/>
+                        </a:solidFill>
+                      </a:endParaRPr>
+                    </a:p>
+                  </a:txBody>
+                  <a:tcPr>
+                    <a:lnL w="12700" cap="flat" cmpd="sng" algn="ctr">
+                      <a:solidFill>
+                        <a:schemeClr val="tx1"/>
+                      </a:solidFill>
+                      <a:prstDash val="solid"/>
+                      <a:round/>
+                      <a:headEnd type="none" w="med" len="med"/>
+                      <a:tailEnd type="none" w="med" len="med"/>
+                    </a:lnL>
+                    <a:lnR w="12700" cap="flat" cmpd="sng" algn="ctr">
+                      <a:solidFill>
+                        <a:schemeClr val="tx1"/>
+                      </a:solidFill>
+                      <a:prstDash val="solid"/>
+                      <a:round/>
+                      <a:headEnd type="none" w="med" len="med"/>
+                      <a:tailEnd type="none" w="med" len="med"/>
+                    </a:lnR>
+                    <a:lnT w="12700" cap="flat" cmpd="sng" algn="ctr">
+                      <a:solidFill>
+                        <a:schemeClr val="tx1"/>
+                      </a:solidFill>
+                      <a:prstDash val="solid"/>
+                      <a:round/>
+                      <a:headEnd type="none" w="med" len="med"/>
+                      <a:tailEnd type="none" w="med" len="med"/>
+                    </a:lnT>
+                    <a:lnB w="12700" cap="flat" cmpd="sng" algn="ctr">
+                      <a:solidFill>
+                        <a:schemeClr val="tx1"/>
+                      </a:solidFill>
+                      <a:prstDash val="solid"/>
+                      <a:round/>
+                      <a:headEnd type="none" w="med" len="med"/>
+                      <a:tailEnd type="none" w="med" len="med"/>
+                    </a:lnB>
+                    <a:solidFill>
+                      <a:schemeClr val="bg1"/>
+                    </a:solidFill>
+                  </a:tcPr>
+                </a:tc>
+                <a:tc>
+                  <a:txBody>
+                    <a:bodyPr/>
+                    <a:lstStyle/>
+                    <a:p>
+                      <a:endParaRPr kumimoji="1" lang="ja-JP" altLang="en-US"/>
+                    </a:p>
+                  </a:txBody>
+                  <a:tcPr>
+                    <a:lnL w="12700" cap="flat" cmpd="sng" algn="ctr">
+                      <a:solidFill>
+                        <a:schemeClr val="tx1"/>
+                      </a:solidFill>
+                      <a:prstDash val="solid"/>
+                      <a:round/>
+                      <a:headEnd type="none" w="med" len="med"/>
+                      <a:tailEnd type="none" w="med" len="med"/>
+                    </a:lnL>
+                    <a:lnR w="12700" cap="flat" cmpd="sng" algn="ctr">
+                      <a:solidFill>
+                        <a:schemeClr val="tx1"/>
+                      </a:solidFill>
+                      <a:prstDash val="solid"/>
+                      <a:round/>
+                      <a:headEnd type="none" w="med" len="med"/>
+                      <a:tailEnd type="none" w="med" len="med"/>
+                    </a:lnR>
+                    <a:lnT w="12700" cap="flat" cmpd="sng" algn="ctr">
+                      <a:solidFill>
+                        <a:schemeClr val="tx1"/>
+                      </a:solidFill>
+                      <a:prstDash val="solid"/>
+                      <a:round/>
+                      <a:headEnd type="none" w="med" len="med"/>
+                      <a:tailEnd type="none" w="med" len="med"/>
+                    </a:lnT>
+                    <a:lnB w="12700" cap="flat" cmpd="sng" algn="ctr">
+                      <a:solidFill>
+                        <a:schemeClr val="tx1"/>
+                      </a:solidFill>
+                      <a:prstDash val="solid"/>
+                      <a:round/>
+                      <a:headEnd type="none" w="med" len="med"/>
+                      <a:tailEnd type="none" w="med" len="med"/>
+                    </a:lnB>
+                    <a:solidFill>
+                      <a:schemeClr val="bg1"/>
+                    </a:solidFill>
+                  </a:tcPr>
+                </a:tc>
+                <a:tc>
+                  <a:txBody>
+                    <a:bodyPr/>
+                    <a:lstStyle/>
+                    <a:p>
+                      <a:endParaRPr kumimoji="1" lang="ja-JP" altLang="en-US"/>
+                    </a:p>
+                  </a:txBody>
+                  <a:tcPr>
+                    <a:lnL w="12700" cap="flat" cmpd="sng" algn="ctr">
+                      <a:solidFill>
+                        <a:schemeClr val="tx1"/>
+                      </a:solidFill>
+                      <a:prstDash val="solid"/>
+                      <a:round/>
+                      <a:headEnd type="none" w="med" len="med"/>
+                      <a:tailEnd type="none" w="med" len="med"/>
+                    </a:lnL>
+                    <a:lnR w="12700" cap="flat" cmpd="sng" algn="ctr">
+                      <a:solidFill>
+                        <a:schemeClr val="tx1"/>
+                      </a:solidFill>
+                      <a:prstDash val="solid"/>
+                      <a:round/>
+                      <a:headEnd type="none" w="med" len="med"/>
+                      <a:tailEnd type="none" w="med" len="med"/>
+                    </a:lnR>
+                    <a:lnT w="12700" cap="flat" cmpd="sng" algn="ctr">
+                      <a:solidFill>
+                        <a:schemeClr val="tx1"/>
+                      </a:solidFill>
+                      <a:prstDash val="solid"/>
+                      <a:round/>
+                      <a:headEnd type="none" w="med" len="med"/>
+                      <a:tailEnd type="none" w="med" len="med"/>
+                    </a:lnT>
+                    <a:lnB w="12700" cap="flat" cmpd="sng" algn="ctr">
+                      <a:solidFill>
+                        <a:schemeClr val="tx1"/>
+                      </a:solidFill>
+                      <a:prstDash val="solid"/>
+                      <a:round/>
+                      <a:headEnd type="none" w="med" len="med"/>
+                      <a:tailEnd type="none" w="med" len="med"/>
+                    </a:lnB>
+                    <a:solidFill>
+                      <a:schemeClr val="bg1"/>
+                    </a:solidFill>
+                  </a:tcPr>
+                </a:tc>
+                <a:extLst>
+                  <a:ext uri="{0D108BD9-81ED-4DB2-BD59-A6C34878D82A}">
+                    <a16:rowId xmlns:a16="http://schemas.microsoft.com/office/drawing/2014/main" val="3688764702"/>
+                  </a:ext>
+                </a:extLst>
+              </a:tr>
+              <a:tr h="511505">
+                <a:tc>
+                  <a:txBody>
+                    <a:bodyPr/>
+                    <a:lstStyle/>
+                    <a:p>
+                      <a:endParaRPr kumimoji="1" lang="ja-JP" altLang="en-US">
+                        <a:solidFill>
+                          <a:srgbClr val="FF0000"/>
+                        </a:solidFill>
+                      </a:endParaRPr>
+                    </a:p>
+                  </a:txBody>
+                  <a:tcPr>
+                    <a:lnL w="12700" cap="flat" cmpd="sng" algn="ctr">
+                      <a:solidFill>
+                        <a:schemeClr val="tx1"/>
+                      </a:solidFill>
+                      <a:prstDash val="solid"/>
+                      <a:round/>
+                      <a:headEnd type="none" w="med" len="med"/>
+                      <a:tailEnd type="none" w="med" len="med"/>
+                    </a:lnL>
+                    <a:lnR w="12700" cap="flat" cmpd="sng" algn="ctr">
+                      <a:solidFill>
+                        <a:schemeClr val="tx1"/>
+                      </a:solidFill>
+                      <a:prstDash val="solid"/>
+                      <a:round/>
+                      <a:headEnd type="none" w="med" len="med"/>
+                      <a:tailEnd type="none" w="med" len="med"/>
+                    </a:lnR>
+                    <a:lnT w="12700" cap="flat" cmpd="sng" algn="ctr">
+                      <a:solidFill>
+                        <a:schemeClr val="tx1"/>
+                      </a:solidFill>
+                      <a:prstDash val="solid"/>
+                      <a:round/>
+                      <a:headEnd type="none" w="med" len="med"/>
+                      <a:tailEnd type="none" w="med" len="med"/>
+                    </a:lnT>
+                    <a:lnB w="12700" cap="flat" cmpd="sng" algn="ctr">
+                      <a:solidFill>
+                        <a:schemeClr val="tx1"/>
+                      </a:solidFill>
+                      <a:prstDash val="solid"/>
+                      <a:round/>
+                      <a:headEnd type="none" w="med" len="med"/>
+                      <a:tailEnd type="none" w="med" len="med"/>
+                    </a:lnB>
+                    <a:solidFill>
+                      <a:schemeClr val="bg1"/>
+                    </a:solidFill>
+                  </a:tcPr>
+                </a:tc>
+                <a:tc>
+                  <a:txBody>
+                    <a:bodyPr/>
+                    <a:lstStyle/>
+                    <a:p>
+                      <a:endParaRPr kumimoji="1" lang="ja-JP" altLang="en-US"/>
+                    </a:p>
+                  </a:txBody>
+                  <a:tcPr>
+                    <a:lnL w="12700" cap="flat" cmpd="sng" algn="ctr">
+                      <a:solidFill>
+                        <a:schemeClr val="tx1"/>
+                      </a:solidFill>
+                      <a:prstDash val="solid"/>
+                      <a:round/>
+                      <a:headEnd type="none" w="med" len="med"/>
+                      <a:tailEnd type="none" w="med" len="med"/>
+                    </a:lnL>
+                    <a:lnR w="12700" cap="flat" cmpd="sng" algn="ctr">
+                      <a:solidFill>
+                        <a:schemeClr val="tx1"/>
+                      </a:solidFill>
+                      <a:prstDash val="solid"/>
+                      <a:round/>
+                      <a:headEnd type="none" w="med" len="med"/>
+                      <a:tailEnd type="none" w="med" len="med"/>
+                    </a:lnR>
+                    <a:lnT w="12700" cap="flat" cmpd="sng" algn="ctr">
+                      <a:solidFill>
+                        <a:schemeClr val="tx1"/>
+                      </a:solidFill>
+                      <a:prstDash val="solid"/>
+                      <a:round/>
+                      <a:headEnd type="none" w="med" len="med"/>
+                      <a:tailEnd type="none" w="med" len="med"/>
+                    </a:lnT>
+                    <a:lnB w="12700" cap="flat" cmpd="sng" algn="ctr">
+                      <a:solidFill>
+                        <a:schemeClr val="tx1"/>
+                      </a:solidFill>
+                      <a:prstDash val="solid"/>
+                      <a:round/>
+                      <a:headEnd type="none" w="med" len="med"/>
+                      <a:tailEnd type="none" w="med" len="med"/>
+                    </a:lnB>
+                    <a:noFill/>
+                  </a:tcPr>
+                </a:tc>
+                <a:tc>
+                  <a:txBody>
+                    <a:bodyPr/>
+                    <a:lstStyle/>
+                    <a:p>
+                      <a:endParaRPr kumimoji="1" lang="ja-JP" altLang="en-US"/>
+                    </a:p>
+                  </a:txBody>
+                  <a:tcPr>
+                    <a:lnL w="12700" cap="flat" cmpd="sng" algn="ctr">
+                      <a:solidFill>
+                        <a:schemeClr val="tx1"/>
+                      </a:solidFill>
+                      <a:prstDash val="solid"/>
+                      <a:round/>
+                      <a:headEnd type="none" w="med" len="med"/>
+                      <a:tailEnd type="none" w="med" len="med"/>
+                    </a:lnL>
+                    <a:lnR w="12700" cap="flat" cmpd="sng" algn="ctr">
+                      <a:solidFill>
+                        <a:schemeClr val="tx1"/>
+                      </a:solidFill>
+                      <a:prstDash val="solid"/>
+                      <a:round/>
+                      <a:headEnd type="none" w="med" len="med"/>
+                      <a:tailEnd type="none" w="med" len="med"/>
+                    </a:lnR>
+                    <a:lnT w="12700" cap="flat" cmpd="sng" algn="ctr">
+                      <a:solidFill>
+                        <a:schemeClr val="tx1"/>
+                      </a:solidFill>
+                      <a:prstDash val="solid"/>
+                      <a:round/>
+                      <a:headEnd type="none" w="med" len="med"/>
+                      <a:tailEnd type="none" w="med" len="med"/>
+                    </a:lnT>
+                    <a:lnB w="12700" cap="flat" cmpd="sng" algn="ctr">
+                      <a:solidFill>
+                        <a:schemeClr val="tx1"/>
+                      </a:solidFill>
+                      <a:prstDash val="solid"/>
+                      <a:round/>
+                      <a:headEnd type="none" w="med" len="med"/>
+                      <a:tailEnd type="none" w="med" len="med"/>
+                    </a:lnB>
+                    <a:solidFill>
+                      <a:schemeClr val="bg1"/>
+                    </a:solidFill>
+                  </a:tcPr>
+                </a:tc>
+                <a:tc>
+                  <a:txBody>
+                    <a:bodyPr/>
+                    <a:lstStyle/>
+                    <a:p>
+                      <a:endParaRPr kumimoji="1" lang="ja-JP" altLang="en-US"/>
+                    </a:p>
+                  </a:txBody>
+                  <a:tcPr>
+                    <a:lnL w="12700" cap="flat" cmpd="sng" algn="ctr">
+                      <a:solidFill>
+                        <a:schemeClr val="tx1"/>
+                      </a:solidFill>
+                      <a:prstDash val="solid"/>
+                      <a:round/>
+                      <a:headEnd type="none" w="med" len="med"/>
+                      <a:tailEnd type="none" w="med" len="med"/>
+                    </a:lnL>
+                    <a:lnR w="12700" cap="flat" cmpd="sng" algn="ctr">
+                      <a:solidFill>
+                        <a:schemeClr val="tx1"/>
+                      </a:solidFill>
+                      <a:prstDash val="solid"/>
+                      <a:round/>
+                      <a:headEnd type="none" w="med" len="med"/>
+                      <a:tailEnd type="none" w="med" len="med"/>
+                    </a:lnR>
+                    <a:lnT w="12700" cap="flat" cmpd="sng" algn="ctr">
+                      <a:solidFill>
+                        <a:schemeClr val="tx1"/>
+                      </a:solidFill>
+                      <a:prstDash val="solid"/>
+                      <a:round/>
+                      <a:headEnd type="none" w="med" len="med"/>
+                      <a:tailEnd type="none" w="med" len="med"/>
+                    </a:lnT>
+                    <a:lnB w="12700" cap="flat" cmpd="sng" algn="ctr">
+                      <a:solidFill>
+                        <a:schemeClr val="tx1"/>
+                      </a:solidFill>
+                      <a:prstDash val="solid"/>
+                      <a:round/>
+                      <a:headEnd type="none" w="med" len="med"/>
+                      <a:tailEnd type="none" w="med" len="med"/>
+                    </a:lnB>
+                    <a:solidFill>
+                      <a:schemeClr val="bg1"/>
+                    </a:solidFill>
+                  </a:tcPr>
+                </a:tc>
+                <a:extLst>
+                  <a:ext uri="{0D108BD9-81ED-4DB2-BD59-A6C34878D82A}">
+                    <a16:rowId xmlns:a16="http://schemas.microsoft.com/office/drawing/2014/main" val="1514342851"/>
+                  </a:ext>
+                </a:extLst>
+              </a:tr>
+            </a:tbl>
+          </a:graphicData>
+        </a:graphic>
+      </p:graphicFrame>
+      <p:sp>
+        <p:nvSpPr>
+          <p:cNvPr id="97" name="円/楕円 96">
+            <a:extLst>
+              <a:ext uri="{FF2B5EF4-FFF2-40B4-BE49-F238E27FC236}">
+                <a16:creationId xmlns:a16="http://schemas.microsoft.com/office/drawing/2014/main" id="{FF178762-53E2-6344-A806-B48E3700F84C}"/>
+              </a:ext>
+            </a:extLst>
+          </p:cNvPr>
+          <p:cNvSpPr/>
+          <p:nvPr/>
+        </p:nvSpPr>
+        <p:spPr>
+          <a:xfrm>
+            <a:off x="6022509" y="4112276"/>
+            <a:ext cx="250257" cy="250257"/>
+          </a:xfrm>
+          <a:prstGeom prst="ellipse">
+            <a:avLst/>
+          </a:prstGeom>
+          <a:solidFill>
+            <a:schemeClr val="bg1">
+              <a:lumMod val="75000"/>
+            </a:schemeClr>
+          </a:solidFill>
+          <a:ln>
+            <a:solidFill>
+              <a:schemeClr val="tx1"/>
+            </a:solidFill>
+          </a:ln>
+        </p:spPr>
+        <p:style>
+          <a:lnRef idx="2">
+            <a:schemeClr val="accent1">
+              <a:shade val="50000"/>
+            </a:schemeClr>
+          </a:lnRef>
+          <a:fillRef idx="1">
+            <a:schemeClr val="accent1"/>
+          </a:fillRef>
+          <a:effectRef idx="0">
+            <a:schemeClr val="accent1"/>
+          </a:effectRef>
+          <a:fontRef idx="minor">
+            <a:schemeClr val="lt1"/>
+          </a:fontRef>
+        </p:style>
+        <p:txBody>
+          <a:bodyPr rtlCol="0" anchor="ctr"/>
+          <a:lstStyle/>
+          <a:p>
+            <a:pPr algn="ctr"/>
+            <a:endParaRPr kumimoji="1" lang="ja-JP" altLang="en-US"/>
+          </a:p>
+        </p:txBody>
+      </p:sp>
+      <p:sp>
+        <p:nvSpPr>
+          <p:cNvPr id="98" name="円/楕円 97">
+            <a:extLst>
+              <a:ext uri="{FF2B5EF4-FFF2-40B4-BE49-F238E27FC236}">
+                <a16:creationId xmlns:a16="http://schemas.microsoft.com/office/drawing/2014/main" id="{32EBD144-061D-2540-8677-60789923CF5A}"/>
+              </a:ext>
+            </a:extLst>
+          </p:cNvPr>
+          <p:cNvSpPr/>
+          <p:nvPr/>
+        </p:nvSpPr>
+        <p:spPr>
+          <a:xfrm>
+            <a:off x="6547486" y="4112276"/>
+            <a:ext cx="250257" cy="250257"/>
+          </a:xfrm>
+          <a:prstGeom prst="ellipse">
+            <a:avLst/>
+          </a:prstGeom>
+          <a:solidFill>
+            <a:schemeClr val="bg1">
+              <a:lumMod val="75000"/>
+            </a:schemeClr>
+          </a:solidFill>
+          <a:ln>
+            <a:solidFill>
+              <a:schemeClr val="tx1"/>
+            </a:solidFill>
+          </a:ln>
+        </p:spPr>
+        <p:style>
+          <a:lnRef idx="2">
+            <a:schemeClr val="accent1">
+              <a:shade val="50000"/>
+            </a:schemeClr>
+          </a:lnRef>
+          <a:fillRef idx="1">
+            <a:schemeClr val="accent1"/>
+          </a:fillRef>
+          <a:effectRef idx="0">
+            <a:schemeClr val="accent1"/>
+          </a:effectRef>
+          <a:fontRef idx="minor">
+            <a:schemeClr val="lt1"/>
+          </a:fontRef>
+        </p:style>
+        <p:txBody>
+          <a:bodyPr rtlCol="0" anchor="ctr"/>
+          <a:lstStyle/>
+          <a:p>
+            <a:pPr algn="ctr"/>
+            <a:endParaRPr kumimoji="1" lang="ja-JP" altLang="en-US"/>
+          </a:p>
+        </p:txBody>
+      </p:sp>
+      <p:sp>
+        <p:nvSpPr>
+          <p:cNvPr id="99" name="円/楕円 98">
+            <a:extLst>
+              <a:ext uri="{FF2B5EF4-FFF2-40B4-BE49-F238E27FC236}">
+                <a16:creationId xmlns:a16="http://schemas.microsoft.com/office/drawing/2014/main" id="{02CD74D6-A3C3-3F4E-B4A6-4D41E194B0FF}"/>
+              </a:ext>
+            </a:extLst>
+          </p:cNvPr>
+          <p:cNvSpPr/>
+          <p:nvPr/>
+        </p:nvSpPr>
+        <p:spPr>
+          <a:xfrm>
+            <a:off x="7072464" y="4112276"/>
+            <a:ext cx="250257" cy="250257"/>
+          </a:xfrm>
+          <a:prstGeom prst="ellipse">
+            <a:avLst/>
+          </a:prstGeom>
+          <a:solidFill>
+            <a:schemeClr val="bg1">
+              <a:lumMod val="75000"/>
+            </a:schemeClr>
+          </a:solidFill>
+          <a:ln>
+            <a:solidFill>
+              <a:schemeClr val="tx1"/>
+            </a:solidFill>
+          </a:ln>
+        </p:spPr>
+        <p:style>
+          <a:lnRef idx="2">
+            <a:schemeClr val="accent1">
+              <a:shade val="50000"/>
+            </a:schemeClr>
+          </a:lnRef>
+          <a:fillRef idx="1">
+            <a:schemeClr val="accent1"/>
+          </a:fillRef>
+          <a:effectRef idx="0">
+            <a:schemeClr val="accent1"/>
+          </a:effectRef>
+          <a:fontRef idx="minor">
+            <a:schemeClr val="lt1"/>
+          </a:fontRef>
+        </p:style>
+        <p:txBody>
+          <a:bodyPr rtlCol="0" anchor="ctr"/>
+          <a:lstStyle/>
+          <a:p>
+            <a:pPr algn="ctr"/>
+            <a:endParaRPr kumimoji="1" lang="ja-JP" altLang="en-US"/>
+          </a:p>
+        </p:txBody>
+      </p:sp>
+      <p:sp>
+        <p:nvSpPr>
+          <p:cNvPr id="100" name="直角三角形 99">
+            <a:extLst>
+              <a:ext uri="{FF2B5EF4-FFF2-40B4-BE49-F238E27FC236}">
+                <a16:creationId xmlns:a16="http://schemas.microsoft.com/office/drawing/2014/main" id="{2843F104-5451-9E4D-A0F2-9495C5D6EDFE}"/>
+              </a:ext>
+            </a:extLst>
+          </p:cNvPr>
+          <p:cNvSpPr/>
+          <p:nvPr/>
+        </p:nvSpPr>
+        <p:spPr>
+          <a:xfrm rot="10800000">
+            <a:off x="3368075" y="4561407"/>
+            <a:ext cx="503999" cy="1534515"/>
+          </a:xfrm>
+          <a:prstGeom prst="rtTriangle">
+            <a:avLst/>
+          </a:prstGeom>
+          <a:solidFill>
+            <a:schemeClr val="bg1">
+              <a:lumMod val="75000"/>
+            </a:schemeClr>
+          </a:solidFill>
+          <a:ln>
+            <a:solidFill>
+              <a:schemeClr val="tx1"/>
+            </a:solidFill>
+          </a:ln>
+        </p:spPr>
+        <p:style>
+          <a:lnRef idx="2">
+            <a:schemeClr val="accent1">
+              <a:shade val="50000"/>
+            </a:schemeClr>
+          </a:lnRef>
+          <a:fillRef idx="1">
+            <a:schemeClr val="accent1"/>
+          </a:fillRef>
+          <a:effectRef idx="0">
+            <a:schemeClr val="accent1"/>
+          </a:effectRef>
+          <a:fontRef idx="minor">
+            <a:schemeClr val="lt1"/>
+          </a:fontRef>
+        </p:style>
+        <p:txBody>
+          <a:bodyPr rtlCol="0" anchor="ctr"/>
+          <a:lstStyle/>
+          <a:p>
+            <a:pPr algn="ctr"/>
+            <a:endParaRPr kumimoji="1" lang="ja-JP" altLang="en-US"/>
+          </a:p>
+        </p:txBody>
+      </p:sp>
+      <p:sp>
+        <p:nvSpPr>
+          <p:cNvPr id="101" name="直角三角形 100">
+            <a:extLst>
+              <a:ext uri="{FF2B5EF4-FFF2-40B4-BE49-F238E27FC236}">
+                <a16:creationId xmlns:a16="http://schemas.microsoft.com/office/drawing/2014/main" id="{90A63BA1-C8B8-934C-9160-AC73FD024BFD}"/>
+              </a:ext>
+            </a:extLst>
+          </p:cNvPr>
+          <p:cNvSpPr/>
+          <p:nvPr/>
+        </p:nvSpPr>
+        <p:spPr>
+          <a:xfrm rot="10800000" flipH="1">
+            <a:off x="8516294" y="4561406"/>
+            <a:ext cx="503999" cy="1534513"/>
+          </a:xfrm>
+          <a:prstGeom prst="rtTriangle">
+            <a:avLst/>
+          </a:prstGeom>
+          <a:solidFill>
+            <a:schemeClr val="bg1">
+              <a:lumMod val="75000"/>
+            </a:schemeClr>
+          </a:solidFill>
+          <a:ln>
+            <a:solidFill>
+              <a:schemeClr val="tx1"/>
+            </a:solidFill>
+          </a:ln>
+        </p:spPr>
+        <p:style>
+          <a:lnRef idx="2">
+            <a:schemeClr val="accent1">
+              <a:shade val="50000"/>
+            </a:schemeClr>
+          </a:lnRef>
+          <a:fillRef idx="1">
+            <a:schemeClr val="accent1"/>
+          </a:fillRef>
+          <a:effectRef idx="0">
+            <a:schemeClr val="accent1"/>
+          </a:effectRef>
+          <a:fontRef idx="minor">
+            <a:schemeClr val="lt1"/>
+          </a:fontRef>
+        </p:style>
+        <p:txBody>
+          <a:bodyPr rtlCol="0" anchor="ctr"/>
+          <a:lstStyle/>
+          <a:p>
+            <a:pPr algn="ctr"/>
+            <a:endParaRPr kumimoji="1" lang="ja-JP" altLang="en-US"/>
+          </a:p>
+        </p:txBody>
+      </p:sp>
+      <p:sp>
+        <p:nvSpPr>
+          <p:cNvPr id="102" name="正方形/長方形 101">
+            <a:extLst>
+              <a:ext uri="{FF2B5EF4-FFF2-40B4-BE49-F238E27FC236}">
+                <a16:creationId xmlns:a16="http://schemas.microsoft.com/office/drawing/2014/main" id="{996823D3-0F82-CB49-966A-91DB4F0702A0}"/>
+              </a:ext>
+            </a:extLst>
+          </p:cNvPr>
+          <p:cNvSpPr/>
+          <p:nvPr/>
+        </p:nvSpPr>
+        <p:spPr>
+          <a:xfrm>
+            <a:off x="6822208" y="3448541"/>
+            <a:ext cx="250256" cy="472009"/>
+          </a:xfrm>
+          <a:prstGeom prst="rect">
+            <a:avLst/>
+          </a:prstGeom>
+          <a:solidFill>
+            <a:schemeClr val="bg1">
+              <a:lumMod val="75000"/>
+            </a:schemeClr>
+          </a:solidFill>
+          <a:ln>
+            <a:solidFill>
+              <a:schemeClr val="tx1"/>
+            </a:solidFill>
+          </a:ln>
+        </p:spPr>
+        <p:style>
+          <a:lnRef idx="2">
+            <a:schemeClr val="accent1">
+              <a:shade val="50000"/>
+            </a:schemeClr>
+          </a:lnRef>
+          <a:fillRef idx="1">
+            <a:schemeClr val="accent1"/>
+          </a:fillRef>
+          <a:effectRef idx="0">
+            <a:schemeClr val="accent1"/>
+          </a:effectRef>
+          <a:fontRef idx="minor">
+            <a:schemeClr val="lt1"/>
+          </a:fontRef>
+        </p:style>
+        <p:txBody>
+          <a:bodyPr rtlCol="0" anchor="ctr"/>
+          <a:lstStyle/>
+          <a:p>
+            <a:pPr algn="ctr"/>
+            <a:endParaRPr kumimoji="1" lang="ja-JP" altLang="en-US"/>
+          </a:p>
+        </p:txBody>
+      </p:sp>
+      <p:pic>
+        <p:nvPicPr>
+          <p:cNvPr id="103" name="図 102">
+            <a:extLst>
+              <a:ext uri="{FF2B5EF4-FFF2-40B4-BE49-F238E27FC236}">
+                <a16:creationId xmlns:a16="http://schemas.microsoft.com/office/drawing/2014/main" id="{63D14360-B4F0-D849-A4E0-12C44295C0A8}"/>
+              </a:ext>
+            </a:extLst>
+          </p:cNvPr>
+          <p:cNvPicPr>
+            <a:picLocks noChangeAspect="1"/>
+          </p:cNvPicPr>
+          <p:nvPr/>
+        </p:nvPicPr>
+        <p:blipFill>
+          <a:blip r:embed="rId2"/>
+          <a:stretch>
+            <a:fillRect/>
+          </a:stretch>
+        </p:blipFill>
+        <p:spPr>
+          <a:xfrm flipH="1">
+            <a:off x="3869746" y="4706226"/>
+            <a:ext cx="601900" cy="436418"/>
+          </a:xfrm>
+          <a:prstGeom prst="rect">
+            <a:avLst/>
+          </a:prstGeom>
+        </p:spPr>
+      </p:pic>
+      <p:pic>
+        <p:nvPicPr>
+          <p:cNvPr id="104" name="図 103">
+            <a:extLst>
+              <a:ext uri="{FF2B5EF4-FFF2-40B4-BE49-F238E27FC236}">
+                <a16:creationId xmlns:a16="http://schemas.microsoft.com/office/drawing/2014/main" id="{FC6DD843-ABC0-E349-ABEC-60C2C30CD8AD}"/>
+              </a:ext>
+            </a:extLst>
+          </p:cNvPr>
+          <p:cNvPicPr>
+            <a:picLocks noChangeAspect="1"/>
+          </p:cNvPicPr>
+          <p:nvPr/>
+        </p:nvPicPr>
+        <p:blipFill>
+          <a:blip r:embed="rId2"/>
+          <a:stretch>
+            <a:fillRect/>
+          </a:stretch>
+        </p:blipFill>
+        <p:spPr>
+          <a:xfrm flipH="1">
+            <a:off x="3869746" y="5202268"/>
+            <a:ext cx="601900" cy="436418"/>
+          </a:xfrm>
+          <a:prstGeom prst="rect">
+            <a:avLst/>
+          </a:prstGeom>
+        </p:spPr>
+      </p:pic>
+      <p:pic>
+        <p:nvPicPr>
+          <p:cNvPr id="105" name="図 104">
+            <a:extLst>
+              <a:ext uri="{FF2B5EF4-FFF2-40B4-BE49-F238E27FC236}">
+                <a16:creationId xmlns:a16="http://schemas.microsoft.com/office/drawing/2014/main" id="{F547BFA4-93C3-8540-9034-FD005FBB997B}"/>
+              </a:ext>
+            </a:extLst>
+          </p:cNvPr>
+          <p:cNvPicPr>
+            <a:picLocks noChangeAspect="1"/>
+          </p:cNvPicPr>
+          <p:nvPr/>
+        </p:nvPicPr>
+        <p:blipFill>
+          <a:blip r:embed="rId2"/>
+          <a:stretch>
+            <a:fillRect/>
+          </a:stretch>
+        </p:blipFill>
+        <p:spPr>
+          <a:xfrm flipH="1">
+            <a:off x="4429882" y="4706226"/>
+            <a:ext cx="601900" cy="436418"/>
+          </a:xfrm>
+          <a:prstGeom prst="rect">
+            <a:avLst/>
+          </a:prstGeom>
+        </p:spPr>
+      </p:pic>
+      <p:pic>
+        <p:nvPicPr>
+          <p:cNvPr id="106" name="図 105">
+            <a:extLst>
+              <a:ext uri="{FF2B5EF4-FFF2-40B4-BE49-F238E27FC236}">
+                <a16:creationId xmlns:a16="http://schemas.microsoft.com/office/drawing/2014/main" id="{6967BAF4-260C-3447-99E3-BBA7A6B16454}"/>
+              </a:ext>
+            </a:extLst>
+          </p:cNvPr>
+          <p:cNvPicPr>
+            <a:picLocks noChangeAspect="1"/>
+          </p:cNvPicPr>
+          <p:nvPr/>
+        </p:nvPicPr>
+        <p:blipFill>
+          <a:blip r:embed="rId2"/>
+          <a:stretch>
+            <a:fillRect/>
+          </a:stretch>
+        </p:blipFill>
+        <p:spPr>
+          <a:xfrm flipH="1">
+            <a:off x="4438682" y="5202268"/>
+            <a:ext cx="601900" cy="436418"/>
+          </a:xfrm>
+          <a:prstGeom prst="rect">
+            <a:avLst/>
+          </a:prstGeom>
+        </p:spPr>
+      </p:pic>
+      <p:pic>
+        <p:nvPicPr>
+          <p:cNvPr id="107" name="図 106">
+            <a:extLst>
+              <a:ext uri="{FF2B5EF4-FFF2-40B4-BE49-F238E27FC236}">
+                <a16:creationId xmlns:a16="http://schemas.microsoft.com/office/drawing/2014/main" id="{FF97CAD8-8CD0-5C4A-A8EA-87B5D05BB34B}"/>
+              </a:ext>
+            </a:extLst>
+          </p:cNvPr>
+          <p:cNvPicPr>
+            <a:picLocks noChangeAspect="1"/>
+          </p:cNvPicPr>
+          <p:nvPr/>
+        </p:nvPicPr>
+        <p:blipFill>
+          <a:blip r:embed="rId3"/>
+          <a:stretch>
+            <a:fillRect/>
+          </a:stretch>
+        </p:blipFill>
+        <p:spPr>
+          <a:xfrm>
+            <a:off x="5029455" y="4722177"/>
+            <a:ext cx="560136" cy="406136"/>
+          </a:xfrm>
+          <a:prstGeom prst="rect">
+            <a:avLst/>
+          </a:prstGeom>
+        </p:spPr>
+      </p:pic>
+      <p:pic>
+        <p:nvPicPr>
+          <p:cNvPr id="108" name="図 107">
+            <a:extLst>
+              <a:ext uri="{FF2B5EF4-FFF2-40B4-BE49-F238E27FC236}">
+                <a16:creationId xmlns:a16="http://schemas.microsoft.com/office/drawing/2014/main" id="{3901B500-2719-8B47-8BD4-F8BA68C332F1}"/>
+              </a:ext>
+            </a:extLst>
+          </p:cNvPr>
+          <p:cNvPicPr>
+            <a:picLocks noChangeAspect="1"/>
+          </p:cNvPicPr>
+          <p:nvPr/>
+        </p:nvPicPr>
+        <p:blipFill>
+          <a:blip r:embed="rId3"/>
+          <a:stretch>
+            <a:fillRect/>
+          </a:stretch>
+        </p:blipFill>
+        <p:spPr>
+          <a:xfrm>
+            <a:off x="5587264" y="4721367"/>
+            <a:ext cx="560136" cy="406136"/>
+          </a:xfrm>
+          <a:prstGeom prst="rect">
+            <a:avLst/>
+          </a:prstGeom>
+        </p:spPr>
+      </p:pic>
+      <p:pic>
+        <p:nvPicPr>
+          <p:cNvPr id="109" name="図 108">
+            <a:extLst>
+              <a:ext uri="{FF2B5EF4-FFF2-40B4-BE49-F238E27FC236}">
+                <a16:creationId xmlns:a16="http://schemas.microsoft.com/office/drawing/2014/main" id="{70D7FDA8-242F-BF47-8973-47F7AFBC9C22}"/>
+              </a:ext>
+            </a:extLst>
+          </p:cNvPr>
+          <p:cNvPicPr>
+            <a:picLocks noChangeAspect="1"/>
+          </p:cNvPicPr>
+          <p:nvPr/>
+        </p:nvPicPr>
+        <p:blipFill>
+          <a:blip r:embed="rId3"/>
+          <a:stretch>
+            <a:fillRect/>
+          </a:stretch>
+        </p:blipFill>
+        <p:spPr>
+          <a:xfrm>
+            <a:off x="5047054" y="5225077"/>
+            <a:ext cx="560136" cy="406136"/>
+          </a:xfrm>
+          <a:prstGeom prst="rect">
+            <a:avLst/>
+          </a:prstGeom>
+        </p:spPr>
+      </p:pic>
+      <p:pic>
+        <p:nvPicPr>
+          <p:cNvPr id="110" name="図 109">
+            <a:extLst>
+              <a:ext uri="{FF2B5EF4-FFF2-40B4-BE49-F238E27FC236}">
+                <a16:creationId xmlns:a16="http://schemas.microsoft.com/office/drawing/2014/main" id="{E639D089-8410-CD42-8E40-7258CC555188}"/>
+              </a:ext>
+            </a:extLst>
+          </p:cNvPr>
+          <p:cNvPicPr>
+            <a:picLocks noChangeAspect="1"/>
+          </p:cNvPicPr>
+          <p:nvPr/>
+        </p:nvPicPr>
+        <p:blipFill>
+          <a:blip r:embed="rId3"/>
+          <a:stretch>
+            <a:fillRect/>
+          </a:stretch>
+        </p:blipFill>
+        <p:spPr>
+          <a:xfrm>
+            <a:off x="5588941" y="5209106"/>
+            <a:ext cx="560136" cy="406136"/>
+          </a:xfrm>
+          <a:prstGeom prst="rect">
+            <a:avLst/>
+          </a:prstGeom>
+        </p:spPr>
+      </p:pic>
+      <p:pic>
+        <p:nvPicPr>
+          <p:cNvPr id="111" name="図 110">
+            <a:extLst>
+              <a:ext uri="{FF2B5EF4-FFF2-40B4-BE49-F238E27FC236}">
+                <a16:creationId xmlns:a16="http://schemas.microsoft.com/office/drawing/2014/main" id="{2CF7C768-4B37-DD4A-87E7-50E3C895BE6E}"/>
+              </a:ext>
+            </a:extLst>
+          </p:cNvPr>
+          <p:cNvPicPr>
+            <a:picLocks noChangeAspect="1"/>
+          </p:cNvPicPr>
+          <p:nvPr/>
+        </p:nvPicPr>
+        <p:blipFill>
+          <a:blip r:embed="rId3"/>
+          <a:stretch>
+            <a:fillRect/>
+          </a:stretch>
+        </p:blipFill>
+        <p:spPr>
+          <a:xfrm>
+            <a:off x="5587264" y="5726936"/>
+            <a:ext cx="560136" cy="406136"/>
+          </a:xfrm>
+          <a:prstGeom prst="rect">
+            <a:avLst/>
+          </a:prstGeom>
+        </p:spPr>
+      </p:pic>
+      <p:pic>
+        <p:nvPicPr>
+          <p:cNvPr id="112" name="図 111">
+            <a:extLst>
+              <a:ext uri="{FF2B5EF4-FFF2-40B4-BE49-F238E27FC236}">
+                <a16:creationId xmlns:a16="http://schemas.microsoft.com/office/drawing/2014/main" id="{C8102CC9-D086-E04C-AE0E-7CFF109860F5}"/>
+              </a:ext>
+            </a:extLst>
+          </p:cNvPr>
+          <p:cNvPicPr>
+            <a:picLocks noChangeAspect="1"/>
+          </p:cNvPicPr>
+          <p:nvPr/>
+        </p:nvPicPr>
+        <p:blipFill>
+          <a:blip r:embed="rId3"/>
+          <a:stretch>
+            <a:fillRect/>
+          </a:stretch>
+        </p:blipFill>
+        <p:spPr>
+          <a:xfrm>
+            <a:off x="5029455" y="5726766"/>
+            <a:ext cx="560136" cy="406136"/>
+          </a:xfrm>
+          <a:prstGeom prst="rect">
+            <a:avLst/>
+          </a:prstGeom>
+        </p:spPr>
+      </p:pic>
+      <p:pic>
+        <p:nvPicPr>
+          <p:cNvPr id="113" name="図 112">
+            <a:extLst>
+              <a:ext uri="{FF2B5EF4-FFF2-40B4-BE49-F238E27FC236}">
+                <a16:creationId xmlns:a16="http://schemas.microsoft.com/office/drawing/2014/main" id="{DEDD8462-0520-3140-B1C8-D87030109561}"/>
+              </a:ext>
+            </a:extLst>
+          </p:cNvPr>
+          <p:cNvPicPr>
+            <a:picLocks noChangeAspect="1"/>
+          </p:cNvPicPr>
+          <p:nvPr/>
+        </p:nvPicPr>
+        <p:blipFill>
+          <a:blip r:embed="rId4"/>
+          <a:stretch>
+            <a:fillRect/>
+          </a:stretch>
+        </p:blipFill>
+        <p:spPr>
+          <a:xfrm>
+            <a:off x="6191123" y="4706226"/>
+            <a:ext cx="554426" cy="401996"/>
+          </a:xfrm>
+          <a:prstGeom prst="rect">
+            <a:avLst/>
+          </a:prstGeom>
+        </p:spPr>
+      </p:pic>
+      <p:pic>
+        <p:nvPicPr>
+          <p:cNvPr id="114" name="図 113">
+            <a:extLst>
+              <a:ext uri="{FF2B5EF4-FFF2-40B4-BE49-F238E27FC236}">
+                <a16:creationId xmlns:a16="http://schemas.microsoft.com/office/drawing/2014/main" id="{02C5D40A-F008-4F44-84B2-A1105C4E51FA}"/>
+              </a:ext>
+            </a:extLst>
+          </p:cNvPr>
+          <p:cNvPicPr>
+            <a:picLocks noChangeAspect="1"/>
+          </p:cNvPicPr>
+          <p:nvPr/>
+        </p:nvPicPr>
+        <p:blipFill>
+          <a:blip r:embed="rId4"/>
+          <a:stretch>
+            <a:fillRect/>
+          </a:stretch>
+        </p:blipFill>
+        <p:spPr>
+          <a:xfrm>
+            <a:off x="6745549" y="4715379"/>
+            <a:ext cx="554426" cy="401996"/>
+          </a:xfrm>
+          <a:prstGeom prst="rect">
+            <a:avLst/>
+          </a:prstGeom>
+        </p:spPr>
+      </p:pic>
+      <p:pic>
+        <p:nvPicPr>
+          <p:cNvPr id="115" name="図 114">
+            <a:extLst>
+              <a:ext uri="{FF2B5EF4-FFF2-40B4-BE49-F238E27FC236}">
+                <a16:creationId xmlns:a16="http://schemas.microsoft.com/office/drawing/2014/main" id="{488F487D-ADF5-0442-ABE6-1D1AC5D5C81D}"/>
+              </a:ext>
+            </a:extLst>
+          </p:cNvPr>
+          <p:cNvPicPr>
+            <a:picLocks noChangeAspect="1"/>
+          </p:cNvPicPr>
+          <p:nvPr/>
+        </p:nvPicPr>
+        <p:blipFill>
+          <a:blip r:embed="rId4"/>
+          <a:stretch>
+            <a:fillRect/>
+          </a:stretch>
+        </p:blipFill>
+        <p:spPr>
+          <a:xfrm>
+            <a:off x="6208765" y="5219062"/>
+            <a:ext cx="554426" cy="401996"/>
+          </a:xfrm>
+          <a:prstGeom prst="rect">
+            <a:avLst/>
+          </a:prstGeom>
+        </p:spPr>
+      </p:pic>
+      <p:pic>
+        <p:nvPicPr>
+          <p:cNvPr id="116" name="図 115">
+            <a:extLst>
+              <a:ext uri="{FF2B5EF4-FFF2-40B4-BE49-F238E27FC236}">
+                <a16:creationId xmlns:a16="http://schemas.microsoft.com/office/drawing/2014/main" id="{AAB21545-C7B0-A24A-A690-1888A9C0C423}"/>
+              </a:ext>
+            </a:extLst>
+          </p:cNvPr>
+          <p:cNvPicPr>
+            <a:picLocks noChangeAspect="1"/>
+          </p:cNvPicPr>
+          <p:nvPr/>
+        </p:nvPicPr>
+        <p:blipFill>
+          <a:blip r:embed="rId4"/>
+          <a:stretch>
+            <a:fillRect/>
+          </a:stretch>
+        </p:blipFill>
+        <p:spPr>
+          <a:xfrm>
+            <a:off x="6777701" y="5206424"/>
+            <a:ext cx="554426" cy="401996"/>
+          </a:xfrm>
+          <a:prstGeom prst="rect">
+            <a:avLst/>
+          </a:prstGeom>
+        </p:spPr>
+      </p:pic>
+      <p:pic>
+        <p:nvPicPr>
+          <p:cNvPr id="117" name="図 116">
+            <a:extLst>
+              <a:ext uri="{FF2B5EF4-FFF2-40B4-BE49-F238E27FC236}">
+                <a16:creationId xmlns:a16="http://schemas.microsoft.com/office/drawing/2014/main" id="{52886AA0-8D2F-CC4D-95ED-9269E148610C}"/>
+              </a:ext>
+            </a:extLst>
+          </p:cNvPr>
+          <p:cNvPicPr>
+            <a:picLocks noChangeAspect="1"/>
+          </p:cNvPicPr>
+          <p:nvPr/>
+        </p:nvPicPr>
+        <p:blipFill>
+          <a:blip r:embed="rId4"/>
+          <a:stretch>
+            <a:fillRect/>
+          </a:stretch>
+        </p:blipFill>
+        <p:spPr>
+          <a:xfrm>
+            <a:off x="6768295" y="5726936"/>
+            <a:ext cx="554426" cy="401996"/>
+          </a:xfrm>
+          <a:prstGeom prst="rect">
+            <a:avLst/>
+          </a:prstGeom>
+        </p:spPr>
+      </p:pic>
+      <p:pic>
+        <p:nvPicPr>
+          <p:cNvPr id="118" name="図 117">
+            <a:extLst>
+              <a:ext uri="{FF2B5EF4-FFF2-40B4-BE49-F238E27FC236}">
+                <a16:creationId xmlns:a16="http://schemas.microsoft.com/office/drawing/2014/main" id="{441A9431-871D-FC4D-A80D-8418FBF45127}"/>
+              </a:ext>
+            </a:extLst>
+          </p:cNvPr>
+          <p:cNvPicPr>
+            <a:picLocks noChangeAspect="1"/>
+          </p:cNvPicPr>
+          <p:nvPr/>
+        </p:nvPicPr>
+        <p:blipFill>
+          <a:blip r:embed="rId4"/>
+          <a:stretch>
+            <a:fillRect/>
+          </a:stretch>
+        </p:blipFill>
+        <p:spPr>
+          <a:xfrm>
+            <a:off x="6191123" y="5720496"/>
+            <a:ext cx="554426" cy="401996"/>
+          </a:xfrm>
+          <a:prstGeom prst="rect">
+            <a:avLst/>
+          </a:prstGeom>
+        </p:spPr>
+      </p:pic>
+      <p:pic>
+        <p:nvPicPr>
+          <p:cNvPr id="119" name="図 118">
+            <a:extLst>
+              <a:ext uri="{FF2B5EF4-FFF2-40B4-BE49-F238E27FC236}">
+                <a16:creationId xmlns:a16="http://schemas.microsoft.com/office/drawing/2014/main" id="{3DE8BD66-23E2-DD44-BB18-CC1490F3A815}"/>
+              </a:ext>
+            </a:extLst>
+          </p:cNvPr>
+          <p:cNvPicPr>
+            <a:picLocks noChangeAspect="1"/>
+          </p:cNvPicPr>
+          <p:nvPr/>
+        </p:nvPicPr>
+        <p:blipFill>
+          <a:blip r:embed="rId5"/>
+          <a:stretch>
+            <a:fillRect/>
+          </a:stretch>
+        </p:blipFill>
+        <p:spPr>
+          <a:xfrm>
+            <a:off x="7369928" y="4690676"/>
+            <a:ext cx="575872" cy="417546"/>
+          </a:xfrm>
+          <a:prstGeom prst="rect">
+            <a:avLst/>
+          </a:prstGeom>
+        </p:spPr>
+      </p:pic>
+      <p:pic>
+        <p:nvPicPr>
+          <p:cNvPr id="120" name="図 119">
+            <a:extLst>
+              <a:ext uri="{FF2B5EF4-FFF2-40B4-BE49-F238E27FC236}">
+                <a16:creationId xmlns:a16="http://schemas.microsoft.com/office/drawing/2014/main" id="{466688D4-AA36-A64C-B3D5-826E5B426591}"/>
+              </a:ext>
+            </a:extLst>
+          </p:cNvPr>
+          <p:cNvPicPr>
+            <a:picLocks noChangeAspect="1"/>
+          </p:cNvPicPr>
+          <p:nvPr/>
+        </p:nvPicPr>
+        <p:blipFill>
+          <a:blip r:embed="rId5"/>
+          <a:stretch>
+            <a:fillRect/>
+          </a:stretch>
+        </p:blipFill>
+        <p:spPr>
+          <a:xfrm>
+            <a:off x="7933867" y="4680893"/>
+            <a:ext cx="575872" cy="417546"/>
+          </a:xfrm>
+          <a:prstGeom prst="rect">
+            <a:avLst/>
+          </a:prstGeom>
+        </p:spPr>
+      </p:pic>
+      <p:pic>
+        <p:nvPicPr>
+          <p:cNvPr id="121" name="図 120">
+            <a:extLst>
+              <a:ext uri="{FF2B5EF4-FFF2-40B4-BE49-F238E27FC236}">
+                <a16:creationId xmlns:a16="http://schemas.microsoft.com/office/drawing/2014/main" id="{208AD570-A9DA-3348-AC9D-96870946AD6A}"/>
+              </a:ext>
+            </a:extLst>
+          </p:cNvPr>
+          <p:cNvPicPr>
+            <a:picLocks noChangeAspect="1"/>
+          </p:cNvPicPr>
+          <p:nvPr/>
+        </p:nvPicPr>
+        <p:blipFill>
+          <a:blip r:embed="rId5"/>
+          <a:stretch>
+            <a:fillRect/>
+          </a:stretch>
+        </p:blipFill>
+        <p:spPr>
+          <a:xfrm>
+            <a:off x="7350294" y="5191725"/>
+            <a:ext cx="575872" cy="417546"/>
+          </a:xfrm>
+          <a:prstGeom prst="rect">
+            <a:avLst/>
+          </a:prstGeom>
+        </p:spPr>
+      </p:pic>
+      <p:pic>
+        <p:nvPicPr>
+          <p:cNvPr id="122" name="図 121">
+            <a:extLst>
+              <a:ext uri="{FF2B5EF4-FFF2-40B4-BE49-F238E27FC236}">
+                <a16:creationId xmlns:a16="http://schemas.microsoft.com/office/drawing/2014/main" id="{D61684DA-451E-1F4B-A943-8655EF5CB8CD}"/>
+              </a:ext>
+            </a:extLst>
+          </p:cNvPr>
+          <p:cNvPicPr>
+            <a:picLocks noChangeAspect="1"/>
+          </p:cNvPicPr>
+          <p:nvPr/>
+        </p:nvPicPr>
+        <p:blipFill>
+          <a:blip r:embed="rId5"/>
+          <a:stretch>
+            <a:fillRect/>
+          </a:stretch>
+        </p:blipFill>
+        <p:spPr>
+          <a:xfrm>
+            <a:off x="7928835" y="5209106"/>
+            <a:ext cx="575872" cy="417546"/>
+          </a:xfrm>
+          <a:prstGeom prst="rect">
+            <a:avLst/>
+          </a:prstGeom>
+        </p:spPr>
+      </p:pic>
+      <p:pic>
+        <p:nvPicPr>
+          <p:cNvPr id="123" name="図 122">
+            <a:extLst>
+              <a:ext uri="{FF2B5EF4-FFF2-40B4-BE49-F238E27FC236}">
+                <a16:creationId xmlns:a16="http://schemas.microsoft.com/office/drawing/2014/main" id="{5113F750-6DBE-B14D-BF0E-659CFF661D05}"/>
+              </a:ext>
+            </a:extLst>
+          </p:cNvPr>
+          <p:cNvPicPr>
+            <a:picLocks noChangeAspect="1"/>
+          </p:cNvPicPr>
+          <p:nvPr/>
+        </p:nvPicPr>
+        <p:blipFill>
+          <a:blip r:embed="rId5"/>
+          <a:stretch>
+            <a:fillRect/>
+          </a:stretch>
+        </p:blipFill>
+        <p:spPr>
+          <a:xfrm>
+            <a:off x="7943616" y="5703166"/>
+            <a:ext cx="575872" cy="417546"/>
+          </a:xfrm>
+          <a:prstGeom prst="rect">
+            <a:avLst/>
+          </a:prstGeom>
+        </p:spPr>
+      </p:pic>
+      <p:pic>
+        <p:nvPicPr>
+          <p:cNvPr id="124" name="図 123">
+            <a:extLst>
+              <a:ext uri="{FF2B5EF4-FFF2-40B4-BE49-F238E27FC236}">
+                <a16:creationId xmlns:a16="http://schemas.microsoft.com/office/drawing/2014/main" id="{4B4A2849-F28F-7248-9156-2F04E5E5CD19}"/>
+              </a:ext>
+            </a:extLst>
+          </p:cNvPr>
+          <p:cNvPicPr>
+            <a:picLocks noChangeAspect="1"/>
+          </p:cNvPicPr>
+          <p:nvPr/>
+        </p:nvPicPr>
+        <p:blipFill>
+          <a:blip r:embed="rId5"/>
+          <a:stretch>
+            <a:fillRect/>
+          </a:stretch>
+        </p:blipFill>
+        <p:spPr>
+          <a:xfrm>
+            <a:off x="7394795" y="5699119"/>
+            <a:ext cx="575872" cy="417546"/>
+          </a:xfrm>
+          <a:prstGeom prst="rect">
+            <a:avLst/>
+          </a:prstGeom>
+        </p:spPr>
+      </p:pic>
+      <p:pic>
+        <p:nvPicPr>
+          <p:cNvPr id="125" name="図 124">
+            <a:extLst>
+              <a:ext uri="{FF2B5EF4-FFF2-40B4-BE49-F238E27FC236}">
+                <a16:creationId xmlns:a16="http://schemas.microsoft.com/office/drawing/2014/main" id="{8A0C222A-A726-B14D-8E2C-360B12546AC7}"/>
+              </a:ext>
+            </a:extLst>
+          </p:cNvPr>
+          <p:cNvPicPr>
+            <a:picLocks noChangeAspect="1"/>
+          </p:cNvPicPr>
+          <p:nvPr/>
+        </p:nvPicPr>
+        <p:blipFill>
+          <a:blip r:embed="rId2"/>
+          <a:stretch>
+            <a:fillRect/>
+          </a:stretch>
+        </p:blipFill>
+        <p:spPr>
+          <a:xfrm flipH="1">
+            <a:off x="3865430" y="5692514"/>
+            <a:ext cx="601900" cy="436418"/>
+          </a:xfrm>
+          <a:prstGeom prst="rect">
+            <a:avLst/>
+          </a:prstGeom>
+        </p:spPr>
+      </p:pic>
+      <p:pic>
+        <p:nvPicPr>
+          <p:cNvPr id="126" name="図 125">
+            <a:extLst>
+              <a:ext uri="{FF2B5EF4-FFF2-40B4-BE49-F238E27FC236}">
+                <a16:creationId xmlns:a16="http://schemas.microsoft.com/office/drawing/2014/main" id="{F078F0D1-9728-5548-83AC-9B3A16DEABA0}"/>
+              </a:ext>
+            </a:extLst>
+          </p:cNvPr>
+          <p:cNvPicPr>
+            <a:picLocks noChangeAspect="1"/>
+          </p:cNvPicPr>
+          <p:nvPr/>
+        </p:nvPicPr>
+        <p:blipFill>
+          <a:blip r:embed="rId2"/>
+          <a:stretch>
+            <a:fillRect/>
+          </a:stretch>
+        </p:blipFill>
+        <p:spPr>
+          <a:xfrm flipH="1">
+            <a:off x="4445284" y="5696132"/>
+            <a:ext cx="601900" cy="436418"/>
+          </a:xfrm>
+          <a:prstGeom prst="rect">
+            <a:avLst/>
+          </a:prstGeom>
+        </p:spPr>
+      </p:pic>
+    </p:spTree>
+    <p:extLst>
+      <p:ext uri="{BB962C8B-B14F-4D97-AF65-F5344CB8AC3E}">
+        <p14:creationId xmlns:p14="http://schemas.microsoft.com/office/powerpoint/2010/main" val="4056120931"/>
+      </p:ext>
+    </p:extLst>
+  </p:cSld>
+  <p:clrMapOvr>
+    <a:masterClrMapping/>
+  </p:clrMapOvr>
+</p:sld>
+</file>
+
+<file path=ppt/slides/slide50.xml><?xml version="1.0" encoding="utf-8"?>
 <p:sld xmlns:a="http://schemas.openxmlformats.org/drawingml/2006/main" xmlns:r="http://schemas.openxmlformats.org/officeDocument/2006/relationships" xmlns:p="http://schemas.openxmlformats.org/presentationml/2006/main">
   <p:cSld>
     <p:spTree>
@@ -26627,7 +27655,7 @@
           <a:p>
             <a:fld id="{1413D9FB-836C-864C-8E5A-36E5384B9725}" type="slidenum">
               <a:rPr kumimoji="1" lang="ja-JP" altLang="en-US" smtClean="0"/>
-              <a:t>49</a:t>
+              <a:t>50</a:t>
             </a:fld>
             <a:endParaRPr kumimoji="1" lang="ja-JP" altLang="en-US"/>
           </a:p>
@@ -26646,7 +27674,7 @@
 </p:sld>
 </file>
 
-<file path=ppt/slides/slide5.xml><?xml version="1.0" encoding="utf-8"?>
+<file path=ppt/slides/slide51.xml><?xml version="1.0" encoding="utf-8"?>
 <p:sld xmlns:a="http://schemas.openxmlformats.org/drawingml/2006/main" xmlns:r="http://schemas.openxmlformats.org/officeDocument/2006/relationships" xmlns:p="http://schemas.openxmlformats.org/presentationml/2006/main">
   <p:cSld>
     <p:spTree>
@@ -26668,145 +27696,6 @@
           <p:cNvPr id="2" name="タイトル 1">
             <a:extLst>
               <a:ext uri="{FF2B5EF4-FFF2-40B4-BE49-F238E27FC236}">
-                <a16:creationId xmlns:a16="http://schemas.microsoft.com/office/drawing/2014/main" id="{03DC7BD9-E43D-E442-9A49-33395737C89D}"/>
-              </a:ext>
-            </a:extLst>
-          </p:cNvPr>
-          <p:cNvSpPr>
-            <a:spLocks noGrp="1"/>
-          </p:cNvSpPr>
-          <p:nvPr>
-            <p:ph type="title"/>
-          </p:nvPr>
-        </p:nvSpPr>
-        <p:spPr/>
-        <p:txBody>
-          <a:bodyPr/>
-          <a:lstStyle/>
-          <a:p>
-            <a:r>
-              <a:rPr kumimoji="1" lang="en-US" altLang="ja-JP" dirty="0"/>
-              <a:t>Background</a:t>
-            </a:r>
-            <a:endParaRPr kumimoji="1" lang="ja-JP" altLang="en-US"/>
-          </a:p>
-        </p:txBody>
-      </p:sp>
-      <p:sp>
-        <p:nvSpPr>
-          <p:cNvPr id="3" name="コンテンツ プレースホルダー 2">
-            <a:extLst>
-              <a:ext uri="{FF2B5EF4-FFF2-40B4-BE49-F238E27FC236}">
-                <a16:creationId xmlns:a16="http://schemas.microsoft.com/office/drawing/2014/main" id="{AD3B2DD4-96C6-BB42-93C1-3859304F6137}"/>
-              </a:ext>
-            </a:extLst>
-          </p:cNvPr>
-          <p:cNvSpPr>
-            <a:spLocks noGrp="1"/>
-          </p:cNvSpPr>
-          <p:nvPr>
-            <p:ph idx="1"/>
-          </p:nvPr>
-        </p:nvSpPr>
-        <p:spPr/>
-        <p:txBody>
-          <a:bodyPr>
-            <a:normAutofit/>
-          </a:bodyPr>
-          <a:lstStyle/>
-          <a:p>
-            <a:r>
-              <a:rPr lang="en-US" altLang="ja-JP" sz="2400" dirty="0"/>
-              <a:t>There are a lot of things that has to be considered</a:t>
-            </a:r>
-          </a:p>
-          <a:p>
-            <a:pPr lvl="1"/>
-            <a:r>
-              <a:rPr lang="en-US" altLang="ja-JP" sz="2200" dirty="0"/>
-              <a:t>Planning assignments that makes it easy to load and unload vehicles is important.</a:t>
-            </a:r>
-          </a:p>
-          <a:p>
-            <a:pPr lvl="1"/>
-            <a:r>
-              <a:rPr lang="en-US" altLang="ja-JP" sz="2200" dirty="0"/>
-              <a:t>Human error should not happen.</a:t>
-            </a:r>
-          </a:p>
-          <a:p>
-            <a:pPr lvl="1"/>
-            <a:r>
-              <a:rPr lang="en-US" altLang="ja-JP" sz="2400" dirty="0"/>
-              <a:t>Unbalanced assignments may result in a sinking.</a:t>
-            </a:r>
-          </a:p>
-        </p:txBody>
-      </p:sp>
-      <p:sp>
-        <p:nvSpPr>
-          <p:cNvPr id="4" name="スライド番号プレースホルダー 3">
-            <a:extLst>
-              <a:ext uri="{FF2B5EF4-FFF2-40B4-BE49-F238E27FC236}">
-                <a16:creationId xmlns:a16="http://schemas.microsoft.com/office/drawing/2014/main" id="{D11A346B-5DC2-0B44-81D9-55291BD59FF5}"/>
-              </a:ext>
-            </a:extLst>
-          </p:cNvPr>
-          <p:cNvSpPr>
-            <a:spLocks noGrp="1"/>
-          </p:cNvSpPr>
-          <p:nvPr>
-            <p:ph type="sldNum" sz="quarter" idx="12"/>
-          </p:nvPr>
-        </p:nvSpPr>
-        <p:spPr/>
-        <p:txBody>
-          <a:bodyPr/>
-          <a:lstStyle/>
-          <a:p>
-            <a:fld id="{1413D9FB-836C-864C-8E5A-36E5384B9725}" type="slidenum">
-              <a:rPr kumimoji="1" lang="ja-JP" altLang="en-US" smtClean="0"/>
-              <a:t>5</a:t>
-            </a:fld>
-            <a:endParaRPr kumimoji="1" lang="ja-JP" altLang="en-US"/>
-          </a:p>
-        </p:txBody>
-      </p:sp>
-    </p:spTree>
-    <p:extLst>
-      <p:ext uri="{BB962C8B-B14F-4D97-AF65-F5344CB8AC3E}">
-        <p14:creationId xmlns:p14="http://schemas.microsoft.com/office/powerpoint/2010/main" val="3649340498"/>
-      </p:ext>
-    </p:extLst>
-  </p:cSld>
-  <p:clrMapOvr>
-    <a:masterClrMapping/>
-  </p:clrMapOvr>
-</p:sld>
-</file>
-
-<file path=ppt/slides/slide50.xml><?xml version="1.0" encoding="utf-8"?>
-<p:sld xmlns:a="http://schemas.openxmlformats.org/drawingml/2006/main" xmlns:r="http://schemas.openxmlformats.org/officeDocument/2006/relationships" xmlns:p="http://schemas.openxmlformats.org/presentationml/2006/main">
-  <p:cSld>
-    <p:spTree>
-      <p:nvGrpSpPr>
-        <p:cNvPr id="1" name=""/>
-        <p:cNvGrpSpPr/>
-        <p:nvPr/>
-      </p:nvGrpSpPr>
-      <p:grpSpPr>
-        <a:xfrm>
-          <a:off x="0" y="0"/>
-          <a:ext cx="0" cy="0"/>
-          <a:chOff x="0" y="0"/>
-          <a:chExt cx="0" cy="0"/>
-        </a:xfrm>
-      </p:grpSpPr>
-      <p:sp>
-        <p:nvSpPr>
-          <p:cNvPr id="2" name="タイトル 1">
-            <a:extLst>
-              <a:ext uri="{FF2B5EF4-FFF2-40B4-BE49-F238E27FC236}">
                 <a16:creationId xmlns:a16="http://schemas.microsoft.com/office/drawing/2014/main" id="{546CADF5-44DE-ED46-8CE2-50B894135079}"/>
               </a:ext>
             </a:extLst>
@@ -26916,7 +27805,7 @@
           <a:p>
             <a:fld id="{1413D9FB-836C-864C-8E5A-36E5384B9725}" type="slidenum">
               <a:rPr kumimoji="1" lang="ja-JP" altLang="en-US" smtClean="0"/>
-              <a:t>50</a:t>
+              <a:t>51</a:t>
             </a:fld>
             <a:endParaRPr kumimoji="1" lang="ja-JP" altLang="en-US"/>
           </a:p>
@@ -26935,7 +27824,7 @@
 </p:sld>
 </file>
 
-<file path=ppt/slides/slide51.xml><?xml version="1.0" encoding="utf-8"?>
+<file path=ppt/slides/slide52.xml><?xml version="1.0" encoding="utf-8"?>
 <p:sld xmlns:a="http://schemas.openxmlformats.org/drawingml/2006/main" xmlns:r="http://schemas.openxmlformats.org/officeDocument/2006/relationships" xmlns:p="http://schemas.openxmlformats.org/presentationml/2006/main">
   <p:cSld>
     <p:spTree>
@@ -27313,7 +28202,7 @@
           <a:p>
             <a:fld id="{1413D9FB-836C-864C-8E5A-36E5384B9725}" type="slidenum">
               <a:rPr kumimoji="1" lang="ja-JP" altLang="en-US" smtClean="0"/>
-              <a:t>51</a:t>
+              <a:t>52</a:t>
             </a:fld>
             <a:endParaRPr kumimoji="1" lang="ja-JP" altLang="en-US"/>
           </a:p>
@@ -27332,7 +28221,7 @@
 </p:sld>
 </file>
 
-<file path=ppt/slides/slide52.xml><?xml version="1.0" encoding="utf-8"?>
+<file path=ppt/slides/slide53.xml><?xml version="1.0" encoding="utf-8"?>
 <p:sld xmlns:a="http://schemas.openxmlformats.org/drawingml/2006/main" xmlns:r="http://schemas.openxmlformats.org/officeDocument/2006/relationships" xmlns:p="http://schemas.openxmlformats.org/presentationml/2006/main">
   <p:cSld>
     <p:spTree>
@@ -27710,7 +28599,7 @@
           <a:p>
             <a:fld id="{1413D9FB-836C-864C-8E5A-36E5384B9725}" type="slidenum">
               <a:rPr kumimoji="1" lang="ja-JP" altLang="en-US" smtClean="0"/>
-              <a:t>52</a:t>
+              <a:t>53</a:t>
             </a:fld>
             <a:endParaRPr kumimoji="1" lang="ja-JP" altLang="en-US"/>
           </a:p>
@@ -27729,7 +28618,7 @@
 </p:sld>
 </file>
 
-<file path=ppt/slides/slide53.xml><?xml version="1.0" encoding="utf-8"?>
+<file path=ppt/slides/slide54.xml><?xml version="1.0" encoding="utf-8"?>
 <p:sld xmlns:a="http://schemas.openxmlformats.org/drawingml/2006/main" xmlns:r="http://schemas.openxmlformats.org/officeDocument/2006/relationships" xmlns:p="http://schemas.openxmlformats.org/presentationml/2006/main">
   <p:cSld>
     <p:spTree>
@@ -27892,7 +28781,7 @@
           <a:p>
             <a:fld id="{1413D9FB-836C-864C-8E5A-36E5384B9725}" type="slidenum">
               <a:rPr kumimoji="1" lang="ja-JP" altLang="en-US" smtClean="0"/>
-              <a:t>53</a:t>
+              <a:t>54</a:t>
             </a:fld>
             <a:endParaRPr kumimoji="1" lang="ja-JP" altLang="en-US"/>
           </a:p>
@@ -27911,7 +28800,7 @@
 </p:sld>
 </file>
 
-<file path=ppt/slides/slide54.xml><?xml version="1.0" encoding="utf-8"?>
+<file path=ppt/slides/slide55.xml><?xml version="1.0" encoding="utf-8"?>
 <p:sld xmlns:a="http://schemas.openxmlformats.org/drawingml/2006/main" xmlns:r="http://schemas.openxmlformats.org/officeDocument/2006/relationships" xmlns:p="http://schemas.openxmlformats.org/presentationml/2006/main">
   <p:cSld>
     <p:spTree>
@@ -28046,7 +28935,7 @@
           <a:p>
             <a:fld id="{1413D9FB-836C-864C-8E5A-36E5384B9725}" type="slidenum">
               <a:rPr kumimoji="1" lang="ja-JP" altLang="en-US" smtClean="0"/>
-              <a:t>54</a:t>
+              <a:t>55</a:t>
             </a:fld>
             <a:endParaRPr kumimoji="1" lang="ja-JP" altLang="en-US"/>
           </a:p>
@@ -28065,7 +28954,7 @@
 </p:sld>
 </file>
 
-<file path=ppt/slides/slide55.xml><?xml version="1.0" encoding="utf-8"?>
+<file path=ppt/slides/slide56.xml><?xml version="1.0" encoding="utf-8"?>
 <p:sld xmlns:a="http://schemas.openxmlformats.org/drawingml/2006/main" xmlns:r="http://schemas.openxmlformats.org/officeDocument/2006/relationships" xmlns:p="http://schemas.openxmlformats.org/presentationml/2006/main">
   <p:cSld>
     <p:spTree>
@@ -28302,7 +29191,7 @@
           <a:p>
             <a:fld id="{1413D9FB-836C-864C-8E5A-36E5384B9725}" type="slidenum">
               <a:rPr kumimoji="1" lang="ja-JP" altLang="en-US" smtClean="0"/>
-              <a:t>55</a:t>
+              <a:t>56</a:t>
             </a:fld>
             <a:endParaRPr kumimoji="1" lang="ja-JP" altLang="en-US"/>
           </a:p>
@@ -28321,7 +29210,7 @@
 </p:sld>
 </file>
 
-<file path=ppt/slides/slide56.xml><?xml version="1.0" encoding="utf-8"?>
+<file path=ppt/slides/slide57.xml><?xml version="1.0" encoding="utf-8"?>
 <p:sld xmlns:a="http://schemas.openxmlformats.org/drawingml/2006/main" xmlns:r="http://schemas.openxmlformats.org/officeDocument/2006/relationships" xmlns:p="http://schemas.openxmlformats.org/presentationml/2006/main">
   <p:cSld>
     <p:spTree>
@@ -28646,7 +29535,7 @@
           <a:p>
             <a:fld id="{1413D9FB-836C-864C-8E5A-36E5384B9725}" type="slidenum">
               <a:rPr kumimoji="1" lang="ja-JP" altLang="en-US" smtClean="0"/>
-              <a:t>56</a:t>
+              <a:t>57</a:t>
             </a:fld>
             <a:endParaRPr kumimoji="1" lang="ja-JP" altLang="en-US"/>
           </a:p>
@@ -28665,7 +29554,7 @@
 </p:sld>
 </file>
 
-<file path=ppt/slides/slide57.xml><?xml version="1.0" encoding="utf-8"?>
+<file path=ppt/slides/slide58.xml><?xml version="1.0" encoding="utf-8"?>
 <p:sld xmlns:a="http://schemas.openxmlformats.org/drawingml/2006/main" xmlns:r="http://schemas.openxmlformats.org/officeDocument/2006/relationships" xmlns:p="http://schemas.openxmlformats.org/presentationml/2006/main">
   <p:cSld>
     <p:spTree>
@@ -29387,7 +30276,7 @@
           <a:p>
             <a:fld id="{1413D9FB-836C-864C-8E5A-36E5384B9725}" type="slidenum">
               <a:rPr kumimoji="1" lang="ja-JP" altLang="en-US" smtClean="0"/>
-              <a:t>57</a:t>
+              <a:t>58</a:t>
             </a:fld>
             <a:endParaRPr kumimoji="1" lang="ja-JP" altLang="en-US"/>
           </a:p>
@@ -29406,7 +30295,7 @@
 </p:sld>
 </file>
 
-<file path=ppt/slides/slide58.xml><?xml version="1.0" encoding="utf-8"?>
+<file path=ppt/slides/slide59.xml><?xml version="1.0" encoding="utf-8"?>
 <p:sld xmlns:a="http://schemas.openxmlformats.org/drawingml/2006/main" xmlns:r="http://schemas.openxmlformats.org/officeDocument/2006/relationships" xmlns:p="http://schemas.openxmlformats.org/presentationml/2006/main">
   <p:cSld>
     <p:spTree>
@@ -29534,7 +30423,7 @@
           <a:p>
             <a:fld id="{1413D9FB-836C-864C-8E5A-36E5384B9725}" type="slidenum">
               <a:rPr kumimoji="1" lang="ja-JP" altLang="en-US" smtClean="0"/>
-              <a:t>58</a:t>
+              <a:t>59</a:t>
             </a:fld>
             <a:endParaRPr kumimoji="1" lang="ja-JP" altLang="en-US"/>
           </a:p>
@@ -29553,7 +30442,146 @@
 </p:sld>
 </file>
 
-<file path=ppt/slides/slide59.xml><?xml version="1.0" encoding="utf-8"?>
+<file path=ppt/slides/slide6.xml><?xml version="1.0" encoding="utf-8"?>
+<p:sld xmlns:a="http://schemas.openxmlformats.org/drawingml/2006/main" xmlns:r="http://schemas.openxmlformats.org/officeDocument/2006/relationships" xmlns:p="http://schemas.openxmlformats.org/presentationml/2006/main">
+  <p:cSld>
+    <p:spTree>
+      <p:nvGrpSpPr>
+        <p:cNvPr id="1" name=""/>
+        <p:cNvGrpSpPr/>
+        <p:nvPr/>
+      </p:nvGrpSpPr>
+      <p:grpSpPr>
+        <a:xfrm>
+          <a:off x="0" y="0"/>
+          <a:ext cx="0" cy="0"/>
+          <a:chOff x="0" y="0"/>
+          <a:chExt cx="0" cy="0"/>
+        </a:xfrm>
+      </p:grpSpPr>
+      <p:sp>
+        <p:nvSpPr>
+          <p:cNvPr id="2" name="タイトル 1">
+            <a:extLst>
+              <a:ext uri="{FF2B5EF4-FFF2-40B4-BE49-F238E27FC236}">
+                <a16:creationId xmlns:a16="http://schemas.microsoft.com/office/drawing/2014/main" id="{03DC7BD9-E43D-E442-9A49-33395737C89D}"/>
+              </a:ext>
+            </a:extLst>
+          </p:cNvPr>
+          <p:cNvSpPr>
+            <a:spLocks noGrp="1"/>
+          </p:cNvSpPr>
+          <p:nvPr>
+            <p:ph type="title"/>
+          </p:nvPr>
+        </p:nvSpPr>
+        <p:spPr/>
+        <p:txBody>
+          <a:bodyPr/>
+          <a:lstStyle/>
+          <a:p>
+            <a:r>
+              <a:rPr kumimoji="1" lang="en-US" altLang="ja-JP" dirty="0"/>
+              <a:t>Background</a:t>
+            </a:r>
+            <a:endParaRPr kumimoji="1" lang="ja-JP" altLang="en-US"/>
+          </a:p>
+        </p:txBody>
+      </p:sp>
+      <p:sp>
+        <p:nvSpPr>
+          <p:cNvPr id="3" name="コンテンツ プレースホルダー 2">
+            <a:extLst>
+              <a:ext uri="{FF2B5EF4-FFF2-40B4-BE49-F238E27FC236}">
+                <a16:creationId xmlns:a16="http://schemas.microsoft.com/office/drawing/2014/main" id="{AD3B2DD4-96C6-BB42-93C1-3859304F6137}"/>
+              </a:ext>
+            </a:extLst>
+          </p:cNvPr>
+          <p:cNvSpPr>
+            <a:spLocks noGrp="1"/>
+          </p:cNvSpPr>
+          <p:nvPr>
+            <p:ph idx="1"/>
+          </p:nvPr>
+        </p:nvSpPr>
+        <p:spPr/>
+        <p:txBody>
+          <a:bodyPr>
+            <a:normAutofit/>
+          </a:bodyPr>
+          <a:lstStyle/>
+          <a:p>
+            <a:r>
+              <a:rPr lang="en-US" altLang="ja-JP" sz="2400" dirty="0"/>
+              <a:t>There are a lot of things that has to be considered</a:t>
+            </a:r>
+          </a:p>
+          <a:p>
+            <a:pPr lvl="1"/>
+            <a:r>
+              <a:rPr lang="en-US" altLang="ja-JP" sz="2200" dirty="0"/>
+              <a:t>Planning assignments that makes it easy to load and unload vehicles is important.</a:t>
+            </a:r>
+          </a:p>
+          <a:p>
+            <a:pPr lvl="1"/>
+            <a:r>
+              <a:rPr lang="en-US" altLang="ja-JP" sz="2200" dirty="0"/>
+              <a:t>Human error should not happen.</a:t>
+            </a:r>
+          </a:p>
+          <a:p>
+            <a:pPr lvl="1"/>
+            <a:r>
+              <a:rPr lang="en-US" altLang="ja-JP" sz="2400" dirty="0"/>
+              <a:t>Unbalanced assignments may result in a sinking.</a:t>
+            </a:r>
+          </a:p>
+        </p:txBody>
+      </p:sp>
+      <p:sp>
+        <p:nvSpPr>
+          <p:cNvPr id="4" name="スライド番号プレースホルダー 3">
+            <a:extLst>
+              <a:ext uri="{FF2B5EF4-FFF2-40B4-BE49-F238E27FC236}">
+                <a16:creationId xmlns:a16="http://schemas.microsoft.com/office/drawing/2014/main" id="{D11A346B-5DC2-0B44-81D9-55291BD59FF5}"/>
+              </a:ext>
+            </a:extLst>
+          </p:cNvPr>
+          <p:cNvSpPr>
+            <a:spLocks noGrp="1"/>
+          </p:cNvSpPr>
+          <p:nvPr>
+            <p:ph type="sldNum" sz="quarter" idx="12"/>
+          </p:nvPr>
+        </p:nvSpPr>
+        <p:spPr/>
+        <p:txBody>
+          <a:bodyPr/>
+          <a:lstStyle/>
+          <a:p>
+            <a:fld id="{1413D9FB-836C-864C-8E5A-36E5384B9725}" type="slidenum">
+              <a:rPr kumimoji="1" lang="ja-JP" altLang="en-US" smtClean="0"/>
+              <a:t>6</a:t>
+            </a:fld>
+            <a:endParaRPr kumimoji="1" lang="ja-JP" altLang="en-US"/>
+          </a:p>
+        </p:txBody>
+      </p:sp>
+    </p:spTree>
+    <p:extLst>
+      <p:ext uri="{BB962C8B-B14F-4D97-AF65-F5344CB8AC3E}">
+        <p14:creationId xmlns:p14="http://schemas.microsoft.com/office/powerpoint/2010/main" val="3649340498"/>
+      </p:ext>
+    </p:extLst>
+  </p:cSld>
+  <p:clrMapOvr>
+    <a:masterClrMapping/>
+  </p:clrMapOvr>
+</p:sld>
+</file>
+
+<file path=ppt/slides/slide60.xml><?xml version="1.0" encoding="utf-8"?>
 <p:sld xmlns:a="http://schemas.openxmlformats.org/drawingml/2006/main" xmlns:r="http://schemas.openxmlformats.org/officeDocument/2006/relationships" xmlns:p="http://schemas.openxmlformats.org/presentationml/2006/main">
   <p:cSld>
     <p:spTree>
@@ -30555,7 +31583,7 @@
           <a:p>
             <a:fld id="{1413D9FB-836C-864C-8E5A-36E5384B9725}" type="slidenum">
               <a:rPr kumimoji="1" lang="ja-JP" altLang="en-US" smtClean="0"/>
-              <a:t>59</a:t>
+              <a:t>60</a:t>
             </a:fld>
             <a:endParaRPr kumimoji="1" lang="ja-JP" altLang="en-US"/>
           </a:p>
@@ -30574,7 +31602,7 @@
 </p:sld>
 </file>
 
-<file path=ppt/slides/slide6.xml><?xml version="1.0" encoding="utf-8"?>
+<file path=ppt/slides/slide61.xml><?xml version="1.0" encoding="utf-8"?>
 <p:sld xmlns:a="http://schemas.openxmlformats.org/drawingml/2006/main" xmlns:r="http://schemas.openxmlformats.org/officeDocument/2006/relationships" xmlns:p="http://schemas.openxmlformats.org/presentationml/2006/main">
   <p:cSld>
     <p:spTree>
@@ -30596,174 +31624,6 @@
           <p:cNvPr id="2" name="タイトル 1">
             <a:extLst>
               <a:ext uri="{FF2B5EF4-FFF2-40B4-BE49-F238E27FC236}">
-                <a16:creationId xmlns:a16="http://schemas.microsoft.com/office/drawing/2014/main" id="{93010AF0-9B7D-1145-8148-06A633089EBF}"/>
-              </a:ext>
-            </a:extLst>
-          </p:cNvPr>
-          <p:cNvSpPr>
-            <a:spLocks noGrp="1"/>
-          </p:cNvSpPr>
-          <p:nvPr>
-            <p:ph type="title"/>
-          </p:nvPr>
-        </p:nvSpPr>
-        <p:spPr/>
-        <p:txBody>
-          <a:bodyPr/>
-          <a:lstStyle/>
-          <a:p>
-            <a:r>
-              <a:rPr kumimoji="1" lang="en-US" altLang="ja-JP" dirty="0"/>
-              <a:t>Outline</a:t>
-            </a:r>
-            <a:endParaRPr kumimoji="1" lang="ja-JP" altLang="en-US"/>
-          </a:p>
-        </p:txBody>
-      </p:sp>
-      <p:sp>
-        <p:nvSpPr>
-          <p:cNvPr id="3" name="コンテンツ プレースホルダー 2">
-            <a:extLst>
-              <a:ext uri="{FF2B5EF4-FFF2-40B4-BE49-F238E27FC236}">
-                <a16:creationId xmlns:a16="http://schemas.microsoft.com/office/drawing/2014/main" id="{97A5DCCE-A463-7E40-A93C-1FAC6C539F8C}"/>
-              </a:ext>
-            </a:extLst>
-          </p:cNvPr>
-          <p:cNvSpPr>
-            <a:spLocks noGrp="1"/>
-          </p:cNvSpPr>
-          <p:nvPr>
-            <p:ph idx="1"/>
-          </p:nvPr>
-        </p:nvSpPr>
-        <p:spPr/>
-        <p:txBody>
-          <a:bodyPr>
-            <a:normAutofit/>
-          </a:bodyPr>
-          <a:lstStyle/>
-          <a:p>
-            <a:r>
-              <a:rPr kumimoji="1" lang="en-US" altLang="ja-JP" sz="2400" dirty="0">
-                <a:solidFill>
-                  <a:schemeClr val="bg1">
-                    <a:lumMod val="75000"/>
-                  </a:schemeClr>
-                </a:solidFill>
-              </a:rPr>
-              <a:t>Background</a:t>
-            </a:r>
-          </a:p>
-          <a:p>
-            <a:r>
-              <a:rPr lang="en-US" altLang="ja-JP" sz="2400" dirty="0"/>
-              <a:t>Problem definition</a:t>
-            </a:r>
-            <a:endParaRPr kumimoji="1" lang="en-US" altLang="ja-JP" sz="2400" dirty="0"/>
-          </a:p>
-          <a:p>
-            <a:r>
-              <a:rPr lang="en-US" altLang="ja-JP" sz="2400" dirty="0">
-                <a:solidFill>
-                  <a:schemeClr val="bg1">
-                    <a:lumMod val="75000"/>
-                  </a:schemeClr>
-                </a:solidFill>
-              </a:rPr>
-              <a:t>Proposed model</a:t>
-            </a:r>
-          </a:p>
-          <a:p>
-            <a:r>
-              <a:rPr lang="en-US" altLang="ja-JP" sz="2400" dirty="0">
-                <a:solidFill>
-                  <a:schemeClr val="bg1">
-                    <a:lumMod val="75000"/>
-                  </a:schemeClr>
-                </a:solidFill>
-              </a:rPr>
-              <a:t>Summary</a:t>
-            </a:r>
-            <a:endParaRPr kumimoji="1" lang="en-US" altLang="ja-JP" sz="2400" dirty="0">
-              <a:solidFill>
-                <a:schemeClr val="bg1">
-                  <a:lumMod val="75000"/>
-                </a:schemeClr>
-              </a:solidFill>
-            </a:endParaRPr>
-          </a:p>
-          <a:p>
-            <a:endParaRPr kumimoji="1" lang="en-US" altLang="ja-JP" sz="2400" dirty="0"/>
-          </a:p>
-          <a:p>
-            <a:endParaRPr kumimoji="1" lang="ja-JP" altLang="en-US" sz="2400"/>
-          </a:p>
-        </p:txBody>
-      </p:sp>
-      <p:sp>
-        <p:nvSpPr>
-          <p:cNvPr id="4" name="スライド番号プレースホルダー 3">
-            <a:extLst>
-              <a:ext uri="{FF2B5EF4-FFF2-40B4-BE49-F238E27FC236}">
-                <a16:creationId xmlns:a16="http://schemas.microsoft.com/office/drawing/2014/main" id="{C2D34417-1747-3149-85A7-440083D1D24E}"/>
-              </a:ext>
-            </a:extLst>
-          </p:cNvPr>
-          <p:cNvSpPr>
-            <a:spLocks noGrp="1"/>
-          </p:cNvSpPr>
-          <p:nvPr>
-            <p:ph type="sldNum" sz="quarter" idx="12"/>
-          </p:nvPr>
-        </p:nvSpPr>
-        <p:spPr/>
-        <p:txBody>
-          <a:bodyPr/>
-          <a:lstStyle/>
-          <a:p>
-            <a:fld id="{1413D9FB-836C-864C-8E5A-36E5384B9725}" type="slidenum">
-              <a:rPr kumimoji="1" lang="ja-JP" altLang="en-US" smtClean="0"/>
-              <a:t>6</a:t>
-            </a:fld>
-            <a:endParaRPr kumimoji="1" lang="ja-JP" altLang="en-US"/>
-          </a:p>
-        </p:txBody>
-      </p:sp>
-    </p:spTree>
-    <p:extLst>
-      <p:ext uri="{BB962C8B-B14F-4D97-AF65-F5344CB8AC3E}">
-        <p14:creationId xmlns:p14="http://schemas.microsoft.com/office/powerpoint/2010/main" val="3752892603"/>
-      </p:ext>
-    </p:extLst>
-  </p:cSld>
-  <p:clrMapOvr>
-    <a:masterClrMapping/>
-  </p:clrMapOvr>
-</p:sld>
-</file>
-
-<file path=ppt/slides/slide60.xml><?xml version="1.0" encoding="utf-8"?>
-<p:sld xmlns:a="http://schemas.openxmlformats.org/drawingml/2006/main" xmlns:r="http://schemas.openxmlformats.org/officeDocument/2006/relationships" xmlns:p="http://schemas.openxmlformats.org/presentationml/2006/main">
-  <p:cSld>
-    <p:spTree>
-      <p:nvGrpSpPr>
-        <p:cNvPr id="1" name=""/>
-        <p:cNvGrpSpPr/>
-        <p:nvPr/>
-      </p:nvGrpSpPr>
-      <p:grpSpPr>
-        <a:xfrm>
-          <a:off x="0" y="0"/>
-          <a:ext cx="0" cy="0"/>
-          <a:chOff x="0" y="0"/>
-          <a:chExt cx="0" cy="0"/>
-        </a:xfrm>
-      </p:grpSpPr>
-      <p:sp>
-        <p:nvSpPr>
-          <p:cNvPr id="2" name="タイトル 1">
-            <a:extLst>
-              <a:ext uri="{FF2B5EF4-FFF2-40B4-BE49-F238E27FC236}">
                 <a16:creationId xmlns:a16="http://schemas.microsoft.com/office/drawing/2014/main" id="{67E01A06-7475-E541-961D-071D4242BA42}"/>
               </a:ext>
             </a:extLst>
@@ -30859,7 +31719,7 @@
           <a:p>
             <a:fld id="{1413D9FB-836C-864C-8E5A-36E5384B9725}" type="slidenum">
               <a:rPr kumimoji="1" lang="ja-JP" altLang="en-US" smtClean="0"/>
-              <a:t>60</a:t>
+              <a:t>61</a:t>
             </a:fld>
             <a:endParaRPr kumimoji="1" lang="ja-JP" altLang="en-US"/>
           </a:p>
@@ -30878,7 +31738,7 @@
 </p:sld>
 </file>
 
-<file path=ppt/slides/slide61.xml><?xml version="1.0" encoding="utf-8"?>
+<file path=ppt/slides/slide62.xml><?xml version="1.0" encoding="utf-8"?>
 <p:sld xmlns:a="http://schemas.openxmlformats.org/drawingml/2006/main" xmlns:r="http://schemas.openxmlformats.org/officeDocument/2006/relationships" xmlns:p="http://schemas.openxmlformats.org/presentationml/2006/main">
   <p:cSld>
     <p:spTree>
@@ -31340,7 +32200,7 @@
           <a:p>
             <a:fld id="{1413D9FB-836C-864C-8E5A-36E5384B9725}" type="slidenum">
               <a:rPr kumimoji="1" lang="ja-JP" altLang="en-US" smtClean="0"/>
-              <a:t>61</a:t>
+              <a:t>62</a:t>
             </a:fld>
             <a:endParaRPr kumimoji="1" lang="ja-JP" altLang="en-US"/>
           </a:p>
@@ -31359,7 +32219,7 @@
 </p:sld>
 </file>
 
-<file path=ppt/slides/slide62.xml><?xml version="1.0" encoding="utf-8"?>
+<file path=ppt/slides/slide63.xml><?xml version="1.0" encoding="utf-8"?>
 <p:sld xmlns:a="http://schemas.openxmlformats.org/drawingml/2006/main" xmlns:r="http://schemas.openxmlformats.org/officeDocument/2006/relationships" xmlns:p="http://schemas.openxmlformats.org/presentationml/2006/main">
   <p:cSld>
     <p:spTree>
@@ -31498,7 +32358,7 @@
           <a:p>
             <a:fld id="{1413D9FB-836C-864C-8E5A-36E5384B9725}" type="slidenum">
               <a:rPr kumimoji="1" lang="ja-JP" altLang="en-US" smtClean="0"/>
-              <a:t>62</a:t>
+              <a:t>63</a:t>
             </a:fld>
             <a:endParaRPr kumimoji="1" lang="ja-JP" altLang="en-US"/>
           </a:p>
@@ -31517,7 +32377,7 @@
 </p:sld>
 </file>
 
-<file path=ppt/slides/slide63.xml><?xml version="1.0" encoding="utf-8"?>
+<file path=ppt/slides/slide64.xml><?xml version="1.0" encoding="utf-8"?>
 <p:sld xmlns:a="http://schemas.openxmlformats.org/drawingml/2006/main" xmlns:r="http://schemas.openxmlformats.org/officeDocument/2006/relationships" xmlns:p="http://schemas.openxmlformats.org/presentationml/2006/main">
   <p:cSld>
     <p:spTree>
@@ -32564,7 +33424,7 @@
           <a:p>
             <a:fld id="{1413D9FB-836C-864C-8E5A-36E5384B9725}" type="slidenum">
               <a:rPr kumimoji="1" lang="ja-JP" altLang="en-US" smtClean="0"/>
-              <a:t>63</a:t>
+              <a:t>64</a:t>
             </a:fld>
             <a:endParaRPr kumimoji="1" lang="ja-JP" altLang="en-US"/>
           </a:p>
@@ -32583,7 +33443,7 @@
 </p:sld>
 </file>
 
-<file path=ppt/slides/slide64.xml><?xml version="1.0" encoding="utf-8"?>
+<file path=ppt/slides/slide65.xml><?xml version="1.0" encoding="utf-8"?>
 <p:sld xmlns:a="http://schemas.openxmlformats.org/drawingml/2006/main" xmlns:r="http://schemas.openxmlformats.org/officeDocument/2006/relationships" xmlns:p="http://schemas.openxmlformats.org/presentationml/2006/main">
   <p:cSld>
     <p:spTree>
@@ -34200,7 +35060,7 @@
           <a:p>
             <a:fld id="{1413D9FB-836C-864C-8E5A-36E5384B9725}" type="slidenum">
               <a:rPr kumimoji="1" lang="ja-JP" altLang="en-US" smtClean="0"/>
-              <a:t>64</a:t>
+              <a:t>65</a:t>
             </a:fld>
             <a:endParaRPr kumimoji="1" lang="ja-JP" altLang="en-US"/>
           </a:p>
@@ -34219,7 +35079,7 @@
 </p:sld>
 </file>
 
-<file path=ppt/slides/slide65.xml><?xml version="1.0" encoding="utf-8"?>
+<file path=ppt/slides/slide66.xml><?xml version="1.0" encoding="utf-8"?>
 <p:sld xmlns:a="http://schemas.openxmlformats.org/drawingml/2006/main" xmlns:r="http://schemas.openxmlformats.org/officeDocument/2006/relationships" xmlns:p="http://schemas.openxmlformats.org/presentationml/2006/main">
   <p:cSld>
     <p:spTree>
@@ -34800,7 +35660,7 @@
           <a:p>
             <a:fld id="{1413D9FB-836C-864C-8E5A-36E5384B9725}" type="slidenum">
               <a:rPr kumimoji="1" lang="ja-JP" altLang="en-US" smtClean="0"/>
-              <a:t>65</a:t>
+              <a:t>66</a:t>
             </a:fld>
             <a:endParaRPr kumimoji="1" lang="ja-JP" altLang="en-US"/>
           </a:p>
@@ -34819,7 +35679,7 @@
 </p:sld>
 </file>
 
-<file path=ppt/slides/slide66.xml><?xml version="1.0" encoding="utf-8"?>
+<file path=ppt/slides/slide67.xml><?xml version="1.0" encoding="utf-8"?>
 <p:sld xmlns:a="http://schemas.openxmlformats.org/drawingml/2006/main" xmlns:r="http://schemas.openxmlformats.org/officeDocument/2006/relationships" xmlns:p="http://schemas.openxmlformats.org/presentationml/2006/main">
   <p:cSld>
     <p:spTree>
@@ -35377,7 +36237,7 @@
           <a:p>
             <a:fld id="{1413D9FB-836C-864C-8E5A-36E5384B9725}" type="slidenum">
               <a:rPr kumimoji="1" lang="ja-JP" altLang="en-US" smtClean="0"/>
-              <a:t>66</a:t>
+              <a:t>67</a:t>
             </a:fld>
             <a:endParaRPr kumimoji="1" lang="ja-JP" altLang="en-US"/>
           </a:p>
@@ -35418,7 +36278,7 @@
           <p:cNvPr id="2" name="タイトル 1">
             <a:extLst>
               <a:ext uri="{FF2B5EF4-FFF2-40B4-BE49-F238E27FC236}">
-                <a16:creationId xmlns:a16="http://schemas.microsoft.com/office/drawing/2014/main" id="{A1A8B07D-6CCE-FB44-B6F2-0060DFEC85FE}"/>
+                <a16:creationId xmlns:a16="http://schemas.microsoft.com/office/drawing/2014/main" id="{93010AF0-9B7D-1145-8148-06A633089EBF}"/>
               </a:ext>
             </a:extLst>
           </p:cNvPr>
@@ -35436,11 +36296,8 @@
           <a:p>
             <a:r>
               <a:rPr kumimoji="1" lang="en-US" altLang="ja-JP" dirty="0"/>
-              <a:t>Booking definition</a:t>
-            </a:r>
-            <a:br>
-              <a:rPr kumimoji="1" lang="en-US" altLang="ja-JP" dirty="0"/>
-            </a:br>
+              <a:t>Outline</a:t>
+            </a:r>
             <a:endParaRPr kumimoji="1" lang="ja-JP" altLang="en-US"/>
           </a:p>
         </p:txBody>
@@ -35450,7 +36307,7 @@
           <p:cNvPr id="3" name="コンテンツ プレースホルダー 2">
             <a:extLst>
               <a:ext uri="{FF2B5EF4-FFF2-40B4-BE49-F238E27FC236}">
-                <a16:creationId xmlns:a16="http://schemas.microsoft.com/office/drawing/2014/main" id="{4B9E269F-05A6-2844-83AE-AB30ED0C9367}"/>
+                <a16:creationId xmlns:a16="http://schemas.microsoft.com/office/drawing/2014/main" id="{97A5DCCE-A463-7E40-A93C-1FAC6C539F8C}"/>
               </a:ext>
             </a:extLst>
           </p:cNvPr>
@@ -35461,12 +36318,7 @@
             <p:ph idx="1"/>
           </p:nvPr>
         </p:nvSpPr>
-        <p:spPr>
-          <a:xfrm>
-            <a:off x="2138634" y="1905000"/>
-            <a:ext cx="9120567" cy="4427562"/>
-          </a:xfrm>
-        </p:spPr>
+        <p:spPr/>
         <p:txBody>
           <a:bodyPr>
             <a:normAutofit/>
@@ -35474,59 +36326,59 @@
           <a:lstStyle/>
           <a:p>
             <a:r>
+              <a:rPr kumimoji="1" lang="en-US" altLang="ja-JP" sz="2400" dirty="0">
+                <a:solidFill>
+                  <a:schemeClr val="bg1">
+                    <a:lumMod val="75000"/>
+                  </a:schemeClr>
+                </a:solidFill>
+              </a:rPr>
+              <a:t>Background</a:t>
+            </a:r>
+          </a:p>
+          <a:p>
+            <a:r>
               <a:rPr lang="en-US" altLang="ja-JP" sz="2400" dirty="0"/>
-              <a:t>We are given booking information.</a:t>
-            </a:r>
-          </a:p>
-          <a:p>
-            <a:pPr lvl="1"/>
-            <a:r>
-              <a:rPr kumimoji="1" lang="en-US" altLang="ja-JP" sz="2200" dirty="0"/>
-              <a:t>Booking ID</a:t>
-            </a:r>
-          </a:p>
-          <a:p>
-            <a:pPr lvl="1"/>
-            <a:r>
-              <a:rPr kumimoji="1" lang="en-US" altLang="ja-JP" sz="2200" dirty="0"/>
-              <a:t>Loading port</a:t>
-            </a:r>
-          </a:p>
-          <a:p>
-            <a:pPr lvl="1"/>
-            <a:r>
-              <a:rPr kumimoji="1" lang="en-US" altLang="ja-JP" sz="2200" dirty="0"/>
-              <a:t>Destination port</a:t>
-            </a:r>
-          </a:p>
-          <a:p>
-            <a:pPr lvl="1"/>
-            <a:r>
-              <a:rPr kumimoji="1" lang="en-US" altLang="ja-JP" sz="2200" dirty="0"/>
-              <a:t>Number of vehicles</a:t>
-            </a:r>
-          </a:p>
-          <a:p>
-            <a:pPr lvl="1"/>
-            <a:r>
-              <a:rPr lang="en-US" altLang="ja-JP" sz="2200" dirty="0"/>
-              <a:t>Size of vehicles </a:t>
-            </a:r>
-          </a:p>
-          <a:p>
-            <a:pPr lvl="1"/>
-            <a:r>
-              <a:rPr lang="en-US" altLang="ja-JP" sz="2200" dirty="0" err="1"/>
-              <a:t>et</a:t>
-            </a:r>
-            <a:r>
-              <a:rPr kumimoji="1" lang="en-US" altLang="ja-JP" sz="2200" dirty="0" err="1"/>
-              <a:t>c</a:t>
-            </a:r>
-            <a:r>
-              <a:rPr kumimoji="1" lang="en-US" altLang="ja-JP" sz="2200" dirty="0"/>
-              <a:t>…</a:t>
-            </a:r>
+              <a:t>Problem definition</a:t>
+            </a:r>
+            <a:endParaRPr kumimoji="1" lang="en-US" altLang="ja-JP" sz="2400" dirty="0"/>
+          </a:p>
+          <a:p>
+            <a:r>
+              <a:rPr lang="en-US" altLang="ja-JP" sz="2400" dirty="0">
+                <a:solidFill>
+                  <a:schemeClr val="bg1">
+                    <a:lumMod val="75000"/>
+                  </a:schemeClr>
+                </a:solidFill>
+              </a:rPr>
+              <a:t>Proposed model</a:t>
+            </a:r>
+          </a:p>
+          <a:p>
+            <a:r>
+              <a:rPr lang="en-US" altLang="ja-JP" sz="2400" dirty="0">
+                <a:solidFill>
+                  <a:schemeClr val="bg1">
+                    <a:lumMod val="75000"/>
+                  </a:schemeClr>
+                </a:solidFill>
+              </a:rPr>
+              <a:t>Summary</a:t>
+            </a:r>
+            <a:endParaRPr kumimoji="1" lang="en-US" altLang="ja-JP" sz="2400" dirty="0">
+              <a:solidFill>
+                <a:schemeClr val="bg1">
+                  <a:lumMod val="75000"/>
+                </a:schemeClr>
+              </a:solidFill>
+            </a:endParaRPr>
+          </a:p>
+          <a:p>
+            <a:endParaRPr kumimoji="1" lang="en-US" altLang="ja-JP" sz="2400" dirty="0"/>
+          </a:p>
+          <a:p>
+            <a:endParaRPr kumimoji="1" lang="ja-JP" altLang="en-US" sz="2400"/>
           </a:p>
         </p:txBody>
       </p:sp>
@@ -35535,7 +36387,7 @@
           <p:cNvPr id="4" name="スライド番号プレースホルダー 3">
             <a:extLst>
               <a:ext uri="{FF2B5EF4-FFF2-40B4-BE49-F238E27FC236}">
-                <a16:creationId xmlns:a16="http://schemas.microsoft.com/office/drawing/2014/main" id="{C2EB36A0-8DF7-6D4A-B5BA-5BFFA68F2216}"/>
+                <a16:creationId xmlns:a16="http://schemas.microsoft.com/office/drawing/2014/main" id="{C2D34417-1747-3149-85A7-440083D1D24E}"/>
               </a:ext>
             </a:extLst>
           </p:cNvPr>
@@ -35562,7 +36414,7 @@
     </p:spTree>
     <p:extLst>
       <p:ext uri="{BB962C8B-B14F-4D97-AF65-F5344CB8AC3E}">
-        <p14:creationId xmlns:p14="http://schemas.microsoft.com/office/powerpoint/2010/main" val="2959332184"/>
+        <p14:creationId xmlns:p14="http://schemas.microsoft.com/office/powerpoint/2010/main" val="3752892603"/>
       </p:ext>
     </p:extLst>
   </p:cSld>
@@ -35594,7 +36446,7 @@
           <p:cNvPr id="2" name="タイトル 1">
             <a:extLst>
               <a:ext uri="{FF2B5EF4-FFF2-40B4-BE49-F238E27FC236}">
-                <a16:creationId xmlns:a16="http://schemas.microsoft.com/office/drawing/2014/main" id="{92047B87-2603-A144-964A-4BE3C1BE3111}"/>
+                <a16:creationId xmlns:a16="http://schemas.microsoft.com/office/drawing/2014/main" id="{A1A8B07D-6CCE-FB44-B6F2-0060DFEC85FE}"/>
               </a:ext>
             </a:extLst>
           </p:cNvPr>
@@ -35611,13 +36463,12 @@
           <a:lstStyle/>
           <a:p>
             <a:r>
-              <a:rPr lang="en-US" altLang="ja-JP" dirty="0"/>
-              <a:t>Ship</a:t>
-            </a:r>
-            <a:r>
               <a:rPr kumimoji="1" lang="en-US" altLang="ja-JP" dirty="0"/>
-              <a:t> information</a:t>
-            </a:r>
+              <a:t>Booking definition</a:t>
+            </a:r>
+            <a:br>
+              <a:rPr kumimoji="1" lang="en-US" altLang="ja-JP" dirty="0"/>
+            </a:br>
             <a:endParaRPr kumimoji="1" lang="ja-JP" altLang="en-US"/>
           </a:p>
         </p:txBody>
@@ -35627,7 +36478,7 @@
           <p:cNvPr id="3" name="コンテンツ プレースホルダー 2">
             <a:extLst>
               <a:ext uri="{FF2B5EF4-FFF2-40B4-BE49-F238E27FC236}">
-                <a16:creationId xmlns:a16="http://schemas.microsoft.com/office/drawing/2014/main" id="{49A4257B-C21A-9E4A-AAAF-C87FAC0753DF}"/>
+                <a16:creationId xmlns:a16="http://schemas.microsoft.com/office/drawing/2014/main" id="{4B9E269F-05A6-2844-83AE-AB30ED0C9367}"/>
               </a:ext>
             </a:extLst>
           </p:cNvPr>
@@ -35638,7 +36489,12 @@
             <p:ph idx="1"/>
           </p:nvPr>
         </p:nvSpPr>
-        <p:spPr/>
+        <p:spPr>
+          <a:xfrm>
+            <a:off x="2138634" y="1905000"/>
+            <a:ext cx="9120567" cy="4427562"/>
+          </a:xfrm>
+        </p:spPr>
         <p:txBody>
           <a:bodyPr>
             <a:normAutofit/>
@@ -35647,56 +36503,58 @@
           <a:p>
             <a:r>
               <a:rPr lang="en-US" altLang="ja-JP" sz="2400" dirty="0"/>
-              <a:t>We are also given ship </a:t>
-            </a:r>
-            <a:r>
-              <a:rPr kumimoji="1" lang="en-US" altLang="ja-JP" sz="2400" dirty="0"/>
-              <a:t>information.</a:t>
+              <a:t>We are given booking information.</a:t>
             </a:r>
           </a:p>
           <a:p>
             <a:pPr lvl="1"/>
             <a:r>
-              <a:rPr lang="en" altLang="ja-JP" sz="2400" dirty="0"/>
-              <a:t>How many holds exist.</a:t>
+              <a:rPr kumimoji="1" lang="en-US" altLang="ja-JP" sz="2200" dirty="0"/>
+              <a:t>Booking ID</a:t>
             </a:r>
           </a:p>
           <a:p>
             <a:pPr lvl="1"/>
             <a:r>
-              <a:rPr lang="en" altLang="ja-JP" sz="2400" dirty="0"/>
-              <a:t>How large each hold is. </a:t>
+              <a:rPr kumimoji="1" lang="en-US" altLang="ja-JP" sz="2200" dirty="0"/>
+              <a:t>Loading port</a:t>
             </a:r>
           </a:p>
           <a:p>
             <a:pPr lvl="1"/>
             <a:r>
-              <a:rPr lang="en" altLang="ja-JP" sz="2400" dirty="0"/>
-              <a:t>Which holds are connected.</a:t>
+              <a:rPr kumimoji="1" lang="en-US" altLang="ja-JP" sz="2200" dirty="0"/>
+              <a:t>Destination port</a:t>
             </a:r>
           </a:p>
           <a:p>
             <a:pPr lvl="1"/>
             <a:r>
-              <a:rPr lang="en" altLang="ja-JP" sz="2400" dirty="0" err="1"/>
-              <a:t>etc</a:t>
-            </a:r>
-            <a:r>
-              <a:rPr lang="en" altLang="ja-JP" sz="2400" dirty="0"/>
+              <a:rPr kumimoji="1" lang="en-US" altLang="ja-JP" sz="2200" dirty="0"/>
+              <a:t>Number of vehicles</a:t>
+            </a:r>
+          </a:p>
+          <a:p>
+            <a:pPr lvl="1"/>
+            <a:r>
+              <a:rPr lang="en-US" altLang="ja-JP" sz="2200" dirty="0"/>
+              <a:t>Size of vehicles </a:t>
+            </a:r>
+          </a:p>
+          <a:p>
+            <a:pPr lvl="1"/>
+            <a:r>
+              <a:rPr lang="en-US" altLang="ja-JP" sz="2200" dirty="0" err="1"/>
+              <a:t>et</a:t>
+            </a:r>
+            <a:r>
+              <a:rPr kumimoji="1" lang="en-US" altLang="ja-JP" sz="2200" dirty="0" err="1"/>
+              <a:t>c</a:t>
+            </a:r>
+            <a:r>
+              <a:rPr kumimoji="1" lang="en-US" altLang="ja-JP" sz="2200" dirty="0"/>
               <a:t>…</a:t>
             </a:r>
-          </a:p>
-          <a:p>
-            <a:pPr lvl="1"/>
-            <a:endParaRPr lang="en" altLang="ja-JP" sz="2400" dirty="0"/>
-          </a:p>
-          <a:p>
-            <a:pPr lvl="1"/>
-            <a:endParaRPr lang="en" altLang="ja-JP" sz="2400" dirty="0"/>
-          </a:p>
-          <a:p>
-            <a:pPr lvl="1"/>
-            <a:endParaRPr kumimoji="1" lang="ja-JP" altLang="en-US" sz="2400"/>
           </a:p>
         </p:txBody>
       </p:sp>
@@ -35705,7 +36563,7 @@
           <p:cNvPr id="4" name="スライド番号プレースホルダー 3">
             <a:extLst>
               <a:ext uri="{FF2B5EF4-FFF2-40B4-BE49-F238E27FC236}">
-                <a16:creationId xmlns:a16="http://schemas.microsoft.com/office/drawing/2014/main" id="{943FDBF8-C640-D34B-AA2F-82D472B67067}"/>
+                <a16:creationId xmlns:a16="http://schemas.microsoft.com/office/drawing/2014/main" id="{C2EB36A0-8DF7-6D4A-B5BA-5BFFA68F2216}"/>
               </a:ext>
             </a:extLst>
           </p:cNvPr>
@@ -35732,7 +36590,7 @@
     </p:spTree>
     <p:extLst>
       <p:ext uri="{BB962C8B-B14F-4D97-AF65-F5344CB8AC3E}">
-        <p14:creationId xmlns:p14="http://schemas.microsoft.com/office/powerpoint/2010/main" val="2696231861"/>
+        <p14:creationId xmlns:p14="http://schemas.microsoft.com/office/powerpoint/2010/main" val="2959332184"/>
       </p:ext>
     </p:extLst>
   </p:cSld>
@@ -35761,10 +36619,43 @@
       </p:grpSpPr>
       <p:sp>
         <p:nvSpPr>
+          <p:cNvPr id="2" name="タイトル 1">
+            <a:extLst>
+              <a:ext uri="{FF2B5EF4-FFF2-40B4-BE49-F238E27FC236}">
+                <a16:creationId xmlns:a16="http://schemas.microsoft.com/office/drawing/2014/main" id="{92047B87-2603-A144-964A-4BE3C1BE3111}"/>
+              </a:ext>
+            </a:extLst>
+          </p:cNvPr>
+          <p:cNvSpPr>
+            <a:spLocks noGrp="1"/>
+          </p:cNvSpPr>
+          <p:nvPr>
+            <p:ph type="title"/>
+          </p:nvPr>
+        </p:nvSpPr>
+        <p:spPr/>
+        <p:txBody>
+          <a:bodyPr/>
+          <a:lstStyle/>
+          <a:p>
+            <a:r>
+              <a:rPr lang="en-US" altLang="ja-JP" dirty="0"/>
+              <a:t>Ship</a:t>
+            </a:r>
+            <a:r>
+              <a:rPr kumimoji="1" lang="en-US" altLang="ja-JP" dirty="0"/>
+              <a:t> information</a:t>
+            </a:r>
+            <a:endParaRPr kumimoji="1" lang="ja-JP" altLang="en-US"/>
+          </a:p>
+        </p:txBody>
+      </p:sp>
+      <p:sp>
+        <p:nvSpPr>
           <p:cNvPr id="3" name="コンテンツ プレースホルダー 2">
             <a:extLst>
               <a:ext uri="{FF2B5EF4-FFF2-40B4-BE49-F238E27FC236}">
-                <a16:creationId xmlns:a16="http://schemas.microsoft.com/office/drawing/2014/main" id="{E1E4F098-294C-D141-AD53-3960C7CBF23B}"/>
+                <a16:creationId xmlns:a16="http://schemas.microsoft.com/office/drawing/2014/main" id="{49A4257B-C21A-9E4A-AAAF-C87FAC0753DF}"/>
               </a:ext>
             </a:extLst>
           </p:cNvPr>
@@ -35775,12 +36666,7 @@
             <p:ph idx="1"/>
           </p:nvPr>
         </p:nvSpPr>
-        <p:spPr>
-          <a:xfrm>
-            <a:off x="2214640" y="1736073"/>
-            <a:ext cx="9464139" cy="3777622"/>
-          </a:xfrm>
-        </p:spPr>
+        <p:spPr/>
         <p:txBody>
           <a:bodyPr>
             <a:normAutofit/>
@@ -35789,382 +36675,56 @@
           <a:p>
             <a:r>
               <a:rPr lang="en-US" altLang="ja-JP" sz="2400" dirty="0"/>
-              <a:t>In this research, we consider a ship that has 12 floors.</a:t>
-            </a:r>
-          </a:p>
-          <a:p>
-            <a:r>
-              <a:rPr lang="en-US" altLang="ja-JP" sz="2400" dirty="0"/>
-              <a:t>Each floor has up to 4 holds.</a:t>
-            </a:r>
-          </a:p>
-        </p:txBody>
-      </p:sp>
-      <p:pic>
-        <p:nvPicPr>
-          <p:cNvPr id="5" name="図 4">
-            <a:extLst>
-              <a:ext uri="{FF2B5EF4-FFF2-40B4-BE49-F238E27FC236}">
-                <a16:creationId xmlns:a16="http://schemas.microsoft.com/office/drawing/2014/main" id="{2842823E-0742-3241-980F-487CA451AA47}"/>
-              </a:ext>
-            </a:extLst>
-          </p:cNvPr>
-          <p:cNvPicPr>
-            <a:picLocks noChangeAspect="1"/>
-          </p:cNvPicPr>
-          <p:nvPr/>
-        </p:nvPicPr>
-        <p:blipFill>
-          <a:blip r:embed="rId2"/>
-          <a:stretch>
-            <a:fillRect/>
-          </a:stretch>
-        </p:blipFill>
-        <p:spPr>
-          <a:xfrm>
-            <a:off x="2479283" y="3161494"/>
-            <a:ext cx="4726017" cy="3093966"/>
-          </a:xfrm>
-          <a:prstGeom prst="rect">
-            <a:avLst/>
-          </a:prstGeom>
-        </p:spPr>
-      </p:pic>
-      <p:cxnSp>
-        <p:nvCxnSpPr>
-          <p:cNvPr id="15" name="直線コネクタ 14">
-            <a:extLst>
-              <a:ext uri="{FF2B5EF4-FFF2-40B4-BE49-F238E27FC236}">
-                <a16:creationId xmlns:a16="http://schemas.microsoft.com/office/drawing/2014/main" id="{E8F2F112-ACAD-BE49-A2A3-3FFF01998D93}"/>
-              </a:ext>
-            </a:extLst>
-          </p:cNvPr>
-          <p:cNvCxnSpPr/>
-          <p:nvPr/>
-        </p:nvCxnSpPr>
-        <p:spPr>
-          <a:xfrm flipV="1">
-            <a:off x="6720102" y="5109352"/>
-            <a:ext cx="998260" cy="354841"/>
-          </a:xfrm>
-          <a:prstGeom prst="line">
-            <a:avLst/>
-          </a:prstGeom>
-        </p:spPr>
-        <p:style>
-          <a:lnRef idx="1">
-            <a:schemeClr val="dk1"/>
-          </a:lnRef>
-          <a:fillRef idx="0">
-            <a:schemeClr val="dk1"/>
-          </a:fillRef>
-          <a:effectRef idx="0">
-            <a:schemeClr val="dk1"/>
-          </a:effectRef>
-          <a:fontRef idx="minor">
-            <a:schemeClr val="tx1"/>
-          </a:fontRef>
-        </p:style>
-      </p:cxnSp>
-      <p:cxnSp>
-        <p:nvCxnSpPr>
-          <p:cNvPr id="11" name="直線コネクタ 10">
-            <a:extLst>
-              <a:ext uri="{FF2B5EF4-FFF2-40B4-BE49-F238E27FC236}">
-                <a16:creationId xmlns:a16="http://schemas.microsoft.com/office/drawing/2014/main" id="{833C8682-9FCC-E645-B37A-6BBCF98D2582}"/>
-              </a:ext>
-            </a:extLst>
-          </p:cNvPr>
-          <p:cNvCxnSpPr/>
-          <p:nvPr/>
-        </p:nvCxnSpPr>
-        <p:spPr>
-          <a:xfrm flipV="1">
-            <a:off x="6796151" y="4586838"/>
-            <a:ext cx="846162" cy="559559"/>
-          </a:xfrm>
-          <a:prstGeom prst="line">
-            <a:avLst/>
-          </a:prstGeom>
-        </p:spPr>
-        <p:style>
-          <a:lnRef idx="1">
-            <a:schemeClr val="dk1"/>
-          </a:lnRef>
-          <a:fillRef idx="0">
-            <a:schemeClr val="dk1"/>
-          </a:fillRef>
-          <a:effectRef idx="0">
-            <a:schemeClr val="dk1"/>
-          </a:effectRef>
-          <a:fontRef idx="minor">
-            <a:schemeClr val="tx1"/>
-          </a:fontRef>
-        </p:style>
-      </p:cxnSp>
-      <p:sp>
-        <p:nvSpPr>
-          <p:cNvPr id="17" name="円/楕円 16">
-            <a:extLst>
-              <a:ext uri="{FF2B5EF4-FFF2-40B4-BE49-F238E27FC236}">
-                <a16:creationId xmlns:a16="http://schemas.microsoft.com/office/drawing/2014/main" id="{E45806FA-8321-B241-B338-5BD47E48E10D}"/>
-              </a:ext>
-            </a:extLst>
-          </p:cNvPr>
-          <p:cNvSpPr/>
-          <p:nvPr/>
-        </p:nvSpPr>
-        <p:spPr>
-          <a:xfrm>
-            <a:off x="7526335" y="3796182"/>
-            <a:ext cx="4228493" cy="1824589"/>
-          </a:xfrm>
-          <a:prstGeom prst="ellipse">
-            <a:avLst/>
-          </a:prstGeom>
-        </p:spPr>
-        <p:style>
-          <a:lnRef idx="2">
-            <a:schemeClr val="accent6"/>
-          </a:lnRef>
-          <a:fillRef idx="1">
-            <a:schemeClr val="lt1"/>
-          </a:fillRef>
-          <a:effectRef idx="0">
-            <a:schemeClr val="accent6"/>
-          </a:effectRef>
-          <a:fontRef idx="minor">
-            <a:schemeClr val="dk1"/>
-          </a:fontRef>
-        </p:style>
-        <p:txBody>
-          <a:bodyPr rtlCol="0" anchor="ctr"/>
-          <a:lstStyle/>
-          <a:p>
-            <a:pPr algn="ctr"/>
-            <a:endParaRPr kumimoji="1" lang="ja-JP" altLang="en-US"/>
-          </a:p>
-        </p:txBody>
-      </p:sp>
-      <p:sp>
-        <p:nvSpPr>
-          <p:cNvPr id="6" name="正方形/長方形 5">
-            <a:extLst>
-              <a:ext uri="{FF2B5EF4-FFF2-40B4-BE49-F238E27FC236}">
-                <a16:creationId xmlns:a16="http://schemas.microsoft.com/office/drawing/2014/main" id="{B04F6E53-1041-C946-A46D-BEB0D0FCB64C}"/>
-              </a:ext>
-            </a:extLst>
-          </p:cNvPr>
-          <p:cNvSpPr/>
-          <p:nvPr/>
-        </p:nvSpPr>
-        <p:spPr>
-          <a:xfrm>
-            <a:off x="8039397" y="4304134"/>
-            <a:ext cx="818866" cy="805218"/>
-          </a:xfrm>
-          <a:prstGeom prst="rect">
-            <a:avLst/>
-          </a:prstGeom>
-        </p:spPr>
-        <p:style>
-          <a:lnRef idx="2">
-            <a:schemeClr val="accent6"/>
-          </a:lnRef>
-          <a:fillRef idx="1">
-            <a:schemeClr val="lt1"/>
-          </a:fillRef>
-          <a:effectRef idx="0">
-            <a:schemeClr val="accent6"/>
-          </a:effectRef>
-          <a:fontRef idx="minor">
-            <a:schemeClr val="dk1"/>
-          </a:fontRef>
-        </p:style>
-        <p:txBody>
-          <a:bodyPr rtlCol="0" anchor="ctr"/>
-          <a:lstStyle/>
-          <a:p>
-            <a:pPr algn="ctr"/>
-            <a:r>
-              <a:rPr kumimoji="1" lang="ja-JP" altLang="en-US"/>
-              <a:t>４</a:t>
-            </a:r>
-          </a:p>
-        </p:txBody>
-      </p:sp>
-      <p:sp>
-        <p:nvSpPr>
-          <p:cNvPr id="7" name="正方形/長方形 6">
-            <a:extLst>
-              <a:ext uri="{FF2B5EF4-FFF2-40B4-BE49-F238E27FC236}">
-                <a16:creationId xmlns:a16="http://schemas.microsoft.com/office/drawing/2014/main" id="{4870ED44-030D-0B47-B560-56379A93FB9E}"/>
-              </a:ext>
-            </a:extLst>
-          </p:cNvPr>
-          <p:cNvSpPr/>
-          <p:nvPr/>
-        </p:nvSpPr>
-        <p:spPr>
-          <a:xfrm>
-            <a:off x="8843399" y="4304134"/>
-            <a:ext cx="818866" cy="805218"/>
-          </a:xfrm>
-          <a:prstGeom prst="rect">
-            <a:avLst/>
-          </a:prstGeom>
-        </p:spPr>
-        <p:style>
-          <a:lnRef idx="2">
-            <a:schemeClr val="accent6"/>
-          </a:lnRef>
-          <a:fillRef idx="1">
-            <a:schemeClr val="lt1"/>
-          </a:fillRef>
-          <a:effectRef idx="0">
-            <a:schemeClr val="accent6"/>
-          </a:effectRef>
-          <a:fontRef idx="minor">
-            <a:schemeClr val="dk1"/>
-          </a:fontRef>
-        </p:style>
-        <p:txBody>
-          <a:bodyPr rtlCol="0" anchor="ctr"/>
-          <a:lstStyle/>
-          <a:p>
-            <a:pPr algn="ctr"/>
-            <a:r>
-              <a:rPr kumimoji="1" lang="ja-JP" altLang="en-US"/>
-              <a:t>３</a:t>
-            </a:r>
-          </a:p>
-        </p:txBody>
-      </p:sp>
-      <p:sp>
-        <p:nvSpPr>
-          <p:cNvPr id="8" name="正方形/長方形 7">
-            <a:extLst>
-              <a:ext uri="{FF2B5EF4-FFF2-40B4-BE49-F238E27FC236}">
-                <a16:creationId xmlns:a16="http://schemas.microsoft.com/office/drawing/2014/main" id="{F7261E6C-68B7-504E-8024-5A3EDDA5CC91}"/>
-              </a:ext>
-            </a:extLst>
-          </p:cNvPr>
-          <p:cNvSpPr/>
-          <p:nvPr/>
-        </p:nvSpPr>
-        <p:spPr>
-          <a:xfrm>
-            <a:off x="9647401" y="4304134"/>
-            <a:ext cx="818866" cy="805218"/>
-          </a:xfrm>
-          <a:prstGeom prst="rect">
-            <a:avLst/>
-          </a:prstGeom>
-        </p:spPr>
-        <p:style>
-          <a:lnRef idx="2">
-            <a:schemeClr val="accent6"/>
-          </a:lnRef>
-          <a:fillRef idx="1">
-            <a:schemeClr val="lt1"/>
-          </a:fillRef>
-          <a:effectRef idx="0">
-            <a:schemeClr val="accent6"/>
-          </a:effectRef>
-          <a:fontRef idx="minor">
-            <a:schemeClr val="dk1"/>
-          </a:fontRef>
-        </p:style>
-        <p:txBody>
-          <a:bodyPr rtlCol="0" anchor="ctr"/>
-          <a:lstStyle/>
-          <a:p>
-            <a:pPr algn="ctr"/>
-            <a:r>
-              <a:rPr kumimoji="1" lang="ja-JP" altLang="en-US"/>
-              <a:t>２</a:t>
-            </a:r>
-          </a:p>
-        </p:txBody>
-      </p:sp>
-      <p:sp>
-        <p:nvSpPr>
-          <p:cNvPr id="9" name="正方形/長方形 8">
-            <a:extLst>
-              <a:ext uri="{FF2B5EF4-FFF2-40B4-BE49-F238E27FC236}">
-                <a16:creationId xmlns:a16="http://schemas.microsoft.com/office/drawing/2014/main" id="{D73A65D0-0289-6544-BFCE-4E05EC166522}"/>
-              </a:ext>
-            </a:extLst>
-          </p:cNvPr>
-          <p:cNvSpPr/>
-          <p:nvPr/>
-        </p:nvSpPr>
-        <p:spPr>
-          <a:xfrm>
-            <a:off x="10480199" y="4304134"/>
-            <a:ext cx="818866" cy="805218"/>
-          </a:xfrm>
-          <a:prstGeom prst="rect">
-            <a:avLst/>
-          </a:prstGeom>
-        </p:spPr>
-        <p:style>
-          <a:lnRef idx="2">
-            <a:schemeClr val="accent6"/>
-          </a:lnRef>
-          <a:fillRef idx="1">
-            <a:schemeClr val="lt1"/>
-          </a:fillRef>
-          <a:effectRef idx="0">
-            <a:schemeClr val="accent6"/>
-          </a:effectRef>
-          <a:fontRef idx="minor">
-            <a:schemeClr val="dk1"/>
-          </a:fontRef>
-        </p:style>
-        <p:txBody>
-          <a:bodyPr rtlCol="0" anchor="ctr"/>
-          <a:lstStyle/>
-          <a:p>
-            <a:pPr algn="ctr"/>
-            <a:r>
-              <a:rPr kumimoji="1" lang="ja-JP" altLang="en-US"/>
-              <a:t>１</a:t>
-            </a:r>
-          </a:p>
-        </p:txBody>
-      </p:sp>
-      <p:sp>
-        <p:nvSpPr>
-          <p:cNvPr id="2" name="タイトル 1">
-            <a:extLst>
-              <a:ext uri="{FF2B5EF4-FFF2-40B4-BE49-F238E27FC236}">
-                <a16:creationId xmlns:a16="http://schemas.microsoft.com/office/drawing/2014/main" id="{7A7A5F4A-71EE-C844-A93C-36C19AEF0EE9}"/>
-              </a:ext>
-            </a:extLst>
-          </p:cNvPr>
-          <p:cNvSpPr>
-            <a:spLocks noGrp="1"/>
-          </p:cNvSpPr>
-          <p:nvPr>
-            <p:ph type="title"/>
-          </p:nvPr>
-        </p:nvSpPr>
-        <p:spPr>
-          <a:xfrm>
-            <a:off x="2592925" y="624110"/>
-            <a:ext cx="8911687" cy="1280890"/>
-          </a:xfrm>
-        </p:spPr>
-        <p:txBody>
-          <a:bodyPr/>
-          <a:lstStyle/>
-          <a:p>
-            <a:r>
-              <a:rPr kumimoji="1" lang="en-US" altLang="ja-JP" dirty="0"/>
-              <a:t>Ship information</a:t>
-            </a:r>
-            <a:endParaRPr kumimoji="1" lang="ja-JP" altLang="en-US"/>
+              <a:t>We are also given ship </a:t>
+            </a:r>
+            <a:r>
+              <a:rPr kumimoji="1" lang="en-US" altLang="ja-JP" sz="2400" dirty="0"/>
+              <a:t>information.</a:t>
+            </a:r>
+          </a:p>
+          <a:p>
+            <a:pPr lvl="1"/>
+            <a:r>
+              <a:rPr lang="en" altLang="ja-JP" sz="2400" dirty="0"/>
+              <a:t>How many holds exist.</a:t>
+            </a:r>
+          </a:p>
+          <a:p>
+            <a:pPr lvl="1"/>
+            <a:r>
+              <a:rPr lang="en" altLang="ja-JP" sz="2400" dirty="0"/>
+              <a:t>How large each hold is. </a:t>
+            </a:r>
+          </a:p>
+          <a:p>
+            <a:pPr lvl="1"/>
+            <a:r>
+              <a:rPr lang="en" altLang="ja-JP" sz="2400" dirty="0"/>
+              <a:t>Which holds are connected.</a:t>
+            </a:r>
+          </a:p>
+          <a:p>
+            <a:pPr lvl="1"/>
+            <a:r>
+              <a:rPr lang="en" altLang="ja-JP" sz="2400" dirty="0" err="1"/>
+              <a:t>etc</a:t>
+            </a:r>
+            <a:r>
+              <a:rPr lang="en" altLang="ja-JP" sz="2400" dirty="0"/>
+              <a:t>…</a:t>
+            </a:r>
+          </a:p>
+          <a:p>
+            <a:pPr lvl="1"/>
+            <a:endParaRPr lang="en" altLang="ja-JP" sz="2400" dirty="0"/>
+          </a:p>
+          <a:p>
+            <a:pPr lvl="1"/>
+            <a:endParaRPr lang="en" altLang="ja-JP" sz="2400" dirty="0"/>
+          </a:p>
+          <a:p>
+            <a:pPr lvl="1"/>
+            <a:endParaRPr kumimoji="1" lang="ja-JP" altLang="en-US" sz="2400"/>
           </a:p>
         </p:txBody>
       </p:sp>
@@ -36173,7 +36733,7 @@
           <p:cNvPr id="4" name="スライド番号プレースホルダー 3">
             <a:extLst>
               <a:ext uri="{FF2B5EF4-FFF2-40B4-BE49-F238E27FC236}">
-                <a16:creationId xmlns:a16="http://schemas.microsoft.com/office/drawing/2014/main" id="{ADE850DF-0A55-D54C-9AC4-A73D2BBE53FA}"/>
+                <a16:creationId xmlns:a16="http://schemas.microsoft.com/office/drawing/2014/main" id="{943FDBF8-C640-D34B-AA2F-82D472B67067}"/>
               </a:ext>
             </a:extLst>
           </p:cNvPr>
@@ -36200,7 +36760,7 @@
     </p:spTree>
     <p:extLst>
       <p:ext uri="{BB962C8B-B14F-4D97-AF65-F5344CB8AC3E}">
-        <p14:creationId xmlns:p14="http://schemas.microsoft.com/office/powerpoint/2010/main" val="3873094983"/>
+        <p14:creationId xmlns:p14="http://schemas.microsoft.com/office/powerpoint/2010/main" val="2696231861"/>
       </p:ext>
     </p:extLst>
   </p:cSld>

--- a/竹田.pptx
+++ b/竹田.pptx
@@ -5,7 +5,7 @@
     <p:sldMasterId id="2147483920" r:id="rId1"/>
   </p:sldMasterIdLst>
   <p:notesMasterIdLst>
-    <p:notesMasterId r:id="rId69"/>
+    <p:notesMasterId r:id="rId70"/>
   </p:notesMasterIdLst>
   <p:sldIdLst>
     <p:sldId id="256" r:id="rId2"/>
@@ -13,68 +13,69 @@
     <p:sldId id="623" r:id="rId4"/>
     <p:sldId id="258" r:id="rId5"/>
     <p:sldId id="637" r:id="rId6"/>
-    <p:sldId id="261" r:id="rId7"/>
-    <p:sldId id="624" r:id="rId8"/>
-    <p:sldId id="260" r:id="rId9"/>
-    <p:sldId id="565" r:id="rId10"/>
-    <p:sldId id="259" r:id="rId11"/>
-    <p:sldId id="631" r:id="rId12"/>
-    <p:sldId id="263" r:id="rId13"/>
-    <p:sldId id="269" r:id="rId14"/>
-    <p:sldId id="632" r:id="rId15"/>
-    <p:sldId id="634" r:id="rId16"/>
-    <p:sldId id="272" r:id="rId17"/>
-    <p:sldId id="273" r:id="rId18"/>
-    <p:sldId id="274" r:id="rId19"/>
-    <p:sldId id="264" r:id="rId20"/>
-    <p:sldId id="265" r:id="rId21"/>
-    <p:sldId id="266" r:id="rId22"/>
-    <p:sldId id="626" r:id="rId23"/>
-    <p:sldId id="569" r:id="rId24"/>
-    <p:sldId id="571" r:id="rId25"/>
-    <p:sldId id="573" r:id="rId26"/>
-    <p:sldId id="627" r:id="rId27"/>
-    <p:sldId id="628" r:id="rId28"/>
-    <p:sldId id="629" r:id="rId29"/>
-    <p:sldId id="579" r:id="rId30"/>
-    <p:sldId id="580" r:id="rId31"/>
-    <p:sldId id="581" r:id="rId32"/>
-    <p:sldId id="588" r:id="rId33"/>
-    <p:sldId id="589" r:id="rId34"/>
-    <p:sldId id="591" r:id="rId35"/>
-    <p:sldId id="590" r:id="rId36"/>
-    <p:sldId id="592" r:id="rId37"/>
-    <p:sldId id="594" r:id="rId38"/>
-    <p:sldId id="607" r:id="rId39"/>
-    <p:sldId id="610" r:id="rId40"/>
-    <p:sldId id="630" r:id="rId41"/>
-    <p:sldId id="611" r:id="rId42"/>
-    <p:sldId id="616" r:id="rId43"/>
-    <p:sldId id="609" r:id="rId44"/>
-    <p:sldId id="578" r:id="rId45"/>
-    <p:sldId id="621" r:id="rId46"/>
-    <p:sldId id="561" r:id="rId47"/>
-    <p:sldId id="635" r:id="rId48"/>
-    <p:sldId id="633" r:id="rId49"/>
-    <p:sldId id="636" r:id="rId50"/>
-    <p:sldId id="563" r:id="rId51"/>
-    <p:sldId id="564" r:id="rId52"/>
-    <p:sldId id="566" r:id="rId53"/>
-    <p:sldId id="568" r:id="rId54"/>
-    <p:sldId id="574" r:id="rId55"/>
-    <p:sldId id="576" r:id="rId56"/>
-    <p:sldId id="620" r:id="rId57"/>
-    <p:sldId id="619" r:id="rId58"/>
-    <p:sldId id="587" r:id="rId59"/>
-    <p:sldId id="596" r:id="rId60"/>
-    <p:sldId id="597" r:id="rId61"/>
-    <p:sldId id="598" r:id="rId62"/>
-    <p:sldId id="601" r:id="rId63"/>
-    <p:sldId id="602" r:id="rId64"/>
-    <p:sldId id="603" r:id="rId65"/>
-    <p:sldId id="604" r:id="rId66"/>
-    <p:sldId id="606" r:id="rId67"/>
-    <p:sldId id="608" r:id="rId68"/>
+    <p:sldId id="638" r:id="rId7"/>
+    <p:sldId id="261" r:id="rId8"/>
+    <p:sldId id="624" r:id="rId9"/>
+    <p:sldId id="260" r:id="rId10"/>
+    <p:sldId id="565" r:id="rId11"/>
+    <p:sldId id="259" r:id="rId12"/>
+    <p:sldId id="631" r:id="rId13"/>
+    <p:sldId id="263" r:id="rId14"/>
+    <p:sldId id="269" r:id="rId15"/>
+    <p:sldId id="632" r:id="rId16"/>
+    <p:sldId id="634" r:id="rId17"/>
+    <p:sldId id="272" r:id="rId18"/>
+    <p:sldId id="273" r:id="rId19"/>
+    <p:sldId id="274" r:id="rId20"/>
+    <p:sldId id="264" r:id="rId21"/>
+    <p:sldId id="265" r:id="rId22"/>
+    <p:sldId id="266" r:id="rId23"/>
+    <p:sldId id="626" r:id="rId24"/>
+    <p:sldId id="569" r:id="rId25"/>
+    <p:sldId id="571" r:id="rId26"/>
+    <p:sldId id="573" r:id="rId27"/>
+    <p:sldId id="627" r:id="rId28"/>
+    <p:sldId id="628" r:id="rId29"/>
+    <p:sldId id="629" r:id="rId30"/>
+    <p:sldId id="579" r:id="rId31"/>
+    <p:sldId id="580" r:id="rId32"/>
+    <p:sldId id="581" r:id="rId33"/>
+    <p:sldId id="588" r:id="rId34"/>
+    <p:sldId id="589" r:id="rId35"/>
+    <p:sldId id="591" r:id="rId36"/>
+    <p:sldId id="590" r:id="rId37"/>
+    <p:sldId id="592" r:id="rId38"/>
+    <p:sldId id="594" r:id="rId39"/>
+    <p:sldId id="607" r:id="rId40"/>
+    <p:sldId id="610" r:id="rId41"/>
+    <p:sldId id="630" r:id="rId42"/>
+    <p:sldId id="611" r:id="rId43"/>
+    <p:sldId id="616" r:id="rId44"/>
+    <p:sldId id="609" r:id="rId45"/>
+    <p:sldId id="578" r:id="rId46"/>
+    <p:sldId id="621" r:id="rId47"/>
+    <p:sldId id="561" r:id="rId48"/>
+    <p:sldId id="635" r:id="rId49"/>
+    <p:sldId id="633" r:id="rId50"/>
+    <p:sldId id="636" r:id="rId51"/>
+    <p:sldId id="563" r:id="rId52"/>
+    <p:sldId id="564" r:id="rId53"/>
+    <p:sldId id="566" r:id="rId54"/>
+    <p:sldId id="568" r:id="rId55"/>
+    <p:sldId id="574" r:id="rId56"/>
+    <p:sldId id="576" r:id="rId57"/>
+    <p:sldId id="620" r:id="rId58"/>
+    <p:sldId id="619" r:id="rId59"/>
+    <p:sldId id="587" r:id="rId60"/>
+    <p:sldId id="596" r:id="rId61"/>
+    <p:sldId id="597" r:id="rId62"/>
+    <p:sldId id="598" r:id="rId63"/>
+    <p:sldId id="601" r:id="rId64"/>
+    <p:sldId id="602" r:id="rId65"/>
+    <p:sldId id="603" r:id="rId66"/>
+    <p:sldId id="604" r:id="rId67"/>
+    <p:sldId id="606" r:id="rId68"/>
+    <p:sldId id="608" r:id="rId69"/>
   </p:sldIdLst>
   <p:sldSz cx="12192000" cy="6858000"/>
   <p:notesSz cx="6858000" cy="9144000"/>
@@ -602,7 +603,7 @@
           <a:p>
             <a:fld id="{CAD0DAA7-4C30-2D47-97C1-12961BDEFAB8}" type="slidenum">
               <a:rPr kumimoji="1" lang="ja-JP" altLang="en-US" smtClean="0"/>
-              <a:t>36</a:t>
+              <a:t>37</a:t>
             </a:fld>
             <a:endParaRPr kumimoji="1" lang="ja-JP" altLang="en-US"/>
           </a:p>
@@ -8912,6 +8913,176 @@
       </p:grpSpPr>
       <p:sp>
         <p:nvSpPr>
+          <p:cNvPr id="2" name="タイトル 1">
+            <a:extLst>
+              <a:ext uri="{FF2B5EF4-FFF2-40B4-BE49-F238E27FC236}">
+                <a16:creationId xmlns:a16="http://schemas.microsoft.com/office/drawing/2014/main" id="{92047B87-2603-A144-964A-4BE3C1BE3111}"/>
+              </a:ext>
+            </a:extLst>
+          </p:cNvPr>
+          <p:cNvSpPr>
+            <a:spLocks noGrp="1"/>
+          </p:cNvSpPr>
+          <p:nvPr>
+            <p:ph type="title"/>
+          </p:nvPr>
+        </p:nvSpPr>
+        <p:spPr/>
+        <p:txBody>
+          <a:bodyPr/>
+          <a:lstStyle/>
+          <a:p>
+            <a:r>
+              <a:rPr lang="en-US" altLang="ja-JP" dirty="0"/>
+              <a:t>Ship</a:t>
+            </a:r>
+            <a:r>
+              <a:rPr kumimoji="1" lang="en-US" altLang="ja-JP" dirty="0"/>
+              <a:t> information</a:t>
+            </a:r>
+            <a:endParaRPr kumimoji="1" lang="ja-JP" altLang="en-US"/>
+          </a:p>
+        </p:txBody>
+      </p:sp>
+      <p:sp>
+        <p:nvSpPr>
+          <p:cNvPr id="3" name="コンテンツ プレースホルダー 2">
+            <a:extLst>
+              <a:ext uri="{FF2B5EF4-FFF2-40B4-BE49-F238E27FC236}">
+                <a16:creationId xmlns:a16="http://schemas.microsoft.com/office/drawing/2014/main" id="{49A4257B-C21A-9E4A-AAAF-C87FAC0753DF}"/>
+              </a:ext>
+            </a:extLst>
+          </p:cNvPr>
+          <p:cNvSpPr>
+            <a:spLocks noGrp="1"/>
+          </p:cNvSpPr>
+          <p:nvPr>
+            <p:ph idx="1"/>
+          </p:nvPr>
+        </p:nvSpPr>
+        <p:spPr/>
+        <p:txBody>
+          <a:bodyPr>
+            <a:normAutofit/>
+          </a:bodyPr>
+          <a:lstStyle/>
+          <a:p>
+            <a:r>
+              <a:rPr lang="en-US" altLang="ja-JP" sz="2400" dirty="0"/>
+              <a:t>We are also given ship </a:t>
+            </a:r>
+            <a:r>
+              <a:rPr kumimoji="1" lang="en-US" altLang="ja-JP" sz="2400" dirty="0"/>
+              <a:t>information.</a:t>
+            </a:r>
+          </a:p>
+          <a:p>
+            <a:pPr lvl="1"/>
+            <a:r>
+              <a:rPr lang="en" altLang="ja-JP" sz="2400" dirty="0"/>
+              <a:t>How many holds exist.</a:t>
+            </a:r>
+          </a:p>
+          <a:p>
+            <a:pPr lvl="1"/>
+            <a:r>
+              <a:rPr lang="en" altLang="ja-JP" sz="2400" dirty="0"/>
+              <a:t>How large each hold is. </a:t>
+            </a:r>
+          </a:p>
+          <a:p>
+            <a:pPr lvl="1"/>
+            <a:r>
+              <a:rPr lang="en" altLang="ja-JP" sz="2400" dirty="0"/>
+              <a:t>Which holds are connected.</a:t>
+            </a:r>
+          </a:p>
+          <a:p>
+            <a:pPr lvl="1"/>
+            <a:r>
+              <a:rPr lang="en" altLang="ja-JP" sz="2400" dirty="0" err="1"/>
+              <a:t>etc</a:t>
+            </a:r>
+            <a:r>
+              <a:rPr lang="en" altLang="ja-JP" sz="2400" dirty="0"/>
+              <a:t>…</a:t>
+            </a:r>
+          </a:p>
+          <a:p>
+            <a:pPr lvl="1"/>
+            <a:endParaRPr lang="en" altLang="ja-JP" sz="2400" dirty="0"/>
+          </a:p>
+          <a:p>
+            <a:pPr lvl="1"/>
+            <a:endParaRPr lang="en" altLang="ja-JP" sz="2400" dirty="0"/>
+          </a:p>
+          <a:p>
+            <a:pPr lvl="1"/>
+            <a:endParaRPr kumimoji="1" lang="ja-JP" altLang="en-US" sz="2400"/>
+          </a:p>
+        </p:txBody>
+      </p:sp>
+      <p:sp>
+        <p:nvSpPr>
+          <p:cNvPr id="4" name="スライド番号プレースホルダー 3">
+            <a:extLst>
+              <a:ext uri="{FF2B5EF4-FFF2-40B4-BE49-F238E27FC236}">
+                <a16:creationId xmlns:a16="http://schemas.microsoft.com/office/drawing/2014/main" id="{943FDBF8-C640-D34B-AA2F-82D472B67067}"/>
+              </a:ext>
+            </a:extLst>
+          </p:cNvPr>
+          <p:cNvSpPr>
+            <a:spLocks noGrp="1"/>
+          </p:cNvSpPr>
+          <p:nvPr>
+            <p:ph type="sldNum" sz="quarter" idx="12"/>
+          </p:nvPr>
+        </p:nvSpPr>
+        <p:spPr/>
+        <p:txBody>
+          <a:bodyPr/>
+          <a:lstStyle/>
+          <a:p>
+            <a:fld id="{1413D9FB-836C-864C-8E5A-36E5384B9725}" type="slidenum">
+              <a:rPr kumimoji="1" lang="ja-JP" altLang="en-US" smtClean="0"/>
+              <a:t>10</a:t>
+            </a:fld>
+            <a:endParaRPr kumimoji="1" lang="ja-JP" altLang="en-US"/>
+          </a:p>
+        </p:txBody>
+      </p:sp>
+    </p:spTree>
+    <p:extLst>
+      <p:ext uri="{BB962C8B-B14F-4D97-AF65-F5344CB8AC3E}">
+        <p14:creationId xmlns:p14="http://schemas.microsoft.com/office/powerpoint/2010/main" val="2696231861"/>
+      </p:ext>
+    </p:extLst>
+  </p:cSld>
+  <p:clrMapOvr>
+    <a:masterClrMapping/>
+  </p:clrMapOvr>
+</p:sld>
+</file>
+
+<file path=ppt/slides/slide11.xml><?xml version="1.0" encoding="utf-8"?>
+<p:sld xmlns:a="http://schemas.openxmlformats.org/drawingml/2006/main" xmlns:r="http://schemas.openxmlformats.org/officeDocument/2006/relationships" xmlns:p="http://schemas.openxmlformats.org/presentationml/2006/main">
+  <p:cSld>
+    <p:spTree>
+      <p:nvGrpSpPr>
+        <p:cNvPr id="1" name=""/>
+        <p:cNvGrpSpPr/>
+        <p:nvPr/>
+      </p:nvGrpSpPr>
+      <p:grpSpPr>
+        <a:xfrm>
+          <a:off x="0" y="0"/>
+          <a:ext cx="0" cy="0"/>
+          <a:chOff x="0" y="0"/>
+          <a:chExt cx="0" cy="0"/>
+        </a:xfrm>
+      </p:grpSpPr>
+      <p:sp>
+        <p:nvSpPr>
           <p:cNvPr id="3" name="コンテンツ プレースホルダー 2">
             <a:extLst>
               <a:ext uri="{FF2B5EF4-FFF2-40B4-BE49-F238E27FC236}">
@@ -9342,7 +9513,7 @@
           <a:p>
             <a:fld id="{1413D9FB-836C-864C-8E5A-36E5384B9725}" type="slidenum">
               <a:rPr kumimoji="1" lang="ja-JP" altLang="en-US" smtClean="0"/>
-              <a:t>10</a:t>
+              <a:t>11</a:t>
             </a:fld>
             <a:endParaRPr kumimoji="1" lang="ja-JP" altLang="en-US"/>
           </a:p>
@@ -9361,7 +9532,7 @@
 </p:sld>
 </file>
 
-<file path=ppt/slides/slide11.xml><?xml version="1.0" encoding="utf-8"?>
+<file path=ppt/slides/slide12.xml><?xml version="1.0" encoding="utf-8"?>
 <p:sld xmlns:a="http://schemas.openxmlformats.org/drawingml/2006/main" xmlns:r="http://schemas.openxmlformats.org/officeDocument/2006/relationships" xmlns:p="http://schemas.openxmlformats.org/presentationml/2006/main">
   <p:cSld>
     <p:spTree>
@@ -11883,7 +12054,7 @@
           <a:p>
             <a:fld id="{1413D9FB-836C-864C-8E5A-36E5384B9725}" type="slidenum">
               <a:rPr kumimoji="1" lang="ja-JP" altLang="en-US" smtClean="0"/>
-              <a:t>11</a:t>
+              <a:t>12</a:t>
             </a:fld>
             <a:endParaRPr kumimoji="1" lang="ja-JP" altLang="en-US"/>
           </a:p>
@@ -11893,146 +12064,6 @@
     <p:extLst>
       <p:ext uri="{BB962C8B-B14F-4D97-AF65-F5344CB8AC3E}">
         <p14:creationId xmlns:p14="http://schemas.microsoft.com/office/powerpoint/2010/main" val="373430944"/>
-      </p:ext>
-    </p:extLst>
-  </p:cSld>
-  <p:clrMapOvr>
-    <a:masterClrMapping/>
-  </p:clrMapOvr>
-</p:sld>
-</file>
-
-<file path=ppt/slides/slide12.xml><?xml version="1.0" encoding="utf-8"?>
-<p:sld xmlns:a="http://schemas.openxmlformats.org/drawingml/2006/main" xmlns:r="http://schemas.openxmlformats.org/officeDocument/2006/relationships" xmlns:p="http://schemas.openxmlformats.org/presentationml/2006/main">
-  <p:cSld>
-    <p:spTree>
-      <p:nvGrpSpPr>
-        <p:cNvPr id="1" name=""/>
-        <p:cNvGrpSpPr/>
-        <p:nvPr/>
-      </p:nvGrpSpPr>
-      <p:grpSpPr>
-        <a:xfrm>
-          <a:off x="0" y="0"/>
-          <a:ext cx="0" cy="0"/>
-          <a:chOff x="0" y="0"/>
-          <a:chExt cx="0" cy="0"/>
-        </a:xfrm>
-      </p:grpSpPr>
-      <p:sp>
-        <p:nvSpPr>
-          <p:cNvPr id="2" name="タイトル 1">
-            <a:extLst>
-              <a:ext uri="{FF2B5EF4-FFF2-40B4-BE49-F238E27FC236}">
-                <a16:creationId xmlns:a16="http://schemas.microsoft.com/office/drawing/2014/main" id="{89663C5D-CBA2-0E4F-B496-EAA0921F02CB}"/>
-              </a:ext>
-            </a:extLst>
-          </p:cNvPr>
-          <p:cNvSpPr>
-            <a:spLocks noGrp="1"/>
-          </p:cNvSpPr>
-          <p:nvPr>
-            <p:ph type="title"/>
-          </p:nvPr>
-        </p:nvSpPr>
-        <p:spPr/>
-        <p:txBody>
-          <a:bodyPr/>
-          <a:lstStyle/>
-          <a:p>
-            <a:r>
-              <a:rPr lang="en-US" altLang="ja-JP" dirty="0"/>
-              <a:t>Mathematical modeling</a:t>
-            </a:r>
-            <a:endParaRPr kumimoji="1" lang="ja-JP" altLang="en-US"/>
-          </a:p>
-        </p:txBody>
-      </p:sp>
-      <p:sp>
-        <p:nvSpPr>
-          <p:cNvPr id="3" name="コンテンツ プレースホルダー 2">
-            <a:extLst>
-              <a:ext uri="{FF2B5EF4-FFF2-40B4-BE49-F238E27FC236}">
-                <a16:creationId xmlns:a16="http://schemas.microsoft.com/office/drawing/2014/main" id="{DDCCA87D-98EC-5F4C-B7CC-2189578463C2}"/>
-              </a:ext>
-            </a:extLst>
-          </p:cNvPr>
-          <p:cNvSpPr>
-            <a:spLocks noGrp="1"/>
-          </p:cNvSpPr>
-          <p:nvPr>
-            <p:ph idx="1"/>
-          </p:nvPr>
-        </p:nvSpPr>
-        <p:spPr/>
-        <p:txBody>
-          <a:bodyPr>
-            <a:normAutofit/>
-          </a:bodyPr>
-          <a:lstStyle/>
-          <a:p>
-            <a:r>
-              <a:rPr lang="en-US" altLang="ja-JP" sz="2400" dirty="0"/>
-              <a:t>We conducted multiple interviews with the planners who actually decide the stowage plan.</a:t>
-            </a:r>
-            <a:endParaRPr kumimoji="1" lang="en-US" altLang="ja-JP" sz="2400" dirty="0"/>
-          </a:p>
-          <a:p>
-            <a:r>
-              <a:rPr lang="en-US" altLang="ja-JP" sz="2400" dirty="0"/>
-              <a:t>We model this problem as an assignment problem. </a:t>
-            </a:r>
-          </a:p>
-          <a:p>
-            <a:r>
-              <a:rPr kumimoji="1" lang="en-US" altLang="ja-JP" sz="2400" dirty="0"/>
-              <a:t>I will explain </a:t>
-            </a:r>
-            <a:r>
-              <a:rPr lang="en-US" altLang="ja-JP" sz="2400" dirty="0"/>
-              <a:t>objective function and constraints one </a:t>
-            </a:r>
-            <a:r>
-              <a:rPr kumimoji="1" lang="en-US" altLang="ja-JP" sz="2400" dirty="0"/>
-              <a:t>by one.</a:t>
-            </a:r>
-            <a:endParaRPr kumimoji="1" lang="ja-JP" altLang="en-US" sz="2400"/>
-          </a:p>
-        </p:txBody>
-      </p:sp>
-      <p:sp>
-        <p:nvSpPr>
-          <p:cNvPr id="4" name="スライド番号プレースホルダー 3">
-            <a:extLst>
-              <a:ext uri="{FF2B5EF4-FFF2-40B4-BE49-F238E27FC236}">
-                <a16:creationId xmlns:a16="http://schemas.microsoft.com/office/drawing/2014/main" id="{8E30D904-47DA-3548-ACCA-3DF8AB473687}"/>
-              </a:ext>
-            </a:extLst>
-          </p:cNvPr>
-          <p:cNvSpPr>
-            <a:spLocks noGrp="1"/>
-          </p:cNvSpPr>
-          <p:nvPr>
-            <p:ph type="sldNum" sz="quarter" idx="12"/>
-          </p:nvPr>
-        </p:nvSpPr>
-        <p:spPr/>
-        <p:txBody>
-          <a:bodyPr/>
-          <a:lstStyle/>
-          <a:p>
-            <a:fld id="{1413D9FB-836C-864C-8E5A-36E5384B9725}" type="slidenum">
-              <a:rPr kumimoji="1" lang="ja-JP" altLang="en-US" smtClean="0"/>
-              <a:t>12</a:t>
-            </a:fld>
-            <a:endParaRPr kumimoji="1" lang="ja-JP" altLang="en-US"/>
-          </a:p>
-        </p:txBody>
-      </p:sp>
-    </p:spTree>
-    <p:extLst>
-      <p:ext uri="{BB962C8B-B14F-4D97-AF65-F5344CB8AC3E}">
-        <p14:creationId xmlns:p14="http://schemas.microsoft.com/office/powerpoint/2010/main" val="1750544108"/>
       </p:ext>
     </p:extLst>
   </p:cSld>
@@ -12064,6 +12095,146 @@
           <p:cNvPr id="2" name="タイトル 1">
             <a:extLst>
               <a:ext uri="{FF2B5EF4-FFF2-40B4-BE49-F238E27FC236}">
+                <a16:creationId xmlns:a16="http://schemas.microsoft.com/office/drawing/2014/main" id="{89663C5D-CBA2-0E4F-B496-EAA0921F02CB}"/>
+              </a:ext>
+            </a:extLst>
+          </p:cNvPr>
+          <p:cNvSpPr>
+            <a:spLocks noGrp="1"/>
+          </p:cNvSpPr>
+          <p:nvPr>
+            <p:ph type="title"/>
+          </p:nvPr>
+        </p:nvSpPr>
+        <p:spPr/>
+        <p:txBody>
+          <a:bodyPr/>
+          <a:lstStyle/>
+          <a:p>
+            <a:r>
+              <a:rPr lang="en-US" altLang="ja-JP" dirty="0"/>
+              <a:t>Mathematical modeling</a:t>
+            </a:r>
+            <a:endParaRPr kumimoji="1" lang="ja-JP" altLang="en-US"/>
+          </a:p>
+        </p:txBody>
+      </p:sp>
+      <p:sp>
+        <p:nvSpPr>
+          <p:cNvPr id="3" name="コンテンツ プレースホルダー 2">
+            <a:extLst>
+              <a:ext uri="{FF2B5EF4-FFF2-40B4-BE49-F238E27FC236}">
+                <a16:creationId xmlns:a16="http://schemas.microsoft.com/office/drawing/2014/main" id="{DDCCA87D-98EC-5F4C-B7CC-2189578463C2}"/>
+              </a:ext>
+            </a:extLst>
+          </p:cNvPr>
+          <p:cNvSpPr>
+            <a:spLocks noGrp="1"/>
+          </p:cNvSpPr>
+          <p:nvPr>
+            <p:ph idx="1"/>
+          </p:nvPr>
+        </p:nvSpPr>
+        <p:spPr/>
+        <p:txBody>
+          <a:bodyPr>
+            <a:normAutofit/>
+          </a:bodyPr>
+          <a:lstStyle/>
+          <a:p>
+            <a:r>
+              <a:rPr lang="en-US" altLang="ja-JP" sz="2400" dirty="0"/>
+              <a:t>We conducted multiple interviews with the planners who actually decide the stowage plan.</a:t>
+            </a:r>
+            <a:endParaRPr kumimoji="1" lang="en-US" altLang="ja-JP" sz="2400" dirty="0"/>
+          </a:p>
+          <a:p>
+            <a:r>
+              <a:rPr lang="en-US" altLang="ja-JP" sz="2400" dirty="0"/>
+              <a:t>We model this problem as an assignment problem. </a:t>
+            </a:r>
+          </a:p>
+          <a:p>
+            <a:r>
+              <a:rPr kumimoji="1" lang="en-US" altLang="ja-JP" sz="2400" dirty="0"/>
+              <a:t>I will explain </a:t>
+            </a:r>
+            <a:r>
+              <a:rPr lang="en-US" altLang="ja-JP" sz="2400" dirty="0"/>
+              <a:t>objective function and constraints one </a:t>
+            </a:r>
+            <a:r>
+              <a:rPr kumimoji="1" lang="en-US" altLang="ja-JP" sz="2400" dirty="0"/>
+              <a:t>by one.</a:t>
+            </a:r>
+            <a:endParaRPr kumimoji="1" lang="ja-JP" altLang="en-US" sz="2400"/>
+          </a:p>
+        </p:txBody>
+      </p:sp>
+      <p:sp>
+        <p:nvSpPr>
+          <p:cNvPr id="4" name="スライド番号プレースホルダー 3">
+            <a:extLst>
+              <a:ext uri="{FF2B5EF4-FFF2-40B4-BE49-F238E27FC236}">
+                <a16:creationId xmlns:a16="http://schemas.microsoft.com/office/drawing/2014/main" id="{8E30D904-47DA-3548-ACCA-3DF8AB473687}"/>
+              </a:ext>
+            </a:extLst>
+          </p:cNvPr>
+          <p:cNvSpPr>
+            <a:spLocks noGrp="1"/>
+          </p:cNvSpPr>
+          <p:nvPr>
+            <p:ph type="sldNum" sz="quarter" idx="12"/>
+          </p:nvPr>
+        </p:nvSpPr>
+        <p:spPr/>
+        <p:txBody>
+          <a:bodyPr/>
+          <a:lstStyle/>
+          <a:p>
+            <a:fld id="{1413D9FB-836C-864C-8E5A-36E5384B9725}" type="slidenum">
+              <a:rPr kumimoji="1" lang="ja-JP" altLang="en-US" smtClean="0"/>
+              <a:t>13</a:t>
+            </a:fld>
+            <a:endParaRPr kumimoji="1" lang="ja-JP" altLang="en-US"/>
+          </a:p>
+        </p:txBody>
+      </p:sp>
+    </p:spTree>
+    <p:extLst>
+      <p:ext uri="{BB962C8B-B14F-4D97-AF65-F5344CB8AC3E}">
+        <p14:creationId xmlns:p14="http://schemas.microsoft.com/office/powerpoint/2010/main" val="1750544108"/>
+      </p:ext>
+    </p:extLst>
+  </p:cSld>
+  <p:clrMapOvr>
+    <a:masterClrMapping/>
+  </p:clrMapOvr>
+</p:sld>
+</file>
+
+<file path=ppt/slides/slide14.xml><?xml version="1.0" encoding="utf-8"?>
+<p:sld xmlns:a="http://schemas.openxmlformats.org/drawingml/2006/main" xmlns:r="http://schemas.openxmlformats.org/officeDocument/2006/relationships" xmlns:p="http://schemas.openxmlformats.org/presentationml/2006/main">
+  <p:cSld>
+    <p:spTree>
+      <p:nvGrpSpPr>
+        <p:cNvPr id="1" name=""/>
+        <p:cNvGrpSpPr/>
+        <p:nvPr/>
+      </p:nvGrpSpPr>
+      <p:grpSpPr>
+        <a:xfrm>
+          <a:off x="0" y="0"/>
+          <a:ext cx="0" cy="0"/>
+          <a:chOff x="0" y="0"/>
+          <a:chExt cx="0" cy="0"/>
+        </a:xfrm>
+      </p:grpSpPr>
+      <p:sp>
+        <p:nvSpPr>
+          <p:cNvPr id="2" name="タイトル 1">
+            <a:extLst>
+              <a:ext uri="{FF2B5EF4-FFF2-40B4-BE49-F238E27FC236}">
                 <a16:creationId xmlns:a16="http://schemas.microsoft.com/office/drawing/2014/main" id="{FD7804DA-5131-1342-B346-35CAC3C09CE7}"/>
               </a:ext>
             </a:extLst>
@@ -12210,7 +12381,7 @@
           <a:p>
             <a:fld id="{1413D9FB-836C-864C-8E5A-36E5384B9725}" type="slidenum">
               <a:rPr kumimoji="1" lang="ja-JP" altLang="en-US" smtClean="0"/>
-              <a:t>13</a:t>
+              <a:t>14</a:t>
             </a:fld>
             <a:endParaRPr kumimoji="1" lang="ja-JP" altLang="en-US"/>
           </a:p>
@@ -12229,7 +12400,7 @@
 </p:sld>
 </file>
 
-<file path=ppt/slides/slide14.xml><?xml version="1.0" encoding="utf-8"?>
+<file path=ppt/slides/slide15.xml><?xml version="1.0" encoding="utf-8"?>
 <p:sld xmlns:a="http://schemas.openxmlformats.org/drawingml/2006/main" xmlns:r="http://schemas.openxmlformats.org/officeDocument/2006/relationships" xmlns:p="http://schemas.openxmlformats.org/presentationml/2006/main">
   <p:cSld>
     <p:spTree>
@@ -13048,7 +13219,7 @@
           <a:p>
             <a:fld id="{1413D9FB-836C-864C-8E5A-36E5384B9725}" type="slidenum">
               <a:rPr kumimoji="1" lang="ja-JP" altLang="en-US" smtClean="0"/>
-              <a:t>14</a:t>
+              <a:t>15</a:t>
             </a:fld>
             <a:endParaRPr kumimoji="1" lang="ja-JP" altLang="en-US"/>
           </a:p>
@@ -13067,7 +13238,7 @@
 </p:sld>
 </file>
 
-<file path=ppt/slides/slide15.xml><?xml version="1.0" encoding="utf-8"?>
+<file path=ppt/slides/slide16.xml><?xml version="1.0" encoding="utf-8"?>
 <p:sld xmlns:a="http://schemas.openxmlformats.org/drawingml/2006/main" xmlns:r="http://schemas.openxmlformats.org/officeDocument/2006/relationships" xmlns:p="http://schemas.openxmlformats.org/presentationml/2006/main">
   <p:cSld>
     <p:spTree>
@@ -13568,7 +13739,7 @@
           <a:p>
             <a:fld id="{1413D9FB-836C-864C-8E5A-36E5384B9725}" type="slidenum">
               <a:rPr kumimoji="1" lang="ja-JP" altLang="en-US" smtClean="0"/>
-              <a:t>15</a:t>
+              <a:t>16</a:t>
             </a:fld>
             <a:endParaRPr kumimoji="1" lang="ja-JP" altLang="en-US"/>
           </a:p>
@@ -13587,7 +13758,7 @@
 </p:sld>
 </file>
 
-<file path=ppt/slides/slide16.xml><?xml version="1.0" encoding="utf-8"?>
+<file path=ppt/slides/slide17.xml><?xml version="1.0" encoding="utf-8"?>
 <p:sld xmlns:a="http://schemas.openxmlformats.org/drawingml/2006/main" xmlns:r="http://schemas.openxmlformats.org/officeDocument/2006/relationships" xmlns:p="http://schemas.openxmlformats.org/presentationml/2006/main">
   <p:cSld>
     <p:spTree>
@@ -13717,7 +13888,7 @@
           <a:p>
             <a:fld id="{1413D9FB-836C-864C-8E5A-36E5384B9725}" type="slidenum">
               <a:rPr kumimoji="1" lang="ja-JP" altLang="en-US" smtClean="0"/>
-              <a:t>16</a:t>
+              <a:t>17</a:t>
             </a:fld>
             <a:endParaRPr kumimoji="1" lang="ja-JP" altLang="en-US"/>
           </a:p>
@@ -13736,7 +13907,7 @@
 </p:sld>
 </file>
 
-<file path=ppt/slides/slide17.xml><?xml version="1.0" encoding="utf-8"?>
+<file path=ppt/slides/slide18.xml><?xml version="1.0" encoding="utf-8"?>
 <p:sld xmlns:a="http://schemas.openxmlformats.org/drawingml/2006/main" xmlns:r="http://schemas.openxmlformats.org/officeDocument/2006/relationships" xmlns:p="http://schemas.openxmlformats.org/presentationml/2006/main">
   <p:cSld>
     <p:spTree>
@@ -13900,7 +14071,7 @@
           <a:p>
             <a:r>
               <a:rPr lang="en" altLang="ja-JP" sz="2400" dirty="0"/>
-              <a:t>Once these holds are filled to a certain extent, it will be impossible to reach the deeper holds.</a:t>
+              <a:t>Once these holds are filled to a certain extent, it will be impossible to reach the back holds.</a:t>
             </a:r>
           </a:p>
           <a:p>
@@ -14099,7 +14270,7 @@
           <a:p>
             <a:fld id="{1413D9FB-836C-864C-8E5A-36E5384B9725}" type="slidenum">
               <a:rPr kumimoji="1" lang="ja-JP" altLang="en-US" smtClean="0"/>
-              <a:t>17</a:t>
+              <a:t>18</a:t>
             </a:fld>
             <a:endParaRPr kumimoji="1" lang="ja-JP" altLang="en-US"/>
           </a:p>
@@ -14118,7 +14289,7 @@
 </p:sld>
 </file>
 
-<file path=ppt/slides/slide18.xml><?xml version="1.0" encoding="utf-8"?>
+<file path=ppt/slides/slide19.xml><?xml version="1.0" encoding="utf-8"?>
 <p:sld xmlns:a="http://schemas.openxmlformats.org/drawingml/2006/main" xmlns:r="http://schemas.openxmlformats.org/officeDocument/2006/relationships" xmlns:p="http://schemas.openxmlformats.org/presentationml/2006/main">
   <p:cSld>
     <p:spTree>
@@ -14289,7 +14460,7 @@
           <a:p>
             <a:fld id="{1413D9FB-836C-864C-8E5A-36E5384B9725}" type="slidenum">
               <a:rPr kumimoji="1" lang="ja-JP" altLang="en-US" smtClean="0"/>
-              <a:t>18</a:t>
+              <a:t>19</a:t>
             </a:fld>
             <a:endParaRPr kumimoji="1" lang="ja-JP" altLang="en-US"/>
           </a:p>
@@ -14299,163 +14470,6 @@
     <p:extLst>
       <p:ext uri="{BB962C8B-B14F-4D97-AF65-F5344CB8AC3E}">
         <p14:creationId xmlns:p14="http://schemas.microsoft.com/office/powerpoint/2010/main" val="495377332"/>
-      </p:ext>
-    </p:extLst>
-  </p:cSld>
-  <p:clrMapOvr>
-    <a:masterClrMapping/>
-  </p:clrMapOvr>
-</p:sld>
-</file>
-
-<file path=ppt/slides/slide19.xml><?xml version="1.0" encoding="utf-8"?>
-<p:sld xmlns:a="http://schemas.openxmlformats.org/drawingml/2006/main" xmlns:r="http://schemas.openxmlformats.org/officeDocument/2006/relationships" xmlns:p="http://schemas.openxmlformats.org/presentationml/2006/main">
-  <p:cSld>
-    <p:spTree>
-      <p:nvGrpSpPr>
-        <p:cNvPr id="1" name=""/>
-        <p:cNvGrpSpPr/>
-        <p:nvPr/>
-      </p:nvGrpSpPr>
-      <p:grpSpPr>
-        <a:xfrm>
-          <a:off x="0" y="0"/>
-          <a:ext cx="0" cy="0"/>
-          <a:chOff x="0" y="0"/>
-          <a:chExt cx="0" cy="0"/>
-        </a:xfrm>
-      </p:grpSpPr>
-      <p:sp>
-        <p:nvSpPr>
-          <p:cNvPr id="2" name="タイトル 1">
-            <a:extLst>
-              <a:ext uri="{FF2B5EF4-FFF2-40B4-BE49-F238E27FC236}">
-                <a16:creationId xmlns:a16="http://schemas.microsoft.com/office/drawing/2014/main" id="{D6E9A7F1-EC3C-894A-8E9E-0981C4CA834A}"/>
-              </a:ext>
-            </a:extLst>
-          </p:cNvPr>
-          <p:cNvSpPr>
-            <a:spLocks noGrp="1"/>
-          </p:cNvSpPr>
-          <p:nvPr>
-            <p:ph type="title"/>
-          </p:nvPr>
-        </p:nvSpPr>
-        <p:spPr/>
-        <p:txBody>
-          <a:bodyPr/>
-          <a:lstStyle/>
-          <a:p>
-            <a:r>
-              <a:rPr lang="en-US" altLang="ja-JP" dirty="0"/>
-              <a:t>Constraints</a:t>
-            </a:r>
-            <a:endParaRPr kumimoji="1" lang="ja-JP" altLang="en-US"/>
-          </a:p>
-        </p:txBody>
-      </p:sp>
-      <p:sp>
-        <p:nvSpPr>
-          <p:cNvPr id="3" name="コンテンツ プレースホルダー 2">
-            <a:extLst>
-              <a:ext uri="{FF2B5EF4-FFF2-40B4-BE49-F238E27FC236}">
-                <a16:creationId xmlns:a16="http://schemas.microsoft.com/office/drawing/2014/main" id="{9D01FC0B-1A3C-FE4D-82C1-224B072D7881}"/>
-              </a:ext>
-            </a:extLst>
-          </p:cNvPr>
-          <p:cNvSpPr>
-            <a:spLocks noGrp="1"/>
-          </p:cNvSpPr>
-          <p:nvPr>
-            <p:ph idx="1"/>
-          </p:nvPr>
-        </p:nvSpPr>
-        <p:spPr/>
-        <p:txBody>
-          <a:bodyPr>
-            <a:normAutofit/>
-          </a:bodyPr>
-          <a:lstStyle/>
-          <a:p>
-            <a:pPr marL="0" indent="0">
-              <a:buNone/>
-            </a:pPr>
-            <a:r>
-              <a:rPr kumimoji="1" lang="en-US" altLang="ja-JP" sz="2400" dirty="0"/>
-              <a:t>There are 3 constraints in making assignment.</a:t>
-            </a:r>
-          </a:p>
-          <a:p>
-            <a:pPr marL="0" indent="0">
-              <a:buNone/>
-            </a:pPr>
-            <a:endParaRPr kumimoji="1" lang="en-US" altLang="ja-JP" sz="2400" dirty="0"/>
-          </a:p>
-          <a:p>
-            <a:pPr>
-              <a:buFont typeface="+mj-lt"/>
-              <a:buAutoNum type="arabicPeriod"/>
-            </a:pPr>
-            <a:r>
-              <a:rPr kumimoji="1" lang="en-US" altLang="ja-JP" sz="2400" dirty="0"/>
-              <a:t>Travel routes in the ship</a:t>
-            </a:r>
-          </a:p>
-          <a:p>
-            <a:pPr>
-              <a:buFont typeface="+mj-lt"/>
-              <a:buAutoNum type="arabicPeriod"/>
-            </a:pPr>
-            <a:r>
-              <a:rPr lang="en" altLang="ja-JP" sz="2400" dirty="0"/>
-              <a:t>Weight balance of cargo</a:t>
-            </a:r>
-          </a:p>
-          <a:p>
-            <a:pPr>
-              <a:buFont typeface="+mj-lt"/>
-              <a:buAutoNum type="arabicPeriod"/>
-            </a:pPr>
-            <a:r>
-              <a:rPr lang="en" altLang="ja-JP" sz="2400" dirty="0"/>
-              <a:t>All vehicles must be loaded.</a:t>
-            </a:r>
-          </a:p>
-        </p:txBody>
-      </p:sp>
-      <p:sp>
-        <p:nvSpPr>
-          <p:cNvPr id="4" name="スライド番号プレースホルダー 3">
-            <a:extLst>
-              <a:ext uri="{FF2B5EF4-FFF2-40B4-BE49-F238E27FC236}">
-                <a16:creationId xmlns:a16="http://schemas.microsoft.com/office/drawing/2014/main" id="{998D3EE6-94AB-DB46-AE24-9C8443063587}"/>
-              </a:ext>
-            </a:extLst>
-          </p:cNvPr>
-          <p:cNvSpPr>
-            <a:spLocks noGrp="1"/>
-          </p:cNvSpPr>
-          <p:nvPr>
-            <p:ph type="sldNum" sz="quarter" idx="12"/>
-          </p:nvPr>
-        </p:nvSpPr>
-        <p:spPr/>
-        <p:txBody>
-          <a:bodyPr/>
-          <a:lstStyle/>
-          <a:p>
-            <a:fld id="{1413D9FB-836C-864C-8E5A-36E5384B9725}" type="slidenum">
-              <a:rPr kumimoji="1" lang="ja-JP" altLang="en-US" smtClean="0"/>
-              <a:t>19</a:t>
-            </a:fld>
-            <a:endParaRPr kumimoji="1" lang="ja-JP" altLang="en-US"/>
-          </a:p>
-        </p:txBody>
-      </p:sp>
-    </p:spTree>
-    <p:extLst>
-      <p:ext uri="{BB962C8B-B14F-4D97-AF65-F5344CB8AC3E}">
-        <p14:creationId xmlns:p14="http://schemas.microsoft.com/office/powerpoint/2010/main" val="3557686308"/>
       </p:ext>
     </p:extLst>
   </p:cSld>
@@ -14609,6 +14623,163 @@
 </file>
 
 <file path=ppt/slides/slide20.xml><?xml version="1.0" encoding="utf-8"?>
+<p:sld xmlns:a="http://schemas.openxmlformats.org/drawingml/2006/main" xmlns:r="http://schemas.openxmlformats.org/officeDocument/2006/relationships" xmlns:p="http://schemas.openxmlformats.org/presentationml/2006/main">
+  <p:cSld>
+    <p:spTree>
+      <p:nvGrpSpPr>
+        <p:cNvPr id="1" name=""/>
+        <p:cNvGrpSpPr/>
+        <p:nvPr/>
+      </p:nvGrpSpPr>
+      <p:grpSpPr>
+        <a:xfrm>
+          <a:off x="0" y="0"/>
+          <a:ext cx="0" cy="0"/>
+          <a:chOff x="0" y="0"/>
+          <a:chExt cx="0" cy="0"/>
+        </a:xfrm>
+      </p:grpSpPr>
+      <p:sp>
+        <p:nvSpPr>
+          <p:cNvPr id="2" name="タイトル 1">
+            <a:extLst>
+              <a:ext uri="{FF2B5EF4-FFF2-40B4-BE49-F238E27FC236}">
+                <a16:creationId xmlns:a16="http://schemas.microsoft.com/office/drawing/2014/main" id="{D6E9A7F1-EC3C-894A-8E9E-0981C4CA834A}"/>
+              </a:ext>
+            </a:extLst>
+          </p:cNvPr>
+          <p:cNvSpPr>
+            <a:spLocks noGrp="1"/>
+          </p:cNvSpPr>
+          <p:nvPr>
+            <p:ph type="title"/>
+          </p:nvPr>
+        </p:nvSpPr>
+        <p:spPr/>
+        <p:txBody>
+          <a:bodyPr/>
+          <a:lstStyle/>
+          <a:p>
+            <a:r>
+              <a:rPr lang="en-US" altLang="ja-JP" dirty="0"/>
+              <a:t>Constraints</a:t>
+            </a:r>
+            <a:endParaRPr kumimoji="1" lang="ja-JP" altLang="en-US"/>
+          </a:p>
+        </p:txBody>
+      </p:sp>
+      <p:sp>
+        <p:nvSpPr>
+          <p:cNvPr id="3" name="コンテンツ プレースホルダー 2">
+            <a:extLst>
+              <a:ext uri="{FF2B5EF4-FFF2-40B4-BE49-F238E27FC236}">
+                <a16:creationId xmlns:a16="http://schemas.microsoft.com/office/drawing/2014/main" id="{9D01FC0B-1A3C-FE4D-82C1-224B072D7881}"/>
+              </a:ext>
+            </a:extLst>
+          </p:cNvPr>
+          <p:cNvSpPr>
+            <a:spLocks noGrp="1"/>
+          </p:cNvSpPr>
+          <p:nvPr>
+            <p:ph idx="1"/>
+          </p:nvPr>
+        </p:nvSpPr>
+        <p:spPr/>
+        <p:txBody>
+          <a:bodyPr>
+            <a:normAutofit/>
+          </a:bodyPr>
+          <a:lstStyle/>
+          <a:p>
+            <a:pPr marL="0" indent="0">
+              <a:buNone/>
+            </a:pPr>
+            <a:r>
+              <a:rPr kumimoji="1" lang="en-US" altLang="ja-JP" sz="2400" dirty="0"/>
+              <a:t>There are 3 constraints in making assignment.</a:t>
+            </a:r>
+          </a:p>
+          <a:p>
+            <a:pPr marL="0" indent="0">
+              <a:buNone/>
+            </a:pPr>
+            <a:endParaRPr kumimoji="1" lang="en-US" altLang="ja-JP" sz="2400" dirty="0"/>
+          </a:p>
+          <a:p>
+            <a:pPr>
+              <a:buFont typeface="+mj-lt"/>
+              <a:buAutoNum type="arabicPeriod"/>
+            </a:pPr>
+            <a:r>
+              <a:rPr kumimoji="1" lang="en-US" altLang="ja-JP" sz="2400" dirty="0"/>
+              <a:t>Travel routes in the ship</a:t>
+            </a:r>
+          </a:p>
+          <a:p>
+            <a:pPr>
+              <a:buFont typeface="+mj-lt"/>
+              <a:buAutoNum type="arabicPeriod"/>
+            </a:pPr>
+            <a:r>
+              <a:rPr lang="en" altLang="ja-JP" sz="2400" dirty="0"/>
+              <a:t>Weight balance of cargo</a:t>
+            </a:r>
+          </a:p>
+          <a:p>
+            <a:pPr>
+              <a:buFont typeface="+mj-lt"/>
+              <a:buAutoNum type="arabicPeriod"/>
+            </a:pPr>
+            <a:r>
+              <a:rPr lang="en" altLang="ja-JP" sz="2400" dirty="0"/>
+              <a:t>All vehicles must be loaded.</a:t>
+            </a:r>
+          </a:p>
+        </p:txBody>
+      </p:sp>
+      <p:sp>
+        <p:nvSpPr>
+          <p:cNvPr id="4" name="スライド番号プレースホルダー 3">
+            <a:extLst>
+              <a:ext uri="{FF2B5EF4-FFF2-40B4-BE49-F238E27FC236}">
+                <a16:creationId xmlns:a16="http://schemas.microsoft.com/office/drawing/2014/main" id="{998D3EE6-94AB-DB46-AE24-9C8443063587}"/>
+              </a:ext>
+            </a:extLst>
+          </p:cNvPr>
+          <p:cNvSpPr>
+            <a:spLocks noGrp="1"/>
+          </p:cNvSpPr>
+          <p:nvPr>
+            <p:ph type="sldNum" sz="quarter" idx="12"/>
+          </p:nvPr>
+        </p:nvSpPr>
+        <p:spPr/>
+        <p:txBody>
+          <a:bodyPr/>
+          <a:lstStyle/>
+          <a:p>
+            <a:fld id="{1413D9FB-836C-864C-8E5A-36E5384B9725}" type="slidenum">
+              <a:rPr kumimoji="1" lang="ja-JP" altLang="en-US" smtClean="0"/>
+              <a:t>20</a:t>
+            </a:fld>
+            <a:endParaRPr kumimoji="1" lang="ja-JP" altLang="en-US"/>
+          </a:p>
+        </p:txBody>
+      </p:sp>
+    </p:spTree>
+    <p:extLst>
+      <p:ext uri="{BB962C8B-B14F-4D97-AF65-F5344CB8AC3E}">
+        <p14:creationId xmlns:p14="http://schemas.microsoft.com/office/powerpoint/2010/main" val="3557686308"/>
+      </p:ext>
+    </p:extLst>
+  </p:cSld>
+  <p:clrMapOvr>
+    <a:masterClrMapping/>
+  </p:clrMapOvr>
+</p:sld>
+</file>
+
+<file path=ppt/slides/slide21.xml><?xml version="1.0" encoding="utf-8"?>
 <p:sld xmlns:a="http://schemas.openxmlformats.org/drawingml/2006/main" xmlns:r="http://schemas.openxmlformats.org/officeDocument/2006/relationships" xmlns:p="http://schemas.openxmlformats.org/presentationml/2006/main">
   <p:cSld>
     <p:spTree>
@@ -14961,7 +15132,7 @@
           <a:p>
             <a:fld id="{1413D9FB-836C-864C-8E5A-36E5384B9725}" type="slidenum">
               <a:rPr kumimoji="1" lang="ja-JP" altLang="en-US" smtClean="0"/>
-              <a:t>20</a:t>
+              <a:t>21</a:t>
             </a:fld>
             <a:endParaRPr kumimoji="1" lang="ja-JP" altLang="en-US"/>
           </a:p>
@@ -14980,7 +15151,7 @@
 </p:sld>
 </file>
 
-<file path=ppt/slides/slide21.xml><?xml version="1.0" encoding="utf-8"?>
+<file path=ppt/slides/slide22.xml><?xml version="1.0" encoding="utf-8"?>
 <p:sld xmlns:a="http://schemas.openxmlformats.org/drawingml/2006/main" xmlns:r="http://schemas.openxmlformats.org/officeDocument/2006/relationships" xmlns:p="http://schemas.openxmlformats.org/presentationml/2006/main">
   <p:cSld>
     <p:spTree>
@@ -15136,7 +15307,7 @@
           <a:p>
             <a:fld id="{1413D9FB-836C-864C-8E5A-36E5384B9725}" type="slidenum">
               <a:rPr kumimoji="1" lang="ja-JP" altLang="en-US" smtClean="0"/>
-              <a:t>21</a:t>
+              <a:t>22</a:t>
             </a:fld>
             <a:endParaRPr kumimoji="1" lang="ja-JP" altLang="en-US"/>
           </a:p>
@@ -15146,180 +15317,6 @@
     <p:extLst>
       <p:ext uri="{BB962C8B-B14F-4D97-AF65-F5344CB8AC3E}">
         <p14:creationId xmlns:p14="http://schemas.microsoft.com/office/powerpoint/2010/main" val="855990403"/>
-      </p:ext>
-    </p:extLst>
-  </p:cSld>
-  <p:clrMapOvr>
-    <a:masterClrMapping/>
-  </p:clrMapOvr>
-</p:sld>
-</file>
-
-<file path=ppt/slides/slide22.xml><?xml version="1.0" encoding="utf-8"?>
-<p:sld xmlns:a="http://schemas.openxmlformats.org/drawingml/2006/main" xmlns:r="http://schemas.openxmlformats.org/officeDocument/2006/relationships" xmlns:p="http://schemas.openxmlformats.org/presentationml/2006/main">
-  <p:cSld>
-    <p:spTree>
-      <p:nvGrpSpPr>
-        <p:cNvPr id="1" name=""/>
-        <p:cNvGrpSpPr/>
-        <p:nvPr/>
-      </p:nvGrpSpPr>
-      <p:grpSpPr>
-        <a:xfrm>
-          <a:off x="0" y="0"/>
-          <a:ext cx="0" cy="0"/>
-          <a:chOff x="0" y="0"/>
-          <a:chExt cx="0" cy="0"/>
-        </a:xfrm>
-      </p:grpSpPr>
-      <p:sp>
-        <p:nvSpPr>
-          <p:cNvPr id="2" name="タイトル 1">
-            <a:extLst>
-              <a:ext uri="{FF2B5EF4-FFF2-40B4-BE49-F238E27FC236}">
-                <a16:creationId xmlns:a16="http://schemas.microsoft.com/office/drawing/2014/main" id="{93010AF0-9B7D-1145-8148-06A633089EBF}"/>
-              </a:ext>
-            </a:extLst>
-          </p:cNvPr>
-          <p:cNvSpPr>
-            <a:spLocks noGrp="1"/>
-          </p:cNvSpPr>
-          <p:nvPr>
-            <p:ph type="title"/>
-          </p:nvPr>
-        </p:nvSpPr>
-        <p:spPr/>
-        <p:txBody>
-          <a:bodyPr/>
-          <a:lstStyle/>
-          <a:p>
-            <a:r>
-              <a:rPr kumimoji="1" lang="en-US" altLang="ja-JP" dirty="0"/>
-              <a:t>Outline</a:t>
-            </a:r>
-            <a:endParaRPr kumimoji="1" lang="ja-JP" altLang="en-US"/>
-          </a:p>
-        </p:txBody>
-      </p:sp>
-      <p:sp>
-        <p:nvSpPr>
-          <p:cNvPr id="3" name="コンテンツ プレースホルダー 2">
-            <a:extLst>
-              <a:ext uri="{FF2B5EF4-FFF2-40B4-BE49-F238E27FC236}">
-                <a16:creationId xmlns:a16="http://schemas.microsoft.com/office/drawing/2014/main" id="{97A5DCCE-A463-7E40-A93C-1FAC6C539F8C}"/>
-              </a:ext>
-            </a:extLst>
-          </p:cNvPr>
-          <p:cNvSpPr>
-            <a:spLocks noGrp="1"/>
-          </p:cNvSpPr>
-          <p:nvPr>
-            <p:ph idx="1"/>
-          </p:nvPr>
-        </p:nvSpPr>
-        <p:spPr/>
-        <p:txBody>
-          <a:bodyPr>
-            <a:normAutofit/>
-          </a:bodyPr>
-          <a:lstStyle/>
-          <a:p>
-            <a:r>
-              <a:rPr kumimoji="1" lang="en-US" altLang="ja-JP" sz="2400" dirty="0">
-                <a:solidFill>
-                  <a:schemeClr val="bg1">
-                    <a:lumMod val="75000"/>
-                  </a:schemeClr>
-                </a:solidFill>
-              </a:rPr>
-              <a:t>Background</a:t>
-            </a:r>
-          </a:p>
-          <a:p>
-            <a:r>
-              <a:rPr lang="en-US" altLang="ja-JP" sz="2400" dirty="0">
-                <a:solidFill>
-                  <a:schemeClr val="bg1">
-                    <a:lumMod val="75000"/>
-                  </a:schemeClr>
-                </a:solidFill>
-              </a:rPr>
-              <a:t>Problem definition</a:t>
-            </a:r>
-            <a:endParaRPr kumimoji="1" lang="en-US" altLang="ja-JP" sz="2400" dirty="0">
-              <a:solidFill>
-                <a:schemeClr val="bg1">
-                  <a:lumMod val="75000"/>
-                </a:schemeClr>
-              </a:solidFill>
-            </a:endParaRPr>
-          </a:p>
-          <a:p>
-            <a:r>
-              <a:rPr lang="en-US" altLang="ja-JP" sz="2400" dirty="0"/>
-              <a:t>Proposed model</a:t>
-            </a:r>
-          </a:p>
-          <a:p>
-            <a:r>
-              <a:rPr lang="en-US" altLang="ja-JP" sz="2400" dirty="0">
-                <a:solidFill>
-                  <a:schemeClr val="bg1">
-                    <a:lumMod val="75000"/>
-                  </a:schemeClr>
-                </a:solidFill>
-              </a:rPr>
-              <a:t>Summary</a:t>
-            </a:r>
-            <a:endParaRPr kumimoji="1" lang="en-US" altLang="ja-JP" sz="2400" dirty="0">
-              <a:solidFill>
-                <a:schemeClr val="bg1">
-                  <a:lumMod val="75000"/>
-                </a:schemeClr>
-              </a:solidFill>
-            </a:endParaRPr>
-          </a:p>
-          <a:p>
-            <a:endParaRPr kumimoji="1" lang="en-US" altLang="ja-JP" sz="2400" dirty="0"/>
-          </a:p>
-          <a:p>
-            <a:endParaRPr kumimoji="1" lang="ja-JP" altLang="en-US" sz="2400"/>
-          </a:p>
-        </p:txBody>
-      </p:sp>
-      <p:sp>
-        <p:nvSpPr>
-          <p:cNvPr id="4" name="スライド番号プレースホルダー 3">
-            <a:extLst>
-              <a:ext uri="{FF2B5EF4-FFF2-40B4-BE49-F238E27FC236}">
-                <a16:creationId xmlns:a16="http://schemas.microsoft.com/office/drawing/2014/main" id="{EA4D9C2D-4C48-CD4F-887B-314E831E1E54}"/>
-              </a:ext>
-            </a:extLst>
-          </p:cNvPr>
-          <p:cNvSpPr>
-            <a:spLocks noGrp="1"/>
-          </p:cNvSpPr>
-          <p:nvPr>
-            <p:ph type="sldNum" sz="quarter" idx="12"/>
-          </p:nvPr>
-        </p:nvSpPr>
-        <p:spPr/>
-        <p:txBody>
-          <a:bodyPr/>
-          <a:lstStyle/>
-          <a:p>
-            <a:fld id="{1413D9FB-836C-864C-8E5A-36E5384B9725}" type="slidenum">
-              <a:rPr kumimoji="1" lang="ja-JP" altLang="en-US" smtClean="0"/>
-              <a:t>22</a:t>
-            </a:fld>
-            <a:endParaRPr kumimoji="1" lang="ja-JP" altLang="en-US"/>
-          </a:p>
-        </p:txBody>
-      </p:sp>
-    </p:spTree>
-    <p:extLst>
-      <p:ext uri="{BB962C8B-B14F-4D97-AF65-F5344CB8AC3E}">
-        <p14:creationId xmlns:p14="http://schemas.microsoft.com/office/powerpoint/2010/main" val="3599082772"/>
       </p:ext>
     </p:extLst>
   </p:cSld>
@@ -15351,7 +15348,7 @@
           <p:cNvPr id="2" name="タイトル 1">
             <a:extLst>
               <a:ext uri="{FF2B5EF4-FFF2-40B4-BE49-F238E27FC236}">
-                <a16:creationId xmlns:a16="http://schemas.microsoft.com/office/drawing/2014/main" id="{AA682DFF-D324-2B44-B659-FF46E3AA1D70}"/>
+                <a16:creationId xmlns:a16="http://schemas.microsoft.com/office/drawing/2014/main" id="{93010AF0-9B7D-1145-8148-06A633089EBF}"/>
               </a:ext>
             </a:extLst>
           </p:cNvPr>
@@ -15368,12 +15365,8 @@
           <a:lstStyle/>
           <a:p>
             <a:r>
-              <a:rPr lang="en-US" altLang="ja-JP" dirty="0"/>
-              <a:t>M</a:t>
-            </a:r>
-            <a:r>
               <a:rPr kumimoji="1" lang="en-US" altLang="ja-JP" dirty="0"/>
-              <a:t>odeling </a:t>
+              <a:t>Outline</a:t>
             </a:r>
             <a:endParaRPr kumimoji="1" lang="ja-JP" altLang="en-US"/>
           </a:p>
@@ -15384,7 +15377,7 @@
           <p:cNvPr id="3" name="コンテンツ プレースホルダー 2">
             <a:extLst>
               <a:ext uri="{FF2B5EF4-FFF2-40B4-BE49-F238E27FC236}">
-                <a16:creationId xmlns:a16="http://schemas.microsoft.com/office/drawing/2014/main" id="{A1B81CE6-3BEF-7F46-9003-6161F54DD432}"/>
+                <a16:creationId xmlns:a16="http://schemas.microsoft.com/office/drawing/2014/main" id="{97A5DCCE-A463-7E40-A93C-1FAC6C539F8C}"/>
               </a:ext>
             </a:extLst>
           </p:cNvPr>
@@ -15403,38 +15396,65 @@
           <a:lstStyle/>
           <a:p>
             <a:r>
-              <a:rPr kumimoji="1" lang="en-US" altLang="ja-JP" sz="2400" dirty="0"/>
-              <a:t>We propose </a:t>
-            </a:r>
+              <a:rPr kumimoji="1" lang="en-US" altLang="ja-JP" sz="2400" dirty="0">
+                <a:solidFill>
+                  <a:schemeClr val="bg1">
+                    <a:lumMod val="75000"/>
+                  </a:schemeClr>
+                </a:solidFill>
+              </a:rPr>
+              <a:t>Background</a:t>
+            </a:r>
+          </a:p>
+          <a:p>
+            <a:r>
+              <a:rPr lang="en-US" altLang="ja-JP" sz="2400" dirty="0">
+                <a:solidFill>
+                  <a:schemeClr val="bg1">
+                    <a:lumMod val="75000"/>
+                  </a:schemeClr>
+                </a:solidFill>
+              </a:rPr>
+              <a:t>Problem definition</a:t>
+            </a:r>
+            <a:endParaRPr kumimoji="1" lang="en-US" altLang="ja-JP" sz="2400" dirty="0">
+              <a:solidFill>
+                <a:schemeClr val="bg1">
+                  <a:lumMod val="75000"/>
+                </a:schemeClr>
+              </a:solidFill>
+            </a:endParaRPr>
+          </a:p>
+          <a:p>
             <a:r>
               <a:rPr lang="en-US" altLang="ja-JP" sz="2400" dirty="0"/>
-              <a:t>mathematical </a:t>
-            </a:r>
-            <a:r>
-              <a:rPr kumimoji="1" lang="en-US" altLang="ja-JP" sz="2400" dirty="0"/>
-              <a:t>model to </a:t>
-            </a:r>
-            <a:r>
-              <a:rPr lang="en" altLang="ja-JP" sz="2400" dirty="0"/>
-              <a:t>this problem.</a:t>
-            </a:r>
-          </a:p>
-          <a:p>
-            <a:r>
-              <a:rPr lang="en" altLang="ja-JP" sz="2400" dirty="0"/>
-              <a:t>The basic idea is based on heuristics.</a:t>
-            </a:r>
-          </a:p>
-          <a:p>
-            <a:r>
-              <a:rPr lang="en" altLang="ja-JP" sz="2400" dirty="0"/>
-              <a:t>Using the local search, we improve the</a:t>
-            </a:r>
-            <a:r>
-              <a:rPr lang="en-US" altLang="ja-JP" sz="2400" dirty="0"/>
-              <a:t> assignment. </a:t>
-            </a:r>
-            <a:endParaRPr lang="en" altLang="ja-JP" sz="2400" dirty="0"/>
+              <a:t>Proposed model</a:t>
+            </a:r>
+          </a:p>
+          <a:p>
+            <a:r>
+              <a:rPr lang="en-US" altLang="ja-JP" sz="2400" dirty="0">
+                <a:solidFill>
+                  <a:schemeClr val="bg1">
+                    <a:lumMod val="75000"/>
+                  </a:schemeClr>
+                </a:solidFill>
+              </a:rPr>
+              <a:t>Summary</a:t>
+            </a:r>
+            <a:endParaRPr kumimoji="1" lang="en-US" altLang="ja-JP" sz="2400" dirty="0">
+              <a:solidFill>
+                <a:schemeClr val="bg1">
+                  <a:lumMod val="75000"/>
+                </a:schemeClr>
+              </a:solidFill>
+            </a:endParaRPr>
+          </a:p>
+          <a:p>
+            <a:endParaRPr kumimoji="1" lang="en-US" altLang="ja-JP" sz="2400" dirty="0"/>
+          </a:p>
+          <a:p>
+            <a:endParaRPr kumimoji="1" lang="ja-JP" altLang="en-US" sz="2400"/>
           </a:p>
         </p:txBody>
       </p:sp>
@@ -15443,7 +15463,7 @@
           <p:cNvPr id="4" name="スライド番号プレースホルダー 3">
             <a:extLst>
               <a:ext uri="{FF2B5EF4-FFF2-40B4-BE49-F238E27FC236}">
-                <a16:creationId xmlns:a16="http://schemas.microsoft.com/office/drawing/2014/main" id="{89797955-54AF-5444-A207-9D8AAA8CD14F}"/>
+                <a16:creationId xmlns:a16="http://schemas.microsoft.com/office/drawing/2014/main" id="{EA4D9C2D-4C48-CD4F-887B-314E831E1E54}"/>
               </a:ext>
             </a:extLst>
           </p:cNvPr>
@@ -15470,7 +15490,7 @@
     </p:spTree>
     <p:extLst>
       <p:ext uri="{BB962C8B-B14F-4D97-AF65-F5344CB8AC3E}">
-        <p14:creationId xmlns:p14="http://schemas.microsoft.com/office/powerpoint/2010/main" val="2051790486"/>
+        <p14:creationId xmlns:p14="http://schemas.microsoft.com/office/powerpoint/2010/main" val="3599082772"/>
       </p:ext>
     </p:extLst>
   </p:cSld>
@@ -15502,7 +15522,7 @@
           <p:cNvPr id="2" name="タイトル 1">
             <a:extLst>
               <a:ext uri="{FF2B5EF4-FFF2-40B4-BE49-F238E27FC236}">
-                <a16:creationId xmlns:a16="http://schemas.microsoft.com/office/drawing/2014/main" id="{D4EA45E0-6EC3-4546-962B-3ADDD8781C9D}"/>
+                <a16:creationId xmlns:a16="http://schemas.microsoft.com/office/drawing/2014/main" id="{AA682DFF-D324-2B44-B659-FF46E3AA1D70}"/>
               </a:ext>
             </a:extLst>
           </p:cNvPr>
@@ -15520,7 +15540,11 @@
           <a:p>
             <a:r>
               <a:rPr lang="en-US" altLang="ja-JP" dirty="0"/>
-              <a:t>Modeling </a:t>
+              <a:t>M</a:t>
+            </a:r>
+            <a:r>
+              <a:rPr kumimoji="1" lang="en-US" altLang="ja-JP" dirty="0"/>
+              <a:t>odeling </a:t>
             </a:r>
             <a:endParaRPr kumimoji="1" lang="ja-JP" altLang="en-US"/>
           </a:p>
@@ -15531,7 +15555,7 @@
           <p:cNvPr id="3" name="コンテンツ プレースホルダー 2">
             <a:extLst>
               <a:ext uri="{FF2B5EF4-FFF2-40B4-BE49-F238E27FC236}">
-                <a16:creationId xmlns:a16="http://schemas.microsoft.com/office/drawing/2014/main" id="{C6E27343-2C9B-334E-90CD-315B46EA63CE}"/>
+                <a16:creationId xmlns:a16="http://schemas.microsoft.com/office/drawing/2014/main" id="{A1B81CE6-3BEF-7F46-9003-6161F54DD432}"/>
               </a:ext>
             </a:extLst>
           </p:cNvPr>
@@ -15550,44 +15574,38 @@
           <a:lstStyle/>
           <a:p>
             <a:r>
+              <a:rPr kumimoji="1" lang="en-US" altLang="ja-JP" sz="2400" dirty="0"/>
+              <a:t>We propose </a:t>
+            </a:r>
+            <a:r>
+              <a:rPr lang="en-US" altLang="ja-JP" sz="2400" dirty="0"/>
+              <a:t>mathematical </a:t>
+            </a:r>
+            <a:r>
+              <a:rPr kumimoji="1" lang="en-US" altLang="ja-JP" sz="2400" dirty="0"/>
+              <a:t>model to </a:t>
+            </a:r>
+            <a:r>
               <a:rPr lang="en" altLang="ja-JP" sz="2400" dirty="0"/>
-              <a:t>We propose model that splits the </a:t>
+              <a:t>this problem.</a:t>
+            </a:r>
+          </a:p>
+          <a:p>
+            <a:r>
+              <a:rPr lang="en" altLang="ja-JP" sz="2400" dirty="0"/>
+              <a:t>The basic idea is based on heuristics.</a:t>
+            </a:r>
+          </a:p>
+          <a:p>
+            <a:r>
+              <a:rPr lang="en" altLang="ja-JP" sz="2400" dirty="0"/>
+              <a:t>Using the local search, we improve the</a:t>
             </a:r>
             <a:r>
               <a:rPr lang="en-US" altLang="ja-JP" sz="2400" dirty="0"/>
-              <a:t>booking</a:t>
-            </a:r>
-            <a:r>
-              <a:rPr lang="en" altLang="ja-JP" sz="2400" dirty="0"/>
-              <a:t>s and assigns them to holds.</a:t>
-            </a:r>
-          </a:p>
-          <a:p>
-            <a:r>
-              <a:rPr lang="en" altLang="ja-JP" sz="2400" dirty="0"/>
-              <a:t>As for holds, we think about grouping some holds together and assigning </a:t>
-            </a:r>
-            <a:r>
-              <a:rPr lang="en-US" altLang="ja-JP" sz="2400" dirty="0"/>
-              <a:t>booking</a:t>
-            </a:r>
-            <a:r>
-              <a:rPr lang="en" altLang="ja-JP" sz="2400" dirty="0"/>
-              <a:t>s to them. </a:t>
-            </a:r>
-          </a:p>
-          <a:p>
-            <a:pPr lvl="1"/>
-            <a:r>
-              <a:rPr kumimoji="1" lang="en" altLang="ja-JP" sz="2200" dirty="0"/>
-              <a:t>We call them “segment”.</a:t>
-            </a:r>
-          </a:p>
-          <a:p>
-            <a:pPr marL="0" indent="0">
-              <a:buNone/>
-            </a:pPr>
-            <a:endParaRPr kumimoji="1" lang="ja-JP" altLang="en-US" sz="2400"/>
+              <a:t> assignment. </a:t>
+            </a:r>
+            <a:endParaRPr lang="en" altLang="ja-JP" sz="2400" dirty="0"/>
           </a:p>
         </p:txBody>
       </p:sp>
@@ -15596,7 +15614,7 @@
           <p:cNvPr id="4" name="スライド番号プレースホルダー 3">
             <a:extLst>
               <a:ext uri="{FF2B5EF4-FFF2-40B4-BE49-F238E27FC236}">
-                <a16:creationId xmlns:a16="http://schemas.microsoft.com/office/drawing/2014/main" id="{F915BA8E-2451-624A-AAE2-805356B0A849}"/>
+                <a16:creationId xmlns:a16="http://schemas.microsoft.com/office/drawing/2014/main" id="{89797955-54AF-5444-A207-9D8AAA8CD14F}"/>
               </a:ext>
             </a:extLst>
           </p:cNvPr>
@@ -15623,7 +15641,7 @@
     </p:spTree>
     <p:extLst>
       <p:ext uri="{BB962C8B-B14F-4D97-AF65-F5344CB8AC3E}">
-        <p14:creationId xmlns:p14="http://schemas.microsoft.com/office/powerpoint/2010/main" val="3274161218"/>
+        <p14:creationId xmlns:p14="http://schemas.microsoft.com/office/powerpoint/2010/main" val="2051790486"/>
       </p:ext>
     </p:extLst>
   </p:cSld>
@@ -15655,6 +15673,159 @@
           <p:cNvPr id="2" name="タイトル 1">
             <a:extLst>
               <a:ext uri="{FF2B5EF4-FFF2-40B4-BE49-F238E27FC236}">
+                <a16:creationId xmlns:a16="http://schemas.microsoft.com/office/drawing/2014/main" id="{D4EA45E0-6EC3-4546-962B-3ADDD8781C9D}"/>
+              </a:ext>
+            </a:extLst>
+          </p:cNvPr>
+          <p:cNvSpPr>
+            <a:spLocks noGrp="1"/>
+          </p:cNvSpPr>
+          <p:nvPr>
+            <p:ph type="title"/>
+          </p:nvPr>
+        </p:nvSpPr>
+        <p:spPr/>
+        <p:txBody>
+          <a:bodyPr/>
+          <a:lstStyle/>
+          <a:p>
+            <a:r>
+              <a:rPr lang="en-US" altLang="ja-JP" dirty="0"/>
+              <a:t>Modeling </a:t>
+            </a:r>
+            <a:endParaRPr kumimoji="1" lang="ja-JP" altLang="en-US"/>
+          </a:p>
+        </p:txBody>
+      </p:sp>
+      <p:sp>
+        <p:nvSpPr>
+          <p:cNvPr id="3" name="コンテンツ プレースホルダー 2">
+            <a:extLst>
+              <a:ext uri="{FF2B5EF4-FFF2-40B4-BE49-F238E27FC236}">
+                <a16:creationId xmlns:a16="http://schemas.microsoft.com/office/drawing/2014/main" id="{C6E27343-2C9B-334E-90CD-315B46EA63CE}"/>
+              </a:ext>
+            </a:extLst>
+          </p:cNvPr>
+          <p:cNvSpPr>
+            <a:spLocks noGrp="1"/>
+          </p:cNvSpPr>
+          <p:nvPr>
+            <p:ph idx="1"/>
+          </p:nvPr>
+        </p:nvSpPr>
+        <p:spPr/>
+        <p:txBody>
+          <a:bodyPr>
+            <a:normAutofit/>
+          </a:bodyPr>
+          <a:lstStyle/>
+          <a:p>
+            <a:r>
+              <a:rPr lang="en" altLang="ja-JP" sz="2400" dirty="0"/>
+              <a:t>We propose model that splits the </a:t>
+            </a:r>
+            <a:r>
+              <a:rPr lang="en-US" altLang="ja-JP" sz="2400" dirty="0"/>
+              <a:t>booking</a:t>
+            </a:r>
+            <a:r>
+              <a:rPr lang="en" altLang="ja-JP" sz="2400" dirty="0"/>
+              <a:t>s and assigns them to holds.</a:t>
+            </a:r>
+          </a:p>
+          <a:p>
+            <a:r>
+              <a:rPr lang="en" altLang="ja-JP" sz="2400" dirty="0"/>
+              <a:t>As for holds, we think about grouping some holds together and assigning </a:t>
+            </a:r>
+            <a:r>
+              <a:rPr lang="en-US" altLang="ja-JP" sz="2400" dirty="0"/>
+              <a:t>booking</a:t>
+            </a:r>
+            <a:r>
+              <a:rPr lang="en" altLang="ja-JP" sz="2400" dirty="0"/>
+              <a:t>s to them. </a:t>
+            </a:r>
+          </a:p>
+          <a:p>
+            <a:pPr lvl="1"/>
+            <a:r>
+              <a:rPr kumimoji="1" lang="en" altLang="ja-JP" sz="2200" dirty="0"/>
+              <a:t>We call them “segment”.</a:t>
+            </a:r>
+          </a:p>
+          <a:p>
+            <a:pPr marL="0" indent="0">
+              <a:buNone/>
+            </a:pPr>
+            <a:endParaRPr kumimoji="1" lang="ja-JP" altLang="en-US" sz="2400"/>
+          </a:p>
+        </p:txBody>
+      </p:sp>
+      <p:sp>
+        <p:nvSpPr>
+          <p:cNvPr id="4" name="スライド番号プレースホルダー 3">
+            <a:extLst>
+              <a:ext uri="{FF2B5EF4-FFF2-40B4-BE49-F238E27FC236}">
+                <a16:creationId xmlns:a16="http://schemas.microsoft.com/office/drawing/2014/main" id="{F915BA8E-2451-624A-AAE2-805356B0A849}"/>
+              </a:ext>
+            </a:extLst>
+          </p:cNvPr>
+          <p:cNvSpPr>
+            <a:spLocks noGrp="1"/>
+          </p:cNvSpPr>
+          <p:nvPr>
+            <p:ph type="sldNum" sz="quarter" idx="12"/>
+          </p:nvPr>
+        </p:nvSpPr>
+        <p:spPr/>
+        <p:txBody>
+          <a:bodyPr/>
+          <a:lstStyle/>
+          <a:p>
+            <a:fld id="{1413D9FB-836C-864C-8E5A-36E5384B9725}" type="slidenum">
+              <a:rPr kumimoji="1" lang="ja-JP" altLang="en-US" smtClean="0"/>
+              <a:t>25</a:t>
+            </a:fld>
+            <a:endParaRPr kumimoji="1" lang="ja-JP" altLang="en-US"/>
+          </a:p>
+        </p:txBody>
+      </p:sp>
+    </p:spTree>
+    <p:extLst>
+      <p:ext uri="{BB962C8B-B14F-4D97-AF65-F5344CB8AC3E}">
+        <p14:creationId xmlns:p14="http://schemas.microsoft.com/office/powerpoint/2010/main" val="3274161218"/>
+      </p:ext>
+    </p:extLst>
+  </p:cSld>
+  <p:clrMapOvr>
+    <a:masterClrMapping/>
+  </p:clrMapOvr>
+</p:sld>
+</file>
+
+<file path=ppt/slides/slide26.xml><?xml version="1.0" encoding="utf-8"?>
+<p:sld xmlns:a="http://schemas.openxmlformats.org/drawingml/2006/main" xmlns:r="http://schemas.openxmlformats.org/officeDocument/2006/relationships" xmlns:p="http://schemas.openxmlformats.org/presentationml/2006/main">
+  <p:cSld>
+    <p:spTree>
+      <p:nvGrpSpPr>
+        <p:cNvPr id="1" name=""/>
+        <p:cNvGrpSpPr/>
+        <p:nvPr/>
+      </p:nvGrpSpPr>
+      <p:grpSpPr>
+        <a:xfrm>
+          <a:off x="0" y="0"/>
+          <a:ext cx="0" cy="0"/>
+          <a:chOff x="0" y="0"/>
+          <a:chExt cx="0" cy="0"/>
+        </a:xfrm>
+      </p:grpSpPr>
+      <p:sp>
+        <p:nvSpPr>
+          <p:cNvPr id="2" name="タイトル 1">
+            <a:extLst>
+              <a:ext uri="{FF2B5EF4-FFF2-40B4-BE49-F238E27FC236}">
                 <a16:creationId xmlns:a16="http://schemas.microsoft.com/office/drawing/2014/main" id="{A0F04F6F-5F7C-4C4A-A9DD-C0722B40C486}"/>
               </a:ext>
             </a:extLst>
@@ -15757,7 +15928,7 @@
           <a:p>
             <a:fld id="{1413D9FB-836C-864C-8E5A-36E5384B9725}" type="slidenum">
               <a:rPr kumimoji="1" lang="ja-JP" altLang="en-US" smtClean="0"/>
-              <a:t>25</a:t>
+              <a:t>26</a:t>
             </a:fld>
             <a:endParaRPr kumimoji="1" lang="ja-JP" altLang="en-US"/>
           </a:p>
@@ -15776,7 +15947,7 @@
 </p:sld>
 </file>
 
-<file path=ppt/slides/slide26.xml><?xml version="1.0" encoding="utf-8"?>
+<file path=ppt/slides/slide27.xml><?xml version="1.0" encoding="utf-8"?>
 <p:sld xmlns:a="http://schemas.openxmlformats.org/drawingml/2006/main" xmlns:r="http://schemas.openxmlformats.org/officeDocument/2006/relationships" xmlns:p="http://schemas.openxmlformats.org/presentationml/2006/main">
   <p:cSld>
     <p:spTree>
@@ -15974,7 +16145,7 @@
           <a:p>
             <a:fld id="{1413D9FB-836C-864C-8E5A-36E5384B9725}" type="slidenum">
               <a:rPr kumimoji="1" lang="ja-JP" altLang="en-US" smtClean="0"/>
-              <a:t>26</a:t>
+              <a:t>27</a:t>
             </a:fld>
             <a:endParaRPr kumimoji="1" lang="ja-JP" altLang="en-US"/>
           </a:p>
@@ -15993,7 +16164,7 @@
 </p:sld>
 </file>
 
-<file path=ppt/slides/slide27.xml><?xml version="1.0" encoding="utf-8"?>
+<file path=ppt/slides/slide28.xml><?xml version="1.0" encoding="utf-8"?>
 <p:sld xmlns:a="http://schemas.openxmlformats.org/drawingml/2006/main" xmlns:r="http://schemas.openxmlformats.org/officeDocument/2006/relationships" xmlns:p="http://schemas.openxmlformats.org/presentationml/2006/main">
   <p:cSld>
     <p:spTree>
@@ -16319,7 +16490,7 @@
           <a:p>
             <a:fld id="{1413D9FB-836C-864C-8E5A-36E5384B9725}" type="slidenum">
               <a:rPr kumimoji="1" lang="ja-JP" altLang="en-US" smtClean="0"/>
-              <a:t>27</a:t>
+              <a:t>28</a:t>
             </a:fld>
             <a:endParaRPr kumimoji="1" lang="ja-JP" altLang="en-US"/>
           </a:p>
@@ -16338,7 +16509,7 @@
 </p:sld>
 </file>
 
-<file path=ppt/slides/slide28.xml><?xml version="1.0" encoding="utf-8"?>
+<file path=ppt/slides/slide29.xml><?xml version="1.0" encoding="utf-8"?>
 <p:sld xmlns:a="http://schemas.openxmlformats.org/drawingml/2006/main" xmlns:r="http://schemas.openxmlformats.org/officeDocument/2006/relationships" xmlns:p="http://schemas.openxmlformats.org/presentationml/2006/main">
   <p:cSld>
     <p:spTree>
@@ -16764,7 +16935,7 @@
           <a:p>
             <a:fld id="{1413D9FB-836C-864C-8E5A-36E5384B9725}" type="slidenum">
               <a:rPr kumimoji="1" lang="ja-JP" altLang="en-US" smtClean="0"/>
-              <a:t>28</a:t>
+              <a:t>29</a:t>
             </a:fld>
             <a:endParaRPr kumimoji="1" lang="ja-JP" altLang="en-US"/>
           </a:p>
@@ -16774,143 +16945,6 @@
     <p:extLst>
       <p:ext uri="{BB962C8B-B14F-4D97-AF65-F5344CB8AC3E}">
         <p14:creationId xmlns:p14="http://schemas.microsoft.com/office/powerpoint/2010/main" val="42799173"/>
-      </p:ext>
-    </p:extLst>
-  </p:cSld>
-  <p:clrMapOvr>
-    <a:masterClrMapping/>
-  </p:clrMapOvr>
-</p:sld>
-</file>
-
-<file path=ppt/slides/slide29.xml><?xml version="1.0" encoding="utf-8"?>
-<p:sld xmlns:a="http://schemas.openxmlformats.org/drawingml/2006/main" xmlns:r="http://schemas.openxmlformats.org/officeDocument/2006/relationships" xmlns:p="http://schemas.openxmlformats.org/presentationml/2006/main">
-  <p:cSld>
-    <p:spTree>
-      <p:nvGrpSpPr>
-        <p:cNvPr id="1" name=""/>
-        <p:cNvGrpSpPr/>
-        <p:nvPr/>
-      </p:nvGrpSpPr>
-      <p:grpSpPr>
-        <a:xfrm>
-          <a:off x="0" y="0"/>
-          <a:ext cx="0" cy="0"/>
-          <a:chOff x="0" y="0"/>
-          <a:chExt cx="0" cy="0"/>
-        </a:xfrm>
-      </p:grpSpPr>
-      <p:sp>
-        <p:nvSpPr>
-          <p:cNvPr id="2" name="タイトル 1">
-            <a:extLst>
-              <a:ext uri="{FF2B5EF4-FFF2-40B4-BE49-F238E27FC236}">
-                <a16:creationId xmlns:a16="http://schemas.microsoft.com/office/drawing/2014/main" id="{2B278DCE-0685-4441-B128-DC9D8C8EB809}"/>
-              </a:ext>
-            </a:extLst>
-          </p:cNvPr>
-          <p:cNvSpPr>
-            <a:spLocks noGrp="1"/>
-          </p:cNvSpPr>
-          <p:nvPr>
-            <p:ph type="title"/>
-          </p:nvPr>
-        </p:nvSpPr>
-        <p:spPr/>
-        <p:txBody>
-          <a:bodyPr/>
-          <a:lstStyle/>
-          <a:p>
-            <a:r>
-              <a:rPr kumimoji="1" lang="en-US" altLang="ja-JP" dirty="0"/>
-              <a:t>Local Search</a:t>
-            </a:r>
-            <a:br>
-              <a:rPr kumimoji="1" lang="en-US" altLang="ja-JP" dirty="0"/>
-            </a:br>
-            <a:endParaRPr kumimoji="1" lang="ja-JP" altLang="en-US"/>
-          </a:p>
-        </p:txBody>
-      </p:sp>
-      <p:sp>
-        <p:nvSpPr>
-          <p:cNvPr id="3" name="コンテンツ プレースホルダー 2">
-            <a:extLst>
-              <a:ext uri="{FF2B5EF4-FFF2-40B4-BE49-F238E27FC236}">
-                <a16:creationId xmlns:a16="http://schemas.microsoft.com/office/drawing/2014/main" id="{613B841F-8DD0-1147-9E25-B1A91183D7E1}"/>
-              </a:ext>
-            </a:extLst>
-          </p:cNvPr>
-          <p:cNvSpPr>
-            <a:spLocks noGrp="1"/>
-          </p:cNvSpPr>
-          <p:nvPr>
-            <p:ph idx="1"/>
-          </p:nvPr>
-        </p:nvSpPr>
-        <p:spPr/>
-        <p:txBody>
-          <a:bodyPr/>
-          <a:lstStyle/>
-          <a:p>
-            <a:r>
-              <a:rPr lang="en" altLang="ja-JP" sz="2400" dirty="0"/>
-              <a:t>Local search algorithms move from solution to solution in the space of candidate by applying local changes </a:t>
-            </a:r>
-          </a:p>
-          <a:p>
-            <a:r>
-              <a:rPr lang="en" altLang="ja-JP" sz="2400" dirty="0"/>
-              <a:t>We repeat this operation until the termination condition is satisfied</a:t>
-            </a:r>
-          </a:p>
-          <a:p>
-            <a:r>
-              <a:rPr lang="en-US" altLang="ja-JP" sz="2400" dirty="0"/>
-              <a:t>In this research, we use shift neighborhood and swap neighborhood.</a:t>
-            </a:r>
-          </a:p>
-          <a:p>
-            <a:endParaRPr lang="en" altLang="ja-JP" sz="2400" dirty="0"/>
-          </a:p>
-          <a:p>
-            <a:endParaRPr kumimoji="1" lang="ja-JP" altLang="en-US"/>
-          </a:p>
-        </p:txBody>
-      </p:sp>
-      <p:sp>
-        <p:nvSpPr>
-          <p:cNvPr id="4" name="スライド番号プレースホルダー 3">
-            <a:extLst>
-              <a:ext uri="{FF2B5EF4-FFF2-40B4-BE49-F238E27FC236}">
-                <a16:creationId xmlns:a16="http://schemas.microsoft.com/office/drawing/2014/main" id="{11800B15-CE42-844A-873A-4A0C5569C46C}"/>
-              </a:ext>
-            </a:extLst>
-          </p:cNvPr>
-          <p:cNvSpPr>
-            <a:spLocks noGrp="1"/>
-          </p:cNvSpPr>
-          <p:nvPr>
-            <p:ph type="sldNum" sz="quarter" idx="12"/>
-          </p:nvPr>
-        </p:nvSpPr>
-        <p:spPr/>
-        <p:txBody>
-          <a:bodyPr/>
-          <a:lstStyle/>
-          <a:p>
-            <a:fld id="{1413D9FB-836C-864C-8E5A-36E5384B9725}" type="slidenum">
-              <a:rPr kumimoji="1" lang="ja-JP" altLang="en-US" smtClean="0"/>
-              <a:t>29</a:t>
-            </a:fld>
-            <a:endParaRPr kumimoji="1" lang="ja-JP" altLang="en-US"/>
-          </a:p>
-        </p:txBody>
-      </p:sp>
-    </p:spTree>
-    <p:extLst>
-      <p:ext uri="{BB962C8B-B14F-4D97-AF65-F5344CB8AC3E}">
-        <p14:creationId xmlns:p14="http://schemas.microsoft.com/office/powerpoint/2010/main" val="2244460313"/>
       </p:ext>
     </p:extLst>
   </p:cSld>
@@ -17109,7 +17143,7 @@
           <p:cNvPr id="2" name="タイトル 1">
             <a:extLst>
               <a:ext uri="{FF2B5EF4-FFF2-40B4-BE49-F238E27FC236}">
-                <a16:creationId xmlns:a16="http://schemas.microsoft.com/office/drawing/2014/main" id="{3D8A63EE-A0A1-4C4E-9821-A455B6473202}"/>
+                <a16:creationId xmlns:a16="http://schemas.microsoft.com/office/drawing/2014/main" id="{2B278DCE-0685-4441-B128-DC9D8C8EB809}"/>
               </a:ext>
             </a:extLst>
           </p:cNvPr>
@@ -17127,8 +17161,11 @@
           <a:p>
             <a:r>
               <a:rPr kumimoji="1" lang="en-US" altLang="ja-JP" dirty="0"/>
-              <a:t>Neighborhood</a:t>
-            </a:r>
+              <a:t>Local Search</a:t>
+            </a:r>
+            <a:br>
+              <a:rPr kumimoji="1" lang="en-US" altLang="ja-JP" dirty="0"/>
+            </a:br>
             <a:endParaRPr kumimoji="1" lang="ja-JP" altLang="en-US"/>
           </a:p>
         </p:txBody>
@@ -17138,7 +17175,7 @@
           <p:cNvPr id="3" name="コンテンツ プレースホルダー 2">
             <a:extLst>
               <a:ext uri="{FF2B5EF4-FFF2-40B4-BE49-F238E27FC236}">
-                <a16:creationId xmlns:a16="http://schemas.microsoft.com/office/drawing/2014/main" id="{240D5665-5F70-714B-87E9-C1AB005B3571}"/>
+                <a16:creationId xmlns:a16="http://schemas.microsoft.com/office/drawing/2014/main" id="{613B841F-8DD0-1147-9E25-B1A91183D7E1}"/>
               </a:ext>
             </a:extLst>
           </p:cNvPr>
@@ -17151,52 +17188,31 @@
         </p:nvSpPr>
         <p:spPr/>
         <p:txBody>
-          <a:bodyPr>
-            <a:normAutofit/>
-          </a:bodyPr>
+          <a:bodyPr/>
           <a:lstStyle/>
           <a:p>
             <a:r>
-              <a:rPr kumimoji="1" lang="en-US" altLang="ja-JP" sz="2400" dirty="0"/>
-              <a:t>Shift neighborhood</a:t>
-            </a:r>
-          </a:p>
-          <a:p>
-            <a:pPr lvl="1"/>
-            <a:r>
-              <a:rPr kumimoji="1" lang="en-US" altLang="ja-JP" sz="2400" dirty="0"/>
-              <a:t>This is obtained by</a:t>
-            </a:r>
-            <a:r>
-              <a:rPr kumimoji="1" lang="ja-JP" altLang="en-US" sz="2400"/>
-              <a:t> </a:t>
-            </a:r>
-            <a:r>
-              <a:rPr kumimoji="1" lang="en-US" altLang="ja-JP" sz="2400" dirty="0"/>
-              <a:t>reassigning one booking which was assigned to a segment to another segment. </a:t>
-            </a:r>
-          </a:p>
-          <a:p>
-            <a:r>
-              <a:rPr kumimoji="1" lang="en-US" altLang="ja-JP" sz="2400" dirty="0"/>
-              <a:t>Swap </a:t>
-            </a:r>
+              <a:rPr lang="en" altLang="ja-JP" sz="2400" dirty="0"/>
+              <a:t>Local search algorithms move from solution to solution in the space of candidate by applying local changes </a:t>
+            </a:r>
+          </a:p>
+          <a:p>
+            <a:r>
+              <a:rPr lang="en" altLang="ja-JP" sz="2400" dirty="0"/>
+              <a:t>We repeat this operation until the termination condition is satisfied</a:t>
+            </a:r>
+          </a:p>
+          <a:p>
             <a:r>
               <a:rPr lang="en-US" altLang="ja-JP" sz="2400" dirty="0"/>
-              <a:t>neighborhood</a:t>
-            </a:r>
-          </a:p>
-          <a:p>
-            <a:pPr lvl="1"/>
-            <a:r>
-              <a:rPr kumimoji="1" lang="en-US" altLang="ja-JP" sz="2400" dirty="0"/>
-              <a:t>This is obtained by s</a:t>
-            </a:r>
-            <a:r>
-              <a:rPr lang="en-US" altLang="ja-JP" sz="2400" dirty="0"/>
-              <a:t>wapping the allocated segments of two bookings.</a:t>
-            </a:r>
-            <a:endParaRPr kumimoji="1" lang="ja-JP" altLang="en-US" sz="2400"/>
+              <a:t>In this research, we use shift neighborhood and swap neighborhood.</a:t>
+            </a:r>
+          </a:p>
+          <a:p>
+            <a:endParaRPr lang="en" altLang="ja-JP" sz="2400" dirty="0"/>
+          </a:p>
+          <a:p>
+            <a:endParaRPr kumimoji="1" lang="ja-JP" altLang="en-US"/>
           </a:p>
         </p:txBody>
       </p:sp>
@@ -17205,7 +17221,7 @@
           <p:cNvPr id="4" name="スライド番号プレースホルダー 3">
             <a:extLst>
               <a:ext uri="{FF2B5EF4-FFF2-40B4-BE49-F238E27FC236}">
-                <a16:creationId xmlns:a16="http://schemas.microsoft.com/office/drawing/2014/main" id="{F95BD5A2-1BAE-094B-AC86-B052D8DF5EF5}"/>
+                <a16:creationId xmlns:a16="http://schemas.microsoft.com/office/drawing/2014/main" id="{11800B15-CE42-844A-873A-4A0C5569C46C}"/>
               </a:ext>
             </a:extLst>
           </p:cNvPr>
@@ -17232,7 +17248,7 @@
     </p:spTree>
     <p:extLst>
       <p:ext uri="{BB962C8B-B14F-4D97-AF65-F5344CB8AC3E}">
-        <p14:creationId xmlns:p14="http://schemas.microsoft.com/office/powerpoint/2010/main" val="719674508"/>
+        <p14:creationId xmlns:p14="http://schemas.microsoft.com/office/powerpoint/2010/main" val="2244460313"/>
       </p:ext>
     </p:extLst>
   </p:cSld>
@@ -17264,7 +17280,7 @@
           <p:cNvPr id="2" name="タイトル 1">
             <a:extLst>
               <a:ext uri="{FF2B5EF4-FFF2-40B4-BE49-F238E27FC236}">
-                <a16:creationId xmlns:a16="http://schemas.microsoft.com/office/drawing/2014/main" id="{0BE0AB04-8F34-BD4F-8DDD-608D0F3AC3BC}"/>
+                <a16:creationId xmlns:a16="http://schemas.microsoft.com/office/drawing/2014/main" id="{3D8A63EE-A0A1-4C4E-9821-A455B6473202}"/>
               </a:ext>
             </a:extLst>
           </p:cNvPr>
@@ -17282,7 +17298,7 @@
           <a:p>
             <a:r>
               <a:rPr kumimoji="1" lang="en-US" altLang="ja-JP" dirty="0"/>
-              <a:t>Flow of local search</a:t>
+              <a:t>Neighborhood</a:t>
             </a:r>
             <a:endParaRPr kumimoji="1" lang="ja-JP" altLang="en-US"/>
           </a:p>
@@ -17293,7 +17309,7 @@
           <p:cNvPr id="3" name="コンテンツ プレースホルダー 2">
             <a:extLst>
               <a:ext uri="{FF2B5EF4-FFF2-40B4-BE49-F238E27FC236}">
-                <a16:creationId xmlns:a16="http://schemas.microsoft.com/office/drawing/2014/main" id="{EF816E5E-667D-8843-89E2-F9D0E26CD703}"/>
+                <a16:creationId xmlns:a16="http://schemas.microsoft.com/office/drawing/2014/main" id="{240D5665-5F70-714B-87E9-C1AB005B3571}"/>
               </a:ext>
             </a:extLst>
           </p:cNvPr>
@@ -17304,51 +17320,54 @@
             <p:ph idx="1"/>
           </p:nvPr>
         </p:nvSpPr>
-        <p:spPr>
-          <a:xfrm>
-            <a:off x="2589211" y="2133600"/>
-            <a:ext cx="7522977" cy="3777622"/>
-          </a:xfrm>
-        </p:spPr>
+        <p:spPr/>
         <p:txBody>
           <a:bodyPr>
             <a:normAutofit/>
           </a:bodyPr>
           <a:lstStyle/>
           <a:p>
-            <a:pPr>
-              <a:buFont typeface="+mj-lt"/>
-              <a:buAutoNum type="arabicPeriod"/>
-            </a:pPr>
-            <a:r>
-              <a:rPr lang="en" altLang="ja-JP" sz="2400" dirty="0"/>
-              <a:t>Searching the shift neighborhood until no better solution is found.</a:t>
-            </a:r>
-          </a:p>
-          <a:p>
-            <a:pPr>
-              <a:buFont typeface="+mj-lt"/>
-              <a:buAutoNum type="arabicPeriod"/>
-            </a:pPr>
-            <a:r>
-              <a:rPr lang="en" altLang="ja-JP" sz="2400" dirty="0"/>
-              <a:t>Searching the swap neighborhood until no better solution is found.</a:t>
-            </a:r>
-          </a:p>
-          <a:p>
-            <a:pPr>
-              <a:buFont typeface="+mj-lt"/>
-              <a:buAutoNum type="arabicPeriod"/>
-            </a:pPr>
-            <a:r>
-              <a:rPr lang="en" altLang="ja-JP" sz="2400" dirty="0"/>
-              <a:t>If better solution is found in step 1 or step 2,</a:t>
+            <a:r>
+              <a:rPr kumimoji="1" lang="en-US" altLang="ja-JP" sz="2400" dirty="0"/>
+              <a:t>Shift neighborhood</a:t>
+            </a:r>
+          </a:p>
+          <a:p>
+            <a:pPr lvl="1"/>
+            <a:r>
+              <a:rPr kumimoji="1" lang="en-US" altLang="ja-JP" sz="2400" dirty="0"/>
+              <a:t>This is obtained by</a:t>
+            </a:r>
+            <a:r>
+              <a:rPr kumimoji="1" lang="ja-JP" altLang="en-US" sz="2400"/>
+              <a:t> </a:t>
+            </a:r>
+            <a:r>
+              <a:rPr kumimoji="1" lang="en-US" altLang="ja-JP" sz="2400" dirty="0"/>
+              <a:t>reassigning one booking which was assigned to a segment to another segment. </a:t>
+            </a:r>
+          </a:p>
+          <a:p>
+            <a:r>
+              <a:rPr kumimoji="1" lang="en-US" altLang="ja-JP" sz="2400" dirty="0"/>
+              <a:t>Swap </a:t>
             </a:r>
             <a:r>
               <a:rPr lang="en-US" altLang="ja-JP" sz="2400" dirty="0"/>
-              <a:t> return to step 1.</a:t>
-            </a:r>
-            <a:endParaRPr lang="en" altLang="ja-JP" sz="2400" dirty="0"/>
+              <a:t>neighborhood</a:t>
+            </a:r>
+          </a:p>
+          <a:p>
+            <a:pPr lvl="1"/>
+            <a:r>
+              <a:rPr kumimoji="1" lang="en-US" altLang="ja-JP" sz="2400" dirty="0"/>
+              <a:t>This is obtained by s</a:t>
+            </a:r>
+            <a:r>
+              <a:rPr lang="en-US" altLang="ja-JP" sz="2400" dirty="0"/>
+              <a:t>wapping the allocated segments of two bookings.</a:t>
+            </a:r>
+            <a:endParaRPr kumimoji="1" lang="ja-JP" altLang="en-US" sz="2400"/>
           </a:p>
         </p:txBody>
       </p:sp>
@@ -17357,7 +17376,7 @@
           <p:cNvPr id="4" name="スライド番号プレースホルダー 3">
             <a:extLst>
               <a:ext uri="{FF2B5EF4-FFF2-40B4-BE49-F238E27FC236}">
-                <a16:creationId xmlns:a16="http://schemas.microsoft.com/office/drawing/2014/main" id="{C88F3636-CA9F-194F-B51C-2E9F30882970}"/>
+                <a16:creationId xmlns:a16="http://schemas.microsoft.com/office/drawing/2014/main" id="{F95BD5A2-1BAE-094B-AC86-B052D8DF5EF5}"/>
               </a:ext>
             </a:extLst>
           </p:cNvPr>
@@ -17384,7 +17403,7 @@
     </p:spTree>
     <p:extLst>
       <p:ext uri="{BB962C8B-B14F-4D97-AF65-F5344CB8AC3E}">
-        <p14:creationId xmlns:p14="http://schemas.microsoft.com/office/powerpoint/2010/main" val="1443573793"/>
+        <p14:creationId xmlns:p14="http://schemas.microsoft.com/office/powerpoint/2010/main" val="719674508"/>
       </p:ext>
     </p:extLst>
   </p:cSld>
@@ -17416,7 +17435,7 @@
           <p:cNvPr id="2" name="タイトル 1">
             <a:extLst>
               <a:ext uri="{FF2B5EF4-FFF2-40B4-BE49-F238E27FC236}">
-                <a16:creationId xmlns:a16="http://schemas.microsoft.com/office/drawing/2014/main" id="{FCE7EB18-D7E1-894E-BC25-80C1A8AA5D09}"/>
+                <a16:creationId xmlns:a16="http://schemas.microsoft.com/office/drawing/2014/main" id="{0BE0AB04-8F34-BD4F-8DDD-608D0F3AC3BC}"/>
               </a:ext>
             </a:extLst>
           </p:cNvPr>
@@ -17433,8 +17452,8 @@
           <a:lstStyle/>
           <a:p>
             <a:r>
-              <a:rPr lang="en" altLang="ja-JP" dirty="0"/>
-              <a:t>Shift neighborhood</a:t>
+              <a:rPr kumimoji="1" lang="en-US" altLang="ja-JP" dirty="0"/>
+              <a:t>Flow of local search</a:t>
             </a:r>
             <a:endParaRPr kumimoji="1" lang="ja-JP" altLang="en-US"/>
           </a:p>
@@ -17445,7 +17464,7 @@
           <p:cNvPr id="3" name="コンテンツ プレースホルダー 2">
             <a:extLst>
               <a:ext uri="{FF2B5EF4-FFF2-40B4-BE49-F238E27FC236}">
-                <a16:creationId xmlns:a16="http://schemas.microsoft.com/office/drawing/2014/main" id="{DF18F744-42F4-CA45-A447-4C7A6529DF3D}"/>
+                <a16:creationId xmlns:a16="http://schemas.microsoft.com/office/drawing/2014/main" id="{EF816E5E-667D-8843-89E2-F9D0E26CD703}"/>
               </a:ext>
             </a:extLst>
           </p:cNvPr>
@@ -17458,8 +17477,8 @@
         </p:nvSpPr>
         <p:spPr>
           <a:xfrm>
-            <a:off x="2589212" y="2133600"/>
-            <a:ext cx="8356694" cy="3777622"/>
+            <a:off x="2589211" y="2133600"/>
+            <a:ext cx="7522977" cy="3777622"/>
           </a:xfrm>
         </p:spPr>
         <p:txBody>
@@ -17468,23 +17487,39 @@
           </a:bodyPr>
           <a:lstStyle/>
           <a:p>
-            <a:r>
-              <a:rPr kumimoji="1" lang="en-US" altLang="ja-JP" sz="2400" dirty="0"/>
-              <a:t>When searching </a:t>
+            <a:pPr>
+              <a:buFont typeface="+mj-lt"/>
+              <a:buAutoNum type="arabicPeriod"/>
+            </a:pPr>
+            <a:r>
+              <a:rPr lang="en" altLang="ja-JP" sz="2400" dirty="0"/>
+              <a:t>Searching the shift neighborhood until no better solution is found.</a:t>
+            </a:r>
+          </a:p>
+          <a:p>
+            <a:pPr>
+              <a:buFont typeface="+mj-lt"/>
+              <a:buAutoNum type="arabicPeriod"/>
+            </a:pPr>
+            <a:r>
+              <a:rPr lang="en" altLang="ja-JP" sz="2400" dirty="0"/>
+              <a:t>Searching the swap neighborhood until no better solution is found.</a:t>
+            </a:r>
+          </a:p>
+          <a:p>
+            <a:pPr>
+              <a:buFont typeface="+mj-lt"/>
+              <a:buAutoNum type="arabicPeriod"/>
+            </a:pPr>
+            <a:r>
+              <a:rPr lang="en" altLang="ja-JP" sz="2400" dirty="0"/>
+              <a:t>If better solution is found in step 1 or step 2,</a:t>
             </a:r>
             <a:r>
               <a:rPr lang="en-US" altLang="ja-JP" sz="2400" dirty="0"/>
-              <a:t>shift neighborhoods, we normally calculate the evaluate function for all possible insertion positions and insert in the best position.</a:t>
-            </a:r>
-          </a:p>
-          <a:p>
-            <a:r>
-              <a:rPr lang="en" altLang="ja-JP" sz="2400" dirty="0"/>
-              <a:t>For this problem, there may be a waste of resources.</a:t>
-            </a:r>
-          </a:p>
-          <a:p>
-            <a:endParaRPr kumimoji="1" lang="ja-JP" altLang="en-US" sz="2400"/>
+              <a:t> return to step 1.</a:t>
+            </a:r>
+            <a:endParaRPr lang="en" altLang="ja-JP" sz="2400" dirty="0"/>
           </a:p>
         </p:txBody>
       </p:sp>
@@ -17493,7 +17528,7 @@
           <p:cNvPr id="4" name="スライド番号プレースホルダー 3">
             <a:extLst>
               <a:ext uri="{FF2B5EF4-FFF2-40B4-BE49-F238E27FC236}">
-                <a16:creationId xmlns:a16="http://schemas.microsoft.com/office/drawing/2014/main" id="{D6B98096-3519-2C4D-9BF8-8A1F1CC998AE}"/>
+                <a16:creationId xmlns:a16="http://schemas.microsoft.com/office/drawing/2014/main" id="{C88F3636-CA9F-194F-B51C-2E9F30882970}"/>
               </a:ext>
             </a:extLst>
           </p:cNvPr>
@@ -17520,7 +17555,7 @@
     </p:spTree>
     <p:extLst>
       <p:ext uri="{BB962C8B-B14F-4D97-AF65-F5344CB8AC3E}">
-        <p14:creationId xmlns:p14="http://schemas.microsoft.com/office/powerpoint/2010/main" val="664206571"/>
+        <p14:creationId xmlns:p14="http://schemas.microsoft.com/office/powerpoint/2010/main" val="1443573793"/>
       </p:ext>
     </p:extLst>
   </p:cSld>
@@ -17552,6 +17587,142 @@
           <p:cNvPr id="2" name="タイトル 1">
             <a:extLst>
               <a:ext uri="{FF2B5EF4-FFF2-40B4-BE49-F238E27FC236}">
+                <a16:creationId xmlns:a16="http://schemas.microsoft.com/office/drawing/2014/main" id="{FCE7EB18-D7E1-894E-BC25-80C1A8AA5D09}"/>
+              </a:ext>
+            </a:extLst>
+          </p:cNvPr>
+          <p:cNvSpPr>
+            <a:spLocks noGrp="1"/>
+          </p:cNvSpPr>
+          <p:nvPr>
+            <p:ph type="title"/>
+          </p:nvPr>
+        </p:nvSpPr>
+        <p:spPr/>
+        <p:txBody>
+          <a:bodyPr/>
+          <a:lstStyle/>
+          <a:p>
+            <a:r>
+              <a:rPr lang="en" altLang="ja-JP" dirty="0"/>
+              <a:t>Shift neighborhood</a:t>
+            </a:r>
+            <a:endParaRPr kumimoji="1" lang="ja-JP" altLang="en-US"/>
+          </a:p>
+        </p:txBody>
+      </p:sp>
+      <p:sp>
+        <p:nvSpPr>
+          <p:cNvPr id="3" name="コンテンツ プレースホルダー 2">
+            <a:extLst>
+              <a:ext uri="{FF2B5EF4-FFF2-40B4-BE49-F238E27FC236}">
+                <a16:creationId xmlns:a16="http://schemas.microsoft.com/office/drawing/2014/main" id="{DF18F744-42F4-CA45-A447-4C7A6529DF3D}"/>
+              </a:ext>
+            </a:extLst>
+          </p:cNvPr>
+          <p:cNvSpPr>
+            <a:spLocks noGrp="1"/>
+          </p:cNvSpPr>
+          <p:nvPr>
+            <p:ph idx="1"/>
+          </p:nvPr>
+        </p:nvSpPr>
+        <p:spPr>
+          <a:xfrm>
+            <a:off x="2589212" y="2133600"/>
+            <a:ext cx="8356694" cy="3777622"/>
+          </a:xfrm>
+        </p:spPr>
+        <p:txBody>
+          <a:bodyPr>
+            <a:normAutofit/>
+          </a:bodyPr>
+          <a:lstStyle/>
+          <a:p>
+            <a:r>
+              <a:rPr kumimoji="1" lang="en-US" altLang="ja-JP" sz="2400" dirty="0"/>
+              <a:t>When searching </a:t>
+            </a:r>
+            <a:r>
+              <a:rPr lang="en-US" altLang="ja-JP" sz="2400" dirty="0"/>
+              <a:t>shift neighborhoods, we normally calculate the evaluate function for all possible insertion positions and insert in the best position.</a:t>
+            </a:r>
+          </a:p>
+          <a:p>
+            <a:r>
+              <a:rPr lang="en" altLang="ja-JP" sz="2400" dirty="0"/>
+              <a:t>For this problem, there may be a waste of resources.</a:t>
+            </a:r>
+          </a:p>
+          <a:p>
+            <a:endParaRPr kumimoji="1" lang="ja-JP" altLang="en-US" sz="2400"/>
+          </a:p>
+        </p:txBody>
+      </p:sp>
+      <p:sp>
+        <p:nvSpPr>
+          <p:cNvPr id="4" name="スライド番号プレースホルダー 3">
+            <a:extLst>
+              <a:ext uri="{FF2B5EF4-FFF2-40B4-BE49-F238E27FC236}">
+                <a16:creationId xmlns:a16="http://schemas.microsoft.com/office/drawing/2014/main" id="{D6B98096-3519-2C4D-9BF8-8A1F1CC998AE}"/>
+              </a:ext>
+            </a:extLst>
+          </p:cNvPr>
+          <p:cNvSpPr>
+            <a:spLocks noGrp="1"/>
+          </p:cNvSpPr>
+          <p:nvPr>
+            <p:ph type="sldNum" sz="quarter" idx="12"/>
+          </p:nvPr>
+        </p:nvSpPr>
+        <p:spPr/>
+        <p:txBody>
+          <a:bodyPr/>
+          <a:lstStyle/>
+          <a:p>
+            <a:fld id="{1413D9FB-836C-864C-8E5A-36E5384B9725}" type="slidenum">
+              <a:rPr kumimoji="1" lang="ja-JP" altLang="en-US" smtClean="0"/>
+              <a:t>33</a:t>
+            </a:fld>
+            <a:endParaRPr kumimoji="1" lang="ja-JP" altLang="en-US"/>
+          </a:p>
+        </p:txBody>
+      </p:sp>
+    </p:spTree>
+    <p:extLst>
+      <p:ext uri="{BB962C8B-B14F-4D97-AF65-F5344CB8AC3E}">
+        <p14:creationId xmlns:p14="http://schemas.microsoft.com/office/powerpoint/2010/main" val="664206571"/>
+      </p:ext>
+    </p:extLst>
+  </p:cSld>
+  <p:clrMapOvr>
+    <a:masterClrMapping/>
+  </p:clrMapOvr>
+</p:sld>
+</file>
+
+<file path=ppt/slides/slide34.xml><?xml version="1.0" encoding="utf-8"?>
+<p:sld xmlns:a="http://schemas.openxmlformats.org/drawingml/2006/main" xmlns:r="http://schemas.openxmlformats.org/officeDocument/2006/relationships" xmlns:p="http://schemas.openxmlformats.org/presentationml/2006/main">
+  <p:cSld>
+    <p:spTree>
+      <p:nvGrpSpPr>
+        <p:cNvPr id="1" name=""/>
+        <p:cNvGrpSpPr/>
+        <p:nvPr/>
+      </p:nvGrpSpPr>
+      <p:grpSpPr>
+        <a:xfrm>
+          <a:off x="0" y="0"/>
+          <a:ext cx="0" cy="0"/>
+          <a:chOff x="0" y="0"/>
+          <a:chExt cx="0" cy="0"/>
+        </a:xfrm>
+      </p:grpSpPr>
+      <p:sp>
+        <p:nvSpPr>
+          <p:cNvPr id="2" name="タイトル 1">
+            <a:extLst>
+              <a:ext uri="{FF2B5EF4-FFF2-40B4-BE49-F238E27FC236}">
                 <a16:creationId xmlns:a16="http://schemas.microsoft.com/office/drawing/2014/main" id="{03BB7B5E-C4C4-9B4A-9494-821EF1303692}"/>
               </a:ext>
             </a:extLst>
@@ -17747,7 +17918,7 @@
           <a:p>
             <a:fld id="{1413D9FB-836C-864C-8E5A-36E5384B9725}" type="slidenum">
               <a:rPr kumimoji="1" lang="ja-JP" altLang="en-US" smtClean="0"/>
-              <a:t>33</a:t>
+              <a:t>34</a:t>
             </a:fld>
             <a:endParaRPr kumimoji="1" lang="ja-JP" altLang="en-US"/>
           </a:p>
@@ -17766,7 +17937,7 @@
 </p:sld>
 </file>
 
-<file path=ppt/slides/slide34.xml><?xml version="1.0" encoding="utf-8"?>
+<file path=ppt/slides/slide35.xml><?xml version="1.0" encoding="utf-8"?>
 <p:sld xmlns:a="http://schemas.openxmlformats.org/drawingml/2006/main" xmlns:r="http://schemas.openxmlformats.org/officeDocument/2006/relationships" xmlns:p="http://schemas.openxmlformats.org/presentationml/2006/main">
   <p:cSld>
     <p:spTree>
@@ -18847,7 +19018,7 @@
           <a:p>
             <a:fld id="{1413D9FB-836C-864C-8E5A-36E5384B9725}" type="slidenum">
               <a:rPr kumimoji="1" lang="ja-JP" altLang="en-US" smtClean="0"/>
-              <a:t>34</a:t>
+              <a:t>35</a:t>
             </a:fld>
             <a:endParaRPr kumimoji="1" lang="ja-JP" altLang="en-US"/>
           </a:p>
@@ -18866,7 +19037,7 @@
 </p:sld>
 </file>
 
-<file path=ppt/slides/slide35.xml><?xml version="1.0" encoding="utf-8"?>
+<file path=ppt/slides/slide36.xml><?xml version="1.0" encoding="utf-8"?>
 <p:sld xmlns:a="http://schemas.openxmlformats.org/drawingml/2006/main" xmlns:r="http://schemas.openxmlformats.org/officeDocument/2006/relationships" xmlns:p="http://schemas.openxmlformats.org/presentationml/2006/main">
   <p:cSld>
     <p:spTree>
@@ -19019,7 +19190,7 @@
           <a:p>
             <a:fld id="{1413D9FB-836C-864C-8E5A-36E5384B9725}" type="slidenum">
               <a:rPr kumimoji="1" lang="ja-JP" altLang="en-US" smtClean="0"/>
-              <a:t>35</a:t>
+              <a:t>36</a:t>
             </a:fld>
             <a:endParaRPr kumimoji="1" lang="ja-JP" altLang="en-US"/>
           </a:p>
@@ -19038,7 +19209,7 @@
 </p:sld>
 </file>
 
-<file path=ppt/slides/slide36.xml><?xml version="1.0" encoding="utf-8"?>
+<file path=ppt/slides/slide37.xml><?xml version="1.0" encoding="utf-8"?>
 <p:sld xmlns:a="http://schemas.openxmlformats.org/drawingml/2006/main" xmlns:r="http://schemas.openxmlformats.org/officeDocument/2006/relationships" xmlns:p="http://schemas.openxmlformats.org/presentationml/2006/main">
   <p:cSld>
     <p:spTree>
@@ -19645,7 +19816,7 @@
           <a:p>
             <a:fld id="{1413D9FB-836C-864C-8E5A-36E5384B9725}" type="slidenum">
               <a:rPr kumimoji="1" lang="ja-JP" altLang="en-US" smtClean="0"/>
-              <a:t>36</a:t>
+              <a:t>37</a:t>
             </a:fld>
             <a:endParaRPr kumimoji="1" lang="ja-JP" altLang="en-US"/>
           </a:p>
@@ -19664,7 +19835,7 @@
 </p:sld>
 </file>
 
-<file path=ppt/slides/slide37.xml><?xml version="1.0" encoding="utf-8"?>
+<file path=ppt/slides/slide38.xml><?xml version="1.0" encoding="utf-8"?>
 <p:sld xmlns:a="http://schemas.openxmlformats.org/drawingml/2006/main" xmlns:r="http://schemas.openxmlformats.org/officeDocument/2006/relationships" xmlns:p="http://schemas.openxmlformats.org/presentationml/2006/main">
   <p:cSld>
     <p:spTree>
@@ -20486,7 +20657,7 @@
           <a:p>
             <a:fld id="{1413D9FB-836C-864C-8E5A-36E5384B9725}" type="slidenum">
               <a:rPr kumimoji="1" lang="ja-JP" altLang="en-US" smtClean="0"/>
-              <a:t>37</a:t>
+              <a:t>38</a:t>
             </a:fld>
             <a:endParaRPr kumimoji="1" lang="ja-JP" altLang="en-US"/>
           </a:p>
@@ -20496,163 +20667,6 @@
     <p:extLst>
       <p:ext uri="{BB962C8B-B14F-4D97-AF65-F5344CB8AC3E}">
         <p14:creationId xmlns:p14="http://schemas.microsoft.com/office/powerpoint/2010/main" val="3034498478"/>
-      </p:ext>
-    </p:extLst>
-  </p:cSld>
-  <p:clrMapOvr>
-    <a:masterClrMapping/>
-  </p:clrMapOvr>
-</p:sld>
-</file>
-
-<file path=ppt/slides/slide38.xml><?xml version="1.0" encoding="utf-8"?>
-<p:sld xmlns:a="http://schemas.openxmlformats.org/drawingml/2006/main" xmlns:r="http://schemas.openxmlformats.org/officeDocument/2006/relationships" xmlns:p="http://schemas.openxmlformats.org/presentationml/2006/main">
-  <p:cSld>
-    <p:spTree>
-      <p:nvGrpSpPr>
-        <p:cNvPr id="1" name=""/>
-        <p:cNvGrpSpPr/>
-        <p:nvPr/>
-      </p:nvGrpSpPr>
-      <p:grpSpPr>
-        <a:xfrm>
-          <a:off x="0" y="0"/>
-          <a:ext cx="0" cy="0"/>
-          <a:chOff x="0" y="0"/>
-          <a:chExt cx="0" cy="0"/>
-        </a:xfrm>
-      </p:grpSpPr>
-      <p:sp>
-        <p:nvSpPr>
-          <p:cNvPr id="2" name="タイトル 1">
-            <a:extLst>
-              <a:ext uri="{FF2B5EF4-FFF2-40B4-BE49-F238E27FC236}">
-                <a16:creationId xmlns:a16="http://schemas.microsoft.com/office/drawing/2014/main" id="{23293CDF-C8B2-0249-B006-9AB1745DECD2}"/>
-              </a:ext>
-            </a:extLst>
-          </p:cNvPr>
-          <p:cNvSpPr>
-            <a:spLocks noGrp="1"/>
-          </p:cNvSpPr>
-          <p:nvPr>
-            <p:ph type="title"/>
-          </p:nvPr>
-        </p:nvSpPr>
-        <p:spPr/>
-        <p:txBody>
-          <a:bodyPr/>
-          <a:lstStyle/>
-          <a:p>
-            <a:r>
-              <a:rPr lang="en-US" altLang="ja-JP" dirty="0"/>
-              <a:t>Initial solution</a:t>
-            </a:r>
-            <a:endParaRPr kumimoji="1" lang="ja-JP" altLang="en-US"/>
-          </a:p>
-        </p:txBody>
-      </p:sp>
-      <p:sp>
-        <p:nvSpPr>
-          <p:cNvPr id="3" name="コンテンツ プレースホルダー 2">
-            <a:extLst>
-              <a:ext uri="{FF2B5EF4-FFF2-40B4-BE49-F238E27FC236}">
-                <a16:creationId xmlns:a16="http://schemas.microsoft.com/office/drawing/2014/main" id="{E20F269F-0243-3E42-9DD2-4D0E5F2B1161}"/>
-              </a:ext>
-            </a:extLst>
-          </p:cNvPr>
-          <p:cNvSpPr>
-            <a:spLocks noGrp="1"/>
-          </p:cNvSpPr>
-          <p:nvPr>
-            <p:ph idx="1"/>
-          </p:nvPr>
-        </p:nvSpPr>
-        <p:spPr/>
-        <p:txBody>
-          <a:bodyPr>
-            <a:normAutofit/>
-          </a:bodyPr>
-          <a:lstStyle/>
-          <a:p>
-            <a:r>
-              <a:rPr lang="en-US" altLang="ja-JP" sz="2400" dirty="0"/>
-              <a:t>A</a:t>
-            </a:r>
-            <a:r>
-              <a:rPr kumimoji="1" lang="en-US" altLang="ja-JP" sz="2400" dirty="0"/>
-              <a:t>pproaches we propose to create initial solutions:</a:t>
-            </a:r>
-          </a:p>
-          <a:p>
-            <a:pPr marL="0" indent="0">
-              <a:buNone/>
-            </a:pPr>
-            <a:endParaRPr kumimoji="1" lang="en-US" altLang="ja-JP" sz="2400" dirty="0"/>
-          </a:p>
-          <a:p>
-            <a:pPr marL="457200" indent="-457200">
-              <a:buFont typeface="+mj-lt"/>
-              <a:buAutoNum type="arabicPeriod"/>
-            </a:pPr>
-            <a:r>
-              <a:rPr lang="en-US" altLang="ja-JP" sz="2400" dirty="0"/>
-              <a:t>G</a:t>
-            </a:r>
-            <a:r>
-              <a:rPr kumimoji="1" lang="en-US" altLang="ja-JP" sz="2400" dirty="0"/>
-              <a:t>enerating from solution by relaxation of linear programming</a:t>
-            </a:r>
-          </a:p>
-          <a:p>
-            <a:pPr marL="457200" indent="-457200">
-              <a:buFont typeface="+mj-lt"/>
-              <a:buAutoNum type="arabicPeriod"/>
-            </a:pPr>
-            <a:r>
-              <a:rPr kumimoji="1" lang="en-US" altLang="ja-JP" sz="2400" dirty="0"/>
-              <a:t>Generating from solution </a:t>
-            </a:r>
-            <a:r>
-              <a:rPr lang="en-US" altLang="ja-JP" sz="2400" dirty="0"/>
-              <a:t>of a problem formulated in MIP with bookings grouped by port</a:t>
-            </a:r>
-            <a:endParaRPr kumimoji="1" lang="en-US" altLang="ja-JP" sz="2400" dirty="0"/>
-          </a:p>
-        </p:txBody>
-      </p:sp>
-      <p:sp>
-        <p:nvSpPr>
-          <p:cNvPr id="4" name="スライド番号プレースホルダー 3">
-            <a:extLst>
-              <a:ext uri="{FF2B5EF4-FFF2-40B4-BE49-F238E27FC236}">
-                <a16:creationId xmlns:a16="http://schemas.microsoft.com/office/drawing/2014/main" id="{755548C9-F06A-CF45-BF53-242F4EE1F84D}"/>
-              </a:ext>
-            </a:extLst>
-          </p:cNvPr>
-          <p:cNvSpPr>
-            <a:spLocks noGrp="1"/>
-          </p:cNvSpPr>
-          <p:nvPr>
-            <p:ph type="sldNum" sz="quarter" idx="12"/>
-          </p:nvPr>
-        </p:nvSpPr>
-        <p:spPr/>
-        <p:txBody>
-          <a:bodyPr/>
-          <a:lstStyle/>
-          <a:p>
-            <a:fld id="{1413D9FB-836C-864C-8E5A-36E5384B9725}" type="slidenum">
-              <a:rPr kumimoji="1" lang="ja-JP" altLang="en-US" smtClean="0"/>
-              <a:t>38</a:t>
-            </a:fld>
-            <a:endParaRPr kumimoji="1" lang="ja-JP" altLang="en-US"/>
-          </a:p>
-        </p:txBody>
-      </p:sp>
-    </p:spTree>
-    <p:extLst>
-      <p:ext uri="{BB962C8B-B14F-4D97-AF65-F5344CB8AC3E}">
-        <p14:creationId xmlns:p14="http://schemas.microsoft.com/office/powerpoint/2010/main" val="3354853748"/>
       </p:ext>
     </p:extLst>
   </p:cSld>
@@ -20702,7 +20716,7 @@
           <a:p>
             <a:r>
               <a:rPr lang="en-US" altLang="ja-JP" dirty="0"/>
-              <a:t>Approach to create initial assignment</a:t>
+              <a:t>Initial solution</a:t>
             </a:r>
             <a:endParaRPr kumimoji="1" lang="ja-JP" altLang="en-US"/>
           </a:p>
@@ -20731,6 +20745,22 @@
           </a:bodyPr>
           <a:lstStyle/>
           <a:p>
+            <a:r>
+              <a:rPr lang="en-US" altLang="ja-JP" sz="2400" dirty="0"/>
+              <a:t>A</a:t>
+            </a:r>
+            <a:r>
+              <a:rPr kumimoji="1" lang="en-US" altLang="ja-JP" sz="2400" dirty="0"/>
+              <a:t>pproaches we propose to create initial solutions:</a:t>
+            </a:r>
+          </a:p>
+          <a:p>
+            <a:pPr marL="0" indent="0">
+              <a:buNone/>
+            </a:pPr>
+            <a:endParaRPr kumimoji="1" lang="en-US" altLang="ja-JP" sz="2400" dirty="0"/>
+          </a:p>
+          <a:p>
             <a:pPr marL="457200" indent="-457200">
               <a:buFont typeface="+mj-lt"/>
               <a:buAutoNum type="arabicPeriod"/>
@@ -20750,32 +20780,14 @@
               <a:buAutoNum type="arabicPeriod"/>
             </a:pPr>
             <a:r>
-              <a:rPr kumimoji="1" lang="en-US" altLang="ja-JP" sz="2400" dirty="0">
-                <a:solidFill>
-                  <a:schemeClr val="bg1">
-                    <a:lumMod val="85000"/>
-                  </a:schemeClr>
-                </a:solidFill>
-              </a:rPr>
+              <a:rPr kumimoji="1" lang="en-US" altLang="ja-JP" sz="2400" dirty="0"/>
               <a:t>Generating from solution </a:t>
             </a:r>
             <a:r>
-              <a:rPr lang="en-US" altLang="ja-JP" sz="2400" dirty="0">
-                <a:solidFill>
-                  <a:schemeClr val="bg1">
-                    <a:lumMod val="85000"/>
-                  </a:schemeClr>
-                </a:solidFill>
-              </a:rPr>
+              <a:rPr lang="en-US" altLang="ja-JP" sz="2400" dirty="0"/>
               <a:t>of a problem formulated in MIP with bookings grouped by port</a:t>
             </a:r>
-            <a:endParaRPr kumimoji="1" lang="en-US" altLang="ja-JP" sz="2400" dirty="0">
-              <a:solidFill>
-                <a:schemeClr val="bg1">
-                  <a:lumMod val="85000"/>
-                </a:schemeClr>
-              </a:solidFill>
-            </a:endParaRPr>
+            <a:endParaRPr kumimoji="1" lang="en-US" altLang="ja-JP" sz="2400" dirty="0"/>
           </a:p>
         </p:txBody>
       </p:sp>
@@ -20784,7 +20796,7 @@
           <p:cNvPr id="4" name="スライド番号プレースホルダー 3">
             <a:extLst>
               <a:ext uri="{FF2B5EF4-FFF2-40B4-BE49-F238E27FC236}">
-                <a16:creationId xmlns:a16="http://schemas.microsoft.com/office/drawing/2014/main" id="{80F39395-DA9E-6B4D-9E6B-843CAEBCBF46}"/>
+                <a16:creationId xmlns:a16="http://schemas.microsoft.com/office/drawing/2014/main" id="{755548C9-F06A-CF45-BF53-242F4EE1F84D}"/>
               </a:ext>
             </a:extLst>
           </p:cNvPr>
@@ -20811,7 +20823,7 @@
     </p:spTree>
     <p:extLst>
       <p:ext uri="{BB962C8B-B14F-4D97-AF65-F5344CB8AC3E}">
-        <p14:creationId xmlns:p14="http://schemas.microsoft.com/office/powerpoint/2010/main" val="2379747017"/>
+        <p14:creationId xmlns:p14="http://schemas.microsoft.com/office/powerpoint/2010/main" val="3354853748"/>
       </p:ext>
     </p:extLst>
   </p:cSld>
@@ -21415,7 +21427,7 @@
           <p:cNvPr id="2" name="タイトル 1">
             <a:extLst>
               <a:ext uri="{FF2B5EF4-FFF2-40B4-BE49-F238E27FC236}">
-                <a16:creationId xmlns:a16="http://schemas.microsoft.com/office/drawing/2014/main" id="{77CCAC05-3AAC-D943-B7CA-119266FCBE65}"/>
+                <a16:creationId xmlns:a16="http://schemas.microsoft.com/office/drawing/2014/main" id="{23293CDF-C8B2-0249-B006-9AB1745DECD2}"/>
               </a:ext>
             </a:extLst>
           </p:cNvPr>
@@ -21433,7 +21445,7 @@
           <a:p>
             <a:r>
               <a:rPr lang="en-US" altLang="ja-JP" dirty="0"/>
-              <a:t>Relaxation of linear programming</a:t>
+              <a:t>Approach to create initial assignment</a:t>
             </a:r>
             <a:endParaRPr kumimoji="1" lang="ja-JP" altLang="en-US"/>
           </a:p>
@@ -21444,7 +21456,7 @@
           <p:cNvPr id="3" name="コンテンツ プレースホルダー 2">
             <a:extLst>
               <a:ext uri="{FF2B5EF4-FFF2-40B4-BE49-F238E27FC236}">
-                <a16:creationId xmlns:a16="http://schemas.microsoft.com/office/drawing/2014/main" id="{83572324-1E1A-3541-9C80-10CFC06750E2}"/>
+                <a16:creationId xmlns:a16="http://schemas.microsoft.com/office/drawing/2014/main" id="{E20F269F-0243-3E42-9DD2-4D0E5F2B1161}"/>
               </a:ext>
             </a:extLst>
           </p:cNvPr>
@@ -21462,43 +21474,51 @@
           </a:bodyPr>
           <a:lstStyle/>
           <a:p>
+            <a:pPr marL="457200" indent="-457200">
+              <a:buFont typeface="+mj-lt"/>
+              <a:buAutoNum type="arabicPeriod"/>
+            </a:pPr>
             <a:r>
               <a:rPr lang="en-US" altLang="ja-JP" sz="2400" dirty="0"/>
-              <a:t>As a preliminary experiment, we compare the solutions to the MIP problem and the relaxation problem. </a:t>
-            </a:r>
-          </a:p>
-          <a:p>
-            <a:r>
-              <a:rPr lang="en" altLang="ja-JP" sz="2400" dirty="0"/>
-              <a:t>To compare the properties of the solutions, we use the Manhattan distance</a:t>
-            </a:r>
-            <a:r>
-              <a:rPr lang="en-US" altLang="ja-JP" sz="2400" dirty="0"/>
-              <a:t>. </a:t>
-            </a:r>
-          </a:p>
-          <a:p>
-            <a:r>
-              <a:rPr lang="en" altLang="ja-JP" sz="2400" dirty="0"/>
-              <a:t>We performed the comparison and confirmed that the properties of the relaxed solution and the MIP solution are close</a:t>
-            </a:r>
-            <a:r>
-              <a:rPr lang="en-US" altLang="ja-JP" sz="2400" dirty="0"/>
-              <a:t>.</a:t>
-            </a:r>
-            <a:endParaRPr lang="en" altLang="ja-JP" sz="2400" dirty="0"/>
-          </a:p>
-          <a:p>
-            <a:endParaRPr lang="en-US" altLang="ja-JP" sz="2400" dirty="0"/>
-          </a:p>
-          <a:p>
-            <a:endParaRPr lang="en-US" altLang="ja-JP" sz="2400" dirty="0"/>
-          </a:p>
-          <a:p>
-            <a:endParaRPr lang="en-US" altLang="ja-JP" sz="2400" dirty="0"/>
-          </a:p>
-          <a:p>
-            <a:endParaRPr kumimoji="1" lang="ja-JP" altLang="en-US" sz="2400"/>
+              <a:t>G</a:t>
+            </a:r>
+            <a:r>
+              <a:rPr kumimoji="1" lang="en-US" altLang="ja-JP" sz="2400" dirty="0"/>
+              <a:t>enerating from solution by relaxation of linear programming</a:t>
+            </a:r>
+          </a:p>
+          <a:p>
+            <a:pPr marL="457200" indent="-457200">
+              <a:buFont typeface="+mj-lt"/>
+              <a:buAutoNum type="arabicPeriod"/>
+            </a:pPr>
+            <a:r>
+              <a:rPr kumimoji="1" lang="en-US" altLang="ja-JP" sz="2400" dirty="0">
+                <a:solidFill>
+                  <a:schemeClr val="bg1">
+                    <a:lumMod val="85000"/>
+                  </a:schemeClr>
+                </a:solidFill>
+              </a:rPr>
+              <a:t>Generating from solution </a:t>
+            </a:r>
+            <a:r>
+              <a:rPr lang="en-US" altLang="ja-JP" sz="2400" dirty="0">
+                <a:solidFill>
+                  <a:schemeClr val="bg1">
+                    <a:lumMod val="85000"/>
+                  </a:schemeClr>
+                </a:solidFill>
+              </a:rPr>
+              <a:t>of a problem formulated in MIP with bookings grouped by port</a:t>
+            </a:r>
+            <a:endParaRPr kumimoji="1" lang="en-US" altLang="ja-JP" sz="2400" dirty="0">
+              <a:solidFill>
+                <a:schemeClr val="bg1">
+                  <a:lumMod val="85000"/>
+                </a:schemeClr>
+              </a:solidFill>
+            </a:endParaRPr>
           </a:p>
         </p:txBody>
       </p:sp>
@@ -21507,7 +21527,7 @@
           <p:cNvPr id="4" name="スライド番号プレースホルダー 3">
             <a:extLst>
               <a:ext uri="{FF2B5EF4-FFF2-40B4-BE49-F238E27FC236}">
-                <a16:creationId xmlns:a16="http://schemas.microsoft.com/office/drawing/2014/main" id="{8DAA0D4D-82E8-3046-B732-248E075E5E4C}"/>
+                <a16:creationId xmlns:a16="http://schemas.microsoft.com/office/drawing/2014/main" id="{80F39395-DA9E-6B4D-9E6B-843CAEBCBF46}"/>
               </a:ext>
             </a:extLst>
           </p:cNvPr>
@@ -21534,7 +21554,7 @@
     </p:spTree>
     <p:extLst>
       <p:ext uri="{BB962C8B-B14F-4D97-AF65-F5344CB8AC3E}">
-        <p14:creationId xmlns:p14="http://schemas.microsoft.com/office/powerpoint/2010/main" val="2087942310"/>
+        <p14:creationId xmlns:p14="http://schemas.microsoft.com/office/powerpoint/2010/main" val="2379747017"/>
       </p:ext>
     </p:extLst>
   </p:cSld>
@@ -21566,7 +21586,7 @@
           <p:cNvPr id="2" name="タイトル 1">
             <a:extLst>
               <a:ext uri="{FF2B5EF4-FFF2-40B4-BE49-F238E27FC236}">
-                <a16:creationId xmlns:a16="http://schemas.microsoft.com/office/drawing/2014/main" id="{23293CDF-C8B2-0249-B006-9AB1745DECD2}"/>
+                <a16:creationId xmlns:a16="http://schemas.microsoft.com/office/drawing/2014/main" id="{77CCAC05-3AAC-D943-B7CA-119266FCBE65}"/>
               </a:ext>
             </a:extLst>
           </p:cNvPr>
@@ -21584,7 +21604,7 @@
           <a:p>
             <a:r>
               <a:rPr lang="en-US" altLang="ja-JP" dirty="0"/>
-              <a:t>Approach to create initial assignment</a:t>
+              <a:t>Relaxation of linear programming</a:t>
             </a:r>
             <a:endParaRPr kumimoji="1" lang="ja-JP" altLang="en-US"/>
           </a:p>
@@ -21595,7 +21615,7 @@
           <p:cNvPr id="3" name="コンテンツ プレースホルダー 2">
             <a:extLst>
               <a:ext uri="{FF2B5EF4-FFF2-40B4-BE49-F238E27FC236}">
-                <a16:creationId xmlns:a16="http://schemas.microsoft.com/office/drawing/2014/main" id="{E20F269F-0243-3E42-9DD2-4D0E5F2B1161}"/>
+                <a16:creationId xmlns:a16="http://schemas.microsoft.com/office/drawing/2014/main" id="{83572324-1E1A-3541-9C80-10CFC06750E2}"/>
               </a:ext>
             </a:extLst>
           </p:cNvPr>
@@ -21613,55 +21633,43 @@
           </a:bodyPr>
           <a:lstStyle/>
           <a:p>
-            <a:pPr marL="457200" indent="-457200">
-              <a:buFont typeface="+mj-lt"/>
-              <a:buAutoNum type="arabicPeriod"/>
-            </a:pPr>
-            <a:r>
-              <a:rPr kumimoji="1" lang="en-US" altLang="ja-JP" sz="2400" dirty="0">
-                <a:solidFill>
-                  <a:schemeClr val="bg1">
-                    <a:lumMod val="85000"/>
-                  </a:schemeClr>
-                </a:solidFill>
-              </a:rPr>
-              <a:t>Generating from solution by relaxation of linear programming</a:t>
-            </a:r>
-          </a:p>
-          <a:p>
-            <a:pPr marL="457200" indent="-457200">
-              <a:buFont typeface="+mj-lt"/>
-              <a:buAutoNum type="arabicPeriod"/>
-            </a:pPr>
-            <a:r>
-              <a:rPr lang="en-US" altLang="ja-JP" sz="2400" dirty="0">
-                <a:solidFill>
-                  <a:schemeClr val="tx1"/>
-                </a:solidFill>
-              </a:rPr>
-              <a:t>G</a:t>
-            </a:r>
-            <a:r>
-              <a:rPr kumimoji="1" lang="en-US" altLang="ja-JP" sz="2400" dirty="0">
-                <a:solidFill>
-                  <a:schemeClr val="tx1"/>
-                </a:solidFill>
-              </a:rPr>
-              <a:t>enerating from solution </a:t>
-            </a:r>
-            <a:r>
-              <a:rPr lang="en-US" altLang="ja-JP" sz="2400" dirty="0">
-                <a:solidFill>
-                  <a:schemeClr val="tx1"/>
-                </a:solidFill>
-              </a:rPr>
-              <a:t>of a problem formulated in MIP with bookings grouped by port</a:t>
-            </a:r>
-            <a:endParaRPr kumimoji="1" lang="en-US" altLang="ja-JP" sz="2400" dirty="0">
-              <a:solidFill>
-                <a:schemeClr val="tx1"/>
-              </a:solidFill>
-            </a:endParaRPr>
+            <a:r>
+              <a:rPr lang="en-US" altLang="ja-JP" sz="2400" dirty="0"/>
+              <a:t>As a preliminary experiment, we compare the solutions to the MIP problem and the relaxation problem. </a:t>
+            </a:r>
+          </a:p>
+          <a:p>
+            <a:r>
+              <a:rPr lang="en" altLang="ja-JP" sz="2400" dirty="0"/>
+              <a:t>To compare the properties of the solutions, we use the Manhattan distance</a:t>
+            </a:r>
+            <a:r>
+              <a:rPr lang="en-US" altLang="ja-JP" sz="2400" dirty="0"/>
+              <a:t>. </a:t>
+            </a:r>
+          </a:p>
+          <a:p>
+            <a:r>
+              <a:rPr lang="en" altLang="ja-JP" sz="2400" dirty="0"/>
+              <a:t>We performed the comparison and confirmed that the properties of the relaxed solution and the MIP solution are close</a:t>
+            </a:r>
+            <a:r>
+              <a:rPr lang="en-US" altLang="ja-JP" sz="2400" dirty="0"/>
+              <a:t>.</a:t>
+            </a:r>
+            <a:endParaRPr lang="en" altLang="ja-JP" sz="2400" dirty="0"/>
+          </a:p>
+          <a:p>
+            <a:endParaRPr lang="en-US" altLang="ja-JP" sz="2400" dirty="0"/>
+          </a:p>
+          <a:p>
+            <a:endParaRPr lang="en-US" altLang="ja-JP" sz="2400" dirty="0"/>
+          </a:p>
+          <a:p>
+            <a:endParaRPr lang="en-US" altLang="ja-JP" sz="2400" dirty="0"/>
+          </a:p>
+          <a:p>
+            <a:endParaRPr kumimoji="1" lang="ja-JP" altLang="en-US" sz="2400"/>
           </a:p>
         </p:txBody>
       </p:sp>
@@ -21670,7 +21678,7 @@
           <p:cNvPr id="4" name="スライド番号プレースホルダー 3">
             <a:extLst>
               <a:ext uri="{FF2B5EF4-FFF2-40B4-BE49-F238E27FC236}">
-                <a16:creationId xmlns:a16="http://schemas.microsoft.com/office/drawing/2014/main" id="{EFD2A9DB-5222-964C-9F01-E915E69C91EC}"/>
+                <a16:creationId xmlns:a16="http://schemas.microsoft.com/office/drawing/2014/main" id="{8DAA0D4D-82E8-3046-B732-248E075E5E4C}"/>
               </a:ext>
             </a:extLst>
           </p:cNvPr>
@@ -21697,7 +21705,7 @@
     </p:spTree>
     <p:extLst>
       <p:ext uri="{BB962C8B-B14F-4D97-AF65-F5344CB8AC3E}">
-        <p14:creationId xmlns:p14="http://schemas.microsoft.com/office/powerpoint/2010/main" val="1226177036"/>
+        <p14:creationId xmlns:p14="http://schemas.microsoft.com/office/powerpoint/2010/main" val="2087942310"/>
       </p:ext>
     </p:extLst>
   </p:cSld>
@@ -21729,6 +21737,169 @@
           <p:cNvPr id="2" name="タイトル 1">
             <a:extLst>
               <a:ext uri="{FF2B5EF4-FFF2-40B4-BE49-F238E27FC236}">
+                <a16:creationId xmlns:a16="http://schemas.microsoft.com/office/drawing/2014/main" id="{23293CDF-C8B2-0249-B006-9AB1745DECD2}"/>
+              </a:ext>
+            </a:extLst>
+          </p:cNvPr>
+          <p:cNvSpPr>
+            <a:spLocks noGrp="1"/>
+          </p:cNvSpPr>
+          <p:nvPr>
+            <p:ph type="title"/>
+          </p:nvPr>
+        </p:nvSpPr>
+        <p:spPr/>
+        <p:txBody>
+          <a:bodyPr/>
+          <a:lstStyle/>
+          <a:p>
+            <a:r>
+              <a:rPr lang="en-US" altLang="ja-JP" dirty="0"/>
+              <a:t>Approach to create initial assignment</a:t>
+            </a:r>
+            <a:endParaRPr kumimoji="1" lang="ja-JP" altLang="en-US"/>
+          </a:p>
+        </p:txBody>
+      </p:sp>
+      <p:sp>
+        <p:nvSpPr>
+          <p:cNvPr id="3" name="コンテンツ プレースホルダー 2">
+            <a:extLst>
+              <a:ext uri="{FF2B5EF4-FFF2-40B4-BE49-F238E27FC236}">
+                <a16:creationId xmlns:a16="http://schemas.microsoft.com/office/drawing/2014/main" id="{E20F269F-0243-3E42-9DD2-4D0E5F2B1161}"/>
+              </a:ext>
+            </a:extLst>
+          </p:cNvPr>
+          <p:cNvSpPr>
+            <a:spLocks noGrp="1"/>
+          </p:cNvSpPr>
+          <p:nvPr>
+            <p:ph idx="1"/>
+          </p:nvPr>
+        </p:nvSpPr>
+        <p:spPr/>
+        <p:txBody>
+          <a:bodyPr>
+            <a:normAutofit/>
+          </a:bodyPr>
+          <a:lstStyle/>
+          <a:p>
+            <a:pPr marL="457200" indent="-457200">
+              <a:buFont typeface="+mj-lt"/>
+              <a:buAutoNum type="arabicPeriod"/>
+            </a:pPr>
+            <a:r>
+              <a:rPr kumimoji="1" lang="en-US" altLang="ja-JP" sz="2400" dirty="0">
+                <a:solidFill>
+                  <a:schemeClr val="bg1">
+                    <a:lumMod val="85000"/>
+                  </a:schemeClr>
+                </a:solidFill>
+              </a:rPr>
+              <a:t>Generating from solution by relaxation of linear programming</a:t>
+            </a:r>
+          </a:p>
+          <a:p>
+            <a:pPr marL="457200" indent="-457200">
+              <a:buFont typeface="+mj-lt"/>
+              <a:buAutoNum type="arabicPeriod"/>
+            </a:pPr>
+            <a:r>
+              <a:rPr lang="en-US" altLang="ja-JP" sz="2400" dirty="0">
+                <a:solidFill>
+                  <a:schemeClr val="tx1"/>
+                </a:solidFill>
+              </a:rPr>
+              <a:t>G</a:t>
+            </a:r>
+            <a:r>
+              <a:rPr kumimoji="1" lang="en-US" altLang="ja-JP" sz="2400" dirty="0">
+                <a:solidFill>
+                  <a:schemeClr val="tx1"/>
+                </a:solidFill>
+              </a:rPr>
+              <a:t>enerating from solution </a:t>
+            </a:r>
+            <a:r>
+              <a:rPr lang="en-US" altLang="ja-JP" sz="2400" dirty="0">
+                <a:solidFill>
+                  <a:schemeClr val="tx1"/>
+                </a:solidFill>
+              </a:rPr>
+              <a:t>of a problem formulated in MIP with bookings grouped by port</a:t>
+            </a:r>
+            <a:endParaRPr kumimoji="1" lang="en-US" altLang="ja-JP" sz="2400" dirty="0">
+              <a:solidFill>
+                <a:schemeClr val="tx1"/>
+              </a:solidFill>
+            </a:endParaRPr>
+          </a:p>
+        </p:txBody>
+      </p:sp>
+      <p:sp>
+        <p:nvSpPr>
+          <p:cNvPr id="4" name="スライド番号プレースホルダー 3">
+            <a:extLst>
+              <a:ext uri="{FF2B5EF4-FFF2-40B4-BE49-F238E27FC236}">
+                <a16:creationId xmlns:a16="http://schemas.microsoft.com/office/drawing/2014/main" id="{EFD2A9DB-5222-964C-9F01-E915E69C91EC}"/>
+              </a:ext>
+            </a:extLst>
+          </p:cNvPr>
+          <p:cNvSpPr>
+            <a:spLocks noGrp="1"/>
+          </p:cNvSpPr>
+          <p:nvPr>
+            <p:ph type="sldNum" sz="quarter" idx="12"/>
+          </p:nvPr>
+        </p:nvSpPr>
+        <p:spPr/>
+        <p:txBody>
+          <a:bodyPr/>
+          <a:lstStyle/>
+          <a:p>
+            <a:fld id="{1413D9FB-836C-864C-8E5A-36E5384B9725}" type="slidenum">
+              <a:rPr kumimoji="1" lang="ja-JP" altLang="en-US" smtClean="0"/>
+              <a:t>42</a:t>
+            </a:fld>
+            <a:endParaRPr kumimoji="1" lang="ja-JP" altLang="en-US"/>
+          </a:p>
+        </p:txBody>
+      </p:sp>
+    </p:spTree>
+    <p:extLst>
+      <p:ext uri="{BB962C8B-B14F-4D97-AF65-F5344CB8AC3E}">
+        <p14:creationId xmlns:p14="http://schemas.microsoft.com/office/powerpoint/2010/main" val="1226177036"/>
+      </p:ext>
+    </p:extLst>
+  </p:cSld>
+  <p:clrMapOvr>
+    <a:masterClrMapping/>
+  </p:clrMapOvr>
+</p:sld>
+</file>
+
+<file path=ppt/slides/slide43.xml><?xml version="1.0" encoding="utf-8"?>
+<p:sld xmlns:a="http://schemas.openxmlformats.org/drawingml/2006/main" xmlns:r="http://schemas.openxmlformats.org/officeDocument/2006/relationships" xmlns:p="http://schemas.openxmlformats.org/presentationml/2006/main">
+  <p:cSld>
+    <p:spTree>
+      <p:nvGrpSpPr>
+        <p:cNvPr id="1" name=""/>
+        <p:cNvGrpSpPr/>
+        <p:nvPr/>
+      </p:nvGrpSpPr>
+      <p:grpSpPr>
+        <a:xfrm>
+          <a:off x="0" y="0"/>
+          <a:ext cx="0" cy="0"/>
+          <a:chOff x="0" y="0"/>
+          <a:chExt cx="0" cy="0"/>
+        </a:xfrm>
+      </p:grpSpPr>
+      <p:sp>
+        <p:nvSpPr>
+          <p:cNvPr id="2" name="タイトル 1">
+            <a:extLst>
+              <a:ext uri="{FF2B5EF4-FFF2-40B4-BE49-F238E27FC236}">
                 <a16:creationId xmlns:a16="http://schemas.microsoft.com/office/drawing/2014/main" id="{26B9DA74-0919-8C4D-A488-16B05DD6B4A6}"/>
               </a:ext>
             </a:extLst>
@@ -21829,7 +22000,7 @@
           <a:p>
             <a:fld id="{1413D9FB-836C-864C-8E5A-36E5384B9725}" type="slidenum">
               <a:rPr kumimoji="1" lang="ja-JP" altLang="en-US" smtClean="0"/>
-              <a:t>42</a:t>
+              <a:t>43</a:t>
             </a:fld>
             <a:endParaRPr kumimoji="1" lang="ja-JP" altLang="en-US"/>
           </a:p>
@@ -21848,7 +22019,7 @@
 </p:sld>
 </file>
 
-<file path=ppt/slides/slide43.xml><?xml version="1.0" encoding="utf-8"?>
+<file path=ppt/slides/slide44.xml><?xml version="1.0" encoding="utf-8"?>
 <p:sld xmlns:a="http://schemas.openxmlformats.org/drawingml/2006/main" xmlns:r="http://schemas.openxmlformats.org/officeDocument/2006/relationships" xmlns:p="http://schemas.openxmlformats.org/presentationml/2006/main">
   <p:cSld>
     <p:spTree>
@@ -22953,7 +23124,7 @@
           <a:p>
             <a:fld id="{1413D9FB-836C-864C-8E5A-36E5384B9725}" type="slidenum">
               <a:rPr kumimoji="1" lang="ja-JP" altLang="en-US" smtClean="0"/>
-              <a:t>43</a:t>
+              <a:t>44</a:t>
             </a:fld>
             <a:endParaRPr kumimoji="1" lang="ja-JP" altLang="en-US"/>
           </a:p>
@@ -22972,7 +23143,7 @@
 </p:sld>
 </file>
 
-<file path=ppt/slides/slide44.xml><?xml version="1.0" encoding="utf-8"?>
+<file path=ppt/slides/slide45.xml><?xml version="1.0" encoding="utf-8"?>
 <p:sld xmlns:a="http://schemas.openxmlformats.org/drawingml/2006/main" xmlns:r="http://schemas.openxmlformats.org/officeDocument/2006/relationships" xmlns:p="http://schemas.openxmlformats.org/presentationml/2006/main">
   <p:cSld>
     <p:spTree>
@@ -23091,7 +23262,7 @@
           <a:p>
             <a:fld id="{1413D9FB-836C-864C-8E5A-36E5384B9725}" type="slidenum">
               <a:rPr kumimoji="1" lang="ja-JP" altLang="en-US" smtClean="0"/>
-              <a:t>44</a:t>
+              <a:t>45</a:t>
             </a:fld>
             <a:endParaRPr kumimoji="1" lang="ja-JP" altLang="en-US"/>
           </a:p>
@@ -23110,7 +23281,7 @@
 </p:sld>
 </file>
 
-<file path=ppt/slides/slide45.xml><?xml version="1.0" encoding="utf-8"?>
+<file path=ppt/slides/slide46.xml><?xml version="1.0" encoding="utf-8"?>
 <p:sld xmlns:a="http://schemas.openxmlformats.org/drawingml/2006/main" xmlns:r="http://schemas.openxmlformats.org/officeDocument/2006/relationships" xmlns:p="http://schemas.openxmlformats.org/presentationml/2006/main">
   <p:cSld>
     <p:spTree>
@@ -23902,7 +24073,7 @@
           <a:p>
             <a:fld id="{1413D9FB-836C-864C-8E5A-36E5384B9725}" type="slidenum">
               <a:rPr kumimoji="1" lang="ja-JP" altLang="en-US" smtClean="0"/>
-              <a:t>45</a:t>
+              <a:t>46</a:t>
             </a:fld>
             <a:endParaRPr kumimoji="1" lang="ja-JP" altLang="en-US"/>
           </a:p>
@@ -23912,163 +24083,6 @@
     <p:extLst>
       <p:ext uri="{BB962C8B-B14F-4D97-AF65-F5344CB8AC3E}">
         <p14:creationId xmlns:p14="http://schemas.microsoft.com/office/powerpoint/2010/main" val="751328007"/>
-      </p:ext>
-    </p:extLst>
-  </p:cSld>
-  <p:clrMapOvr>
-    <a:masterClrMapping/>
-  </p:clrMapOvr>
-</p:sld>
-</file>
-
-<file path=ppt/slides/slide46.xml><?xml version="1.0" encoding="utf-8"?>
-<p:sld xmlns:a="http://schemas.openxmlformats.org/drawingml/2006/main" xmlns:r="http://schemas.openxmlformats.org/officeDocument/2006/relationships" xmlns:p="http://schemas.openxmlformats.org/presentationml/2006/main">
-  <p:cSld>
-    <p:spTree>
-      <p:nvGrpSpPr>
-        <p:cNvPr id="1" name=""/>
-        <p:cNvGrpSpPr/>
-        <p:nvPr/>
-      </p:nvGrpSpPr>
-      <p:grpSpPr>
-        <a:xfrm>
-          <a:off x="0" y="0"/>
-          <a:ext cx="0" cy="0"/>
-          <a:chOff x="0" y="0"/>
-          <a:chExt cx="0" cy="0"/>
-        </a:xfrm>
-      </p:grpSpPr>
-      <p:sp>
-        <p:nvSpPr>
-          <p:cNvPr id="2" name="タイトル 1">
-            <a:extLst>
-              <a:ext uri="{FF2B5EF4-FFF2-40B4-BE49-F238E27FC236}">
-                <a16:creationId xmlns:a16="http://schemas.microsoft.com/office/drawing/2014/main" id="{7A74A867-EBEB-2F4D-8265-67DD34FA45C3}"/>
-              </a:ext>
-            </a:extLst>
-          </p:cNvPr>
-          <p:cNvSpPr>
-            <a:spLocks noGrp="1"/>
-          </p:cNvSpPr>
-          <p:nvPr>
-            <p:ph type="title"/>
-          </p:nvPr>
-        </p:nvSpPr>
-        <p:spPr/>
-        <p:txBody>
-          <a:bodyPr/>
-          <a:lstStyle/>
-          <a:p>
-            <a:r>
-              <a:rPr kumimoji="1" lang="en-US" altLang="ja-JP" dirty="0"/>
-              <a:t>Summary</a:t>
-            </a:r>
-            <a:endParaRPr kumimoji="1" lang="ja-JP" altLang="en-US"/>
-          </a:p>
-        </p:txBody>
-      </p:sp>
-      <p:sp>
-        <p:nvSpPr>
-          <p:cNvPr id="3" name="コンテンツ プレースホルダー 2">
-            <a:extLst>
-              <a:ext uri="{FF2B5EF4-FFF2-40B4-BE49-F238E27FC236}">
-                <a16:creationId xmlns:a16="http://schemas.microsoft.com/office/drawing/2014/main" id="{248D57BC-E16B-2345-B115-CA7B5ECA4B39}"/>
-              </a:ext>
-            </a:extLst>
-          </p:cNvPr>
-          <p:cNvSpPr>
-            <a:spLocks noGrp="1"/>
-          </p:cNvSpPr>
-          <p:nvPr>
-            <p:ph idx="1"/>
-          </p:nvPr>
-        </p:nvSpPr>
-        <p:spPr>
-          <a:xfrm>
-            <a:off x="2261665" y="1768521"/>
-            <a:ext cx="9434465" cy="4673221"/>
-          </a:xfrm>
-        </p:spPr>
-        <p:txBody>
-          <a:bodyPr>
-            <a:normAutofit/>
-          </a:bodyPr>
-          <a:lstStyle/>
-          <a:p>
-            <a:r>
-              <a:rPr lang="en" altLang="ja-JP" sz="2400" dirty="0"/>
-              <a:t>We formulated the stowage planning problem and proposed</a:t>
-            </a:r>
-            <a:r>
-              <a:rPr lang="en-US" altLang="ja-JP" sz="2400" dirty="0"/>
-              <a:t> </a:t>
-            </a:r>
-            <a:r>
-              <a:rPr lang="en" altLang="ja-JP" sz="2400" dirty="0"/>
-              <a:t>model which is based on heuristic.</a:t>
-            </a:r>
-          </a:p>
-          <a:p>
-            <a:r>
-              <a:rPr lang="en" altLang="ja-JP" sz="2400" dirty="0"/>
-              <a:t>We propose an approach to reduce computation time in local search.</a:t>
-            </a:r>
-          </a:p>
-          <a:p>
-            <a:r>
-              <a:rPr lang="en" altLang="ja-JP" sz="2400" dirty="0"/>
-              <a:t>We propose 2 approach to generate initial solution.</a:t>
-            </a:r>
-          </a:p>
-          <a:p>
-            <a:r>
-              <a:rPr lang="en" altLang="ja-JP" sz="2400" dirty="0"/>
-              <a:t>We confirmed that we can get feasible solutions with a certain quality in a relatively</a:t>
-            </a:r>
-            <a:r>
-              <a:rPr lang="en-US" altLang="ja-JP" sz="2400" dirty="0"/>
-              <a:t> </a:t>
-            </a:r>
-            <a:r>
-              <a:rPr lang="en" altLang="ja-JP" sz="2400" dirty="0"/>
-              <a:t>short computation time. </a:t>
-            </a:r>
-          </a:p>
-        </p:txBody>
-      </p:sp>
-      <p:sp>
-        <p:nvSpPr>
-          <p:cNvPr id="4" name="スライド番号プレースホルダー 3">
-            <a:extLst>
-              <a:ext uri="{FF2B5EF4-FFF2-40B4-BE49-F238E27FC236}">
-                <a16:creationId xmlns:a16="http://schemas.microsoft.com/office/drawing/2014/main" id="{D4FDBFAF-DC59-2A44-8DD7-7C5EE577BE35}"/>
-              </a:ext>
-            </a:extLst>
-          </p:cNvPr>
-          <p:cNvSpPr>
-            <a:spLocks noGrp="1"/>
-          </p:cNvSpPr>
-          <p:nvPr>
-            <p:ph type="sldNum" sz="quarter" idx="12"/>
-          </p:nvPr>
-        </p:nvSpPr>
-        <p:spPr/>
-        <p:txBody>
-          <a:bodyPr/>
-          <a:lstStyle/>
-          <a:p>
-            <a:fld id="{1413D9FB-836C-864C-8E5A-36E5384B9725}" type="slidenum">
-              <a:rPr kumimoji="1" lang="ja-JP" altLang="en-US" smtClean="0"/>
-              <a:t>46</a:t>
-            </a:fld>
-            <a:endParaRPr kumimoji="1" lang="ja-JP" altLang="en-US"/>
-          </a:p>
-        </p:txBody>
-      </p:sp>
-    </p:spTree>
-    <p:extLst>
-      <p:ext uri="{BB962C8B-B14F-4D97-AF65-F5344CB8AC3E}">
-        <p14:creationId xmlns:p14="http://schemas.microsoft.com/office/powerpoint/2010/main" val="547483656"/>
       </p:ext>
     </p:extLst>
   </p:cSld>
@@ -24100,6 +24114,163 @@
           <p:cNvPr id="2" name="タイトル 1">
             <a:extLst>
               <a:ext uri="{FF2B5EF4-FFF2-40B4-BE49-F238E27FC236}">
+                <a16:creationId xmlns:a16="http://schemas.microsoft.com/office/drawing/2014/main" id="{7A74A867-EBEB-2F4D-8265-67DD34FA45C3}"/>
+              </a:ext>
+            </a:extLst>
+          </p:cNvPr>
+          <p:cNvSpPr>
+            <a:spLocks noGrp="1"/>
+          </p:cNvSpPr>
+          <p:nvPr>
+            <p:ph type="title"/>
+          </p:nvPr>
+        </p:nvSpPr>
+        <p:spPr/>
+        <p:txBody>
+          <a:bodyPr/>
+          <a:lstStyle/>
+          <a:p>
+            <a:r>
+              <a:rPr kumimoji="1" lang="en-US" altLang="ja-JP" dirty="0"/>
+              <a:t>Summary</a:t>
+            </a:r>
+            <a:endParaRPr kumimoji="1" lang="ja-JP" altLang="en-US"/>
+          </a:p>
+        </p:txBody>
+      </p:sp>
+      <p:sp>
+        <p:nvSpPr>
+          <p:cNvPr id="3" name="コンテンツ プレースホルダー 2">
+            <a:extLst>
+              <a:ext uri="{FF2B5EF4-FFF2-40B4-BE49-F238E27FC236}">
+                <a16:creationId xmlns:a16="http://schemas.microsoft.com/office/drawing/2014/main" id="{248D57BC-E16B-2345-B115-CA7B5ECA4B39}"/>
+              </a:ext>
+            </a:extLst>
+          </p:cNvPr>
+          <p:cNvSpPr>
+            <a:spLocks noGrp="1"/>
+          </p:cNvSpPr>
+          <p:nvPr>
+            <p:ph idx="1"/>
+          </p:nvPr>
+        </p:nvSpPr>
+        <p:spPr>
+          <a:xfrm>
+            <a:off x="2261665" y="1768521"/>
+            <a:ext cx="9434465" cy="4673221"/>
+          </a:xfrm>
+        </p:spPr>
+        <p:txBody>
+          <a:bodyPr>
+            <a:normAutofit/>
+          </a:bodyPr>
+          <a:lstStyle/>
+          <a:p>
+            <a:r>
+              <a:rPr lang="en" altLang="ja-JP" sz="2400" dirty="0"/>
+              <a:t>We formulated the stowage planning problem and proposed</a:t>
+            </a:r>
+            <a:r>
+              <a:rPr lang="en-US" altLang="ja-JP" sz="2400" dirty="0"/>
+              <a:t> </a:t>
+            </a:r>
+            <a:r>
+              <a:rPr lang="en" altLang="ja-JP" sz="2400" dirty="0"/>
+              <a:t>model which is based on heuristic.</a:t>
+            </a:r>
+          </a:p>
+          <a:p>
+            <a:r>
+              <a:rPr lang="en" altLang="ja-JP" sz="2400" dirty="0"/>
+              <a:t>We propose an approach to reduce computation time in local search.</a:t>
+            </a:r>
+          </a:p>
+          <a:p>
+            <a:r>
+              <a:rPr lang="en" altLang="ja-JP" sz="2400" dirty="0"/>
+              <a:t>We propose 2 approach to generate initial solution.</a:t>
+            </a:r>
+          </a:p>
+          <a:p>
+            <a:r>
+              <a:rPr lang="en" altLang="ja-JP" sz="2400" dirty="0"/>
+              <a:t>We confirmed that we can get feasible solutions with a certain quality in a relatively</a:t>
+            </a:r>
+            <a:r>
+              <a:rPr lang="en-US" altLang="ja-JP" sz="2400" dirty="0"/>
+              <a:t> </a:t>
+            </a:r>
+            <a:r>
+              <a:rPr lang="en" altLang="ja-JP" sz="2400" dirty="0"/>
+              <a:t>short computation time. </a:t>
+            </a:r>
+          </a:p>
+        </p:txBody>
+      </p:sp>
+      <p:sp>
+        <p:nvSpPr>
+          <p:cNvPr id="4" name="スライド番号プレースホルダー 3">
+            <a:extLst>
+              <a:ext uri="{FF2B5EF4-FFF2-40B4-BE49-F238E27FC236}">
+                <a16:creationId xmlns:a16="http://schemas.microsoft.com/office/drawing/2014/main" id="{D4FDBFAF-DC59-2A44-8DD7-7C5EE577BE35}"/>
+              </a:ext>
+            </a:extLst>
+          </p:cNvPr>
+          <p:cNvSpPr>
+            <a:spLocks noGrp="1"/>
+          </p:cNvSpPr>
+          <p:nvPr>
+            <p:ph type="sldNum" sz="quarter" idx="12"/>
+          </p:nvPr>
+        </p:nvSpPr>
+        <p:spPr/>
+        <p:txBody>
+          <a:bodyPr/>
+          <a:lstStyle/>
+          <a:p>
+            <a:fld id="{1413D9FB-836C-864C-8E5A-36E5384B9725}" type="slidenum">
+              <a:rPr kumimoji="1" lang="ja-JP" altLang="en-US" smtClean="0"/>
+              <a:t>47</a:t>
+            </a:fld>
+            <a:endParaRPr kumimoji="1" lang="ja-JP" altLang="en-US"/>
+          </a:p>
+        </p:txBody>
+      </p:sp>
+    </p:spTree>
+    <p:extLst>
+      <p:ext uri="{BB962C8B-B14F-4D97-AF65-F5344CB8AC3E}">
+        <p14:creationId xmlns:p14="http://schemas.microsoft.com/office/powerpoint/2010/main" val="547483656"/>
+      </p:ext>
+    </p:extLst>
+  </p:cSld>
+  <p:clrMapOvr>
+    <a:masterClrMapping/>
+  </p:clrMapOvr>
+</p:sld>
+</file>
+
+<file path=ppt/slides/slide48.xml><?xml version="1.0" encoding="utf-8"?>
+<p:sld xmlns:a="http://schemas.openxmlformats.org/drawingml/2006/main" xmlns:r="http://schemas.openxmlformats.org/officeDocument/2006/relationships" xmlns:p="http://schemas.openxmlformats.org/presentationml/2006/main">
+  <p:cSld>
+    <p:spTree>
+      <p:nvGrpSpPr>
+        <p:cNvPr id="1" name=""/>
+        <p:cNvGrpSpPr/>
+        <p:nvPr/>
+      </p:nvGrpSpPr>
+      <p:grpSpPr>
+        <a:xfrm>
+          <a:off x="0" y="0"/>
+          <a:ext cx="0" cy="0"/>
+          <a:chOff x="0" y="0"/>
+          <a:chExt cx="0" cy="0"/>
+        </a:xfrm>
+      </p:grpSpPr>
+      <p:sp>
+        <p:nvSpPr>
+          <p:cNvPr id="2" name="タイトル 1">
+            <a:extLst>
+              <a:ext uri="{FF2B5EF4-FFF2-40B4-BE49-F238E27FC236}">
                 <a16:creationId xmlns:a16="http://schemas.microsoft.com/office/drawing/2014/main" id="{3E8989E2-790E-4448-9194-76C36D2AF936}"/>
               </a:ext>
             </a:extLst>
@@ -24172,7 +24343,7 @@
           <a:p>
             <a:fld id="{1413D9FB-836C-864C-8E5A-36E5384B9725}" type="slidenum">
               <a:rPr kumimoji="1" lang="ja-JP" altLang="en-US" smtClean="0"/>
-              <a:t>47</a:t>
+              <a:t>48</a:t>
             </a:fld>
             <a:endParaRPr kumimoji="1" lang="ja-JP" altLang="en-US"/>
           </a:p>
@@ -24191,7 +24362,7 @@
 </p:sld>
 </file>
 
-<file path=ppt/slides/slide48.xml><?xml version="1.0" encoding="utf-8"?>
+<file path=ppt/slides/slide49.xml><?xml version="1.0" encoding="utf-8"?>
 <p:sld xmlns:a="http://schemas.openxmlformats.org/drawingml/2006/main" xmlns:r="http://schemas.openxmlformats.org/officeDocument/2006/relationships" xmlns:p="http://schemas.openxmlformats.org/presentationml/2006/main">
   <p:cSld>
     <p:spTree>
@@ -24612,7 +24783,7 @@
           <a:p>
             <a:fld id="{1413D9FB-836C-864C-8E5A-36E5384B9725}" type="slidenum">
               <a:rPr kumimoji="1" lang="ja-JP" altLang="en-US" smtClean="0"/>
-              <a:t>48</a:t>
+              <a:t>49</a:t>
             </a:fld>
             <a:endParaRPr kumimoji="1" lang="ja-JP" altLang="en-US"/>
           </a:p>
@@ -24622,594 +24793,6 @@
     <p:extLst>
       <p:ext uri="{BB962C8B-B14F-4D97-AF65-F5344CB8AC3E}">
         <p14:creationId xmlns:p14="http://schemas.microsoft.com/office/powerpoint/2010/main" val="2737764478"/>
-      </p:ext>
-    </p:extLst>
-  </p:cSld>
-  <p:clrMapOvr>
-    <a:masterClrMapping/>
-  </p:clrMapOvr>
-</p:sld>
-</file>
-
-<file path=ppt/slides/slide49.xml><?xml version="1.0" encoding="utf-8"?>
-<p:sld xmlns:a="http://schemas.openxmlformats.org/drawingml/2006/main" xmlns:r="http://schemas.openxmlformats.org/officeDocument/2006/relationships" xmlns:p="http://schemas.openxmlformats.org/presentationml/2006/main">
-  <p:cSld>
-    <p:spTree>
-      <p:nvGrpSpPr>
-        <p:cNvPr id="1" name=""/>
-        <p:cNvGrpSpPr/>
-        <p:nvPr/>
-      </p:nvGrpSpPr>
-      <p:grpSpPr>
-        <a:xfrm>
-          <a:off x="0" y="0"/>
-          <a:ext cx="0" cy="0"/>
-          <a:chOff x="0" y="0"/>
-          <a:chExt cx="0" cy="0"/>
-        </a:xfrm>
-      </p:grpSpPr>
-      <p:sp>
-        <p:nvSpPr>
-          <p:cNvPr id="2" name="タイトル 1">
-            <a:extLst>
-              <a:ext uri="{FF2B5EF4-FFF2-40B4-BE49-F238E27FC236}">
-                <a16:creationId xmlns:a16="http://schemas.microsoft.com/office/drawing/2014/main" id="{2ACE2C3C-4BC0-9A48-8819-B8962728EB30}"/>
-              </a:ext>
-            </a:extLst>
-          </p:cNvPr>
-          <p:cNvSpPr>
-            <a:spLocks noGrp="1"/>
-          </p:cNvSpPr>
-          <p:nvPr>
-            <p:ph type="title"/>
-          </p:nvPr>
-        </p:nvSpPr>
-        <p:spPr>
-          <a:xfrm>
-            <a:off x="2435663" y="633910"/>
-            <a:ext cx="9482534" cy="1280890"/>
-          </a:xfrm>
-        </p:spPr>
-        <p:txBody>
-          <a:bodyPr>
-            <a:normAutofit fontScale="90000"/>
-          </a:bodyPr>
-          <a:lstStyle/>
-          <a:p>
-            <a:r>
-              <a:rPr lang="en" altLang="ja-JP" dirty="0"/>
-              <a:t>placing </a:t>
-            </a:r>
-            <a:r>
-              <a:rPr lang="en-US" altLang="ja-JP" dirty="0"/>
-              <a:t>same</a:t>
-            </a:r>
-            <a:r>
-              <a:rPr lang="en" altLang="ja-JP" dirty="0"/>
-              <a:t> bookings by port closer together</a:t>
-            </a:r>
-            <a:br>
-              <a:rPr lang="en" altLang="ja-JP" dirty="0"/>
-            </a:br>
-            <a:endParaRPr kumimoji="1" lang="ja-JP" altLang="en-US"/>
-          </a:p>
-        </p:txBody>
-      </p:sp>
-      <p:sp>
-        <p:nvSpPr>
-          <p:cNvPr id="3" name="コンテンツ プレースホルダー 2">
-            <a:extLst>
-              <a:ext uri="{FF2B5EF4-FFF2-40B4-BE49-F238E27FC236}">
-                <a16:creationId xmlns:a16="http://schemas.microsoft.com/office/drawing/2014/main" id="{D6FD89FE-6EBE-9B45-9FEE-179DCD542FAD}"/>
-              </a:ext>
-            </a:extLst>
-          </p:cNvPr>
-          <p:cNvSpPr>
-            <a:spLocks noGrp="1"/>
-          </p:cNvSpPr>
-          <p:nvPr>
-            <p:ph idx="1"/>
-          </p:nvPr>
-        </p:nvSpPr>
-        <p:spPr>
-          <a:xfrm>
-            <a:off x="2592925" y="1578699"/>
-            <a:ext cx="8915400" cy="3777622"/>
-          </a:xfrm>
-        </p:spPr>
-        <p:txBody>
-          <a:bodyPr>
-            <a:normAutofit/>
-          </a:bodyPr>
-          <a:lstStyle/>
-          <a:p>
-            <a:r>
-              <a:rPr lang="en-US" altLang="ja-JP" sz="2400" dirty="0"/>
-              <a:t>it is easy to load and unload cars if same bookings by port are placed closer.</a:t>
-            </a:r>
-          </a:p>
-          <a:p>
-            <a:r>
-              <a:rPr lang="en" altLang="ja-JP" sz="2400" dirty="0"/>
-              <a:t>we minimize the number of </a:t>
-            </a:r>
-            <a:r>
-              <a:rPr lang="en-US" altLang="ja-JP" sz="2400" dirty="0"/>
-              <a:t>booking</a:t>
-            </a:r>
-            <a:r>
-              <a:rPr lang="en" altLang="ja-JP" sz="2400" dirty="0"/>
-              <a:t>s with different ports that exist in adjacent pairs of holds. </a:t>
-            </a:r>
-            <a:br>
-              <a:rPr lang="en" altLang="ja-JP" sz="2400" dirty="0"/>
-            </a:br>
-            <a:endParaRPr kumimoji="1" lang="en" altLang="ja-JP" sz="2400" dirty="0">
-              <a:solidFill>
-                <a:srgbClr val="FF0000"/>
-              </a:solidFill>
-            </a:endParaRPr>
-          </a:p>
-          <a:p>
-            <a:pPr marL="0" indent="0">
-              <a:buNone/>
-            </a:pPr>
-            <a:r>
-              <a:rPr kumimoji="1" lang="en-US" altLang="ja-JP" sz="2400" dirty="0">
-                <a:solidFill>
-                  <a:srgbClr val="FF0000"/>
-                </a:solidFill>
-              </a:rPr>
-              <a:t>	                </a:t>
-            </a:r>
-            <a:r>
-              <a:rPr kumimoji="1" lang="ja-JP" altLang="en-US" sz="2400">
-                <a:solidFill>
-                  <a:srgbClr val="FF0000"/>
-                </a:solidFill>
-              </a:rPr>
-              <a:t>○ </a:t>
-            </a:r>
-            <a:r>
-              <a:rPr kumimoji="1" lang="ja-JP" altLang="en-US" sz="2400"/>
-              <a:t>                                    </a:t>
-            </a:r>
-            <a:r>
-              <a:rPr kumimoji="1" lang="en-US" altLang="ja-JP" sz="2400" dirty="0">
-                <a:solidFill>
-                  <a:srgbClr val="FF0000"/>
-                </a:solidFill>
-              </a:rPr>
-              <a:t>×</a:t>
-            </a:r>
-            <a:endParaRPr kumimoji="1" lang="ja-JP" altLang="en-US" sz="2400">
-              <a:solidFill>
-                <a:srgbClr val="FF0000"/>
-              </a:solidFill>
-            </a:endParaRPr>
-          </a:p>
-        </p:txBody>
-      </p:sp>
-      <p:sp>
-        <p:nvSpPr>
-          <p:cNvPr id="22" name="正方形/長方形 21">
-            <a:extLst>
-              <a:ext uri="{FF2B5EF4-FFF2-40B4-BE49-F238E27FC236}">
-                <a16:creationId xmlns:a16="http://schemas.microsoft.com/office/drawing/2014/main" id="{7D8525D6-AAB4-8542-8282-403599A3EBD5}"/>
-              </a:ext>
-            </a:extLst>
-          </p:cNvPr>
-          <p:cNvSpPr/>
-          <p:nvPr/>
-        </p:nvSpPr>
-        <p:spPr>
-          <a:xfrm>
-            <a:off x="9873021" y="5183886"/>
-            <a:ext cx="668741" cy="204193"/>
-          </a:xfrm>
-          <a:prstGeom prst="rect">
-            <a:avLst/>
-          </a:prstGeom>
-          <a:solidFill>
-            <a:srgbClr val="92D050"/>
-          </a:solidFill>
-        </p:spPr>
-        <p:style>
-          <a:lnRef idx="2">
-            <a:schemeClr val="accent1">
-              <a:shade val="50000"/>
-            </a:schemeClr>
-          </a:lnRef>
-          <a:fillRef idx="1">
-            <a:schemeClr val="accent1"/>
-          </a:fillRef>
-          <a:effectRef idx="0">
-            <a:schemeClr val="accent1"/>
-          </a:effectRef>
-          <a:fontRef idx="minor">
-            <a:schemeClr val="lt1"/>
-          </a:fontRef>
-        </p:style>
-        <p:txBody>
-          <a:bodyPr rtlCol="0" anchor="ctr"/>
-          <a:lstStyle/>
-          <a:p>
-            <a:pPr algn="ctr"/>
-            <a:endParaRPr kumimoji="1" lang="ja-JP" altLang="en-US"/>
-          </a:p>
-        </p:txBody>
-      </p:sp>
-      <p:sp>
-        <p:nvSpPr>
-          <p:cNvPr id="23" name="正方形/長方形 22">
-            <a:extLst>
-              <a:ext uri="{FF2B5EF4-FFF2-40B4-BE49-F238E27FC236}">
-                <a16:creationId xmlns:a16="http://schemas.microsoft.com/office/drawing/2014/main" id="{BDE40002-7532-B94D-9CB0-51A84B9770D2}"/>
-              </a:ext>
-            </a:extLst>
-          </p:cNvPr>
-          <p:cNvSpPr/>
-          <p:nvPr/>
-        </p:nvSpPr>
-        <p:spPr>
-          <a:xfrm>
-            <a:off x="9873020" y="4836783"/>
-            <a:ext cx="668741" cy="176573"/>
-          </a:xfrm>
-          <a:prstGeom prst="rect">
-            <a:avLst/>
-          </a:prstGeom>
-          <a:solidFill>
-            <a:srgbClr val="FFC000"/>
-          </a:solidFill>
-        </p:spPr>
-        <p:style>
-          <a:lnRef idx="2">
-            <a:schemeClr val="accent1">
-              <a:shade val="50000"/>
-            </a:schemeClr>
-          </a:lnRef>
-          <a:fillRef idx="1">
-            <a:schemeClr val="accent1"/>
-          </a:fillRef>
-          <a:effectRef idx="0">
-            <a:schemeClr val="accent1"/>
-          </a:effectRef>
-          <a:fontRef idx="minor">
-            <a:schemeClr val="lt1"/>
-          </a:fontRef>
-        </p:style>
-        <p:txBody>
-          <a:bodyPr rtlCol="0" anchor="ctr"/>
-          <a:lstStyle/>
-          <a:p>
-            <a:pPr algn="ctr"/>
-            <a:endParaRPr kumimoji="1" lang="ja-JP" altLang="en-US"/>
-          </a:p>
-        </p:txBody>
-      </p:sp>
-      <p:sp>
-        <p:nvSpPr>
-          <p:cNvPr id="24" name="正方形/長方形 23">
-            <a:extLst>
-              <a:ext uri="{FF2B5EF4-FFF2-40B4-BE49-F238E27FC236}">
-                <a16:creationId xmlns:a16="http://schemas.microsoft.com/office/drawing/2014/main" id="{E0CE906E-6301-F145-B809-EB1FABB25FE1}"/>
-              </a:ext>
-            </a:extLst>
-          </p:cNvPr>
-          <p:cNvSpPr/>
-          <p:nvPr/>
-        </p:nvSpPr>
-        <p:spPr>
-          <a:xfrm>
-            <a:off x="9873020" y="5575977"/>
-            <a:ext cx="668741" cy="192352"/>
-          </a:xfrm>
-          <a:prstGeom prst="rect">
-            <a:avLst/>
-          </a:prstGeom>
-          <a:solidFill>
-            <a:srgbClr val="00B0F0"/>
-          </a:solidFill>
-        </p:spPr>
-        <p:style>
-          <a:lnRef idx="2">
-            <a:schemeClr val="accent1">
-              <a:shade val="50000"/>
-            </a:schemeClr>
-          </a:lnRef>
-          <a:fillRef idx="1">
-            <a:schemeClr val="accent1"/>
-          </a:fillRef>
-          <a:effectRef idx="0">
-            <a:schemeClr val="accent1"/>
-          </a:effectRef>
-          <a:fontRef idx="minor">
-            <a:schemeClr val="lt1"/>
-          </a:fontRef>
-        </p:style>
-        <p:txBody>
-          <a:bodyPr rtlCol="0" anchor="ctr"/>
-          <a:lstStyle/>
-          <a:p>
-            <a:pPr algn="ctr"/>
-            <a:endParaRPr kumimoji="1" lang="ja-JP" altLang="en-US"/>
-          </a:p>
-        </p:txBody>
-      </p:sp>
-      <p:sp>
-        <p:nvSpPr>
-          <p:cNvPr id="26" name="テキスト ボックス 25">
-            <a:extLst>
-              <a:ext uri="{FF2B5EF4-FFF2-40B4-BE49-F238E27FC236}">
-                <a16:creationId xmlns:a16="http://schemas.microsoft.com/office/drawing/2014/main" id="{B722AE1D-A352-004B-ABDE-711CA479A371}"/>
-              </a:ext>
-            </a:extLst>
-          </p:cNvPr>
-          <p:cNvSpPr txBox="1"/>
-          <p:nvPr/>
-        </p:nvSpPr>
-        <p:spPr>
-          <a:xfrm>
-            <a:off x="10709329" y="4720025"/>
-            <a:ext cx="1208868" cy="369332"/>
-          </a:xfrm>
-          <a:prstGeom prst="rect">
-            <a:avLst/>
-          </a:prstGeom>
-          <a:noFill/>
-        </p:spPr>
-        <p:txBody>
-          <a:bodyPr wrap="square" rtlCol="0">
-            <a:spAutoFit/>
-          </a:bodyPr>
-          <a:lstStyle/>
-          <a:p>
-            <a:r>
-              <a:rPr kumimoji="1" lang="en-US" altLang="ja-JP" dirty="0"/>
-              <a:t>Port A</a:t>
-            </a:r>
-            <a:endParaRPr kumimoji="1" lang="ja-JP" altLang="en-US"/>
-          </a:p>
-        </p:txBody>
-      </p:sp>
-      <p:sp>
-        <p:nvSpPr>
-          <p:cNvPr id="28" name="テキスト ボックス 27">
-            <a:extLst>
-              <a:ext uri="{FF2B5EF4-FFF2-40B4-BE49-F238E27FC236}">
-                <a16:creationId xmlns:a16="http://schemas.microsoft.com/office/drawing/2014/main" id="{8D4D313C-5C91-F74C-AC89-4C49C4553CEA}"/>
-              </a:ext>
-            </a:extLst>
-          </p:cNvPr>
-          <p:cNvSpPr txBox="1"/>
-          <p:nvPr/>
-        </p:nvSpPr>
-        <p:spPr>
-          <a:xfrm>
-            <a:off x="10709329" y="5117863"/>
-            <a:ext cx="965012" cy="369332"/>
-          </a:xfrm>
-          <a:prstGeom prst="rect">
-            <a:avLst/>
-          </a:prstGeom>
-          <a:noFill/>
-        </p:spPr>
-        <p:txBody>
-          <a:bodyPr wrap="square" rtlCol="0">
-            <a:spAutoFit/>
-          </a:bodyPr>
-          <a:lstStyle/>
-          <a:p>
-            <a:r>
-              <a:rPr kumimoji="1" lang="en-US" altLang="ja-JP" dirty="0"/>
-              <a:t>Port B</a:t>
-            </a:r>
-            <a:endParaRPr kumimoji="1" lang="ja-JP" altLang="en-US"/>
-          </a:p>
-        </p:txBody>
-      </p:sp>
-      <p:sp>
-        <p:nvSpPr>
-          <p:cNvPr id="29" name="テキスト ボックス 28">
-            <a:extLst>
-              <a:ext uri="{FF2B5EF4-FFF2-40B4-BE49-F238E27FC236}">
-                <a16:creationId xmlns:a16="http://schemas.microsoft.com/office/drawing/2014/main" id="{E555D4AA-4C5E-E142-904E-A766476D394F}"/>
-              </a:ext>
-            </a:extLst>
-          </p:cNvPr>
-          <p:cNvSpPr txBox="1"/>
-          <p:nvPr/>
-        </p:nvSpPr>
-        <p:spPr>
-          <a:xfrm>
-            <a:off x="10709329" y="5498110"/>
-            <a:ext cx="965012" cy="369332"/>
-          </a:xfrm>
-          <a:prstGeom prst="rect">
-            <a:avLst/>
-          </a:prstGeom>
-          <a:noFill/>
-        </p:spPr>
-        <p:txBody>
-          <a:bodyPr wrap="square" rtlCol="0">
-            <a:spAutoFit/>
-          </a:bodyPr>
-          <a:lstStyle/>
-          <a:p>
-            <a:r>
-              <a:rPr kumimoji="1" lang="en-US" altLang="ja-JP" dirty="0"/>
-              <a:t>Port </a:t>
-            </a:r>
-            <a:r>
-              <a:rPr lang="en-US" altLang="ja-JP" dirty="0"/>
-              <a:t>C</a:t>
-            </a:r>
-            <a:endParaRPr kumimoji="1" lang="ja-JP" altLang="en-US"/>
-          </a:p>
-        </p:txBody>
-      </p:sp>
-      <p:pic>
-        <p:nvPicPr>
-          <p:cNvPr id="36" name="図 35">
-            <a:extLst>
-              <a:ext uri="{FF2B5EF4-FFF2-40B4-BE49-F238E27FC236}">
-                <a16:creationId xmlns:a16="http://schemas.microsoft.com/office/drawing/2014/main" id="{4314CFD3-7A6B-FD44-8A51-646A82269D32}"/>
-              </a:ext>
-            </a:extLst>
-          </p:cNvPr>
-          <p:cNvPicPr>
-            <a:picLocks noChangeAspect="1"/>
-          </p:cNvPicPr>
-          <p:nvPr/>
-        </p:nvPicPr>
-        <p:blipFill>
-          <a:blip r:embed="rId2"/>
-          <a:stretch>
-            <a:fillRect/>
-          </a:stretch>
-        </p:blipFill>
-        <p:spPr>
-          <a:xfrm>
-            <a:off x="2817385" y="4368000"/>
-            <a:ext cx="3268613" cy="1772447"/>
-          </a:xfrm>
-          <a:prstGeom prst="rect">
-            <a:avLst/>
-          </a:prstGeom>
-        </p:spPr>
-      </p:pic>
-      <p:pic>
-        <p:nvPicPr>
-          <p:cNvPr id="38" name="図 37">
-            <a:extLst>
-              <a:ext uri="{FF2B5EF4-FFF2-40B4-BE49-F238E27FC236}">
-                <a16:creationId xmlns:a16="http://schemas.microsoft.com/office/drawing/2014/main" id="{8318B98B-C35E-6040-AFE4-2E4BF54901CB}"/>
-              </a:ext>
-            </a:extLst>
-          </p:cNvPr>
-          <p:cNvPicPr>
-            <a:picLocks noChangeAspect="1"/>
-          </p:cNvPicPr>
-          <p:nvPr/>
-        </p:nvPicPr>
-        <p:blipFill>
-          <a:blip r:embed="rId3"/>
-          <a:stretch>
-            <a:fillRect/>
-          </a:stretch>
-        </p:blipFill>
-        <p:spPr>
-          <a:xfrm>
-            <a:off x="6310458" y="4367999"/>
-            <a:ext cx="3268613" cy="1772447"/>
-          </a:xfrm>
-          <a:prstGeom prst="rect">
-            <a:avLst/>
-          </a:prstGeom>
-        </p:spPr>
-      </p:pic>
-      <p:sp>
-        <p:nvSpPr>
-          <p:cNvPr id="4" name="正方形/長方形 3">
-            <a:extLst>
-              <a:ext uri="{FF2B5EF4-FFF2-40B4-BE49-F238E27FC236}">
-                <a16:creationId xmlns:a16="http://schemas.microsoft.com/office/drawing/2014/main" id="{4A1842FF-C7C9-EA4D-802B-771AF1B8F9B8}"/>
-              </a:ext>
-            </a:extLst>
-          </p:cNvPr>
-          <p:cNvSpPr/>
-          <p:nvPr/>
-        </p:nvSpPr>
-        <p:spPr>
-          <a:xfrm>
-            <a:off x="3508965" y="6140446"/>
-            <a:ext cx="1885453" cy="369332"/>
-          </a:xfrm>
-          <a:prstGeom prst="rect">
-            <a:avLst/>
-          </a:prstGeom>
-        </p:spPr>
-        <p:txBody>
-          <a:bodyPr wrap="none">
-            <a:spAutoFit/>
-          </a:bodyPr>
-          <a:lstStyle/>
-          <a:p>
-            <a:r>
-              <a:rPr lang="en-US" altLang="ja-JP" dirty="0"/>
-              <a:t>The penalty is 2</a:t>
-            </a:r>
-          </a:p>
-        </p:txBody>
-      </p:sp>
-      <p:sp>
-        <p:nvSpPr>
-          <p:cNvPr id="6" name="正方形/長方形 5">
-            <a:extLst>
-              <a:ext uri="{FF2B5EF4-FFF2-40B4-BE49-F238E27FC236}">
-                <a16:creationId xmlns:a16="http://schemas.microsoft.com/office/drawing/2014/main" id="{B49E8E46-38F9-2747-B3EE-B5CE5AF663F3}"/>
-              </a:ext>
-            </a:extLst>
-          </p:cNvPr>
-          <p:cNvSpPr/>
-          <p:nvPr/>
-        </p:nvSpPr>
-        <p:spPr>
-          <a:xfrm>
-            <a:off x="7050625" y="6140446"/>
-            <a:ext cx="1885453" cy="369332"/>
-          </a:xfrm>
-          <a:prstGeom prst="rect">
-            <a:avLst/>
-          </a:prstGeom>
-        </p:spPr>
-        <p:txBody>
-          <a:bodyPr wrap="none">
-            <a:spAutoFit/>
-          </a:bodyPr>
-          <a:lstStyle/>
-          <a:p>
-            <a:r>
-              <a:rPr lang="en-US" altLang="ja-JP" dirty="0"/>
-              <a:t>The penalty is 7</a:t>
-            </a:r>
-          </a:p>
-        </p:txBody>
-      </p:sp>
-      <p:sp>
-        <p:nvSpPr>
-          <p:cNvPr id="5" name="スライド番号プレースホルダー 4">
-            <a:extLst>
-              <a:ext uri="{FF2B5EF4-FFF2-40B4-BE49-F238E27FC236}">
-                <a16:creationId xmlns:a16="http://schemas.microsoft.com/office/drawing/2014/main" id="{522B26E9-C024-2441-85A6-F97FC4C9E661}"/>
-              </a:ext>
-            </a:extLst>
-          </p:cNvPr>
-          <p:cNvSpPr>
-            <a:spLocks noGrp="1"/>
-          </p:cNvSpPr>
-          <p:nvPr>
-            <p:ph type="sldNum" sz="quarter" idx="12"/>
-          </p:nvPr>
-        </p:nvSpPr>
-        <p:spPr/>
-        <p:txBody>
-          <a:bodyPr/>
-          <a:lstStyle/>
-          <a:p>
-            <a:fld id="{1413D9FB-836C-864C-8E5A-36E5384B9725}" type="slidenum">
-              <a:rPr kumimoji="1" lang="ja-JP" altLang="en-US" smtClean="0"/>
-              <a:t>49</a:t>
-            </a:fld>
-            <a:endParaRPr kumimoji="1" lang="ja-JP" altLang="en-US"/>
-          </a:p>
-        </p:txBody>
-      </p:sp>
-    </p:spTree>
-    <p:extLst>
-      <p:ext uri="{BB962C8B-B14F-4D97-AF65-F5344CB8AC3E}">
-        <p14:creationId xmlns:p14="http://schemas.microsoft.com/office/powerpoint/2010/main" val="4293659328"/>
       </p:ext>
     </p:extLst>
   </p:cSld>
@@ -27190,6 +26773,594 @@
           <p:cNvPr id="2" name="タイトル 1">
             <a:extLst>
               <a:ext uri="{FF2B5EF4-FFF2-40B4-BE49-F238E27FC236}">
+                <a16:creationId xmlns:a16="http://schemas.microsoft.com/office/drawing/2014/main" id="{2ACE2C3C-4BC0-9A48-8819-B8962728EB30}"/>
+              </a:ext>
+            </a:extLst>
+          </p:cNvPr>
+          <p:cNvSpPr>
+            <a:spLocks noGrp="1"/>
+          </p:cNvSpPr>
+          <p:nvPr>
+            <p:ph type="title"/>
+          </p:nvPr>
+        </p:nvSpPr>
+        <p:spPr>
+          <a:xfrm>
+            <a:off x="2435663" y="633910"/>
+            <a:ext cx="9482534" cy="1280890"/>
+          </a:xfrm>
+        </p:spPr>
+        <p:txBody>
+          <a:bodyPr>
+            <a:normAutofit fontScale="90000"/>
+          </a:bodyPr>
+          <a:lstStyle/>
+          <a:p>
+            <a:r>
+              <a:rPr lang="en" altLang="ja-JP" dirty="0"/>
+              <a:t>placing </a:t>
+            </a:r>
+            <a:r>
+              <a:rPr lang="en-US" altLang="ja-JP" dirty="0"/>
+              <a:t>same</a:t>
+            </a:r>
+            <a:r>
+              <a:rPr lang="en" altLang="ja-JP" dirty="0"/>
+              <a:t> bookings by port closer together</a:t>
+            </a:r>
+            <a:br>
+              <a:rPr lang="en" altLang="ja-JP" dirty="0"/>
+            </a:br>
+            <a:endParaRPr kumimoji="1" lang="ja-JP" altLang="en-US"/>
+          </a:p>
+        </p:txBody>
+      </p:sp>
+      <p:sp>
+        <p:nvSpPr>
+          <p:cNvPr id="3" name="コンテンツ プレースホルダー 2">
+            <a:extLst>
+              <a:ext uri="{FF2B5EF4-FFF2-40B4-BE49-F238E27FC236}">
+                <a16:creationId xmlns:a16="http://schemas.microsoft.com/office/drawing/2014/main" id="{D6FD89FE-6EBE-9B45-9FEE-179DCD542FAD}"/>
+              </a:ext>
+            </a:extLst>
+          </p:cNvPr>
+          <p:cNvSpPr>
+            <a:spLocks noGrp="1"/>
+          </p:cNvSpPr>
+          <p:nvPr>
+            <p:ph idx="1"/>
+          </p:nvPr>
+        </p:nvSpPr>
+        <p:spPr>
+          <a:xfrm>
+            <a:off x="2592925" y="1578699"/>
+            <a:ext cx="8915400" cy="3777622"/>
+          </a:xfrm>
+        </p:spPr>
+        <p:txBody>
+          <a:bodyPr>
+            <a:normAutofit/>
+          </a:bodyPr>
+          <a:lstStyle/>
+          <a:p>
+            <a:r>
+              <a:rPr lang="en-US" altLang="ja-JP" sz="2400" dirty="0"/>
+              <a:t>it is easy to load and unload cars if same bookings by port are placed closer.</a:t>
+            </a:r>
+          </a:p>
+          <a:p>
+            <a:r>
+              <a:rPr lang="en" altLang="ja-JP" sz="2400" dirty="0"/>
+              <a:t>we minimize the number of </a:t>
+            </a:r>
+            <a:r>
+              <a:rPr lang="en-US" altLang="ja-JP" sz="2400" dirty="0"/>
+              <a:t>booking</a:t>
+            </a:r>
+            <a:r>
+              <a:rPr lang="en" altLang="ja-JP" sz="2400" dirty="0"/>
+              <a:t>s with different ports that exist in adjacent pairs of holds. </a:t>
+            </a:r>
+            <a:br>
+              <a:rPr lang="en" altLang="ja-JP" sz="2400" dirty="0"/>
+            </a:br>
+            <a:endParaRPr kumimoji="1" lang="en" altLang="ja-JP" sz="2400" dirty="0">
+              <a:solidFill>
+                <a:srgbClr val="FF0000"/>
+              </a:solidFill>
+            </a:endParaRPr>
+          </a:p>
+          <a:p>
+            <a:pPr marL="0" indent="0">
+              <a:buNone/>
+            </a:pPr>
+            <a:r>
+              <a:rPr kumimoji="1" lang="en-US" altLang="ja-JP" sz="2400" dirty="0">
+                <a:solidFill>
+                  <a:srgbClr val="FF0000"/>
+                </a:solidFill>
+              </a:rPr>
+              <a:t>	                </a:t>
+            </a:r>
+            <a:r>
+              <a:rPr kumimoji="1" lang="ja-JP" altLang="en-US" sz="2400">
+                <a:solidFill>
+                  <a:srgbClr val="FF0000"/>
+                </a:solidFill>
+              </a:rPr>
+              <a:t>○ </a:t>
+            </a:r>
+            <a:r>
+              <a:rPr kumimoji="1" lang="ja-JP" altLang="en-US" sz="2400"/>
+              <a:t>                                    </a:t>
+            </a:r>
+            <a:r>
+              <a:rPr kumimoji="1" lang="en-US" altLang="ja-JP" sz="2400" dirty="0">
+                <a:solidFill>
+                  <a:srgbClr val="FF0000"/>
+                </a:solidFill>
+              </a:rPr>
+              <a:t>×</a:t>
+            </a:r>
+            <a:endParaRPr kumimoji="1" lang="ja-JP" altLang="en-US" sz="2400">
+              <a:solidFill>
+                <a:srgbClr val="FF0000"/>
+              </a:solidFill>
+            </a:endParaRPr>
+          </a:p>
+        </p:txBody>
+      </p:sp>
+      <p:sp>
+        <p:nvSpPr>
+          <p:cNvPr id="22" name="正方形/長方形 21">
+            <a:extLst>
+              <a:ext uri="{FF2B5EF4-FFF2-40B4-BE49-F238E27FC236}">
+                <a16:creationId xmlns:a16="http://schemas.microsoft.com/office/drawing/2014/main" id="{7D8525D6-AAB4-8542-8282-403599A3EBD5}"/>
+              </a:ext>
+            </a:extLst>
+          </p:cNvPr>
+          <p:cNvSpPr/>
+          <p:nvPr/>
+        </p:nvSpPr>
+        <p:spPr>
+          <a:xfrm>
+            <a:off x="9873021" y="5183886"/>
+            <a:ext cx="668741" cy="204193"/>
+          </a:xfrm>
+          <a:prstGeom prst="rect">
+            <a:avLst/>
+          </a:prstGeom>
+          <a:solidFill>
+            <a:srgbClr val="92D050"/>
+          </a:solidFill>
+        </p:spPr>
+        <p:style>
+          <a:lnRef idx="2">
+            <a:schemeClr val="accent1">
+              <a:shade val="50000"/>
+            </a:schemeClr>
+          </a:lnRef>
+          <a:fillRef idx="1">
+            <a:schemeClr val="accent1"/>
+          </a:fillRef>
+          <a:effectRef idx="0">
+            <a:schemeClr val="accent1"/>
+          </a:effectRef>
+          <a:fontRef idx="minor">
+            <a:schemeClr val="lt1"/>
+          </a:fontRef>
+        </p:style>
+        <p:txBody>
+          <a:bodyPr rtlCol="0" anchor="ctr"/>
+          <a:lstStyle/>
+          <a:p>
+            <a:pPr algn="ctr"/>
+            <a:endParaRPr kumimoji="1" lang="ja-JP" altLang="en-US"/>
+          </a:p>
+        </p:txBody>
+      </p:sp>
+      <p:sp>
+        <p:nvSpPr>
+          <p:cNvPr id="23" name="正方形/長方形 22">
+            <a:extLst>
+              <a:ext uri="{FF2B5EF4-FFF2-40B4-BE49-F238E27FC236}">
+                <a16:creationId xmlns:a16="http://schemas.microsoft.com/office/drawing/2014/main" id="{BDE40002-7532-B94D-9CB0-51A84B9770D2}"/>
+              </a:ext>
+            </a:extLst>
+          </p:cNvPr>
+          <p:cNvSpPr/>
+          <p:nvPr/>
+        </p:nvSpPr>
+        <p:spPr>
+          <a:xfrm>
+            <a:off x="9873020" y="4836783"/>
+            <a:ext cx="668741" cy="176573"/>
+          </a:xfrm>
+          <a:prstGeom prst="rect">
+            <a:avLst/>
+          </a:prstGeom>
+          <a:solidFill>
+            <a:srgbClr val="FFC000"/>
+          </a:solidFill>
+        </p:spPr>
+        <p:style>
+          <a:lnRef idx="2">
+            <a:schemeClr val="accent1">
+              <a:shade val="50000"/>
+            </a:schemeClr>
+          </a:lnRef>
+          <a:fillRef idx="1">
+            <a:schemeClr val="accent1"/>
+          </a:fillRef>
+          <a:effectRef idx="0">
+            <a:schemeClr val="accent1"/>
+          </a:effectRef>
+          <a:fontRef idx="minor">
+            <a:schemeClr val="lt1"/>
+          </a:fontRef>
+        </p:style>
+        <p:txBody>
+          <a:bodyPr rtlCol="0" anchor="ctr"/>
+          <a:lstStyle/>
+          <a:p>
+            <a:pPr algn="ctr"/>
+            <a:endParaRPr kumimoji="1" lang="ja-JP" altLang="en-US"/>
+          </a:p>
+        </p:txBody>
+      </p:sp>
+      <p:sp>
+        <p:nvSpPr>
+          <p:cNvPr id="24" name="正方形/長方形 23">
+            <a:extLst>
+              <a:ext uri="{FF2B5EF4-FFF2-40B4-BE49-F238E27FC236}">
+                <a16:creationId xmlns:a16="http://schemas.microsoft.com/office/drawing/2014/main" id="{E0CE906E-6301-F145-B809-EB1FABB25FE1}"/>
+              </a:ext>
+            </a:extLst>
+          </p:cNvPr>
+          <p:cNvSpPr/>
+          <p:nvPr/>
+        </p:nvSpPr>
+        <p:spPr>
+          <a:xfrm>
+            <a:off x="9873020" y="5575977"/>
+            <a:ext cx="668741" cy="192352"/>
+          </a:xfrm>
+          <a:prstGeom prst="rect">
+            <a:avLst/>
+          </a:prstGeom>
+          <a:solidFill>
+            <a:srgbClr val="00B0F0"/>
+          </a:solidFill>
+        </p:spPr>
+        <p:style>
+          <a:lnRef idx="2">
+            <a:schemeClr val="accent1">
+              <a:shade val="50000"/>
+            </a:schemeClr>
+          </a:lnRef>
+          <a:fillRef idx="1">
+            <a:schemeClr val="accent1"/>
+          </a:fillRef>
+          <a:effectRef idx="0">
+            <a:schemeClr val="accent1"/>
+          </a:effectRef>
+          <a:fontRef idx="minor">
+            <a:schemeClr val="lt1"/>
+          </a:fontRef>
+        </p:style>
+        <p:txBody>
+          <a:bodyPr rtlCol="0" anchor="ctr"/>
+          <a:lstStyle/>
+          <a:p>
+            <a:pPr algn="ctr"/>
+            <a:endParaRPr kumimoji="1" lang="ja-JP" altLang="en-US"/>
+          </a:p>
+        </p:txBody>
+      </p:sp>
+      <p:sp>
+        <p:nvSpPr>
+          <p:cNvPr id="26" name="テキスト ボックス 25">
+            <a:extLst>
+              <a:ext uri="{FF2B5EF4-FFF2-40B4-BE49-F238E27FC236}">
+                <a16:creationId xmlns:a16="http://schemas.microsoft.com/office/drawing/2014/main" id="{B722AE1D-A352-004B-ABDE-711CA479A371}"/>
+              </a:ext>
+            </a:extLst>
+          </p:cNvPr>
+          <p:cNvSpPr txBox="1"/>
+          <p:nvPr/>
+        </p:nvSpPr>
+        <p:spPr>
+          <a:xfrm>
+            <a:off x="10709329" y="4720025"/>
+            <a:ext cx="1208868" cy="369332"/>
+          </a:xfrm>
+          <a:prstGeom prst="rect">
+            <a:avLst/>
+          </a:prstGeom>
+          <a:noFill/>
+        </p:spPr>
+        <p:txBody>
+          <a:bodyPr wrap="square" rtlCol="0">
+            <a:spAutoFit/>
+          </a:bodyPr>
+          <a:lstStyle/>
+          <a:p>
+            <a:r>
+              <a:rPr kumimoji="1" lang="en-US" altLang="ja-JP" dirty="0"/>
+              <a:t>Port A</a:t>
+            </a:r>
+            <a:endParaRPr kumimoji="1" lang="ja-JP" altLang="en-US"/>
+          </a:p>
+        </p:txBody>
+      </p:sp>
+      <p:sp>
+        <p:nvSpPr>
+          <p:cNvPr id="28" name="テキスト ボックス 27">
+            <a:extLst>
+              <a:ext uri="{FF2B5EF4-FFF2-40B4-BE49-F238E27FC236}">
+                <a16:creationId xmlns:a16="http://schemas.microsoft.com/office/drawing/2014/main" id="{8D4D313C-5C91-F74C-AC89-4C49C4553CEA}"/>
+              </a:ext>
+            </a:extLst>
+          </p:cNvPr>
+          <p:cNvSpPr txBox="1"/>
+          <p:nvPr/>
+        </p:nvSpPr>
+        <p:spPr>
+          <a:xfrm>
+            <a:off x="10709329" y="5117863"/>
+            <a:ext cx="965012" cy="369332"/>
+          </a:xfrm>
+          <a:prstGeom prst="rect">
+            <a:avLst/>
+          </a:prstGeom>
+          <a:noFill/>
+        </p:spPr>
+        <p:txBody>
+          <a:bodyPr wrap="square" rtlCol="0">
+            <a:spAutoFit/>
+          </a:bodyPr>
+          <a:lstStyle/>
+          <a:p>
+            <a:r>
+              <a:rPr kumimoji="1" lang="en-US" altLang="ja-JP" dirty="0"/>
+              <a:t>Port B</a:t>
+            </a:r>
+            <a:endParaRPr kumimoji="1" lang="ja-JP" altLang="en-US"/>
+          </a:p>
+        </p:txBody>
+      </p:sp>
+      <p:sp>
+        <p:nvSpPr>
+          <p:cNvPr id="29" name="テキスト ボックス 28">
+            <a:extLst>
+              <a:ext uri="{FF2B5EF4-FFF2-40B4-BE49-F238E27FC236}">
+                <a16:creationId xmlns:a16="http://schemas.microsoft.com/office/drawing/2014/main" id="{E555D4AA-4C5E-E142-904E-A766476D394F}"/>
+              </a:ext>
+            </a:extLst>
+          </p:cNvPr>
+          <p:cNvSpPr txBox="1"/>
+          <p:nvPr/>
+        </p:nvSpPr>
+        <p:spPr>
+          <a:xfrm>
+            <a:off x="10709329" y="5498110"/>
+            <a:ext cx="965012" cy="369332"/>
+          </a:xfrm>
+          <a:prstGeom prst="rect">
+            <a:avLst/>
+          </a:prstGeom>
+          <a:noFill/>
+        </p:spPr>
+        <p:txBody>
+          <a:bodyPr wrap="square" rtlCol="0">
+            <a:spAutoFit/>
+          </a:bodyPr>
+          <a:lstStyle/>
+          <a:p>
+            <a:r>
+              <a:rPr kumimoji="1" lang="en-US" altLang="ja-JP" dirty="0"/>
+              <a:t>Port </a:t>
+            </a:r>
+            <a:r>
+              <a:rPr lang="en-US" altLang="ja-JP" dirty="0"/>
+              <a:t>C</a:t>
+            </a:r>
+            <a:endParaRPr kumimoji="1" lang="ja-JP" altLang="en-US"/>
+          </a:p>
+        </p:txBody>
+      </p:sp>
+      <p:pic>
+        <p:nvPicPr>
+          <p:cNvPr id="36" name="図 35">
+            <a:extLst>
+              <a:ext uri="{FF2B5EF4-FFF2-40B4-BE49-F238E27FC236}">
+                <a16:creationId xmlns:a16="http://schemas.microsoft.com/office/drawing/2014/main" id="{4314CFD3-7A6B-FD44-8A51-646A82269D32}"/>
+              </a:ext>
+            </a:extLst>
+          </p:cNvPr>
+          <p:cNvPicPr>
+            <a:picLocks noChangeAspect="1"/>
+          </p:cNvPicPr>
+          <p:nvPr/>
+        </p:nvPicPr>
+        <p:blipFill>
+          <a:blip r:embed="rId2"/>
+          <a:stretch>
+            <a:fillRect/>
+          </a:stretch>
+        </p:blipFill>
+        <p:spPr>
+          <a:xfrm>
+            <a:off x="2817385" y="4368000"/>
+            <a:ext cx="3268613" cy="1772447"/>
+          </a:xfrm>
+          <a:prstGeom prst="rect">
+            <a:avLst/>
+          </a:prstGeom>
+        </p:spPr>
+      </p:pic>
+      <p:pic>
+        <p:nvPicPr>
+          <p:cNvPr id="38" name="図 37">
+            <a:extLst>
+              <a:ext uri="{FF2B5EF4-FFF2-40B4-BE49-F238E27FC236}">
+                <a16:creationId xmlns:a16="http://schemas.microsoft.com/office/drawing/2014/main" id="{8318B98B-C35E-6040-AFE4-2E4BF54901CB}"/>
+              </a:ext>
+            </a:extLst>
+          </p:cNvPr>
+          <p:cNvPicPr>
+            <a:picLocks noChangeAspect="1"/>
+          </p:cNvPicPr>
+          <p:nvPr/>
+        </p:nvPicPr>
+        <p:blipFill>
+          <a:blip r:embed="rId3"/>
+          <a:stretch>
+            <a:fillRect/>
+          </a:stretch>
+        </p:blipFill>
+        <p:spPr>
+          <a:xfrm>
+            <a:off x="6310458" y="4367999"/>
+            <a:ext cx="3268613" cy="1772447"/>
+          </a:xfrm>
+          <a:prstGeom prst="rect">
+            <a:avLst/>
+          </a:prstGeom>
+        </p:spPr>
+      </p:pic>
+      <p:sp>
+        <p:nvSpPr>
+          <p:cNvPr id="4" name="正方形/長方形 3">
+            <a:extLst>
+              <a:ext uri="{FF2B5EF4-FFF2-40B4-BE49-F238E27FC236}">
+                <a16:creationId xmlns:a16="http://schemas.microsoft.com/office/drawing/2014/main" id="{4A1842FF-C7C9-EA4D-802B-771AF1B8F9B8}"/>
+              </a:ext>
+            </a:extLst>
+          </p:cNvPr>
+          <p:cNvSpPr/>
+          <p:nvPr/>
+        </p:nvSpPr>
+        <p:spPr>
+          <a:xfrm>
+            <a:off x="3508965" y="6140446"/>
+            <a:ext cx="1885453" cy="369332"/>
+          </a:xfrm>
+          <a:prstGeom prst="rect">
+            <a:avLst/>
+          </a:prstGeom>
+        </p:spPr>
+        <p:txBody>
+          <a:bodyPr wrap="none">
+            <a:spAutoFit/>
+          </a:bodyPr>
+          <a:lstStyle/>
+          <a:p>
+            <a:r>
+              <a:rPr lang="en-US" altLang="ja-JP" dirty="0"/>
+              <a:t>The penalty is 2</a:t>
+            </a:r>
+          </a:p>
+        </p:txBody>
+      </p:sp>
+      <p:sp>
+        <p:nvSpPr>
+          <p:cNvPr id="6" name="正方形/長方形 5">
+            <a:extLst>
+              <a:ext uri="{FF2B5EF4-FFF2-40B4-BE49-F238E27FC236}">
+                <a16:creationId xmlns:a16="http://schemas.microsoft.com/office/drawing/2014/main" id="{B49E8E46-38F9-2747-B3EE-B5CE5AF663F3}"/>
+              </a:ext>
+            </a:extLst>
+          </p:cNvPr>
+          <p:cNvSpPr/>
+          <p:nvPr/>
+        </p:nvSpPr>
+        <p:spPr>
+          <a:xfrm>
+            <a:off x="7050625" y="6140446"/>
+            <a:ext cx="1885453" cy="369332"/>
+          </a:xfrm>
+          <a:prstGeom prst="rect">
+            <a:avLst/>
+          </a:prstGeom>
+        </p:spPr>
+        <p:txBody>
+          <a:bodyPr wrap="none">
+            <a:spAutoFit/>
+          </a:bodyPr>
+          <a:lstStyle/>
+          <a:p>
+            <a:r>
+              <a:rPr lang="en-US" altLang="ja-JP" dirty="0"/>
+              <a:t>The penalty is 7</a:t>
+            </a:r>
+          </a:p>
+        </p:txBody>
+      </p:sp>
+      <p:sp>
+        <p:nvSpPr>
+          <p:cNvPr id="5" name="スライド番号プレースホルダー 4">
+            <a:extLst>
+              <a:ext uri="{FF2B5EF4-FFF2-40B4-BE49-F238E27FC236}">
+                <a16:creationId xmlns:a16="http://schemas.microsoft.com/office/drawing/2014/main" id="{522B26E9-C024-2441-85A6-F97FC4C9E661}"/>
+              </a:ext>
+            </a:extLst>
+          </p:cNvPr>
+          <p:cNvSpPr>
+            <a:spLocks noGrp="1"/>
+          </p:cNvSpPr>
+          <p:nvPr>
+            <p:ph type="sldNum" sz="quarter" idx="12"/>
+          </p:nvPr>
+        </p:nvSpPr>
+        <p:spPr/>
+        <p:txBody>
+          <a:bodyPr/>
+          <a:lstStyle/>
+          <a:p>
+            <a:fld id="{1413D9FB-836C-864C-8E5A-36E5384B9725}" type="slidenum">
+              <a:rPr kumimoji="1" lang="ja-JP" altLang="en-US" smtClean="0"/>
+              <a:t>50</a:t>
+            </a:fld>
+            <a:endParaRPr kumimoji="1" lang="ja-JP" altLang="en-US"/>
+          </a:p>
+        </p:txBody>
+      </p:sp>
+    </p:spTree>
+    <p:extLst>
+      <p:ext uri="{BB962C8B-B14F-4D97-AF65-F5344CB8AC3E}">
+        <p14:creationId xmlns:p14="http://schemas.microsoft.com/office/powerpoint/2010/main" val="4293659328"/>
+      </p:ext>
+    </p:extLst>
+  </p:cSld>
+  <p:clrMapOvr>
+    <a:masterClrMapping/>
+  </p:clrMapOvr>
+</p:sld>
+</file>
+
+<file path=ppt/slides/slide51.xml><?xml version="1.0" encoding="utf-8"?>
+<p:sld xmlns:a="http://schemas.openxmlformats.org/drawingml/2006/main" xmlns:r="http://schemas.openxmlformats.org/officeDocument/2006/relationships" xmlns:p="http://schemas.openxmlformats.org/presentationml/2006/main">
+  <p:cSld>
+    <p:spTree>
+      <p:nvGrpSpPr>
+        <p:cNvPr id="1" name=""/>
+        <p:cNvGrpSpPr/>
+        <p:nvPr/>
+      </p:nvGrpSpPr>
+      <p:grpSpPr>
+        <a:xfrm>
+          <a:off x="0" y="0"/>
+          <a:ext cx="0" cy="0"/>
+          <a:chOff x="0" y="0"/>
+          <a:chExt cx="0" cy="0"/>
+        </a:xfrm>
+      </p:grpSpPr>
+      <p:sp>
+        <p:nvSpPr>
+          <p:cNvPr id="2" name="タイトル 1">
+            <a:extLst>
+              <a:ext uri="{FF2B5EF4-FFF2-40B4-BE49-F238E27FC236}">
                 <a16:creationId xmlns:a16="http://schemas.microsoft.com/office/drawing/2014/main" id="{48ADACD0-9C1F-8A4B-8763-6580C2028ED1}"/>
               </a:ext>
             </a:extLst>
@@ -27655,7 +27826,7 @@
           <a:p>
             <a:fld id="{1413D9FB-836C-864C-8E5A-36E5384B9725}" type="slidenum">
               <a:rPr kumimoji="1" lang="ja-JP" altLang="en-US" smtClean="0"/>
-              <a:t>50</a:t>
+              <a:t>51</a:t>
             </a:fld>
             <a:endParaRPr kumimoji="1" lang="ja-JP" altLang="en-US"/>
           </a:p>
@@ -27674,7 +27845,7 @@
 </p:sld>
 </file>
 
-<file path=ppt/slides/slide51.xml><?xml version="1.0" encoding="utf-8"?>
+<file path=ppt/slides/slide52.xml><?xml version="1.0" encoding="utf-8"?>
 <p:sld xmlns:a="http://schemas.openxmlformats.org/drawingml/2006/main" xmlns:r="http://schemas.openxmlformats.org/officeDocument/2006/relationships" xmlns:p="http://schemas.openxmlformats.org/presentationml/2006/main">
   <p:cSld>
     <p:spTree>
@@ -27805,7 +27976,7 @@
           <a:p>
             <a:fld id="{1413D9FB-836C-864C-8E5A-36E5384B9725}" type="slidenum">
               <a:rPr kumimoji="1" lang="ja-JP" altLang="en-US" smtClean="0"/>
-              <a:t>51</a:t>
+              <a:t>52</a:t>
             </a:fld>
             <a:endParaRPr kumimoji="1" lang="ja-JP" altLang="en-US"/>
           </a:p>
@@ -27824,7 +27995,7 @@
 </p:sld>
 </file>
 
-<file path=ppt/slides/slide52.xml><?xml version="1.0" encoding="utf-8"?>
+<file path=ppt/slides/slide53.xml><?xml version="1.0" encoding="utf-8"?>
 <p:sld xmlns:a="http://schemas.openxmlformats.org/drawingml/2006/main" xmlns:r="http://schemas.openxmlformats.org/officeDocument/2006/relationships" xmlns:p="http://schemas.openxmlformats.org/presentationml/2006/main">
   <p:cSld>
     <p:spTree>
@@ -28202,7 +28373,7 @@
           <a:p>
             <a:fld id="{1413D9FB-836C-864C-8E5A-36E5384B9725}" type="slidenum">
               <a:rPr kumimoji="1" lang="ja-JP" altLang="en-US" smtClean="0"/>
-              <a:t>52</a:t>
+              <a:t>53</a:t>
             </a:fld>
             <a:endParaRPr kumimoji="1" lang="ja-JP" altLang="en-US"/>
           </a:p>
@@ -28221,7 +28392,7 @@
 </p:sld>
 </file>
 
-<file path=ppt/slides/slide53.xml><?xml version="1.0" encoding="utf-8"?>
+<file path=ppt/slides/slide54.xml><?xml version="1.0" encoding="utf-8"?>
 <p:sld xmlns:a="http://schemas.openxmlformats.org/drawingml/2006/main" xmlns:r="http://schemas.openxmlformats.org/officeDocument/2006/relationships" xmlns:p="http://schemas.openxmlformats.org/presentationml/2006/main">
   <p:cSld>
     <p:spTree>
@@ -28599,7 +28770,7 @@
           <a:p>
             <a:fld id="{1413D9FB-836C-864C-8E5A-36E5384B9725}" type="slidenum">
               <a:rPr kumimoji="1" lang="ja-JP" altLang="en-US" smtClean="0"/>
-              <a:t>53</a:t>
+              <a:t>54</a:t>
             </a:fld>
             <a:endParaRPr kumimoji="1" lang="ja-JP" altLang="en-US"/>
           </a:p>
@@ -28618,7 +28789,7 @@
 </p:sld>
 </file>
 
-<file path=ppt/slides/slide54.xml><?xml version="1.0" encoding="utf-8"?>
+<file path=ppt/slides/slide55.xml><?xml version="1.0" encoding="utf-8"?>
 <p:sld xmlns:a="http://schemas.openxmlformats.org/drawingml/2006/main" xmlns:r="http://schemas.openxmlformats.org/officeDocument/2006/relationships" xmlns:p="http://schemas.openxmlformats.org/presentationml/2006/main">
   <p:cSld>
     <p:spTree>
@@ -28781,7 +28952,7 @@
           <a:p>
             <a:fld id="{1413D9FB-836C-864C-8E5A-36E5384B9725}" type="slidenum">
               <a:rPr kumimoji="1" lang="ja-JP" altLang="en-US" smtClean="0"/>
-              <a:t>54</a:t>
+              <a:t>55</a:t>
             </a:fld>
             <a:endParaRPr kumimoji="1" lang="ja-JP" altLang="en-US"/>
           </a:p>
@@ -28800,7 +28971,7 @@
 </p:sld>
 </file>
 
-<file path=ppt/slides/slide55.xml><?xml version="1.0" encoding="utf-8"?>
+<file path=ppt/slides/slide56.xml><?xml version="1.0" encoding="utf-8"?>
 <p:sld xmlns:a="http://schemas.openxmlformats.org/drawingml/2006/main" xmlns:r="http://schemas.openxmlformats.org/officeDocument/2006/relationships" xmlns:p="http://schemas.openxmlformats.org/presentationml/2006/main">
   <p:cSld>
     <p:spTree>
@@ -28935,7 +29106,7 @@
           <a:p>
             <a:fld id="{1413D9FB-836C-864C-8E5A-36E5384B9725}" type="slidenum">
               <a:rPr kumimoji="1" lang="ja-JP" altLang="en-US" smtClean="0"/>
-              <a:t>55</a:t>
+              <a:t>56</a:t>
             </a:fld>
             <a:endParaRPr kumimoji="1" lang="ja-JP" altLang="en-US"/>
           </a:p>
@@ -28954,7 +29125,7 @@
 </p:sld>
 </file>
 
-<file path=ppt/slides/slide56.xml><?xml version="1.0" encoding="utf-8"?>
+<file path=ppt/slides/slide57.xml><?xml version="1.0" encoding="utf-8"?>
 <p:sld xmlns:a="http://schemas.openxmlformats.org/drawingml/2006/main" xmlns:r="http://schemas.openxmlformats.org/officeDocument/2006/relationships" xmlns:p="http://schemas.openxmlformats.org/presentationml/2006/main">
   <p:cSld>
     <p:spTree>
@@ -29191,7 +29362,7 @@
           <a:p>
             <a:fld id="{1413D9FB-836C-864C-8E5A-36E5384B9725}" type="slidenum">
               <a:rPr kumimoji="1" lang="ja-JP" altLang="en-US" smtClean="0"/>
-              <a:t>56</a:t>
+              <a:t>57</a:t>
             </a:fld>
             <a:endParaRPr kumimoji="1" lang="ja-JP" altLang="en-US"/>
           </a:p>
@@ -29210,7 +29381,7 @@
 </p:sld>
 </file>
 
-<file path=ppt/slides/slide57.xml><?xml version="1.0" encoding="utf-8"?>
+<file path=ppt/slides/slide58.xml><?xml version="1.0" encoding="utf-8"?>
 <p:sld xmlns:a="http://schemas.openxmlformats.org/drawingml/2006/main" xmlns:r="http://schemas.openxmlformats.org/officeDocument/2006/relationships" xmlns:p="http://schemas.openxmlformats.org/presentationml/2006/main">
   <p:cSld>
     <p:spTree>
@@ -29535,7 +29706,7 @@
           <a:p>
             <a:fld id="{1413D9FB-836C-864C-8E5A-36E5384B9725}" type="slidenum">
               <a:rPr kumimoji="1" lang="ja-JP" altLang="en-US" smtClean="0"/>
-              <a:t>57</a:t>
+              <a:t>58</a:t>
             </a:fld>
             <a:endParaRPr kumimoji="1" lang="ja-JP" altLang="en-US"/>
           </a:p>
@@ -29554,7 +29725,7 @@
 </p:sld>
 </file>
 
-<file path=ppt/slides/slide58.xml><?xml version="1.0" encoding="utf-8"?>
+<file path=ppt/slides/slide59.xml><?xml version="1.0" encoding="utf-8"?>
 <p:sld xmlns:a="http://schemas.openxmlformats.org/drawingml/2006/main" xmlns:r="http://schemas.openxmlformats.org/officeDocument/2006/relationships" xmlns:p="http://schemas.openxmlformats.org/presentationml/2006/main">
   <p:cSld>
     <p:spTree>
@@ -30276,7 +30447,7 @@
           <a:p>
             <a:fld id="{1413D9FB-836C-864C-8E5A-36E5384B9725}" type="slidenum">
               <a:rPr kumimoji="1" lang="ja-JP" altLang="en-US" smtClean="0"/>
-              <a:t>58</a:t>
+              <a:t>59</a:t>
             </a:fld>
             <a:endParaRPr kumimoji="1" lang="ja-JP" altLang="en-US"/>
           </a:p>
@@ -30286,153 +30457,6 @@
     <p:extLst>
       <p:ext uri="{BB962C8B-B14F-4D97-AF65-F5344CB8AC3E}">
         <p14:creationId xmlns:p14="http://schemas.microsoft.com/office/powerpoint/2010/main" val="4139735148"/>
-      </p:ext>
-    </p:extLst>
-  </p:cSld>
-  <p:clrMapOvr>
-    <a:masterClrMapping/>
-  </p:clrMapOvr>
-</p:sld>
-</file>
-
-<file path=ppt/slides/slide59.xml><?xml version="1.0" encoding="utf-8"?>
-<p:sld xmlns:a="http://schemas.openxmlformats.org/drawingml/2006/main" xmlns:r="http://schemas.openxmlformats.org/officeDocument/2006/relationships" xmlns:p="http://schemas.openxmlformats.org/presentationml/2006/main">
-  <p:cSld>
-    <p:spTree>
-      <p:nvGrpSpPr>
-        <p:cNvPr id="1" name=""/>
-        <p:cNvGrpSpPr/>
-        <p:nvPr/>
-      </p:nvGrpSpPr>
-      <p:grpSpPr>
-        <a:xfrm>
-          <a:off x="0" y="0"/>
-          <a:ext cx="0" cy="0"/>
-          <a:chOff x="0" y="0"/>
-          <a:chExt cx="0" cy="0"/>
-        </a:xfrm>
-      </p:grpSpPr>
-      <p:sp>
-        <p:nvSpPr>
-          <p:cNvPr id="2" name="タイトル 1">
-            <a:extLst>
-              <a:ext uri="{FF2B5EF4-FFF2-40B4-BE49-F238E27FC236}">
-                <a16:creationId xmlns:a16="http://schemas.microsoft.com/office/drawing/2014/main" id="{67E01A06-7475-E541-961D-071D4242BA42}"/>
-              </a:ext>
-            </a:extLst>
-          </p:cNvPr>
-          <p:cNvSpPr>
-            <a:spLocks noGrp="1"/>
-          </p:cNvSpPr>
-          <p:nvPr>
-            <p:ph type="title"/>
-          </p:nvPr>
-        </p:nvSpPr>
-        <p:spPr/>
-        <p:txBody>
-          <a:bodyPr/>
-          <a:lstStyle/>
-          <a:p>
-            <a:r>
-              <a:rPr lang="en" altLang="ja-JP" dirty="0"/>
-              <a:t>Comparison by insertion method</a:t>
-            </a:r>
-            <a:endParaRPr kumimoji="1" lang="ja-JP" altLang="en-US"/>
-          </a:p>
-        </p:txBody>
-      </p:sp>
-      <p:sp>
-        <p:nvSpPr>
-          <p:cNvPr id="3" name="コンテンツ プレースホルダー 2">
-            <a:extLst>
-              <a:ext uri="{FF2B5EF4-FFF2-40B4-BE49-F238E27FC236}">
-                <a16:creationId xmlns:a16="http://schemas.microsoft.com/office/drawing/2014/main" id="{8FC75E83-6FCB-684F-BB17-BF63CBD11644}"/>
-              </a:ext>
-            </a:extLst>
-          </p:cNvPr>
-          <p:cNvSpPr>
-            <a:spLocks noGrp="1"/>
-          </p:cNvSpPr>
-          <p:nvPr>
-            <p:ph idx="1"/>
-          </p:nvPr>
-        </p:nvSpPr>
-        <p:spPr/>
-        <p:txBody>
-          <a:bodyPr>
-            <a:normAutofit/>
-          </a:bodyPr>
-          <a:lstStyle/>
-          <a:p>
-            <a:r>
-              <a:rPr lang="en" altLang="ja-JP" sz="2400" dirty="0"/>
-              <a:t>The computation time could be reduced; however,         it would take some time.</a:t>
-            </a:r>
-          </a:p>
-          <a:p>
-            <a:endParaRPr lang="en" altLang="ja-JP" sz="2400" dirty="0"/>
-          </a:p>
-          <a:p>
-            <a:r>
-              <a:rPr lang="en" altLang="ja-JP" sz="2400" dirty="0"/>
-              <a:t>We have compared the quality and the computation time for the following two cases:</a:t>
-            </a:r>
-          </a:p>
-          <a:p>
-            <a:pPr marL="457200" indent="-457200">
-              <a:buFont typeface="+mj-lt"/>
-              <a:buAutoNum type="arabicPeriod"/>
-            </a:pPr>
-            <a:r>
-              <a:rPr lang="en" altLang="ja-JP" sz="2400" dirty="0"/>
-              <a:t>Case that orders are inserted into the optimal position based on our approach</a:t>
-            </a:r>
-          </a:p>
-          <a:p>
-            <a:pPr marL="457200" indent="-457200">
-              <a:buFont typeface="+mj-lt"/>
-              <a:buAutoNum type="arabicPeriod"/>
-            </a:pPr>
-            <a:r>
-              <a:rPr lang="en" altLang="ja-JP" sz="2400" dirty="0"/>
-              <a:t>Case that orders are inserted randomly</a:t>
-            </a:r>
-          </a:p>
-        </p:txBody>
-      </p:sp>
-      <p:sp>
-        <p:nvSpPr>
-          <p:cNvPr id="4" name="スライド番号プレースホルダー 3">
-            <a:extLst>
-              <a:ext uri="{FF2B5EF4-FFF2-40B4-BE49-F238E27FC236}">
-                <a16:creationId xmlns:a16="http://schemas.microsoft.com/office/drawing/2014/main" id="{2C27B16C-F9F3-9446-BC5D-253CE97314D7}"/>
-              </a:ext>
-            </a:extLst>
-          </p:cNvPr>
-          <p:cNvSpPr>
-            <a:spLocks noGrp="1"/>
-          </p:cNvSpPr>
-          <p:nvPr>
-            <p:ph type="sldNum" sz="quarter" idx="12"/>
-          </p:nvPr>
-        </p:nvSpPr>
-        <p:spPr/>
-        <p:txBody>
-          <a:bodyPr/>
-          <a:lstStyle/>
-          <a:p>
-            <a:fld id="{1413D9FB-836C-864C-8E5A-36E5384B9725}" type="slidenum">
-              <a:rPr kumimoji="1" lang="ja-JP" altLang="en-US" smtClean="0"/>
-              <a:t>59</a:t>
-            </a:fld>
-            <a:endParaRPr kumimoji="1" lang="ja-JP" altLang="en-US"/>
-          </a:p>
-        </p:txBody>
-      </p:sp>
-    </p:spTree>
-    <p:extLst>
-      <p:ext uri="{BB962C8B-B14F-4D97-AF65-F5344CB8AC3E}">
-        <p14:creationId xmlns:p14="http://schemas.microsoft.com/office/powerpoint/2010/main" val="4256518586"/>
       </p:ext>
     </p:extLst>
   </p:cSld>
@@ -30464,7 +30488,7 @@
           <p:cNvPr id="2" name="タイトル 1">
             <a:extLst>
               <a:ext uri="{FF2B5EF4-FFF2-40B4-BE49-F238E27FC236}">
-                <a16:creationId xmlns:a16="http://schemas.microsoft.com/office/drawing/2014/main" id="{03DC7BD9-E43D-E442-9A49-33395737C89D}"/>
+                <a16:creationId xmlns:a16="http://schemas.microsoft.com/office/drawing/2014/main" id="{43617718-94A8-F64C-84A5-D329E7932490}"/>
               </a:ext>
             </a:extLst>
           </p:cNvPr>
@@ -30481,7 +30505,7 @@
           <a:lstStyle/>
           <a:p>
             <a:r>
-              <a:rPr kumimoji="1" lang="en-US" altLang="ja-JP" dirty="0"/>
+              <a:rPr lang="en-US" altLang="ja-JP" dirty="0"/>
               <a:t>Background</a:t>
             </a:r>
             <a:endParaRPr kumimoji="1" lang="ja-JP" altLang="en-US"/>
@@ -30493,7 +30517,7 @@
           <p:cNvPr id="3" name="コンテンツ プレースホルダー 2">
             <a:extLst>
               <a:ext uri="{FF2B5EF4-FFF2-40B4-BE49-F238E27FC236}">
-                <a16:creationId xmlns:a16="http://schemas.microsoft.com/office/drawing/2014/main" id="{AD3B2DD4-96C6-BB42-93C1-3859304F6137}"/>
+                <a16:creationId xmlns:a16="http://schemas.microsoft.com/office/drawing/2014/main" id="{E911E779-37A4-114A-AC43-DAB9723D3675}"/>
               </a:ext>
             </a:extLst>
           </p:cNvPr>
@@ -30504,7 +30528,12 @@
             <p:ph idx="1"/>
           </p:nvPr>
         </p:nvSpPr>
-        <p:spPr/>
+        <p:spPr>
+          <a:xfrm>
+            <a:off x="2237932" y="1905000"/>
+            <a:ext cx="9621672" cy="3777622"/>
+          </a:xfrm>
+        </p:spPr>
         <p:txBody>
           <a:bodyPr>
             <a:normAutofit/>
@@ -30512,29 +30541,15 @@
           <a:lstStyle/>
           <a:p>
             <a:r>
-              <a:rPr lang="en-US" altLang="ja-JP" sz="2400" dirty="0"/>
-              <a:t>There are a lot of things that has to be considered</a:t>
-            </a:r>
-          </a:p>
-          <a:p>
-            <a:pPr lvl="1"/>
-            <a:r>
-              <a:rPr lang="en-US" altLang="ja-JP" sz="2200" dirty="0"/>
-              <a:t>Planning assignments that makes it easy to load and unload vehicles is important.</a:t>
-            </a:r>
-          </a:p>
-          <a:p>
-            <a:pPr lvl="1"/>
-            <a:r>
-              <a:rPr lang="en-US" altLang="ja-JP" sz="2200" dirty="0"/>
-              <a:t>Human error should not happen.</a:t>
-            </a:r>
-          </a:p>
-          <a:p>
-            <a:pPr lvl="1"/>
-            <a:r>
-              <a:rPr lang="en-US" altLang="ja-JP" sz="2400" dirty="0"/>
-              <a:t>Unbalanced assignments may result in a sinking.</a:t>
+              <a:rPr lang="en" altLang="ja-JP" sz="2400" dirty="0"/>
+              <a:t>When loading a vehicle, the worker actually drives the vehicle to its assigned location.</a:t>
+            </a:r>
+            <a:endParaRPr lang="en-US" altLang="ja-JP" sz="2400" dirty="0"/>
+          </a:p>
+          <a:p>
+            <a:r>
+              <a:rPr lang="en" altLang="ja-JP" sz="2400" dirty="0"/>
+              <a:t>If there are too many vehicles parked on the way to the assigned location, it is hard to drive to the back space.</a:t>
             </a:r>
           </a:p>
         </p:txBody>
@@ -30544,7 +30559,7 @@
           <p:cNvPr id="4" name="スライド番号プレースホルダー 3">
             <a:extLst>
               <a:ext uri="{FF2B5EF4-FFF2-40B4-BE49-F238E27FC236}">
-                <a16:creationId xmlns:a16="http://schemas.microsoft.com/office/drawing/2014/main" id="{D11A346B-5DC2-0B44-81D9-55291BD59FF5}"/>
+                <a16:creationId xmlns:a16="http://schemas.microsoft.com/office/drawing/2014/main" id="{E4F452B7-6B32-F449-B004-2339CDF661E7}"/>
               </a:ext>
             </a:extLst>
           </p:cNvPr>
@@ -30561,17 +30576,48 @@
           <a:lstStyle/>
           <a:p>
             <a:fld id="{1413D9FB-836C-864C-8E5A-36E5384B9725}" type="slidenum">
-              <a:rPr kumimoji="1" lang="ja-JP" altLang="en-US" smtClean="0"/>
+              <a:rPr lang="ja-JP" altLang="en-US" smtClean="0"/>
+              <a:pPr/>
               <a:t>6</a:t>
             </a:fld>
-            <a:endParaRPr kumimoji="1" lang="ja-JP" altLang="en-US"/>
+            <a:endParaRPr lang="ja-JP" altLang="en-US"/>
           </a:p>
         </p:txBody>
       </p:sp>
+      <p:pic>
+        <p:nvPicPr>
+          <p:cNvPr id="12" name="図 11">
+            <a:extLst>
+              <a:ext uri="{FF2B5EF4-FFF2-40B4-BE49-F238E27FC236}">
+                <a16:creationId xmlns:a16="http://schemas.microsoft.com/office/drawing/2014/main" id="{60427C7E-8DBD-5040-B25C-C0CCB7A873D6}"/>
+              </a:ext>
+            </a:extLst>
+          </p:cNvPr>
+          <p:cNvPicPr>
+            <a:picLocks noChangeAspect="1"/>
+          </p:cNvPicPr>
+          <p:nvPr/>
+        </p:nvPicPr>
+        <p:blipFill>
+          <a:blip r:embed="rId2"/>
+          <a:stretch>
+            <a:fillRect/>
+          </a:stretch>
+        </p:blipFill>
+        <p:spPr>
+          <a:xfrm>
+            <a:off x="2115402" y="3590732"/>
+            <a:ext cx="8761863" cy="2907465"/>
+          </a:xfrm>
+          <a:prstGeom prst="rect">
+            <a:avLst/>
+          </a:prstGeom>
+        </p:spPr>
+      </p:pic>
     </p:spTree>
     <p:extLst>
       <p:ext uri="{BB962C8B-B14F-4D97-AF65-F5344CB8AC3E}">
-        <p14:creationId xmlns:p14="http://schemas.microsoft.com/office/powerpoint/2010/main" val="3649340498"/>
+        <p14:creationId xmlns:p14="http://schemas.microsoft.com/office/powerpoint/2010/main" val="173922480"/>
       </p:ext>
     </p:extLst>
   </p:cSld>
@@ -30582,6 +30628,153 @@
 </file>
 
 <file path=ppt/slides/slide60.xml><?xml version="1.0" encoding="utf-8"?>
+<p:sld xmlns:a="http://schemas.openxmlformats.org/drawingml/2006/main" xmlns:r="http://schemas.openxmlformats.org/officeDocument/2006/relationships" xmlns:p="http://schemas.openxmlformats.org/presentationml/2006/main">
+  <p:cSld>
+    <p:spTree>
+      <p:nvGrpSpPr>
+        <p:cNvPr id="1" name=""/>
+        <p:cNvGrpSpPr/>
+        <p:nvPr/>
+      </p:nvGrpSpPr>
+      <p:grpSpPr>
+        <a:xfrm>
+          <a:off x="0" y="0"/>
+          <a:ext cx="0" cy="0"/>
+          <a:chOff x="0" y="0"/>
+          <a:chExt cx="0" cy="0"/>
+        </a:xfrm>
+      </p:grpSpPr>
+      <p:sp>
+        <p:nvSpPr>
+          <p:cNvPr id="2" name="タイトル 1">
+            <a:extLst>
+              <a:ext uri="{FF2B5EF4-FFF2-40B4-BE49-F238E27FC236}">
+                <a16:creationId xmlns:a16="http://schemas.microsoft.com/office/drawing/2014/main" id="{67E01A06-7475-E541-961D-071D4242BA42}"/>
+              </a:ext>
+            </a:extLst>
+          </p:cNvPr>
+          <p:cNvSpPr>
+            <a:spLocks noGrp="1"/>
+          </p:cNvSpPr>
+          <p:nvPr>
+            <p:ph type="title"/>
+          </p:nvPr>
+        </p:nvSpPr>
+        <p:spPr/>
+        <p:txBody>
+          <a:bodyPr/>
+          <a:lstStyle/>
+          <a:p>
+            <a:r>
+              <a:rPr lang="en" altLang="ja-JP" dirty="0"/>
+              <a:t>Comparison by insertion method</a:t>
+            </a:r>
+            <a:endParaRPr kumimoji="1" lang="ja-JP" altLang="en-US"/>
+          </a:p>
+        </p:txBody>
+      </p:sp>
+      <p:sp>
+        <p:nvSpPr>
+          <p:cNvPr id="3" name="コンテンツ プレースホルダー 2">
+            <a:extLst>
+              <a:ext uri="{FF2B5EF4-FFF2-40B4-BE49-F238E27FC236}">
+                <a16:creationId xmlns:a16="http://schemas.microsoft.com/office/drawing/2014/main" id="{8FC75E83-6FCB-684F-BB17-BF63CBD11644}"/>
+              </a:ext>
+            </a:extLst>
+          </p:cNvPr>
+          <p:cNvSpPr>
+            <a:spLocks noGrp="1"/>
+          </p:cNvSpPr>
+          <p:nvPr>
+            <p:ph idx="1"/>
+          </p:nvPr>
+        </p:nvSpPr>
+        <p:spPr/>
+        <p:txBody>
+          <a:bodyPr>
+            <a:normAutofit/>
+          </a:bodyPr>
+          <a:lstStyle/>
+          <a:p>
+            <a:r>
+              <a:rPr lang="en" altLang="ja-JP" sz="2400" dirty="0"/>
+              <a:t>The computation time could be reduced; however,         it would take some time.</a:t>
+            </a:r>
+          </a:p>
+          <a:p>
+            <a:endParaRPr lang="en" altLang="ja-JP" sz="2400" dirty="0"/>
+          </a:p>
+          <a:p>
+            <a:r>
+              <a:rPr lang="en" altLang="ja-JP" sz="2400" dirty="0"/>
+              <a:t>We have compared the quality and the computation time for the following two cases:</a:t>
+            </a:r>
+          </a:p>
+          <a:p>
+            <a:pPr marL="457200" indent="-457200">
+              <a:buFont typeface="+mj-lt"/>
+              <a:buAutoNum type="arabicPeriod"/>
+            </a:pPr>
+            <a:r>
+              <a:rPr lang="en" altLang="ja-JP" sz="2400" dirty="0"/>
+              <a:t>Case that orders are inserted into the optimal position based on our approach</a:t>
+            </a:r>
+          </a:p>
+          <a:p>
+            <a:pPr marL="457200" indent="-457200">
+              <a:buFont typeface="+mj-lt"/>
+              <a:buAutoNum type="arabicPeriod"/>
+            </a:pPr>
+            <a:r>
+              <a:rPr lang="en" altLang="ja-JP" sz="2400" dirty="0"/>
+              <a:t>Case that orders are inserted randomly</a:t>
+            </a:r>
+          </a:p>
+        </p:txBody>
+      </p:sp>
+      <p:sp>
+        <p:nvSpPr>
+          <p:cNvPr id="4" name="スライド番号プレースホルダー 3">
+            <a:extLst>
+              <a:ext uri="{FF2B5EF4-FFF2-40B4-BE49-F238E27FC236}">
+                <a16:creationId xmlns:a16="http://schemas.microsoft.com/office/drawing/2014/main" id="{2C27B16C-F9F3-9446-BC5D-253CE97314D7}"/>
+              </a:ext>
+            </a:extLst>
+          </p:cNvPr>
+          <p:cNvSpPr>
+            <a:spLocks noGrp="1"/>
+          </p:cNvSpPr>
+          <p:nvPr>
+            <p:ph type="sldNum" sz="quarter" idx="12"/>
+          </p:nvPr>
+        </p:nvSpPr>
+        <p:spPr/>
+        <p:txBody>
+          <a:bodyPr/>
+          <a:lstStyle/>
+          <a:p>
+            <a:fld id="{1413D9FB-836C-864C-8E5A-36E5384B9725}" type="slidenum">
+              <a:rPr kumimoji="1" lang="ja-JP" altLang="en-US" smtClean="0"/>
+              <a:t>60</a:t>
+            </a:fld>
+            <a:endParaRPr kumimoji="1" lang="ja-JP" altLang="en-US"/>
+          </a:p>
+        </p:txBody>
+      </p:sp>
+    </p:spTree>
+    <p:extLst>
+      <p:ext uri="{BB962C8B-B14F-4D97-AF65-F5344CB8AC3E}">
+        <p14:creationId xmlns:p14="http://schemas.microsoft.com/office/powerpoint/2010/main" val="4256518586"/>
+      </p:ext>
+    </p:extLst>
+  </p:cSld>
+  <p:clrMapOvr>
+    <a:masterClrMapping/>
+  </p:clrMapOvr>
+</p:sld>
+</file>
+
+<file path=ppt/slides/slide61.xml><?xml version="1.0" encoding="utf-8"?>
 <p:sld xmlns:a="http://schemas.openxmlformats.org/drawingml/2006/main" xmlns:r="http://schemas.openxmlformats.org/officeDocument/2006/relationships" xmlns:p="http://schemas.openxmlformats.org/presentationml/2006/main">
   <p:cSld>
     <p:spTree>
@@ -31583,7 +31776,7 @@
           <a:p>
             <a:fld id="{1413D9FB-836C-864C-8E5A-36E5384B9725}" type="slidenum">
               <a:rPr kumimoji="1" lang="ja-JP" altLang="en-US" smtClean="0"/>
-              <a:t>60</a:t>
+              <a:t>61</a:t>
             </a:fld>
             <a:endParaRPr kumimoji="1" lang="ja-JP" altLang="en-US"/>
           </a:p>
@@ -31602,7 +31795,7 @@
 </p:sld>
 </file>
 
-<file path=ppt/slides/slide61.xml><?xml version="1.0" encoding="utf-8"?>
+<file path=ppt/slides/slide62.xml><?xml version="1.0" encoding="utf-8"?>
 <p:sld xmlns:a="http://schemas.openxmlformats.org/drawingml/2006/main" xmlns:r="http://schemas.openxmlformats.org/officeDocument/2006/relationships" xmlns:p="http://schemas.openxmlformats.org/presentationml/2006/main">
   <p:cSld>
     <p:spTree>
@@ -31719,7 +31912,7 @@
           <a:p>
             <a:fld id="{1413D9FB-836C-864C-8E5A-36E5384B9725}" type="slidenum">
               <a:rPr kumimoji="1" lang="ja-JP" altLang="en-US" smtClean="0"/>
-              <a:t>61</a:t>
+              <a:t>62</a:t>
             </a:fld>
             <a:endParaRPr kumimoji="1" lang="ja-JP" altLang="en-US"/>
           </a:p>
@@ -31738,7 +31931,7 @@
 </p:sld>
 </file>
 
-<file path=ppt/slides/slide62.xml><?xml version="1.0" encoding="utf-8"?>
+<file path=ppt/slides/slide63.xml><?xml version="1.0" encoding="utf-8"?>
 <p:sld xmlns:a="http://schemas.openxmlformats.org/drawingml/2006/main" xmlns:r="http://schemas.openxmlformats.org/officeDocument/2006/relationships" xmlns:p="http://schemas.openxmlformats.org/presentationml/2006/main">
   <p:cSld>
     <p:spTree>
@@ -32200,7 +32393,7 @@
           <a:p>
             <a:fld id="{1413D9FB-836C-864C-8E5A-36E5384B9725}" type="slidenum">
               <a:rPr kumimoji="1" lang="ja-JP" altLang="en-US" smtClean="0"/>
-              <a:t>62</a:t>
+              <a:t>63</a:t>
             </a:fld>
             <a:endParaRPr kumimoji="1" lang="ja-JP" altLang="en-US"/>
           </a:p>
@@ -32219,7 +32412,7 @@
 </p:sld>
 </file>
 
-<file path=ppt/slides/slide63.xml><?xml version="1.0" encoding="utf-8"?>
+<file path=ppt/slides/slide64.xml><?xml version="1.0" encoding="utf-8"?>
 <p:sld xmlns:a="http://schemas.openxmlformats.org/drawingml/2006/main" xmlns:r="http://schemas.openxmlformats.org/officeDocument/2006/relationships" xmlns:p="http://schemas.openxmlformats.org/presentationml/2006/main">
   <p:cSld>
     <p:spTree>
@@ -32358,7 +32551,7 @@
           <a:p>
             <a:fld id="{1413D9FB-836C-864C-8E5A-36E5384B9725}" type="slidenum">
               <a:rPr kumimoji="1" lang="ja-JP" altLang="en-US" smtClean="0"/>
-              <a:t>63</a:t>
+              <a:t>64</a:t>
             </a:fld>
             <a:endParaRPr kumimoji="1" lang="ja-JP" altLang="en-US"/>
           </a:p>
@@ -32377,7 +32570,7 @@
 </p:sld>
 </file>
 
-<file path=ppt/slides/slide64.xml><?xml version="1.0" encoding="utf-8"?>
+<file path=ppt/slides/slide65.xml><?xml version="1.0" encoding="utf-8"?>
 <p:sld xmlns:a="http://schemas.openxmlformats.org/drawingml/2006/main" xmlns:r="http://schemas.openxmlformats.org/officeDocument/2006/relationships" xmlns:p="http://schemas.openxmlformats.org/presentationml/2006/main">
   <p:cSld>
     <p:spTree>
@@ -33424,7 +33617,7 @@
           <a:p>
             <a:fld id="{1413D9FB-836C-864C-8E5A-36E5384B9725}" type="slidenum">
               <a:rPr kumimoji="1" lang="ja-JP" altLang="en-US" smtClean="0"/>
-              <a:t>64</a:t>
+              <a:t>65</a:t>
             </a:fld>
             <a:endParaRPr kumimoji="1" lang="ja-JP" altLang="en-US"/>
           </a:p>
@@ -33443,7 +33636,7 @@
 </p:sld>
 </file>
 
-<file path=ppt/slides/slide65.xml><?xml version="1.0" encoding="utf-8"?>
+<file path=ppt/slides/slide66.xml><?xml version="1.0" encoding="utf-8"?>
 <p:sld xmlns:a="http://schemas.openxmlformats.org/drawingml/2006/main" xmlns:r="http://schemas.openxmlformats.org/officeDocument/2006/relationships" xmlns:p="http://schemas.openxmlformats.org/presentationml/2006/main">
   <p:cSld>
     <p:spTree>
@@ -35060,7 +35253,7 @@
           <a:p>
             <a:fld id="{1413D9FB-836C-864C-8E5A-36E5384B9725}" type="slidenum">
               <a:rPr kumimoji="1" lang="ja-JP" altLang="en-US" smtClean="0"/>
-              <a:t>65</a:t>
+              <a:t>66</a:t>
             </a:fld>
             <a:endParaRPr kumimoji="1" lang="ja-JP" altLang="en-US"/>
           </a:p>
@@ -35079,7 +35272,7 @@
 </p:sld>
 </file>
 
-<file path=ppt/slides/slide66.xml><?xml version="1.0" encoding="utf-8"?>
+<file path=ppt/slides/slide67.xml><?xml version="1.0" encoding="utf-8"?>
 <p:sld xmlns:a="http://schemas.openxmlformats.org/drawingml/2006/main" xmlns:r="http://schemas.openxmlformats.org/officeDocument/2006/relationships" xmlns:p="http://schemas.openxmlformats.org/presentationml/2006/main">
   <p:cSld>
     <p:spTree>
@@ -35660,7 +35853,7 @@
           <a:p>
             <a:fld id="{1413D9FB-836C-864C-8E5A-36E5384B9725}" type="slidenum">
               <a:rPr kumimoji="1" lang="ja-JP" altLang="en-US" smtClean="0"/>
-              <a:t>66</a:t>
+              <a:t>67</a:t>
             </a:fld>
             <a:endParaRPr kumimoji="1" lang="ja-JP" altLang="en-US"/>
           </a:p>
@@ -35679,7 +35872,7 @@
 </p:sld>
 </file>
 
-<file path=ppt/slides/slide67.xml><?xml version="1.0" encoding="utf-8"?>
+<file path=ppt/slides/slide68.xml><?xml version="1.0" encoding="utf-8"?>
 <p:sld xmlns:a="http://schemas.openxmlformats.org/drawingml/2006/main" xmlns:r="http://schemas.openxmlformats.org/officeDocument/2006/relationships" xmlns:p="http://schemas.openxmlformats.org/presentationml/2006/main">
   <p:cSld>
     <p:spTree>
@@ -36237,7 +36430,7 @@
           <a:p>
             <a:fld id="{1413D9FB-836C-864C-8E5A-36E5384B9725}" type="slidenum">
               <a:rPr kumimoji="1" lang="ja-JP" altLang="en-US" smtClean="0"/>
-              <a:t>67</a:t>
+              <a:t>68</a:t>
             </a:fld>
             <a:endParaRPr kumimoji="1" lang="ja-JP" altLang="en-US"/>
           </a:p>
@@ -36278,7 +36471,7 @@
           <p:cNvPr id="2" name="タイトル 1">
             <a:extLst>
               <a:ext uri="{FF2B5EF4-FFF2-40B4-BE49-F238E27FC236}">
-                <a16:creationId xmlns:a16="http://schemas.microsoft.com/office/drawing/2014/main" id="{93010AF0-9B7D-1145-8148-06A633089EBF}"/>
+                <a16:creationId xmlns:a16="http://schemas.microsoft.com/office/drawing/2014/main" id="{03DC7BD9-E43D-E442-9A49-33395737C89D}"/>
               </a:ext>
             </a:extLst>
           </p:cNvPr>
@@ -36296,7 +36489,7 @@
           <a:p>
             <a:r>
               <a:rPr kumimoji="1" lang="en-US" altLang="ja-JP" dirty="0"/>
-              <a:t>Outline</a:t>
+              <a:t>Background</a:t>
             </a:r>
             <a:endParaRPr kumimoji="1" lang="ja-JP" altLang="en-US"/>
           </a:p>
@@ -36307,7 +36500,7 @@
           <p:cNvPr id="3" name="コンテンツ プレースホルダー 2">
             <a:extLst>
               <a:ext uri="{FF2B5EF4-FFF2-40B4-BE49-F238E27FC236}">
-                <a16:creationId xmlns:a16="http://schemas.microsoft.com/office/drawing/2014/main" id="{97A5DCCE-A463-7E40-A93C-1FAC6C539F8C}"/>
+                <a16:creationId xmlns:a16="http://schemas.microsoft.com/office/drawing/2014/main" id="{AD3B2DD4-96C6-BB42-93C1-3859304F6137}"/>
               </a:ext>
             </a:extLst>
           </p:cNvPr>
@@ -36326,59 +36519,30 @@
           <a:lstStyle/>
           <a:p>
             <a:r>
-              <a:rPr kumimoji="1" lang="en-US" altLang="ja-JP" sz="2400" dirty="0">
-                <a:solidFill>
-                  <a:schemeClr val="bg1">
-                    <a:lumMod val="75000"/>
-                  </a:schemeClr>
-                </a:solidFill>
-              </a:rPr>
-              <a:t>Background</a:t>
-            </a:r>
-          </a:p>
-          <a:p>
-            <a:r>
               <a:rPr lang="en-US" altLang="ja-JP" sz="2400" dirty="0"/>
-              <a:t>Problem definition</a:t>
-            </a:r>
-            <a:endParaRPr kumimoji="1" lang="en-US" altLang="ja-JP" sz="2400" dirty="0"/>
-          </a:p>
-          <a:p>
-            <a:r>
-              <a:rPr lang="en-US" altLang="ja-JP" sz="2400" dirty="0">
-                <a:solidFill>
-                  <a:schemeClr val="bg1">
-                    <a:lumMod val="75000"/>
-                  </a:schemeClr>
-                </a:solidFill>
-              </a:rPr>
-              <a:t>Proposed model</a:t>
-            </a:r>
-          </a:p>
-          <a:p>
-            <a:r>
-              <a:rPr lang="en-US" altLang="ja-JP" sz="2400" dirty="0">
-                <a:solidFill>
-                  <a:schemeClr val="bg1">
-                    <a:lumMod val="75000"/>
-                  </a:schemeClr>
-                </a:solidFill>
-              </a:rPr>
-              <a:t>Summary</a:t>
-            </a:r>
-            <a:endParaRPr kumimoji="1" lang="en-US" altLang="ja-JP" sz="2400" dirty="0">
-              <a:solidFill>
-                <a:schemeClr val="bg1">
-                  <a:lumMod val="75000"/>
-                </a:schemeClr>
-              </a:solidFill>
-            </a:endParaRPr>
-          </a:p>
-          <a:p>
-            <a:endParaRPr kumimoji="1" lang="en-US" altLang="ja-JP" sz="2400" dirty="0"/>
-          </a:p>
-          <a:p>
-            <a:endParaRPr kumimoji="1" lang="ja-JP" altLang="en-US" sz="2400"/>
+              <a:t>There are a lot of things that has to be considered</a:t>
+            </a:r>
+          </a:p>
+          <a:p>
+            <a:pPr lvl="1"/>
+            <a:r>
+              <a:rPr lang="en-US" altLang="ja-JP" sz="2200" dirty="0"/>
+              <a:t>Planning assignments that makes it easy to load and unload vehicles is important.</a:t>
+            </a:r>
+          </a:p>
+          <a:p>
+            <a:pPr lvl="1"/>
+            <a:r>
+              <a:rPr lang="en-US" altLang="ja-JP" sz="2200" dirty="0"/>
+              <a:t>Human error should not happen.</a:t>
+            </a:r>
+          </a:p>
+          <a:p>
+            <a:pPr lvl="1"/>
+            <a:r>
+              <a:rPr lang="en-US" altLang="ja-JP" sz="2400" dirty="0"/>
+              <a:t>Unbalanced assignments may result in a sinking.</a:t>
+            </a:r>
           </a:p>
         </p:txBody>
       </p:sp>
@@ -36387,7 +36551,7 @@
           <p:cNvPr id="4" name="スライド番号プレースホルダー 3">
             <a:extLst>
               <a:ext uri="{FF2B5EF4-FFF2-40B4-BE49-F238E27FC236}">
-                <a16:creationId xmlns:a16="http://schemas.microsoft.com/office/drawing/2014/main" id="{C2D34417-1747-3149-85A7-440083D1D24E}"/>
+                <a16:creationId xmlns:a16="http://schemas.microsoft.com/office/drawing/2014/main" id="{D11A346B-5DC2-0B44-81D9-55291BD59FF5}"/>
               </a:ext>
             </a:extLst>
           </p:cNvPr>
@@ -36414,7 +36578,7 @@
     </p:spTree>
     <p:extLst>
       <p:ext uri="{BB962C8B-B14F-4D97-AF65-F5344CB8AC3E}">
-        <p14:creationId xmlns:p14="http://schemas.microsoft.com/office/powerpoint/2010/main" val="3752892603"/>
+        <p14:creationId xmlns:p14="http://schemas.microsoft.com/office/powerpoint/2010/main" val="3649340498"/>
       </p:ext>
     </p:extLst>
   </p:cSld>
@@ -36446,7 +36610,7 @@
           <p:cNvPr id="2" name="タイトル 1">
             <a:extLst>
               <a:ext uri="{FF2B5EF4-FFF2-40B4-BE49-F238E27FC236}">
-                <a16:creationId xmlns:a16="http://schemas.microsoft.com/office/drawing/2014/main" id="{A1A8B07D-6CCE-FB44-B6F2-0060DFEC85FE}"/>
+                <a16:creationId xmlns:a16="http://schemas.microsoft.com/office/drawing/2014/main" id="{93010AF0-9B7D-1145-8148-06A633089EBF}"/>
               </a:ext>
             </a:extLst>
           </p:cNvPr>
@@ -36464,11 +36628,8 @@
           <a:p>
             <a:r>
               <a:rPr kumimoji="1" lang="en-US" altLang="ja-JP" dirty="0"/>
-              <a:t>Booking definition</a:t>
-            </a:r>
-            <a:br>
-              <a:rPr kumimoji="1" lang="en-US" altLang="ja-JP" dirty="0"/>
-            </a:br>
+              <a:t>Outline</a:t>
+            </a:r>
             <a:endParaRPr kumimoji="1" lang="ja-JP" altLang="en-US"/>
           </a:p>
         </p:txBody>
@@ -36478,7 +36639,7 @@
           <p:cNvPr id="3" name="コンテンツ プレースホルダー 2">
             <a:extLst>
               <a:ext uri="{FF2B5EF4-FFF2-40B4-BE49-F238E27FC236}">
-                <a16:creationId xmlns:a16="http://schemas.microsoft.com/office/drawing/2014/main" id="{4B9E269F-05A6-2844-83AE-AB30ED0C9367}"/>
+                <a16:creationId xmlns:a16="http://schemas.microsoft.com/office/drawing/2014/main" id="{97A5DCCE-A463-7E40-A93C-1FAC6C539F8C}"/>
               </a:ext>
             </a:extLst>
           </p:cNvPr>
@@ -36489,12 +36650,7 @@
             <p:ph idx="1"/>
           </p:nvPr>
         </p:nvSpPr>
-        <p:spPr>
-          <a:xfrm>
-            <a:off x="2138634" y="1905000"/>
-            <a:ext cx="9120567" cy="4427562"/>
-          </a:xfrm>
-        </p:spPr>
+        <p:spPr/>
         <p:txBody>
           <a:bodyPr>
             <a:normAutofit/>
@@ -36502,59 +36658,59 @@
           <a:lstStyle/>
           <a:p>
             <a:r>
+              <a:rPr kumimoji="1" lang="en-US" altLang="ja-JP" sz="2400" dirty="0">
+                <a:solidFill>
+                  <a:schemeClr val="bg1">
+                    <a:lumMod val="75000"/>
+                  </a:schemeClr>
+                </a:solidFill>
+              </a:rPr>
+              <a:t>Background</a:t>
+            </a:r>
+          </a:p>
+          <a:p>
+            <a:r>
               <a:rPr lang="en-US" altLang="ja-JP" sz="2400" dirty="0"/>
-              <a:t>We are given booking information.</a:t>
-            </a:r>
-          </a:p>
-          <a:p>
-            <a:pPr lvl="1"/>
-            <a:r>
-              <a:rPr kumimoji="1" lang="en-US" altLang="ja-JP" sz="2200" dirty="0"/>
-              <a:t>Booking ID</a:t>
-            </a:r>
-          </a:p>
-          <a:p>
-            <a:pPr lvl="1"/>
-            <a:r>
-              <a:rPr kumimoji="1" lang="en-US" altLang="ja-JP" sz="2200" dirty="0"/>
-              <a:t>Loading port</a:t>
-            </a:r>
-          </a:p>
-          <a:p>
-            <a:pPr lvl="1"/>
-            <a:r>
-              <a:rPr kumimoji="1" lang="en-US" altLang="ja-JP" sz="2200" dirty="0"/>
-              <a:t>Destination port</a:t>
-            </a:r>
-          </a:p>
-          <a:p>
-            <a:pPr lvl="1"/>
-            <a:r>
-              <a:rPr kumimoji="1" lang="en-US" altLang="ja-JP" sz="2200" dirty="0"/>
-              <a:t>Number of vehicles</a:t>
-            </a:r>
-          </a:p>
-          <a:p>
-            <a:pPr lvl="1"/>
-            <a:r>
-              <a:rPr lang="en-US" altLang="ja-JP" sz="2200" dirty="0"/>
-              <a:t>Size of vehicles </a:t>
-            </a:r>
-          </a:p>
-          <a:p>
-            <a:pPr lvl="1"/>
-            <a:r>
-              <a:rPr lang="en-US" altLang="ja-JP" sz="2200" dirty="0" err="1"/>
-              <a:t>et</a:t>
-            </a:r>
-            <a:r>
-              <a:rPr kumimoji="1" lang="en-US" altLang="ja-JP" sz="2200" dirty="0" err="1"/>
-              <a:t>c</a:t>
-            </a:r>
-            <a:r>
-              <a:rPr kumimoji="1" lang="en-US" altLang="ja-JP" sz="2200" dirty="0"/>
-              <a:t>…</a:t>
-            </a:r>
+              <a:t>Problem definition</a:t>
+            </a:r>
+            <a:endParaRPr kumimoji="1" lang="en-US" altLang="ja-JP" sz="2400" dirty="0"/>
+          </a:p>
+          <a:p>
+            <a:r>
+              <a:rPr lang="en-US" altLang="ja-JP" sz="2400" dirty="0">
+                <a:solidFill>
+                  <a:schemeClr val="bg1">
+                    <a:lumMod val="75000"/>
+                  </a:schemeClr>
+                </a:solidFill>
+              </a:rPr>
+              <a:t>Proposed model</a:t>
+            </a:r>
+          </a:p>
+          <a:p>
+            <a:r>
+              <a:rPr lang="en-US" altLang="ja-JP" sz="2400" dirty="0">
+                <a:solidFill>
+                  <a:schemeClr val="bg1">
+                    <a:lumMod val="75000"/>
+                  </a:schemeClr>
+                </a:solidFill>
+              </a:rPr>
+              <a:t>Summary</a:t>
+            </a:r>
+            <a:endParaRPr kumimoji="1" lang="en-US" altLang="ja-JP" sz="2400" dirty="0">
+              <a:solidFill>
+                <a:schemeClr val="bg1">
+                  <a:lumMod val="75000"/>
+                </a:schemeClr>
+              </a:solidFill>
+            </a:endParaRPr>
+          </a:p>
+          <a:p>
+            <a:endParaRPr kumimoji="1" lang="en-US" altLang="ja-JP" sz="2400" dirty="0"/>
+          </a:p>
+          <a:p>
+            <a:endParaRPr kumimoji="1" lang="ja-JP" altLang="en-US" sz="2400"/>
           </a:p>
         </p:txBody>
       </p:sp>
@@ -36563,7 +36719,7 @@
           <p:cNvPr id="4" name="スライド番号プレースホルダー 3">
             <a:extLst>
               <a:ext uri="{FF2B5EF4-FFF2-40B4-BE49-F238E27FC236}">
-                <a16:creationId xmlns:a16="http://schemas.microsoft.com/office/drawing/2014/main" id="{C2EB36A0-8DF7-6D4A-B5BA-5BFFA68F2216}"/>
+                <a16:creationId xmlns:a16="http://schemas.microsoft.com/office/drawing/2014/main" id="{C2D34417-1747-3149-85A7-440083D1D24E}"/>
               </a:ext>
             </a:extLst>
           </p:cNvPr>
@@ -36590,7 +36746,7 @@
     </p:spTree>
     <p:extLst>
       <p:ext uri="{BB962C8B-B14F-4D97-AF65-F5344CB8AC3E}">
-        <p14:creationId xmlns:p14="http://schemas.microsoft.com/office/powerpoint/2010/main" val="2959332184"/>
+        <p14:creationId xmlns:p14="http://schemas.microsoft.com/office/powerpoint/2010/main" val="3752892603"/>
       </p:ext>
     </p:extLst>
   </p:cSld>
@@ -36622,7 +36778,7 @@
           <p:cNvPr id="2" name="タイトル 1">
             <a:extLst>
               <a:ext uri="{FF2B5EF4-FFF2-40B4-BE49-F238E27FC236}">
-                <a16:creationId xmlns:a16="http://schemas.microsoft.com/office/drawing/2014/main" id="{92047B87-2603-A144-964A-4BE3C1BE3111}"/>
+                <a16:creationId xmlns:a16="http://schemas.microsoft.com/office/drawing/2014/main" id="{A1A8B07D-6CCE-FB44-B6F2-0060DFEC85FE}"/>
               </a:ext>
             </a:extLst>
           </p:cNvPr>
@@ -36639,13 +36795,12 @@
           <a:lstStyle/>
           <a:p>
             <a:r>
-              <a:rPr lang="en-US" altLang="ja-JP" dirty="0"/>
-              <a:t>Ship</a:t>
-            </a:r>
-            <a:r>
               <a:rPr kumimoji="1" lang="en-US" altLang="ja-JP" dirty="0"/>
-              <a:t> information</a:t>
-            </a:r>
+              <a:t>Booking definition</a:t>
+            </a:r>
+            <a:br>
+              <a:rPr kumimoji="1" lang="en-US" altLang="ja-JP" dirty="0"/>
+            </a:br>
             <a:endParaRPr kumimoji="1" lang="ja-JP" altLang="en-US"/>
           </a:p>
         </p:txBody>
@@ -36655,7 +36810,7 @@
           <p:cNvPr id="3" name="コンテンツ プレースホルダー 2">
             <a:extLst>
               <a:ext uri="{FF2B5EF4-FFF2-40B4-BE49-F238E27FC236}">
-                <a16:creationId xmlns:a16="http://schemas.microsoft.com/office/drawing/2014/main" id="{49A4257B-C21A-9E4A-AAAF-C87FAC0753DF}"/>
+                <a16:creationId xmlns:a16="http://schemas.microsoft.com/office/drawing/2014/main" id="{4B9E269F-05A6-2844-83AE-AB30ED0C9367}"/>
               </a:ext>
             </a:extLst>
           </p:cNvPr>
@@ -36666,7 +36821,12 @@
             <p:ph idx="1"/>
           </p:nvPr>
         </p:nvSpPr>
-        <p:spPr/>
+        <p:spPr>
+          <a:xfrm>
+            <a:off x="2138634" y="1905000"/>
+            <a:ext cx="9120567" cy="4427562"/>
+          </a:xfrm>
+        </p:spPr>
         <p:txBody>
           <a:bodyPr>
             <a:normAutofit/>
@@ -36675,56 +36835,58 @@
           <a:p>
             <a:r>
               <a:rPr lang="en-US" altLang="ja-JP" sz="2400" dirty="0"/>
-              <a:t>We are also given ship </a:t>
-            </a:r>
-            <a:r>
-              <a:rPr kumimoji="1" lang="en-US" altLang="ja-JP" sz="2400" dirty="0"/>
-              <a:t>information.</a:t>
+              <a:t>We are given booking information.</a:t>
             </a:r>
           </a:p>
           <a:p>
             <a:pPr lvl="1"/>
             <a:r>
-              <a:rPr lang="en" altLang="ja-JP" sz="2400" dirty="0"/>
-              <a:t>How many holds exist.</a:t>
+              <a:rPr kumimoji="1" lang="en-US" altLang="ja-JP" sz="2200" dirty="0"/>
+              <a:t>Booking ID</a:t>
             </a:r>
           </a:p>
           <a:p>
             <a:pPr lvl="1"/>
             <a:r>
-              <a:rPr lang="en" altLang="ja-JP" sz="2400" dirty="0"/>
-              <a:t>How large each hold is. </a:t>
+              <a:rPr kumimoji="1" lang="en-US" altLang="ja-JP" sz="2200" dirty="0"/>
+              <a:t>Loading port</a:t>
             </a:r>
           </a:p>
           <a:p>
             <a:pPr lvl="1"/>
             <a:r>
-              <a:rPr lang="en" altLang="ja-JP" sz="2400" dirty="0"/>
-              <a:t>Which holds are connected.</a:t>
+              <a:rPr kumimoji="1" lang="en-US" altLang="ja-JP" sz="2200" dirty="0"/>
+              <a:t>Destination port</a:t>
             </a:r>
           </a:p>
           <a:p>
             <a:pPr lvl="1"/>
             <a:r>
-              <a:rPr lang="en" altLang="ja-JP" sz="2400" dirty="0" err="1"/>
-              <a:t>etc</a:t>
-            </a:r>
-            <a:r>
-              <a:rPr lang="en" altLang="ja-JP" sz="2400" dirty="0"/>
+              <a:rPr kumimoji="1" lang="en-US" altLang="ja-JP" sz="2200" dirty="0"/>
+              <a:t>Number of vehicles</a:t>
+            </a:r>
+          </a:p>
+          <a:p>
+            <a:pPr lvl="1"/>
+            <a:r>
+              <a:rPr lang="en-US" altLang="ja-JP" sz="2200" dirty="0"/>
+              <a:t>Size of vehicles </a:t>
+            </a:r>
+          </a:p>
+          <a:p>
+            <a:pPr lvl="1"/>
+            <a:r>
+              <a:rPr lang="en-US" altLang="ja-JP" sz="2200" dirty="0" err="1"/>
+              <a:t>et</a:t>
+            </a:r>
+            <a:r>
+              <a:rPr kumimoji="1" lang="en-US" altLang="ja-JP" sz="2200" dirty="0" err="1"/>
+              <a:t>c</a:t>
+            </a:r>
+            <a:r>
+              <a:rPr kumimoji="1" lang="en-US" altLang="ja-JP" sz="2200" dirty="0"/>
               <a:t>…</a:t>
             </a:r>
-          </a:p>
-          <a:p>
-            <a:pPr lvl="1"/>
-            <a:endParaRPr lang="en" altLang="ja-JP" sz="2400" dirty="0"/>
-          </a:p>
-          <a:p>
-            <a:pPr lvl="1"/>
-            <a:endParaRPr lang="en" altLang="ja-JP" sz="2400" dirty="0"/>
-          </a:p>
-          <a:p>
-            <a:pPr lvl="1"/>
-            <a:endParaRPr kumimoji="1" lang="ja-JP" altLang="en-US" sz="2400"/>
           </a:p>
         </p:txBody>
       </p:sp>
@@ -36733,7 +36895,7 @@
           <p:cNvPr id="4" name="スライド番号プレースホルダー 3">
             <a:extLst>
               <a:ext uri="{FF2B5EF4-FFF2-40B4-BE49-F238E27FC236}">
-                <a16:creationId xmlns:a16="http://schemas.microsoft.com/office/drawing/2014/main" id="{943FDBF8-C640-D34B-AA2F-82D472B67067}"/>
+                <a16:creationId xmlns:a16="http://schemas.microsoft.com/office/drawing/2014/main" id="{C2EB36A0-8DF7-6D4A-B5BA-5BFFA68F2216}"/>
               </a:ext>
             </a:extLst>
           </p:cNvPr>
@@ -36760,7 +36922,7 @@
     </p:spTree>
     <p:extLst>
       <p:ext uri="{BB962C8B-B14F-4D97-AF65-F5344CB8AC3E}">
-        <p14:creationId xmlns:p14="http://schemas.microsoft.com/office/powerpoint/2010/main" val="2696231861"/>
+        <p14:creationId xmlns:p14="http://schemas.microsoft.com/office/powerpoint/2010/main" val="2959332184"/>
       </p:ext>
     </p:extLst>
   </p:cSld>

--- a/竹田.pptx
+++ b/竹田.pptx
@@ -264,7 +264,7 @@
           <a:p>
             <a:fld id="{3B03D47E-AED4-8243-879A-55EC95DEF81D}" type="datetimeFigureOut">
               <a:rPr kumimoji="1" lang="ja-JP" altLang="en-US" smtClean="0"/>
-              <a:t>2022/1/12</a:t>
+              <a:t>2022/1/17</a:t>
             </a:fld>
             <a:endParaRPr kumimoji="1" lang="ja-JP" altLang="en-US"/>
           </a:p>
@@ -810,7 +810,7 @@
           <a:p>
             <a:fld id="{37611DD3-E02A-6E42-A7C1-B407A1558DC9}" type="datetime1">
               <a:rPr kumimoji="1" lang="ja-JP" altLang="en-US" smtClean="0"/>
-              <a:t>2022/1/12</a:t>
+              <a:t>2022/1/17</a:t>
             </a:fld>
             <a:endParaRPr kumimoji="1" lang="ja-JP" altLang="en-US"/>
           </a:p>
@@ -1185,7 +1185,7 @@
           <a:p>
             <a:fld id="{08312B69-2C3D-FE44-9610-1B8492513A7A}" type="datetime1">
               <a:rPr kumimoji="1" lang="ja-JP" altLang="en-US" smtClean="0"/>
-              <a:t>2022/1/12</a:t>
+              <a:t>2022/1/17</a:t>
             </a:fld>
             <a:endParaRPr kumimoji="1" lang="ja-JP" altLang="en-US"/>
           </a:p>
@@ -1660,7 +1660,7 @@
           <a:p>
             <a:fld id="{C1A77019-ACCC-5E42-809C-6CA699AE3056}" type="datetime1">
               <a:rPr kumimoji="1" lang="ja-JP" altLang="en-US" smtClean="0"/>
-              <a:t>2022/1/12</a:t>
+              <a:t>2022/1/17</a:t>
             </a:fld>
             <a:endParaRPr kumimoji="1" lang="ja-JP" altLang="en-US"/>
           </a:p>
@@ -2033,7 +2033,7 @@
           <a:p>
             <a:fld id="{DF47C680-71A8-3D40-803D-C60F2F2714A9}" type="datetime1">
               <a:rPr kumimoji="1" lang="ja-JP" altLang="en-US" smtClean="0"/>
-              <a:t>2022/1/12</a:t>
+              <a:t>2022/1/17</a:t>
             </a:fld>
             <a:endParaRPr kumimoji="1" lang="ja-JP" altLang="en-US"/>
           </a:p>
@@ -2427,7 +2427,7 @@
           <a:p>
             <a:fld id="{14BEADAF-6E12-A14A-8D93-5FB5A1F24ED6}" type="datetime1">
               <a:rPr kumimoji="1" lang="ja-JP" altLang="en-US" smtClean="0"/>
-              <a:t>2022/1/12</a:t>
+              <a:t>2022/1/17</a:t>
             </a:fld>
             <a:endParaRPr kumimoji="1" lang="ja-JP" altLang="en-US"/>
           </a:p>
@@ -2897,7 +2897,7 @@
           <a:p>
             <a:fld id="{F2A97EC4-32CF-9B47-859C-647EE2390CE1}" type="datetime1">
               <a:rPr kumimoji="1" lang="ja-JP" altLang="en-US" smtClean="0"/>
-              <a:t>2022/1/12</a:t>
+              <a:t>2022/1/17</a:t>
             </a:fld>
             <a:endParaRPr kumimoji="1" lang="ja-JP" altLang="en-US"/>
           </a:p>
@@ -3162,7 +3162,7 @@
           <a:p>
             <a:fld id="{051E8BCD-2286-BC42-AA77-92847E5E9ECC}" type="datetime1">
               <a:rPr kumimoji="1" lang="ja-JP" altLang="en-US" smtClean="0"/>
-              <a:t>2022/1/12</a:t>
+              <a:t>2022/1/17</a:t>
             </a:fld>
             <a:endParaRPr kumimoji="1" lang="ja-JP" altLang="en-US"/>
           </a:p>
@@ -3432,7 +3432,7 @@
           <a:p>
             <a:fld id="{CAAECB6F-334C-A347-BC86-F32B93E43066}" type="datetime1">
               <a:rPr kumimoji="1" lang="ja-JP" altLang="en-US" smtClean="0"/>
-              <a:t>2022/1/12</a:t>
+              <a:t>2022/1/17</a:t>
             </a:fld>
             <a:endParaRPr kumimoji="1" lang="ja-JP" altLang="en-US"/>
           </a:p>
@@ -3702,7 +3702,7 @@
           <a:p>
             <a:fld id="{D01C14DA-3253-DA45-AD3E-5D2453C52156}" type="datetime1">
               <a:rPr kumimoji="1" lang="ja-JP" altLang="en-US" smtClean="0"/>
-              <a:t>2022/1/12</a:t>
+              <a:t>2022/1/17</a:t>
             </a:fld>
             <a:endParaRPr kumimoji="1" lang="ja-JP" altLang="en-US"/>
           </a:p>
@@ -4082,7 +4082,7 @@
           <a:p>
             <a:fld id="{54143F19-8407-6F41-B1BD-2D90C561DAB2}" type="datetime1">
               <a:rPr kumimoji="1" lang="ja-JP" altLang="en-US" smtClean="0"/>
-              <a:t>2022/1/12</a:t>
+              <a:t>2022/1/17</a:t>
             </a:fld>
             <a:endParaRPr kumimoji="1" lang="ja-JP" altLang="en-US"/>
           </a:p>
@@ -4421,7 +4421,7 @@
           <a:p>
             <a:fld id="{21126E5B-855D-714D-96C7-998AECB7FFCC}" type="datetime1">
               <a:rPr kumimoji="1" lang="ja-JP" altLang="en-US" smtClean="0"/>
-              <a:t>2022/1/12</a:t>
+              <a:t>2022/1/17</a:t>
             </a:fld>
             <a:endParaRPr kumimoji="1" lang="ja-JP" altLang="en-US"/>
           </a:p>
@@ -4968,7 +4968,7 @@
           <a:p>
             <a:fld id="{F62D3458-CB29-044B-8476-B784A7CDBEE4}" type="datetime1">
               <a:rPr kumimoji="1" lang="ja-JP" altLang="en-US" smtClean="0"/>
-              <a:t>2022/1/12</a:t>
+              <a:t>2022/1/17</a:t>
             </a:fld>
             <a:endParaRPr kumimoji="1" lang="ja-JP" altLang="en-US"/>
           </a:p>
@@ -5173,7 +5173,7 @@
           <a:p>
             <a:fld id="{DF6749EE-E252-BC45-86F5-17D6A8AFB065}" type="datetime1">
               <a:rPr kumimoji="1" lang="ja-JP" altLang="en-US" smtClean="0"/>
-              <a:t>2022/1/12</a:t>
+              <a:t>2022/1/17</a:t>
             </a:fld>
             <a:endParaRPr kumimoji="1" lang="ja-JP" altLang="en-US"/>
           </a:p>
@@ -5350,7 +5350,7 @@
           <a:p>
             <a:fld id="{A703B27E-F805-9D49-A257-496309EE3623}" type="datetime1">
               <a:rPr kumimoji="1" lang="ja-JP" altLang="en-US" smtClean="0"/>
-              <a:t>2022/1/12</a:t>
+              <a:t>2022/1/17</a:t>
             </a:fld>
             <a:endParaRPr kumimoji="1" lang="ja-JP" altLang="en-US"/>
           </a:p>
@@ -5728,7 +5728,7 @@
           <a:p>
             <a:fld id="{F07665BB-FB76-3B4C-A614-890EB2C4B82D}" type="datetime1">
               <a:rPr kumimoji="1" lang="ja-JP" altLang="en-US" smtClean="0"/>
-              <a:t>2022/1/12</a:t>
+              <a:t>2022/1/17</a:t>
             </a:fld>
             <a:endParaRPr kumimoji="1" lang="ja-JP" altLang="en-US"/>
           </a:p>
@@ -6110,7 +6110,7 @@
           <a:p>
             <a:fld id="{5489CDEB-C09C-DC47-AC96-194D943E1C20}" type="datetime1">
               <a:rPr kumimoji="1" lang="ja-JP" altLang="en-US" smtClean="0"/>
-              <a:t>2022/1/12</a:t>
+              <a:t>2022/1/17</a:t>
             </a:fld>
             <a:endParaRPr kumimoji="1" lang="ja-JP" altLang="en-US"/>
           </a:p>
@@ -8235,7 +8235,7 @@
           <a:p>
             <a:fld id="{F3F8D81C-B60F-EE49-90F6-50AA32831801}" type="datetime1">
               <a:rPr kumimoji="1" lang="ja-JP" altLang="en-US" smtClean="0"/>
-              <a:t>2022/1/12</a:t>
+              <a:t>2022/1/17</a:t>
             </a:fld>
             <a:endParaRPr kumimoji="1" lang="ja-JP" altLang="en-US"/>
           </a:p>
@@ -20895,7 +20895,12 @@
             <p:ph idx="1"/>
           </p:nvPr>
         </p:nvSpPr>
-        <p:spPr/>
+        <p:spPr>
+          <a:xfrm>
+            <a:off x="2591068" y="1723730"/>
+            <a:ext cx="8915400" cy="3777622"/>
+          </a:xfrm>
+        </p:spPr>
         <p:txBody>
           <a:bodyPr>
             <a:normAutofit/>
@@ -20963,7 +20968,7 @@
         </p:blipFill>
         <p:spPr>
           <a:xfrm>
-            <a:off x="2589212" y="2674536"/>
+            <a:off x="2591068" y="2401581"/>
             <a:ext cx="5728648" cy="3236686"/>
           </a:xfrm>
           <a:prstGeom prst="rect">
@@ -20993,7 +20998,7 @@
         </p:blipFill>
         <p:spPr>
           <a:xfrm>
-            <a:off x="8637682" y="3166344"/>
+            <a:off x="8639538" y="2893389"/>
             <a:ext cx="953391" cy="691273"/>
           </a:xfrm>
           <a:prstGeom prst="rect">
@@ -21023,7 +21028,7 @@
         </p:blipFill>
         <p:spPr>
           <a:xfrm>
-            <a:off x="8415736" y="4664165"/>
+            <a:off x="8417592" y="4391210"/>
             <a:ext cx="953391" cy="691273"/>
           </a:xfrm>
           <a:prstGeom prst="rect">
@@ -21053,7 +21058,7 @@
         </p:blipFill>
         <p:spPr>
           <a:xfrm>
-            <a:off x="6195128" y="5886120"/>
+            <a:off x="6196984" y="5613165"/>
             <a:ext cx="953391" cy="691274"/>
           </a:xfrm>
           <a:prstGeom prst="rect">
@@ -21077,7 +21082,7 @@
         </p:nvCxnSpPr>
         <p:spPr>
           <a:xfrm flipV="1">
-            <a:off x="5063741" y="3568985"/>
+            <a:off x="5065597" y="3296030"/>
             <a:ext cx="3567184" cy="511806"/>
           </a:xfrm>
           <a:prstGeom prst="line">
@@ -21122,7 +21127,7 @@
         </p:nvCxnSpPr>
         <p:spPr>
           <a:xfrm>
-            <a:off x="4137971" y="4595074"/>
+            <a:off x="4139827" y="4322119"/>
             <a:ext cx="4277765" cy="414728"/>
           </a:xfrm>
           <a:prstGeom prst="line">
@@ -21167,7 +21172,7 @@
         </p:nvCxnSpPr>
         <p:spPr>
           <a:xfrm>
-            <a:off x="3293716" y="5304366"/>
+            <a:off x="3295572" y="5031411"/>
             <a:ext cx="2901412" cy="927391"/>
           </a:xfrm>
           <a:prstGeom prst="line">
@@ -21208,7 +21213,7 @@
         </p:nvSpPr>
         <p:spPr>
           <a:xfrm>
-            <a:off x="9565258" y="3276045"/>
+            <a:off x="9567114" y="3003090"/>
             <a:ext cx="1318086" cy="461665"/>
           </a:xfrm>
           <a:prstGeom prst="rect">
@@ -21244,7 +21249,7 @@
         </p:nvSpPr>
         <p:spPr>
           <a:xfrm>
-            <a:off x="9334969" y="4825156"/>
+            <a:off x="9336825" y="4552201"/>
             <a:ext cx="1318086" cy="461665"/>
           </a:xfrm>
           <a:prstGeom prst="rect">
@@ -21280,7 +21285,7 @@
         </p:nvSpPr>
         <p:spPr>
           <a:xfrm>
-            <a:off x="7116085" y="6013475"/>
+            <a:off x="7117941" y="5740520"/>
             <a:ext cx="1318086" cy="461665"/>
           </a:xfrm>
           <a:prstGeom prst="rect">
@@ -21324,7 +21329,7 @@
         </p:blipFill>
         <p:spPr>
           <a:xfrm>
-            <a:off x="4905231" y="3759203"/>
+            <a:off x="4907087" y="3486248"/>
             <a:ext cx="303505" cy="392919"/>
           </a:xfrm>
           <a:prstGeom prst="rect">
@@ -21354,7 +21359,7 @@
         </p:blipFill>
         <p:spPr>
           <a:xfrm>
-            <a:off x="3986218" y="4202155"/>
+            <a:off x="3988074" y="3929200"/>
             <a:ext cx="303505" cy="392919"/>
           </a:xfrm>
           <a:prstGeom prst="rect">
@@ -21384,7 +21389,7 @@
         </p:blipFill>
         <p:spPr>
           <a:xfrm>
-            <a:off x="3141963" y="4911447"/>
+            <a:off x="3143819" y="4638492"/>
             <a:ext cx="303505" cy="392919"/>
           </a:xfrm>
           <a:prstGeom prst="rect">

--- a/竹田.pptx
+++ b/竹田.pptx
@@ -264,7 +264,7 @@
           <a:p>
             <a:fld id="{3B03D47E-AED4-8243-879A-55EC95DEF81D}" type="datetimeFigureOut">
               <a:rPr kumimoji="1" lang="ja-JP" altLang="en-US" smtClean="0"/>
-              <a:t>2022/1/17</a:t>
+              <a:t>2022/1/18</a:t>
             </a:fld>
             <a:endParaRPr kumimoji="1" lang="ja-JP" altLang="en-US"/>
           </a:p>
@@ -603,6 +603,90 @@
           <a:p>
             <a:fld id="{CAD0DAA7-4C30-2D47-97C1-12961BDEFAB8}" type="slidenum">
               <a:rPr kumimoji="1" lang="ja-JP" altLang="en-US" smtClean="0"/>
+              <a:t>19</a:t>
+            </a:fld>
+            <a:endParaRPr kumimoji="1" lang="ja-JP" altLang="en-US"/>
+          </a:p>
+        </p:txBody>
+      </p:sp>
+    </p:spTree>
+    <p:extLst>
+      <p:ext uri="{BB962C8B-B14F-4D97-AF65-F5344CB8AC3E}">
+        <p14:creationId xmlns:p14="http://schemas.microsoft.com/office/powerpoint/2010/main" val="457058897"/>
+      </p:ext>
+    </p:extLst>
+  </p:cSld>
+  <p:clrMapOvr>
+    <a:masterClrMapping/>
+  </p:clrMapOvr>
+</p:notes>
+</file>
+
+<file path=ppt/notesSlides/notesSlide2.xml><?xml version="1.0" encoding="utf-8"?>
+<p:notes xmlns:a="http://schemas.openxmlformats.org/drawingml/2006/main" xmlns:r="http://schemas.openxmlformats.org/officeDocument/2006/relationships" xmlns:p="http://schemas.openxmlformats.org/presentationml/2006/main">
+  <p:cSld>
+    <p:spTree>
+      <p:nvGrpSpPr>
+        <p:cNvPr id="1" name=""/>
+        <p:cNvGrpSpPr/>
+        <p:nvPr/>
+      </p:nvGrpSpPr>
+      <p:grpSpPr>
+        <a:xfrm>
+          <a:off x="0" y="0"/>
+          <a:ext cx="0" cy="0"/>
+          <a:chOff x="0" y="0"/>
+          <a:chExt cx="0" cy="0"/>
+        </a:xfrm>
+      </p:grpSpPr>
+      <p:sp>
+        <p:nvSpPr>
+          <p:cNvPr id="2" name="スライド イメージ プレースホルダー 1"/>
+          <p:cNvSpPr>
+            <a:spLocks noGrp="1" noRot="1" noChangeAspect="1"/>
+          </p:cNvSpPr>
+          <p:nvPr>
+            <p:ph type="sldImg"/>
+          </p:nvPr>
+        </p:nvSpPr>
+        <p:spPr/>
+      </p:sp>
+      <p:sp>
+        <p:nvSpPr>
+          <p:cNvPr id="3" name="ノート プレースホルダー 2"/>
+          <p:cNvSpPr>
+            <a:spLocks noGrp="1"/>
+          </p:cNvSpPr>
+          <p:nvPr>
+            <p:ph type="body" idx="1"/>
+          </p:nvPr>
+        </p:nvSpPr>
+        <p:spPr/>
+        <p:txBody>
+          <a:bodyPr/>
+          <a:lstStyle/>
+          <a:p>
+            <a:endParaRPr kumimoji="1" lang="ja-JP" altLang="en-US"/>
+          </a:p>
+        </p:txBody>
+      </p:sp>
+      <p:sp>
+        <p:nvSpPr>
+          <p:cNvPr id="4" name="スライド番号プレースホルダー 3"/>
+          <p:cNvSpPr>
+            <a:spLocks noGrp="1"/>
+          </p:cNvSpPr>
+          <p:nvPr>
+            <p:ph type="sldNum" sz="quarter" idx="5"/>
+          </p:nvPr>
+        </p:nvSpPr>
+        <p:spPr/>
+        <p:txBody>
+          <a:bodyPr/>
+          <a:lstStyle/>
+          <a:p>
+            <a:fld id="{CAD0DAA7-4C30-2D47-97C1-12961BDEFAB8}" type="slidenum">
+              <a:rPr kumimoji="1" lang="ja-JP" altLang="en-US" smtClean="0"/>
               <a:t>37</a:t>
             </a:fld>
             <a:endParaRPr kumimoji="1" lang="ja-JP" altLang="en-US"/>
@@ -810,7 +894,7 @@
           <a:p>
             <a:fld id="{37611DD3-E02A-6E42-A7C1-B407A1558DC9}" type="datetime1">
               <a:rPr kumimoji="1" lang="ja-JP" altLang="en-US" smtClean="0"/>
-              <a:t>2022/1/17</a:t>
+              <a:t>2022/1/18</a:t>
             </a:fld>
             <a:endParaRPr kumimoji="1" lang="ja-JP" altLang="en-US"/>
           </a:p>
@@ -1185,7 +1269,7 @@
           <a:p>
             <a:fld id="{08312B69-2C3D-FE44-9610-1B8492513A7A}" type="datetime1">
               <a:rPr kumimoji="1" lang="ja-JP" altLang="en-US" smtClean="0"/>
-              <a:t>2022/1/17</a:t>
+              <a:t>2022/1/18</a:t>
             </a:fld>
             <a:endParaRPr kumimoji="1" lang="ja-JP" altLang="en-US"/>
           </a:p>
@@ -1660,7 +1744,7 @@
           <a:p>
             <a:fld id="{C1A77019-ACCC-5E42-809C-6CA699AE3056}" type="datetime1">
               <a:rPr kumimoji="1" lang="ja-JP" altLang="en-US" smtClean="0"/>
-              <a:t>2022/1/17</a:t>
+              <a:t>2022/1/18</a:t>
             </a:fld>
             <a:endParaRPr kumimoji="1" lang="ja-JP" altLang="en-US"/>
           </a:p>
@@ -2033,7 +2117,7 @@
           <a:p>
             <a:fld id="{DF47C680-71A8-3D40-803D-C60F2F2714A9}" type="datetime1">
               <a:rPr kumimoji="1" lang="ja-JP" altLang="en-US" smtClean="0"/>
-              <a:t>2022/1/17</a:t>
+              <a:t>2022/1/18</a:t>
             </a:fld>
             <a:endParaRPr kumimoji="1" lang="ja-JP" altLang="en-US"/>
           </a:p>
@@ -2427,7 +2511,7 @@
           <a:p>
             <a:fld id="{14BEADAF-6E12-A14A-8D93-5FB5A1F24ED6}" type="datetime1">
               <a:rPr kumimoji="1" lang="ja-JP" altLang="en-US" smtClean="0"/>
-              <a:t>2022/1/17</a:t>
+              <a:t>2022/1/18</a:t>
             </a:fld>
             <a:endParaRPr kumimoji="1" lang="ja-JP" altLang="en-US"/>
           </a:p>
@@ -2897,7 +2981,7 @@
           <a:p>
             <a:fld id="{F2A97EC4-32CF-9B47-859C-647EE2390CE1}" type="datetime1">
               <a:rPr kumimoji="1" lang="ja-JP" altLang="en-US" smtClean="0"/>
-              <a:t>2022/1/17</a:t>
+              <a:t>2022/1/18</a:t>
             </a:fld>
             <a:endParaRPr kumimoji="1" lang="ja-JP" altLang="en-US"/>
           </a:p>
@@ -3162,7 +3246,7 @@
           <a:p>
             <a:fld id="{051E8BCD-2286-BC42-AA77-92847E5E9ECC}" type="datetime1">
               <a:rPr kumimoji="1" lang="ja-JP" altLang="en-US" smtClean="0"/>
-              <a:t>2022/1/17</a:t>
+              <a:t>2022/1/18</a:t>
             </a:fld>
             <a:endParaRPr kumimoji="1" lang="ja-JP" altLang="en-US"/>
           </a:p>
@@ -3432,7 +3516,7 @@
           <a:p>
             <a:fld id="{CAAECB6F-334C-A347-BC86-F32B93E43066}" type="datetime1">
               <a:rPr kumimoji="1" lang="ja-JP" altLang="en-US" smtClean="0"/>
-              <a:t>2022/1/17</a:t>
+              <a:t>2022/1/18</a:t>
             </a:fld>
             <a:endParaRPr kumimoji="1" lang="ja-JP" altLang="en-US"/>
           </a:p>
@@ -3702,7 +3786,7 @@
           <a:p>
             <a:fld id="{D01C14DA-3253-DA45-AD3E-5D2453C52156}" type="datetime1">
               <a:rPr kumimoji="1" lang="ja-JP" altLang="en-US" smtClean="0"/>
-              <a:t>2022/1/17</a:t>
+              <a:t>2022/1/18</a:t>
             </a:fld>
             <a:endParaRPr kumimoji="1" lang="ja-JP" altLang="en-US"/>
           </a:p>
@@ -4082,7 +4166,7 @@
           <a:p>
             <a:fld id="{54143F19-8407-6F41-B1BD-2D90C561DAB2}" type="datetime1">
               <a:rPr kumimoji="1" lang="ja-JP" altLang="en-US" smtClean="0"/>
-              <a:t>2022/1/17</a:t>
+              <a:t>2022/1/18</a:t>
             </a:fld>
             <a:endParaRPr kumimoji="1" lang="ja-JP" altLang="en-US"/>
           </a:p>
@@ -4421,7 +4505,7 @@
           <a:p>
             <a:fld id="{21126E5B-855D-714D-96C7-998AECB7FFCC}" type="datetime1">
               <a:rPr kumimoji="1" lang="ja-JP" altLang="en-US" smtClean="0"/>
-              <a:t>2022/1/17</a:t>
+              <a:t>2022/1/18</a:t>
             </a:fld>
             <a:endParaRPr kumimoji="1" lang="ja-JP" altLang="en-US"/>
           </a:p>
@@ -4968,7 +5052,7 @@
           <a:p>
             <a:fld id="{F62D3458-CB29-044B-8476-B784A7CDBEE4}" type="datetime1">
               <a:rPr kumimoji="1" lang="ja-JP" altLang="en-US" smtClean="0"/>
-              <a:t>2022/1/17</a:t>
+              <a:t>2022/1/18</a:t>
             </a:fld>
             <a:endParaRPr kumimoji="1" lang="ja-JP" altLang="en-US"/>
           </a:p>
@@ -5173,7 +5257,7 @@
           <a:p>
             <a:fld id="{DF6749EE-E252-BC45-86F5-17D6A8AFB065}" type="datetime1">
               <a:rPr kumimoji="1" lang="ja-JP" altLang="en-US" smtClean="0"/>
-              <a:t>2022/1/17</a:t>
+              <a:t>2022/1/18</a:t>
             </a:fld>
             <a:endParaRPr kumimoji="1" lang="ja-JP" altLang="en-US"/>
           </a:p>
@@ -5350,7 +5434,7 @@
           <a:p>
             <a:fld id="{A703B27E-F805-9D49-A257-496309EE3623}" type="datetime1">
               <a:rPr kumimoji="1" lang="ja-JP" altLang="en-US" smtClean="0"/>
-              <a:t>2022/1/17</a:t>
+              <a:t>2022/1/18</a:t>
             </a:fld>
             <a:endParaRPr kumimoji="1" lang="ja-JP" altLang="en-US"/>
           </a:p>
@@ -5728,7 +5812,7 @@
           <a:p>
             <a:fld id="{F07665BB-FB76-3B4C-A614-890EB2C4B82D}" type="datetime1">
               <a:rPr kumimoji="1" lang="ja-JP" altLang="en-US" smtClean="0"/>
-              <a:t>2022/1/17</a:t>
+              <a:t>2022/1/18</a:t>
             </a:fld>
             <a:endParaRPr kumimoji="1" lang="ja-JP" altLang="en-US"/>
           </a:p>
@@ -6110,7 +6194,7 @@
           <a:p>
             <a:fld id="{5489CDEB-C09C-DC47-AC96-194D943E1C20}" type="datetime1">
               <a:rPr kumimoji="1" lang="ja-JP" altLang="en-US" smtClean="0"/>
-              <a:t>2022/1/17</a:t>
+              <a:t>2022/1/18</a:t>
             </a:fld>
             <a:endParaRPr kumimoji="1" lang="ja-JP" altLang="en-US"/>
           </a:p>
@@ -8235,7 +8319,7 @@
           <a:p>
             <a:fld id="{F3F8D81C-B60F-EE49-90F6-50AA32831801}" type="datetime1">
               <a:rPr kumimoji="1" lang="ja-JP" altLang="en-US" smtClean="0"/>
-              <a:t>2022/1/17</a:t>
+              <a:t>2022/1/18</a:t>
             </a:fld>
             <a:endParaRPr kumimoji="1" lang="ja-JP" altLang="en-US"/>
           </a:p>
@@ -14422,7 +14506,7 @@
           <p:nvPr/>
         </p:nvPicPr>
         <p:blipFill>
-          <a:blip r:embed="rId2"/>
+          <a:blip r:embed="rId3"/>
           <a:stretch>
             <a:fillRect/>
           </a:stretch>
@@ -30554,7 +30638,7 @@
           <a:p>
             <a:r>
               <a:rPr lang="en" altLang="ja-JP" sz="2400" dirty="0"/>
-              <a:t>If there are too many vehicles parked on the way to the assigned location, it is hard to drive to the back space.</a:t>
+              <a:t>If there are too many vehicles parked on the way to the assigned location, it is hard to drive there.</a:t>
             </a:r>
           </a:p>
         </p:txBody>
@@ -36801,7 +36885,7 @@
           <a:p>
             <a:r>
               <a:rPr kumimoji="1" lang="en-US" altLang="ja-JP" dirty="0"/>
-              <a:t>Booking definition</a:t>
+              <a:t>Booking information</a:t>
             </a:r>
             <a:br>
               <a:rPr kumimoji="1" lang="en-US" altLang="ja-JP" dirty="0"/>
